--- a/Презентация.pptx
+++ b/Презентация.pptx
@@ -1,13 +1,20 @@
 
 <file path=ppt/presentation.xml><?xml version="1.0" encoding="utf-8"?>
-<p:presentation xmlns:a="http://schemas.openxmlformats.org/drawingml/2006/main" xmlns:r="http://schemas.openxmlformats.org/officeDocument/2006/relationships" xmlns:p="http://schemas.openxmlformats.org/presentationml/2006/main" saveSubsetFonts="1">
+<p:presentation xmlns:a="http://schemas.openxmlformats.org/drawingml/2006/main" xmlns:r="http://schemas.openxmlformats.org/officeDocument/2006/relationships" xmlns:p="http://schemas.openxmlformats.org/presentationml/2006/main" showSpecialPlsOnTitleSld="0" saveSubsetFonts="1">
   <p:sldMasterIdLst>
     <p:sldMasterId id="2147483648" r:id="rId1"/>
   </p:sldMasterIdLst>
+  <p:notesMasterIdLst>
+    <p:notesMasterId r:id="rId9"/>
+  </p:notesMasterIdLst>
   <p:sldIdLst>
     <p:sldId id="256" r:id="rId2"/>
     <p:sldId id="257" r:id="rId3"/>
-    <p:sldId id="258" r:id="rId4"/>
+    <p:sldId id="262" r:id="rId4"/>
+    <p:sldId id="259" r:id="rId5"/>
+    <p:sldId id="260" r:id="rId6"/>
+    <p:sldId id="261" r:id="rId7"/>
+    <p:sldId id="263" r:id="rId8"/>
   </p:sldIdLst>
   <p:sldSz cx="12192000" cy="6858000"/>
   <p:notesSz cx="6858000" cy="9144000"/>
@@ -106,7 +113,1519 @@
       </a:defRPr>
     </a:lvl9pPr>
   </p:defaultTextStyle>
+  <p:extLst>
+    <p:ext uri="{EFAFB233-063F-42B5-8137-9DF3F51BA10A}">
+      <p15:sldGuideLst xmlns:p15="http://schemas.microsoft.com/office/powerpoint/2012/main"/>
+    </p:ext>
+  </p:extLst>
 </p:presentation>
+</file>
+
+<file path=ppt/charts/chart1.xml><?xml version="1.0" encoding="utf-8"?>
+<c:chartSpace xmlns:c="http://schemas.openxmlformats.org/drawingml/2006/chart" xmlns:a="http://schemas.openxmlformats.org/drawingml/2006/main" xmlns:r="http://schemas.openxmlformats.org/officeDocument/2006/relationships" xmlns:c16r2="http://schemas.microsoft.com/office/drawing/2015/06/chart">
+  <c:date1904 val="0"/>
+  <c:lang val="ru-RU"/>
+  <c:roundedCorners val="0"/>
+  <mc:AlternateContent xmlns:mc="http://schemas.openxmlformats.org/markup-compatibility/2006">
+    <mc:Choice xmlns:c14="http://schemas.microsoft.com/office/drawing/2007/8/2/chart" Requires="c14">
+      <c14:style val="102"/>
+    </mc:Choice>
+    <mc:Fallback>
+      <c:style val="2"/>
+    </mc:Fallback>
+  </mc:AlternateContent>
+  <c:chart>
+    <c:title>
+      <c:tx>
+        <c:rich>
+          <a:bodyPr rot="0" spcFirstLastPara="1" vertOverflow="ellipsis" vert="horz" wrap="square" anchor="ctr" anchorCtr="1"/>
+          <a:lstStyle/>
+          <a:p>
+            <a:pPr>
+              <a:defRPr sz="1400" b="0" i="0" u="none" strike="noStrike" kern="1200" spc="0" baseline="0">
+                <a:solidFill>
+                  <a:schemeClr val="tx1">
+                    <a:lumMod val="65000"/>
+                    <a:lumOff val="35000"/>
+                  </a:schemeClr>
+                </a:solidFill>
+                <a:latin typeface="+mn-lt"/>
+                <a:ea typeface="+mn-ea"/>
+                <a:cs typeface="+mn-cs"/>
+              </a:defRPr>
+            </a:pPr>
+            <a:r>
+              <a:rPr lang="ru-RU" b="0">
+                <a:solidFill>
+                  <a:sysClr val="windowText" lastClr="000000"/>
+                </a:solidFill>
+                <a:latin typeface="Times New Roman" panose="02020603050405020304" pitchFamily="18" charset="0"/>
+                <a:cs typeface="Times New Roman" panose="02020603050405020304" pitchFamily="18" charset="0"/>
+              </a:rPr>
+              <a:t>Время</a:t>
+            </a:r>
+            <a:r>
+              <a:rPr lang="ru-RU" b="0" baseline="0">
+                <a:solidFill>
+                  <a:sysClr val="windowText" lastClr="000000"/>
+                </a:solidFill>
+                <a:latin typeface="Times New Roman" panose="02020603050405020304" pitchFamily="18" charset="0"/>
+                <a:cs typeface="Times New Roman" panose="02020603050405020304" pitchFamily="18" charset="0"/>
+              </a:rPr>
+              <a:t> работы запросов при 100000 записях в базе данных</a:t>
+            </a:r>
+            <a:endParaRPr lang="ru-RU" b="0">
+              <a:solidFill>
+                <a:sysClr val="windowText" lastClr="000000"/>
+              </a:solidFill>
+              <a:latin typeface="Times New Roman" panose="02020603050405020304" pitchFamily="18" charset="0"/>
+              <a:cs typeface="Times New Roman" panose="02020603050405020304" pitchFamily="18" charset="0"/>
+            </a:endParaRPr>
+          </a:p>
+        </c:rich>
+      </c:tx>
+      <c:overlay val="0"/>
+      <c:spPr>
+        <a:noFill/>
+        <a:ln>
+          <a:noFill/>
+        </a:ln>
+        <a:effectLst/>
+      </c:spPr>
+      <c:txPr>
+        <a:bodyPr rot="0" spcFirstLastPara="1" vertOverflow="ellipsis" vert="horz" wrap="square" anchor="ctr" anchorCtr="1"/>
+        <a:lstStyle/>
+        <a:p>
+          <a:pPr>
+            <a:defRPr sz="1400" b="0" i="0" u="none" strike="noStrike" kern="1200" spc="0" baseline="0">
+              <a:solidFill>
+                <a:schemeClr val="tx1">
+                  <a:lumMod val="65000"/>
+                  <a:lumOff val="35000"/>
+                </a:schemeClr>
+              </a:solidFill>
+              <a:latin typeface="+mn-lt"/>
+              <a:ea typeface="+mn-ea"/>
+              <a:cs typeface="+mn-cs"/>
+            </a:defRPr>
+          </a:pPr>
+          <a:endParaRPr lang="ru-RU"/>
+        </a:p>
+      </c:txPr>
+    </c:title>
+    <c:autoTitleDeleted val="0"/>
+    <c:plotArea>
+      <c:layout/>
+      <c:lineChart>
+        <c:grouping val="standard"/>
+        <c:varyColors val="0"/>
+        <c:ser>
+          <c:idx val="0"/>
+          <c:order val="0"/>
+          <c:tx>
+            <c:strRef>
+              <c:f>Лист1!$B$1</c:f>
+              <c:strCache>
+                <c:ptCount val="1"/>
+                <c:pt idx="0">
+                  <c:v>Модель Single Persistence</c:v>
+                </c:pt>
+              </c:strCache>
+            </c:strRef>
+          </c:tx>
+          <c:spPr>
+            <a:ln w="28575" cap="rnd">
+              <a:solidFill>
+                <a:schemeClr val="accent1"/>
+              </a:solidFill>
+              <a:round/>
+            </a:ln>
+            <a:effectLst/>
+          </c:spPr>
+          <c:marker>
+            <c:symbol val="circle"/>
+            <c:size val="5"/>
+            <c:spPr>
+              <a:solidFill>
+                <a:schemeClr val="accent1"/>
+              </a:solidFill>
+              <a:ln w="9525">
+                <a:solidFill>
+                  <a:schemeClr val="accent1"/>
+                </a:solidFill>
+              </a:ln>
+              <a:effectLst/>
+            </c:spPr>
+          </c:marker>
+          <c:cat>
+            <c:numRef>
+              <c:f>Лист1!$A$2:$A$5</c:f>
+              <c:numCache>
+                <c:formatCode>General</c:formatCode>
+                <c:ptCount val="4"/>
+                <c:pt idx="0">
+                  <c:v>10</c:v>
+                </c:pt>
+                <c:pt idx="1">
+                  <c:v>100</c:v>
+                </c:pt>
+                <c:pt idx="2">
+                  <c:v>1000</c:v>
+                </c:pt>
+                <c:pt idx="3">
+                  <c:v>10000</c:v>
+                </c:pt>
+              </c:numCache>
+            </c:numRef>
+          </c:cat>
+          <c:val>
+            <c:numRef>
+              <c:f>Лист1!$B$2:$B$5</c:f>
+              <c:numCache>
+                <c:formatCode>General</c:formatCode>
+                <c:ptCount val="4"/>
+                <c:pt idx="0">
+                  <c:v>0</c:v>
+                </c:pt>
+                <c:pt idx="1">
+                  <c:v>0</c:v>
+                </c:pt>
+                <c:pt idx="2">
+                  <c:v>0</c:v>
+                </c:pt>
+                <c:pt idx="3">
+                  <c:v>0</c:v>
+                </c:pt>
+              </c:numCache>
+            </c:numRef>
+          </c:val>
+          <c:smooth val="0"/>
+          <c:extLst>
+            <c:ext xmlns:c16="http://schemas.microsoft.com/office/drawing/2014/chart" uri="{C3380CC4-5D6E-409C-BE32-E72D297353CC}">
+              <c16:uniqueId val="{00000000-F16F-4864-BB7D-7D570B9AF351}"/>
+            </c:ext>
+          </c:extLst>
+        </c:ser>
+        <c:ser>
+          <c:idx val="1"/>
+          <c:order val="1"/>
+          <c:tx>
+            <c:strRef>
+              <c:f>Лист1!$C$1</c:f>
+              <c:strCache>
+                <c:ptCount val="1"/>
+                <c:pt idx="0">
+                  <c:v>Модель Multi Persistence</c:v>
+                </c:pt>
+              </c:strCache>
+            </c:strRef>
+          </c:tx>
+          <c:spPr>
+            <a:ln w="28575" cap="rnd">
+              <a:solidFill>
+                <a:schemeClr val="accent2"/>
+              </a:solidFill>
+              <a:round/>
+            </a:ln>
+            <a:effectLst/>
+          </c:spPr>
+          <c:marker>
+            <c:symbol val="circle"/>
+            <c:size val="5"/>
+            <c:spPr>
+              <a:solidFill>
+                <a:schemeClr val="accent2"/>
+              </a:solidFill>
+              <a:ln w="9525">
+                <a:solidFill>
+                  <a:schemeClr val="accent2"/>
+                </a:solidFill>
+              </a:ln>
+              <a:effectLst/>
+            </c:spPr>
+          </c:marker>
+          <c:cat>
+            <c:numRef>
+              <c:f>Лист1!$A$2:$A$5</c:f>
+              <c:numCache>
+                <c:formatCode>General</c:formatCode>
+                <c:ptCount val="4"/>
+                <c:pt idx="0">
+                  <c:v>10</c:v>
+                </c:pt>
+                <c:pt idx="1">
+                  <c:v>100</c:v>
+                </c:pt>
+                <c:pt idx="2">
+                  <c:v>1000</c:v>
+                </c:pt>
+                <c:pt idx="3">
+                  <c:v>10000</c:v>
+                </c:pt>
+              </c:numCache>
+            </c:numRef>
+          </c:cat>
+          <c:val>
+            <c:numRef>
+              <c:f>Лист1!$C$2:$C$5</c:f>
+              <c:numCache>
+                <c:formatCode>General</c:formatCode>
+                <c:ptCount val="4"/>
+                <c:pt idx="0">
+                  <c:v>0</c:v>
+                </c:pt>
+                <c:pt idx="1">
+                  <c:v>100</c:v>
+                </c:pt>
+                <c:pt idx="2">
+                  <c:v>800</c:v>
+                </c:pt>
+                <c:pt idx="3">
+                  <c:v>8000</c:v>
+                </c:pt>
+              </c:numCache>
+            </c:numRef>
+          </c:val>
+          <c:smooth val="0"/>
+          <c:extLst>
+            <c:ext xmlns:c16="http://schemas.microsoft.com/office/drawing/2014/chart" uri="{C3380CC4-5D6E-409C-BE32-E72D297353CC}">
+              <c16:uniqueId val="{00000001-F16F-4864-BB7D-7D570B9AF351}"/>
+            </c:ext>
+          </c:extLst>
+        </c:ser>
+        <c:dLbls>
+          <c:showLegendKey val="0"/>
+          <c:showVal val="0"/>
+          <c:showCatName val="0"/>
+          <c:showSerName val="0"/>
+          <c:showPercent val="0"/>
+          <c:showBubbleSize val="0"/>
+        </c:dLbls>
+        <c:marker val="1"/>
+        <c:smooth val="0"/>
+        <c:axId val="16869583"/>
+        <c:axId val="16871663"/>
+      </c:lineChart>
+      <c:catAx>
+        <c:axId val="16869583"/>
+        <c:scaling>
+          <c:orientation val="minMax"/>
+        </c:scaling>
+        <c:delete val="0"/>
+        <c:axPos val="b"/>
+        <c:title>
+          <c:tx>
+            <c:rich>
+              <a:bodyPr rot="0" spcFirstLastPara="1" vertOverflow="ellipsis" vert="horz" wrap="square" anchor="ctr" anchorCtr="1"/>
+              <a:lstStyle/>
+              <a:p>
+                <a:pPr>
+                  <a:defRPr sz="1000" b="0" i="0" u="none" strike="noStrike" kern="1200" baseline="0">
+                    <a:solidFill>
+                      <a:schemeClr val="tx1">
+                        <a:lumMod val="65000"/>
+                        <a:lumOff val="35000"/>
+                      </a:schemeClr>
+                    </a:solidFill>
+                    <a:latin typeface="+mn-lt"/>
+                    <a:ea typeface="+mn-ea"/>
+                    <a:cs typeface="+mn-cs"/>
+                  </a:defRPr>
+                </a:pPr>
+                <a:r>
+                  <a:rPr lang="ru-RU">
+                    <a:solidFill>
+                      <a:sysClr val="windowText" lastClr="000000"/>
+                    </a:solidFill>
+                    <a:latin typeface="Times New Roman" panose="02020603050405020304" pitchFamily="18" charset="0"/>
+                    <a:cs typeface="Times New Roman" panose="02020603050405020304" pitchFamily="18" charset="0"/>
+                  </a:rPr>
+                  <a:t>Количество</a:t>
+                </a:r>
+                <a:r>
+                  <a:rPr lang="ru-RU" baseline="0">
+                    <a:solidFill>
+                      <a:sysClr val="windowText" lastClr="000000"/>
+                    </a:solidFill>
+                    <a:latin typeface="Times New Roman" panose="02020603050405020304" pitchFamily="18" charset="0"/>
+                    <a:cs typeface="Times New Roman" panose="02020603050405020304" pitchFamily="18" charset="0"/>
+                  </a:rPr>
+                  <a:t> потоков</a:t>
+                </a:r>
+                <a:endParaRPr lang="ru-RU">
+                  <a:solidFill>
+                    <a:sysClr val="windowText" lastClr="000000"/>
+                  </a:solidFill>
+                  <a:latin typeface="Times New Roman" panose="02020603050405020304" pitchFamily="18" charset="0"/>
+                  <a:cs typeface="Times New Roman" panose="02020603050405020304" pitchFamily="18" charset="0"/>
+                </a:endParaRPr>
+              </a:p>
+            </c:rich>
+          </c:tx>
+          <c:overlay val="0"/>
+          <c:spPr>
+            <a:noFill/>
+            <a:ln>
+              <a:noFill/>
+            </a:ln>
+            <a:effectLst/>
+          </c:spPr>
+          <c:txPr>
+            <a:bodyPr rot="0" spcFirstLastPara="1" vertOverflow="ellipsis" vert="horz" wrap="square" anchor="ctr" anchorCtr="1"/>
+            <a:lstStyle/>
+            <a:p>
+              <a:pPr>
+                <a:defRPr sz="1000" b="0" i="0" u="none" strike="noStrike" kern="1200" baseline="0">
+                  <a:solidFill>
+                    <a:schemeClr val="tx1">
+                      <a:lumMod val="65000"/>
+                      <a:lumOff val="35000"/>
+                    </a:schemeClr>
+                  </a:solidFill>
+                  <a:latin typeface="+mn-lt"/>
+                  <a:ea typeface="+mn-ea"/>
+                  <a:cs typeface="+mn-cs"/>
+                </a:defRPr>
+              </a:pPr>
+              <a:endParaRPr lang="ru-RU"/>
+            </a:p>
+          </c:txPr>
+        </c:title>
+        <c:numFmt formatCode="General" sourceLinked="1"/>
+        <c:majorTickMark val="none"/>
+        <c:minorTickMark val="none"/>
+        <c:tickLblPos val="nextTo"/>
+        <c:spPr>
+          <a:noFill/>
+          <a:ln w="9525" cap="flat" cmpd="sng" algn="ctr">
+            <a:solidFill>
+              <a:schemeClr val="tx1">
+                <a:lumMod val="15000"/>
+                <a:lumOff val="85000"/>
+              </a:schemeClr>
+            </a:solidFill>
+            <a:round/>
+          </a:ln>
+          <a:effectLst/>
+        </c:spPr>
+        <c:txPr>
+          <a:bodyPr rot="-60000000" spcFirstLastPara="1" vertOverflow="ellipsis" vert="horz" wrap="square" anchor="ctr" anchorCtr="1"/>
+          <a:lstStyle/>
+          <a:p>
+            <a:pPr>
+              <a:defRPr sz="900" b="0" i="0" u="none" strike="noStrike" kern="1200" baseline="0">
+                <a:solidFill>
+                  <a:schemeClr val="tx1">
+                    <a:lumMod val="65000"/>
+                    <a:lumOff val="35000"/>
+                  </a:schemeClr>
+                </a:solidFill>
+                <a:latin typeface="+mn-lt"/>
+                <a:ea typeface="+mn-ea"/>
+                <a:cs typeface="+mn-cs"/>
+              </a:defRPr>
+            </a:pPr>
+            <a:endParaRPr lang="ru-RU"/>
+          </a:p>
+        </c:txPr>
+        <c:crossAx val="16871663"/>
+        <c:crosses val="autoZero"/>
+        <c:auto val="1"/>
+        <c:lblAlgn val="ctr"/>
+        <c:lblOffset val="100"/>
+        <c:noMultiLvlLbl val="0"/>
+      </c:catAx>
+      <c:valAx>
+        <c:axId val="16871663"/>
+        <c:scaling>
+          <c:orientation val="minMax"/>
+        </c:scaling>
+        <c:delete val="0"/>
+        <c:axPos val="l"/>
+        <c:majorGridlines>
+          <c:spPr>
+            <a:ln w="9525" cap="flat" cmpd="sng" algn="ctr">
+              <a:solidFill>
+                <a:schemeClr val="tx1">
+                  <a:lumMod val="15000"/>
+                  <a:lumOff val="85000"/>
+                </a:schemeClr>
+              </a:solidFill>
+              <a:round/>
+            </a:ln>
+            <a:effectLst/>
+          </c:spPr>
+        </c:majorGridlines>
+        <c:title>
+          <c:tx>
+            <c:rich>
+              <a:bodyPr rot="-5400000" spcFirstLastPara="1" vertOverflow="ellipsis" vert="horz" wrap="square" anchor="ctr" anchorCtr="1"/>
+              <a:lstStyle/>
+              <a:p>
+                <a:pPr>
+                  <a:defRPr sz="1000" b="0" i="0" u="none" strike="noStrike" kern="1200" baseline="0">
+                    <a:solidFill>
+                      <a:schemeClr val="tx1">
+                        <a:lumMod val="65000"/>
+                        <a:lumOff val="35000"/>
+                      </a:schemeClr>
+                    </a:solidFill>
+                    <a:latin typeface="+mn-lt"/>
+                    <a:ea typeface="+mn-ea"/>
+                    <a:cs typeface="+mn-cs"/>
+                  </a:defRPr>
+                </a:pPr>
+                <a:r>
+                  <a:rPr lang="ru-RU">
+                    <a:solidFill>
+                      <a:sysClr val="windowText" lastClr="000000"/>
+                    </a:solidFill>
+                    <a:latin typeface="Times New Roman" panose="02020603050405020304" pitchFamily="18" charset="0"/>
+                    <a:cs typeface="Times New Roman" panose="02020603050405020304" pitchFamily="18" charset="0"/>
+                  </a:rPr>
+                  <a:t>Время</a:t>
+                </a:r>
+                <a:r>
+                  <a:rPr lang="ru-RU" baseline="0">
+                    <a:solidFill>
+                      <a:sysClr val="windowText" lastClr="000000"/>
+                    </a:solidFill>
+                    <a:latin typeface="Times New Roman" panose="02020603050405020304" pitchFamily="18" charset="0"/>
+                    <a:cs typeface="Times New Roman" panose="02020603050405020304" pitchFamily="18" charset="0"/>
+                  </a:rPr>
+                  <a:t> работы, с</a:t>
+                </a:r>
+                <a:endParaRPr lang="ru-RU">
+                  <a:solidFill>
+                    <a:sysClr val="windowText" lastClr="000000"/>
+                  </a:solidFill>
+                  <a:latin typeface="Times New Roman" panose="02020603050405020304" pitchFamily="18" charset="0"/>
+                  <a:cs typeface="Times New Roman" panose="02020603050405020304" pitchFamily="18" charset="0"/>
+                </a:endParaRPr>
+              </a:p>
+            </c:rich>
+          </c:tx>
+          <c:overlay val="0"/>
+          <c:spPr>
+            <a:noFill/>
+            <a:ln>
+              <a:noFill/>
+            </a:ln>
+            <a:effectLst/>
+          </c:spPr>
+          <c:txPr>
+            <a:bodyPr rot="-5400000" spcFirstLastPara="1" vertOverflow="ellipsis" vert="horz" wrap="square" anchor="ctr" anchorCtr="1"/>
+            <a:lstStyle/>
+            <a:p>
+              <a:pPr>
+                <a:defRPr sz="1000" b="0" i="0" u="none" strike="noStrike" kern="1200" baseline="0">
+                  <a:solidFill>
+                    <a:schemeClr val="tx1">
+                      <a:lumMod val="65000"/>
+                      <a:lumOff val="35000"/>
+                    </a:schemeClr>
+                  </a:solidFill>
+                  <a:latin typeface="+mn-lt"/>
+                  <a:ea typeface="+mn-ea"/>
+                  <a:cs typeface="+mn-cs"/>
+                </a:defRPr>
+              </a:pPr>
+              <a:endParaRPr lang="ru-RU"/>
+            </a:p>
+          </c:txPr>
+        </c:title>
+        <c:numFmt formatCode="General" sourceLinked="1"/>
+        <c:majorTickMark val="none"/>
+        <c:minorTickMark val="none"/>
+        <c:tickLblPos val="nextTo"/>
+        <c:spPr>
+          <a:noFill/>
+          <a:ln>
+            <a:noFill/>
+          </a:ln>
+          <a:effectLst/>
+        </c:spPr>
+        <c:txPr>
+          <a:bodyPr rot="-60000000" spcFirstLastPara="1" vertOverflow="ellipsis" vert="horz" wrap="square" anchor="ctr" anchorCtr="1"/>
+          <a:lstStyle/>
+          <a:p>
+            <a:pPr>
+              <a:defRPr sz="900" b="0" i="0" u="none" strike="noStrike" kern="1200" baseline="0">
+                <a:solidFill>
+                  <a:schemeClr val="tx1">
+                    <a:lumMod val="65000"/>
+                    <a:lumOff val="35000"/>
+                  </a:schemeClr>
+                </a:solidFill>
+                <a:latin typeface="+mn-lt"/>
+                <a:ea typeface="+mn-ea"/>
+                <a:cs typeface="+mn-cs"/>
+              </a:defRPr>
+            </a:pPr>
+            <a:endParaRPr lang="ru-RU"/>
+          </a:p>
+        </c:txPr>
+        <c:crossAx val="16869583"/>
+        <c:crosses val="autoZero"/>
+        <c:crossBetween val="between"/>
+      </c:valAx>
+      <c:spPr>
+        <a:noFill/>
+        <a:ln>
+          <a:noFill/>
+        </a:ln>
+        <a:effectLst/>
+      </c:spPr>
+    </c:plotArea>
+    <c:legend>
+      <c:legendPos val="b"/>
+      <c:overlay val="0"/>
+      <c:spPr>
+        <a:noFill/>
+        <a:ln>
+          <a:noFill/>
+        </a:ln>
+        <a:effectLst/>
+      </c:spPr>
+      <c:txPr>
+        <a:bodyPr rot="0" spcFirstLastPara="1" vertOverflow="ellipsis" vert="horz" wrap="square" anchor="ctr" anchorCtr="1"/>
+        <a:lstStyle/>
+        <a:p>
+          <a:pPr>
+            <a:defRPr sz="900" b="0" i="0" u="none" strike="noStrike" kern="1200" baseline="0">
+              <a:solidFill>
+                <a:schemeClr val="tx1">
+                  <a:lumMod val="65000"/>
+                  <a:lumOff val="35000"/>
+                </a:schemeClr>
+              </a:solidFill>
+              <a:latin typeface="+mn-lt"/>
+              <a:ea typeface="+mn-ea"/>
+              <a:cs typeface="+mn-cs"/>
+            </a:defRPr>
+          </a:pPr>
+          <a:endParaRPr lang="ru-RU"/>
+        </a:p>
+      </c:txPr>
+    </c:legend>
+    <c:plotVisOnly val="1"/>
+    <c:dispBlanksAs val="gap"/>
+    <c:showDLblsOverMax val="0"/>
+  </c:chart>
+  <c:spPr>
+    <a:noFill/>
+    <a:ln>
+      <a:noFill/>
+    </a:ln>
+    <a:effectLst/>
+  </c:spPr>
+  <c:txPr>
+    <a:bodyPr/>
+    <a:lstStyle/>
+    <a:p>
+      <a:pPr>
+        <a:defRPr/>
+      </a:pPr>
+      <a:endParaRPr lang="ru-RU"/>
+    </a:p>
+  </c:txPr>
+  <c:externalData r:id="rId3">
+    <c:autoUpdate val="0"/>
+  </c:externalData>
+</c:chartSpace>
+</file>
+
+<file path=ppt/charts/colors1.xml><?xml version="1.0" encoding="utf-8"?>
+<cs:colorStyle xmlns:cs="http://schemas.microsoft.com/office/drawing/2012/chartStyle" xmlns:a="http://schemas.openxmlformats.org/drawingml/2006/main" meth="cycle" id="10">
+  <a:schemeClr val="accent1"/>
+  <a:schemeClr val="accent2"/>
+  <a:schemeClr val="accent3"/>
+  <a:schemeClr val="accent4"/>
+  <a:schemeClr val="accent5"/>
+  <a:schemeClr val="accent6"/>
+  <cs:variation/>
+  <cs:variation>
+    <a:lumMod val="60000"/>
+  </cs:variation>
+  <cs:variation>
+    <a:lumMod val="80000"/>
+    <a:lumOff val="20000"/>
+  </cs:variation>
+  <cs:variation>
+    <a:lumMod val="80000"/>
+  </cs:variation>
+  <cs:variation>
+    <a:lumMod val="60000"/>
+    <a:lumOff val="40000"/>
+  </cs:variation>
+  <cs:variation>
+    <a:lumMod val="50000"/>
+  </cs:variation>
+  <cs:variation>
+    <a:lumMod val="70000"/>
+    <a:lumOff val="30000"/>
+  </cs:variation>
+  <cs:variation>
+    <a:lumMod val="70000"/>
+  </cs:variation>
+  <cs:variation>
+    <a:lumMod val="50000"/>
+    <a:lumOff val="50000"/>
+  </cs:variation>
+</cs:colorStyle>
+</file>
+
+<file path=ppt/charts/style1.xml><?xml version="1.0" encoding="utf-8"?>
+<cs:chartStyle xmlns:cs="http://schemas.microsoft.com/office/drawing/2012/chartStyle" xmlns:a="http://schemas.openxmlformats.org/drawingml/2006/main" id="332">
+  <cs:axisTitle>
+    <cs:lnRef idx="0"/>
+    <cs:fillRef idx="0"/>
+    <cs:effectRef idx="0"/>
+    <cs:fontRef idx="minor">
+      <a:schemeClr val="tx1">
+        <a:lumMod val="65000"/>
+        <a:lumOff val="35000"/>
+      </a:schemeClr>
+    </cs:fontRef>
+    <cs:defRPr sz="1000" kern="1200"/>
+  </cs:axisTitle>
+  <cs:categoryAxis>
+    <cs:lnRef idx="0"/>
+    <cs:fillRef idx="0"/>
+    <cs:effectRef idx="0"/>
+    <cs:fontRef idx="minor">
+      <a:schemeClr val="tx1">
+        <a:lumMod val="65000"/>
+        <a:lumOff val="35000"/>
+      </a:schemeClr>
+    </cs:fontRef>
+    <cs:spPr>
+      <a:ln w="9525" cap="flat" cmpd="sng" algn="ctr">
+        <a:solidFill>
+          <a:schemeClr val="tx1">
+            <a:lumMod val="15000"/>
+            <a:lumOff val="85000"/>
+          </a:schemeClr>
+        </a:solidFill>
+        <a:round/>
+      </a:ln>
+    </cs:spPr>
+    <cs:defRPr sz="900" kern="1200"/>
+  </cs:categoryAxis>
+  <cs:chartArea mods="allowNoFillOverride allowNoLineOverride">
+    <cs:lnRef idx="0"/>
+    <cs:fillRef idx="0"/>
+    <cs:effectRef idx="0"/>
+    <cs:fontRef idx="minor">
+      <a:schemeClr val="tx1"/>
+    </cs:fontRef>
+    <cs:spPr>
+      <a:solidFill>
+        <a:schemeClr val="bg1"/>
+      </a:solidFill>
+      <a:ln w="9525" cap="flat" cmpd="sng" algn="ctr">
+        <a:solidFill>
+          <a:schemeClr val="tx1">
+            <a:lumMod val="15000"/>
+            <a:lumOff val="85000"/>
+          </a:schemeClr>
+        </a:solidFill>
+        <a:round/>
+      </a:ln>
+    </cs:spPr>
+    <cs:defRPr sz="1000" kern="1200"/>
+  </cs:chartArea>
+  <cs:dataLabel>
+    <cs:lnRef idx="0"/>
+    <cs:fillRef idx="0"/>
+    <cs:effectRef idx="0"/>
+    <cs:fontRef idx="minor">
+      <a:schemeClr val="tx1">
+        <a:lumMod val="75000"/>
+        <a:lumOff val="25000"/>
+      </a:schemeClr>
+    </cs:fontRef>
+    <cs:defRPr sz="900" kern="1200"/>
+  </cs:dataLabel>
+  <cs:dataLabelCallout>
+    <cs:lnRef idx="0"/>
+    <cs:fillRef idx="0"/>
+    <cs:effectRef idx="0"/>
+    <cs:fontRef idx="minor">
+      <a:schemeClr val="dk1">
+        <a:lumMod val="65000"/>
+        <a:lumOff val="35000"/>
+      </a:schemeClr>
+    </cs:fontRef>
+    <cs:spPr>
+      <a:solidFill>
+        <a:schemeClr val="lt1"/>
+      </a:solidFill>
+      <a:ln>
+        <a:solidFill>
+          <a:schemeClr val="dk1">
+            <a:lumMod val="25000"/>
+            <a:lumOff val="75000"/>
+          </a:schemeClr>
+        </a:solidFill>
+      </a:ln>
+    </cs:spPr>
+    <cs:defRPr sz="900" kern="1200"/>
+    <cs:bodyPr rot="0" spcFirstLastPara="1" vertOverflow="clip" horzOverflow="clip" vert="horz" wrap="square" lIns="36576" tIns="18288" rIns="36576" bIns="18288" anchor="ctr" anchorCtr="1">
+      <a:spAutoFit/>
+    </cs:bodyPr>
+  </cs:dataLabelCallout>
+  <cs:dataPoint>
+    <cs:lnRef idx="0"/>
+    <cs:fillRef idx="1">
+      <cs:styleClr val="auto"/>
+    </cs:fillRef>
+    <cs:effectRef idx="0"/>
+    <cs:fontRef idx="minor">
+      <a:schemeClr val="tx1"/>
+    </cs:fontRef>
+  </cs:dataPoint>
+  <cs:dataPoint3D>
+    <cs:lnRef idx="0"/>
+    <cs:fillRef idx="1">
+      <cs:styleClr val="auto"/>
+    </cs:fillRef>
+    <cs:effectRef idx="0"/>
+    <cs:fontRef idx="minor">
+      <a:schemeClr val="tx1"/>
+    </cs:fontRef>
+  </cs:dataPoint3D>
+  <cs:dataPointLine>
+    <cs:lnRef idx="0">
+      <cs:styleClr val="auto"/>
+    </cs:lnRef>
+    <cs:fillRef idx="1"/>
+    <cs:effectRef idx="0"/>
+    <cs:fontRef idx="minor">
+      <a:schemeClr val="tx1"/>
+    </cs:fontRef>
+    <cs:spPr>
+      <a:ln w="28575" cap="rnd">
+        <a:solidFill>
+          <a:schemeClr val="phClr"/>
+        </a:solidFill>
+        <a:round/>
+      </a:ln>
+    </cs:spPr>
+  </cs:dataPointLine>
+  <cs:dataPointMarker>
+    <cs:lnRef idx="0">
+      <cs:styleClr val="auto"/>
+    </cs:lnRef>
+    <cs:fillRef idx="1">
+      <cs:styleClr val="auto"/>
+    </cs:fillRef>
+    <cs:effectRef idx="0"/>
+    <cs:fontRef idx="minor">
+      <a:schemeClr val="tx1"/>
+    </cs:fontRef>
+    <cs:spPr>
+      <a:ln w="9525">
+        <a:solidFill>
+          <a:schemeClr val="phClr"/>
+        </a:solidFill>
+      </a:ln>
+    </cs:spPr>
+  </cs:dataPointMarker>
+  <cs:dataPointMarkerLayout symbol="circle" size="5"/>
+  <cs:dataPointWireframe>
+    <cs:lnRef idx="0">
+      <cs:styleClr val="auto"/>
+    </cs:lnRef>
+    <cs:fillRef idx="1"/>
+    <cs:effectRef idx="0"/>
+    <cs:fontRef idx="minor">
+      <a:schemeClr val="tx1"/>
+    </cs:fontRef>
+    <cs:spPr>
+      <a:ln w="9525" cap="rnd">
+        <a:solidFill>
+          <a:schemeClr val="phClr"/>
+        </a:solidFill>
+        <a:round/>
+      </a:ln>
+    </cs:spPr>
+  </cs:dataPointWireframe>
+  <cs:dataTable>
+    <cs:lnRef idx="0"/>
+    <cs:fillRef idx="0"/>
+    <cs:effectRef idx="0"/>
+    <cs:fontRef idx="minor">
+      <a:schemeClr val="tx1">
+        <a:lumMod val="65000"/>
+        <a:lumOff val="35000"/>
+      </a:schemeClr>
+    </cs:fontRef>
+    <cs:spPr>
+      <a:noFill/>
+      <a:ln w="9525" cap="flat" cmpd="sng" algn="ctr">
+        <a:solidFill>
+          <a:schemeClr val="tx1">
+            <a:lumMod val="15000"/>
+            <a:lumOff val="85000"/>
+          </a:schemeClr>
+        </a:solidFill>
+        <a:round/>
+      </a:ln>
+    </cs:spPr>
+    <cs:defRPr sz="900" kern="1200"/>
+  </cs:dataTable>
+  <cs:downBar>
+    <cs:lnRef idx="0"/>
+    <cs:fillRef idx="0"/>
+    <cs:effectRef idx="0"/>
+    <cs:fontRef idx="minor">
+      <a:schemeClr val="dk1"/>
+    </cs:fontRef>
+    <cs:spPr>
+      <a:solidFill>
+        <a:schemeClr val="dk1">
+          <a:lumMod val="65000"/>
+          <a:lumOff val="35000"/>
+        </a:schemeClr>
+      </a:solidFill>
+      <a:ln w="9525">
+        <a:solidFill>
+          <a:schemeClr val="tx1">
+            <a:lumMod val="65000"/>
+            <a:lumOff val="35000"/>
+          </a:schemeClr>
+        </a:solidFill>
+      </a:ln>
+    </cs:spPr>
+  </cs:downBar>
+  <cs:dropLine>
+    <cs:lnRef idx="0"/>
+    <cs:fillRef idx="0"/>
+    <cs:effectRef idx="0"/>
+    <cs:fontRef idx="minor">
+      <a:schemeClr val="tx1"/>
+    </cs:fontRef>
+    <cs:spPr>
+      <a:ln w="9525" cap="flat" cmpd="sng" algn="ctr">
+        <a:solidFill>
+          <a:schemeClr val="tx1">
+            <a:lumMod val="35000"/>
+            <a:lumOff val="65000"/>
+          </a:schemeClr>
+        </a:solidFill>
+        <a:round/>
+      </a:ln>
+    </cs:spPr>
+  </cs:dropLine>
+  <cs:errorBar>
+    <cs:lnRef idx="0"/>
+    <cs:fillRef idx="0"/>
+    <cs:effectRef idx="0"/>
+    <cs:fontRef idx="minor">
+      <a:schemeClr val="tx1"/>
+    </cs:fontRef>
+    <cs:spPr>
+      <a:ln w="9525" cap="flat" cmpd="sng" algn="ctr">
+        <a:solidFill>
+          <a:schemeClr val="tx1">
+            <a:lumMod val="65000"/>
+            <a:lumOff val="35000"/>
+          </a:schemeClr>
+        </a:solidFill>
+        <a:round/>
+      </a:ln>
+    </cs:spPr>
+  </cs:errorBar>
+  <cs:floor>
+    <cs:lnRef idx="0"/>
+    <cs:fillRef idx="0"/>
+    <cs:effectRef idx="0"/>
+    <cs:fontRef idx="minor">
+      <a:schemeClr val="tx1"/>
+    </cs:fontRef>
+    <cs:spPr>
+      <a:noFill/>
+      <a:ln>
+        <a:noFill/>
+      </a:ln>
+    </cs:spPr>
+  </cs:floor>
+  <cs:gridlineMajor>
+    <cs:lnRef idx="0"/>
+    <cs:fillRef idx="0"/>
+    <cs:effectRef idx="0"/>
+    <cs:fontRef idx="minor">
+      <a:schemeClr val="tx1"/>
+    </cs:fontRef>
+    <cs:spPr>
+      <a:ln w="9525" cap="flat" cmpd="sng" algn="ctr">
+        <a:solidFill>
+          <a:schemeClr val="tx1">
+            <a:lumMod val="15000"/>
+            <a:lumOff val="85000"/>
+          </a:schemeClr>
+        </a:solidFill>
+        <a:round/>
+      </a:ln>
+    </cs:spPr>
+  </cs:gridlineMajor>
+  <cs:gridlineMinor>
+    <cs:lnRef idx="0"/>
+    <cs:fillRef idx="0"/>
+    <cs:effectRef idx="0"/>
+    <cs:fontRef idx="minor">
+      <a:schemeClr val="tx1"/>
+    </cs:fontRef>
+    <cs:spPr>
+      <a:ln w="9525" cap="flat" cmpd="sng" algn="ctr">
+        <a:solidFill>
+          <a:schemeClr val="tx1">
+            <a:lumMod val="5000"/>
+            <a:lumOff val="95000"/>
+          </a:schemeClr>
+        </a:solidFill>
+        <a:round/>
+      </a:ln>
+    </cs:spPr>
+  </cs:gridlineMinor>
+  <cs:hiLoLine>
+    <cs:lnRef idx="0"/>
+    <cs:fillRef idx="0"/>
+    <cs:effectRef idx="0"/>
+    <cs:fontRef idx="minor">
+      <a:schemeClr val="tx1"/>
+    </cs:fontRef>
+    <cs:spPr>
+      <a:ln w="9525" cap="flat" cmpd="sng" algn="ctr">
+        <a:solidFill>
+          <a:schemeClr val="tx1">
+            <a:lumMod val="75000"/>
+            <a:lumOff val="25000"/>
+          </a:schemeClr>
+        </a:solidFill>
+        <a:round/>
+      </a:ln>
+    </cs:spPr>
+  </cs:hiLoLine>
+  <cs:leaderLine>
+    <cs:lnRef idx="0"/>
+    <cs:fillRef idx="0"/>
+    <cs:effectRef idx="0"/>
+    <cs:fontRef idx="minor">
+      <a:schemeClr val="tx1"/>
+    </cs:fontRef>
+    <cs:spPr>
+      <a:ln w="9525" cap="flat" cmpd="sng" algn="ctr">
+        <a:solidFill>
+          <a:schemeClr val="tx1">
+            <a:lumMod val="35000"/>
+            <a:lumOff val="65000"/>
+          </a:schemeClr>
+        </a:solidFill>
+        <a:round/>
+      </a:ln>
+    </cs:spPr>
+  </cs:leaderLine>
+  <cs:legend>
+    <cs:lnRef idx="0"/>
+    <cs:fillRef idx="0"/>
+    <cs:effectRef idx="0"/>
+    <cs:fontRef idx="minor">
+      <a:schemeClr val="tx1">
+        <a:lumMod val="65000"/>
+        <a:lumOff val="35000"/>
+      </a:schemeClr>
+    </cs:fontRef>
+    <cs:defRPr sz="900" kern="1200"/>
+  </cs:legend>
+  <cs:plotArea mods="allowNoFillOverride allowNoLineOverride">
+    <cs:lnRef idx="0"/>
+    <cs:fillRef idx="0"/>
+    <cs:effectRef idx="0"/>
+    <cs:fontRef idx="minor">
+      <a:schemeClr val="tx1"/>
+    </cs:fontRef>
+  </cs:plotArea>
+  <cs:plotArea3D mods="allowNoFillOverride allowNoLineOverride">
+    <cs:lnRef idx="0"/>
+    <cs:fillRef idx="0"/>
+    <cs:effectRef idx="0"/>
+    <cs:fontRef idx="minor">
+      <a:schemeClr val="tx1"/>
+    </cs:fontRef>
+  </cs:plotArea3D>
+  <cs:seriesAxis>
+    <cs:lnRef idx="0"/>
+    <cs:fillRef idx="0"/>
+    <cs:effectRef idx="0"/>
+    <cs:fontRef idx="minor">
+      <a:schemeClr val="tx1">
+        <a:lumMod val="65000"/>
+        <a:lumOff val="35000"/>
+      </a:schemeClr>
+    </cs:fontRef>
+    <cs:defRPr sz="900" kern="1200"/>
+  </cs:seriesAxis>
+  <cs:seriesLine>
+    <cs:lnRef idx="0"/>
+    <cs:fillRef idx="0"/>
+    <cs:effectRef idx="0"/>
+    <cs:fontRef idx="minor">
+      <a:schemeClr val="tx1"/>
+    </cs:fontRef>
+    <cs:spPr>
+      <a:ln w="9525" cap="flat" cmpd="sng" algn="ctr">
+        <a:solidFill>
+          <a:schemeClr val="tx1">
+            <a:lumMod val="35000"/>
+            <a:lumOff val="65000"/>
+          </a:schemeClr>
+        </a:solidFill>
+        <a:round/>
+      </a:ln>
+    </cs:spPr>
+  </cs:seriesLine>
+  <cs:title>
+    <cs:lnRef idx="0"/>
+    <cs:fillRef idx="0"/>
+    <cs:effectRef idx="0"/>
+    <cs:fontRef idx="minor">
+      <a:schemeClr val="tx1">
+        <a:lumMod val="65000"/>
+        <a:lumOff val="35000"/>
+      </a:schemeClr>
+    </cs:fontRef>
+    <cs:defRPr sz="1400" b="0" kern="1200" spc="0" baseline="0"/>
+  </cs:title>
+  <cs:trendline>
+    <cs:lnRef idx="0">
+      <cs:styleClr val="auto"/>
+    </cs:lnRef>
+    <cs:fillRef idx="0"/>
+    <cs:effectRef idx="0"/>
+    <cs:fontRef idx="minor">
+      <a:schemeClr val="tx1"/>
+    </cs:fontRef>
+    <cs:spPr>
+      <a:ln w="19050" cap="rnd">
+        <a:solidFill>
+          <a:schemeClr val="phClr"/>
+        </a:solidFill>
+        <a:prstDash val="sysDot"/>
+      </a:ln>
+    </cs:spPr>
+  </cs:trendline>
+  <cs:trendlineLabel>
+    <cs:lnRef idx="0"/>
+    <cs:fillRef idx="0"/>
+    <cs:effectRef idx="0"/>
+    <cs:fontRef idx="minor">
+      <a:schemeClr val="tx1">
+        <a:lumMod val="65000"/>
+        <a:lumOff val="35000"/>
+      </a:schemeClr>
+    </cs:fontRef>
+    <cs:defRPr sz="900" kern="1200"/>
+  </cs:trendlineLabel>
+  <cs:upBar>
+    <cs:lnRef idx="0"/>
+    <cs:fillRef idx="0"/>
+    <cs:effectRef idx="0"/>
+    <cs:fontRef idx="minor">
+      <a:schemeClr val="dk1"/>
+    </cs:fontRef>
+    <cs:spPr>
+      <a:solidFill>
+        <a:schemeClr val="lt1"/>
+      </a:solidFill>
+      <a:ln w="9525">
+        <a:solidFill>
+          <a:schemeClr val="tx1">
+            <a:lumMod val="15000"/>
+            <a:lumOff val="85000"/>
+          </a:schemeClr>
+        </a:solidFill>
+      </a:ln>
+    </cs:spPr>
+  </cs:upBar>
+  <cs:valueAxis>
+    <cs:lnRef idx="0"/>
+    <cs:fillRef idx="0"/>
+    <cs:effectRef idx="0"/>
+    <cs:fontRef idx="minor">
+      <a:schemeClr val="tx1">
+        <a:lumMod val="65000"/>
+        <a:lumOff val="35000"/>
+      </a:schemeClr>
+    </cs:fontRef>
+    <cs:defRPr sz="900" kern="1200"/>
+  </cs:valueAxis>
+  <cs:wall>
+    <cs:lnRef idx="0"/>
+    <cs:fillRef idx="0"/>
+    <cs:effectRef idx="0"/>
+    <cs:fontRef idx="minor">
+      <a:schemeClr val="tx1"/>
+    </cs:fontRef>
+    <cs:spPr>
+      <a:noFill/>
+      <a:ln>
+        <a:noFill/>
+      </a:ln>
+    </cs:spPr>
+  </cs:wall>
+</cs:chartStyle>
+</file>
+
+<file path=ppt/notesMasters/notesMaster1.xml><?xml version="1.0" encoding="utf-8"?>
+<p:notesMaster xmlns:a="http://schemas.openxmlformats.org/drawingml/2006/main" xmlns:r="http://schemas.openxmlformats.org/officeDocument/2006/relationships" xmlns:p="http://schemas.openxmlformats.org/presentationml/2006/main">
+  <p:cSld>
+    <p:bg>
+      <p:bgRef idx="1001">
+        <a:schemeClr val="bg1"/>
+      </p:bgRef>
+    </p:bg>
+    <p:spTree>
+      <p:nvGrpSpPr>
+        <p:cNvPr id="1" name=""/>
+        <p:cNvGrpSpPr/>
+        <p:nvPr/>
+      </p:nvGrpSpPr>
+      <p:grpSpPr>
+        <a:xfrm>
+          <a:off x="0" y="0"/>
+          <a:ext cx="0" cy="0"/>
+          <a:chOff x="0" y="0"/>
+          <a:chExt cx="0" cy="0"/>
+        </a:xfrm>
+      </p:grpSpPr>
+      <p:sp>
+        <p:nvSpPr>
+          <p:cNvPr id="2" name="Верхний колонтитул 1"/>
+          <p:cNvSpPr>
+            <a:spLocks noGrp="1"/>
+          </p:cNvSpPr>
+          <p:nvPr>
+            <p:ph type="hdr" sz="quarter"/>
+          </p:nvPr>
+        </p:nvSpPr>
+        <p:spPr>
+          <a:xfrm>
+            <a:off x="0" y="0"/>
+            <a:ext cx="2971800" cy="458788"/>
+          </a:xfrm>
+          <a:prstGeom prst="rect">
+            <a:avLst/>
+          </a:prstGeom>
+        </p:spPr>
+        <p:txBody>
+          <a:bodyPr vert="horz" lIns="91440" tIns="45720" rIns="91440" bIns="45720" rtlCol="0"/>
+          <a:lstStyle>
+            <a:lvl1pPr algn="l">
+              <a:defRPr sz="1200"/>
+            </a:lvl1pPr>
+          </a:lstStyle>
+          <a:p>
+            <a:endParaRPr lang="ru-RU" dirty="0"/>
+          </a:p>
+        </p:txBody>
+      </p:sp>
+      <p:sp>
+        <p:nvSpPr>
+          <p:cNvPr id="3" name="Дата 2"/>
+          <p:cNvSpPr>
+            <a:spLocks noGrp="1"/>
+          </p:cNvSpPr>
+          <p:nvPr>
+            <p:ph type="dt" idx="1"/>
+          </p:nvPr>
+        </p:nvSpPr>
+        <p:spPr>
+          <a:xfrm>
+            <a:off x="3884613" y="0"/>
+            <a:ext cx="2971800" cy="458788"/>
+          </a:xfrm>
+          <a:prstGeom prst="rect">
+            <a:avLst/>
+          </a:prstGeom>
+        </p:spPr>
+        <p:txBody>
+          <a:bodyPr vert="horz" lIns="91440" tIns="45720" rIns="91440" bIns="45720" rtlCol="0"/>
+          <a:lstStyle>
+            <a:lvl1pPr algn="r">
+              <a:defRPr sz="1200"/>
+            </a:lvl1pPr>
+          </a:lstStyle>
+          <a:p>
+            <a:fld id="{4A87FC3E-9964-4802-A7E8-1BB771D21BF3}" type="datetimeFigureOut">
+              <a:rPr lang="ru-RU" smtClean="0"/>
+              <a:t>25.12.2021</a:t>
+            </a:fld>
+            <a:endParaRPr lang="ru-RU" dirty="0"/>
+          </a:p>
+        </p:txBody>
+      </p:sp>
+      <p:sp>
+        <p:nvSpPr>
+          <p:cNvPr id="4" name="Образ слайда 3"/>
+          <p:cNvSpPr>
+            <a:spLocks noGrp="1" noRot="1" noChangeAspect="1"/>
+          </p:cNvSpPr>
+          <p:nvPr>
+            <p:ph type="sldImg" idx="2"/>
+          </p:nvPr>
+        </p:nvSpPr>
+        <p:spPr>
+          <a:xfrm>
+            <a:off x="685800" y="1143000"/>
+            <a:ext cx="5486400" cy="3086100"/>
+          </a:xfrm>
+          <a:prstGeom prst="rect">
+            <a:avLst/>
+          </a:prstGeom>
+          <a:noFill/>
+          <a:ln w="12700">
+            <a:solidFill>
+              <a:prstClr val="black"/>
+            </a:solidFill>
+          </a:ln>
+        </p:spPr>
+        <p:txBody>
+          <a:bodyPr vert="horz" lIns="91440" tIns="45720" rIns="91440" bIns="45720" rtlCol="0" anchor="ctr"/>
+          <a:lstStyle/>
+          <a:p>
+            <a:endParaRPr lang="ru-RU" dirty="0"/>
+          </a:p>
+        </p:txBody>
+      </p:sp>
+      <p:sp>
+        <p:nvSpPr>
+          <p:cNvPr id="5" name="Заметки 4"/>
+          <p:cNvSpPr>
+            <a:spLocks noGrp="1"/>
+          </p:cNvSpPr>
+          <p:nvPr>
+            <p:ph type="body" sz="quarter" idx="3"/>
+          </p:nvPr>
+        </p:nvSpPr>
+        <p:spPr>
+          <a:xfrm>
+            <a:off x="685800" y="4400550"/>
+            <a:ext cx="5486400" cy="3600450"/>
+          </a:xfrm>
+          <a:prstGeom prst="rect">
+            <a:avLst/>
+          </a:prstGeom>
+        </p:spPr>
+        <p:txBody>
+          <a:bodyPr vert="horz" lIns="91440" tIns="45720" rIns="91440" bIns="45720" rtlCol="0"/>
+          <a:lstStyle/>
+          <a:p>
+            <a:pPr lvl="0"/>
+            <a:r>
+              <a:rPr lang="ru-RU" smtClean="0"/>
+              <a:t>Образец текста</a:t>
+            </a:r>
+          </a:p>
+          <a:p>
+            <a:pPr lvl="1"/>
+            <a:r>
+              <a:rPr lang="ru-RU" smtClean="0"/>
+              <a:t>Второй уровень</a:t>
+            </a:r>
+          </a:p>
+          <a:p>
+            <a:pPr lvl="2"/>
+            <a:r>
+              <a:rPr lang="ru-RU" smtClean="0"/>
+              <a:t>Третий уровень</a:t>
+            </a:r>
+          </a:p>
+          <a:p>
+            <a:pPr lvl="3"/>
+            <a:r>
+              <a:rPr lang="ru-RU" smtClean="0"/>
+              <a:t>Четвертый уровень</a:t>
+            </a:r>
+          </a:p>
+          <a:p>
+            <a:pPr lvl="4"/>
+            <a:r>
+              <a:rPr lang="ru-RU" smtClean="0"/>
+              <a:t>Пятый уровень</a:t>
+            </a:r>
+            <a:endParaRPr lang="ru-RU"/>
+          </a:p>
+        </p:txBody>
+      </p:sp>
+      <p:sp>
+        <p:nvSpPr>
+          <p:cNvPr id="6" name="Нижний колонтитул 5"/>
+          <p:cNvSpPr>
+            <a:spLocks noGrp="1"/>
+          </p:cNvSpPr>
+          <p:nvPr>
+            <p:ph type="ftr" sz="quarter" idx="4"/>
+          </p:nvPr>
+        </p:nvSpPr>
+        <p:spPr>
+          <a:xfrm>
+            <a:off x="0" y="8685213"/>
+            <a:ext cx="2971800" cy="458787"/>
+          </a:xfrm>
+          <a:prstGeom prst="rect">
+            <a:avLst/>
+          </a:prstGeom>
+        </p:spPr>
+        <p:txBody>
+          <a:bodyPr vert="horz" lIns="91440" tIns="45720" rIns="91440" bIns="45720" rtlCol="0" anchor="b"/>
+          <a:lstStyle>
+            <a:lvl1pPr algn="l">
+              <a:defRPr sz="1200"/>
+            </a:lvl1pPr>
+          </a:lstStyle>
+          <a:p>
+            <a:endParaRPr lang="ru-RU" dirty="0"/>
+          </a:p>
+        </p:txBody>
+      </p:sp>
+      <p:sp>
+        <p:nvSpPr>
+          <p:cNvPr id="7" name="Номер слайда 6"/>
+          <p:cNvSpPr>
+            <a:spLocks noGrp="1"/>
+          </p:cNvSpPr>
+          <p:nvPr>
+            <p:ph type="sldNum" sz="quarter" idx="5"/>
+          </p:nvPr>
+        </p:nvSpPr>
+        <p:spPr>
+          <a:xfrm>
+            <a:off x="3884613" y="8685213"/>
+            <a:ext cx="2971800" cy="458787"/>
+          </a:xfrm>
+          <a:prstGeom prst="rect">
+            <a:avLst/>
+          </a:prstGeom>
+        </p:spPr>
+        <p:txBody>
+          <a:bodyPr vert="horz" lIns="91440" tIns="45720" rIns="91440" bIns="45720" rtlCol="0" anchor="b"/>
+          <a:lstStyle>
+            <a:lvl1pPr algn="r">
+              <a:defRPr sz="1200"/>
+            </a:lvl1pPr>
+          </a:lstStyle>
+          <a:p>
+            <a:fld id="{1C52CBB1-8DB5-45B5-A857-24C64DDE314A}" type="slidenum">
+              <a:rPr lang="ru-RU" smtClean="0"/>
+              <a:t>‹#›</a:t>
+            </a:fld>
+            <a:endParaRPr lang="ru-RU" dirty="0"/>
+          </a:p>
+        </p:txBody>
+      </p:sp>
+    </p:spTree>
+    <p:extLst>
+      <p:ext uri="{BB962C8B-B14F-4D97-AF65-F5344CB8AC3E}">
+        <p14:creationId xmlns:p14="http://schemas.microsoft.com/office/powerpoint/2010/main" val="38900649"/>
+      </p:ext>
+    </p:extLst>
+  </p:cSld>
+  <p:clrMap bg1="lt1" tx1="dk1" bg2="lt2" tx2="dk2" accent1="accent1" accent2="accent2" accent3="accent3" accent4="accent4" accent5="accent5" accent6="accent6" hlink="hlink" folHlink="folHlink"/>
+  <p:notesStyle>
+    <a:lvl1pPr marL="0" algn="l" defTabSz="914400" rtl="0" eaLnBrk="1" latinLnBrk="0" hangingPunct="1">
+      <a:defRPr sz="1200" kern="1200">
+        <a:solidFill>
+          <a:schemeClr val="tx1"/>
+        </a:solidFill>
+        <a:latin typeface="+mn-lt"/>
+        <a:ea typeface="+mn-ea"/>
+        <a:cs typeface="+mn-cs"/>
+      </a:defRPr>
+    </a:lvl1pPr>
+    <a:lvl2pPr marL="457200" algn="l" defTabSz="914400" rtl="0" eaLnBrk="1" latinLnBrk="0" hangingPunct="1">
+      <a:defRPr sz="1200" kern="1200">
+        <a:solidFill>
+          <a:schemeClr val="tx1"/>
+        </a:solidFill>
+        <a:latin typeface="+mn-lt"/>
+        <a:ea typeface="+mn-ea"/>
+        <a:cs typeface="+mn-cs"/>
+      </a:defRPr>
+    </a:lvl2pPr>
+    <a:lvl3pPr marL="914400" algn="l" defTabSz="914400" rtl="0" eaLnBrk="1" latinLnBrk="0" hangingPunct="1">
+      <a:defRPr sz="1200" kern="1200">
+        <a:solidFill>
+          <a:schemeClr val="tx1"/>
+        </a:solidFill>
+        <a:latin typeface="+mn-lt"/>
+        <a:ea typeface="+mn-ea"/>
+        <a:cs typeface="+mn-cs"/>
+      </a:defRPr>
+    </a:lvl3pPr>
+    <a:lvl4pPr marL="1371600" algn="l" defTabSz="914400" rtl="0" eaLnBrk="1" latinLnBrk="0" hangingPunct="1">
+      <a:defRPr sz="1200" kern="1200">
+        <a:solidFill>
+          <a:schemeClr val="tx1"/>
+        </a:solidFill>
+        <a:latin typeface="+mn-lt"/>
+        <a:ea typeface="+mn-ea"/>
+        <a:cs typeface="+mn-cs"/>
+      </a:defRPr>
+    </a:lvl4pPr>
+    <a:lvl5pPr marL="1828800" algn="l" defTabSz="914400" rtl="0" eaLnBrk="1" latinLnBrk="0" hangingPunct="1">
+      <a:defRPr sz="1200" kern="1200">
+        <a:solidFill>
+          <a:schemeClr val="tx1"/>
+        </a:solidFill>
+        <a:latin typeface="+mn-lt"/>
+        <a:ea typeface="+mn-ea"/>
+        <a:cs typeface="+mn-cs"/>
+      </a:defRPr>
+    </a:lvl5pPr>
+    <a:lvl6pPr marL="2286000" algn="l" defTabSz="914400" rtl="0" eaLnBrk="1" latinLnBrk="0" hangingPunct="1">
+      <a:defRPr sz="1200" kern="1200">
+        <a:solidFill>
+          <a:schemeClr val="tx1"/>
+        </a:solidFill>
+        <a:latin typeface="+mn-lt"/>
+        <a:ea typeface="+mn-ea"/>
+        <a:cs typeface="+mn-cs"/>
+      </a:defRPr>
+    </a:lvl6pPr>
+    <a:lvl7pPr marL="2743200" algn="l" defTabSz="914400" rtl="0" eaLnBrk="1" latinLnBrk="0" hangingPunct="1">
+      <a:defRPr sz="1200" kern="1200">
+        <a:solidFill>
+          <a:schemeClr val="tx1"/>
+        </a:solidFill>
+        <a:latin typeface="+mn-lt"/>
+        <a:ea typeface="+mn-ea"/>
+        <a:cs typeface="+mn-cs"/>
+      </a:defRPr>
+    </a:lvl7pPr>
+    <a:lvl8pPr marL="3200400" algn="l" defTabSz="914400" rtl="0" eaLnBrk="1" latinLnBrk="0" hangingPunct="1">
+      <a:defRPr sz="1200" kern="1200">
+        <a:solidFill>
+          <a:schemeClr val="tx1"/>
+        </a:solidFill>
+        <a:latin typeface="+mn-lt"/>
+        <a:ea typeface="+mn-ea"/>
+        <a:cs typeface="+mn-cs"/>
+      </a:defRPr>
+    </a:lvl8pPr>
+    <a:lvl9pPr marL="3657600" algn="l" defTabSz="914400" rtl="0" eaLnBrk="1" latinLnBrk="0" hangingPunct="1">
+      <a:defRPr sz="1200" kern="1200">
+        <a:solidFill>
+          <a:schemeClr val="tx1"/>
+        </a:solidFill>
+        <a:latin typeface="+mn-lt"/>
+        <a:ea typeface="+mn-ea"/>
+        <a:cs typeface="+mn-cs"/>
+      </a:defRPr>
+    </a:lvl9pPr>
+  </p:notesStyle>
+</p:notesMaster>
 </file>
 
 <file path=ppt/slideLayouts/slideLayout1.xml><?xml version="1.0" encoding="utf-8"?>
@@ -238,11 +1757,11 @@
           <a:bodyPr/>
           <a:lstStyle/>
           <a:p>
-            <a:fld id="{9B93DD49-4786-41E3-BC76-0A8D0539B030}" type="datetimeFigureOut">
-              <a:rPr lang="ru-RU" smtClean="0"/>
-              <a:t>12.11.2021</a:t>
+            <a:fld id="{09755BBC-352B-460A-88C9-AADF2C9512EA}" type="datetime1">
+              <a:rPr lang="ru-RU" smtClean="0"/>
+              <a:t>25.12.2021</a:t>
             </a:fld>
-            <a:endParaRPr lang="ru-RU"/>
+            <a:endParaRPr lang="ru-RU" dirty="0"/>
           </a:p>
         </p:txBody>
       </p:sp>
@@ -261,7 +1780,7 @@
           <a:bodyPr/>
           <a:lstStyle/>
           <a:p>
-            <a:endParaRPr lang="ru-RU"/>
+            <a:endParaRPr lang="ru-RU" dirty="0"/>
           </a:p>
         </p:txBody>
       </p:sp>
@@ -284,7 +1803,7 @@
               <a:rPr lang="ru-RU" smtClean="0"/>
               <a:t>‹#›</a:t>
             </a:fld>
-            <a:endParaRPr lang="ru-RU"/>
+            <a:endParaRPr lang="ru-RU" dirty="0"/>
           </a:p>
         </p:txBody>
       </p:sp>
@@ -408,11 +1927,11 @@
           <a:bodyPr/>
           <a:lstStyle/>
           <a:p>
-            <a:fld id="{9B93DD49-4786-41E3-BC76-0A8D0539B030}" type="datetimeFigureOut">
-              <a:rPr lang="ru-RU" smtClean="0"/>
-              <a:t>12.11.2021</a:t>
+            <a:fld id="{8296244F-19EA-411C-8075-D4DD5363EB01}" type="datetime1">
+              <a:rPr lang="ru-RU" smtClean="0"/>
+              <a:t>25.12.2021</a:t>
             </a:fld>
-            <a:endParaRPr lang="ru-RU"/>
+            <a:endParaRPr lang="ru-RU" dirty="0"/>
           </a:p>
         </p:txBody>
       </p:sp>
@@ -431,7 +1950,7 @@
           <a:bodyPr/>
           <a:lstStyle/>
           <a:p>
-            <a:endParaRPr lang="ru-RU"/>
+            <a:endParaRPr lang="ru-RU" dirty="0"/>
           </a:p>
         </p:txBody>
       </p:sp>
@@ -454,7 +1973,7 @@
               <a:rPr lang="ru-RU" smtClean="0"/>
               <a:t>‹#›</a:t>
             </a:fld>
-            <a:endParaRPr lang="ru-RU"/>
+            <a:endParaRPr lang="ru-RU" dirty="0"/>
           </a:p>
         </p:txBody>
       </p:sp>
@@ -588,11 +2107,11 @@
           <a:bodyPr/>
           <a:lstStyle/>
           <a:p>
-            <a:fld id="{9B93DD49-4786-41E3-BC76-0A8D0539B030}" type="datetimeFigureOut">
-              <a:rPr lang="ru-RU" smtClean="0"/>
-              <a:t>12.11.2021</a:t>
+            <a:fld id="{84BB638D-B868-4FAE-A4AF-C8834DEF2F16}" type="datetime1">
+              <a:rPr lang="ru-RU" smtClean="0"/>
+              <a:t>25.12.2021</a:t>
             </a:fld>
-            <a:endParaRPr lang="ru-RU"/>
+            <a:endParaRPr lang="ru-RU" dirty="0"/>
           </a:p>
         </p:txBody>
       </p:sp>
@@ -611,7 +2130,7 @@
           <a:bodyPr/>
           <a:lstStyle/>
           <a:p>
-            <a:endParaRPr lang="ru-RU"/>
+            <a:endParaRPr lang="ru-RU" dirty="0"/>
           </a:p>
         </p:txBody>
       </p:sp>
@@ -634,7 +2153,7 @@
               <a:rPr lang="ru-RU" smtClean="0"/>
               <a:t>‹#›</a:t>
             </a:fld>
-            <a:endParaRPr lang="ru-RU"/>
+            <a:endParaRPr lang="ru-RU" dirty="0"/>
           </a:p>
         </p:txBody>
       </p:sp>
@@ -758,11 +2277,11 @@
           <a:bodyPr/>
           <a:lstStyle/>
           <a:p>
-            <a:fld id="{9B93DD49-4786-41E3-BC76-0A8D0539B030}" type="datetimeFigureOut">
-              <a:rPr lang="ru-RU" smtClean="0"/>
-              <a:t>12.11.2021</a:t>
+            <a:fld id="{E867F41D-6C90-48B2-BB24-7DBF25713345}" type="datetime1">
+              <a:rPr lang="ru-RU" smtClean="0"/>
+              <a:t>25.12.2021</a:t>
             </a:fld>
-            <a:endParaRPr lang="ru-RU"/>
+            <a:endParaRPr lang="ru-RU" dirty="0"/>
           </a:p>
         </p:txBody>
       </p:sp>
@@ -781,7 +2300,7 @@
           <a:bodyPr/>
           <a:lstStyle/>
           <a:p>
-            <a:endParaRPr lang="ru-RU"/>
+            <a:endParaRPr lang="ru-RU" dirty="0"/>
           </a:p>
         </p:txBody>
       </p:sp>
@@ -804,7 +2323,7 @@
               <a:rPr lang="ru-RU" smtClean="0"/>
               <a:t>‹#›</a:t>
             </a:fld>
-            <a:endParaRPr lang="ru-RU"/>
+            <a:endParaRPr lang="ru-RU" dirty="0"/>
           </a:p>
         </p:txBody>
       </p:sp>
@@ -1004,11 +2523,11 @@
           <a:bodyPr/>
           <a:lstStyle/>
           <a:p>
-            <a:fld id="{9B93DD49-4786-41E3-BC76-0A8D0539B030}" type="datetimeFigureOut">
-              <a:rPr lang="ru-RU" smtClean="0"/>
-              <a:t>12.11.2021</a:t>
+            <a:fld id="{CC2C4912-257E-4B84-92B5-E1056AC81F3B}" type="datetime1">
+              <a:rPr lang="ru-RU" smtClean="0"/>
+              <a:t>25.12.2021</a:t>
             </a:fld>
-            <a:endParaRPr lang="ru-RU"/>
+            <a:endParaRPr lang="ru-RU" dirty="0"/>
           </a:p>
         </p:txBody>
       </p:sp>
@@ -1027,7 +2546,7 @@
           <a:bodyPr/>
           <a:lstStyle/>
           <a:p>
-            <a:endParaRPr lang="ru-RU"/>
+            <a:endParaRPr lang="ru-RU" dirty="0"/>
           </a:p>
         </p:txBody>
       </p:sp>
@@ -1050,7 +2569,7 @@
               <a:rPr lang="ru-RU" smtClean="0"/>
               <a:t>‹#›</a:t>
             </a:fld>
-            <a:endParaRPr lang="ru-RU"/>
+            <a:endParaRPr lang="ru-RU" dirty="0"/>
           </a:p>
         </p:txBody>
       </p:sp>
@@ -1236,11 +2755,11 @@
           <a:bodyPr/>
           <a:lstStyle/>
           <a:p>
-            <a:fld id="{9B93DD49-4786-41E3-BC76-0A8D0539B030}" type="datetimeFigureOut">
-              <a:rPr lang="ru-RU" smtClean="0"/>
-              <a:t>12.11.2021</a:t>
+            <a:fld id="{D6CEEFAB-2744-489F-9F34-AD68C1802ABB}" type="datetime1">
+              <a:rPr lang="ru-RU" smtClean="0"/>
+              <a:t>25.12.2021</a:t>
             </a:fld>
-            <a:endParaRPr lang="ru-RU"/>
+            <a:endParaRPr lang="ru-RU" dirty="0"/>
           </a:p>
         </p:txBody>
       </p:sp>
@@ -1259,7 +2778,7 @@
           <a:bodyPr/>
           <a:lstStyle/>
           <a:p>
-            <a:endParaRPr lang="ru-RU"/>
+            <a:endParaRPr lang="ru-RU" dirty="0"/>
           </a:p>
         </p:txBody>
       </p:sp>
@@ -1282,7 +2801,7 @@
               <a:rPr lang="ru-RU" smtClean="0"/>
               <a:t>‹#›</a:t>
             </a:fld>
-            <a:endParaRPr lang="ru-RU"/>
+            <a:endParaRPr lang="ru-RU" dirty="0"/>
           </a:p>
         </p:txBody>
       </p:sp>
@@ -1603,11 +3122,11 @@
           <a:bodyPr/>
           <a:lstStyle/>
           <a:p>
-            <a:fld id="{9B93DD49-4786-41E3-BC76-0A8D0539B030}" type="datetimeFigureOut">
-              <a:rPr lang="ru-RU" smtClean="0"/>
-              <a:t>12.11.2021</a:t>
+            <a:fld id="{F4C8D58E-CA22-4DBD-9D4F-D49D20C57869}" type="datetime1">
+              <a:rPr lang="ru-RU" smtClean="0"/>
+              <a:t>25.12.2021</a:t>
             </a:fld>
-            <a:endParaRPr lang="ru-RU"/>
+            <a:endParaRPr lang="ru-RU" dirty="0"/>
           </a:p>
         </p:txBody>
       </p:sp>
@@ -1626,7 +3145,7 @@
           <a:bodyPr/>
           <a:lstStyle/>
           <a:p>
-            <a:endParaRPr lang="ru-RU"/>
+            <a:endParaRPr lang="ru-RU" dirty="0"/>
           </a:p>
         </p:txBody>
       </p:sp>
@@ -1649,7 +3168,7 @@
               <a:rPr lang="ru-RU" smtClean="0"/>
               <a:t>‹#›</a:t>
             </a:fld>
-            <a:endParaRPr lang="ru-RU"/>
+            <a:endParaRPr lang="ru-RU" dirty="0"/>
           </a:p>
         </p:txBody>
       </p:sp>
@@ -1721,11 +3240,11 @@
           <a:bodyPr/>
           <a:lstStyle/>
           <a:p>
-            <a:fld id="{9B93DD49-4786-41E3-BC76-0A8D0539B030}" type="datetimeFigureOut">
-              <a:rPr lang="ru-RU" smtClean="0"/>
-              <a:t>12.11.2021</a:t>
+            <a:fld id="{16461FB2-18D8-4BB8-B792-34F36A1A6923}" type="datetime1">
+              <a:rPr lang="ru-RU" smtClean="0"/>
+              <a:t>25.12.2021</a:t>
             </a:fld>
-            <a:endParaRPr lang="ru-RU"/>
+            <a:endParaRPr lang="ru-RU" dirty="0"/>
           </a:p>
         </p:txBody>
       </p:sp>
@@ -1744,7 +3263,7 @@
           <a:bodyPr/>
           <a:lstStyle/>
           <a:p>
-            <a:endParaRPr lang="ru-RU"/>
+            <a:endParaRPr lang="ru-RU" dirty="0"/>
           </a:p>
         </p:txBody>
       </p:sp>
@@ -1767,7 +3286,7 @@
               <a:rPr lang="ru-RU" smtClean="0"/>
               <a:t>‹#›</a:t>
             </a:fld>
-            <a:endParaRPr lang="ru-RU"/>
+            <a:endParaRPr lang="ru-RU" dirty="0"/>
           </a:p>
         </p:txBody>
       </p:sp>
@@ -1816,11 +3335,11 @@
           <a:bodyPr/>
           <a:lstStyle/>
           <a:p>
-            <a:fld id="{9B93DD49-4786-41E3-BC76-0A8D0539B030}" type="datetimeFigureOut">
-              <a:rPr lang="ru-RU" smtClean="0"/>
-              <a:t>12.11.2021</a:t>
+            <a:fld id="{38099296-536C-461B-BEB7-1B812F69AC83}" type="datetime1">
+              <a:rPr lang="ru-RU" smtClean="0"/>
+              <a:t>25.12.2021</a:t>
             </a:fld>
-            <a:endParaRPr lang="ru-RU"/>
+            <a:endParaRPr lang="ru-RU" dirty="0"/>
           </a:p>
         </p:txBody>
       </p:sp>
@@ -1839,7 +3358,7 @@
           <a:bodyPr/>
           <a:lstStyle/>
           <a:p>
-            <a:endParaRPr lang="ru-RU"/>
+            <a:endParaRPr lang="ru-RU" dirty="0"/>
           </a:p>
         </p:txBody>
       </p:sp>
@@ -1862,7 +3381,7 @@
               <a:rPr lang="ru-RU" smtClean="0"/>
               <a:t>‹#›</a:t>
             </a:fld>
-            <a:endParaRPr lang="ru-RU"/>
+            <a:endParaRPr lang="ru-RU" dirty="0"/>
           </a:p>
         </p:txBody>
       </p:sp>
@@ -2093,11 +3612,11 @@
           <a:bodyPr/>
           <a:lstStyle/>
           <a:p>
-            <a:fld id="{9B93DD49-4786-41E3-BC76-0A8D0539B030}" type="datetimeFigureOut">
-              <a:rPr lang="ru-RU" smtClean="0"/>
-              <a:t>12.11.2021</a:t>
+            <a:fld id="{DD7EBC7E-964D-4409-AE41-3B38B4F15B2A}" type="datetime1">
+              <a:rPr lang="ru-RU" smtClean="0"/>
+              <a:t>25.12.2021</a:t>
             </a:fld>
-            <a:endParaRPr lang="ru-RU"/>
+            <a:endParaRPr lang="ru-RU" dirty="0"/>
           </a:p>
         </p:txBody>
       </p:sp>
@@ -2116,7 +3635,7 @@
           <a:bodyPr/>
           <a:lstStyle/>
           <a:p>
-            <a:endParaRPr lang="ru-RU"/>
+            <a:endParaRPr lang="ru-RU" dirty="0"/>
           </a:p>
         </p:txBody>
       </p:sp>
@@ -2139,7 +3658,7 @@
               <a:rPr lang="ru-RU" smtClean="0"/>
               <a:t>‹#›</a:t>
             </a:fld>
-            <a:endParaRPr lang="ru-RU"/>
+            <a:endParaRPr lang="ru-RU" dirty="0"/>
           </a:p>
         </p:txBody>
       </p:sp>
@@ -2262,7 +3781,7 @@
             </a:lvl9pPr>
           </a:lstStyle>
           <a:p>
-            <a:endParaRPr lang="ru-RU"/>
+            <a:endParaRPr lang="ru-RU" dirty="0"/>
           </a:p>
         </p:txBody>
       </p:sp>
@@ -2346,11 +3865,11 @@
           <a:bodyPr/>
           <a:lstStyle/>
           <a:p>
-            <a:fld id="{9B93DD49-4786-41E3-BC76-0A8D0539B030}" type="datetimeFigureOut">
-              <a:rPr lang="ru-RU" smtClean="0"/>
-              <a:t>12.11.2021</a:t>
+            <a:fld id="{6623BFA2-B670-4B07-B542-231AD8CFA160}" type="datetime1">
+              <a:rPr lang="ru-RU" smtClean="0"/>
+              <a:t>25.12.2021</a:t>
             </a:fld>
-            <a:endParaRPr lang="ru-RU"/>
+            <a:endParaRPr lang="ru-RU" dirty="0"/>
           </a:p>
         </p:txBody>
       </p:sp>
@@ -2369,7 +3888,7 @@
           <a:bodyPr/>
           <a:lstStyle/>
           <a:p>
-            <a:endParaRPr lang="ru-RU"/>
+            <a:endParaRPr lang="ru-RU" dirty="0"/>
           </a:p>
         </p:txBody>
       </p:sp>
@@ -2392,7 +3911,7 @@
               <a:rPr lang="ru-RU" smtClean="0"/>
               <a:t>‹#›</a:t>
             </a:fld>
-            <a:endParaRPr lang="ru-RU"/>
+            <a:endParaRPr lang="ru-RU" dirty="0"/>
           </a:p>
         </p:txBody>
       </p:sp>
@@ -2559,11 +4078,11 @@
             </a:lvl1pPr>
           </a:lstStyle>
           <a:p>
-            <a:fld id="{9B93DD49-4786-41E3-BC76-0A8D0539B030}" type="datetimeFigureOut">
-              <a:rPr lang="ru-RU" smtClean="0"/>
-              <a:t>12.11.2021</a:t>
+            <a:fld id="{4222C596-8B8E-4DE0-A295-CA79CEF991CE}" type="datetime1">
+              <a:rPr lang="ru-RU" smtClean="0"/>
+              <a:t>25.12.2021</a:t>
             </a:fld>
-            <a:endParaRPr lang="ru-RU"/>
+            <a:endParaRPr lang="ru-RU" dirty="0"/>
           </a:p>
         </p:txBody>
       </p:sp>
@@ -2600,7 +4119,7 @@
             </a:lvl1pPr>
           </a:lstStyle>
           <a:p>
-            <a:endParaRPr lang="ru-RU"/>
+            <a:endParaRPr lang="ru-RU" dirty="0"/>
           </a:p>
         </p:txBody>
       </p:sp>
@@ -2641,7 +4160,7 @@
               <a:rPr lang="ru-RU" smtClean="0"/>
               <a:t>‹#›</a:t>
             </a:fld>
-            <a:endParaRPr lang="ru-RU"/>
+            <a:endParaRPr lang="ru-RU" dirty="0"/>
           </a:p>
         </p:txBody>
       </p:sp>
@@ -2666,6 +4185,7 @@
     <p:sldLayoutId id="2147483658" r:id="rId10"/>
     <p:sldLayoutId id="2147483659" r:id="rId11"/>
   </p:sldLayoutIdLst>
+  <p:hf hdr="0" ftr="0" dt="0"/>
   <p:txStyles>
     <p:titleStyle>
       <a:lvl1pPr algn="l" defTabSz="914400" rtl="0" eaLnBrk="1" latinLnBrk="0" hangingPunct="1">
@@ -2978,8 +4498,8 @@
         </p:nvSpPr>
         <p:spPr>
           <a:xfrm>
-            <a:off x="1524000" y="1674454"/>
-            <a:ext cx="9144000" cy="2387600"/>
+            <a:off x="1524000" y="506472"/>
+            <a:ext cx="9144000" cy="3163696"/>
           </a:xfrm>
         </p:spPr>
         <p:txBody>
@@ -2989,10 +4509,12 @@
           <a:lstStyle/>
           <a:p>
             <a:r>
-              <a:rPr lang="ru-RU" b="1" dirty="0"/>
-              <a:t>Метод реализации многопоточного доступа к СУБД</a:t>
-            </a:r>
-            <a:endParaRPr lang="ru-RU" dirty="0"/>
+              <a:rPr lang="ru-RU" dirty="0">
+                <a:latin typeface="Times New Roman" panose="02020603050405020304" pitchFamily="18" charset="0"/>
+                <a:cs typeface="Times New Roman" panose="02020603050405020304" pitchFamily="18" charset="0"/>
+              </a:rPr>
+              <a:t>Метод параллельного выполнения запросов к СУБД PostgreSQL в пределах одного соединения</a:t>
+            </a:r>
           </a:p>
         </p:txBody>
       </p:sp>
@@ -3008,34 +4530,97 @@
         </p:nvSpPr>
         <p:spPr>
           <a:xfrm>
-            <a:off x="1524000" y="5202238"/>
-            <a:ext cx="9144000" cy="1655762"/>
+            <a:off x="1524000" y="4275910"/>
+            <a:ext cx="9144000" cy="2407920"/>
           </a:xfrm>
         </p:spPr>
         <p:txBody>
-          <a:bodyPr/>
+          <a:bodyPr>
+            <a:normAutofit/>
+          </a:bodyPr>
           <a:lstStyle/>
           <a:p>
             <a:pPr algn="l"/>
             <a:r>
-              <a:rPr lang="ru-RU" dirty="0" smtClean="0"/>
+              <a:rPr lang="ru-RU" dirty="0" smtClean="0">
+                <a:latin typeface="Times New Roman" panose="02020603050405020304" pitchFamily="18" charset="0"/>
+                <a:cs typeface="Times New Roman" panose="02020603050405020304" pitchFamily="18" charset="0"/>
+              </a:rPr>
               <a:t>Группа: ИУ7-75Б</a:t>
             </a:r>
           </a:p>
           <a:p>
             <a:pPr algn="l"/>
             <a:r>
-              <a:rPr lang="ru-RU" dirty="0" smtClean="0"/>
-              <a:t>Студент: Платонова О. С.</a:t>
+              <a:rPr lang="ru-RU" dirty="0" smtClean="0">
+                <a:latin typeface="Times New Roman" panose="02020603050405020304" pitchFamily="18" charset="0"/>
+                <a:cs typeface="Times New Roman" panose="02020603050405020304" pitchFamily="18" charset="0"/>
+              </a:rPr>
+              <a:t>Студент: Платонова Ольга Сергеевна</a:t>
             </a:r>
           </a:p>
           <a:p>
             <a:pPr algn="l"/>
             <a:r>
-              <a:rPr lang="ru-RU" dirty="0" smtClean="0"/>
-              <a:t>Руководитель: Филиппов М. В.</a:t>
-            </a:r>
-            <a:endParaRPr lang="ru-RU" dirty="0"/>
+              <a:rPr lang="ru-RU" dirty="0" smtClean="0">
+                <a:latin typeface="Times New Roman" panose="02020603050405020304" pitchFamily="18" charset="0"/>
+                <a:cs typeface="Times New Roman" panose="02020603050405020304" pitchFamily="18" charset="0"/>
+              </a:rPr>
+              <a:t>Руководитель: Филиппов Михаил Владимирович</a:t>
+            </a:r>
+            <a:r>
+              <a:rPr lang="ru-RU" dirty="0">
+                <a:latin typeface="Times New Roman" panose="02020603050405020304" pitchFamily="18" charset="0"/>
+                <a:cs typeface="Times New Roman" panose="02020603050405020304" pitchFamily="18" charset="0"/>
+              </a:rPr>
+              <a:t>, </a:t>
+            </a:r>
+            <a:r>
+              <a:rPr lang="en-US" dirty="0" smtClean="0">
+                <a:latin typeface="Times New Roman" panose="02020603050405020304" pitchFamily="18" charset="0"/>
+                <a:cs typeface="Times New Roman" panose="02020603050405020304" pitchFamily="18" charset="0"/>
+              </a:rPr>
+              <a:t>				  </a:t>
+            </a:r>
+            <a:r>
+              <a:rPr lang="ru-RU" dirty="0" smtClean="0">
+                <a:latin typeface="Times New Roman" panose="02020603050405020304" pitchFamily="18" charset="0"/>
+                <a:cs typeface="Times New Roman" panose="02020603050405020304" pitchFamily="18" charset="0"/>
+              </a:rPr>
+              <a:t>к.т.н</a:t>
+            </a:r>
+            <a:r>
+              <a:rPr lang="ru-RU" dirty="0">
+                <a:latin typeface="Times New Roman" panose="02020603050405020304" pitchFamily="18" charset="0"/>
+                <a:cs typeface="Times New Roman" panose="02020603050405020304" pitchFamily="18" charset="0"/>
+              </a:rPr>
+              <a:t>., </a:t>
+            </a:r>
+            <a:r>
+              <a:rPr lang="ru-RU" dirty="0" smtClean="0">
+                <a:latin typeface="Times New Roman" panose="02020603050405020304" pitchFamily="18" charset="0"/>
+                <a:cs typeface="Times New Roman" panose="02020603050405020304" pitchFamily="18" charset="0"/>
+              </a:rPr>
+              <a:t>доцент кафедры ИУ-7</a:t>
+            </a:r>
+            <a:endParaRPr lang="en-US" dirty="0" smtClean="0">
+              <a:latin typeface="Times New Roman" panose="02020603050405020304" pitchFamily="18" charset="0"/>
+              <a:cs typeface="Times New Roman" panose="02020603050405020304" pitchFamily="18" charset="0"/>
+            </a:endParaRPr>
+          </a:p>
+          <a:p>
+            <a:pPr algn="l"/>
+            <a:r>
+              <a:rPr lang="ru-RU" dirty="0" smtClean="0">
+                <a:latin typeface="Times New Roman" panose="02020603050405020304" pitchFamily="18" charset="0"/>
+                <a:cs typeface="Times New Roman" panose="02020603050405020304" pitchFamily="18" charset="0"/>
+              </a:rPr>
+              <a:t>Консультант: Гаврилова Юлия Михайловна</a:t>
+            </a:r>
+            <a:endParaRPr lang="ru-RU" dirty="0">
+              <a:latin typeface="Times New Roman" panose="02020603050405020304" pitchFamily="18" charset="0"/>
+              <a:cs typeface="Times New Roman" panose="02020603050405020304" pitchFamily="18" charset="0"/>
+            </a:endParaRPr>
           </a:p>
         </p:txBody>
       </p:sp>
@@ -3049,6 +4634,13 @@
   <p:clrMapOvr>
     <a:masterClrMapping/>
   </p:clrMapOvr>
+  <p:timing>
+    <p:tnLst>
+      <p:par>
+        <p:cTn id="1" dur="indefinite" restart="never" nodeType="tmRoot"/>
+      </p:par>
+    </p:tnLst>
+  </p:timing>
 </p:sld>
 </file>
 
@@ -3085,10 +4677,16 @@
           <a:lstStyle/>
           <a:p>
             <a:r>
-              <a:rPr lang="ru-RU" dirty="0" smtClean="0"/>
+              <a:rPr lang="ru-RU" dirty="0" smtClean="0">
+                <a:latin typeface="Times New Roman" panose="02020603050405020304" pitchFamily="18" charset="0"/>
+                <a:cs typeface="Times New Roman" panose="02020603050405020304" pitchFamily="18" charset="0"/>
+              </a:rPr>
               <a:t>Цели и задачи работы</a:t>
             </a:r>
-            <a:endParaRPr lang="ru-RU" dirty="0"/>
+            <a:endParaRPr lang="ru-RU" dirty="0">
+              <a:latin typeface="Times New Roman" panose="02020603050405020304" pitchFamily="18" charset="0"/>
+              <a:cs typeface="Times New Roman" panose="02020603050405020304" pitchFamily="18" charset="0"/>
+            </a:endParaRPr>
           </a:p>
         </p:txBody>
       </p:sp>
@@ -3102,84 +4700,378 @@
             <p:ph idx="1"/>
           </p:nvPr>
         </p:nvSpPr>
-        <p:spPr/>
-        <p:txBody>
-          <a:bodyPr/>
+        <p:spPr>
+          <a:xfrm>
+            <a:off x="838200" y="1825625"/>
+            <a:ext cx="10515600" cy="1168587"/>
+          </a:xfrm>
+        </p:spPr>
+        <p:txBody>
+          <a:bodyPr>
+            <a:noAutofit/>
+          </a:bodyPr>
           <a:lstStyle/>
           <a:p>
             <a:pPr marL="0" indent="0">
               <a:buNone/>
             </a:pPr>
             <a:r>
-              <a:rPr lang="ru-RU" dirty="0" smtClean="0"/>
+              <a:rPr lang="ru-RU" sz="2600" b="1" dirty="0" smtClean="0">
+                <a:latin typeface="Times New Roman" panose="02020603050405020304" pitchFamily="18" charset="0"/>
+                <a:cs typeface="Times New Roman" panose="02020603050405020304" pitchFamily="18" charset="0"/>
+              </a:rPr>
               <a:t>Цель </a:t>
             </a:r>
             <a:r>
-              <a:rPr lang="ru-RU" dirty="0"/>
-              <a:t>данной работы </a:t>
-            </a:r>
-            <a:r>
-              <a:rPr lang="ru-RU" dirty="0" smtClean="0"/>
+              <a:rPr lang="ru-RU" sz="2600" b="1" dirty="0">
+                <a:latin typeface="Times New Roman" panose="02020603050405020304" pitchFamily="18" charset="0"/>
+                <a:cs typeface="Times New Roman" panose="02020603050405020304" pitchFamily="18" charset="0"/>
+              </a:rPr>
+              <a:t>данной работы</a:t>
+            </a:r>
+            <a:r>
+              <a:rPr lang="ru-RU" sz="2600" dirty="0">
+                <a:latin typeface="Times New Roman" panose="02020603050405020304" pitchFamily="18" charset="0"/>
+                <a:cs typeface="Times New Roman" panose="02020603050405020304" pitchFamily="18" charset="0"/>
+              </a:rPr>
+              <a:t> </a:t>
+            </a:r>
+            <a:r>
+              <a:rPr lang="ru-RU" sz="2600" dirty="0" smtClean="0">
+                <a:latin typeface="Times New Roman" panose="02020603050405020304" pitchFamily="18" charset="0"/>
+                <a:cs typeface="Times New Roman" panose="02020603050405020304" pitchFamily="18" charset="0"/>
+              </a:rPr>
               <a:t>- </a:t>
             </a:r>
             <a:r>
-              <a:rPr lang="ru-RU" dirty="0"/>
-              <a:t>реализация многопоточного доступа к СУБД</a:t>
-            </a:r>
-            <a:r>
-              <a:rPr lang="ru-RU" dirty="0" smtClean="0"/>
+              <a:rPr lang="ru-RU" sz="2600" dirty="0">
+                <a:latin typeface="Times New Roman" panose="02020603050405020304" pitchFamily="18" charset="0"/>
+                <a:cs typeface="Times New Roman" panose="02020603050405020304" pitchFamily="18" charset="0"/>
+              </a:rPr>
+              <a:t>разработка и реализация метода параллельного выполнения запросов к СУБД PostgreSQL в пределах одного соединения</a:t>
+            </a:r>
+            <a:r>
+              <a:rPr lang="ru-RU" sz="2600" dirty="0" smtClean="0">
+                <a:latin typeface="Times New Roman" panose="02020603050405020304" pitchFamily="18" charset="0"/>
+                <a:cs typeface="Times New Roman" panose="02020603050405020304" pitchFamily="18" charset="0"/>
+              </a:rPr>
               <a:t>.</a:t>
             </a:r>
           </a:p>
+        </p:txBody>
+      </p:sp>
+      <p:sp>
+        <p:nvSpPr>
+          <p:cNvPr id="4" name="Объект 2"/>
+          <p:cNvSpPr txBox="1">
+            <a:spLocks/>
+          </p:cNvSpPr>
+          <p:nvPr/>
+        </p:nvSpPr>
+        <p:spPr>
+          <a:xfrm>
+            <a:off x="838200" y="3206445"/>
+            <a:ext cx="10515600" cy="3086778"/>
+          </a:xfrm>
+          <a:prstGeom prst="rect">
+            <a:avLst/>
+          </a:prstGeom>
+        </p:spPr>
+        <p:txBody>
+          <a:bodyPr vert="horz" lIns="91440" tIns="45720" rIns="91440" bIns="45720" rtlCol="0">
+            <a:noAutofit/>
+          </a:bodyPr>
+          <a:lstStyle>
+            <a:lvl1pPr marL="228600" indent="-228600" algn="l" defTabSz="914400" rtl="0" eaLnBrk="1" latinLnBrk="0" hangingPunct="1">
+              <a:lnSpc>
+                <a:spcPct val="90000"/>
+              </a:lnSpc>
+              <a:spcBef>
+                <a:spcPts val="1000"/>
+              </a:spcBef>
+              <a:buFont typeface="Arial" panose="020B0604020202020204" pitchFamily="34" charset="0"/>
+              <a:buChar char="•"/>
+              <a:defRPr sz="2800" kern="1200">
+                <a:solidFill>
+                  <a:schemeClr val="tx1"/>
+                </a:solidFill>
+                <a:latin typeface="+mn-lt"/>
+                <a:ea typeface="+mn-ea"/>
+                <a:cs typeface="+mn-cs"/>
+              </a:defRPr>
+            </a:lvl1pPr>
+            <a:lvl2pPr marL="685800" indent="-228600" algn="l" defTabSz="914400" rtl="0" eaLnBrk="1" latinLnBrk="0" hangingPunct="1">
+              <a:lnSpc>
+                <a:spcPct val="90000"/>
+              </a:lnSpc>
+              <a:spcBef>
+                <a:spcPts val="500"/>
+              </a:spcBef>
+              <a:buFont typeface="Arial" panose="020B0604020202020204" pitchFamily="34" charset="0"/>
+              <a:buChar char="•"/>
+              <a:defRPr sz="2400" kern="1200">
+                <a:solidFill>
+                  <a:schemeClr val="tx1"/>
+                </a:solidFill>
+                <a:latin typeface="+mn-lt"/>
+                <a:ea typeface="+mn-ea"/>
+                <a:cs typeface="+mn-cs"/>
+              </a:defRPr>
+            </a:lvl2pPr>
+            <a:lvl3pPr marL="1143000" indent="-228600" algn="l" defTabSz="914400" rtl="0" eaLnBrk="1" latinLnBrk="0" hangingPunct="1">
+              <a:lnSpc>
+                <a:spcPct val="90000"/>
+              </a:lnSpc>
+              <a:spcBef>
+                <a:spcPts val="500"/>
+              </a:spcBef>
+              <a:buFont typeface="Arial" panose="020B0604020202020204" pitchFamily="34" charset="0"/>
+              <a:buChar char="•"/>
+              <a:defRPr sz="2000" kern="1200">
+                <a:solidFill>
+                  <a:schemeClr val="tx1"/>
+                </a:solidFill>
+                <a:latin typeface="+mn-lt"/>
+                <a:ea typeface="+mn-ea"/>
+                <a:cs typeface="+mn-cs"/>
+              </a:defRPr>
+            </a:lvl3pPr>
+            <a:lvl4pPr marL="1600200" indent="-228600" algn="l" defTabSz="914400" rtl="0" eaLnBrk="1" latinLnBrk="0" hangingPunct="1">
+              <a:lnSpc>
+                <a:spcPct val="90000"/>
+              </a:lnSpc>
+              <a:spcBef>
+                <a:spcPts val="500"/>
+              </a:spcBef>
+              <a:buFont typeface="Arial" panose="020B0604020202020204" pitchFamily="34" charset="0"/>
+              <a:buChar char="•"/>
+              <a:defRPr sz="1800" kern="1200">
+                <a:solidFill>
+                  <a:schemeClr val="tx1"/>
+                </a:solidFill>
+                <a:latin typeface="+mn-lt"/>
+                <a:ea typeface="+mn-ea"/>
+                <a:cs typeface="+mn-cs"/>
+              </a:defRPr>
+            </a:lvl4pPr>
+            <a:lvl5pPr marL="2057400" indent="-228600" algn="l" defTabSz="914400" rtl="0" eaLnBrk="1" latinLnBrk="0" hangingPunct="1">
+              <a:lnSpc>
+                <a:spcPct val="90000"/>
+              </a:lnSpc>
+              <a:spcBef>
+                <a:spcPts val="500"/>
+              </a:spcBef>
+              <a:buFont typeface="Arial" panose="020B0604020202020204" pitchFamily="34" charset="0"/>
+              <a:buChar char="•"/>
+              <a:defRPr sz="1800" kern="1200">
+                <a:solidFill>
+                  <a:schemeClr val="tx1"/>
+                </a:solidFill>
+                <a:latin typeface="+mn-lt"/>
+                <a:ea typeface="+mn-ea"/>
+                <a:cs typeface="+mn-cs"/>
+              </a:defRPr>
+            </a:lvl5pPr>
+            <a:lvl6pPr marL="2514600" indent="-228600" algn="l" defTabSz="914400" rtl="0" eaLnBrk="1" latinLnBrk="0" hangingPunct="1">
+              <a:lnSpc>
+                <a:spcPct val="90000"/>
+              </a:lnSpc>
+              <a:spcBef>
+                <a:spcPts val="500"/>
+              </a:spcBef>
+              <a:buFont typeface="Arial" panose="020B0604020202020204" pitchFamily="34" charset="0"/>
+              <a:buChar char="•"/>
+              <a:defRPr sz="1800" kern="1200">
+                <a:solidFill>
+                  <a:schemeClr val="tx1"/>
+                </a:solidFill>
+                <a:latin typeface="+mn-lt"/>
+                <a:ea typeface="+mn-ea"/>
+                <a:cs typeface="+mn-cs"/>
+              </a:defRPr>
+            </a:lvl6pPr>
+            <a:lvl7pPr marL="2971800" indent="-228600" algn="l" defTabSz="914400" rtl="0" eaLnBrk="1" latinLnBrk="0" hangingPunct="1">
+              <a:lnSpc>
+                <a:spcPct val="90000"/>
+              </a:lnSpc>
+              <a:spcBef>
+                <a:spcPts val="500"/>
+              </a:spcBef>
+              <a:buFont typeface="Arial" panose="020B0604020202020204" pitchFamily="34" charset="0"/>
+              <a:buChar char="•"/>
+              <a:defRPr sz="1800" kern="1200">
+                <a:solidFill>
+                  <a:schemeClr val="tx1"/>
+                </a:solidFill>
+                <a:latin typeface="+mn-lt"/>
+                <a:ea typeface="+mn-ea"/>
+                <a:cs typeface="+mn-cs"/>
+              </a:defRPr>
+            </a:lvl7pPr>
+            <a:lvl8pPr marL="3429000" indent="-228600" algn="l" defTabSz="914400" rtl="0" eaLnBrk="1" latinLnBrk="0" hangingPunct="1">
+              <a:lnSpc>
+                <a:spcPct val="90000"/>
+              </a:lnSpc>
+              <a:spcBef>
+                <a:spcPts val="500"/>
+              </a:spcBef>
+              <a:buFont typeface="Arial" panose="020B0604020202020204" pitchFamily="34" charset="0"/>
+              <a:buChar char="•"/>
+              <a:defRPr sz="1800" kern="1200">
+                <a:solidFill>
+                  <a:schemeClr val="tx1"/>
+                </a:solidFill>
+                <a:latin typeface="+mn-lt"/>
+                <a:ea typeface="+mn-ea"/>
+                <a:cs typeface="+mn-cs"/>
+              </a:defRPr>
+            </a:lvl8pPr>
+            <a:lvl9pPr marL="3886200" indent="-228600" algn="l" defTabSz="914400" rtl="0" eaLnBrk="1" latinLnBrk="0" hangingPunct="1">
+              <a:lnSpc>
+                <a:spcPct val="90000"/>
+              </a:lnSpc>
+              <a:spcBef>
+                <a:spcPts val="500"/>
+              </a:spcBef>
+              <a:buFont typeface="Arial" panose="020B0604020202020204" pitchFamily="34" charset="0"/>
+              <a:buChar char="•"/>
+              <a:defRPr sz="1800" kern="1200">
+                <a:solidFill>
+                  <a:schemeClr val="tx1"/>
+                </a:solidFill>
+                <a:latin typeface="+mn-lt"/>
+                <a:ea typeface="+mn-ea"/>
+                <a:cs typeface="+mn-cs"/>
+              </a:defRPr>
+            </a:lvl9pPr>
+          </a:lstStyle>
           <a:p>
             <a:pPr marL="0" indent="0">
+              <a:buFont typeface="Arial" panose="020B0604020202020204" pitchFamily="34" charset="0"/>
               <a:buNone/>
             </a:pPr>
             <a:r>
-              <a:rPr lang="ru-RU" dirty="0" smtClean="0"/>
-              <a:t> </a:t>
-            </a:r>
-          </a:p>
-          <a:p>
-            <a:pPr marL="0" indent="0">
-              <a:buNone/>
-            </a:pPr>
-            <a:r>
-              <a:rPr lang="ru-RU" dirty="0" smtClean="0"/>
-              <a:t>Задачи</a:t>
-            </a:r>
-            <a:r>
-              <a:rPr lang="ru-RU" dirty="0"/>
-              <a:t>:</a:t>
+              <a:rPr lang="ru-RU" sz="2600" b="1" dirty="0" smtClean="0">
+                <a:latin typeface="Times New Roman" panose="02020603050405020304" pitchFamily="18" charset="0"/>
+                <a:cs typeface="Times New Roman" panose="02020603050405020304" pitchFamily="18" charset="0"/>
+              </a:rPr>
+              <a:t>Задачи:</a:t>
             </a:r>
           </a:p>
           <a:p>
             <a:pPr lvl="1"/>
             <a:r>
-              <a:rPr lang="ru-RU" dirty="0"/>
-              <a:t>исследование и анализ существующих решений;</a:t>
+              <a:rPr lang="ru-RU" dirty="0">
+                <a:latin typeface="Times New Roman" panose="02020603050405020304" pitchFamily="18" charset="0"/>
+                <a:cs typeface="Times New Roman" panose="02020603050405020304" pitchFamily="18" charset="0"/>
+              </a:rPr>
+              <a:t>А</a:t>
+            </a:r>
+            <a:r>
+              <a:rPr lang="ru-RU" dirty="0" smtClean="0">
+                <a:latin typeface="Times New Roman" panose="02020603050405020304" pitchFamily="18" charset="0"/>
+                <a:cs typeface="Times New Roman" panose="02020603050405020304" pitchFamily="18" charset="0"/>
+              </a:rPr>
+              <a:t>нализ предметной области и существующих методов реализации многопоточного доступа в MPP системах;</a:t>
             </a:r>
           </a:p>
           <a:p>
             <a:pPr lvl="1"/>
             <a:r>
-              <a:rPr lang="ru-RU" dirty="0"/>
-              <a:t>исследование возможности распараллеливания подключения;</a:t>
+              <a:rPr lang="ru-RU" dirty="0">
+                <a:latin typeface="Times New Roman" panose="02020603050405020304" pitchFamily="18" charset="0"/>
+                <a:cs typeface="Times New Roman" panose="02020603050405020304" pitchFamily="18" charset="0"/>
+              </a:rPr>
+              <a:t>Р</a:t>
+            </a:r>
+            <a:r>
+              <a:rPr lang="ru-RU" dirty="0" smtClean="0">
+                <a:latin typeface="Times New Roman" panose="02020603050405020304" pitchFamily="18" charset="0"/>
+                <a:cs typeface="Times New Roman" panose="02020603050405020304" pitchFamily="18" charset="0"/>
+              </a:rPr>
+              <a:t>азработка метода параллельного выполнения запросов к СУБД PostgreSQL в пределах одного соединения; </a:t>
             </a:r>
           </a:p>
           <a:p>
             <a:pPr lvl="1"/>
             <a:r>
-              <a:rPr lang="ru-RU" dirty="0"/>
-              <a:t>реализация распараллеливания;</a:t>
+              <a:rPr lang="ru-RU" dirty="0">
+                <a:latin typeface="Times New Roman" panose="02020603050405020304" pitchFamily="18" charset="0"/>
+                <a:cs typeface="Times New Roman" panose="02020603050405020304" pitchFamily="18" charset="0"/>
+              </a:rPr>
+              <a:t>Р</a:t>
+            </a:r>
+            <a:r>
+              <a:rPr lang="ru-RU" dirty="0" smtClean="0">
+                <a:latin typeface="Times New Roman" panose="02020603050405020304" pitchFamily="18" charset="0"/>
+                <a:cs typeface="Times New Roman" panose="02020603050405020304" pitchFamily="18" charset="0"/>
+              </a:rPr>
+              <a:t>еализация программного модуля для СУБД </a:t>
+            </a:r>
+            <a:r>
+              <a:rPr lang="ru-RU" dirty="0" err="1" smtClean="0">
+                <a:latin typeface="Times New Roman" panose="02020603050405020304" pitchFamily="18" charset="0"/>
+                <a:cs typeface="Times New Roman" panose="02020603050405020304" pitchFamily="18" charset="0"/>
+              </a:rPr>
+              <a:t>PostgreSQL</a:t>
+            </a:r>
+            <a:r>
+              <a:rPr lang="ru-RU" dirty="0" smtClean="0">
+                <a:latin typeface="Times New Roman" panose="02020603050405020304" pitchFamily="18" charset="0"/>
+                <a:cs typeface="Times New Roman" panose="02020603050405020304" pitchFamily="18" charset="0"/>
+              </a:rPr>
+              <a:t>;</a:t>
             </a:r>
           </a:p>
           <a:p>
             <a:pPr lvl="1"/>
             <a:r>
-              <a:rPr lang="ru-RU" dirty="0"/>
-              <a:t>анализ и сравнение времени работы для исходного случая и реализуемого.</a:t>
-            </a:r>
+              <a:rPr lang="ru-RU" dirty="0">
+                <a:latin typeface="Times New Roman" panose="02020603050405020304" pitchFamily="18" charset="0"/>
+                <a:cs typeface="Times New Roman" panose="02020603050405020304" pitchFamily="18" charset="0"/>
+              </a:rPr>
+              <a:t>П</a:t>
+            </a:r>
+            <a:r>
+              <a:rPr lang="ru-RU" dirty="0" smtClean="0">
+                <a:latin typeface="Times New Roman" panose="02020603050405020304" pitchFamily="18" charset="0"/>
+                <a:cs typeface="Times New Roman" panose="02020603050405020304" pitchFamily="18" charset="0"/>
+              </a:rPr>
+              <a:t>роведение сравнительного анализа стандартного метода обработки запросов к СУБД PostgreSQL с реализуемым методом.</a:t>
+            </a:r>
+            <a:endParaRPr lang="ru-RU" dirty="0">
+              <a:latin typeface="Times New Roman" panose="02020603050405020304" pitchFamily="18" charset="0"/>
+              <a:cs typeface="Times New Roman" panose="02020603050405020304" pitchFamily="18" charset="0"/>
+            </a:endParaRPr>
+          </a:p>
+        </p:txBody>
+      </p:sp>
+      <p:sp>
+        <p:nvSpPr>
+          <p:cNvPr id="5" name="Номер слайда 4"/>
+          <p:cNvSpPr>
+            <a:spLocks noGrp="1"/>
+          </p:cNvSpPr>
+          <p:nvPr>
+            <p:ph type="sldNum" sz="quarter" idx="12"/>
+          </p:nvPr>
+        </p:nvSpPr>
+        <p:spPr/>
+        <p:txBody>
+          <a:bodyPr/>
+          <a:lstStyle/>
+          <a:p>
+            <a:fld id="{5D15703D-96D9-4C94-B196-0ED7D1E8A93C}" type="slidenum">
+              <a:rPr lang="ru-RU" sz="1800" smtClean="0">
+                <a:latin typeface="Times New Roman" panose="02020603050405020304" pitchFamily="18" charset="0"/>
+                <a:cs typeface="Times New Roman" panose="02020603050405020304" pitchFamily="18" charset="0"/>
+              </a:rPr>
+              <a:t>2</a:t>
+            </a:fld>
+            <a:endParaRPr lang="ru-RU" dirty="0">
+              <a:latin typeface="Times New Roman" panose="02020603050405020304" pitchFamily="18" charset="0"/>
+              <a:cs typeface="Times New Roman" panose="02020603050405020304" pitchFamily="18" charset="0"/>
+            </a:endParaRPr>
           </a:p>
         </p:txBody>
       </p:sp>
@@ -3193,6 +5085,13 @@
   <p:clrMapOvr>
     <a:masterClrMapping/>
   </p:clrMapOvr>
+  <p:timing>
+    <p:tnLst>
+      <p:par>
+        <p:cTn id="1" dur="indefinite" restart="never" nodeType="tmRoot"/>
+      </p:par>
+    </p:tnLst>
+  </p:timing>
 </p:sld>
 </file>
 
@@ -3213,9 +5112,333 @@
           <a:chExt cx="0" cy="0"/>
         </a:xfrm>
       </p:grpSpPr>
+      <p:sp>
+        <p:nvSpPr>
+          <p:cNvPr id="2" name="Заголовок 1"/>
+          <p:cNvSpPr>
+            <a:spLocks noGrp="1"/>
+          </p:cNvSpPr>
+          <p:nvPr>
+            <p:ph type="title"/>
+          </p:nvPr>
+        </p:nvSpPr>
+        <p:spPr/>
+        <p:txBody>
+          <a:bodyPr/>
+          <a:lstStyle/>
+          <a:p>
+            <a:r>
+              <a:rPr lang="ru-RU" dirty="0" smtClean="0">
+                <a:latin typeface="Times New Roman" panose="02020603050405020304" pitchFamily="18" charset="0"/>
+                <a:cs typeface="Times New Roman" panose="02020603050405020304" pitchFamily="18" charset="0"/>
+              </a:rPr>
+              <a:t>Формализация задачи</a:t>
+            </a:r>
+            <a:endParaRPr lang="ru-RU" dirty="0">
+              <a:latin typeface="Times New Roman" panose="02020603050405020304" pitchFamily="18" charset="0"/>
+              <a:cs typeface="Times New Roman" panose="02020603050405020304" pitchFamily="18" charset="0"/>
+            </a:endParaRPr>
+          </a:p>
+        </p:txBody>
+      </p:sp>
+      <p:sp>
+        <p:nvSpPr>
+          <p:cNvPr id="3" name="Объект 2"/>
+          <p:cNvSpPr>
+            <a:spLocks noGrp="1"/>
+          </p:cNvSpPr>
+          <p:nvPr>
+            <p:ph idx="1"/>
+          </p:nvPr>
+        </p:nvSpPr>
+        <p:spPr/>
+        <p:txBody>
+          <a:bodyPr/>
+          <a:lstStyle/>
+          <a:p>
+            <a:r>
+              <a:rPr lang="ru-RU" dirty="0" smtClean="0">
+                <a:latin typeface="Times New Roman" panose="02020603050405020304" pitchFamily="18" charset="0"/>
+                <a:cs typeface="Times New Roman" panose="02020603050405020304" pitchFamily="18" charset="0"/>
+              </a:rPr>
+              <a:t>Работа пользовательского приложения, взаимодействующего с БД, основана на </a:t>
+            </a:r>
+            <a:r>
+              <a:rPr lang="ru-RU" dirty="0" err="1" smtClean="0">
+                <a:latin typeface="Times New Roman" panose="02020603050405020304" pitchFamily="18" charset="0"/>
+                <a:cs typeface="Times New Roman" panose="02020603050405020304" pitchFamily="18" charset="0"/>
+              </a:rPr>
+              <a:t>многопоточности</a:t>
+            </a:r>
+            <a:r>
+              <a:rPr lang="ru-RU" dirty="0" smtClean="0">
+                <a:latin typeface="Times New Roman" panose="02020603050405020304" pitchFamily="18" charset="0"/>
+                <a:cs typeface="Times New Roman" panose="02020603050405020304" pitchFamily="18" charset="0"/>
+              </a:rPr>
+              <a:t>. </a:t>
+            </a:r>
+            <a:r>
+              <a:rPr lang="ru-RU" dirty="0" smtClean="0">
+                <a:latin typeface="Times New Roman" panose="02020603050405020304" pitchFamily="18" charset="0"/>
+                <a:cs typeface="Times New Roman" panose="02020603050405020304" pitchFamily="18" charset="0"/>
+              </a:rPr>
+              <a:t>Требуется</a:t>
+            </a:r>
+            <a:r>
+              <a:rPr lang="en-US" dirty="0" smtClean="0">
+                <a:latin typeface="Times New Roman" panose="02020603050405020304" pitchFamily="18" charset="0"/>
+                <a:cs typeface="Times New Roman" panose="02020603050405020304" pitchFamily="18" charset="0"/>
+              </a:rPr>
+              <a:t> </a:t>
+            </a:r>
+            <a:r>
+              <a:rPr lang="ru-RU" dirty="0" smtClean="0">
+                <a:latin typeface="Times New Roman" panose="02020603050405020304" pitchFamily="18" charset="0"/>
+                <a:cs typeface="Times New Roman" panose="02020603050405020304" pitchFamily="18" charset="0"/>
+              </a:rPr>
+              <a:t>оптимизировать работу приложения путем реализации метода, позволяющего выполнять </a:t>
+            </a:r>
+            <a:r>
+              <a:rPr lang="ru-RU" dirty="0" smtClean="0">
+                <a:latin typeface="Times New Roman" panose="02020603050405020304" pitchFamily="18" charset="0"/>
+                <a:cs typeface="Times New Roman" panose="02020603050405020304" pitchFamily="18" charset="0"/>
+              </a:rPr>
+              <a:t>одно соединение, которое будет передано в каждый поток.  </a:t>
+            </a:r>
+            <a:endParaRPr lang="ru-RU" dirty="0">
+              <a:latin typeface="Times New Roman" panose="02020603050405020304" pitchFamily="18" charset="0"/>
+              <a:cs typeface="Times New Roman" panose="02020603050405020304" pitchFamily="18" charset="0"/>
+            </a:endParaRPr>
+          </a:p>
+        </p:txBody>
+      </p:sp>
+      <p:sp>
+        <p:nvSpPr>
+          <p:cNvPr id="4" name="Номер слайда 3"/>
+          <p:cNvSpPr>
+            <a:spLocks noGrp="1"/>
+          </p:cNvSpPr>
+          <p:nvPr>
+            <p:ph type="sldNum" sz="quarter" idx="12"/>
+          </p:nvPr>
+        </p:nvSpPr>
+        <p:spPr/>
+        <p:txBody>
+          <a:bodyPr/>
+          <a:lstStyle/>
+          <a:p>
+            <a:fld id="{5D15703D-96D9-4C94-B196-0ED7D1E8A93C}" type="slidenum">
+              <a:rPr lang="ru-RU" smtClean="0"/>
+              <a:t>3</a:t>
+            </a:fld>
+            <a:endParaRPr lang="ru-RU" dirty="0"/>
+          </a:p>
+        </p:txBody>
+      </p:sp>
+    </p:spTree>
+    <p:extLst>
+      <p:ext uri="{BB962C8B-B14F-4D97-AF65-F5344CB8AC3E}">
+        <p14:creationId xmlns:p14="http://schemas.microsoft.com/office/powerpoint/2010/main" val="3963753601"/>
+      </p:ext>
+    </p:extLst>
+  </p:cSld>
+  <p:clrMapOvr>
+    <a:masterClrMapping/>
+  </p:clrMapOvr>
+</p:sld>
+</file>
+
+<file path=ppt/slides/slide4.xml><?xml version="1.0" encoding="utf-8"?>
+<p:sld xmlns:a="http://schemas.openxmlformats.org/drawingml/2006/main" xmlns:r="http://schemas.openxmlformats.org/officeDocument/2006/relationships" xmlns:p="http://schemas.openxmlformats.org/presentationml/2006/main">
+  <p:cSld>
+    <p:spTree>
+      <p:nvGrpSpPr>
+        <p:cNvPr id="1" name=""/>
+        <p:cNvGrpSpPr/>
+        <p:nvPr/>
+      </p:nvGrpSpPr>
+      <p:grpSpPr>
+        <a:xfrm>
+          <a:off x="0" y="0"/>
+          <a:ext cx="0" cy="0"/>
+          <a:chOff x="0" y="0"/>
+          <a:chExt cx="0" cy="0"/>
+        </a:xfrm>
+      </p:grpSpPr>
+      <p:sp>
+        <p:nvSpPr>
+          <p:cNvPr id="2" name="Заголовок 1"/>
+          <p:cNvSpPr>
+            <a:spLocks noGrp="1"/>
+          </p:cNvSpPr>
+          <p:nvPr>
+            <p:ph type="title"/>
+          </p:nvPr>
+        </p:nvSpPr>
+        <p:spPr/>
+        <p:txBody>
+          <a:bodyPr/>
+          <a:lstStyle/>
+          <a:p>
+            <a:r>
+              <a:rPr lang="ru-RU" dirty="0" smtClean="0">
+                <a:latin typeface="Times New Roman" panose="02020603050405020304" pitchFamily="18" charset="0"/>
+                <a:cs typeface="Times New Roman" panose="02020603050405020304" pitchFamily="18" charset="0"/>
+              </a:rPr>
+              <a:t>Анализ предметной области</a:t>
+            </a:r>
+            <a:endParaRPr lang="ru-RU" dirty="0">
+              <a:latin typeface="Times New Roman" panose="02020603050405020304" pitchFamily="18" charset="0"/>
+              <a:cs typeface="Times New Roman" panose="02020603050405020304" pitchFamily="18" charset="0"/>
+            </a:endParaRPr>
+          </a:p>
+        </p:txBody>
+      </p:sp>
+      <p:sp>
+        <p:nvSpPr>
+          <p:cNvPr id="5" name="TextBox 4"/>
+          <p:cNvSpPr txBox="1"/>
+          <p:nvPr/>
+        </p:nvSpPr>
+        <p:spPr>
+          <a:xfrm>
+            <a:off x="6783977" y="2101624"/>
+            <a:ext cx="5268686" cy="1846659"/>
+          </a:xfrm>
+          <a:prstGeom prst="rect">
+            <a:avLst/>
+          </a:prstGeom>
+          <a:noFill/>
+        </p:spPr>
+        <p:txBody>
+          <a:bodyPr wrap="square" rtlCol="0">
+            <a:spAutoFit/>
+          </a:bodyPr>
+          <a:lstStyle/>
+          <a:p>
+            <a:r>
+              <a:rPr lang="ru-RU" sz="2400" dirty="0">
+                <a:latin typeface="Times New Roman" panose="02020603050405020304" pitchFamily="18" charset="0"/>
+                <a:cs typeface="Times New Roman" panose="02020603050405020304" pitchFamily="18" charset="0"/>
+              </a:rPr>
+              <a:t>Выделяют 3 </a:t>
+            </a:r>
+            <a:r>
+              <a:rPr lang="ru-RU" sz="2400" dirty="0" smtClean="0">
+                <a:latin typeface="Times New Roman" panose="02020603050405020304" pitchFamily="18" charset="0"/>
+                <a:cs typeface="Times New Roman" panose="02020603050405020304" pitchFamily="18" charset="0"/>
+              </a:rPr>
+              <a:t>основные</a:t>
+            </a:r>
+            <a:r>
+              <a:rPr lang="en-US" sz="2400" dirty="0" smtClean="0">
+                <a:latin typeface="Times New Roman" panose="02020603050405020304" pitchFamily="18" charset="0"/>
+                <a:cs typeface="Times New Roman" panose="02020603050405020304" pitchFamily="18" charset="0"/>
+              </a:rPr>
+              <a:t> </a:t>
+            </a:r>
+            <a:r>
+              <a:rPr lang="ru-RU" sz="2400" dirty="0" smtClean="0">
+                <a:latin typeface="Times New Roman" panose="02020603050405020304" pitchFamily="18" charset="0"/>
+                <a:cs typeface="Times New Roman" panose="02020603050405020304" pitchFamily="18" charset="0"/>
+              </a:rPr>
+              <a:t>подсистемы</a:t>
+            </a:r>
+            <a:r>
+              <a:rPr lang="ru-RU" sz="2400" dirty="0">
+                <a:latin typeface="Times New Roman" panose="02020603050405020304" pitchFamily="18" charset="0"/>
+                <a:cs typeface="Times New Roman" panose="02020603050405020304" pitchFamily="18" charset="0"/>
+              </a:rPr>
+              <a:t>: </a:t>
+            </a:r>
+            <a:endParaRPr lang="ru-RU" sz="2400" dirty="0" smtClean="0">
+              <a:latin typeface="Times New Roman" panose="02020603050405020304" pitchFamily="18" charset="0"/>
+              <a:cs typeface="Times New Roman" panose="02020603050405020304" pitchFamily="18" charset="0"/>
+            </a:endParaRPr>
+          </a:p>
+          <a:p>
+            <a:pPr marL="914400" lvl="1" indent="-457200">
+              <a:buFont typeface="Arial" panose="020B0604020202020204" pitchFamily="34" charset="0"/>
+              <a:buChar char="•"/>
+            </a:pPr>
+            <a:r>
+              <a:rPr lang="ru-RU" sz="2400" dirty="0" smtClean="0">
+                <a:latin typeface="Times New Roman" panose="02020603050405020304" pitchFamily="18" charset="0"/>
+                <a:cs typeface="Times New Roman" panose="02020603050405020304" pitchFamily="18" charset="0"/>
+              </a:rPr>
+              <a:t>клиентская часть</a:t>
+            </a:r>
+          </a:p>
+          <a:p>
+            <a:pPr marL="914400" lvl="1" indent="-457200">
+              <a:buFont typeface="Arial" panose="020B0604020202020204" pitchFamily="34" charset="0"/>
+              <a:buChar char="•"/>
+            </a:pPr>
+            <a:r>
+              <a:rPr lang="ru-RU" sz="2400" dirty="0" smtClean="0">
+                <a:latin typeface="Times New Roman" panose="02020603050405020304" pitchFamily="18" charset="0"/>
+                <a:cs typeface="Times New Roman" panose="02020603050405020304" pitchFamily="18" charset="0"/>
+              </a:rPr>
+              <a:t>серверная часть</a:t>
+            </a:r>
+          </a:p>
+          <a:p>
+            <a:pPr marL="914400" lvl="1" indent="-457200">
+              <a:buFont typeface="Arial" panose="020B0604020202020204" pitchFamily="34" charset="0"/>
+              <a:buChar char="•"/>
+            </a:pPr>
+            <a:r>
+              <a:rPr lang="ru-RU" sz="2400" dirty="0" smtClean="0">
+                <a:latin typeface="Times New Roman" panose="02020603050405020304" pitchFamily="18" charset="0"/>
+                <a:cs typeface="Times New Roman" panose="02020603050405020304" pitchFamily="18" charset="0"/>
+              </a:rPr>
+              <a:t>хранилище данных</a:t>
+            </a:r>
+            <a:endParaRPr lang="ru-RU" sz="2400" dirty="0">
+              <a:latin typeface="Times New Roman" panose="02020603050405020304" pitchFamily="18" charset="0"/>
+              <a:cs typeface="Times New Roman" panose="02020603050405020304" pitchFamily="18" charset="0"/>
+            </a:endParaRPr>
+          </a:p>
+          <a:p>
+            <a:endParaRPr lang="ru-RU" sz="1600" dirty="0">
+              <a:latin typeface="Times New Roman" panose="02020603050405020304" pitchFamily="18" charset="0"/>
+              <a:cs typeface="Times New Roman" panose="02020603050405020304" pitchFamily="18" charset="0"/>
+            </a:endParaRPr>
+          </a:p>
+        </p:txBody>
+      </p:sp>
+      <p:sp>
+        <p:nvSpPr>
+          <p:cNvPr id="6" name="Номер слайда 5"/>
+          <p:cNvSpPr>
+            <a:spLocks noGrp="1"/>
+          </p:cNvSpPr>
+          <p:nvPr>
+            <p:ph type="sldNum" sz="quarter" idx="12"/>
+          </p:nvPr>
+        </p:nvSpPr>
+        <p:spPr/>
+        <p:txBody>
+          <a:bodyPr/>
+          <a:lstStyle/>
+          <a:p>
+            <a:fld id="{5D15703D-96D9-4C94-B196-0ED7D1E8A93C}" type="slidenum">
+              <a:rPr lang="ru-RU" sz="1800" smtClean="0">
+                <a:latin typeface="Times New Roman" panose="02020603050405020304" pitchFamily="18" charset="0"/>
+                <a:cs typeface="Times New Roman" panose="02020603050405020304" pitchFamily="18" charset="0"/>
+              </a:rPr>
+              <a:t>4</a:t>
+            </a:fld>
+            <a:endParaRPr lang="ru-RU" sz="1800" dirty="0">
+              <a:latin typeface="Times New Roman" panose="02020603050405020304" pitchFamily="18" charset="0"/>
+              <a:cs typeface="Times New Roman" panose="02020603050405020304" pitchFamily="18" charset="0"/>
+            </a:endParaRPr>
+          </a:p>
+        </p:txBody>
+      </p:sp>
       <p:pic>
         <p:nvPicPr>
-          <p:cNvPr id="6" name="Рисунок 5"/>
+          <p:cNvPr id="3" name="Рисунок 2"/>
           <p:cNvPicPr>
             <a:picLocks noChangeAspect="1"/>
           </p:cNvPicPr>
@@ -3235,14 +5458,51 @@
         </p:blipFill>
         <p:spPr>
           <a:xfrm>
-            <a:off x="838200" y="3447574"/>
-            <a:ext cx="6525536" cy="3410426"/>
+            <a:off x="838201" y="2101624"/>
+            <a:ext cx="5728062" cy="2908341"/>
           </a:xfrm>
           <a:prstGeom prst="rect">
             <a:avLst/>
           </a:prstGeom>
         </p:spPr>
       </p:pic>
+    </p:spTree>
+    <p:extLst>
+      <p:ext uri="{BB962C8B-B14F-4D97-AF65-F5344CB8AC3E}">
+        <p14:creationId xmlns:p14="http://schemas.microsoft.com/office/powerpoint/2010/main" val="4129783739"/>
+      </p:ext>
+    </p:extLst>
+  </p:cSld>
+  <p:clrMapOvr>
+    <a:masterClrMapping/>
+  </p:clrMapOvr>
+  <p:timing>
+    <p:tnLst>
+      <p:par>
+        <p:cTn id="1" dur="indefinite" restart="never" nodeType="tmRoot"/>
+      </p:par>
+    </p:tnLst>
+  </p:timing>
+</p:sld>
+</file>
+
+<file path=ppt/slides/slide5.xml><?xml version="1.0" encoding="utf-8"?>
+<p:sld xmlns:a="http://schemas.openxmlformats.org/drawingml/2006/main" xmlns:r="http://schemas.openxmlformats.org/officeDocument/2006/relationships" xmlns:p="http://schemas.openxmlformats.org/presentationml/2006/main">
+  <p:cSld>
+    <p:spTree>
+      <p:nvGrpSpPr>
+        <p:cNvPr id="1" name=""/>
+        <p:cNvGrpSpPr/>
+        <p:nvPr/>
+      </p:nvGrpSpPr>
+      <p:grpSpPr>
+        <a:xfrm>
+          <a:off x="0" y="0"/>
+          <a:ext cx="0" cy="0"/>
+          <a:chOff x="0" y="0"/>
+          <a:chExt cx="0" cy="0"/>
+        </a:xfrm>
+      </p:grpSpPr>
       <p:sp>
         <p:nvSpPr>
           <p:cNvPr id="2" name="Заголовок 1"/>
@@ -3259,105 +5519,43 @@
           <a:lstStyle/>
           <a:p>
             <a:r>
-              <a:rPr lang="ru-RU" dirty="0" smtClean="0"/>
-              <a:t>Анализ существующих решений</a:t>
-            </a:r>
-            <a:endParaRPr lang="ru-RU" dirty="0"/>
-          </a:p>
-        </p:txBody>
-      </p:sp>
-      <p:sp>
-        <p:nvSpPr>
-          <p:cNvPr id="3" name="Объект 2"/>
-          <p:cNvSpPr>
-            <a:spLocks noGrp="1"/>
-          </p:cNvSpPr>
-          <p:nvPr>
-            <p:ph idx="1"/>
-          </p:nvPr>
+              <a:rPr lang="ru-RU" dirty="0" smtClean="0">
+                <a:latin typeface="Times New Roman" panose="02020603050405020304" pitchFamily="18" charset="0"/>
+                <a:cs typeface="Times New Roman" panose="02020603050405020304" pitchFamily="18" charset="0"/>
+              </a:rPr>
+              <a:t>Многопоточный доступ в </a:t>
+            </a:r>
+            <a:r>
+              <a:rPr lang="en-US" dirty="0" smtClean="0">
+                <a:latin typeface="Times New Roman" panose="02020603050405020304" pitchFamily="18" charset="0"/>
+                <a:cs typeface="Times New Roman" panose="02020603050405020304" pitchFamily="18" charset="0"/>
+              </a:rPr>
+              <a:t>MPP </a:t>
+            </a:r>
+            <a:r>
+              <a:rPr lang="ru-RU" dirty="0" smtClean="0">
+                <a:latin typeface="Times New Roman" panose="02020603050405020304" pitchFamily="18" charset="0"/>
+                <a:cs typeface="Times New Roman" panose="02020603050405020304" pitchFamily="18" charset="0"/>
+              </a:rPr>
+              <a:t>системах</a:t>
+            </a:r>
+            <a:endParaRPr lang="ru-RU" dirty="0">
+              <a:latin typeface="Times New Roman" panose="02020603050405020304" pitchFamily="18" charset="0"/>
+              <a:cs typeface="Times New Roman" panose="02020603050405020304" pitchFamily="18" charset="0"/>
+            </a:endParaRPr>
+          </a:p>
+        </p:txBody>
+      </p:sp>
+      <p:sp>
+        <p:nvSpPr>
+          <p:cNvPr id="6" name="TextBox 5"/>
+          <p:cNvSpPr txBox="1"/>
+          <p:nvPr/>
         </p:nvSpPr>
         <p:spPr>
           <a:xfrm>
-            <a:off x="6187469" y="2138243"/>
-            <a:ext cx="5425123" cy="2419457"/>
-          </a:xfrm>
-        </p:spPr>
-        <p:txBody>
-          <a:bodyPr>
-            <a:normAutofit/>
-          </a:bodyPr>
-          <a:lstStyle/>
-          <a:p>
-            <a:pPr marL="0" indent="0">
-              <a:buNone/>
-            </a:pPr>
-            <a:r>
-              <a:rPr lang="ru-RU" sz="2000" i="1" dirty="0" smtClean="0"/>
-              <a:t>Недостатки</a:t>
-            </a:r>
-            <a:r>
-              <a:rPr lang="ru-RU" sz="2000" dirty="0" smtClean="0"/>
-              <a:t>: </a:t>
-            </a:r>
-          </a:p>
-          <a:p>
-            <a:pPr lvl="1"/>
-            <a:r>
-              <a:rPr lang="ru-RU" sz="2000" dirty="0" smtClean="0"/>
-              <a:t>сложность </a:t>
-            </a:r>
-            <a:r>
-              <a:rPr lang="ru-RU" sz="2000" dirty="0"/>
-              <a:t>реализации (особенно в крупных корпоративных </a:t>
-            </a:r>
-            <a:r>
-              <a:rPr lang="ru-RU" sz="2000" dirty="0" smtClean="0"/>
-              <a:t>приложениях);</a:t>
-            </a:r>
-          </a:p>
-          <a:p>
-            <a:pPr lvl="1"/>
-            <a:r>
-              <a:rPr lang="ru-RU" sz="2000" dirty="0" smtClean="0"/>
-              <a:t>затраты </a:t>
-            </a:r>
-            <a:r>
-              <a:rPr lang="ru-RU" sz="2000" dirty="0"/>
-              <a:t>на расчет минимального и максимального размера </a:t>
-            </a:r>
-            <a:r>
-              <a:rPr lang="ru-RU" sz="2000" dirty="0" smtClean="0"/>
-              <a:t>пула;</a:t>
-            </a:r>
-          </a:p>
-          <a:p>
-            <a:pPr lvl="1"/>
-            <a:r>
-              <a:rPr lang="ru-RU" sz="2000" dirty="0" smtClean="0"/>
-              <a:t> </a:t>
-            </a:r>
-            <a:r>
-              <a:rPr lang="ru-RU" sz="2000" dirty="0"/>
-              <a:t>устранение </a:t>
-            </a:r>
-            <a:r>
-              <a:rPr lang="ru-RU" sz="2000" dirty="0" smtClean="0"/>
-              <a:t>проблем переполнения</a:t>
-            </a:r>
-            <a:endParaRPr lang="ru-RU" sz="2000" dirty="0"/>
-          </a:p>
-        </p:txBody>
-      </p:sp>
-      <p:sp>
-        <p:nvSpPr>
-          <p:cNvPr id="5" name="TextBox 4"/>
-          <p:cNvSpPr txBox="1"/>
-          <p:nvPr/>
-        </p:nvSpPr>
-        <p:spPr>
-          <a:xfrm>
-            <a:off x="838200" y="1321356"/>
-            <a:ext cx="4648200" cy="523220"/>
+            <a:off x="6447973" y="2733039"/>
+            <a:ext cx="5547360" cy="2800767"/>
           </a:xfrm>
           <a:prstGeom prst="rect">
             <a:avLst/>
@@ -3370,10 +5568,1086 @@
           </a:bodyPr>
           <a:lstStyle/>
           <a:p>
-            <a:r>
-              <a:rPr lang="ru-RU" sz="2800" dirty="0" smtClean="0"/>
+            <a:pPr>
+              <a:lnSpc>
+                <a:spcPct val="150000"/>
+              </a:lnSpc>
+            </a:pPr>
+            <a:r>
+              <a:rPr lang="ru-RU" sz="2400" u="sng" dirty="0" smtClean="0">
+                <a:latin typeface="Times New Roman" panose="02020603050405020304" pitchFamily="18" charset="0"/>
+                <a:cs typeface="Times New Roman" panose="02020603050405020304" pitchFamily="18" charset="0"/>
+              </a:rPr>
+              <a:t>Причины замедления:</a:t>
+            </a:r>
+          </a:p>
+          <a:p>
+            <a:pPr marL="285750" indent="-285750">
+              <a:buFont typeface="Arial" panose="020B0604020202020204" pitchFamily="34" charset="0"/>
+              <a:buChar char="•"/>
+            </a:pPr>
+            <a:r>
+              <a:rPr lang="ru-RU" sz="2000" dirty="0" smtClean="0">
+                <a:latin typeface="Times New Roman" panose="02020603050405020304" pitchFamily="18" charset="0"/>
+                <a:cs typeface="Times New Roman" panose="02020603050405020304" pitchFamily="18" charset="0"/>
+              </a:rPr>
+              <a:t>повышенная нагрузка на </a:t>
+            </a:r>
+            <a:r>
+              <a:rPr lang="ru-RU" sz="2000" dirty="0">
+                <a:latin typeface="Times New Roman" panose="02020603050405020304" pitchFamily="18" charset="0"/>
+                <a:cs typeface="Times New Roman" panose="02020603050405020304" pitchFamily="18" charset="0"/>
+              </a:rPr>
+              <a:t>системные </a:t>
+            </a:r>
+            <a:r>
+              <a:rPr lang="ru-RU" sz="2000" dirty="0" smtClean="0">
+                <a:latin typeface="Times New Roman" panose="02020603050405020304" pitchFamily="18" charset="0"/>
+                <a:cs typeface="Times New Roman" panose="02020603050405020304" pitchFamily="18" charset="0"/>
+              </a:rPr>
+              <a:t>ресурсы</a:t>
+            </a:r>
+          </a:p>
+          <a:p>
+            <a:pPr marL="285750" indent="-285750">
+              <a:buFont typeface="Arial" panose="020B0604020202020204" pitchFamily="34" charset="0"/>
+              <a:buChar char="•"/>
+            </a:pPr>
+            <a:r>
+              <a:rPr lang="ru-RU" sz="2000" dirty="0" smtClean="0">
+                <a:latin typeface="Times New Roman" panose="02020603050405020304" pitchFamily="18" charset="0"/>
+                <a:cs typeface="Times New Roman" panose="02020603050405020304" pitchFamily="18" charset="0"/>
+              </a:rPr>
+              <a:t>увеличение </a:t>
+            </a:r>
+            <a:r>
+              <a:rPr lang="ru-RU" sz="2000" dirty="0">
+                <a:latin typeface="Times New Roman" panose="02020603050405020304" pitchFamily="18" charset="0"/>
+                <a:cs typeface="Times New Roman" panose="02020603050405020304" pitchFamily="18" charset="0"/>
+              </a:rPr>
+              <a:t>конкуренции при обращении </a:t>
+            </a:r>
+            <a:r>
+              <a:rPr lang="ru-RU" sz="2000" dirty="0" smtClean="0">
+                <a:latin typeface="Times New Roman" panose="02020603050405020304" pitchFamily="18" charset="0"/>
+                <a:cs typeface="Times New Roman" panose="02020603050405020304" pitchFamily="18" charset="0"/>
+              </a:rPr>
+              <a:t>к </a:t>
+            </a:r>
+            <a:r>
+              <a:rPr lang="ru-RU" sz="2000" dirty="0">
+                <a:latin typeface="Times New Roman" panose="02020603050405020304" pitchFamily="18" charset="0"/>
+                <a:cs typeface="Times New Roman" panose="02020603050405020304" pitchFamily="18" charset="0"/>
+              </a:rPr>
+              <a:t>ресурсам </a:t>
+            </a:r>
+            <a:endParaRPr lang="en-US" sz="2000" dirty="0" smtClean="0">
+              <a:latin typeface="Times New Roman" panose="02020603050405020304" pitchFamily="18" charset="0"/>
+              <a:cs typeface="Times New Roman" panose="02020603050405020304" pitchFamily="18" charset="0"/>
+            </a:endParaRPr>
+          </a:p>
+          <a:p>
+            <a:pPr marL="285750" indent="-285750">
+              <a:buFont typeface="Arial" panose="020B0604020202020204" pitchFamily="34" charset="0"/>
+              <a:buChar char="•"/>
+            </a:pPr>
+            <a:r>
+              <a:rPr lang="ru-RU" sz="2000" dirty="0" smtClean="0">
+                <a:latin typeface="Times New Roman" panose="02020603050405020304" pitchFamily="18" charset="0"/>
+                <a:cs typeface="Times New Roman" panose="02020603050405020304" pitchFamily="18" charset="0"/>
+              </a:rPr>
+              <a:t>проблема превышения </a:t>
+            </a:r>
+            <a:r>
+              <a:rPr lang="ru-RU" sz="2000" dirty="0">
+                <a:latin typeface="Times New Roman" panose="02020603050405020304" pitchFamily="18" charset="0"/>
+                <a:cs typeface="Times New Roman" panose="02020603050405020304" pitchFamily="18" charset="0"/>
+              </a:rPr>
+              <a:t>количества подключений на </a:t>
+            </a:r>
+            <a:r>
+              <a:rPr lang="ru-RU" sz="2000" dirty="0" smtClean="0">
+                <a:latin typeface="Times New Roman" panose="02020603050405020304" pitchFamily="18" charset="0"/>
+                <a:cs typeface="Times New Roman" panose="02020603050405020304" pitchFamily="18" charset="0"/>
+              </a:rPr>
+              <a:t>сервере:</a:t>
+            </a:r>
+          </a:p>
+          <a:p>
+            <a:pPr marL="742950" lvl="1" indent="-285750">
+              <a:buFont typeface="Arial" panose="020B0604020202020204" pitchFamily="34" charset="0"/>
+              <a:buChar char="•"/>
+            </a:pPr>
+            <a:r>
+              <a:rPr lang="ru-RU" sz="2000" dirty="0">
+                <a:latin typeface="Times New Roman" panose="02020603050405020304" pitchFamily="18" charset="0"/>
+                <a:cs typeface="Times New Roman" panose="02020603050405020304" pitchFamily="18" charset="0"/>
+              </a:rPr>
+              <a:t>д</a:t>
+            </a:r>
+            <a:r>
+              <a:rPr lang="ru-RU" sz="2000" dirty="0" smtClean="0">
+                <a:latin typeface="Times New Roman" panose="02020603050405020304" pitchFamily="18" charset="0"/>
+                <a:cs typeface="Times New Roman" panose="02020603050405020304" pitchFamily="18" charset="0"/>
+              </a:rPr>
+              <a:t>олгое ожидание </a:t>
+            </a:r>
+            <a:r>
+              <a:rPr lang="ru-RU" sz="2000" dirty="0">
+                <a:latin typeface="Times New Roman" panose="02020603050405020304" pitchFamily="18" charset="0"/>
+                <a:cs typeface="Times New Roman" panose="02020603050405020304" pitchFamily="18" charset="0"/>
+              </a:rPr>
+              <a:t>дальнейших запросов </a:t>
+            </a:r>
+            <a:endParaRPr lang="ru-RU" sz="2000" dirty="0" smtClean="0">
+              <a:latin typeface="Times New Roman" panose="02020603050405020304" pitchFamily="18" charset="0"/>
+              <a:cs typeface="Times New Roman" panose="02020603050405020304" pitchFamily="18" charset="0"/>
+            </a:endParaRPr>
+          </a:p>
+          <a:p>
+            <a:pPr marL="742950" lvl="1" indent="-285750">
+              <a:buFont typeface="Arial" panose="020B0604020202020204" pitchFamily="34" charset="0"/>
+              <a:buChar char="•"/>
+            </a:pPr>
+            <a:r>
+              <a:rPr lang="ru-RU" sz="2000" dirty="0" smtClean="0">
+                <a:latin typeface="Times New Roman" panose="02020603050405020304" pitchFamily="18" charset="0"/>
+                <a:cs typeface="Times New Roman" panose="02020603050405020304" pitchFamily="18" charset="0"/>
+              </a:rPr>
+              <a:t>отклонение запросов</a:t>
+            </a:r>
+          </a:p>
+        </p:txBody>
+      </p:sp>
+      <p:sp>
+        <p:nvSpPr>
+          <p:cNvPr id="7" name="Объект 2"/>
+          <p:cNvSpPr txBox="1">
+            <a:spLocks/>
+          </p:cNvSpPr>
+          <p:nvPr/>
+        </p:nvSpPr>
+        <p:spPr>
+          <a:xfrm>
+            <a:off x="6447973" y="1825624"/>
+            <a:ext cx="5547360" cy="907415"/>
+          </a:xfrm>
+          <a:prstGeom prst="rect">
+            <a:avLst/>
+          </a:prstGeom>
+        </p:spPr>
+        <p:txBody>
+          <a:bodyPr vert="horz" lIns="91440" tIns="45720" rIns="91440" bIns="45720" rtlCol="0">
+            <a:normAutofit fontScale="92500"/>
+          </a:bodyPr>
+          <a:lstStyle>
+            <a:lvl1pPr marL="228600" indent="-228600" algn="l" defTabSz="914400" rtl="0" eaLnBrk="1" latinLnBrk="0" hangingPunct="1">
+              <a:lnSpc>
+                <a:spcPct val="90000"/>
+              </a:lnSpc>
+              <a:spcBef>
+                <a:spcPts val="1000"/>
+              </a:spcBef>
+              <a:buFont typeface="Arial" panose="020B0604020202020204" pitchFamily="34" charset="0"/>
+              <a:buChar char="•"/>
+              <a:defRPr sz="2800" kern="1200">
+                <a:solidFill>
+                  <a:schemeClr val="tx1"/>
+                </a:solidFill>
+                <a:latin typeface="+mn-lt"/>
+                <a:ea typeface="+mn-ea"/>
+                <a:cs typeface="+mn-cs"/>
+              </a:defRPr>
+            </a:lvl1pPr>
+            <a:lvl2pPr marL="685800" indent="-228600" algn="l" defTabSz="914400" rtl="0" eaLnBrk="1" latinLnBrk="0" hangingPunct="1">
+              <a:lnSpc>
+                <a:spcPct val="90000"/>
+              </a:lnSpc>
+              <a:spcBef>
+                <a:spcPts val="500"/>
+              </a:spcBef>
+              <a:buFont typeface="Arial" panose="020B0604020202020204" pitchFamily="34" charset="0"/>
+              <a:buChar char="•"/>
+              <a:defRPr sz="2400" kern="1200">
+                <a:solidFill>
+                  <a:schemeClr val="tx1"/>
+                </a:solidFill>
+                <a:latin typeface="+mn-lt"/>
+                <a:ea typeface="+mn-ea"/>
+                <a:cs typeface="+mn-cs"/>
+              </a:defRPr>
+            </a:lvl2pPr>
+            <a:lvl3pPr marL="1143000" indent="-228600" algn="l" defTabSz="914400" rtl="0" eaLnBrk="1" latinLnBrk="0" hangingPunct="1">
+              <a:lnSpc>
+                <a:spcPct val="90000"/>
+              </a:lnSpc>
+              <a:spcBef>
+                <a:spcPts val="500"/>
+              </a:spcBef>
+              <a:buFont typeface="Arial" panose="020B0604020202020204" pitchFamily="34" charset="0"/>
+              <a:buChar char="•"/>
+              <a:defRPr sz="2000" kern="1200">
+                <a:solidFill>
+                  <a:schemeClr val="tx1"/>
+                </a:solidFill>
+                <a:latin typeface="+mn-lt"/>
+                <a:ea typeface="+mn-ea"/>
+                <a:cs typeface="+mn-cs"/>
+              </a:defRPr>
+            </a:lvl3pPr>
+            <a:lvl4pPr marL="1600200" indent="-228600" algn="l" defTabSz="914400" rtl="0" eaLnBrk="1" latinLnBrk="0" hangingPunct="1">
+              <a:lnSpc>
+                <a:spcPct val="90000"/>
+              </a:lnSpc>
+              <a:spcBef>
+                <a:spcPts val="500"/>
+              </a:spcBef>
+              <a:buFont typeface="Arial" panose="020B0604020202020204" pitchFamily="34" charset="0"/>
+              <a:buChar char="•"/>
+              <a:defRPr sz="1800" kern="1200">
+                <a:solidFill>
+                  <a:schemeClr val="tx1"/>
+                </a:solidFill>
+                <a:latin typeface="+mn-lt"/>
+                <a:ea typeface="+mn-ea"/>
+                <a:cs typeface="+mn-cs"/>
+              </a:defRPr>
+            </a:lvl4pPr>
+            <a:lvl5pPr marL="2057400" indent="-228600" algn="l" defTabSz="914400" rtl="0" eaLnBrk="1" latinLnBrk="0" hangingPunct="1">
+              <a:lnSpc>
+                <a:spcPct val="90000"/>
+              </a:lnSpc>
+              <a:spcBef>
+                <a:spcPts val="500"/>
+              </a:spcBef>
+              <a:buFont typeface="Arial" panose="020B0604020202020204" pitchFamily="34" charset="0"/>
+              <a:buChar char="•"/>
+              <a:defRPr sz="1800" kern="1200">
+                <a:solidFill>
+                  <a:schemeClr val="tx1"/>
+                </a:solidFill>
+                <a:latin typeface="+mn-lt"/>
+                <a:ea typeface="+mn-ea"/>
+                <a:cs typeface="+mn-cs"/>
+              </a:defRPr>
+            </a:lvl5pPr>
+            <a:lvl6pPr marL="2514600" indent="-228600" algn="l" defTabSz="914400" rtl="0" eaLnBrk="1" latinLnBrk="0" hangingPunct="1">
+              <a:lnSpc>
+                <a:spcPct val="90000"/>
+              </a:lnSpc>
+              <a:spcBef>
+                <a:spcPts val="500"/>
+              </a:spcBef>
+              <a:buFont typeface="Arial" panose="020B0604020202020204" pitchFamily="34" charset="0"/>
+              <a:buChar char="•"/>
+              <a:defRPr sz="1800" kern="1200">
+                <a:solidFill>
+                  <a:schemeClr val="tx1"/>
+                </a:solidFill>
+                <a:latin typeface="+mn-lt"/>
+                <a:ea typeface="+mn-ea"/>
+                <a:cs typeface="+mn-cs"/>
+              </a:defRPr>
+            </a:lvl6pPr>
+            <a:lvl7pPr marL="2971800" indent="-228600" algn="l" defTabSz="914400" rtl="0" eaLnBrk="1" latinLnBrk="0" hangingPunct="1">
+              <a:lnSpc>
+                <a:spcPct val="90000"/>
+              </a:lnSpc>
+              <a:spcBef>
+                <a:spcPts val="500"/>
+              </a:spcBef>
+              <a:buFont typeface="Arial" panose="020B0604020202020204" pitchFamily="34" charset="0"/>
+              <a:buChar char="•"/>
+              <a:defRPr sz="1800" kern="1200">
+                <a:solidFill>
+                  <a:schemeClr val="tx1"/>
+                </a:solidFill>
+                <a:latin typeface="+mn-lt"/>
+                <a:ea typeface="+mn-ea"/>
+                <a:cs typeface="+mn-cs"/>
+              </a:defRPr>
+            </a:lvl7pPr>
+            <a:lvl8pPr marL="3429000" indent="-228600" algn="l" defTabSz="914400" rtl="0" eaLnBrk="1" latinLnBrk="0" hangingPunct="1">
+              <a:lnSpc>
+                <a:spcPct val="90000"/>
+              </a:lnSpc>
+              <a:spcBef>
+                <a:spcPts val="500"/>
+              </a:spcBef>
+              <a:buFont typeface="Arial" panose="020B0604020202020204" pitchFamily="34" charset="0"/>
+              <a:buChar char="•"/>
+              <a:defRPr sz="1800" kern="1200">
+                <a:solidFill>
+                  <a:schemeClr val="tx1"/>
+                </a:solidFill>
+                <a:latin typeface="+mn-lt"/>
+                <a:ea typeface="+mn-ea"/>
+                <a:cs typeface="+mn-cs"/>
+              </a:defRPr>
+            </a:lvl8pPr>
+            <a:lvl9pPr marL="3886200" indent="-228600" algn="l" defTabSz="914400" rtl="0" eaLnBrk="1" latinLnBrk="0" hangingPunct="1">
+              <a:lnSpc>
+                <a:spcPct val="90000"/>
+              </a:lnSpc>
+              <a:spcBef>
+                <a:spcPts val="500"/>
+              </a:spcBef>
+              <a:buFont typeface="Arial" panose="020B0604020202020204" pitchFamily="34" charset="0"/>
+              <a:buChar char="•"/>
+              <a:defRPr sz="1800" kern="1200">
+                <a:solidFill>
+                  <a:schemeClr val="tx1"/>
+                </a:solidFill>
+                <a:latin typeface="+mn-lt"/>
+                <a:ea typeface="+mn-ea"/>
+                <a:cs typeface="+mn-cs"/>
+              </a:defRPr>
+            </a:lvl9pPr>
+          </a:lstStyle>
+          <a:p>
+            <a:pPr marL="0" indent="0">
+              <a:buNone/>
+            </a:pPr>
+            <a:r>
+              <a:rPr lang="ru-RU" sz="2400" dirty="0">
+                <a:latin typeface="Times New Roman" panose="02020603050405020304" pitchFamily="18" charset="0"/>
+                <a:cs typeface="Times New Roman" panose="02020603050405020304" pitchFamily="18" charset="0"/>
+              </a:rPr>
+              <a:t>Рост количества потоков может привести к замедлению работы </a:t>
+            </a:r>
+            <a:r>
+              <a:rPr lang="ru-RU" sz="2400" dirty="0" smtClean="0">
+                <a:latin typeface="Times New Roman" panose="02020603050405020304" pitchFamily="18" charset="0"/>
+                <a:cs typeface="Times New Roman" panose="02020603050405020304" pitchFamily="18" charset="0"/>
+              </a:rPr>
+              <a:t>программы.</a:t>
+            </a:r>
+            <a:endParaRPr lang="en-US" sz="2400" dirty="0" smtClean="0">
+              <a:latin typeface="Times New Roman" panose="02020603050405020304" pitchFamily="18" charset="0"/>
+              <a:cs typeface="Times New Roman" panose="02020603050405020304" pitchFamily="18" charset="0"/>
+            </a:endParaRPr>
+          </a:p>
+          <a:p>
+            <a:pPr marL="0" indent="0">
+              <a:buNone/>
+            </a:pPr>
+            <a:endParaRPr lang="ru-RU" dirty="0">
+              <a:latin typeface="Times New Roman" panose="02020603050405020304" pitchFamily="18" charset="0"/>
+              <a:cs typeface="Times New Roman" panose="02020603050405020304" pitchFamily="18" charset="0"/>
+            </a:endParaRPr>
+          </a:p>
+        </p:txBody>
+      </p:sp>
+      <p:cxnSp>
+        <p:nvCxnSpPr>
+          <p:cNvPr id="9" name="Прямая соединительная линия 8"/>
+          <p:cNvCxnSpPr/>
+          <p:nvPr/>
+        </p:nvCxnSpPr>
+        <p:spPr>
+          <a:xfrm>
+            <a:off x="6183086" y="1825625"/>
+            <a:ext cx="0" cy="4576456"/>
+          </a:xfrm>
+          <a:prstGeom prst="line">
+            <a:avLst/>
+          </a:prstGeom>
+        </p:spPr>
+        <p:style>
+          <a:lnRef idx="3">
+            <a:schemeClr val="dk1"/>
+          </a:lnRef>
+          <a:fillRef idx="0">
+            <a:schemeClr val="dk1"/>
+          </a:fillRef>
+          <a:effectRef idx="2">
+            <a:schemeClr val="dk1"/>
+          </a:effectRef>
+          <a:fontRef idx="minor">
+            <a:schemeClr val="tx1"/>
+          </a:fontRef>
+        </p:style>
+      </p:cxnSp>
+      <p:sp>
+        <p:nvSpPr>
+          <p:cNvPr id="12" name="Номер слайда 11"/>
+          <p:cNvSpPr>
+            <a:spLocks noGrp="1"/>
+          </p:cNvSpPr>
+          <p:nvPr>
+            <p:ph type="sldNum" sz="quarter" idx="12"/>
+          </p:nvPr>
+        </p:nvSpPr>
+        <p:spPr/>
+        <p:txBody>
+          <a:bodyPr/>
+          <a:lstStyle/>
+          <a:p>
+            <a:fld id="{5D15703D-96D9-4C94-B196-0ED7D1E8A93C}" type="slidenum">
+              <a:rPr lang="ru-RU" sz="1800" smtClean="0">
+                <a:latin typeface="Times New Roman" panose="02020603050405020304" pitchFamily="18" charset="0"/>
+                <a:cs typeface="Times New Roman" panose="02020603050405020304" pitchFamily="18" charset="0"/>
+              </a:rPr>
+              <a:t>5</a:t>
+            </a:fld>
+            <a:endParaRPr lang="ru-RU" sz="1800" dirty="0">
+              <a:latin typeface="Times New Roman" panose="02020603050405020304" pitchFamily="18" charset="0"/>
+              <a:cs typeface="Times New Roman" panose="02020603050405020304" pitchFamily="18" charset="0"/>
+            </a:endParaRPr>
+          </a:p>
+        </p:txBody>
+      </p:sp>
+      <p:graphicFrame>
+        <p:nvGraphicFramePr>
+          <p:cNvPr id="8" name="Диаграмма 7"/>
+          <p:cNvGraphicFramePr/>
+          <p:nvPr>
+            <p:extLst>
+              <p:ext uri="{D42A27DB-BD31-4B8C-83A1-F6EECF244321}">
+                <p14:modId xmlns:p14="http://schemas.microsoft.com/office/powerpoint/2010/main" val="1630199647"/>
+              </p:ext>
+            </p:extLst>
+          </p:nvPr>
+        </p:nvGraphicFramePr>
+        <p:xfrm>
+          <a:off x="191588" y="2072640"/>
+          <a:ext cx="5486400" cy="3200400"/>
+        </p:xfrm>
+        <a:graphic>
+          <a:graphicData uri="http://schemas.openxmlformats.org/drawingml/2006/chart">
+            <c:chart xmlns:c="http://schemas.openxmlformats.org/drawingml/2006/chart" xmlns:r="http://schemas.openxmlformats.org/officeDocument/2006/relationships" r:id="rId2"/>
+          </a:graphicData>
+        </a:graphic>
+      </p:graphicFrame>
+    </p:spTree>
+    <p:extLst>
+      <p:ext uri="{BB962C8B-B14F-4D97-AF65-F5344CB8AC3E}">
+        <p14:creationId xmlns:p14="http://schemas.microsoft.com/office/powerpoint/2010/main" val="3791205862"/>
+      </p:ext>
+    </p:extLst>
+  </p:cSld>
+  <p:clrMapOvr>
+    <a:masterClrMapping/>
+  </p:clrMapOvr>
+  <p:timing>
+    <p:tnLst>
+      <p:par>
+        <p:cTn id="1" dur="indefinite" restart="never" nodeType="tmRoot"/>
+      </p:par>
+    </p:tnLst>
+  </p:timing>
+</p:sld>
+</file>
+
+<file path=ppt/slides/slide6.xml><?xml version="1.0" encoding="utf-8"?>
+<p:sld xmlns:a="http://schemas.openxmlformats.org/drawingml/2006/main" xmlns:r="http://schemas.openxmlformats.org/officeDocument/2006/relationships" xmlns:p="http://schemas.openxmlformats.org/presentationml/2006/main">
+  <p:cSld>
+    <p:spTree>
+      <p:nvGrpSpPr>
+        <p:cNvPr id="1" name=""/>
+        <p:cNvGrpSpPr/>
+        <p:nvPr/>
+      </p:nvGrpSpPr>
+      <p:grpSpPr>
+        <a:xfrm>
+          <a:off x="0" y="0"/>
+          <a:ext cx="0" cy="0"/>
+          <a:chOff x="0" y="0"/>
+          <a:chExt cx="0" cy="0"/>
+        </a:xfrm>
+      </p:grpSpPr>
+      <p:sp>
+        <p:nvSpPr>
+          <p:cNvPr id="2" name="Заголовок 1"/>
+          <p:cNvSpPr>
+            <a:spLocks noGrp="1"/>
+          </p:cNvSpPr>
+          <p:nvPr>
+            <p:ph type="title"/>
+          </p:nvPr>
+        </p:nvSpPr>
+        <p:spPr/>
+        <p:txBody>
+          <a:bodyPr/>
+          <a:lstStyle/>
+          <a:p>
+            <a:r>
+              <a:rPr lang="ru-RU" dirty="0" smtClean="0">
+                <a:latin typeface="Times New Roman" panose="02020603050405020304" pitchFamily="18" charset="0"/>
+                <a:cs typeface="Times New Roman" panose="02020603050405020304" pitchFamily="18" charset="0"/>
+              </a:rPr>
+              <a:t>Анализ существующих решений. </a:t>
+            </a:r>
+            <a:br>
+              <a:rPr lang="ru-RU" dirty="0" smtClean="0">
+                <a:latin typeface="Times New Roman" panose="02020603050405020304" pitchFamily="18" charset="0"/>
+                <a:cs typeface="Times New Roman" panose="02020603050405020304" pitchFamily="18" charset="0"/>
+              </a:rPr>
+            </a:br>
+            <a:r>
+              <a:rPr lang="ru-RU" dirty="0" smtClean="0">
+                <a:latin typeface="Times New Roman" panose="02020603050405020304" pitchFamily="18" charset="0"/>
+                <a:cs typeface="Times New Roman" panose="02020603050405020304" pitchFamily="18" charset="0"/>
+              </a:rPr>
               <a:t>Пул соединений</a:t>
             </a:r>
+            <a:endParaRPr lang="ru-RU" dirty="0">
+              <a:latin typeface="Times New Roman" panose="02020603050405020304" pitchFamily="18" charset="0"/>
+              <a:cs typeface="Times New Roman" panose="02020603050405020304" pitchFamily="18" charset="0"/>
+            </a:endParaRPr>
+          </a:p>
+        </p:txBody>
+      </p:sp>
+      <p:sp>
+        <p:nvSpPr>
+          <p:cNvPr id="6" name="Номер слайда 5"/>
+          <p:cNvSpPr>
+            <a:spLocks noGrp="1"/>
+          </p:cNvSpPr>
+          <p:nvPr>
+            <p:ph type="sldNum" sz="quarter" idx="12"/>
+          </p:nvPr>
+        </p:nvSpPr>
+        <p:spPr/>
+        <p:txBody>
+          <a:bodyPr/>
+          <a:lstStyle/>
+          <a:p>
+            <a:fld id="{5D15703D-96D9-4C94-B196-0ED7D1E8A93C}" type="slidenum">
+              <a:rPr lang="ru-RU" sz="1800" smtClean="0">
+                <a:latin typeface="Times New Roman" panose="02020603050405020304" pitchFamily="18" charset="0"/>
+                <a:cs typeface="Times New Roman" panose="02020603050405020304" pitchFamily="18" charset="0"/>
+              </a:rPr>
+              <a:t>6</a:t>
+            </a:fld>
+            <a:endParaRPr lang="ru-RU" sz="1800" dirty="0">
+              <a:latin typeface="Times New Roman" panose="02020603050405020304" pitchFamily="18" charset="0"/>
+              <a:cs typeface="Times New Roman" panose="02020603050405020304" pitchFamily="18" charset="0"/>
+            </a:endParaRPr>
+          </a:p>
+        </p:txBody>
+      </p:sp>
+      <p:graphicFrame>
+        <p:nvGraphicFramePr>
+          <p:cNvPr id="12" name="Таблица 11"/>
+          <p:cNvGraphicFramePr>
+            <a:graphicFrameLocks noGrp="1"/>
+          </p:cNvGraphicFramePr>
+          <p:nvPr>
+            <p:extLst>
+              <p:ext uri="{D42A27DB-BD31-4B8C-83A1-F6EECF244321}">
+                <p14:modId xmlns:p14="http://schemas.microsoft.com/office/powerpoint/2010/main" val="3110917746"/>
+              </p:ext>
+            </p:extLst>
+          </p:nvPr>
+        </p:nvGraphicFramePr>
+        <p:xfrm>
+          <a:off x="838200" y="2250204"/>
+          <a:ext cx="10073640" cy="3546630"/>
+        </p:xfrm>
+        <a:graphic>
+          <a:graphicData uri="http://schemas.openxmlformats.org/drawingml/2006/table">
+            <a:tbl>
+              <a:tblPr firstRow="1" bandRow="1">
+                <a:tableStyleId>{F5AB1C69-6EDB-4FF4-983F-18BD219EF322}</a:tableStyleId>
+              </a:tblPr>
+              <a:tblGrid>
+                <a:gridCol w="5036820">
+                  <a:extLst>
+                    <a:ext uri="{9D8B030D-6E8A-4147-A177-3AD203B41FA5}">
+                      <a16:colId xmlns:a16="http://schemas.microsoft.com/office/drawing/2014/main" val="3960454959"/>
+                    </a:ext>
+                  </a:extLst>
+                </a:gridCol>
+                <a:gridCol w="5036820">
+                  <a:extLst>
+                    <a:ext uri="{9D8B030D-6E8A-4147-A177-3AD203B41FA5}">
+                      <a16:colId xmlns:a16="http://schemas.microsoft.com/office/drawing/2014/main" val="4128735083"/>
+                    </a:ext>
+                  </a:extLst>
+                </a:gridCol>
+              </a:tblGrid>
+              <a:tr h="591105">
+                <a:tc>
+                  <a:txBody>
+                    <a:bodyPr/>
+                    <a:lstStyle/>
+                    <a:p>
+                      <a:pPr marL="0" marR="0" indent="0" algn="ctr" defTabSz="914400" rtl="0" eaLnBrk="1" fontAlgn="auto" latinLnBrk="0" hangingPunct="1">
+                        <a:lnSpc>
+                          <a:spcPct val="100000"/>
+                        </a:lnSpc>
+                        <a:spcBef>
+                          <a:spcPts val="0"/>
+                        </a:spcBef>
+                        <a:spcAft>
+                          <a:spcPts val="0"/>
+                        </a:spcAft>
+                        <a:buClrTx/>
+                        <a:buSzTx/>
+                        <a:buFontTx/>
+                        <a:buNone/>
+                        <a:tabLst/>
+                        <a:defRPr/>
+                      </a:pPr>
+                      <a:r>
+                        <a:rPr lang="ru-RU" dirty="0" smtClean="0">
+                          <a:latin typeface="Times New Roman" panose="02020603050405020304" pitchFamily="18" charset="0"/>
+                          <a:cs typeface="Times New Roman" panose="02020603050405020304" pitchFamily="18" charset="0"/>
+                        </a:rPr>
+                        <a:t>Внешний пул</a:t>
+                      </a:r>
+                    </a:p>
+                  </a:txBody>
+                  <a:tcPr anchor="ctr"/>
+                </a:tc>
+                <a:tc>
+                  <a:txBody>
+                    <a:bodyPr/>
+                    <a:lstStyle/>
+                    <a:p>
+                      <a:pPr marL="0" marR="0" indent="0" algn="ctr" defTabSz="914400" rtl="0" eaLnBrk="1" fontAlgn="auto" latinLnBrk="0" hangingPunct="1">
+                        <a:lnSpc>
+                          <a:spcPct val="100000"/>
+                        </a:lnSpc>
+                        <a:spcBef>
+                          <a:spcPts val="0"/>
+                        </a:spcBef>
+                        <a:spcAft>
+                          <a:spcPts val="0"/>
+                        </a:spcAft>
+                        <a:buClrTx/>
+                        <a:buSzTx/>
+                        <a:buFontTx/>
+                        <a:buNone/>
+                        <a:tabLst/>
+                        <a:defRPr/>
+                      </a:pPr>
+                      <a:r>
+                        <a:rPr lang="ru-RU" dirty="0" smtClean="0">
+                          <a:latin typeface="Times New Roman" panose="02020603050405020304" pitchFamily="18" charset="0"/>
+                          <a:cs typeface="Times New Roman" panose="02020603050405020304" pitchFamily="18" charset="0"/>
+                        </a:rPr>
+                        <a:t>Встроенный пул</a:t>
+                      </a:r>
+                    </a:p>
+                  </a:txBody>
+                  <a:tcPr anchor="ctr"/>
+                </a:tc>
+                <a:extLst>
+                  <a:ext uri="{0D108BD9-81ED-4DB2-BD59-A6C34878D82A}">
+                    <a16:rowId xmlns:a16="http://schemas.microsoft.com/office/drawing/2014/main" val="2554556083"/>
+                  </a:ext>
+                </a:extLst>
+              </a:tr>
+              <a:tr h="591105">
+                <a:tc gridSpan="2">
+                  <a:txBody>
+                    <a:bodyPr/>
+                    <a:lstStyle/>
+                    <a:p>
+                      <a:pPr marL="0" marR="0" lvl="1" indent="0" algn="ctr" defTabSz="914400" rtl="0" eaLnBrk="1" fontAlgn="auto" latinLnBrk="0" hangingPunct="1">
+                        <a:lnSpc>
+                          <a:spcPct val="100000"/>
+                        </a:lnSpc>
+                        <a:spcBef>
+                          <a:spcPts val="0"/>
+                        </a:spcBef>
+                        <a:spcAft>
+                          <a:spcPts val="0"/>
+                        </a:spcAft>
+                        <a:buClrTx/>
+                        <a:buSzTx/>
+                        <a:buFontTx/>
+                        <a:buNone/>
+                        <a:tabLst/>
+                        <a:defRPr/>
+                      </a:pPr>
+                      <a:r>
+                        <a:rPr lang="ru-RU" dirty="0" smtClean="0">
+                          <a:latin typeface="Times New Roman" panose="02020603050405020304" pitchFamily="18" charset="0"/>
+                          <a:cs typeface="Times New Roman" panose="02020603050405020304" pitchFamily="18" charset="0"/>
+                        </a:rPr>
+                        <a:t>Увеличение пропускной способности транзакции на 60%</a:t>
+                      </a:r>
+                    </a:p>
+                  </a:txBody>
+                  <a:tcPr anchor="ctr">
+                    <a:solidFill>
+                      <a:srgbClr val="F0F0F0"/>
+                    </a:solidFill>
+                  </a:tcPr>
+                </a:tc>
+                <a:tc hMerge="1">
+                  <a:txBody>
+                    <a:bodyPr/>
+                    <a:lstStyle/>
+                    <a:p>
+                      <a:endParaRPr lang="ru-RU" dirty="0"/>
+                    </a:p>
+                  </a:txBody>
+                  <a:tcPr/>
+                </a:tc>
+                <a:extLst>
+                  <a:ext uri="{0D108BD9-81ED-4DB2-BD59-A6C34878D82A}">
+                    <a16:rowId xmlns:a16="http://schemas.microsoft.com/office/drawing/2014/main" val="2840872650"/>
+                  </a:ext>
+                </a:extLst>
+              </a:tr>
+              <a:tr h="591105">
+                <a:tc gridSpan="2">
+                  <a:txBody>
+                    <a:bodyPr/>
+                    <a:lstStyle/>
+                    <a:p>
+                      <a:pPr marL="0" marR="0" lvl="1" indent="0" algn="ctr" defTabSz="914400" rtl="0" eaLnBrk="1" fontAlgn="auto" latinLnBrk="0" hangingPunct="1">
+                        <a:lnSpc>
+                          <a:spcPct val="100000"/>
+                        </a:lnSpc>
+                        <a:spcBef>
+                          <a:spcPts val="0"/>
+                        </a:spcBef>
+                        <a:spcAft>
+                          <a:spcPts val="0"/>
+                        </a:spcAft>
+                        <a:buClrTx/>
+                        <a:buSzTx/>
+                        <a:buFontTx/>
+                        <a:buNone/>
+                        <a:tabLst/>
+                        <a:defRPr/>
+                      </a:pPr>
+                      <a:r>
+                        <a:rPr lang="ru-RU" dirty="0" smtClean="0">
+                          <a:latin typeface="Times New Roman" panose="02020603050405020304" pitchFamily="18" charset="0"/>
+                          <a:cs typeface="Times New Roman" panose="02020603050405020304" pitchFamily="18" charset="0"/>
+                        </a:rPr>
+                        <a:t>Ограничение максимального количества одновременных подключений к БД</a:t>
+                      </a:r>
+                    </a:p>
+                  </a:txBody>
+                  <a:tcPr anchor="ctr">
+                    <a:solidFill>
+                      <a:schemeClr val="bg1">
+                        <a:lumMod val="85000"/>
+                      </a:schemeClr>
+                    </a:solidFill>
+                  </a:tcPr>
+                </a:tc>
+                <a:tc hMerge="1">
+                  <a:txBody>
+                    <a:bodyPr/>
+                    <a:lstStyle/>
+                    <a:p>
+                      <a:endParaRPr lang="ru-RU" dirty="0"/>
+                    </a:p>
+                  </a:txBody>
+                  <a:tcPr/>
+                </a:tc>
+                <a:extLst>
+                  <a:ext uri="{0D108BD9-81ED-4DB2-BD59-A6C34878D82A}">
+                    <a16:rowId xmlns:a16="http://schemas.microsoft.com/office/drawing/2014/main" val="543741356"/>
+                  </a:ext>
+                </a:extLst>
+              </a:tr>
+              <a:tr h="591105">
+                <a:tc gridSpan="2">
+                  <a:txBody>
+                    <a:bodyPr/>
+                    <a:lstStyle/>
+                    <a:p>
+                      <a:pPr marL="0" marR="0" lvl="1" indent="0" algn="ctr" defTabSz="914400" rtl="0" eaLnBrk="1" fontAlgn="auto" latinLnBrk="0" hangingPunct="1">
+                        <a:lnSpc>
+                          <a:spcPct val="100000"/>
+                        </a:lnSpc>
+                        <a:spcBef>
+                          <a:spcPts val="0"/>
+                        </a:spcBef>
+                        <a:spcAft>
+                          <a:spcPts val="0"/>
+                        </a:spcAft>
+                        <a:buClrTx/>
+                        <a:buSzTx/>
+                        <a:buFontTx/>
+                        <a:buNone/>
+                        <a:tabLst/>
+                        <a:defRPr/>
+                      </a:pPr>
+                      <a:r>
+                        <a:rPr lang="ru-RU" dirty="0" smtClean="0">
+                          <a:latin typeface="Times New Roman" panose="02020603050405020304" pitchFamily="18" charset="0"/>
+                          <a:cs typeface="Times New Roman" panose="02020603050405020304" pitchFamily="18" charset="0"/>
+                        </a:rPr>
+                        <a:t>Необходимость поддержки отдельного пула соединения для каждой БД</a:t>
+                      </a:r>
+                    </a:p>
+                  </a:txBody>
+                  <a:tcPr anchor="ctr">
+                    <a:solidFill>
+                      <a:schemeClr val="bg1">
+                        <a:lumMod val="85000"/>
+                      </a:schemeClr>
+                    </a:solidFill>
+                  </a:tcPr>
+                </a:tc>
+                <a:tc hMerge="1">
+                  <a:txBody>
+                    <a:bodyPr/>
+                    <a:lstStyle/>
+                    <a:p>
+                      <a:endParaRPr lang="ru-RU" dirty="0"/>
+                    </a:p>
+                  </a:txBody>
+                  <a:tcPr/>
+                </a:tc>
+                <a:extLst>
+                  <a:ext uri="{0D108BD9-81ED-4DB2-BD59-A6C34878D82A}">
+                    <a16:rowId xmlns:a16="http://schemas.microsoft.com/office/drawing/2014/main" val="1970430346"/>
+                  </a:ext>
+                </a:extLst>
+              </a:tr>
+              <a:tr h="591105">
+                <a:tc>
+                  <a:txBody>
+                    <a:bodyPr/>
+                    <a:lstStyle/>
+                    <a:p>
+                      <a:pPr marL="0" marR="0" lvl="1" indent="0" algn="ctr" defTabSz="914400" rtl="0" eaLnBrk="1" fontAlgn="auto" latinLnBrk="0" hangingPunct="1">
+                        <a:lnSpc>
+                          <a:spcPct val="100000"/>
+                        </a:lnSpc>
+                        <a:spcBef>
+                          <a:spcPts val="0"/>
+                        </a:spcBef>
+                        <a:spcAft>
+                          <a:spcPts val="0"/>
+                        </a:spcAft>
+                        <a:buClrTx/>
+                        <a:buSzTx/>
+                        <a:buFontTx/>
+                        <a:buNone/>
+                        <a:tabLst/>
+                        <a:defRPr/>
+                      </a:pPr>
+                      <a:r>
+                        <a:rPr lang="ru-RU" dirty="0" smtClean="0">
+                          <a:latin typeface="Times New Roman" panose="02020603050405020304" pitchFamily="18" charset="0"/>
+                          <a:cs typeface="Times New Roman" panose="02020603050405020304" pitchFamily="18" charset="0"/>
+                        </a:rPr>
+                        <a:t>Сложность конфигурации пула</a:t>
+                      </a:r>
+                    </a:p>
+                  </a:txBody>
+                  <a:tcPr anchor="ctr">
+                    <a:solidFill>
+                      <a:schemeClr val="bg1">
+                        <a:lumMod val="85000"/>
+                      </a:schemeClr>
+                    </a:solidFill>
+                  </a:tcPr>
+                </a:tc>
+                <a:tc>
+                  <a:txBody>
+                    <a:bodyPr/>
+                    <a:lstStyle/>
+                    <a:p>
+                      <a:pPr algn="ctr"/>
+                      <a:r>
+                        <a:rPr lang="ru-RU" dirty="0" smtClean="0">
+                          <a:latin typeface="Times New Roman" panose="02020603050405020304" pitchFamily="18" charset="0"/>
+                          <a:cs typeface="Times New Roman" panose="02020603050405020304" pitchFamily="18" charset="0"/>
+                        </a:rPr>
+                        <a:t>Доступен только в коммерческой версии</a:t>
+                      </a:r>
+                      <a:endParaRPr lang="ru-RU" dirty="0">
+                        <a:latin typeface="Times New Roman" panose="02020603050405020304" pitchFamily="18" charset="0"/>
+                        <a:cs typeface="Times New Roman" panose="02020603050405020304" pitchFamily="18" charset="0"/>
+                      </a:endParaRPr>
+                    </a:p>
+                  </a:txBody>
+                  <a:tcPr anchor="ctr">
+                    <a:solidFill>
+                      <a:schemeClr val="bg1">
+                        <a:lumMod val="85000"/>
+                      </a:schemeClr>
+                    </a:solidFill>
+                  </a:tcPr>
+                </a:tc>
+                <a:extLst>
+                  <a:ext uri="{0D108BD9-81ED-4DB2-BD59-A6C34878D82A}">
+                    <a16:rowId xmlns:a16="http://schemas.microsoft.com/office/drawing/2014/main" val="3025303234"/>
+                  </a:ext>
+                </a:extLst>
+              </a:tr>
+              <a:tr h="591105">
+                <a:tc>
+                  <a:txBody>
+                    <a:bodyPr/>
+                    <a:lstStyle/>
+                    <a:p>
+                      <a:pPr marL="0" marR="0" lvl="1" indent="0" algn="ctr" defTabSz="914400" rtl="0" eaLnBrk="1" fontAlgn="auto" latinLnBrk="0" hangingPunct="1">
+                        <a:lnSpc>
+                          <a:spcPct val="100000"/>
+                        </a:lnSpc>
+                        <a:spcBef>
+                          <a:spcPts val="0"/>
+                        </a:spcBef>
+                        <a:spcAft>
+                          <a:spcPts val="0"/>
+                        </a:spcAft>
+                        <a:buClrTx/>
+                        <a:buSzTx/>
+                        <a:buFontTx/>
+                        <a:buNone/>
+                        <a:tabLst/>
+                        <a:defRPr/>
+                      </a:pPr>
+                      <a:r>
+                        <a:rPr lang="ru-RU" dirty="0" smtClean="0">
+                          <a:latin typeface="Times New Roman" panose="02020603050405020304" pitchFamily="18" charset="0"/>
+                          <a:cs typeface="Times New Roman" panose="02020603050405020304" pitchFamily="18" charset="0"/>
+                        </a:rPr>
+                        <a:t>Сложность встраиваемости в код</a:t>
+                      </a:r>
+                    </a:p>
+                  </a:txBody>
+                  <a:tcPr anchor="ctr">
+                    <a:solidFill>
+                      <a:schemeClr val="bg1">
+                        <a:lumMod val="85000"/>
+                      </a:schemeClr>
+                    </a:solidFill>
+                  </a:tcPr>
+                </a:tc>
+                <a:tc>
+                  <a:txBody>
+                    <a:bodyPr/>
+                    <a:lstStyle/>
+                    <a:p>
+                      <a:pPr algn="ctr"/>
+                      <a:endParaRPr lang="ru-RU" dirty="0">
+                        <a:latin typeface="Times New Roman" panose="02020603050405020304" pitchFamily="18" charset="0"/>
+                        <a:cs typeface="Times New Roman" panose="02020603050405020304" pitchFamily="18" charset="0"/>
+                      </a:endParaRPr>
+                    </a:p>
+                  </a:txBody>
+                  <a:tcPr anchor="ctr">
+                    <a:solidFill>
+                      <a:schemeClr val="bg1">
+                        <a:lumMod val="85000"/>
+                      </a:schemeClr>
+                    </a:solidFill>
+                  </a:tcPr>
+                </a:tc>
+                <a:extLst>
+                  <a:ext uri="{0D108BD9-81ED-4DB2-BD59-A6C34878D82A}">
+                    <a16:rowId xmlns:a16="http://schemas.microsoft.com/office/drawing/2014/main" val="1532925569"/>
+                  </a:ext>
+                </a:extLst>
+              </a:tr>
+            </a:tbl>
+          </a:graphicData>
+        </a:graphic>
+      </p:graphicFrame>
+    </p:spTree>
+    <p:extLst>
+      <p:ext uri="{BB962C8B-B14F-4D97-AF65-F5344CB8AC3E}">
+        <p14:creationId xmlns:p14="http://schemas.microsoft.com/office/powerpoint/2010/main" val="725503657"/>
+      </p:ext>
+    </p:extLst>
+  </p:cSld>
+  <p:clrMapOvr>
+    <a:masterClrMapping/>
+  </p:clrMapOvr>
+  <p:timing>
+    <p:tnLst>
+      <p:par>
+        <p:cTn id="1" dur="indefinite" restart="never" nodeType="tmRoot"/>
+      </p:par>
+    </p:tnLst>
+  </p:timing>
+</p:sld>
+</file>
+
+<file path=ppt/slides/slide7.xml><?xml version="1.0" encoding="utf-8"?>
+<p:sld xmlns:a="http://schemas.openxmlformats.org/drawingml/2006/main" xmlns:r="http://schemas.openxmlformats.org/officeDocument/2006/relationships" xmlns:p="http://schemas.openxmlformats.org/presentationml/2006/main">
+  <p:cSld>
+    <p:spTree>
+      <p:nvGrpSpPr>
+        <p:cNvPr id="1" name=""/>
+        <p:cNvGrpSpPr/>
+        <p:nvPr/>
+      </p:nvGrpSpPr>
+      <p:grpSpPr>
+        <a:xfrm>
+          <a:off x="0" y="0"/>
+          <a:ext cx="0" cy="0"/>
+          <a:chOff x="0" y="0"/>
+          <a:chExt cx="0" cy="0"/>
+        </a:xfrm>
+      </p:grpSpPr>
+      <p:sp>
+        <p:nvSpPr>
+          <p:cNvPr id="2" name="Заголовок 1"/>
+          <p:cNvSpPr>
+            <a:spLocks noGrp="1"/>
+          </p:cNvSpPr>
+          <p:nvPr>
+            <p:ph type="title"/>
+          </p:nvPr>
+        </p:nvSpPr>
+        <p:spPr/>
+        <p:txBody>
+          <a:bodyPr/>
+          <a:lstStyle/>
+          <a:p>
+            <a:r>
+              <a:rPr lang="ru-RU" dirty="0" smtClean="0">
+                <a:latin typeface="Times New Roman" panose="02020603050405020304" pitchFamily="18" charset="0"/>
+                <a:cs typeface="Times New Roman" panose="02020603050405020304" pitchFamily="18" charset="0"/>
+              </a:rPr>
+              <a:t>Анализ существующих решений.</a:t>
+            </a:r>
+            <a:br>
+              <a:rPr lang="ru-RU" dirty="0" smtClean="0">
+                <a:latin typeface="Times New Roman" panose="02020603050405020304" pitchFamily="18" charset="0"/>
+                <a:cs typeface="Times New Roman" panose="02020603050405020304" pitchFamily="18" charset="0"/>
+              </a:rPr>
+            </a:br>
+            <a:r>
+              <a:rPr lang="ru-RU" dirty="0" smtClean="0">
+                <a:latin typeface="Times New Roman" panose="02020603050405020304" pitchFamily="18" charset="0"/>
+                <a:cs typeface="Times New Roman" panose="02020603050405020304" pitchFamily="18" charset="0"/>
+              </a:rPr>
+              <a:t>Распараллеливание запроса</a:t>
+            </a:r>
+            <a:endParaRPr lang="ru-RU" dirty="0">
+              <a:latin typeface="Times New Roman" panose="02020603050405020304" pitchFamily="18" charset="0"/>
+              <a:cs typeface="Times New Roman" panose="02020603050405020304" pitchFamily="18" charset="0"/>
+            </a:endParaRPr>
+          </a:p>
+        </p:txBody>
+      </p:sp>
+      <p:sp>
+        <p:nvSpPr>
+          <p:cNvPr id="4" name="Номер слайда 3"/>
+          <p:cNvSpPr>
+            <a:spLocks noGrp="1"/>
+          </p:cNvSpPr>
+          <p:nvPr>
+            <p:ph type="sldNum" sz="quarter" idx="12"/>
+          </p:nvPr>
+        </p:nvSpPr>
+        <p:spPr/>
+        <p:txBody>
+          <a:bodyPr/>
+          <a:lstStyle/>
+          <a:p>
+            <a:fld id="{5D15703D-96D9-4C94-B196-0ED7D1E8A93C}" type="slidenum">
+              <a:rPr lang="ru-RU" smtClean="0"/>
+              <a:t>7</a:t>
+            </a:fld>
+            <a:endParaRPr lang="ru-RU" dirty="0"/>
           </a:p>
         </p:txBody>
       </p:sp>
@@ -3385,8 +6659,8 @@
         </p:nvSpPr>
         <p:spPr>
           <a:xfrm>
-            <a:off x="838200" y="2138243"/>
-            <a:ext cx="4828264" cy="1015663"/>
+            <a:off x="838201" y="4287304"/>
+            <a:ext cx="10515599" cy="1631216"/>
           </a:xfrm>
           <a:prstGeom prst="rect">
             <a:avLst/>
@@ -3400,21 +6674,95 @@
           <a:lstStyle/>
           <a:p>
             <a:r>
-              <a:rPr lang="ru-RU" sz="2000" i="1" dirty="0" smtClean="0"/>
-              <a:t>Преимущества</a:t>
-            </a:r>
-            <a:r>
-              <a:rPr lang="ru-RU" sz="2000" dirty="0" smtClean="0"/>
-              <a:t>: увеличение скорости операций открытия/закрытия соединений в 600 раз</a:t>
-            </a:r>
-            <a:endParaRPr lang="ru-RU" sz="2000" dirty="0" smtClean="0"/>
-          </a:p>
-        </p:txBody>
-      </p:sp>
+              <a:rPr lang="ru-RU" sz="2400" u="sng" dirty="0" smtClean="0">
+                <a:latin typeface="Times New Roman" panose="02020603050405020304" pitchFamily="18" charset="0"/>
+                <a:cs typeface="Times New Roman" panose="02020603050405020304" pitchFamily="18" charset="0"/>
+              </a:rPr>
+              <a:t>Недостатки метода:</a:t>
+            </a:r>
+          </a:p>
+          <a:p>
+            <a:pPr marL="342900" indent="-342900">
+              <a:buFont typeface="Arial" panose="020B0604020202020204" pitchFamily="34" charset="0"/>
+              <a:buChar char="•"/>
+            </a:pPr>
+            <a:r>
+              <a:rPr lang="ru-RU" sz="2400" dirty="0" smtClean="0">
+                <a:latin typeface="Times New Roman" panose="02020603050405020304" pitchFamily="18" charset="0"/>
+                <a:cs typeface="Times New Roman" panose="02020603050405020304" pitchFamily="18" charset="0"/>
+              </a:rPr>
+              <a:t>Применим к малому числу запросов;</a:t>
+            </a:r>
+          </a:p>
+          <a:p>
+            <a:pPr marL="342900" indent="-342900">
+              <a:buFont typeface="Arial" panose="020B0604020202020204" pitchFamily="34" charset="0"/>
+              <a:buChar char="•"/>
+            </a:pPr>
+            <a:r>
+              <a:rPr lang="ru-RU" sz="2400" dirty="0">
+                <a:latin typeface="Times New Roman" panose="02020603050405020304" pitchFamily="18" charset="0"/>
+                <a:cs typeface="Times New Roman" panose="02020603050405020304" pitchFamily="18" charset="0"/>
+              </a:rPr>
+              <a:t>Снижает </a:t>
+            </a:r>
+            <a:r>
+              <a:rPr lang="ru-RU" sz="2400" dirty="0" smtClean="0">
+                <a:latin typeface="Times New Roman" panose="02020603050405020304" pitchFamily="18" charset="0"/>
+                <a:cs typeface="Times New Roman" panose="02020603050405020304" pitchFamily="18" charset="0"/>
+              </a:rPr>
+              <a:t>производительность;</a:t>
+            </a:r>
+          </a:p>
+          <a:p>
+            <a:pPr marL="342900" indent="-342900">
+              <a:buFont typeface="Arial" panose="020B0604020202020204" pitchFamily="34" charset="0"/>
+              <a:buChar char="•"/>
+            </a:pPr>
+            <a:r>
+              <a:rPr lang="ru-RU" sz="2400" dirty="0" smtClean="0">
+                <a:latin typeface="Times New Roman" panose="02020603050405020304" pitchFamily="18" charset="0"/>
+                <a:cs typeface="Times New Roman" panose="02020603050405020304" pitchFamily="18" charset="0"/>
+              </a:rPr>
+              <a:t>Эффективен только для конкретных запросов.</a:t>
+            </a:r>
+          </a:p>
+        </p:txBody>
+      </p:sp>
+      <p:pic>
+        <p:nvPicPr>
+          <p:cNvPr id="12" name="Рисунок 11"/>
+          <p:cNvPicPr>
+            <a:picLocks noChangeAspect="1"/>
+          </p:cNvPicPr>
+          <p:nvPr/>
+        </p:nvPicPr>
+        <p:blipFill>
+          <a:blip r:embed="rId2" cstate="print">
+            <a:extLst>
+              <a:ext uri="{28A0092B-C50C-407E-A947-70E740481C1C}">
+                <a14:useLocalDpi xmlns:a14="http://schemas.microsoft.com/office/drawing/2010/main" val="0"/>
+              </a:ext>
+            </a:extLst>
+          </a:blip>
+          <a:stretch>
+            <a:fillRect/>
+          </a:stretch>
+        </p:blipFill>
+        <p:spPr>
+          <a:xfrm>
+            <a:off x="2168230" y="2179214"/>
+            <a:ext cx="7855539" cy="1619564"/>
+          </a:xfrm>
+          <a:prstGeom prst="rect">
+            <a:avLst/>
+          </a:prstGeom>
+        </p:spPr>
+      </p:pic>
     </p:spTree>
     <p:extLst>
       <p:ext uri="{BB962C8B-B14F-4D97-AF65-F5344CB8AC3E}">
-        <p14:creationId xmlns:p14="http://schemas.microsoft.com/office/powerpoint/2010/main" val="1769054328"/>
+        <p14:creationId xmlns:p14="http://schemas.microsoft.com/office/powerpoint/2010/main" val="877587620"/>
       </p:ext>
     </p:extLst>
   </p:cSld>
@@ -3683,4 +7031,265 @@
     </a:ext>
   </a:extLst>
 </a:theme>
+</file>
+
+<file path=ppt/theme/theme2.xml><?xml version="1.0" encoding="utf-8"?>
+<a:theme xmlns:a="http://schemas.openxmlformats.org/drawingml/2006/main" name="Тема Office">
+  <a:themeElements>
+    <a:clrScheme name="Стандартная">
+      <a:dk1>
+        <a:sysClr val="windowText" lastClr="000000"/>
+      </a:dk1>
+      <a:lt1>
+        <a:sysClr val="window" lastClr="FFFFFF"/>
+      </a:lt1>
+      <a:dk2>
+        <a:srgbClr val="44546A"/>
+      </a:dk2>
+      <a:lt2>
+        <a:srgbClr val="E7E6E6"/>
+      </a:lt2>
+      <a:accent1>
+        <a:srgbClr val="5B9BD5"/>
+      </a:accent1>
+      <a:accent2>
+        <a:srgbClr val="ED7D31"/>
+      </a:accent2>
+      <a:accent3>
+        <a:srgbClr val="A5A5A5"/>
+      </a:accent3>
+      <a:accent4>
+        <a:srgbClr val="FFC000"/>
+      </a:accent4>
+      <a:accent5>
+        <a:srgbClr val="4472C4"/>
+      </a:accent5>
+      <a:accent6>
+        <a:srgbClr val="70AD47"/>
+      </a:accent6>
+      <a:hlink>
+        <a:srgbClr val="0563C1"/>
+      </a:hlink>
+      <a:folHlink>
+        <a:srgbClr val="954F72"/>
+      </a:folHlink>
+    </a:clrScheme>
+    <a:fontScheme name="Стандартная">
+      <a:majorFont>
+        <a:latin typeface="Calibri Light" panose="020F0302020204030204"/>
+        <a:ea typeface=""/>
+        <a:cs typeface=""/>
+        <a:font script="Jpan" typeface="游ゴシック Light"/>
+        <a:font script="Hang" typeface="맑은 고딕"/>
+        <a:font script="Hans" typeface="等线 Light"/>
+        <a:font script="Hant" typeface="新細明體"/>
+        <a:font script="Arab" typeface="Times New Roman"/>
+        <a:font script="Hebr" typeface="Times New Roman"/>
+        <a:font script="Thai" typeface="Angsana New"/>
+        <a:font script="Ethi" typeface="Nyala"/>
+        <a:font script="Beng" typeface="Vrinda"/>
+        <a:font script="Gujr" typeface="Shruti"/>
+        <a:font script="Khmr" typeface="MoolBoran"/>
+        <a:font script="Knda" typeface="Tunga"/>
+        <a:font script="Guru" typeface="Raavi"/>
+        <a:font script="Cans" typeface="Euphemia"/>
+        <a:font script="Cher" typeface="Plantagenet Cherokee"/>
+        <a:font script="Yiii" typeface="Microsoft Yi Baiti"/>
+        <a:font script="Tibt" typeface="Microsoft Himalaya"/>
+        <a:font script="Thaa" typeface="MV Boli"/>
+        <a:font script="Deva" typeface="Mangal"/>
+        <a:font script="Telu" typeface="Gautami"/>
+        <a:font script="Taml" typeface="Latha"/>
+        <a:font script="Syrc" typeface="Estrangelo Edessa"/>
+        <a:font script="Orya" typeface="Kalinga"/>
+        <a:font script="Mlym" typeface="Kartika"/>
+        <a:font script="Laoo" typeface="DokChampa"/>
+        <a:font script="Sinh" typeface="Iskoola Pota"/>
+        <a:font script="Mong" typeface="Mongolian Baiti"/>
+        <a:font script="Viet" typeface="Times New Roman"/>
+        <a:font script="Uigh" typeface="Microsoft Uighur"/>
+        <a:font script="Geor" typeface="Sylfaen"/>
+      </a:majorFont>
+      <a:minorFont>
+        <a:latin typeface="Calibri" panose="020F0502020204030204"/>
+        <a:ea typeface=""/>
+        <a:cs typeface=""/>
+        <a:font script="Jpan" typeface="游ゴシック"/>
+        <a:font script="Hang" typeface="맑은 고딕"/>
+        <a:font script="Hans" typeface="等线"/>
+        <a:font script="Hant" typeface="新細明體"/>
+        <a:font script="Arab" typeface="Arial"/>
+        <a:font script="Hebr" typeface="Arial"/>
+        <a:font script="Thai" typeface="Cordia New"/>
+        <a:font script="Ethi" typeface="Nyala"/>
+        <a:font script="Beng" typeface="Vrinda"/>
+        <a:font script="Gujr" typeface="Shruti"/>
+        <a:font script="Khmr" typeface="DaunPenh"/>
+        <a:font script="Knda" typeface="Tunga"/>
+        <a:font script="Guru" typeface="Raavi"/>
+        <a:font script="Cans" typeface="Euphemia"/>
+        <a:font script="Cher" typeface="Plantagenet Cherokee"/>
+        <a:font script="Yiii" typeface="Microsoft Yi Baiti"/>
+        <a:font script="Tibt" typeface="Microsoft Himalaya"/>
+        <a:font script="Thaa" typeface="MV Boli"/>
+        <a:font script="Deva" typeface="Mangal"/>
+        <a:font script="Telu" typeface="Gautami"/>
+        <a:font script="Taml" typeface="Latha"/>
+        <a:font script="Syrc" typeface="Estrangelo Edessa"/>
+        <a:font script="Orya" typeface="Kalinga"/>
+        <a:font script="Mlym" typeface="Kartika"/>
+        <a:font script="Laoo" typeface="DokChampa"/>
+        <a:font script="Sinh" typeface="Iskoola Pota"/>
+        <a:font script="Mong" typeface="Mongolian Baiti"/>
+        <a:font script="Viet" typeface="Arial"/>
+        <a:font script="Uigh" typeface="Microsoft Uighur"/>
+        <a:font script="Geor" typeface="Sylfaen"/>
+      </a:minorFont>
+    </a:fontScheme>
+    <a:fmtScheme name="Стандартная">
+      <a:fillStyleLst>
+        <a:solidFill>
+          <a:schemeClr val="phClr"/>
+        </a:solidFill>
+        <a:gradFill rotWithShape="1">
+          <a:gsLst>
+            <a:gs pos="0">
+              <a:schemeClr val="phClr">
+                <a:lumMod val="110000"/>
+                <a:satMod val="105000"/>
+                <a:tint val="67000"/>
+              </a:schemeClr>
+            </a:gs>
+            <a:gs pos="50000">
+              <a:schemeClr val="phClr">
+                <a:lumMod val="105000"/>
+                <a:satMod val="103000"/>
+                <a:tint val="73000"/>
+              </a:schemeClr>
+            </a:gs>
+            <a:gs pos="100000">
+              <a:schemeClr val="phClr">
+                <a:lumMod val="105000"/>
+                <a:satMod val="109000"/>
+                <a:tint val="81000"/>
+              </a:schemeClr>
+            </a:gs>
+          </a:gsLst>
+          <a:lin ang="5400000" scaled="0"/>
+        </a:gradFill>
+        <a:gradFill rotWithShape="1">
+          <a:gsLst>
+            <a:gs pos="0">
+              <a:schemeClr val="phClr">
+                <a:satMod val="103000"/>
+                <a:lumMod val="102000"/>
+                <a:tint val="94000"/>
+              </a:schemeClr>
+            </a:gs>
+            <a:gs pos="50000">
+              <a:schemeClr val="phClr">
+                <a:satMod val="110000"/>
+                <a:lumMod val="100000"/>
+                <a:shade val="100000"/>
+              </a:schemeClr>
+            </a:gs>
+            <a:gs pos="100000">
+              <a:schemeClr val="phClr">
+                <a:lumMod val="99000"/>
+                <a:satMod val="120000"/>
+                <a:shade val="78000"/>
+              </a:schemeClr>
+            </a:gs>
+          </a:gsLst>
+          <a:lin ang="5400000" scaled="0"/>
+        </a:gradFill>
+      </a:fillStyleLst>
+      <a:lnStyleLst>
+        <a:ln w="6350" cap="flat" cmpd="sng" algn="ctr">
+          <a:solidFill>
+            <a:schemeClr val="phClr"/>
+          </a:solidFill>
+          <a:prstDash val="solid"/>
+          <a:miter lim="800000"/>
+        </a:ln>
+        <a:ln w="12700" cap="flat" cmpd="sng" algn="ctr">
+          <a:solidFill>
+            <a:schemeClr val="phClr"/>
+          </a:solidFill>
+          <a:prstDash val="solid"/>
+          <a:miter lim="800000"/>
+        </a:ln>
+        <a:ln w="19050" cap="flat" cmpd="sng" algn="ctr">
+          <a:solidFill>
+            <a:schemeClr val="phClr"/>
+          </a:solidFill>
+          <a:prstDash val="solid"/>
+          <a:miter lim="800000"/>
+        </a:ln>
+      </a:lnStyleLst>
+      <a:effectStyleLst>
+        <a:effectStyle>
+          <a:effectLst/>
+        </a:effectStyle>
+        <a:effectStyle>
+          <a:effectLst/>
+        </a:effectStyle>
+        <a:effectStyle>
+          <a:effectLst>
+            <a:outerShdw blurRad="57150" dist="19050" dir="5400000" algn="ctr" rotWithShape="0">
+              <a:srgbClr val="000000">
+                <a:alpha val="63000"/>
+              </a:srgbClr>
+            </a:outerShdw>
+          </a:effectLst>
+        </a:effectStyle>
+      </a:effectStyleLst>
+      <a:bgFillStyleLst>
+        <a:solidFill>
+          <a:schemeClr val="phClr"/>
+        </a:solidFill>
+        <a:solidFill>
+          <a:schemeClr val="phClr">
+            <a:tint val="95000"/>
+            <a:satMod val="170000"/>
+          </a:schemeClr>
+        </a:solidFill>
+        <a:gradFill rotWithShape="1">
+          <a:gsLst>
+            <a:gs pos="0">
+              <a:schemeClr val="phClr">
+                <a:tint val="93000"/>
+                <a:satMod val="150000"/>
+                <a:shade val="98000"/>
+                <a:lumMod val="102000"/>
+              </a:schemeClr>
+            </a:gs>
+            <a:gs pos="50000">
+              <a:schemeClr val="phClr">
+                <a:tint val="98000"/>
+                <a:satMod val="130000"/>
+                <a:shade val="90000"/>
+                <a:lumMod val="103000"/>
+              </a:schemeClr>
+            </a:gs>
+            <a:gs pos="100000">
+              <a:schemeClr val="phClr">
+                <a:shade val="63000"/>
+                <a:satMod val="120000"/>
+              </a:schemeClr>
+            </a:gs>
+          </a:gsLst>
+          <a:lin ang="5400000" scaled="0"/>
+        </a:gradFill>
+      </a:bgFillStyleLst>
+    </a:fmtScheme>
+  </a:themeElements>
+  <a:objectDefaults/>
+  <a:extraClrSchemeLst/>
+  <a:extLst>
+    <a:ext uri="{05A4C25C-085E-4340-85A3-A5531E510DB2}">
+      <thm15:themeFamily xmlns:thm15="http://schemas.microsoft.com/office/thememl/2012/main" name="Office Theme" id="{62F939B6-93AF-4DB8-9C6B-D6C7DFDC589F}" vid="{4A3C46E8-61CC-4603-A589-7422A47A8E4A}"/>
+    </a:ext>
+  </a:extLst>
+</a:theme>
 </file>
--- a/Презентация.pptx
+++ b/Презентация.pptx
@@ -5,7 +5,7 @@
     <p:sldMasterId id="2147483648" r:id="rId1"/>
   </p:sldMasterIdLst>
   <p:notesMasterIdLst>
-    <p:notesMasterId r:id="rId9"/>
+    <p:notesMasterId r:id="rId10"/>
   </p:notesMasterIdLst>
   <p:sldIdLst>
     <p:sldId id="256" r:id="rId2"/>
@@ -13,8 +13,9 @@
     <p:sldId id="262" r:id="rId4"/>
     <p:sldId id="259" r:id="rId5"/>
     <p:sldId id="260" r:id="rId6"/>
-    <p:sldId id="261" r:id="rId7"/>
-    <p:sldId id="263" r:id="rId8"/>
+    <p:sldId id="264" r:id="rId7"/>
+    <p:sldId id="261" r:id="rId8"/>
+    <p:sldId id="263" r:id="rId9"/>
   </p:sldIdLst>
   <p:sldSz cx="12192000" cy="6858000"/>
   <p:notesSz cx="6858000" cy="9144000"/>
@@ -121,6 +122,18 @@
 </p:presentation>
 </file>
 
+<file path=ppt/commentAuthors.xml><?xml version="1.0" encoding="utf-8"?>
+<p:cmAuthorLst xmlns:a="http://schemas.openxmlformats.org/drawingml/2006/main" xmlns:r="http://schemas.openxmlformats.org/officeDocument/2006/relationships" xmlns:p="http://schemas.openxmlformats.org/presentationml/2006/main">
+  <p:cmAuthor id="1" name="Ольга Платонова" initials="ОП" lastIdx="5" clrIdx="0">
+    <p:extLst>
+      <p:ext uri="{19B8F6BF-5375-455C-9EA6-DF929625EA0E}">
+        <p15:presenceInfo xmlns:p15="http://schemas.microsoft.com/office/powerpoint/2012/main" userId="b7a68a3ec46e1b54" providerId="Windows Live"/>
+      </p:ext>
+    </p:extLst>
+  </p:cmAuthor>
+</p:cmAuthorLst>
+</file>
+
 <file path=ppt/charts/chart1.xml><?xml version="1.0" encoding="utf-8"?>
 <c:chartSpace xmlns:c="http://schemas.openxmlformats.org/drawingml/2006/chart" xmlns:a="http://schemas.openxmlformats.org/drawingml/2006/main" xmlns:r="http://schemas.openxmlformats.org/officeDocument/2006/relationships" xmlns:c16r2="http://schemas.microsoft.com/office/drawing/2015/06/chart">
   <c:date1904 val="0"/>
@@ -184,6 +197,7 @@
           </a:p>
         </c:rich>
       </c:tx>
+      <c:layout/>
       <c:overlay val="0"/>
       <c:spPr>
         <a:noFill/>
@@ -302,7 +316,7 @@
           <c:smooth val="0"/>
           <c:extLst>
             <c:ext xmlns:c16="http://schemas.microsoft.com/office/drawing/2014/chart" uri="{C3380CC4-5D6E-409C-BE32-E72D297353CC}">
-              <c16:uniqueId val="{00000000-F16F-4864-BB7D-7D570B9AF351}"/>
+              <c16:uniqueId val="{00000000-B06A-4FC7-857D-32013CA26880}"/>
             </c:ext>
           </c:extLst>
         </c:ser>
@@ -389,7 +403,7 @@
           <c:smooth val="0"/>
           <c:extLst>
             <c:ext xmlns:c16="http://schemas.microsoft.com/office/drawing/2014/chart" uri="{C3380CC4-5D6E-409C-BE32-E72D297353CC}">
-              <c16:uniqueId val="{00000001-F16F-4864-BB7D-7D570B9AF351}"/>
+              <c16:uniqueId val="{00000001-B06A-4FC7-857D-32013CA26880}"/>
             </c:ext>
           </c:extLst>
         </c:ser>
@@ -462,6 +476,7 @@
               </a:p>
             </c:rich>
           </c:tx>
+          <c:layout/>
           <c:overlay val="0"/>
           <c:spPr>
             <a:noFill/>
@@ -605,6 +620,7 @@
               </a:p>
             </c:rich>
           </c:tx>
+          <c:layout/>
           <c:overlay val="0"/>
           <c:spPr>
             <a:noFill/>
@@ -679,6 +695,7 @@
     </c:plotArea>
     <c:legend>
       <c:legendPos val="b"/>
+      <c:layout/>
       <c:overlay val="0"/>
       <c:spPr>
         <a:noFill/>
@@ -723,7 +740,7 @@
     <a:bodyPr/>
     <a:lstStyle/>
     <a:p>
-      <a:pPr>
+      <a:pPr algn="just">
         <a:defRPr/>
       </a:pPr>
       <a:endParaRPr lang="ru-RU"/>
@@ -1278,6 +1295,58 @@
 </cs:chartStyle>
 </file>
 
+<file path=ppt/comments/comment1.xml><?xml version="1.0" encoding="utf-8"?>
+<p:cmLst xmlns:a="http://schemas.openxmlformats.org/drawingml/2006/main" xmlns:r="http://schemas.openxmlformats.org/officeDocument/2006/relationships" xmlns:p="http://schemas.openxmlformats.org/presentationml/2006/main">
+  <p:cm authorId="1" dt="2021-12-25T13:35:14.466" idx="1">
+    <p:pos x="10" y="10"/>
+    <p:text>Актуальность задачи. Рассказать, что даже при реализации многопоточности, "узким горлышком" является подключение к БД. Раасказать п. 1.4.</p:text>
+    <p:extLst>
+      <p:ext uri="{C676402C-5697-4E1C-873F-D02D1690AC5C}">
+        <p15:threadingInfo xmlns:p15="http://schemas.microsoft.com/office/powerpoint/2012/main" timeZoneBias="-180"/>
+      </p:ext>
+    </p:extLst>
+  </p:cm>
+</p:cmLst>
+</file>
+
+<file path=ppt/comments/comment2.xml><?xml version="1.0" encoding="utf-8"?>
+<p:cmLst xmlns:a="http://schemas.openxmlformats.org/drawingml/2006/main" xmlns:r="http://schemas.openxmlformats.org/officeDocument/2006/relationships" xmlns:p="http://schemas.openxmlformats.org/presentationml/2006/main">
+  <p:cm authorId="1" dt="2021-12-25T13:54:05.369" idx="3">
+    <p:pos x="10" y="10"/>
+    <p:text>Одной из наиболее сильных сторон PostgreSQL является архитектура,
+основанная на модели «клиент-сервер».</p:text>
+    <p:extLst>
+      <p:ext uri="{C676402C-5697-4E1C-873F-D02D1690AC5C}">
+        <p15:threadingInfo xmlns:p15="http://schemas.microsoft.com/office/powerpoint/2012/main" timeZoneBias="-180"/>
+      </p:ext>
+    </p:extLst>
+  </p:cm>
+  <p:cm authorId="1" dt="2021-12-25T13:56:00.865" idx="4">
+    <p:pos x="146" y="146"/>
+    <p:text>Соединение, установленное клиентом, принимается демоном postmaster, который в дальнейшем с помощью системного вызова fork() создаст новый серверный процесс для обслуживания соединения данного клиента.</p:text>
+    <p:extLst>
+      <p:ext uri="{C676402C-5697-4E1C-873F-D02D1690AC5C}">
+        <p15:threadingInfo xmlns:p15="http://schemas.microsoft.com/office/powerpoint/2012/main" timeZoneBias="-180"/>
+      </p:ext>
+    </p:extLst>
+  </p:cm>
+</p:cmLst>
+</file>
+
+<file path=ppt/comments/comment3.xml><?xml version="1.0" encoding="utf-8"?>
+<p:cmLst xmlns:a="http://schemas.openxmlformats.org/drawingml/2006/main" xmlns:r="http://schemas.openxmlformats.org/officeDocument/2006/relationships" xmlns:p="http://schemas.openxmlformats.org/presentationml/2006/main">
+  <p:cm authorId="1" dt="2021-12-25T14:05:22.321" idx="5">
+    <p:pos x="10" y="10"/>
+    <p:text>Поскольку операция подключения — одна из самых дорогостоящих (процесс подключения к БД занимает от 2 до 3 МБ), рост количества потоков может привести к замедлению работы программы</p:text>
+    <p:extLst>
+      <p:ext uri="{C676402C-5697-4E1C-873F-D02D1690AC5C}">
+        <p15:threadingInfo xmlns:p15="http://schemas.microsoft.com/office/powerpoint/2012/main" timeZoneBias="-180"/>
+      </p:ext>
+    </p:extLst>
+  </p:cm>
+</p:cmLst>
+</file>
+
 <file path=ppt/notesMasters/notesMaster1.xml><?xml version="1.0" encoding="utf-8"?>
 <p:notesMaster xmlns:a="http://schemas.openxmlformats.org/drawingml/2006/main" xmlns:r="http://schemas.openxmlformats.org/officeDocument/2006/relationships" xmlns:p="http://schemas.openxmlformats.org/presentationml/2006/main">
   <p:cSld>
@@ -5143,12 +5212,12 @@
       </p:sp>
       <p:sp>
         <p:nvSpPr>
-          <p:cNvPr id="3" name="Объект 2"/>
-          <p:cNvSpPr>
-            <a:spLocks noGrp="1"/>
-          </p:cNvSpPr>
-          <p:nvPr>
-            <p:ph idx="1"/>
+          <p:cNvPr id="4" name="Номер слайда 3"/>
+          <p:cNvSpPr>
+            <a:spLocks noGrp="1"/>
+          </p:cNvSpPr>
+          <p:nvPr>
+            <p:ph type="sldNum" sz="quarter" idx="12"/>
           </p:nvPr>
         </p:nvSpPr>
         <p:spPr/>
@@ -5156,82 +5225,130 @@
           <a:bodyPr/>
           <a:lstStyle/>
           <a:p>
+            <a:fld id="{5D15703D-96D9-4C94-B196-0ED7D1E8A93C}" type="slidenum">
+              <a:rPr lang="ru-RU" smtClean="0"/>
+              <a:t>3</a:t>
+            </a:fld>
+            <a:endParaRPr lang="ru-RU" dirty="0"/>
+          </a:p>
+        </p:txBody>
+      </p:sp>
+      <p:graphicFrame>
+        <p:nvGraphicFramePr>
+          <p:cNvPr id="5" name="Объект 4"/>
+          <p:cNvGraphicFramePr>
+            <a:graphicFrameLocks noGrp="1"/>
+          </p:cNvGraphicFramePr>
+          <p:nvPr>
+            <p:ph idx="1"/>
+            <p:extLst>
+              <p:ext uri="{D42A27DB-BD31-4B8C-83A1-F6EECF244321}">
+                <p14:modId xmlns:p14="http://schemas.microsoft.com/office/powerpoint/2010/main" val="2060373614"/>
+              </p:ext>
+            </p:extLst>
+          </p:nvPr>
+        </p:nvGraphicFramePr>
+        <p:xfrm>
+          <a:off x="838200" y="2244870"/>
+          <a:ext cx="5996709" cy="3311004"/>
+        </p:xfrm>
+        <a:graphic>
+          <a:graphicData uri="http://schemas.openxmlformats.org/drawingml/2006/chart">
+            <c:chart xmlns:c="http://schemas.openxmlformats.org/drawingml/2006/chart" xmlns:r="http://schemas.openxmlformats.org/officeDocument/2006/relationships" r:id="rId2"/>
+          </a:graphicData>
+        </a:graphic>
+      </p:graphicFrame>
+      <p:sp>
+        <p:nvSpPr>
+          <p:cNvPr id="6" name="TextBox 5"/>
+          <p:cNvSpPr txBox="1"/>
+          <p:nvPr/>
+        </p:nvSpPr>
+        <p:spPr>
+          <a:xfrm>
+            <a:off x="7257474" y="2244870"/>
+            <a:ext cx="4886035" cy="923330"/>
+          </a:xfrm>
+          <a:prstGeom prst="rect">
+            <a:avLst/>
+          </a:prstGeom>
+          <a:noFill/>
+        </p:spPr>
+        <p:txBody>
+          <a:bodyPr wrap="square" rtlCol="0">
+            <a:spAutoFit/>
+          </a:bodyPr>
+          <a:lstStyle/>
+          <a:p>
+            <a:r>
+              <a:rPr lang="ru-RU" dirty="0">
+                <a:latin typeface="Times New Roman" panose="02020603050405020304" pitchFamily="18" charset="0"/>
+                <a:cs typeface="Times New Roman" panose="02020603050405020304" pitchFamily="18" charset="0"/>
+              </a:rPr>
+              <a:t>Выбор </a:t>
+            </a:r>
+            <a:r>
+              <a:rPr lang="en-US" dirty="0" smtClean="0">
+                <a:latin typeface="Times New Roman" panose="02020603050405020304" pitchFamily="18" charset="0"/>
+                <a:cs typeface="Times New Roman" panose="02020603050405020304" pitchFamily="18" charset="0"/>
+              </a:rPr>
+              <a:t>PostgreSQL </a:t>
+            </a:r>
             <a:r>
               <a:rPr lang="ru-RU" dirty="0" smtClean="0">
                 <a:latin typeface="Times New Roman" panose="02020603050405020304" pitchFamily="18" charset="0"/>
                 <a:cs typeface="Times New Roman" panose="02020603050405020304" pitchFamily="18" charset="0"/>
               </a:rPr>
-              <a:t>Работа пользовательского приложения, взаимодействующего с БД, основана на </a:t>
-            </a:r>
-            <a:r>
-              <a:rPr lang="ru-RU" dirty="0" err="1" smtClean="0">
-                <a:latin typeface="Times New Roman" panose="02020603050405020304" pitchFamily="18" charset="0"/>
-                <a:cs typeface="Times New Roman" panose="02020603050405020304" pitchFamily="18" charset="0"/>
-              </a:rPr>
-              <a:t>многопоточности</a:t>
-            </a:r>
+              <a:t>аргументирован</a:t>
+            </a:r>
+            <a:endParaRPr lang="en-US" dirty="0" smtClean="0">
+              <a:latin typeface="Times New Roman" panose="02020603050405020304" pitchFamily="18" charset="0"/>
+              <a:cs typeface="Times New Roman" panose="02020603050405020304" pitchFamily="18" charset="0"/>
+            </a:endParaRPr>
+          </a:p>
+          <a:p>
+            <a:pPr marL="285750" indent="-285750">
+              <a:buFont typeface="Arial" panose="020B0604020202020204" pitchFamily="34" charset="0"/>
+              <a:buChar char="•"/>
+            </a:pPr>
             <a:r>
               <a:rPr lang="ru-RU" dirty="0" smtClean="0">
                 <a:latin typeface="Times New Roman" panose="02020603050405020304" pitchFamily="18" charset="0"/>
                 <a:cs typeface="Times New Roman" panose="02020603050405020304" pitchFamily="18" charset="0"/>
               </a:rPr>
-              <a:t>. </a:t>
+              <a:t>доступностью </a:t>
+            </a:r>
+            <a:r>
+              <a:rPr lang="ru-RU" dirty="0">
+                <a:latin typeface="Times New Roman" panose="02020603050405020304" pitchFamily="18" charset="0"/>
+                <a:cs typeface="Times New Roman" panose="02020603050405020304" pitchFamily="18" charset="0"/>
+              </a:rPr>
+              <a:t>исходного </a:t>
             </a:r>
             <a:r>
               <a:rPr lang="ru-RU" dirty="0" smtClean="0">
                 <a:latin typeface="Times New Roman" panose="02020603050405020304" pitchFamily="18" charset="0"/>
                 <a:cs typeface="Times New Roman" panose="02020603050405020304" pitchFamily="18" charset="0"/>
               </a:rPr>
-              <a:t>Требуется</a:t>
-            </a:r>
-            <a:r>
-              <a:rPr lang="en-US" dirty="0" smtClean="0">
-                <a:latin typeface="Times New Roman" panose="02020603050405020304" pitchFamily="18" charset="0"/>
-                <a:cs typeface="Times New Roman" panose="02020603050405020304" pitchFamily="18" charset="0"/>
-              </a:rPr>
-              <a:t> </a:t>
-            </a:r>
+              <a:t>кода;</a:t>
+            </a:r>
+          </a:p>
+          <a:p>
+            <a:pPr marL="285750" indent="-285750">
+              <a:buFont typeface="Arial" panose="020B0604020202020204" pitchFamily="34" charset="0"/>
+              <a:buChar char="•"/>
+            </a:pPr>
             <a:r>
               <a:rPr lang="ru-RU" dirty="0" smtClean="0">
                 <a:latin typeface="Times New Roman" panose="02020603050405020304" pitchFamily="18" charset="0"/>
                 <a:cs typeface="Times New Roman" panose="02020603050405020304" pitchFamily="18" charset="0"/>
               </a:rPr>
-              <a:t>оптимизировать работу приложения путем реализации метода, позволяющего выполнять </a:t>
-            </a:r>
-            <a:r>
-              <a:rPr lang="ru-RU" dirty="0" smtClean="0">
-                <a:latin typeface="Times New Roman" panose="02020603050405020304" pitchFamily="18" charset="0"/>
-                <a:cs typeface="Times New Roman" panose="02020603050405020304" pitchFamily="18" charset="0"/>
-              </a:rPr>
-              <a:t>одно соединение, которое будет передано в каждый поток.  </a:t>
+              <a:t>кроссплатформенностью.</a:t>
             </a:r>
             <a:endParaRPr lang="ru-RU" dirty="0">
               <a:latin typeface="Times New Roman" panose="02020603050405020304" pitchFamily="18" charset="0"/>
               <a:cs typeface="Times New Roman" panose="02020603050405020304" pitchFamily="18" charset="0"/>
             </a:endParaRPr>
-          </a:p>
-        </p:txBody>
-      </p:sp>
-      <p:sp>
-        <p:nvSpPr>
-          <p:cNvPr id="4" name="Номер слайда 3"/>
-          <p:cNvSpPr>
-            <a:spLocks noGrp="1"/>
-          </p:cNvSpPr>
-          <p:nvPr>
-            <p:ph type="sldNum" sz="quarter" idx="12"/>
-          </p:nvPr>
-        </p:nvSpPr>
-        <p:spPr/>
-        <p:txBody>
-          <a:bodyPr/>
-          <a:lstStyle/>
-          <a:p>
-            <a:fld id="{5D15703D-96D9-4C94-B196-0ED7D1E8A93C}" type="slidenum">
-              <a:rPr lang="ru-RU" smtClean="0"/>
-              <a:t>3</a:t>
-            </a:fld>
-            <a:endParaRPr lang="ru-RU" dirty="0"/>
           </a:p>
         </p:txBody>
       </p:sp>
@@ -5997,28 +6114,165 @@
           </a:p>
         </p:txBody>
       </p:sp>
-      <p:graphicFrame>
-        <p:nvGraphicFramePr>
-          <p:cNvPr id="8" name="Диаграмма 7"/>
-          <p:cNvGraphicFramePr/>
-          <p:nvPr>
-            <p:extLst>
-              <p:ext uri="{D42A27DB-BD31-4B8C-83A1-F6EECF244321}">
-                <p14:modId xmlns:p14="http://schemas.microsoft.com/office/powerpoint/2010/main" val="1630199647"/>
-              </p:ext>
-            </p:extLst>
-          </p:nvPr>
-        </p:nvGraphicFramePr>
-        <p:xfrm>
-          <a:off x="191588" y="2072640"/>
-          <a:ext cx="5486400" cy="3200400"/>
-        </p:xfrm>
-        <a:graphic>
-          <a:graphicData uri="http://schemas.openxmlformats.org/drawingml/2006/chart">
-            <c:chart xmlns:c="http://schemas.openxmlformats.org/drawingml/2006/chart" xmlns:r="http://schemas.openxmlformats.org/officeDocument/2006/relationships" r:id="rId2"/>
-          </a:graphicData>
-        </a:graphic>
-      </p:graphicFrame>
+      <p:sp>
+        <p:nvSpPr>
+          <p:cNvPr id="3" name="TextBox 2"/>
+          <p:cNvSpPr txBox="1"/>
+          <p:nvPr/>
+        </p:nvSpPr>
+        <p:spPr>
+          <a:xfrm>
+            <a:off x="518061" y="2733039"/>
+            <a:ext cx="5532582" cy="2185214"/>
+          </a:xfrm>
+          <a:prstGeom prst="rect">
+            <a:avLst/>
+          </a:prstGeom>
+          <a:noFill/>
+        </p:spPr>
+        <p:txBody>
+          <a:bodyPr wrap="square" rtlCol="0">
+            <a:spAutoFit/>
+          </a:bodyPr>
+          <a:lstStyle/>
+          <a:p>
+            <a:pPr>
+              <a:lnSpc>
+                <a:spcPct val="150000"/>
+              </a:lnSpc>
+            </a:pPr>
+            <a:r>
+              <a:rPr lang="ru-RU" sz="2400" u="sng" dirty="0" smtClean="0">
+                <a:latin typeface="Times New Roman" panose="02020603050405020304" pitchFamily="18" charset="0"/>
+                <a:cs typeface="Times New Roman" panose="02020603050405020304" pitchFamily="18" charset="0"/>
+              </a:rPr>
+              <a:t>Преимущество реализации</a:t>
+            </a:r>
+            <a:r>
+              <a:rPr lang="en-US" sz="2400" u="sng" dirty="0">
+                <a:latin typeface="Times New Roman" panose="02020603050405020304" pitchFamily="18" charset="0"/>
+                <a:cs typeface="Times New Roman" panose="02020603050405020304" pitchFamily="18" charset="0"/>
+              </a:rPr>
+              <a:t>:</a:t>
+            </a:r>
+            <a:endParaRPr lang="ru-RU" sz="2400" u="sng" dirty="0" smtClean="0">
+              <a:latin typeface="Times New Roman" panose="02020603050405020304" pitchFamily="18" charset="0"/>
+              <a:cs typeface="Times New Roman" panose="02020603050405020304" pitchFamily="18" charset="0"/>
+            </a:endParaRPr>
+          </a:p>
+          <a:p>
+            <a:pPr marL="285750" indent="-285750">
+              <a:buFont typeface="Arial" panose="020B0604020202020204" pitchFamily="34" charset="0"/>
+              <a:buChar char="•"/>
+            </a:pPr>
+            <a:r>
+              <a:rPr lang="ru-RU" sz="2000" dirty="0">
+                <a:latin typeface="Times New Roman" panose="02020603050405020304" pitchFamily="18" charset="0"/>
+                <a:cs typeface="Times New Roman" panose="02020603050405020304" pitchFamily="18" charset="0"/>
+              </a:rPr>
+              <a:t>п</a:t>
+            </a:r>
+            <a:r>
+              <a:rPr lang="ru-RU" sz="2000" dirty="0" smtClean="0">
+                <a:latin typeface="Times New Roman" panose="02020603050405020304" pitchFamily="18" charset="0"/>
+                <a:cs typeface="Times New Roman" panose="02020603050405020304" pitchFamily="18" charset="0"/>
+              </a:rPr>
+              <a:t>ри </a:t>
+            </a:r>
+            <a:r>
+              <a:rPr lang="ru-RU" sz="2000" dirty="0">
+                <a:latin typeface="Times New Roman" panose="02020603050405020304" pitchFamily="18" charset="0"/>
+                <a:cs typeface="Times New Roman" panose="02020603050405020304" pitchFamily="18" charset="0"/>
+              </a:rPr>
+              <a:t>работе с </a:t>
+            </a:r>
+            <a:r>
+              <a:rPr lang="ru-RU" sz="2000" dirty="0" smtClean="0">
+                <a:latin typeface="Times New Roman" panose="02020603050405020304" pitchFamily="18" charset="0"/>
+                <a:cs typeface="Times New Roman" panose="02020603050405020304" pitchFamily="18" charset="0"/>
+              </a:rPr>
+              <a:t>БД из </a:t>
+            </a:r>
+            <a:r>
+              <a:rPr lang="ru-RU" sz="2000" dirty="0">
+                <a:latin typeface="Times New Roman" panose="02020603050405020304" pitchFamily="18" charset="0"/>
+                <a:cs typeface="Times New Roman" panose="02020603050405020304" pitchFamily="18" charset="0"/>
+              </a:rPr>
+              <a:t>100000 записей, время выполнения запросов примерно в 1000 раз выше </a:t>
+            </a:r>
+            <a:r>
+              <a:rPr lang="ru-RU" sz="2000" dirty="0" smtClean="0">
+                <a:latin typeface="Times New Roman" panose="02020603050405020304" pitchFamily="18" charset="0"/>
+                <a:cs typeface="Times New Roman" panose="02020603050405020304" pitchFamily="18" charset="0"/>
+              </a:rPr>
+              <a:t>у</a:t>
+            </a:r>
+            <a:r>
+              <a:rPr lang="en-US" sz="2000" dirty="0" smtClean="0">
+                <a:latin typeface="Times New Roman" panose="02020603050405020304" pitchFamily="18" charset="0"/>
+                <a:cs typeface="Times New Roman" panose="02020603050405020304" pitchFamily="18" charset="0"/>
+              </a:rPr>
+              <a:t> </a:t>
+            </a:r>
+            <a:r>
+              <a:rPr lang="ru-RU" sz="2000" dirty="0" smtClean="0">
+                <a:latin typeface="Times New Roman" panose="02020603050405020304" pitchFamily="18" charset="0"/>
+                <a:cs typeface="Times New Roman" panose="02020603050405020304" pitchFamily="18" charset="0"/>
+              </a:rPr>
+              <a:t>однопоточной </a:t>
+            </a:r>
+            <a:r>
+              <a:rPr lang="ru-RU" sz="2000" dirty="0">
+                <a:latin typeface="Times New Roman" panose="02020603050405020304" pitchFamily="18" charset="0"/>
+                <a:cs typeface="Times New Roman" panose="02020603050405020304" pitchFamily="18" charset="0"/>
+              </a:rPr>
+              <a:t>программы. </a:t>
+            </a:r>
+            <a:endParaRPr lang="en-US" sz="2000" dirty="0" smtClean="0">
+              <a:latin typeface="Times New Roman" panose="02020603050405020304" pitchFamily="18" charset="0"/>
+              <a:cs typeface="Times New Roman" panose="02020603050405020304" pitchFamily="18" charset="0"/>
+            </a:endParaRPr>
+          </a:p>
+          <a:p>
+            <a:pPr marL="285750" indent="-285750">
+              <a:buFont typeface="Arial" panose="020B0604020202020204" pitchFamily="34" charset="0"/>
+              <a:buChar char="•"/>
+            </a:pPr>
+            <a:r>
+              <a:rPr lang="ru-RU" sz="2000" dirty="0">
+                <a:latin typeface="Times New Roman" panose="02020603050405020304" pitchFamily="18" charset="0"/>
+                <a:cs typeface="Times New Roman" panose="02020603050405020304" pitchFamily="18" charset="0"/>
+              </a:rPr>
+              <a:t>О</a:t>
+            </a:r>
+            <a:r>
+              <a:rPr lang="ru-RU" sz="2000" dirty="0" smtClean="0">
+                <a:latin typeface="Times New Roman" panose="02020603050405020304" pitchFamily="18" charset="0"/>
+                <a:cs typeface="Times New Roman" panose="02020603050405020304" pitchFamily="18" charset="0"/>
+              </a:rPr>
+              <a:t>днопоточная </a:t>
+            </a:r>
+            <a:r>
+              <a:rPr lang="ru-RU" sz="2000" dirty="0">
+                <a:latin typeface="Times New Roman" panose="02020603050405020304" pitchFamily="18" charset="0"/>
+                <a:cs typeface="Times New Roman" panose="02020603050405020304" pitchFamily="18" charset="0"/>
+              </a:rPr>
+              <a:t>модель показывает нестабильную работу на больших </a:t>
+            </a:r>
+            <a:r>
+              <a:rPr lang="ru-RU" sz="2000" dirty="0" smtClean="0">
+                <a:latin typeface="Times New Roman" panose="02020603050405020304" pitchFamily="18" charset="0"/>
+                <a:cs typeface="Times New Roman" panose="02020603050405020304" pitchFamily="18" charset="0"/>
+              </a:rPr>
+              <a:t>данных. </a:t>
+            </a:r>
+            <a:endParaRPr lang="ru-RU" sz="2000" dirty="0">
+              <a:latin typeface="Times New Roman" panose="02020603050405020304" pitchFamily="18" charset="0"/>
+              <a:cs typeface="Times New Roman" panose="02020603050405020304" pitchFamily="18" charset="0"/>
+            </a:endParaRPr>
+          </a:p>
+        </p:txBody>
+      </p:sp>
     </p:spTree>
     <p:extLst>
       <p:ext uri="{BB962C8B-B14F-4D97-AF65-F5344CB8AC3E}">
@@ -6058,12 +6312,12 @@
       </p:grpSpPr>
       <p:sp>
         <p:nvSpPr>
-          <p:cNvPr id="2" name="Заголовок 1"/>
-          <p:cNvSpPr>
-            <a:spLocks noGrp="1"/>
-          </p:cNvSpPr>
-          <p:nvPr>
-            <p:ph type="title"/>
+          <p:cNvPr id="3" name="Номер слайда 2"/>
+          <p:cNvSpPr>
+            <a:spLocks noGrp="1"/>
+          </p:cNvSpPr>
+          <p:nvPr>
+            <p:ph type="sldNum" sz="quarter" idx="12"/>
           </p:nvPr>
         </p:nvSpPr>
         <p:spPr/>
@@ -6071,6 +6325,31 @@
           <a:bodyPr/>
           <a:lstStyle/>
           <a:p>
+            <a:fld id="{5D15703D-96D9-4C94-B196-0ED7D1E8A93C}" type="slidenum">
+              <a:rPr lang="ru-RU" smtClean="0"/>
+              <a:t>6</a:t>
+            </a:fld>
+            <a:endParaRPr lang="ru-RU" dirty="0"/>
+          </a:p>
+        </p:txBody>
+      </p:sp>
+      <p:sp>
+        <p:nvSpPr>
+          <p:cNvPr id="4" name="Заголовок 1"/>
+          <p:cNvSpPr>
+            <a:spLocks noGrp="1"/>
+          </p:cNvSpPr>
+          <p:nvPr>
+            <p:ph type="title"/>
+          </p:nvPr>
+        </p:nvSpPr>
+        <p:spPr/>
+        <p:txBody>
+          <a:bodyPr>
+            <a:normAutofit fontScale="90000"/>
+          </a:bodyPr>
+          <a:lstStyle/>
+          <a:p>
             <a:r>
               <a:rPr lang="ru-RU" dirty="0" smtClean="0">
                 <a:latin typeface="Times New Roman" panose="02020603050405020304" pitchFamily="18" charset="0"/>
@@ -6085,11 +6364,31 @@
               </a:rPr>
             </a:br>
             <a:r>
-              <a:rPr lang="ru-RU" dirty="0" smtClean="0">
-                <a:latin typeface="Times New Roman" panose="02020603050405020304" pitchFamily="18" charset="0"/>
-                <a:cs typeface="Times New Roman" panose="02020603050405020304" pitchFamily="18" charset="0"/>
-              </a:rPr>
-              <a:t>Пул соединений</a:t>
+              <a:rPr lang="ru-RU" smtClean="0">
+                <a:latin typeface="Times New Roman" panose="02020603050405020304" pitchFamily="18" charset="0"/>
+                <a:cs typeface="Times New Roman" panose="02020603050405020304" pitchFamily="18" charset="0"/>
+              </a:rPr>
+              <a:t>Пул </a:t>
+            </a:r>
+            <a:r>
+              <a:rPr lang="ru-RU" smtClean="0">
+                <a:latin typeface="Times New Roman" panose="02020603050405020304" pitchFamily="18" charset="0"/>
+                <a:cs typeface="Times New Roman" panose="02020603050405020304" pitchFamily="18" charset="0"/>
+              </a:rPr>
+              <a:t>соединений</a:t>
+            </a:r>
+            <a:br>
+              <a:rPr lang="ru-RU" smtClean="0">
+                <a:latin typeface="Times New Roman" panose="02020603050405020304" pitchFamily="18" charset="0"/>
+                <a:cs typeface="Times New Roman" panose="02020603050405020304" pitchFamily="18" charset="0"/>
+              </a:rPr>
+            </a:br>
+            <a:r>
+              <a:rPr lang="ru-RU" smtClean="0">
+                <a:latin typeface="Times New Roman" panose="02020603050405020304" pitchFamily="18" charset="0"/>
+                <a:cs typeface="Times New Roman" panose="02020603050405020304" pitchFamily="18" charset="0"/>
+              </a:rPr>
+              <a:t>ЧТО ТУТ????</a:t>
             </a:r>
             <a:endParaRPr lang="ru-RU" dirty="0">
               <a:latin typeface="Times New Roman" panose="02020603050405020304" pitchFamily="18" charset="0"/>
@@ -6098,14 +6397,106 @@
           </a:p>
         </p:txBody>
       </p:sp>
-      <p:sp>
-        <p:nvSpPr>
-          <p:cNvPr id="6" name="Номер слайда 5"/>
-          <p:cNvSpPr>
-            <a:spLocks noGrp="1"/>
-          </p:cNvSpPr>
-          <p:nvPr>
-            <p:ph type="sldNum" sz="quarter" idx="12"/>
+      <p:pic>
+        <p:nvPicPr>
+          <p:cNvPr id="5" name="Рисунок 4"/>
+          <p:cNvPicPr>
+            <a:picLocks noChangeAspect="1"/>
+          </p:cNvPicPr>
+          <p:nvPr/>
+        </p:nvPicPr>
+        <p:blipFill>
+          <a:blip r:embed="rId2">
+            <a:extLst>
+              <a:ext uri="{28A0092B-C50C-407E-A947-70E740481C1C}">
+                <a14:useLocalDpi xmlns:a14="http://schemas.microsoft.com/office/drawing/2010/main" val="0"/>
+              </a:ext>
+            </a:extLst>
+          </a:blip>
+          <a:stretch>
+            <a:fillRect/>
+          </a:stretch>
+        </p:blipFill>
+        <p:spPr>
+          <a:xfrm>
+            <a:off x="838200" y="2582862"/>
+            <a:ext cx="4105275" cy="2505075"/>
+          </a:xfrm>
+          <a:prstGeom prst="rect">
+            <a:avLst/>
+          </a:prstGeom>
+        </p:spPr>
+      </p:pic>
+      <p:sp>
+        <p:nvSpPr>
+          <p:cNvPr id="6" name="TextBox 5"/>
+          <p:cNvSpPr txBox="1"/>
+          <p:nvPr/>
+        </p:nvSpPr>
+        <p:spPr>
+          <a:xfrm>
+            <a:off x="5781964" y="2438400"/>
+            <a:ext cx="6059054" cy="4247317"/>
+          </a:xfrm>
+          <a:prstGeom prst="rect">
+            <a:avLst/>
+          </a:prstGeom>
+          <a:noFill/>
+        </p:spPr>
+        <p:txBody>
+          <a:bodyPr wrap="square" rtlCol="0">
+            <a:spAutoFit/>
+          </a:bodyPr>
+          <a:lstStyle/>
+          <a:p>
+            <a:r>
+              <a:rPr lang="ru-RU" dirty="0">
+                <a:latin typeface="Times New Roman" panose="02020603050405020304" pitchFamily="18" charset="0"/>
+                <a:cs typeface="Times New Roman" panose="02020603050405020304" pitchFamily="18" charset="0"/>
+              </a:rPr>
+              <a:t>Пул соединений имеет несколько недостатков, один из которых заключается в ограничении максимального количества одновременных подключений к БД. В зависимости от реализации, пользователь может задать размер пула, а также количество соединений, которое может быть добавлено в пул. К другому существенному недостатку следует отнести сложность реализации, а также встраиваемость кода (особенно в крупных компаниях). Также следует обратить внимание на расчет следующих параметров: минимальное количество соединений, максимальное количество пулов соединений, максимальное время простоя, время ожидания соединения, количество попыток после тайм-аута. От корректной конфигурации пула зависит то, насколько увеличится пропускная способность транзакции.</a:t>
+            </a:r>
+          </a:p>
+        </p:txBody>
+      </p:sp>
+    </p:spTree>
+    <p:extLst>
+      <p:ext uri="{BB962C8B-B14F-4D97-AF65-F5344CB8AC3E}">
+        <p14:creationId xmlns:p14="http://schemas.microsoft.com/office/powerpoint/2010/main" val="799910520"/>
+      </p:ext>
+    </p:extLst>
+  </p:cSld>
+  <p:clrMapOvr>
+    <a:masterClrMapping/>
+  </p:clrMapOvr>
+</p:sld>
+</file>
+
+<file path=ppt/slides/slide7.xml><?xml version="1.0" encoding="utf-8"?>
+<p:sld xmlns:a="http://schemas.openxmlformats.org/drawingml/2006/main" xmlns:r="http://schemas.openxmlformats.org/officeDocument/2006/relationships" xmlns:p="http://schemas.openxmlformats.org/presentationml/2006/main">
+  <p:cSld>
+    <p:spTree>
+      <p:nvGrpSpPr>
+        <p:cNvPr id="1" name=""/>
+        <p:cNvGrpSpPr/>
+        <p:nvPr/>
+      </p:nvGrpSpPr>
+      <p:grpSpPr>
+        <a:xfrm>
+          <a:off x="0" y="0"/>
+          <a:ext cx="0" cy="0"/>
+          <a:chOff x="0" y="0"/>
+          <a:chExt cx="0" cy="0"/>
+        </a:xfrm>
+      </p:grpSpPr>
+      <p:sp>
+        <p:nvSpPr>
+          <p:cNvPr id="2" name="Заголовок 1"/>
+          <p:cNvSpPr>
+            <a:spLocks noGrp="1"/>
+          </p:cNvSpPr>
+          <p:nvPr>
+            <p:ph type="title"/>
           </p:nvPr>
         </p:nvSpPr>
         <p:spPr/>
@@ -6113,12 +6504,54 @@
           <a:bodyPr/>
           <a:lstStyle/>
           <a:p>
+            <a:r>
+              <a:rPr lang="ru-RU" dirty="0" smtClean="0">
+                <a:latin typeface="Times New Roman" panose="02020603050405020304" pitchFamily="18" charset="0"/>
+                <a:cs typeface="Times New Roman" panose="02020603050405020304" pitchFamily="18" charset="0"/>
+              </a:rPr>
+              <a:t>Анализ существующих решений. </a:t>
+            </a:r>
+            <a:br>
+              <a:rPr lang="ru-RU" dirty="0" smtClean="0">
+                <a:latin typeface="Times New Roman" panose="02020603050405020304" pitchFamily="18" charset="0"/>
+                <a:cs typeface="Times New Roman" panose="02020603050405020304" pitchFamily="18" charset="0"/>
+              </a:rPr>
+            </a:br>
+            <a:r>
+              <a:rPr lang="ru-RU" dirty="0" smtClean="0">
+                <a:latin typeface="Times New Roman" panose="02020603050405020304" pitchFamily="18" charset="0"/>
+                <a:cs typeface="Times New Roman" panose="02020603050405020304" pitchFamily="18" charset="0"/>
+              </a:rPr>
+              <a:t>Пул соединений</a:t>
+            </a:r>
+            <a:endParaRPr lang="ru-RU" dirty="0">
+              <a:latin typeface="Times New Roman" panose="02020603050405020304" pitchFamily="18" charset="0"/>
+              <a:cs typeface="Times New Roman" panose="02020603050405020304" pitchFamily="18" charset="0"/>
+            </a:endParaRPr>
+          </a:p>
+        </p:txBody>
+      </p:sp>
+      <p:sp>
+        <p:nvSpPr>
+          <p:cNvPr id="6" name="Номер слайда 5"/>
+          <p:cNvSpPr>
+            <a:spLocks noGrp="1"/>
+          </p:cNvSpPr>
+          <p:nvPr>
+            <p:ph type="sldNum" sz="quarter" idx="12"/>
+          </p:nvPr>
+        </p:nvSpPr>
+        <p:spPr/>
+        <p:txBody>
+          <a:bodyPr/>
+          <a:lstStyle/>
+          <a:p>
             <a:fld id="{5D15703D-96D9-4C94-B196-0ED7D1E8A93C}" type="slidenum">
               <a:rPr lang="ru-RU" sz="1800" smtClean="0">
                 <a:latin typeface="Times New Roman" panose="02020603050405020304" pitchFamily="18" charset="0"/>
                 <a:cs typeface="Times New Roman" panose="02020603050405020304" pitchFamily="18" charset="0"/>
               </a:rPr>
-              <a:t>6</a:t>
+              <a:t>7</a:t>
             </a:fld>
             <a:endParaRPr lang="ru-RU" sz="1800" dirty="0">
               <a:latin typeface="Times New Roman" panose="02020603050405020304" pitchFamily="18" charset="0"/>
@@ -6569,7 +7002,7 @@
 </p:sld>
 </file>
 
-<file path=ppt/slides/slide7.xml><?xml version="1.0" encoding="utf-8"?>
+<file path=ppt/slides/slide8.xml><?xml version="1.0" encoding="utf-8"?>
 <p:sld xmlns:a="http://schemas.openxmlformats.org/drawingml/2006/main" xmlns:r="http://schemas.openxmlformats.org/officeDocument/2006/relationships" xmlns:p="http://schemas.openxmlformats.org/presentationml/2006/main">
   <p:cSld>
     <p:spTree>
@@ -6619,7 +7052,14 @@
                 <a:latin typeface="Times New Roman" panose="02020603050405020304" pitchFamily="18" charset="0"/>
                 <a:cs typeface="Times New Roman" panose="02020603050405020304" pitchFamily="18" charset="0"/>
               </a:rPr>
-              <a:t>Распараллеливание запроса</a:t>
+              <a:t>Параллельное выполнение </a:t>
+            </a:r>
+            <a:r>
+              <a:rPr lang="ru-RU" dirty="0" smtClean="0">
+                <a:latin typeface="Times New Roman" panose="02020603050405020304" pitchFamily="18" charset="0"/>
+                <a:cs typeface="Times New Roman" panose="02020603050405020304" pitchFamily="18" charset="0"/>
+              </a:rPr>
+              <a:t>запроса</a:t>
             </a:r>
             <a:endParaRPr lang="ru-RU" dirty="0">
               <a:latin typeface="Times New Roman" panose="02020603050405020304" pitchFamily="18" charset="0"/>
@@ -6645,7 +7085,7 @@
           <a:p>
             <a:fld id="{5D15703D-96D9-4C94-B196-0ED7D1E8A93C}" type="slidenum">
               <a:rPr lang="ru-RU" smtClean="0"/>
-              <a:t>7</a:t>
+              <a:t>8</a:t>
             </a:fld>
             <a:endParaRPr lang="ru-RU" dirty="0"/>
           </a:p>
@@ -6687,11 +7127,25 @@
               <a:buChar char="•"/>
             </a:pPr>
             <a:r>
+              <a:rPr lang="ru-RU" sz="2400" dirty="0">
+                <a:latin typeface="Times New Roman" panose="02020603050405020304" pitchFamily="18" charset="0"/>
+                <a:cs typeface="Times New Roman" panose="02020603050405020304" pitchFamily="18" charset="0"/>
+              </a:rPr>
+              <a:t>п</a:t>
+            </a:r>
+            <a:r>
               <a:rPr lang="ru-RU" sz="2400" dirty="0" smtClean="0">
                 <a:latin typeface="Times New Roman" panose="02020603050405020304" pitchFamily="18" charset="0"/>
                 <a:cs typeface="Times New Roman" panose="02020603050405020304" pitchFamily="18" charset="0"/>
               </a:rPr>
-              <a:t>Применим к малому числу запросов;</a:t>
+              <a:t>рименим </a:t>
+            </a:r>
+            <a:r>
+              <a:rPr lang="ru-RU" sz="2400" dirty="0" smtClean="0">
+                <a:latin typeface="Times New Roman" panose="02020603050405020304" pitchFamily="18" charset="0"/>
+                <a:cs typeface="Times New Roman" panose="02020603050405020304" pitchFamily="18" charset="0"/>
+              </a:rPr>
+              <a:t>к малому числу запросов;</a:t>
             </a:r>
           </a:p>
           <a:p>
@@ -6704,7 +7158,14 @@
                 <a:latin typeface="Times New Roman" panose="02020603050405020304" pitchFamily="18" charset="0"/>
                 <a:cs typeface="Times New Roman" panose="02020603050405020304" pitchFamily="18" charset="0"/>
               </a:rPr>
-              <a:t>Снижает </a:t>
+              <a:t>с</a:t>
+            </a:r>
+            <a:r>
+              <a:rPr lang="ru-RU" sz="2400" dirty="0" smtClean="0">
+                <a:latin typeface="Times New Roman" panose="02020603050405020304" pitchFamily="18" charset="0"/>
+                <a:cs typeface="Times New Roman" panose="02020603050405020304" pitchFamily="18" charset="0"/>
+              </a:rPr>
+              <a:t>нижает </a:t>
             </a:r>
             <a:r>
               <a:rPr lang="ru-RU" sz="2400" dirty="0" smtClean="0">
@@ -6720,11 +7181,25 @@
               <a:buChar char="•"/>
             </a:pPr>
             <a:r>
+              <a:rPr lang="ru-RU" sz="2400" dirty="0">
+                <a:latin typeface="Times New Roman" panose="02020603050405020304" pitchFamily="18" charset="0"/>
+                <a:cs typeface="Times New Roman" panose="02020603050405020304" pitchFamily="18" charset="0"/>
+              </a:rPr>
+              <a:t>э</a:t>
+            </a:r>
+            <a:r>
               <a:rPr lang="ru-RU" sz="2400" dirty="0" smtClean="0">
                 <a:latin typeface="Times New Roman" panose="02020603050405020304" pitchFamily="18" charset="0"/>
                 <a:cs typeface="Times New Roman" panose="02020603050405020304" pitchFamily="18" charset="0"/>
               </a:rPr>
-              <a:t>Эффективен только для конкретных запросов.</a:t>
+              <a:t>ффективен </a:t>
+            </a:r>
+            <a:r>
+              <a:rPr lang="ru-RU" sz="2400" dirty="0" smtClean="0">
+                <a:latin typeface="Times New Roman" panose="02020603050405020304" pitchFamily="18" charset="0"/>
+                <a:cs typeface="Times New Roman" panose="02020603050405020304" pitchFamily="18" charset="0"/>
+              </a:rPr>
+              <a:t>только для конкретных запросов.</a:t>
             </a:r>
           </a:p>
         </p:txBody>

--- a/Презентация.pptx
+++ b/Презентация.pptx
@@ -134,6 +134,50 @@
 </p:cmAuthorLst>
 </file>
 
+<file path=ppt/changesInfos/changesInfo1.xml><?xml version="1.0" encoding="utf-8"?>
+<pc:chgInfo xmlns:a="http://schemas.openxmlformats.org/drawingml/2006/main" xmlns:r="http://schemas.openxmlformats.org/officeDocument/2006/relationships" xmlns:ac="http://schemas.microsoft.com/office/drawing/2013/main/command" xmlns:pc="http://schemas.microsoft.com/office/powerpoint/2013/main/command">
+  <pc:docChgLst>
+    <pc:chgData name="Ольга Платонова" userId="b7a68a3ec46e1b54" providerId="LiveId" clId="{69C37FF1-3A42-438E-A961-1DE13AE723BC}"/>
+    <pc:docChg chg="undo custSel modSld">
+      <pc:chgData name="Ольга Платонова" userId="b7a68a3ec46e1b54" providerId="LiveId" clId="{69C37FF1-3A42-438E-A961-1DE13AE723BC}" dt="2022-04-03T09:45:50.826" v="12" actId="13822"/>
+      <pc:docMkLst>
+        <pc:docMk/>
+      </pc:docMkLst>
+      <pc:sldChg chg="modSp mod">
+        <pc:chgData name="Ольга Платонова" userId="b7a68a3ec46e1b54" providerId="LiveId" clId="{69C37FF1-3A42-438E-A961-1DE13AE723BC}" dt="2022-04-03T09:42:32.286" v="1" actId="20577"/>
+        <pc:sldMkLst>
+          <pc:docMk/>
+          <pc:sldMk cId="906348732" sldId="256"/>
+        </pc:sldMkLst>
+        <pc:spChg chg="mod">
+          <ac:chgData name="Ольга Платонова" userId="b7a68a3ec46e1b54" providerId="LiveId" clId="{69C37FF1-3A42-438E-A961-1DE13AE723BC}" dt="2022-04-03T09:42:32.286" v="1" actId="20577"/>
+          <ac:spMkLst>
+            <pc:docMk/>
+            <pc:sldMk cId="906348732" sldId="256"/>
+            <ac:spMk id="3" creationId="{00000000-0000-0000-0000-000000000000}"/>
+          </ac:spMkLst>
+        </pc:spChg>
+      </pc:sldChg>
+      <pc:sldChg chg="modSp mod addCm delCm">
+        <pc:chgData name="Ольга Платонова" userId="b7a68a3ec46e1b54" providerId="LiveId" clId="{69C37FF1-3A42-438E-A961-1DE13AE723BC}" dt="2022-04-03T09:45:50.826" v="12" actId="13822"/>
+        <pc:sldMkLst>
+          <pc:docMk/>
+          <pc:sldMk cId="3963753601" sldId="262"/>
+        </pc:sldMkLst>
+        <pc:graphicFrameChg chg="mod">
+          <ac:chgData name="Ольга Платонова" userId="b7a68a3ec46e1b54" providerId="LiveId" clId="{69C37FF1-3A42-438E-A961-1DE13AE723BC}" dt="2022-04-03T09:45:50.826" v="12" actId="13822"/>
+          <ac:graphicFrameMkLst>
+            <pc:docMk/>
+            <pc:sldMk cId="3963753601" sldId="262"/>
+            <ac:graphicFrameMk id="5" creationId="{00000000-0000-0000-0000-000000000000}"/>
+          </ac:graphicFrameMkLst>
+        </pc:graphicFrameChg>
+      </pc:sldChg>
+    </pc:docChg>
+  </pc:docChgLst>
+</pc:chgInfo>
+</file>
+
 <file path=ppt/charts/chart1.xml><?xml version="1.0" encoding="utf-8"?>
 <c:chartSpace xmlns:c="http://schemas.openxmlformats.org/drawingml/2006/chart" xmlns:a="http://schemas.openxmlformats.org/drawingml/2006/main" xmlns:r="http://schemas.openxmlformats.org/officeDocument/2006/relationships" xmlns:c16r2="http://schemas.microsoft.com/office/drawing/2015/06/chart">
   <c:date1904 val="0"/>
@@ -157,10 +201,7 @@
             <a:pPr>
               <a:defRPr sz="1400" b="0" i="0" u="none" strike="noStrike" kern="1200" spc="0" baseline="0">
                 <a:solidFill>
-                  <a:schemeClr val="tx1">
-                    <a:lumMod val="65000"/>
-                    <a:lumOff val="35000"/>
-                  </a:schemeClr>
+                  <a:schemeClr val="dk1"/>
                 </a:solidFill>
                 <a:latin typeface="+mn-lt"/>
                 <a:ea typeface="+mn-ea"/>
@@ -168,36 +209,12 @@
               </a:defRPr>
             </a:pPr>
             <a:r>
-              <a:rPr lang="ru-RU" b="0">
-                <a:solidFill>
-                  <a:sysClr val="windowText" lastClr="000000"/>
-                </a:solidFill>
-                <a:latin typeface="Times New Roman" panose="02020603050405020304" pitchFamily="18" charset="0"/>
-                <a:cs typeface="Times New Roman" panose="02020603050405020304" pitchFamily="18" charset="0"/>
-              </a:rPr>
-              <a:t>Время</a:t>
-            </a:r>
-            <a:r>
-              <a:rPr lang="ru-RU" b="0" baseline="0">
-                <a:solidFill>
-                  <a:sysClr val="windowText" lastClr="000000"/>
-                </a:solidFill>
-                <a:latin typeface="Times New Roman" panose="02020603050405020304" pitchFamily="18" charset="0"/>
-                <a:cs typeface="Times New Roman" panose="02020603050405020304" pitchFamily="18" charset="0"/>
-              </a:rPr>
-              <a:t> работы запросов при 100000 записях в базе данных</a:t>
-            </a:r>
-            <a:endParaRPr lang="ru-RU" b="0">
-              <a:solidFill>
-                <a:sysClr val="windowText" lastClr="000000"/>
-              </a:solidFill>
-              <a:latin typeface="Times New Roman" panose="02020603050405020304" pitchFamily="18" charset="0"/>
-              <a:cs typeface="Times New Roman" panose="02020603050405020304" pitchFamily="18" charset="0"/>
-            </a:endParaRPr>
+              <a:rPr lang="ru-RU"/>
+              <a:t>Время работы запросов при 100000 записях в базе данных</a:t>
+            </a:r>
           </a:p>
         </c:rich>
       </c:tx>
-      <c:layout/>
       <c:overlay val="0"/>
       <c:spPr>
         <a:noFill/>
@@ -213,10 +230,7 @@
           <a:pPr>
             <a:defRPr sz="1400" b="0" i="0" u="none" strike="noStrike" kern="1200" spc="0" baseline="0">
               <a:solidFill>
-                <a:schemeClr val="tx1">
-                  <a:lumMod val="65000"/>
-                  <a:lumOff val="35000"/>
-                </a:schemeClr>
+                <a:schemeClr val="dk1"/>
               </a:solidFill>
               <a:latin typeface="+mn-lt"/>
               <a:ea typeface="+mn-ea"/>
@@ -436,10 +450,7 @@
                 <a:pPr>
                   <a:defRPr sz="1000" b="0" i="0" u="none" strike="noStrike" kern="1200" baseline="0">
                     <a:solidFill>
-                      <a:schemeClr val="tx1">
-                        <a:lumMod val="65000"/>
-                        <a:lumOff val="35000"/>
-                      </a:schemeClr>
+                      <a:schemeClr val="dk1"/>
                     </a:solidFill>
                     <a:latin typeface="+mn-lt"/>
                     <a:ea typeface="+mn-ea"/>
@@ -447,36 +458,12 @@
                   </a:defRPr>
                 </a:pPr>
                 <a:r>
-                  <a:rPr lang="ru-RU">
-                    <a:solidFill>
-                      <a:sysClr val="windowText" lastClr="000000"/>
-                    </a:solidFill>
-                    <a:latin typeface="Times New Roman" panose="02020603050405020304" pitchFamily="18" charset="0"/>
-                    <a:cs typeface="Times New Roman" panose="02020603050405020304" pitchFamily="18" charset="0"/>
-                  </a:rPr>
-                  <a:t>Количество</a:t>
+                  <a:rPr lang="ru-RU"/>
+                  <a:t>Количество потоков</a:t>
                 </a:r>
-                <a:r>
-                  <a:rPr lang="ru-RU" baseline="0">
-                    <a:solidFill>
-                      <a:sysClr val="windowText" lastClr="000000"/>
-                    </a:solidFill>
-                    <a:latin typeface="Times New Roman" panose="02020603050405020304" pitchFamily="18" charset="0"/>
-                    <a:cs typeface="Times New Roman" panose="02020603050405020304" pitchFamily="18" charset="0"/>
-                  </a:rPr>
-                  <a:t> потоков</a:t>
-                </a:r>
-                <a:endParaRPr lang="ru-RU">
-                  <a:solidFill>
-                    <a:sysClr val="windowText" lastClr="000000"/>
-                  </a:solidFill>
-                  <a:latin typeface="Times New Roman" panose="02020603050405020304" pitchFamily="18" charset="0"/>
-                  <a:cs typeface="Times New Roman" panose="02020603050405020304" pitchFamily="18" charset="0"/>
-                </a:endParaRPr>
               </a:p>
             </c:rich>
           </c:tx>
-          <c:layout/>
           <c:overlay val="0"/>
           <c:spPr>
             <a:noFill/>
@@ -492,10 +479,7 @@
               <a:pPr>
                 <a:defRPr sz="1000" b="0" i="0" u="none" strike="noStrike" kern="1200" baseline="0">
                   <a:solidFill>
-                    <a:schemeClr val="tx1">
-                      <a:lumMod val="65000"/>
-                      <a:lumOff val="35000"/>
-                    </a:schemeClr>
+                    <a:schemeClr val="dk1"/>
                   </a:solidFill>
                   <a:latin typeface="+mn-lt"/>
                   <a:ea typeface="+mn-ea"/>
@@ -530,10 +514,7 @@
             <a:pPr>
               <a:defRPr sz="900" b="0" i="0" u="none" strike="noStrike" kern="1200" baseline="0">
                 <a:solidFill>
-                  <a:schemeClr val="tx1">
-                    <a:lumMod val="65000"/>
-                    <a:lumOff val="35000"/>
-                  </a:schemeClr>
+                  <a:schemeClr val="dk1"/>
                 </a:solidFill>
                 <a:latin typeface="+mn-lt"/>
                 <a:ea typeface="+mn-ea"/>
@@ -580,10 +561,7 @@
                 <a:pPr>
                   <a:defRPr sz="1000" b="0" i="0" u="none" strike="noStrike" kern="1200" baseline="0">
                     <a:solidFill>
-                      <a:schemeClr val="tx1">
-                        <a:lumMod val="65000"/>
-                        <a:lumOff val="35000"/>
-                      </a:schemeClr>
+                      <a:schemeClr val="dk1"/>
                     </a:solidFill>
                     <a:latin typeface="+mn-lt"/>
                     <a:ea typeface="+mn-ea"/>
@@ -591,36 +569,12 @@
                   </a:defRPr>
                 </a:pPr>
                 <a:r>
-                  <a:rPr lang="ru-RU">
-                    <a:solidFill>
-                      <a:sysClr val="windowText" lastClr="000000"/>
-                    </a:solidFill>
-                    <a:latin typeface="Times New Roman" panose="02020603050405020304" pitchFamily="18" charset="0"/>
-                    <a:cs typeface="Times New Roman" panose="02020603050405020304" pitchFamily="18" charset="0"/>
-                  </a:rPr>
-                  <a:t>Время</a:t>
+                  <a:rPr lang="ru-RU"/>
+                  <a:t>Время работы, с</a:t>
                 </a:r>
-                <a:r>
-                  <a:rPr lang="ru-RU" baseline="0">
-                    <a:solidFill>
-                      <a:sysClr val="windowText" lastClr="000000"/>
-                    </a:solidFill>
-                    <a:latin typeface="Times New Roman" panose="02020603050405020304" pitchFamily="18" charset="0"/>
-                    <a:cs typeface="Times New Roman" panose="02020603050405020304" pitchFamily="18" charset="0"/>
-                  </a:rPr>
-                  <a:t> работы, с</a:t>
-                </a:r>
-                <a:endParaRPr lang="ru-RU">
-                  <a:solidFill>
-                    <a:sysClr val="windowText" lastClr="000000"/>
-                  </a:solidFill>
-                  <a:latin typeface="Times New Roman" panose="02020603050405020304" pitchFamily="18" charset="0"/>
-                  <a:cs typeface="Times New Roman" panose="02020603050405020304" pitchFamily="18" charset="0"/>
-                </a:endParaRPr>
               </a:p>
             </c:rich>
           </c:tx>
-          <c:layout/>
           <c:overlay val="0"/>
           <c:spPr>
             <a:noFill/>
@@ -636,10 +590,7 @@
               <a:pPr>
                 <a:defRPr sz="1000" b="0" i="0" u="none" strike="noStrike" kern="1200" baseline="0">
                   <a:solidFill>
-                    <a:schemeClr val="tx1">
-                      <a:lumMod val="65000"/>
-                      <a:lumOff val="35000"/>
-                    </a:schemeClr>
+                    <a:schemeClr val="dk1"/>
                   </a:solidFill>
                   <a:latin typeface="+mn-lt"/>
                   <a:ea typeface="+mn-ea"/>
@@ -668,10 +619,7 @@
             <a:pPr>
               <a:defRPr sz="900" b="0" i="0" u="none" strike="noStrike" kern="1200" baseline="0">
                 <a:solidFill>
-                  <a:schemeClr val="tx1">
-                    <a:lumMod val="65000"/>
-                    <a:lumOff val="35000"/>
-                  </a:schemeClr>
+                  <a:schemeClr val="dk1"/>
                 </a:solidFill>
                 <a:latin typeface="+mn-lt"/>
                 <a:ea typeface="+mn-ea"/>
@@ -688,14 +636,15 @@
       <c:spPr>
         <a:noFill/>
         <a:ln>
-          <a:noFill/>
+          <a:solidFill>
+            <a:schemeClr val="tx1"/>
+          </a:solidFill>
         </a:ln>
         <a:effectLst/>
       </c:spPr>
     </c:plotArea>
     <c:legend>
       <c:legendPos val="b"/>
-      <c:layout/>
       <c:overlay val="0"/>
       <c:spPr>
         <a:noFill/>
@@ -711,10 +660,7 @@
           <a:pPr>
             <a:defRPr sz="900" b="0" i="0" u="none" strike="noStrike" kern="1200" baseline="0">
               <a:solidFill>
-                <a:schemeClr val="tx1">
-                  <a:lumMod val="65000"/>
-                  <a:lumOff val="35000"/>
-                </a:schemeClr>
+                <a:schemeClr val="dk1"/>
               </a:solidFill>
               <a:latin typeface="+mn-lt"/>
               <a:ea typeface="+mn-ea"/>
@@ -730,9 +676,15 @@
     <c:showDLblsOverMax val="0"/>
   </c:chart>
   <c:spPr>
-    <a:noFill/>
-    <a:ln>
-      <a:noFill/>
+    <a:solidFill>
+      <a:schemeClr val="lt1"/>
+    </a:solidFill>
+    <a:ln w="12700" cap="flat" cmpd="sng" algn="ctr">
+      <a:solidFill>
+        <a:schemeClr val="dk1"/>
+      </a:solidFill>
+      <a:prstDash val="solid"/>
+      <a:miter lim="800000"/>
     </a:ln>
     <a:effectLst/>
   </c:spPr>
@@ -741,7 +693,14 @@
     <a:lstStyle/>
     <a:p>
       <a:pPr algn="just">
-        <a:defRPr/>
+        <a:defRPr>
+          <a:solidFill>
+            <a:schemeClr val="dk1"/>
+          </a:solidFill>
+          <a:latin typeface="+mn-lt"/>
+          <a:ea typeface="+mn-ea"/>
+          <a:cs typeface="+mn-cs"/>
+        </a:defRPr>
       </a:pPr>
       <a:endParaRPr lang="ru-RU"/>
     </a:p>
@@ -1429,7 +1388,7 @@
           <a:p>
             <a:fld id="{4A87FC3E-9964-4802-A7E8-1BB771D21BF3}" type="datetimeFigureOut">
               <a:rPr lang="ru-RU" smtClean="0"/>
-              <a:t>25.12.2021</a:t>
+              <a:t>03.04.2022</a:t>
             </a:fld>
             <a:endParaRPr lang="ru-RU" dirty="0"/>
           </a:p>
@@ -1493,38 +1452,37 @@
           <a:p>
             <a:pPr lvl="0"/>
             <a:r>
-              <a:rPr lang="ru-RU" smtClean="0"/>
+              <a:rPr lang="ru-RU"/>
               <a:t>Образец текста</a:t>
             </a:r>
           </a:p>
           <a:p>
             <a:pPr lvl="1"/>
             <a:r>
-              <a:rPr lang="ru-RU" smtClean="0"/>
+              <a:rPr lang="ru-RU"/>
               <a:t>Второй уровень</a:t>
             </a:r>
           </a:p>
           <a:p>
             <a:pPr lvl="2"/>
             <a:r>
-              <a:rPr lang="ru-RU" smtClean="0"/>
+              <a:rPr lang="ru-RU"/>
               <a:t>Третий уровень</a:t>
             </a:r>
           </a:p>
           <a:p>
             <a:pPr lvl="3"/>
             <a:r>
-              <a:rPr lang="ru-RU" smtClean="0"/>
+              <a:rPr lang="ru-RU"/>
               <a:t>Четвертый уровень</a:t>
             </a:r>
           </a:p>
           <a:p>
             <a:pPr lvl="4"/>
             <a:r>
-              <a:rPr lang="ru-RU" smtClean="0"/>
+              <a:rPr lang="ru-RU"/>
               <a:t>Пятый уровень</a:t>
             </a:r>
-            <a:endParaRPr lang="ru-RU"/>
           </a:p>
         </p:txBody>
       </p:sp>
@@ -1739,10 +1697,9 @@
           </a:lstStyle>
           <a:p>
             <a:r>
-              <a:rPr lang="ru-RU" smtClean="0"/>
+              <a:rPr lang="ru-RU"/>
               <a:t>Образец заголовка</a:t>
             </a:r>
-            <a:endParaRPr lang="ru-RU"/>
           </a:p>
         </p:txBody>
       </p:sp>
@@ -1804,10 +1761,9 @@
           </a:lstStyle>
           <a:p>
             <a:r>
-              <a:rPr lang="ru-RU" smtClean="0"/>
+              <a:rPr lang="ru-RU"/>
               <a:t>Образец подзаголовка</a:t>
             </a:r>
-            <a:endParaRPr lang="ru-RU"/>
           </a:p>
         </p:txBody>
       </p:sp>
@@ -1828,7 +1784,7 @@
           <a:p>
             <a:fld id="{09755BBC-352B-460A-88C9-AADF2C9512EA}" type="datetime1">
               <a:rPr lang="ru-RU" smtClean="0"/>
-              <a:t>25.12.2021</a:t>
+              <a:t>03.04.2022</a:t>
             </a:fld>
             <a:endParaRPr lang="ru-RU" dirty="0"/>
           </a:p>
@@ -1922,10 +1878,9 @@
           <a:lstStyle/>
           <a:p>
             <a:r>
-              <a:rPr lang="ru-RU" smtClean="0"/>
+              <a:rPr lang="ru-RU"/>
               <a:t>Образец заголовка</a:t>
             </a:r>
-            <a:endParaRPr lang="ru-RU"/>
           </a:p>
         </p:txBody>
       </p:sp>
@@ -1946,38 +1901,37 @@
           <a:p>
             <a:pPr lvl="0"/>
             <a:r>
-              <a:rPr lang="ru-RU" smtClean="0"/>
+              <a:rPr lang="ru-RU"/>
               <a:t>Образец текста</a:t>
             </a:r>
           </a:p>
           <a:p>
             <a:pPr lvl="1"/>
             <a:r>
-              <a:rPr lang="ru-RU" smtClean="0"/>
+              <a:rPr lang="ru-RU"/>
               <a:t>Второй уровень</a:t>
             </a:r>
           </a:p>
           <a:p>
             <a:pPr lvl="2"/>
             <a:r>
-              <a:rPr lang="ru-RU" smtClean="0"/>
+              <a:rPr lang="ru-RU"/>
               <a:t>Третий уровень</a:t>
             </a:r>
           </a:p>
           <a:p>
             <a:pPr lvl="3"/>
             <a:r>
-              <a:rPr lang="ru-RU" smtClean="0"/>
+              <a:rPr lang="ru-RU"/>
               <a:t>Четвертый уровень</a:t>
             </a:r>
           </a:p>
           <a:p>
             <a:pPr lvl="4"/>
             <a:r>
-              <a:rPr lang="ru-RU" smtClean="0"/>
+              <a:rPr lang="ru-RU"/>
               <a:t>Пятый уровень</a:t>
             </a:r>
-            <a:endParaRPr lang="ru-RU"/>
           </a:p>
         </p:txBody>
       </p:sp>
@@ -1998,7 +1952,7 @@
           <a:p>
             <a:fld id="{8296244F-19EA-411C-8075-D4DD5363EB01}" type="datetime1">
               <a:rPr lang="ru-RU" smtClean="0"/>
-              <a:t>25.12.2021</a:t>
+              <a:t>03.04.2022</a:t>
             </a:fld>
             <a:endParaRPr lang="ru-RU" dirty="0"/>
           </a:p>
@@ -2097,10 +2051,9 @@
           <a:lstStyle/>
           <a:p>
             <a:r>
-              <a:rPr lang="ru-RU" smtClean="0"/>
+              <a:rPr lang="ru-RU"/>
               <a:t>Образец заголовка</a:t>
             </a:r>
-            <a:endParaRPr lang="ru-RU"/>
           </a:p>
         </p:txBody>
       </p:sp>
@@ -2126,38 +2079,37 @@
           <a:p>
             <a:pPr lvl="0"/>
             <a:r>
-              <a:rPr lang="ru-RU" smtClean="0"/>
+              <a:rPr lang="ru-RU"/>
               <a:t>Образец текста</a:t>
             </a:r>
           </a:p>
           <a:p>
             <a:pPr lvl="1"/>
             <a:r>
-              <a:rPr lang="ru-RU" smtClean="0"/>
+              <a:rPr lang="ru-RU"/>
               <a:t>Второй уровень</a:t>
             </a:r>
           </a:p>
           <a:p>
             <a:pPr lvl="2"/>
             <a:r>
-              <a:rPr lang="ru-RU" smtClean="0"/>
+              <a:rPr lang="ru-RU"/>
               <a:t>Третий уровень</a:t>
             </a:r>
           </a:p>
           <a:p>
             <a:pPr lvl="3"/>
             <a:r>
-              <a:rPr lang="ru-RU" smtClean="0"/>
+              <a:rPr lang="ru-RU"/>
               <a:t>Четвертый уровень</a:t>
             </a:r>
           </a:p>
           <a:p>
             <a:pPr lvl="4"/>
             <a:r>
-              <a:rPr lang="ru-RU" smtClean="0"/>
+              <a:rPr lang="ru-RU"/>
               <a:t>Пятый уровень</a:t>
             </a:r>
-            <a:endParaRPr lang="ru-RU"/>
           </a:p>
         </p:txBody>
       </p:sp>
@@ -2178,7 +2130,7 @@
           <a:p>
             <a:fld id="{84BB638D-B868-4FAE-A4AF-C8834DEF2F16}" type="datetime1">
               <a:rPr lang="ru-RU" smtClean="0"/>
-              <a:t>25.12.2021</a:t>
+              <a:t>03.04.2022</a:t>
             </a:fld>
             <a:endParaRPr lang="ru-RU" dirty="0"/>
           </a:p>
@@ -2272,10 +2224,9 @@
           <a:lstStyle/>
           <a:p>
             <a:r>
-              <a:rPr lang="ru-RU" smtClean="0"/>
+              <a:rPr lang="ru-RU"/>
               <a:t>Образец заголовка</a:t>
             </a:r>
-            <a:endParaRPr lang="ru-RU"/>
           </a:p>
         </p:txBody>
       </p:sp>
@@ -2296,38 +2247,37 @@
           <a:p>
             <a:pPr lvl="0"/>
             <a:r>
-              <a:rPr lang="ru-RU" smtClean="0"/>
+              <a:rPr lang="ru-RU"/>
               <a:t>Образец текста</a:t>
             </a:r>
           </a:p>
           <a:p>
             <a:pPr lvl="1"/>
             <a:r>
-              <a:rPr lang="ru-RU" smtClean="0"/>
+              <a:rPr lang="ru-RU"/>
               <a:t>Второй уровень</a:t>
             </a:r>
           </a:p>
           <a:p>
             <a:pPr lvl="2"/>
             <a:r>
-              <a:rPr lang="ru-RU" smtClean="0"/>
+              <a:rPr lang="ru-RU"/>
               <a:t>Третий уровень</a:t>
             </a:r>
           </a:p>
           <a:p>
             <a:pPr lvl="3"/>
             <a:r>
-              <a:rPr lang="ru-RU" smtClean="0"/>
+              <a:rPr lang="ru-RU"/>
               <a:t>Четвертый уровень</a:t>
             </a:r>
           </a:p>
           <a:p>
             <a:pPr lvl="4"/>
             <a:r>
-              <a:rPr lang="ru-RU" smtClean="0"/>
+              <a:rPr lang="ru-RU"/>
               <a:t>Пятый уровень</a:t>
             </a:r>
-            <a:endParaRPr lang="ru-RU"/>
           </a:p>
         </p:txBody>
       </p:sp>
@@ -2348,7 +2298,7 @@
           <a:p>
             <a:fld id="{E867F41D-6C90-48B2-BB24-7DBF25713345}" type="datetime1">
               <a:rPr lang="ru-RU" smtClean="0"/>
-              <a:t>25.12.2021</a:t>
+              <a:t>03.04.2022</a:t>
             </a:fld>
             <a:endParaRPr lang="ru-RU" dirty="0"/>
           </a:p>
@@ -2451,10 +2401,9 @@
           </a:lstStyle>
           <a:p>
             <a:r>
-              <a:rPr lang="ru-RU" smtClean="0"/>
+              <a:rPr lang="ru-RU"/>
               <a:t>Образец заголовка</a:t>
             </a:r>
-            <a:endParaRPr lang="ru-RU"/>
           </a:p>
         </p:txBody>
       </p:sp>
@@ -2571,7 +2520,7 @@
           <a:p>
             <a:pPr lvl="0"/>
             <a:r>
-              <a:rPr lang="ru-RU" smtClean="0"/>
+              <a:rPr lang="ru-RU"/>
               <a:t>Образец текста</a:t>
             </a:r>
           </a:p>
@@ -2594,7 +2543,7 @@
           <a:p>
             <a:fld id="{CC2C4912-257E-4B84-92B5-E1056AC81F3B}" type="datetime1">
               <a:rPr lang="ru-RU" smtClean="0"/>
-              <a:t>25.12.2021</a:t>
+              <a:t>03.04.2022</a:t>
             </a:fld>
             <a:endParaRPr lang="ru-RU" dirty="0"/>
           </a:p>
@@ -2688,10 +2637,9 @@
           <a:lstStyle/>
           <a:p>
             <a:r>
-              <a:rPr lang="ru-RU" smtClean="0"/>
+              <a:rPr lang="ru-RU"/>
               <a:t>Образец заголовка</a:t>
             </a:r>
-            <a:endParaRPr lang="ru-RU"/>
           </a:p>
         </p:txBody>
       </p:sp>
@@ -2717,38 +2665,37 @@
           <a:p>
             <a:pPr lvl="0"/>
             <a:r>
-              <a:rPr lang="ru-RU" smtClean="0"/>
+              <a:rPr lang="ru-RU"/>
               <a:t>Образец текста</a:t>
             </a:r>
           </a:p>
           <a:p>
             <a:pPr lvl="1"/>
             <a:r>
-              <a:rPr lang="ru-RU" smtClean="0"/>
+              <a:rPr lang="ru-RU"/>
               <a:t>Второй уровень</a:t>
             </a:r>
           </a:p>
           <a:p>
             <a:pPr lvl="2"/>
             <a:r>
-              <a:rPr lang="ru-RU" smtClean="0"/>
+              <a:rPr lang="ru-RU"/>
               <a:t>Третий уровень</a:t>
             </a:r>
           </a:p>
           <a:p>
             <a:pPr lvl="3"/>
             <a:r>
-              <a:rPr lang="ru-RU" smtClean="0"/>
+              <a:rPr lang="ru-RU"/>
               <a:t>Четвертый уровень</a:t>
             </a:r>
           </a:p>
           <a:p>
             <a:pPr lvl="4"/>
             <a:r>
-              <a:rPr lang="ru-RU" smtClean="0"/>
+              <a:rPr lang="ru-RU"/>
               <a:t>Пятый уровень</a:t>
             </a:r>
-            <a:endParaRPr lang="ru-RU"/>
           </a:p>
         </p:txBody>
       </p:sp>
@@ -2774,38 +2721,37 @@
           <a:p>
             <a:pPr lvl="0"/>
             <a:r>
-              <a:rPr lang="ru-RU" smtClean="0"/>
+              <a:rPr lang="ru-RU"/>
               <a:t>Образец текста</a:t>
             </a:r>
           </a:p>
           <a:p>
             <a:pPr lvl="1"/>
             <a:r>
-              <a:rPr lang="ru-RU" smtClean="0"/>
+              <a:rPr lang="ru-RU"/>
               <a:t>Второй уровень</a:t>
             </a:r>
           </a:p>
           <a:p>
             <a:pPr lvl="2"/>
             <a:r>
-              <a:rPr lang="ru-RU" smtClean="0"/>
+              <a:rPr lang="ru-RU"/>
               <a:t>Третий уровень</a:t>
             </a:r>
           </a:p>
           <a:p>
             <a:pPr lvl="3"/>
             <a:r>
-              <a:rPr lang="ru-RU" smtClean="0"/>
+              <a:rPr lang="ru-RU"/>
               <a:t>Четвертый уровень</a:t>
             </a:r>
           </a:p>
           <a:p>
             <a:pPr lvl="4"/>
             <a:r>
-              <a:rPr lang="ru-RU" smtClean="0"/>
+              <a:rPr lang="ru-RU"/>
               <a:t>Пятый уровень</a:t>
             </a:r>
-            <a:endParaRPr lang="ru-RU"/>
           </a:p>
         </p:txBody>
       </p:sp>
@@ -2826,7 +2772,7 @@
           <a:p>
             <a:fld id="{D6CEEFAB-2744-489F-9F34-AD68C1802ABB}" type="datetime1">
               <a:rPr lang="ru-RU" smtClean="0"/>
-              <a:t>25.12.2021</a:t>
+              <a:t>03.04.2022</a:t>
             </a:fld>
             <a:endParaRPr lang="ru-RU" dirty="0"/>
           </a:p>
@@ -2925,10 +2871,9 @@
           <a:lstStyle/>
           <a:p>
             <a:r>
-              <a:rPr lang="ru-RU" smtClean="0"/>
+              <a:rPr lang="ru-RU"/>
               <a:t>Образец заголовка</a:t>
             </a:r>
-            <a:endParaRPr lang="ru-RU"/>
           </a:p>
         </p:txBody>
       </p:sp>
@@ -2991,7 +2936,7 @@
           <a:p>
             <a:pPr lvl="0"/>
             <a:r>
-              <a:rPr lang="ru-RU" smtClean="0"/>
+              <a:rPr lang="ru-RU"/>
               <a:t>Образец текста</a:t>
             </a:r>
           </a:p>
@@ -3019,38 +2964,37 @@
           <a:p>
             <a:pPr lvl="0"/>
             <a:r>
-              <a:rPr lang="ru-RU" smtClean="0"/>
+              <a:rPr lang="ru-RU"/>
               <a:t>Образец текста</a:t>
             </a:r>
           </a:p>
           <a:p>
             <a:pPr lvl="1"/>
             <a:r>
-              <a:rPr lang="ru-RU" smtClean="0"/>
+              <a:rPr lang="ru-RU"/>
               <a:t>Второй уровень</a:t>
             </a:r>
           </a:p>
           <a:p>
             <a:pPr lvl="2"/>
             <a:r>
-              <a:rPr lang="ru-RU" smtClean="0"/>
+              <a:rPr lang="ru-RU"/>
               <a:t>Третий уровень</a:t>
             </a:r>
           </a:p>
           <a:p>
             <a:pPr lvl="3"/>
             <a:r>
-              <a:rPr lang="ru-RU" smtClean="0"/>
+              <a:rPr lang="ru-RU"/>
               <a:t>Четвертый уровень</a:t>
             </a:r>
           </a:p>
           <a:p>
             <a:pPr lvl="4"/>
             <a:r>
-              <a:rPr lang="ru-RU" smtClean="0"/>
+              <a:rPr lang="ru-RU"/>
               <a:t>Пятый уровень</a:t>
             </a:r>
-            <a:endParaRPr lang="ru-RU"/>
           </a:p>
         </p:txBody>
       </p:sp>
@@ -3113,7 +3057,7 @@
           <a:p>
             <a:pPr lvl="0"/>
             <a:r>
-              <a:rPr lang="ru-RU" smtClean="0"/>
+              <a:rPr lang="ru-RU"/>
               <a:t>Образец текста</a:t>
             </a:r>
           </a:p>
@@ -3141,38 +3085,37 @@
           <a:p>
             <a:pPr lvl="0"/>
             <a:r>
-              <a:rPr lang="ru-RU" smtClean="0"/>
+              <a:rPr lang="ru-RU"/>
               <a:t>Образец текста</a:t>
             </a:r>
           </a:p>
           <a:p>
             <a:pPr lvl="1"/>
             <a:r>
-              <a:rPr lang="ru-RU" smtClean="0"/>
+              <a:rPr lang="ru-RU"/>
               <a:t>Второй уровень</a:t>
             </a:r>
           </a:p>
           <a:p>
             <a:pPr lvl="2"/>
             <a:r>
-              <a:rPr lang="ru-RU" smtClean="0"/>
+              <a:rPr lang="ru-RU"/>
               <a:t>Третий уровень</a:t>
             </a:r>
           </a:p>
           <a:p>
             <a:pPr lvl="3"/>
             <a:r>
-              <a:rPr lang="ru-RU" smtClean="0"/>
+              <a:rPr lang="ru-RU"/>
               <a:t>Четвертый уровень</a:t>
             </a:r>
           </a:p>
           <a:p>
             <a:pPr lvl="4"/>
             <a:r>
-              <a:rPr lang="ru-RU" smtClean="0"/>
+              <a:rPr lang="ru-RU"/>
               <a:t>Пятый уровень</a:t>
             </a:r>
-            <a:endParaRPr lang="ru-RU"/>
           </a:p>
         </p:txBody>
       </p:sp>
@@ -3193,7 +3136,7 @@
           <a:p>
             <a:fld id="{F4C8D58E-CA22-4DBD-9D4F-D49D20C57869}" type="datetime1">
               <a:rPr lang="ru-RU" smtClean="0"/>
-              <a:t>25.12.2021</a:t>
+              <a:t>03.04.2022</a:t>
             </a:fld>
             <a:endParaRPr lang="ru-RU" dirty="0"/>
           </a:p>
@@ -3287,10 +3230,9 @@
           <a:lstStyle/>
           <a:p>
             <a:r>
-              <a:rPr lang="ru-RU" smtClean="0"/>
+              <a:rPr lang="ru-RU"/>
               <a:t>Образец заголовка</a:t>
             </a:r>
-            <a:endParaRPr lang="ru-RU"/>
           </a:p>
         </p:txBody>
       </p:sp>
@@ -3311,7 +3253,7 @@
           <a:p>
             <a:fld id="{16461FB2-18D8-4BB8-B792-34F36A1A6923}" type="datetime1">
               <a:rPr lang="ru-RU" smtClean="0"/>
-              <a:t>25.12.2021</a:t>
+              <a:t>03.04.2022</a:t>
             </a:fld>
             <a:endParaRPr lang="ru-RU" dirty="0"/>
           </a:p>
@@ -3406,7 +3348,7 @@
           <a:p>
             <a:fld id="{38099296-536C-461B-BEB7-1B812F69AC83}" type="datetime1">
               <a:rPr lang="ru-RU" smtClean="0"/>
-              <a:t>25.12.2021</a:t>
+              <a:t>03.04.2022</a:t>
             </a:fld>
             <a:endParaRPr lang="ru-RU" dirty="0"/>
           </a:p>
@@ -3509,10 +3451,9 @@
           </a:lstStyle>
           <a:p>
             <a:r>
-              <a:rPr lang="ru-RU" smtClean="0"/>
+              <a:rPr lang="ru-RU"/>
               <a:t>Образец заголовка</a:t>
             </a:r>
-            <a:endParaRPr lang="ru-RU"/>
           </a:p>
         </p:txBody>
       </p:sp>
@@ -3566,38 +3507,37 @@
           <a:p>
             <a:pPr lvl="0"/>
             <a:r>
-              <a:rPr lang="ru-RU" smtClean="0"/>
+              <a:rPr lang="ru-RU"/>
               <a:t>Образец текста</a:t>
             </a:r>
           </a:p>
           <a:p>
             <a:pPr lvl="1"/>
             <a:r>
-              <a:rPr lang="ru-RU" smtClean="0"/>
+              <a:rPr lang="ru-RU"/>
               <a:t>Второй уровень</a:t>
             </a:r>
           </a:p>
           <a:p>
             <a:pPr lvl="2"/>
             <a:r>
-              <a:rPr lang="ru-RU" smtClean="0"/>
+              <a:rPr lang="ru-RU"/>
               <a:t>Третий уровень</a:t>
             </a:r>
           </a:p>
           <a:p>
             <a:pPr lvl="3"/>
             <a:r>
-              <a:rPr lang="ru-RU" smtClean="0"/>
+              <a:rPr lang="ru-RU"/>
               <a:t>Четвертый уровень</a:t>
             </a:r>
           </a:p>
           <a:p>
             <a:pPr lvl="4"/>
             <a:r>
-              <a:rPr lang="ru-RU" smtClean="0"/>
+              <a:rPr lang="ru-RU"/>
               <a:t>Пятый уровень</a:t>
             </a:r>
-            <a:endParaRPr lang="ru-RU"/>
           </a:p>
         </p:txBody>
       </p:sp>
@@ -3660,7 +3600,7 @@
           <a:p>
             <a:pPr lvl="0"/>
             <a:r>
-              <a:rPr lang="ru-RU" smtClean="0"/>
+              <a:rPr lang="ru-RU"/>
               <a:t>Образец текста</a:t>
             </a:r>
           </a:p>
@@ -3683,7 +3623,7 @@
           <a:p>
             <a:fld id="{DD7EBC7E-964D-4409-AE41-3B38B4F15B2A}" type="datetime1">
               <a:rPr lang="ru-RU" smtClean="0"/>
-              <a:t>25.12.2021</a:t>
+              <a:t>03.04.2022</a:t>
             </a:fld>
             <a:endParaRPr lang="ru-RU" dirty="0"/>
           </a:p>
@@ -3786,10 +3726,9 @@
           </a:lstStyle>
           <a:p>
             <a:r>
-              <a:rPr lang="ru-RU" smtClean="0"/>
+              <a:rPr lang="ru-RU"/>
               <a:t>Образец заголовка</a:t>
             </a:r>
-            <a:endParaRPr lang="ru-RU"/>
           </a:p>
         </p:txBody>
       </p:sp>
@@ -3913,7 +3852,7 @@
           <a:p>
             <a:pPr lvl="0"/>
             <a:r>
-              <a:rPr lang="ru-RU" smtClean="0"/>
+              <a:rPr lang="ru-RU"/>
               <a:t>Образец текста</a:t>
             </a:r>
           </a:p>
@@ -3936,7 +3875,7 @@
           <a:p>
             <a:fld id="{6623BFA2-B670-4B07-B542-231AD8CFA160}" type="datetime1">
               <a:rPr lang="ru-RU" smtClean="0"/>
-              <a:t>25.12.2021</a:t>
+              <a:t>03.04.2022</a:t>
             </a:fld>
             <a:endParaRPr lang="ru-RU" dirty="0"/>
           </a:p>
@@ -4045,10 +3984,9 @@
           <a:lstStyle/>
           <a:p>
             <a:r>
-              <a:rPr lang="ru-RU" smtClean="0"/>
+              <a:rPr lang="ru-RU"/>
               <a:t>Образец заголовка</a:t>
             </a:r>
-            <a:endParaRPr lang="ru-RU"/>
           </a:p>
         </p:txBody>
       </p:sp>
@@ -4079,38 +4017,37 @@
           <a:p>
             <a:pPr lvl="0"/>
             <a:r>
-              <a:rPr lang="ru-RU" smtClean="0"/>
+              <a:rPr lang="ru-RU"/>
               <a:t>Образец текста</a:t>
             </a:r>
           </a:p>
           <a:p>
             <a:pPr lvl="1"/>
             <a:r>
-              <a:rPr lang="ru-RU" smtClean="0"/>
+              <a:rPr lang="ru-RU"/>
               <a:t>Второй уровень</a:t>
             </a:r>
           </a:p>
           <a:p>
             <a:pPr lvl="2"/>
             <a:r>
-              <a:rPr lang="ru-RU" smtClean="0"/>
+              <a:rPr lang="ru-RU"/>
               <a:t>Третий уровень</a:t>
             </a:r>
           </a:p>
           <a:p>
             <a:pPr lvl="3"/>
             <a:r>
-              <a:rPr lang="ru-RU" smtClean="0"/>
+              <a:rPr lang="ru-RU"/>
               <a:t>Четвертый уровень</a:t>
             </a:r>
           </a:p>
           <a:p>
             <a:pPr lvl="4"/>
             <a:r>
-              <a:rPr lang="ru-RU" smtClean="0"/>
+              <a:rPr lang="ru-RU"/>
               <a:t>Пятый уровень</a:t>
             </a:r>
-            <a:endParaRPr lang="ru-RU"/>
           </a:p>
         </p:txBody>
       </p:sp>
@@ -4149,7 +4086,7 @@
           <a:p>
             <a:fld id="{4222C596-8B8E-4DE0-A295-CA79CEF991CE}" type="datetime1">
               <a:rPr lang="ru-RU" smtClean="0"/>
-              <a:t>25.12.2021</a:t>
+              <a:t>03.04.2022</a:t>
             </a:fld>
             <a:endParaRPr lang="ru-RU" dirty="0"/>
           </a:p>
@@ -4611,17 +4548,17 @@
           <a:p>
             <a:pPr algn="l"/>
             <a:r>
-              <a:rPr lang="ru-RU" dirty="0" smtClean="0">
+              <a:rPr lang="ru-RU" dirty="0">
                 <a:latin typeface="Times New Roman" panose="02020603050405020304" pitchFamily="18" charset="0"/>
                 <a:cs typeface="Times New Roman" panose="02020603050405020304" pitchFamily="18" charset="0"/>
               </a:rPr>
-              <a:t>Группа: ИУ7-75Б</a:t>
+              <a:t>Группа: ИУ7-85Б</a:t>
             </a:r>
           </a:p>
           <a:p>
             <a:pPr algn="l"/>
             <a:r>
-              <a:rPr lang="ru-RU" dirty="0" smtClean="0">
+              <a:rPr lang="ru-RU" dirty="0">
                 <a:latin typeface="Times New Roman" panose="02020603050405020304" pitchFamily="18" charset="0"/>
                 <a:cs typeface="Times New Roman" panose="02020603050405020304" pitchFamily="18" charset="0"/>
               </a:rPr>
@@ -4631,48 +4568,27 @@
           <a:p>
             <a:pPr algn="l"/>
             <a:r>
-              <a:rPr lang="ru-RU" dirty="0" smtClean="0">
-                <a:latin typeface="Times New Roman" panose="02020603050405020304" pitchFamily="18" charset="0"/>
-                <a:cs typeface="Times New Roman" panose="02020603050405020304" pitchFamily="18" charset="0"/>
-              </a:rPr>
-              <a:t>Руководитель: Филиппов Михаил Владимирович</a:t>
-            </a:r>
-            <a:r>
               <a:rPr lang="ru-RU" dirty="0">
                 <a:latin typeface="Times New Roman" panose="02020603050405020304" pitchFamily="18" charset="0"/>
                 <a:cs typeface="Times New Roman" panose="02020603050405020304" pitchFamily="18" charset="0"/>
               </a:rPr>
-              <a:t>, </a:t>
-            </a:r>
-            <a:r>
-              <a:rPr lang="en-US" dirty="0" smtClean="0">
+              <a:t>Руководитель: Филиппов Михаил Владимирович, </a:t>
+            </a:r>
+            <a:r>
+              <a:rPr lang="en-US" dirty="0">
                 <a:latin typeface="Times New Roman" panose="02020603050405020304" pitchFamily="18" charset="0"/>
                 <a:cs typeface="Times New Roman" panose="02020603050405020304" pitchFamily="18" charset="0"/>
               </a:rPr>
               <a:t>				  </a:t>
             </a:r>
             <a:r>
-              <a:rPr lang="ru-RU" dirty="0" smtClean="0">
-                <a:latin typeface="Times New Roman" panose="02020603050405020304" pitchFamily="18" charset="0"/>
-                <a:cs typeface="Times New Roman" panose="02020603050405020304" pitchFamily="18" charset="0"/>
-              </a:rPr>
-              <a:t>к.т.н</a:t>
-            </a:r>
-            <a:r>
               <a:rPr lang="ru-RU" dirty="0">
                 <a:latin typeface="Times New Roman" panose="02020603050405020304" pitchFamily="18" charset="0"/>
                 <a:cs typeface="Times New Roman" panose="02020603050405020304" pitchFamily="18" charset="0"/>
               </a:rPr>
-              <a:t>., </a:t>
-            </a:r>
-            <a:r>
-              <a:rPr lang="ru-RU" dirty="0" smtClean="0">
-                <a:latin typeface="Times New Roman" panose="02020603050405020304" pitchFamily="18" charset="0"/>
-                <a:cs typeface="Times New Roman" panose="02020603050405020304" pitchFamily="18" charset="0"/>
-              </a:rPr>
-              <a:t>доцент кафедры ИУ-7</a:t>
-            </a:r>
-            <a:endParaRPr lang="en-US" dirty="0" smtClean="0">
+              <a:t>к.т.н., доцент кафедры ИУ-7</a:t>
+            </a:r>
+            <a:endParaRPr lang="en-US" dirty="0">
               <a:latin typeface="Times New Roman" panose="02020603050405020304" pitchFamily="18" charset="0"/>
               <a:cs typeface="Times New Roman" panose="02020603050405020304" pitchFamily="18" charset="0"/>
             </a:endParaRPr>
@@ -4680,16 +4596,12 @@
           <a:p>
             <a:pPr algn="l"/>
             <a:r>
-              <a:rPr lang="ru-RU" dirty="0" smtClean="0">
+              <a:rPr lang="ru-RU" dirty="0">
                 <a:latin typeface="Times New Roman" panose="02020603050405020304" pitchFamily="18" charset="0"/>
                 <a:cs typeface="Times New Roman" panose="02020603050405020304" pitchFamily="18" charset="0"/>
               </a:rPr>
               <a:t>Консультант: Гаврилова Юлия Михайловна</a:t>
             </a:r>
-            <a:endParaRPr lang="ru-RU" dirty="0">
-              <a:latin typeface="Times New Roman" panose="02020603050405020304" pitchFamily="18" charset="0"/>
-              <a:cs typeface="Times New Roman" panose="02020603050405020304" pitchFamily="18" charset="0"/>
-            </a:endParaRPr>
           </a:p>
         </p:txBody>
       </p:sp>
@@ -4703,13 +4615,6 @@
   <p:clrMapOvr>
     <a:masterClrMapping/>
   </p:clrMapOvr>
-  <p:timing>
-    <p:tnLst>
-      <p:par>
-        <p:cTn id="1" dur="indefinite" restart="never" nodeType="tmRoot"/>
-      </p:par>
-    </p:tnLst>
-  </p:timing>
 </p:sld>
 </file>
 
@@ -4746,16 +4651,12 @@
           <a:lstStyle/>
           <a:p>
             <a:r>
-              <a:rPr lang="ru-RU" dirty="0" smtClean="0">
+              <a:rPr lang="ru-RU" dirty="0">
                 <a:latin typeface="Times New Roman" panose="02020603050405020304" pitchFamily="18" charset="0"/>
                 <a:cs typeface="Times New Roman" panose="02020603050405020304" pitchFamily="18" charset="0"/>
               </a:rPr>
               <a:t>Цели и задачи работы</a:t>
             </a:r>
-            <a:endParaRPr lang="ru-RU" dirty="0">
-              <a:latin typeface="Times New Roman" panose="02020603050405020304" pitchFamily="18" charset="0"/>
-              <a:cs typeface="Times New Roman" panose="02020603050405020304" pitchFamily="18" charset="0"/>
-            </a:endParaRPr>
           </a:p>
         </p:txBody>
       </p:sp>
@@ -4785,46 +4686,18 @@
               <a:buNone/>
             </a:pPr>
             <a:r>
-              <a:rPr lang="ru-RU" sz="2600" b="1" dirty="0" smtClean="0">
-                <a:latin typeface="Times New Roman" panose="02020603050405020304" pitchFamily="18" charset="0"/>
-                <a:cs typeface="Times New Roman" panose="02020603050405020304" pitchFamily="18" charset="0"/>
-              </a:rPr>
-              <a:t>Цель </a:t>
-            </a:r>
-            <a:r>
               <a:rPr lang="ru-RU" sz="2600" b="1" dirty="0">
                 <a:latin typeface="Times New Roman" panose="02020603050405020304" pitchFamily="18" charset="0"/>
                 <a:cs typeface="Times New Roman" panose="02020603050405020304" pitchFamily="18" charset="0"/>
               </a:rPr>
-              <a:t>данной работы</a:t>
+              <a:t>Цель данной работы</a:t>
             </a:r>
             <a:r>
               <a:rPr lang="ru-RU" sz="2600" dirty="0">
                 <a:latin typeface="Times New Roman" panose="02020603050405020304" pitchFamily="18" charset="0"/>
                 <a:cs typeface="Times New Roman" panose="02020603050405020304" pitchFamily="18" charset="0"/>
               </a:rPr>
-              <a:t> </a:t>
-            </a:r>
-            <a:r>
-              <a:rPr lang="ru-RU" sz="2600" dirty="0" smtClean="0">
-                <a:latin typeface="Times New Roman" panose="02020603050405020304" pitchFamily="18" charset="0"/>
-                <a:cs typeface="Times New Roman" panose="02020603050405020304" pitchFamily="18" charset="0"/>
-              </a:rPr>
-              <a:t>- </a:t>
-            </a:r>
-            <a:r>
-              <a:rPr lang="ru-RU" sz="2600" dirty="0">
-                <a:latin typeface="Times New Roman" panose="02020603050405020304" pitchFamily="18" charset="0"/>
-                <a:cs typeface="Times New Roman" panose="02020603050405020304" pitchFamily="18" charset="0"/>
-              </a:rPr>
-              <a:t>разработка и реализация метода параллельного выполнения запросов к СУБД PostgreSQL в пределах одного соединения</a:t>
-            </a:r>
-            <a:r>
-              <a:rPr lang="ru-RU" sz="2600" dirty="0" smtClean="0">
-                <a:latin typeface="Times New Roman" panose="02020603050405020304" pitchFamily="18" charset="0"/>
-                <a:cs typeface="Times New Roman" panose="02020603050405020304" pitchFamily="18" charset="0"/>
-              </a:rPr>
-              <a:t>.</a:t>
+              <a:t> - разработка и реализация метода параллельного выполнения запросов к СУБД PostgreSQL в пределах одного соединения.</a:t>
             </a:r>
           </a:p>
         </p:txBody>
@@ -5020,7 +4893,7 @@
               <a:buNone/>
             </a:pPr>
             <a:r>
-              <a:rPr lang="ru-RU" sz="2600" b="1" dirty="0" smtClean="0">
+              <a:rPr lang="ru-RU" sz="2600" b="1" dirty="0">
                 <a:latin typeface="Times New Roman" panose="02020603050405020304" pitchFamily="18" charset="0"/>
                 <a:cs typeface="Times New Roman" panose="02020603050405020304" pitchFamily="18" charset="0"/>
               </a:rPr>
@@ -5034,14 +4907,7 @@
                 <a:latin typeface="Times New Roman" panose="02020603050405020304" pitchFamily="18" charset="0"/>
                 <a:cs typeface="Times New Roman" panose="02020603050405020304" pitchFamily="18" charset="0"/>
               </a:rPr>
-              <a:t>А</a:t>
-            </a:r>
-            <a:r>
-              <a:rPr lang="ru-RU" dirty="0" smtClean="0">
-                <a:latin typeface="Times New Roman" panose="02020603050405020304" pitchFamily="18" charset="0"/>
-                <a:cs typeface="Times New Roman" panose="02020603050405020304" pitchFamily="18" charset="0"/>
-              </a:rPr>
-              <a:t>нализ предметной области и существующих методов реализации многопоточного доступа в MPP системах;</a:t>
+              <a:t>Анализ предметной области и существующих методов реализации многопоточного доступа в MPP системах;</a:t>
             </a:r>
           </a:p>
           <a:p>
@@ -5051,14 +4917,7 @@
                 <a:latin typeface="Times New Roman" panose="02020603050405020304" pitchFamily="18" charset="0"/>
                 <a:cs typeface="Times New Roman" panose="02020603050405020304" pitchFamily="18" charset="0"/>
               </a:rPr>
-              <a:t>Р</a:t>
-            </a:r>
-            <a:r>
-              <a:rPr lang="ru-RU" dirty="0" smtClean="0">
-                <a:latin typeface="Times New Roman" panose="02020603050405020304" pitchFamily="18" charset="0"/>
-                <a:cs typeface="Times New Roman" panose="02020603050405020304" pitchFamily="18" charset="0"/>
-              </a:rPr>
-              <a:t>азработка метода параллельного выполнения запросов к СУБД PostgreSQL в пределах одного соединения; </a:t>
+              <a:t>Разработка метода параллельного выполнения запросов к СУБД PostgreSQL в пределах одного соединения; </a:t>
             </a:r>
           </a:p>
           <a:p>
@@ -5068,24 +4927,17 @@
                 <a:latin typeface="Times New Roman" panose="02020603050405020304" pitchFamily="18" charset="0"/>
                 <a:cs typeface="Times New Roman" panose="02020603050405020304" pitchFamily="18" charset="0"/>
               </a:rPr>
-              <a:t>Р</a:t>
-            </a:r>
-            <a:r>
-              <a:rPr lang="ru-RU" dirty="0" smtClean="0">
-                <a:latin typeface="Times New Roman" panose="02020603050405020304" pitchFamily="18" charset="0"/>
-                <a:cs typeface="Times New Roman" panose="02020603050405020304" pitchFamily="18" charset="0"/>
-              </a:rPr>
-              <a:t>еализация программного модуля для СУБД </a:t>
-            </a:r>
-            <a:r>
-              <a:rPr lang="ru-RU" dirty="0" err="1" smtClean="0">
+              <a:t>Реализация программного модуля для СУБД </a:t>
+            </a:r>
+            <a:r>
+              <a:rPr lang="ru-RU" dirty="0" err="1">
                 <a:latin typeface="Times New Roman" panose="02020603050405020304" pitchFamily="18" charset="0"/>
                 <a:cs typeface="Times New Roman" panose="02020603050405020304" pitchFamily="18" charset="0"/>
               </a:rPr>
               <a:t>PostgreSQL</a:t>
             </a:r>
             <a:r>
-              <a:rPr lang="ru-RU" dirty="0" smtClean="0">
+              <a:rPr lang="ru-RU" dirty="0">
                 <a:latin typeface="Times New Roman" panose="02020603050405020304" pitchFamily="18" charset="0"/>
                 <a:cs typeface="Times New Roman" panose="02020603050405020304" pitchFamily="18" charset="0"/>
               </a:rPr>
@@ -5099,19 +4951,8 @@
                 <a:latin typeface="Times New Roman" panose="02020603050405020304" pitchFamily="18" charset="0"/>
                 <a:cs typeface="Times New Roman" panose="02020603050405020304" pitchFamily="18" charset="0"/>
               </a:rPr>
-              <a:t>П</a:t>
-            </a:r>
-            <a:r>
-              <a:rPr lang="ru-RU" dirty="0" smtClean="0">
-                <a:latin typeface="Times New Roman" panose="02020603050405020304" pitchFamily="18" charset="0"/>
-                <a:cs typeface="Times New Roman" panose="02020603050405020304" pitchFamily="18" charset="0"/>
-              </a:rPr>
-              <a:t>роведение сравнительного анализа стандартного метода обработки запросов к СУБД PostgreSQL с реализуемым методом.</a:t>
-            </a:r>
-            <a:endParaRPr lang="ru-RU" dirty="0">
-              <a:latin typeface="Times New Roman" panose="02020603050405020304" pitchFamily="18" charset="0"/>
-              <a:cs typeface="Times New Roman" panose="02020603050405020304" pitchFamily="18" charset="0"/>
-            </a:endParaRPr>
+              <a:t>Проведение сравнительного анализа стандартного метода обработки запросов к СУБД PostgreSQL с реализуемым методом.</a:t>
+            </a:r>
           </a:p>
         </p:txBody>
       </p:sp>
@@ -5154,13 +4995,6 @@
   <p:clrMapOvr>
     <a:masterClrMapping/>
   </p:clrMapOvr>
-  <p:timing>
-    <p:tnLst>
-      <p:par>
-        <p:cTn id="1" dur="indefinite" restart="never" nodeType="tmRoot"/>
-      </p:par>
-    </p:tnLst>
-  </p:timing>
 </p:sld>
 </file>
 
@@ -5197,16 +5031,12 @@
           <a:lstStyle/>
           <a:p>
             <a:r>
-              <a:rPr lang="ru-RU" dirty="0" smtClean="0">
+              <a:rPr lang="ru-RU" dirty="0">
                 <a:latin typeface="Times New Roman" panose="02020603050405020304" pitchFamily="18" charset="0"/>
                 <a:cs typeface="Times New Roman" panose="02020603050405020304" pitchFamily="18" charset="0"/>
               </a:rPr>
               <a:t>Формализация задачи</a:t>
             </a:r>
-            <a:endParaRPr lang="ru-RU" dirty="0">
-              <a:latin typeface="Times New Roman" panose="02020603050405020304" pitchFamily="18" charset="0"/>
-              <a:cs typeface="Times New Roman" panose="02020603050405020304" pitchFamily="18" charset="0"/>
-            </a:endParaRPr>
           </a:p>
         </p:txBody>
       </p:sp>
@@ -5243,7 +5073,7 @@
             <p:ph idx="1"/>
             <p:extLst>
               <p:ext uri="{D42A27DB-BD31-4B8C-83A1-F6EECF244321}">
-                <p14:modId xmlns:p14="http://schemas.microsoft.com/office/powerpoint/2010/main" val="2060373614"/>
+                <p14:modId xmlns:p14="http://schemas.microsoft.com/office/powerpoint/2010/main" val="1117698768"/>
               </p:ext>
             </p:extLst>
           </p:nvPr>
@@ -5288,20 +5118,20 @@
               <a:t>Выбор </a:t>
             </a:r>
             <a:r>
-              <a:rPr lang="en-US" dirty="0" smtClean="0">
+              <a:rPr lang="en-US" dirty="0">
                 <a:latin typeface="Times New Roman" panose="02020603050405020304" pitchFamily="18" charset="0"/>
                 <a:cs typeface="Times New Roman" panose="02020603050405020304" pitchFamily="18" charset="0"/>
               </a:rPr>
               <a:t>PostgreSQL </a:t>
             </a:r>
             <a:r>
-              <a:rPr lang="ru-RU" dirty="0" smtClean="0">
+              <a:rPr lang="ru-RU" dirty="0">
                 <a:latin typeface="Times New Roman" panose="02020603050405020304" pitchFamily="18" charset="0"/>
                 <a:cs typeface="Times New Roman" panose="02020603050405020304" pitchFamily="18" charset="0"/>
               </a:rPr>
               <a:t>аргументирован</a:t>
             </a:r>
-            <a:endParaRPr lang="en-US" dirty="0" smtClean="0">
+            <a:endParaRPr lang="en-US" dirty="0">
               <a:latin typeface="Times New Roman" panose="02020603050405020304" pitchFamily="18" charset="0"/>
               <a:cs typeface="Times New Roman" panose="02020603050405020304" pitchFamily="18" charset="0"/>
             </a:endParaRPr>
@@ -5312,25 +5142,11 @@
               <a:buChar char="•"/>
             </a:pPr>
             <a:r>
-              <a:rPr lang="ru-RU" dirty="0" smtClean="0">
-                <a:latin typeface="Times New Roman" panose="02020603050405020304" pitchFamily="18" charset="0"/>
-                <a:cs typeface="Times New Roman" panose="02020603050405020304" pitchFamily="18" charset="0"/>
-              </a:rPr>
-              <a:t>доступностью </a:t>
-            </a:r>
-            <a:r>
               <a:rPr lang="ru-RU" dirty="0">
                 <a:latin typeface="Times New Roman" panose="02020603050405020304" pitchFamily="18" charset="0"/>
                 <a:cs typeface="Times New Roman" panose="02020603050405020304" pitchFamily="18" charset="0"/>
               </a:rPr>
-              <a:t>исходного </a:t>
-            </a:r>
-            <a:r>
-              <a:rPr lang="ru-RU" dirty="0" smtClean="0">
-                <a:latin typeface="Times New Roman" panose="02020603050405020304" pitchFamily="18" charset="0"/>
-                <a:cs typeface="Times New Roman" panose="02020603050405020304" pitchFamily="18" charset="0"/>
-              </a:rPr>
-              <a:t>кода;</a:t>
+              <a:t>доступностью исходного кода;</a:t>
             </a:r>
           </a:p>
           <a:p>
@@ -5339,16 +5155,12 @@
               <a:buChar char="•"/>
             </a:pPr>
             <a:r>
-              <a:rPr lang="ru-RU" dirty="0" smtClean="0">
+              <a:rPr lang="ru-RU" dirty="0">
                 <a:latin typeface="Times New Roman" panose="02020603050405020304" pitchFamily="18" charset="0"/>
                 <a:cs typeface="Times New Roman" panose="02020603050405020304" pitchFamily="18" charset="0"/>
               </a:rPr>
               <a:t>кроссплатформенностью.</a:t>
             </a:r>
-            <a:endParaRPr lang="ru-RU" dirty="0">
-              <a:latin typeface="Times New Roman" panose="02020603050405020304" pitchFamily="18" charset="0"/>
-              <a:cs typeface="Times New Roman" panose="02020603050405020304" pitchFamily="18" charset="0"/>
-            </a:endParaRPr>
           </a:p>
         </p:txBody>
       </p:sp>
@@ -5398,16 +5210,12 @@
           <a:lstStyle/>
           <a:p>
             <a:r>
-              <a:rPr lang="ru-RU" dirty="0" smtClean="0">
+              <a:rPr lang="ru-RU" dirty="0">
                 <a:latin typeface="Times New Roman" panose="02020603050405020304" pitchFamily="18" charset="0"/>
                 <a:cs typeface="Times New Roman" panose="02020603050405020304" pitchFamily="18" charset="0"/>
               </a:rPr>
               <a:t>Анализ предметной области</a:t>
             </a:r>
-            <a:endParaRPr lang="ru-RU" dirty="0">
-              <a:latin typeface="Times New Roman" panose="02020603050405020304" pitchFamily="18" charset="0"/>
-              <a:cs typeface="Times New Roman" panose="02020603050405020304" pitchFamily="18" charset="0"/>
-            </a:endParaRPr>
           </a:p>
         </p:txBody>
       </p:sp>
@@ -5438,40 +5246,22 @@
                 <a:latin typeface="Times New Roman" panose="02020603050405020304" pitchFamily="18" charset="0"/>
                 <a:cs typeface="Times New Roman" panose="02020603050405020304" pitchFamily="18" charset="0"/>
               </a:rPr>
-              <a:t>Выделяют 3 </a:t>
-            </a:r>
-            <a:r>
-              <a:rPr lang="ru-RU" sz="2400" dirty="0" smtClean="0">
-                <a:latin typeface="Times New Roman" panose="02020603050405020304" pitchFamily="18" charset="0"/>
-                <a:cs typeface="Times New Roman" panose="02020603050405020304" pitchFamily="18" charset="0"/>
-              </a:rPr>
-              <a:t>основные</a:t>
-            </a:r>
-            <a:r>
-              <a:rPr lang="en-US" sz="2400" dirty="0" smtClean="0">
+              <a:t>Выделяют 3 основные</a:t>
+            </a:r>
+            <a:r>
+              <a:rPr lang="en-US" sz="2400" dirty="0">
                 <a:latin typeface="Times New Roman" panose="02020603050405020304" pitchFamily="18" charset="0"/>
                 <a:cs typeface="Times New Roman" panose="02020603050405020304" pitchFamily="18" charset="0"/>
               </a:rPr>
               <a:t> </a:t>
             </a:r>
             <a:r>
-              <a:rPr lang="ru-RU" sz="2400" dirty="0" smtClean="0">
-                <a:latin typeface="Times New Roman" panose="02020603050405020304" pitchFamily="18" charset="0"/>
-                <a:cs typeface="Times New Roman" panose="02020603050405020304" pitchFamily="18" charset="0"/>
-              </a:rPr>
-              <a:t>подсистемы</a:t>
-            </a:r>
-            <a:r>
               <a:rPr lang="ru-RU" sz="2400" dirty="0">
                 <a:latin typeface="Times New Roman" panose="02020603050405020304" pitchFamily="18" charset="0"/>
                 <a:cs typeface="Times New Roman" panose="02020603050405020304" pitchFamily="18" charset="0"/>
               </a:rPr>
-              <a:t>: </a:t>
-            </a:r>
-            <a:endParaRPr lang="ru-RU" sz="2400" dirty="0" smtClean="0">
-              <a:latin typeface="Times New Roman" panose="02020603050405020304" pitchFamily="18" charset="0"/>
-              <a:cs typeface="Times New Roman" panose="02020603050405020304" pitchFamily="18" charset="0"/>
-            </a:endParaRPr>
+              <a:t>подсистемы: </a:t>
+            </a:r>
           </a:p>
           <a:p>
             <a:pPr marL="914400" lvl="1" indent="-457200">
@@ -5479,7 +5269,7 @@
               <a:buChar char="•"/>
             </a:pPr>
             <a:r>
-              <a:rPr lang="ru-RU" sz="2400" dirty="0" smtClean="0">
+              <a:rPr lang="ru-RU" sz="2400" dirty="0">
                 <a:latin typeface="Times New Roman" panose="02020603050405020304" pitchFamily="18" charset="0"/>
                 <a:cs typeface="Times New Roman" panose="02020603050405020304" pitchFamily="18" charset="0"/>
               </a:rPr>
@@ -5492,7 +5282,7 @@
               <a:buChar char="•"/>
             </a:pPr>
             <a:r>
-              <a:rPr lang="ru-RU" sz="2400" dirty="0" smtClean="0">
+              <a:rPr lang="ru-RU" sz="2400" dirty="0">
                 <a:latin typeface="Times New Roman" panose="02020603050405020304" pitchFamily="18" charset="0"/>
                 <a:cs typeface="Times New Roman" panose="02020603050405020304" pitchFamily="18" charset="0"/>
               </a:rPr>
@@ -5505,16 +5295,12 @@
               <a:buChar char="•"/>
             </a:pPr>
             <a:r>
-              <a:rPr lang="ru-RU" sz="2400" dirty="0" smtClean="0">
+              <a:rPr lang="ru-RU" sz="2400" dirty="0">
                 <a:latin typeface="Times New Roman" panose="02020603050405020304" pitchFamily="18" charset="0"/>
                 <a:cs typeface="Times New Roman" panose="02020603050405020304" pitchFamily="18" charset="0"/>
               </a:rPr>
               <a:t>хранилище данных</a:t>
             </a:r>
-            <a:endParaRPr lang="ru-RU" sz="2400" dirty="0">
-              <a:latin typeface="Times New Roman" panose="02020603050405020304" pitchFamily="18" charset="0"/>
-              <a:cs typeface="Times New Roman" panose="02020603050405020304" pitchFamily="18" charset="0"/>
-            </a:endParaRPr>
           </a:p>
           <a:p>
             <a:endParaRPr lang="ru-RU" sz="1600" dirty="0">
@@ -5593,13 +5379,6 @@
   <p:clrMapOvr>
     <a:masterClrMapping/>
   </p:clrMapOvr>
-  <p:timing>
-    <p:tnLst>
-      <p:par>
-        <p:cTn id="1" dur="indefinite" restart="never" nodeType="tmRoot"/>
-      </p:par>
-    </p:tnLst>
-  </p:timing>
 </p:sld>
 </file>
 
@@ -5636,30 +5415,26 @@
           <a:lstStyle/>
           <a:p>
             <a:r>
-              <a:rPr lang="ru-RU" dirty="0" smtClean="0">
+              <a:rPr lang="ru-RU" dirty="0">
                 <a:latin typeface="Times New Roman" panose="02020603050405020304" pitchFamily="18" charset="0"/>
                 <a:cs typeface="Times New Roman" panose="02020603050405020304" pitchFamily="18" charset="0"/>
               </a:rPr>
               <a:t>Многопоточный доступ в </a:t>
             </a:r>
             <a:r>
-              <a:rPr lang="en-US" dirty="0" smtClean="0">
+              <a:rPr lang="en-US" dirty="0">
                 <a:latin typeface="Times New Roman" panose="02020603050405020304" pitchFamily="18" charset="0"/>
                 <a:cs typeface="Times New Roman" panose="02020603050405020304" pitchFamily="18" charset="0"/>
               </a:rPr>
               <a:t>MPP </a:t>
             </a:r>
             <a:r>
-              <a:rPr lang="ru-RU" dirty="0" smtClean="0">
+              <a:rPr lang="ru-RU" dirty="0">
                 <a:latin typeface="Times New Roman" panose="02020603050405020304" pitchFamily="18" charset="0"/>
                 <a:cs typeface="Times New Roman" panose="02020603050405020304" pitchFamily="18" charset="0"/>
               </a:rPr>
               <a:t>системах</a:t>
             </a:r>
-            <a:endParaRPr lang="ru-RU" dirty="0">
-              <a:latin typeface="Times New Roman" panose="02020603050405020304" pitchFamily="18" charset="0"/>
-              <a:cs typeface="Times New Roman" panose="02020603050405020304" pitchFamily="18" charset="0"/>
-            </a:endParaRPr>
           </a:p>
         </p:txBody>
       </p:sp>
@@ -5691,7 +5466,7 @@
               </a:lnSpc>
             </a:pPr>
             <a:r>
-              <a:rPr lang="ru-RU" sz="2400" u="sng" dirty="0" smtClean="0">
+              <a:rPr lang="ru-RU" sz="2400" u="sng" dirty="0">
                 <a:latin typeface="Times New Roman" panose="02020603050405020304" pitchFamily="18" charset="0"/>
                 <a:cs typeface="Times New Roman" panose="02020603050405020304" pitchFamily="18" charset="0"/>
               </a:rPr>
@@ -5704,25 +5479,11 @@
               <a:buChar char="•"/>
             </a:pPr>
             <a:r>
-              <a:rPr lang="ru-RU" sz="2000" dirty="0" smtClean="0">
-                <a:latin typeface="Times New Roman" panose="02020603050405020304" pitchFamily="18" charset="0"/>
-                <a:cs typeface="Times New Roman" panose="02020603050405020304" pitchFamily="18" charset="0"/>
-              </a:rPr>
-              <a:t>повышенная нагрузка на </a:t>
-            </a:r>
-            <a:r>
               <a:rPr lang="ru-RU" sz="2000" dirty="0">
                 <a:latin typeface="Times New Roman" panose="02020603050405020304" pitchFamily="18" charset="0"/>
                 <a:cs typeface="Times New Roman" panose="02020603050405020304" pitchFamily="18" charset="0"/>
               </a:rPr>
-              <a:t>системные </a:t>
-            </a:r>
-            <a:r>
-              <a:rPr lang="ru-RU" sz="2000" dirty="0" smtClean="0">
-                <a:latin typeface="Times New Roman" panose="02020603050405020304" pitchFamily="18" charset="0"/>
-                <a:cs typeface="Times New Roman" panose="02020603050405020304" pitchFamily="18" charset="0"/>
-              </a:rPr>
-              <a:t>ресурсы</a:t>
+              <a:t>повышенная нагрузка на системные ресурсы</a:t>
             </a:r>
           </a:p>
           <a:p>
@@ -5731,63 +5492,41 @@
               <a:buChar char="•"/>
             </a:pPr>
             <a:r>
-              <a:rPr lang="ru-RU" sz="2000" dirty="0" smtClean="0">
-                <a:latin typeface="Times New Roman" panose="02020603050405020304" pitchFamily="18" charset="0"/>
-                <a:cs typeface="Times New Roman" panose="02020603050405020304" pitchFamily="18" charset="0"/>
-              </a:rPr>
-              <a:t>увеличение </a:t>
-            </a:r>
-            <a:r>
               <a:rPr lang="ru-RU" sz="2000" dirty="0">
                 <a:latin typeface="Times New Roman" panose="02020603050405020304" pitchFamily="18" charset="0"/>
                 <a:cs typeface="Times New Roman" panose="02020603050405020304" pitchFamily="18" charset="0"/>
               </a:rPr>
-              <a:t>конкуренции при обращении </a:t>
-            </a:r>
-            <a:r>
-              <a:rPr lang="ru-RU" sz="2000" dirty="0" smtClean="0">
-                <a:latin typeface="Times New Roman" panose="02020603050405020304" pitchFamily="18" charset="0"/>
-                <a:cs typeface="Times New Roman" panose="02020603050405020304" pitchFamily="18" charset="0"/>
-              </a:rPr>
-              <a:t>к </a:t>
-            </a:r>
+              <a:t>увеличение конкуренции при обращении к ресурсам </a:t>
+            </a:r>
+            <a:endParaRPr lang="en-US" sz="2000" dirty="0">
+              <a:latin typeface="Times New Roman" panose="02020603050405020304" pitchFamily="18" charset="0"/>
+              <a:cs typeface="Times New Roman" panose="02020603050405020304" pitchFamily="18" charset="0"/>
+            </a:endParaRPr>
+          </a:p>
+          <a:p>
+            <a:pPr marL="285750" indent="-285750">
+              <a:buFont typeface="Arial" panose="020B0604020202020204" pitchFamily="34" charset="0"/>
+              <a:buChar char="•"/>
+            </a:pPr>
             <a:r>
               <a:rPr lang="ru-RU" sz="2000" dirty="0">
                 <a:latin typeface="Times New Roman" panose="02020603050405020304" pitchFamily="18" charset="0"/>
                 <a:cs typeface="Times New Roman" panose="02020603050405020304" pitchFamily="18" charset="0"/>
               </a:rPr>
-              <a:t>ресурсам </a:t>
-            </a:r>
-            <a:endParaRPr lang="en-US" sz="2000" dirty="0" smtClean="0">
-              <a:latin typeface="Times New Roman" panose="02020603050405020304" pitchFamily="18" charset="0"/>
-              <a:cs typeface="Times New Roman" panose="02020603050405020304" pitchFamily="18" charset="0"/>
-            </a:endParaRPr>
-          </a:p>
-          <a:p>
-            <a:pPr marL="285750" indent="-285750">
+              <a:t>проблема превышения количества подключений на сервере:</a:t>
+            </a:r>
+          </a:p>
+          <a:p>
+            <a:pPr marL="742950" lvl="1" indent="-285750">
               <a:buFont typeface="Arial" panose="020B0604020202020204" pitchFamily="34" charset="0"/>
               <a:buChar char="•"/>
             </a:pPr>
-            <a:r>
-              <a:rPr lang="ru-RU" sz="2000" dirty="0" smtClean="0">
-                <a:latin typeface="Times New Roman" panose="02020603050405020304" pitchFamily="18" charset="0"/>
-                <a:cs typeface="Times New Roman" panose="02020603050405020304" pitchFamily="18" charset="0"/>
-              </a:rPr>
-              <a:t>проблема превышения </a:t>
-            </a:r>
             <a:r>
               <a:rPr lang="ru-RU" sz="2000" dirty="0">
                 <a:latin typeface="Times New Roman" panose="02020603050405020304" pitchFamily="18" charset="0"/>
                 <a:cs typeface="Times New Roman" panose="02020603050405020304" pitchFamily="18" charset="0"/>
               </a:rPr>
-              <a:t>количества подключений на </a:t>
-            </a:r>
-            <a:r>
-              <a:rPr lang="ru-RU" sz="2000" dirty="0" smtClean="0">
-                <a:latin typeface="Times New Roman" panose="02020603050405020304" pitchFamily="18" charset="0"/>
-                <a:cs typeface="Times New Roman" panose="02020603050405020304" pitchFamily="18" charset="0"/>
-              </a:rPr>
-              <a:t>сервере:</a:t>
+              <a:t>долгое ожидание дальнейших запросов </a:t>
             </a:r>
           </a:p>
           <a:p>
@@ -5797,37 +5536,6 @@
             </a:pPr>
             <a:r>
               <a:rPr lang="ru-RU" sz="2000" dirty="0">
-                <a:latin typeface="Times New Roman" panose="02020603050405020304" pitchFamily="18" charset="0"/>
-                <a:cs typeface="Times New Roman" panose="02020603050405020304" pitchFamily="18" charset="0"/>
-              </a:rPr>
-              <a:t>д</a:t>
-            </a:r>
-            <a:r>
-              <a:rPr lang="ru-RU" sz="2000" dirty="0" smtClean="0">
-                <a:latin typeface="Times New Roman" panose="02020603050405020304" pitchFamily="18" charset="0"/>
-                <a:cs typeface="Times New Roman" panose="02020603050405020304" pitchFamily="18" charset="0"/>
-              </a:rPr>
-              <a:t>олгое ожидание </a:t>
-            </a:r>
-            <a:r>
-              <a:rPr lang="ru-RU" sz="2000" dirty="0">
-                <a:latin typeface="Times New Roman" panose="02020603050405020304" pitchFamily="18" charset="0"/>
-                <a:cs typeface="Times New Roman" panose="02020603050405020304" pitchFamily="18" charset="0"/>
-              </a:rPr>
-              <a:t>дальнейших запросов </a:t>
-            </a:r>
-            <a:endParaRPr lang="ru-RU" sz="2000" dirty="0" smtClean="0">
-              <a:latin typeface="Times New Roman" panose="02020603050405020304" pitchFamily="18" charset="0"/>
-              <a:cs typeface="Times New Roman" panose="02020603050405020304" pitchFamily="18" charset="0"/>
-            </a:endParaRPr>
-          </a:p>
-          <a:p>
-            <a:pPr marL="742950" lvl="1" indent="-285750">
-              <a:buFont typeface="Arial" panose="020B0604020202020204" pitchFamily="34" charset="0"/>
-              <a:buChar char="•"/>
-            </a:pPr>
-            <a:r>
-              <a:rPr lang="ru-RU" sz="2000" dirty="0" smtClean="0">
                 <a:latin typeface="Times New Roman" panose="02020603050405020304" pitchFamily="18" charset="0"/>
                 <a:cs typeface="Times New Roman" panose="02020603050405020304" pitchFamily="18" charset="0"/>
               </a:rPr>
@@ -6030,16 +5738,9 @@
                 <a:latin typeface="Times New Roman" panose="02020603050405020304" pitchFamily="18" charset="0"/>
                 <a:cs typeface="Times New Roman" panose="02020603050405020304" pitchFamily="18" charset="0"/>
               </a:rPr>
-              <a:t>Рост количества потоков может привести к замедлению работы </a:t>
-            </a:r>
-            <a:r>
-              <a:rPr lang="ru-RU" sz="2400" dirty="0" smtClean="0">
-                <a:latin typeface="Times New Roman" panose="02020603050405020304" pitchFamily="18" charset="0"/>
-                <a:cs typeface="Times New Roman" panose="02020603050405020304" pitchFamily="18" charset="0"/>
-              </a:rPr>
-              <a:t>программы.</a:t>
-            </a:r>
-            <a:endParaRPr lang="en-US" sz="2400" dirty="0" smtClean="0">
+              <a:t>Рост количества потоков может привести к замедлению работы программы.</a:t>
+            </a:r>
+            <a:endParaRPr lang="en-US" sz="2400" dirty="0">
               <a:latin typeface="Times New Roman" panose="02020603050405020304" pitchFamily="18" charset="0"/>
               <a:cs typeface="Times New Roman" panose="02020603050405020304" pitchFamily="18" charset="0"/>
             </a:endParaRPr>
@@ -6142,7 +5843,7 @@
               </a:lnSpc>
             </a:pPr>
             <a:r>
-              <a:rPr lang="ru-RU" sz="2400" u="sng" dirty="0" smtClean="0">
+              <a:rPr lang="ru-RU" sz="2400" u="sng" dirty="0">
                 <a:latin typeface="Times New Roman" panose="02020603050405020304" pitchFamily="18" charset="0"/>
                 <a:cs typeface="Times New Roman" panose="02020603050405020304" pitchFamily="18" charset="0"/>
               </a:rPr>
@@ -6155,7 +5856,7 @@
               </a:rPr>
               <a:t>:</a:t>
             </a:r>
-            <a:endParaRPr lang="ru-RU" sz="2400" u="sng" dirty="0" smtClean="0">
+            <a:endParaRPr lang="ru-RU" sz="2400" u="sng" dirty="0">
               <a:latin typeface="Times New Roman" panose="02020603050405020304" pitchFamily="18" charset="0"/>
               <a:cs typeface="Times New Roman" panose="02020603050405020304" pitchFamily="18" charset="0"/>
             </a:endParaRPr>
@@ -6170,106 +5871,39 @@
                 <a:latin typeface="Times New Roman" panose="02020603050405020304" pitchFamily="18" charset="0"/>
                 <a:cs typeface="Times New Roman" panose="02020603050405020304" pitchFamily="18" charset="0"/>
               </a:rPr>
-              <a:t>п</a:t>
-            </a:r>
-            <a:r>
-              <a:rPr lang="ru-RU" sz="2000" dirty="0" smtClean="0">
+              <a:t>при работе с БД из 100000 записей, время выполнения запросов примерно в 1000 раз выше у</a:t>
+            </a:r>
+            <a:r>
+              <a:rPr lang="en-US" sz="2000" dirty="0">
                 <a:latin typeface="Times New Roman" panose="02020603050405020304" pitchFamily="18" charset="0"/>
                 <a:cs typeface="Times New Roman" panose="02020603050405020304" pitchFamily="18" charset="0"/>
               </a:rPr>
-              <a:t>ри </a:t>
+              <a:t> </a:t>
             </a:r>
             <a:r>
               <a:rPr lang="ru-RU" sz="2000" dirty="0">
                 <a:latin typeface="Times New Roman" panose="02020603050405020304" pitchFamily="18" charset="0"/>
                 <a:cs typeface="Times New Roman" panose="02020603050405020304" pitchFamily="18" charset="0"/>
               </a:rPr>
-              <a:t>работе с </a:t>
-            </a:r>
-            <a:r>
-              <a:rPr lang="ru-RU" sz="2000" dirty="0" smtClean="0">
-                <a:latin typeface="Times New Roman" panose="02020603050405020304" pitchFamily="18" charset="0"/>
-                <a:cs typeface="Times New Roman" panose="02020603050405020304" pitchFamily="18" charset="0"/>
-              </a:rPr>
-              <a:t>БД из </a:t>
-            </a:r>
+              <a:t>однопоточной программы. </a:t>
+            </a:r>
+            <a:endParaRPr lang="en-US" sz="2000" dirty="0">
+              <a:latin typeface="Times New Roman" panose="02020603050405020304" pitchFamily="18" charset="0"/>
+              <a:cs typeface="Times New Roman" panose="02020603050405020304" pitchFamily="18" charset="0"/>
+            </a:endParaRPr>
+          </a:p>
+          <a:p>
+            <a:pPr marL="285750" indent="-285750">
+              <a:buFont typeface="Arial" panose="020B0604020202020204" pitchFamily="34" charset="0"/>
+              <a:buChar char="•"/>
+            </a:pPr>
             <a:r>
               <a:rPr lang="ru-RU" sz="2000" dirty="0">
                 <a:latin typeface="Times New Roman" panose="02020603050405020304" pitchFamily="18" charset="0"/>
                 <a:cs typeface="Times New Roman" panose="02020603050405020304" pitchFamily="18" charset="0"/>
               </a:rPr>
-              <a:t>100000 записей, время выполнения запросов примерно в 1000 раз выше </a:t>
-            </a:r>
-            <a:r>
-              <a:rPr lang="ru-RU" sz="2000" dirty="0" smtClean="0">
-                <a:latin typeface="Times New Roman" panose="02020603050405020304" pitchFamily="18" charset="0"/>
-                <a:cs typeface="Times New Roman" panose="02020603050405020304" pitchFamily="18" charset="0"/>
-              </a:rPr>
-              <a:t>у</a:t>
-            </a:r>
-            <a:r>
-              <a:rPr lang="en-US" sz="2000" dirty="0" smtClean="0">
-                <a:latin typeface="Times New Roman" panose="02020603050405020304" pitchFamily="18" charset="0"/>
-                <a:cs typeface="Times New Roman" panose="02020603050405020304" pitchFamily="18" charset="0"/>
-              </a:rPr>
-              <a:t> </a:t>
-            </a:r>
-            <a:r>
-              <a:rPr lang="ru-RU" sz="2000" dirty="0" smtClean="0">
-                <a:latin typeface="Times New Roman" panose="02020603050405020304" pitchFamily="18" charset="0"/>
-                <a:cs typeface="Times New Roman" panose="02020603050405020304" pitchFamily="18" charset="0"/>
-              </a:rPr>
-              <a:t>однопоточной </a:t>
-            </a:r>
-            <a:r>
-              <a:rPr lang="ru-RU" sz="2000" dirty="0">
-                <a:latin typeface="Times New Roman" panose="02020603050405020304" pitchFamily="18" charset="0"/>
-                <a:cs typeface="Times New Roman" panose="02020603050405020304" pitchFamily="18" charset="0"/>
-              </a:rPr>
-              <a:t>программы. </a:t>
-            </a:r>
-            <a:endParaRPr lang="en-US" sz="2000" dirty="0" smtClean="0">
-              <a:latin typeface="Times New Roman" panose="02020603050405020304" pitchFamily="18" charset="0"/>
-              <a:cs typeface="Times New Roman" panose="02020603050405020304" pitchFamily="18" charset="0"/>
-            </a:endParaRPr>
-          </a:p>
-          <a:p>
-            <a:pPr marL="285750" indent="-285750">
-              <a:buFont typeface="Arial" panose="020B0604020202020204" pitchFamily="34" charset="0"/>
-              <a:buChar char="•"/>
-            </a:pPr>
-            <a:r>
-              <a:rPr lang="ru-RU" sz="2000" dirty="0">
-                <a:latin typeface="Times New Roman" panose="02020603050405020304" pitchFamily="18" charset="0"/>
-                <a:cs typeface="Times New Roman" panose="02020603050405020304" pitchFamily="18" charset="0"/>
-              </a:rPr>
-              <a:t>О</a:t>
-            </a:r>
-            <a:r>
-              <a:rPr lang="ru-RU" sz="2000" dirty="0" smtClean="0">
-                <a:latin typeface="Times New Roman" panose="02020603050405020304" pitchFamily="18" charset="0"/>
-                <a:cs typeface="Times New Roman" panose="02020603050405020304" pitchFamily="18" charset="0"/>
-              </a:rPr>
-              <a:t>днопоточная </a:t>
-            </a:r>
-            <a:r>
-              <a:rPr lang="ru-RU" sz="2000" dirty="0">
-                <a:latin typeface="Times New Roman" panose="02020603050405020304" pitchFamily="18" charset="0"/>
-                <a:cs typeface="Times New Roman" panose="02020603050405020304" pitchFamily="18" charset="0"/>
-              </a:rPr>
-              <a:t>модель показывает нестабильную работу на больших </a:t>
-            </a:r>
-            <a:r>
-              <a:rPr lang="ru-RU" sz="2000" dirty="0" smtClean="0">
-                <a:latin typeface="Times New Roman" panose="02020603050405020304" pitchFamily="18" charset="0"/>
-                <a:cs typeface="Times New Roman" panose="02020603050405020304" pitchFamily="18" charset="0"/>
-              </a:rPr>
-              <a:t>данных. </a:t>
-            </a:r>
-            <a:endParaRPr lang="ru-RU" sz="2000" dirty="0">
-              <a:latin typeface="Times New Roman" panose="02020603050405020304" pitchFamily="18" charset="0"/>
-              <a:cs typeface="Times New Roman" panose="02020603050405020304" pitchFamily="18" charset="0"/>
-            </a:endParaRPr>
+              <a:t>Однопоточная модель показывает нестабильную работу на больших данных. </a:t>
+            </a:r>
           </a:p>
         </p:txBody>
       </p:sp>
@@ -6283,13 +5917,6 @@
   <p:clrMapOvr>
     <a:masterClrMapping/>
   </p:clrMapOvr>
-  <p:timing>
-    <p:tnLst>
-      <p:par>
-        <p:cTn id="1" dur="indefinite" restart="never" nodeType="tmRoot"/>
-      </p:par>
-    </p:tnLst>
-  </p:timing>
 </p:sld>
 </file>
 
@@ -6351,40 +5978,33 @@
           <a:lstStyle/>
           <a:p>
             <a:r>
-              <a:rPr lang="ru-RU" dirty="0" smtClean="0">
+              <a:rPr lang="ru-RU" dirty="0">
                 <a:latin typeface="Times New Roman" panose="02020603050405020304" pitchFamily="18" charset="0"/>
                 <a:cs typeface="Times New Roman" panose="02020603050405020304" pitchFamily="18" charset="0"/>
               </a:rPr>
               <a:t>Анализ существующих решений. </a:t>
             </a:r>
             <a:br>
-              <a:rPr lang="ru-RU" dirty="0" smtClean="0">
+              <a:rPr lang="ru-RU" dirty="0">
                 <a:latin typeface="Times New Roman" panose="02020603050405020304" pitchFamily="18" charset="0"/>
                 <a:cs typeface="Times New Roman" panose="02020603050405020304" pitchFamily="18" charset="0"/>
               </a:rPr>
             </a:br>
             <a:r>
-              <a:rPr lang="ru-RU" smtClean="0">
+              <a:rPr lang="ru-RU">
                 <a:latin typeface="Times New Roman" panose="02020603050405020304" pitchFamily="18" charset="0"/>
                 <a:cs typeface="Times New Roman" panose="02020603050405020304" pitchFamily="18" charset="0"/>
               </a:rPr>
-              <a:t>Пул </a:t>
-            </a:r>
-            <a:r>
-              <a:rPr lang="ru-RU" smtClean="0">
-                <a:latin typeface="Times New Roman" panose="02020603050405020304" pitchFamily="18" charset="0"/>
-                <a:cs typeface="Times New Roman" panose="02020603050405020304" pitchFamily="18" charset="0"/>
-              </a:rPr>
-              <a:t>соединений</a:t>
+              <a:t>Пул соединений</a:t>
             </a:r>
             <a:br>
-              <a:rPr lang="ru-RU" smtClean="0">
+              <a:rPr lang="ru-RU">
                 <a:latin typeface="Times New Roman" panose="02020603050405020304" pitchFamily="18" charset="0"/>
                 <a:cs typeface="Times New Roman" panose="02020603050405020304" pitchFamily="18" charset="0"/>
               </a:rPr>
             </a:br>
             <a:r>
-              <a:rPr lang="ru-RU" smtClean="0">
+              <a:rPr lang="ru-RU">
                 <a:latin typeface="Times New Roman" panose="02020603050405020304" pitchFamily="18" charset="0"/>
                 <a:cs typeface="Times New Roman" panose="02020603050405020304" pitchFamily="18" charset="0"/>
               </a:rPr>
@@ -6505,29 +6125,25 @@
           <a:lstStyle/>
           <a:p>
             <a:r>
-              <a:rPr lang="ru-RU" dirty="0" smtClean="0">
+              <a:rPr lang="ru-RU" dirty="0">
                 <a:latin typeface="Times New Roman" panose="02020603050405020304" pitchFamily="18" charset="0"/>
                 <a:cs typeface="Times New Roman" panose="02020603050405020304" pitchFamily="18" charset="0"/>
               </a:rPr>
               <a:t>Анализ существующих решений. </a:t>
             </a:r>
             <a:br>
-              <a:rPr lang="ru-RU" dirty="0" smtClean="0">
+              <a:rPr lang="ru-RU" dirty="0">
                 <a:latin typeface="Times New Roman" panose="02020603050405020304" pitchFamily="18" charset="0"/>
                 <a:cs typeface="Times New Roman" panose="02020603050405020304" pitchFamily="18" charset="0"/>
               </a:rPr>
             </a:br>
             <a:r>
-              <a:rPr lang="ru-RU" dirty="0" smtClean="0">
+              <a:rPr lang="ru-RU" dirty="0">
                 <a:latin typeface="Times New Roman" panose="02020603050405020304" pitchFamily="18" charset="0"/>
                 <a:cs typeface="Times New Roman" panose="02020603050405020304" pitchFamily="18" charset="0"/>
               </a:rPr>
               <a:t>Пул соединений</a:t>
             </a:r>
-            <a:endParaRPr lang="ru-RU" dirty="0">
-              <a:latin typeface="Times New Roman" panose="02020603050405020304" pitchFamily="18" charset="0"/>
-              <a:cs typeface="Times New Roman" panose="02020603050405020304" pitchFamily="18" charset="0"/>
-            </a:endParaRPr>
           </a:p>
         </p:txBody>
       </p:sp>
@@ -6624,7 +6240,7 @@
                         <a:defRPr/>
                       </a:pPr>
                       <a:r>
-                        <a:rPr lang="ru-RU" dirty="0" smtClean="0">
+                        <a:rPr lang="ru-RU" dirty="0">
                           <a:latin typeface="Times New Roman" panose="02020603050405020304" pitchFamily="18" charset="0"/>
                           <a:cs typeface="Times New Roman" panose="02020603050405020304" pitchFamily="18" charset="0"/>
                         </a:rPr>
@@ -6657,7 +6273,7 @@
                         <a:defRPr/>
                       </a:pPr>
                       <a:r>
-                        <a:rPr lang="ru-RU" dirty="0" smtClean="0">
+                        <a:rPr lang="ru-RU" dirty="0">
                           <a:latin typeface="Times New Roman" panose="02020603050405020304" pitchFamily="18" charset="0"/>
                           <a:cs typeface="Times New Roman" panose="02020603050405020304" pitchFamily="18" charset="0"/>
                         </a:rPr>
@@ -6697,7 +6313,7 @@
                         <a:defRPr/>
                       </a:pPr>
                       <a:r>
-                        <a:rPr lang="ru-RU" dirty="0" smtClean="0">
+                        <a:rPr lang="ru-RU" dirty="0">
                           <a:latin typeface="Times New Roman" panose="02020603050405020304" pitchFamily="18" charset="0"/>
                           <a:cs typeface="Times New Roman" panose="02020603050405020304" pitchFamily="18" charset="0"/>
                         </a:rPr>
@@ -6751,7 +6367,7 @@
                         <a:defRPr/>
                       </a:pPr>
                       <a:r>
-                        <a:rPr lang="ru-RU" dirty="0" smtClean="0">
+                        <a:rPr lang="ru-RU" dirty="0">
                           <a:latin typeface="Times New Roman" panose="02020603050405020304" pitchFamily="18" charset="0"/>
                           <a:cs typeface="Times New Roman" panose="02020603050405020304" pitchFamily="18" charset="0"/>
                         </a:rPr>
@@ -6807,7 +6423,7 @@
                         <a:defRPr/>
                       </a:pPr>
                       <a:r>
-                        <a:rPr lang="ru-RU" dirty="0" smtClean="0">
+                        <a:rPr lang="ru-RU" dirty="0">
                           <a:latin typeface="Times New Roman" panose="02020603050405020304" pitchFamily="18" charset="0"/>
                           <a:cs typeface="Times New Roman" panose="02020603050405020304" pitchFamily="18" charset="0"/>
                         </a:rPr>
@@ -6863,7 +6479,7 @@
                         <a:defRPr/>
                       </a:pPr>
                       <a:r>
-                        <a:rPr lang="ru-RU" dirty="0" smtClean="0">
+                        <a:rPr lang="ru-RU" dirty="0">
                           <a:latin typeface="Times New Roman" panose="02020603050405020304" pitchFamily="18" charset="0"/>
                           <a:cs typeface="Times New Roman" panose="02020603050405020304" pitchFamily="18" charset="0"/>
                         </a:rPr>
@@ -6886,16 +6502,12 @@
                     <a:p>
                       <a:pPr algn="ctr"/>
                       <a:r>
-                        <a:rPr lang="ru-RU" dirty="0" smtClean="0">
+                        <a:rPr lang="ru-RU" dirty="0">
                           <a:latin typeface="Times New Roman" panose="02020603050405020304" pitchFamily="18" charset="0"/>
                           <a:cs typeface="Times New Roman" panose="02020603050405020304" pitchFamily="18" charset="0"/>
                         </a:rPr>
                         <a:t>Доступен только в коммерческой версии</a:t>
                       </a:r>
-                      <a:endParaRPr lang="ru-RU" dirty="0">
-                        <a:latin typeface="Times New Roman" panose="02020603050405020304" pitchFamily="18" charset="0"/>
-                        <a:cs typeface="Times New Roman" panose="02020603050405020304" pitchFamily="18" charset="0"/>
-                      </a:endParaRPr>
                     </a:p>
                   </a:txBody>
                   <a:tcPr anchor="ctr">
@@ -6936,7 +6548,7 @@
                         <a:defRPr/>
                       </a:pPr>
                       <a:r>
-                        <a:rPr lang="ru-RU" dirty="0" smtClean="0">
+                        <a:rPr lang="ru-RU" dirty="0">
                           <a:latin typeface="Times New Roman" panose="02020603050405020304" pitchFamily="18" charset="0"/>
                           <a:cs typeface="Times New Roman" panose="02020603050405020304" pitchFamily="18" charset="0"/>
                         </a:rPr>
@@ -6992,13 +6604,6 @@
   <p:clrMapOvr>
     <a:masterClrMapping/>
   </p:clrMapOvr>
-  <p:timing>
-    <p:tnLst>
-      <p:par>
-        <p:cTn id="1" dur="indefinite" restart="never" nodeType="tmRoot"/>
-      </p:par>
-    </p:tnLst>
-  </p:timing>
 </p:sld>
 </file>
 
@@ -7035,36 +6640,25 @@
           <a:lstStyle/>
           <a:p>
             <a:r>
-              <a:rPr lang="ru-RU" dirty="0" smtClean="0">
+              <a:rPr lang="ru-RU" dirty="0">
                 <a:latin typeface="Times New Roman" panose="02020603050405020304" pitchFamily="18" charset="0"/>
                 <a:cs typeface="Times New Roman" panose="02020603050405020304" pitchFamily="18" charset="0"/>
               </a:rPr>
               <a:t>Анализ существующих решений.</a:t>
             </a:r>
             <a:br>
-              <a:rPr lang="ru-RU" dirty="0" smtClean="0">
+              <a:rPr lang="ru-RU" dirty="0">
                 <a:latin typeface="Times New Roman" panose="02020603050405020304" pitchFamily="18" charset="0"/>
                 <a:cs typeface="Times New Roman" panose="02020603050405020304" pitchFamily="18" charset="0"/>
               </a:rPr>
             </a:br>
             <a:r>
-              <a:rPr lang="ru-RU" dirty="0" smtClean="0">
+              <a:rPr lang="ru-RU" dirty="0">
                 <a:latin typeface="Times New Roman" panose="02020603050405020304" pitchFamily="18" charset="0"/>
                 <a:cs typeface="Times New Roman" panose="02020603050405020304" pitchFamily="18" charset="0"/>
               </a:rPr>
-              <a:t>Параллельное выполнение </a:t>
-            </a:r>
-            <a:r>
-              <a:rPr lang="ru-RU" dirty="0" smtClean="0">
-                <a:latin typeface="Times New Roman" panose="02020603050405020304" pitchFamily="18" charset="0"/>
-                <a:cs typeface="Times New Roman" panose="02020603050405020304" pitchFamily="18" charset="0"/>
-              </a:rPr>
-              <a:t>запроса</a:t>
-            </a:r>
-            <a:endParaRPr lang="ru-RU" dirty="0">
-              <a:latin typeface="Times New Roman" panose="02020603050405020304" pitchFamily="18" charset="0"/>
-              <a:cs typeface="Times New Roman" panose="02020603050405020304" pitchFamily="18" charset="0"/>
-            </a:endParaRPr>
+              <a:t>Параллельное выполнение запроса</a:t>
+            </a:r>
           </a:p>
         </p:txBody>
       </p:sp>
@@ -7114,7 +6708,7 @@
           <a:lstStyle/>
           <a:p>
             <a:r>
-              <a:rPr lang="ru-RU" sz="2400" u="sng" dirty="0" smtClean="0">
+              <a:rPr lang="ru-RU" sz="2400" u="sng" dirty="0">
                 <a:latin typeface="Times New Roman" panose="02020603050405020304" pitchFamily="18" charset="0"/>
                 <a:cs typeface="Times New Roman" panose="02020603050405020304" pitchFamily="18" charset="0"/>
               </a:rPr>
@@ -7131,21 +6725,7 @@
                 <a:latin typeface="Times New Roman" panose="02020603050405020304" pitchFamily="18" charset="0"/>
                 <a:cs typeface="Times New Roman" panose="02020603050405020304" pitchFamily="18" charset="0"/>
               </a:rPr>
-              <a:t>п</a:t>
-            </a:r>
-            <a:r>
-              <a:rPr lang="ru-RU" sz="2400" dirty="0" smtClean="0">
-                <a:latin typeface="Times New Roman" panose="02020603050405020304" pitchFamily="18" charset="0"/>
-                <a:cs typeface="Times New Roman" panose="02020603050405020304" pitchFamily="18" charset="0"/>
-              </a:rPr>
-              <a:t>рименим </a:t>
-            </a:r>
-            <a:r>
-              <a:rPr lang="ru-RU" sz="2400" dirty="0" smtClean="0">
-                <a:latin typeface="Times New Roman" panose="02020603050405020304" pitchFamily="18" charset="0"/>
-                <a:cs typeface="Times New Roman" panose="02020603050405020304" pitchFamily="18" charset="0"/>
-              </a:rPr>
-              <a:t>к малому числу запросов;</a:t>
+              <a:t>применим к малому числу запросов;</a:t>
             </a:r>
           </a:p>
           <a:p>
@@ -7158,21 +6738,7 @@
                 <a:latin typeface="Times New Roman" panose="02020603050405020304" pitchFamily="18" charset="0"/>
                 <a:cs typeface="Times New Roman" panose="02020603050405020304" pitchFamily="18" charset="0"/>
               </a:rPr>
-              <a:t>с</a:t>
-            </a:r>
-            <a:r>
-              <a:rPr lang="ru-RU" sz="2400" dirty="0" smtClean="0">
-                <a:latin typeface="Times New Roman" panose="02020603050405020304" pitchFamily="18" charset="0"/>
-                <a:cs typeface="Times New Roman" panose="02020603050405020304" pitchFamily="18" charset="0"/>
-              </a:rPr>
-              <a:t>нижает </a:t>
-            </a:r>
-            <a:r>
-              <a:rPr lang="ru-RU" sz="2400" dirty="0" smtClean="0">
-                <a:latin typeface="Times New Roman" panose="02020603050405020304" pitchFamily="18" charset="0"/>
-                <a:cs typeface="Times New Roman" panose="02020603050405020304" pitchFamily="18" charset="0"/>
-              </a:rPr>
-              <a:t>производительность;</a:t>
+              <a:t>снижает производительность;</a:t>
             </a:r>
           </a:p>
           <a:p>
@@ -7185,21 +6751,7 @@
                 <a:latin typeface="Times New Roman" panose="02020603050405020304" pitchFamily="18" charset="0"/>
                 <a:cs typeface="Times New Roman" panose="02020603050405020304" pitchFamily="18" charset="0"/>
               </a:rPr>
-              <a:t>э</a:t>
-            </a:r>
-            <a:r>
-              <a:rPr lang="ru-RU" sz="2400" dirty="0" smtClean="0">
-                <a:latin typeface="Times New Roman" panose="02020603050405020304" pitchFamily="18" charset="0"/>
-                <a:cs typeface="Times New Roman" panose="02020603050405020304" pitchFamily="18" charset="0"/>
-              </a:rPr>
-              <a:t>ффективен </a:t>
-            </a:r>
-            <a:r>
-              <a:rPr lang="ru-RU" sz="2400" dirty="0" smtClean="0">
-                <a:latin typeface="Times New Roman" panose="02020603050405020304" pitchFamily="18" charset="0"/>
-                <a:cs typeface="Times New Roman" panose="02020603050405020304" pitchFamily="18" charset="0"/>
-              </a:rPr>
-              <a:t>только для конкретных запросов.</a:t>
+              <a:t>эффективен только для конкретных запросов.</a:t>
             </a:r>
           </a:p>
         </p:txBody>

--- a/Презентация.pptx
+++ b/Презентация.pptx
@@ -5,7 +5,7 @@
     <p:sldMasterId id="2147483648" r:id="rId1"/>
   </p:sldMasterIdLst>
   <p:notesMasterIdLst>
-    <p:notesMasterId r:id="rId10"/>
+    <p:notesMasterId r:id="rId16"/>
   </p:notesMasterIdLst>
   <p:sldIdLst>
     <p:sldId id="256" r:id="rId2"/>
@@ -16,6 +16,12 @@
     <p:sldId id="264" r:id="rId7"/>
     <p:sldId id="261" r:id="rId8"/>
     <p:sldId id="263" r:id="rId9"/>
+    <p:sldId id="266" r:id="rId10"/>
+    <p:sldId id="267" r:id="rId11"/>
+    <p:sldId id="268" r:id="rId12"/>
+    <p:sldId id="269" r:id="rId13"/>
+    <p:sldId id="270" r:id="rId14"/>
+    <p:sldId id="271" r:id="rId15"/>
   </p:sldIdLst>
   <p:sldSz cx="12192000" cy="6858000"/>
   <p:notesSz cx="6858000" cy="9144000"/>
@@ -711,6 +717,1668 @@
 </c:chartSpace>
 </file>
 
+<file path=ppt/charts/chart2.xml><?xml version="1.0" encoding="utf-8"?>
+<c:chartSpace xmlns:c="http://schemas.openxmlformats.org/drawingml/2006/chart" xmlns:a="http://schemas.openxmlformats.org/drawingml/2006/main" xmlns:r="http://schemas.openxmlformats.org/officeDocument/2006/relationships" xmlns:c16r2="http://schemas.microsoft.com/office/drawing/2015/06/chart">
+  <c:date1904 val="0"/>
+  <c:lang val="ru-RU"/>
+  <c:roundedCorners val="0"/>
+  <mc:AlternateContent xmlns:mc="http://schemas.openxmlformats.org/markup-compatibility/2006">
+    <mc:Choice xmlns:c14="http://schemas.microsoft.com/office/drawing/2007/8/2/chart" Requires="c14">
+      <c14:style val="102"/>
+    </mc:Choice>
+    <mc:Fallback>
+      <c:style val="2"/>
+    </mc:Fallback>
+  </mc:AlternateContent>
+  <c:chart>
+    <c:title>
+      <c:tx>
+        <c:rich>
+          <a:bodyPr rot="0" spcFirstLastPara="1" vertOverflow="ellipsis" vert="horz" wrap="square" anchor="ctr" anchorCtr="1"/>
+          <a:lstStyle/>
+          <a:p>
+            <a:pPr>
+              <a:defRPr sz="1400" b="0" i="0" u="none" strike="noStrike" kern="1200" spc="0" baseline="0">
+                <a:solidFill>
+                  <a:schemeClr val="tx1">
+                    <a:lumMod val="65000"/>
+                    <a:lumOff val="35000"/>
+                  </a:schemeClr>
+                </a:solidFill>
+                <a:latin typeface="+mn-lt"/>
+                <a:ea typeface="+mn-ea"/>
+                <a:cs typeface="+mn-cs"/>
+              </a:defRPr>
+            </a:pPr>
+            <a:r>
+              <a:rPr lang="ru-RU"/>
+              <a:t>Зависимость времени работы различных</a:t>
+            </a:r>
+            <a:r>
+              <a:rPr lang="ru-RU" baseline="0"/>
+              <a:t> реализаций от количества соединений к БД</a:t>
+            </a:r>
+            <a:r>
+              <a:rPr lang="ru-RU"/>
+              <a:t> </a:t>
+            </a:r>
+          </a:p>
+        </c:rich>
+      </c:tx>
+      <c:overlay val="0"/>
+      <c:spPr>
+        <a:noFill/>
+        <a:ln>
+          <a:noFill/>
+        </a:ln>
+        <a:effectLst/>
+      </c:spPr>
+      <c:txPr>
+        <a:bodyPr rot="0" spcFirstLastPara="1" vertOverflow="ellipsis" vert="horz" wrap="square" anchor="ctr" anchorCtr="1"/>
+        <a:lstStyle/>
+        <a:p>
+          <a:pPr>
+            <a:defRPr sz="1400" b="0" i="0" u="none" strike="noStrike" kern="1200" spc="0" baseline="0">
+              <a:solidFill>
+                <a:schemeClr val="tx1">
+                  <a:lumMod val="65000"/>
+                  <a:lumOff val="35000"/>
+                </a:schemeClr>
+              </a:solidFill>
+              <a:latin typeface="+mn-lt"/>
+              <a:ea typeface="+mn-ea"/>
+              <a:cs typeface="+mn-cs"/>
+            </a:defRPr>
+          </a:pPr>
+          <a:endParaRPr lang="ru-RU"/>
+        </a:p>
+      </c:txPr>
+    </c:title>
+    <c:autoTitleDeleted val="0"/>
+    <c:plotArea>
+      <c:layout/>
+      <c:lineChart>
+        <c:grouping val="standard"/>
+        <c:varyColors val="0"/>
+        <c:ser>
+          <c:idx val="0"/>
+          <c:order val="0"/>
+          <c:tx>
+            <c:v>Custom</c:v>
+          </c:tx>
+          <c:spPr>
+            <a:ln w="28575" cap="rnd">
+              <a:solidFill>
+                <a:schemeClr val="accent1"/>
+              </a:solidFill>
+              <a:round/>
+            </a:ln>
+            <a:effectLst/>
+          </c:spPr>
+          <c:marker>
+            <c:symbol val="circle"/>
+            <c:size val="5"/>
+            <c:spPr>
+              <a:solidFill>
+                <a:schemeClr val="accent1"/>
+              </a:solidFill>
+              <a:ln w="9525">
+                <a:solidFill>
+                  <a:schemeClr val="accent1"/>
+                </a:solidFill>
+              </a:ln>
+              <a:effectLst/>
+            </c:spPr>
+          </c:marker>
+          <c:cat>
+            <c:numRef>
+              <c:f>'[2.ods]Лист1'!$A$2:$A$8</c:f>
+              <c:numCache>
+                <c:formatCode>General</c:formatCode>
+                <c:ptCount val="7"/>
+                <c:pt idx="0">
+                  <c:v>10</c:v>
+                </c:pt>
+                <c:pt idx="1">
+                  <c:v>50</c:v>
+                </c:pt>
+                <c:pt idx="2">
+                  <c:v>100</c:v>
+                </c:pt>
+                <c:pt idx="3">
+                  <c:v>150</c:v>
+                </c:pt>
+                <c:pt idx="4">
+                  <c:v>200</c:v>
+                </c:pt>
+                <c:pt idx="5">
+                  <c:v>250</c:v>
+                </c:pt>
+                <c:pt idx="6">
+                  <c:v>500</c:v>
+                </c:pt>
+              </c:numCache>
+            </c:numRef>
+          </c:cat>
+          <c:val>
+            <c:numRef>
+              <c:f>'[2.ods]Лист1'!$B$2:$B$8</c:f>
+              <c:numCache>
+                <c:formatCode>General</c:formatCode>
+                <c:ptCount val="7"/>
+                <c:pt idx="0">
+                  <c:v>8.0856999999999995E-3</c:v>
+                </c:pt>
+                <c:pt idx="1">
+                  <c:v>1.9580400000000001E-2</c:v>
+                </c:pt>
+                <c:pt idx="2">
+                  <c:v>2.2508799999999999E-2</c:v>
+                </c:pt>
+                <c:pt idx="3">
+                  <c:v>3.2869000000000002E-2</c:v>
+                </c:pt>
+                <c:pt idx="4">
+                  <c:v>3.7864700000000001E-2</c:v>
+                </c:pt>
+                <c:pt idx="5">
+                  <c:v>4.9689799999999999E-2</c:v>
+                </c:pt>
+                <c:pt idx="6">
+                  <c:v>9.2703800000000003E-2</c:v>
+                </c:pt>
+              </c:numCache>
+            </c:numRef>
+          </c:val>
+          <c:smooth val="0"/>
+          <c:extLst>
+            <c:ext xmlns:c16="http://schemas.microsoft.com/office/drawing/2014/chart" uri="{C3380CC4-5D6E-409C-BE32-E72D297353CC}">
+              <c16:uniqueId val="{00000000-AED8-4510-8E68-8171EE5FE281}"/>
+            </c:ext>
+          </c:extLst>
+        </c:ser>
+        <c:ser>
+          <c:idx val="1"/>
+          <c:order val="1"/>
+          <c:tx>
+            <c:v>Single</c:v>
+          </c:tx>
+          <c:spPr>
+            <a:ln w="28575" cap="rnd">
+              <a:solidFill>
+                <a:schemeClr val="accent2"/>
+              </a:solidFill>
+              <a:round/>
+            </a:ln>
+            <a:effectLst/>
+          </c:spPr>
+          <c:marker>
+            <c:symbol val="circle"/>
+            <c:size val="5"/>
+            <c:spPr>
+              <a:solidFill>
+                <a:schemeClr val="accent2"/>
+              </a:solidFill>
+              <a:ln w="9525">
+                <a:solidFill>
+                  <a:schemeClr val="accent2"/>
+                </a:solidFill>
+              </a:ln>
+              <a:effectLst/>
+            </c:spPr>
+          </c:marker>
+          <c:cat>
+            <c:numRef>
+              <c:f>'[2.ods]Лист1'!$A$2:$A$8</c:f>
+              <c:numCache>
+                <c:formatCode>General</c:formatCode>
+                <c:ptCount val="7"/>
+                <c:pt idx="0">
+                  <c:v>10</c:v>
+                </c:pt>
+                <c:pt idx="1">
+                  <c:v>50</c:v>
+                </c:pt>
+                <c:pt idx="2">
+                  <c:v>100</c:v>
+                </c:pt>
+                <c:pt idx="3">
+                  <c:v>150</c:v>
+                </c:pt>
+                <c:pt idx="4">
+                  <c:v>200</c:v>
+                </c:pt>
+                <c:pt idx="5">
+                  <c:v>250</c:v>
+                </c:pt>
+                <c:pt idx="6">
+                  <c:v>500</c:v>
+                </c:pt>
+              </c:numCache>
+            </c:numRef>
+          </c:cat>
+          <c:val>
+            <c:numRef>
+              <c:f>'[2.ods]Лист1'!$C$2:$C$8</c:f>
+              <c:numCache>
+                <c:formatCode>General</c:formatCode>
+                <c:ptCount val="7"/>
+                <c:pt idx="0">
+                  <c:v>1.2040800000000001E-2</c:v>
+                </c:pt>
+                <c:pt idx="1">
+                  <c:v>5.6108600000000002E-2</c:v>
+                </c:pt>
+                <c:pt idx="2">
+                  <c:v>0.1034557</c:v>
+                </c:pt>
+                <c:pt idx="3">
+                  <c:v>0.1413739</c:v>
+                </c:pt>
+                <c:pt idx="4">
+                  <c:v>0.19510230000000001</c:v>
+                </c:pt>
+                <c:pt idx="5">
+                  <c:v>0.2273461</c:v>
+                </c:pt>
+                <c:pt idx="6">
+                  <c:v>0.42215000000000003</c:v>
+                </c:pt>
+              </c:numCache>
+            </c:numRef>
+          </c:val>
+          <c:smooth val="0"/>
+          <c:extLst>
+            <c:ext xmlns:c16="http://schemas.microsoft.com/office/drawing/2014/chart" uri="{C3380CC4-5D6E-409C-BE32-E72D297353CC}">
+              <c16:uniqueId val="{00000001-AED8-4510-8E68-8171EE5FE281}"/>
+            </c:ext>
+          </c:extLst>
+        </c:ser>
+        <c:ser>
+          <c:idx val="2"/>
+          <c:order val="2"/>
+          <c:tx>
+            <c:v>Multi</c:v>
+          </c:tx>
+          <c:spPr>
+            <a:ln w="28575" cap="rnd">
+              <a:solidFill>
+                <a:schemeClr val="accent3"/>
+              </a:solidFill>
+              <a:round/>
+            </a:ln>
+            <a:effectLst/>
+          </c:spPr>
+          <c:marker>
+            <c:symbol val="circle"/>
+            <c:size val="5"/>
+            <c:spPr>
+              <a:solidFill>
+                <a:schemeClr val="accent3"/>
+              </a:solidFill>
+              <a:ln w="9525">
+                <a:solidFill>
+                  <a:schemeClr val="accent3"/>
+                </a:solidFill>
+              </a:ln>
+              <a:effectLst/>
+            </c:spPr>
+          </c:marker>
+          <c:cat>
+            <c:numRef>
+              <c:f>'[2.ods]Лист1'!$A$2:$A$8</c:f>
+              <c:numCache>
+                <c:formatCode>General</c:formatCode>
+                <c:ptCount val="7"/>
+                <c:pt idx="0">
+                  <c:v>10</c:v>
+                </c:pt>
+                <c:pt idx="1">
+                  <c:v>50</c:v>
+                </c:pt>
+                <c:pt idx="2">
+                  <c:v>100</c:v>
+                </c:pt>
+                <c:pt idx="3">
+                  <c:v>150</c:v>
+                </c:pt>
+                <c:pt idx="4">
+                  <c:v>200</c:v>
+                </c:pt>
+                <c:pt idx="5">
+                  <c:v>250</c:v>
+                </c:pt>
+                <c:pt idx="6">
+                  <c:v>500</c:v>
+                </c:pt>
+              </c:numCache>
+            </c:numRef>
+          </c:cat>
+          <c:val>
+            <c:numRef>
+              <c:f>'[2.ods]Лист1'!$D$2:$D$8</c:f>
+              <c:numCache>
+                <c:formatCode>General</c:formatCode>
+                <c:ptCount val="7"/>
+                <c:pt idx="0">
+                  <c:v>1.2090699999999999E-2</c:v>
+                </c:pt>
+                <c:pt idx="1">
+                  <c:v>4.3017300000000001E-2</c:v>
+                </c:pt>
+                <c:pt idx="2">
+                  <c:v>5.4491900000000003E-2</c:v>
+                </c:pt>
+                <c:pt idx="3">
+                  <c:v>7.9779900000000001E-2</c:v>
+                </c:pt>
+                <c:pt idx="4">
+                  <c:v>0.1099989</c:v>
+                </c:pt>
+                <c:pt idx="5">
+                  <c:v>0.13556670000000001</c:v>
+                </c:pt>
+                <c:pt idx="6">
+                  <c:v>0.2455735</c:v>
+                </c:pt>
+              </c:numCache>
+            </c:numRef>
+          </c:val>
+          <c:smooth val="0"/>
+          <c:extLst>
+            <c:ext xmlns:c16="http://schemas.microsoft.com/office/drawing/2014/chart" uri="{C3380CC4-5D6E-409C-BE32-E72D297353CC}">
+              <c16:uniqueId val="{00000002-AED8-4510-8E68-8171EE5FE281}"/>
+            </c:ext>
+          </c:extLst>
+        </c:ser>
+        <c:ser>
+          <c:idx val="3"/>
+          <c:order val="3"/>
+          <c:tx>
+            <c:v>Pool</c:v>
+          </c:tx>
+          <c:spPr>
+            <a:ln w="28575" cap="rnd">
+              <a:solidFill>
+                <a:schemeClr val="accent4"/>
+              </a:solidFill>
+              <a:round/>
+            </a:ln>
+            <a:effectLst/>
+          </c:spPr>
+          <c:marker>
+            <c:symbol val="circle"/>
+            <c:size val="5"/>
+            <c:spPr>
+              <a:solidFill>
+                <a:schemeClr val="accent4"/>
+              </a:solidFill>
+              <a:ln w="9525">
+                <a:solidFill>
+                  <a:schemeClr val="accent4"/>
+                </a:solidFill>
+              </a:ln>
+              <a:effectLst/>
+            </c:spPr>
+          </c:marker>
+          <c:cat>
+            <c:numRef>
+              <c:f>'[2.ods]Лист1'!$A$2:$A$8</c:f>
+              <c:numCache>
+                <c:formatCode>General</c:formatCode>
+                <c:ptCount val="7"/>
+                <c:pt idx="0">
+                  <c:v>10</c:v>
+                </c:pt>
+                <c:pt idx="1">
+                  <c:v>50</c:v>
+                </c:pt>
+                <c:pt idx="2">
+                  <c:v>100</c:v>
+                </c:pt>
+                <c:pt idx="3">
+                  <c:v>150</c:v>
+                </c:pt>
+                <c:pt idx="4">
+                  <c:v>200</c:v>
+                </c:pt>
+                <c:pt idx="5">
+                  <c:v>250</c:v>
+                </c:pt>
+                <c:pt idx="6">
+                  <c:v>500</c:v>
+                </c:pt>
+              </c:numCache>
+            </c:numRef>
+          </c:cat>
+          <c:val>
+            <c:numRef>
+              <c:f>'[2.ods]Лист1'!$E$2:$E$8</c:f>
+              <c:numCache>
+                <c:formatCode>General</c:formatCode>
+                <c:ptCount val="7"/>
+                <c:pt idx="0">
+                  <c:v>4.4568000000000003E-3</c:v>
+                </c:pt>
+                <c:pt idx="1">
+                  <c:v>1.6203200000000001E-2</c:v>
+                </c:pt>
+                <c:pt idx="2">
+                  <c:v>2.7250799999999999E-2</c:v>
+                </c:pt>
+                <c:pt idx="3">
+                  <c:v>3.4326099999999998E-2</c:v>
+                </c:pt>
+                <c:pt idx="4">
+                  <c:v>3.9629200000000003E-2</c:v>
+                </c:pt>
+                <c:pt idx="5">
+                  <c:v>4.4148199999999999E-2</c:v>
+                </c:pt>
+                <c:pt idx="6">
+                  <c:v>6.7283700000000002E-2</c:v>
+                </c:pt>
+              </c:numCache>
+            </c:numRef>
+          </c:val>
+          <c:smooth val="0"/>
+          <c:extLst>
+            <c:ext xmlns:c16="http://schemas.microsoft.com/office/drawing/2014/chart" uri="{C3380CC4-5D6E-409C-BE32-E72D297353CC}">
+              <c16:uniqueId val="{00000003-AED8-4510-8E68-8171EE5FE281}"/>
+            </c:ext>
+          </c:extLst>
+        </c:ser>
+        <c:dLbls>
+          <c:showLegendKey val="0"/>
+          <c:showVal val="0"/>
+          <c:showCatName val="0"/>
+          <c:showSerName val="0"/>
+          <c:showPercent val="0"/>
+          <c:showBubbleSize val="0"/>
+        </c:dLbls>
+        <c:marker val="1"/>
+        <c:smooth val="0"/>
+        <c:axId val="2033137871"/>
+        <c:axId val="2033143279"/>
+      </c:lineChart>
+      <c:catAx>
+        <c:axId val="2033137871"/>
+        <c:scaling>
+          <c:orientation val="minMax"/>
+        </c:scaling>
+        <c:delete val="0"/>
+        <c:axPos val="b"/>
+        <c:majorGridlines>
+          <c:spPr>
+            <a:ln w="9525" cap="flat" cmpd="sng" algn="ctr">
+              <a:solidFill>
+                <a:schemeClr val="tx1">
+                  <a:lumMod val="15000"/>
+                  <a:lumOff val="85000"/>
+                </a:schemeClr>
+              </a:solidFill>
+              <a:round/>
+            </a:ln>
+            <a:effectLst/>
+          </c:spPr>
+        </c:majorGridlines>
+        <c:minorGridlines>
+          <c:spPr>
+            <a:ln w="9525" cap="flat" cmpd="sng" algn="ctr">
+              <a:solidFill>
+                <a:schemeClr val="tx1">
+                  <a:lumMod val="5000"/>
+                  <a:lumOff val="95000"/>
+                </a:schemeClr>
+              </a:solidFill>
+              <a:round/>
+            </a:ln>
+            <a:effectLst/>
+          </c:spPr>
+        </c:minorGridlines>
+        <c:title>
+          <c:tx>
+            <c:rich>
+              <a:bodyPr rot="0" spcFirstLastPara="1" vertOverflow="ellipsis" vert="horz" wrap="square" anchor="ctr" anchorCtr="1"/>
+              <a:lstStyle/>
+              <a:p>
+                <a:pPr>
+                  <a:defRPr sz="1000" b="0" i="0" u="none" strike="noStrike" kern="1200" baseline="0">
+                    <a:solidFill>
+                      <a:schemeClr val="tx1">
+                        <a:lumMod val="65000"/>
+                        <a:lumOff val="35000"/>
+                      </a:schemeClr>
+                    </a:solidFill>
+                    <a:latin typeface="+mn-lt"/>
+                    <a:ea typeface="+mn-ea"/>
+                    <a:cs typeface="+mn-cs"/>
+                  </a:defRPr>
+                </a:pPr>
+                <a:r>
+                  <a:rPr lang="ru-RU"/>
+                  <a:t>Число соединений</a:t>
+                </a:r>
+                <a:r>
+                  <a:rPr lang="en-US"/>
+                  <a:t>, </a:t>
+                </a:r>
+                <a:r>
+                  <a:rPr lang="ru-RU"/>
+                  <a:t>шт</a:t>
+                </a:r>
+              </a:p>
+            </c:rich>
+          </c:tx>
+          <c:overlay val="0"/>
+          <c:spPr>
+            <a:noFill/>
+            <a:ln>
+              <a:noFill/>
+            </a:ln>
+            <a:effectLst/>
+          </c:spPr>
+          <c:txPr>
+            <a:bodyPr rot="0" spcFirstLastPara="1" vertOverflow="ellipsis" vert="horz" wrap="square" anchor="ctr" anchorCtr="1"/>
+            <a:lstStyle/>
+            <a:p>
+              <a:pPr>
+                <a:defRPr sz="1000" b="0" i="0" u="none" strike="noStrike" kern="1200" baseline="0">
+                  <a:solidFill>
+                    <a:schemeClr val="tx1">
+                      <a:lumMod val="65000"/>
+                      <a:lumOff val="35000"/>
+                    </a:schemeClr>
+                  </a:solidFill>
+                  <a:latin typeface="+mn-lt"/>
+                  <a:ea typeface="+mn-ea"/>
+                  <a:cs typeface="+mn-cs"/>
+                </a:defRPr>
+              </a:pPr>
+              <a:endParaRPr lang="ru-RU"/>
+            </a:p>
+          </c:txPr>
+        </c:title>
+        <c:numFmt formatCode="General" sourceLinked="1"/>
+        <c:majorTickMark val="none"/>
+        <c:minorTickMark val="none"/>
+        <c:tickLblPos val="nextTo"/>
+        <c:spPr>
+          <a:noFill/>
+          <a:ln w="9525" cap="flat" cmpd="sng" algn="ctr">
+            <a:solidFill>
+              <a:schemeClr val="tx1">
+                <a:lumMod val="15000"/>
+                <a:lumOff val="85000"/>
+              </a:schemeClr>
+            </a:solidFill>
+            <a:round/>
+          </a:ln>
+          <a:effectLst/>
+        </c:spPr>
+        <c:txPr>
+          <a:bodyPr rot="-60000000" spcFirstLastPara="1" vertOverflow="ellipsis" vert="horz" wrap="square" anchor="ctr" anchorCtr="1"/>
+          <a:lstStyle/>
+          <a:p>
+            <a:pPr>
+              <a:defRPr sz="900" b="0" i="0" u="none" strike="noStrike" kern="1200" baseline="0">
+                <a:solidFill>
+                  <a:schemeClr val="tx1">
+                    <a:lumMod val="65000"/>
+                    <a:lumOff val="35000"/>
+                  </a:schemeClr>
+                </a:solidFill>
+                <a:latin typeface="+mn-lt"/>
+                <a:ea typeface="+mn-ea"/>
+                <a:cs typeface="+mn-cs"/>
+              </a:defRPr>
+            </a:pPr>
+            <a:endParaRPr lang="ru-RU"/>
+          </a:p>
+        </c:txPr>
+        <c:crossAx val="2033143279"/>
+        <c:crosses val="autoZero"/>
+        <c:auto val="1"/>
+        <c:lblAlgn val="ctr"/>
+        <c:lblOffset val="100"/>
+        <c:noMultiLvlLbl val="0"/>
+      </c:catAx>
+      <c:valAx>
+        <c:axId val="2033143279"/>
+        <c:scaling>
+          <c:orientation val="minMax"/>
+        </c:scaling>
+        <c:delete val="0"/>
+        <c:axPos val="l"/>
+        <c:majorGridlines>
+          <c:spPr>
+            <a:ln w="9525" cap="flat" cmpd="sng" algn="ctr">
+              <a:solidFill>
+                <a:schemeClr val="tx1">
+                  <a:lumMod val="15000"/>
+                  <a:lumOff val="85000"/>
+                </a:schemeClr>
+              </a:solidFill>
+              <a:round/>
+            </a:ln>
+            <a:effectLst/>
+          </c:spPr>
+        </c:majorGridlines>
+        <c:title>
+          <c:tx>
+            <c:rich>
+              <a:bodyPr rot="-5400000" spcFirstLastPara="1" vertOverflow="ellipsis" vert="horz" wrap="square" anchor="ctr" anchorCtr="1"/>
+              <a:lstStyle/>
+              <a:p>
+                <a:pPr>
+                  <a:defRPr sz="1000" b="0" i="0" u="none" strike="noStrike" kern="1200" baseline="0">
+                    <a:solidFill>
+                      <a:schemeClr val="tx1">
+                        <a:lumMod val="65000"/>
+                        <a:lumOff val="35000"/>
+                      </a:schemeClr>
+                    </a:solidFill>
+                    <a:latin typeface="+mn-lt"/>
+                    <a:ea typeface="+mn-ea"/>
+                    <a:cs typeface="+mn-cs"/>
+                  </a:defRPr>
+                </a:pPr>
+                <a:r>
+                  <a:rPr lang="ru-RU"/>
+                  <a:t>Время, с</a:t>
+                </a:r>
+                <a:endParaRPr lang="en-US"/>
+              </a:p>
+              <a:p>
+                <a:pPr>
+                  <a:defRPr sz="1000" b="0" i="0" u="none" strike="noStrike" kern="1200" baseline="0">
+                    <a:solidFill>
+                      <a:schemeClr val="tx1">
+                        <a:lumMod val="65000"/>
+                        <a:lumOff val="35000"/>
+                      </a:schemeClr>
+                    </a:solidFill>
+                    <a:latin typeface="+mn-lt"/>
+                    <a:ea typeface="+mn-ea"/>
+                    <a:cs typeface="+mn-cs"/>
+                  </a:defRPr>
+                </a:pPr>
+                <a:endParaRPr lang="ru-RU"/>
+              </a:p>
+            </c:rich>
+          </c:tx>
+          <c:overlay val="0"/>
+          <c:spPr>
+            <a:noFill/>
+            <a:ln>
+              <a:noFill/>
+            </a:ln>
+            <a:effectLst/>
+          </c:spPr>
+          <c:txPr>
+            <a:bodyPr rot="-5400000" spcFirstLastPara="1" vertOverflow="ellipsis" vert="horz" wrap="square" anchor="ctr" anchorCtr="1"/>
+            <a:lstStyle/>
+            <a:p>
+              <a:pPr>
+                <a:defRPr sz="1000" b="0" i="0" u="none" strike="noStrike" kern="1200" baseline="0">
+                  <a:solidFill>
+                    <a:schemeClr val="tx1">
+                      <a:lumMod val="65000"/>
+                      <a:lumOff val="35000"/>
+                    </a:schemeClr>
+                  </a:solidFill>
+                  <a:latin typeface="+mn-lt"/>
+                  <a:ea typeface="+mn-ea"/>
+                  <a:cs typeface="+mn-cs"/>
+                </a:defRPr>
+              </a:pPr>
+              <a:endParaRPr lang="ru-RU"/>
+            </a:p>
+          </c:txPr>
+        </c:title>
+        <c:numFmt formatCode="General" sourceLinked="1"/>
+        <c:majorTickMark val="none"/>
+        <c:minorTickMark val="none"/>
+        <c:tickLblPos val="nextTo"/>
+        <c:spPr>
+          <a:noFill/>
+          <a:ln>
+            <a:noFill/>
+          </a:ln>
+          <a:effectLst/>
+        </c:spPr>
+        <c:txPr>
+          <a:bodyPr rot="-60000000" spcFirstLastPara="1" vertOverflow="ellipsis" vert="horz" wrap="square" anchor="ctr" anchorCtr="1"/>
+          <a:lstStyle/>
+          <a:p>
+            <a:pPr>
+              <a:defRPr sz="900" b="0" i="0" u="none" strike="noStrike" kern="1200" baseline="0">
+                <a:solidFill>
+                  <a:schemeClr val="tx1">
+                    <a:lumMod val="65000"/>
+                    <a:lumOff val="35000"/>
+                  </a:schemeClr>
+                </a:solidFill>
+                <a:latin typeface="+mn-lt"/>
+                <a:ea typeface="+mn-ea"/>
+                <a:cs typeface="+mn-cs"/>
+              </a:defRPr>
+            </a:pPr>
+            <a:endParaRPr lang="ru-RU"/>
+          </a:p>
+        </c:txPr>
+        <c:crossAx val="2033137871"/>
+        <c:crosses val="autoZero"/>
+        <c:crossBetween val="between"/>
+      </c:valAx>
+      <c:spPr>
+        <a:noFill/>
+        <a:ln>
+          <a:solidFill>
+            <a:schemeClr val="tx1"/>
+          </a:solidFill>
+        </a:ln>
+        <a:effectLst/>
+      </c:spPr>
+    </c:plotArea>
+    <c:legend>
+      <c:legendPos val="b"/>
+      <c:overlay val="0"/>
+      <c:spPr>
+        <a:noFill/>
+        <a:ln>
+          <a:noFill/>
+        </a:ln>
+        <a:effectLst/>
+      </c:spPr>
+      <c:txPr>
+        <a:bodyPr rot="0" spcFirstLastPara="1" vertOverflow="ellipsis" vert="horz" wrap="square" anchor="ctr" anchorCtr="1"/>
+        <a:lstStyle/>
+        <a:p>
+          <a:pPr>
+            <a:defRPr sz="900" b="0" i="0" u="none" strike="noStrike" kern="1200" baseline="0">
+              <a:solidFill>
+                <a:schemeClr val="tx1">
+                  <a:lumMod val="65000"/>
+                  <a:lumOff val="35000"/>
+                </a:schemeClr>
+              </a:solidFill>
+              <a:latin typeface="+mn-lt"/>
+              <a:ea typeface="+mn-ea"/>
+              <a:cs typeface="+mn-cs"/>
+            </a:defRPr>
+          </a:pPr>
+          <a:endParaRPr lang="ru-RU"/>
+        </a:p>
+      </c:txPr>
+    </c:legend>
+    <c:plotVisOnly val="1"/>
+    <c:dispBlanksAs val="gap"/>
+    <c:extLst>
+      <c:ext xmlns:c16r3="http://schemas.microsoft.com/office/drawing/2017/03/chart" uri="{56B9EC1D-385E-4148-901F-78D8002777C0}">
+        <c16r3:dataDisplayOptions16>
+          <c16r3:dispNaAsBlank val="1"/>
+        </c16r3:dataDisplayOptions16>
+      </c:ext>
+    </c:extLst>
+    <c:showDLblsOverMax val="0"/>
+  </c:chart>
+  <c:spPr>
+    <a:solidFill>
+      <a:schemeClr val="bg1"/>
+    </a:solidFill>
+    <a:ln w="9525" cap="flat" cmpd="sng" algn="ctr">
+      <a:solidFill>
+        <a:schemeClr val="tx1"/>
+      </a:solidFill>
+      <a:round/>
+    </a:ln>
+    <a:effectLst/>
+  </c:spPr>
+  <c:txPr>
+    <a:bodyPr/>
+    <a:lstStyle/>
+    <a:p>
+      <a:pPr>
+        <a:defRPr/>
+      </a:pPr>
+      <a:endParaRPr lang="ru-RU"/>
+    </a:p>
+  </c:txPr>
+  <c:externalData r:id="rId3">
+    <c:autoUpdate val="0"/>
+  </c:externalData>
+</c:chartSpace>
+</file>
+
+<file path=ppt/charts/chart3.xml><?xml version="1.0" encoding="utf-8"?>
+<c:chartSpace xmlns:c="http://schemas.openxmlformats.org/drawingml/2006/chart" xmlns:a="http://schemas.openxmlformats.org/drawingml/2006/main" xmlns:r="http://schemas.openxmlformats.org/officeDocument/2006/relationships" xmlns:c16r2="http://schemas.microsoft.com/office/drawing/2015/06/chart">
+  <c:date1904 val="0"/>
+  <c:lang val="ru-RU"/>
+  <c:roundedCorners val="0"/>
+  <mc:AlternateContent xmlns:mc="http://schemas.openxmlformats.org/markup-compatibility/2006">
+    <mc:Choice xmlns:c14="http://schemas.microsoft.com/office/drawing/2007/8/2/chart" Requires="c14">
+      <c14:style val="102"/>
+    </mc:Choice>
+    <mc:Fallback>
+      <c:style val="2"/>
+    </mc:Fallback>
+  </mc:AlternateContent>
+  <c:chart>
+    <c:title>
+      <c:tx>
+        <c:rich>
+          <a:bodyPr rot="0" spcFirstLastPara="1" vertOverflow="ellipsis" vert="horz" wrap="square" anchor="ctr" anchorCtr="1"/>
+          <a:lstStyle/>
+          <a:p>
+            <a:pPr>
+              <a:defRPr sz="1400" b="0" i="0" u="none" strike="noStrike" kern="1200" spc="0" baseline="0">
+                <a:solidFill>
+                  <a:schemeClr val="tx1">
+                    <a:lumMod val="65000"/>
+                    <a:lumOff val="35000"/>
+                  </a:schemeClr>
+                </a:solidFill>
+                <a:latin typeface="+mn-lt"/>
+                <a:ea typeface="+mn-ea"/>
+                <a:cs typeface="+mn-cs"/>
+              </a:defRPr>
+            </a:pPr>
+            <a:r>
+              <a:rPr lang="ru-RU"/>
+              <a:t>Сравнение времени работы метода</a:t>
+            </a:r>
+            <a:r>
+              <a:rPr lang="ru-RU" baseline="0"/>
+              <a:t> и пула соединений</a:t>
+            </a:r>
+          </a:p>
+        </c:rich>
+      </c:tx>
+      <c:overlay val="0"/>
+      <c:spPr>
+        <a:noFill/>
+        <a:ln>
+          <a:noFill/>
+        </a:ln>
+        <a:effectLst/>
+      </c:spPr>
+      <c:txPr>
+        <a:bodyPr rot="0" spcFirstLastPara="1" vertOverflow="ellipsis" vert="horz" wrap="square" anchor="ctr" anchorCtr="1"/>
+        <a:lstStyle/>
+        <a:p>
+          <a:pPr>
+            <a:defRPr sz="1400" b="0" i="0" u="none" strike="noStrike" kern="1200" spc="0" baseline="0">
+              <a:solidFill>
+                <a:schemeClr val="tx1">
+                  <a:lumMod val="65000"/>
+                  <a:lumOff val="35000"/>
+                </a:schemeClr>
+              </a:solidFill>
+              <a:latin typeface="+mn-lt"/>
+              <a:ea typeface="+mn-ea"/>
+              <a:cs typeface="+mn-cs"/>
+            </a:defRPr>
+          </a:pPr>
+          <a:endParaRPr lang="ru-RU"/>
+        </a:p>
+      </c:txPr>
+    </c:title>
+    <c:autoTitleDeleted val="0"/>
+    <c:plotArea>
+      <c:layout/>
+      <c:lineChart>
+        <c:grouping val="standard"/>
+        <c:varyColors val="0"/>
+        <c:ser>
+          <c:idx val="1"/>
+          <c:order val="1"/>
+          <c:tx>
+            <c:v>Custom</c:v>
+          </c:tx>
+          <c:spPr>
+            <a:ln w="28575" cap="rnd">
+              <a:solidFill>
+                <a:srgbClr val="4472C4"/>
+              </a:solidFill>
+              <a:round/>
+            </a:ln>
+            <a:effectLst/>
+          </c:spPr>
+          <c:marker>
+            <c:symbol val="circle"/>
+            <c:size val="5"/>
+            <c:spPr>
+              <a:solidFill>
+                <a:srgbClr val="4472C4"/>
+              </a:solidFill>
+              <a:ln w="9525">
+                <a:solidFill>
+                  <a:srgbClr val="4472C4"/>
+                </a:solidFill>
+              </a:ln>
+              <a:effectLst/>
+            </c:spPr>
+          </c:marker>
+          <c:cat>
+            <c:numRef>
+              <c:f>'[2Ex.xlsx]Лист1'!$P$2:$P$8</c:f>
+              <c:numCache>
+                <c:formatCode>General</c:formatCode>
+                <c:ptCount val="7"/>
+                <c:pt idx="0">
+                  <c:v>10</c:v>
+                </c:pt>
+                <c:pt idx="1">
+                  <c:v>50</c:v>
+                </c:pt>
+                <c:pt idx="2">
+                  <c:v>100</c:v>
+                </c:pt>
+                <c:pt idx="3">
+                  <c:v>150</c:v>
+                </c:pt>
+                <c:pt idx="4">
+                  <c:v>200</c:v>
+                </c:pt>
+                <c:pt idx="5">
+                  <c:v>250</c:v>
+                </c:pt>
+                <c:pt idx="6">
+                  <c:v>500</c:v>
+                </c:pt>
+              </c:numCache>
+            </c:numRef>
+          </c:cat>
+          <c:val>
+            <c:numRef>
+              <c:f>'[2Ex.xlsx]Лист1'!$Q$2:$Q$8</c:f>
+              <c:numCache>
+                <c:formatCode>General</c:formatCode>
+                <c:ptCount val="7"/>
+                <c:pt idx="0">
+                  <c:v>8.0856999999999995E-3</c:v>
+                </c:pt>
+                <c:pt idx="1">
+                  <c:v>1.9580400000000001E-2</c:v>
+                </c:pt>
+                <c:pt idx="2">
+                  <c:v>2.2508799999999999E-2</c:v>
+                </c:pt>
+                <c:pt idx="3">
+                  <c:v>3.2869000000000002E-2</c:v>
+                </c:pt>
+                <c:pt idx="4">
+                  <c:v>3.7864700000000001E-2</c:v>
+                </c:pt>
+                <c:pt idx="5">
+                  <c:v>4.9689799999999999E-2</c:v>
+                </c:pt>
+                <c:pt idx="6">
+                  <c:v>9.2703800000000003E-2</c:v>
+                </c:pt>
+              </c:numCache>
+            </c:numRef>
+          </c:val>
+          <c:smooth val="0"/>
+          <c:extLst>
+            <c:ext xmlns:c16="http://schemas.microsoft.com/office/drawing/2014/chart" uri="{C3380CC4-5D6E-409C-BE32-E72D297353CC}">
+              <c16:uniqueId val="{00000000-2AEE-452E-8F83-D178AC73D6B5}"/>
+            </c:ext>
+          </c:extLst>
+        </c:ser>
+        <c:ser>
+          <c:idx val="2"/>
+          <c:order val="2"/>
+          <c:tx>
+            <c:v>Pool</c:v>
+          </c:tx>
+          <c:spPr>
+            <a:ln w="28575" cap="rnd">
+              <a:solidFill>
+                <a:srgbClr val="FFC000"/>
+              </a:solidFill>
+              <a:round/>
+            </a:ln>
+            <a:effectLst/>
+          </c:spPr>
+          <c:marker>
+            <c:symbol val="circle"/>
+            <c:size val="5"/>
+            <c:spPr>
+              <a:solidFill>
+                <a:srgbClr val="FFC000"/>
+              </a:solidFill>
+              <a:ln w="9525">
+                <a:solidFill>
+                  <a:srgbClr val="FFC000"/>
+                </a:solidFill>
+              </a:ln>
+              <a:effectLst/>
+            </c:spPr>
+          </c:marker>
+          <c:cat>
+            <c:numRef>
+              <c:f>'[2Ex.xlsx]Лист1'!$P$2:$P$8</c:f>
+              <c:numCache>
+                <c:formatCode>General</c:formatCode>
+                <c:ptCount val="7"/>
+                <c:pt idx="0">
+                  <c:v>10</c:v>
+                </c:pt>
+                <c:pt idx="1">
+                  <c:v>50</c:v>
+                </c:pt>
+                <c:pt idx="2">
+                  <c:v>100</c:v>
+                </c:pt>
+                <c:pt idx="3">
+                  <c:v>150</c:v>
+                </c:pt>
+                <c:pt idx="4">
+                  <c:v>200</c:v>
+                </c:pt>
+                <c:pt idx="5">
+                  <c:v>250</c:v>
+                </c:pt>
+                <c:pt idx="6">
+                  <c:v>500</c:v>
+                </c:pt>
+              </c:numCache>
+            </c:numRef>
+          </c:cat>
+          <c:val>
+            <c:numRef>
+              <c:f>'[2Ex.xlsx]Лист1'!$R$2:$R$8</c:f>
+              <c:numCache>
+                <c:formatCode>General</c:formatCode>
+                <c:ptCount val="7"/>
+                <c:pt idx="0">
+                  <c:v>4.4568000000000003E-3</c:v>
+                </c:pt>
+                <c:pt idx="1">
+                  <c:v>1.6203200000000001E-2</c:v>
+                </c:pt>
+                <c:pt idx="2">
+                  <c:v>2.7250799999999999E-2</c:v>
+                </c:pt>
+                <c:pt idx="3">
+                  <c:v>3.4326099999999998E-2</c:v>
+                </c:pt>
+                <c:pt idx="4">
+                  <c:v>3.9629200000000003E-2</c:v>
+                </c:pt>
+                <c:pt idx="5">
+                  <c:v>4.4148199999999999E-2</c:v>
+                </c:pt>
+                <c:pt idx="6">
+                  <c:v>6.7283700000000002E-2</c:v>
+                </c:pt>
+              </c:numCache>
+            </c:numRef>
+          </c:val>
+          <c:smooth val="0"/>
+          <c:extLst>
+            <c:ext xmlns:c16="http://schemas.microsoft.com/office/drawing/2014/chart" uri="{C3380CC4-5D6E-409C-BE32-E72D297353CC}">
+              <c16:uniqueId val="{00000001-2AEE-452E-8F83-D178AC73D6B5}"/>
+            </c:ext>
+          </c:extLst>
+        </c:ser>
+        <c:ser>
+          <c:idx val="3"/>
+          <c:order val="3"/>
+          <c:tx>
+            <c:v>PGBouncer</c:v>
+          </c:tx>
+          <c:spPr>
+            <a:ln w="28575" cap="rnd">
+              <a:solidFill>
+                <a:srgbClr val="92D050"/>
+              </a:solidFill>
+              <a:round/>
+            </a:ln>
+            <a:effectLst/>
+          </c:spPr>
+          <c:marker>
+            <c:symbol val="circle"/>
+            <c:size val="5"/>
+            <c:spPr>
+              <a:solidFill>
+                <a:srgbClr val="92D050"/>
+              </a:solidFill>
+              <a:ln w="9525">
+                <a:solidFill>
+                  <a:srgbClr val="92D050"/>
+                </a:solidFill>
+              </a:ln>
+              <a:effectLst/>
+            </c:spPr>
+          </c:marker>
+          <c:cat>
+            <c:numRef>
+              <c:f>'[2Ex.xlsx]Лист1'!$P$2:$P$8</c:f>
+              <c:numCache>
+                <c:formatCode>General</c:formatCode>
+                <c:ptCount val="7"/>
+                <c:pt idx="0">
+                  <c:v>10</c:v>
+                </c:pt>
+                <c:pt idx="1">
+                  <c:v>50</c:v>
+                </c:pt>
+                <c:pt idx="2">
+                  <c:v>100</c:v>
+                </c:pt>
+                <c:pt idx="3">
+                  <c:v>150</c:v>
+                </c:pt>
+                <c:pt idx="4">
+                  <c:v>200</c:v>
+                </c:pt>
+                <c:pt idx="5">
+                  <c:v>250</c:v>
+                </c:pt>
+                <c:pt idx="6">
+                  <c:v>500</c:v>
+                </c:pt>
+              </c:numCache>
+            </c:numRef>
+          </c:cat>
+          <c:val>
+            <c:numRef>
+              <c:f>'[2Ex.xlsx]Лист1'!$S$2:$S$8</c:f>
+              <c:numCache>
+                <c:formatCode>General</c:formatCode>
+                <c:ptCount val="7"/>
+                <c:pt idx="0">
+                  <c:v>6.4974000000000004E-3</c:v>
+                </c:pt>
+                <c:pt idx="1">
+                  <c:v>2.02226E-2</c:v>
+                </c:pt>
+                <c:pt idx="2">
+                  <c:v>4.96271E-2</c:v>
+                </c:pt>
+                <c:pt idx="3">
+                  <c:v>5.16205E-2</c:v>
+                </c:pt>
+                <c:pt idx="4">
+                  <c:v>8.4886100000000006E-2</c:v>
+                </c:pt>
+                <c:pt idx="5">
+                  <c:v>0.1073455</c:v>
+                </c:pt>
+                <c:pt idx="6">
+                  <c:v>0.18486440000000001</c:v>
+                </c:pt>
+              </c:numCache>
+            </c:numRef>
+          </c:val>
+          <c:smooth val="0"/>
+          <c:extLst>
+            <c:ext xmlns:c16="http://schemas.microsoft.com/office/drawing/2014/chart" uri="{C3380CC4-5D6E-409C-BE32-E72D297353CC}">
+              <c16:uniqueId val="{00000002-2AEE-452E-8F83-D178AC73D6B5}"/>
+            </c:ext>
+          </c:extLst>
+        </c:ser>
+        <c:dLbls>
+          <c:showLegendKey val="0"/>
+          <c:showVal val="0"/>
+          <c:showCatName val="0"/>
+          <c:showSerName val="0"/>
+          <c:showPercent val="0"/>
+          <c:showBubbleSize val="0"/>
+        </c:dLbls>
+        <c:marker val="1"/>
+        <c:smooth val="0"/>
+        <c:axId val="341599903"/>
+        <c:axId val="2111646047"/>
+        <c:extLst>
+          <c:ext xmlns:c15="http://schemas.microsoft.com/office/drawing/2012/chart" uri="{02D57815-91ED-43cb-92C2-25804820EDAC}">
+            <c15:filteredLineSeries>
+              <c15:ser>
+                <c:idx val="0"/>
+                <c:order val="0"/>
+                <c:tx>
+                  <c:strRef>
+                    <c:extLst>
+                      <c:ext uri="{02D57815-91ED-43cb-92C2-25804820EDAC}">
+                        <c15:formulaRef>
+                          <c15:sqref>'[2Ex.xlsx]Лист1'!$P$1</c15:sqref>
+                        </c15:formulaRef>
+                      </c:ext>
+                    </c:extLst>
+                    <c:strCache>
+                      <c:ptCount val="1"/>
+                      <c:pt idx="0">
+                        <c:v>ось Х</c:v>
+                      </c:pt>
+                    </c:strCache>
+                  </c:strRef>
+                </c:tx>
+                <c:spPr>
+                  <a:ln w="28575" cap="rnd">
+                    <a:solidFill>
+                      <a:schemeClr val="accent1"/>
+                    </a:solidFill>
+                    <a:round/>
+                  </a:ln>
+                  <a:effectLst/>
+                </c:spPr>
+                <c:marker>
+                  <c:symbol val="circle"/>
+                  <c:size val="5"/>
+                  <c:spPr>
+                    <a:solidFill>
+                      <a:schemeClr val="accent1"/>
+                    </a:solidFill>
+                    <a:ln w="9525">
+                      <a:solidFill>
+                        <a:schemeClr val="accent1"/>
+                      </a:solidFill>
+                    </a:ln>
+                    <a:effectLst/>
+                  </c:spPr>
+                </c:marker>
+                <c:cat>
+                  <c:numRef>
+                    <c:extLst>
+                      <c:ext uri="{02D57815-91ED-43cb-92C2-25804820EDAC}">
+                        <c15:formulaRef>
+                          <c15:sqref>'[2Ex.xlsx]Лист1'!$P$2:$P$8</c15:sqref>
+                        </c15:formulaRef>
+                      </c:ext>
+                    </c:extLst>
+                    <c:numCache>
+                      <c:formatCode>General</c:formatCode>
+                      <c:ptCount val="7"/>
+                      <c:pt idx="0">
+                        <c:v>10</c:v>
+                      </c:pt>
+                      <c:pt idx="1">
+                        <c:v>50</c:v>
+                      </c:pt>
+                      <c:pt idx="2">
+                        <c:v>100</c:v>
+                      </c:pt>
+                      <c:pt idx="3">
+                        <c:v>150</c:v>
+                      </c:pt>
+                      <c:pt idx="4">
+                        <c:v>200</c:v>
+                      </c:pt>
+                      <c:pt idx="5">
+                        <c:v>250</c:v>
+                      </c:pt>
+                      <c:pt idx="6">
+                        <c:v>500</c:v>
+                      </c:pt>
+                    </c:numCache>
+                  </c:numRef>
+                </c:cat>
+                <c:val>
+                  <c:numRef>
+                    <c:extLst>
+                      <c:ext uri="{02D57815-91ED-43cb-92C2-25804820EDAC}">
+                        <c15:formulaRef>
+                          <c15:sqref>'[2Ex.xlsx]Лист1'!$P$2:$P$8</c15:sqref>
+                        </c15:formulaRef>
+                      </c:ext>
+                    </c:extLst>
+                    <c:numCache>
+                      <c:formatCode>General</c:formatCode>
+                      <c:ptCount val="7"/>
+                      <c:pt idx="0">
+                        <c:v>10</c:v>
+                      </c:pt>
+                      <c:pt idx="1">
+                        <c:v>50</c:v>
+                      </c:pt>
+                      <c:pt idx="2">
+                        <c:v>100</c:v>
+                      </c:pt>
+                      <c:pt idx="3">
+                        <c:v>150</c:v>
+                      </c:pt>
+                      <c:pt idx="4">
+                        <c:v>200</c:v>
+                      </c:pt>
+                      <c:pt idx="5">
+                        <c:v>250</c:v>
+                      </c:pt>
+                      <c:pt idx="6">
+                        <c:v>500</c:v>
+                      </c:pt>
+                    </c:numCache>
+                  </c:numRef>
+                </c:val>
+                <c:smooth val="0"/>
+                <c:extLst>
+                  <c:ext xmlns:c16="http://schemas.microsoft.com/office/drawing/2014/chart" uri="{C3380CC4-5D6E-409C-BE32-E72D297353CC}">
+                    <c16:uniqueId val="{00000003-2AEE-452E-8F83-D178AC73D6B5}"/>
+                  </c:ext>
+                </c:extLst>
+              </c15:ser>
+            </c15:filteredLineSeries>
+          </c:ext>
+        </c:extLst>
+      </c:lineChart>
+      <c:catAx>
+        <c:axId val="341599903"/>
+        <c:scaling>
+          <c:orientation val="minMax"/>
+        </c:scaling>
+        <c:delete val="0"/>
+        <c:axPos val="b"/>
+        <c:majorGridlines>
+          <c:spPr>
+            <a:ln w="9525" cap="flat" cmpd="sng" algn="ctr">
+              <a:solidFill>
+                <a:schemeClr val="tx1">
+                  <a:lumMod val="15000"/>
+                  <a:lumOff val="85000"/>
+                </a:schemeClr>
+              </a:solidFill>
+              <a:round/>
+            </a:ln>
+            <a:effectLst/>
+          </c:spPr>
+        </c:majorGridlines>
+        <c:title>
+          <c:tx>
+            <c:rich>
+              <a:bodyPr rot="0" spcFirstLastPara="1" vertOverflow="ellipsis" vert="horz" wrap="square" anchor="ctr" anchorCtr="1"/>
+              <a:lstStyle/>
+              <a:p>
+                <a:pPr>
+                  <a:defRPr sz="1000" b="0" i="0" u="none" strike="noStrike" kern="1200" baseline="0">
+                    <a:solidFill>
+                      <a:schemeClr val="tx1">
+                        <a:lumMod val="65000"/>
+                        <a:lumOff val="35000"/>
+                      </a:schemeClr>
+                    </a:solidFill>
+                    <a:latin typeface="+mn-lt"/>
+                    <a:ea typeface="+mn-ea"/>
+                    <a:cs typeface="+mn-cs"/>
+                  </a:defRPr>
+                </a:pPr>
+                <a:r>
+                  <a:rPr lang="ru-RU"/>
+                  <a:t>Число соединений, шт</a:t>
+                </a:r>
+              </a:p>
+            </c:rich>
+          </c:tx>
+          <c:overlay val="0"/>
+          <c:spPr>
+            <a:noFill/>
+            <a:ln>
+              <a:noFill/>
+            </a:ln>
+            <a:effectLst/>
+          </c:spPr>
+          <c:txPr>
+            <a:bodyPr rot="0" spcFirstLastPara="1" vertOverflow="ellipsis" vert="horz" wrap="square" anchor="ctr" anchorCtr="1"/>
+            <a:lstStyle/>
+            <a:p>
+              <a:pPr>
+                <a:defRPr sz="1000" b="0" i="0" u="none" strike="noStrike" kern="1200" baseline="0">
+                  <a:solidFill>
+                    <a:schemeClr val="tx1">
+                      <a:lumMod val="65000"/>
+                      <a:lumOff val="35000"/>
+                    </a:schemeClr>
+                  </a:solidFill>
+                  <a:latin typeface="+mn-lt"/>
+                  <a:ea typeface="+mn-ea"/>
+                  <a:cs typeface="+mn-cs"/>
+                </a:defRPr>
+              </a:pPr>
+              <a:endParaRPr lang="ru-RU"/>
+            </a:p>
+          </c:txPr>
+        </c:title>
+        <c:numFmt formatCode="General" sourceLinked="1"/>
+        <c:majorTickMark val="none"/>
+        <c:minorTickMark val="none"/>
+        <c:tickLblPos val="nextTo"/>
+        <c:spPr>
+          <a:noFill/>
+          <a:ln w="9525" cap="flat" cmpd="sng" algn="ctr">
+            <a:solidFill>
+              <a:schemeClr val="tx1">
+                <a:lumMod val="15000"/>
+                <a:lumOff val="85000"/>
+              </a:schemeClr>
+            </a:solidFill>
+            <a:round/>
+          </a:ln>
+          <a:effectLst/>
+        </c:spPr>
+        <c:txPr>
+          <a:bodyPr rot="-60000000" spcFirstLastPara="1" vertOverflow="ellipsis" vert="horz" wrap="square" anchor="ctr" anchorCtr="1"/>
+          <a:lstStyle/>
+          <a:p>
+            <a:pPr>
+              <a:defRPr sz="900" b="0" i="0" u="none" strike="noStrike" kern="1200" baseline="0">
+                <a:solidFill>
+                  <a:schemeClr val="tx1">
+                    <a:lumMod val="65000"/>
+                    <a:lumOff val="35000"/>
+                  </a:schemeClr>
+                </a:solidFill>
+                <a:latin typeface="+mn-lt"/>
+                <a:ea typeface="+mn-ea"/>
+                <a:cs typeface="+mn-cs"/>
+              </a:defRPr>
+            </a:pPr>
+            <a:endParaRPr lang="ru-RU"/>
+          </a:p>
+        </c:txPr>
+        <c:crossAx val="2111646047"/>
+        <c:crosses val="autoZero"/>
+        <c:auto val="1"/>
+        <c:lblAlgn val="ctr"/>
+        <c:lblOffset val="100"/>
+        <c:noMultiLvlLbl val="0"/>
+      </c:catAx>
+      <c:valAx>
+        <c:axId val="2111646047"/>
+        <c:scaling>
+          <c:orientation val="minMax"/>
+        </c:scaling>
+        <c:delete val="0"/>
+        <c:axPos val="l"/>
+        <c:majorGridlines>
+          <c:spPr>
+            <a:ln w="9525" cap="flat" cmpd="sng" algn="ctr">
+              <a:solidFill>
+                <a:schemeClr val="tx1">
+                  <a:lumMod val="15000"/>
+                  <a:lumOff val="85000"/>
+                </a:schemeClr>
+              </a:solidFill>
+              <a:round/>
+            </a:ln>
+            <a:effectLst/>
+          </c:spPr>
+        </c:majorGridlines>
+        <c:title>
+          <c:tx>
+            <c:rich>
+              <a:bodyPr rot="-5400000" spcFirstLastPara="1" vertOverflow="ellipsis" vert="horz" wrap="square" anchor="ctr" anchorCtr="1"/>
+              <a:lstStyle/>
+              <a:p>
+                <a:pPr>
+                  <a:defRPr sz="1000" b="0" i="0" u="none" strike="noStrike" kern="1200" baseline="0">
+                    <a:solidFill>
+                      <a:schemeClr val="tx1">
+                        <a:lumMod val="65000"/>
+                        <a:lumOff val="35000"/>
+                      </a:schemeClr>
+                    </a:solidFill>
+                    <a:latin typeface="+mn-lt"/>
+                    <a:ea typeface="+mn-ea"/>
+                    <a:cs typeface="+mn-cs"/>
+                  </a:defRPr>
+                </a:pPr>
+                <a:r>
+                  <a:rPr lang="ru-RU"/>
+                  <a:t>Время,</a:t>
+                </a:r>
+                <a:r>
+                  <a:rPr lang="ru-RU" baseline="0"/>
+                  <a:t> с</a:t>
+                </a:r>
+                <a:endParaRPr lang="ru-RU"/>
+              </a:p>
+            </c:rich>
+          </c:tx>
+          <c:overlay val="0"/>
+          <c:spPr>
+            <a:noFill/>
+            <a:ln>
+              <a:noFill/>
+            </a:ln>
+            <a:effectLst/>
+          </c:spPr>
+          <c:txPr>
+            <a:bodyPr rot="-5400000" spcFirstLastPara="1" vertOverflow="ellipsis" vert="horz" wrap="square" anchor="ctr" anchorCtr="1"/>
+            <a:lstStyle/>
+            <a:p>
+              <a:pPr>
+                <a:defRPr sz="1000" b="0" i="0" u="none" strike="noStrike" kern="1200" baseline="0">
+                  <a:solidFill>
+                    <a:schemeClr val="tx1">
+                      <a:lumMod val="65000"/>
+                      <a:lumOff val="35000"/>
+                    </a:schemeClr>
+                  </a:solidFill>
+                  <a:latin typeface="+mn-lt"/>
+                  <a:ea typeface="+mn-ea"/>
+                  <a:cs typeface="+mn-cs"/>
+                </a:defRPr>
+              </a:pPr>
+              <a:endParaRPr lang="ru-RU"/>
+            </a:p>
+          </c:txPr>
+        </c:title>
+        <c:numFmt formatCode="General" sourceLinked="1"/>
+        <c:majorTickMark val="none"/>
+        <c:minorTickMark val="none"/>
+        <c:tickLblPos val="nextTo"/>
+        <c:spPr>
+          <a:noFill/>
+          <a:ln>
+            <a:noFill/>
+          </a:ln>
+          <a:effectLst/>
+        </c:spPr>
+        <c:txPr>
+          <a:bodyPr rot="-60000000" spcFirstLastPara="1" vertOverflow="ellipsis" vert="horz" wrap="square" anchor="ctr" anchorCtr="1"/>
+          <a:lstStyle/>
+          <a:p>
+            <a:pPr>
+              <a:defRPr sz="900" b="0" i="0" u="none" strike="noStrike" kern="1200" baseline="0">
+                <a:solidFill>
+                  <a:schemeClr val="tx1">
+                    <a:lumMod val="65000"/>
+                    <a:lumOff val="35000"/>
+                  </a:schemeClr>
+                </a:solidFill>
+                <a:latin typeface="+mn-lt"/>
+                <a:ea typeface="+mn-ea"/>
+                <a:cs typeface="+mn-cs"/>
+              </a:defRPr>
+            </a:pPr>
+            <a:endParaRPr lang="ru-RU"/>
+          </a:p>
+        </c:txPr>
+        <c:crossAx val="341599903"/>
+        <c:crosses val="autoZero"/>
+        <c:crossBetween val="between"/>
+      </c:valAx>
+      <c:spPr>
+        <a:noFill/>
+        <a:ln>
+          <a:solidFill>
+            <a:sysClr val="windowText" lastClr="000000"/>
+          </a:solidFill>
+        </a:ln>
+        <a:effectLst/>
+      </c:spPr>
+    </c:plotArea>
+    <c:legend>
+      <c:legendPos val="b"/>
+      <c:overlay val="0"/>
+      <c:spPr>
+        <a:noFill/>
+        <a:ln>
+          <a:noFill/>
+        </a:ln>
+        <a:effectLst/>
+      </c:spPr>
+      <c:txPr>
+        <a:bodyPr rot="0" spcFirstLastPara="1" vertOverflow="ellipsis" vert="horz" wrap="square" anchor="ctr" anchorCtr="1"/>
+        <a:lstStyle/>
+        <a:p>
+          <a:pPr>
+            <a:defRPr sz="900" b="0" i="0" u="none" strike="noStrike" kern="1200" baseline="0">
+              <a:solidFill>
+                <a:schemeClr val="tx1">
+                  <a:lumMod val="65000"/>
+                  <a:lumOff val="35000"/>
+                </a:schemeClr>
+              </a:solidFill>
+              <a:latin typeface="+mn-lt"/>
+              <a:ea typeface="+mn-ea"/>
+              <a:cs typeface="+mn-cs"/>
+            </a:defRPr>
+          </a:pPr>
+          <a:endParaRPr lang="ru-RU"/>
+        </a:p>
+      </c:txPr>
+    </c:legend>
+    <c:plotVisOnly val="1"/>
+    <c:dispBlanksAs val="gap"/>
+    <c:extLst>
+      <c:ext xmlns:c16r3="http://schemas.microsoft.com/office/drawing/2017/03/chart" uri="{56B9EC1D-385E-4148-901F-78D8002777C0}">
+        <c16r3:dataDisplayOptions16>
+          <c16r3:dispNaAsBlank val="1"/>
+        </c16r3:dataDisplayOptions16>
+      </c:ext>
+    </c:extLst>
+    <c:showDLblsOverMax val="0"/>
+  </c:chart>
+  <c:spPr>
+    <a:solidFill>
+      <a:schemeClr val="bg1"/>
+    </a:solidFill>
+    <a:ln w="9525" cap="flat" cmpd="sng" algn="ctr">
+      <a:solidFill>
+        <a:sysClr val="windowText" lastClr="000000"/>
+      </a:solidFill>
+      <a:round/>
+    </a:ln>
+    <a:effectLst/>
+  </c:spPr>
+  <c:txPr>
+    <a:bodyPr/>
+    <a:lstStyle/>
+    <a:p>
+      <a:pPr indent="0">
+        <a:defRPr/>
+      </a:pPr>
+      <a:endParaRPr lang="ru-RU"/>
+    </a:p>
+  </c:txPr>
+  <c:externalData r:id="rId3">
+    <c:autoUpdate val="0"/>
+  </c:externalData>
+</c:chartSpace>
+</file>
+
 <file path=ppt/charts/colors1.xml><?xml version="1.0" encoding="utf-8"?>
 <cs:colorStyle xmlns:cs="http://schemas.microsoft.com/office/drawing/2012/chartStyle" xmlns:a="http://schemas.openxmlformats.org/drawingml/2006/main" meth="cycle" id="10">
   <a:schemeClr val="accent1"/>
@@ -751,7 +2419,1093 @@
 </cs:colorStyle>
 </file>
 
+<file path=ppt/charts/colors2.xml><?xml version="1.0" encoding="utf-8"?>
+<cs:colorStyle xmlns:cs="http://schemas.microsoft.com/office/drawing/2012/chartStyle" xmlns:a="http://schemas.openxmlformats.org/drawingml/2006/main" meth="cycle" id="10">
+  <a:schemeClr val="accent1"/>
+  <a:schemeClr val="accent2"/>
+  <a:schemeClr val="accent3"/>
+  <a:schemeClr val="accent4"/>
+  <a:schemeClr val="accent5"/>
+  <a:schemeClr val="accent6"/>
+  <cs:variation/>
+  <cs:variation>
+    <a:lumMod val="60000"/>
+  </cs:variation>
+  <cs:variation>
+    <a:lumMod val="80000"/>
+    <a:lumOff val="20000"/>
+  </cs:variation>
+  <cs:variation>
+    <a:lumMod val="80000"/>
+  </cs:variation>
+  <cs:variation>
+    <a:lumMod val="60000"/>
+    <a:lumOff val="40000"/>
+  </cs:variation>
+  <cs:variation>
+    <a:lumMod val="50000"/>
+  </cs:variation>
+  <cs:variation>
+    <a:lumMod val="70000"/>
+    <a:lumOff val="30000"/>
+  </cs:variation>
+  <cs:variation>
+    <a:lumMod val="70000"/>
+  </cs:variation>
+  <cs:variation>
+    <a:lumMod val="50000"/>
+    <a:lumOff val="50000"/>
+  </cs:variation>
+</cs:colorStyle>
+</file>
+
+<file path=ppt/charts/colors3.xml><?xml version="1.0" encoding="utf-8"?>
+<cs:colorStyle xmlns:cs="http://schemas.microsoft.com/office/drawing/2012/chartStyle" xmlns:a="http://schemas.openxmlformats.org/drawingml/2006/main" meth="cycle" id="10">
+  <a:schemeClr val="accent1"/>
+  <a:schemeClr val="accent2"/>
+  <a:schemeClr val="accent3"/>
+  <a:schemeClr val="accent4"/>
+  <a:schemeClr val="accent5"/>
+  <a:schemeClr val="accent6"/>
+  <cs:variation/>
+  <cs:variation>
+    <a:lumMod val="60000"/>
+  </cs:variation>
+  <cs:variation>
+    <a:lumMod val="80000"/>
+    <a:lumOff val="20000"/>
+  </cs:variation>
+  <cs:variation>
+    <a:lumMod val="80000"/>
+  </cs:variation>
+  <cs:variation>
+    <a:lumMod val="60000"/>
+    <a:lumOff val="40000"/>
+  </cs:variation>
+  <cs:variation>
+    <a:lumMod val="50000"/>
+  </cs:variation>
+  <cs:variation>
+    <a:lumMod val="70000"/>
+    <a:lumOff val="30000"/>
+  </cs:variation>
+  <cs:variation>
+    <a:lumMod val="70000"/>
+  </cs:variation>
+  <cs:variation>
+    <a:lumMod val="50000"/>
+    <a:lumOff val="50000"/>
+  </cs:variation>
+</cs:colorStyle>
+</file>
+
 <file path=ppt/charts/style1.xml><?xml version="1.0" encoding="utf-8"?>
+<cs:chartStyle xmlns:cs="http://schemas.microsoft.com/office/drawing/2012/chartStyle" xmlns:a="http://schemas.openxmlformats.org/drawingml/2006/main" id="332">
+  <cs:axisTitle>
+    <cs:lnRef idx="0"/>
+    <cs:fillRef idx="0"/>
+    <cs:effectRef idx="0"/>
+    <cs:fontRef idx="minor">
+      <a:schemeClr val="tx1">
+        <a:lumMod val="65000"/>
+        <a:lumOff val="35000"/>
+      </a:schemeClr>
+    </cs:fontRef>
+    <cs:defRPr sz="1000" kern="1200"/>
+  </cs:axisTitle>
+  <cs:categoryAxis>
+    <cs:lnRef idx="0"/>
+    <cs:fillRef idx="0"/>
+    <cs:effectRef idx="0"/>
+    <cs:fontRef idx="minor">
+      <a:schemeClr val="tx1">
+        <a:lumMod val="65000"/>
+        <a:lumOff val="35000"/>
+      </a:schemeClr>
+    </cs:fontRef>
+    <cs:spPr>
+      <a:ln w="9525" cap="flat" cmpd="sng" algn="ctr">
+        <a:solidFill>
+          <a:schemeClr val="tx1">
+            <a:lumMod val="15000"/>
+            <a:lumOff val="85000"/>
+          </a:schemeClr>
+        </a:solidFill>
+        <a:round/>
+      </a:ln>
+    </cs:spPr>
+    <cs:defRPr sz="900" kern="1200"/>
+  </cs:categoryAxis>
+  <cs:chartArea mods="allowNoFillOverride allowNoLineOverride">
+    <cs:lnRef idx="0"/>
+    <cs:fillRef idx="0"/>
+    <cs:effectRef idx="0"/>
+    <cs:fontRef idx="minor">
+      <a:schemeClr val="tx1"/>
+    </cs:fontRef>
+    <cs:spPr>
+      <a:solidFill>
+        <a:schemeClr val="bg1"/>
+      </a:solidFill>
+      <a:ln w="9525" cap="flat" cmpd="sng" algn="ctr">
+        <a:solidFill>
+          <a:schemeClr val="tx1">
+            <a:lumMod val="15000"/>
+            <a:lumOff val="85000"/>
+          </a:schemeClr>
+        </a:solidFill>
+        <a:round/>
+      </a:ln>
+    </cs:spPr>
+    <cs:defRPr sz="1000" kern="1200"/>
+  </cs:chartArea>
+  <cs:dataLabel>
+    <cs:lnRef idx="0"/>
+    <cs:fillRef idx="0"/>
+    <cs:effectRef idx="0"/>
+    <cs:fontRef idx="minor">
+      <a:schemeClr val="tx1">
+        <a:lumMod val="75000"/>
+        <a:lumOff val="25000"/>
+      </a:schemeClr>
+    </cs:fontRef>
+    <cs:defRPr sz="900" kern="1200"/>
+  </cs:dataLabel>
+  <cs:dataLabelCallout>
+    <cs:lnRef idx="0"/>
+    <cs:fillRef idx="0"/>
+    <cs:effectRef idx="0"/>
+    <cs:fontRef idx="minor">
+      <a:schemeClr val="dk1">
+        <a:lumMod val="65000"/>
+        <a:lumOff val="35000"/>
+      </a:schemeClr>
+    </cs:fontRef>
+    <cs:spPr>
+      <a:solidFill>
+        <a:schemeClr val="lt1"/>
+      </a:solidFill>
+      <a:ln>
+        <a:solidFill>
+          <a:schemeClr val="dk1">
+            <a:lumMod val="25000"/>
+            <a:lumOff val="75000"/>
+          </a:schemeClr>
+        </a:solidFill>
+      </a:ln>
+    </cs:spPr>
+    <cs:defRPr sz="900" kern="1200"/>
+    <cs:bodyPr rot="0" spcFirstLastPara="1" vertOverflow="clip" horzOverflow="clip" vert="horz" wrap="square" lIns="36576" tIns="18288" rIns="36576" bIns="18288" anchor="ctr" anchorCtr="1">
+      <a:spAutoFit/>
+    </cs:bodyPr>
+  </cs:dataLabelCallout>
+  <cs:dataPoint>
+    <cs:lnRef idx="0"/>
+    <cs:fillRef idx="1">
+      <cs:styleClr val="auto"/>
+    </cs:fillRef>
+    <cs:effectRef idx="0"/>
+    <cs:fontRef idx="minor">
+      <a:schemeClr val="tx1"/>
+    </cs:fontRef>
+  </cs:dataPoint>
+  <cs:dataPoint3D>
+    <cs:lnRef idx="0"/>
+    <cs:fillRef idx="1">
+      <cs:styleClr val="auto"/>
+    </cs:fillRef>
+    <cs:effectRef idx="0"/>
+    <cs:fontRef idx="minor">
+      <a:schemeClr val="tx1"/>
+    </cs:fontRef>
+  </cs:dataPoint3D>
+  <cs:dataPointLine>
+    <cs:lnRef idx="0">
+      <cs:styleClr val="auto"/>
+    </cs:lnRef>
+    <cs:fillRef idx="1"/>
+    <cs:effectRef idx="0"/>
+    <cs:fontRef idx="minor">
+      <a:schemeClr val="tx1"/>
+    </cs:fontRef>
+    <cs:spPr>
+      <a:ln w="28575" cap="rnd">
+        <a:solidFill>
+          <a:schemeClr val="phClr"/>
+        </a:solidFill>
+        <a:round/>
+      </a:ln>
+    </cs:spPr>
+  </cs:dataPointLine>
+  <cs:dataPointMarker>
+    <cs:lnRef idx="0">
+      <cs:styleClr val="auto"/>
+    </cs:lnRef>
+    <cs:fillRef idx="1">
+      <cs:styleClr val="auto"/>
+    </cs:fillRef>
+    <cs:effectRef idx="0"/>
+    <cs:fontRef idx="minor">
+      <a:schemeClr val="tx1"/>
+    </cs:fontRef>
+    <cs:spPr>
+      <a:ln w="9525">
+        <a:solidFill>
+          <a:schemeClr val="phClr"/>
+        </a:solidFill>
+      </a:ln>
+    </cs:spPr>
+  </cs:dataPointMarker>
+  <cs:dataPointMarkerLayout symbol="circle" size="5"/>
+  <cs:dataPointWireframe>
+    <cs:lnRef idx="0">
+      <cs:styleClr val="auto"/>
+    </cs:lnRef>
+    <cs:fillRef idx="1"/>
+    <cs:effectRef idx="0"/>
+    <cs:fontRef idx="minor">
+      <a:schemeClr val="tx1"/>
+    </cs:fontRef>
+    <cs:spPr>
+      <a:ln w="9525" cap="rnd">
+        <a:solidFill>
+          <a:schemeClr val="phClr"/>
+        </a:solidFill>
+        <a:round/>
+      </a:ln>
+    </cs:spPr>
+  </cs:dataPointWireframe>
+  <cs:dataTable>
+    <cs:lnRef idx="0"/>
+    <cs:fillRef idx="0"/>
+    <cs:effectRef idx="0"/>
+    <cs:fontRef idx="minor">
+      <a:schemeClr val="tx1">
+        <a:lumMod val="65000"/>
+        <a:lumOff val="35000"/>
+      </a:schemeClr>
+    </cs:fontRef>
+    <cs:spPr>
+      <a:noFill/>
+      <a:ln w="9525" cap="flat" cmpd="sng" algn="ctr">
+        <a:solidFill>
+          <a:schemeClr val="tx1">
+            <a:lumMod val="15000"/>
+            <a:lumOff val="85000"/>
+          </a:schemeClr>
+        </a:solidFill>
+        <a:round/>
+      </a:ln>
+    </cs:spPr>
+    <cs:defRPr sz="900" kern="1200"/>
+  </cs:dataTable>
+  <cs:downBar>
+    <cs:lnRef idx="0"/>
+    <cs:fillRef idx="0"/>
+    <cs:effectRef idx="0"/>
+    <cs:fontRef idx="minor">
+      <a:schemeClr val="dk1"/>
+    </cs:fontRef>
+    <cs:spPr>
+      <a:solidFill>
+        <a:schemeClr val="dk1">
+          <a:lumMod val="65000"/>
+          <a:lumOff val="35000"/>
+        </a:schemeClr>
+      </a:solidFill>
+      <a:ln w="9525">
+        <a:solidFill>
+          <a:schemeClr val="tx1">
+            <a:lumMod val="65000"/>
+            <a:lumOff val="35000"/>
+          </a:schemeClr>
+        </a:solidFill>
+      </a:ln>
+    </cs:spPr>
+  </cs:downBar>
+  <cs:dropLine>
+    <cs:lnRef idx="0"/>
+    <cs:fillRef idx="0"/>
+    <cs:effectRef idx="0"/>
+    <cs:fontRef idx="minor">
+      <a:schemeClr val="tx1"/>
+    </cs:fontRef>
+    <cs:spPr>
+      <a:ln w="9525" cap="flat" cmpd="sng" algn="ctr">
+        <a:solidFill>
+          <a:schemeClr val="tx1">
+            <a:lumMod val="35000"/>
+            <a:lumOff val="65000"/>
+          </a:schemeClr>
+        </a:solidFill>
+        <a:round/>
+      </a:ln>
+    </cs:spPr>
+  </cs:dropLine>
+  <cs:errorBar>
+    <cs:lnRef idx="0"/>
+    <cs:fillRef idx="0"/>
+    <cs:effectRef idx="0"/>
+    <cs:fontRef idx="minor">
+      <a:schemeClr val="tx1"/>
+    </cs:fontRef>
+    <cs:spPr>
+      <a:ln w="9525" cap="flat" cmpd="sng" algn="ctr">
+        <a:solidFill>
+          <a:schemeClr val="tx1">
+            <a:lumMod val="65000"/>
+            <a:lumOff val="35000"/>
+          </a:schemeClr>
+        </a:solidFill>
+        <a:round/>
+      </a:ln>
+    </cs:spPr>
+  </cs:errorBar>
+  <cs:floor>
+    <cs:lnRef idx="0"/>
+    <cs:fillRef idx="0"/>
+    <cs:effectRef idx="0"/>
+    <cs:fontRef idx="minor">
+      <a:schemeClr val="tx1"/>
+    </cs:fontRef>
+    <cs:spPr>
+      <a:noFill/>
+      <a:ln>
+        <a:noFill/>
+      </a:ln>
+    </cs:spPr>
+  </cs:floor>
+  <cs:gridlineMajor>
+    <cs:lnRef idx="0"/>
+    <cs:fillRef idx="0"/>
+    <cs:effectRef idx="0"/>
+    <cs:fontRef idx="minor">
+      <a:schemeClr val="tx1"/>
+    </cs:fontRef>
+    <cs:spPr>
+      <a:ln w="9525" cap="flat" cmpd="sng" algn="ctr">
+        <a:solidFill>
+          <a:schemeClr val="tx1">
+            <a:lumMod val="15000"/>
+            <a:lumOff val="85000"/>
+          </a:schemeClr>
+        </a:solidFill>
+        <a:round/>
+      </a:ln>
+    </cs:spPr>
+  </cs:gridlineMajor>
+  <cs:gridlineMinor>
+    <cs:lnRef idx="0"/>
+    <cs:fillRef idx="0"/>
+    <cs:effectRef idx="0"/>
+    <cs:fontRef idx="minor">
+      <a:schemeClr val="tx1"/>
+    </cs:fontRef>
+    <cs:spPr>
+      <a:ln w="9525" cap="flat" cmpd="sng" algn="ctr">
+        <a:solidFill>
+          <a:schemeClr val="tx1">
+            <a:lumMod val="5000"/>
+            <a:lumOff val="95000"/>
+          </a:schemeClr>
+        </a:solidFill>
+        <a:round/>
+      </a:ln>
+    </cs:spPr>
+  </cs:gridlineMinor>
+  <cs:hiLoLine>
+    <cs:lnRef idx="0"/>
+    <cs:fillRef idx="0"/>
+    <cs:effectRef idx="0"/>
+    <cs:fontRef idx="minor">
+      <a:schemeClr val="tx1"/>
+    </cs:fontRef>
+    <cs:spPr>
+      <a:ln w="9525" cap="flat" cmpd="sng" algn="ctr">
+        <a:solidFill>
+          <a:schemeClr val="tx1">
+            <a:lumMod val="75000"/>
+            <a:lumOff val="25000"/>
+          </a:schemeClr>
+        </a:solidFill>
+        <a:round/>
+      </a:ln>
+    </cs:spPr>
+  </cs:hiLoLine>
+  <cs:leaderLine>
+    <cs:lnRef idx="0"/>
+    <cs:fillRef idx="0"/>
+    <cs:effectRef idx="0"/>
+    <cs:fontRef idx="minor">
+      <a:schemeClr val="tx1"/>
+    </cs:fontRef>
+    <cs:spPr>
+      <a:ln w="9525" cap="flat" cmpd="sng" algn="ctr">
+        <a:solidFill>
+          <a:schemeClr val="tx1">
+            <a:lumMod val="35000"/>
+            <a:lumOff val="65000"/>
+          </a:schemeClr>
+        </a:solidFill>
+        <a:round/>
+      </a:ln>
+    </cs:spPr>
+  </cs:leaderLine>
+  <cs:legend>
+    <cs:lnRef idx="0"/>
+    <cs:fillRef idx="0"/>
+    <cs:effectRef idx="0"/>
+    <cs:fontRef idx="minor">
+      <a:schemeClr val="tx1">
+        <a:lumMod val="65000"/>
+        <a:lumOff val="35000"/>
+      </a:schemeClr>
+    </cs:fontRef>
+    <cs:defRPr sz="900" kern="1200"/>
+  </cs:legend>
+  <cs:plotArea mods="allowNoFillOverride allowNoLineOverride">
+    <cs:lnRef idx="0"/>
+    <cs:fillRef idx="0"/>
+    <cs:effectRef idx="0"/>
+    <cs:fontRef idx="minor">
+      <a:schemeClr val="tx1"/>
+    </cs:fontRef>
+  </cs:plotArea>
+  <cs:plotArea3D mods="allowNoFillOverride allowNoLineOverride">
+    <cs:lnRef idx="0"/>
+    <cs:fillRef idx="0"/>
+    <cs:effectRef idx="0"/>
+    <cs:fontRef idx="minor">
+      <a:schemeClr val="tx1"/>
+    </cs:fontRef>
+  </cs:plotArea3D>
+  <cs:seriesAxis>
+    <cs:lnRef idx="0"/>
+    <cs:fillRef idx="0"/>
+    <cs:effectRef idx="0"/>
+    <cs:fontRef idx="minor">
+      <a:schemeClr val="tx1">
+        <a:lumMod val="65000"/>
+        <a:lumOff val="35000"/>
+      </a:schemeClr>
+    </cs:fontRef>
+    <cs:defRPr sz="900" kern="1200"/>
+  </cs:seriesAxis>
+  <cs:seriesLine>
+    <cs:lnRef idx="0"/>
+    <cs:fillRef idx="0"/>
+    <cs:effectRef idx="0"/>
+    <cs:fontRef idx="minor">
+      <a:schemeClr val="tx1"/>
+    </cs:fontRef>
+    <cs:spPr>
+      <a:ln w="9525" cap="flat" cmpd="sng" algn="ctr">
+        <a:solidFill>
+          <a:schemeClr val="tx1">
+            <a:lumMod val="35000"/>
+            <a:lumOff val="65000"/>
+          </a:schemeClr>
+        </a:solidFill>
+        <a:round/>
+      </a:ln>
+    </cs:spPr>
+  </cs:seriesLine>
+  <cs:title>
+    <cs:lnRef idx="0"/>
+    <cs:fillRef idx="0"/>
+    <cs:effectRef idx="0"/>
+    <cs:fontRef idx="minor">
+      <a:schemeClr val="tx1">
+        <a:lumMod val="65000"/>
+        <a:lumOff val="35000"/>
+      </a:schemeClr>
+    </cs:fontRef>
+    <cs:defRPr sz="1400" b="0" kern="1200" spc="0" baseline="0"/>
+  </cs:title>
+  <cs:trendline>
+    <cs:lnRef idx="0">
+      <cs:styleClr val="auto"/>
+    </cs:lnRef>
+    <cs:fillRef idx="0"/>
+    <cs:effectRef idx="0"/>
+    <cs:fontRef idx="minor">
+      <a:schemeClr val="tx1"/>
+    </cs:fontRef>
+    <cs:spPr>
+      <a:ln w="19050" cap="rnd">
+        <a:solidFill>
+          <a:schemeClr val="phClr"/>
+        </a:solidFill>
+        <a:prstDash val="sysDot"/>
+      </a:ln>
+    </cs:spPr>
+  </cs:trendline>
+  <cs:trendlineLabel>
+    <cs:lnRef idx="0"/>
+    <cs:fillRef idx="0"/>
+    <cs:effectRef idx="0"/>
+    <cs:fontRef idx="minor">
+      <a:schemeClr val="tx1">
+        <a:lumMod val="65000"/>
+        <a:lumOff val="35000"/>
+      </a:schemeClr>
+    </cs:fontRef>
+    <cs:defRPr sz="900" kern="1200"/>
+  </cs:trendlineLabel>
+  <cs:upBar>
+    <cs:lnRef idx="0"/>
+    <cs:fillRef idx="0"/>
+    <cs:effectRef idx="0"/>
+    <cs:fontRef idx="minor">
+      <a:schemeClr val="dk1"/>
+    </cs:fontRef>
+    <cs:spPr>
+      <a:solidFill>
+        <a:schemeClr val="lt1"/>
+      </a:solidFill>
+      <a:ln w="9525">
+        <a:solidFill>
+          <a:schemeClr val="tx1">
+            <a:lumMod val="15000"/>
+            <a:lumOff val="85000"/>
+          </a:schemeClr>
+        </a:solidFill>
+      </a:ln>
+    </cs:spPr>
+  </cs:upBar>
+  <cs:valueAxis>
+    <cs:lnRef idx="0"/>
+    <cs:fillRef idx="0"/>
+    <cs:effectRef idx="0"/>
+    <cs:fontRef idx="minor">
+      <a:schemeClr val="tx1">
+        <a:lumMod val="65000"/>
+        <a:lumOff val="35000"/>
+      </a:schemeClr>
+    </cs:fontRef>
+    <cs:defRPr sz="900" kern="1200"/>
+  </cs:valueAxis>
+  <cs:wall>
+    <cs:lnRef idx="0"/>
+    <cs:fillRef idx="0"/>
+    <cs:effectRef idx="0"/>
+    <cs:fontRef idx="minor">
+      <a:schemeClr val="tx1"/>
+    </cs:fontRef>
+    <cs:spPr>
+      <a:noFill/>
+      <a:ln>
+        <a:noFill/>
+      </a:ln>
+    </cs:spPr>
+  </cs:wall>
+</cs:chartStyle>
+</file>
+
+<file path=ppt/charts/style2.xml><?xml version="1.0" encoding="utf-8"?>
+<cs:chartStyle xmlns:cs="http://schemas.microsoft.com/office/drawing/2012/chartStyle" xmlns:a="http://schemas.openxmlformats.org/drawingml/2006/main" id="332">
+  <cs:axisTitle>
+    <cs:lnRef idx="0"/>
+    <cs:fillRef idx="0"/>
+    <cs:effectRef idx="0"/>
+    <cs:fontRef idx="minor">
+      <a:schemeClr val="tx1">
+        <a:lumMod val="65000"/>
+        <a:lumOff val="35000"/>
+      </a:schemeClr>
+    </cs:fontRef>
+    <cs:defRPr sz="1000" kern="1200"/>
+  </cs:axisTitle>
+  <cs:categoryAxis>
+    <cs:lnRef idx="0"/>
+    <cs:fillRef idx="0"/>
+    <cs:effectRef idx="0"/>
+    <cs:fontRef idx="minor">
+      <a:schemeClr val="tx1">
+        <a:lumMod val="65000"/>
+        <a:lumOff val="35000"/>
+      </a:schemeClr>
+    </cs:fontRef>
+    <cs:spPr>
+      <a:ln w="9525" cap="flat" cmpd="sng" algn="ctr">
+        <a:solidFill>
+          <a:schemeClr val="tx1">
+            <a:lumMod val="15000"/>
+            <a:lumOff val="85000"/>
+          </a:schemeClr>
+        </a:solidFill>
+        <a:round/>
+      </a:ln>
+    </cs:spPr>
+    <cs:defRPr sz="900" kern="1200"/>
+  </cs:categoryAxis>
+  <cs:chartArea mods="allowNoFillOverride allowNoLineOverride">
+    <cs:lnRef idx="0"/>
+    <cs:fillRef idx="0"/>
+    <cs:effectRef idx="0"/>
+    <cs:fontRef idx="minor">
+      <a:schemeClr val="tx1"/>
+    </cs:fontRef>
+    <cs:spPr>
+      <a:solidFill>
+        <a:schemeClr val="bg1"/>
+      </a:solidFill>
+      <a:ln w="9525" cap="flat" cmpd="sng" algn="ctr">
+        <a:solidFill>
+          <a:schemeClr val="tx1">
+            <a:lumMod val="15000"/>
+            <a:lumOff val="85000"/>
+          </a:schemeClr>
+        </a:solidFill>
+        <a:round/>
+      </a:ln>
+    </cs:spPr>
+    <cs:defRPr sz="1000" kern="1200"/>
+  </cs:chartArea>
+  <cs:dataLabel>
+    <cs:lnRef idx="0"/>
+    <cs:fillRef idx="0"/>
+    <cs:effectRef idx="0"/>
+    <cs:fontRef idx="minor">
+      <a:schemeClr val="tx1">
+        <a:lumMod val="75000"/>
+        <a:lumOff val="25000"/>
+      </a:schemeClr>
+    </cs:fontRef>
+    <cs:defRPr sz="900" kern="1200"/>
+  </cs:dataLabel>
+  <cs:dataLabelCallout>
+    <cs:lnRef idx="0"/>
+    <cs:fillRef idx="0"/>
+    <cs:effectRef idx="0"/>
+    <cs:fontRef idx="minor">
+      <a:schemeClr val="dk1">
+        <a:lumMod val="65000"/>
+        <a:lumOff val="35000"/>
+      </a:schemeClr>
+    </cs:fontRef>
+    <cs:spPr>
+      <a:solidFill>
+        <a:schemeClr val="lt1"/>
+      </a:solidFill>
+      <a:ln>
+        <a:solidFill>
+          <a:schemeClr val="dk1">
+            <a:lumMod val="25000"/>
+            <a:lumOff val="75000"/>
+          </a:schemeClr>
+        </a:solidFill>
+      </a:ln>
+    </cs:spPr>
+    <cs:defRPr sz="900" kern="1200"/>
+    <cs:bodyPr rot="0" spcFirstLastPara="1" vertOverflow="clip" horzOverflow="clip" vert="horz" wrap="square" lIns="36576" tIns="18288" rIns="36576" bIns="18288" anchor="ctr" anchorCtr="1">
+      <a:spAutoFit/>
+    </cs:bodyPr>
+  </cs:dataLabelCallout>
+  <cs:dataPoint>
+    <cs:lnRef idx="0"/>
+    <cs:fillRef idx="1">
+      <cs:styleClr val="auto"/>
+    </cs:fillRef>
+    <cs:effectRef idx="0"/>
+    <cs:fontRef idx="minor">
+      <a:schemeClr val="tx1"/>
+    </cs:fontRef>
+  </cs:dataPoint>
+  <cs:dataPoint3D>
+    <cs:lnRef idx="0"/>
+    <cs:fillRef idx="1">
+      <cs:styleClr val="auto"/>
+    </cs:fillRef>
+    <cs:effectRef idx="0"/>
+    <cs:fontRef idx="minor">
+      <a:schemeClr val="tx1"/>
+    </cs:fontRef>
+  </cs:dataPoint3D>
+  <cs:dataPointLine>
+    <cs:lnRef idx="0">
+      <cs:styleClr val="auto"/>
+    </cs:lnRef>
+    <cs:fillRef idx="1"/>
+    <cs:effectRef idx="0"/>
+    <cs:fontRef idx="minor">
+      <a:schemeClr val="tx1"/>
+    </cs:fontRef>
+    <cs:spPr>
+      <a:ln w="28575" cap="rnd">
+        <a:solidFill>
+          <a:schemeClr val="phClr"/>
+        </a:solidFill>
+        <a:round/>
+      </a:ln>
+    </cs:spPr>
+  </cs:dataPointLine>
+  <cs:dataPointMarker>
+    <cs:lnRef idx="0">
+      <cs:styleClr val="auto"/>
+    </cs:lnRef>
+    <cs:fillRef idx="1">
+      <cs:styleClr val="auto"/>
+    </cs:fillRef>
+    <cs:effectRef idx="0"/>
+    <cs:fontRef idx="minor">
+      <a:schemeClr val="tx1"/>
+    </cs:fontRef>
+    <cs:spPr>
+      <a:ln w="9525">
+        <a:solidFill>
+          <a:schemeClr val="phClr"/>
+        </a:solidFill>
+      </a:ln>
+    </cs:spPr>
+  </cs:dataPointMarker>
+  <cs:dataPointMarkerLayout symbol="circle" size="5"/>
+  <cs:dataPointWireframe>
+    <cs:lnRef idx="0">
+      <cs:styleClr val="auto"/>
+    </cs:lnRef>
+    <cs:fillRef idx="1"/>
+    <cs:effectRef idx="0"/>
+    <cs:fontRef idx="minor">
+      <a:schemeClr val="tx1"/>
+    </cs:fontRef>
+    <cs:spPr>
+      <a:ln w="9525" cap="rnd">
+        <a:solidFill>
+          <a:schemeClr val="phClr"/>
+        </a:solidFill>
+        <a:round/>
+      </a:ln>
+    </cs:spPr>
+  </cs:dataPointWireframe>
+  <cs:dataTable>
+    <cs:lnRef idx="0"/>
+    <cs:fillRef idx="0"/>
+    <cs:effectRef idx="0"/>
+    <cs:fontRef idx="minor">
+      <a:schemeClr val="tx1">
+        <a:lumMod val="65000"/>
+        <a:lumOff val="35000"/>
+      </a:schemeClr>
+    </cs:fontRef>
+    <cs:spPr>
+      <a:noFill/>
+      <a:ln w="9525" cap="flat" cmpd="sng" algn="ctr">
+        <a:solidFill>
+          <a:schemeClr val="tx1">
+            <a:lumMod val="15000"/>
+            <a:lumOff val="85000"/>
+          </a:schemeClr>
+        </a:solidFill>
+        <a:round/>
+      </a:ln>
+    </cs:spPr>
+    <cs:defRPr sz="900" kern="1200"/>
+  </cs:dataTable>
+  <cs:downBar>
+    <cs:lnRef idx="0"/>
+    <cs:fillRef idx="0"/>
+    <cs:effectRef idx="0"/>
+    <cs:fontRef idx="minor">
+      <a:schemeClr val="dk1"/>
+    </cs:fontRef>
+    <cs:spPr>
+      <a:solidFill>
+        <a:schemeClr val="dk1">
+          <a:lumMod val="65000"/>
+          <a:lumOff val="35000"/>
+        </a:schemeClr>
+      </a:solidFill>
+      <a:ln w="9525">
+        <a:solidFill>
+          <a:schemeClr val="tx1">
+            <a:lumMod val="65000"/>
+            <a:lumOff val="35000"/>
+          </a:schemeClr>
+        </a:solidFill>
+      </a:ln>
+    </cs:spPr>
+  </cs:downBar>
+  <cs:dropLine>
+    <cs:lnRef idx="0"/>
+    <cs:fillRef idx="0"/>
+    <cs:effectRef idx="0"/>
+    <cs:fontRef idx="minor">
+      <a:schemeClr val="tx1"/>
+    </cs:fontRef>
+    <cs:spPr>
+      <a:ln w="9525" cap="flat" cmpd="sng" algn="ctr">
+        <a:solidFill>
+          <a:schemeClr val="tx1">
+            <a:lumMod val="35000"/>
+            <a:lumOff val="65000"/>
+          </a:schemeClr>
+        </a:solidFill>
+        <a:round/>
+      </a:ln>
+    </cs:spPr>
+  </cs:dropLine>
+  <cs:errorBar>
+    <cs:lnRef idx="0"/>
+    <cs:fillRef idx="0"/>
+    <cs:effectRef idx="0"/>
+    <cs:fontRef idx="minor">
+      <a:schemeClr val="tx1"/>
+    </cs:fontRef>
+    <cs:spPr>
+      <a:ln w="9525" cap="flat" cmpd="sng" algn="ctr">
+        <a:solidFill>
+          <a:schemeClr val="tx1">
+            <a:lumMod val="65000"/>
+            <a:lumOff val="35000"/>
+          </a:schemeClr>
+        </a:solidFill>
+        <a:round/>
+      </a:ln>
+    </cs:spPr>
+  </cs:errorBar>
+  <cs:floor>
+    <cs:lnRef idx="0"/>
+    <cs:fillRef idx="0"/>
+    <cs:effectRef idx="0"/>
+    <cs:fontRef idx="minor">
+      <a:schemeClr val="tx1"/>
+    </cs:fontRef>
+    <cs:spPr>
+      <a:noFill/>
+      <a:ln>
+        <a:noFill/>
+      </a:ln>
+    </cs:spPr>
+  </cs:floor>
+  <cs:gridlineMajor>
+    <cs:lnRef idx="0"/>
+    <cs:fillRef idx="0"/>
+    <cs:effectRef idx="0"/>
+    <cs:fontRef idx="minor">
+      <a:schemeClr val="tx1"/>
+    </cs:fontRef>
+    <cs:spPr>
+      <a:ln w="9525" cap="flat" cmpd="sng" algn="ctr">
+        <a:solidFill>
+          <a:schemeClr val="tx1">
+            <a:lumMod val="15000"/>
+            <a:lumOff val="85000"/>
+          </a:schemeClr>
+        </a:solidFill>
+        <a:round/>
+      </a:ln>
+    </cs:spPr>
+  </cs:gridlineMajor>
+  <cs:gridlineMinor>
+    <cs:lnRef idx="0"/>
+    <cs:fillRef idx="0"/>
+    <cs:effectRef idx="0"/>
+    <cs:fontRef idx="minor">
+      <a:schemeClr val="tx1"/>
+    </cs:fontRef>
+    <cs:spPr>
+      <a:ln w="9525" cap="flat" cmpd="sng" algn="ctr">
+        <a:solidFill>
+          <a:schemeClr val="tx1">
+            <a:lumMod val="5000"/>
+            <a:lumOff val="95000"/>
+          </a:schemeClr>
+        </a:solidFill>
+        <a:round/>
+      </a:ln>
+    </cs:spPr>
+  </cs:gridlineMinor>
+  <cs:hiLoLine>
+    <cs:lnRef idx="0"/>
+    <cs:fillRef idx="0"/>
+    <cs:effectRef idx="0"/>
+    <cs:fontRef idx="minor">
+      <a:schemeClr val="tx1"/>
+    </cs:fontRef>
+    <cs:spPr>
+      <a:ln w="9525" cap="flat" cmpd="sng" algn="ctr">
+        <a:solidFill>
+          <a:schemeClr val="tx1">
+            <a:lumMod val="75000"/>
+            <a:lumOff val="25000"/>
+          </a:schemeClr>
+        </a:solidFill>
+        <a:round/>
+      </a:ln>
+    </cs:spPr>
+  </cs:hiLoLine>
+  <cs:leaderLine>
+    <cs:lnRef idx="0"/>
+    <cs:fillRef idx="0"/>
+    <cs:effectRef idx="0"/>
+    <cs:fontRef idx="minor">
+      <a:schemeClr val="tx1"/>
+    </cs:fontRef>
+    <cs:spPr>
+      <a:ln w="9525" cap="flat" cmpd="sng" algn="ctr">
+        <a:solidFill>
+          <a:schemeClr val="tx1">
+            <a:lumMod val="35000"/>
+            <a:lumOff val="65000"/>
+          </a:schemeClr>
+        </a:solidFill>
+        <a:round/>
+      </a:ln>
+    </cs:spPr>
+  </cs:leaderLine>
+  <cs:legend>
+    <cs:lnRef idx="0"/>
+    <cs:fillRef idx="0"/>
+    <cs:effectRef idx="0"/>
+    <cs:fontRef idx="minor">
+      <a:schemeClr val="tx1">
+        <a:lumMod val="65000"/>
+        <a:lumOff val="35000"/>
+      </a:schemeClr>
+    </cs:fontRef>
+    <cs:defRPr sz="900" kern="1200"/>
+  </cs:legend>
+  <cs:plotArea mods="allowNoFillOverride allowNoLineOverride">
+    <cs:lnRef idx="0"/>
+    <cs:fillRef idx="0"/>
+    <cs:effectRef idx="0"/>
+    <cs:fontRef idx="minor">
+      <a:schemeClr val="tx1"/>
+    </cs:fontRef>
+  </cs:plotArea>
+  <cs:plotArea3D mods="allowNoFillOverride allowNoLineOverride">
+    <cs:lnRef idx="0"/>
+    <cs:fillRef idx="0"/>
+    <cs:effectRef idx="0"/>
+    <cs:fontRef idx="minor">
+      <a:schemeClr val="tx1"/>
+    </cs:fontRef>
+  </cs:plotArea3D>
+  <cs:seriesAxis>
+    <cs:lnRef idx="0"/>
+    <cs:fillRef idx="0"/>
+    <cs:effectRef idx="0"/>
+    <cs:fontRef idx="minor">
+      <a:schemeClr val="tx1">
+        <a:lumMod val="65000"/>
+        <a:lumOff val="35000"/>
+      </a:schemeClr>
+    </cs:fontRef>
+    <cs:defRPr sz="900" kern="1200"/>
+  </cs:seriesAxis>
+  <cs:seriesLine>
+    <cs:lnRef idx="0"/>
+    <cs:fillRef idx="0"/>
+    <cs:effectRef idx="0"/>
+    <cs:fontRef idx="minor">
+      <a:schemeClr val="tx1"/>
+    </cs:fontRef>
+    <cs:spPr>
+      <a:ln w="9525" cap="flat" cmpd="sng" algn="ctr">
+        <a:solidFill>
+          <a:schemeClr val="tx1">
+            <a:lumMod val="35000"/>
+            <a:lumOff val="65000"/>
+          </a:schemeClr>
+        </a:solidFill>
+        <a:round/>
+      </a:ln>
+    </cs:spPr>
+  </cs:seriesLine>
+  <cs:title>
+    <cs:lnRef idx="0"/>
+    <cs:fillRef idx="0"/>
+    <cs:effectRef idx="0"/>
+    <cs:fontRef idx="minor">
+      <a:schemeClr val="tx1">
+        <a:lumMod val="65000"/>
+        <a:lumOff val="35000"/>
+      </a:schemeClr>
+    </cs:fontRef>
+    <cs:defRPr sz="1400" b="0" kern="1200" spc="0" baseline="0"/>
+  </cs:title>
+  <cs:trendline>
+    <cs:lnRef idx="0">
+      <cs:styleClr val="auto"/>
+    </cs:lnRef>
+    <cs:fillRef idx="0"/>
+    <cs:effectRef idx="0"/>
+    <cs:fontRef idx="minor">
+      <a:schemeClr val="tx1"/>
+    </cs:fontRef>
+    <cs:spPr>
+      <a:ln w="19050" cap="rnd">
+        <a:solidFill>
+          <a:schemeClr val="phClr"/>
+        </a:solidFill>
+        <a:prstDash val="sysDot"/>
+      </a:ln>
+    </cs:spPr>
+  </cs:trendline>
+  <cs:trendlineLabel>
+    <cs:lnRef idx="0"/>
+    <cs:fillRef idx="0"/>
+    <cs:effectRef idx="0"/>
+    <cs:fontRef idx="minor">
+      <a:schemeClr val="tx1">
+        <a:lumMod val="65000"/>
+        <a:lumOff val="35000"/>
+      </a:schemeClr>
+    </cs:fontRef>
+    <cs:defRPr sz="900" kern="1200"/>
+  </cs:trendlineLabel>
+  <cs:upBar>
+    <cs:lnRef idx="0"/>
+    <cs:fillRef idx="0"/>
+    <cs:effectRef idx="0"/>
+    <cs:fontRef idx="minor">
+      <a:schemeClr val="dk1"/>
+    </cs:fontRef>
+    <cs:spPr>
+      <a:solidFill>
+        <a:schemeClr val="lt1"/>
+      </a:solidFill>
+      <a:ln w="9525">
+        <a:solidFill>
+          <a:schemeClr val="tx1">
+            <a:lumMod val="15000"/>
+            <a:lumOff val="85000"/>
+          </a:schemeClr>
+        </a:solidFill>
+      </a:ln>
+    </cs:spPr>
+  </cs:upBar>
+  <cs:valueAxis>
+    <cs:lnRef idx="0"/>
+    <cs:fillRef idx="0"/>
+    <cs:effectRef idx="0"/>
+    <cs:fontRef idx="minor">
+      <a:schemeClr val="tx1">
+        <a:lumMod val="65000"/>
+        <a:lumOff val="35000"/>
+      </a:schemeClr>
+    </cs:fontRef>
+    <cs:defRPr sz="900" kern="1200"/>
+  </cs:valueAxis>
+  <cs:wall>
+    <cs:lnRef idx="0"/>
+    <cs:fillRef idx="0"/>
+    <cs:effectRef idx="0"/>
+    <cs:fontRef idx="minor">
+      <a:schemeClr val="tx1"/>
+    </cs:fontRef>
+    <cs:spPr>
+      <a:noFill/>
+      <a:ln>
+        <a:noFill/>
+      </a:ln>
+    </cs:spPr>
+  </cs:wall>
+</cs:chartStyle>
+</file>
+
+<file path=ppt/charts/style3.xml><?xml version="1.0" encoding="utf-8"?>
 <cs:chartStyle xmlns:cs="http://schemas.microsoft.com/office/drawing/2012/chartStyle" xmlns:a="http://schemas.openxmlformats.org/drawingml/2006/main" id="332">
   <cs:axisTitle>
     <cs:lnRef idx="0"/>
@@ -1388,7 +4142,7 @@
           <a:p>
             <a:fld id="{4A87FC3E-9964-4802-A7E8-1BB771D21BF3}" type="datetimeFigureOut">
               <a:rPr lang="ru-RU" smtClean="0"/>
-              <a:t>03.04.2022</a:t>
+              <a:t>26.05.2022</a:t>
             </a:fld>
             <a:endParaRPr lang="ru-RU" dirty="0"/>
           </a:p>
@@ -1784,7 +4538,7 @@
           <a:p>
             <a:fld id="{09755BBC-352B-460A-88C9-AADF2C9512EA}" type="datetime1">
               <a:rPr lang="ru-RU" smtClean="0"/>
-              <a:t>03.04.2022</a:t>
+              <a:t>26.05.2022</a:t>
             </a:fld>
             <a:endParaRPr lang="ru-RU" dirty="0"/>
           </a:p>
@@ -1952,7 +4706,7 @@
           <a:p>
             <a:fld id="{8296244F-19EA-411C-8075-D4DD5363EB01}" type="datetime1">
               <a:rPr lang="ru-RU" smtClean="0"/>
-              <a:t>03.04.2022</a:t>
+              <a:t>26.05.2022</a:t>
             </a:fld>
             <a:endParaRPr lang="ru-RU" dirty="0"/>
           </a:p>
@@ -2130,7 +4884,7 @@
           <a:p>
             <a:fld id="{84BB638D-B868-4FAE-A4AF-C8834DEF2F16}" type="datetime1">
               <a:rPr lang="ru-RU" smtClean="0"/>
-              <a:t>03.04.2022</a:t>
+              <a:t>26.05.2022</a:t>
             </a:fld>
             <a:endParaRPr lang="ru-RU" dirty="0"/>
           </a:p>
@@ -2298,7 +5052,7 @@
           <a:p>
             <a:fld id="{E867F41D-6C90-48B2-BB24-7DBF25713345}" type="datetime1">
               <a:rPr lang="ru-RU" smtClean="0"/>
-              <a:t>03.04.2022</a:t>
+              <a:t>26.05.2022</a:t>
             </a:fld>
             <a:endParaRPr lang="ru-RU" dirty="0"/>
           </a:p>
@@ -2543,7 +5297,7 @@
           <a:p>
             <a:fld id="{CC2C4912-257E-4B84-92B5-E1056AC81F3B}" type="datetime1">
               <a:rPr lang="ru-RU" smtClean="0"/>
-              <a:t>03.04.2022</a:t>
+              <a:t>26.05.2022</a:t>
             </a:fld>
             <a:endParaRPr lang="ru-RU" dirty="0"/>
           </a:p>
@@ -2772,7 +5526,7 @@
           <a:p>
             <a:fld id="{D6CEEFAB-2744-489F-9F34-AD68C1802ABB}" type="datetime1">
               <a:rPr lang="ru-RU" smtClean="0"/>
-              <a:t>03.04.2022</a:t>
+              <a:t>26.05.2022</a:t>
             </a:fld>
             <a:endParaRPr lang="ru-RU" dirty="0"/>
           </a:p>
@@ -3136,7 +5890,7 @@
           <a:p>
             <a:fld id="{F4C8D58E-CA22-4DBD-9D4F-D49D20C57869}" type="datetime1">
               <a:rPr lang="ru-RU" smtClean="0"/>
-              <a:t>03.04.2022</a:t>
+              <a:t>26.05.2022</a:t>
             </a:fld>
             <a:endParaRPr lang="ru-RU" dirty="0"/>
           </a:p>
@@ -3253,7 +6007,7 @@
           <a:p>
             <a:fld id="{16461FB2-18D8-4BB8-B792-34F36A1A6923}" type="datetime1">
               <a:rPr lang="ru-RU" smtClean="0"/>
-              <a:t>03.04.2022</a:t>
+              <a:t>26.05.2022</a:t>
             </a:fld>
             <a:endParaRPr lang="ru-RU" dirty="0"/>
           </a:p>
@@ -3348,7 +6102,7 @@
           <a:p>
             <a:fld id="{38099296-536C-461B-BEB7-1B812F69AC83}" type="datetime1">
               <a:rPr lang="ru-RU" smtClean="0"/>
-              <a:t>03.04.2022</a:t>
+              <a:t>26.05.2022</a:t>
             </a:fld>
             <a:endParaRPr lang="ru-RU" dirty="0"/>
           </a:p>
@@ -3623,7 +6377,7 @@
           <a:p>
             <a:fld id="{DD7EBC7E-964D-4409-AE41-3B38B4F15B2A}" type="datetime1">
               <a:rPr lang="ru-RU" smtClean="0"/>
-              <a:t>03.04.2022</a:t>
+              <a:t>26.05.2022</a:t>
             </a:fld>
             <a:endParaRPr lang="ru-RU" dirty="0"/>
           </a:p>
@@ -3875,7 +6629,7 @@
           <a:p>
             <a:fld id="{6623BFA2-B670-4B07-B542-231AD8CFA160}" type="datetime1">
               <a:rPr lang="ru-RU" smtClean="0"/>
-              <a:t>03.04.2022</a:t>
+              <a:t>26.05.2022</a:t>
             </a:fld>
             <a:endParaRPr lang="ru-RU" dirty="0"/>
           </a:p>
@@ -4086,7 +6840,7 @@
           <a:p>
             <a:fld id="{4222C596-8B8E-4DE0-A295-CA79CEF991CE}" type="datetime1">
               <a:rPr lang="ru-RU" smtClean="0"/>
-              <a:t>03.04.2022</a:t>
+              <a:t>26.05.2022</a:t>
             </a:fld>
             <a:endParaRPr lang="ru-RU" dirty="0"/>
           </a:p>
@@ -4618,6 +7372,1039 @@
 </p:sld>
 </file>
 
+<file path=ppt/slides/slide10.xml><?xml version="1.0" encoding="utf-8"?>
+<p:sld xmlns:a="http://schemas.openxmlformats.org/drawingml/2006/main" xmlns:r="http://schemas.openxmlformats.org/officeDocument/2006/relationships" xmlns:p="http://schemas.openxmlformats.org/presentationml/2006/main">
+  <p:cSld>
+    <p:spTree>
+      <p:nvGrpSpPr>
+        <p:cNvPr id="1" name=""/>
+        <p:cNvGrpSpPr/>
+        <p:nvPr/>
+      </p:nvGrpSpPr>
+      <p:grpSpPr>
+        <a:xfrm>
+          <a:off x="0" y="0"/>
+          <a:ext cx="0" cy="0"/>
+          <a:chOff x="0" y="0"/>
+          <a:chExt cx="0" cy="0"/>
+        </a:xfrm>
+      </p:grpSpPr>
+      <p:sp>
+        <p:nvSpPr>
+          <p:cNvPr id="2" name="Заголовок 1">
+            <a:extLst>
+              <a:ext uri="{FF2B5EF4-FFF2-40B4-BE49-F238E27FC236}">
+                <a16:creationId xmlns:a16="http://schemas.microsoft.com/office/drawing/2014/main" id="{30505BF2-F2EA-7304-42D9-E0BF2AB2CE95}"/>
+              </a:ext>
+            </a:extLst>
+          </p:cNvPr>
+          <p:cNvSpPr>
+            <a:spLocks noGrp="1"/>
+          </p:cNvSpPr>
+          <p:nvPr>
+            <p:ph type="title"/>
+          </p:nvPr>
+        </p:nvSpPr>
+        <p:spPr/>
+        <p:txBody>
+          <a:bodyPr/>
+          <a:lstStyle/>
+          <a:p>
+            <a:endParaRPr lang="ru-RU"/>
+          </a:p>
+        </p:txBody>
+      </p:sp>
+      <p:sp>
+        <p:nvSpPr>
+          <p:cNvPr id="4" name="Номер слайда 3">
+            <a:extLst>
+              <a:ext uri="{FF2B5EF4-FFF2-40B4-BE49-F238E27FC236}">
+                <a16:creationId xmlns:a16="http://schemas.microsoft.com/office/drawing/2014/main" id="{98046C4B-34C3-148D-1730-53705A1E856F}"/>
+              </a:ext>
+            </a:extLst>
+          </p:cNvPr>
+          <p:cNvSpPr>
+            <a:spLocks noGrp="1"/>
+          </p:cNvSpPr>
+          <p:nvPr>
+            <p:ph type="sldNum" sz="quarter" idx="12"/>
+          </p:nvPr>
+        </p:nvSpPr>
+        <p:spPr/>
+        <p:txBody>
+          <a:bodyPr/>
+          <a:lstStyle/>
+          <a:p>
+            <a:fld id="{5D15703D-96D9-4C94-B196-0ED7D1E8A93C}" type="slidenum">
+              <a:rPr lang="ru-RU" smtClean="0"/>
+              <a:t>10</a:t>
+            </a:fld>
+            <a:endParaRPr lang="ru-RU" dirty="0"/>
+          </a:p>
+        </p:txBody>
+      </p:sp>
+      <p:graphicFrame>
+        <p:nvGraphicFramePr>
+          <p:cNvPr id="5" name="Объект 4">
+            <a:extLst>
+              <a:ext uri="{FF2B5EF4-FFF2-40B4-BE49-F238E27FC236}">
+                <a16:creationId xmlns:a16="http://schemas.microsoft.com/office/drawing/2014/main" id="{95A65DD9-1CAC-4A94-E8D3-61676FE2B0A4}"/>
+              </a:ext>
+            </a:extLst>
+          </p:cNvPr>
+          <p:cNvGraphicFramePr>
+            <a:graphicFrameLocks noGrp="1"/>
+          </p:cNvGraphicFramePr>
+          <p:nvPr>
+            <p:ph idx="1"/>
+          </p:nvPr>
+        </p:nvGraphicFramePr>
+        <p:xfrm>
+          <a:off x="838200" y="1825625"/>
+          <a:ext cx="10515600" cy="4351338"/>
+        </p:xfrm>
+        <a:graphic>
+          <a:graphicData uri="http://schemas.openxmlformats.org/drawingml/2006/chart">
+            <c:chart xmlns:c="http://schemas.openxmlformats.org/drawingml/2006/chart" xmlns:r="http://schemas.openxmlformats.org/officeDocument/2006/relationships" r:id="rId2"/>
+          </a:graphicData>
+        </a:graphic>
+      </p:graphicFrame>
+    </p:spTree>
+    <p:extLst>
+      <p:ext uri="{BB962C8B-B14F-4D97-AF65-F5344CB8AC3E}">
+        <p14:creationId xmlns:p14="http://schemas.microsoft.com/office/powerpoint/2010/main" val="2523793028"/>
+      </p:ext>
+    </p:extLst>
+  </p:cSld>
+  <p:clrMapOvr>
+    <a:masterClrMapping/>
+  </p:clrMapOvr>
+</p:sld>
+</file>
+
+<file path=ppt/slides/slide11.xml><?xml version="1.0" encoding="utf-8"?>
+<p:sld xmlns:a="http://schemas.openxmlformats.org/drawingml/2006/main" xmlns:r="http://schemas.openxmlformats.org/officeDocument/2006/relationships" xmlns:p="http://schemas.openxmlformats.org/presentationml/2006/main">
+  <p:cSld>
+    <p:spTree>
+      <p:nvGrpSpPr>
+        <p:cNvPr id="1" name=""/>
+        <p:cNvGrpSpPr/>
+        <p:nvPr/>
+      </p:nvGrpSpPr>
+      <p:grpSpPr>
+        <a:xfrm>
+          <a:off x="0" y="0"/>
+          <a:ext cx="0" cy="0"/>
+          <a:chOff x="0" y="0"/>
+          <a:chExt cx="0" cy="0"/>
+        </a:xfrm>
+      </p:grpSpPr>
+      <p:sp>
+        <p:nvSpPr>
+          <p:cNvPr id="2" name="Заголовок 1">
+            <a:extLst>
+              <a:ext uri="{FF2B5EF4-FFF2-40B4-BE49-F238E27FC236}">
+                <a16:creationId xmlns:a16="http://schemas.microsoft.com/office/drawing/2014/main" id="{4C78D7F3-9124-6A66-4328-E2A1C351120A}"/>
+              </a:ext>
+            </a:extLst>
+          </p:cNvPr>
+          <p:cNvSpPr>
+            <a:spLocks noGrp="1"/>
+          </p:cNvSpPr>
+          <p:nvPr>
+            <p:ph type="title"/>
+          </p:nvPr>
+        </p:nvSpPr>
+        <p:spPr/>
+        <p:txBody>
+          <a:bodyPr/>
+          <a:lstStyle/>
+          <a:p>
+            <a:endParaRPr lang="ru-RU"/>
+          </a:p>
+        </p:txBody>
+      </p:sp>
+      <p:sp>
+        <p:nvSpPr>
+          <p:cNvPr id="3" name="Объект 2">
+            <a:extLst>
+              <a:ext uri="{FF2B5EF4-FFF2-40B4-BE49-F238E27FC236}">
+                <a16:creationId xmlns:a16="http://schemas.microsoft.com/office/drawing/2014/main" id="{C0E16824-5E25-37AB-DED0-961B0577D3C1}"/>
+              </a:ext>
+            </a:extLst>
+          </p:cNvPr>
+          <p:cNvSpPr>
+            <a:spLocks noGrp="1"/>
+          </p:cNvSpPr>
+          <p:nvPr>
+            <p:ph idx="1"/>
+          </p:nvPr>
+        </p:nvSpPr>
+        <p:spPr/>
+        <p:txBody>
+          <a:bodyPr/>
+          <a:lstStyle/>
+          <a:p>
+            <a:endParaRPr lang="ru-RU"/>
+          </a:p>
+        </p:txBody>
+      </p:sp>
+      <p:sp>
+        <p:nvSpPr>
+          <p:cNvPr id="4" name="Номер слайда 3">
+            <a:extLst>
+              <a:ext uri="{FF2B5EF4-FFF2-40B4-BE49-F238E27FC236}">
+                <a16:creationId xmlns:a16="http://schemas.microsoft.com/office/drawing/2014/main" id="{1DFEFE13-CFA3-FB79-36C8-6E9A56E8A614}"/>
+              </a:ext>
+            </a:extLst>
+          </p:cNvPr>
+          <p:cNvSpPr>
+            <a:spLocks noGrp="1"/>
+          </p:cNvSpPr>
+          <p:nvPr>
+            <p:ph type="sldNum" sz="quarter" idx="12"/>
+          </p:nvPr>
+        </p:nvSpPr>
+        <p:spPr/>
+        <p:txBody>
+          <a:bodyPr/>
+          <a:lstStyle/>
+          <a:p>
+            <a:fld id="{5D15703D-96D9-4C94-B196-0ED7D1E8A93C}" type="slidenum">
+              <a:rPr lang="ru-RU" smtClean="0"/>
+              <a:t>11</a:t>
+            </a:fld>
+            <a:endParaRPr lang="ru-RU" dirty="0"/>
+          </a:p>
+        </p:txBody>
+      </p:sp>
+      <p:graphicFrame>
+        <p:nvGraphicFramePr>
+          <p:cNvPr id="5" name="Диаграмма 4">
+            <a:extLst>
+              <a:ext uri="{FF2B5EF4-FFF2-40B4-BE49-F238E27FC236}">
+                <a16:creationId xmlns:a16="http://schemas.microsoft.com/office/drawing/2014/main" id="{EBE3C923-F928-7B57-C79F-7A333B40D695}"/>
+              </a:ext>
+            </a:extLst>
+          </p:cNvPr>
+          <p:cNvGraphicFramePr/>
+          <p:nvPr/>
+        </p:nvGraphicFramePr>
+        <p:xfrm>
+          <a:off x="3098800" y="1630680"/>
+          <a:ext cx="5994400" cy="3596640"/>
+        </p:xfrm>
+        <a:graphic>
+          <a:graphicData uri="http://schemas.openxmlformats.org/drawingml/2006/chart">
+            <c:chart xmlns:c="http://schemas.openxmlformats.org/drawingml/2006/chart" xmlns:r="http://schemas.openxmlformats.org/officeDocument/2006/relationships" r:id="rId2"/>
+          </a:graphicData>
+        </a:graphic>
+      </p:graphicFrame>
+    </p:spTree>
+    <p:extLst>
+      <p:ext uri="{BB962C8B-B14F-4D97-AF65-F5344CB8AC3E}">
+        <p14:creationId xmlns:p14="http://schemas.microsoft.com/office/powerpoint/2010/main" val="60974364"/>
+      </p:ext>
+    </p:extLst>
+  </p:cSld>
+  <p:clrMapOvr>
+    <a:masterClrMapping/>
+  </p:clrMapOvr>
+</p:sld>
+</file>
+
+<file path=ppt/slides/slide12.xml><?xml version="1.0" encoding="utf-8"?>
+<p:sld xmlns:a="http://schemas.openxmlformats.org/drawingml/2006/main" xmlns:r="http://schemas.openxmlformats.org/officeDocument/2006/relationships" xmlns:p="http://schemas.openxmlformats.org/presentationml/2006/main">
+  <p:cSld>
+    <p:spTree>
+      <p:nvGrpSpPr>
+        <p:cNvPr id="1" name=""/>
+        <p:cNvGrpSpPr/>
+        <p:nvPr/>
+      </p:nvGrpSpPr>
+      <p:grpSpPr>
+        <a:xfrm>
+          <a:off x="0" y="0"/>
+          <a:ext cx="0" cy="0"/>
+          <a:chOff x="0" y="0"/>
+          <a:chExt cx="0" cy="0"/>
+        </a:xfrm>
+      </p:grpSpPr>
+      <p:sp>
+        <p:nvSpPr>
+          <p:cNvPr id="2" name="Заголовок 1">
+            <a:extLst>
+              <a:ext uri="{FF2B5EF4-FFF2-40B4-BE49-F238E27FC236}">
+                <a16:creationId xmlns:a16="http://schemas.microsoft.com/office/drawing/2014/main" id="{9532C2C3-E4BE-163C-72F9-D9CAD045A947}"/>
+              </a:ext>
+            </a:extLst>
+          </p:cNvPr>
+          <p:cNvSpPr>
+            <a:spLocks noGrp="1"/>
+          </p:cNvSpPr>
+          <p:nvPr>
+            <p:ph type="title"/>
+          </p:nvPr>
+        </p:nvSpPr>
+        <p:spPr/>
+        <p:txBody>
+          <a:bodyPr/>
+          <a:lstStyle/>
+          <a:p>
+            <a:endParaRPr lang="ru-RU"/>
+          </a:p>
+        </p:txBody>
+      </p:sp>
+      <p:graphicFrame>
+        <p:nvGraphicFramePr>
+          <p:cNvPr id="5" name="Объект 4">
+            <a:extLst>
+              <a:ext uri="{FF2B5EF4-FFF2-40B4-BE49-F238E27FC236}">
+                <a16:creationId xmlns:a16="http://schemas.microsoft.com/office/drawing/2014/main" id="{3A77AE66-D4B3-9651-BDDA-11203D4C2BF2}"/>
+              </a:ext>
+            </a:extLst>
+          </p:cNvPr>
+          <p:cNvGraphicFramePr>
+            <a:graphicFrameLocks noGrp="1"/>
+          </p:cNvGraphicFramePr>
+          <p:nvPr>
+            <p:ph idx="1"/>
+          </p:nvPr>
+        </p:nvGraphicFramePr>
+        <p:xfrm>
+          <a:off x="3039110" y="2959036"/>
+          <a:ext cx="6113780" cy="2411223"/>
+        </p:xfrm>
+        <a:graphic>
+          <a:graphicData uri="http://schemas.openxmlformats.org/drawingml/2006/table">
+            <a:tbl>
+              <a:tblPr firstRow="1" firstCol="1" bandRow="1">
+                <a:tableStyleId>{5C22544A-7EE6-4342-B048-85BDC9FD1C3A}</a:tableStyleId>
+              </a:tblPr>
+              <a:tblGrid>
+                <a:gridCol w="2247265">
+                  <a:extLst>
+                    <a:ext uri="{9D8B030D-6E8A-4147-A177-3AD203B41FA5}">
+                      <a16:colId xmlns:a16="http://schemas.microsoft.com/office/drawing/2014/main" val="522003746"/>
+                    </a:ext>
+                  </a:extLst>
+                </a:gridCol>
+                <a:gridCol w="1828165">
+                  <a:extLst>
+                    <a:ext uri="{9D8B030D-6E8A-4147-A177-3AD203B41FA5}">
+                      <a16:colId xmlns:a16="http://schemas.microsoft.com/office/drawing/2014/main" val="2913711566"/>
+                    </a:ext>
+                  </a:extLst>
+                </a:gridCol>
+                <a:gridCol w="2038350">
+                  <a:extLst>
+                    <a:ext uri="{9D8B030D-6E8A-4147-A177-3AD203B41FA5}">
+                      <a16:colId xmlns:a16="http://schemas.microsoft.com/office/drawing/2014/main" val="3753831868"/>
+                    </a:ext>
+                  </a:extLst>
+                </a:gridCol>
+              </a:tblGrid>
+              <a:tr h="581660">
+                <a:tc>
+                  <a:txBody>
+                    <a:bodyPr/>
+                    <a:lstStyle/>
+                    <a:p>
+                      <a:pPr indent="450215" algn="just">
+                        <a:lnSpc>
+                          <a:spcPct val="150000"/>
+                        </a:lnSpc>
+                      </a:pPr>
+                      <a:r>
+                        <a:rPr lang="ru-RU" sz="1400" kern="150">
+                          <a:effectLst/>
+                        </a:rPr>
+                        <a:t>Реализация</a:t>
+                      </a:r>
+                      <a:endParaRPr lang="ru-RU" sz="1400" kern="150">
+                        <a:effectLst/>
+                        <a:latin typeface="Times New Roman" panose="02020603050405020304" pitchFamily="18" charset="0"/>
+                        <a:ea typeface="Noto Serif CJK SC"/>
+                        <a:cs typeface="Lohit Devanagari"/>
+                      </a:endParaRPr>
+                    </a:p>
+                  </a:txBody>
+                  <a:tcPr marL="68580" marR="68580" marT="0" marB="0" anchor="ctr"/>
+                </a:tc>
+                <a:tc>
+                  <a:txBody>
+                    <a:bodyPr/>
+                    <a:lstStyle/>
+                    <a:p>
+                      <a:pPr indent="450215" algn="ctr">
+                        <a:lnSpc>
+                          <a:spcPct val="150000"/>
+                        </a:lnSpc>
+                      </a:pPr>
+                      <a:r>
+                        <a:rPr lang="ru-RU" sz="1400" kern="150">
+                          <a:effectLst/>
+                        </a:rPr>
+                        <a:t>Число раз выделения памяти</a:t>
+                      </a:r>
+                      <a:endParaRPr lang="ru-RU" sz="1400" kern="150">
+                        <a:effectLst/>
+                        <a:latin typeface="Times New Roman" panose="02020603050405020304" pitchFamily="18" charset="0"/>
+                        <a:ea typeface="Noto Serif CJK SC"/>
+                        <a:cs typeface="Lohit Devanagari"/>
+                      </a:endParaRPr>
+                    </a:p>
+                  </a:txBody>
+                  <a:tcPr marL="68580" marR="68580" marT="0" marB="0" anchor="ctr"/>
+                </a:tc>
+                <a:tc>
+                  <a:txBody>
+                    <a:bodyPr/>
+                    <a:lstStyle/>
+                    <a:p>
+                      <a:pPr indent="450215" algn="ctr">
+                        <a:lnSpc>
+                          <a:spcPct val="150000"/>
+                        </a:lnSpc>
+                      </a:pPr>
+                      <a:r>
+                        <a:rPr lang="ru-RU" sz="1400" kern="150">
+                          <a:effectLst/>
+                        </a:rPr>
+                        <a:t>Суммарный объем используемой памяти</a:t>
+                      </a:r>
+                      <a:endParaRPr lang="ru-RU" sz="1400" kern="150">
+                        <a:effectLst/>
+                        <a:latin typeface="Times New Roman" panose="02020603050405020304" pitchFamily="18" charset="0"/>
+                        <a:ea typeface="Noto Serif CJK SC"/>
+                        <a:cs typeface="Lohit Devanagari"/>
+                      </a:endParaRPr>
+                    </a:p>
+                  </a:txBody>
+                  <a:tcPr marL="68580" marR="68580" marT="0" marB="0" anchor="ctr"/>
+                </a:tc>
+                <a:extLst>
+                  <a:ext uri="{0D108BD9-81ED-4DB2-BD59-A6C34878D82A}">
+                    <a16:rowId xmlns:a16="http://schemas.microsoft.com/office/drawing/2014/main" val="2137788428"/>
+                  </a:ext>
+                </a:extLst>
+              </a:tr>
+              <a:tr h="290830">
+                <a:tc>
+                  <a:txBody>
+                    <a:bodyPr/>
+                    <a:lstStyle/>
+                    <a:p>
+                      <a:pPr indent="450215" algn="just">
+                        <a:lnSpc>
+                          <a:spcPct val="150000"/>
+                        </a:lnSpc>
+                      </a:pPr>
+                      <a:r>
+                        <a:rPr lang="ru-RU" sz="1400" kern="150">
+                          <a:effectLst/>
+                        </a:rPr>
+                        <a:t>Однопоточная</a:t>
+                      </a:r>
+                      <a:endParaRPr lang="ru-RU" sz="1400" kern="150">
+                        <a:effectLst/>
+                        <a:latin typeface="Times New Roman" panose="02020603050405020304" pitchFamily="18" charset="0"/>
+                        <a:ea typeface="Noto Serif CJK SC"/>
+                        <a:cs typeface="Lohit Devanagari"/>
+                      </a:endParaRPr>
+                    </a:p>
+                  </a:txBody>
+                  <a:tcPr marL="68580" marR="68580" marT="0" marB="0" anchor="ctr"/>
+                </a:tc>
+                <a:tc>
+                  <a:txBody>
+                    <a:bodyPr/>
+                    <a:lstStyle/>
+                    <a:p>
+                      <a:pPr indent="450215" algn="just">
+                        <a:lnSpc>
+                          <a:spcPct val="150000"/>
+                        </a:lnSpc>
+                      </a:pPr>
+                      <a:r>
+                        <a:rPr lang="ru-RU" sz="1400" kern="150">
+                          <a:effectLst/>
+                        </a:rPr>
+                        <a:t>729</a:t>
+                      </a:r>
+                      <a:endParaRPr lang="ru-RU" sz="1400" kern="150">
+                        <a:effectLst/>
+                        <a:latin typeface="Times New Roman" panose="02020603050405020304" pitchFamily="18" charset="0"/>
+                        <a:ea typeface="Noto Serif CJK SC"/>
+                        <a:cs typeface="Lohit Devanagari"/>
+                      </a:endParaRPr>
+                    </a:p>
+                  </a:txBody>
+                  <a:tcPr marL="68580" marR="68580" marT="0" marB="0" anchor="ctr"/>
+                </a:tc>
+                <a:tc>
+                  <a:txBody>
+                    <a:bodyPr/>
+                    <a:lstStyle/>
+                    <a:p>
+                      <a:pPr indent="450215" algn="just">
+                        <a:lnSpc>
+                          <a:spcPct val="150000"/>
+                        </a:lnSpc>
+                      </a:pPr>
+                      <a:r>
+                        <a:rPr lang="en-US" sz="1400" kern="150">
+                          <a:effectLst/>
+                        </a:rPr>
+                        <a:t>588,870</a:t>
+                      </a:r>
+                      <a:r>
+                        <a:rPr lang="ru-RU" sz="1400" kern="150">
+                          <a:effectLst/>
+                        </a:rPr>
+                        <a:t> байт</a:t>
+                      </a:r>
+                      <a:endParaRPr lang="ru-RU" sz="1400" kern="150">
+                        <a:effectLst/>
+                        <a:latin typeface="Times New Roman" panose="02020603050405020304" pitchFamily="18" charset="0"/>
+                        <a:ea typeface="Noto Serif CJK SC"/>
+                        <a:cs typeface="Lohit Devanagari"/>
+                      </a:endParaRPr>
+                    </a:p>
+                  </a:txBody>
+                  <a:tcPr marL="68580" marR="68580" marT="0" marB="0" anchor="ctr"/>
+                </a:tc>
+                <a:extLst>
+                  <a:ext uri="{0D108BD9-81ED-4DB2-BD59-A6C34878D82A}">
+                    <a16:rowId xmlns:a16="http://schemas.microsoft.com/office/drawing/2014/main" val="3605075924"/>
+                  </a:ext>
+                </a:extLst>
+              </a:tr>
+              <a:tr h="290830">
+                <a:tc>
+                  <a:txBody>
+                    <a:bodyPr/>
+                    <a:lstStyle/>
+                    <a:p>
+                      <a:pPr indent="450215" algn="just">
+                        <a:lnSpc>
+                          <a:spcPct val="150000"/>
+                        </a:lnSpc>
+                      </a:pPr>
+                      <a:r>
+                        <a:rPr lang="ru-RU" sz="1400" kern="150">
+                          <a:effectLst/>
+                        </a:rPr>
+                        <a:t>Многопоточная</a:t>
+                      </a:r>
+                      <a:endParaRPr lang="ru-RU" sz="1400" kern="150">
+                        <a:effectLst/>
+                        <a:latin typeface="Times New Roman" panose="02020603050405020304" pitchFamily="18" charset="0"/>
+                        <a:ea typeface="Noto Serif CJK SC"/>
+                        <a:cs typeface="Lohit Devanagari"/>
+                      </a:endParaRPr>
+                    </a:p>
+                  </a:txBody>
+                  <a:tcPr marL="68580" marR="68580" marT="0" marB="0" anchor="ctr"/>
+                </a:tc>
+                <a:tc>
+                  <a:txBody>
+                    <a:bodyPr/>
+                    <a:lstStyle/>
+                    <a:p>
+                      <a:pPr indent="450215" algn="just">
+                        <a:lnSpc>
+                          <a:spcPct val="150000"/>
+                        </a:lnSpc>
+                      </a:pPr>
+                      <a:r>
+                        <a:rPr lang="ru-RU" sz="1400" kern="150">
+                          <a:effectLst/>
+                        </a:rPr>
+                        <a:t>812</a:t>
+                      </a:r>
+                      <a:endParaRPr lang="ru-RU" sz="1400" kern="150">
+                        <a:effectLst/>
+                        <a:latin typeface="Times New Roman" panose="02020603050405020304" pitchFamily="18" charset="0"/>
+                        <a:ea typeface="Noto Serif CJK SC"/>
+                        <a:cs typeface="Lohit Devanagari"/>
+                      </a:endParaRPr>
+                    </a:p>
+                  </a:txBody>
+                  <a:tcPr marL="68580" marR="68580" marT="0" marB="0" anchor="ctr"/>
+                </a:tc>
+                <a:tc>
+                  <a:txBody>
+                    <a:bodyPr/>
+                    <a:lstStyle/>
+                    <a:p>
+                      <a:pPr indent="450215" algn="just">
+                        <a:lnSpc>
+                          <a:spcPct val="150000"/>
+                        </a:lnSpc>
+                      </a:pPr>
+                      <a:r>
+                        <a:rPr lang="ru-RU" sz="1400" kern="150">
+                          <a:effectLst/>
+                        </a:rPr>
+                        <a:t>593,508 байт</a:t>
+                      </a:r>
+                      <a:endParaRPr lang="ru-RU" sz="1400" kern="150">
+                        <a:effectLst/>
+                        <a:latin typeface="Times New Roman" panose="02020603050405020304" pitchFamily="18" charset="0"/>
+                        <a:ea typeface="Noto Serif CJK SC"/>
+                        <a:cs typeface="Lohit Devanagari"/>
+                      </a:endParaRPr>
+                    </a:p>
+                  </a:txBody>
+                  <a:tcPr marL="68580" marR="68580" marT="0" marB="0" anchor="ctr"/>
+                </a:tc>
+                <a:extLst>
+                  <a:ext uri="{0D108BD9-81ED-4DB2-BD59-A6C34878D82A}">
+                    <a16:rowId xmlns:a16="http://schemas.microsoft.com/office/drawing/2014/main" val="265164806"/>
+                  </a:ext>
+                </a:extLst>
+              </a:tr>
+              <a:tr h="297815">
+                <a:tc>
+                  <a:txBody>
+                    <a:bodyPr/>
+                    <a:lstStyle/>
+                    <a:p>
+                      <a:pPr indent="450215" algn="just">
+                        <a:lnSpc>
+                          <a:spcPct val="150000"/>
+                        </a:lnSpc>
+                      </a:pPr>
+                      <a:r>
+                        <a:rPr lang="ru-RU" sz="1400" kern="150">
+                          <a:effectLst/>
+                        </a:rPr>
+                        <a:t>Внешний пул</a:t>
+                      </a:r>
+                      <a:endParaRPr lang="ru-RU" sz="1400" kern="150">
+                        <a:effectLst/>
+                        <a:latin typeface="Times New Roman" panose="02020603050405020304" pitchFamily="18" charset="0"/>
+                        <a:ea typeface="Noto Serif CJK SC"/>
+                        <a:cs typeface="Lohit Devanagari"/>
+                      </a:endParaRPr>
+                    </a:p>
+                  </a:txBody>
+                  <a:tcPr marL="68580" marR="68580" marT="0" marB="0" anchor="ctr"/>
+                </a:tc>
+                <a:tc>
+                  <a:txBody>
+                    <a:bodyPr/>
+                    <a:lstStyle/>
+                    <a:p>
+                      <a:pPr indent="450215" algn="just">
+                        <a:lnSpc>
+                          <a:spcPct val="150000"/>
+                        </a:lnSpc>
+                      </a:pPr>
+                      <a:r>
+                        <a:rPr lang="ru-RU" sz="1400" kern="150">
+                          <a:effectLst/>
+                        </a:rPr>
+                        <a:t>831</a:t>
+                      </a:r>
+                      <a:endParaRPr lang="ru-RU" sz="1400" kern="150">
+                        <a:effectLst/>
+                        <a:latin typeface="Times New Roman" panose="02020603050405020304" pitchFamily="18" charset="0"/>
+                        <a:ea typeface="Noto Serif CJK SC"/>
+                        <a:cs typeface="Lohit Devanagari"/>
+                      </a:endParaRPr>
+                    </a:p>
+                  </a:txBody>
+                  <a:tcPr marL="68580" marR="68580" marT="0" marB="0" anchor="ctr"/>
+                </a:tc>
+                <a:tc>
+                  <a:txBody>
+                    <a:bodyPr/>
+                    <a:lstStyle/>
+                    <a:p>
+                      <a:pPr indent="450215" algn="just">
+                        <a:lnSpc>
+                          <a:spcPct val="150000"/>
+                        </a:lnSpc>
+                      </a:pPr>
+                      <a:r>
+                        <a:rPr lang="ru-RU" sz="1400" kern="150">
+                          <a:effectLst/>
+                        </a:rPr>
+                        <a:t>586,212 байт</a:t>
+                      </a:r>
+                      <a:endParaRPr lang="ru-RU" sz="1400" kern="150">
+                        <a:effectLst/>
+                        <a:latin typeface="Times New Roman" panose="02020603050405020304" pitchFamily="18" charset="0"/>
+                        <a:ea typeface="Noto Serif CJK SC"/>
+                        <a:cs typeface="Lohit Devanagari"/>
+                      </a:endParaRPr>
+                    </a:p>
+                  </a:txBody>
+                  <a:tcPr marL="68580" marR="68580" marT="0" marB="0" anchor="ctr"/>
+                </a:tc>
+                <a:extLst>
+                  <a:ext uri="{0D108BD9-81ED-4DB2-BD59-A6C34878D82A}">
+                    <a16:rowId xmlns:a16="http://schemas.microsoft.com/office/drawing/2014/main" val="2835380726"/>
+                  </a:ext>
+                </a:extLst>
+              </a:tr>
+              <a:tr h="283210">
+                <a:tc>
+                  <a:txBody>
+                    <a:bodyPr/>
+                    <a:lstStyle/>
+                    <a:p>
+                      <a:pPr indent="450215" algn="just">
+                        <a:lnSpc>
+                          <a:spcPct val="150000"/>
+                        </a:lnSpc>
+                      </a:pPr>
+                      <a:r>
+                        <a:rPr lang="ru-RU" sz="1400" kern="150">
+                          <a:effectLst/>
+                        </a:rPr>
+                        <a:t>Разработанный метод</a:t>
+                      </a:r>
+                      <a:endParaRPr lang="ru-RU" sz="1400" kern="150">
+                        <a:effectLst/>
+                        <a:latin typeface="Times New Roman" panose="02020603050405020304" pitchFamily="18" charset="0"/>
+                        <a:ea typeface="Noto Serif CJK SC"/>
+                        <a:cs typeface="Lohit Devanagari"/>
+                      </a:endParaRPr>
+                    </a:p>
+                  </a:txBody>
+                  <a:tcPr marL="68580" marR="68580" marT="0" marB="0" anchor="ctr"/>
+                </a:tc>
+                <a:tc>
+                  <a:txBody>
+                    <a:bodyPr/>
+                    <a:lstStyle/>
+                    <a:p>
+                      <a:pPr indent="450215" algn="just">
+                        <a:lnSpc>
+                          <a:spcPct val="150000"/>
+                        </a:lnSpc>
+                      </a:pPr>
+                      <a:r>
+                        <a:rPr lang="ru-RU" sz="1400" kern="150">
+                          <a:effectLst/>
+                        </a:rPr>
+                        <a:t>182</a:t>
+                      </a:r>
+                      <a:endParaRPr lang="ru-RU" sz="1400" kern="150">
+                        <a:effectLst/>
+                        <a:latin typeface="Times New Roman" panose="02020603050405020304" pitchFamily="18" charset="0"/>
+                        <a:ea typeface="Noto Serif CJK SC"/>
+                        <a:cs typeface="Lohit Devanagari"/>
+                      </a:endParaRPr>
+                    </a:p>
+                  </a:txBody>
+                  <a:tcPr marL="68580" marR="68580" marT="0" marB="0" anchor="ctr"/>
+                </a:tc>
+                <a:tc>
+                  <a:txBody>
+                    <a:bodyPr/>
+                    <a:lstStyle/>
+                    <a:p>
+                      <a:pPr indent="450215" algn="just">
+                        <a:lnSpc>
+                          <a:spcPct val="150000"/>
+                        </a:lnSpc>
+                      </a:pPr>
+                      <a:r>
+                        <a:rPr lang="ru-RU" sz="1400" kern="150" dirty="0">
+                          <a:effectLst/>
+                        </a:rPr>
+                        <a:t>180,794 байт</a:t>
+                      </a:r>
+                      <a:endParaRPr lang="ru-RU" sz="1400" kern="150" dirty="0">
+                        <a:effectLst/>
+                        <a:latin typeface="Times New Roman" panose="02020603050405020304" pitchFamily="18" charset="0"/>
+                        <a:ea typeface="Noto Serif CJK SC"/>
+                        <a:cs typeface="Lohit Devanagari"/>
+                      </a:endParaRPr>
+                    </a:p>
+                  </a:txBody>
+                  <a:tcPr marL="68580" marR="68580" marT="0" marB="0" anchor="ctr"/>
+                </a:tc>
+                <a:extLst>
+                  <a:ext uri="{0D108BD9-81ED-4DB2-BD59-A6C34878D82A}">
+                    <a16:rowId xmlns:a16="http://schemas.microsoft.com/office/drawing/2014/main" val="3628660017"/>
+                  </a:ext>
+                </a:extLst>
+              </a:tr>
+            </a:tbl>
+          </a:graphicData>
+        </a:graphic>
+      </p:graphicFrame>
+      <p:sp>
+        <p:nvSpPr>
+          <p:cNvPr id="4" name="Номер слайда 3">
+            <a:extLst>
+              <a:ext uri="{FF2B5EF4-FFF2-40B4-BE49-F238E27FC236}">
+                <a16:creationId xmlns:a16="http://schemas.microsoft.com/office/drawing/2014/main" id="{E44336FF-BC33-7F78-9784-D11B5478C01B}"/>
+              </a:ext>
+            </a:extLst>
+          </p:cNvPr>
+          <p:cNvSpPr>
+            <a:spLocks noGrp="1"/>
+          </p:cNvSpPr>
+          <p:nvPr>
+            <p:ph type="sldNum" sz="quarter" idx="12"/>
+          </p:nvPr>
+        </p:nvSpPr>
+        <p:spPr/>
+        <p:txBody>
+          <a:bodyPr/>
+          <a:lstStyle/>
+          <a:p>
+            <a:fld id="{5D15703D-96D9-4C94-B196-0ED7D1E8A93C}" type="slidenum">
+              <a:rPr lang="ru-RU" smtClean="0"/>
+              <a:t>12</a:t>
+            </a:fld>
+            <a:endParaRPr lang="ru-RU" dirty="0"/>
+          </a:p>
+        </p:txBody>
+      </p:sp>
+    </p:spTree>
+    <p:extLst>
+      <p:ext uri="{BB962C8B-B14F-4D97-AF65-F5344CB8AC3E}">
+        <p14:creationId xmlns:p14="http://schemas.microsoft.com/office/powerpoint/2010/main" val="249996658"/>
+      </p:ext>
+    </p:extLst>
+  </p:cSld>
+  <p:clrMapOvr>
+    <a:masterClrMapping/>
+  </p:clrMapOvr>
+</p:sld>
+</file>
+
+<file path=ppt/slides/slide13.xml><?xml version="1.0" encoding="utf-8"?>
+<p:sld xmlns:a="http://schemas.openxmlformats.org/drawingml/2006/main" xmlns:r="http://schemas.openxmlformats.org/officeDocument/2006/relationships" xmlns:p="http://schemas.openxmlformats.org/presentationml/2006/main">
+  <p:cSld>
+    <p:spTree>
+      <p:nvGrpSpPr>
+        <p:cNvPr id="1" name=""/>
+        <p:cNvGrpSpPr/>
+        <p:nvPr/>
+      </p:nvGrpSpPr>
+      <p:grpSpPr>
+        <a:xfrm>
+          <a:off x="0" y="0"/>
+          <a:ext cx="0" cy="0"/>
+          <a:chOff x="0" y="0"/>
+          <a:chExt cx="0" cy="0"/>
+        </a:xfrm>
+      </p:grpSpPr>
+      <p:sp>
+        <p:nvSpPr>
+          <p:cNvPr id="2" name="Заголовок 1">
+            <a:extLst>
+              <a:ext uri="{FF2B5EF4-FFF2-40B4-BE49-F238E27FC236}">
+                <a16:creationId xmlns:a16="http://schemas.microsoft.com/office/drawing/2014/main" id="{1D36A2B7-D852-C543-6D37-420E736F51A9}"/>
+              </a:ext>
+            </a:extLst>
+          </p:cNvPr>
+          <p:cNvSpPr>
+            <a:spLocks noGrp="1"/>
+          </p:cNvSpPr>
+          <p:nvPr>
+            <p:ph type="title"/>
+          </p:nvPr>
+        </p:nvSpPr>
+        <p:spPr/>
+        <p:txBody>
+          <a:bodyPr/>
+          <a:lstStyle/>
+          <a:p>
+            <a:r>
+              <a:rPr lang="ru-RU" dirty="0"/>
+              <a:t>Заключение</a:t>
+            </a:r>
+          </a:p>
+        </p:txBody>
+      </p:sp>
+      <p:sp>
+        <p:nvSpPr>
+          <p:cNvPr id="3" name="Объект 2">
+            <a:extLst>
+              <a:ext uri="{FF2B5EF4-FFF2-40B4-BE49-F238E27FC236}">
+                <a16:creationId xmlns:a16="http://schemas.microsoft.com/office/drawing/2014/main" id="{41F6EEFA-EC25-8EE4-A90E-5B607A704E5A}"/>
+              </a:ext>
+            </a:extLst>
+          </p:cNvPr>
+          <p:cNvSpPr>
+            <a:spLocks noGrp="1"/>
+          </p:cNvSpPr>
+          <p:nvPr>
+            <p:ph idx="1"/>
+          </p:nvPr>
+        </p:nvSpPr>
+        <p:spPr/>
+        <p:txBody>
+          <a:bodyPr/>
+          <a:lstStyle/>
+          <a:p>
+            <a:endParaRPr lang="ru-RU"/>
+          </a:p>
+        </p:txBody>
+      </p:sp>
+      <p:sp>
+        <p:nvSpPr>
+          <p:cNvPr id="4" name="Номер слайда 3">
+            <a:extLst>
+              <a:ext uri="{FF2B5EF4-FFF2-40B4-BE49-F238E27FC236}">
+                <a16:creationId xmlns:a16="http://schemas.microsoft.com/office/drawing/2014/main" id="{7B36AD4C-CEF1-8305-1FE2-6761C70C9193}"/>
+              </a:ext>
+            </a:extLst>
+          </p:cNvPr>
+          <p:cNvSpPr>
+            <a:spLocks noGrp="1"/>
+          </p:cNvSpPr>
+          <p:nvPr>
+            <p:ph type="sldNum" sz="quarter" idx="12"/>
+          </p:nvPr>
+        </p:nvSpPr>
+        <p:spPr/>
+        <p:txBody>
+          <a:bodyPr/>
+          <a:lstStyle/>
+          <a:p>
+            <a:fld id="{5D15703D-96D9-4C94-B196-0ED7D1E8A93C}" type="slidenum">
+              <a:rPr lang="ru-RU" smtClean="0"/>
+              <a:t>13</a:t>
+            </a:fld>
+            <a:endParaRPr lang="ru-RU" dirty="0"/>
+          </a:p>
+        </p:txBody>
+      </p:sp>
+    </p:spTree>
+    <p:extLst>
+      <p:ext uri="{BB962C8B-B14F-4D97-AF65-F5344CB8AC3E}">
+        <p14:creationId xmlns:p14="http://schemas.microsoft.com/office/powerpoint/2010/main" val="303095163"/>
+      </p:ext>
+    </p:extLst>
+  </p:cSld>
+  <p:clrMapOvr>
+    <a:masterClrMapping/>
+  </p:clrMapOvr>
+</p:sld>
+</file>
+
+<file path=ppt/slides/slide14.xml><?xml version="1.0" encoding="utf-8"?>
+<p:sld xmlns:a="http://schemas.openxmlformats.org/drawingml/2006/main" xmlns:r="http://schemas.openxmlformats.org/officeDocument/2006/relationships" xmlns:p="http://schemas.openxmlformats.org/presentationml/2006/main">
+  <p:cSld>
+    <p:spTree>
+      <p:nvGrpSpPr>
+        <p:cNvPr id="1" name=""/>
+        <p:cNvGrpSpPr/>
+        <p:nvPr/>
+      </p:nvGrpSpPr>
+      <p:grpSpPr>
+        <a:xfrm>
+          <a:off x="0" y="0"/>
+          <a:ext cx="0" cy="0"/>
+          <a:chOff x="0" y="0"/>
+          <a:chExt cx="0" cy="0"/>
+        </a:xfrm>
+      </p:grpSpPr>
+      <p:sp>
+        <p:nvSpPr>
+          <p:cNvPr id="2" name="Заголовок 1">
+            <a:extLst>
+              <a:ext uri="{FF2B5EF4-FFF2-40B4-BE49-F238E27FC236}">
+                <a16:creationId xmlns:a16="http://schemas.microsoft.com/office/drawing/2014/main" id="{A49FDCF9-33F6-9A58-163D-3B9793758077}"/>
+              </a:ext>
+            </a:extLst>
+          </p:cNvPr>
+          <p:cNvSpPr>
+            <a:spLocks noGrp="1"/>
+          </p:cNvSpPr>
+          <p:nvPr>
+            <p:ph type="title"/>
+          </p:nvPr>
+        </p:nvSpPr>
+        <p:spPr/>
+        <p:txBody>
+          <a:bodyPr/>
+          <a:lstStyle/>
+          <a:p>
+            <a:r>
+              <a:rPr lang="ru-RU" dirty="0"/>
+              <a:t>Дальнейшее развитие</a:t>
+            </a:r>
+          </a:p>
+        </p:txBody>
+      </p:sp>
+      <p:sp>
+        <p:nvSpPr>
+          <p:cNvPr id="3" name="Объект 2">
+            <a:extLst>
+              <a:ext uri="{FF2B5EF4-FFF2-40B4-BE49-F238E27FC236}">
+                <a16:creationId xmlns:a16="http://schemas.microsoft.com/office/drawing/2014/main" id="{50A45DFC-5C05-BD2C-A832-FB0FB2A944F4}"/>
+              </a:ext>
+            </a:extLst>
+          </p:cNvPr>
+          <p:cNvSpPr>
+            <a:spLocks noGrp="1"/>
+          </p:cNvSpPr>
+          <p:nvPr>
+            <p:ph idx="1"/>
+          </p:nvPr>
+        </p:nvSpPr>
+        <p:spPr/>
+        <p:txBody>
+          <a:bodyPr/>
+          <a:lstStyle/>
+          <a:p>
+            <a:endParaRPr lang="ru-RU"/>
+          </a:p>
+        </p:txBody>
+      </p:sp>
+      <p:sp>
+        <p:nvSpPr>
+          <p:cNvPr id="4" name="Номер слайда 3">
+            <a:extLst>
+              <a:ext uri="{FF2B5EF4-FFF2-40B4-BE49-F238E27FC236}">
+                <a16:creationId xmlns:a16="http://schemas.microsoft.com/office/drawing/2014/main" id="{BC21034C-333E-7EA2-09FA-D525BF192B74}"/>
+              </a:ext>
+            </a:extLst>
+          </p:cNvPr>
+          <p:cNvSpPr>
+            <a:spLocks noGrp="1"/>
+          </p:cNvSpPr>
+          <p:nvPr>
+            <p:ph type="sldNum" sz="quarter" idx="12"/>
+          </p:nvPr>
+        </p:nvSpPr>
+        <p:spPr/>
+        <p:txBody>
+          <a:bodyPr/>
+          <a:lstStyle/>
+          <a:p>
+            <a:fld id="{5D15703D-96D9-4C94-B196-0ED7D1E8A93C}" type="slidenum">
+              <a:rPr lang="ru-RU" smtClean="0"/>
+              <a:t>14</a:t>
+            </a:fld>
+            <a:endParaRPr lang="ru-RU" dirty="0"/>
+          </a:p>
+        </p:txBody>
+      </p:sp>
+    </p:spTree>
+    <p:extLst>
+      <p:ext uri="{BB962C8B-B14F-4D97-AF65-F5344CB8AC3E}">
+        <p14:creationId xmlns:p14="http://schemas.microsoft.com/office/powerpoint/2010/main" val="1859900911"/>
+      </p:ext>
+    </p:extLst>
+  </p:cSld>
+  <p:clrMapOvr>
+    <a:masterClrMapping/>
+  </p:clrMapOvr>
+</p:sld>
+</file>
+
 <file path=ppt/slides/slide2.xml><?xml version="1.0" encoding="utf-8"?>
 <p:sld xmlns:a="http://schemas.openxmlformats.org/drawingml/2006/main" xmlns:r="http://schemas.openxmlformats.org/officeDocument/2006/relationships" xmlns:p="http://schemas.openxmlformats.org/presentationml/2006/main">
   <p:cSld>
@@ -4693,11 +8480,34 @@
               <a:t>Цель данной работы</a:t>
             </a:r>
             <a:r>
+              <a:rPr lang="en-US" sz="2600" b="1" dirty="0">
+                <a:latin typeface="Times New Roman" panose="02020603050405020304" pitchFamily="18" charset="0"/>
+                <a:cs typeface="Times New Roman" panose="02020603050405020304" pitchFamily="18" charset="0"/>
+              </a:rPr>
+              <a:t> </a:t>
+            </a:r>
+            <a:r>
+              <a:rPr lang="ru-RU" sz="1800" dirty="0">
+                <a:effectLst/>
+                <a:latin typeface="Times New Roman" panose="02020603050405020304" pitchFamily="18" charset="0"/>
+                <a:ea typeface="Noto Serif CJK SC"/>
+                <a:cs typeface="Lohit Devanagari"/>
+              </a:rPr>
+              <a:t>—</a:t>
+            </a:r>
+            <a:r>
+              <a:rPr lang="en-US" sz="2600" b="1" dirty="0">
+                <a:latin typeface="Times New Roman" panose="02020603050405020304" pitchFamily="18" charset="0"/>
+                <a:cs typeface="Times New Roman" panose="02020603050405020304" pitchFamily="18" charset="0"/>
+              </a:rPr>
+              <a:t> </a:t>
+            </a:r>
+            <a:r>
               <a:rPr lang="ru-RU" sz="2600" dirty="0">
                 <a:latin typeface="Times New Roman" panose="02020603050405020304" pitchFamily="18" charset="0"/>
                 <a:cs typeface="Times New Roman" panose="02020603050405020304" pitchFamily="18" charset="0"/>
               </a:rPr>
-              <a:t> - разработка и реализация метода параллельного выполнения запросов к СУБД PostgreSQL в пределах одного соединения.</a:t>
+              <a:t>разработка и реализация метода параллельного выполнения запросов к СУБД PostgreSQL в пределах одного соединения.</a:t>
             </a:r>
           </a:p>
         </p:txBody>
@@ -4951,7 +8761,7 @@
                 <a:latin typeface="Times New Roman" panose="02020603050405020304" pitchFamily="18" charset="0"/>
                 <a:cs typeface="Times New Roman" panose="02020603050405020304" pitchFamily="18" charset="0"/>
               </a:rPr>
-              <a:t>Проведение сравнительного анализа стандартного метода обработки запросов к СУБД PostgreSQL с реализуемым методом.</a:t>
+              <a:t>Сравнительный анализ стандартного метода обработки запросов к СУБД PostgreSQL с реализуемым методом.</a:t>
             </a:r>
           </a:p>
         </p:txBody>
@@ -6790,6 +10600,163 @@
     <p:extLst>
       <p:ext uri="{BB962C8B-B14F-4D97-AF65-F5344CB8AC3E}">
         <p14:creationId xmlns:p14="http://schemas.microsoft.com/office/powerpoint/2010/main" val="877587620"/>
+      </p:ext>
+    </p:extLst>
+  </p:cSld>
+  <p:clrMapOvr>
+    <a:masterClrMapping/>
+  </p:clrMapOvr>
+</p:sld>
+</file>
+
+<file path=ppt/slides/slide9.xml><?xml version="1.0" encoding="utf-8"?>
+<p:sld xmlns:a="http://schemas.openxmlformats.org/drawingml/2006/main" xmlns:r="http://schemas.openxmlformats.org/officeDocument/2006/relationships" xmlns:p="http://schemas.openxmlformats.org/presentationml/2006/main">
+  <p:cSld>
+    <p:spTree>
+      <p:nvGrpSpPr>
+        <p:cNvPr id="1" name=""/>
+        <p:cNvGrpSpPr/>
+        <p:nvPr/>
+      </p:nvGrpSpPr>
+      <p:grpSpPr>
+        <a:xfrm>
+          <a:off x="0" y="0"/>
+          <a:ext cx="0" cy="0"/>
+          <a:chOff x="0" y="0"/>
+          <a:chExt cx="0" cy="0"/>
+        </a:xfrm>
+      </p:grpSpPr>
+      <p:sp>
+        <p:nvSpPr>
+          <p:cNvPr id="2" name="Заголовок 1"/>
+          <p:cNvSpPr>
+            <a:spLocks noGrp="1"/>
+          </p:cNvSpPr>
+          <p:nvPr>
+            <p:ph type="title"/>
+          </p:nvPr>
+        </p:nvSpPr>
+        <p:spPr/>
+        <p:txBody>
+          <a:bodyPr/>
+          <a:lstStyle/>
+          <a:p>
+            <a:endParaRPr lang="ru-RU" dirty="0">
+              <a:latin typeface="Times New Roman" panose="02020603050405020304" pitchFamily="18" charset="0"/>
+              <a:cs typeface="Times New Roman" panose="02020603050405020304" pitchFamily="18" charset="0"/>
+            </a:endParaRPr>
+          </a:p>
+        </p:txBody>
+      </p:sp>
+      <p:sp>
+        <p:nvSpPr>
+          <p:cNvPr id="4" name="Номер слайда 3"/>
+          <p:cNvSpPr>
+            <a:spLocks noGrp="1"/>
+          </p:cNvSpPr>
+          <p:nvPr>
+            <p:ph type="sldNum" sz="quarter" idx="12"/>
+          </p:nvPr>
+        </p:nvSpPr>
+        <p:spPr/>
+        <p:txBody>
+          <a:bodyPr/>
+          <a:lstStyle/>
+          <a:p>
+            <a:fld id="{5D15703D-96D9-4C94-B196-0ED7D1E8A93C}" type="slidenum">
+              <a:rPr lang="ru-RU" smtClean="0"/>
+              <a:t>9</a:t>
+            </a:fld>
+            <a:endParaRPr lang="ru-RU" dirty="0"/>
+          </a:p>
+        </p:txBody>
+      </p:sp>
+      <p:pic>
+        <p:nvPicPr>
+          <p:cNvPr id="6" name="Рисунок 5">
+            <a:extLst>
+              <a:ext uri="{FF2B5EF4-FFF2-40B4-BE49-F238E27FC236}">
+                <a16:creationId xmlns:a16="http://schemas.microsoft.com/office/drawing/2014/main" id="{7A41EB1B-E9A5-13F4-A182-E791E376A7AC}"/>
+              </a:ext>
+            </a:extLst>
+          </p:cNvPr>
+          <p:cNvPicPr>
+            <a:picLocks noChangeAspect="1"/>
+          </p:cNvPicPr>
+          <p:nvPr/>
+        </p:nvPicPr>
+        <p:blipFill>
+          <a:blip r:embed="rId2" cstate="print">
+            <a:extLst>
+              <a:ext uri="{28A0092B-C50C-407E-A947-70E740481C1C}">
+                <a14:useLocalDpi xmlns:a14="http://schemas.microsoft.com/office/drawing/2010/main" val="0"/>
+              </a:ext>
+            </a:extLst>
+          </a:blip>
+          <a:srcRect/>
+          <a:stretch>
+            <a:fillRect/>
+          </a:stretch>
+        </p:blipFill>
+        <p:spPr bwMode="auto">
+          <a:xfrm>
+            <a:off x="1491114" y="2277979"/>
+            <a:ext cx="1083702" cy="3838876"/>
+          </a:xfrm>
+          <a:prstGeom prst="rect">
+            <a:avLst/>
+          </a:prstGeom>
+          <a:noFill/>
+          <a:ln>
+            <a:noFill/>
+          </a:ln>
+        </p:spPr>
+      </p:pic>
+      <p:pic>
+        <p:nvPicPr>
+          <p:cNvPr id="8" name="Рисунок 7">
+            <a:extLst>
+              <a:ext uri="{FF2B5EF4-FFF2-40B4-BE49-F238E27FC236}">
+                <a16:creationId xmlns:a16="http://schemas.microsoft.com/office/drawing/2014/main" id="{057366AC-88EA-4947-318F-4132A582415E}"/>
+              </a:ext>
+            </a:extLst>
+          </p:cNvPr>
+          <p:cNvPicPr>
+            <a:picLocks noChangeAspect="1"/>
+          </p:cNvPicPr>
+          <p:nvPr/>
+        </p:nvPicPr>
+        <p:blipFill>
+          <a:blip r:embed="rId3" cstate="print">
+            <a:extLst>
+              <a:ext uri="{28A0092B-C50C-407E-A947-70E740481C1C}">
+                <a14:useLocalDpi xmlns:a14="http://schemas.microsoft.com/office/drawing/2010/main" val="0"/>
+              </a:ext>
+            </a:extLst>
+          </a:blip>
+          <a:srcRect/>
+          <a:stretch>
+            <a:fillRect/>
+          </a:stretch>
+        </p:blipFill>
+        <p:spPr bwMode="auto">
+          <a:xfrm>
+            <a:off x="5177790" y="2454442"/>
+            <a:ext cx="1273533" cy="3492968"/>
+          </a:xfrm>
+          <a:prstGeom prst="rect">
+            <a:avLst/>
+          </a:prstGeom>
+          <a:noFill/>
+          <a:ln>
+            <a:noFill/>
+          </a:ln>
+        </p:spPr>
+      </p:pic>
+    </p:spTree>
+    <p:extLst>
+      <p:ext uri="{BB962C8B-B14F-4D97-AF65-F5344CB8AC3E}">
+        <p14:creationId xmlns:p14="http://schemas.microsoft.com/office/powerpoint/2010/main" val="2402547047"/>
       </p:ext>
     </p:extLst>
   </p:cSld>

--- a/Презентация.pptx
+++ b/Презентация.pptx
@@ -5,23 +5,25 @@
     <p:sldMasterId id="2147483648" r:id="rId1"/>
   </p:sldMasterIdLst>
   <p:notesMasterIdLst>
-    <p:notesMasterId r:id="rId16"/>
+    <p:notesMasterId r:id="rId18"/>
   </p:notesMasterIdLst>
   <p:sldIdLst>
     <p:sldId id="256" r:id="rId2"/>
     <p:sldId id="257" r:id="rId3"/>
     <p:sldId id="262" r:id="rId4"/>
-    <p:sldId id="259" r:id="rId5"/>
-    <p:sldId id="260" r:id="rId6"/>
+    <p:sldId id="272" r:id="rId5"/>
+    <p:sldId id="259" r:id="rId6"/>
     <p:sldId id="264" r:id="rId7"/>
     <p:sldId id="261" r:id="rId8"/>
     <p:sldId id="263" r:id="rId9"/>
-    <p:sldId id="266" r:id="rId10"/>
-    <p:sldId id="267" r:id="rId11"/>
-    <p:sldId id="268" r:id="rId12"/>
-    <p:sldId id="269" r:id="rId13"/>
-    <p:sldId id="270" r:id="rId14"/>
-    <p:sldId id="271" r:id="rId15"/>
+    <p:sldId id="273" r:id="rId10"/>
+    <p:sldId id="266" r:id="rId11"/>
+    <p:sldId id="274" r:id="rId12"/>
+    <p:sldId id="267" r:id="rId13"/>
+    <p:sldId id="268" r:id="rId14"/>
+    <p:sldId id="269" r:id="rId15"/>
+    <p:sldId id="270" r:id="rId16"/>
+    <p:sldId id="271" r:id="rId17"/>
   </p:sldIdLst>
   <p:sldSz cx="12192000" cy="6858000"/>
   <p:notesSz cx="6858000" cy="9144000"/>
@@ -130,7 +132,7 @@
 
 <file path=ppt/commentAuthors.xml><?xml version="1.0" encoding="utf-8"?>
 <p:cmAuthorLst xmlns:a="http://schemas.openxmlformats.org/drawingml/2006/main" xmlns:r="http://schemas.openxmlformats.org/officeDocument/2006/relationships" xmlns:p="http://schemas.openxmlformats.org/presentationml/2006/main">
-  <p:cmAuthor id="1" name="Ольга Платонова" initials="ОП" lastIdx="5" clrIdx="0">
+  <p:cmAuthor id="1" name="Ольга Платонова" initials="ОП" lastIdx="9" clrIdx="0">
     <p:extLst>
       <p:ext uri="{19B8F6BF-5375-455C-9EA6-DF929625EA0E}">
         <p15:presenceInfo xmlns:p15="http://schemas.microsoft.com/office/powerpoint/2012/main" userId="b7a68a3ec46e1b54" providerId="Windows Live"/>
@@ -142,6 +144,850 @@
 
 <file path=ppt/changesInfos/changesInfo1.xml><?xml version="1.0" encoding="utf-8"?>
 <pc:chgInfo xmlns:a="http://schemas.openxmlformats.org/drawingml/2006/main" xmlns:r="http://schemas.openxmlformats.org/officeDocument/2006/relationships" xmlns:ac="http://schemas.microsoft.com/office/drawing/2013/main/command" xmlns:pc="http://schemas.microsoft.com/office/powerpoint/2013/main/command">
+  <pc:docChgLst>
+    <pc:chgData name="Ольга Платонова" userId="b7a68a3ec46e1b54" providerId="LiveId" clId="{1F07ACF5-96D4-4BB6-B0A8-48BFF323F040}"/>
+    <pc:docChg chg="undo redo custSel addSld delSld modSld">
+      <pc:chgData name="Ольга Платонова" userId="b7a68a3ec46e1b54" providerId="LiveId" clId="{1F07ACF5-96D4-4BB6-B0A8-48BFF323F040}" dt="2022-05-27T16:52:28.985" v="2004" actId="1076"/>
+      <pc:docMkLst>
+        <pc:docMk/>
+      </pc:docMkLst>
+      <pc:sldChg chg="addSp delSp modSp mod">
+        <pc:chgData name="Ольга Платонова" userId="b7a68a3ec46e1b54" providerId="LiveId" clId="{1F07ACF5-96D4-4BB6-B0A8-48BFF323F040}" dt="2022-05-26T15:14:10.385" v="108" actId="20577"/>
+        <pc:sldMkLst>
+          <pc:docMk/>
+          <pc:sldMk cId="906348732" sldId="256"/>
+        </pc:sldMkLst>
+        <pc:spChg chg="mod">
+          <ac:chgData name="Ольга Платонова" userId="b7a68a3ec46e1b54" providerId="LiveId" clId="{1F07ACF5-96D4-4BB6-B0A8-48BFF323F040}" dt="2022-05-26T15:09:58.727" v="47" actId="1076"/>
+          <ac:spMkLst>
+            <pc:docMk/>
+            <pc:sldMk cId="906348732" sldId="256"/>
+            <ac:spMk id="2" creationId="{00000000-0000-0000-0000-000000000000}"/>
+          </ac:spMkLst>
+        </pc:spChg>
+        <pc:spChg chg="mod">
+          <ac:chgData name="Ольга Платонова" userId="b7a68a3ec46e1b54" providerId="LiveId" clId="{1F07ACF5-96D4-4BB6-B0A8-48BFF323F040}" dt="2022-05-26T15:14:10.385" v="108" actId="20577"/>
+          <ac:spMkLst>
+            <pc:docMk/>
+            <pc:sldMk cId="906348732" sldId="256"/>
+            <ac:spMk id="3" creationId="{00000000-0000-0000-0000-000000000000}"/>
+          </ac:spMkLst>
+        </pc:spChg>
+        <pc:spChg chg="add del mod">
+          <ac:chgData name="Ольга Платонова" userId="b7a68a3ec46e1b54" providerId="LiveId" clId="{1F07ACF5-96D4-4BB6-B0A8-48BFF323F040}" dt="2022-05-26T15:12:21.438" v="85"/>
+          <ac:spMkLst>
+            <pc:docMk/>
+            <pc:sldMk cId="906348732" sldId="256"/>
+            <ac:spMk id="4" creationId="{22B71FA5-D9A2-648A-BA2B-198803987812}"/>
+          </ac:spMkLst>
+        </pc:spChg>
+      </pc:sldChg>
+      <pc:sldChg chg="modSp mod">
+        <pc:chgData name="Ольга Платонова" userId="b7a68a3ec46e1b54" providerId="LiveId" clId="{1F07ACF5-96D4-4BB6-B0A8-48BFF323F040}" dt="2022-05-26T22:06:40.917" v="1931" actId="2"/>
+        <pc:sldMkLst>
+          <pc:docMk/>
+          <pc:sldMk cId="923825700" sldId="257"/>
+        </pc:sldMkLst>
+        <pc:spChg chg="mod">
+          <ac:chgData name="Ольга Платонова" userId="b7a68a3ec46e1b54" providerId="LiveId" clId="{1F07ACF5-96D4-4BB6-B0A8-48BFF323F040}" dt="2022-05-26T15:14:58.046" v="110" actId="20577"/>
+          <ac:spMkLst>
+            <pc:docMk/>
+            <pc:sldMk cId="923825700" sldId="257"/>
+            <ac:spMk id="2" creationId="{00000000-0000-0000-0000-000000000000}"/>
+          </ac:spMkLst>
+        </pc:spChg>
+        <pc:spChg chg="mod">
+          <ac:chgData name="Ольга Платонова" userId="b7a68a3ec46e1b54" providerId="LiveId" clId="{1F07ACF5-96D4-4BB6-B0A8-48BFF323F040}" dt="2022-05-26T15:15:46.262" v="125" actId="20577"/>
+          <ac:spMkLst>
+            <pc:docMk/>
+            <pc:sldMk cId="923825700" sldId="257"/>
+            <ac:spMk id="3" creationId="{00000000-0000-0000-0000-000000000000}"/>
+          </ac:spMkLst>
+        </pc:spChg>
+        <pc:spChg chg="mod">
+          <ac:chgData name="Ольга Платонова" userId="b7a68a3ec46e1b54" providerId="LiveId" clId="{1F07ACF5-96D4-4BB6-B0A8-48BFF323F040}" dt="2022-05-26T22:06:40.917" v="1931" actId="2"/>
+          <ac:spMkLst>
+            <pc:docMk/>
+            <pc:sldMk cId="923825700" sldId="257"/>
+            <ac:spMk id="4" creationId="{00000000-0000-0000-0000-000000000000}"/>
+          </ac:spMkLst>
+        </pc:spChg>
+      </pc:sldChg>
+      <pc:sldChg chg="addCm modCm">
+        <pc:chgData name="Ольга Платонова" userId="b7a68a3ec46e1b54" providerId="LiveId" clId="{1F07ACF5-96D4-4BB6-B0A8-48BFF323F040}" dt="2022-05-26T16:59:33.205" v="647"/>
+        <pc:sldMkLst>
+          <pc:docMk/>
+          <pc:sldMk cId="4129783739" sldId="259"/>
+        </pc:sldMkLst>
+      </pc:sldChg>
+      <pc:sldChg chg="del">
+        <pc:chgData name="Ольга Платонова" userId="b7a68a3ec46e1b54" providerId="LiveId" clId="{1F07ACF5-96D4-4BB6-B0A8-48BFF323F040}" dt="2022-05-26T17:16:36.648" v="654" actId="47"/>
+        <pc:sldMkLst>
+          <pc:docMk/>
+          <pc:sldMk cId="3791205862" sldId="260"/>
+        </pc:sldMkLst>
+      </pc:sldChg>
+      <pc:sldChg chg="modSp mod">
+        <pc:chgData name="Ольга Платонова" userId="b7a68a3ec46e1b54" providerId="LiveId" clId="{1F07ACF5-96D4-4BB6-B0A8-48BFF323F040}" dt="2022-05-26T22:06:52.084" v="1936" actId="2"/>
+        <pc:sldMkLst>
+          <pc:docMk/>
+          <pc:sldMk cId="725503657" sldId="261"/>
+        </pc:sldMkLst>
+        <pc:graphicFrameChg chg="mod modGraphic">
+          <ac:chgData name="Ольга Платонова" userId="b7a68a3ec46e1b54" providerId="LiveId" clId="{1F07ACF5-96D4-4BB6-B0A8-48BFF323F040}" dt="2022-05-26T22:06:52.084" v="1936" actId="2"/>
+          <ac:graphicFrameMkLst>
+            <pc:docMk/>
+            <pc:sldMk cId="725503657" sldId="261"/>
+            <ac:graphicFrameMk id="12" creationId="{00000000-0000-0000-0000-000000000000}"/>
+          </ac:graphicFrameMkLst>
+        </pc:graphicFrameChg>
+      </pc:sldChg>
+      <pc:sldChg chg="addSp delSp modSp mod addCm modCm">
+        <pc:chgData name="Ольга Платонова" userId="b7a68a3ec46e1b54" providerId="LiveId" clId="{1F07ACF5-96D4-4BB6-B0A8-48BFF323F040}" dt="2022-05-26T22:06:47.017" v="1932" actId="2"/>
+        <pc:sldMkLst>
+          <pc:docMk/>
+          <pc:sldMk cId="3963753601" sldId="262"/>
+        </pc:sldMkLst>
+        <pc:spChg chg="mod">
+          <ac:chgData name="Ольга Платонова" userId="b7a68a3ec46e1b54" providerId="LiveId" clId="{1F07ACF5-96D4-4BB6-B0A8-48BFF323F040}" dt="2022-05-26T16:35:49.893" v="321" actId="255"/>
+          <ac:spMkLst>
+            <pc:docMk/>
+            <pc:sldMk cId="3963753601" sldId="262"/>
+            <ac:spMk id="4" creationId="{00000000-0000-0000-0000-000000000000}"/>
+          </ac:spMkLst>
+        </pc:spChg>
+        <pc:spChg chg="del mod">
+          <ac:chgData name="Ольга Платонова" userId="b7a68a3ec46e1b54" providerId="LiveId" clId="{1F07ACF5-96D4-4BB6-B0A8-48BFF323F040}" dt="2022-05-26T16:41:25.509" v="444" actId="478"/>
+          <ac:spMkLst>
+            <pc:docMk/>
+            <pc:sldMk cId="3963753601" sldId="262"/>
+            <ac:spMk id="6" creationId="{00000000-0000-0000-0000-000000000000}"/>
+          </ac:spMkLst>
+        </pc:spChg>
+        <pc:spChg chg="add mod">
+          <ac:chgData name="Ольга Платонова" userId="b7a68a3ec46e1b54" providerId="LiveId" clId="{1F07ACF5-96D4-4BB6-B0A8-48BFF323F040}" dt="2022-05-26T16:51:25.493" v="520" actId="20577"/>
+          <ac:spMkLst>
+            <pc:docMk/>
+            <pc:sldMk cId="3963753601" sldId="262"/>
+            <ac:spMk id="7" creationId="{75ADA113-DC39-6365-BA19-1217069D81E3}"/>
+          </ac:spMkLst>
+        </pc:spChg>
+        <pc:spChg chg="add del mod">
+          <ac:chgData name="Ольга Платонова" userId="b7a68a3ec46e1b54" providerId="LiveId" clId="{1F07ACF5-96D4-4BB6-B0A8-48BFF323F040}" dt="2022-05-26T15:26:38.239" v="189"/>
+          <ac:spMkLst>
+            <pc:docMk/>
+            <pc:sldMk cId="3963753601" sldId="262"/>
+            <ac:spMk id="8" creationId="{5139786E-E27D-12AE-6625-59D7791EE68A}"/>
+          </ac:spMkLst>
+        </pc:spChg>
+        <pc:spChg chg="add del mod">
+          <ac:chgData name="Ольга Платонова" userId="b7a68a3ec46e1b54" providerId="LiveId" clId="{1F07ACF5-96D4-4BB6-B0A8-48BFF323F040}" dt="2022-05-26T16:40:28.768" v="443" actId="478"/>
+          <ac:spMkLst>
+            <pc:docMk/>
+            <pc:sldMk cId="3963753601" sldId="262"/>
+            <ac:spMk id="9" creationId="{A36292CC-F290-4E8C-E32B-4C2A775620E8}"/>
+          </ac:spMkLst>
+        </pc:spChg>
+        <pc:spChg chg="add mod">
+          <ac:chgData name="Ольга Платонова" userId="b7a68a3ec46e1b54" providerId="LiveId" clId="{1F07ACF5-96D4-4BB6-B0A8-48BFF323F040}" dt="2022-05-26T16:41:45.184" v="455" actId="20577"/>
+          <ac:spMkLst>
+            <pc:docMk/>
+            <pc:sldMk cId="3963753601" sldId="262"/>
+            <ac:spMk id="11" creationId="{CC44C7D7-5CF8-B4B0-413C-EE04B11C1BFE}"/>
+          </ac:spMkLst>
+        </pc:spChg>
+        <pc:graphicFrameChg chg="mod">
+          <ac:chgData name="Ольга Платонова" userId="b7a68a3ec46e1b54" providerId="LiveId" clId="{1F07ACF5-96D4-4BB6-B0A8-48BFF323F040}" dt="2022-05-26T22:06:47.017" v="1932" actId="2"/>
+          <ac:graphicFrameMkLst>
+            <pc:docMk/>
+            <pc:sldMk cId="3963753601" sldId="262"/>
+            <ac:graphicFrameMk id="5" creationId="{00000000-0000-0000-0000-000000000000}"/>
+          </ac:graphicFrameMkLst>
+        </pc:graphicFrameChg>
+      </pc:sldChg>
+      <pc:sldChg chg="addSp delSp modSp mod">
+        <pc:chgData name="Ольга Платонова" userId="b7a68a3ec46e1b54" providerId="LiveId" clId="{1F07ACF5-96D4-4BB6-B0A8-48BFF323F040}" dt="2022-05-27T16:50:58.910" v="2003" actId="1076"/>
+        <pc:sldMkLst>
+          <pc:docMk/>
+          <pc:sldMk cId="877587620" sldId="263"/>
+        </pc:sldMkLst>
+        <pc:spChg chg="mod">
+          <ac:chgData name="Ольга Платонова" userId="b7a68a3ec46e1b54" providerId="LiveId" clId="{1F07ACF5-96D4-4BB6-B0A8-48BFF323F040}" dt="2022-05-26T20:39:04.915" v="1506" actId="403"/>
+          <ac:spMkLst>
+            <pc:docMk/>
+            <pc:sldMk cId="877587620" sldId="263"/>
+            <ac:spMk id="2" creationId="{00000000-0000-0000-0000-000000000000}"/>
+          </ac:spMkLst>
+        </pc:spChg>
+        <pc:spChg chg="mod">
+          <ac:chgData name="Ольга Платонова" userId="b7a68a3ec46e1b54" providerId="LiveId" clId="{1F07ACF5-96D4-4BB6-B0A8-48BFF323F040}" dt="2022-05-26T20:39:04.915" v="1506" actId="403"/>
+          <ac:spMkLst>
+            <pc:docMk/>
+            <pc:sldMk cId="877587620" sldId="263"/>
+            <ac:spMk id="4" creationId="{00000000-0000-0000-0000-000000000000}"/>
+          </ac:spMkLst>
+        </pc:spChg>
+        <pc:spChg chg="mod ord">
+          <ac:chgData name="Ольга Платонова" userId="b7a68a3ec46e1b54" providerId="LiveId" clId="{1F07ACF5-96D4-4BB6-B0A8-48BFF323F040}" dt="2022-05-27T16:50:58.910" v="2003" actId="1076"/>
+          <ac:spMkLst>
+            <pc:docMk/>
+            <pc:sldMk cId="877587620" sldId="263"/>
+            <ac:spMk id="7" creationId="{00000000-0000-0000-0000-000000000000}"/>
+          </ac:spMkLst>
+        </pc:spChg>
+        <pc:spChg chg="add mod">
+          <ac:chgData name="Ольга Платонова" userId="b7a68a3ec46e1b54" providerId="LiveId" clId="{1F07ACF5-96D4-4BB6-B0A8-48BFF323F040}" dt="2022-05-27T16:43:33.417" v="1957" actId="20577"/>
+          <ac:spMkLst>
+            <pc:docMk/>
+            <pc:sldMk cId="877587620" sldId="263"/>
+            <ac:spMk id="8" creationId="{7DBC9360-1F4E-7841-472D-FC7C20F22E72}"/>
+          </ac:spMkLst>
+        </pc:spChg>
+        <pc:spChg chg="add del mod">
+          <ac:chgData name="Ольга Платонова" userId="b7a68a3ec46e1b54" providerId="LiveId" clId="{1F07ACF5-96D4-4BB6-B0A8-48BFF323F040}" dt="2022-05-27T16:50:43.010" v="2001" actId="14100"/>
+          <ac:spMkLst>
+            <pc:docMk/>
+            <pc:sldMk cId="877587620" sldId="263"/>
+            <ac:spMk id="10" creationId="{972C0D04-B28F-4D66-1B20-0D7D0A28DBE8}"/>
+          </ac:spMkLst>
+        </pc:spChg>
+        <pc:picChg chg="add del mod">
+          <ac:chgData name="Ольга Платонова" userId="b7a68a3ec46e1b54" providerId="LiveId" clId="{1F07ACF5-96D4-4BB6-B0A8-48BFF323F040}" dt="2022-05-27T16:41:56.052" v="1949" actId="478"/>
+          <ac:picMkLst>
+            <pc:docMk/>
+            <pc:sldMk cId="877587620" sldId="263"/>
+            <ac:picMk id="9" creationId="{4CF74891-4459-35CD-3D74-3FCF4B47A64B}"/>
+          </ac:picMkLst>
+        </pc:picChg>
+        <pc:picChg chg="mod">
+          <ac:chgData name="Ольга Платонова" userId="b7a68a3ec46e1b54" providerId="LiveId" clId="{1F07ACF5-96D4-4BB6-B0A8-48BFF323F040}" dt="2022-05-27T16:50:32.982" v="2000" actId="1076"/>
+          <ac:picMkLst>
+            <pc:docMk/>
+            <pc:sldMk cId="877587620" sldId="263"/>
+            <ac:picMk id="12" creationId="{00000000-0000-0000-0000-000000000000}"/>
+          </ac:picMkLst>
+        </pc:picChg>
+      </pc:sldChg>
+      <pc:sldChg chg="addSp delSp modSp mod">
+        <pc:chgData name="Ольга Платонова" userId="b7a68a3ec46e1b54" providerId="LiveId" clId="{1F07ACF5-96D4-4BB6-B0A8-48BFF323F040}" dt="2022-05-26T22:08:19.897" v="1941" actId="20577"/>
+        <pc:sldMkLst>
+          <pc:docMk/>
+          <pc:sldMk cId="799910520" sldId="264"/>
+        </pc:sldMkLst>
+        <pc:spChg chg="mod">
+          <ac:chgData name="Ольга Платонова" userId="b7a68a3ec46e1b54" providerId="LiveId" clId="{1F07ACF5-96D4-4BB6-B0A8-48BFF323F040}" dt="2022-05-26T17:16:55.966" v="656" actId="255"/>
+          <ac:spMkLst>
+            <pc:docMk/>
+            <pc:sldMk cId="799910520" sldId="264"/>
+            <ac:spMk id="3" creationId="{00000000-0000-0000-0000-000000000000}"/>
+          </ac:spMkLst>
+        </pc:spChg>
+        <pc:spChg chg="mod">
+          <ac:chgData name="Ольга Платонова" userId="b7a68a3ec46e1b54" providerId="LiveId" clId="{1F07ACF5-96D4-4BB6-B0A8-48BFF323F040}" dt="2022-05-26T17:17:35.946" v="659" actId="27636"/>
+          <ac:spMkLst>
+            <pc:docMk/>
+            <pc:sldMk cId="799910520" sldId="264"/>
+            <ac:spMk id="4" creationId="{00000000-0000-0000-0000-000000000000}"/>
+          </ac:spMkLst>
+        </pc:spChg>
+        <pc:spChg chg="mod">
+          <ac:chgData name="Ольга Платонова" userId="b7a68a3ec46e1b54" providerId="LiveId" clId="{1F07ACF5-96D4-4BB6-B0A8-48BFF323F040}" dt="2022-05-26T22:06:49.661" v="1934" actId="2"/>
+          <ac:spMkLst>
+            <pc:docMk/>
+            <pc:sldMk cId="799910520" sldId="264"/>
+            <ac:spMk id="6" creationId="{00000000-0000-0000-0000-000000000000}"/>
+          </ac:spMkLst>
+        </pc:spChg>
+        <pc:spChg chg="add mod">
+          <ac:chgData name="Ольга Платонова" userId="b7a68a3ec46e1b54" providerId="LiveId" clId="{1F07ACF5-96D4-4BB6-B0A8-48BFF323F040}" dt="2022-05-26T18:39:41.447" v="756" actId="1076"/>
+          <ac:spMkLst>
+            <pc:docMk/>
+            <pc:sldMk cId="799910520" sldId="264"/>
+            <ac:spMk id="7" creationId="{299AFE98-52FE-A52C-5AA3-E27FFCAC0B49}"/>
+          </ac:spMkLst>
+        </pc:spChg>
+        <pc:spChg chg="add mod">
+          <ac:chgData name="Ольга Платонова" userId="b7a68a3ec46e1b54" providerId="LiveId" clId="{1F07ACF5-96D4-4BB6-B0A8-48BFF323F040}" dt="2022-05-26T22:08:19.897" v="1941" actId="20577"/>
+          <ac:spMkLst>
+            <pc:docMk/>
+            <pc:sldMk cId="799910520" sldId="264"/>
+            <ac:spMk id="9" creationId="{E8CCC8F9-6D00-9191-8FF9-18D822A7379C}"/>
+          </ac:spMkLst>
+        </pc:spChg>
+        <pc:spChg chg="add del mod">
+          <ac:chgData name="Ольга Платонова" userId="b7a68a3ec46e1b54" providerId="LiveId" clId="{1F07ACF5-96D4-4BB6-B0A8-48BFF323F040}" dt="2022-05-26T18:38:13.998" v="736"/>
+          <ac:spMkLst>
+            <pc:docMk/>
+            <pc:sldMk cId="799910520" sldId="264"/>
+            <ac:spMk id="11" creationId="{B7B47798-1220-BC70-A2E9-5CB5365A546B}"/>
+          </ac:spMkLst>
+        </pc:spChg>
+        <pc:picChg chg="del">
+          <ac:chgData name="Ольга Платонова" userId="b7a68a3ec46e1b54" providerId="LiveId" clId="{1F07ACF5-96D4-4BB6-B0A8-48BFF323F040}" dt="2022-05-26T17:18:42.080" v="661" actId="478"/>
+          <ac:picMkLst>
+            <pc:docMk/>
+            <pc:sldMk cId="799910520" sldId="264"/>
+            <ac:picMk id="5" creationId="{00000000-0000-0000-0000-000000000000}"/>
+          </ac:picMkLst>
+        </pc:picChg>
+        <pc:picChg chg="add del mod">
+          <ac:chgData name="Ольга Платонова" userId="b7a68a3ec46e1b54" providerId="LiveId" clId="{1F07ACF5-96D4-4BB6-B0A8-48BFF323F040}" dt="2022-05-26T18:30:47.024" v="711" actId="478"/>
+          <ac:picMkLst>
+            <pc:docMk/>
+            <pc:sldMk cId="799910520" sldId="264"/>
+            <ac:picMk id="12" creationId="{1FE48CFF-A097-C565-6D10-B338AC054F4A}"/>
+          </ac:picMkLst>
+        </pc:picChg>
+        <pc:picChg chg="add del mod">
+          <ac:chgData name="Ольга Платонова" userId="b7a68a3ec46e1b54" providerId="LiveId" clId="{1F07ACF5-96D4-4BB6-B0A8-48BFF323F040}" dt="2022-05-26T18:31:48.368" v="717" actId="478"/>
+          <ac:picMkLst>
+            <pc:docMk/>
+            <pc:sldMk cId="799910520" sldId="264"/>
+            <ac:picMk id="14" creationId="{C625A28C-B46E-0164-733D-0D4DB0F53DF7}"/>
+          </ac:picMkLst>
+        </pc:picChg>
+        <pc:picChg chg="add mod">
+          <ac:chgData name="Ольга Платонова" userId="b7a68a3ec46e1b54" providerId="LiveId" clId="{1F07ACF5-96D4-4BB6-B0A8-48BFF323F040}" dt="2022-05-26T18:32:07.707" v="719" actId="1076"/>
+          <ac:picMkLst>
+            <pc:docMk/>
+            <pc:sldMk cId="799910520" sldId="264"/>
+            <ac:picMk id="16" creationId="{CD9203DB-8F4F-E93F-5A6F-C503F006EAED}"/>
+          </ac:picMkLst>
+        </pc:picChg>
+        <pc:picChg chg="add del mod">
+          <ac:chgData name="Ольга Платонова" userId="b7a68a3ec46e1b54" providerId="LiveId" clId="{1F07ACF5-96D4-4BB6-B0A8-48BFF323F040}" dt="2022-05-26T18:37:17.247" v="724" actId="478"/>
+          <ac:picMkLst>
+            <pc:docMk/>
+            <pc:sldMk cId="799910520" sldId="264"/>
+            <ac:picMk id="18" creationId="{AB9D43C7-1C0A-51B3-54F5-63E4DB39DA6F}"/>
+          </ac:picMkLst>
+        </pc:picChg>
+      </pc:sldChg>
+      <pc:sldChg chg="addSp delSp modSp mod">
+        <pc:chgData name="Ольга Платонова" userId="b7a68a3ec46e1b54" providerId="LiveId" clId="{1F07ACF5-96D4-4BB6-B0A8-48BFF323F040}" dt="2022-05-26T20:39:47.997" v="1515" actId="1076"/>
+        <pc:sldMkLst>
+          <pc:docMk/>
+          <pc:sldMk cId="2402547047" sldId="266"/>
+        </pc:sldMkLst>
+        <pc:spChg chg="mod">
+          <ac:chgData name="Ольга Платонова" userId="b7a68a3ec46e1b54" providerId="LiveId" clId="{1F07ACF5-96D4-4BB6-B0A8-48BFF323F040}" dt="2022-05-26T19:14:24.195" v="1177"/>
+          <ac:spMkLst>
+            <pc:docMk/>
+            <pc:sldMk cId="2402547047" sldId="266"/>
+            <ac:spMk id="2" creationId="{00000000-0000-0000-0000-000000000000}"/>
+          </ac:spMkLst>
+        </pc:spChg>
+        <pc:spChg chg="mod">
+          <ac:chgData name="Ольга Платонова" userId="b7a68a3ec46e1b54" providerId="LiveId" clId="{1F07ACF5-96D4-4BB6-B0A8-48BFF323F040}" dt="2022-05-26T18:53:06.030" v="989" actId="404"/>
+          <ac:spMkLst>
+            <pc:docMk/>
+            <pc:sldMk cId="2402547047" sldId="266"/>
+            <ac:spMk id="4" creationId="{00000000-0000-0000-0000-000000000000}"/>
+          </ac:spMkLst>
+        </pc:spChg>
+        <pc:spChg chg="add mod">
+          <ac:chgData name="Ольга Платонова" userId="b7a68a3ec46e1b54" providerId="LiveId" clId="{1F07ACF5-96D4-4BB6-B0A8-48BFF323F040}" dt="2022-05-26T20:39:36.944" v="1512" actId="1076"/>
+          <ac:spMkLst>
+            <pc:docMk/>
+            <pc:sldMk cId="2402547047" sldId="266"/>
+            <ac:spMk id="9" creationId="{1FE68D13-743F-F616-0442-FAF37F19E36B}"/>
+          </ac:spMkLst>
+        </pc:spChg>
+        <pc:spChg chg="add mod">
+          <ac:chgData name="Ольга Платонова" userId="b7a68a3ec46e1b54" providerId="LiveId" clId="{1F07ACF5-96D4-4BB6-B0A8-48BFF323F040}" dt="2022-05-26T20:39:47.997" v="1515" actId="1076"/>
+          <ac:spMkLst>
+            <pc:docMk/>
+            <pc:sldMk cId="2402547047" sldId="266"/>
+            <ac:spMk id="10" creationId="{E47E263C-1F3B-9416-3057-6B5C3CF0FB10}"/>
+          </ac:spMkLst>
+        </pc:spChg>
+        <pc:picChg chg="add mod">
+          <ac:chgData name="Ольга Платонова" userId="b7a68a3ec46e1b54" providerId="LiveId" clId="{1F07ACF5-96D4-4BB6-B0A8-48BFF323F040}" dt="2022-05-26T19:24:47.172" v="1262" actId="1076"/>
+          <ac:picMkLst>
+            <pc:docMk/>
+            <pc:sldMk cId="2402547047" sldId="266"/>
+            <ac:picMk id="5" creationId="{4D2647A5-E8D1-FA06-87A1-E8C5442D0BD7}"/>
+          </ac:picMkLst>
+        </pc:picChg>
+        <pc:picChg chg="del">
+          <ac:chgData name="Ольга Платонова" userId="b7a68a3ec46e1b54" providerId="LiveId" clId="{1F07ACF5-96D4-4BB6-B0A8-48BFF323F040}" dt="2022-05-26T19:19:28.342" v="1180" actId="478"/>
+          <ac:picMkLst>
+            <pc:docMk/>
+            <pc:sldMk cId="2402547047" sldId="266"/>
+            <ac:picMk id="6" creationId="{7A41EB1B-E9A5-13F4-A182-E791E376A7AC}"/>
+          </ac:picMkLst>
+        </pc:picChg>
+        <pc:picChg chg="del mod">
+          <ac:chgData name="Ольга Платонова" userId="b7a68a3ec46e1b54" providerId="LiveId" clId="{1F07ACF5-96D4-4BB6-B0A8-48BFF323F040}" dt="2022-05-26T19:21:43.804" v="1257" actId="478"/>
+          <ac:picMkLst>
+            <pc:docMk/>
+            <pc:sldMk cId="2402547047" sldId="266"/>
+            <ac:picMk id="8" creationId="{057366AC-88EA-4947-318F-4132A582415E}"/>
+          </ac:picMkLst>
+        </pc:picChg>
+        <pc:picChg chg="add mod">
+          <ac:chgData name="Ольга Платонова" userId="b7a68a3ec46e1b54" providerId="LiveId" clId="{1F07ACF5-96D4-4BB6-B0A8-48BFF323F040}" dt="2022-05-26T19:24:59.535" v="1264" actId="1076"/>
+          <ac:picMkLst>
+            <pc:docMk/>
+            <pc:sldMk cId="2402547047" sldId="266"/>
+            <ac:picMk id="12" creationId="{9CEB407D-9E51-BBF1-2E0E-3B5485ECE3CE}"/>
+          </ac:picMkLst>
+        </pc:picChg>
+        <pc:cxnChg chg="add mod">
+          <ac:chgData name="Ольга Платонова" userId="b7a68a3ec46e1b54" providerId="LiveId" clId="{1F07ACF5-96D4-4BB6-B0A8-48BFF323F040}" dt="2022-05-26T19:25:18.495" v="1267" actId="13822"/>
+          <ac:cxnSpMkLst>
+            <pc:docMk/>
+            <pc:sldMk cId="2402547047" sldId="266"/>
+            <ac:cxnSpMk id="14" creationId="{8BF3890D-A7B0-CF9B-0C21-7A7B8BCE8E85}"/>
+          </ac:cxnSpMkLst>
+        </pc:cxnChg>
+      </pc:sldChg>
+      <pc:sldChg chg="addSp modSp mod">
+        <pc:chgData name="Ольга Платонова" userId="b7a68a3ec46e1b54" providerId="LiveId" clId="{1F07ACF5-96D4-4BB6-B0A8-48BFF323F040}" dt="2022-05-26T22:06:58.653" v="1937" actId="2"/>
+        <pc:sldMkLst>
+          <pc:docMk/>
+          <pc:sldMk cId="2523793028" sldId="267"/>
+        </pc:sldMkLst>
+        <pc:spChg chg="mod">
+          <ac:chgData name="Ольга Платонова" userId="b7a68a3ec46e1b54" providerId="LiveId" clId="{1F07ACF5-96D4-4BB6-B0A8-48BFF323F040}" dt="2022-05-26T19:45:32.129" v="1359" actId="2711"/>
+          <ac:spMkLst>
+            <pc:docMk/>
+            <pc:sldMk cId="2523793028" sldId="267"/>
+            <ac:spMk id="2" creationId="{30505BF2-F2EA-7304-42D9-E0BF2AB2CE95}"/>
+          </ac:spMkLst>
+        </pc:spChg>
+        <pc:spChg chg="mod">
+          <ac:chgData name="Ольга Платонова" userId="b7a68a3ec46e1b54" providerId="LiveId" clId="{1F07ACF5-96D4-4BB6-B0A8-48BFF323F040}" dt="2022-05-26T18:53:22.618" v="993" actId="403"/>
+          <ac:spMkLst>
+            <pc:docMk/>
+            <pc:sldMk cId="2523793028" sldId="267"/>
+            <ac:spMk id="4" creationId="{98046C4B-34C3-148D-1730-53705A1E856F}"/>
+          </ac:spMkLst>
+        </pc:spChg>
+        <pc:spChg chg="add mod">
+          <ac:chgData name="Ольга Платонова" userId="b7a68a3ec46e1b54" providerId="LiveId" clId="{1F07ACF5-96D4-4BB6-B0A8-48BFF323F040}" dt="2022-05-26T20:40:39.836" v="1525" actId="1076"/>
+          <ac:spMkLst>
+            <pc:docMk/>
+            <pc:sldMk cId="2523793028" sldId="267"/>
+            <ac:spMk id="6" creationId="{841A3843-FCC6-6434-4328-538236790DF0}"/>
+          </ac:spMkLst>
+        </pc:spChg>
+        <pc:graphicFrameChg chg="mod">
+          <ac:chgData name="Ольга Платонова" userId="b7a68a3ec46e1b54" providerId="LiveId" clId="{1F07ACF5-96D4-4BB6-B0A8-48BFF323F040}" dt="2022-05-26T22:06:58.653" v="1937" actId="2"/>
+          <ac:graphicFrameMkLst>
+            <pc:docMk/>
+            <pc:sldMk cId="2523793028" sldId="267"/>
+            <ac:graphicFrameMk id="5" creationId="{95A65DD9-1CAC-4A94-E8D3-61676FE2B0A4}"/>
+          </ac:graphicFrameMkLst>
+        </pc:graphicFrameChg>
+      </pc:sldChg>
+      <pc:sldChg chg="addSp delSp modSp mod">
+        <pc:chgData name="Ольга Платонова" userId="b7a68a3ec46e1b54" providerId="LiveId" clId="{1F07ACF5-96D4-4BB6-B0A8-48BFF323F040}" dt="2022-05-27T16:52:28.985" v="2004" actId="1076"/>
+        <pc:sldMkLst>
+          <pc:docMk/>
+          <pc:sldMk cId="60974364" sldId="268"/>
+        </pc:sldMkLst>
+        <pc:spChg chg="mod">
+          <ac:chgData name="Ольга Платонова" userId="b7a68a3ec46e1b54" providerId="LiveId" clId="{1F07ACF5-96D4-4BB6-B0A8-48BFF323F040}" dt="2022-05-26T19:48:06.824" v="1397" actId="2711"/>
+          <ac:spMkLst>
+            <pc:docMk/>
+            <pc:sldMk cId="60974364" sldId="268"/>
+            <ac:spMk id="2" creationId="{4C78D7F3-9124-6A66-4328-E2A1C351120A}"/>
+          </ac:spMkLst>
+        </pc:spChg>
+        <pc:spChg chg="del">
+          <ac:chgData name="Ольга Платонова" userId="b7a68a3ec46e1b54" providerId="LiveId" clId="{1F07ACF5-96D4-4BB6-B0A8-48BFF323F040}" dt="2022-05-26T19:48:11.732" v="1398" actId="478"/>
+          <ac:spMkLst>
+            <pc:docMk/>
+            <pc:sldMk cId="60974364" sldId="268"/>
+            <ac:spMk id="3" creationId="{C0E16824-5E25-37AB-DED0-961B0577D3C1}"/>
+          </ac:spMkLst>
+        </pc:spChg>
+        <pc:spChg chg="mod">
+          <ac:chgData name="Ольга Платонова" userId="b7a68a3ec46e1b54" providerId="LiveId" clId="{1F07ACF5-96D4-4BB6-B0A8-48BFF323F040}" dt="2022-05-26T18:53:28.842" v="997" actId="403"/>
+          <ac:spMkLst>
+            <pc:docMk/>
+            <pc:sldMk cId="60974364" sldId="268"/>
+            <ac:spMk id="4" creationId="{1DFEFE13-CFA3-FB79-36C8-6E9A56E8A614}"/>
+          </ac:spMkLst>
+        </pc:spChg>
+        <pc:spChg chg="add mod">
+          <ac:chgData name="Ольга Платонова" userId="b7a68a3ec46e1b54" providerId="LiveId" clId="{1F07ACF5-96D4-4BB6-B0A8-48BFF323F040}" dt="2022-05-27T16:52:28.985" v="2004" actId="1076"/>
+          <ac:spMkLst>
+            <pc:docMk/>
+            <pc:sldMk cId="60974364" sldId="268"/>
+            <ac:spMk id="7" creationId="{83653DF7-8A99-3665-B061-487A9119DB45}"/>
+          </ac:spMkLst>
+        </pc:spChg>
+        <pc:graphicFrameChg chg="mod">
+          <ac:chgData name="Ольга Платонова" userId="b7a68a3ec46e1b54" providerId="LiveId" clId="{1F07ACF5-96D4-4BB6-B0A8-48BFF323F040}" dt="2022-05-26T22:07:01.297" v="1938" actId="2"/>
+          <ac:graphicFrameMkLst>
+            <pc:docMk/>
+            <pc:sldMk cId="60974364" sldId="268"/>
+            <ac:graphicFrameMk id="5" creationId="{EBE3C923-F928-7B57-C79F-7A333B40D695}"/>
+          </ac:graphicFrameMkLst>
+        </pc:graphicFrameChg>
+      </pc:sldChg>
+      <pc:sldChg chg="addSp modSp mod">
+        <pc:chgData name="Ольга Платонова" userId="b7a68a3ec46e1b54" providerId="LiveId" clId="{1F07ACF5-96D4-4BB6-B0A8-48BFF323F040}" dt="2022-05-26T19:54:28.047" v="1448" actId="20577"/>
+        <pc:sldMkLst>
+          <pc:docMk/>
+          <pc:sldMk cId="249996658" sldId="269"/>
+        </pc:sldMkLst>
+        <pc:spChg chg="mod">
+          <ac:chgData name="Ольга Платонова" userId="b7a68a3ec46e1b54" providerId="LiveId" clId="{1F07ACF5-96D4-4BB6-B0A8-48BFF323F040}" dt="2022-05-26T19:50:36.827" v="1416" actId="2711"/>
+          <ac:spMkLst>
+            <pc:docMk/>
+            <pc:sldMk cId="249996658" sldId="269"/>
+            <ac:spMk id="2" creationId="{9532C2C3-E4BE-163C-72F9-D9CAD045A947}"/>
+          </ac:spMkLst>
+        </pc:spChg>
+        <pc:spChg chg="mod">
+          <ac:chgData name="Ольга Платонова" userId="b7a68a3ec46e1b54" providerId="LiveId" clId="{1F07ACF5-96D4-4BB6-B0A8-48BFF323F040}" dt="2022-05-26T18:54:47.011" v="1015" actId="403"/>
+          <ac:spMkLst>
+            <pc:docMk/>
+            <pc:sldMk cId="249996658" sldId="269"/>
+            <ac:spMk id="4" creationId="{E44336FF-BC33-7F78-9784-D11B5478C01B}"/>
+          </ac:spMkLst>
+        </pc:spChg>
+        <pc:spChg chg="add mod">
+          <ac:chgData name="Ольга Платонова" userId="b7a68a3ec46e1b54" providerId="LiveId" clId="{1F07ACF5-96D4-4BB6-B0A8-48BFF323F040}" dt="2022-05-26T19:54:28.047" v="1448" actId="20577"/>
+          <ac:spMkLst>
+            <pc:docMk/>
+            <pc:sldMk cId="249996658" sldId="269"/>
+            <ac:spMk id="6" creationId="{CAA3A705-E47D-C243-26D0-987134F29618}"/>
+          </ac:spMkLst>
+        </pc:spChg>
+        <pc:graphicFrameChg chg="mod modGraphic">
+          <ac:chgData name="Ольга Платонова" userId="b7a68a3ec46e1b54" providerId="LiveId" clId="{1F07ACF5-96D4-4BB6-B0A8-48BFF323F040}" dt="2022-05-26T19:54:02.357" v="1437" actId="1076"/>
+          <ac:graphicFrameMkLst>
+            <pc:docMk/>
+            <pc:sldMk cId="249996658" sldId="269"/>
+            <ac:graphicFrameMk id="5" creationId="{3A77AE66-D4B3-9651-BDDA-11203D4C2BF2}"/>
+          </ac:graphicFrameMkLst>
+        </pc:graphicFrameChg>
+      </pc:sldChg>
+      <pc:sldChg chg="addSp modSp mod">
+        <pc:chgData name="Ольга Платонова" userId="b7a68a3ec46e1b54" providerId="LiveId" clId="{1F07ACF5-96D4-4BB6-B0A8-48BFF323F040}" dt="2022-05-26T22:06:38.900" v="1929" actId="2"/>
+        <pc:sldMkLst>
+          <pc:docMk/>
+          <pc:sldMk cId="303095163" sldId="270"/>
+        </pc:sldMkLst>
+        <pc:spChg chg="mod">
+          <ac:chgData name="Ольга Платонова" userId="b7a68a3ec46e1b54" providerId="LiveId" clId="{1F07ACF5-96D4-4BB6-B0A8-48BFF323F040}" dt="2022-05-26T20:36:06.904" v="1449" actId="2711"/>
+          <ac:spMkLst>
+            <pc:docMk/>
+            <pc:sldMk cId="303095163" sldId="270"/>
+            <ac:spMk id="2" creationId="{1D36A2B7-D852-C543-6D37-420E736F51A9}"/>
+          </ac:spMkLst>
+        </pc:spChg>
+        <pc:spChg chg="mod">
+          <ac:chgData name="Ольга Платонова" userId="b7a68a3ec46e1b54" providerId="LiveId" clId="{1F07ACF5-96D4-4BB6-B0A8-48BFF323F040}" dt="2022-05-26T22:06:37.791" v="1928" actId="2"/>
+          <ac:spMkLst>
+            <pc:docMk/>
+            <pc:sldMk cId="303095163" sldId="270"/>
+            <ac:spMk id="3" creationId="{41F6EEFA-EC25-8EE4-A90E-5B607A704E5A}"/>
+          </ac:spMkLst>
+        </pc:spChg>
+        <pc:spChg chg="mod">
+          <ac:chgData name="Ольга Платонова" userId="b7a68a3ec46e1b54" providerId="LiveId" clId="{1F07ACF5-96D4-4BB6-B0A8-48BFF323F040}" dt="2022-05-26T18:54:39.360" v="1011" actId="403"/>
+          <ac:spMkLst>
+            <pc:docMk/>
+            <pc:sldMk cId="303095163" sldId="270"/>
+            <ac:spMk id="4" creationId="{7B36AD4C-CEF1-8305-1FE2-6761C70C9193}"/>
+          </ac:spMkLst>
+        </pc:spChg>
+        <pc:spChg chg="add mod">
+          <ac:chgData name="Ольга Платонова" userId="b7a68a3ec46e1b54" providerId="LiveId" clId="{1F07ACF5-96D4-4BB6-B0A8-48BFF323F040}" dt="2022-05-26T22:06:38.900" v="1929" actId="2"/>
+          <ac:spMkLst>
+            <pc:docMk/>
+            <pc:sldMk cId="303095163" sldId="270"/>
+            <ac:spMk id="6" creationId="{FBF91DF1-CFD0-DBDA-7850-6C58D17F8C53}"/>
+          </ac:spMkLst>
+        </pc:spChg>
+        <pc:spChg chg="add mod">
+          <ac:chgData name="Ольга Платонова" userId="b7a68a3ec46e1b54" providerId="LiveId" clId="{1F07ACF5-96D4-4BB6-B0A8-48BFF323F040}" dt="2022-05-26T20:51:55.558" v="1769" actId="20577"/>
+          <ac:spMkLst>
+            <pc:docMk/>
+            <pc:sldMk cId="303095163" sldId="270"/>
+            <ac:spMk id="8" creationId="{3769DCA8-E747-35F1-1DB0-4332AE0F59BB}"/>
+          </ac:spMkLst>
+        </pc:spChg>
+      </pc:sldChg>
+      <pc:sldChg chg="modSp mod">
+        <pc:chgData name="Ольга Платонова" userId="b7a68a3ec46e1b54" providerId="LiveId" clId="{1F07ACF5-96D4-4BB6-B0A8-48BFF323F040}" dt="2022-05-26T22:06:39.760" v="1930" actId="2"/>
+        <pc:sldMkLst>
+          <pc:docMk/>
+          <pc:sldMk cId="1859900911" sldId="271"/>
+        </pc:sldMkLst>
+        <pc:spChg chg="mod">
+          <ac:chgData name="Ольга Платонова" userId="b7a68a3ec46e1b54" providerId="LiveId" clId="{1F07ACF5-96D4-4BB6-B0A8-48BFF323F040}" dt="2022-05-26T20:46:56.982" v="1614" actId="2711"/>
+          <ac:spMkLst>
+            <pc:docMk/>
+            <pc:sldMk cId="1859900911" sldId="271"/>
+            <ac:spMk id="2" creationId="{A49FDCF9-33F6-9A58-163D-3B9793758077}"/>
+          </ac:spMkLst>
+        </pc:spChg>
+        <pc:spChg chg="mod">
+          <ac:chgData name="Ольга Платонова" userId="b7a68a3ec46e1b54" providerId="LiveId" clId="{1F07ACF5-96D4-4BB6-B0A8-48BFF323F040}" dt="2022-05-26T22:06:39.760" v="1930" actId="2"/>
+          <ac:spMkLst>
+            <pc:docMk/>
+            <pc:sldMk cId="1859900911" sldId="271"/>
+            <ac:spMk id="3" creationId="{50A45DFC-5C05-BD2C-A832-FB0FB2A944F4}"/>
+          </ac:spMkLst>
+        </pc:spChg>
+        <pc:spChg chg="mod">
+          <ac:chgData name="Ольга Платонова" userId="b7a68a3ec46e1b54" providerId="LiveId" clId="{1F07ACF5-96D4-4BB6-B0A8-48BFF323F040}" dt="2022-05-26T18:54:32.515" v="1007" actId="403"/>
+          <ac:spMkLst>
+            <pc:docMk/>
+            <pc:sldMk cId="1859900911" sldId="271"/>
+            <ac:spMk id="4" creationId="{BC21034C-333E-7EA2-09FA-D525BF192B74}"/>
+          </ac:spMkLst>
+        </pc:spChg>
+      </pc:sldChg>
+      <pc:sldChg chg="addSp delSp modSp add mod delCm modCm">
+        <pc:chgData name="Ольга Платонова" userId="b7a68a3ec46e1b54" providerId="LiveId" clId="{1F07ACF5-96D4-4BB6-B0A8-48BFF323F040}" dt="2022-05-26T22:06:48.268" v="1933" actId="2"/>
+        <pc:sldMkLst>
+          <pc:docMk/>
+          <pc:sldMk cId="612401859" sldId="272"/>
+        </pc:sldMkLst>
+        <pc:spChg chg="mod">
+          <ac:chgData name="Ольга Платонова" userId="b7a68a3ec46e1b54" providerId="LiveId" clId="{1F07ACF5-96D4-4BB6-B0A8-48BFF323F040}" dt="2022-05-26T16:43:41.433" v="485" actId="20577"/>
+          <ac:spMkLst>
+            <pc:docMk/>
+            <pc:sldMk cId="612401859" sldId="272"/>
+            <ac:spMk id="2" creationId="{00000000-0000-0000-0000-000000000000}"/>
+          </ac:spMkLst>
+        </pc:spChg>
+        <pc:spChg chg="add del mod">
+          <ac:chgData name="Ольга Платонова" userId="b7a68a3ec46e1b54" providerId="LiveId" clId="{1F07ACF5-96D4-4BB6-B0A8-48BFF323F040}" dt="2022-05-26T16:43:56.748" v="488" actId="478"/>
+          <ac:spMkLst>
+            <pc:docMk/>
+            <pc:sldMk cId="612401859" sldId="272"/>
+            <ac:spMk id="6" creationId="{5DA579B4-9F9E-0BA7-26C2-17A6E855ED11}"/>
+          </ac:spMkLst>
+        </pc:spChg>
+        <pc:spChg chg="del">
+          <ac:chgData name="Ольга Платонова" userId="b7a68a3ec46e1b54" providerId="LiveId" clId="{1F07ACF5-96D4-4BB6-B0A8-48BFF323F040}" dt="2022-05-26T16:43:58.989" v="489" actId="478"/>
+          <ac:spMkLst>
+            <pc:docMk/>
+            <pc:sldMk cId="612401859" sldId="272"/>
+            <ac:spMk id="7" creationId="{75ADA113-DC39-6365-BA19-1217069D81E3}"/>
+          </ac:spMkLst>
+        </pc:spChg>
+        <pc:spChg chg="add del">
+          <ac:chgData name="Ольга Платонова" userId="b7a68a3ec46e1b54" providerId="LiveId" clId="{1F07ACF5-96D4-4BB6-B0A8-48BFF323F040}" dt="2022-05-26T16:44:23.394" v="494" actId="22"/>
+          <ac:spMkLst>
+            <pc:docMk/>
+            <pc:sldMk cId="612401859" sldId="272"/>
+            <ac:spMk id="10" creationId="{9417DCC0-1BB7-2A9C-3A3E-F78B567E0438}"/>
+          </ac:spMkLst>
+        </pc:spChg>
+        <pc:spChg chg="del">
+          <ac:chgData name="Ольга Платонова" userId="b7a68a3ec46e1b54" providerId="LiveId" clId="{1F07ACF5-96D4-4BB6-B0A8-48BFF323F040}" dt="2022-05-26T16:44:00.246" v="490" actId="478"/>
+          <ac:spMkLst>
+            <pc:docMk/>
+            <pc:sldMk cId="612401859" sldId="272"/>
+            <ac:spMk id="11" creationId="{CC44C7D7-5CF8-B4B0-413C-EE04B11C1BFE}"/>
+          </ac:spMkLst>
+        </pc:spChg>
+        <pc:spChg chg="add del mod">
+          <ac:chgData name="Ольга Платонова" userId="b7a68a3ec46e1b54" providerId="LiveId" clId="{1F07ACF5-96D4-4BB6-B0A8-48BFF323F040}" dt="2022-05-26T16:55:20.556" v="616" actId="478"/>
+          <ac:spMkLst>
+            <pc:docMk/>
+            <pc:sldMk cId="612401859" sldId="272"/>
+            <ac:spMk id="13" creationId="{3458F0EB-DE85-4C9B-D93E-68728FD3E221}"/>
+          </ac:spMkLst>
+        </pc:spChg>
+        <pc:spChg chg="add mod">
+          <ac:chgData name="Ольга Платонова" userId="b7a68a3ec46e1b54" providerId="LiveId" clId="{1F07ACF5-96D4-4BB6-B0A8-48BFF323F040}" dt="2022-05-26T22:06:48.268" v="1933" actId="2"/>
+          <ac:spMkLst>
+            <pc:docMk/>
+            <pc:sldMk cId="612401859" sldId="272"/>
+            <ac:spMk id="15" creationId="{E667541D-299D-41CF-3769-143D6E9120DA}"/>
+          </ac:spMkLst>
+        </pc:spChg>
+        <pc:spChg chg="add mod">
+          <ac:chgData name="Ольга Платонова" userId="b7a68a3ec46e1b54" providerId="LiveId" clId="{1F07ACF5-96D4-4BB6-B0A8-48BFF323F040}" dt="2022-05-26T20:38:08.659" v="1498" actId="403"/>
+          <ac:spMkLst>
+            <pc:docMk/>
+            <pc:sldMk cId="612401859" sldId="272"/>
+            <ac:spMk id="16" creationId="{F41FA174-3753-2090-6794-E33199A1DF5B}"/>
+          </ac:spMkLst>
+        </pc:spChg>
+        <pc:graphicFrameChg chg="del">
+          <ac:chgData name="Ольга Платонова" userId="b7a68a3ec46e1b54" providerId="LiveId" clId="{1F07ACF5-96D4-4BB6-B0A8-48BFF323F040}" dt="2022-05-26T16:43:51.051" v="487" actId="478"/>
+          <ac:graphicFrameMkLst>
+            <pc:docMk/>
+            <pc:sldMk cId="612401859" sldId="272"/>
+            <ac:graphicFrameMk id="5" creationId="{00000000-0000-0000-0000-000000000000}"/>
+          </ac:graphicFrameMkLst>
+        </pc:graphicFrameChg>
+        <pc:graphicFrameChg chg="add mod modGraphic">
+          <ac:chgData name="Ольга Платонова" userId="b7a68a3ec46e1b54" providerId="LiveId" clId="{1F07ACF5-96D4-4BB6-B0A8-48BFF323F040}" dt="2022-05-26T17:00:23.267" v="652" actId="1076"/>
+          <ac:graphicFrameMkLst>
+            <pc:docMk/>
+            <pc:sldMk cId="612401859" sldId="272"/>
+            <ac:graphicFrameMk id="9" creationId="{760CD65D-A072-B8A1-B0E7-A274661AF3DE}"/>
+          </ac:graphicFrameMkLst>
+        </pc:graphicFrameChg>
+      </pc:sldChg>
+      <pc:sldChg chg="add del">
+        <pc:chgData name="Ольга Платонова" userId="b7a68a3ec46e1b54" providerId="LiveId" clId="{1F07ACF5-96D4-4BB6-B0A8-48BFF323F040}" dt="2022-05-26T16:35:28.487" v="319" actId="47"/>
+        <pc:sldMkLst>
+          <pc:docMk/>
+          <pc:sldMk cId="1024388224" sldId="272"/>
+        </pc:sldMkLst>
+      </pc:sldChg>
+      <pc:sldChg chg="new del">
+        <pc:chgData name="Ольга Платонова" userId="b7a68a3ec46e1b54" providerId="LiveId" clId="{1F07ACF5-96D4-4BB6-B0A8-48BFF323F040}" dt="2022-05-26T15:38:13.667" v="225" actId="47"/>
+        <pc:sldMkLst>
+          <pc:docMk/>
+          <pc:sldMk cId="2846990305" sldId="272"/>
+        </pc:sldMkLst>
+      </pc:sldChg>
+      <pc:sldChg chg="addSp delSp modSp add mod">
+        <pc:chgData name="Ольга Платонова" userId="b7a68a3ec46e1b54" providerId="LiveId" clId="{1F07ACF5-96D4-4BB6-B0A8-48BFF323F040}" dt="2022-05-26T19:12:55.578" v="1176" actId="20577"/>
+        <pc:sldMkLst>
+          <pc:docMk/>
+          <pc:sldMk cId="3515134166" sldId="273"/>
+        </pc:sldMkLst>
+        <pc:spChg chg="mod">
+          <ac:chgData name="Ольга Платонова" userId="b7a68a3ec46e1b54" providerId="LiveId" clId="{1F07ACF5-96D4-4BB6-B0A8-48BFF323F040}" dt="2022-05-26T19:12:55.578" v="1176" actId="20577"/>
+          <ac:spMkLst>
+            <pc:docMk/>
+            <pc:sldMk cId="3515134166" sldId="273"/>
+            <ac:spMk id="2" creationId="{00000000-0000-0000-0000-000000000000}"/>
+          </ac:spMkLst>
+        </pc:spChg>
+        <pc:spChg chg="del">
+          <ac:chgData name="Ольга Платонова" userId="b7a68a3ec46e1b54" providerId="LiveId" clId="{1F07ACF5-96D4-4BB6-B0A8-48BFF323F040}" dt="2022-05-26T18:58:34.964" v="1018" actId="478"/>
+          <ac:spMkLst>
+            <pc:docMk/>
+            <pc:sldMk cId="3515134166" sldId="273"/>
+            <ac:spMk id="7" creationId="{00000000-0000-0000-0000-000000000000}"/>
+          </ac:spMkLst>
+        </pc:spChg>
+        <pc:picChg chg="add mod">
+          <ac:chgData name="Ольга Платонова" userId="b7a68a3ec46e1b54" providerId="LiveId" clId="{1F07ACF5-96D4-4BB6-B0A8-48BFF323F040}" dt="2022-05-26T19:01:04.040" v="1027" actId="1076"/>
+          <ac:picMkLst>
+            <pc:docMk/>
+            <pc:sldMk cId="3515134166" sldId="273"/>
+            <ac:picMk id="6" creationId="{8252D084-9FBF-C0CD-6906-61B429838B10}"/>
+          </ac:picMkLst>
+        </pc:picChg>
+        <pc:picChg chg="del">
+          <ac:chgData name="Ольга Платонова" userId="b7a68a3ec46e1b54" providerId="LiveId" clId="{1F07ACF5-96D4-4BB6-B0A8-48BFF323F040}" dt="2022-05-26T18:58:32.917" v="1017" actId="478"/>
+          <ac:picMkLst>
+            <pc:docMk/>
+            <pc:sldMk cId="3515134166" sldId="273"/>
+            <ac:picMk id="12" creationId="{00000000-0000-0000-0000-000000000000}"/>
+          </ac:picMkLst>
+        </pc:picChg>
+      </pc:sldChg>
+      <pc:sldChg chg="modSp new del mod">
+        <pc:chgData name="Ольга Платонова" userId="b7a68a3ec46e1b54" providerId="LiveId" clId="{1F07ACF5-96D4-4BB6-B0A8-48BFF323F040}" dt="2022-05-26T19:27:51.194" v="1276" actId="47"/>
+        <pc:sldMkLst>
+          <pc:docMk/>
+          <pc:sldMk cId="2608277346" sldId="274"/>
+        </pc:sldMkLst>
+        <pc:spChg chg="mod">
+          <ac:chgData name="Ольга Платонова" userId="b7a68a3ec46e1b54" providerId="LiveId" clId="{1F07ACF5-96D4-4BB6-B0A8-48BFF323F040}" dt="2022-05-26T19:27:48.614" v="1275" actId="20577"/>
+          <ac:spMkLst>
+            <pc:docMk/>
+            <pc:sldMk cId="2608277346" sldId="274"/>
+            <ac:spMk id="2" creationId="{C2E85ED1-CAE4-8A1F-6AF1-0DAF72C908A8}"/>
+          </ac:spMkLst>
+        </pc:spChg>
+      </pc:sldChg>
+      <pc:sldChg chg="addSp delSp modSp add mod">
+        <pc:chgData name="Ольга Платонова" userId="b7a68a3ec46e1b54" providerId="LiveId" clId="{1F07ACF5-96D4-4BB6-B0A8-48BFF323F040}" dt="2022-05-26T20:54:06.678" v="1833" actId="403"/>
+        <pc:sldMkLst>
+          <pc:docMk/>
+          <pc:sldMk cId="2983278968" sldId="274"/>
+        </pc:sldMkLst>
+        <pc:spChg chg="mod">
+          <ac:chgData name="Ольга Платонова" userId="b7a68a3ec46e1b54" providerId="LiveId" clId="{1F07ACF5-96D4-4BB6-B0A8-48BFF323F040}" dt="2022-05-26T19:28:07.169" v="1303" actId="20577"/>
+          <ac:spMkLst>
+            <pc:docMk/>
+            <pc:sldMk cId="2983278968" sldId="274"/>
+            <ac:spMk id="2" creationId="{00000000-0000-0000-0000-000000000000}"/>
+          </ac:spMkLst>
+        </pc:spChg>
+        <pc:spChg chg="del mod">
+          <ac:chgData name="Ольга Платонова" userId="b7a68a3ec46e1b54" providerId="LiveId" clId="{1F07ACF5-96D4-4BB6-B0A8-48BFF323F040}" dt="2022-05-26T19:28:17.861" v="1309" actId="478"/>
+          <ac:spMkLst>
+            <pc:docMk/>
+            <pc:sldMk cId="2983278968" sldId="274"/>
+            <ac:spMk id="9" creationId="{1FE68D13-743F-F616-0442-FAF37F19E36B}"/>
+          </ac:spMkLst>
+        </pc:spChg>
+        <pc:spChg chg="del">
+          <ac:chgData name="Ольга Платонова" userId="b7a68a3ec46e1b54" providerId="LiveId" clId="{1F07ACF5-96D4-4BB6-B0A8-48BFF323F040}" dt="2022-05-26T19:28:16.690" v="1308" actId="478"/>
+          <ac:spMkLst>
+            <pc:docMk/>
+            <pc:sldMk cId="2983278968" sldId="274"/>
+            <ac:spMk id="10" creationId="{E47E263C-1F3B-9416-3057-6B5C3CF0FB10}"/>
+          </ac:spMkLst>
+        </pc:spChg>
+        <pc:spChg chg="add mod">
+          <ac:chgData name="Ольга Платонова" userId="b7a68a3ec46e1b54" providerId="LiveId" clId="{1F07ACF5-96D4-4BB6-B0A8-48BFF323F040}" dt="2022-05-26T20:54:06.678" v="1833" actId="403"/>
+          <ac:spMkLst>
+            <pc:docMk/>
+            <pc:sldMk cId="2983278968" sldId="274"/>
+            <ac:spMk id="11" creationId="{7836B703-A15B-F8DB-7358-B718129E9057}"/>
+          </ac:spMkLst>
+        </pc:spChg>
+        <pc:spChg chg="add mod">
+          <ac:chgData name="Ольга Платонова" userId="b7a68a3ec46e1b54" providerId="LiveId" clId="{1F07ACF5-96D4-4BB6-B0A8-48BFF323F040}" dt="2022-05-26T20:53:48.270" v="1830" actId="14100"/>
+          <ac:spMkLst>
+            <pc:docMk/>
+            <pc:sldMk cId="2983278968" sldId="274"/>
+            <ac:spMk id="13" creationId="{75C268BE-EBCD-D386-B29A-DA86B97AAF5F}"/>
+          </ac:spMkLst>
+        </pc:spChg>
+        <pc:spChg chg="add mod">
+          <ac:chgData name="Ольга Платонова" userId="b7a68a3ec46e1b54" providerId="LiveId" clId="{1F07ACF5-96D4-4BB6-B0A8-48BFF323F040}" dt="2022-05-26T20:53:32.982" v="1827" actId="1076"/>
+          <ac:spMkLst>
+            <pc:docMk/>
+            <pc:sldMk cId="2983278968" sldId="274"/>
+            <ac:spMk id="15" creationId="{EE4BDA59-6624-E083-F891-6228D700CBF5}"/>
+          </ac:spMkLst>
+        </pc:spChg>
+        <pc:picChg chg="del">
+          <ac:chgData name="Ольга Платонова" userId="b7a68a3ec46e1b54" providerId="LiveId" clId="{1F07ACF5-96D4-4BB6-B0A8-48BFF323F040}" dt="2022-05-26T19:28:11.891" v="1304" actId="478"/>
+          <ac:picMkLst>
+            <pc:docMk/>
+            <pc:sldMk cId="2983278968" sldId="274"/>
+            <ac:picMk id="5" creationId="{4D2647A5-E8D1-FA06-87A1-E8C5442D0BD7}"/>
+          </ac:picMkLst>
+        </pc:picChg>
+        <pc:picChg chg="del">
+          <ac:chgData name="Ольга Платонова" userId="b7a68a3ec46e1b54" providerId="LiveId" clId="{1F07ACF5-96D4-4BB6-B0A8-48BFF323F040}" dt="2022-05-26T19:28:12.953" v="1305" actId="478"/>
+          <ac:picMkLst>
+            <pc:docMk/>
+            <pc:sldMk cId="2983278968" sldId="274"/>
+            <ac:picMk id="12" creationId="{9CEB407D-9E51-BBF1-2E0E-3B5485ECE3CE}"/>
+          </ac:picMkLst>
+        </pc:picChg>
+        <pc:cxnChg chg="del">
+          <ac:chgData name="Ольга Платонова" userId="b7a68a3ec46e1b54" providerId="LiveId" clId="{1F07ACF5-96D4-4BB6-B0A8-48BFF323F040}" dt="2022-05-26T19:28:14.235" v="1306" actId="478"/>
+          <ac:cxnSpMkLst>
+            <pc:docMk/>
+            <pc:sldMk cId="2983278968" sldId="274"/>
+            <ac:cxnSpMk id="14" creationId="{8BF3890D-A7B0-CF9B-0C21-7A7B8BCE8E85}"/>
+          </ac:cxnSpMkLst>
+        </pc:cxnChg>
+      </pc:sldChg>
+      <pc:sldChg chg="add del">
+        <pc:chgData name="Ольга Платонова" userId="b7a68a3ec46e1b54" providerId="LiveId" clId="{1F07ACF5-96D4-4BB6-B0A8-48BFF323F040}" dt="2022-05-26T19:43:30.794" v="1311"/>
+        <pc:sldMkLst>
+          <pc:docMk/>
+          <pc:sldMk cId="1059064788" sldId="275"/>
+        </pc:sldMkLst>
+      </pc:sldChg>
+    </pc:docChg>
+  </pc:docChgLst>
   <pc:docChgLst>
     <pc:chgData name="Ольга Платонова" userId="b7a68a3ec46e1b54" providerId="LiveId" clId="{69C37FF1-3A42-438E-A961-1DE13AE723BC}"/>
     <pc:docChg chg="undo custSel modSld">
@@ -215,7 +1061,7 @@
               </a:defRPr>
             </a:pPr>
             <a:r>
-              <a:rPr lang="ru-RU"/>
+              <a:rPr lang="ru-RU" dirty="0"/>
               <a:t>Время работы запросов при 100000 записях в базе данных</a:t>
             </a:r>
           </a:p>
@@ -464,7 +1310,7 @@
                   </a:defRPr>
                 </a:pPr>
                 <a:r>
-                  <a:rPr lang="ru-RU"/>
+                  <a:rPr lang="ru-RU" dirty="0"/>
                   <a:t>Количество потоков</a:t>
                 </a:r>
               </a:p>
@@ -575,8 +1421,8 @@
                   </a:defRPr>
                 </a:pPr>
                 <a:r>
-                  <a:rPr lang="ru-RU"/>
-                  <a:t>Время работы, с</a:t>
+                  <a:rPr lang="ru-RU" dirty="0"/>
+                  <a:t>Время работы, мс</a:t>
                 </a:r>
               </a:p>
             </c:rich>
@@ -751,15 +1597,15 @@
               </a:defRPr>
             </a:pPr>
             <a:r>
-              <a:rPr lang="ru-RU"/>
+              <a:rPr lang="ru-RU" dirty="0"/>
               <a:t>Зависимость времени работы различных</a:t>
             </a:r>
             <a:r>
-              <a:rPr lang="ru-RU" baseline="0"/>
+              <a:rPr lang="ru-RU" baseline="0" dirty="0"/>
               <a:t> реализаций от количества соединений к БД</a:t>
             </a:r>
             <a:r>
-              <a:rPr lang="ru-RU"/>
+              <a:rPr lang="ru-RU" dirty="0"/>
               <a:t> </a:t>
             </a:r>
           </a:p>
@@ -1256,15 +2102,15 @@
                   </a:defRPr>
                 </a:pPr>
                 <a:r>
-                  <a:rPr lang="ru-RU"/>
+                  <a:rPr lang="ru-RU" dirty="0"/>
                   <a:t>Число соединений</a:t>
                 </a:r>
                 <a:r>
-                  <a:rPr lang="en-US"/>
+                  <a:rPr lang="en-US" dirty="0"/>
                   <a:t>, </a:t>
                 </a:r>
                 <a:r>
-                  <a:rPr lang="ru-RU"/>
+                  <a:rPr lang="ru-RU" dirty="0"/>
                   <a:t>шт</a:t>
                 </a:r>
               </a:p>
@@ -1384,10 +2230,10 @@
                   </a:defRPr>
                 </a:pPr>
                 <a:r>
-                  <a:rPr lang="ru-RU"/>
+                  <a:rPr lang="ru-RU" dirty="0"/>
                   <a:t>Время, с</a:t>
                 </a:r>
-                <a:endParaRPr lang="en-US"/>
+                <a:endParaRPr lang="en-US" dirty="0"/>
               </a:p>
               <a:p>
                 <a:pPr>
@@ -1403,7 +2249,7 @@
                     <a:cs typeface="+mn-cs"/>
                   </a:defRPr>
                 </a:pPr>
-                <a:endParaRPr lang="ru-RU"/>
+                <a:endParaRPr lang="ru-RU" dirty="0"/>
               </a:p>
             </c:rich>
           </c:tx>
@@ -1585,11 +2431,11 @@
               </a:defRPr>
             </a:pPr>
             <a:r>
-              <a:rPr lang="ru-RU"/>
+              <a:rPr lang="ru-RU" dirty="0"/>
               <a:t>Сравнение времени работы метода</a:t>
             </a:r>
             <a:r>
-              <a:rPr lang="ru-RU" baseline="0"/>
+              <a:rPr lang="ru-RU" baseline="0" dirty="0"/>
               <a:t> и пула соединений</a:t>
             </a:r>
           </a:p>
@@ -2104,7 +2950,7 @@
                   </a:defRPr>
                 </a:pPr>
                 <a:r>
-                  <a:rPr lang="ru-RU"/>
+                  <a:rPr lang="ru-RU" dirty="0"/>
                   <a:t>Число соединений, шт</a:t>
                 </a:r>
               </a:p>
@@ -2224,14 +3070,14 @@
                   </a:defRPr>
                 </a:pPr>
                 <a:r>
-                  <a:rPr lang="ru-RU"/>
+                  <a:rPr lang="ru-RU" dirty="0"/>
                   <a:t>Время,</a:t>
                 </a:r>
                 <a:r>
-                  <a:rPr lang="ru-RU" baseline="0"/>
+                  <a:rPr lang="ru-RU" baseline="0" dirty="0"/>
                   <a:t> с</a:t>
                 </a:r>
-                <a:endParaRPr lang="ru-RU"/>
+                <a:endParaRPr lang="ru-RU" dirty="0"/>
               </a:p>
             </c:rich>
           </c:tx>
@@ -4012,7 +4858,19 @@
 <p:cmLst xmlns:a="http://schemas.openxmlformats.org/drawingml/2006/main" xmlns:r="http://schemas.openxmlformats.org/officeDocument/2006/relationships" xmlns:p="http://schemas.openxmlformats.org/presentationml/2006/main">
   <p:cm authorId="1" dt="2021-12-25T13:35:14.466" idx="1">
     <p:pos x="10" y="10"/>
-    <p:text>Актуальность задачи. Рассказать, что даже при реализации многопоточности, "узким горлышком" является подключение к БД. Раасказать п. 1.4.</p:text>
+    <p:text>Актуальность задачи. Рассказать, что даже при реализации многопоточности, "узким горлышком" является подключение к БД. Рассказать п. 1.4.</p:text>
+    <p:extLst>
+      <p:ext uri="{C676402C-5697-4E1C-873F-D02D1690AC5C}">
+        <p15:threadingInfo xmlns:p15="http://schemas.microsoft.com/office/powerpoint/2012/main" timeZoneBias="-180"/>
+      </p:ext>
+    </p:extLst>
+  </p:cm>
+  <p:cm authorId="1" dt="2022-05-26T18:54:12.239" idx="6">
+    <p:pos x="146" y="146"/>
+    <p:text>1. многопоточность
++ очевидны
+- много подключений
+2. почему Postgres</p:text>
     <p:extLst>
       <p:ext uri="{C676402C-5697-4E1C-873F-D02D1690AC5C}">
         <p15:threadingInfo xmlns:p15="http://schemas.microsoft.com/office/powerpoint/2012/main" timeZoneBias="-180"/>
@@ -4023,6 +4881,20 @@
 </file>
 
 <file path=ppt/comments/comment2.xml><?xml version="1.0" encoding="utf-8"?>
+<p:cmLst xmlns:a="http://schemas.openxmlformats.org/drawingml/2006/main" xmlns:r="http://schemas.openxmlformats.org/officeDocument/2006/relationships" xmlns:p="http://schemas.openxmlformats.org/presentationml/2006/main">
+  <p:cm authorId="1" dt="2021-12-25T13:35:14.466" idx="7">
+    <p:pos x="10" y="10"/>
+    <p:text>Почему PostgreSQL</p:text>
+    <p:extLst>
+      <p:ext uri="{C676402C-5697-4E1C-873F-D02D1690AC5C}">
+        <p15:threadingInfo xmlns:p15="http://schemas.microsoft.com/office/powerpoint/2012/main" timeZoneBias="-180"/>
+      </p:ext>
+    </p:extLst>
+  </p:cm>
+</p:cmLst>
+</file>
+
+<file path=ppt/comments/comment3.xml><?xml version="1.0" encoding="utf-8"?>
 <p:cmLst xmlns:a="http://schemas.openxmlformats.org/drawingml/2006/main" xmlns:r="http://schemas.openxmlformats.org/officeDocument/2006/relationships" xmlns:p="http://schemas.openxmlformats.org/presentationml/2006/main">
   <p:cm authorId="1" dt="2021-12-25T13:54:05.369" idx="3">
     <p:pos x="10" y="10"/>
@@ -4043,14 +4915,9 @@
       </p:ext>
     </p:extLst>
   </p:cm>
-</p:cmLst>
-</file>
-
-<file path=ppt/comments/comment3.xml><?xml version="1.0" encoding="utf-8"?>
-<p:cmLst xmlns:a="http://schemas.openxmlformats.org/drawingml/2006/main" xmlns:r="http://schemas.openxmlformats.org/officeDocument/2006/relationships" xmlns:p="http://schemas.openxmlformats.org/presentationml/2006/main">
-  <p:cm authorId="1" dt="2021-12-25T14:05:22.321" idx="5">
-    <p:pos x="10" y="10"/>
-    <p:text>Поскольку операция подключения — одна из самых дорогостоящих (процесс подключения к БД занимает от 2 до 3 МБ), рост количества потоков может привести к замедлению работы программы</p:text>
+  <p:cm authorId="1" dt="2022-05-26T19:59:14.588" idx="9">
+    <p:pos x="282" y="282"/>
+    <p:text>Рассказать, что происходит при подключении</p:text>
     <p:extLst>
       <p:ext uri="{C676402C-5697-4E1C-873F-D02D1690AC5C}">
         <p15:threadingInfo xmlns:p15="http://schemas.microsoft.com/office/powerpoint/2012/main" timeZoneBias="-180"/>
@@ -4142,7 +5009,7 @@
           <a:p>
             <a:fld id="{4A87FC3E-9964-4802-A7E8-1BB771D21BF3}" type="datetimeFigureOut">
               <a:rPr lang="ru-RU" smtClean="0"/>
-              <a:t>26.05.2022</a:t>
+              <a:t>27.05.2022</a:t>
             </a:fld>
             <a:endParaRPr lang="ru-RU" dirty="0"/>
           </a:p>
@@ -4538,7 +5405,7 @@
           <a:p>
             <a:fld id="{09755BBC-352B-460A-88C9-AADF2C9512EA}" type="datetime1">
               <a:rPr lang="ru-RU" smtClean="0"/>
-              <a:t>26.05.2022</a:t>
+              <a:t>27.05.2022</a:t>
             </a:fld>
             <a:endParaRPr lang="ru-RU" dirty="0"/>
           </a:p>
@@ -4706,7 +5573,7 @@
           <a:p>
             <a:fld id="{8296244F-19EA-411C-8075-D4DD5363EB01}" type="datetime1">
               <a:rPr lang="ru-RU" smtClean="0"/>
-              <a:t>26.05.2022</a:t>
+              <a:t>27.05.2022</a:t>
             </a:fld>
             <a:endParaRPr lang="ru-RU" dirty="0"/>
           </a:p>
@@ -4884,7 +5751,7 @@
           <a:p>
             <a:fld id="{84BB638D-B868-4FAE-A4AF-C8834DEF2F16}" type="datetime1">
               <a:rPr lang="ru-RU" smtClean="0"/>
-              <a:t>26.05.2022</a:t>
+              <a:t>27.05.2022</a:t>
             </a:fld>
             <a:endParaRPr lang="ru-RU" dirty="0"/>
           </a:p>
@@ -5052,7 +5919,7 @@
           <a:p>
             <a:fld id="{E867F41D-6C90-48B2-BB24-7DBF25713345}" type="datetime1">
               <a:rPr lang="ru-RU" smtClean="0"/>
-              <a:t>26.05.2022</a:t>
+              <a:t>27.05.2022</a:t>
             </a:fld>
             <a:endParaRPr lang="ru-RU" dirty="0"/>
           </a:p>
@@ -5297,7 +6164,7 @@
           <a:p>
             <a:fld id="{CC2C4912-257E-4B84-92B5-E1056AC81F3B}" type="datetime1">
               <a:rPr lang="ru-RU" smtClean="0"/>
-              <a:t>26.05.2022</a:t>
+              <a:t>27.05.2022</a:t>
             </a:fld>
             <a:endParaRPr lang="ru-RU" dirty="0"/>
           </a:p>
@@ -5526,7 +6393,7 @@
           <a:p>
             <a:fld id="{D6CEEFAB-2744-489F-9F34-AD68C1802ABB}" type="datetime1">
               <a:rPr lang="ru-RU" smtClean="0"/>
-              <a:t>26.05.2022</a:t>
+              <a:t>27.05.2022</a:t>
             </a:fld>
             <a:endParaRPr lang="ru-RU" dirty="0"/>
           </a:p>
@@ -5890,7 +6757,7 @@
           <a:p>
             <a:fld id="{F4C8D58E-CA22-4DBD-9D4F-D49D20C57869}" type="datetime1">
               <a:rPr lang="ru-RU" smtClean="0"/>
-              <a:t>26.05.2022</a:t>
+              <a:t>27.05.2022</a:t>
             </a:fld>
             <a:endParaRPr lang="ru-RU" dirty="0"/>
           </a:p>
@@ -6007,7 +6874,7 @@
           <a:p>
             <a:fld id="{16461FB2-18D8-4BB8-B792-34F36A1A6923}" type="datetime1">
               <a:rPr lang="ru-RU" smtClean="0"/>
-              <a:t>26.05.2022</a:t>
+              <a:t>27.05.2022</a:t>
             </a:fld>
             <a:endParaRPr lang="ru-RU" dirty="0"/>
           </a:p>
@@ -6102,7 +6969,7 @@
           <a:p>
             <a:fld id="{38099296-536C-461B-BEB7-1B812F69AC83}" type="datetime1">
               <a:rPr lang="ru-RU" smtClean="0"/>
-              <a:t>26.05.2022</a:t>
+              <a:t>27.05.2022</a:t>
             </a:fld>
             <a:endParaRPr lang="ru-RU" dirty="0"/>
           </a:p>
@@ -6377,7 +7244,7 @@
           <a:p>
             <a:fld id="{DD7EBC7E-964D-4409-AE41-3B38B4F15B2A}" type="datetime1">
               <a:rPr lang="ru-RU" smtClean="0"/>
-              <a:t>26.05.2022</a:t>
+              <a:t>27.05.2022</a:t>
             </a:fld>
             <a:endParaRPr lang="ru-RU" dirty="0"/>
           </a:p>
@@ -6629,7 +7496,7 @@
           <a:p>
             <a:fld id="{6623BFA2-B670-4B07-B542-231AD8CFA160}" type="datetime1">
               <a:rPr lang="ru-RU" smtClean="0"/>
-              <a:t>26.05.2022</a:t>
+              <a:t>27.05.2022</a:t>
             </a:fld>
             <a:endParaRPr lang="ru-RU" dirty="0"/>
           </a:p>
@@ -6840,7 +7707,7 @@
           <a:p>
             <a:fld id="{4222C596-8B8E-4DE0-A295-CA79CEF991CE}" type="datetime1">
               <a:rPr lang="ru-RU" smtClean="0"/>
-              <a:t>26.05.2022</a:t>
+              <a:t>27.05.2022</a:t>
             </a:fld>
             <a:endParaRPr lang="ru-RU" dirty="0"/>
           </a:p>
@@ -7258,22 +8125,22 @@
         </p:nvSpPr>
         <p:spPr>
           <a:xfrm>
-            <a:off x="1524000" y="506472"/>
-            <a:ext cx="9144000" cy="3163696"/>
+            <a:off x="381000" y="1262247"/>
+            <a:ext cx="11430000" cy="2002733"/>
           </a:xfrm>
         </p:spPr>
         <p:txBody>
           <a:bodyPr>
-            <a:normAutofit fontScale="90000"/>
+            <a:noAutofit/>
           </a:bodyPr>
           <a:lstStyle/>
           <a:p>
             <a:r>
-              <a:rPr lang="ru-RU" dirty="0">
+              <a:rPr lang="ru-RU" sz="4600" dirty="0">
                 <a:latin typeface="Times New Roman" panose="02020603050405020304" pitchFamily="18" charset="0"/>
                 <a:cs typeface="Times New Roman" panose="02020603050405020304" pitchFamily="18" charset="0"/>
               </a:rPr>
-              <a:t>Метод параллельного выполнения запросов к СУБД PostgreSQL в пределах одного соединения</a:t>
+              <a:t>Метод параллельного выполнения запросов к системе управления базами данных PostgreSQL в пределах одного соединения</a:t>
             </a:r>
           </a:p>
         </p:txBody>
@@ -7290,8 +8157,8 @@
         </p:nvSpPr>
         <p:spPr>
           <a:xfrm>
-            <a:off x="1524000" y="4275910"/>
-            <a:ext cx="9144000" cy="2407920"/>
+            <a:off x="1454020" y="4244059"/>
+            <a:ext cx="7382069" cy="2274180"/>
           </a:xfrm>
         </p:spPr>
         <p:txBody>
@@ -7306,7 +8173,7 @@
                 <a:latin typeface="Times New Roman" panose="02020603050405020304" pitchFamily="18" charset="0"/>
                 <a:cs typeface="Times New Roman" panose="02020603050405020304" pitchFamily="18" charset="0"/>
               </a:rPr>
-              <a:t>Группа: ИУ7-85Б</a:t>
+              <a:t>Студент: Платонова Ольга Сергеевна</a:t>
             </a:r>
           </a:p>
           <a:p>
@@ -7316,7 +8183,7 @@
                 <a:latin typeface="Times New Roman" panose="02020603050405020304" pitchFamily="18" charset="0"/>
                 <a:cs typeface="Times New Roman" panose="02020603050405020304" pitchFamily="18" charset="0"/>
               </a:rPr>
-              <a:t>Студент: Платонова Ольга Сергеевна</a:t>
+              <a:t>Группа: ИУ7-85Б</a:t>
             </a:r>
           </a:p>
           <a:p>
@@ -7333,14 +8200,14 @@
                 <a:latin typeface="Times New Roman" panose="02020603050405020304" pitchFamily="18" charset="0"/>
                 <a:cs typeface="Times New Roman" panose="02020603050405020304" pitchFamily="18" charset="0"/>
               </a:rPr>
-              <a:t>				  </a:t>
+              <a:t>	</a:t>
             </a:r>
             <a:r>
               <a:rPr lang="ru-RU" dirty="0">
                 <a:latin typeface="Times New Roman" panose="02020603050405020304" pitchFamily="18" charset="0"/>
                 <a:cs typeface="Times New Roman" panose="02020603050405020304" pitchFamily="18" charset="0"/>
               </a:rPr>
-              <a:t>к.т.н., доцент кафедры ИУ-7</a:t>
+              <a:t>	  к.т.н., доцент кафедры ИУ-7</a:t>
             </a:r>
             <a:endParaRPr lang="en-US" dirty="0">
               <a:latin typeface="Times New Roman" panose="02020603050405020304" pitchFamily="18" charset="0"/>
@@ -7373,6 +8240,553 @@
 </file>
 
 <file path=ppt/slides/slide10.xml><?xml version="1.0" encoding="utf-8"?>
+<p:sld xmlns:a="http://schemas.openxmlformats.org/drawingml/2006/main" xmlns:r="http://schemas.openxmlformats.org/officeDocument/2006/relationships" xmlns:p="http://schemas.openxmlformats.org/presentationml/2006/main">
+  <p:cSld>
+    <p:spTree>
+      <p:nvGrpSpPr>
+        <p:cNvPr id="1" name=""/>
+        <p:cNvGrpSpPr/>
+        <p:nvPr/>
+      </p:nvGrpSpPr>
+      <p:grpSpPr>
+        <a:xfrm>
+          <a:off x="0" y="0"/>
+          <a:ext cx="0" cy="0"/>
+          <a:chOff x="0" y="0"/>
+          <a:chExt cx="0" cy="0"/>
+        </a:xfrm>
+      </p:grpSpPr>
+      <p:sp>
+        <p:nvSpPr>
+          <p:cNvPr id="2" name="Заголовок 1"/>
+          <p:cNvSpPr>
+            <a:spLocks noGrp="1"/>
+          </p:cNvSpPr>
+          <p:nvPr>
+            <p:ph type="title"/>
+          </p:nvPr>
+        </p:nvSpPr>
+        <p:spPr/>
+        <p:txBody>
+          <a:bodyPr/>
+          <a:lstStyle/>
+          <a:p>
+            <a:r>
+              <a:rPr lang="ru-RU" dirty="0">
+                <a:latin typeface="Times New Roman" panose="02020603050405020304" pitchFamily="18" charset="0"/>
+                <a:cs typeface="Times New Roman" panose="02020603050405020304" pitchFamily="18" charset="0"/>
+              </a:rPr>
+              <a:t>Ключевые этапы работы метода</a:t>
+            </a:r>
+          </a:p>
+        </p:txBody>
+      </p:sp>
+      <p:sp>
+        <p:nvSpPr>
+          <p:cNvPr id="4" name="Номер слайда 3"/>
+          <p:cNvSpPr>
+            <a:spLocks noGrp="1"/>
+          </p:cNvSpPr>
+          <p:nvPr>
+            <p:ph type="sldNum" sz="quarter" idx="12"/>
+          </p:nvPr>
+        </p:nvSpPr>
+        <p:spPr/>
+        <p:txBody>
+          <a:bodyPr/>
+          <a:lstStyle/>
+          <a:p>
+            <a:fld id="{5D15703D-96D9-4C94-B196-0ED7D1E8A93C}" type="slidenum">
+              <a:rPr lang="ru-RU" sz="1800" smtClean="0">
+                <a:latin typeface="Times New Roman" panose="02020603050405020304" pitchFamily="18" charset="0"/>
+                <a:cs typeface="Times New Roman" panose="02020603050405020304" pitchFamily="18" charset="0"/>
+              </a:rPr>
+              <a:t>10</a:t>
+            </a:fld>
+            <a:endParaRPr lang="ru-RU" sz="1800" dirty="0">
+              <a:latin typeface="Times New Roman" panose="02020603050405020304" pitchFamily="18" charset="0"/>
+              <a:cs typeface="Times New Roman" panose="02020603050405020304" pitchFamily="18" charset="0"/>
+            </a:endParaRPr>
+          </a:p>
+        </p:txBody>
+      </p:sp>
+      <p:pic>
+        <p:nvPicPr>
+          <p:cNvPr id="5" name="Рисунок 4">
+            <a:extLst>
+              <a:ext uri="{FF2B5EF4-FFF2-40B4-BE49-F238E27FC236}">
+                <a16:creationId xmlns:a16="http://schemas.microsoft.com/office/drawing/2014/main" id="{4D2647A5-E8D1-FA06-87A1-E8C5442D0BD7}"/>
+              </a:ext>
+            </a:extLst>
+          </p:cNvPr>
+          <p:cNvPicPr>
+            <a:picLocks noChangeAspect="1"/>
+          </p:cNvPicPr>
+          <p:nvPr/>
+        </p:nvPicPr>
+        <p:blipFill>
+          <a:blip r:embed="rId2">
+            <a:extLst>
+              <a:ext uri="{28A0092B-C50C-407E-A947-70E740481C1C}">
+                <a14:useLocalDpi xmlns:a14="http://schemas.microsoft.com/office/drawing/2010/main" val="0"/>
+              </a:ext>
+            </a:extLst>
+          </a:blip>
+          <a:stretch>
+            <a:fillRect/>
+          </a:stretch>
+        </p:blipFill>
+        <p:spPr>
+          <a:xfrm>
+            <a:off x="820271" y="2395478"/>
+            <a:ext cx="4558553" cy="3620027"/>
+          </a:xfrm>
+          <a:prstGeom prst="rect">
+            <a:avLst/>
+          </a:prstGeom>
+        </p:spPr>
+      </p:pic>
+      <p:sp>
+        <p:nvSpPr>
+          <p:cNvPr id="9" name="TextBox 8">
+            <a:extLst>
+              <a:ext uri="{FF2B5EF4-FFF2-40B4-BE49-F238E27FC236}">
+                <a16:creationId xmlns:a16="http://schemas.microsoft.com/office/drawing/2014/main" id="{1FE68D13-743F-F616-0442-FAF37F19E36B}"/>
+              </a:ext>
+            </a:extLst>
+          </p:cNvPr>
+          <p:cNvSpPr txBox="1"/>
+          <p:nvPr/>
+        </p:nvSpPr>
+        <p:spPr>
+          <a:xfrm>
+            <a:off x="1575547" y="1672607"/>
+            <a:ext cx="3048000" cy="400110"/>
+          </a:xfrm>
+          <a:prstGeom prst="rect">
+            <a:avLst/>
+          </a:prstGeom>
+          <a:noFill/>
+        </p:spPr>
+        <p:txBody>
+          <a:bodyPr wrap="square">
+            <a:spAutoFit/>
+          </a:bodyPr>
+          <a:lstStyle/>
+          <a:p>
+            <a:r>
+              <a:rPr lang="ru-RU" sz="2000" b="0" i="0" u="sng" dirty="0">
+                <a:effectLst/>
+                <a:latin typeface="Times New Roman" panose="02020603050405020304" pitchFamily="18" charset="0"/>
+                <a:cs typeface="Times New Roman" panose="02020603050405020304" pitchFamily="18" charset="0"/>
+              </a:rPr>
+              <a:t>Отправка запроса серверу</a:t>
+            </a:r>
+            <a:endParaRPr lang="ru-RU" sz="2000" u="sng" dirty="0">
+              <a:latin typeface="Times New Roman" panose="02020603050405020304" pitchFamily="18" charset="0"/>
+              <a:cs typeface="Times New Roman" panose="02020603050405020304" pitchFamily="18" charset="0"/>
+            </a:endParaRPr>
+          </a:p>
+        </p:txBody>
+      </p:sp>
+      <p:sp>
+        <p:nvSpPr>
+          <p:cNvPr id="10" name="TextBox 9">
+            <a:extLst>
+              <a:ext uri="{FF2B5EF4-FFF2-40B4-BE49-F238E27FC236}">
+                <a16:creationId xmlns:a16="http://schemas.microsoft.com/office/drawing/2014/main" id="{E47E263C-1F3B-9416-3057-6B5C3CF0FB10}"/>
+              </a:ext>
+            </a:extLst>
+          </p:cNvPr>
+          <p:cNvSpPr txBox="1"/>
+          <p:nvPr/>
+        </p:nvSpPr>
+        <p:spPr>
+          <a:xfrm>
+            <a:off x="6714567" y="1668904"/>
+            <a:ext cx="3792065" cy="400110"/>
+          </a:xfrm>
+          <a:prstGeom prst="rect">
+            <a:avLst/>
+          </a:prstGeom>
+          <a:noFill/>
+        </p:spPr>
+        <p:txBody>
+          <a:bodyPr wrap="square">
+            <a:spAutoFit/>
+          </a:bodyPr>
+          <a:lstStyle/>
+          <a:p>
+            <a:r>
+              <a:rPr lang="ru-RU" sz="2000" u="sng" dirty="0">
+                <a:latin typeface="Times New Roman" panose="02020603050405020304" pitchFamily="18" charset="0"/>
+                <a:cs typeface="Times New Roman" panose="02020603050405020304" pitchFamily="18" charset="0"/>
+              </a:rPr>
+              <a:t>Получение результата от сервера</a:t>
+            </a:r>
+          </a:p>
+        </p:txBody>
+      </p:sp>
+      <p:pic>
+        <p:nvPicPr>
+          <p:cNvPr id="12" name="Рисунок 11">
+            <a:extLst>
+              <a:ext uri="{FF2B5EF4-FFF2-40B4-BE49-F238E27FC236}">
+                <a16:creationId xmlns:a16="http://schemas.microsoft.com/office/drawing/2014/main" id="{9CEB407D-9E51-BBF1-2E0E-3B5485ECE3CE}"/>
+              </a:ext>
+            </a:extLst>
+          </p:cNvPr>
+          <p:cNvPicPr>
+            <a:picLocks noChangeAspect="1"/>
+          </p:cNvPicPr>
+          <p:nvPr/>
+        </p:nvPicPr>
+        <p:blipFill>
+          <a:blip r:embed="rId3">
+            <a:extLst>
+              <a:ext uri="{28A0092B-C50C-407E-A947-70E740481C1C}">
+                <a14:useLocalDpi xmlns:a14="http://schemas.microsoft.com/office/drawing/2010/main" val="0"/>
+              </a:ext>
+            </a:extLst>
+          </a:blip>
+          <a:stretch>
+            <a:fillRect/>
+          </a:stretch>
+        </p:blipFill>
+        <p:spPr>
+          <a:xfrm>
+            <a:off x="6290152" y="2582261"/>
+            <a:ext cx="4028223" cy="3260904"/>
+          </a:xfrm>
+          <a:prstGeom prst="rect">
+            <a:avLst/>
+          </a:prstGeom>
+        </p:spPr>
+      </p:pic>
+      <p:cxnSp>
+        <p:nvCxnSpPr>
+          <p:cNvPr id="14" name="Прямая соединительная линия 13">
+            <a:extLst>
+              <a:ext uri="{FF2B5EF4-FFF2-40B4-BE49-F238E27FC236}">
+                <a16:creationId xmlns:a16="http://schemas.microsoft.com/office/drawing/2014/main" id="{8BF3890D-A7B0-CF9B-0C21-7A7B8BCE8E85}"/>
+              </a:ext>
+            </a:extLst>
+          </p:cNvPr>
+          <p:cNvCxnSpPr/>
+          <p:nvPr/>
+        </p:nvCxnSpPr>
+        <p:spPr>
+          <a:xfrm>
+            <a:off x="5827059" y="1801906"/>
+            <a:ext cx="0" cy="4554444"/>
+          </a:xfrm>
+          <a:prstGeom prst="line">
+            <a:avLst/>
+          </a:prstGeom>
+        </p:spPr>
+        <p:style>
+          <a:lnRef idx="2">
+            <a:schemeClr val="dk1"/>
+          </a:lnRef>
+          <a:fillRef idx="0">
+            <a:schemeClr val="dk1"/>
+          </a:fillRef>
+          <a:effectRef idx="1">
+            <a:schemeClr val="dk1"/>
+          </a:effectRef>
+          <a:fontRef idx="minor">
+            <a:schemeClr val="tx1"/>
+          </a:fontRef>
+        </p:style>
+      </p:cxnSp>
+    </p:spTree>
+    <p:extLst>
+      <p:ext uri="{BB962C8B-B14F-4D97-AF65-F5344CB8AC3E}">
+        <p14:creationId xmlns:p14="http://schemas.microsoft.com/office/powerpoint/2010/main" val="2402547047"/>
+      </p:ext>
+    </p:extLst>
+  </p:cSld>
+  <p:clrMapOvr>
+    <a:masterClrMapping/>
+  </p:clrMapOvr>
+</p:sld>
+</file>
+
+<file path=ppt/slides/slide11.xml><?xml version="1.0" encoding="utf-8"?>
+<p:sld xmlns:a="http://schemas.openxmlformats.org/drawingml/2006/main" xmlns:r="http://schemas.openxmlformats.org/officeDocument/2006/relationships" xmlns:p="http://schemas.openxmlformats.org/presentationml/2006/main">
+  <p:cSld>
+    <p:spTree>
+      <p:nvGrpSpPr>
+        <p:cNvPr id="1" name=""/>
+        <p:cNvGrpSpPr/>
+        <p:nvPr/>
+      </p:nvGrpSpPr>
+      <p:grpSpPr>
+        <a:xfrm>
+          <a:off x="0" y="0"/>
+          <a:ext cx="0" cy="0"/>
+          <a:chOff x="0" y="0"/>
+          <a:chExt cx="0" cy="0"/>
+        </a:xfrm>
+      </p:grpSpPr>
+      <p:sp>
+        <p:nvSpPr>
+          <p:cNvPr id="2" name="Заголовок 1"/>
+          <p:cNvSpPr>
+            <a:spLocks noGrp="1"/>
+          </p:cNvSpPr>
+          <p:nvPr>
+            <p:ph type="title"/>
+          </p:nvPr>
+        </p:nvSpPr>
+        <p:spPr/>
+        <p:txBody>
+          <a:bodyPr/>
+          <a:lstStyle/>
+          <a:p>
+            <a:r>
+              <a:rPr lang="ru-RU" dirty="0">
+                <a:latin typeface="Times New Roman" panose="02020603050405020304" pitchFamily="18" charset="0"/>
+                <a:cs typeface="Times New Roman" panose="02020603050405020304" pitchFamily="18" charset="0"/>
+              </a:rPr>
+              <a:t>Внешний модуль</a:t>
+            </a:r>
+          </a:p>
+        </p:txBody>
+      </p:sp>
+      <p:sp>
+        <p:nvSpPr>
+          <p:cNvPr id="4" name="Номер слайда 3"/>
+          <p:cNvSpPr>
+            <a:spLocks noGrp="1"/>
+          </p:cNvSpPr>
+          <p:nvPr>
+            <p:ph type="sldNum" sz="quarter" idx="12"/>
+          </p:nvPr>
+        </p:nvSpPr>
+        <p:spPr/>
+        <p:txBody>
+          <a:bodyPr/>
+          <a:lstStyle/>
+          <a:p>
+            <a:fld id="{5D15703D-96D9-4C94-B196-0ED7D1E8A93C}" type="slidenum">
+              <a:rPr lang="ru-RU" sz="1800" smtClean="0">
+                <a:latin typeface="Times New Roman" panose="02020603050405020304" pitchFamily="18" charset="0"/>
+                <a:cs typeface="Times New Roman" panose="02020603050405020304" pitchFamily="18" charset="0"/>
+              </a:rPr>
+              <a:t>11</a:t>
+            </a:fld>
+            <a:endParaRPr lang="ru-RU" sz="1800" dirty="0">
+              <a:latin typeface="Times New Roman" panose="02020603050405020304" pitchFamily="18" charset="0"/>
+              <a:cs typeface="Times New Roman" panose="02020603050405020304" pitchFamily="18" charset="0"/>
+            </a:endParaRPr>
+          </a:p>
+        </p:txBody>
+      </p:sp>
+      <p:sp>
+        <p:nvSpPr>
+          <p:cNvPr id="11" name="TextBox 10">
+            <a:extLst>
+              <a:ext uri="{FF2B5EF4-FFF2-40B4-BE49-F238E27FC236}">
+                <a16:creationId xmlns:a16="http://schemas.microsoft.com/office/drawing/2014/main" id="{7836B703-A15B-F8DB-7358-B718129E9057}"/>
+              </a:ext>
+            </a:extLst>
+          </p:cNvPr>
+          <p:cNvSpPr txBox="1"/>
+          <p:nvPr/>
+        </p:nvSpPr>
+        <p:spPr>
+          <a:xfrm>
+            <a:off x="838200" y="4459426"/>
+            <a:ext cx="10515600" cy="1015663"/>
+          </a:xfrm>
+          <a:prstGeom prst="rect">
+            <a:avLst/>
+          </a:prstGeom>
+          <a:noFill/>
+        </p:spPr>
+        <p:txBody>
+          <a:bodyPr wrap="square">
+            <a:spAutoFit/>
+          </a:bodyPr>
+          <a:lstStyle/>
+          <a:p>
+            <a:r>
+              <a:rPr lang="ru-RU" sz="2000" b="0" i="0" u="none" strike="noStrike" baseline="0" dirty="0">
+                <a:solidFill>
+                  <a:srgbClr val="000000"/>
+                </a:solidFill>
+                <a:latin typeface="Times New Roman" panose="02020603050405020304" pitchFamily="18" charset="0"/>
+              </a:rPr>
+              <a:t>Внешний пул был разработан с использованием умных указателей для предотвращения возможной утечки ресурсов. Сам пул был реализован в качестве очереди соединений: в конец добавлялись свободные соединения, работа с которыми была завершена. </a:t>
+            </a:r>
+            <a:endParaRPr lang="ru-RU" sz="2000" dirty="0"/>
+          </a:p>
+        </p:txBody>
+      </p:sp>
+      <p:sp>
+        <p:nvSpPr>
+          <p:cNvPr id="13" name="TextBox 12">
+            <a:extLst>
+              <a:ext uri="{FF2B5EF4-FFF2-40B4-BE49-F238E27FC236}">
+                <a16:creationId xmlns:a16="http://schemas.microsoft.com/office/drawing/2014/main" id="{75C268BE-EBCD-D386-B29A-DA86B97AAF5F}"/>
+              </a:ext>
+            </a:extLst>
+          </p:cNvPr>
+          <p:cNvSpPr txBox="1"/>
+          <p:nvPr/>
+        </p:nvSpPr>
+        <p:spPr>
+          <a:xfrm>
+            <a:off x="838200" y="1690688"/>
+            <a:ext cx="10515600" cy="707886"/>
+          </a:xfrm>
+          <a:prstGeom prst="rect">
+            <a:avLst/>
+          </a:prstGeom>
+          <a:noFill/>
+        </p:spPr>
+        <p:txBody>
+          <a:bodyPr wrap="square">
+            <a:spAutoFit/>
+          </a:bodyPr>
+          <a:lstStyle/>
+          <a:p>
+            <a:r>
+              <a:rPr lang="ru-RU" sz="2000" b="0" i="0" u="none" strike="noStrike" baseline="0" dirty="0">
+                <a:solidFill>
+                  <a:srgbClr val="000000"/>
+                </a:solidFill>
+                <a:latin typeface="Times New Roman" panose="02020603050405020304" pitchFamily="18" charset="0"/>
+              </a:rPr>
+              <a:t>Внешний модуль, используя интерфейс командной строки, предоставляет пользователю возможность выбора запускаемой реализации. </a:t>
+            </a:r>
+          </a:p>
+        </p:txBody>
+      </p:sp>
+      <p:sp>
+        <p:nvSpPr>
+          <p:cNvPr id="15" name="TextBox 14">
+            <a:extLst>
+              <a:ext uri="{FF2B5EF4-FFF2-40B4-BE49-F238E27FC236}">
+                <a16:creationId xmlns:a16="http://schemas.microsoft.com/office/drawing/2014/main" id="{EE4BDA59-6624-E083-F891-6228D700CBF5}"/>
+              </a:ext>
+            </a:extLst>
+          </p:cNvPr>
+          <p:cNvSpPr txBox="1"/>
+          <p:nvPr/>
+        </p:nvSpPr>
+        <p:spPr>
+          <a:xfrm>
+            <a:off x="838200" y="2613392"/>
+            <a:ext cx="6096000" cy="1631216"/>
+          </a:xfrm>
+          <a:prstGeom prst="rect">
+            <a:avLst/>
+          </a:prstGeom>
+          <a:noFill/>
+        </p:spPr>
+        <p:txBody>
+          <a:bodyPr wrap="square">
+            <a:spAutoFit/>
+          </a:bodyPr>
+          <a:lstStyle/>
+          <a:p>
+            <a:r>
+              <a:rPr lang="ru-RU" sz="2000" b="0" i="0" u="none" strike="noStrike" baseline="0" dirty="0">
+                <a:solidFill>
+                  <a:srgbClr val="000000"/>
+                </a:solidFill>
+                <a:latin typeface="Times New Roman" panose="02020603050405020304" pitchFamily="18" charset="0"/>
+              </a:rPr>
+              <a:t>Пользователю доступны следующие реализации: </a:t>
+            </a:r>
+          </a:p>
+          <a:p>
+            <a:pPr marL="800100" lvl="1" indent="-342900">
+              <a:buFont typeface="Arial" panose="020B0604020202020204" pitchFamily="34" charset="0"/>
+              <a:buChar char="•"/>
+            </a:pPr>
+            <a:r>
+              <a:rPr lang="ru-RU" sz="2000" b="0" i="0" u="none" strike="noStrike" baseline="0" dirty="0">
+                <a:solidFill>
+                  <a:srgbClr val="000000"/>
+                </a:solidFill>
+                <a:latin typeface="Times New Roman" panose="02020603050405020304" pitchFamily="18" charset="0"/>
+              </a:rPr>
+              <a:t>однопоточная; </a:t>
+            </a:r>
+          </a:p>
+          <a:p>
+            <a:pPr marL="800100" lvl="1" indent="-342900">
+              <a:buFont typeface="Arial" panose="020B0604020202020204" pitchFamily="34" charset="0"/>
+              <a:buChar char="•"/>
+            </a:pPr>
+            <a:r>
+              <a:rPr lang="ru-RU" sz="2000" b="0" i="0" u="none" strike="noStrike" baseline="0" dirty="0">
+                <a:solidFill>
+                  <a:srgbClr val="000000"/>
+                </a:solidFill>
+                <a:latin typeface="Times New Roman" panose="02020603050405020304" pitchFamily="18" charset="0"/>
+              </a:rPr>
+              <a:t>многопоточная; </a:t>
+            </a:r>
+          </a:p>
+          <a:p>
+            <a:pPr marL="800100" lvl="1" indent="-342900">
+              <a:buFont typeface="Arial" panose="020B0604020202020204" pitchFamily="34" charset="0"/>
+              <a:buChar char="•"/>
+            </a:pPr>
+            <a:r>
+              <a:rPr lang="ru-RU" sz="2000" b="0" i="0" u="none" strike="noStrike" baseline="0" dirty="0">
+                <a:solidFill>
+                  <a:srgbClr val="000000"/>
+                </a:solidFill>
+                <a:latin typeface="Times New Roman" panose="02020603050405020304" pitchFamily="18" charset="0"/>
+              </a:rPr>
+              <a:t>с использованием внешнего пула;</a:t>
+            </a:r>
+          </a:p>
+          <a:p>
+            <a:pPr marL="800100" lvl="1" indent="-342900">
+              <a:buFont typeface="Arial" panose="020B0604020202020204" pitchFamily="34" charset="0"/>
+              <a:buChar char="•"/>
+            </a:pPr>
+            <a:r>
+              <a:rPr lang="ru-RU" sz="2000" dirty="0">
+                <a:solidFill>
+                  <a:srgbClr val="000000"/>
+                </a:solidFill>
+                <a:latin typeface="Times New Roman" panose="02020603050405020304" pitchFamily="18" charset="0"/>
+              </a:rPr>
+              <a:t>с использованием разработанного метода.</a:t>
+            </a:r>
+            <a:r>
+              <a:rPr lang="ru-RU" sz="2000" b="0" i="0" u="none" strike="noStrike" baseline="0" dirty="0">
+                <a:solidFill>
+                  <a:srgbClr val="000000"/>
+                </a:solidFill>
+                <a:latin typeface="Times New Roman" panose="02020603050405020304" pitchFamily="18" charset="0"/>
+              </a:rPr>
+              <a:t> </a:t>
+            </a:r>
+          </a:p>
+        </p:txBody>
+      </p:sp>
+    </p:spTree>
+    <p:extLst>
+      <p:ext uri="{BB962C8B-B14F-4D97-AF65-F5344CB8AC3E}">
+        <p14:creationId xmlns:p14="http://schemas.microsoft.com/office/powerpoint/2010/main" val="2983278968"/>
+      </p:ext>
+    </p:extLst>
+  </p:cSld>
+  <p:clrMapOvr>
+    <a:masterClrMapping/>
+  </p:clrMapOvr>
+</p:sld>
+</file>
+
+<file path=ppt/slides/slide12.xml><?xml version="1.0" encoding="utf-8"?>
 <p:sld xmlns:a="http://schemas.openxmlformats.org/drawingml/2006/main" xmlns:r="http://schemas.openxmlformats.org/officeDocument/2006/relationships" xmlns:p="http://schemas.openxmlformats.org/presentationml/2006/main">
   <p:cSld>
     <p:spTree>
@@ -7410,7 +8824,13 @@
           <a:bodyPr/>
           <a:lstStyle/>
           <a:p>
-            <a:endParaRPr lang="ru-RU"/>
+            <a:r>
+              <a:rPr lang="ru-RU" dirty="0">
+                <a:latin typeface="Times New Roman" panose="02020603050405020304" pitchFamily="18" charset="0"/>
+                <a:cs typeface="Times New Roman" panose="02020603050405020304" pitchFamily="18" charset="0"/>
+              </a:rPr>
+              <a:t>Выполнение простого запроса без нагрузки БД</a:t>
+            </a:r>
           </a:p>
         </p:txBody>
       </p:sp>
@@ -7436,10 +8856,16 @@
           <a:lstStyle/>
           <a:p>
             <a:fld id="{5D15703D-96D9-4C94-B196-0ED7D1E8A93C}" type="slidenum">
-              <a:rPr lang="ru-RU" smtClean="0"/>
-              <a:t>10</a:t>
+              <a:rPr lang="ru-RU" sz="1800" smtClean="0">
+                <a:latin typeface="Times New Roman" panose="02020603050405020304" pitchFamily="18" charset="0"/>
+                <a:cs typeface="Times New Roman" panose="02020603050405020304" pitchFamily="18" charset="0"/>
+              </a:rPr>
+              <a:t>12</a:t>
             </a:fld>
-            <a:endParaRPr lang="ru-RU" dirty="0"/>
+            <a:endParaRPr lang="ru-RU" sz="1800" dirty="0">
+              <a:latin typeface="Times New Roman" panose="02020603050405020304" pitchFamily="18" charset="0"/>
+              <a:cs typeface="Times New Roman" panose="02020603050405020304" pitchFamily="18" charset="0"/>
+            </a:endParaRPr>
           </a:p>
         </p:txBody>
       </p:sp>
@@ -7457,11 +8883,16 @@
           </p:cNvGraphicFramePr>
           <p:nvPr>
             <p:ph idx="1"/>
+            <p:extLst>
+              <p:ext uri="{D42A27DB-BD31-4B8C-83A1-F6EECF244321}">
+                <p14:modId xmlns:p14="http://schemas.microsoft.com/office/powerpoint/2010/main" val="2213246936"/>
+              </p:ext>
+            </p:extLst>
           </p:nvPr>
         </p:nvGraphicFramePr>
         <p:xfrm>
-          <a:off x="838200" y="1825625"/>
-          <a:ext cx="10515600" cy="4351338"/>
+          <a:off x="838200" y="2097741"/>
+          <a:ext cx="6306671" cy="3720353"/>
         </p:xfrm>
         <a:graphic>
           <a:graphicData uri="http://schemas.openxmlformats.org/drawingml/2006/chart">
@@ -7469,6 +8900,106 @@
           </a:graphicData>
         </a:graphic>
       </p:graphicFrame>
+      <p:sp>
+        <p:nvSpPr>
+          <p:cNvPr id="6" name="TextBox 5">
+            <a:extLst>
+              <a:ext uri="{FF2B5EF4-FFF2-40B4-BE49-F238E27FC236}">
+                <a16:creationId xmlns:a16="http://schemas.microsoft.com/office/drawing/2014/main" id="{841A3843-FCC6-6434-4328-538236790DF0}"/>
+              </a:ext>
+            </a:extLst>
+          </p:cNvPr>
+          <p:cNvSpPr txBox="1"/>
+          <p:nvPr/>
+        </p:nvSpPr>
+        <p:spPr>
+          <a:xfrm>
+            <a:off x="7431740" y="2097741"/>
+            <a:ext cx="4428565" cy="2554545"/>
+          </a:xfrm>
+          <a:prstGeom prst="rect">
+            <a:avLst/>
+          </a:prstGeom>
+          <a:noFill/>
+        </p:spPr>
+        <p:txBody>
+          <a:bodyPr wrap="square">
+            <a:spAutoFit/>
+          </a:bodyPr>
+          <a:lstStyle/>
+          <a:p>
+            <a:r>
+              <a:rPr lang="ru-RU" sz="2000" b="0" i="0" u="none" strike="noStrike" baseline="0" dirty="0">
+                <a:solidFill>
+                  <a:srgbClr val="000000"/>
+                </a:solidFill>
+                <a:latin typeface="Times New Roman" panose="02020603050405020304" pitchFamily="18" charset="0"/>
+              </a:rPr>
+              <a:t>Сравнение времени выполнения простого запроса для 4 реализаций:</a:t>
+            </a:r>
+          </a:p>
+          <a:p>
+            <a:pPr marL="800100" lvl="1" indent="-342900">
+              <a:buFont typeface="+mj-lt"/>
+              <a:buAutoNum type="arabicPeriod"/>
+            </a:pPr>
+            <a:r>
+              <a:rPr lang="ru-RU" sz="2000" b="0" i="0" u="none" strike="noStrike" baseline="0" dirty="0">
+                <a:solidFill>
+                  <a:srgbClr val="000000"/>
+                </a:solidFill>
+                <a:latin typeface="Times New Roman" panose="02020603050405020304" pitchFamily="18" charset="0"/>
+              </a:rPr>
+              <a:t>последовательная; </a:t>
+            </a:r>
+          </a:p>
+          <a:p>
+            <a:pPr marL="800100" lvl="1" indent="-342900">
+              <a:buFont typeface="+mj-lt"/>
+              <a:buAutoNum type="arabicPeriod"/>
+            </a:pPr>
+            <a:r>
+              <a:rPr lang="ru-RU" sz="2000" b="0" i="0" u="none" strike="noStrike" baseline="0" dirty="0">
+                <a:solidFill>
+                  <a:srgbClr val="000000"/>
+                </a:solidFill>
+                <a:latin typeface="Times New Roman" panose="02020603050405020304" pitchFamily="18" charset="0"/>
+              </a:rPr>
+              <a:t>параллельная; </a:t>
+            </a:r>
+          </a:p>
+          <a:p>
+            <a:pPr marL="800100" lvl="1" indent="-342900">
+              <a:buFont typeface="+mj-lt"/>
+              <a:buAutoNum type="arabicPeriod"/>
+            </a:pPr>
+            <a:r>
+              <a:rPr lang="ru-RU" sz="2000" b="0" i="0" u="none" strike="noStrike" baseline="0" dirty="0">
+                <a:solidFill>
+                  <a:srgbClr val="000000"/>
+                </a:solidFill>
+                <a:latin typeface="Times New Roman" panose="02020603050405020304" pitchFamily="18" charset="0"/>
+              </a:rPr>
+              <a:t>реализация с использованием внешнего пула соединений;</a:t>
+            </a:r>
+          </a:p>
+          <a:p>
+            <a:pPr marL="800100" lvl="1" indent="-342900">
+              <a:buFont typeface="+mj-lt"/>
+              <a:buAutoNum type="arabicPeriod"/>
+            </a:pPr>
+            <a:r>
+              <a:rPr lang="ru-RU" sz="2000" b="0" i="0" u="none" strike="noStrike" baseline="0" dirty="0">
+                <a:solidFill>
+                  <a:srgbClr val="000000"/>
+                </a:solidFill>
+                <a:latin typeface="Times New Roman" panose="02020603050405020304" pitchFamily="18" charset="0"/>
+              </a:rPr>
+              <a:t>реализация с использованием разработанного метода. </a:t>
+            </a:r>
+          </a:p>
+        </p:txBody>
+      </p:sp>
     </p:spTree>
     <p:extLst>
       <p:ext uri="{BB962C8B-B14F-4D97-AF65-F5344CB8AC3E}">
@@ -7482,7 +9013,7 @@
 </p:sld>
 </file>
 
-<file path=ppt/slides/slide11.xml><?xml version="1.0" encoding="utf-8"?>
+<file path=ppt/slides/slide13.xml><?xml version="1.0" encoding="utf-8"?>
 <p:sld xmlns:a="http://schemas.openxmlformats.org/drawingml/2006/main" xmlns:r="http://schemas.openxmlformats.org/officeDocument/2006/relationships" xmlns:p="http://schemas.openxmlformats.org/presentationml/2006/main">
   <p:cSld>
     <p:spTree>
@@ -7520,32 +9051,13 @@
           <a:bodyPr/>
           <a:lstStyle/>
           <a:p>
-            <a:endParaRPr lang="ru-RU"/>
-          </a:p>
-        </p:txBody>
-      </p:sp>
-      <p:sp>
-        <p:nvSpPr>
-          <p:cNvPr id="3" name="Объект 2">
-            <a:extLst>
-              <a:ext uri="{FF2B5EF4-FFF2-40B4-BE49-F238E27FC236}">
-                <a16:creationId xmlns:a16="http://schemas.microsoft.com/office/drawing/2014/main" id="{C0E16824-5E25-37AB-DED0-961B0577D3C1}"/>
-              </a:ext>
-            </a:extLst>
-          </p:cNvPr>
-          <p:cNvSpPr>
-            <a:spLocks noGrp="1"/>
-          </p:cNvSpPr>
-          <p:nvPr>
-            <p:ph idx="1"/>
-          </p:nvPr>
-        </p:nvSpPr>
-        <p:spPr/>
-        <p:txBody>
-          <a:bodyPr/>
-          <a:lstStyle/>
-          <a:p>
-            <a:endParaRPr lang="ru-RU"/>
+            <a:r>
+              <a:rPr lang="ru-RU" dirty="0">
+                <a:latin typeface="Times New Roman" panose="02020603050405020304" pitchFamily="18" charset="0"/>
+                <a:cs typeface="Times New Roman" panose="02020603050405020304" pitchFamily="18" charset="0"/>
+              </a:rPr>
+              <a:t>Сравнение разработанного метода с пулом соединений</a:t>
+            </a:r>
           </a:p>
         </p:txBody>
       </p:sp>
@@ -7571,10 +9083,16 @@
           <a:lstStyle/>
           <a:p>
             <a:fld id="{5D15703D-96D9-4C94-B196-0ED7D1E8A93C}" type="slidenum">
-              <a:rPr lang="ru-RU" smtClean="0"/>
-              <a:t>11</a:t>
+              <a:rPr lang="ru-RU" sz="1800" smtClean="0">
+                <a:latin typeface="Times New Roman" panose="02020603050405020304" pitchFamily="18" charset="0"/>
+                <a:cs typeface="Times New Roman" panose="02020603050405020304" pitchFamily="18" charset="0"/>
+              </a:rPr>
+              <a:t>13</a:t>
             </a:fld>
-            <a:endParaRPr lang="ru-RU" dirty="0"/>
+            <a:endParaRPr lang="ru-RU" dirty="0">
+              <a:latin typeface="Times New Roman" panose="02020603050405020304" pitchFamily="18" charset="0"/>
+              <a:cs typeface="Times New Roman" panose="02020603050405020304" pitchFamily="18" charset="0"/>
+            </a:endParaRPr>
           </a:p>
         </p:txBody>
       </p:sp>
@@ -7588,11 +9106,17 @@
             </a:extLst>
           </p:cNvPr>
           <p:cNvGraphicFramePr/>
-          <p:nvPr/>
+          <p:nvPr>
+            <p:extLst>
+              <p:ext uri="{D42A27DB-BD31-4B8C-83A1-F6EECF244321}">
+                <p14:modId xmlns:p14="http://schemas.microsoft.com/office/powerpoint/2010/main" val="443998278"/>
+              </p:ext>
+            </p:extLst>
+          </p:nvPr>
         </p:nvGraphicFramePr>
         <p:xfrm>
-          <a:off x="3098800" y="1630680"/>
-          <a:ext cx="5994400" cy="3596640"/>
+          <a:off x="838200" y="2088776"/>
+          <a:ext cx="6190129" cy="3703320"/>
         </p:xfrm>
         <a:graphic>
           <a:graphicData uri="http://schemas.openxmlformats.org/drawingml/2006/chart">
@@ -7600,6 +9124,47 @@
           </a:graphicData>
         </a:graphic>
       </p:graphicFrame>
+      <p:sp>
+        <p:nvSpPr>
+          <p:cNvPr id="7" name="TextBox 6">
+            <a:extLst>
+              <a:ext uri="{FF2B5EF4-FFF2-40B4-BE49-F238E27FC236}">
+                <a16:creationId xmlns:a16="http://schemas.microsoft.com/office/drawing/2014/main" id="{83653DF7-8A99-3665-B061-487A9119DB45}"/>
+              </a:ext>
+            </a:extLst>
+          </p:cNvPr>
+          <p:cNvSpPr txBox="1"/>
+          <p:nvPr/>
+        </p:nvSpPr>
+        <p:spPr>
+          <a:xfrm>
+            <a:off x="7503460" y="2392303"/>
+            <a:ext cx="4329952" cy="1631216"/>
+          </a:xfrm>
+          <a:prstGeom prst="rect">
+            <a:avLst/>
+          </a:prstGeom>
+          <a:noFill/>
+        </p:spPr>
+        <p:txBody>
+          <a:bodyPr wrap="square">
+            <a:spAutoFit/>
+          </a:bodyPr>
+          <a:lstStyle/>
+          <a:p>
+            <a:r>
+              <a:rPr lang="ru-RU" sz="2000" b="0" i="0" u="none" strike="noStrike" baseline="0" dirty="0">
+                <a:solidFill>
+                  <a:srgbClr val="000000"/>
+                </a:solidFill>
+                <a:latin typeface="Times New Roman" panose="02020603050405020304" pitchFamily="18" charset="0"/>
+              </a:rPr>
+              <a:t>Сравнение времени работы пула, использующего библиотеку libpq и пула, реализованного в качестве внешней службы (PGBouncer), с разработанным методом. </a:t>
+            </a:r>
+            <a:endParaRPr lang="ru-RU" sz="2000" dirty="0"/>
+          </a:p>
+        </p:txBody>
+      </p:sp>
     </p:spTree>
     <p:extLst>
       <p:ext uri="{BB962C8B-B14F-4D97-AF65-F5344CB8AC3E}">
@@ -7613,7 +9178,7 @@
 </p:sld>
 </file>
 
-<file path=ppt/slides/slide12.xml><?xml version="1.0" encoding="utf-8"?>
+<file path=ppt/slides/slide14.xml><?xml version="1.0" encoding="utf-8"?>
 <p:sld xmlns:a="http://schemas.openxmlformats.org/drawingml/2006/main" xmlns:r="http://schemas.openxmlformats.org/officeDocument/2006/relationships" xmlns:p="http://schemas.openxmlformats.org/presentationml/2006/main">
   <p:cSld>
     <p:spTree>
@@ -7651,7 +9216,13 @@
           <a:bodyPr/>
           <a:lstStyle/>
           <a:p>
-            <a:endParaRPr lang="ru-RU"/>
+            <a:r>
+              <a:rPr lang="ru-RU" dirty="0">
+                <a:latin typeface="Times New Roman" panose="02020603050405020304" pitchFamily="18" charset="0"/>
+                <a:cs typeface="Times New Roman" panose="02020603050405020304" pitchFamily="18" charset="0"/>
+              </a:rPr>
+              <a:t>Анализ памяти</a:t>
+            </a:r>
           </a:p>
         </p:txBody>
       </p:sp>
@@ -7669,34 +9240,39 @@
           </p:cNvGraphicFramePr>
           <p:nvPr>
             <p:ph idx="1"/>
+            <p:extLst>
+              <p:ext uri="{D42A27DB-BD31-4B8C-83A1-F6EECF244321}">
+                <p14:modId xmlns:p14="http://schemas.microsoft.com/office/powerpoint/2010/main" val="257160017"/>
+              </p:ext>
+            </p:extLst>
           </p:nvPr>
         </p:nvGraphicFramePr>
         <p:xfrm>
-          <a:off x="3039110" y="2959036"/>
-          <a:ext cx="6113780" cy="2411223"/>
+          <a:off x="838198" y="3005061"/>
+          <a:ext cx="9390529" cy="2683246"/>
         </p:xfrm>
         <a:graphic>
           <a:graphicData uri="http://schemas.openxmlformats.org/drawingml/2006/table">
             <a:tbl>
               <a:tblPr firstRow="1" firstCol="1" bandRow="1">
-                <a:tableStyleId>{5C22544A-7EE6-4342-B048-85BDC9FD1C3A}</a:tableStyleId>
+                <a:tableStyleId>{F5AB1C69-6EDB-4FF4-983F-18BD219EF322}</a:tableStyleId>
               </a:tblPr>
               <a:tblGrid>
-                <a:gridCol w="2247265">
+                <a:gridCol w="3070471">
                   <a:extLst>
                     <a:ext uri="{9D8B030D-6E8A-4147-A177-3AD203B41FA5}">
                       <a16:colId xmlns:a16="http://schemas.microsoft.com/office/drawing/2014/main" val="522003746"/>
                     </a:ext>
                   </a:extLst>
                 </a:gridCol>
-                <a:gridCol w="1828165">
+                <a:gridCol w="3189232">
                   <a:extLst>
                     <a:ext uri="{9D8B030D-6E8A-4147-A177-3AD203B41FA5}">
                       <a16:colId xmlns:a16="http://schemas.microsoft.com/office/drawing/2014/main" val="2913711566"/>
                     </a:ext>
                   </a:extLst>
                 </a:gridCol>
-                <a:gridCol w="2038350">
+                <a:gridCol w="3130826">
                   <a:extLst>
                     <a:ext uri="{9D8B030D-6E8A-4147-A177-3AD203B41FA5}">
                       <a16:colId xmlns:a16="http://schemas.microsoft.com/office/drawing/2014/main" val="3753831868"/>
@@ -7704,84 +9280,90 @@
                   </a:extLst>
                 </a:gridCol>
               </a:tblGrid>
-              <a:tr h="581660">
+              <a:tr h="893407">
                 <a:tc>
                   <a:txBody>
                     <a:bodyPr/>
                     <a:lstStyle/>
                     <a:p>
-                      <a:pPr indent="450215" algn="just">
+                      <a:pPr indent="0" algn="just">
                         <a:lnSpc>
                           <a:spcPct val="150000"/>
                         </a:lnSpc>
                       </a:pPr>
                       <a:r>
-                        <a:rPr lang="ru-RU" sz="1400" kern="150">
+                        <a:rPr lang="ru-RU" sz="2100" kern="150" dirty="0">
                           <a:effectLst/>
+                          <a:latin typeface="Times New Roman" panose="02020603050405020304" pitchFamily="18" charset="0"/>
+                          <a:cs typeface="Times New Roman" panose="02020603050405020304" pitchFamily="18" charset="0"/>
                         </a:rPr>
                         <a:t>Реализация</a:t>
                       </a:r>
-                      <a:endParaRPr lang="ru-RU" sz="1400" kern="150">
+                      <a:endParaRPr lang="ru-RU" sz="2100" kern="150" dirty="0">
                         <a:effectLst/>
                         <a:latin typeface="Times New Roman" panose="02020603050405020304" pitchFamily="18" charset="0"/>
                         <a:ea typeface="Noto Serif CJK SC"/>
-                        <a:cs typeface="Lohit Devanagari"/>
+                        <a:cs typeface="Times New Roman" panose="02020603050405020304" pitchFamily="18" charset="0"/>
                       </a:endParaRPr>
                     </a:p>
                   </a:txBody>
-                  <a:tcPr marL="68580" marR="68580" marT="0" marB="0" anchor="ctr"/>
+                  <a:tcPr marL="105337" marR="105337" marT="0" marB="0" anchor="ctr"/>
                 </a:tc>
                 <a:tc>
                   <a:txBody>
                     <a:bodyPr/>
                     <a:lstStyle/>
                     <a:p>
-                      <a:pPr indent="450215" algn="ctr">
+                      <a:pPr indent="0" algn="ctr">
                         <a:lnSpc>
-                          <a:spcPct val="150000"/>
+                          <a:spcPct val="100000"/>
                         </a:lnSpc>
                       </a:pPr>
                       <a:r>
-                        <a:rPr lang="ru-RU" sz="1400" kern="150">
+                        <a:rPr lang="ru-RU" sz="2100" kern="150" dirty="0">
                           <a:effectLst/>
+                          <a:latin typeface="Times New Roman" panose="02020603050405020304" pitchFamily="18" charset="0"/>
+                          <a:cs typeface="Times New Roman" panose="02020603050405020304" pitchFamily="18" charset="0"/>
                         </a:rPr>
                         <a:t>Число раз выделения памяти</a:t>
                       </a:r>
-                      <a:endParaRPr lang="ru-RU" sz="1400" kern="150">
+                      <a:endParaRPr lang="ru-RU" sz="2100" kern="150" dirty="0">
                         <a:effectLst/>
                         <a:latin typeface="Times New Roman" panose="02020603050405020304" pitchFamily="18" charset="0"/>
                         <a:ea typeface="Noto Serif CJK SC"/>
-                        <a:cs typeface="Lohit Devanagari"/>
+                        <a:cs typeface="Times New Roman" panose="02020603050405020304" pitchFamily="18" charset="0"/>
                       </a:endParaRPr>
                     </a:p>
                   </a:txBody>
-                  <a:tcPr marL="68580" marR="68580" marT="0" marB="0" anchor="ctr"/>
+                  <a:tcPr marL="105337" marR="105337" marT="0" marB="0" anchor="ctr"/>
                 </a:tc>
                 <a:tc>
                   <a:txBody>
                     <a:bodyPr/>
                     <a:lstStyle/>
                     <a:p>
-                      <a:pPr indent="450215" algn="ctr">
+                      <a:pPr indent="0" algn="ctr">
                         <a:lnSpc>
-                          <a:spcPct val="150000"/>
+                          <a:spcPct val="100000"/>
                         </a:lnSpc>
                       </a:pPr>
                       <a:r>
-                        <a:rPr lang="ru-RU" sz="1400" kern="150">
+                        <a:rPr lang="ru-RU" sz="2100" kern="150" dirty="0">
                           <a:effectLst/>
+                          <a:latin typeface="Times New Roman" panose="02020603050405020304" pitchFamily="18" charset="0"/>
+                          <a:cs typeface="Times New Roman" panose="02020603050405020304" pitchFamily="18" charset="0"/>
                         </a:rPr>
                         <a:t>Суммарный объем используемой памяти</a:t>
                       </a:r>
-                      <a:endParaRPr lang="ru-RU" sz="1400" kern="150">
+                      <a:endParaRPr lang="ru-RU" sz="2100" kern="150" dirty="0">
                         <a:effectLst/>
                         <a:latin typeface="Times New Roman" panose="02020603050405020304" pitchFamily="18" charset="0"/>
                         <a:ea typeface="Noto Serif CJK SC"/>
-                        <a:cs typeface="Lohit Devanagari"/>
+                        <a:cs typeface="Times New Roman" panose="02020603050405020304" pitchFamily="18" charset="0"/>
                       </a:endParaRPr>
                     </a:p>
                   </a:txBody>
-                  <a:tcPr marL="68580" marR="68580" marT="0" marB="0" anchor="ctr"/>
+                  <a:tcPr marL="105337" marR="105337" marT="0" marB="0" anchor="ctr"/>
                 </a:tc>
                 <a:extLst>
                   <a:ext uri="{0D108BD9-81ED-4DB2-BD59-A6C34878D82A}">
@@ -7789,90 +9371,98 @@
                   </a:ext>
                 </a:extLst>
               </a:tr>
-              <a:tr h="290830">
+              <a:tr h="446704">
                 <a:tc>
                   <a:txBody>
                     <a:bodyPr/>
                     <a:lstStyle/>
                     <a:p>
-                      <a:pPr indent="450215" algn="just">
+                      <a:pPr indent="0" algn="just">
                         <a:lnSpc>
                           <a:spcPct val="150000"/>
                         </a:lnSpc>
                       </a:pPr>
                       <a:r>
-                        <a:rPr lang="ru-RU" sz="1400" kern="150">
+                        <a:rPr lang="ru-RU" sz="2100" kern="150" dirty="0">
                           <a:effectLst/>
+                          <a:latin typeface="Times New Roman" panose="02020603050405020304" pitchFamily="18" charset="0"/>
+                          <a:cs typeface="Times New Roman" panose="02020603050405020304" pitchFamily="18" charset="0"/>
                         </a:rPr>
                         <a:t>Однопоточная</a:t>
                       </a:r>
-                      <a:endParaRPr lang="ru-RU" sz="1400" kern="150">
+                      <a:endParaRPr lang="ru-RU" sz="2100" kern="150" dirty="0">
                         <a:effectLst/>
                         <a:latin typeface="Times New Roman" panose="02020603050405020304" pitchFamily="18" charset="0"/>
                         <a:ea typeface="Noto Serif CJK SC"/>
-                        <a:cs typeface="Lohit Devanagari"/>
+                        <a:cs typeface="Times New Roman" panose="02020603050405020304" pitchFamily="18" charset="0"/>
                       </a:endParaRPr>
                     </a:p>
                   </a:txBody>
-                  <a:tcPr marL="68580" marR="68580" marT="0" marB="0" anchor="ctr"/>
+                  <a:tcPr marL="105337" marR="105337" marT="0" marB="0" anchor="ctr"/>
                 </a:tc>
                 <a:tc>
                   <a:txBody>
                     <a:bodyPr/>
                     <a:lstStyle/>
                     <a:p>
-                      <a:pPr indent="450215" algn="just">
+                      <a:pPr indent="0" algn="ctr">
                         <a:lnSpc>
                           <a:spcPct val="150000"/>
                         </a:lnSpc>
                       </a:pPr>
                       <a:r>
-                        <a:rPr lang="ru-RU" sz="1400" kern="150">
+                        <a:rPr lang="ru-RU" sz="2100" kern="150" dirty="0">
                           <a:effectLst/>
+                          <a:latin typeface="Times New Roman" panose="02020603050405020304" pitchFamily="18" charset="0"/>
+                          <a:cs typeface="Times New Roman" panose="02020603050405020304" pitchFamily="18" charset="0"/>
                         </a:rPr>
                         <a:t>729</a:t>
                       </a:r>
-                      <a:endParaRPr lang="ru-RU" sz="1400" kern="150">
+                      <a:endParaRPr lang="ru-RU" sz="2100" kern="150" dirty="0">
                         <a:effectLst/>
                         <a:latin typeface="Times New Roman" panose="02020603050405020304" pitchFamily="18" charset="0"/>
                         <a:ea typeface="Noto Serif CJK SC"/>
-                        <a:cs typeface="Lohit Devanagari"/>
+                        <a:cs typeface="Times New Roman" panose="02020603050405020304" pitchFamily="18" charset="0"/>
                       </a:endParaRPr>
                     </a:p>
                   </a:txBody>
-                  <a:tcPr marL="68580" marR="68580" marT="0" marB="0" anchor="ctr"/>
+                  <a:tcPr marL="105337" marR="105337" marT="0" marB="0" anchor="ctr"/>
                 </a:tc>
                 <a:tc>
                   <a:txBody>
                     <a:bodyPr/>
                     <a:lstStyle/>
                     <a:p>
-                      <a:pPr indent="450215" algn="just">
+                      <a:pPr indent="0" algn="ctr">
                         <a:lnSpc>
                           <a:spcPct val="150000"/>
                         </a:lnSpc>
                       </a:pPr>
                       <a:r>
-                        <a:rPr lang="en-US" sz="1400" kern="150">
+                        <a:rPr lang="en-US" sz="2100" kern="150" dirty="0">
                           <a:effectLst/>
+                          <a:latin typeface="Times New Roman" panose="02020603050405020304" pitchFamily="18" charset="0"/>
+                          <a:cs typeface="Times New Roman" panose="02020603050405020304" pitchFamily="18" charset="0"/>
                         </a:rPr>
                         <a:t>588,870</a:t>
                       </a:r>
                       <a:r>
-                        <a:rPr lang="ru-RU" sz="1400" kern="150">
+                        <a:rPr lang="ru-RU" sz="2100" kern="150" dirty="0">
                           <a:effectLst/>
+                          <a:latin typeface="Times New Roman" panose="02020603050405020304" pitchFamily="18" charset="0"/>
+                          <a:cs typeface="Times New Roman" panose="02020603050405020304" pitchFamily="18" charset="0"/>
                         </a:rPr>
                         <a:t> байт</a:t>
                       </a:r>
-                      <a:endParaRPr lang="ru-RU" sz="1400" kern="150">
+                      <a:endParaRPr lang="ru-RU" sz="2100" kern="150" dirty="0">
                         <a:effectLst/>
                         <a:latin typeface="Times New Roman" panose="02020603050405020304" pitchFamily="18" charset="0"/>
                         <a:ea typeface="Noto Serif CJK SC"/>
-                        <a:cs typeface="Lohit Devanagari"/>
+                        <a:cs typeface="Times New Roman" panose="02020603050405020304" pitchFamily="18" charset="0"/>
                       </a:endParaRPr>
                     </a:p>
                   </a:txBody>
-                  <a:tcPr marL="68580" marR="68580" marT="0" marB="0" anchor="ctr"/>
+                  <a:tcPr marL="105337" marR="105337" marT="0" marB="0" anchor="ctr"/>
                 </a:tc>
                 <a:extLst>
                   <a:ext uri="{0D108BD9-81ED-4DB2-BD59-A6C34878D82A}">
@@ -7880,84 +9470,90 @@
                   </a:ext>
                 </a:extLst>
               </a:tr>
-              <a:tr h="290830">
+              <a:tr h="446704">
                 <a:tc>
                   <a:txBody>
                     <a:bodyPr/>
                     <a:lstStyle/>
                     <a:p>
-                      <a:pPr indent="450215" algn="just">
+                      <a:pPr indent="0" algn="just">
                         <a:lnSpc>
                           <a:spcPct val="150000"/>
                         </a:lnSpc>
                       </a:pPr>
                       <a:r>
-                        <a:rPr lang="ru-RU" sz="1400" kern="150">
+                        <a:rPr lang="ru-RU" sz="2100" kern="150" dirty="0">
                           <a:effectLst/>
+                          <a:latin typeface="Times New Roman" panose="02020603050405020304" pitchFamily="18" charset="0"/>
+                          <a:cs typeface="Times New Roman" panose="02020603050405020304" pitchFamily="18" charset="0"/>
                         </a:rPr>
                         <a:t>Многопоточная</a:t>
                       </a:r>
-                      <a:endParaRPr lang="ru-RU" sz="1400" kern="150">
+                      <a:endParaRPr lang="ru-RU" sz="2100" kern="150" dirty="0">
                         <a:effectLst/>
                         <a:latin typeface="Times New Roman" panose="02020603050405020304" pitchFamily="18" charset="0"/>
                         <a:ea typeface="Noto Serif CJK SC"/>
-                        <a:cs typeface="Lohit Devanagari"/>
+                        <a:cs typeface="Times New Roman" panose="02020603050405020304" pitchFamily="18" charset="0"/>
                       </a:endParaRPr>
                     </a:p>
                   </a:txBody>
-                  <a:tcPr marL="68580" marR="68580" marT="0" marB="0" anchor="ctr"/>
+                  <a:tcPr marL="105337" marR="105337" marT="0" marB="0" anchor="ctr"/>
                 </a:tc>
                 <a:tc>
                   <a:txBody>
                     <a:bodyPr/>
                     <a:lstStyle/>
                     <a:p>
-                      <a:pPr indent="450215" algn="just">
+                      <a:pPr indent="0" algn="ctr">
                         <a:lnSpc>
                           <a:spcPct val="150000"/>
                         </a:lnSpc>
                       </a:pPr>
                       <a:r>
-                        <a:rPr lang="ru-RU" sz="1400" kern="150">
+                        <a:rPr lang="ru-RU" sz="2100" kern="150" dirty="0">
                           <a:effectLst/>
+                          <a:latin typeface="Times New Roman" panose="02020603050405020304" pitchFamily="18" charset="0"/>
+                          <a:cs typeface="Times New Roman" panose="02020603050405020304" pitchFamily="18" charset="0"/>
                         </a:rPr>
                         <a:t>812</a:t>
                       </a:r>
-                      <a:endParaRPr lang="ru-RU" sz="1400" kern="150">
+                      <a:endParaRPr lang="ru-RU" sz="2100" kern="150" dirty="0">
                         <a:effectLst/>
                         <a:latin typeface="Times New Roman" panose="02020603050405020304" pitchFamily="18" charset="0"/>
                         <a:ea typeface="Noto Serif CJK SC"/>
-                        <a:cs typeface="Lohit Devanagari"/>
+                        <a:cs typeface="Times New Roman" panose="02020603050405020304" pitchFamily="18" charset="0"/>
                       </a:endParaRPr>
                     </a:p>
                   </a:txBody>
-                  <a:tcPr marL="68580" marR="68580" marT="0" marB="0" anchor="ctr"/>
+                  <a:tcPr marL="105337" marR="105337" marT="0" marB="0" anchor="ctr"/>
                 </a:tc>
                 <a:tc>
                   <a:txBody>
                     <a:bodyPr/>
                     <a:lstStyle/>
                     <a:p>
-                      <a:pPr indent="450215" algn="just">
+                      <a:pPr indent="0" algn="ctr">
                         <a:lnSpc>
                           <a:spcPct val="150000"/>
                         </a:lnSpc>
                       </a:pPr>
                       <a:r>
-                        <a:rPr lang="ru-RU" sz="1400" kern="150">
+                        <a:rPr lang="ru-RU" sz="2100" kern="150" dirty="0">
                           <a:effectLst/>
+                          <a:latin typeface="Times New Roman" panose="02020603050405020304" pitchFamily="18" charset="0"/>
+                          <a:cs typeface="Times New Roman" panose="02020603050405020304" pitchFamily="18" charset="0"/>
                         </a:rPr>
                         <a:t>593,508 байт</a:t>
                       </a:r>
-                      <a:endParaRPr lang="ru-RU" sz="1400" kern="150">
+                      <a:endParaRPr lang="ru-RU" sz="2100" kern="150" dirty="0">
                         <a:effectLst/>
                         <a:latin typeface="Times New Roman" panose="02020603050405020304" pitchFamily="18" charset="0"/>
                         <a:ea typeface="Noto Serif CJK SC"/>
-                        <a:cs typeface="Lohit Devanagari"/>
+                        <a:cs typeface="Times New Roman" panose="02020603050405020304" pitchFamily="18" charset="0"/>
                       </a:endParaRPr>
                     </a:p>
                   </a:txBody>
-                  <a:tcPr marL="68580" marR="68580" marT="0" marB="0" anchor="ctr"/>
+                  <a:tcPr marL="105337" marR="105337" marT="0" marB="0" anchor="ctr"/>
                 </a:tc>
                 <a:extLst>
                   <a:ext uri="{0D108BD9-81ED-4DB2-BD59-A6C34878D82A}">
@@ -7965,84 +9561,90 @@
                   </a:ext>
                 </a:extLst>
               </a:tr>
-              <a:tr h="297815">
+              <a:tr h="457432">
                 <a:tc>
                   <a:txBody>
                     <a:bodyPr/>
                     <a:lstStyle/>
                     <a:p>
-                      <a:pPr indent="450215" algn="just">
+                      <a:pPr indent="0" algn="just">
                         <a:lnSpc>
                           <a:spcPct val="150000"/>
                         </a:lnSpc>
                       </a:pPr>
                       <a:r>
-                        <a:rPr lang="ru-RU" sz="1400" kern="150">
+                        <a:rPr lang="ru-RU" sz="2100" kern="150" dirty="0">
                           <a:effectLst/>
+                          <a:latin typeface="Times New Roman" panose="02020603050405020304" pitchFamily="18" charset="0"/>
+                          <a:cs typeface="Times New Roman" panose="02020603050405020304" pitchFamily="18" charset="0"/>
                         </a:rPr>
                         <a:t>Внешний пул</a:t>
                       </a:r>
-                      <a:endParaRPr lang="ru-RU" sz="1400" kern="150">
+                      <a:endParaRPr lang="ru-RU" sz="2100" kern="150" dirty="0">
                         <a:effectLst/>
                         <a:latin typeface="Times New Roman" panose="02020603050405020304" pitchFamily="18" charset="0"/>
                         <a:ea typeface="Noto Serif CJK SC"/>
-                        <a:cs typeface="Lohit Devanagari"/>
+                        <a:cs typeface="Times New Roman" panose="02020603050405020304" pitchFamily="18" charset="0"/>
                       </a:endParaRPr>
                     </a:p>
                   </a:txBody>
-                  <a:tcPr marL="68580" marR="68580" marT="0" marB="0" anchor="ctr"/>
+                  <a:tcPr marL="105337" marR="105337" marT="0" marB="0" anchor="ctr"/>
                 </a:tc>
                 <a:tc>
                   <a:txBody>
                     <a:bodyPr/>
                     <a:lstStyle/>
                     <a:p>
-                      <a:pPr indent="450215" algn="just">
+                      <a:pPr indent="0" algn="ctr">
                         <a:lnSpc>
                           <a:spcPct val="150000"/>
                         </a:lnSpc>
                       </a:pPr>
                       <a:r>
-                        <a:rPr lang="ru-RU" sz="1400" kern="150">
+                        <a:rPr lang="ru-RU" sz="2100" kern="150" dirty="0">
                           <a:effectLst/>
+                          <a:latin typeface="Times New Roman" panose="02020603050405020304" pitchFamily="18" charset="0"/>
+                          <a:cs typeface="Times New Roman" panose="02020603050405020304" pitchFamily="18" charset="0"/>
                         </a:rPr>
                         <a:t>831</a:t>
                       </a:r>
-                      <a:endParaRPr lang="ru-RU" sz="1400" kern="150">
+                      <a:endParaRPr lang="ru-RU" sz="2100" kern="150" dirty="0">
                         <a:effectLst/>
                         <a:latin typeface="Times New Roman" panose="02020603050405020304" pitchFamily="18" charset="0"/>
                         <a:ea typeface="Noto Serif CJK SC"/>
-                        <a:cs typeface="Lohit Devanagari"/>
+                        <a:cs typeface="Times New Roman" panose="02020603050405020304" pitchFamily="18" charset="0"/>
                       </a:endParaRPr>
                     </a:p>
                   </a:txBody>
-                  <a:tcPr marL="68580" marR="68580" marT="0" marB="0" anchor="ctr"/>
+                  <a:tcPr marL="105337" marR="105337" marT="0" marB="0" anchor="ctr"/>
                 </a:tc>
                 <a:tc>
                   <a:txBody>
                     <a:bodyPr/>
                     <a:lstStyle/>
                     <a:p>
-                      <a:pPr indent="450215" algn="just">
+                      <a:pPr indent="0" algn="ctr">
                         <a:lnSpc>
                           <a:spcPct val="150000"/>
                         </a:lnSpc>
                       </a:pPr>
                       <a:r>
-                        <a:rPr lang="ru-RU" sz="1400" kern="150">
+                        <a:rPr lang="ru-RU" sz="2100" kern="150" dirty="0">
                           <a:effectLst/>
+                          <a:latin typeface="Times New Roman" panose="02020603050405020304" pitchFamily="18" charset="0"/>
+                          <a:cs typeface="Times New Roman" panose="02020603050405020304" pitchFamily="18" charset="0"/>
                         </a:rPr>
                         <a:t>586,212 байт</a:t>
                       </a:r>
-                      <a:endParaRPr lang="ru-RU" sz="1400" kern="150">
+                      <a:endParaRPr lang="ru-RU" sz="2100" kern="150" dirty="0">
                         <a:effectLst/>
                         <a:latin typeface="Times New Roman" panose="02020603050405020304" pitchFamily="18" charset="0"/>
                         <a:ea typeface="Noto Serif CJK SC"/>
-                        <a:cs typeface="Lohit Devanagari"/>
+                        <a:cs typeface="Times New Roman" panose="02020603050405020304" pitchFamily="18" charset="0"/>
                       </a:endParaRPr>
                     </a:p>
                   </a:txBody>
-                  <a:tcPr marL="68580" marR="68580" marT="0" marB="0" anchor="ctr"/>
+                  <a:tcPr marL="105337" marR="105337" marT="0" marB="0" anchor="ctr"/>
                 </a:tc>
                 <a:extLst>
                   <a:ext uri="{0D108BD9-81ED-4DB2-BD59-A6C34878D82A}">
@@ -8050,84 +9652,90 @@
                   </a:ext>
                 </a:extLst>
               </a:tr>
-              <a:tr h="283210">
+              <a:tr h="438999">
                 <a:tc>
                   <a:txBody>
                     <a:bodyPr/>
                     <a:lstStyle/>
                     <a:p>
-                      <a:pPr indent="450215" algn="just">
+                      <a:pPr indent="0" algn="just">
                         <a:lnSpc>
                           <a:spcPct val="150000"/>
                         </a:lnSpc>
                       </a:pPr>
                       <a:r>
-                        <a:rPr lang="ru-RU" sz="1400" kern="150">
+                        <a:rPr lang="ru-RU" sz="2100" kern="150" dirty="0">
                           <a:effectLst/>
+                          <a:latin typeface="Times New Roman" panose="02020603050405020304" pitchFamily="18" charset="0"/>
+                          <a:cs typeface="Times New Roman" panose="02020603050405020304" pitchFamily="18" charset="0"/>
                         </a:rPr>
                         <a:t>Разработанный метод</a:t>
                       </a:r>
-                      <a:endParaRPr lang="ru-RU" sz="1400" kern="150">
+                      <a:endParaRPr lang="ru-RU" sz="2100" kern="150" dirty="0">
                         <a:effectLst/>
                         <a:latin typeface="Times New Roman" panose="02020603050405020304" pitchFamily="18" charset="0"/>
                         <a:ea typeface="Noto Serif CJK SC"/>
-                        <a:cs typeface="Lohit Devanagari"/>
+                        <a:cs typeface="Times New Roman" panose="02020603050405020304" pitchFamily="18" charset="0"/>
                       </a:endParaRPr>
                     </a:p>
                   </a:txBody>
-                  <a:tcPr marL="68580" marR="68580" marT="0" marB="0" anchor="ctr"/>
+                  <a:tcPr marL="105337" marR="105337" marT="0" marB="0" anchor="ctr"/>
                 </a:tc>
                 <a:tc>
                   <a:txBody>
                     <a:bodyPr/>
                     <a:lstStyle/>
                     <a:p>
-                      <a:pPr indent="450215" algn="just">
+                      <a:pPr indent="0" algn="ctr">
                         <a:lnSpc>
                           <a:spcPct val="150000"/>
                         </a:lnSpc>
                       </a:pPr>
                       <a:r>
-                        <a:rPr lang="ru-RU" sz="1400" kern="150">
+                        <a:rPr lang="ru-RU" sz="2100" kern="150" dirty="0">
                           <a:effectLst/>
+                          <a:latin typeface="Times New Roman" panose="02020603050405020304" pitchFamily="18" charset="0"/>
+                          <a:cs typeface="Times New Roman" panose="02020603050405020304" pitchFamily="18" charset="0"/>
                         </a:rPr>
                         <a:t>182</a:t>
                       </a:r>
-                      <a:endParaRPr lang="ru-RU" sz="1400" kern="150">
+                      <a:endParaRPr lang="ru-RU" sz="2100" kern="150" dirty="0">
                         <a:effectLst/>
                         <a:latin typeface="Times New Roman" panose="02020603050405020304" pitchFamily="18" charset="0"/>
                         <a:ea typeface="Noto Serif CJK SC"/>
-                        <a:cs typeface="Lohit Devanagari"/>
+                        <a:cs typeface="Times New Roman" panose="02020603050405020304" pitchFamily="18" charset="0"/>
                       </a:endParaRPr>
                     </a:p>
                   </a:txBody>
-                  <a:tcPr marL="68580" marR="68580" marT="0" marB="0" anchor="ctr"/>
+                  <a:tcPr marL="105337" marR="105337" marT="0" marB="0" anchor="ctr"/>
                 </a:tc>
                 <a:tc>
                   <a:txBody>
                     <a:bodyPr/>
                     <a:lstStyle/>
                     <a:p>
-                      <a:pPr indent="450215" algn="just">
+                      <a:pPr indent="0" algn="ctr">
                         <a:lnSpc>
                           <a:spcPct val="150000"/>
                         </a:lnSpc>
                       </a:pPr>
                       <a:r>
-                        <a:rPr lang="ru-RU" sz="1400" kern="150" dirty="0">
+                        <a:rPr lang="ru-RU" sz="2100" kern="150" dirty="0">
                           <a:effectLst/>
+                          <a:latin typeface="Times New Roman" panose="02020603050405020304" pitchFamily="18" charset="0"/>
+                          <a:cs typeface="Times New Roman" panose="02020603050405020304" pitchFamily="18" charset="0"/>
                         </a:rPr>
                         <a:t>180,794 байт</a:t>
                       </a:r>
-                      <a:endParaRPr lang="ru-RU" sz="1400" kern="150" dirty="0">
+                      <a:endParaRPr lang="ru-RU" sz="2100" kern="150" dirty="0">
                         <a:effectLst/>
                         <a:latin typeface="Times New Roman" panose="02020603050405020304" pitchFamily="18" charset="0"/>
                         <a:ea typeface="Noto Serif CJK SC"/>
-                        <a:cs typeface="Lohit Devanagari"/>
+                        <a:cs typeface="Times New Roman" panose="02020603050405020304" pitchFamily="18" charset="0"/>
                       </a:endParaRPr>
                     </a:p>
                   </a:txBody>
-                  <a:tcPr marL="68580" marR="68580" marT="0" marB="0" anchor="ctr"/>
+                  <a:tcPr marL="105337" marR="105337" marT="0" marB="0" anchor="ctr"/>
                 </a:tc>
                 <a:extLst>
                   <a:ext uri="{0D108BD9-81ED-4DB2-BD59-A6C34878D82A}">
@@ -8161,10 +9769,57 @@
           <a:lstStyle/>
           <a:p>
             <a:fld id="{5D15703D-96D9-4C94-B196-0ED7D1E8A93C}" type="slidenum">
-              <a:rPr lang="ru-RU" smtClean="0"/>
-              <a:t>12</a:t>
+              <a:rPr lang="ru-RU" sz="1800" smtClean="0">
+                <a:latin typeface="Times New Roman" panose="02020603050405020304" pitchFamily="18" charset="0"/>
+                <a:cs typeface="Times New Roman" panose="02020603050405020304" pitchFamily="18" charset="0"/>
+              </a:rPr>
+              <a:t>14</a:t>
             </a:fld>
-            <a:endParaRPr lang="ru-RU" dirty="0"/>
+            <a:endParaRPr lang="ru-RU" dirty="0">
+              <a:latin typeface="Times New Roman" panose="02020603050405020304" pitchFamily="18" charset="0"/>
+              <a:cs typeface="Times New Roman" panose="02020603050405020304" pitchFamily="18" charset="0"/>
+            </a:endParaRPr>
+          </a:p>
+        </p:txBody>
+      </p:sp>
+      <p:sp>
+        <p:nvSpPr>
+          <p:cNvPr id="6" name="TextBox 5">
+            <a:extLst>
+              <a:ext uri="{FF2B5EF4-FFF2-40B4-BE49-F238E27FC236}">
+                <a16:creationId xmlns:a16="http://schemas.microsoft.com/office/drawing/2014/main" id="{CAA3A705-E47D-C243-26D0-987134F29618}"/>
+              </a:ext>
+            </a:extLst>
+          </p:cNvPr>
+          <p:cNvSpPr txBox="1"/>
+          <p:nvPr/>
+        </p:nvSpPr>
+        <p:spPr>
+          <a:xfrm>
+            <a:off x="838199" y="1690688"/>
+            <a:ext cx="9390529" cy="707886"/>
+          </a:xfrm>
+          <a:prstGeom prst="rect">
+            <a:avLst/>
+          </a:prstGeom>
+          <a:noFill/>
+        </p:spPr>
+        <p:txBody>
+          <a:bodyPr wrap="square">
+            <a:spAutoFit/>
+          </a:bodyPr>
+          <a:lstStyle/>
+          <a:p>
+            <a:r>
+              <a:rPr lang="ru-RU" sz="2000" b="0" i="0" u="none" strike="noStrike" baseline="0" dirty="0">
+                <a:solidFill>
+                  <a:srgbClr val="000000"/>
+                </a:solidFill>
+                <a:latin typeface="Times New Roman" panose="02020603050405020304" pitchFamily="18" charset="0"/>
+              </a:rPr>
+              <a:t>Сравнение затрат памяти для каждой реализации в случае создания 10 соединений и выполнения простого запроса.</a:t>
+            </a:r>
+            <a:endParaRPr lang="ru-RU" sz="2000" dirty="0"/>
           </a:p>
         </p:txBody>
       </p:sp>
@@ -8181,7 +9836,7 @@
 </p:sld>
 </file>
 
-<file path=ppt/slides/slide13.xml><?xml version="1.0" encoding="utf-8"?>
+<file path=ppt/slides/slide15.xml><?xml version="1.0" encoding="utf-8"?>
 <p:sld xmlns:a="http://schemas.openxmlformats.org/drawingml/2006/main" xmlns:r="http://schemas.openxmlformats.org/officeDocument/2006/relationships" xmlns:p="http://schemas.openxmlformats.org/presentationml/2006/main">
   <p:cSld>
     <p:spTree>
@@ -8220,7 +9875,10 @@
           <a:lstStyle/>
           <a:p>
             <a:r>
-              <a:rPr lang="ru-RU" dirty="0"/>
+              <a:rPr lang="ru-RU" dirty="0">
+                <a:latin typeface="Times New Roman" panose="02020603050405020304" pitchFamily="18" charset="0"/>
+                <a:cs typeface="Times New Roman" panose="02020603050405020304" pitchFamily="18" charset="0"/>
+              </a:rPr>
               <a:t>Заключение</a:t>
             </a:r>
           </a:p>
@@ -8242,12 +9900,117 @@
             <p:ph idx="1"/>
           </p:nvPr>
         </p:nvSpPr>
-        <p:spPr/>
+        <p:spPr>
+          <a:xfrm>
+            <a:off x="838198" y="2633770"/>
+            <a:ext cx="10515600" cy="3110660"/>
+          </a:xfrm>
+        </p:spPr>
         <p:txBody>
-          <a:bodyPr/>
+          <a:bodyPr>
+            <a:normAutofit/>
+          </a:bodyPr>
           <a:lstStyle/>
           <a:p>
-            <a:endParaRPr lang="ru-RU"/>
+            <a:pPr marL="0" indent="0">
+              <a:lnSpc>
+                <a:spcPct val="100000"/>
+              </a:lnSpc>
+              <a:buNone/>
+            </a:pPr>
+            <a:r>
+              <a:rPr lang="ru-RU" sz="2000" b="0" i="1" u="none" strike="noStrike" baseline="0" dirty="0">
+                <a:solidFill>
+                  <a:srgbClr val="000000"/>
+                </a:solidFill>
+                <a:latin typeface="Times New Roman" panose="02020603050405020304" pitchFamily="18" charset="0"/>
+              </a:rPr>
+              <a:t>Поставленные задачи решены:</a:t>
+            </a:r>
+          </a:p>
+          <a:p>
+            <a:pPr>
+              <a:lnSpc>
+                <a:spcPct val="100000"/>
+              </a:lnSpc>
+            </a:pPr>
+            <a:r>
+              <a:rPr lang="ru-RU" sz="2000" b="0" i="0" u="none" strike="noStrike" baseline="0" dirty="0">
+                <a:solidFill>
+                  <a:srgbClr val="000000"/>
+                </a:solidFill>
+                <a:latin typeface="Times New Roman" panose="02020603050405020304" pitchFamily="18" charset="0"/>
+              </a:rPr>
+              <a:t>Выполнен анализ предметной области и существующих методов выполнения запросов в MPP системах</a:t>
+            </a:r>
+          </a:p>
+          <a:p>
+            <a:pPr>
+              <a:lnSpc>
+                <a:spcPct val="100000"/>
+              </a:lnSpc>
+            </a:pPr>
+            <a:r>
+              <a:rPr lang="ru-RU" sz="2000" b="0" i="0" u="none" strike="noStrike" baseline="0" dirty="0">
+                <a:solidFill>
+                  <a:srgbClr val="000000"/>
+                </a:solidFill>
+                <a:latin typeface="Times New Roman" panose="02020603050405020304" pitchFamily="18" charset="0"/>
+              </a:rPr>
+              <a:t>Разработан метод параллельного выполнения запросов к СУБД PostgreSQL в пределах одного соединения</a:t>
+            </a:r>
+          </a:p>
+          <a:p>
+            <a:pPr>
+              <a:lnSpc>
+                <a:spcPct val="100000"/>
+              </a:lnSpc>
+            </a:pPr>
+            <a:r>
+              <a:rPr lang="ru-RU" sz="2000" b="0" i="0" u="none" strike="noStrike" baseline="0" dirty="0">
+                <a:solidFill>
+                  <a:srgbClr val="000000"/>
+                </a:solidFill>
+                <a:latin typeface="Times New Roman" panose="02020603050405020304" pitchFamily="18" charset="0"/>
+              </a:rPr>
+              <a:t>Реализован программный модуль для СУБД PostgreSQL</a:t>
+            </a:r>
+            <a:endParaRPr lang="ru-RU" sz="2000" dirty="0">
+              <a:solidFill>
+                <a:srgbClr val="000000"/>
+              </a:solidFill>
+              <a:latin typeface="Times New Roman" panose="02020603050405020304" pitchFamily="18" charset="0"/>
+            </a:endParaRPr>
+          </a:p>
+          <a:p>
+            <a:pPr>
+              <a:lnSpc>
+                <a:spcPct val="100000"/>
+              </a:lnSpc>
+            </a:pPr>
+            <a:r>
+              <a:rPr lang="ru-RU" sz="2000" b="0" i="0" u="none" strike="noStrike" baseline="0" dirty="0">
+                <a:solidFill>
+                  <a:srgbClr val="000000"/>
+                </a:solidFill>
+                <a:latin typeface="Times New Roman" panose="02020603050405020304" pitchFamily="18" charset="0"/>
+              </a:rPr>
+              <a:t>Выполнен сравнительный анализ стандартных методов обработки запросов к СУБД PostgreSQL с реализуемым методом</a:t>
+            </a:r>
+          </a:p>
+          <a:p>
+            <a:pPr marL="0" indent="0">
+              <a:lnSpc>
+                <a:spcPct val="100000"/>
+              </a:lnSpc>
+              <a:buNone/>
+            </a:pPr>
+            <a:endParaRPr lang="ru-RU" sz="2000" b="0" i="0" u="none" strike="noStrike" baseline="0" dirty="0">
+              <a:solidFill>
+                <a:srgbClr val="000000"/>
+              </a:solidFill>
+              <a:latin typeface="Times New Roman" panose="02020603050405020304" pitchFamily="18" charset="0"/>
+            </a:endParaRPr>
           </a:p>
         </p:txBody>
       </p:sp>
@@ -8273,10 +10036,116 @@
           <a:lstStyle/>
           <a:p>
             <a:fld id="{5D15703D-96D9-4C94-B196-0ED7D1E8A93C}" type="slidenum">
-              <a:rPr lang="ru-RU" smtClean="0"/>
-              <a:t>13</a:t>
+              <a:rPr lang="ru-RU" sz="1800" smtClean="0">
+                <a:latin typeface="Times New Roman" panose="02020603050405020304" pitchFamily="18" charset="0"/>
+                <a:cs typeface="Times New Roman" panose="02020603050405020304" pitchFamily="18" charset="0"/>
+              </a:rPr>
+              <a:t>15</a:t>
             </a:fld>
-            <a:endParaRPr lang="ru-RU" dirty="0"/>
+            <a:endParaRPr lang="ru-RU" dirty="0">
+              <a:latin typeface="Times New Roman" panose="02020603050405020304" pitchFamily="18" charset="0"/>
+              <a:cs typeface="Times New Roman" panose="02020603050405020304" pitchFamily="18" charset="0"/>
+            </a:endParaRPr>
+          </a:p>
+        </p:txBody>
+      </p:sp>
+      <p:sp>
+        <p:nvSpPr>
+          <p:cNvPr id="6" name="TextBox 5">
+            <a:extLst>
+              <a:ext uri="{FF2B5EF4-FFF2-40B4-BE49-F238E27FC236}">
+                <a16:creationId xmlns:a16="http://schemas.microsoft.com/office/drawing/2014/main" id="{FBF91DF1-CFD0-DBDA-7850-6C58D17F8C53}"/>
+              </a:ext>
+            </a:extLst>
+          </p:cNvPr>
+          <p:cNvSpPr txBox="1"/>
+          <p:nvPr/>
+        </p:nvSpPr>
+        <p:spPr>
+          <a:xfrm>
+            <a:off x="838199" y="1685399"/>
+            <a:ext cx="10515599" cy="707886"/>
+          </a:xfrm>
+          <a:prstGeom prst="rect">
+            <a:avLst/>
+          </a:prstGeom>
+          <a:noFill/>
+        </p:spPr>
+        <p:txBody>
+          <a:bodyPr wrap="square">
+            <a:spAutoFit/>
+          </a:bodyPr>
+          <a:lstStyle/>
+          <a:p>
+            <a:pPr marL="0" indent="0">
+              <a:lnSpc>
+                <a:spcPct val="100000"/>
+              </a:lnSpc>
+              <a:buNone/>
+            </a:pPr>
+            <a:r>
+              <a:rPr lang="ru-RU" sz="2000" i="1" dirty="0">
+                <a:solidFill>
+                  <a:srgbClr val="000000"/>
+                </a:solidFill>
+                <a:latin typeface="Times New Roman" panose="02020603050405020304" pitchFamily="18" charset="0"/>
+              </a:rPr>
+              <a:t>Цель достигнута: </a:t>
+            </a:r>
+            <a:r>
+              <a:rPr lang="ru-RU" sz="2000" dirty="0">
+                <a:latin typeface="Times New Roman" panose="02020603050405020304" pitchFamily="18" charset="0"/>
+                <a:cs typeface="Times New Roman" panose="02020603050405020304" pitchFamily="18" charset="0"/>
+              </a:rPr>
+              <a:t>разработан метод параллельного выполнения запросов к СУБД PostgreSQL в пределах одного соединения.</a:t>
+            </a:r>
+          </a:p>
+        </p:txBody>
+      </p:sp>
+      <p:sp>
+        <p:nvSpPr>
+          <p:cNvPr id="8" name="TextBox 7">
+            <a:extLst>
+              <a:ext uri="{FF2B5EF4-FFF2-40B4-BE49-F238E27FC236}">
+                <a16:creationId xmlns:a16="http://schemas.microsoft.com/office/drawing/2014/main" id="{3769DCA8-E747-35F1-1DB0-4332AE0F59BB}"/>
+              </a:ext>
+            </a:extLst>
+          </p:cNvPr>
+          <p:cNvSpPr txBox="1"/>
+          <p:nvPr/>
+        </p:nvSpPr>
+        <p:spPr>
+          <a:xfrm>
+            <a:off x="838198" y="5984915"/>
+            <a:ext cx="6096000" cy="400110"/>
+          </a:xfrm>
+          <a:prstGeom prst="rect">
+            <a:avLst/>
+          </a:prstGeom>
+          <a:noFill/>
+        </p:spPr>
+        <p:txBody>
+          <a:bodyPr wrap="square">
+            <a:spAutoFit/>
+          </a:bodyPr>
+          <a:lstStyle/>
+          <a:p>
+            <a:pPr marL="0" indent="0">
+              <a:lnSpc>
+                <a:spcPct val="100000"/>
+              </a:lnSpc>
+              <a:buNone/>
+            </a:pPr>
+            <a:r>
+              <a:rPr lang="ru-RU" sz="2000" b="0" i="0" u="none" strike="noStrike" baseline="0" dirty="0">
+                <a:solidFill>
+                  <a:srgbClr val="000000"/>
+                </a:solidFill>
+                <a:latin typeface="Times New Roman" panose="02020603050405020304" pitchFamily="18" charset="0"/>
+              </a:rPr>
+              <a:t>Предложенный метод рекомендуется к применению.</a:t>
+            </a:r>
+            <a:endParaRPr lang="ru-RU" sz="3200" dirty="0"/>
           </a:p>
         </p:txBody>
       </p:sp>
@@ -8293,7 +10162,7 @@
 </p:sld>
 </file>
 
-<file path=ppt/slides/slide14.xml><?xml version="1.0" encoding="utf-8"?>
+<file path=ppt/slides/slide16.xml><?xml version="1.0" encoding="utf-8"?>
 <p:sld xmlns:a="http://schemas.openxmlformats.org/drawingml/2006/main" xmlns:r="http://schemas.openxmlformats.org/officeDocument/2006/relationships" xmlns:p="http://schemas.openxmlformats.org/presentationml/2006/main">
   <p:cSld>
     <p:spTree>
@@ -8332,7 +10201,10 @@
           <a:lstStyle/>
           <a:p>
             <a:r>
-              <a:rPr lang="ru-RU" dirty="0"/>
+              <a:rPr lang="ru-RU" dirty="0">
+                <a:latin typeface="Times New Roman" panose="02020603050405020304" pitchFamily="18" charset="0"/>
+                <a:cs typeface="Times New Roman" panose="02020603050405020304" pitchFamily="18" charset="0"/>
+              </a:rPr>
               <a:t>Дальнейшее развитие</a:t>
             </a:r>
           </a:p>
@@ -8356,10 +10228,41 @@
         </p:nvSpPr>
         <p:spPr/>
         <p:txBody>
-          <a:bodyPr/>
+          <a:bodyPr>
+            <a:normAutofit/>
+          </a:bodyPr>
           <a:lstStyle/>
           <a:p>
-            <a:endParaRPr lang="ru-RU"/>
+            <a:r>
+              <a:rPr lang="ru-RU" sz="2400" dirty="0">
+                <a:latin typeface="Times New Roman" panose="02020603050405020304" pitchFamily="18" charset="0"/>
+                <a:cs typeface="Times New Roman" panose="02020603050405020304" pitchFamily="18" charset="0"/>
+              </a:rPr>
+              <a:t>Конкатенация сообщений об ошибке в функции получения результата </a:t>
+            </a:r>
+            <a:r>
+              <a:rPr lang="ru-RU" sz="2400" i="1" dirty="0">
+                <a:latin typeface="Times New Roman" panose="02020603050405020304" pitchFamily="18" charset="0"/>
+                <a:cs typeface="Times New Roman" panose="02020603050405020304" pitchFamily="18" charset="0"/>
+              </a:rPr>
+              <a:t>PQgetResultThread()</a:t>
+            </a:r>
+            <a:r>
+              <a:rPr lang="ru-RU" sz="2400" dirty="0">
+                <a:latin typeface="Times New Roman" panose="02020603050405020304" pitchFamily="18" charset="0"/>
+                <a:cs typeface="Times New Roman" panose="02020603050405020304" pitchFamily="18" charset="0"/>
+              </a:rPr>
+              <a:t>.</a:t>
+            </a:r>
+          </a:p>
+          <a:p>
+            <a:r>
+              <a:rPr lang="ru-RU" sz="2400" dirty="0">
+                <a:latin typeface="Times New Roman" panose="02020603050405020304" pitchFamily="18" charset="0"/>
+                <a:cs typeface="Times New Roman" panose="02020603050405020304" pitchFamily="18" charset="0"/>
+              </a:rPr>
+              <a:t>Обеспечение безопасности данных при передаче соединения в созданные потоки.</a:t>
+            </a:r>
           </a:p>
         </p:txBody>
       </p:sp>
@@ -8385,10 +10288,16 @@
           <a:lstStyle/>
           <a:p>
             <a:fld id="{5D15703D-96D9-4C94-B196-0ED7D1E8A93C}" type="slidenum">
-              <a:rPr lang="ru-RU" smtClean="0"/>
-              <a:t>14</a:t>
+              <a:rPr lang="ru-RU" sz="1800" smtClean="0">
+                <a:latin typeface="Times New Roman" panose="02020603050405020304" pitchFamily="18" charset="0"/>
+                <a:cs typeface="Times New Roman" panose="02020603050405020304" pitchFamily="18" charset="0"/>
+              </a:rPr>
+              <a:t>16</a:t>
             </a:fld>
-            <a:endParaRPr lang="ru-RU" dirty="0"/>
+            <a:endParaRPr lang="ru-RU" sz="1800" dirty="0">
+              <a:latin typeface="Times New Roman" panose="02020603050405020304" pitchFamily="18" charset="0"/>
+              <a:cs typeface="Times New Roman" panose="02020603050405020304" pitchFamily="18" charset="0"/>
+            </a:endParaRPr>
           </a:p>
         </p:txBody>
       </p:sp>
@@ -8442,7 +10351,7 @@
                 <a:latin typeface="Times New Roman" panose="02020603050405020304" pitchFamily="18" charset="0"/>
                 <a:cs typeface="Times New Roman" panose="02020603050405020304" pitchFamily="18" charset="0"/>
               </a:rPr>
-              <a:t>Цели и задачи работы</a:t>
+              <a:t>Цель и задачи работы</a:t>
             </a:r>
           </a:p>
         </p:txBody>
@@ -8477,14 +10386,7 @@
                 <a:latin typeface="Times New Roman" panose="02020603050405020304" pitchFamily="18" charset="0"/>
                 <a:cs typeface="Times New Roman" panose="02020603050405020304" pitchFamily="18" charset="0"/>
               </a:rPr>
-              <a:t>Цель данной работы</a:t>
-            </a:r>
-            <a:r>
-              <a:rPr lang="en-US" sz="2600" b="1" dirty="0">
-                <a:latin typeface="Times New Roman" panose="02020603050405020304" pitchFamily="18" charset="0"/>
-                <a:cs typeface="Times New Roman" panose="02020603050405020304" pitchFamily="18" charset="0"/>
-              </a:rPr>
-              <a:t> </a:t>
+              <a:t>Цель </a:t>
             </a:r>
             <a:r>
               <a:rPr lang="ru-RU" sz="1800" dirty="0">
@@ -8507,7 +10409,7 @@
                 <a:latin typeface="Times New Roman" panose="02020603050405020304" pitchFamily="18" charset="0"/>
                 <a:cs typeface="Times New Roman" panose="02020603050405020304" pitchFamily="18" charset="0"/>
               </a:rPr>
-              <a:t>разработка и реализация метода параллельного выполнения запросов к СУБД PostgreSQL в пределах одного соединения.</a:t>
+              <a:t>разработать метод параллельного выполнения запросов к СУБД PostgreSQL в пределах одного соединения.</a:t>
             </a:r>
           </a:p>
         </p:txBody>
@@ -8717,17 +10619,21 @@
                 <a:latin typeface="Times New Roman" panose="02020603050405020304" pitchFamily="18" charset="0"/>
                 <a:cs typeface="Times New Roman" panose="02020603050405020304" pitchFamily="18" charset="0"/>
               </a:rPr>
-              <a:t>Анализ предметной области и существующих методов реализации многопоточного доступа в MPP системах;</a:t>
-            </a:r>
-          </a:p>
-          <a:p>
-            <a:pPr lvl="1"/>
+              <a:t>Выполнить анализ предметной области и существующих методов выполнения запросов в </a:t>
+            </a:r>
+            <a:r>
+              <a:rPr lang="en-US" dirty="0">
+                <a:latin typeface="Times New Roman" panose="02020603050405020304" pitchFamily="18" charset="0"/>
+                <a:cs typeface="Times New Roman" panose="02020603050405020304" pitchFamily="18" charset="0"/>
+              </a:rPr>
+              <a:t>MPP </a:t>
+            </a:r>
             <a:r>
               <a:rPr lang="ru-RU" dirty="0">
                 <a:latin typeface="Times New Roman" panose="02020603050405020304" pitchFamily="18" charset="0"/>
                 <a:cs typeface="Times New Roman" panose="02020603050405020304" pitchFamily="18" charset="0"/>
               </a:rPr>
-              <a:t>Разработка метода параллельного выполнения запросов к СУБД PostgreSQL в пределах одного соединения; </a:t>
+              <a:t>системах</a:t>
             </a:r>
           </a:p>
           <a:p>
@@ -8737,21 +10643,17 @@
                 <a:latin typeface="Times New Roman" panose="02020603050405020304" pitchFamily="18" charset="0"/>
                 <a:cs typeface="Times New Roman" panose="02020603050405020304" pitchFamily="18" charset="0"/>
               </a:rPr>
-              <a:t>Реализация программного модуля для СУБД </a:t>
-            </a:r>
-            <a:r>
-              <a:rPr lang="ru-RU" dirty="0" err="1">
-                <a:latin typeface="Times New Roman" panose="02020603050405020304" pitchFamily="18" charset="0"/>
-                <a:cs typeface="Times New Roman" panose="02020603050405020304" pitchFamily="18" charset="0"/>
-              </a:rPr>
-              <a:t>PostgreSQL</a:t>
-            </a:r>
+              <a:t>Разработать метод параллельного выполнения запросов к СУБД PostgreSQL в пределах одного соединения</a:t>
+            </a:r>
+          </a:p>
+          <a:p>
+            <a:pPr lvl="1"/>
             <a:r>
               <a:rPr lang="ru-RU" dirty="0">
                 <a:latin typeface="Times New Roman" panose="02020603050405020304" pitchFamily="18" charset="0"/>
                 <a:cs typeface="Times New Roman" panose="02020603050405020304" pitchFamily="18" charset="0"/>
               </a:rPr>
-              <a:t>;</a:t>
+              <a:t>Реализовать программный модуль для СУБД PostgreSQL</a:t>
             </a:r>
           </a:p>
           <a:p>
@@ -8761,7 +10663,7 @@
                 <a:latin typeface="Times New Roman" panose="02020603050405020304" pitchFamily="18" charset="0"/>
                 <a:cs typeface="Times New Roman" panose="02020603050405020304" pitchFamily="18" charset="0"/>
               </a:rPr>
-              <a:t>Сравнительный анализ стандартного метода обработки запросов к СУБД PostgreSQL с реализуемым методом.</a:t>
+              <a:t>Выполнить сравнительный анализ стандартных методов обработки запросов к СУБД PostgreSQL с реализуемым методом.</a:t>
             </a:r>
           </a:p>
         </p:txBody>
@@ -8866,10 +10768,16 @@
           <a:lstStyle/>
           <a:p>
             <a:fld id="{5D15703D-96D9-4C94-B196-0ED7D1E8A93C}" type="slidenum">
-              <a:rPr lang="ru-RU" smtClean="0"/>
+              <a:rPr lang="ru-RU" sz="1800" smtClean="0">
+                <a:latin typeface="Times New Roman" panose="02020603050405020304" pitchFamily="18" charset="0"/>
+                <a:cs typeface="Times New Roman" panose="02020603050405020304" pitchFamily="18" charset="0"/>
+              </a:rPr>
               <a:t>3</a:t>
             </a:fld>
-            <a:endParaRPr lang="ru-RU" dirty="0"/>
+            <a:endParaRPr lang="ru-RU" sz="1800" dirty="0">
+              <a:latin typeface="Times New Roman" panose="02020603050405020304" pitchFamily="18" charset="0"/>
+              <a:cs typeface="Times New Roman" panose="02020603050405020304" pitchFamily="18" charset="0"/>
+            </a:endParaRPr>
           </a:p>
         </p:txBody>
       </p:sp>
@@ -8883,14 +10791,14 @@
             <p:ph idx="1"/>
             <p:extLst>
               <p:ext uri="{D42A27DB-BD31-4B8C-83A1-F6EECF244321}">
-                <p14:modId xmlns:p14="http://schemas.microsoft.com/office/powerpoint/2010/main" val="1117698768"/>
+                <p14:modId xmlns:p14="http://schemas.microsoft.com/office/powerpoint/2010/main" val="804986888"/>
               </p:ext>
             </p:extLst>
           </p:nvPr>
         </p:nvGraphicFramePr>
         <p:xfrm>
-          <a:off x="838200" y="2244870"/>
-          <a:ext cx="5996709" cy="3311004"/>
+          <a:off x="838201" y="2244870"/>
+          <a:ext cx="5505449" cy="3311004"/>
         </p:xfrm>
         <a:graphic>
           <a:graphicData uri="http://schemas.openxmlformats.org/drawingml/2006/chart">
@@ -8900,14 +10808,20 @@
       </p:graphicFrame>
       <p:sp>
         <p:nvSpPr>
-          <p:cNvPr id="6" name="TextBox 5"/>
+          <p:cNvPr id="7" name="TextBox 6">
+            <a:extLst>
+              <a:ext uri="{FF2B5EF4-FFF2-40B4-BE49-F238E27FC236}">
+                <a16:creationId xmlns:a16="http://schemas.microsoft.com/office/drawing/2014/main" id="{75ADA113-DC39-6365-BA19-1217069D81E3}"/>
+              </a:ext>
+            </a:extLst>
+          </p:cNvPr>
           <p:cNvSpPr txBox="1"/>
           <p:nvPr/>
         </p:nvSpPr>
         <p:spPr>
           <a:xfrm>
-            <a:off x="7257474" y="2244870"/>
-            <a:ext cx="4886035" cy="923330"/>
+            <a:off x="6781800" y="2244870"/>
+            <a:ext cx="4571999" cy="1754326"/>
           </a:xfrm>
           <a:prstGeom prst="rect">
             <a:avLst/>
@@ -8922,29 +10836,22 @@
           <a:p>
             <a:r>
               <a:rPr lang="ru-RU" dirty="0">
+                <a:solidFill>
+                  <a:srgbClr val="000000"/>
+                </a:solidFill>
                 <a:latin typeface="Times New Roman" panose="02020603050405020304" pitchFamily="18" charset="0"/>
-                <a:cs typeface="Times New Roman" panose="02020603050405020304" pitchFamily="18" charset="0"/>
               </a:rPr>
-              <a:t>Выбор </a:t>
-            </a:r>
-            <a:r>
-              <a:rPr lang="en-US" dirty="0">
+              <a:t>Доступ к </a:t>
+            </a:r>
+            <a:r>
+              <a:rPr lang="ru-RU" sz="1800" b="0" i="0" u="none" strike="noStrike" baseline="0" dirty="0">
+                <a:solidFill>
+                  <a:srgbClr val="000000"/>
+                </a:solidFill>
                 <a:latin typeface="Times New Roman" panose="02020603050405020304" pitchFamily="18" charset="0"/>
-                <a:cs typeface="Times New Roman" panose="02020603050405020304" pitchFamily="18" charset="0"/>
               </a:rPr>
-              <a:t>PostgreSQL </a:t>
-            </a:r>
-            <a:r>
-              <a:rPr lang="ru-RU" dirty="0">
-                <a:latin typeface="Times New Roman" panose="02020603050405020304" pitchFamily="18" charset="0"/>
-                <a:cs typeface="Times New Roman" panose="02020603050405020304" pitchFamily="18" charset="0"/>
-              </a:rPr>
-              <a:t>аргументирован</a:t>
-            </a:r>
-            <a:endParaRPr lang="en-US" dirty="0">
-              <a:latin typeface="Times New Roman" panose="02020603050405020304" pitchFamily="18" charset="0"/>
-              <a:cs typeface="Times New Roman" panose="02020603050405020304" pitchFamily="18" charset="0"/>
-            </a:endParaRPr>
+              <a:t>БД объемом 100.000 записей:</a:t>
+            </a:r>
           </a:p>
           <a:p>
             <a:pPr marL="285750" indent="-285750">
@@ -8953,10 +10860,21 @@
             </a:pPr>
             <a:r>
               <a:rPr lang="ru-RU" dirty="0">
+                <a:solidFill>
+                  <a:srgbClr val="000000"/>
+                </a:solidFill>
                 <a:latin typeface="Times New Roman" panose="02020603050405020304" pitchFamily="18" charset="0"/>
-                <a:cs typeface="Times New Roman" panose="02020603050405020304" pitchFamily="18" charset="0"/>
               </a:rPr>
-              <a:t>доступностью исходного кода;</a:t>
+              <a:t>многопоточная программа примерно </a:t>
+            </a:r>
+            <a:r>
+              <a:rPr lang="ru-RU" sz="1800" b="0" i="0" u="none" strike="noStrike" baseline="0" dirty="0">
+                <a:solidFill>
+                  <a:srgbClr val="000000"/>
+                </a:solidFill>
+                <a:latin typeface="Times New Roman" panose="02020603050405020304" pitchFamily="18" charset="0"/>
+              </a:rPr>
+              <a:t>в 1000 раз работает быстрее;</a:t>
             </a:r>
           </a:p>
           <a:p>
@@ -8967,10 +10885,69 @@
             <a:r>
               <a:rPr lang="ru-RU" dirty="0">
                 <a:latin typeface="Times New Roman" panose="02020603050405020304" pitchFamily="18" charset="0"/>
-                <a:cs typeface="Times New Roman" panose="02020603050405020304" pitchFamily="18" charset="0"/>
               </a:rPr>
-              <a:t>кроссплатформенностью.</a:t>
-            </a:r>
+              <a:t>о</a:t>
+            </a:r>
+            <a:r>
+              <a:rPr lang="ru-RU" sz="1800" b="0" i="0" u="none" strike="noStrike" baseline="0" dirty="0">
+                <a:latin typeface="Times New Roman" panose="02020603050405020304" pitchFamily="18" charset="0"/>
+              </a:rPr>
+              <a:t>днопоточная программа показывает нестабильную работу на больших данных.</a:t>
+            </a:r>
+            <a:endParaRPr lang="ru-RU" dirty="0">
+              <a:latin typeface="Times New Roman" panose="02020603050405020304" pitchFamily="18" charset="0"/>
+              <a:cs typeface="Times New Roman" panose="02020603050405020304" pitchFamily="18" charset="0"/>
+            </a:endParaRPr>
+          </a:p>
+        </p:txBody>
+      </p:sp>
+      <p:sp>
+        <p:nvSpPr>
+          <p:cNvPr id="11" name="TextBox 10">
+            <a:extLst>
+              <a:ext uri="{FF2B5EF4-FFF2-40B4-BE49-F238E27FC236}">
+                <a16:creationId xmlns:a16="http://schemas.microsoft.com/office/drawing/2014/main" id="{CC44C7D7-5CF8-B4B0-413C-EE04B11C1BFE}"/>
+              </a:ext>
+            </a:extLst>
+          </p:cNvPr>
+          <p:cNvSpPr txBox="1"/>
+          <p:nvPr/>
+        </p:nvSpPr>
+        <p:spPr>
+          <a:xfrm>
+            <a:off x="6781800" y="4531441"/>
+            <a:ext cx="4571999" cy="923330"/>
+          </a:xfrm>
+          <a:prstGeom prst="rect">
+            <a:avLst/>
+          </a:prstGeom>
+          <a:noFill/>
+        </p:spPr>
+        <p:txBody>
+          <a:bodyPr wrap="square">
+            <a:spAutoFit/>
+          </a:bodyPr>
+          <a:lstStyle/>
+          <a:p>
+            <a:r>
+              <a:rPr lang="ru-RU" dirty="0">
+                <a:solidFill>
+                  <a:srgbClr val="000000"/>
+                </a:solidFill>
+                <a:latin typeface="Times New Roman" panose="02020603050405020304" pitchFamily="18" charset="0"/>
+              </a:rPr>
+              <a:t>О</a:t>
+            </a:r>
+            <a:r>
+              <a:rPr lang="ru-RU" sz="1800" b="0" i="0" u="none" strike="noStrike" baseline="0" dirty="0">
+                <a:solidFill>
+                  <a:srgbClr val="000000"/>
+                </a:solidFill>
+                <a:latin typeface="Times New Roman" panose="02020603050405020304" pitchFamily="18" charset="0"/>
+              </a:rPr>
+              <a:t>перация подключения — одна из самых дорогостоящих (процесс подключения к БД занимает от 2 до 3 МБ). </a:t>
+            </a:r>
+            <a:endParaRPr lang="ru-RU" dirty="0"/>
           </a:p>
         </p:txBody>
       </p:sp>
@@ -9031,6 +11008,1171 @@
       </p:sp>
       <p:sp>
         <p:nvSpPr>
+          <p:cNvPr id="4" name="Номер слайда 3"/>
+          <p:cNvSpPr>
+            <a:spLocks noGrp="1"/>
+          </p:cNvSpPr>
+          <p:nvPr>
+            <p:ph type="sldNum" sz="quarter" idx="12"/>
+          </p:nvPr>
+        </p:nvSpPr>
+        <p:spPr/>
+        <p:txBody>
+          <a:bodyPr/>
+          <a:lstStyle/>
+          <a:p>
+            <a:fld id="{5D15703D-96D9-4C94-B196-0ED7D1E8A93C}" type="slidenum">
+              <a:rPr lang="ru-RU" sz="1800" smtClean="0">
+                <a:latin typeface="Times New Roman" panose="02020603050405020304" pitchFamily="18" charset="0"/>
+                <a:cs typeface="Times New Roman" panose="02020603050405020304" pitchFamily="18" charset="0"/>
+              </a:rPr>
+              <a:t>4</a:t>
+            </a:fld>
+            <a:endParaRPr lang="ru-RU" sz="1800" dirty="0">
+              <a:latin typeface="Times New Roman" panose="02020603050405020304" pitchFamily="18" charset="0"/>
+              <a:cs typeface="Times New Roman" panose="02020603050405020304" pitchFamily="18" charset="0"/>
+            </a:endParaRPr>
+          </a:p>
+        </p:txBody>
+      </p:sp>
+      <p:graphicFrame>
+        <p:nvGraphicFramePr>
+          <p:cNvPr id="9" name="Таблица 8">
+            <a:extLst>
+              <a:ext uri="{FF2B5EF4-FFF2-40B4-BE49-F238E27FC236}">
+                <a16:creationId xmlns:a16="http://schemas.microsoft.com/office/drawing/2014/main" id="{760CD65D-A072-B8A1-B0E7-A274661AF3DE}"/>
+              </a:ext>
+            </a:extLst>
+          </p:cNvPr>
+          <p:cNvGraphicFramePr>
+            <a:graphicFrameLocks noGrp="1"/>
+          </p:cNvGraphicFramePr>
+          <p:nvPr>
+            <p:extLst>
+              <p:ext uri="{D42A27DB-BD31-4B8C-83A1-F6EECF244321}">
+                <p14:modId xmlns:p14="http://schemas.microsoft.com/office/powerpoint/2010/main" val="2713086848"/>
+              </p:ext>
+            </p:extLst>
+          </p:nvPr>
+        </p:nvGraphicFramePr>
+        <p:xfrm>
+          <a:off x="5872162" y="1690688"/>
+          <a:ext cx="5476875" cy="2682240"/>
+        </p:xfrm>
+        <a:graphic>
+          <a:graphicData uri="http://schemas.openxmlformats.org/drawingml/2006/table">
+            <a:tbl>
+              <a:tblPr firstRow="1" firstCol="1" bandRow="1">
+                <a:tableStyleId>{F5AB1C69-6EDB-4FF4-983F-18BD219EF322}</a:tableStyleId>
+              </a:tblPr>
+              <a:tblGrid>
+                <a:gridCol w="914352">
+                  <a:extLst>
+                    <a:ext uri="{9D8B030D-6E8A-4147-A177-3AD203B41FA5}">
+                      <a16:colId xmlns:a16="http://schemas.microsoft.com/office/drawing/2014/main" val="1446329827"/>
+                    </a:ext>
+                  </a:extLst>
+                </a:gridCol>
+                <a:gridCol w="2115016">
+                  <a:extLst>
+                    <a:ext uri="{9D8B030D-6E8A-4147-A177-3AD203B41FA5}">
+                      <a16:colId xmlns:a16="http://schemas.microsoft.com/office/drawing/2014/main" val="1616460064"/>
+                    </a:ext>
+                  </a:extLst>
+                </a:gridCol>
+                <a:gridCol w="2447507">
+                  <a:extLst>
+                    <a:ext uri="{9D8B030D-6E8A-4147-A177-3AD203B41FA5}">
+                      <a16:colId xmlns:a16="http://schemas.microsoft.com/office/drawing/2014/main" val="2821150434"/>
+                    </a:ext>
+                  </a:extLst>
+                </a:gridCol>
+              </a:tblGrid>
+              <a:tr h="0">
+                <a:tc>
+                  <a:txBody>
+                    <a:bodyPr/>
+                    <a:lstStyle/>
+                    <a:p>
+                      <a:pPr indent="0" algn="l"/>
+                      <a:r>
+                        <a:rPr lang="ru-RU" sz="1600" kern="150" dirty="0">
+                          <a:effectLst/>
+                          <a:latin typeface="Times New Roman" panose="02020603050405020304" pitchFamily="18" charset="0"/>
+                          <a:cs typeface="Times New Roman" panose="02020603050405020304" pitchFamily="18" charset="0"/>
+                        </a:rPr>
+                        <a:t>Рейтинг</a:t>
+                      </a:r>
+                      <a:endParaRPr lang="ru-RU" sz="1600" kern="150" dirty="0">
+                        <a:effectLst/>
+                        <a:latin typeface="Times New Roman" panose="02020603050405020304" pitchFamily="18" charset="0"/>
+                        <a:ea typeface="Noto Serif CJK SC"/>
+                        <a:cs typeface="Times New Roman" panose="02020603050405020304" pitchFamily="18" charset="0"/>
+                      </a:endParaRPr>
+                    </a:p>
+                  </a:txBody>
+                  <a:tcPr marL="68580" marR="68580" marT="0" marB="0"/>
+                </a:tc>
+                <a:tc>
+                  <a:txBody>
+                    <a:bodyPr/>
+                    <a:lstStyle/>
+                    <a:p>
+                      <a:pPr indent="0" algn="l"/>
+                      <a:r>
+                        <a:rPr lang="ru-RU" sz="1600" kern="150" dirty="0">
+                          <a:effectLst/>
+                          <a:latin typeface="Times New Roman" panose="02020603050405020304" pitchFamily="18" charset="0"/>
+                          <a:cs typeface="Times New Roman" panose="02020603050405020304" pitchFamily="18" charset="0"/>
+                        </a:rPr>
+                        <a:t>СУБД</a:t>
+                      </a:r>
+                      <a:endParaRPr lang="ru-RU" sz="1600" kern="150" dirty="0">
+                        <a:effectLst/>
+                        <a:latin typeface="Times New Roman" panose="02020603050405020304" pitchFamily="18" charset="0"/>
+                        <a:ea typeface="Noto Serif CJK SC"/>
+                        <a:cs typeface="Times New Roman" panose="02020603050405020304" pitchFamily="18" charset="0"/>
+                      </a:endParaRPr>
+                    </a:p>
+                  </a:txBody>
+                  <a:tcPr marL="68580" marR="68580" marT="0" marB="0"/>
+                </a:tc>
+                <a:tc>
+                  <a:txBody>
+                    <a:bodyPr/>
+                    <a:lstStyle/>
+                    <a:p>
+                      <a:pPr indent="0" algn="l"/>
+                      <a:r>
+                        <a:rPr lang="ru-RU" sz="1600" kern="150" dirty="0">
+                          <a:effectLst/>
+                          <a:latin typeface="Times New Roman" panose="02020603050405020304" pitchFamily="18" charset="0"/>
+                          <a:cs typeface="Times New Roman" panose="02020603050405020304" pitchFamily="18" charset="0"/>
+                        </a:rPr>
+                        <a:t>Модель БД</a:t>
+                      </a:r>
+                      <a:endParaRPr lang="ru-RU" sz="1600" kern="150" dirty="0">
+                        <a:effectLst/>
+                        <a:latin typeface="Times New Roman" panose="02020603050405020304" pitchFamily="18" charset="0"/>
+                        <a:ea typeface="Noto Serif CJK SC"/>
+                        <a:cs typeface="Times New Roman" panose="02020603050405020304" pitchFamily="18" charset="0"/>
+                      </a:endParaRPr>
+                    </a:p>
+                  </a:txBody>
+                  <a:tcPr marL="68580" marR="68580" marT="0" marB="0"/>
+                </a:tc>
+                <a:extLst>
+                  <a:ext uri="{0D108BD9-81ED-4DB2-BD59-A6C34878D82A}">
+                    <a16:rowId xmlns:a16="http://schemas.microsoft.com/office/drawing/2014/main" val="967554814"/>
+                  </a:ext>
+                </a:extLst>
+              </a:tr>
+              <a:tr h="0">
+                <a:tc>
+                  <a:txBody>
+                    <a:bodyPr/>
+                    <a:lstStyle/>
+                    <a:p>
+                      <a:pPr indent="0" algn="l"/>
+                      <a:r>
+                        <a:rPr lang="ru-RU" sz="1600" kern="150" dirty="0">
+                          <a:effectLst/>
+                          <a:latin typeface="Times New Roman" panose="02020603050405020304" pitchFamily="18" charset="0"/>
+                          <a:cs typeface="Times New Roman" panose="02020603050405020304" pitchFamily="18" charset="0"/>
+                        </a:rPr>
+                        <a:t>1.</a:t>
+                      </a:r>
+                      <a:endParaRPr lang="ru-RU" sz="1600" kern="150" dirty="0">
+                        <a:effectLst/>
+                        <a:latin typeface="Times New Roman" panose="02020603050405020304" pitchFamily="18" charset="0"/>
+                        <a:ea typeface="Noto Serif CJK SC"/>
+                        <a:cs typeface="Times New Roman" panose="02020603050405020304" pitchFamily="18" charset="0"/>
+                      </a:endParaRPr>
+                    </a:p>
+                  </a:txBody>
+                  <a:tcPr marL="68580" marR="68580" marT="0" marB="0"/>
+                </a:tc>
+                <a:tc>
+                  <a:txBody>
+                    <a:bodyPr/>
+                    <a:lstStyle/>
+                    <a:p>
+                      <a:pPr indent="0" algn="l"/>
+                      <a:r>
+                        <a:rPr lang="en-US" sz="1600" kern="150" dirty="0">
+                          <a:effectLst/>
+                          <a:latin typeface="Times New Roman" panose="02020603050405020304" pitchFamily="18" charset="0"/>
+                          <a:cs typeface="Times New Roman" panose="02020603050405020304" pitchFamily="18" charset="0"/>
+                        </a:rPr>
+                        <a:t>Oracle</a:t>
+                      </a:r>
+                      <a:endParaRPr lang="ru-RU" sz="1600" kern="150" dirty="0">
+                        <a:effectLst/>
+                        <a:latin typeface="Times New Roman" panose="02020603050405020304" pitchFamily="18" charset="0"/>
+                        <a:ea typeface="Noto Serif CJK SC"/>
+                        <a:cs typeface="Times New Roman" panose="02020603050405020304" pitchFamily="18" charset="0"/>
+                      </a:endParaRPr>
+                    </a:p>
+                  </a:txBody>
+                  <a:tcPr marL="68580" marR="68580" marT="0" marB="0"/>
+                </a:tc>
+                <a:tc>
+                  <a:txBody>
+                    <a:bodyPr/>
+                    <a:lstStyle/>
+                    <a:p>
+                      <a:pPr indent="0" algn="l"/>
+                      <a:r>
+                        <a:rPr lang="ru-RU" sz="1600" kern="150" dirty="0">
+                          <a:effectLst/>
+                          <a:latin typeface="Times New Roman" panose="02020603050405020304" pitchFamily="18" charset="0"/>
+                          <a:cs typeface="Times New Roman" panose="02020603050405020304" pitchFamily="18" charset="0"/>
+                        </a:rPr>
+                        <a:t>Реляционная</a:t>
+                      </a:r>
+                      <a:endParaRPr lang="ru-RU" sz="1600" kern="150" dirty="0">
+                        <a:effectLst/>
+                        <a:latin typeface="Times New Roman" panose="02020603050405020304" pitchFamily="18" charset="0"/>
+                        <a:ea typeface="Noto Serif CJK SC"/>
+                        <a:cs typeface="Times New Roman" panose="02020603050405020304" pitchFamily="18" charset="0"/>
+                      </a:endParaRPr>
+                    </a:p>
+                  </a:txBody>
+                  <a:tcPr marL="68580" marR="68580" marT="0" marB="0"/>
+                </a:tc>
+                <a:extLst>
+                  <a:ext uri="{0D108BD9-81ED-4DB2-BD59-A6C34878D82A}">
+                    <a16:rowId xmlns:a16="http://schemas.microsoft.com/office/drawing/2014/main" val="2582211304"/>
+                  </a:ext>
+                </a:extLst>
+              </a:tr>
+              <a:tr h="0">
+                <a:tc>
+                  <a:txBody>
+                    <a:bodyPr/>
+                    <a:lstStyle/>
+                    <a:p>
+                      <a:pPr indent="0" algn="l"/>
+                      <a:r>
+                        <a:rPr lang="ru-RU" sz="1600" kern="150" dirty="0">
+                          <a:effectLst/>
+                          <a:latin typeface="Times New Roman" panose="02020603050405020304" pitchFamily="18" charset="0"/>
+                          <a:cs typeface="Times New Roman" panose="02020603050405020304" pitchFamily="18" charset="0"/>
+                        </a:rPr>
+                        <a:t>2.</a:t>
+                      </a:r>
+                      <a:endParaRPr lang="ru-RU" sz="1600" kern="150" dirty="0">
+                        <a:effectLst/>
+                        <a:latin typeface="Times New Roman" panose="02020603050405020304" pitchFamily="18" charset="0"/>
+                        <a:ea typeface="Noto Serif CJK SC"/>
+                        <a:cs typeface="Times New Roman" panose="02020603050405020304" pitchFamily="18" charset="0"/>
+                      </a:endParaRPr>
+                    </a:p>
+                  </a:txBody>
+                  <a:tcPr marL="68580" marR="68580" marT="0" marB="0"/>
+                </a:tc>
+                <a:tc>
+                  <a:txBody>
+                    <a:bodyPr/>
+                    <a:lstStyle/>
+                    <a:p>
+                      <a:pPr indent="0" algn="l"/>
+                      <a:r>
+                        <a:rPr lang="en-US" sz="1600" kern="150" dirty="0">
+                          <a:effectLst/>
+                          <a:latin typeface="Times New Roman" panose="02020603050405020304" pitchFamily="18" charset="0"/>
+                          <a:cs typeface="Times New Roman" panose="02020603050405020304" pitchFamily="18" charset="0"/>
+                        </a:rPr>
+                        <a:t>MySQL</a:t>
+                      </a:r>
+                      <a:endParaRPr lang="ru-RU" sz="1600" kern="150" dirty="0">
+                        <a:effectLst/>
+                        <a:latin typeface="Times New Roman" panose="02020603050405020304" pitchFamily="18" charset="0"/>
+                        <a:ea typeface="Noto Serif CJK SC"/>
+                        <a:cs typeface="Times New Roman" panose="02020603050405020304" pitchFamily="18" charset="0"/>
+                      </a:endParaRPr>
+                    </a:p>
+                  </a:txBody>
+                  <a:tcPr marL="68580" marR="68580" marT="0" marB="0"/>
+                </a:tc>
+                <a:tc>
+                  <a:txBody>
+                    <a:bodyPr/>
+                    <a:lstStyle/>
+                    <a:p>
+                      <a:pPr indent="0" algn="l"/>
+                      <a:r>
+                        <a:rPr lang="ru-RU" sz="1600" kern="150" dirty="0">
+                          <a:effectLst/>
+                          <a:latin typeface="Times New Roman" panose="02020603050405020304" pitchFamily="18" charset="0"/>
+                          <a:cs typeface="Times New Roman" panose="02020603050405020304" pitchFamily="18" charset="0"/>
+                        </a:rPr>
+                        <a:t>Реляционная</a:t>
+                      </a:r>
+                      <a:endParaRPr lang="ru-RU" sz="1600" kern="150" dirty="0">
+                        <a:effectLst/>
+                        <a:latin typeface="Times New Roman" panose="02020603050405020304" pitchFamily="18" charset="0"/>
+                        <a:ea typeface="Noto Serif CJK SC"/>
+                        <a:cs typeface="Times New Roman" panose="02020603050405020304" pitchFamily="18" charset="0"/>
+                      </a:endParaRPr>
+                    </a:p>
+                  </a:txBody>
+                  <a:tcPr marL="68580" marR="68580" marT="0" marB="0"/>
+                </a:tc>
+                <a:extLst>
+                  <a:ext uri="{0D108BD9-81ED-4DB2-BD59-A6C34878D82A}">
+                    <a16:rowId xmlns:a16="http://schemas.microsoft.com/office/drawing/2014/main" val="3339624283"/>
+                  </a:ext>
+                </a:extLst>
+              </a:tr>
+              <a:tr h="0">
+                <a:tc>
+                  <a:txBody>
+                    <a:bodyPr/>
+                    <a:lstStyle/>
+                    <a:p>
+                      <a:pPr indent="0" algn="l"/>
+                      <a:r>
+                        <a:rPr lang="ru-RU" sz="1600" kern="150" dirty="0">
+                          <a:effectLst/>
+                          <a:latin typeface="Times New Roman" panose="02020603050405020304" pitchFamily="18" charset="0"/>
+                          <a:cs typeface="Times New Roman" panose="02020603050405020304" pitchFamily="18" charset="0"/>
+                        </a:rPr>
+                        <a:t>3.</a:t>
+                      </a:r>
+                      <a:endParaRPr lang="ru-RU" sz="1600" kern="150" dirty="0">
+                        <a:effectLst/>
+                        <a:latin typeface="Times New Roman" panose="02020603050405020304" pitchFamily="18" charset="0"/>
+                        <a:ea typeface="Noto Serif CJK SC"/>
+                        <a:cs typeface="Times New Roman" panose="02020603050405020304" pitchFamily="18" charset="0"/>
+                      </a:endParaRPr>
+                    </a:p>
+                  </a:txBody>
+                  <a:tcPr marL="68580" marR="68580" marT="0" marB="0"/>
+                </a:tc>
+                <a:tc>
+                  <a:txBody>
+                    <a:bodyPr/>
+                    <a:lstStyle/>
+                    <a:p>
+                      <a:pPr indent="0" algn="l"/>
+                      <a:r>
+                        <a:rPr lang="en-US" sz="1600" kern="150" dirty="0">
+                          <a:effectLst/>
+                          <a:latin typeface="Times New Roman" panose="02020603050405020304" pitchFamily="18" charset="0"/>
+                          <a:cs typeface="Times New Roman" panose="02020603050405020304" pitchFamily="18" charset="0"/>
+                        </a:rPr>
+                        <a:t>Microsoft SQL Server</a:t>
+                      </a:r>
+                      <a:endParaRPr lang="ru-RU" sz="1600" kern="150" dirty="0">
+                        <a:effectLst/>
+                        <a:latin typeface="Times New Roman" panose="02020603050405020304" pitchFamily="18" charset="0"/>
+                        <a:ea typeface="Noto Serif CJK SC"/>
+                        <a:cs typeface="Times New Roman" panose="02020603050405020304" pitchFamily="18" charset="0"/>
+                      </a:endParaRPr>
+                    </a:p>
+                  </a:txBody>
+                  <a:tcPr marL="68580" marR="68580" marT="0" marB="0"/>
+                </a:tc>
+                <a:tc>
+                  <a:txBody>
+                    <a:bodyPr/>
+                    <a:lstStyle/>
+                    <a:p>
+                      <a:pPr indent="0" algn="l"/>
+                      <a:r>
+                        <a:rPr lang="ru-RU" sz="1600" kern="150" dirty="0">
+                          <a:effectLst/>
+                          <a:latin typeface="Times New Roman" panose="02020603050405020304" pitchFamily="18" charset="0"/>
+                          <a:cs typeface="Times New Roman" panose="02020603050405020304" pitchFamily="18" charset="0"/>
+                        </a:rPr>
+                        <a:t>Реляционная</a:t>
+                      </a:r>
+                      <a:endParaRPr lang="ru-RU" sz="1600" kern="150" dirty="0">
+                        <a:effectLst/>
+                        <a:latin typeface="Times New Roman" panose="02020603050405020304" pitchFamily="18" charset="0"/>
+                        <a:ea typeface="Noto Serif CJK SC"/>
+                        <a:cs typeface="Times New Roman" panose="02020603050405020304" pitchFamily="18" charset="0"/>
+                      </a:endParaRPr>
+                    </a:p>
+                  </a:txBody>
+                  <a:tcPr marL="68580" marR="68580" marT="0" marB="0"/>
+                </a:tc>
+                <a:extLst>
+                  <a:ext uri="{0D108BD9-81ED-4DB2-BD59-A6C34878D82A}">
+                    <a16:rowId xmlns:a16="http://schemas.microsoft.com/office/drawing/2014/main" val="3440575899"/>
+                  </a:ext>
+                </a:extLst>
+              </a:tr>
+              <a:tr h="0">
+                <a:tc>
+                  <a:txBody>
+                    <a:bodyPr/>
+                    <a:lstStyle/>
+                    <a:p>
+                      <a:pPr indent="0" algn="l"/>
+                      <a:r>
+                        <a:rPr lang="ru-RU" sz="1600" kern="150" dirty="0">
+                          <a:effectLst/>
+                          <a:latin typeface="Times New Roman" panose="02020603050405020304" pitchFamily="18" charset="0"/>
+                          <a:cs typeface="Times New Roman" panose="02020603050405020304" pitchFamily="18" charset="0"/>
+                        </a:rPr>
+                        <a:t>4.</a:t>
+                      </a:r>
+                      <a:endParaRPr lang="ru-RU" sz="1600" kern="150" dirty="0">
+                        <a:effectLst/>
+                        <a:latin typeface="Times New Roman" panose="02020603050405020304" pitchFamily="18" charset="0"/>
+                        <a:ea typeface="Noto Serif CJK SC"/>
+                        <a:cs typeface="Times New Roman" panose="02020603050405020304" pitchFamily="18" charset="0"/>
+                      </a:endParaRPr>
+                    </a:p>
+                  </a:txBody>
+                  <a:tcPr marL="68580" marR="68580" marT="0" marB="0"/>
+                </a:tc>
+                <a:tc>
+                  <a:txBody>
+                    <a:bodyPr/>
+                    <a:lstStyle/>
+                    <a:p>
+                      <a:pPr indent="0" algn="l"/>
+                      <a:r>
+                        <a:rPr lang="en-US" sz="1600" kern="150" dirty="0">
+                          <a:effectLst/>
+                          <a:latin typeface="Times New Roman" panose="02020603050405020304" pitchFamily="18" charset="0"/>
+                          <a:cs typeface="Times New Roman" panose="02020603050405020304" pitchFamily="18" charset="0"/>
+                        </a:rPr>
+                        <a:t>PostgreSQL</a:t>
+                      </a:r>
+                      <a:endParaRPr lang="ru-RU" sz="1600" kern="150" dirty="0">
+                        <a:effectLst/>
+                        <a:latin typeface="Times New Roman" panose="02020603050405020304" pitchFamily="18" charset="0"/>
+                        <a:ea typeface="Noto Serif CJK SC"/>
+                        <a:cs typeface="Times New Roman" panose="02020603050405020304" pitchFamily="18" charset="0"/>
+                      </a:endParaRPr>
+                    </a:p>
+                  </a:txBody>
+                  <a:tcPr marL="68580" marR="68580" marT="0" marB="0"/>
+                </a:tc>
+                <a:tc>
+                  <a:txBody>
+                    <a:bodyPr/>
+                    <a:lstStyle/>
+                    <a:p>
+                      <a:pPr indent="0" algn="l"/>
+                      <a:r>
+                        <a:rPr lang="ru-RU" sz="1600" kern="150" dirty="0">
+                          <a:effectLst/>
+                          <a:latin typeface="Times New Roman" panose="02020603050405020304" pitchFamily="18" charset="0"/>
+                          <a:cs typeface="Times New Roman" panose="02020603050405020304" pitchFamily="18" charset="0"/>
+                        </a:rPr>
+                        <a:t>Реляционная</a:t>
+                      </a:r>
+                      <a:endParaRPr lang="ru-RU" sz="1600" kern="150" dirty="0">
+                        <a:effectLst/>
+                        <a:latin typeface="Times New Roman" panose="02020603050405020304" pitchFamily="18" charset="0"/>
+                        <a:ea typeface="Noto Serif CJK SC"/>
+                        <a:cs typeface="Times New Roman" panose="02020603050405020304" pitchFamily="18" charset="0"/>
+                      </a:endParaRPr>
+                    </a:p>
+                  </a:txBody>
+                  <a:tcPr marL="68580" marR="68580" marT="0" marB="0"/>
+                </a:tc>
+                <a:extLst>
+                  <a:ext uri="{0D108BD9-81ED-4DB2-BD59-A6C34878D82A}">
+                    <a16:rowId xmlns:a16="http://schemas.microsoft.com/office/drawing/2014/main" val="3843501195"/>
+                  </a:ext>
+                </a:extLst>
+              </a:tr>
+              <a:tr h="0">
+                <a:tc>
+                  <a:txBody>
+                    <a:bodyPr/>
+                    <a:lstStyle/>
+                    <a:p>
+                      <a:pPr indent="0" algn="l"/>
+                      <a:r>
+                        <a:rPr lang="en-US" sz="1600" kern="150" dirty="0">
+                          <a:effectLst/>
+                          <a:latin typeface="Times New Roman" panose="02020603050405020304" pitchFamily="18" charset="0"/>
+                          <a:cs typeface="Times New Roman" panose="02020603050405020304" pitchFamily="18" charset="0"/>
+                        </a:rPr>
+                        <a:t>5.</a:t>
+                      </a:r>
+                      <a:endParaRPr lang="ru-RU" sz="1600" kern="150" dirty="0">
+                        <a:effectLst/>
+                        <a:latin typeface="Times New Roman" panose="02020603050405020304" pitchFamily="18" charset="0"/>
+                        <a:ea typeface="Noto Serif CJK SC"/>
+                        <a:cs typeface="Times New Roman" panose="02020603050405020304" pitchFamily="18" charset="0"/>
+                      </a:endParaRPr>
+                    </a:p>
+                  </a:txBody>
+                  <a:tcPr marL="68580" marR="68580" marT="0" marB="0"/>
+                </a:tc>
+                <a:tc>
+                  <a:txBody>
+                    <a:bodyPr/>
+                    <a:lstStyle/>
+                    <a:p>
+                      <a:pPr indent="0" algn="l"/>
+                      <a:r>
+                        <a:rPr lang="en-US" sz="1600" kern="150" dirty="0">
+                          <a:effectLst/>
+                          <a:latin typeface="Times New Roman" panose="02020603050405020304" pitchFamily="18" charset="0"/>
+                          <a:cs typeface="Times New Roman" panose="02020603050405020304" pitchFamily="18" charset="0"/>
+                        </a:rPr>
+                        <a:t>MongoDB</a:t>
+                      </a:r>
+                      <a:endParaRPr lang="ru-RU" sz="1600" kern="150" dirty="0">
+                        <a:effectLst/>
+                        <a:latin typeface="Times New Roman" panose="02020603050405020304" pitchFamily="18" charset="0"/>
+                        <a:ea typeface="Noto Serif CJK SC"/>
+                        <a:cs typeface="Times New Roman" panose="02020603050405020304" pitchFamily="18" charset="0"/>
+                      </a:endParaRPr>
+                    </a:p>
+                  </a:txBody>
+                  <a:tcPr marL="68580" marR="68580" marT="0" marB="0"/>
+                </a:tc>
+                <a:tc>
+                  <a:txBody>
+                    <a:bodyPr/>
+                    <a:lstStyle/>
+                    <a:p>
+                      <a:pPr indent="0" algn="l"/>
+                      <a:r>
+                        <a:rPr lang="ru-RU" sz="1600" kern="150" dirty="0">
+                          <a:effectLst/>
+                          <a:latin typeface="Times New Roman" panose="02020603050405020304" pitchFamily="18" charset="0"/>
+                          <a:cs typeface="Times New Roman" panose="02020603050405020304" pitchFamily="18" charset="0"/>
+                        </a:rPr>
+                        <a:t>Документная</a:t>
+                      </a:r>
+                      <a:endParaRPr lang="ru-RU" sz="1600" kern="150" dirty="0">
+                        <a:effectLst/>
+                        <a:latin typeface="Times New Roman" panose="02020603050405020304" pitchFamily="18" charset="0"/>
+                        <a:ea typeface="Noto Serif CJK SC"/>
+                        <a:cs typeface="Times New Roman" panose="02020603050405020304" pitchFamily="18" charset="0"/>
+                      </a:endParaRPr>
+                    </a:p>
+                  </a:txBody>
+                  <a:tcPr marL="68580" marR="68580" marT="0" marB="0"/>
+                </a:tc>
+                <a:extLst>
+                  <a:ext uri="{0D108BD9-81ED-4DB2-BD59-A6C34878D82A}">
+                    <a16:rowId xmlns:a16="http://schemas.microsoft.com/office/drawing/2014/main" val="3396648353"/>
+                  </a:ext>
+                </a:extLst>
+              </a:tr>
+              <a:tr h="0">
+                <a:tc>
+                  <a:txBody>
+                    <a:bodyPr/>
+                    <a:lstStyle/>
+                    <a:p>
+                      <a:pPr indent="0" algn="l"/>
+                      <a:r>
+                        <a:rPr lang="en-US" sz="1600" kern="150" dirty="0">
+                          <a:effectLst/>
+                          <a:latin typeface="Times New Roman" panose="02020603050405020304" pitchFamily="18" charset="0"/>
+                          <a:cs typeface="Times New Roman" panose="02020603050405020304" pitchFamily="18" charset="0"/>
+                        </a:rPr>
+                        <a:t>6.</a:t>
+                      </a:r>
+                      <a:endParaRPr lang="ru-RU" sz="1600" kern="150" dirty="0">
+                        <a:effectLst/>
+                        <a:latin typeface="Times New Roman" panose="02020603050405020304" pitchFamily="18" charset="0"/>
+                        <a:ea typeface="Noto Serif CJK SC"/>
+                        <a:cs typeface="Times New Roman" panose="02020603050405020304" pitchFamily="18" charset="0"/>
+                      </a:endParaRPr>
+                    </a:p>
+                  </a:txBody>
+                  <a:tcPr marL="68580" marR="68580" marT="0" marB="0"/>
+                </a:tc>
+                <a:tc>
+                  <a:txBody>
+                    <a:bodyPr/>
+                    <a:lstStyle/>
+                    <a:p>
+                      <a:pPr indent="0" algn="l"/>
+                      <a:r>
+                        <a:rPr lang="en-US" sz="1600" kern="150" dirty="0">
+                          <a:effectLst/>
+                          <a:latin typeface="Times New Roman" panose="02020603050405020304" pitchFamily="18" charset="0"/>
+                          <a:cs typeface="Times New Roman" panose="02020603050405020304" pitchFamily="18" charset="0"/>
+                        </a:rPr>
+                        <a:t>Redis</a:t>
+                      </a:r>
+                      <a:endParaRPr lang="ru-RU" sz="1600" kern="150" dirty="0">
+                        <a:effectLst/>
+                        <a:latin typeface="Times New Roman" panose="02020603050405020304" pitchFamily="18" charset="0"/>
+                        <a:ea typeface="Noto Serif CJK SC"/>
+                        <a:cs typeface="Times New Roman" panose="02020603050405020304" pitchFamily="18" charset="0"/>
+                      </a:endParaRPr>
+                    </a:p>
+                  </a:txBody>
+                  <a:tcPr marL="68580" marR="68580" marT="0" marB="0"/>
+                </a:tc>
+                <a:tc>
+                  <a:txBody>
+                    <a:bodyPr/>
+                    <a:lstStyle/>
+                    <a:p>
+                      <a:pPr indent="0" algn="l"/>
+                      <a:r>
+                        <a:rPr lang="ru-RU" sz="1600" kern="150" dirty="0">
+                          <a:effectLst/>
+                          <a:latin typeface="Times New Roman" panose="02020603050405020304" pitchFamily="18" charset="0"/>
+                          <a:cs typeface="Times New Roman" panose="02020603050405020304" pitchFamily="18" charset="0"/>
+                        </a:rPr>
+                        <a:t>«Ключ-значение»</a:t>
+                      </a:r>
+                      <a:endParaRPr lang="ru-RU" sz="1600" kern="150" dirty="0">
+                        <a:effectLst/>
+                        <a:latin typeface="Times New Roman" panose="02020603050405020304" pitchFamily="18" charset="0"/>
+                        <a:ea typeface="Noto Serif CJK SC"/>
+                        <a:cs typeface="Times New Roman" panose="02020603050405020304" pitchFamily="18" charset="0"/>
+                      </a:endParaRPr>
+                    </a:p>
+                  </a:txBody>
+                  <a:tcPr marL="68580" marR="68580" marT="0" marB="0"/>
+                </a:tc>
+                <a:extLst>
+                  <a:ext uri="{0D108BD9-81ED-4DB2-BD59-A6C34878D82A}">
+                    <a16:rowId xmlns:a16="http://schemas.microsoft.com/office/drawing/2014/main" val="609146865"/>
+                  </a:ext>
+                </a:extLst>
+              </a:tr>
+              <a:tr h="0">
+                <a:tc>
+                  <a:txBody>
+                    <a:bodyPr/>
+                    <a:lstStyle/>
+                    <a:p>
+                      <a:pPr indent="0" algn="l"/>
+                      <a:r>
+                        <a:rPr lang="en-US" sz="1600" kern="150" dirty="0">
+                          <a:effectLst/>
+                          <a:latin typeface="Times New Roman" panose="02020603050405020304" pitchFamily="18" charset="0"/>
+                          <a:cs typeface="Times New Roman" panose="02020603050405020304" pitchFamily="18" charset="0"/>
+                        </a:rPr>
+                        <a:t>7.</a:t>
+                      </a:r>
+                      <a:endParaRPr lang="ru-RU" sz="1600" kern="150" dirty="0">
+                        <a:effectLst/>
+                        <a:latin typeface="Times New Roman" panose="02020603050405020304" pitchFamily="18" charset="0"/>
+                        <a:ea typeface="Noto Serif CJK SC"/>
+                        <a:cs typeface="Times New Roman" panose="02020603050405020304" pitchFamily="18" charset="0"/>
+                      </a:endParaRPr>
+                    </a:p>
+                  </a:txBody>
+                  <a:tcPr marL="68580" marR="68580" marT="0" marB="0"/>
+                </a:tc>
+                <a:tc>
+                  <a:txBody>
+                    <a:bodyPr/>
+                    <a:lstStyle/>
+                    <a:p>
+                      <a:pPr indent="0" algn="l"/>
+                      <a:r>
+                        <a:rPr lang="en-US" sz="1600" kern="150" dirty="0">
+                          <a:effectLst/>
+                          <a:latin typeface="Times New Roman" panose="02020603050405020304" pitchFamily="18" charset="0"/>
+                          <a:cs typeface="Times New Roman" panose="02020603050405020304" pitchFamily="18" charset="0"/>
+                        </a:rPr>
+                        <a:t>IBM Db2</a:t>
+                      </a:r>
+                      <a:endParaRPr lang="ru-RU" sz="1600" kern="150" dirty="0">
+                        <a:effectLst/>
+                        <a:latin typeface="Times New Roman" panose="02020603050405020304" pitchFamily="18" charset="0"/>
+                        <a:ea typeface="Noto Serif CJK SC"/>
+                        <a:cs typeface="Times New Roman" panose="02020603050405020304" pitchFamily="18" charset="0"/>
+                      </a:endParaRPr>
+                    </a:p>
+                  </a:txBody>
+                  <a:tcPr marL="68580" marR="68580" marT="0" marB="0"/>
+                </a:tc>
+                <a:tc>
+                  <a:txBody>
+                    <a:bodyPr/>
+                    <a:lstStyle/>
+                    <a:p>
+                      <a:pPr indent="0" algn="l"/>
+                      <a:r>
+                        <a:rPr lang="ru-RU" sz="1600" kern="150" dirty="0">
+                          <a:effectLst/>
+                          <a:latin typeface="Times New Roman" panose="02020603050405020304" pitchFamily="18" charset="0"/>
+                          <a:cs typeface="Times New Roman" panose="02020603050405020304" pitchFamily="18" charset="0"/>
+                        </a:rPr>
+                        <a:t>Реляционная</a:t>
+                      </a:r>
+                      <a:endParaRPr lang="ru-RU" sz="1600" kern="150" dirty="0">
+                        <a:effectLst/>
+                        <a:latin typeface="Times New Roman" panose="02020603050405020304" pitchFamily="18" charset="0"/>
+                        <a:ea typeface="Noto Serif CJK SC"/>
+                        <a:cs typeface="Times New Roman" panose="02020603050405020304" pitchFamily="18" charset="0"/>
+                      </a:endParaRPr>
+                    </a:p>
+                  </a:txBody>
+                  <a:tcPr marL="68580" marR="68580" marT="0" marB="0"/>
+                </a:tc>
+                <a:extLst>
+                  <a:ext uri="{0D108BD9-81ED-4DB2-BD59-A6C34878D82A}">
+                    <a16:rowId xmlns:a16="http://schemas.microsoft.com/office/drawing/2014/main" val="1502922248"/>
+                  </a:ext>
+                </a:extLst>
+              </a:tr>
+              <a:tr h="0">
+                <a:tc>
+                  <a:txBody>
+                    <a:bodyPr/>
+                    <a:lstStyle/>
+                    <a:p>
+                      <a:pPr indent="0" algn="l"/>
+                      <a:r>
+                        <a:rPr lang="en-US" sz="1600" kern="150" dirty="0">
+                          <a:effectLst/>
+                          <a:latin typeface="Times New Roman" panose="02020603050405020304" pitchFamily="18" charset="0"/>
+                          <a:cs typeface="Times New Roman" panose="02020603050405020304" pitchFamily="18" charset="0"/>
+                        </a:rPr>
+                        <a:t>8.</a:t>
+                      </a:r>
+                      <a:endParaRPr lang="ru-RU" sz="1600" kern="150" dirty="0">
+                        <a:effectLst/>
+                        <a:latin typeface="Times New Roman" panose="02020603050405020304" pitchFamily="18" charset="0"/>
+                        <a:ea typeface="Noto Serif CJK SC"/>
+                        <a:cs typeface="Times New Roman" panose="02020603050405020304" pitchFamily="18" charset="0"/>
+                      </a:endParaRPr>
+                    </a:p>
+                  </a:txBody>
+                  <a:tcPr marL="68580" marR="68580" marT="0" marB="0"/>
+                </a:tc>
+                <a:tc>
+                  <a:txBody>
+                    <a:bodyPr/>
+                    <a:lstStyle/>
+                    <a:p>
+                      <a:pPr indent="0" algn="l"/>
+                      <a:r>
+                        <a:rPr lang="en-US" sz="1600" kern="150" dirty="0">
+                          <a:effectLst/>
+                          <a:latin typeface="Times New Roman" panose="02020603050405020304" pitchFamily="18" charset="0"/>
+                          <a:cs typeface="Times New Roman" panose="02020603050405020304" pitchFamily="18" charset="0"/>
+                        </a:rPr>
+                        <a:t>Elasticsearch</a:t>
+                      </a:r>
+                      <a:endParaRPr lang="ru-RU" sz="1600" kern="150" dirty="0">
+                        <a:effectLst/>
+                        <a:latin typeface="Times New Roman" panose="02020603050405020304" pitchFamily="18" charset="0"/>
+                        <a:ea typeface="Noto Serif CJK SC"/>
+                        <a:cs typeface="Times New Roman" panose="02020603050405020304" pitchFamily="18" charset="0"/>
+                      </a:endParaRPr>
+                    </a:p>
+                  </a:txBody>
+                  <a:tcPr marL="68580" marR="68580" marT="0" marB="0"/>
+                </a:tc>
+                <a:tc>
+                  <a:txBody>
+                    <a:bodyPr/>
+                    <a:lstStyle/>
+                    <a:p>
+                      <a:pPr indent="0" algn="l"/>
+                      <a:r>
+                        <a:rPr lang="ru-RU" sz="1600" kern="150" dirty="0">
+                          <a:effectLst/>
+                          <a:latin typeface="Times New Roman" panose="02020603050405020304" pitchFamily="18" charset="0"/>
+                          <a:cs typeface="Times New Roman" panose="02020603050405020304" pitchFamily="18" charset="0"/>
+                        </a:rPr>
+                        <a:t>Поисковая система</a:t>
+                      </a:r>
+                      <a:endParaRPr lang="ru-RU" sz="1600" kern="150" dirty="0">
+                        <a:effectLst/>
+                        <a:latin typeface="Times New Roman" panose="02020603050405020304" pitchFamily="18" charset="0"/>
+                        <a:ea typeface="Noto Serif CJK SC"/>
+                        <a:cs typeface="Times New Roman" panose="02020603050405020304" pitchFamily="18" charset="0"/>
+                      </a:endParaRPr>
+                    </a:p>
+                  </a:txBody>
+                  <a:tcPr marL="68580" marR="68580" marT="0" marB="0"/>
+                </a:tc>
+                <a:extLst>
+                  <a:ext uri="{0D108BD9-81ED-4DB2-BD59-A6C34878D82A}">
+                    <a16:rowId xmlns:a16="http://schemas.microsoft.com/office/drawing/2014/main" val="54237346"/>
+                  </a:ext>
+                </a:extLst>
+              </a:tr>
+              <a:tr h="0">
+                <a:tc>
+                  <a:txBody>
+                    <a:bodyPr/>
+                    <a:lstStyle/>
+                    <a:p>
+                      <a:pPr indent="0" algn="l"/>
+                      <a:r>
+                        <a:rPr lang="ru-RU" sz="1600" kern="150" dirty="0">
+                          <a:effectLst/>
+                          <a:latin typeface="Times New Roman" panose="02020603050405020304" pitchFamily="18" charset="0"/>
+                          <a:cs typeface="Times New Roman" panose="02020603050405020304" pitchFamily="18" charset="0"/>
+                        </a:rPr>
+                        <a:t>9. </a:t>
+                      </a:r>
+                      <a:endParaRPr lang="ru-RU" sz="1600" kern="150" dirty="0">
+                        <a:effectLst/>
+                        <a:latin typeface="Times New Roman" panose="02020603050405020304" pitchFamily="18" charset="0"/>
+                        <a:ea typeface="Noto Serif CJK SC"/>
+                        <a:cs typeface="Times New Roman" panose="02020603050405020304" pitchFamily="18" charset="0"/>
+                      </a:endParaRPr>
+                    </a:p>
+                  </a:txBody>
+                  <a:tcPr marL="68580" marR="68580" marT="0" marB="0"/>
+                </a:tc>
+                <a:tc>
+                  <a:txBody>
+                    <a:bodyPr/>
+                    <a:lstStyle/>
+                    <a:p>
+                      <a:pPr indent="0" algn="l"/>
+                      <a:r>
+                        <a:rPr lang="en-US" sz="1600" kern="150" dirty="0">
+                          <a:effectLst/>
+                          <a:latin typeface="Times New Roman" panose="02020603050405020304" pitchFamily="18" charset="0"/>
+                          <a:cs typeface="Times New Roman" panose="02020603050405020304" pitchFamily="18" charset="0"/>
+                        </a:rPr>
+                        <a:t>Microsoft Access</a:t>
+                      </a:r>
+                      <a:endParaRPr lang="ru-RU" sz="1600" kern="150" dirty="0">
+                        <a:effectLst/>
+                        <a:latin typeface="Times New Roman" panose="02020603050405020304" pitchFamily="18" charset="0"/>
+                        <a:ea typeface="Noto Serif CJK SC"/>
+                        <a:cs typeface="Times New Roman" panose="02020603050405020304" pitchFamily="18" charset="0"/>
+                      </a:endParaRPr>
+                    </a:p>
+                  </a:txBody>
+                  <a:tcPr marL="68580" marR="68580" marT="0" marB="0"/>
+                </a:tc>
+                <a:tc>
+                  <a:txBody>
+                    <a:bodyPr/>
+                    <a:lstStyle/>
+                    <a:p>
+                      <a:pPr indent="0" algn="l"/>
+                      <a:r>
+                        <a:rPr lang="ru-RU" sz="1600" kern="150" dirty="0">
+                          <a:effectLst/>
+                          <a:latin typeface="Times New Roman" panose="02020603050405020304" pitchFamily="18" charset="0"/>
+                          <a:cs typeface="Times New Roman" panose="02020603050405020304" pitchFamily="18" charset="0"/>
+                        </a:rPr>
+                        <a:t>Реляционная</a:t>
+                      </a:r>
+                      <a:endParaRPr lang="ru-RU" sz="1600" kern="150" dirty="0">
+                        <a:effectLst/>
+                        <a:latin typeface="Times New Roman" panose="02020603050405020304" pitchFamily="18" charset="0"/>
+                        <a:ea typeface="Noto Serif CJK SC"/>
+                        <a:cs typeface="Times New Roman" panose="02020603050405020304" pitchFamily="18" charset="0"/>
+                      </a:endParaRPr>
+                    </a:p>
+                  </a:txBody>
+                  <a:tcPr marL="68580" marR="68580" marT="0" marB="0"/>
+                </a:tc>
+                <a:extLst>
+                  <a:ext uri="{0D108BD9-81ED-4DB2-BD59-A6C34878D82A}">
+                    <a16:rowId xmlns:a16="http://schemas.microsoft.com/office/drawing/2014/main" val="1623831007"/>
+                  </a:ext>
+                </a:extLst>
+              </a:tr>
+              <a:tr h="0">
+                <a:tc>
+                  <a:txBody>
+                    <a:bodyPr/>
+                    <a:lstStyle/>
+                    <a:p>
+                      <a:pPr indent="0" algn="l"/>
+                      <a:r>
+                        <a:rPr lang="ru-RU" sz="1600" kern="150" dirty="0">
+                          <a:effectLst/>
+                          <a:latin typeface="Times New Roman" panose="02020603050405020304" pitchFamily="18" charset="0"/>
+                          <a:cs typeface="Times New Roman" panose="02020603050405020304" pitchFamily="18" charset="0"/>
+                        </a:rPr>
+                        <a:t>10</a:t>
+                      </a:r>
+                      <a:r>
+                        <a:rPr lang="en-US" sz="1600" kern="150" dirty="0">
+                          <a:effectLst/>
+                          <a:latin typeface="Times New Roman" panose="02020603050405020304" pitchFamily="18" charset="0"/>
+                          <a:cs typeface="Times New Roman" panose="02020603050405020304" pitchFamily="18" charset="0"/>
+                        </a:rPr>
+                        <a:t>.</a:t>
+                      </a:r>
+                      <a:endParaRPr lang="ru-RU" sz="1600" kern="150" dirty="0">
+                        <a:effectLst/>
+                        <a:latin typeface="Times New Roman" panose="02020603050405020304" pitchFamily="18" charset="0"/>
+                        <a:ea typeface="Noto Serif CJK SC"/>
+                        <a:cs typeface="Times New Roman" panose="02020603050405020304" pitchFamily="18" charset="0"/>
+                      </a:endParaRPr>
+                    </a:p>
+                  </a:txBody>
+                  <a:tcPr marL="68580" marR="68580" marT="0" marB="0"/>
+                </a:tc>
+                <a:tc>
+                  <a:txBody>
+                    <a:bodyPr/>
+                    <a:lstStyle/>
+                    <a:p>
+                      <a:pPr indent="0" algn="l"/>
+                      <a:r>
+                        <a:rPr lang="en-US" sz="1600" kern="150" dirty="0">
+                          <a:effectLst/>
+                          <a:latin typeface="Times New Roman" panose="02020603050405020304" pitchFamily="18" charset="0"/>
+                          <a:cs typeface="Times New Roman" panose="02020603050405020304" pitchFamily="18" charset="0"/>
+                        </a:rPr>
+                        <a:t>SQLite</a:t>
+                      </a:r>
+                      <a:endParaRPr lang="ru-RU" sz="1600" kern="150" dirty="0">
+                        <a:effectLst/>
+                        <a:latin typeface="Times New Roman" panose="02020603050405020304" pitchFamily="18" charset="0"/>
+                        <a:ea typeface="Noto Serif CJK SC"/>
+                        <a:cs typeface="Times New Roman" panose="02020603050405020304" pitchFamily="18" charset="0"/>
+                      </a:endParaRPr>
+                    </a:p>
+                  </a:txBody>
+                  <a:tcPr marL="68580" marR="68580" marT="0" marB="0"/>
+                </a:tc>
+                <a:tc>
+                  <a:txBody>
+                    <a:bodyPr/>
+                    <a:lstStyle/>
+                    <a:p>
+                      <a:pPr indent="0" algn="l"/>
+                      <a:r>
+                        <a:rPr lang="ru-RU" sz="1600" kern="150" dirty="0">
+                          <a:effectLst/>
+                          <a:latin typeface="Times New Roman" panose="02020603050405020304" pitchFamily="18" charset="0"/>
+                          <a:cs typeface="Times New Roman" panose="02020603050405020304" pitchFamily="18" charset="0"/>
+                        </a:rPr>
+                        <a:t>Реляционная</a:t>
+                      </a:r>
+                      <a:endParaRPr lang="ru-RU" sz="1600" kern="150" dirty="0">
+                        <a:effectLst/>
+                        <a:latin typeface="Times New Roman" panose="02020603050405020304" pitchFamily="18" charset="0"/>
+                        <a:ea typeface="Noto Serif CJK SC"/>
+                        <a:cs typeface="Times New Roman" panose="02020603050405020304" pitchFamily="18" charset="0"/>
+                      </a:endParaRPr>
+                    </a:p>
+                  </a:txBody>
+                  <a:tcPr marL="68580" marR="68580" marT="0" marB="0"/>
+                </a:tc>
+                <a:extLst>
+                  <a:ext uri="{0D108BD9-81ED-4DB2-BD59-A6C34878D82A}">
+                    <a16:rowId xmlns:a16="http://schemas.microsoft.com/office/drawing/2014/main" val="2393185282"/>
+                  </a:ext>
+                </a:extLst>
+              </a:tr>
+            </a:tbl>
+          </a:graphicData>
+        </a:graphic>
+      </p:graphicFrame>
+      <p:sp>
+        <p:nvSpPr>
+          <p:cNvPr id="15" name="TextBox 14">
+            <a:extLst>
+              <a:ext uri="{FF2B5EF4-FFF2-40B4-BE49-F238E27FC236}">
+                <a16:creationId xmlns:a16="http://schemas.microsoft.com/office/drawing/2014/main" id="{E667541D-299D-41CF-3769-143D6E9120DA}"/>
+              </a:ext>
+            </a:extLst>
+          </p:cNvPr>
+          <p:cNvSpPr txBox="1"/>
+          <p:nvPr/>
+        </p:nvSpPr>
+        <p:spPr>
+          <a:xfrm>
+            <a:off x="838201" y="5059997"/>
+            <a:ext cx="10515599" cy="1015663"/>
+          </a:xfrm>
+          <a:prstGeom prst="rect">
+            <a:avLst/>
+          </a:prstGeom>
+          <a:noFill/>
+        </p:spPr>
+        <p:txBody>
+          <a:bodyPr wrap="square">
+            <a:spAutoFit/>
+          </a:bodyPr>
+          <a:lstStyle/>
+          <a:p>
+            <a:pPr algn="ctr"/>
+            <a:r>
+              <a:rPr lang="ru-RU" sz="2000" b="0" i="0" u="none" strike="noStrike" baseline="0" dirty="0">
+                <a:solidFill>
+                  <a:srgbClr val="000000"/>
+                </a:solidFill>
+                <a:latin typeface="Times New Roman" panose="02020603050405020304" pitchFamily="18" charset="0"/>
+              </a:rPr>
+              <a:t>«</a:t>
+            </a:r>
+            <a:r>
+              <a:rPr lang="ru-RU" sz="2000" dirty="0">
+                <a:solidFill>
+                  <a:srgbClr val="000000"/>
+                </a:solidFill>
+                <a:latin typeface="Times New Roman" panose="02020603050405020304" pitchFamily="18" charset="0"/>
+              </a:rPr>
+              <a:t>Д</a:t>
+            </a:r>
+            <a:r>
+              <a:rPr lang="ru-RU" sz="2000" b="0" i="0" u="none" strike="noStrike" baseline="0" dirty="0">
+                <a:solidFill>
+                  <a:srgbClr val="000000"/>
+                </a:solidFill>
+                <a:latin typeface="Times New Roman" panose="02020603050405020304" pitchFamily="18" charset="0"/>
+              </a:rPr>
+              <a:t>ва потока не должны пытаться одновременно работать с одним объектом PGconn. </a:t>
+            </a:r>
+          </a:p>
+          <a:p>
+            <a:pPr algn="ctr"/>
+            <a:r>
+              <a:rPr lang="ru-RU" sz="2000" b="0" i="0" u="none" strike="noStrike" baseline="0" dirty="0">
+                <a:solidFill>
+                  <a:srgbClr val="000000"/>
+                </a:solidFill>
+                <a:latin typeface="Times New Roman" panose="02020603050405020304" pitchFamily="18" charset="0"/>
+              </a:rPr>
+              <a:t>В частности, не допускается параллельное выполнение команд из разных потоков через один объект соединения»</a:t>
+            </a:r>
+            <a:endParaRPr lang="ru-RU" sz="2000" dirty="0"/>
+          </a:p>
+        </p:txBody>
+      </p:sp>
+      <p:sp>
+        <p:nvSpPr>
+          <p:cNvPr id="16" name="TextBox 15">
+            <a:extLst>
+              <a:ext uri="{FF2B5EF4-FFF2-40B4-BE49-F238E27FC236}">
+                <a16:creationId xmlns:a16="http://schemas.microsoft.com/office/drawing/2014/main" id="{F41FA174-3753-2090-6794-E33199A1DF5B}"/>
+              </a:ext>
+            </a:extLst>
+          </p:cNvPr>
+          <p:cNvSpPr txBox="1"/>
+          <p:nvPr/>
+        </p:nvSpPr>
+        <p:spPr>
+          <a:xfrm>
+            <a:off x="912164" y="2108478"/>
+            <a:ext cx="4886035" cy="1015663"/>
+          </a:xfrm>
+          <a:prstGeom prst="rect">
+            <a:avLst/>
+          </a:prstGeom>
+          <a:noFill/>
+        </p:spPr>
+        <p:txBody>
+          <a:bodyPr wrap="square" rtlCol="0">
+            <a:spAutoFit/>
+          </a:bodyPr>
+          <a:lstStyle/>
+          <a:p>
+            <a:r>
+              <a:rPr lang="en-US" sz="2000" dirty="0">
+                <a:latin typeface="Times New Roman" panose="02020603050405020304" pitchFamily="18" charset="0"/>
+                <a:cs typeface="Times New Roman" panose="02020603050405020304" pitchFamily="18" charset="0"/>
+              </a:rPr>
+              <a:t>PostgreSQL</a:t>
+            </a:r>
+            <a:r>
+              <a:rPr lang="ru-RU" sz="2000" dirty="0">
+                <a:latin typeface="Times New Roman" panose="02020603050405020304" pitchFamily="18" charset="0"/>
+                <a:cs typeface="Times New Roman" panose="02020603050405020304" pitchFamily="18" charset="0"/>
+              </a:rPr>
+              <a:t> (14.2):</a:t>
+            </a:r>
+            <a:endParaRPr lang="en-US" sz="2000" dirty="0">
+              <a:latin typeface="Times New Roman" panose="02020603050405020304" pitchFamily="18" charset="0"/>
+              <a:cs typeface="Times New Roman" panose="02020603050405020304" pitchFamily="18" charset="0"/>
+            </a:endParaRPr>
+          </a:p>
+          <a:p>
+            <a:pPr marL="285750" indent="-285750">
+              <a:buFont typeface="Arial" panose="020B0604020202020204" pitchFamily="34" charset="0"/>
+              <a:buChar char="•"/>
+            </a:pPr>
+            <a:r>
+              <a:rPr lang="ru-RU" sz="2000" dirty="0">
+                <a:latin typeface="Times New Roman" panose="02020603050405020304" pitchFamily="18" charset="0"/>
+                <a:cs typeface="Times New Roman" panose="02020603050405020304" pitchFamily="18" charset="0"/>
+              </a:rPr>
+              <a:t>доступность исходного кода;</a:t>
+            </a:r>
+          </a:p>
+          <a:p>
+            <a:pPr marL="285750" indent="-285750">
+              <a:buFont typeface="Arial" panose="020B0604020202020204" pitchFamily="34" charset="0"/>
+              <a:buChar char="•"/>
+            </a:pPr>
+            <a:r>
+              <a:rPr lang="ru-RU" sz="2000" dirty="0">
+                <a:latin typeface="Times New Roman" panose="02020603050405020304" pitchFamily="18" charset="0"/>
+                <a:cs typeface="Times New Roman" panose="02020603050405020304" pitchFamily="18" charset="0"/>
+              </a:rPr>
+              <a:t>кроссплатформенность.</a:t>
+            </a:r>
+          </a:p>
+        </p:txBody>
+      </p:sp>
+    </p:spTree>
+    <p:extLst>
+      <p:ext uri="{BB962C8B-B14F-4D97-AF65-F5344CB8AC3E}">
+        <p14:creationId xmlns:p14="http://schemas.microsoft.com/office/powerpoint/2010/main" val="612401859"/>
+      </p:ext>
+    </p:extLst>
+  </p:cSld>
+  <p:clrMapOvr>
+    <a:masterClrMapping/>
+  </p:clrMapOvr>
+</p:sld>
+</file>
+
+<file path=ppt/slides/slide5.xml><?xml version="1.0" encoding="utf-8"?>
+<p:sld xmlns:a="http://schemas.openxmlformats.org/drawingml/2006/main" xmlns:r="http://schemas.openxmlformats.org/officeDocument/2006/relationships" xmlns:p="http://schemas.openxmlformats.org/presentationml/2006/main">
+  <p:cSld>
+    <p:spTree>
+      <p:nvGrpSpPr>
+        <p:cNvPr id="1" name=""/>
+        <p:cNvGrpSpPr/>
+        <p:nvPr/>
+      </p:nvGrpSpPr>
+      <p:grpSpPr>
+        <a:xfrm>
+          <a:off x="0" y="0"/>
+          <a:ext cx="0" cy="0"/>
+          <a:chOff x="0" y="0"/>
+          <a:chExt cx="0" cy="0"/>
+        </a:xfrm>
+      </p:grpSpPr>
+      <p:sp>
+        <p:nvSpPr>
+          <p:cNvPr id="2" name="Заголовок 1"/>
+          <p:cNvSpPr>
+            <a:spLocks noGrp="1"/>
+          </p:cNvSpPr>
+          <p:nvPr>
+            <p:ph type="title"/>
+          </p:nvPr>
+        </p:nvSpPr>
+        <p:spPr/>
+        <p:txBody>
+          <a:bodyPr/>
+          <a:lstStyle/>
+          <a:p>
+            <a:r>
+              <a:rPr lang="ru-RU" dirty="0">
+                <a:latin typeface="Times New Roman" panose="02020603050405020304" pitchFamily="18" charset="0"/>
+                <a:cs typeface="Times New Roman" panose="02020603050405020304" pitchFamily="18" charset="0"/>
+              </a:rPr>
+              <a:t>Анализ предметной области</a:t>
+            </a:r>
+          </a:p>
+        </p:txBody>
+      </p:sp>
+      <p:sp>
+        <p:nvSpPr>
           <p:cNvPr id="5" name="TextBox 4"/>
           <p:cNvSpPr txBox="1"/>
           <p:nvPr/>
@@ -9140,7 +12282,7 @@
                 <a:latin typeface="Times New Roman" panose="02020603050405020304" pitchFamily="18" charset="0"/>
                 <a:cs typeface="Times New Roman" panose="02020603050405020304" pitchFamily="18" charset="0"/>
               </a:rPr>
-              <a:t>4</a:t>
+              <a:t>5</a:t>
             </a:fld>
             <a:endParaRPr lang="ru-RU" sz="1800" dirty="0">
               <a:latin typeface="Times New Roman" panose="02020603050405020304" pitchFamily="18" charset="0"/>
@@ -9192,544 +12334,6 @@
 </p:sld>
 </file>
 
-<file path=ppt/slides/slide5.xml><?xml version="1.0" encoding="utf-8"?>
-<p:sld xmlns:a="http://schemas.openxmlformats.org/drawingml/2006/main" xmlns:r="http://schemas.openxmlformats.org/officeDocument/2006/relationships" xmlns:p="http://schemas.openxmlformats.org/presentationml/2006/main">
-  <p:cSld>
-    <p:spTree>
-      <p:nvGrpSpPr>
-        <p:cNvPr id="1" name=""/>
-        <p:cNvGrpSpPr/>
-        <p:nvPr/>
-      </p:nvGrpSpPr>
-      <p:grpSpPr>
-        <a:xfrm>
-          <a:off x="0" y="0"/>
-          <a:ext cx="0" cy="0"/>
-          <a:chOff x="0" y="0"/>
-          <a:chExt cx="0" cy="0"/>
-        </a:xfrm>
-      </p:grpSpPr>
-      <p:sp>
-        <p:nvSpPr>
-          <p:cNvPr id="2" name="Заголовок 1"/>
-          <p:cNvSpPr>
-            <a:spLocks noGrp="1"/>
-          </p:cNvSpPr>
-          <p:nvPr>
-            <p:ph type="title"/>
-          </p:nvPr>
-        </p:nvSpPr>
-        <p:spPr/>
-        <p:txBody>
-          <a:bodyPr/>
-          <a:lstStyle/>
-          <a:p>
-            <a:r>
-              <a:rPr lang="ru-RU" dirty="0">
-                <a:latin typeface="Times New Roman" panose="02020603050405020304" pitchFamily="18" charset="0"/>
-                <a:cs typeface="Times New Roman" panose="02020603050405020304" pitchFamily="18" charset="0"/>
-              </a:rPr>
-              <a:t>Многопоточный доступ в </a:t>
-            </a:r>
-            <a:r>
-              <a:rPr lang="en-US" dirty="0">
-                <a:latin typeface="Times New Roman" panose="02020603050405020304" pitchFamily="18" charset="0"/>
-                <a:cs typeface="Times New Roman" panose="02020603050405020304" pitchFamily="18" charset="0"/>
-              </a:rPr>
-              <a:t>MPP </a:t>
-            </a:r>
-            <a:r>
-              <a:rPr lang="ru-RU" dirty="0">
-                <a:latin typeface="Times New Roman" panose="02020603050405020304" pitchFamily="18" charset="0"/>
-                <a:cs typeface="Times New Roman" panose="02020603050405020304" pitchFamily="18" charset="0"/>
-              </a:rPr>
-              <a:t>системах</a:t>
-            </a:r>
-          </a:p>
-        </p:txBody>
-      </p:sp>
-      <p:sp>
-        <p:nvSpPr>
-          <p:cNvPr id="6" name="TextBox 5"/>
-          <p:cNvSpPr txBox="1"/>
-          <p:nvPr/>
-        </p:nvSpPr>
-        <p:spPr>
-          <a:xfrm>
-            <a:off x="6447973" y="2733039"/>
-            <a:ext cx="5547360" cy="2800767"/>
-          </a:xfrm>
-          <a:prstGeom prst="rect">
-            <a:avLst/>
-          </a:prstGeom>
-          <a:noFill/>
-        </p:spPr>
-        <p:txBody>
-          <a:bodyPr wrap="square" rtlCol="0">
-            <a:spAutoFit/>
-          </a:bodyPr>
-          <a:lstStyle/>
-          <a:p>
-            <a:pPr>
-              <a:lnSpc>
-                <a:spcPct val="150000"/>
-              </a:lnSpc>
-            </a:pPr>
-            <a:r>
-              <a:rPr lang="ru-RU" sz="2400" u="sng" dirty="0">
-                <a:latin typeface="Times New Roman" panose="02020603050405020304" pitchFamily="18" charset="0"/>
-                <a:cs typeface="Times New Roman" panose="02020603050405020304" pitchFamily="18" charset="0"/>
-              </a:rPr>
-              <a:t>Причины замедления:</a:t>
-            </a:r>
-          </a:p>
-          <a:p>
-            <a:pPr marL="285750" indent="-285750">
-              <a:buFont typeface="Arial" panose="020B0604020202020204" pitchFamily="34" charset="0"/>
-              <a:buChar char="•"/>
-            </a:pPr>
-            <a:r>
-              <a:rPr lang="ru-RU" sz="2000" dirty="0">
-                <a:latin typeface="Times New Roman" panose="02020603050405020304" pitchFamily="18" charset="0"/>
-                <a:cs typeface="Times New Roman" panose="02020603050405020304" pitchFamily="18" charset="0"/>
-              </a:rPr>
-              <a:t>повышенная нагрузка на системные ресурсы</a:t>
-            </a:r>
-          </a:p>
-          <a:p>
-            <a:pPr marL="285750" indent="-285750">
-              <a:buFont typeface="Arial" panose="020B0604020202020204" pitchFamily="34" charset="0"/>
-              <a:buChar char="•"/>
-            </a:pPr>
-            <a:r>
-              <a:rPr lang="ru-RU" sz="2000" dirty="0">
-                <a:latin typeface="Times New Roman" panose="02020603050405020304" pitchFamily="18" charset="0"/>
-                <a:cs typeface="Times New Roman" panose="02020603050405020304" pitchFamily="18" charset="0"/>
-              </a:rPr>
-              <a:t>увеличение конкуренции при обращении к ресурсам </a:t>
-            </a:r>
-            <a:endParaRPr lang="en-US" sz="2000" dirty="0">
-              <a:latin typeface="Times New Roman" panose="02020603050405020304" pitchFamily="18" charset="0"/>
-              <a:cs typeface="Times New Roman" panose="02020603050405020304" pitchFamily="18" charset="0"/>
-            </a:endParaRPr>
-          </a:p>
-          <a:p>
-            <a:pPr marL="285750" indent="-285750">
-              <a:buFont typeface="Arial" panose="020B0604020202020204" pitchFamily="34" charset="0"/>
-              <a:buChar char="•"/>
-            </a:pPr>
-            <a:r>
-              <a:rPr lang="ru-RU" sz="2000" dirty="0">
-                <a:latin typeface="Times New Roman" panose="02020603050405020304" pitchFamily="18" charset="0"/>
-                <a:cs typeface="Times New Roman" panose="02020603050405020304" pitchFamily="18" charset="0"/>
-              </a:rPr>
-              <a:t>проблема превышения количества подключений на сервере:</a:t>
-            </a:r>
-          </a:p>
-          <a:p>
-            <a:pPr marL="742950" lvl="1" indent="-285750">
-              <a:buFont typeface="Arial" panose="020B0604020202020204" pitchFamily="34" charset="0"/>
-              <a:buChar char="•"/>
-            </a:pPr>
-            <a:r>
-              <a:rPr lang="ru-RU" sz="2000" dirty="0">
-                <a:latin typeface="Times New Roman" panose="02020603050405020304" pitchFamily="18" charset="0"/>
-                <a:cs typeface="Times New Roman" panose="02020603050405020304" pitchFamily="18" charset="0"/>
-              </a:rPr>
-              <a:t>долгое ожидание дальнейших запросов </a:t>
-            </a:r>
-          </a:p>
-          <a:p>
-            <a:pPr marL="742950" lvl="1" indent="-285750">
-              <a:buFont typeface="Arial" panose="020B0604020202020204" pitchFamily="34" charset="0"/>
-              <a:buChar char="•"/>
-            </a:pPr>
-            <a:r>
-              <a:rPr lang="ru-RU" sz="2000" dirty="0">
-                <a:latin typeface="Times New Roman" panose="02020603050405020304" pitchFamily="18" charset="0"/>
-                <a:cs typeface="Times New Roman" panose="02020603050405020304" pitchFamily="18" charset="0"/>
-              </a:rPr>
-              <a:t>отклонение запросов</a:t>
-            </a:r>
-          </a:p>
-        </p:txBody>
-      </p:sp>
-      <p:sp>
-        <p:nvSpPr>
-          <p:cNvPr id="7" name="Объект 2"/>
-          <p:cNvSpPr txBox="1">
-            <a:spLocks/>
-          </p:cNvSpPr>
-          <p:nvPr/>
-        </p:nvSpPr>
-        <p:spPr>
-          <a:xfrm>
-            <a:off x="6447973" y="1825624"/>
-            <a:ext cx="5547360" cy="907415"/>
-          </a:xfrm>
-          <a:prstGeom prst="rect">
-            <a:avLst/>
-          </a:prstGeom>
-        </p:spPr>
-        <p:txBody>
-          <a:bodyPr vert="horz" lIns="91440" tIns="45720" rIns="91440" bIns="45720" rtlCol="0">
-            <a:normAutofit fontScale="92500"/>
-          </a:bodyPr>
-          <a:lstStyle>
-            <a:lvl1pPr marL="228600" indent="-228600" algn="l" defTabSz="914400" rtl="0" eaLnBrk="1" latinLnBrk="0" hangingPunct="1">
-              <a:lnSpc>
-                <a:spcPct val="90000"/>
-              </a:lnSpc>
-              <a:spcBef>
-                <a:spcPts val="1000"/>
-              </a:spcBef>
-              <a:buFont typeface="Arial" panose="020B0604020202020204" pitchFamily="34" charset="0"/>
-              <a:buChar char="•"/>
-              <a:defRPr sz="2800" kern="1200">
-                <a:solidFill>
-                  <a:schemeClr val="tx1"/>
-                </a:solidFill>
-                <a:latin typeface="+mn-lt"/>
-                <a:ea typeface="+mn-ea"/>
-                <a:cs typeface="+mn-cs"/>
-              </a:defRPr>
-            </a:lvl1pPr>
-            <a:lvl2pPr marL="685800" indent="-228600" algn="l" defTabSz="914400" rtl="0" eaLnBrk="1" latinLnBrk="0" hangingPunct="1">
-              <a:lnSpc>
-                <a:spcPct val="90000"/>
-              </a:lnSpc>
-              <a:spcBef>
-                <a:spcPts val="500"/>
-              </a:spcBef>
-              <a:buFont typeface="Arial" panose="020B0604020202020204" pitchFamily="34" charset="0"/>
-              <a:buChar char="•"/>
-              <a:defRPr sz="2400" kern="1200">
-                <a:solidFill>
-                  <a:schemeClr val="tx1"/>
-                </a:solidFill>
-                <a:latin typeface="+mn-lt"/>
-                <a:ea typeface="+mn-ea"/>
-                <a:cs typeface="+mn-cs"/>
-              </a:defRPr>
-            </a:lvl2pPr>
-            <a:lvl3pPr marL="1143000" indent="-228600" algn="l" defTabSz="914400" rtl="0" eaLnBrk="1" latinLnBrk="0" hangingPunct="1">
-              <a:lnSpc>
-                <a:spcPct val="90000"/>
-              </a:lnSpc>
-              <a:spcBef>
-                <a:spcPts val="500"/>
-              </a:spcBef>
-              <a:buFont typeface="Arial" panose="020B0604020202020204" pitchFamily="34" charset="0"/>
-              <a:buChar char="•"/>
-              <a:defRPr sz="2000" kern="1200">
-                <a:solidFill>
-                  <a:schemeClr val="tx1"/>
-                </a:solidFill>
-                <a:latin typeface="+mn-lt"/>
-                <a:ea typeface="+mn-ea"/>
-                <a:cs typeface="+mn-cs"/>
-              </a:defRPr>
-            </a:lvl3pPr>
-            <a:lvl4pPr marL="1600200" indent="-228600" algn="l" defTabSz="914400" rtl="0" eaLnBrk="1" latinLnBrk="0" hangingPunct="1">
-              <a:lnSpc>
-                <a:spcPct val="90000"/>
-              </a:lnSpc>
-              <a:spcBef>
-                <a:spcPts val="500"/>
-              </a:spcBef>
-              <a:buFont typeface="Arial" panose="020B0604020202020204" pitchFamily="34" charset="0"/>
-              <a:buChar char="•"/>
-              <a:defRPr sz="1800" kern="1200">
-                <a:solidFill>
-                  <a:schemeClr val="tx1"/>
-                </a:solidFill>
-                <a:latin typeface="+mn-lt"/>
-                <a:ea typeface="+mn-ea"/>
-                <a:cs typeface="+mn-cs"/>
-              </a:defRPr>
-            </a:lvl4pPr>
-            <a:lvl5pPr marL="2057400" indent="-228600" algn="l" defTabSz="914400" rtl="0" eaLnBrk="1" latinLnBrk="0" hangingPunct="1">
-              <a:lnSpc>
-                <a:spcPct val="90000"/>
-              </a:lnSpc>
-              <a:spcBef>
-                <a:spcPts val="500"/>
-              </a:spcBef>
-              <a:buFont typeface="Arial" panose="020B0604020202020204" pitchFamily="34" charset="0"/>
-              <a:buChar char="•"/>
-              <a:defRPr sz="1800" kern="1200">
-                <a:solidFill>
-                  <a:schemeClr val="tx1"/>
-                </a:solidFill>
-                <a:latin typeface="+mn-lt"/>
-                <a:ea typeface="+mn-ea"/>
-                <a:cs typeface="+mn-cs"/>
-              </a:defRPr>
-            </a:lvl5pPr>
-            <a:lvl6pPr marL="2514600" indent="-228600" algn="l" defTabSz="914400" rtl="0" eaLnBrk="1" latinLnBrk="0" hangingPunct="1">
-              <a:lnSpc>
-                <a:spcPct val="90000"/>
-              </a:lnSpc>
-              <a:spcBef>
-                <a:spcPts val="500"/>
-              </a:spcBef>
-              <a:buFont typeface="Arial" panose="020B0604020202020204" pitchFamily="34" charset="0"/>
-              <a:buChar char="•"/>
-              <a:defRPr sz="1800" kern="1200">
-                <a:solidFill>
-                  <a:schemeClr val="tx1"/>
-                </a:solidFill>
-                <a:latin typeface="+mn-lt"/>
-                <a:ea typeface="+mn-ea"/>
-                <a:cs typeface="+mn-cs"/>
-              </a:defRPr>
-            </a:lvl6pPr>
-            <a:lvl7pPr marL="2971800" indent="-228600" algn="l" defTabSz="914400" rtl="0" eaLnBrk="1" latinLnBrk="0" hangingPunct="1">
-              <a:lnSpc>
-                <a:spcPct val="90000"/>
-              </a:lnSpc>
-              <a:spcBef>
-                <a:spcPts val="500"/>
-              </a:spcBef>
-              <a:buFont typeface="Arial" panose="020B0604020202020204" pitchFamily="34" charset="0"/>
-              <a:buChar char="•"/>
-              <a:defRPr sz="1800" kern="1200">
-                <a:solidFill>
-                  <a:schemeClr val="tx1"/>
-                </a:solidFill>
-                <a:latin typeface="+mn-lt"/>
-                <a:ea typeface="+mn-ea"/>
-                <a:cs typeface="+mn-cs"/>
-              </a:defRPr>
-            </a:lvl7pPr>
-            <a:lvl8pPr marL="3429000" indent="-228600" algn="l" defTabSz="914400" rtl="0" eaLnBrk="1" latinLnBrk="0" hangingPunct="1">
-              <a:lnSpc>
-                <a:spcPct val="90000"/>
-              </a:lnSpc>
-              <a:spcBef>
-                <a:spcPts val="500"/>
-              </a:spcBef>
-              <a:buFont typeface="Arial" panose="020B0604020202020204" pitchFamily="34" charset="0"/>
-              <a:buChar char="•"/>
-              <a:defRPr sz="1800" kern="1200">
-                <a:solidFill>
-                  <a:schemeClr val="tx1"/>
-                </a:solidFill>
-                <a:latin typeface="+mn-lt"/>
-                <a:ea typeface="+mn-ea"/>
-                <a:cs typeface="+mn-cs"/>
-              </a:defRPr>
-            </a:lvl8pPr>
-            <a:lvl9pPr marL="3886200" indent="-228600" algn="l" defTabSz="914400" rtl="0" eaLnBrk="1" latinLnBrk="0" hangingPunct="1">
-              <a:lnSpc>
-                <a:spcPct val="90000"/>
-              </a:lnSpc>
-              <a:spcBef>
-                <a:spcPts val="500"/>
-              </a:spcBef>
-              <a:buFont typeface="Arial" panose="020B0604020202020204" pitchFamily="34" charset="0"/>
-              <a:buChar char="•"/>
-              <a:defRPr sz="1800" kern="1200">
-                <a:solidFill>
-                  <a:schemeClr val="tx1"/>
-                </a:solidFill>
-                <a:latin typeface="+mn-lt"/>
-                <a:ea typeface="+mn-ea"/>
-                <a:cs typeface="+mn-cs"/>
-              </a:defRPr>
-            </a:lvl9pPr>
-          </a:lstStyle>
-          <a:p>
-            <a:pPr marL="0" indent="0">
-              <a:buNone/>
-            </a:pPr>
-            <a:r>
-              <a:rPr lang="ru-RU" sz="2400" dirty="0">
-                <a:latin typeface="Times New Roman" panose="02020603050405020304" pitchFamily="18" charset="0"/>
-                <a:cs typeface="Times New Roman" panose="02020603050405020304" pitchFamily="18" charset="0"/>
-              </a:rPr>
-              <a:t>Рост количества потоков может привести к замедлению работы программы.</a:t>
-            </a:r>
-            <a:endParaRPr lang="en-US" sz="2400" dirty="0">
-              <a:latin typeface="Times New Roman" panose="02020603050405020304" pitchFamily="18" charset="0"/>
-              <a:cs typeface="Times New Roman" panose="02020603050405020304" pitchFamily="18" charset="0"/>
-            </a:endParaRPr>
-          </a:p>
-          <a:p>
-            <a:pPr marL="0" indent="0">
-              <a:buNone/>
-            </a:pPr>
-            <a:endParaRPr lang="ru-RU" dirty="0">
-              <a:latin typeface="Times New Roman" panose="02020603050405020304" pitchFamily="18" charset="0"/>
-              <a:cs typeface="Times New Roman" panose="02020603050405020304" pitchFamily="18" charset="0"/>
-            </a:endParaRPr>
-          </a:p>
-        </p:txBody>
-      </p:sp>
-      <p:cxnSp>
-        <p:nvCxnSpPr>
-          <p:cNvPr id="9" name="Прямая соединительная линия 8"/>
-          <p:cNvCxnSpPr/>
-          <p:nvPr/>
-        </p:nvCxnSpPr>
-        <p:spPr>
-          <a:xfrm>
-            <a:off x="6183086" y="1825625"/>
-            <a:ext cx="0" cy="4576456"/>
-          </a:xfrm>
-          <a:prstGeom prst="line">
-            <a:avLst/>
-          </a:prstGeom>
-        </p:spPr>
-        <p:style>
-          <a:lnRef idx="3">
-            <a:schemeClr val="dk1"/>
-          </a:lnRef>
-          <a:fillRef idx="0">
-            <a:schemeClr val="dk1"/>
-          </a:fillRef>
-          <a:effectRef idx="2">
-            <a:schemeClr val="dk1"/>
-          </a:effectRef>
-          <a:fontRef idx="minor">
-            <a:schemeClr val="tx1"/>
-          </a:fontRef>
-        </p:style>
-      </p:cxnSp>
-      <p:sp>
-        <p:nvSpPr>
-          <p:cNvPr id="12" name="Номер слайда 11"/>
-          <p:cNvSpPr>
-            <a:spLocks noGrp="1"/>
-          </p:cNvSpPr>
-          <p:nvPr>
-            <p:ph type="sldNum" sz="quarter" idx="12"/>
-          </p:nvPr>
-        </p:nvSpPr>
-        <p:spPr/>
-        <p:txBody>
-          <a:bodyPr/>
-          <a:lstStyle/>
-          <a:p>
-            <a:fld id="{5D15703D-96D9-4C94-B196-0ED7D1E8A93C}" type="slidenum">
-              <a:rPr lang="ru-RU" sz="1800" smtClean="0">
-                <a:latin typeface="Times New Roman" panose="02020603050405020304" pitchFamily="18" charset="0"/>
-                <a:cs typeface="Times New Roman" panose="02020603050405020304" pitchFamily="18" charset="0"/>
-              </a:rPr>
-              <a:t>5</a:t>
-            </a:fld>
-            <a:endParaRPr lang="ru-RU" sz="1800" dirty="0">
-              <a:latin typeface="Times New Roman" panose="02020603050405020304" pitchFamily="18" charset="0"/>
-              <a:cs typeface="Times New Roman" panose="02020603050405020304" pitchFamily="18" charset="0"/>
-            </a:endParaRPr>
-          </a:p>
-        </p:txBody>
-      </p:sp>
-      <p:sp>
-        <p:nvSpPr>
-          <p:cNvPr id="3" name="TextBox 2"/>
-          <p:cNvSpPr txBox="1"/>
-          <p:nvPr/>
-        </p:nvSpPr>
-        <p:spPr>
-          <a:xfrm>
-            <a:off x="518061" y="2733039"/>
-            <a:ext cx="5532582" cy="2185214"/>
-          </a:xfrm>
-          <a:prstGeom prst="rect">
-            <a:avLst/>
-          </a:prstGeom>
-          <a:noFill/>
-        </p:spPr>
-        <p:txBody>
-          <a:bodyPr wrap="square" rtlCol="0">
-            <a:spAutoFit/>
-          </a:bodyPr>
-          <a:lstStyle/>
-          <a:p>
-            <a:pPr>
-              <a:lnSpc>
-                <a:spcPct val="150000"/>
-              </a:lnSpc>
-            </a:pPr>
-            <a:r>
-              <a:rPr lang="ru-RU" sz="2400" u="sng" dirty="0">
-                <a:latin typeface="Times New Roman" panose="02020603050405020304" pitchFamily="18" charset="0"/>
-                <a:cs typeface="Times New Roman" panose="02020603050405020304" pitchFamily="18" charset="0"/>
-              </a:rPr>
-              <a:t>Преимущество реализации</a:t>
-            </a:r>
-            <a:r>
-              <a:rPr lang="en-US" sz="2400" u="sng" dirty="0">
-                <a:latin typeface="Times New Roman" panose="02020603050405020304" pitchFamily="18" charset="0"/>
-                <a:cs typeface="Times New Roman" panose="02020603050405020304" pitchFamily="18" charset="0"/>
-              </a:rPr>
-              <a:t>:</a:t>
-            </a:r>
-            <a:endParaRPr lang="ru-RU" sz="2400" u="sng" dirty="0">
-              <a:latin typeface="Times New Roman" panose="02020603050405020304" pitchFamily="18" charset="0"/>
-              <a:cs typeface="Times New Roman" panose="02020603050405020304" pitchFamily="18" charset="0"/>
-            </a:endParaRPr>
-          </a:p>
-          <a:p>
-            <a:pPr marL="285750" indent="-285750">
-              <a:buFont typeface="Arial" panose="020B0604020202020204" pitchFamily="34" charset="0"/>
-              <a:buChar char="•"/>
-            </a:pPr>
-            <a:r>
-              <a:rPr lang="ru-RU" sz="2000" dirty="0">
-                <a:latin typeface="Times New Roman" panose="02020603050405020304" pitchFamily="18" charset="0"/>
-                <a:cs typeface="Times New Roman" panose="02020603050405020304" pitchFamily="18" charset="0"/>
-              </a:rPr>
-              <a:t>при работе с БД из 100000 записей, время выполнения запросов примерно в 1000 раз выше у</a:t>
-            </a:r>
-            <a:r>
-              <a:rPr lang="en-US" sz="2000" dirty="0">
-                <a:latin typeface="Times New Roman" panose="02020603050405020304" pitchFamily="18" charset="0"/>
-                <a:cs typeface="Times New Roman" panose="02020603050405020304" pitchFamily="18" charset="0"/>
-              </a:rPr>
-              <a:t> </a:t>
-            </a:r>
-            <a:r>
-              <a:rPr lang="ru-RU" sz="2000" dirty="0">
-                <a:latin typeface="Times New Roman" panose="02020603050405020304" pitchFamily="18" charset="0"/>
-                <a:cs typeface="Times New Roman" panose="02020603050405020304" pitchFamily="18" charset="0"/>
-              </a:rPr>
-              <a:t>однопоточной программы. </a:t>
-            </a:r>
-            <a:endParaRPr lang="en-US" sz="2000" dirty="0">
-              <a:latin typeface="Times New Roman" panose="02020603050405020304" pitchFamily="18" charset="0"/>
-              <a:cs typeface="Times New Roman" panose="02020603050405020304" pitchFamily="18" charset="0"/>
-            </a:endParaRPr>
-          </a:p>
-          <a:p>
-            <a:pPr marL="285750" indent="-285750">
-              <a:buFont typeface="Arial" panose="020B0604020202020204" pitchFamily="34" charset="0"/>
-              <a:buChar char="•"/>
-            </a:pPr>
-            <a:r>
-              <a:rPr lang="ru-RU" sz="2000" dirty="0">
-                <a:latin typeface="Times New Roman" panose="02020603050405020304" pitchFamily="18" charset="0"/>
-                <a:cs typeface="Times New Roman" panose="02020603050405020304" pitchFamily="18" charset="0"/>
-              </a:rPr>
-              <a:t>Однопоточная модель показывает нестабильную работу на больших данных. </a:t>
-            </a:r>
-          </a:p>
-        </p:txBody>
-      </p:sp>
-    </p:spTree>
-    <p:extLst>
-      <p:ext uri="{BB962C8B-B14F-4D97-AF65-F5344CB8AC3E}">
-        <p14:creationId xmlns:p14="http://schemas.microsoft.com/office/powerpoint/2010/main" val="3791205862"/>
-      </p:ext>
-    </p:extLst>
-  </p:cSld>
-  <p:clrMapOvr>
-    <a:masterClrMapping/>
-  </p:clrMapOvr>
-</p:sld>
-</file>
-
 <file path=ppt/slides/slide6.xml><?xml version="1.0" encoding="utf-8"?>
 <p:sld xmlns:a="http://schemas.openxmlformats.org/drawingml/2006/main" xmlns:r="http://schemas.openxmlformats.org/officeDocument/2006/relationships" xmlns:p="http://schemas.openxmlformats.org/presentationml/2006/main">
   <p:cSld>
@@ -9763,10 +12367,16 @@
           <a:lstStyle/>
           <a:p>
             <a:fld id="{5D15703D-96D9-4C94-B196-0ED7D1E8A93C}" type="slidenum">
-              <a:rPr lang="ru-RU" smtClean="0"/>
+              <a:rPr lang="ru-RU" sz="1800" smtClean="0">
+                <a:latin typeface="Times New Roman" panose="02020603050405020304" pitchFamily="18" charset="0"/>
+                <a:cs typeface="Times New Roman" panose="02020603050405020304" pitchFamily="18" charset="0"/>
+              </a:rPr>
               <a:t>6</a:t>
             </a:fld>
-            <a:endParaRPr lang="ru-RU" dirty="0"/>
+            <a:endParaRPr lang="ru-RU" sz="1800" dirty="0">
+              <a:latin typeface="Times New Roman" panose="02020603050405020304" pitchFamily="18" charset="0"/>
+              <a:cs typeface="Times New Roman" panose="02020603050405020304" pitchFamily="18" charset="0"/>
+            </a:endParaRPr>
           </a:p>
         </p:txBody>
       </p:sp>
@@ -9783,7 +12393,7 @@
         <p:spPr/>
         <p:txBody>
           <a:bodyPr>
-            <a:normAutofit fontScale="90000"/>
+            <a:normAutofit/>
           </a:bodyPr>
           <a:lstStyle/>
           <a:p>
@@ -9801,35 +12411,216 @@
               </a:rPr>
             </a:br>
             <a:r>
-              <a:rPr lang="ru-RU">
+              <a:rPr lang="ru-RU" dirty="0">
                 <a:latin typeface="Times New Roman" panose="02020603050405020304" pitchFamily="18" charset="0"/>
                 <a:cs typeface="Times New Roman" panose="02020603050405020304" pitchFamily="18" charset="0"/>
               </a:rPr>
               <a:t>Пул соединений</a:t>
             </a:r>
-            <a:br>
-              <a:rPr lang="ru-RU">
+          </a:p>
+        </p:txBody>
+      </p:sp>
+      <p:sp>
+        <p:nvSpPr>
+          <p:cNvPr id="6" name="TextBox 5"/>
+          <p:cNvSpPr txBox="1"/>
+          <p:nvPr/>
+        </p:nvSpPr>
+        <p:spPr>
+          <a:xfrm>
+            <a:off x="838200" y="3308185"/>
+            <a:ext cx="9937375" cy="1015663"/>
+          </a:xfrm>
+          <a:prstGeom prst="rect">
+            <a:avLst/>
+          </a:prstGeom>
+          <a:noFill/>
+        </p:spPr>
+        <p:txBody>
+          <a:bodyPr wrap="square" rtlCol="0">
+            <a:spAutoFit/>
+          </a:bodyPr>
+          <a:lstStyle/>
+          <a:p>
+            <a:r>
+              <a:rPr lang="ru-RU" sz="2000" b="0" i="0" u="none" strike="noStrike" baseline="0" dirty="0">
+                <a:solidFill>
+                  <a:srgbClr val="000000"/>
+                </a:solidFill>
                 <a:latin typeface="Times New Roman" panose="02020603050405020304" pitchFamily="18" charset="0"/>
-                <a:cs typeface="Times New Roman" panose="02020603050405020304" pitchFamily="18" charset="0"/>
               </a:rPr>
-            </a:br>
-            <a:r>
-              <a:rPr lang="ru-RU">
+              <a:t>В PostgreSQL отсутствует встроенный пул соединений, однако допускается использование внешнего</a:t>
+            </a:r>
+            <a:r>
+              <a:rPr lang="en-US" sz="2000" dirty="0">
+                <a:solidFill>
+                  <a:srgbClr val="000000"/>
+                </a:solidFill>
                 <a:latin typeface="Times New Roman" panose="02020603050405020304" pitchFamily="18" charset="0"/>
-                <a:cs typeface="Times New Roman" panose="02020603050405020304" pitchFamily="18" charset="0"/>
               </a:rPr>
-              <a:t>ЧТО ТУТ????</a:t>
-            </a:r>
-            <a:endParaRPr lang="ru-RU" dirty="0">
+              <a:t>.</a:t>
+            </a:r>
+            <a:endParaRPr lang="en-US" sz="2000" b="1" dirty="0">
+              <a:solidFill>
+                <a:srgbClr val="000000"/>
+              </a:solidFill>
+              <a:latin typeface="Times New Roman" panose="02020603050405020304" pitchFamily="18" charset="0"/>
+            </a:endParaRPr>
+          </a:p>
+          <a:p>
+            <a:endParaRPr lang="ru-RU" sz="2000" dirty="0">
               <a:latin typeface="Times New Roman" panose="02020603050405020304" pitchFamily="18" charset="0"/>
               <a:cs typeface="Times New Roman" panose="02020603050405020304" pitchFamily="18" charset="0"/>
             </a:endParaRPr>
+          </a:p>
+        </p:txBody>
+      </p:sp>
+      <p:sp>
+        <p:nvSpPr>
+          <p:cNvPr id="7" name="TextBox 6">
+            <a:extLst>
+              <a:ext uri="{FF2B5EF4-FFF2-40B4-BE49-F238E27FC236}">
+                <a16:creationId xmlns:a16="http://schemas.microsoft.com/office/drawing/2014/main" id="{299AFE98-52FE-A52C-5AA3-E27FFCAC0B49}"/>
+              </a:ext>
+            </a:extLst>
+          </p:cNvPr>
+          <p:cNvSpPr txBox="1"/>
+          <p:nvPr/>
+        </p:nvSpPr>
+        <p:spPr>
+          <a:xfrm>
+            <a:off x="838200" y="1989588"/>
+            <a:ext cx="9937376" cy="1015663"/>
+          </a:xfrm>
+          <a:prstGeom prst="rect">
+            <a:avLst/>
+          </a:prstGeom>
+          <a:noFill/>
+        </p:spPr>
+        <p:txBody>
+          <a:bodyPr wrap="square">
+            <a:spAutoFit/>
+          </a:bodyPr>
+          <a:lstStyle/>
+          <a:p>
+            <a:r>
+              <a:rPr lang="ru-RU" sz="2000" b="0" i="0" u="none" strike="noStrike" baseline="0" dirty="0">
+                <a:solidFill>
+                  <a:srgbClr val="000000"/>
+                </a:solidFill>
+                <a:latin typeface="Times New Roman" panose="02020603050405020304" pitchFamily="18" charset="0"/>
+              </a:rPr>
+              <a:t>Повышение производительности, когда стоимость и скорость инициализации экземпляра высоки, а количество одновременно используемых объектов в любой момент времени является низким.</a:t>
+            </a:r>
+            <a:endParaRPr lang="ru-RU" sz="2000" dirty="0"/>
+          </a:p>
+        </p:txBody>
+      </p:sp>
+      <p:sp>
+        <p:nvSpPr>
+          <p:cNvPr id="9" name="TextBox 8">
+            <a:extLst>
+              <a:ext uri="{FF2B5EF4-FFF2-40B4-BE49-F238E27FC236}">
+                <a16:creationId xmlns:a16="http://schemas.microsoft.com/office/drawing/2014/main" id="{E8CCC8F9-6D00-9191-8FF9-18D822A7379C}"/>
+              </a:ext>
+            </a:extLst>
+          </p:cNvPr>
+          <p:cNvSpPr txBox="1"/>
+          <p:nvPr/>
+        </p:nvSpPr>
+        <p:spPr>
+          <a:xfrm>
+            <a:off x="838200" y="4626782"/>
+            <a:ext cx="4612342" cy="1015663"/>
+          </a:xfrm>
+          <a:prstGeom prst="rect">
+            <a:avLst/>
+          </a:prstGeom>
+          <a:noFill/>
+        </p:spPr>
+        <p:txBody>
+          <a:bodyPr wrap="square">
+            <a:spAutoFit/>
+          </a:bodyPr>
+          <a:lstStyle/>
+          <a:p>
+            <a:pPr marL="285750" indent="-285750">
+              <a:buFont typeface="Arial" panose="020B0604020202020204" pitchFamily="34" charset="0"/>
+              <a:buChar char="•"/>
+            </a:pPr>
+            <a:r>
+              <a:rPr lang="ru-RU" sz="2000" b="1" i="0" u="none" strike="noStrike" baseline="0">
+                <a:solidFill>
+                  <a:srgbClr val="000000"/>
+                </a:solidFill>
+                <a:latin typeface="Times New Roman" panose="02020603050405020304" pitchFamily="18" charset="0"/>
+              </a:rPr>
+              <a:t>Пул </a:t>
+            </a:r>
+            <a:r>
+              <a:rPr lang="ru-RU" sz="2000" b="1" i="0" u="none" strike="noStrike" baseline="0" dirty="0">
+                <a:solidFill>
+                  <a:srgbClr val="000000"/>
+                </a:solidFill>
+                <a:latin typeface="Times New Roman" panose="02020603050405020304" pitchFamily="18" charset="0"/>
+              </a:rPr>
+              <a:t>на основе </a:t>
+            </a:r>
+            <a:r>
+              <a:rPr lang="en-US" sz="2000" b="1" i="0" u="none" strike="noStrike" baseline="0" dirty="0">
+                <a:solidFill>
+                  <a:srgbClr val="000000"/>
+                </a:solidFill>
+                <a:latin typeface="Times New Roman" panose="02020603050405020304" pitchFamily="18" charset="0"/>
+              </a:rPr>
+              <a:t>libpq</a:t>
+            </a:r>
+            <a:endParaRPr lang="en-US" sz="2000" b="1" dirty="0">
+              <a:solidFill>
+                <a:srgbClr val="000000"/>
+              </a:solidFill>
+              <a:latin typeface="Times New Roman" panose="02020603050405020304" pitchFamily="18" charset="0"/>
+            </a:endParaRPr>
+          </a:p>
+          <a:p>
+            <a:pPr marL="285750" indent="-285750">
+              <a:buFont typeface="Arial" panose="020B0604020202020204" pitchFamily="34" charset="0"/>
+              <a:buChar char="•"/>
+            </a:pPr>
+            <a:r>
+              <a:rPr lang="ru-RU" sz="2000" b="1" i="0" u="none" strike="noStrike" baseline="0" dirty="0">
+                <a:solidFill>
+                  <a:srgbClr val="000000"/>
+                </a:solidFill>
+                <a:latin typeface="Times New Roman" panose="02020603050405020304" pitchFamily="18" charset="0"/>
+              </a:rPr>
+              <a:t>Пул в качестве внешней службы </a:t>
+            </a:r>
+            <a:endParaRPr lang="ru-RU" sz="2000" b="1" dirty="0"/>
+          </a:p>
+          <a:p>
+            <a:r>
+              <a:rPr lang="en-US" sz="2000" b="1" i="0" u="none" strike="noStrike" baseline="0" dirty="0">
+                <a:solidFill>
+                  <a:srgbClr val="000000"/>
+                </a:solidFill>
+                <a:latin typeface="Times New Roman" panose="02020603050405020304" pitchFamily="18" charset="0"/>
+              </a:rPr>
+              <a:t> </a:t>
+            </a:r>
+            <a:endParaRPr lang="ru-RU" b="1" dirty="0"/>
           </a:p>
         </p:txBody>
       </p:sp>
       <p:pic>
         <p:nvPicPr>
-          <p:cNvPr id="5" name="Рисунок 4"/>
+          <p:cNvPr id="16" name="Рисунок 15">
+            <a:extLst>
+              <a:ext uri="{FF2B5EF4-FFF2-40B4-BE49-F238E27FC236}">
+                <a16:creationId xmlns:a16="http://schemas.microsoft.com/office/drawing/2014/main" id="{CD9203DB-8F4F-E93F-5A6F-C503F006EAED}"/>
+              </a:ext>
+            </a:extLst>
+          </p:cNvPr>
           <p:cNvPicPr>
             <a:picLocks noChangeAspect="1"/>
           </p:cNvPicPr>
@@ -9849,46 +12640,14 @@
         </p:blipFill>
         <p:spPr>
           <a:xfrm>
-            <a:off x="838200" y="2582862"/>
-            <a:ext cx="4105275" cy="2505075"/>
+            <a:off x="6576441" y="4277681"/>
+            <a:ext cx="4068318" cy="2232660"/>
           </a:xfrm>
           <a:prstGeom prst="rect">
             <a:avLst/>
           </a:prstGeom>
         </p:spPr>
       </p:pic>
-      <p:sp>
-        <p:nvSpPr>
-          <p:cNvPr id="6" name="TextBox 5"/>
-          <p:cNvSpPr txBox="1"/>
-          <p:nvPr/>
-        </p:nvSpPr>
-        <p:spPr>
-          <a:xfrm>
-            <a:off x="5781964" y="2438400"/>
-            <a:ext cx="6059054" cy="4247317"/>
-          </a:xfrm>
-          <a:prstGeom prst="rect">
-            <a:avLst/>
-          </a:prstGeom>
-          <a:noFill/>
-        </p:spPr>
-        <p:txBody>
-          <a:bodyPr wrap="square" rtlCol="0">
-            <a:spAutoFit/>
-          </a:bodyPr>
-          <a:lstStyle/>
-          <a:p>
-            <a:r>
-              <a:rPr lang="ru-RU" dirty="0">
-                <a:latin typeface="Times New Roman" panose="02020603050405020304" pitchFamily="18" charset="0"/>
-                <a:cs typeface="Times New Roman" panose="02020603050405020304" pitchFamily="18" charset="0"/>
-              </a:rPr>
-              <a:t>Пул соединений имеет несколько недостатков, один из которых заключается в ограничении максимального количества одновременных подключений к БД. В зависимости от реализации, пользователь может задать размер пула, а также количество соединений, которое может быть добавлено в пул. К другому существенному недостатку следует отнести сложность реализации, а также встраиваемость кода (особенно в крупных компаниях). Также следует обратить внимание на расчет следующих параметров: минимальное количество соединений, максимальное количество пулов соединений, максимальное время простоя, время ожидания соединения, количество попыток после тайм-аута. От корректной конфигурации пула зависит то, насколько увеличится пропускная способность транзакции.</a:t>
-            </a:r>
-          </a:p>
-        </p:txBody>
-      </p:sp>
     </p:spTree>
     <p:extLst>
       <p:ext uri="{BB962C8B-B14F-4D97-AF65-F5344CB8AC3E}">
@@ -9995,14 +12754,14 @@
           <p:nvPr>
             <p:extLst>
               <p:ext uri="{D42A27DB-BD31-4B8C-83A1-F6EECF244321}">
-                <p14:modId xmlns:p14="http://schemas.microsoft.com/office/powerpoint/2010/main" val="3110917746"/>
+                <p14:modId xmlns:p14="http://schemas.microsoft.com/office/powerpoint/2010/main" val="3343667313"/>
               </p:ext>
             </p:extLst>
           </p:nvPr>
         </p:nvGraphicFramePr>
         <p:xfrm>
-          <a:off x="838200" y="2250204"/>
-          <a:ext cx="10073640" cy="3546630"/>
+          <a:off x="838200" y="1856701"/>
+          <a:ext cx="10073640" cy="4333635"/>
         </p:xfrm>
         <a:graphic>
           <a:graphicData uri="http://schemas.openxmlformats.org/drawingml/2006/table">
@@ -10011,14 +12770,21 @@
                 <a:tableStyleId>{F5AB1C69-6EDB-4FF4-983F-18BD219EF322}</a:tableStyleId>
               </a:tblPr>
               <a:tblGrid>
-                <a:gridCol w="5036820">
+                <a:gridCol w="3357880">
+                  <a:extLst>
+                    <a:ext uri="{9D8B030D-6E8A-4147-A177-3AD203B41FA5}">
+                      <a16:colId xmlns:a16="http://schemas.microsoft.com/office/drawing/2014/main" val="1276092578"/>
+                    </a:ext>
+                  </a:extLst>
+                </a:gridCol>
+                <a:gridCol w="3357880">
                   <a:extLst>
                     <a:ext uri="{9D8B030D-6E8A-4147-A177-3AD203B41FA5}">
                       <a16:colId xmlns:a16="http://schemas.microsoft.com/office/drawing/2014/main" val="3960454959"/>
                     </a:ext>
                   </a:extLst>
                 </a:gridCol>
-                <a:gridCol w="5036820">
+                <a:gridCol w="3357880">
                   <a:extLst>
                     <a:ext uri="{9D8B030D-6E8A-4147-A177-3AD203B41FA5}">
                       <a16:colId xmlns:a16="http://schemas.microsoft.com/office/drawing/2014/main" val="4128735083"/>
@@ -10054,7 +12820,51 @@
                           <a:latin typeface="Times New Roman" panose="02020603050405020304" pitchFamily="18" charset="0"/>
                           <a:cs typeface="Times New Roman" panose="02020603050405020304" pitchFamily="18" charset="0"/>
                         </a:rPr>
-                        <a:t>Внешний пул</a:t>
+                        <a:t>Пул на основе </a:t>
+                      </a:r>
+                      <a:r>
+                        <a:rPr lang="en-US" dirty="0">
+                          <a:latin typeface="Times New Roman" panose="02020603050405020304" pitchFamily="18" charset="0"/>
+                          <a:cs typeface="Times New Roman" panose="02020603050405020304" pitchFamily="18" charset="0"/>
+                        </a:rPr>
+                        <a:t>libpq</a:t>
+                      </a:r>
+                      <a:endParaRPr lang="ru-RU" dirty="0">
+                        <a:latin typeface="Times New Roman" panose="02020603050405020304" pitchFamily="18" charset="0"/>
+                        <a:cs typeface="Times New Roman" panose="02020603050405020304" pitchFamily="18" charset="0"/>
+                      </a:endParaRPr>
+                    </a:p>
+                  </a:txBody>
+                  <a:tcPr anchor="ctr"/>
+                </a:tc>
+                <a:tc>
+                  <a:txBody>
+                    <a:bodyPr/>
+                    <a:lstStyle/>
+                    <a:p>
+                      <a:pPr marL="0" marR="0" indent="0" algn="ctr" defTabSz="914400" rtl="0" eaLnBrk="1" fontAlgn="auto" latinLnBrk="0" hangingPunct="1">
+                        <a:lnSpc>
+                          <a:spcPct val="100000"/>
+                        </a:lnSpc>
+                        <a:spcBef>
+                          <a:spcPts val="0"/>
+                        </a:spcBef>
+                        <a:spcAft>
+                          <a:spcPts val="0"/>
+                        </a:spcAft>
+                        <a:buClrTx/>
+                        <a:buSzTx/>
+                        <a:buFontTx/>
+                        <a:buNone/>
+                        <a:tabLst/>
+                        <a:defRPr/>
+                      </a:pPr>
+                      <a:r>
+                        <a:rPr lang="ru-RU" dirty="0">
+                          <a:latin typeface="Times New Roman" panose="02020603050405020304" pitchFamily="18" charset="0"/>
+                          <a:cs typeface="Times New Roman" panose="02020603050405020304" pitchFamily="18" charset="0"/>
+                        </a:rPr>
+                        <a:t>Пул в качестве внешней службы</a:t>
                       </a:r>
                     </a:p>
                   </a:txBody>
@@ -10100,7 +12910,44 @@
                 </a:extLst>
               </a:tr>
               <a:tr h="591105">
-                <a:tc gridSpan="2">
+                <a:tc gridSpan="3">
+                  <a:txBody>
+                    <a:bodyPr/>
+                    <a:lstStyle/>
+                    <a:p>
+                      <a:pPr marL="0" marR="0" lvl="1" indent="0" algn="ctr" defTabSz="914400" rtl="0" eaLnBrk="1" fontAlgn="auto" latinLnBrk="0" hangingPunct="1">
+                        <a:lnSpc>
+                          <a:spcPct val="100000"/>
+                        </a:lnSpc>
+                        <a:spcBef>
+                          <a:spcPts val="0"/>
+                        </a:spcBef>
+                        <a:spcAft>
+                          <a:spcPts val="0"/>
+                        </a:spcAft>
+                        <a:buClrTx/>
+                        <a:buSzTx/>
+                        <a:buFontTx/>
+                        <a:buNone/>
+                        <a:tabLst/>
+                        <a:defRPr/>
+                      </a:pPr>
+                      <a:r>
+                        <a:rPr lang="ru-RU" dirty="0">
+                          <a:latin typeface="Times New Roman" panose="02020603050405020304" pitchFamily="18" charset="0"/>
+                          <a:cs typeface="Times New Roman" panose="02020603050405020304" pitchFamily="18" charset="0"/>
+                        </a:rPr>
+                        <a:t>Увеличение пропускной способности транзакции до 60%</a:t>
+                      </a:r>
+                    </a:p>
+                  </a:txBody>
+                  <a:tcPr anchor="ctr">
+                    <a:solidFill>
+                      <a:srgbClr val="F0F0F0"/>
+                    </a:solidFill>
+                  </a:tcPr>
+                </a:tc>
+                <a:tc hMerge="1">
                   <a:txBody>
                     <a:bodyPr/>
                     <a:lstStyle/>
@@ -10154,7 +13001,46 @@
                 </a:extLst>
               </a:tr>
               <a:tr h="591105">
-                <a:tc gridSpan="2">
+                <a:tc gridSpan="3">
+                  <a:txBody>
+                    <a:bodyPr/>
+                    <a:lstStyle/>
+                    <a:p>
+                      <a:pPr marL="0" marR="0" lvl="1" indent="0" algn="ctr" defTabSz="914400" rtl="0" eaLnBrk="1" fontAlgn="auto" latinLnBrk="0" hangingPunct="1">
+                        <a:lnSpc>
+                          <a:spcPct val="100000"/>
+                        </a:lnSpc>
+                        <a:spcBef>
+                          <a:spcPts val="0"/>
+                        </a:spcBef>
+                        <a:spcAft>
+                          <a:spcPts val="0"/>
+                        </a:spcAft>
+                        <a:buClrTx/>
+                        <a:buSzTx/>
+                        <a:buFontTx/>
+                        <a:buNone/>
+                        <a:tabLst/>
+                        <a:defRPr/>
+                      </a:pPr>
+                      <a:r>
+                        <a:rPr lang="ru-RU" dirty="0">
+                          <a:latin typeface="Times New Roman" panose="02020603050405020304" pitchFamily="18" charset="0"/>
+                          <a:cs typeface="Times New Roman" panose="02020603050405020304" pitchFamily="18" charset="0"/>
+                        </a:rPr>
+                        <a:t>Необходимость поддержки отдельного пула соединения для каждой БД</a:t>
+                      </a:r>
+                    </a:p>
+                  </a:txBody>
+                  <a:tcPr anchor="ctr">
+                    <a:solidFill>
+                      <a:schemeClr val="bg1">
+                        <a:lumMod val="85000"/>
+                      </a:schemeClr>
+                    </a:solidFill>
+                  </a:tcPr>
+                </a:tc>
+                <a:tc hMerge="1">
                   <a:txBody>
                     <a:bodyPr/>
                     <a:lstStyle/>
@@ -10237,7 +13123,7 @@
                           <a:latin typeface="Times New Roman" panose="02020603050405020304" pitchFamily="18" charset="0"/>
                           <a:cs typeface="Times New Roman" panose="02020603050405020304" pitchFamily="18" charset="0"/>
                         </a:rPr>
-                        <a:t>Необходимость поддержки отдельного пула соединения для каждой БД</a:t>
+                        <a:t>Ограничение максимального количества одновременных подключений к БД</a:t>
                       </a:r>
                     </a:p>
                   </a:txBody>
@@ -10254,10 +13140,78 @@
                     <a:bodyPr/>
                     <a:lstStyle/>
                     <a:p>
-                      <a:endParaRPr lang="ru-RU" dirty="0"/>
+                      <a:pPr marL="0" marR="0" lvl="1" indent="0" algn="ctr" defTabSz="914400" rtl="0" eaLnBrk="1" fontAlgn="auto" latinLnBrk="0" hangingPunct="1">
+                        <a:lnSpc>
+                          <a:spcPct val="100000"/>
+                        </a:lnSpc>
+                        <a:spcBef>
+                          <a:spcPts val="0"/>
+                        </a:spcBef>
+                        <a:spcAft>
+                          <a:spcPts val="0"/>
+                        </a:spcAft>
+                        <a:buClrTx/>
+                        <a:buSzTx/>
+                        <a:buFontTx/>
+                        <a:buNone/>
+                        <a:tabLst/>
+                        <a:defRPr/>
+                      </a:pPr>
+                      <a:r>
+                        <a:rPr lang="ru-RU" dirty="0">
+                          <a:latin typeface="Times New Roman" panose="02020603050405020304" pitchFamily="18" charset="0"/>
+                          <a:cs typeface="Times New Roman" panose="02020603050405020304" pitchFamily="18" charset="0"/>
+                        </a:rPr>
+                        <a:t>Необходимость поддержки отдельного пула соединения для каждой БД</a:t>
+                      </a:r>
                     </a:p>
                   </a:txBody>
-                  <a:tcPr/>
+                  <a:tcPr anchor="ctr">
+                    <a:solidFill>
+                      <a:schemeClr val="bg1">
+                        <a:lumMod val="85000"/>
+                      </a:schemeClr>
+                    </a:solidFill>
+                  </a:tcPr>
+                </a:tc>
+                <a:tc>
+                  <a:txBody>
+                    <a:bodyPr/>
+                    <a:lstStyle/>
+                    <a:p>
+                      <a:pPr marL="0" marR="0" lvl="0" indent="0" algn="ctr" defTabSz="914400" rtl="0" eaLnBrk="1" fontAlgn="auto" latinLnBrk="0" hangingPunct="1">
+                        <a:lnSpc>
+                          <a:spcPct val="100000"/>
+                        </a:lnSpc>
+                        <a:spcBef>
+                          <a:spcPts val="0"/>
+                        </a:spcBef>
+                        <a:spcAft>
+                          <a:spcPts val="0"/>
+                        </a:spcAft>
+                        <a:buClrTx/>
+                        <a:buSzTx/>
+                        <a:buFontTx/>
+                        <a:buNone/>
+                        <a:tabLst/>
+                        <a:defRPr/>
+                      </a:pPr>
+                      <a:r>
+                        <a:rPr lang="ru-RU" dirty="0">
+                          <a:latin typeface="Times New Roman" panose="02020603050405020304" pitchFamily="18" charset="0"/>
+                          <a:cs typeface="Times New Roman" panose="02020603050405020304" pitchFamily="18" charset="0"/>
+                        </a:rPr>
+                        <a:t>Доступен только в коммерческой версии</a:t>
+                      </a:r>
+                    </a:p>
+                  </a:txBody>
+                  <a:tcPr anchor="ctr">
+                    <a:solidFill>
+                      <a:schemeClr val="bg1">
+                        <a:lumMod val="85000"/>
+                      </a:schemeClr>
+                    </a:solidFill>
+                  </a:tcPr>
                 </a:tc>
                 <a:extLst>
                   <a:ext uri="{0D108BD9-81ED-4DB2-BD59-A6C34878D82A}">
@@ -10266,6 +13220,45 @@
                 </a:extLst>
               </a:tr>
               <a:tr h="591105">
+                <a:tc>
+                  <a:txBody>
+                    <a:bodyPr/>
+                    <a:lstStyle/>
+                    <a:p>
+                      <a:pPr marL="0" marR="0" lvl="1" indent="0" algn="ctr" defTabSz="914400" rtl="0" eaLnBrk="1" fontAlgn="auto" latinLnBrk="0" hangingPunct="1">
+                        <a:lnSpc>
+                          <a:spcPct val="100000"/>
+                        </a:lnSpc>
+                        <a:spcBef>
+                          <a:spcPts val="0"/>
+                        </a:spcBef>
+                        <a:spcAft>
+                          <a:spcPts val="0"/>
+                        </a:spcAft>
+                        <a:buClrTx/>
+                        <a:buSzTx/>
+                        <a:buFontTx/>
+                        <a:buNone/>
+                        <a:tabLst/>
+                        <a:defRPr/>
+                      </a:pPr>
+                      <a:r>
+                        <a:rPr lang="ru-RU" dirty="0">
+                          <a:latin typeface="Times New Roman" panose="02020603050405020304" pitchFamily="18" charset="0"/>
+                          <a:cs typeface="Times New Roman" panose="02020603050405020304" pitchFamily="18" charset="0"/>
+                        </a:rPr>
+                        <a:t>Затраты на разработку</a:t>
+                      </a:r>
+                    </a:p>
+                  </a:txBody>
+                  <a:tcPr anchor="ctr">
+                    <a:solidFill>
+                      <a:schemeClr val="bg1">
+                        <a:lumMod val="85000"/>
+                      </a:schemeClr>
+                    </a:solidFill>
+                  </a:tcPr>
+                </a:tc>
                 <a:tc>
                   <a:txBody>
                     <a:bodyPr/>
@@ -10311,13 +13304,10 @@
                     <a:lstStyle/>
                     <a:p>
                       <a:pPr algn="ctr"/>
-                      <a:r>
-                        <a:rPr lang="ru-RU" dirty="0">
-                          <a:latin typeface="Times New Roman" panose="02020603050405020304" pitchFamily="18" charset="0"/>
-                          <a:cs typeface="Times New Roman" panose="02020603050405020304" pitchFamily="18" charset="0"/>
-                        </a:rPr>
-                        <a:t>Доступен только в коммерческой версии</a:t>
-                      </a:r>
+                      <a:endParaRPr lang="ru-RU" dirty="0">
+                        <a:latin typeface="Times New Roman" panose="02020603050405020304" pitchFamily="18" charset="0"/>
+                        <a:cs typeface="Times New Roman" panose="02020603050405020304" pitchFamily="18" charset="0"/>
+                      </a:endParaRPr>
                     </a:p>
                   </a:txBody>
                   <a:tcPr anchor="ctr">
@@ -10379,6 +13369,45 @@
                     <a:bodyPr/>
                     <a:lstStyle/>
                     <a:p>
+                      <a:pPr marL="0" marR="0" lvl="1" indent="0" algn="ctr" defTabSz="914400" rtl="0" eaLnBrk="1" fontAlgn="auto" latinLnBrk="0" hangingPunct="1">
+                        <a:lnSpc>
+                          <a:spcPct val="100000"/>
+                        </a:lnSpc>
+                        <a:spcBef>
+                          <a:spcPts val="0"/>
+                        </a:spcBef>
+                        <a:spcAft>
+                          <a:spcPts val="0"/>
+                        </a:spcAft>
+                        <a:buClrTx/>
+                        <a:buSzTx/>
+                        <a:buFontTx/>
+                        <a:buNone/>
+                        <a:tabLst/>
+                        <a:defRPr/>
+                      </a:pPr>
+                      <a:r>
+                        <a:rPr lang="ru-RU" dirty="0">
+                          <a:latin typeface="Times New Roman" panose="02020603050405020304" pitchFamily="18" charset="0"/>
+                          <a:cs typeface="Times New Roman" panose="02020603050405020304" pitchFamily="18" charset="0"/>
+                        </a:rPr>
+                        <a:t>Отсутствие кода ошибки</a:t>
+                      </a:r>
+                    </a:p>
+                  </a:txBody>
+                  <a:tcPr anchor="ctr">
+                    <a:solidFill>
+                      <a:schemeClr val="bg1">
+                        <a:lumMod val="85000"/>
+                      </a:schemeClr>
+                    </a:solidFill>
+                  </a:tcPr>
+                </a:tc>
+                <a:tc>
+                  <a:txBody>
+                    <a:bodyPr/>
+                    <a:lstStyle/>
+                    <a:p>
                       <a:pPr algn="ctr"/>
                       <a:endParaRPr lang="ru-RU" dirty="0">
                         <a:latin typeface="Times New Roman" panose="02020603050405020304" pitchFamily="18" charset="0"/>
@@ -10397,6 +13426,108 @@
                 <a:extLst>
                   <a:ext uri="{0D108BD9-81ED-4DB2-BD59-A6C34878D82A}">
                     <a16:rowId xmlns:a16="http://schemas.microsoft.com/office/drawing/2014/main" val="1532925569"/>
+                  </a:ext>
+                </a:extLst>
+              </a:tr>
+              <a:tr h="591105">
+                <a:tc>
+                  <a:txBody>
+                    <a:bodyPr/>
+                    <a:lstStyle/>
+                    <a:p>
+                      <a:pPr marL="0" marR="0" lvl="1" indent="0" algn="ctr" defTabSz="914400" rtl="0" eaLnBrk="1" fontAlgn="auto" latinLnBrk="0" hangingPunct="1">
+                        <a:lnSpc>
+                          <a:spcPct val="100000"/>
+                        </a:lnSpc>
+                        <a:spcBef>
+                          <a:spcPts val="0"/>
+                        </a:spcBef>
+                        <a:spcAft>
+                          <a:spcPts val="0"/>
+                        </a:spcAft>
+                        <a:buClrTx/>
+                        <a:buSzTx/>
+                        <a:buFontTx/>
+                        <a:buNone/>
+                        <a:tabLst/>
+                        <a:defRPr/>
+                      </a:pPr>
+                      <a:endParaRPr lang="ru-RU" dirty="0">
+                        <a:latin typeface="Times New Roman" panose="02020603050405020304" pitchFamily="18" charset="0"/>
+                        <a:cs typeface="Times New Roman" panose="02020603050405020304" pitchFamily="18" charset="0"/>
+                      </a:endParaRPr>
+                    </a:p>
+                  </a:txBody>
+                  <a:tcPr anchor="ctr">
+                    <a:solidFill>
+                      <a:schemeClr val="bg1">
+                        <a:lumMod val="85000"/>
+                      </a:schemeClr>
+                    </a:solidFill>
+                  </a:tcPr>
+                </a:tc>
+                <a:tc>
+                  <a:txBody>
+                    <a:bodyPr/>
+                    <a:lstStyle/>
+                    <a:p>
+                      <a:pPr marL="0" marR="0" lvl="1" indent="0" algn="ctr" defTabSz="914400" rtl="0" eaLnBrk="1" fontAlgn="auto" latinLnBrk="0" hangingPunct="1">
+                        <a:lnSpc>
+                          <a:spcPct val="100000"/>
+                        </a:lnSpc>
+                        <a:spcBef>
+                          <a:spcPts val="0"/>
+                        </a:spcBef>
+                        <a:spcAft>
+                          <a:spcPts val="0"/>
+                        </a:spcAft>
+                        <a:buClrTx/>
+                        <a:buSzTx/>
+                        <a:buFontTx/>
+                        <a:buNone/>
+                        <a:tabLst/>
+                        <a:defRPr/>
+                      </a:pPr>
+                      <a:r>
+                        <a:rPr lang="ru-RU" dirty="0">
+                          <a:latin typeface="Times New Roman" panose="02020603050405020304" pitchFamily="18" charset="0"/>
+                          <a:cs typeface="Times New Roman" panose="02020603050405020304" pitchFamily="18" charset="0"/>
+                        </a:rPr>
+                        <a:t>Однопоточная реализация службы</a:t>
+                      </a:r>
+                    </a:p>
+                  </a:txBody>
+                  <a:tcPr anchor="ctr">
+                    <a:solidFill>
+                      <a:schemeClr val="bg1">
+                        <a:lumMod val="85000"/>
+                      </a:schemeClr>
+                    </a:solidFill>
+                  </a:tcPr>
+                </a:tc>
+                <a:tc>
+                  <a:txBody>
+                    <a:bodyPr/>
+                    <a:lstStyle/>
+                    <a:p>
+                      <a:pPr algn="ctr"/>
+                      <a:endParaRPr lang="ru-RU" dirty="0">
+                        <a:latin typeface="Times New Roman" panose="02020603050405020304" pitchFamily="18" charset="0"/>
+                        <a:cs typeface="Times New Roman" panose="02020603050405020304" pitchFamily="18" charset="0"/>
+                      </a:endParaRPr>
+                    </a:p>
+                  </a:txBody>
+                  <a:tcPr anchor="ctr">
+                    <a:solidFill>
+                      <a:schemeClr val="bg1">
+                        <a:lumMod val="85000"/>
+                      </a:schemeClr>
+                    </a:solidFill>
+                  </a:tcPr>
+                </a:tc>
+                <a:extLst>
+                  <a:ext uri="{0D108BD9-81ED-4DB2-BD59-A6C34878D82A}">
+                    <a16:rowId xmlns:a16="http://schemas.microsoft.com/office/drawing/2014/main" val="816052898"/>
                   </a:ext>
                 </a:extLst>
               </a:tr>
@@ -10488,81 +13619,16 @@
           <a:lstStyle/>
           <a:p>
             <a:fld id="{5D15703D-96D9-4C94-B196-0ED7D1E8A93C}" type="slidenum">
-              <a:rPr lang="ru-RU" smtClean="0"/>
-              <a:t>8</a:t>
-            </a:fld>
-            <a:endParaRPr lang="ru-RU" dirty="0"/>
-          </a:p>
-        </p:txBody>
-      </p:sp>
-      <p:sp>
-        <p:nvSpPr>
-          <p:cNvPr id="7" name="TextBox 6"/>
-          <p:cNvSpPr txBox="1"/>
-          <p:nvPr/>
-        </p:nvSpPr>
-        <p:spPr>
-          <a:xfrm>
-            <a:off x="838201" y="4287304"/>
-            <a:ext cx="10515599" cy="1631216"/>
-          </a:xfrm>
-          <a:prstGeom prst="rect">
-            <a:avLst/>
-          </a:prstGeom>
-          <a:noFill/>
-        </p:spPr>
-        <p:txBody>
-          <a:bodyPr wrap="square" rtlCol="0">
-            <a:spAutoFit/>
-          </a:bodyPr>
-          <a:lstStyle/>
-          <a:p>
-            <a:r>
-              <a:rPr lang="ru-RU" sz="2400" u="sng" dirty="0">
+              <a:rPr lang="ru-RU" sz="1800" smtClean="0">
                 <a:latin typeface="Times New Roman" panose="02020603050405020304" pitchFamily="18" charset="0"/>
                 <a:cs typeface="Times New Roman" panose="02020603050405020304" pitchFamily="18" charset="0"/>
               </a:rPr>
-              <a:t>Недостатки метода:</a:t>
-            </a:r>
-          </a:p>
-          <a:p>
-            <a:pPr marL="342900" indent="-342900">
-              <a:buFont typeface="Arial" panose="020B0604020202020204" pitchFamily="34" charset="0"/>
-              <a:buChar char="•"/>
-            </a:pPr>
-            <a:r>
-              <a:rPr lang="ru-RU" sz="2400" dirty="0">
-                <a:latin typeface="Times New Roman" panose="02020603050405020304" pitchFamily="18" charset="0"/>
-                <a:cs typeface="Times New Roman" panose="02020603050405020304" pitchFamily="18" charset="0"/>
-              </a:rPr>
-              <a:t>применим к малому числу запросов;</a:t>
-            </a:r>
-          </a:p>
-          <a:p>
-            <a:pPr marL="342900" indent="-342900">
-              <a:buFont typeface="Arial" panose="020B0604020202020204" pitchFamily="34" charset="0"/>
-              <a:buChar char="•"/>
-            </a:pPr>
-            <a:r>
-              <a:rPr lang="ru-RU" sz="2400" dirty="0">
-                <a:latin typeface="Times New Roman" panose="02020603050405020304" pitchFamily="18" charset="0"/>
-                <a:cs typeface="Times New Roman" panose="02020603050405020304" pitchFamily="18" charset="0"/>
-              </a:rPr>
-              <a:t>снижает производительность;</a:t>
-            </a:r>
-          </a:p>
-          <a:p>
-            <a:pPr marL="342900" indent="-342900">
-              <a:buFont typeface="Arial" panose="020B0604020202020204" pitchFamily="34" charset="0"/>
-              <a:buChar char="•"/>
-            </a:pPr>
-            <a:r>
-              <a:rPr lang="ru-RU" sz="2400" dirty="0">
-                <a:latin typeface="Times New Roman" panose="02020603050405020304" pitchFamily="18" charset="0"/>
-                <a:cs typeface="Times New Roman" panose="02020603050405020304" pitchFamily="18" charset="0"/>
-              </a:rPr>
-              <a:t>эффективен только для конкретных запросов.</a:t>
-            </a:r>
+              <a:t>8</a:t>
+            </a:fld>
+            <a:endParaRPr lang="ru-RU" sz="1800" dirty="0">
+              <a:latin typeface="Times New Roman" panose="02020603050405020304" pitchFamily="18" charset="0"/>
+              <a:cs typeface="Times New Roman" panose="02020603050405020304" pitchFamily="18" charset="0"/>
+            </a:endParaRPr>
           </a:p>
         </p:txBody>
       </p:sp>
@@ -10588,14 +13654,183 @@
         </p:blipFill>
         <p:spPr>
           <a:xfrm>
-            <a:off x="2168230" y="2179214"/>
-            <a:ext cx="7855539" cy="1619564"/>
+            <a:off x="2532523" y="2773161"/>
+            <a:ext cx="6979034" cy="1438856"/>
           </a:xfrm>
           <a:prstGeom prst="rect">
             <a:avLst/>
           </a:prstGeom>
         </p:spPr>
       </p:pic>
+      <p:sp>
+        <p:nvSpPr>
+          <p:cNvPr id="8" name="TextBox 7">
+            <a:extLst>
+              <a:ext uri="{FF2B5EF4-FFF2-40B4-BE49-F238E27FC236}">
+                <a16:creationId xmlns:a16="http://schemas.microsoft.com/office/drawing/2014/main" id="{7DBC9360-1F4E-7841-472D-FC7C20F22E72}"/>
+              </a:ext>
+            </a:extLst>
+          </p:cNvPr>
+          <p:cNvSpPr txBox="1"/>
+          <p:nvPr/>
+        </p:nvSpPr>
+        <p:spPr>
+          <a:xfrm>
+            <a:off x="690282" y="1989234"/>
+            <a:ext cx="10663517" cy="707886"/>
+          </a:xfrm>
+          <a:prstGeom prst="rect">
+            <a:avLst/>
+          </a:prstGeom>
+          <a:noFill/>
+        </p:spPr>
+        <p:txBody>
+          <a:bodyPr wrap="square">
+            <a:spAutoFit/>
+          </a:bodyPr>
+          <a:lstStyle/>
+          <a:p>
+            <a:r>
+              <a:rPr lang="ru-RU" sz="2000" dirty="0">
+                <a:effectLst/>
+                <a:latin typeface="Times New Roman" panose="02020603050405020304" pitchFamily="18" charset="0"/>
+                <a:ea typeface="Calibri" panose="020F0502020204030204" pitchFamily="34" charset="0"/>
+                <a:cs typeface="Times New Roman" panose="02020603050405020304" pitchFamily="18" charset="0"/>
+              </a:rPr>
+              <a:t>Распараллеливание — возможность построения таких планов запросов, которые будут задействовать несколько ядер.</a:t>
+            </a:r>
+          </a:p>
+        </p:txBody>
+      </p:sp>
+      <p:sp>
+        <p:nvSpPr>
+          <p:cNvPr id="7" name="TextBox 6"/>
+          <p:cNvSpPr txBox="1"/>
+          <p:nvPr/>
+        </p:nvSpPr>
+        <p:spPr>
+          <a:xfrm>
+            <a:off x="6243920" y="4852994"/>
+            <a:ext cx="5257800" cy="1015663"/>
+          </a:xfrm>
+          <a:prstGeom prst="rect">
+            <a:avLst/>
+          </a:prstGeom>
+          <a:noFill/>
+        </p:spPr>
+        <p:txBody>
+          <a:bodyPr wrap="square" rtlCol="0">
+            <a:spAutoFit/>
+          </a:bodyPr>
+          <a:lstStyle/>
+          <a:p>
+            <a:r>
+              <a:rPr lang="ru-RU" sz="2000" u="sng" dirty="0">
+                <a:latin typeface="Times New Roman" panose="02020603050405020304" pitchFamily="18" charset="0"/>
+                <a:cs typeface="Times New Roman" panose="02020603050405020304" pitchFamily="18" charset="0"/>
+              </a:rPr>
+              <a:t>Недостатки метода:</a:t>
+            </a:r>
+          </a:p>
+          <a:p>
+            <a:pPr marL="342900" indent="-342900">
+              <a:buFont typeface="Arial" panose="020B0604020202020204" pitchFamily="34" charset="0"/>
+              <a:buChar char="•"/>
+            </a:pPr>
+            <a:r>
+              <a:rPr lang="ru-RU" sz="2000" dirty="0">
+                <a:latin typeface="Times New Roman" panose="02020603050405020304" pitchFamily="18" charset="0"/>
+                <a:cs typeface="Times New Roman" panose="02020603050405020304" pitchFamily="18" charset="0"/>
+              </a:rPr>
+              <a:t>применим к малому числу запросов;</a:t>
+            </a:r>
+          </a:p>
+          <a:p>
+            <a:pPr marL="342900" indent="-342900">
+              <a:buFont typeface="Arial" panose="020B0604020202020204" pitchFamily="34" charset="0"/>
+              <a:buChar char="•"/>
+            </a:pPr>
+            <a:r>
+              <a:rPr lang="ru-RU" sz="2000" dirty="0">
+                <a:latin typeface="Times New Roman" panose="02020603050405020304" pitchFamily="18" charset="0"/>
+                <a:cs typeface="Times New Roman" panose="02020603050405020304" pitchFamily="18" charset="0"/>
+              </a:rPr>
+              <a:t>может быть снижена производительность.</a:t>
+            </a:r>
+          </a:p>
+        </p:txBody>
+      </p:sp>
+      <p:sp>
+        <p:nvSpPr>
+          <p:cNvPr id="10" name="TextBox 9">
+            <a:extLst>
+              <a:ext uri="{FF2B5EF4-FFF2-40B4-BE49-F238E27FC236}">
+                <a16:creationId xmlns:a16="http://schemas.microsoft.com/office/drawing/2014/main" id="{972C0D04-B28F-4D66-1B20-0D7D0A28DBE8}"/>
+              </a:ext>
+            </a:extLst>
+          </p:cNvPr>
+          <p:cNvSpPr txBox="1"/>
+          <p:nvPr/>
+        </p:nvSpPr>
+        <p:spPr>
+          <a:xfrm>
+            <a:off x="690282" y="4545218"/>
+            <a:ext cx="5257800" cy="1631216"/>
+          </a:xfrm>
+          <a:prstGeom prst="rect">
+            <a:avLst/>
+          </a:prstGeom>
+          <a:noFill/>
+        </p:spPr>
+        <p:txBody>
+          <a:bodyPr wrap="square">
+            <a:spAutoFit/>
+          </a:bodyPr>
+          <a:lstStyle/>
+          <a:p>
+            <a:r>
+              <a:rPr lang="ru-RU" sz="2000" b="0" i="0" u="none" strike="noStrike" baseline="0" dirty="0">
+                <a:solidFill>
+                  <a:srgbClr val="000000"/>
+                </a:solidFill>
+                <a:latin typeface="Times New Roman" panose="02020603050405020304" pitchFamily="18" charset="0"/>
+              </a:rPr>
+              <a:t>Выбор плана: </a:t>
+            </a:r>
+          </a:p>
+          <a:p>
+            <a:pPr marL="285750" indent="-285750">
+              <a:buFont typeface="Arial" panose="020B0604020202020204" pitchFamily="34" charset="0"/>
+              <a:buChar char="•"/>
+            </a:pPr>
+            <a:r>
+              <a:rPr lang="ru-RU" sz="2000" b="0" i="0" u="none" strike="noStrike" baseline="0" dirty="0">
+                <a:solidFill>
+                  <a:srgbClr val="000000"/>
+                </a:solidFill>
+                <a:latin typeface="Times New Roman" panose="02020603050405020304" pitchFamily="18" charset="0"/>
+              </a:rPr>
+              <a:t>рассмотрение всевозможных вариантов для получения одного и того же результата;</a:t>
+            </a:r>
+          </a:p>
+          <a:p>
+            <a:pPr marL="285750" indent="-285750">
+              <a:buFont typeface="Arial" panose="020B0604020202020204" pitchFamily="34" charset="0"/>
+              <a:buChar char="•"/>
+            </a:pPr>
+            <a:r>
+              <a:rPr lang="ru-RU" sz="2000" b="0" i="0" u="none" strike="noStrike" baseline="0" dirty="0">
+                <a:solidFill>
+                  <a:srgbClr val="000000"/>
+                </a:solidFill>
+                <a:latin typeface="Times New Roman" panose="02020603050405020304" pitchFamily="18" charset="0"/>
+              </a:rPr>
+              <a:t>оценка каждого варианта для выбора самого дешевого. </a:t>
+            </a:r>
+            <a:endParaRPr lang="ru-RU" sz="2000" dirty="0"/>
+          </a:p>
+        </p:txBody>
+      </p:sp>
     </p:spTree>
     <p:extLst>
       <p:ext uri="{BB962C8B-B14F-4D97-AF65-F5344CB8AC3E}">
@@ -10641,10 +13876,13 @@
           <a:bodyPr/>
           <a:lstStyle/>
           <a:p>
-            <a:endParaRPr lang="ru-RU" dirty="0">
-              <a:latin typeface="Times New Roman" panose="02020603050405020304" pitchFamily="18" charset="0"/>
-              <a:cs typeface="Times New Roman" panose="02020603050405020304" pitchFamily="18" charset="0"/>
-            </a:endParaRPr>
+            <a:r>
+              <a:rPr lang="ru-RU" dirty="0">
+                <a:latin typeface="Times New Roman" panose="02020603050405020304" pitchFamily="18" charset="0"/>
+                <a:cs typeface="Times New Roman" panose="02020603050405020304" pitchFamily="18" charset="0"/>
+              </a:rPr>
+              <a:t>Ключевые этапы работы метода</a:t>
+            </a:r>
           </a:p>
         </p:txBody>
       </p:sp>
@@ -10664,10 +13902,16 @@
           <a:lstStyle/>
           <a:p>
             <a:fld id="{5D15703D-96D9-4C94-B196-0ED7D1E8A93C}" type="slidenum">
-              <a:rPr lang="ru-RU" smtClean="0"/>
+              <a:rPr lang="ru-RU" sz="1800" smtClean="0">
+                <a:latin typeface="Times New Roman" panose="02020603050405020304" pitchFamily="18" charset="0"/>
+                <a:cs typeface="Times New Roman" panose="02020603050405020304" pitchFamily="18" charset="0"/>
+              </a:rPr>
               <a:t>9</a:t>
             </a:fld>
-            <a:endParaRPr lang="ru-RU" dirty="0"/>
+            <a:endParaRPr lang="ru-RU" sz="1800" dirty="0">
+              <a:latin typeface="Times New Roman" panose="02020603050405020304" pitchFamily="18" charset="0"/>
+              <a:cs typeface="Times New Roman" panose="02020603050405020304" pitchFamily="18" charset="0"/>
+            </a:endParaRPr>
           </a:p>
         </p:txBody>
       </p:sp>
@@ -10676,7 +13920,7 @@
           <p:cNvPr id="6" name="Рисунок 5">
             <a:extLst>
               <a:ext uri="{FF2B5EF4-FFF2-40B4-BE49-F238E27FC236}">
-                <a16:creationId xmlns:a16="http://schemas.microsoft.com/office/drawing/2014/main" id="{7A41EB1B-E9A5-13F4-A182-E791E376A7AC}"/>
+                <a16:creationId xmlns:a16="http://schemas.microsoft.com/office/drawing/2014/main" id="{8252D084-9FBF-C0CD-6906-61B429838B10}"/>
               </a:ext>
             </a:extLst>
           </p:cNvPr>
@@ -10700,49 +13944,8 @@
         </p:blipFill>
         <p:spPr bwMode="auto">
           <a:xfrm>
-            <a:off x="1491114" y="2277979"/>
-            <a:ext cx="1083702" cy="3838876"/>
-          </a:xfrm>
-          <a:prstGeom prst="rect">
-            <a:avLst/>
-          </a:prstGeom>
-          <a:noFill/>
-          <a:ln>
-            <a:noFill/>
-          </a:ln>
-        </p:spPr>
-      </p:pic>
-      <p:pic>
-        <p:nvPicPr>
-          <p:cNvPr id="8" name="Рисунок 7">
-            <a:extLst>
-              <a:ext uri="{FF2B5EF4-FFF2-40B4-BE49-F238E27FC236}">
-                <a16:creationId xmlns:a16="http://schemas.microsoft.com/office/drawing/2014/main" id="{057366AC-88EA-4947-318F-4132A582415E}"/>
-              </a:ext>
-            </a:extLst>
-          </p:cNvPr>
-          <p:cNvPicPr>
-            <a:picLocks noChangeAspect="1"/>
-          </p:cNvPicPr>
-          <p:nvPr/>
-        </p:nvPicPr>
-        <p:blipFill>
-          <a:blip r:embed="rId3" cstate="print">
-            <a:extLst>
-              <a:ext uri="{28A0092B-C50C-407E-A947-70E740481C1C}">
-                <a14:useLocalDpi xmlns:a14="http://schemas.microsoft.com/office/drawing/2010/main" val="0"/>
-              </a:ext>
-            </a:extLst>
-          </a:blip>
-          <a:srcRect/>
-          <a:stretch>
-            <a:fillRect/>
-          </a:stretch>
-        </p:blipFill>
-        <p:spPr bwMode="auto">
-          <a:xfrm>
-            <a:off x="5177790" y="2454442"/>
-            <a:ext cx="1273533" cy="3492968"/>
+            <a:off x="838200" y="2220135"/>
+            <a:ext cx="10009094" cy="3606768"/>
           </a:xfrm>
           <a:prstGeom prst="rect">
             <a:avLst/>
@@ -10756,7 +13959,7 @@
     </p:spTree>
     <p:extLst>
       <p:ext uri="{BB962C8B-B14F-4D97-AF65-F5344CB8AC3E}">
-        <p14:creationId xmlns:p14="http://schemas.microsoft.com/office/powerpoint/2010/main" val="2402547047"/>
+        <p14:creationId xmlns:p14="http://schemas.microsoft.com/office/powerpoint/2010/main" val="3515134166"/>
       </p:ext>
     </p:extLst>
   </p:cSld>

--- a/Презентация.pptx
+++ b/Презентация.pptx
@@ -5,7 +5,7 @@
     <p:sldMasterId id="2147483648" r:id="rId1"/>
   </p:sldMasterIdLst>
   <p:notesMasterIdLst>
-    <p:notesMasterId r:id="rId18"/>
+    <p:notesMasterId r:id="rId19"/>
   </p:notesMasterIdLst>
   <p:sldIdLst>
     <p:sldId id="256" r:id="rId2"/>
@@ -18,12 +18,13 @@
     <p:sldId id="263" r:id="rId9"/>
     <p:sldId id="273" r:id="rId10"/>
     <p:sldId id="266" r:id="rId11"/>
-    <p:sldId id="274" r:id="rId12"/>
-    <p:sldId id="267" r:id="rId13"/>
-    <p:sldId id="268" r:id="rId14"/>
-    <p:sldId id="269" r:id="rId15"/>
-    <p:sldId id="270" r:id="rId16"/>
-    <p:sldId id="271" r:id="rId17"/>
+    <p:sldId id="275" r:id="rId12"/>
+    <p:sldId id="274" r:id="rId13"/>
+    <p:sldId id="267" r:id="rId14"/>
+    <p:sldId id="268" r:id="rId15"/>
+    <p:sldId id="269" r:id="rId16"/>
+    <p:sldId id="270" r:id="rId17"/>
+    <p:sldId id="271" r:id="rId18"/>
   </p:sldIdLst>
   <p:sldSz cx="12192000" cy="6858000"/>
   <p:notesSz cx="6858000" cy="9144000"/>
@@ -147,7 +148,7 @@
   <pc:docChgLst>
     <pc:chgData name="Ольга Платонова" userId="b7a68a3ec46e1b54" providerId="LiveId" clId="{1F07ACF5-96D4-4BB6-B0A8-48BFF323F040}"/>
     <pc:docChg chg="undo redo custSel addSld delSld modSld">
-      <pc:chgData name="Ольга Платонова" userId="b7a68a3ec46e1b54" providerId="LiveId" clId="{1F07ACF5-96D4-4BB6-B0A8-48BFF323F040}" dt="2022-05-27T16:52:28.985" v="2004" actId="1076"/>
+      <pc:chgData name="Ольга Платонова" userId="b7a68a3ec46e1b54" providerId="LiveId" clId="{1F07ACF5-96D4-4BB6-B0A8-48BFF323F040}" dt="2022-05-27T22:02:38.572" v="4097" actId="20577"/>
       <pc:docMkLst>
         <pc:docMk/>
       </pc:docMkLst>
@@ -183,7 +184,7 @@
         </pc:spChg>
       </pc:sldChg>
       <pc:sldChg chg="modSp mod">
-        <pc:chgData name="Ольга Платонова" userId="b7a68a3ec46e1b54" providerId="LiveId" clId="{1F07ACF5-96D4-4BB6-B0A8-48BFF323F040}" dt="2022-05-26T22:06:40.917" v="1931" actId="2"/>
+        <pc:chgData name="Ольга Платонова" userId="b7a68a3ec46e1b54" providerId="LiveId" clId="{1F07ACF5-96D4-4BB6-B0A8-48BFF323F040}" dt="2022-05-27T17:48:12.083" v="2236" actId="20577"/>
         <pc:sldMkLst>
           <pc:docMk/>
           <pc:sldMk cId="923825700" sldId="257"/>
@@ -197,7 +198,7 @@
           </ac:spMkLst>
         </pc:spChg>
         <pc:spChg chg="mod">
-          <ac:chgData name="Ольга Платонова" userId="b7a68a3ec46e1b54" providerId="LiveId" clId="{1F07ACF5-96D4-4BB6-B0A8-48BFF323F040}" dt="2022-05-26T15:15:46.262" v="125" actId="20577"/>
+          <ac:chgData name="Ольга Платонова" userId="b7a68a3ec46e1b54" providerId="LiveId" clId="{1F07ACF5-96D4-4BB6-B0A8-48BFF323F040}" dt="2022-05-27T17:41:38.531" v="2087" actId="14100"/>
           <ac:spMkLst>
             <pc:docMk/>
             <pc:sldMk cId="923825700" sldId="257"/>
@@ -205,7 +206,7 @@
           </ac:spMkLst>
         </pc:spChg>
         <pc:spChg chg="mod">
-          <ac:chgData name="Ольга Платонова" userId="b7a68a3ec46e1b54" providerId="LiveId" clId="{1F07ACF5-96D4-4BB6-B0A8-48BFF323F040}" dt="2022-05-26T22:06:40.917" v="1931" actId="2"/>
+          <ac:chgData name="Ольга Платонова" userId="b7a68a3ec46e1b54" providerId="LiveId" clId="{1F07ACF5-96D4-4BB6-B0A8-48BFF323F040}" dt="2022-05-27T17:48:12.083" v="2236" actId="20577"/>
           <ac:spMkLst>
             <pc:docMk/>
             <pc:sldMk cId="923825700" sldId="257"/>
@@ -213,12 +214,36 @@
           </ac:spMkLst>
         </pc:spChg>
       </pc:sldChg>
-      <pc:sldChg chg="addCm modCm">
-        <pc:chgData name="Ольга Платонова" userId="b7a68a3ec46e1b54" providerId="LiveId" clId="{1F07ACF5-96D4-4BB6-B0A8-48BFF323F040}" dt="2022-05-26T16:59:33.205" v="647"/>
+      <pc:sldChg chg="modSp mod addCm modCm">
+        <pc:chgData name="Ольга Платонова" userId="b7a68a3ec46e1b54" providerId="LiveId" clId="{1F07ACF5-96D4-4BB6-B0A8-48BFF323F040}" dt="2022-05-27T18:01:28.772" v="2383" actId="1076"/>
         <pc:sldMkLst>
           <pc:docMk/>
           <pc:sldMk cId="4129783739" sldId="259"/>
         </pc:sldMkLst>
+        <pc:spChg chg="mod">
+          <ac:chgData name="Ольга Платонова" userId="b7a68a3ec46e1b54" providerId="LiveId" clId="{1F07ACF5-96D4-4BB6-B0A8-48BFF323F040}" dt="2022-05-27T17:59:14.753" v="2361"/>
+          <ac:spMkLst>
+            <pc:docMk/>
+            <pc:sldMk cId="4129783739" sldId="259"/>
+            <ac:spMk id="2" creationId="{00000000-0000-0000-0000-000000000000}"/>
+          </ac:spMkLst>
+        </pc:spChg>
+        <pc:spChg chg="mod">
+          <ac:chgData name="Ольга Платонова" userId="b7a68a3ec46e1b54" providerId="LiveId" clId="{1F07ACF5-96D4-4BB6-B0A8-48BFF323F040}" dt="2022-05-27T18:01:28.772" v="2383" actId="1076"/>
+          <ac:spMkLst>
+            <pc:docMk/>
+            <pc:sldMk cId="4129783739" sldId="259"/>
+            <ac:spMk id="5" creationId="{00000000-0000-0000-0000-000000000000}"/>
+          </ac:spMkLst>
+        </pc:spChg>
+        <pc:picChg chg="mod">
+          <ac:chgData name="Ольга Платонова" userId="b7a68a3ec46e1b54" providerId="LiveId" clId="{1F07ACF5-96D4-4BB6-B0A8-48BFF323F040}" dt="2022-05-27T18:01:20.284" v="2381" actId="1076"/>
+          <ac:picMkLst>
+            <pc:docMk/>
+            <pc:sldMk cId="4129783739" sldId="259"/>
+            <ac:picMk id="3" creationId="{00000000-0000-0000-0000-000000000000}"/>
+          </ac:picMkLst>
+        </pc:picChg>
       </pc:sldChg>
       <pc:sldChg chg="del">
         <pc:chgData name="Ольга Платонова" userId="b7a68a3ec46e1b54" providerId="LiveId" clId="{1F07ACF5-96D4-4BB6-B0A8-48BFF323F040}" dt="2022-05-26T17:16:36.648" v="654" actId="47"/>
@@ -227,14 +252,30 @@
           <pc:sldMk cId="3791205862" sldId="260"/>
         </pc:sldMkLst>
       </pc:sldChg>
-      <pc:sldChg chg="modSp mod">
-        <pc:chgData name="Ольга Платонова" userId="b7a68a3ec46e1b54" providerId="LiveId" clId="{1F07ACF5-96D4-4BB6-B0A8-48BFF323F040}" dt="2022-05-26T22:06:52.084" v="1936" actId="2"/>
+      <pc:sldChg chg="addSp delSp modSp mod">
+        <pc:chgData name="Ольга Платонова" userId="b7a68a3ec46e1b54" providerId="LiveId" clId="{1F07ACF5-96D4-4BB6-B0A8-48BFF323F040}" dt="2022-05-27T18:50:53.295" v="2688"/>
         <pc:sldMkLst>
           <pc:docMk/>
           <pc:sldMk cId="725503657" sldId="261"/>
         </pc:sldMkLst>
+        <pc:spChg chg="mod">
+          <ac:chgData name="Ольга Платонова" userId="b7a68a3ec46e1b54" providerId="LiveId" clId="{1F07ACF5-96D4-4BB6-B0A8-48BFF323F040}" dt="2022-05-27T18:11:53.737" v="2465" actId="14100"/>
+          <ac:spMkLst>
+            <pc:docMk/>
+            <pc:sldMk cId="725503657" sldId="261"/>
+            <ac:spMk id="2" creationId="{00000000-0000-0000-0000-000000000000}"/>
+          </ac:spMkLst>
+        </pc:spChg>
+        <pc:graphicFrameChg chg="add del mod">
+          <ac:chgData name="Ольга Платонова" userId="b7a68a3ec46e1b54" providerId="LiveId" clId="{1F07ACF5-96D4-4BB6-B0A8-48BFF323F040}" dt="2022-05-27T18:40:56.206" v="2654"/>
+          <ac:graphicFrameMkLst>
+            <pc:docMk/>
+            <pc:sldMk cId="725503657" sldId="261"/>
+            <ac:graphicFrameMk id="3" creationId="{C8123B7B-023C-2415-955E-5EBCCC12A3D1}"/>
+          </ac:graphicFrameMkLst>
+        </pc:graphicFrameChg>
         <pc:graphicFrameChg chg="mod modGraphic">
-          <ac:chgData name="Ольга Платонова" userId="b7a68a3ec46e1b54" providerId="LiveId" clId="{1F07ACF5-96D4-4BB6-B0A8-48BFF323F040}" dt="2022-05-26T22:06:52.084" v="1936" actId="2"/>
+          <ac:chgData name="Ольга Платонова" userId="b7a68a3ec46e1b54" providerId="LiveId" clId="{1F07ACF5-96D4-4BB6-B0A8-48BFF323F040}" dt="2022-05-27T18:50:53.295" v="2688"/>
           <ac:graphicFrameMkLst>
             <pc:docMk/>
             <pc:sldMk cId="725503657" sldId="261"/>
@@ -243,11 +284,19 @@
         </pc:graphicFrameChg>
       </pc:sldChg>
       <pc:sldChg chg="addSp delSp modSp mod addCm modCm">
-        <pc:chgData name="Ольга Платонова" userId="b7a68a3ec46e1b54" providerId="LiveId" clId="{1F07ACF5-96D4-4BB6-B0A8-48BFF323F040}" dt="2022-05-26T22:06:47.017" v="1932" actId="2"/>
+        <pc:chgData name="Ольга Платонова" userId="b7a68a3ec46e1b54" providerId="LiveId" clId="{1F07ACF5-96D4-4BB6-B0A8-48BFF323F040}" dt="2022-05-27T17:49:39.123" v="2265" actId="20577"/>
         <pc:sldMkLst>
           <pc:docMk/>
           <pc:sldMk cId="3963753601" sldId="262"/>
         </pc:sldMkLst>
+        <pc:spChg chg="mod">
+          <ac:chgData name="Ольга Платонова" userId="b7a68a3ec46e1b54" providerId="LiveId" clId="{1F07ACF5-96D4-4BB6-B0A8-48BFF323F040}" dt="2022-05-27T17:49:39.123" v="2265" actId="20577"/>
+          <ac:spMkLst>
+            <pc:docMk/>
+            <pc:sldMk cId="3963753601" sldId="262"/>
+            <ac:spMk id="2" creationId="{00000000-0000-0000-0000-000000000000}"/>
+          </ac:spMkLst>
+        </pc:spChg>
         <pc:spChg chg="mod">
           <ac:chgData name="Ольга Платонова" userId="b7a68a3ec46e1b54" providerId="LiveId" clId="{1F07ACF5-96D4-4BB6-B0A8-48BFF323F040}" dt="2022-05-26T16:35:49.893" v="321" actId="255"/>
           <ac:spMkLst>
@@ -306,13 +355,13 @@
         </pc:graphicFrameChg>
       </pc:sldChg>
       <pc:sldChg chg="addSp delSp modSp mod">
-        <pc:chgData name="Ольга Платонова" userId="b7a68a3ec46e1b54" providerId="LiveId" clId="{1F07ACF5-96D4-4BB6-B0A8-48BFF323F040}" dt="2022-05-27T16:50:58.910" v="2003" actId="1076"/>
+        <pc:chgData name="Ольга Платонова" userId="b7a68a3ec46e1b54" providerId="LiveId" clId="{1F07ACF5-96D4-4BB6-B0A8-48BFF323F040}" dt="2022-05-27T18:51:58.122" v="2690" actId="6549"/>
         <pc:sldMkLst>
           <pc:docMk/>
           <pc:sldMk cId="877587620" sldId="263"/>
         </pc:sldMkLst>
         <pc:spChg chg="mod">
-          <ac:chgData name="Ольга Платонова" userId="b7a68a3ec46e1b54" providerId="LiveId" clId="{1F07ACF5-96D4-4BB6-B0A8-48BFF323F040}" dt="2022-05-26T20:39:04.915" v="1506" actId="403"/>
+          <ac:chgData name="Ольга Платонова" userId="b7a68a3ec46e1b54" providerId="LiveId" clId="{1F07ACF5-96D4-4BB6-B0A8-48BFF323F040}" dt="2022-05-27T18:51:58.122" v="2690" actId="6549"/>
           <ac:spMkLst>
             <pc:docMk/>
             <pc:sldMk cId="877587620" sldId="263"/>
@@ -464,13 +513,13 @@
         </pc:picChg>
       </pc:sldChg>
       <pc:sldChg chg="addSp delSp modSp mod">
-        <pc:chgData name="Ольга Платонова" userId="b7a68a3ec46e1b54" providerId="LiveId" clId="{1F07ACF5-96D4-4BB6-B0A8-48BFF323F040}" dt="2022-05-26T20:39:47.997" v="1515" actId="1076"/>
+        <pc:chgData name="Ольга Платонова" userId="b7a68a3ec46e1b54" providerId="LiveId" clId="{1F07ACF5-96D4-4BB6-B0A8-48BFF323F040}" dt="2022-05-27T22:02:33.330" v="4096" actId="20577"/>
         <pc:sldMkLst>
           <pc:docMk/>
           <pc:sldMk cId="2402547047" sldId="266"/>
         </pc:sldMkLst>
         <pc:spChg chg="mod">
-          <ac:chgData name="Ольга Платонова" userId="b7a68a3ec46e1b54" providerId="LiveId" clId="{1F07ACF5-96D4-4BB6-B0A8-48BFF323F040}" dt="2022-05-26T19:14:24.195" v="1177"/>
+          <ac:chgData name="Ольга Платонова" userId="b7a68a3ec46e1b54" providerId="LiveId" clId="{1F07ACF5-96D4-4BB6-B0A8-48BFF323F040}" dt="2022-05-27T22:02:33.330" v="4096" actId="20577"/>
           <ac:spMkLst>
             <pc:docMk/>
             <pc:sldMk cId="2402547047" sldId="266"/>
@@ -485,24 +534,32 @@
             <ac:spMk id="4" creationId="{00000000-0000-0000-0000-000000000000}"/>
           </ac:spMkLst>
         </pc:spChg>
-        <pc:spChg chg="add mod">
-          <ac:chgData name="Ольга Платонова" userId="b7a68a3ec46e1b54" providerId="LiveId" clId="{1F07ACF5-96D4-4BB6-B0A8-48BFF323F040}" dt="2022-05-26T20:39:36.944" v="1512" actId="1076"/>
+        <pc:spChg chg="add del mod">
+          <ac:chgData name="Ольга Платонова" userId="b7a68a3ec46e1b54" providerId="LiveId" clId="{1F07ACF5-96D4-4BB6-B0A8-48BFF323F040}" dt="2022-05-27T21:44:58.166" v="4075" actId="478"/>
           <ac:spMkLst>
             <pc:docMk/>
             <pc:sldMk cId="2402547047" sldId="266"/>
             <ac:spMk id="9" creationId="{1FE68D13-743F-F616-0442-FAF37F19E36B}"/>
           </ac:spMkLst>
         </pc:spChg>
-        <pc:spChg chg="add mod">
-          <ac:chgData name="Ольга Платонова" userId="b7a68a3ec46e1b54" providerId="LiveId" clId="{1F07ACF5-96D4-4BB6-B0A8-48BFF323F040}" dt="2022-05-26T20:39:47.997" v="1515" actId="1076"/>
+        <pc:spChg chg="add del mod">
+          <ac:chgData name="Ольга Платонова" userId="b7a68a3ec46e1b54" providerId="LiveId" clId="{1F07ACF5-96D4-4BB6-B0A8-48BFF323F040}" dt="2022-05-27T21:33:29.921" v="4058" actId="478"/>
           <ac:spMkLst>
             <pc:docMk/>
             <pc:sldMk cId="2402547047" sldId="266"/>
             <ac:spMk id="10" creationId="{E47E263C-1F3B-9416-3057-6B5C3CF0FB10}"/>
           </ac:spMkLst>
         </pc:spChg>
-        <pc:picChg chg="add mod">
-          <ac:chgData name="Ольга Платонова" userId="b7a68a3ec46e1b54" providerId="LiveId" clId="{1F07ACF5-96D4-4BB6-B0A8-48BFF323F040}" dt="2022-05-26T19:24:47.172" v="1262" actId="1076"/>
+        <pc:graphicFrameChg chg="add del mod">
+          <ac:chgData name="Ольга Платонова" userId="b7a68a3ec46e1b54" providerId="LiveId" clId="{1F07ACF5-96D4-4BB6-B0A8-48BFF323F040}" dt="2022-05-27T21:33:06.866" v="4049" actId="478"/>
+          <ac:graphicFrameMkLst>
+            <pc:docMk/>
+            <pc:sldMk cId="2402547047" sldId="266"/>
+            <ac:graphicFrameMk id="3" creationId="{438CFDCC-28C7-E3EA-5E34-1980D319BA32}"/>
+          </ac:graphicFrameMkLst>
+        </pc:graphicFrameChg>
+        <pc:picChg chg="add del mod">
+          <ac:chgData name="Ольга Платонова" userId="b7a68a3ec46e1b54" providerId="LiveId" clId="{1F07ACF5-96D4-4BB6-B0A8-48BFF323F040}" dt="2022-05-27T21:33:00.867" v="4047" actId="478"/>
           <ac:picMkLst>
             <pc:docMk/>
             <pc:sldMk cId="2402547047" sldId="266"/>
@@ -517,6 +574,14 @@
             <ac:picMk id="6" creationId="{7A41EB1B-E9A5-13F4-A182-E791E376A7AC}"/>
           </ac:picMkLst>
         </pc:picChg>
+        <pc:picChg chg="add del mod">
+          <ac:chgData name="Ольга Платонова" userId="b7a68a3ec46e1b54" providerId="LiveId" clId="{1F07ACF5-96D4-4BB6-B0A8-48BFF323F040}" dt="2022-05-27T21:44:27.849" v="4065" actId="478"/>
+          <ac:picMkLst>
+            <pc:docMk/>
+            <pc:sldMk cId="2402547047" sldId="266"/>
+            <ac:picMk id="7" creationId="{B7CC1BEA-E8A9-161C-B18B-A637E7FE3472}"/>
+          </ac:picMkLst>
+        </pc:picChg>
         <pc:picChg chg="del mod">
           <ac:chgData name="Ольга Платонова" userId="b7a68a3ec46e1b54" providerId="LiveId" clId="{1F07ACF5-96D4-4BB6-B0A8-48BFF323F040}" dt="2022-05-26T19:21:43.804" v="1257" actId="478"/>
           <ac:picMkLst>
@@ -526,15 +591,23 @@
           </ac:picMkLst>
         </pc:picChg>
         <pc:picChg chg="add mod">
-          <ac:chgData name="Ольга Платонова" userId="b7a68a3ec46e1b54" providerId="LiveId" clId="{1F07ACF5-96D4-4BB6-B0A8-48BFF323F040}" dt="2022-05-26T19:24:59.535" v="1264" actId="1076"/>
+          <ac:chgData name="Ольга Платонова" userId="b7a68a3ec46e1b54" providerId="LiveId" clId="{1F07ACF5-96D4-4BB6-B0A8-48BFF323F040}" dt="2022-05-27T21:45:07.031" v="4077" actId="1076"/>
+          <ac:picMkLst>
+            <pc:docMk/>
+            <pc:sldMk cId="2402547047" sldId="266"/>
+            <ac:picMk id="11" creationId="{35EB8F00-4603-F685-1BBF-1EA5425FB663}"/>
+          </ac:picMkLst>
+        </pc:picChg>
+        <pc:picChg chg="add del mod">
+          <ac:chgData name="Ольга Платонова" userId="b7a68a3ec46e1b54" providerId="LiveId" clId="{1F07ACF5-96D4-4BB6-B0A8-48BFF323F040}" dt="2022-05-27T21:33:27.686" v="4056" actId="478"/>
           <ac:picMkLst>
             <pc:docMk/>
             <pc:sldMk cId="2402547047" sldId="266"/>
             <ac:picMk id="12" creationId="{9CEB407D-9E51-BBF1-2E0E-3B5485ECE3CE}"/>
           </ac:picMkLst>
         </pc:picChg>
-        <pc:cxnChg chg="add mod">
-          <ac:chgData name="Ольга Платонова" userId="b7a68a3ec46e1b54" providerId="LiveId" clId="{1F07ACF5-96D4-4BB6-B0A8-48BFF323F040}" dt="2022-05-26T19:25:18.495" v="1267" actId="13822"/>
+        <pc:cxnChg chg="add del mod">
+          <ac:chgData name="Ольга Платонова" userId="b7a68a3ec46e1b54" providerId="LiveId" clId="{1F07ACF5-96D4-4BB6-B0A8-48BFF323F040}" dt="2022-05-27T21:33:31.344" v="4059" actId="478"/>
           <ac:cxnSpMkLst>
             <pc:docMk/>
             <pc:sldMk cId="2402547047" sldId="266"/>
@@ -542,14 +615,14 @@
           </ac:cxnSpMkLst>
         </pc:cxnChg>
       </pc:sldChg>
-      <pc:sldChg chg="addSp modSp mod">
-        <pc:chgData name="Ольга Платонова" userId="b7a68a3ec46e1b54" providerId="LiveId" clId="{1F07ACF5-96D4-4BB6-B0A8-48BFF323F040}" dt="2022-05-26T22:06:58.653" v="1937" actId="2"/>
+      <pc:sldChg chg="addSp delSp modSp mod">
+        <pc:chgData name="Ольга Платонова" userId="b7a68a3ec46e1b54" providerId="LiveId" clId="{1F07ACF5-96D4-4BB6-B0A8-48BFF323F040}" dt="2022-05-27T20:34:28.001" v="3973" actId="20577"/>
         <pc:sldMkLst>
           <pc:docMk/>
           <pc:sldMk cId="2523793028" sldId="267"/>
         </pc:sldMkLst>
         <pc:spChg chg="mod">
-          <ac:chgData name="Ольга Платонова" userId="b7a68a3ec46e1b54" providerId="LiveId" clId="{1F07ACF5-96D4-4BB6-B0A8-48BFF323F040}" dt="2022-05-26T19:45:32.129" v="1359" actId="2711"/>
+          <ac:chgData name="Ольга Платонова" userId="b7a68a3ec46e1b54" providerId="LiveId" clId="{1F07ACF5-96D4-4BB6-B0A8-48BFF323F040}" dt="2022-05-27T19:04:35.049" v="2695"/>
           <ac:spMkLst>
             <pc:docMk/>
             <pc:sldMk cId="2523793028" sldId="267"/>
@@ -572,6 +645,22 @@
             <ac:spMk id="6" creationId="{841A3843-FCC6-6434-4328-538236790DF0}"/>
           </ac:spMkLst>
         </pc:spChg>
+        <pc:spChg chg="add del mod">
+          <ac:chgData name="Ольга Платонова" userId="b7a68a3ec46e1b54" providerId="LiveId" clId="{1F07ACF5-96D4-4BB6-B0A8-48BFF323F040}" dt="2022-05-27T19:07:44.409" v="2743" actId="478"/>
+          <ac:spMkLst>
+            <pc:docMk/>
+            <pc:sldMk cId="2523793028" sldId="267"/>
+            <ac:spMk id="7" creationId="{3370C315-62A7-7D88-7419-DBAAA7EACBCD}"/>
+          </ac:spMkLst>
+        </pc:spChg>
+        <pc:spChg chg="add mod">
+          <ac:chgData name="Ольга Платонова" userId="b7a68a3ec46e1b54" providerId="LiveId" clId="{1F07ACF5-96D4-4BB6-B0A8-48BFF323F040}" dt="2022-05-27T20:34:28.001" v="3973" actId="20577"/>
+          <ac:spMkLst>
+            <pc:docMk/>
+            <pc:sldMk cId="2523793028" sldId="267"/>
+            <ac:spMk id="8" creationId="{4C010AE0-A05C-7E18-16A5-F2D686212F65}"/>
+          </ac:spMkLst>
+        </pc:spChg>
         <pc:graphicFrameChg chg="mod">
           <ac:chgData name="Ольга Платонова" userId="b7a68a3ec46e1b54" providerId="LiveId" clId="{1F07ACF5-96D4-4BB6-B0A8-48BFF323F040}" dt="2022-05-26T22:06:58.653" v="1937" actId="2"/>
           <ac:graphicFrameMkLst>
@@ -582,13 +671,13 @@
         </pc:graphicFrameChg>
       </pc:sldChg>
       <pc:sldChg chg="addSp delSp modSp mod">
-        <pc:chgData name="Ольга Платонова" userId="b7a68a3ec46e1b54" providerId="LiveId" clId="{1F07ACF5-96D4-4BB6-B0A8-48BFF323F040}" dt="2022-05-27T16:52:28.985" v="2004" actId="1076"/>
+        <pc:chgData name="Ольга Платонова" userId="b7a68a3ec46e1b54" providerId="LiveId" clId="{1F07ACF5-96D4-4BB6-B0A8-48BFF323F040}" dt="2022-05-27T20:35:56.321" v="4017" actId="20577"/>
         <pc:sldMkLst>
           <pc:docMk/>
           <pc:sldMk cId="60974364" sldId="268"/>
         </pc:sldMkLst>
         <pc:spChg chg="mod">
-          <ac:chgData name="Ольга Платонова" userId="b7a68a3ec46e1b54" providerId="LiveId" clId="{1F07ACF5-96D4-4BB6-B0A8-48BFF323F040}" dt="2022-05-26T19:48:06.824" v="1397" actId="2711"/>
+          <ac:chgData name="Ольга Платонова" userId="b7a68a3ec46e1b54" providerId="LiveId" clId="{1F07ACF5-96D4-4BB6-B0A8-48BFF323F040}" dt="2022-05-27T20:35:56.321" v="4017" actId="20577"/>
           <ac:spMkLst>
             <pc:docMk/>
             <pc:sldMk cId="60974364" sldId="268"/>
@@ -612,7 +701,7 @@
           </ac:spMkLst>
         </pc:spChg>
         <pc:spChg chg="add mod">
-          <ac:chgData name="Ольга Платонова" userId="b7a68a3ec46e1b54" providerId="LiveId" clId="{1F07ACF5-96D4-4BB6-B0A8-48BFF323F040}" dt="2022-05-27T16:52:28.985" v="2004" actId="1076"/>
+          <ac:chgData name="Ольга Платонова" userId="b7a68a3ec46e1b54" providerId="LiveId" clId="{1F07ACF5-96D4-4BB6-B0A8-48BFF323F040}" dt="2022-05-27T20:35:33.481" v="4003" actId="1076"/>
           <ac:spMkLst>
             <pc:docMk/>
             <pc:sldMk cId="60974364" sldId="268"/>
@@ -620,7 +709,7 @@
           </ac:spMkLst>
         </pc:spChg>
         <pc:graphicFrameChg chg="mod">
-          <ac:chgData name="Ольга Платонова" userId="b7a68a3ec46e1b54" providerId="LiveId" clId="{1F07ACF5-96D4-4BB6-B0A8-48BFF323F040}" dt="2022-05-26T22:07:01.297" v="1938" actId="2"/>
+          <ac:chgData name="Ольга Платонова" userId="b7a68a3ec46e1b54" providerId="LiveId" clId="{1F07ACF5-96D4-4BB6-B0A8-48BFF323F040}" dt="2022-05-27T20:35:29.526" v="4002" actId="1076"/>
           <ac:graphicFrameMkLst>
             <pc:docMk/>
             <pc:sldMk cId="60974364" sldId="268"/>
@@ -667,8 +756,8 @@
           </ac:graphicFrameMkLst>
         </pc:graphicFrameChg>
       </pc:sldChg>
-      <pc:sldChg chg="addSp modSp mod">
-        <pc:chgData name="Ольга Платонова" userId="b7a68a3ec46e1b54" providerId="LiveId" clId="{1F07ACF5-96D4-4BB6-B0A8-48BFF323F040}" dt="2022-05-26T22:06:38.900" v="1929" actId="2"/>
+      <pc:sldChg chg="addSp delSp modSp mod">
+        <pc:chgData name="Ольга Платонова" userId="b7a68a3ec46e1b54" providerId="LiveId" clId="{1F07ACF5-96D4-4BB6-B0A8-48BFF323F040}" dt="2022-05-27T19:22:01.870" v="3032" actId="20577"/>
         <pc:sldMkLst>
           <pc:docMk/>
           <pc:sldMk cId="303095163" sldId="270"/>
@@ -682,7 +771,7 @@
           </ac:spMkLst>
         </pc:spChg>
         <pc:spChg chg="mod">
-          <ac:chgData name="Ольга Платонова" userId="b7a68a3ec46e1b54" providerId="LiveId" clId="{1F07ACF5-96D4-4BB6-B0A8-48BFF323F040}" dt="2022-05-26T22:06:37.791" v="1928" actId="2"/>
+          <ac:chgData name="Ольга Платонова" userId="b7a68a3ec46e1b54" providerId="LiveId" clId="{1F07ACF5-96D4-4BB6-B0A8-48BFF323F040}" dt="2022-05-27T19:22:01.870" v="3032" actId="20577"/>
           <ac:spMkLst>
             <pc:docMk/>
             <pc:sldMk cId="303095163" sldId="270"/>
@@ -705,8 +794,8 @@
             <ac:spMk id="6" creationId="{FBF91DF1-CFD0-DBDA-7850-6C58D17F8C53}"/>
           </ac:spMkLst>
         </pc:spChg>
-        <pc:spChg chg="add mod">
-          <ac:chgData name="Ольга Платонова" userId="b7a68a3ec46e1b54" providerId="LiveId" clId="{1F07ACF5-96D4-4BB6-B0A8-48BFF323F040}" dt="2022-05-26T20:51:55.558" v="1769" actId="20577"/>
+        <pc:spChg chg="add del mod">
+          <ac:chgData name="Ольга Платонова" userId="b7a68a3ec46e1b54" providerId="LiveId" clId="{1F07ACF5-96D4-4BB6-B0A8-48BFF323F040}" dt="2022-05-27T19:21:21.697" v="3010" actId="478"/>
           <ac:spMkLst>
             <pc:docMk/>
             <pc:sldMk cId="303095163" sldId="270"/>
@@ -715,7 +804,7 @@
         </pc:spChg>
       </pc:sldChg>
       <pc:sldChg chg="modSp mod">
-        <pc:chgData name="Ольга Платонова" userId="b7a68a3ec46e1b54" providerId="LiveId" clId="{1F07ACF5-96D4-4BB6-B0A8-48BFF323F040}" dt="2022-05-26T22:06:39.760" v="1930" actId="2"/>
+        <pc:chgData name="Ольга Платонова" userId="b7a68a3ec46e1b54" providerId="LiveId" clId="{1F07ACF5-96D4-4BB6-B0A8-48BFF323F040}" dt="2022-05-27T20:33:32.416" v="3963" actId="20577"/>
         <pc:sldMkLst>
           <pc:docMk/>
           <pc:sldMk cId="1859900911" sldId="271"/>
@@ -729,7 +818,7 @@
           </ac:spMkLst>
         </pc:spChg>
         <pc:spChg chg="mod">
-          <ac:chgData name="Ольга Платонова" userId="b7a68a3ec46e1b54" providerId="LiveId" clId="{1F07ACF5-96D4-4BB6-B0A8-48BFF323F040}" dt="2022-05-26T22:06:39.760" v="1930" actId="2"/>
+          <ac:chgData name="Ольга Платонова" userId="b7a68a3ec46e1b54" providerId="LiveId" clId="{1F07ACF5-96D4-4BB6-B0A8-48BFF323F040}" dt="2022-05-27T20:33:32.416" v="3963" actId="20577"/>
           <ac:spMkLst>
             <pc:docMk/>
             <pc:sldMk cId="1859900911" sldId="271"/>
@@ -746,7 +835,7 @@
         </pc:spChg>
       </pc:sldChg>
       <pc:sldChg chg="addSp delSp modSp add mod delCm modCm">
-        <pc:chgData name="Ольга Платонова" userId="b7a68a3ec46e1b54" providerId="LiveId" clId="{1F07ACF5-96D4-4BB6-B0A8-48BFF323F040}" dt="2022-05-26T22:06:48.268" v="1933" actId="2"/>
+        <pc:chgData name="Ольга Платонова" userId="b7a68a3ec46e1b54" providerId="LiveId" clId="{1F07ACF5-96D4-4BB6-B0A8-48BFF323F040}" dt="2022-05-27T17:58:25.377" v="2358" actId="1076"/>
         <pc:sldMkLst>
           <pc:docMk/>
           <pc:sldMk cId="612401859" sldId="272"/>
@@ -775,6 +864,14 @@
             <ac:spMk id="7" creationId="{75ADA113-DC39-6365-BA19-1217069D81E3}"/>
           </ac:spMkLst>
         </pc:spChg>
+        <pc:spChg chg="add del mod">
+          <ac:chgData name="Ольга Платонова" userId="b7a68a3ec46e1b54" providerId="LiveId" clId="{1F07ACF5-96D4-4BB6-B0A8-48BFF323F040}" dt="2022-05-27T17:52:25.374" v="2301"/>
+          <ac:spMkLst>
+            <pc:docMk/>
+            <pc:sldMk cId="612401859" sldId="272"/>
+            <ac:spMk id="8" creationId="{4461832A-C532-3724-CE35-B34006395F7F}"/>
+          </ac:spMkLst>
+        </pc:spChg>
         <pc:spChg chg="add del">
           <ac:chgData name="Ольга Платонова" userId="b7a68a3ec46e1b54" providerId="LiveId" clId="{1F07ACF5-96D4-4BB6-B0A8-48BFF323F040}" dt="2022-05-26T16:44:23.394" v="494" actId="22"/>
           <ac:spMkLst>
@@ -800,7 +897,7 @@
           </ac:spMkLst>
         </pc:spChg>
         <pc:spChg chg="add mod">
-          <ac:chgData name="Ольга Платонова" userId="b7a68a3ec46e1b54" providerId="LiveId" clId="{1F07ACF5-96D4-4BB6-B0A8-48BFF323F040}" dt="2022-05-26T22:06:48.268" v="1933" actId="2"/>
+          <ac:chgData name="Ольга Платонова" userId="b7a68a3ec46e1b54" providerId="LiveId" clId="{1F07ACF5-96D4-4BB6-B0A8-48BFF323F040}" dt="2022-05-27T17:57:58.616" v="2355" actId="1076"/>
           <ac:spMkLst>
             <pc:docMk/>
             <pc:sldMk cId="612401859" sldId="272"/>
@@ -808,7 +905,7 @@
           </ac:spMkLst>
         </pc:spChg>
         <pc:spChg chg="add mod">
-          <ac:chgData name="Ольга Платонова" userId="b7a68a3ec46e1b54" providerId="LiveId" clId="{1F07ACF5-96D4-4BB6-B0A8-48BFF323F040}" dt="2022-05-26T20:38:08.659" v="1498" actId="403"/>
+          <ac:chgData name="Ольга Платонова" userId="b7a68a3ec46e1b54" providerId="LiveId" clId="{1F07ACF5-96D4-4BB6-B0A8-48BFF323F040}" dt="2022-05-27T17:57:56.522" v="2350" actId="1076"/>
           <ac:spMkLst>
             <pc:docMk/>
             <pc:sldMk cId="612401859" sldId="272"/>
@@ -824,7 +921,7 @@
           </ac:graphicFrameMkLst>
         </pc:graphicFrameChg>
         <pc:graphicFrameChg chg="add mod modGraphic">
-          <ac:chgData name="Ольга Платонова" userId="b7a68a3ec46e1b54" providerId="LiveId" clId="{1F07ACF5-96D4-4BB6-B0A8-48BFF323F040}" dt="2022-05-26T17:00:23.267" v="652" actId="1076"/>
+          <ac:chgData name="Ольга Платонова" userId="b7a68a3ec46e1b54" providerId="LiveId" clId="{1F07ACF5-96D4-4BB6-B0A8-48BFF323F040}" dt="2022-05-27T17:58:25.377" v="2358" actId="1076"/>
           <ac:graphicFrameMkLst>
             <pc:docMk/>
             <pc:sldMk cId="612401859" sldId="272"/>
@@ -847,13 +944,13 @@
         </pc:sldMkLst>
       </pc:sldChg>
       <pc:sldChg chg="addSp delSp modSp add mod">
-        <pc:chgData name="Ольга Платонова" userId="b7a68a3ec46e1b54" providerId="LiveId" clId="{1F07ACF5-96D4-4BB6-B0A8-48BFF323F040}" dt="2022-05-26T19:12:55.578" v="1176" actId="20577"/>
+        <pc:chgData name="Ольга Платонова" userId="b7a68a3ec46e1b54" providerId="LiveId" clId="{1F07ACF5-96D4-4BB6-B0A8-48BFF323F040}" dt="2022-05-27T18:17:49.038" v="2585"/>
         <pc:sldMkLst>
           <pc:docMk/>
           <pc:sldMk cId="3515134166" sldId="273"/>
         </pc:sldMkLst>
         <pc:spChg chg="mod">
-          <ac:chgData name="Ольга Платонова" userId="b7a68a3ec46e1b54" providerId="LiveId" clId="{1F07ACF5-96D4-4BB6-B0A8-48BFF323F040}" dt="2022-05-26T19:12:55.578" v="1176" actId="20577"/>
+          <ac:chgData name="Ольга Платонова" userId="b7a68a3ec46e1b54" providerId="LiveId" clId="{1F07ACF5-96D4-4BB6-B0A8-48BFF323F040}" dt="2022-05-27T18:17:49.038" v="2585"/>
           <ac:spMkLst>
             <pc:docMk/>
             <pc:sldMk cId="3515134166" sldId="273"/>
@@ -901,7 +998,7 @@
         </pc:spChg>
       </pc:sldChg>
       <pc:sldChg chg="addSp delSp modSp add mod">
-        <pc:chgData name="Ольга Платонова" userId="b7a68a3ec46e1b54" providerId="LiveId" clId="{1F07ACF5-96D4-4BB6-B0A8-48BFF323F040}" dt="2022-05-26T20:54:06.678" v="1833" actId="403"/>
+        <pc:chgData name="Ольга Платонова" userId="b7a68a3ec46e1b54" providerId="LiveId" clId="{1F07ACF5-96D4-4BB6-B0A8-48BFF323F040}" dt="2022-05-27T20:53:41.803" v="4046" actId="1076"/>
         <pc:sldMkLst>
           <pc:docMk/>
           <pc:sldMk cId="2983278968" sldId="274"/>
@@ -931,7 +1028,7 @@
           </ac:spMkLst>
         </pc:spChg>
         <pc:spChg chg="add mod">
-          <ac:chgData name="Ольга Платонова" userId="b7a68a3ec46e1b54" providerId="LiveId" clId="{1F07ACF5-96D4-4BB6-B0A8-48BFF323F040}" dt="2022-05-26T20:54:06.678" v="1833" actId="403"/>
+          <ac:chgData name="Ольга Платонова" userId="b7a68a3ec46e1b54" providerId="LiveId" clId="{1F07ACF5-96D4-4BB6-B0A8-48BFF323F040}" dt="2022-05-27T20:53:41.803" v="4046" actId="1076"/>
           <ac:spMkLst>
             <pc:docMk/>
             <pc:sldMk cId="2983278968" sldId="274"/>
@@ -946,8 +1043,8 @@
             <ac:spMk id="13" creationId="{75C268BE-EBCD-D386-B29A-DA86B97AAF5F}"/>
           </ac:spMkLst>
         </pc:spChg>
-        <pc:spChg chg="add mod">
-          <ac:chgData name="Ольга Платонова" userId="b7a68a3ec46e1b54" providerId="LiveId" clId="{1F07ACF5-96D4-4BB6-B0A8-48BFF323F040}" dt="2022-05-26T20:53:32.982" v="1827" actId="1076"/>
+        <pc:spChg chg="add del mod">
+          <ac:chgData name="Ольга Платонова" userId="b7a68a3ec46e1b54" providerId="LiveId" clId="{1F07ACF5-96D4-4BB6-B0A8-48BFF323F040}" dt="2022-05-27T20:51:44.287" v="4019" actId="478"/>
           <ac:spMkLst>
             <pc:docMk/>
             <pc:sldMk cId="2983278968" sldId="274"/>
@@ -960,6 +1057,14 @@
             <pc:docMk/>
             <pc:sldMk cId="2983278968" sldId="274"/>
             <ac:picMk id="5" creationId="{4D2647A5-E8D1-FA06-87A1-E8C5442D0BD7}"/>
+          </ac:picMkLst>
+        </pc:picChg>
+        <pc:picChg chg="add mod">
+          <ac:chgData name="Ольга Платонова" userId="b7a68a3ec46e1b54" providerId="LiveId" clId="{1F07ACF5-96D4-4BB6-B0A8-48BFF323F040}" dt="2022-05-27T20:52:26.580" v="4027" actId="1076"/>
+          <ac:picMkLst>
+            <pc:docMk/>
+            <pc:sldMk cId="2983278968" sldId="274"/>
+            <ac:picMk id="5" creationId="{7BE64FE7-1349-A939-5682-F436A45F5782}"/>
           </ac:picMkLst>
         </pc:picChg>
         <pc:picChg chg="del">
@@ -985,6 +1090,37 @@
           <pc:docMk/>
           <pc:sldMk cId="1059064788" sldId="275"/>
         </pc:sldMkLst>
+      </pc:sldChg>
+      <pc:sldChg chg="addSp delSp modSp add mod">
+        <pc:chgData name="Ольга Платонова" userId="b7a68a3ec46e1b54" providerId="LiveId" clId="{1F07ACF5-96D4-4BB6-B0A8-48BFF323F040}" dt="2022-05-27T22:02:38.572" v="4097" actId="20577"/>
+        <pc:sldMkLst>
+          <pc:docMk/>
+          <pc:sldMk cId="1949652332" sldId="275"/>
+        </pc:sldMkLst>
+        <pc:spChg chg="mod">
+          <ac:chgData name="Ольга Платонова" userId="b7a68a3ec46e1b54" providerId="LiveId" clId="{1F07ACF5-96D4-4BB6-B0A8-48BFF323F040}" dt="2022-05-27T22:02:38.572" v="4097" actId="20577"/>
+          <ac:spMkLst>
+            <pc:docMk/>
+            <pc:sldMk cId="1949652332" sldId="275"/>
+            <ac:spMk id="2" creationId="{00000000-0000-0000-0000-000000000000}"/>
+          </ac:spMkLst>
+        </pc:spChg>
+        <pc:picChg chg="add mod">
+          <ac:chgData name="Ольга Платонова" userId="b7a68a3ec46e1b54" providerId="LiveId" clId="{1F07ACF5-96D4-4BB6-B0A8-48BFF323F040}" dt="2022-05-27T22:02:14.491" v="4095" actId="1076"/>
+          <ac:picMkLst>
+            <pc:docMk/>
+            <pc:sldMk cId="1949652332" sldId="275"/>
+            <ac:picMk id="5" creationId="{D612959F-5400-DF6D-6E96-AC48EB5F4F42}"/>
+          </ac:picMkLst>
+        </pc:picChg>
+        <pc:picChg chg="del">
+          <ac:chgData name="Ольга Платонова" userId="b7a68a3ec46e1b54" providerId="LiveId" clId="{1F07ACF5-96D4-4BB6-B0A8-48BFF323F040}" dt="2022-05-27T21:47:00.830" v="4093" actId="478"/>
+          <ac:picMkLst>
+            <pc:docMk/>
+            <pc:sldMk cId="1949652332" sldId="275"/>
+            <ac:picMk id="11" creationId="{35EB8F00-4603-F685-1BBF-1EA5425FB663}"/>
+          </ac:picMkLst>
+        </pc:picChg>
       </pc:sldChg>
     </pc:docChg>
   </pc:docChgLst>
@@ -8276,7 +8412,7 @@
                 <a:latin typeface="Times New Roman" panose="02020603050405020304" pitchFamily="18" charset="0"/>
                 <a:cs typeface="Times New Roman" panose="02020603050405020304" pitchFamily="18" charset="0"/>
               </a:rPr>
-              <a:t>Ключевые этапы работы метода</a:t>
+              <a:t>Этап отправки запроса серверу БД</a:t>
             </a:r>
           </a:p>
         </p:txBody>
@@ -8312,10 +8448,10 @@
       </p:sp>
       <p:pic>
         <p:nvPicPr>
-          <p:cNvPr id="5" name="Рисунок 4">
+          <p:cNvPr id="11" name="Рисунок 10">
             <a:extLst>
               <a:ext uri="{FF2B5EF4-FFF2-40B4-BE49-F238E27FC236}">
-                <a16:creationId xmlns:a16="http://schemas.microsoft.com/office/drawing/2014/main" id="{4D2647A5-E8D1-FA06-87A1-E8C5442D0BD7}"/>
+                <a16:creationId xmlns:a16="http://schemas.microsoft.com/office/drawing/2014/main" id="{35EB8F00-4603-F685-1BBF-1EA5425FB663}"/>
               </a:ext>
             </a:extLst>
           </p:cNvPr>
@@ -8338,167 +8474,14 @@
         </p:blipFill>
         <p:spPr>
           <a:xfrm>
-            <a:off x="820271" y="2395478"/>
-            <a:ext cx="4558553" cy="3620027"/>
+            <a:off x="2652912" y="1690688"/>
+            <a:ext cx="6886175" cy="5030787"/>
           </a:xfrm>
           <a:prstGeom prst="rect">
             <a:avLst/>
           </a:prstGeom>
         </p:spPr>
       </p:pic>
-      <p:sp>
-        <p:nvSpPr>
-          <p:cNvPr id="9" name="TextBox 8">
-            <a:extLst>
-              <a:ext uri="{FF2B5EF4-FFF2-40B4-BE49-F238E27FC236}">
-                <a16:creationId xmlns:a16="http://schemas.microsoft.com/office/drawing/2014/main" id="{1FE68D13-743F-F616-0442-FAF37F19E36B}"/>
-              </a:ext>
-            </a:extLst>
-          </p:cNvPr>
-          <p:cNvSpPr txBox="1"/>
-          <p:nvPr/>
-        </p:nvSpPr>
-        <p:spPr>
-          <a:xfrm>
-            <a:off x="1575547" y="1672607"/>
-            <a:ext cx="3048000" cy="400110"/>
-          </a:xfrm>
-          <a:prstGeom prst="rect">
-            <a:avLst/>
-          </a:prstGeom>
-          <a:noFill/>
-        </p:spPr>
-        <p:txBody>
-          <a:bodyPr wrap="square">
-            <a:spAutoFit/>
-          </a:bodyPr>
-          <a:lstStyle/>
-          <a:p>
-            <a:r>
-              <a:rPr lang="ru-RU" sz="2000" b="0" i="0" u="sng" dirty="0">
-                <a:effectLst/>
-                <a:latin typeface="Times New Roman" panose="02020603050405020304" pitchFamily="18" charset="0"/>
-                <a:cs typeface="Times New Roman" panose="02020603050405020304" pitchFamily="18" charset="0"/>
-              </a:rPr>
-              <a:t>Отправка запроса серверу</a:t>
-            </a:r>
-            <a:endParaRPr lang="ru-RU" sz="2000" u="sng" dirty="0">
-              <a:latin typeface="Times New Roman" panose="02020603050405020304" pitchFamily="18" charset="0"/>
-              <a:cs typeface="Times New Roman" panose="02020603050405020304" pitchFamily="18" charset="0"/>
-            </a:endParaRPr>
-          </a:p>
-        </p:txBody>
-      </p:sp>
-      <p:sp>
-        <p:nvSpPr>
-          <p:cNvPr id="10" name="TextBox 9">
-            <a:extLst>
-              <a:ext uri="{FF2B5EF4-FFF2-40B4-BE49-F238E27FC236}">
-                <a16:creationId xmlns:a16="http://schemas.microsoft.com/office/drawing/2014/main" id="{E47E263C-1F3B-9416-3057-6B5C3CF0FB10}"/>
-              </a:ext>
-            </a:extLst>
-          </p:cNvPr>
-          <p:cNvSpPr txBox="1"/>
-          <p:nvPr/>
-        </p:nvSpPr>
-        <p:spPr>
-          <a:xfrm>
-            <a:off x="6714567" y="1668904"/>
-            <a:ext cx="3792065" cy="400110"/>
-          </a:xfrm>
-          <a:prstGeom prst="rect">
-            <a:avLst/>
-          </a:prstGeom>
-          <a:noFill/>
-        </p:spPr>
-        <p:txBody>
-          <a:bodyPr wrap="square">
-            <a:spAutoFit/>
-          </a:bodyPr>
-          <a:lstStyle/>
-          <a:p>
-            <a:r>
-              <a:rPr lang="ru-RU" sz="2000" u="sng" dirty="0">
-                <a:latin typeface="Times New Roman" panose="02020603050405020304" pitchFamily="18" charset="0"/>
-                <a:cs typeface="Times New Roman" panose="02020603050405020304" pitchFamily="18" charset="0"/>
-              </a:rPr>
-              <a:t>Получение результата от сервера</a:t>
-            </a:r>
-          </a:p>
-        </p:txBody>
-      </p:sp>
-      <p:pic>
-        <p:nvPicPr>
-          <p:cNvPr id="12" name="Рисунок 11">
-            <a:extLst>
-              <a:ext uri="{FF2B5EF4-FFF2-40B4-BE49-F238E27FC236}">
-                <a16:creationId xmlns:a16="http://schemas.microsoft.com/office/drawing/2014/main" id="{9CEB407D-9E51-BBF1-2E0E-3B5485ECE3CE}"/>
-              </a:ext>
-            </a:extLst>
-          </p:cNvPr>
-          <p:cNvPicPr>
-            <a:picLocks noChangeAspect="1"/>
-          </p:cNvPicPr>
-          <p:nvPr/>
-        </p:nvPicPr>
-        <p:blipFill>
-          <a:blip r:embed="rId3">
-            <a:extLst>
-              <a:ext uri="{28A0092B-C50C-407E-A947-70E740481C1C}">
-                <a14:useLocalDpi xmlns:a14="http://schemas.microsoft.com/office/drawing/2010/main" val="0"/>
-              </a:ext>
-            </a:extLst>
-          </a:blip>
-          <a:stretch>
-            <a:fillRect/>
-          </a:stretch>
-        </p:blipFill>
-        <p:spPr>
-          <a:xfrm>
-            <a:off x="6290152" y="2582261"/>
-            <a:ext cx="4028223" cy="3260904"/>
-          </a:xfrm>
-          <a:prstGeom prst="rect">
-            <a:avLst/>
-          </a:prstGeom>
-        </p:spPr>
-      </p:pic>
-      <p:cxnSp>
-        <p:nvCxnSpPr>
-          <p:cNvPr id="14" name="Прямая соединительная линия 13">
-            <a:extLst>
-              <a:ext uri="{FF2B5EF4-FFF2-40B4-BE49-F238E27FC236}">
-                <a16:creationId xmlns:a16="http://schemas.microsoft.com/office/drawing/2014/main" id="{8BF3890D-A7B0-CF9B-0C21-7A7B8BCE8E85}"/>
-              </a:ext>
-            </a:extLst>
-          </p:cNvPr>
-          <p:cNvCxnSpPr/>
-          <p:nvPr/>
-        </p:nvCxnSpPr>
-        <p:spPr>
-          <a:xfrm>
-            <a:off x="5827059" y="1801906"/>
-            <a:ext cx="0" cy="4554444"/>
-          </a:xfrm>
-          <a:prstGeom prst="line">
-            <a:avLst/>
-          </a:prstGeom>
-        </p:spPr>
-        <p:style>
-          <a:lnRef idx="2">
-            <a:schemeClr val="dk1"/>
-          </a:lnRef>
-          <a:fillRef idx="0">
-            <a:schemeClr val="dk1"/>
-          </a:fillRef>
-          <a:effectRef idx="1">
-            <a:schemeClr val="dk1"/>
-          </a:effectRef>
-          <a:fontRef idx="minor">
-            <a:schemeClr val="tx1"/>
-          </a:fontRef>
-        </p:style>
-      </p:cxnSp>
     </p:spTree>
     <p:extLst>
       <p:ext uri="{BB962C8B-B14F-4D97-AF65-F5344CB8AC3E}">
@@ -8545,11 +8528,18 @@
           <a:lstStyle/>
           <a:p>
             <a:r>
+              <a:rPr lang="ru-RU">
+                <a:latin typeface="Times New Roman" panose="02020603050405020304" pitchFamily="18" charset="0"/>
+                <a:cs typeface="Times New Roman" panose="02020603050405020304" pitchFamily="18" charset="0"/>
+              </a:rPr>
+              <a:t>Этап </a:t>
+            </a:r>
+            <a:r>
               <a:rPr lang="ru-RU" dirty="0">
                 <a:latin typeface="Times New Roman" panose="02020603050405020304" pitchFamily="18" charset="0"/>
                 <a:cs typeface="Times New Roman" panose="02020603050405020304" pitchFamily="18" charset="0"/>
               </a:rPr>
-              <a:t>Внешний модуль</a:t>
+              <a:t>получения запроса от сервера БД</a:t>
             </a:r>
           </a:p>
         </p:txBody>
@@ -8583,6 +8573,126 @@
           </a:p>
         </p:txBody>
       </p:sp>
+      <p:pic>
+        <p:nvPicPr>
+          <p:cNvPr id="5" name="Рисунок 4">
+            <a:extLst>
+              <a:ext uri="{FF2B5EF4-FFF2-40B4-BE49-F238E27FC236}">
+                <a16:creationId xmlns:a16="http://schemas.microsoft.com/office/drawing/2014/main" id="{D612959F-5400-DF6D-6E96-AC48EB5F4F42}"/>
+              </a:ext>
+            </a:extLst>
+          </p:cNvPr>
+          <p:cNvPicPr>
+            <a:picLocks noChangeAspect="1"/>
+          </p:cNvPicPr>
+          <p:nvPr/>
+        </p:nvPicPr>
+        <p:blipFill>
+          <a:blip r:embed="rId2">
+            <a:extLst>
+              <a:ext uri="{28A0092B-C50C-407E-A947-70E740481C1C}">
+                <a14:useLocalDpi xmlns:a14="http://schemas.microsoft.com/office/drawing/2010/main" val="0"/>
+              </a:ext>
+            </a:extLst>
+          </a:blip>
+          <a:stretch>
+            <a:fillRect/>
+          </a:stretch>
+        </p:blipFill>
+        <p:spPr>
+          <a:xfrm>
+            <a:off x="1829562" y="1809147"/>
+            <a:ext cx="8532876" cy="4428744"/>
+          </a:xfrm>
+          <a:prstGeom prst="rect">
+            <a:avLst/>
+          </a:prstGeom>
+        </p:spPr>
+      </p:pic>
+    </p:spTree>
+    <p:extLst>
+      <p:ext uri="{BB962C8B-B14F-4D97-AF65-F5344CB8AC3E}">
+        <p14:creationId xmlns:p14="http://schemas.microsoft.com/office/powerpoint/2010/main" val="1949652332"/>
+      </p:ext>
+    </p:extLst>
+  </p:cSld>
+  <p:clrMapOvr>
+    <a:masterClrMapping/>
+  </p:clrMapOvr>
+</p:sld>
+</file>
+
+<file path=ppt/slides/slide12.xml><?xml version="1.0" encoding="utf-8"?>
+<p:sld xmlns:a="http://schemas.openxmlformats.org/drawingml/2006/main" xmlns:r="http://schemas.openxmlformats.org/officeDocument/2006/relationships" xmlns:p="http://schemas.openxmlformats.org/presentationml/2006/main">
+  <p:cSld>
+    <p:spTree>
+      <p:nvGrpSpPr>
+        <p:cNvPr id="1" name=""/>
+        <p:cNvGrpSpPr/>
+        <p:nvPr/>
+      </p:nvGrpSpPr>
+      <p:grpSpPr>
+        <a:xfrm>
+          <a:off x="0" y="0"/>
+          <a:ext cx="0" cy="0"/>
+          <a:chOff x="0" y="0"/>
+          <a:chExt cx="0" cy="0"/>
+        </a:xfrm>
+      </p:grpSpPr>
+      <p:sp>
+        <p:nvSpPr>
+          <p:cNvPr id="2" name="Заголовок 1"/>
+          <p:cNvSpPr>
+            <a:spLocks noGrp="1"/>
+          </p:cNvSpPr>
+          <p:nvPr>
+            <p:ph type="title"/>
+          </p:nvPr>
+        </p:nvSpPr>
+        <p:spPr/>
+        <p:txBody>
+          <a:bodyPr/>
+          <a:lstStyle/>
+          <a:p>
+            <a:r>
+              <a:rPr lang="ru-RU" dirty="0">
+                <a:latin typeface="Times New Roman" panose="02020603050405020304" pitchFamily="18" charset="0"/>
+                <a:cs typeface="Times New Roman" panose="02020603050405020304" pitchFamily="18" charset="0"/>
+              </a:rPr>
+              <a:t>Внешний модуль</a:t>
+            </a:r>
+          </a:p>
+        </p:txBody>
+      </p:sp>
+      <p:sp>
+        <p:nvSpPr>
+          <p:cNvPr id="4" name="Номер слайда 3"/>
+          <p:cNvSpPr>
+            <a:spLocks noGrp="1"/>
+          </p:cNvSpPr>
+          <p:nvPr>
+            <p:ph type="sldNum" sz="quarter" idx="12"/>
+          </p:nvPr>
+        </p:nvSpPr>
+        <p:spPr/>
+        <p:txBody>
+          <a:bodyPr/>
+          <a:lstStyle/>
+          <a:p>
+            <a:fld id="{5D15703D-96D9-4C94-B196-0ED7D1E8A93C}" type="slidenum">
+              <a:rPr lang="ru-RU" sz="1800" smtClean="0">
+                <a:latin typeface="Times New Roman" panose="02020603050405020304" pitchFamily="18" charset="0"/>
+                <a:cs typeface="Times New Roman" panose="02020603050405020304" pitchFamily="18" charset="0"/>
+              </a:rPr>
+              <a:t>12</a:t>
+            </a:fld>
+            <a:endParaRPr lang="ru-RU" sz="1800" dirty="0">
+              <a:latin typeface="Times New Roman" panose="02020603050405020304" pitchFamily="18" charset="0"/>
+              <a:cs typeface="Times New Roman" panose="02020603050405020304" pitchFamily="18" charset="0"/>
+            </a:endParaRPr>
+          </a:p>
+        </p:txBody>
+      </p:sp>
       <p:sp>
         <p:nvSpPr>
           <p:cNvPr id="11" name="TextBox 10">
@@ -8597,8 +8707,8 @@
         </p:nvSpPr>
         <p:spPr>
           <a:xfrm>
-            <a:off x="838200" y="4459426"/>
-            <a:ext cx="10515600" cy="1015663"/>
+            <a:off x="7297271" y="3182154"/>
+            <a:ext cx="4343399" cy="2554545"/>
           </a:xfrm>
           <a:prstGeom prst="rect">
             <a:avLst/>
@@ -8612,13 +8722,48 @@
           <a:lstStyle/>
           <a:p>
             <a:r>
+              <a:rPr lang="ru-RU" sz="2000" b="0" i="0" u="sng" strike="noStrike" baseline="0" dirty="0">
+                <a:solidFill>
+                  <a:srgbClr val="000000"/>
+                </a:solidFill>
+                <a:latin typeface="Times New Roman" panose="02020603050405020304" pitchFamily="18" charset="0"/>
+              </a:rPr>
+              <a:t>Внешний пул</a:t>
+            </a:r>
+            <a:r>
+              <a:rPr lang="en-US" sz="2000" b="0" strike="noStrike" baseline="0" dirty="0">
+                <a:solidFill>
+                  <a:srgbClr val="000000"/>
+                </a:solidFill>
+                <a:latin typeface="Times New Roman" panose="02020603050405020304" pitchFamily="18" charset="0"/>
+              </a:rPr>
+              <a:t> </a:t>
+            </a:r>
+            <a:r>
               <a:rPr lang="ru-RU" sz="2000" b="0" i="0" u="none" strike="noStrike" baseline="0" dirty="0">
                 <a:solidFill>
                   <a:srgbClr val="000000"/>
                 </a:solidFill>
                 <a:latin typeface="Times New Roman" panose="02020603050405020304" pitchFamily="18" charset="0"/>
               </a:rPr>
-              <a:t>Внешний пул был разработан с использованием умных указателей для предотвращения возможной утечки ресурсов. Сам пул был реализован в качестве очереди соединений: в конец добавлялись свободные соединения, работа с которыми была завершена. </a:t>
+              <a:t>был разработан с использованием умных указателей для предотвращения возможной утечки ресурсов. </a:t>
+            </a:r>
+            <a:endParaRPr lang="en-US" sz="2000" b="0" i="0" u="none" strike="noStrike" baseline="0" dirty="0">
+              <a:solidFill>
+                <a:srgbClr val="000000"/>
+              </a:solidFill>
+              <a:latin typeface="Times New Roman" panose="02020603050405020304" pitchFamily="18" charset="0"/>
+            </a:endParaRPr>
+          </a:p>
+          <a:p>
+            <a:r>
+              <a:rPr lang="ru-RU" sz="2000" b="0" i="0" u="none" strike="noStrike" baseline="0" dirty="0">
+                <a:solidFill>
+                  <a:srgbClr val="000000"/>
+                </a:solidFill>
+                <a:latin typeface="Times New Roman" panose="02020603050405020304" pitchFamily="18" charset="0"/>
+              </a:rPr>
+              <a:t>Сам пул был реализован в качестве очереди соединений: в конец добавлялись свободные соединения, работа с которыми была завершена. </a:t>
             </a:r>
             <a:endParaRPr lang="ru-RU" sz="2000" dirty="0"/>
           </a:p>
@@ -8664,115 +8809,42 @@
           </a:p>
         </p:txBody>
       </p:sp>
-      <p:sp>
-        <p:nvSpPr>
-          <p:cNvPr id="15" name="TextBox 14">
+      <p:pic>
+        <p:nvPicPr>
+          <p:cNvPr id="5" name="Рисунок 4">
             <a:extLst>
               <a:ext uri="{FF2B5EF4-FFF2-40B4-BE49-F238E27FC236}">
-                <a16:creationId xmlns:a16="http://schemas.microsoft.com/office/drawing/2014/main" id="{EE4BDA59-6624-E083-F891-6228D700CBF5}"/>
+                <a16:creationId xmlns:a16="http://schemas.microsoft.com/office/drawing/2014/main" id="{7BE64FE7-1349-A939-5682-F436A45F5782}"/>
               </a:ext>
             </a:extLst>
           </p:cNvPr>
-          <p:cNvSpPr txBox="1"/>
+          <p:cNvPicPr>
+            <a:picLocks noChangeAspect="1"/>
+          </p:cNvPicPr>
           <p:nvPr/>
-        </p:nvSpPr>
+        </p:nvPicPr>
+        <p:blipFill>
+          <a:blip r:embed="rId2">
+            <a:extLst>
+              <a:ext uri="{28A0092B-C50C-407E-A947-70E740481C1C}">
+                <a14:useLocalDpi xmlns:a14="http://schemas.microsoft.com/office/drawing/2010/main" val="0"/>
+              </a:ext>
+            </a:extLst>
+          </a:blip>
+          <a:stretch>
+            <a:fillRect/>
+          </a:stretch>
+        </p:blipFill>
         <p:spPr>
           <a:xfrm>
-            <a:off x="838200" y="2613392"/>
-            <a:ext cx="6096000" cy="1631216"/>
+            <a:off x="551330" y="2792412"/>
+            <a:ext cx="6247874" cy="3345785"/>
           </a:xfrm>
           <a:prstGeom prst="rect">
             <a:avLst/>
           </a:prstGeom>
-          <a:noFill/>
         </p:spPr>
-        <p:txBody>
-          <a:bodyPr wrap="square">
-            <a:spAutoFit/>
-          </a:bodyPr>
-          <a:lstStyle/>
-          <a:p>
-            <a:r>
-              <a:rPr lang="ru-RU" sz="2000" b="0" i="0" u="none" strike="noStrike" baseline="0" dirty="0">
-                <a:solidFill>
-                  <a:srgbClr val="000000"/>
-                </a:solidFill>
-                <a:latin typeface="Times New Roman" panose="02020603050405020304" pitchFamily="18" charset="0"/>
-              </a:rPr>
-              <a:t>Пользователю доступны следующие реализации: </a:t>
-            </a:r>
-          </a:p>
-          <a:p>
-            <a:pPr marL="800100" lvl="1" indent="-342900">
-              <a:buFont typeface="Arial" panose="020B0604020202020204" pitchFamily="34" charset="0"/>
-              <a:buChar char="•"/>
-            </a:pPr>
-            <a:r>
-              <a:rPr lang="ru-RU" sz="2000" b="0" i="0" u="none" strike="noStrike" baseline="0" dirty="0">
-                <a:solidFill>
-                  <a:srgbClr val="000000"/>
-                </a:solidFill>
-                <a:latin typeface="Times New Roman" panose="02020603050405020304" pitchFamily="18" charset="0"/>
-              </a:rPr>
-              <a:t>однопоточная; </a:t>
-            </a:r>
-          </a:p>
-          <a:p>
-            <a:pPr marL="800100" lvl="1" indent="-342900">
-              <a:buFont typeface="Arial" panose="020B0604020202020204" pitchFamily="34" charset="0"/>
-              <a:buChar char="•"/>
-            </a:pPr>
-            <a:r>
-              <a:rPr lang="ru-RU" sz="2000" b="0" i="0" u="none" strike="noStrike" baseline="0" dirty="0">
-                <a:solidFill>
-                  <a:srgbClr val="000000"/>
-                </a:solidFill>
-                <a:latin typeface="Times New Roman" panose="02020603050405020304" pitchFamily="18" charset="0"/>
-              </a:rPr>
-              <a:t>многопоточная; </a:t>
-            </a:r>
-          </a:p>
-          <a:p>
-            <a:pPr marL="800100" lvl="1" indent="-342900">
-              <a:buFont typeface="Arial" panose="020B0604020202020204" pitchFamily="34" charset="0"/>
-              <a:buChar char="•"/>
-            </a:pPr>
-            <a:r>
-              <a:rPr lang="ru-RU" sz="2000" b="0" i="0" u="none" strike="noStrike" baseline="0" dirty="0">
-                <a:solidFill>
-                  <a:srgbClr val="000000"/>
-                </a:solidFill>
-                <a:latin typeface="Times New Roman" panose="02020603050405020304" pitchFamily="18" charset="0"/>
-              </a:rPr>
-              <a:t>с использованием внешнего пула;</a:t>
-            </a:r>
-          </a:p>
-          <a:p>
-            <a:pPr marL="800100" lvl="1" indent="-342900">
-              <a:buFont typeface="Arial" panose="020B0604020202020204" pitchFamily="34" charset="0"/>
-              <a:buChar char="•"/>
-            </a:pPr>
-            <a:r>
-              <a:rPr lang="ru-RU" sz="2000" dirty="0">
-                <a:solidFill>
-                  <a:srgbClr val="000000"/>
-                </a:solidFill>
-                <a:latin typeface="Times New Roman" panose="02020603050405020304" pitchFamily="18" charset="0"/>
-              </a:rPr>
-              <a:t>с использованием разработанного метода.</a:t>
-            </a:r>
-            <a:r>
-              <a:rPr lang="ru-RU" sz="2000" b="0" i="0" u="none" strike="noStrike" baseline="0" dirty="0">
-                <a:solidFill>
-                  <a:srgbClr val="000000"/>
-                </a:solidFill>
-                <a:latin typeface="Times New Roman" panose="02020603050405020304" pitchFamily="18" charset="0"/>
-              </a:rPr>
-              <a:t> </a:t>
-            </a:r>
-          </a:p>
-        </p:txBody>
-      </p:sp>
+      </p:pic>
     </p:spTree>
     <p:extLst>
       <p:ext uri="{BB962C8B-B14F-4D97-AF65-F5344CB8AC3E}">
@@ -8786,7 +8858,7 @@
 </p:sld>
 </file>
 
-<file path=ppt/slides/slide12.xml><?xml version="1.0" encoding="utf-8"?>
+<file path=ppt/slides/slide13.xml><?xml version="1.0" encoding="utf-8"?>
 <p:sld xmlns:a="http://schemas.openxmlformats.org/drawingml/2006/main" xmlns:r="http://schemas.openxmlformats.org/officeDocument/2006/relationships" xmlns:p="http://schemas.openxmlformats.org/presentationml/2006/main">
   <p:cSld>
     <p:spTree>
@@ -8829,7 +8901,7 @@
                 <a:latin typeface="Times New Roman" panose="02020603050405020304" pitchFamily="18" charset="0"/>
                 <a:cs typeface="Times New Roman" panose="02020603050405020304" pitchFamily="18" charset="0"/>
               </a:rPr>
-              <a:t>Выполнение простого запроса без нагрузки БД</a:t>
+              <a:t>Зависимость времени работы различных реализаций от количества соединений к БД </a:t>
             </a:r>
           </a:p>
         </p:txBody>
@@ -8860,7 +8932,7 @@
                 <a:latin typeface="Times New Roman" panose="02020603050405020304" pitchFamily="18" charset="0"/>
                 <a:cs typeface="Times New Roman" panose="02020603050405020304" pitchFamily="18" charset="0"/>
               </a:rPr>
-              <a:t>12</a:t>
+              <a:t>13</a:t>
             </a:fld>
             <a:endParaRPr lang="ru-RU" sz="1800" dirty="0">
               <a:latin typeface="Times New Roman" panose="02020603050405020304" pitchFamily="18" charset="0"/>
@@ -9000,6 +9072,70 @@
           </a:p>
         </p:txBody>
       </p:sp>
+      <p:sp>
+        <p:nvSpPr>
+          <p:cNvPr id="8" name="TextBox 7">
+            <a:extLst>
+              <a:ext uri="{FF2B5EF4-FFF2-40B4-BE49-F238E27FC236}">
+                <a16:creationId xmlns:a16="http://schemas.microsoft.com/office/drawing/2014/main" id="{4C010AE0-A05C-7E18-16A5-F2D686212F65}"/>
+              </a:ext>
+            </a:extLst>
+          </p:cNvPr>
+          <p:cNvSpPr txBox="1"/>
+          <p:nvPr/>
+        </p:nvSpPr>
+        <p:spPr>
+          <a:xfrm>
+            <a:off x="7431739" y="4859284"/>
+            <a:ext cx="4428565" cy="400110"/>
+          </a:xfrm>
+          <a:prstGeom prst="rect">
+            <a:avLst/>
+          </a:prstGeom>
+          <a:noFill/>
+        </p:spPr>
+        <p:txBody>
+          <a:bodyPr wrap="square">
+            <a:spAutoFit/>
+          </a:bodyPr>
+          <a:lstStyle/>
+          <a:p>
+            <a:r>
+              <a:rPr lang="ru-RU" sz="2000" b="0" i="0" u="none" strike="noStrike" baseline="0" dirty="0">
+                <a:solidFill>
+                  <a:srgbClr val="000000"/>
+                </a:solidFill>
+                <a:latin typeface="Times New Roman" panose="02020603050405020304" pitchFamily="18" charset="0"/>
+              </a:rPr>
+              <a:t>Простой запрос – один </a:t>
+            </a:r>
+            <a:r>
+              <a:rPr lang="en-US" sz="2000" b="0" i="0" u="none" strike="noStrike" baseline="0" dirty="0">
+                <a:solidFill>
+                  <a:srgbClr val="000000"/>
+                </a:solidFill>
+                <a:latin typeface="Times New Roman" panose="02020603050405020304" pitchFamily="18" charset="0"/>
+              </a:rPr>
+              <a:t>SQL-</a:t>
+            </a:r>
+            <a:r>
+              <a:rPr lang="ru-RU" sz="2000" b="0" i="0" u="none" strike="noStrike" baseline="0" dirty="0">
+                <a:solidFill>
+                  <a:srgbClr val="000000"/>
+                </a:solidFill>
+                <a:latin typeface="Times New Roman" panose="02020603050405020304" pitchFamily="18" charset="0"/>
+              </a:rPr>
+              <a:t>оператор.</a:t>
+            </a:r>
+            <a:endParaRPr lang="en-US" sz="2000" b="0" i="0" u="none" strike="noStrike" baseline="0" dirty="0">
+              <a:solidFill>
+                <a:srgbClr val="000000"/>
+              </a:solidFill>
+              <a:latin typeface="Times New Roman" panose="02020603050405020304" pitchFamily="18" charset="0"/>
+            </a:endParaRPr>
+          </a:p>
+        </p:txBody>
+      </p:sp>
     </p:spTree>
     <p:extLst>
       <p:ext uri="{BB962C8B-B14F-4D97-AF65-F5344CB8AC3E}">
@@ -9013,7 +9149,7 @@
 </p:sld>
 </file>
 
-<file path=ppt/slides/slide13.xml><?xml version="1.0" encoding="utf-8"?>
+<file path=ppt/slides/slide14.xml><?xml version="1.0" encoding="utf-8"?>
 <p:sld xmlns:a="http://schemas.openxmlformats.org/drawingml/2006/main" xmlns:r="http://schemas.openxmlformats.org/officeDocument/2006/relationships" xmlns:p="http://schemas.openxmlformats.org/presentationml/2006/main">
   <p:cSld>
     <p:spTree>
@@ -9048,7 +9184,9 @@
         </p:nvSpPr>
         <p:spPr/>
         <p:txBody>
-          <a:bodyPr/>
+          <a:bodyPr>
+            <a:normAutofit fontScale="90000"/>
+          </a:bodyPr>
           <a:lstStyle/>
           <a:p>
             <a:r>
@@ -9056,7 +9194,7 @@
                 <a:latin typeface="Times New Roman" panose="02020603050405020304" pitchFamily="18" charset="0"/>
                 <a:cs typeface="Times New Roman" panose="02020603050405020304" pitchFamily="18" charset="0"/>
               </a:rPr>
-              <a:t>Сравнение разработанного метода с пулом соединений</a:t>
+              <a:t>Сравнение времени работы реализованного метода с пулами соединений в зависимости от количества соединений</a:t>
             </a:r>
           </a:p>
         </p:txBody>
@@ -9087,7 +9225,7 @@
                 <a:latin typeface="Times New Roman" panose="02020603050405020304" pitchFamily="18" charset="0"/>
                 <a:cs typeface="Times New Roman" panose="02020603050405020304" pitchFamily="18" charset="0"/>
               </a:rPr>
-              <a:t>13</a:t>
+              <a:t>14</a:t>
             </a:fld>
             <a:endParaRPr lang="ru-RU" dirty="0">
               <a:latin typeface="Times New Roman" panose="02020603050405020304" pitchFamily="18" charset="0"/>
@@ -9109,13 +9247,13 @@
           <p:nvPr>
             <p:extLst>
               <p:ext uri="{D42A27DB-BD31-4B8C-83A1-F6EECF244321}">
-                <p14:modId xmlns:p14="http://schemas.microsoft.com/office/powerpoint/2010/main" val="443998278"/>
+                <p14:modId xmlns:p14="http://schemas.microsoft.com/office/powerpoint/2010/main" val="4197916817"/>
               </p:ext>
             </p:extLst>
           </p:nvPr>
         </p:nvGraphicFramePr>
         <p:xfrm>
-          <a:off x="838200" y="2088776"/>
+          <a:off x="838200" y="2392303"/>
           <a:ext cx="6190129" cy="3703320"/>
         </p:xfrm>
         <a:graphic>
@@ -9138,7 +9276,7 @@
         </p:nvSpPr>
         <p:spPr>
           <a:xfrm>
-            <a:off x="7503460" y="2392303"/>
+            <a:off x="7487418" y="2612747"/>
             <a:ext cx="4329952" cy="1631216"/>
           </a:xfrm>
           <a:prstGeom prst="rect">
@@ -9178,7 +9316,7 @@
 </p:sld>
 </file>
 
-<file path=ppt/slides/slide14.xml><?xml version="1.0" encoding="utf-8"?>
+<file path=ppt/slides/slide15.xml><?xml version="1.0" encoding="utf-8"?>
 <p:sld xmlns:a="http://schemas.openxmlformats.org/drawingml/2006/main" xmlns:r="http://schemas.openxmlformats.org/officeDocument/2006/relationships" xmlns:p="http://schemas.openxmlformats.org/presentationml/2006/main">
   <p:cSld>
     <p:spTree>
@@ -9773,7 +9911,7 @@
                 <a:latin typeface="Times New Roman" panose="02020603050405020304" pitchFamily="18" charset="0"/>
                 <a:cs typeface="Times New Roman" panose="02020603050405020304" pitchFamily="18" charset="0"/>
               </a:rPr>
-              <a:t>14</a:t>
+              <a:t>15</a:t>
             </a:fld>
             <a:endParaRPr lang="ru-RU" dirty="0">
               <a:latin typeface="Times New Roman" panose="02020603050405020304" pitchFamily="18" charset="0"/>
@@ -9836,7 +9974,7 @@
 </p:sld>
 </file>
 
-<file path=ppt/slides/slide15.xml><?xml version="1.0" encoding="utf-8"?>
+<file path=ppt/slides/slide16.xml><?xml version="1.0" encoding="utf-8"?>
 <p:sld xmlns:a="http://schemas.openxmlformats.org/drawingml/2006/main" xmlns:r="http://schemas.openxmlformats.org/officeDocument/2006/relationships" xmlns:p="http://schemas.openxmlformats.org/presentationml/2006/main">
   <p:cSld>
     <p:spTree>
@@ -9941,7 +10079,7 @@
                 </a:solidFill>
                 <a:latin typeface="Times New Roman" panose="02020603050405020304" pitchFamily="18" charset="0"/>
               </a:rPr>
-              <a:t>Выполнен анализ предметной области и существующих методов выполнения запросов в MPP системах</a:t>
+              <a:t>Выполнен анализ предметной области и существующих методов выполнения запросов в MPP системах.</a:t>
             </a:r>
           </a:p>
           <a:p>
@@ -9957,15 +10095,17 @@
                 </a:solidFill>
                 <a:latin typeface="Times New Roman" panose="02020603050405020304" pitchFamily="18" charset="0"/>
               </a:rPr>
-              <a:t>Разработан метод параллельного выполнения запросов к СУБД PostgreSQL в пределах одного соединения</a:t>
-            </a:r>
-          </a:p>
-          <a:p>
-            <a:pPr>
-              <a:lnSpc>
-                <a:spcPct val="100000"/>
-              </a:lnSpc>
-            </a:pPr>
+              <a:t>Разработан метод параллельного выполнения запросов к СУБД </a:t>
+            </a:r>
+            <a:r>
+              <a:rPr lang="ru-RU" sz="2000" b="0" i="0" u="none" strike="noStrike" baseline="0" dirty="0" err="1">
+                <a:solidFill>
+                  <a:srgbClr val="000000"/>
+                </a:solidFill>
+                <a:latin typeface="Times New Roman" panose="02020603050405020304" pitchFamily="18" charset="0"/>
+              </a:rPr>
+              <a:t>PostgreSQL</a:t>
+            </a:r>
             <a:r>
               <a:rPr lang="ru-RU" sz="2000" b="0" i="0" u="none" strike="noStrike" baseline="0" dirty="0">
                 <a:solidFill>
@@ -9973,14 +10113,8 @@
                 </a:solidFill>
                 <a:latin typeface="Times New Roman" panose="02020603050405020304" pitchFamily="18" charset="0"/>
               </a:rPr>
-              <a:t>Реализован программный модуль для СУБД PostgreSQL</a:t>
-            </a:r>
-            <a:endParaRPr lang="ru-RU" sz="2000" dirty="0">
-              <a:solidFill>
-                <a:srgbClr val="000000"/>
-              </a:solidFill>
-              <a:latin typeface="Times New Roman" panose="02020603050405020304" pitchFamily="18" charset="0"/>
-            </a:endParaRPr>
+              <a:t> в пределах одного соединения.</a:t>
+            </a:r>
           </a:p>
           <a:p>
             <a:pPr>
@@ -9995,7 +10129,23 @@
                 </a:solidFill>
                 <a:latin typeface="Times New Roman" panose="02020603050405020304" pitchFamily="18" charset="0"/>
               </a:rPr>
-              <a:t>Выполнен сравнительный анализ стандартных методов обработки запросов к СУБД PostgreSQL с реализуемым методом</a:t>
+              <a:t>Реализован метод параллельного выполнения запросов в пределах одного соединения.</a:t>
+            </a:r>
+          </a:p>
+          <a:p>
+            <a:pPr>
+              <a:lnSpc>
+                <a:spcPct val="100000"/>
+              </a:lnSpc>
+            </a:pPr>
+            <a:r>
+              <a:rPr lang="ru-RU" sz="2000" b="0" i="0" u="none" strike="noStrike" baseline="0" dirty="0">
+                <a:solidFill>
+                  <a:srgbClr val="000000"/>
+                </a:solidFill>
+                <a:latin typeface="Times New Roman" panose="02020603050405020304" pitchFamily="18" charset="0"/>
+              </a:rPr>
+              <a:t>Выполнено исследование временной эффективности метода и его затрат памяти путем сравнения со стандартными методами обработки запросов.</a:t>
             </a:r>
           </a:p>
           <a:p>
@@ -10040,7 +10190,7 @@
                 <a:latin typeface="Times New Roman" panose="02020603050405020304" pitchFamily="18" charset="0"/>
                 <a:cs typeface="Times New Roman" panose="02020603050405020304" pitchFamily="18" charset="0"/>
               </a:rPr>
-              <a:t>15</a:t>
+              <a:t>16</a:t>
             </a:fld>
             <a:endParaRPr lang="ru-RU" dirty="0">
               <a:latin typeface="Times New Roman" panose="02020603050405020304" pitchFamily="18" charset="0"/>
@@ -10102,53 +10252,6 @@
           </a:p>
         </p:txBody>
       </p:sp>
-      <p:sp>
-        <p:nvSpPr>
-          <p:cNvPr id="8" name="TextBox 7">
-            <a:extLst>
-              <a:ext uri="{FF2B5EF4-FFF2-40B4-BE49-F238E27FC236}">
-                <a16:creationId xmlns:a16="http://schemas.microsoft.com/office/drawing/2014/main" id="{3769DCA8-E747-35F1-1DB0-4332AE0F59BB}"/>
-              </a:ext>
-            </a:extLst>
-          </p:cNvPr>
-          <p:cNvSpPr txBox="1"/>
-          <p:nvPr/>
-        </p:nvSpPr>
-        <p:spPr>
-          <a:xfrm>
-            <a:off x="838198" y="5984915"/>
-            <a:ext cx="6096000" cy="400110"/>
-          </a:xfrm>
-          <a:prstGeom prst="rect">
-            <a:avLst/>
-          </a:prstGeom>
-          <a:noFill/>
-        </p:spPr>
-        <p:txBody>
-          <a:bodyPr wrap="square">
-            <a:spAutoFit/>
-          </a:bodyPr>
-          <a:lstStyle/>
-          <a:p>
-            <a:pPr marL="0" indent="0">
-              <a:lnSpc>
-                <a:spcPct val="100000"/>
-              </a:lnSpc>
-              <a:buNone/>
-            </a:pPr>
-            <a:r>
-              <a:rPr lang="ru-RU" sz="2000" b="0" i="0" u="none" strike="noStrike" baseline="0" dirty="0">
-                <a:solidFill>
-                  <a:srgbClr val="000000"/>
-                </a:solidFill>
-                <a:latin typeface="Times New Roman" panose="02020603050405020304" pitchFamily="18" charset="0"/>
-              </a:rPr>
-              <a:t>Предложенный метод рекомендуется к применению.</a:t>
-            </a:r>
-            <a:endParaRPr lang="ru-RU" sz="3200" dirty="0"/>
-          </a:p>
-        </p:txBody>
-      </p:sp>
     </p:spTree>
     <p:extLst>
       <p:ext uri="{BB962C8B-B14F-4D97-AF65-F5344CB8AC3E}">
@@ -10162,7 +10265,7 @@
 </p:sld>
 </file>
 
-<file path=ppt/slides/slide16.xml><?xml version="1.0" encoding="utf-8"?>
+<file path=ppt/slides/slide17.xml><?xml version="1.0" encoding="utf-8"?>
 <p:sld xmlns:a="http://schemas.openxmlformats.org/drawingml/2006/main" xmlns:r="http://schemas.openxmlformats.org/officeDocument/2006/relationships" xmlns:p="http://schemas.openxmlformats.org/presentationml/2006/main">
   <p:cSld>
     <p:spTree>
@@ -10238,30 +10341,16 @@
                 <a:latin typeface="Times New Roman" panose="02020603050405020304" pitchFamily="18" charset="0"/>
                 <a:cs typeface="Times New Roman" panose="02020603050405020304" pitchFamily="18" charset="0"/>
               </a:rPr>
-              <a:t>Конкатенация сообщений об ошибке в функции получения результата </a:t>
-            </a:r>
-            <a:r>
-              <a:rPr lang="ru-RU" sz="2400" i="1" dirty="0">
-                <a:latin typeface="Times New Roman" panose="02020603050405020304" pitchFamily="18" charset="0"/>
-                <a:cs typeface="Times New Roman" panose="02020603050405020304" pitchFamily="18" charset="0"/>
-              </a:rPr>
-              <a:t>PQgetResultThread()</a:t>
-            </a:r>
+              <a:t>Реализация пользовательского вывода информации об ошибки в случае конкатенации нескольких запросов в одну команду.</a:t>
+            </a:r>
+          </a:p>
+          <a:p>
             <a:r>
               <a:rPr lang="ru-RU" sz="2400" dirty="0">
                 <a:latin typeface="Times New Roman" panose="02020603050405020304" pitchFamily="18" charset="0"/>
                 <a:cs typeface="Times New Roman" panose="02020603050405020304" pitchFamily="18" charset="0"/>
               </a:rPr>
-              <a:t>.</a:t>
-            </a:r>
-          </a:p>
-          <a:p>
-            <a:r>
-              <a:rPr lang="ru-RU" sz="2400" dirty="0">
-                <a:latin typeface="Times New Roman" panose="02020603050405020304" pitchFamily="18" charset="0"/>
-                <a:cs typeface="Times New Roman" panose="02020603050405020304" pitchFamily="18" charset="0"/>
-              </a:rPr>
-              <a:t>Обеспечение безопасности данных при передаче соединения в созданные потоки.</a:t>
+              <a:t>Рассмотрение корректного завершения потоков в случае потери соединения с базой данных.</a:t>
             </a:r>
           </a:p>
         </p:txBody>
@@ -10292,7 +10381,7 @@
                 <a:latin typeface="Times New Roman" panose="02020603050405020304" pitchFamily="18" charset="0"/>
                 <a:cs typeface="Times New Roman" panose="02020603050405020304" pitchFamily="18" charset="0"/>
               </a:rPr>
-              <a:t>16</a:t>
+              <a:t>17</a:t>
             </a:fld>
             <a:endParaRPr lang="ru-RU" sz="1800" dirty="0">
               <a:latin typeface="Times New Roman" panose="02020603050405020304" pitchFamily="18" charset="0"/>
@@ -10368,8 +10457,8 @@
         </p:nvSpPr>
         <p:spPr>
           <a:xfrm>
-            <a:off x="838200" y="1825625"/>
-            <a:ext cx="10515600" cy="1168587"/>
+            <a:off x="838200" y="1825626"/>
+            <a:ext cx="10515600" cy="801874"/>
           </a:xfrm>
         </p:spPr>
         <p:txBody>
@@ -10424,8 +10513,8 @@
         </p:nvSpPr>
         <p:spPr>
           <a:xfrm>
-            <a:off x="838200" y="3206445"/>
-            <a:ext cx="10515600" cy="3086778"/>
+            <a:off x="838200" y="2810062"/>
+            <a:ext cx="10515600" cy="3363726"/>
           </a:xfrm>
           <a:prstGeom prst="rect">
             <a:avLst/>
@@ -10633,7 +10722,7 @@
                 <a:latin typeface="Times New Roman" panose="02020603050405020304" pitchFamily="18" charset="0"/>
                 <a:cs typeface="Times New Roman" panose="02020603050405020304" pitchFamily="18" charset="0"/>
               </a:rPr>
-              <a:t>системах</a:t>
+              <a:t>системах.</a:t>
             </a:r>
           </a:p>
           <a:p>
@@ -10643,7 +10732,7 @@
                 <a:latin typeface="Times New Roman" panose="02020603050405020304" pitchFamily="18" charset="0"/>
                 <a:cs typeface="Times New Roman" panose="02020603050405020304" pitchFamily="18" charset="0"/>
               </a:rPr>
-              <a:t>Разработать метод параллельного выполнения запросов к СУБД PostgreSQL в пределах одного соединения</a:t>
+              <a:t>Разработать метод параллельного выполнения запросов к СУБД PostgreSQL в пределах одного соединения.</a:t>
             </a:r>
           </a:p>
           <a:p>
@@ -10653,7 +10742,7 @@
                 <a:latin typeface="Times New Roman" panose="02020603050405020304" pitchFamily="18" charset="0"/>
                 <a:cs typeface="Times New Roman" panose="02020603050405020304" pitchFamily="18" charset="0"/>
               </a:rPr>
-              <a:t>Реализовать программный модуль для СУБД PostgreSQL</a:t>
+              <a:t>Реализовать метод параллельного выполнения запросов в пределах одного соединения.</a:t>
             </a:r>
           </a:p>
           <a:p>
@@ -10663,7 +10752,7 @@
                 <a:latin typeface="Times New Roman" panose="02020603050405020304" pitchFamily="18" charset="0"/>
                 <a:cs typeface="Times New Roman" panose="02020603050405020304" pitchFamily="18" charset="0"/>
               </a:rPr>
-              <a:t>Выполнить сравнительный анализ стандартных методов обработки запросов к СУБД PostgreSQL с реализуемым методом.</a:t>
+              <a:t>Выполнить исследование временной эффективности метода и его затрат памяти путем сравнения со стандартными методами обработки запросов.</a:t>
             </a:r>
           </a:p>
         </p:txBody>
@@ -10747,7 +10836,7 @@
                 <a:latin typeface="Times New Roman" panose="02020603050405020304" pitchFamily="18" charset="0"/>
                 <a:cs typeface="Times New Roman" panose="02020603050405020304" pitchFamily="18" charset="0"/>
               </a:rPr>
-              <a:t>Формализация задачи</a:t>
+              <a:t>Введение в предметную область</a:t>
             </a:r>
           </a:p>
         </p:txBody>
@@ -11050,14 +11139,14 @@
           <p:nvPr>
             <p:extLst>
               <p:ext uri="{D42A27DB-BD31-4B8C-83A1-F6EECF244321}">
-                <p14:modId xmlns:p14="http://schemas.microsoft.com/office/powerpoint/2010/main" val="2713086848"/>
+                <p14:modId xmlns:p14="http://schemas.microsoft.com/office/powerpoint/2010/main" val="3832927421"/>
               </p:ext>
             </p:extLst>
           </p:nvPr>
         </p:nvGraphicFramePr>
         <p:xfrm>
-          <a:off x="5872162" y="1690688"/>
-          <a:ext cx="5476875" cy="2682240"/>
+          <a:off x="4507716" y="1962420"/>
+          <a:ext cx="7341384" cy="3772461"/>
         </p:xfrm>
         <a:graphic>
           <a:graphicData uri="http://schemas.openxmlformats.org/drawingml/2006/table">
@@ -11066,21 +11155,21 @@
                 <a:tableStyleId>{F5AB1C69-6EDB-4FF4-983F-18BD219EF322}</a:tableStyleId>
               </a:tblPr>
               <a:tblGrid>
-                <a:gridCol w="914352">
+                <a:gridCol w="1225628">
                   <a:extLst>
                     <a:ext uri="{9D8B030D-6E8A-4147-A177-3AD203B41FA5}">
                       <a16:colId xmlns:a16="http://schemas.microsoft.com/office/drawing/2014/main" val="1446329827"/>
                     </a:ext>
                   </a:extLst>
                 </a:gridCol>
-                <a:gridCol w="2115016">
+                <a:gridCol w="2835038">
                   <a:extLst>
                     <a:ext uri="{9D8B030D-6E8A-4147-A177-3AD203B41FA5}">
                       <a16:colId xmlns:a16="http://schemas.microsoft.com/office/drawing/2014/main" val="1616460064"/>
                     </a:ext>
                   </a:extLst>
                 </a:gridCol>
-                <a:gridCol w="2447507">
+                <a:gridCol w="3280718">
                   <a:extLst>
                     <a:ext uri="{9D8B030D-6E8A-4147-A177-3AD203B41FA5}">
                       <a16:colId xmlns:a16="http://schemas.microsoft.com/office/drawing/2014/main" val="2821150434"/>
@@ -11088,7 +11177,7 @@
                   </a:extLst>
                 </a:gridCol>
               </a:tblGrid>
-              <a:tr h="0">
+              <a:tr h="342951">
                 <a:tc>
                   <a:txBody>
                     <a:bodyPr/>
@@ -11096,14 +11185,14 @@
                     <a:p>
                       <a:pPr indent="0" algn="l"/>
                       <a:r>
-                        <a:rPr lang="ru-RU" sz="1600" kern="150" dirty="0">
+                        <a:rPr lang="ru-RU" sz="2000" kern="150" dirty="0">
                           <a:effectLst/>
                           <a:latin typeface="Times New Roman" panose="02020603050405020304" pitchFamily="18" charset="0"/>
                           <a:cs typeface="Times New Roman" panose="02020603050405020304" pitchFamily="18" charset="0"/>
                         </a:rPr>
                         <a:t>Рейтинг</a:t>
                       </a:r>
-                      <a:endParaRPr lang="ru-RU" sz="1600" kern="150" dirty="0">
+                      <a:endParaRPr lang="ru-RU" sz="2000" kern="150" dirty="0">
                         <a:effectLst/>
                         <a:latin typeface="Times New Roman" panose="02020603050405020304" pitchFamily="18" charset="0"/>
                         <a:ea typeface="Noto Serif CJK SC"/>
@@ -11111,7 +11200,7 @@
                       </a:endParaRPr>
                     </a:p>
                   </a:txBody>
-                  <a:tcPr marL="68580" marR="68580" marT="0" marB="0"/>
+                  <a:tcPr marL="85598" marR="85598" marT="0" marB="0" anchor="ctr"/>
                 </a:tc>
                 <a:tc>
                   <a:txBody>
@@ -11120,14 +11209,14 @@
                     <a:p>
                       <a:pPr indent="0" algn="l"/>
                       <a:r>
-                        <a:rPr lang="ru-RU" sz="1600" kern="150" dirty="0">
+                        <a:rPr lang="ru-RU" sz="2000" kern="150" dirty="0">
                           <a:effectLst/>
                           <a:latin typeface="Times New Roman" panose="02020603050405020304" pitchFamily="18" charset="0"/>
                           <a:cs typeface="Times New Roman" panose="02020603050405020304" pitchFamily="18" charset="0"/>
                         </a:rPr>
                         <a:t>СУБД</a:t>
                       </a:r>
-                      <a:endParaRPr lang="ru-RU" sz="1600" kern="150" dirty="0">
+                      <a:endParaRPr lang="ru-RU" sz="2000" kern="150" dirty="0">
                         <a:effectLst/>
                         <a:latin typeface="Times New Roman" panose="02020603050405020304" pitchFamily="18" charset="0"/>
                         <a:ea typeface="Noto Serif CJK SC"/>
@@ -11135,7 +11224,7 @@
                       </a:endParaRPr>
                     </a:p>
                   </a:txBody>
-                  <a:tcPr marL="68580" marR="68580" marT="0" marB="0"/>
+                  <a:tcPr marL="85598" marR="85598" marT="0" marB="0" anchor="ctr"/>
                 </a:tc>
                 <a:tc>
                   <a:txBody>
@@ -11144,14 +11233,14 @@
                     <a:p>
                       <a:pPr indent="0" algn="l"/>
                       <a:r>
-                        <a:rPr lang="ru-RU" sz="1600" kern="150" dirty="0">
+                        <a:rPr lang="ru-RU" sz="2000" kern="150" dirty="0">
                           <a:effectLst/>
                           <a:latin typeface="Times New Roman" panose="02020603050405020304" pitchFamily="18" charset="0"/>
                           <a:cs typeface="Times New Roman" panose="02020603050405020304" pitchFamily="18" charset="0"/>
                         </a:rPr>
                         <a:t>Модель БД</a:t>
                       </a:r>
-                      <a:endParaRPr lang="ru-RU" sz="1600" kern="150" dirty="0">
+                      <a:endParaRPr lang="ru-RU" sz="2000" kern="150" dirty="0">
                         <a:effectLst/>
                         <a:latin typeface="Times New Roman" panose="02020603050405020304" pitchFamily="18" charset="0"/>
                         <a:ea typeface="Noto Serif CJK SC"/>
@@ -11159,7 +11248,7 @@
                       </a:endParaRPr>
                     </a:p>
                   </a:txBody>
-                  <a:tcPr marL="68580" marR="68580" marT="0" marB="0"/>
+                  <a:tcPr marL="85598" marR="85598" marT="0" marB="0" anchor="ctr"/>
                 </a:tc>
                 <a:extLst>
                   <a:ext uri="{0D108BD9-81ED-4DB2-BD59-A6C34878D82A}">
@@ -11167,7 +11256,7 @@
                   </a:ext>
                 </a:extLst>
               </a:tr>
-              <a:tr h="0">
+              <a:tr h="342951">
                 <a:tc>
                   <a:txBody>
                     <a:bodyPr/>
@@ -11175,14 +11264,14 @@
                     <a:p>
                       <a:pPr indent="0" algn="l"/>
                       <a:r>
-                        <a:rPr lang="ru-RU" sz="1600" kern="150" dirty="0">
+                        <a:rPr lang="ru-RU" sz="2000" kern="150" dirty="0">
                           <a:effectLst/>
                           <a:latin typeface="Times New Roman" panose="02020603050405020304" pitchFamily="18" charset="0"/>
                           <a:cs typeface="Times New Roman" panose="02020603050405020304" pitchFamily="18" charset="0"/>
                         </a:rPr>
                         <a:t>1.</a:t>
                       </a:r>
-                      <a:endParaRPr lang="ru-RU" sz="1600" kern="150" dirty="0">
+                      <a:endParaRPr lang="ru-RU" sz="2000" kern="150" dirty="0">
                         <a:effectLst/>
                         <a:latin typeface="Times New Roman" panose="02020603050405020304" pitchFamily="18" charset="0"/>
                         <a:ea typeface="Noto Serif CJK SC"/>
@@ -11190,7 +11279,7 @@
                       </a:endParaRPr>
                     </a:p>
                   </a:txBody>
-                  <a:tcPr marL="68580" marR="68580" marT="0" marB="0"/>
+                  <a:tcPr marL="85598" marR="85598" marT="0" marB="0" anchor="ctr"/>
                 </a:tc>
                 <a:tc>
                   <a:txBody>
@@ -11199,14 +11288,14 @@
                     <a:p>
                       <a:pPr indent="0" algn="l"/>
                       <a:r>
-                        <a:rPr lang="en-US" sz="1600" kern="150" dirty="0">
+                        <a:rPr lang="en-US" sz="2000" kern="150" dirty="0">
                           <a:effectLst/>
                           <a:latin typeface="Times New Roman" panose="02020603050405020304" pitchFamily="18" charset="0"/>
                           <a:cs typeface="Times New Roman" panose="02020603050405020304" pitchFamily="18" charset="0"/>
                         </a:rPr>
                         <a:t>Oracle</a:t>
                       </a:r>
-                      <a:endParaRPr lang="ru-RU" sz="1600" kern="150" dirty="0">
+                      <a:endParaRPr lang="ru-RU" sz="2000" kern="150" dirty="0">
                         <a:effectLst/>
                         <a:latin typeface="Times New Roman" panose="02020603050405020304" pitchFamily="18" charset="0"/>
                         <a:ea typeface="Noto Serif CJK SC"/>
@@ -11214,7 +11303,7 @@
                       </a:endParaRPr>
                     </a:p>
                   </a:txBody>
-                  <a:tcPr marL="68580" marR="68580" marT="0" marB="0"/>
+                  <a:tcPr marL="85598" marR="85598" marT="0" marB="0" anchor="ctr"/>
                 </a:tc>
                 <a:tc>
                   <a:txBody>
@@ -11223,14 +11312,14 @@
                     <a:p>
                       <a:pPr indent="0" algn="l"/>
                       <a:r>
-                        <a:rPr lang="ru-RU" sz="1600" kern="150" dirty="0">
+                        <a:rPr lang="ru-RU" sz="2000" kern="150" dirty="0">
                           <a:effectLst/>
                           <a:latin typeface="Times New Roman" panose="02020603050405020304" pitchFamily="18" charset="0"/>
                           <a:cs typeface="Times New Roman" panose="02020603050405020304" pitchFamily="18" charset="0"/>
                         </a:rPr>
                         <a:t>Реляционная</a:t>
                       </a:r>
-                      <a:endParaRPr lang="ru-RU" sz="1600" kern="150" dirty="0">
+                      <a:endParaRPr lang="ru-RU" sz="2000" kern="150" dirty="0">
                         <a:effectLst/>
                         <a:latin typeface="Times New Roman" panose="02020603050405020304" pitchFamily="18" charset="0"/>
                         <a:ea typeface="Noto Serif CJK SC"/>
@@ -11238,7 +11327,7 @@
                       </a:endParaRPr>
                     </a:p>
                   </a:txBody>
-                  <a:tcPr marL="68580" marR="68580" marT="0" marB="0"/>
+                  <a:tcPr marL="85598" marR="85598" marT="0" marB="0" anchor="ctr"/>
                 </a:tc>
                 <a:extLst>
                   <a:ext uri="{0D108BD9-81ED-4DB2-BD59-A6C34878D82A}">
@@ -11246,7 +11335,7 @@
                   </a:ext>
                 </a:extLst>
               </a:tr>
-              <a:tr h="0">
+              <a:tr h="342951">
                 <a:tc>
                   <a:txBody>
                     <a:bodyPr/>
@@ -11254,14 +11343,14 @@
                     <a:p>
                       <a:pPr indent="0" algn="l"/>
                       <a:r>
-                        <a:rPr lang="ru-RU" sz="1600" kern="150" dirty="0">
+                        <a:rPr lang="ru-RU" sz="2000" kern="150" dirty="0">
                           <a:effectLst/>
                           <a:latin typeface="Times New Roman" panose="02020603050405020304" pitchFamily="18" charset="0"/>
                           <a:cs typeface="Times New Roman" panose="02020603050405020304" pitchFamily="18" charset="0"/>
                         </a:rPr>
                         <a:t>2.</a:t>
                       </a:r>
-                      <a:endParaRPr lang="ru-RU" sz="1600" kern="150" dirty="0">
+                      <a:endParaRPr lang="ru-RU" sz="2000" kern="150" dirty="0">
                         <a:effectLst/>
                         <a:latin typeface="Times New Roman" panose="02020603050405020304" pitchFamily="18" charset="0"/>
                         <a:ea typeface="Noto Serif CJK SC"/>
@@ -11269,7 +11358,7 @@
                       </a:endParaRPr>
                     </a:p>
                   </a:txBody>
-                  <a:tcPr marL="68580" marR="68580" marT="0" marB="0"/>
+                  <a:tcPr marL="85598" marR="85598" marT="0" marB="0" anchor="ctr"/>
                 </a:tc>
                 <a:tc>
                   <a:txBody>
@@ -11278,14 +11367,14 @@
                     <a:p>
                       <a:pPr indent="0" algn="l"/>
                       <a:r>
-                        <a:rPr lang="en-US" sz="1600" kern="150" dirty="0">
+                        <a:rPr lang="en-US" sz="2000" kern="150" dirty="0">
                           <a:effectLst/>
                           <a:latin typeface="Times New Roman" panose="02020603050405020304" pitchFamily="18" charset="0"/>
                           <a:cs typeface="Times New Roman" panose="02020603050405020304" pitchFamily="18" charset="0"/>
                         </a:rPr>
                         <a:t>MySQL</a:t>
                       </a:r>
-                      <a:endParaRPr lang="ru-RU" sz="1600" kern="150" dirty="0">
+                      <a:endParaRPr lang="ru-RU" sz="2000" kern="150" dirty="0">
                         <a:effectLst/>
                         <a:latin typeface="Times New Roman" panose="02020603050405020304" pitchFamily="18" charset="0"/>
                         <a:ea typeface="Noto Serif CJK SC"/>
@@ -11293,7 +11382,7 @@
                       </a:endParaRPr>
                     </a:p>
                   </a:txBody>
-                  <a:tcPr marL="68580" marR="68580" marT="0" marB="0"/>
+                  <a:tcPr marL="85598" marR="85598" marT="0" marB="0" anchor="ctr"/>
                 </a:tc>
                 <a:tc>
                   <a:txBody>
@@ -11302,14 +11391,14 @@
                     <a:p>
                       <a:pPr indent="0" algn="l"/>
                       <a:r>
-                        <a:rPr lang="ru-RU" sz="1600" kern="150" dirty="0">
+                        <a:rPr lang="ru-RU" sz="2000" kern="150" dirty="0">
                           <a:effectLst/>
                           <a:latin typeface="Times New Roman" panose="02020603050405020304" pitchFamily="18" charset="0"/>
                           <a:cs typeface="Times New Roman" panose="02020603050405020304" pitchFamily="18" charset="0"/>
                         </a:rPr>
                         <a:t>Реляционная</a:t>
                       </a:r>
-                      <a:endParaRPr lang="ru-RU" sz="1600" kern="150" dirty="0">
+                      <a:endParaRPr lang="ru-RU" sz="2000" kern="150" dirty="0">
                         <a:effectLst/>
                         <a:latin typeface="Times New Roman" panose="02020603050405020304" pitchFamily="18" charset="0"/>
                         <a:ea typeface="Noto Serif CJK SC"/>
@@ -11317,7 +11406,7 @@
                       </a:endParaRPr>
                     </a:p>
                   </a:txBody>
-                  <a:tcPr marL="68580" marR="68580" marT="0" marB="0"/>
+                  <a:tcPr marL="85598" marR="85598" marT="0" marB="0" anchor="ctr"/>
                 </a:tc>
                 <a:extLst>
                   <a:ext uri="{0D108BD9-81ED-4DB2-BD59-A6C34878D82A}">
@@ -11325,7 +11414,7 @@
                   </a:ext>
                 </a:extLst>
               </a:tr>
-              <a:tr h="0">
+              <a:tr h="342951">
                 <a:tc>
                   <a:txBody>
                     <a:bodyPr/>
@@ -11333,14 +11422,14 @@
                     <a:p>
                       <a:pPr indent="0" algn="l"/>
                       <a:r>
-                        <a:rPr lang="ru-RU" sz="1600" kern="150" dirty="0">
+                        <a:rPr lang="ru-RU" sz="2000" kern="150" dirty="0">
                           <a:effectLst/>
                           <a:latin typeface="Times New Roman" panose="02020603050405020304" pitchFamily="18" charset="0"/>
                           <a:cs typeface="Times New Roman" panose="02020603050405020304" pitchFamily="18" charset="0"/>
                         </a:rPr>
                         <a:t>3.</a:t>
                       </a:r>
-                      <a:endParaRPr lang="ru-RU" sz="1600" kern="150" dirty="0">
+                      <a:endParaRPr lang="ru-RU" sz="2000" kern="150" dirty="0">
                         <a:effectLst/>
                         <a:latin typeface="Times New Roman" panose="02020603050405020304" pitchFamily="18" charset="0"/>
                         <a:ea typeface="Noto Serif CJK SC"/>
@@ -11348,7 +11437,7 @@
                       </a:endParaRPr>
                     </a:p>
                   </a:txBody>
-                  <a:tcPr marL="68580" marR="68580" marT="0" marB="0"/>
+                  <a:tcPr marL="85598" marR="85598" marT="0" marB="0" anchor="ctr"/>
                 </a:tc>
                 <a:tc>
                   <a:txBody>
@@ -11357,14 +11446,14 @@
                     <a:p>
                       <a:pPr indent="0" algn="l"/>
                       <a:r>
-                        <a:rPr lang="en-US" sz="1600" kern="150" dirty="0">
+                        <a:rPr lang="en-US" sz="2000" kern="150" dirty="0">
                           <a:effectLst/>
                           <a:latin typeface="Times New Roman" panose="02020603050405020304" pitchFamily="18" charset="0"/>
                           <a:cs typeface="Times New Roman" panose="02020603050405020304" pitchFamily="18" charset="0"/>
                         </a:rPr>
                         <a:t>Microsoft SQL Server</a:t>
                       </a:r>
-                      <a:endParaRPr lang="ru-RU" sz="1600" kern="150" dirty="0">
+                      <a:endParaRPr lang="ru-RU" sz="2000" kern="150" dirty="0">
                         <a:effectLst/>
                         <a:latin typeface="Times New Roman" panose="02020603050405020304" pitchFamily="18" charset="0"/>
                         <a:ea typeface="Noto Serif CJK SC"/>
@@ -11372,7 +11461,7 @@
                       </a:endParaRPr>
                     </a:p>
                   </a:txBody>
-                  <a:tcPr marL="68580" marR="68580" marT="0" marB="0"/>
+                  <a:tcPr marL="85598" marR="85598" marT="0" marB="0" anchor="ctr"/>
                 </a:tc>
                 <a:tc>
                   <a:txBody>
@@ -11381,14 +11470,14 @@
                     <a:p>
                       <a:pPr indent="0" algn="l"/>
                       <a:r>
-                        <a:rPr lang="ru-RU" sz="1600" kern="150" dirty="0">
+                        <a:rPr lang="ru-RU" sz="2000" kern="150" dirty="0">
                           <a:effectLst/>
                           <a:latin typeface="Times New Roman" panose="02020603050405020304" pitchFamily="18" charset="0"/>
                           <a:cs typeface="Times New Roman" panose="02020603050405020304" pitchFamily="18" charset="0"/>
                         </a:rPr>
                         <a:t>Реляционная</a:t>
                       </a:r>
-                      <a:endParaRPr lang="ru-RU" sz="1600" kern="150" dirty="0">
+                      <a:endParaRPr lang="ru-RU" sz="2000" kern="150" dirty="0">
                         <a:effectLst/>
                         <a:latin typeface="Times New Roman" panose="02020603050405020304" pitchFamily="18" charset="0"/>
                         <a:ea typeface="Noto Serif CJK SC"/>
@@ -11396,7 +11485,7 @@
                       </a:endParaRPr>
                     </a:p>
                   </a:txBody>
-                  <a:tcPr marL="68580" marR="68580" marT="0" marB="0"/>
+                  <a:tcPr marL="85598" marR="85598" marT="0" marB="0" anchor="ctr"/>
                 </a:tc>
                 <a:extLst>
                   <a:ext uri="{0D108BD9-81ED-4DB2-BD59-A6C34878D82A}">
@@ -11404,7 +11493,7 @@
                   </a:ext>
                 </a:extLst>
               </a:tr>
-              <a:tr h="0">
+              <a:tr h="342951">
                 <a:tc>
                   <a:txBody>
                     <a:bodyPr/>
@@ -11412,14 +11501,14 @@
                     <a:p>
                       <a:pPr indent="0" algn="l"/>
                       <a:r>
-                        <a:rPr lang="ru-RU" sz="1600" kern="150" dirty="0">
+                        <a:rPr lang="ru-RU" sz="2000" kern="150" dirty="0">
                           <a:effectLst/>
                           <a:latin typeface="Times New Roman" panose="02020603050405020304" pitchFamily="18" charset="0"/>
                           <a:cs typeface="Times New Roman" panose="02020603050405020304" pitchFamily="18" charset="0"/>
                         </a:rPr>
                         <a:t>4.</a:t>
                       </a:r>
-                      <a:endParaRPr lang="ru-RU" sz="1600" kern="150" dirty="0">
+                      <a:endParaRPr lang="ru-RU" sz="2000" kern="150" dirty="0">
                         <a:effectLst/>
                         <a:latin typeface="Times New Roman" panose="02020603050405020304" pitchFamily="18" charset="0"/>
                         <a:ea typeface="Noto Serif CJK SC"/>
@@ -11427,7 +11516,7 @@
                       </a:endParaRPr>
                     </a:p>
                   </a:txBody>
-                  <a:tcPr marL="68580" marR="68580" marT="0" marB="0"/>
+                  <a:tcPr marL="85598" marR="85598" marT="0" marB="0" anchor="ctr"/>
                 </a:tc>
                 <a:tc>
                   <a:txBody>
@@ -11436,14 +11525,14 @@
                     <a:p>
                       <a:pPr indent="0" algn="l"/>
                       <a:r>
-                        <a:rPr lang="en-US" sz="1600" kern="150" dirty="0">
+                        <a:rPr lang="en-US" sz="2000" kern="150" dirty="0">
                           <a:effectLst/>
                           <a:latin typeface="Times New Roman" panose="02020603050405020304" pitchFamily="18" charset="0"/>
                           <a:cs typeface="Times New Roman" panose="02020603050405020304" pitchFamily="18" charset="0"/>
                         </a:rPr>
                         <a:t>PostgreSQL</a:t>
                       </a:r>
-                      <a:endParaRPr lang="ru-RU" sz="1600" kern="150" dirty="0">
+                      <a:endParaRPr lang="ru-RU" sz="2000" kern="150" dirty="0">
                         <a:effectLst/>
                         <a:latin typeface="Times New Roman" panose="02020603050405020304" pitchFamily="18" charset="0"/>
                         <a:ea typeface="Noto Serif CJK SC"/>
@@ -11451,7 +11540,7 @@
                       </a:endParaRPr>
                     </a:p>
                   </a:txBody>
-                  <a:tcPr marL="68580" marR="68580" marT="0" marB="0"/>
+                  <a:tcPr marL="85598" marR="85598" marT="0" marB="0" anchor="ctr"/>
                 </a:tc>
                 <a:tc>
                   <a:txBody>
@@ -11460,14 +11549,14 @@
                     <a:p>
                       <a:pPr indent="0" algn="l"/>
                       <a:r>
-                        <a:rPr lang="ru-RU" sz="1600" kern="150" dirty="0">
+                        <a:rPr lang="ru-RU" sz="2000" kern="150" dirty="0">
                           <a:effectLst/>
                           <a:latin typeface="Times New Roman" panose="02020603050405020304" pitchFamily="18" charset="0"/>
                           <a:cs typeface="Times New Roman" panose="02020603050405020304" pitchFamily="18" charset="0"/>
                         </a:rPr>
                         <a:t>Реляционная</a:t>
                       </a:r>
-                      <a:endParaRPr lang="ru-RU" sz="1600" kern="150" dirty="0">
+                      <a:endParaRPr lang="ru-RU" sz="2000" kern="150" dirty="0">
                         <a:effectLst/>
                         <a:latin typeface="Times New Roman" panose="02020603050405020304" pitchFamily="18" charset="0"/>
                         <a:ea typeface="Noto Serif CJK SC"/>
@@ -11475,7 +11564,7 @@
                       </a:endParaRPr>
                     </a:p>
                   </a:txBody>
-                  <a:tcPr marL="68580" marR="68580" marT="0" marB="0"/>
+                  <a:tcPr marL="85598" marR="85598" marT="0" marB="0" anchor="ctr"/>
                 </a:tc>
                 <a:extLst>
                   <a:ext uri="{0D108BD9-81ED-4DB2-BD59-A6C34878D82A}">
@@ -11483,7 +11572,7 @@
                   </a:ext>
                 </a:extLst>
               </a:tr>
-              <a:tr h="0">
+              <a:tr h="342951">
                 <a:tc>
                   <a:txBody>
                     <a:bodyPr/>
@@ -11491,14 +11580,14 @@
                     <a:p>
                       <a:pPr indent="0" algn="l"/>
                       <a:r>
-                        <a:rPr lang="en-US" sz="1600" kern="150" dirty="0">
+                        <a:rPr lang="en-US" sz="2000" kern="150" dirty="0">
                           <a:effectLst/>
                           <a:latin typeface="Times New Roman" panose="02020603050405020304" pitchFamily="18" charset="0"/>
                           <a:cs typeface="Times New Roman" panose="02020603050405020304" pitchFamily="18" charset="0"/>
                         </a:rPr>
                         <a:t>5.</a:t>
                       </a:r>
-                      <a:endParaRPr lang="ru-RU" sz="1600" kern="150" dirty="0">
+                      <a:endParaRPr lang="ru-RU" sz="2000" kern="150" dirty="0">
                         <a:effectLst/>
                         <a:latin typeface="Times New Roman" panose="02020603050405020304" pitchFamily="18" charset="0"/>
                         <a:ea typeface="Noto Serif CJK SC"/>
@@ -11506,7 +11595,7 @@
                       </a:endParaRPr>
                     </a:p>
                   </a:txBody>
-                  <a:tcPr marL="68580" marR="68580" marT="0" marB="0"/>
+                  <a:tcPr marL="85598" marR="85598" marT="0" marB="0" anchor="ctr"/>
                 </a:tc>
                 <a:tc>
                   <a:txBody>
@@ -11515,14 +11604,14 @@
                     <a:p>
                       <a:pPr indent="0" algn="l"/>
                       <a:r>
-                        <a:rPr lang="en-US" sz="1600" kern="150" dirty="0">
+                        <a:rPr lang="en-US" sz="2000" kern="150" dirty="0">
                           <a:effectLst/>
                           <a:latin typeface="Times New Roman" panose="02020603050405020304" pitchFamily="18" charset="0"/>
                           <a:cs typeface="Times New Roman" panose="02020603050405020304" pitchFamily="18" charset="0"/>
                         </a:rPr>
                         <a:t>MongoDB</a:t>
                       </a:r>
-                      <a:endParaRPr lang="ru-RU" sz="1600" kern="150" dirty="0">
+                      <a:endParaRPr lang="ru-RU" sz="2000" kern="150" dirty="0">
                         <a:effectLst/>
                         <a:latin typeface="Times New Roman" panose="02020603050405020304" pitchFamily="18" charset="0"/>
                         <a:ea typeface="Noto Serif CJK SC"/>
@@ -11530,7 +11619,7 @@
                       </a:endParaRPr>
                     </a:p>
                   </a:txBody>
-                  <a:tcPr marL="68580" marR="68580" marT="0" marB="0"/>
+                  <a:tcPr marL="85598" marR="85598" marT="0" marB="0" anchor="ctr"/>
                 </a:tc>
                 <a:tc>
                   <a:txBody>
@@ -11539,14 +11628,14 @@
                     <a:p>
                       <a:pPr indent="0" algn="l"/>
                       <a:r>
-                        <a:rPr lang="ru-RU" sz="1600" kern="150" dirty="0">
+                        <a:rPr lang="ru-RU" sz="2000" kern="150" dirty="0">
                           <a:effectLst/>
                           <a:latin typeface="Times New Roman" panose="02020603050405020304" pitchFamily="18" charset="0"/>
                           <a:cs typeface="Times New Roman" panose="02020603050405020304" pitchFamily="18" charset="0"/>
                         </a:rPr>
                         <a:t>Документная</a:t>
                       </a:r>
-                      <a:endParaRPr lang="ru-RU" sz="1600" kern="150" dirty="0">
+                      <a:endParaRPr lang="ru-RU" sz="2000" kern="150" dirty="0">
                         <a:effectLst/>
                         <a:latin typeface="Times New Roman" panose="02020603050405020304" pitchFamily="18" charset="0"/>
                         <a:ea typeface="Noto Serif CJK SC"/>
@@ -11554,7 +11643,7 @@
                       </a:endParaRPr>
                     </a:p>
                   </a:txBody>
-                  <a:tcPr marL="68580" marR="68580" marT="0" marB="0"/>
+                  <a:tcPr marL="85598" marR="85598" marT="0" marB="0" anchor="ctr"/>
                 </a:tc>
                 <a:extLst>
                   <a:ext uri="{0D108BD9-81ED-4DB2-BD59-A6C34878D82A}">
@@ -11562,7 +11651,7 @@
                   </a:ext>
                 </a:extLst>
               </a:tr>
-              <a:tr h="0">
+              <a:tr h="342951">
                 <a:tc>
                   <a:txBody>
                     <a:bodyPr/>
@@ -11570,14 +11659,14 @@
                     <a:p>
                       <a:pPr indent="0" algn="l"/>
                       <a:r>
-                        <a:rPr lang="en-US" sz="1600" kern="150" dirty="0">
+                        <a:rPr lang="en-US" sz="2000" kern="150" dirty="0">
                           <a:effectLst/>
                           <a:latin typeface="Times New Roman" panose="02020603050405020304" pitchFamily="18" charset="0"/>
                           <a:cs typeface="Times New Roman" panose="02020603050405020304" pitchFamily="18" charset="0"/>
                         </a:rPr>
                         <a:t>6.</a:t>
                       </a:r>
-                      <a:endParaRPr lang="ru-RU" sz="1600" kern="150" dirty="0">
+                      <a:endParaRPr lang="ru-RU" sz="2000" kern="150" dirty="0">
                         <a:effectLst/>
                         <a:latin typeface="Times New Roman" panose="02020603050405020304" pitchFamily="18" charset="0"/>
                         <a:ea typeface="Noto Serif CJK SC"/>
@@ -11585,7 +11674,7 @@
                       </a:endParaRPr>
                     </a:p>
                   </a:txBody>
-                  <a:tcPr marL="68580" marR="68580" marT="0" marB="0"/>
+                  <a:tcPr marL="85598" marR="85598" marT="0" marB="0" anchor="ctr"/>
                 </a:tc>
                 <a:tc>
                   <a:txBody>
@@ -11594,14 +11683,14 @@
                     <a:p>
                       <a:pPr indent="0" algn="l"/>
                       <a:r>
-                        <a:rPr lang="en-US" sz="1600" kern="150" dirty="0">
+                        <a:rPr lang="en-US" sz="2000" kern="150" dirty="0">
                           <a:effectLst/>
                           <a:latin typeface="Times New Roman" panose="02020603050405020304" pitchFamily="18" charset="0"/>
                           <a:cs typeface="Times New Roman" panose="02020603050405020304" pitchFamily="18" charset="0"/>
                         </a:rPr>
                         <a:t>Redis</a:t>
                       </a:r>
-                      <a:endParaRPr lang="ru-RU" sz="1600" kern="150" dirty="0">
+                      <a:endParaRPr lang="ru-RU" sz="2000" kern="150" dirty="0">
                         <a:effectLst/>
                         <a:latin typeface="Times New Roman" panose="02020603050405020304" pitchFamily="18" charset="0"/>
                         <a:ea typeface="Noto Serif CJK SC"/>
@@ -11609,7 +11698,7 @@
                       </a:endParaRPr>
                     </a:p>
                   </a:txBody>
-                  <a:tcPr marL="68580" marR="68580" marT="0" marB="0"/>
+                  <a:tcPr marL="85598" marR="85598" marT="0" marB="0" anchor="ctr"/>
                 </a:tc>
                 <a:tc>
                   <a:txBody>
@@ -11618,14 +11707,14 @@
                     <a:p>
                       <a:pPr indent="0" algn="l"/>
                       <a:r>
-                        <a:rPr lang="ru-RU" sz="1600" kern="150" dirty="0">
+                        <a:rPr lang="ru-RU" sz="2000" kern="150" dirty="0">
                           <a:effectLst/>
                           <a:latin typeface="Times New Roman" panose="02020603050405020304" pitchFamily="18" charset="0"/>
                           <a:cs typeface="Times New Roman" panose="02020603050405020304" pitchFamily="18" charset="0"/>
                         </a:rPr>
                         <a:t>«Ключ-значение»</a:t>
                       </a:r>
-                      <a:endParaRPr lang="ru-RU" sz="1600" kern="150" dirty="0">
+                      <a:endParaRPr lang="ru-RU" sz="2000" kern="150" dirty="0">
                         <a:effectLst/>
                         <a:latin typeface="Times New Roman" panose="02020603050405020304" pitchFamily="18" charset="0"/>
                         <a:ea typeface="Noto Serif CJK SC"/>
@@ -11633,7 +11722,7 @@
                       </a:endParaRPr>
                     </a:p>
                   </a:txBody>
-                  <a:tcPr marL="68580" marR="68580" marT="0" marB="0"/>
+                  <a:tcPr marL="85598" marR="85598" marT="0" marB="0" anchor="ctr"/>
                 </a:tc>
                 <a:extLst>
                   <a:ext uri="{0D108BD9-81ED-4DB2-BD59-A6C34878D82A}">
@@ -11641,7 +11730,7 @@
                   </a:ext>
                 </a:extLst>
               </a:tr>
-              <a:tr h="0">
+              <a:tr h="342951">
                 <a:tc>
                   <a:txBody>
                     <a:bodyPr/>
@@ -11649,14 +11738,14 @@
                     <a:p>
                       <a:pPr indent="0" algn="l"/>
                       <a:r>
-                        <a:rPr lang="en-US" sz="1600" kern="150" dirty="0">
+                        <a:rPr lang="en-US" sz="2000" kern="150" dirty="0">
                           <a:effectLst/>
                           <a:latin typeface="Times New Roman" panose="02020603050405020304" pitchFamily="18" charset="0"/>
                           <a:cs typeface="Times New Roman" panose="02020603050405020304" pitchFamily="18" charset="0"/>
                         </a:rPr>
                         <a:t>7.</a:t>
                       </a:r>
-                      <a:endParaRPr lang="ru-RU" sz="1600" kern="150" dirty="0">
+                      <a:endParaRPr lang="ru-RU" sz="2000" kern="150" dirty="0">
                         <a:effectLst/>
                         <a:latin typeface="Times New Roman" panose="02020603050405020304" pitchFamily="18" charset="0"/>
                         <a:ea typeface="Noto Serif CJK SC"/>
@@ -11664,7 +11753,7 @@
                       </a:endParaRPr>
                     </a:p>
                   </a:txBody>
-                  <a:tcPr marL="68580" marR="68580" marT="0" marB="0"/>
+                  <a:tcPr marL="85598" marR="85598" marT="0" marB="0" anchor="ctr"/>
                 </a:tc>
                 <a:tc>
                   <a:txBody>
@@ -11673,14 +11762,14 @@
                     <a:p>
                       <a:pPr indent="0" algn="l"/>
                       <a:r>
-                        <a:rPr lang="en-US" sz="1600" kern="150" dirty="0">
+                        <a:rPr lang="en-US" sz="2000" kern="150" dirty="0">
                           <a:effectLst/>
                           <a:latin typeface="Times New Roman" panose="02020603050405020304" pitchFamily="18" charset="0"/>
                           <a:cs typeface="Times New Roman" panose="02020603050405020304" pitchFamily="18" charset="0"/>
                         </a:rPr>
                         <a:t>IBM Db2</a:t>
                       </a:r>
-                      <a:endParaRPr lang="ru-RU" sz="1600" kern="150" dirty="0">
+                      <a:endParaRPr lang="ru-RU" sz="2000" kern="150" dirty="0">
                         <a:effectLst/>
                         <a:latin typeface="Times New Roman" panose="02020603050405020304" pitchFamily="18" charset="0"/>
                         <a:ea typeface="Noto Serif CJK SC"/>
@@ -11688,7 +11777,7 @@
                       </a:endParaRPr>
                     </a:p>
                   </a:txBody>
-                  <a:tcPr marL="68580" marR="68580" marT="0" marB="0"/>
+                  <a:tcPr marL="85598" marR="85598" marT="0" marB="0" anchor="ctr"/>
                 </a:tc>
                 <a:tc>
                   <a:txBody>
@@ -11697,14 +11786,14 @@
                     <a:p>
                       <a:pPr indent="0" algn="l"/>
                       <a:r>
-                        <a:rPr lang="ru-RU" sz="1600" kern="150" dirty="0">
+                        <a:rPr lang="ru-RU" sz="2000" kern="150" dirty="0">
                           <a:effectLst/>
                           <a:latin typeface="Times New Roman" panose="02020603050405020304" pitchFamily="18" charset="0"/>
                           <a:cs typeface="Times New Roman" panose="02020603050405020304" pitchFamily="18" charset="0"/>
                         </a:rPr>
                         <a:t>Реляционная</a:t>
                       </a:r>
-                      <a:endParaRPr lang="ru-RU" sz="1600" kern="150" dirty="0">
+                      <a:endParaRPr lang="ru-RU" sz="2000" kern="150" dirty="0">
                         <a:effectLst/>
                         <a:latin typeface="Times New Roman" panose="02020603050405020304" pitchFamily="18" charset="0"/>
                         <a:ea typeface="Noto Serif CJK SC"/>
@@ -11712,7 +11801,7 @@
                       </a:endParaRPr>
                     </a:p>
                   </a:txBody>
-                  <a:tcPr marL="68580" marR="68580" marT="0" marB="0"/>
+                  <a:tcPr marL="85598" marR="85598" marT="0" marB="0" anchor="ctr"/>
                 </a:tc>
                 <a:extLst>
                   <a:ext uri="{0D108BD9-81ED-4DB2-BD59-A6C34878D82A}">
@@ -11720,7 +11809,7 @@
                   </a:ext>
                 </a:extLst>
               </a:tr>
-              <a:tr h="0">
+              <a:tr h="342951">
                 <a:tc>
                   <a:txBody>
                     <a:bodyPr/>
@@ -11728,14 +11817,14 @@
                     <a:p>
                       <a:pPr indent="0" algn="l"/>
                       <a:r>
-                        <a:rPr lang="en-US" sz="1600" kern="150" dirty="0">
+                        <a:rPr lang="en-US" sz="2000" kern="150" dirty="0">
                           <a:effectLst/>
                           <a:latin typeface="Times New Roman" panose="02020603050405020304" pitchFamily="18" charset="0"/>
                           <a:cs typeface="Times New Roman" panose="02020603050405020304" pitchFamily="18" charset="0"/>
                         </a:rPr>
                         <a:t>8.</a:t>
                       </a:r>
-                      <a:endParaRPr lang="ru-RU" sz="1600" kern="150" dirty="0">
+                      <a:endParaRPr lang="ru-RU" sz="2000" kern="150" dirty="0">
                         <a:effectLst/>
                         <a:latin typeface="Times New Roman" panose="02020603050405020304" pitchFamily="18" charset="0"/>
                         <a:ea typeface="Noto Serif CJK SC"/>
@@ -11743,7 +11832,7 @@
                       </a:endParaRPr>
                     </a:p>
                   </a:txBody>
-                  <a:tcPr marL="68580" marR="68580" marT="0" marB="0"/>
+                  <a:tcPr marL="85598" marR="85598" marT="0" marB="0" anchor="ctr"/>
                 </a:tc>
                 <a:tc>
                   <a:txBody>
@@ -11752,14 +11841,14 @@
                     <a:p>
                       <a:pPr indent="0" algn="l"/>
                       <a:r>
-                        <a:rPr lang="en-US" sz="1600" kern="150" dirty="0">
+                        <a:rPr lang="en-US" sz="2000" kern="150" dirty="0">
                           <a:effectLst/>
                           <a:latin typeface="Times New Roman" panose="02020603050405020304" pitchFamily="18" charset="0"/>
                           <a:cs typeface="Times New Roman" panose="02020603050405020304" pitchFamily="18" charset="0"/>
                         </a:rPr>
                         <a:t>Elasticsearch</a:t>
                       </a:r>
-                      <a:endParaRPr lang="ru-RU" sz="1600" kern="150" dirty="0">
+                      <a:endParaRPr lang="ru-RU" sz="2000" kern="150" dirty="0">
                         <a:effectLst/>
                         <a:latin typeface="Times New Roman" panose="02020603050405020304" pitchFamily="18" charset="0"/>
                         <a:ea typeface="Noto Serif CJK SC"/>
@@ -11767,7 +11856,7 @@
                       </a:endParaRPr>
                     </a:p>
                   </a:txBody>
-                  <a:tcPr marL="68580" marR="68580" marT="0" marB="0"/>
+                  <a:tcPr marL="85598" marR="85598" marT="0" marB="0" anchor="ctr"/>
                 </a:tc>
                 <a:tc>
                   <a:txBody>
@@ -11776,14 +11865,14 @@
                     <a:p>
                       <a:pPr indent="0" algn="l"/>
                       <a:r>
-                        <a:rPr lang="ru-RU" sz="1600" kern="150" dirty="0">
+                        <a:rPr lang="ru-RU" sz="2000" kern="150" dirty="0">
                           <a:effectLst/>
                           <a:latin typeface="Times New Roman" panose="02020603050405020304" pitchFamily="18" charset="0"/>
                           <a:cs typeface="Times New Roman" panose="02020603050405020304" pitchFamily="18" charset="0"/>
                         </a:rPr>
                         <a:t>Поисковая система</a:t>
                       </a:r>
-                      <a:endParaRPr lang="ru-RU" sz="1600" kern="150" dirty="0">
+                      <a:endParaRPr lang="ru-RU" sz="2000" kern="150" dirty="0">
                         <a:effectLst/>
                         <a:latin typeface="Times New Roman" panose="02020603050405020304" pitchFamily="18" charset="0"/>
                         <a:ea typeface="Noto Serif CJK SC"/>
@@ -11791,7 +11880,7 @@
                       </a:endParaRPr>
                     </a:p>
                   </a:txBody>
-                  <a:tcPr marL="68580" marR="68580" marT="0" marB="0"/>
+                  <a:tcPr marL="85598" marR="85598" marT="0" marB="0" anchor="ctr"/>
                 </a:tc>
                 <a:extLst>
                   <a:ext uri="{0D108BD9-81ED-4DB2-BD59-A6C34878D82A}">
@@ -11799,7 +11888,7 @@
                   </a:ext>
                 </a:extLst>
               </a:tr>
-              <a:tr h="0">
+              <a:tr h="342951">
                 <a:tc>
                   <a:txBody>
                     <a:bodyPr/>
@@ -11807,14 +11896,14 @@
                     <a:p>
                       <a:pPr indent="0" algn="l"/>
                       <a:r>
-                        <a:rPr lang="ru-RU" sz="1600" kern="150" dirty="0">
+                        <a:rPr lang="ru-RU" sz="2000" kern="150" dirty="0">
                           <a:effectLst/>
                           <a:latin typeface="Times New Roman" panose="02020603050405020304" pitchFamily="18" charset="0"/>
                           <a:cs typeface="Times New Roman" panose="02020603050405020304" pitchFamily="18" charset="0"/>
                         </a:rPr>
                         <a:t>9. </a:t>
                       </a:r>
-                      <a:endParaRPr lang="ru-RU" sz="1600" kern="150" dirty="0">
+                      <a:endParaRPr lang="ru-RU" sz="2000" kern="150" dirty="0">
                         <a:effectLst/>
                         <a:latin typeface="Times New Roman" panose="02020603050405020304" pitchFamily="18" charset="0"/>
                         <a:ea typeface="Noto Serif CJK SC"/>
@@ -11822,7 +11911,7 @@
                       </a:endParaRPr>
                     </a:p>
                   </a:txBody>
-                  <a:tcPr marL="68580" marR="68580" marT="0" marB="0"/>
+                  <a:tcPr marL="85598" marR="85598" marT="0" marB="0" anchor="ctr"/>
                 </a:tc>
                 <a:tc>
                   <a:txBody>
@@ -11831,14 +11920,14 @@
                     <a:p>
                       <a:pPr indent="0" algn="l"/>
                       <a:r>
-                        <a:rPr lang="en-US" sz="1600" kern="150" dirty="0">
+                        <a:rPr lang="en-US" sz="2000" kern="150" dirty="0">
                           <a:effectLst/>
                           <a:latin typeface="Times New Roman" panose="02020603050405020304" pitchFamily="18" charset="0"/>
                           <a:cs typeface="Times New Roman" panose="02020603050405020304" pitchFamily="18" charset="0"/>
                         </a:rPr>
                         <a:t>Microsoft Access</a:t>
                       </a:r>
-                      <a:endParaRPr lang="ru-RU" sz="1600" kern="150" dirty="0">
+                      <a:endParaRPr lang="ru-RU" sz="2000" kern="150" dirty="0">
                         <a:effectLst/>
                         <a:latin typeface="Times New Roman" panose="02020603050405020304" pitchFamily="18" charset="0"/>
                         <a:ea typeface="Noto Serif CJK SC"/>
@@ -11846,7 +11935,7 @@
                       </a:endParaRPr>
                     </a:p>
                   </a:txBody>
-                  <a:tcPr marL="68580" marR="68580" marT="0" marB="0"/>
+                  <a:tcPr marL="85598" marR="85598" marT="0" marB="0" anchor="ctr"/>
                 </a:tc>
                 <a:tc>
                   <a:txBody>
@@ -11855,14 +11944,14 @@
                     <a:p>
                       <a:pPr indent="0" algn="l"/>
                       <a:r>
-                        <a:rPr lang="ru-RU" sz="1600" kern="150" dirty="0">
+                        <a:rPr lang="ru-RU" sz="2000" kern="150" dirty="0">
                           <a:effectLst/>
                           <a:latin typeface="Times New Roman" panose="02020603050405020304" pitchFamily="18" charset="0"/>
                           <a:cs typeface="Times New Roman" panose="02020603050405020304" pitchFamily="18" charset="0"/>
                         </a:rPr>
                         <a:t>Реляционная</a:t>
                       </a:r>
-                      <a:endParaRPr lang="ru-RU" sz="1600" kern="150" dirty="0">
+                      <a:endParaRPr lang="ru-RU" sz="2000" kern="150" dirty="0">
                         <a:effectLst/>
                         <a:latin typeface="Times New Roman" panose="02020603050405020304" pitchFamily="18" charset="0"/>
                         <a:ea typeface="Noto Serif CJK SC"/>
@@ -11870,7 +11959,7 @@
                       </a:endParaRPr>
                     </a:p>
                   </a:txBody>
-                  <a:tcPr marL="68580" marR="68580" marT="0" marB="0"/>
+                  <a:tcPr marL="85598" marR="85598" marT="0" marB="0" anchor="ctr"/>
                 </a:tc>
                 <a:extLst>
                   <a:ext uri="{0D108BD9-81ED-4DB2-BD59-A6C34878D82A}">
@@ -11878,7 +11967,7 @@
                   </a:ext>
                 </a:extLst>
               </a:tr>
-              <a:tr h="0">
+              <a:tr h="342951">
                 <a:tc>
                   <a:txBody>
                     <a:bodyPr/>
@@ -11886,7 +11975,7 @@
                     <a:p>
                       <a:pPr indent="0" algn="l"/>
                       <a:r>
-                        <a:rPr lang="ru-RU" sz="1600" kern="150" dirty="0">
+                        <a:rPr lang="ru-RU" sz="2000" kern="150" dirty="0">
                           <a:effectLst/>
                           <a:latin typeface="Times New Roman" panose="02020603050405020304" pitchFamily="18" charset="0"/>
                           <a:cs typeface="Times New Roman" panose="02020603050405020304" pitchFamily="18" charset="0"/>
@@ -11894,14 +11983,14 @@
                         <a:t>10</a:t>
                       </a:r>
                       <a:r>
-                        <a:rPr lang="en-US" sz="1600" kern="150" dirty="0">
+                        <a:rPr lang="en-US" sz="2000" kern="150" dirty="0">
                           <a:effectLst/>
                           <a:latin typeface="Times New Roman" panose="02020603050405020304" pitchFamily="18" charset="0"/>
                           <a:cs typeface="Times New Roman" panose="02020603050405020304" pitchFamily="18" charset="0"/>
                         </a:rPr>
                         <a:t>.</a:t>
                       </a:r>
-                      <a:endParaRPr lang="ru-RU" sz="1600" kern="150" dirty="0">
+                      <a:endParaRPr lang="ru-RU" sz="2000" kern="150" dirty="0">
                         <a:effectLst/>
                         <a:latin typeface="Times New Roman" panose="02020603050405020304" pitchFamily="18" charset="0"/>
                         <a:ea typeface="Noto Serif CJK SC"/>
@@ -11909,7 +11998,7 @@
                       </a:endParaRPr>
                     </a:p>
                   </a:txBody>
-                  <a:tcPr marL="68580" marR="68580" marT="0" marB="0"/>
+                  <a:tcPr marL="85598" marR="85598" marT="0" marB="0" anchor="ctr"/>
                 </a:tc>
                 <a:tc>
                   <a:txBody>
@@ -11918,14 +12007,14 @@
                     <a:p>
                       <a:pPr indent="0" algn="l"/>
                       <a:r>
-                        <a:rPr lang="en-US" sz="1600" kern="150" dirty="0">
+                        <a:rPr lang="en-US" sz="2000" kern="150" dirty="0">
                           <a:effectLst/>
                           <a:latin typeface="Times New Roman" panose="02020603050405020304" pitchFamily="18" charset="0"/>
                           <a:cs typeface="Times New Roman" panose="02020603050405020304" pitchFamily="18" charset="0"/>
                         </a:rPr>
                         <a:t>SQLite</a:t>
                       </a:r>
-                      <a:endParaRPr lang="ru-RU" sz="1600" kern="150" dirty="0">
+                      <a:endParaRPr lang="ru-RU" sz="2000" kern="150" dirty="0">
                         <a:effectLst/>
                         <a:latin typeface="Times New Roman" panose="02020603050405020304" pitchFamily="18" charset="0"/>
                         <a:ea typeface="Noto Serif CJK SC"/>
@@ -11933,7 +12022,7 @@
                       </a:endParaRPr>
                     </a:p>
                   </a:txBody>
-                  <a:tcPr marL="68580" marR="68580" marT="0" marB="0"/>
+                  <a:tcPr marL="85598" marR="85598" marT="0" marB="0" anchor="ctr"/>
                 </a:tc>
                 <a:tc>
                   <a:txBody>
@@ -11942,14 +12031,14 @@
                     <a:p>
                       <a:pPr indent="0" algn="l"/>
                       <a:r>
-                        <a:rPr lang="ru-RU" sz="1600" kern="150" dirty="0">
+                        <a:rPr lang="ru-RU" sz="2000" kern="150" dirty="0">
                           <a:effectLst/>
                           <a:latin typeface="Times New Roman" panose="02020603050405020304" pitchFamily="18" charset="0"/>
                           <a:cs typeface="Times New Roman" panose="02020603050405020304" pitchFamily="18" charset="0"/>
                         </a:rPr>
                         <a:t>Реляционная</a:t>
                       </a:r>
-                      <a:endParaRPr lang="ru-RU" sz="1600" kern="150" dirty="0">
+                      <a:endParaRPr lang="ru-RU" sz="2000" kern="150" dirty="0">
                         <a:effectLst/>
                         <a:latin typeface="Times New Roman" panose="02020603050405020304" pitchFamily="18" charset="0"/>
                         <a:ea typeface="Noto Serif CJK SC"/>
@@ -11957,7 +12046,7 @@
                       </a:endParaRPr>
                     </a:p>
                   </a:txBody>
-                  <a:tcPr marL="68580" marR="68580" marT="0" marB="0"/>
+                  <a:tcPr marL="85598" marR="85598" marT="0" marB="0" anchor="ctr"/>
                 </a:tc>
                 <a:extLst>
                   <a:ext uri="{0D108BD9-81ED-4DB2-BD59-A6C34878D82A}">
@@ -11983,8 +12072,8 @@
         </p:nvSpPr>
         <p:spPr>
           <a:xfrm>
-            <a:off x="838201" y="5059997"/>
-            <a:ext cx="10515599" cy="1015663"/>
+            <a:off x="342899" y="3429000"/>
+            <a:ext cx="3928339" cy="2246769"/>
           </a:xfrm>
           <a:prstGeom prst="rect">
             <a:avLst/>
@@ -11997,7 +12086,6 @@
           </a:bodyPr>
           <a:lstStyle/>
           <a:p>
-            <a:pPr algn="ctr"/>
             <a:r>
               <a:rPr lang="ru-RU" sz="2000" b="0" i="0" u="none" strike="noStrike" baseline="0" dirty="0">
                 <a:solidFill>
@@ -12023,11 +12111,28 @@
                 </a:solidFill>
                 <a:latin typeface="Times New Roman" panose="02020603050405020304" pitchFamily="18" charset="0"/>
               </a:rPr>
-              <a:t>ва потока не должны пытаться одновременно работать с одним объектом PGconn. </a:t>
-            </a:r>
-          </a:p>
-          <a:p>
-            <a:pPr algn="ctr"/>
+              <a:t>ва потока не должны пытаться одновременно работать с одним объектом </a:t>
+            </a:r>
+            <a:r>
+              <a:rPr lang="ru-RU" sz="2000" b="0" i="0" u="none" strike="noStrike" baseline="0" dirty="0" err="1">
+                <a:solidFill>
+                  <a:srgbClr val="000000"/>
+                </a:solidFill>
+                <a:latin typeface="Times New Roman" panose="02020603050405020304" pitchFamily="18" charset="0"/>
+              </a:rPr>
+              <a:t>PGconn</a:t>
+            </a:r>
+            <a:r>
+              <a:rPr lang="ru-RU" sz="2000" b="0" i="0" u="none" strike="noStrike" baseline="0" dirty="0">
+                <a:solidFill>
+                  <a:srgbClr val="000000"/>
+                </a:solidFill>
+                <a:latin typeface="Times New Roman" panose="02020603050405020304" pitchFamily="18" charset="0"/>
+              </a:rPr>
+              <a:t>. </a:t>
+            </a:r>
+          </a:p>
+          <a:p>
             <a:r>
               <a:rPr lang="ru-RU" sz="2000" b="0" i="0" u="none" strike="noStrike" baseline="0" dirty="0">
                 <a:solidFill>
@@ -12055,8 +12160,8 @@
         </p:nvSpPr>
         <p:spPr>
           <a:xfrm>
-            <a:off x="912164" y="2108478"/>
-            <a:ext cx="4886035" cy="1015663"/>
+            <a:off x="342900" y="2052012"/>
+            <a:ext cx="3928339" cy="1015663"/>
           </a:xfrm>
           <a:prstGeom prst="rect">
             <a:avLst/>
@@ -12166,8 +12271,19 @@
                 <a:latin typeface="Times New Roman" panose="02020603050405020304" pitchFamily="18" charset="0"/>
                 <a:cs typeface="Times New Roman" panose="02020603050405020304" pitchFamily="18" charset="0"/>
               </a:rPr>
-              <a:t>Анализ предметной области</a:t>
-            </a:r>
+              <a:t>Архитектура </a:t>
+            </a:r>
+            <a:r>
+              <a:rPr lang="en-US" dirty="0">
+                <a:latin typeface="Times New Roman" panose="02020603050405020304" pitchFamily="18" charset="0"/>
+                <a:cs typeface="Times New Roman" panose="02020603050405020304" pitchFamily="18" charset="0"/>
+              </a:rPr>
+              <a:t>PostgreSQL</a:t>
+            </a:r>
+            <a:endParaRPr lang="ru-RU" dirty="0">
+              <a:latin typeface="Times New Roman" panose="02020603050405020304" pitchFamily="18" charset="0"/>
+              <a:cs typeface="Times New Roman" panose="02020603050405020304" pitchFamily="18" charset="0"/>
+            </a:endParaRPr>
           </a:p>
         </p:txBody>
       </p:sp>
@@ -12179,7 +12295,7 @@
         </p:nvSpPr>
         <p:spPr>
           <a:xfrm>
-            <a:off x="6783977" y="2101624"/>
+            <a:off x="6923314" y="2494112"/>
             <a:ext cx="5268686" cy="1846659"/>
           </a:xfrm>
           <a:prstGeom prst="rect">
@@ -12313,7 +12429,7 @@
         </p:blipFill>
         <p:spPr>
           <a:xfrm>
-            <a:off x="838201" y="2101624"/>
+            <a:off x="838200" y="2494112"/>
             <a:ext cx="5728062" cy="2908341"/>
           </a:xfrm>
           <a:prstGeom prst="rect">
@@ -12688,7 +12804,12 @@
             <p:ph type="title"/>
           </p:nvPr>
         </p:nvSpPr>
-        <p:spPr/>
+        <p:spPr>
+          <a:xfrm>
+            <a:off x="838200" y="365125"/>
+            <a:ext cx="10224247" cy="1325563"/>
+          </a:xfrm>
+        </p:spPr>
         <p:txBody>
           <a:bodyPr/>
           <a:lstStyle/>
@@ -12698,20 +12819,7 @@
                 <a:latin typeface="Times New Roman" panose="02020603050405020304" pitchFamily="18" charset="0"/>
                 <a:cs typeface="Times New Roman" panose="02020603050405020304" pitchFamily="18" charset="0"/>
               </a:rPr>
-              <a:t>Анализ существующих решений. </a:t>
-            </a:r>
-            <a:br>
-              <a:rPr lang="ru-RU" dirty="0">
-                <a:latin typeface="Times New Roman" panose="02020603050405020304" pitchFamily="18" charset="0"/>
-                <a:cs typeface="Times New Roman" panose="02020603050405020304" pitchFamily="18" charset="0"/>
-              </a:rPr>
-            </a:br>
-            <a:r>
-              <a:rPr lang="ru-RU" dirty="0">
-                <a:latin typeface="Times New Roman" panose="02020603050405020304" pitchFamily="18" charset="0"/>
-                <a:cs typeface="Times New Roman" panose="02020603050405020304" pitchFamily="18" charset="0"/>
-              </a:rPr>
-              <a:t>Пул соединений</a:t>
+              <a:t>Сравнительный анализ пулов соединений</a:t>
             </a:r>
           </a:p>
         </p:txBody>
@@ -12754,14 +12862,14 @@
           <p:nvPr>
             <p:extLst>
               <p:ext uri="{D42A27DB-BD31-4B8C-83A1-F6EECF244321}">
-                <p14:modId xmlns:p14="http://schemas.microsoft.com/office/powerpoint/2010/main" val="3343667313"/>
+                <p14:modId xmlns:p14="http://schemas.microsoft.com/office/powerpoint/2010/main" val="1506199526"/>
               </p:ext>
             </p:extLst>
           </p:nvPr>
         </p:nvGraphicFramePr>
         <p:xfrm>
-          <a:off x="838200" y="1856701"/>
-          <a:ext cx="10073640" cy="4333635"/>
+          <a:off x="977153" y="1811875"/>
+          <a:ext cx="10085295" cy="3632622"/>
         </p:xfrm>
         <a:graphic>
           <a:graphicData uri="http://schemas.openxmlformats.org/drawingml/2006/table">
@@ -12770,21 +12878,28 @@
                 <a:tableStyleId>{F5AB1C69-6EDB-4FF4-983F-18BD219EF322}</a:tableStyleId>
               </a:tblPr>
               <a:tblGrid>
-                <a:gridCol w="3357880">
+                <a:gridCol w="2868706">
+                  <a:extLst>
+                    <a:ext uri="{9D8B030D-6E8A-4147-A177-3AD203B41FA5}">
+                      <a16:colId xmlns:a16="http://schemas.microsoft.com/office/drawing/2014/main" val="4190584254"/>
+                    </a:ext>
+                  </a:extLst>
+                </a:gridCol>
+                <a:gridCol w="2173940">
                   <a:extLst>
                     <a:ext uri="{9D8B030D-6E8A-4147-A177-3AD203B41FA5}">
                       <a16:colId xmlns:a16="http://schemas.microsoft.com/office/drawing/2014/main" val="1276092578"/>
                     </a:ext>
                   </a:extLst>
                 </a:gridCol>
-                <a:gridCol w="3357880">
+                <a:gridCol w="2521326">
                   <a:extLst>
                     <a:ext uri="{9D8B030D-6E8A-4147-A177-3AD203B41FA5}">
                       <a16:colId xmlns:a16="http://schemas.microsoft.com/office/drawing/2014/main" val="3960454959"/>
                     </a:ext>
                   </a:extLst>
                 </a:gridCol>
-                <a:gridCol w="3357880">
+                <a:gridCol w="2521323">
                   <a:extLst>
                     <a:ext uri="{9D8B030D-6E8A-4147-A177-3AD203B41FA5}">
                       <a16:colId xmlns:a16="http://schemas.microsoft.com/office/drawing/2014/main" val="4128735083"/>
@@ -12792,13 +12907,13 @@
                   </a:extLst>
                 </a:gridCol>
               </a:tblGrid>
-              <a:tr h="591105">
+              <a:tr h="649743">
                 <a:tc>
                   <a:txBody>
                     <a:bodyPr/>
                     <a:lstStyle/>
                     <a:p>
-                      <a:pPr marL="0" marR="0" indent="0" algn="ctr" defTabSz="914400" rtl="0" eaLnBrk="1" fontAlgn="auto" latinLnBrk="0" hangingPunct="1">
+                      <a:pPr marL="0" marR="0" indent="0" algn="r" defTabSz="914400" rtl="0" eaLnBrk="1" fontAlgn="auto" latinLnBrk="0" hangingPunct="1">
                         <a:lnSpc>
                           <a:spcPct val="100000"/>
                         </a:lnSpc>
@@ -12816,26 +12931,51 @@
                         <a:defRPr/>
                       </a:pPr>
                       <a:r>
-                        <a:rPr lang="ru-RU" dirty="0">
+                        <a:rPr lang="ru-RU" sz="2000" dirty="0">
                           <a:latin typeface="Times New Roman" panose="02020603050405020304" pitchFamily="18" charset="0"/>
                           <a:cs typeface="Times New Roman" panose="02020603050405020304" pitchFamily="18" charset="0"/>
                         </a:rPr>
-                        <a:t>Пул на основе </a:t>
+                        <a:t>Вид пула</a:t>
                       </a:r>
+                    </a:p>
+                    <a:p>
+                      <a:pPr marL="0" marR="0" indent="0" algn="l" defTabSz="914400" rtl="0" eaLnBrk="1" fontAlgn="auto" latinLnBrk="0" hangingPunct="1">
+                        <a:lnSpc>
+                          <a:spcPct val="100000"/>
+                        </a:lnSpc>
+                        <a:spcBef>
+                          <a:spcPts val="0"/>
+                        </a:spcBef>
+                        <a:spcAft>
+                          <a:spcPts val="0"/>
+                        </a:spcAft>
+                        <a:buClrTx/>
+                        <a:buSzTx/>
+                        <a:buFontTx/>
+                        <a:buNone/>
+                        <a:tabLst/>
+                        <a:defRPr/>
+                      </a:pPr>
                       <a:r>
-                        <a:rPr lang="en-US" dirty="0">
+                        <a:rPr lang="ru-RU" sz="2000" dirty="0">
                           <a:latin typeface="Times New Roman" panose="02020603050405020304" pitchFamily="18" charset="0"/>
                           <a:cs typeface="Times New Roman" panose="02020603050405020304" pitchFamily="18" charset="0"/>
                         </a:rPr>
-                        <a:t>libpq</a:t>
+                        <a:t>Критерий</a:t>
                       </a:r>
-                      <a:endParaRPr lang="ru-RU" dirty="0">
-                        <a:latin typeface="Times New Roman" panose="02020603050405020304" pitchFamily="18" charset="0"/>
-                        <a:cs typeface="Times New Roman" panose="02020603050405020304" pitchFamily="18" charset="0"/>
-                      </a:endParaRPr>
                     </a:p>
                   </a:txBody>
-                  <a:tcPr anchor="ctr"/>
+                  <a:tcPr marL="66513" marR="66513" marT="33256" marB="33256" anchor="ctr">
+                    <a:lnTlToBr w="12700" cap="flat" cmpd="sng" algn="ctr">
+                      <a:solidFill>
+                        <a:schemeClr val="bg1"/>
+                      </a:solidFill>
+                      <a:prstDash val="solid"/>
+                      <a:round/>
+                      <a:headEnd type="none" w="med" len="med"/>
+                      <a:tailEnd type="none" w="med" len="med"/>
+                    </a:lnTlToBr>
+                  </a:tcPr>
                 </a:tc>
                 <a:tc>
                   <a:txBody>
@@ -12860,15 +13000,26 @@
                         <a:defRPr/>
                       </a:pPr>
                       <a:r>
-                        <a:rPr lang="ru-RU" dirty="0">
+                        <a:rPr lang="ru-RU" sz="2000" dirty="0">
                           <a:latin typeface="Times New Roman" panose="02020603050405020304" pitchFamily="18" charset="0"/>
                           <a:cs typeface="Times New Roman" panose="02020603050405020304" pitchFamily="18" charset="0"/>
                         </a:rPr>
-                        <a:t>Пул в качестве внешней службы</a:t>
+                        <a:t>Пул на основе </a:t>
                       </a:r>
+                      <a:r>
+                        <a:rPr lang="en-US" sz="2000" dirty="0">
+                          <a:latin typeface="Times New Roman" panose="02020603050405020304" pitchFamily="18" charset="0"/>
+                          <a:cs typeface="Times New Roman" panose="02020603050405020304" pitchFamily="18" charset="0"/>
+                        </a:rPr>
+                        <a:t>libpq</a:t>
+                      </a:r>
+                      <a:endParaRPr lang="ru-RU" sz="2000" dirty="0">
+                        <a:latin typeface="Times New Roman" panose="02020603050405020304" pitchFamily="18" charset="0"/>
+                        <a:cs typeface="Times New Roman" panose="02020603050405020304" pitchFamily="18" charset="0"/>
+                      </a:endParaRPr>
                     </a:p>
                   </a:txBody>
-                  <a:tcPr anchor="ctr"/>
+                  <a:tcPr marL="66513" marR="66513" marT="33256" marB="33256" anchor="ctr"/>
                 </a:tc>
                 <a:tc>
                   <a:txBody>
@@ -12893,7 +13044,40 @@
                         <a:defRPr/>
                       </a:pPr>
                       <a:r>
-                        <a:rPr lang="ru-RU" dirty="0">
+                        <a:rPr lang="ru-RU" sz="2000" dirty="0">
+                          <a:latin typeface="Times New Roman" panose="02020603050405020304" pitchFamily="18" charset="0"/>
+                          <a:cs typeface="Times New Roman" panose="02020603050405020304" pitchFamily="18" charset="0"/>
+                        </a:rPr>
+                        <a:t>Пул в качестве внешней службы</a:t>
+                      </a:r>
+                    </a:p>
+                  </a:txBody>
+                  <a:tcPr marL="66513" marR="66513" marT="33256" marB="33256" anchor="ctr"/>
+                </a:tc>
+                <a:tc>
+                  <a:txBody>
+                    <a:bodyPr/>
+                    <a:lstStyle/>
+                    <a:p>
+                      <a:pPr marL="0" marR="0" indent="0" algn="ctr" defTabSz="914400" rtl="0" eaLnBrk="1" fontAlgn="auto" latinLnBrk="0" hangingPunct="1">
+                        <a:lnSpc>
+                          <a:spcPct val="100000"/>
+                        </a:lnSpc>
+                        <a:spcBef>
+                          <a:spcPts val="0"/>
+                        </a:spcBef>
+                        <a:spcAft>
+                          <a:spcPts val="0"/>
+                        </a:spcAft>
+                        <a:buClrTx/>
+                        <a:buSzTx/>
+                        <a:buFontTx/>
+                        <a:buNone/>
+                        <a:tabLst/>
+                        <a:defRPr/>
+                      </a:pPr>
+                      <a:r>
+                        <a:rPr lang="ru-RU" sz="2000" dirty="0">
                           <a:latin typeface="Times New Roman" panose="02020603050405020304" pitchFamily="18" charset="0"/>
                           <a:cs typeface="Times New Roman" panose="02020603050405020304" pitchFamily="18" charset="0"/>
                         </a:rPr>
@@ -12901,7 +13085,7 @@
                       </a:r>
                     </a:p>
                   </a:txBody>
-                  <a:tcPr anchor="ctr"/>
+                  <a:tcPr marL="66513" marR="66513" marT="33256" marB="33256" anchor="ctr"/>
                 </a:tc>
                 <a:extLst>
                   <a:ext uri="{0D108BD9-81ED-4DB2-BD59-A6C34878D82A}">
@@ -12909,8 +13093,8 @@
                   </a:ext>
                 </a:extLst>
               </a:tr>
-              <a:tr h="591105">
-                <a:tc gridSpan="3">
+              <a:tr h="649743">
+                <a:tc>
                   <a:txBody>
                     <a:bodyPr/>
                     <a:lstStyle/>
@@ -12933,21 +13117,17 @@
                         <a:defRPr/>
                       </a:pPr>
                       <a:r>
-                        <a:rPr lang="ru-RU" dirty="0">
+                        <a:rPr lang="ru-RU" sz="2000" dirty="0">
                           <a:latin typeface="Times New Roman" panose="02020603050405020304" pitchFamily="18" charset="0"/>
                           <a:cs typeface="Times New Roman" panose="02020603050405020304" pitchFamily="18" charset="0"/>
                         </a:rPr>
-                        <a:t>Увеличение пропускной способности транзакции до 60%</a:t>
+                        <a:t>Максимальный размер пула по умолчанию</a:t>
                       </a:r>
                     </a:p>
                   </a:txBody>
-                  <a:tcPr anchor="ctr">
-                    <a:solidFill>
-                      <a:srgbClr val="F0F0F0"/>
-                    </a:solidFill>
-                  </a:tcPr>
+                  <a:tcPr marL="66513" marR="66513" marT="33256" marB="33256" anchor="ctr"/>
                 </a:tc>
-                <a:tc hMerge="1">
+                <a:tc>
                   <a:txBody>
                     <a:bodyPr/>
                     <a:lstStyle/>
@@ -12970,38 +13150,17 @@
                         <a:defRPr/>
                       </a:pPr>
                       <a:r>
-                        <a:rPr lang="ru-RU" dirty="0">
+                        <a:rPr lang="ru-RU" sz="2000" dirty="0">
                           <a:latin typeface="Times New Roman" panose="02020603050405020304" pitchFamily="18" charset="0"/>
                           <a:cs typeface="Times New Roman" panose="02020603050405020304" pitchFamily="18" charset="0"/>
                         </a:rPr>
-                        <a:t>Увеличение пропускной способности транзакции на 60%</a:t>
+                        <a:t>100</a:t>
                       </a:r>
                     </a:p>
                   </a:txBody>
-                  <a:tcPr anchor="ctr">
-                    <a:solidFill>
-                      <a:srgbClr val="F0F0F0"/>
-                    </a:solidFill>
-                  </a:tcPr>
+                  <a:tcPr marL="66513" marR="66513" marT="33256" marB="33256" anchor="ctr"/>
                 </a:tc>
-                <a:tc hMerge="1">
-                  <a:txBody>
-                    <a:bodyPr/>
-                    <a:lstStyle/>
-                    <a:p>
-                      <a:endParaRPr lang="ru-RU" dirty="0"/>
-                    </a:p>
-                  </a:txBody>
-                  <a:tcPr/>
-                </a:tc>
-                <a:extLst>
-                  <a:ext uri="{0D108BD9-81ED-4DB2-BD59-A6C34878D82A}">
-                    <a16:rowId xmlns:a16="http://schemas.microsoft.com/office/drawing/2014/main" val="2840872650"/>
-                  </a:ext>
-                </a:extLst>
-              </a:tr>
-              <a:tr h="591105">
-                <a:tc gridSpan="3">
+                <a:tc>
                   <a:txBody>
                     <a:bodyPr/>
                     <a:lstStyle/>
@@ -13024,155 +13183,15 @@
                         <a:defRPr/>
                       </a:pPr>
                       <a:r>
-                        <a:rPr lang="ru-RU" dirty="0">
+                        <a:rPr lang="ru-RU" sz="2000" dirty="0">
                           <a:latin typeface="Times New Roman" panose="02020603050405020304" pitchFamily="18" charset="0"/>
                           <a:cs typeface="Times New Roman" panose="02020603050405020304" pitchFamily="18" charset="0"/>
                         </a:rPr>
-                        <a:t>Необходимость поддержки отдельного пула соединения для каждой БД</a:t>
+                        <a:t>100</a:t>
                       </a:r>
                     </a:p>
                   </a:txBody>
-                  <a:tcPr anchor="ctr">
-                    <a:solidFill>
-                      <a:schemeClr val="bg1">
-                        <a:lumMod val="85000"/>
-                      </a:schemeClr>
-                    </a:solidFill>
-                  </a:tcPr>
-                </a:tc>
-                <a:tc hMerge="1">
-                  <a:txBody>
-                    <a:bodyPr/>
-                    <a:lstStyle/>
-                    <a:p>
-                      <a:pPr marL="0" marR="0" lvl="1" indent="0" algn="ctr" defTabSz="914400" rtl="0" eaLnBrk="1" fontAlgn="auto" latinLnBrk="0" hangingPunct="1">
-                        <a:lnSpc>
-                          <a:spcPct val="100000"/>
-                        </a:lnSpc>
-                        <a:spcBef>
-                          <a:spcPts val="0"/>
-                        </a:spcBef>
-                        <a:spcAft>
-                          <a:spcPts val="0"/>
-                        </a:spcAft>
-                        <a:buClrTx/>
-                        <a:buSzTx/>
-                        <a:buFontTx/>
-                        <a:buNone/>
-                        <a:tabLst/>
-                        <a:defRPr/>
-                      </a:pPr>
-                      <a:r>
-                        <a:rPr lang="ru-RU" dirty="0">
-                          <a:latin typeface="Times New Roman" panose="02020603050405020304" pitchFamily="18" charset="0"/>
-                          <a:cs typeface="Times New Roman" panose="02020603050405020304" pitchFamily="18" charset="0"/>
-                        </a:rPr>
-                        <a:t>Ограничение максимального количества одновременных подключений к БД</a:t>
-                      </a:r>
-                    </a:p>
-                  </a:txBody>
-                  <a:tcPr anchor="ctr">
-                    <a:solidFill>
-                      <a:schemeClr val="bg1">
-                        <a:lumMod val="85000"/>
-                      </a:schemeClr>
-                    </a:solidFill>
-                  </a:tcPr>
-                </a:tc>
-                <a:tc hMerge="1">
-                  <a:txBody>
-                    <a:bodyPr/>
-                    <a:lstStyle/>
-                    <a:p>
-                      <a:endParaRPr lang="ru-RU" dirty="0"/>
-                    </a:p>
-                  </a:txBody>
-                  <a:tcPr/>
-                </a:tc>
-                <a:extLst>
-                  <a:ext uri="{0D108BD9-81ED-4DB2-BD59-A6C34878D82A}">
-                    <a16:rowId xmlns:a16="http://schemas.microsoft.com/office/drawing/2014/main" val="543741356"/>
-                  </a:ext>
-                </a:extLst>
-              </a:tr>
-              <a:tr h="591105">
-                <a:tc gridSpan="2">
-                  <a:txBody>
-                    <a:bodyPr/>
-                    <a:lstStyle/>
-                    <a:p>
-                      <a:pPr marL="0" marR="0" lvl="1" indent="0" algn="ctr" defTabSz="914400" rtl="0" eaLnBrk="1" fontAlgn="auto" latinLnBrk="0" hangingPunct="1">
-                        <a:lnSpc>
-                          <a:spcPct val="100000"/>
-                        </a:lnSpc>
-                        <a:spcBef>
-                          <a:spcPts val="0"/>
-                        </a:spcBef>
-                        <a:spcAft>
-                          <a:spcPts val="0"/>
-                        </a:spcAft>
-                        <a:buClrTx/>
-                        <a:buSzTx/>
-                        <a:buFontTx/>
-                        <a:buNone/>
-                        <a:tabLst/>
-                        <a:defRPr/>
-                      </a:pPr>
-                      <a:r>
-                        <a:rPr lang="ru-RU" dirty="0">
-                          <a:latin typeface="Times New Roman" panose="02020603050405020304" pitchFamily="18" charset="0"/>
-                          <a:cs typeface="Times New Roman" panose="02020603050405020304" pitchFamily="18" charset="0"/>
-                        </a:rPr>
-                        <a:t>Ограничение максимального количества одновременных подключений к БД</a:t>
-                      </a:r>
-                    </a:p>
-                  </a:txBody>
-                  <a:tcPr anchor="ctr">
-                    <a:solidFill>
-                      <a:schemeClr val="bg1">
-                        <a:lumMod val="85000"/>
-                      </a:schemeClr>
-                    </a:solidFill>
-                  </a:tcPr>
-                </a:tc>
-                <a:tc hMerge="1">
-                  <a:txBody>
-                    <a:bodyPr/>
-                    <a:lstStyle/>
-                    <a:p>
-                      <a:pPr marL="0" marR="0" lvl="1" indent="0" algn="ctr" defTabSz="914400" rtl="0" eaLnBrk="1" fontAlgn="auto" latinLnBrk="0" hangingPunct="1">
-                        <a:lnSpc>
-                          <a:spcPct val="100000"/>
-                        </a:lnSpc>
-                        <a:spcBef>
-                          <a:spcPts val="0"/>
-                        </a:spcBef>
-                        <a:spcAft>
-                          <a:spcPts val="0"/>
-                        </a:spcAft>
-                        <a:buClrTx/>
-                        <a:buSzTx/>
-                        <a:buFontTx/>
-                        <a:buNone/>
-                        <a:tabLst/>
-                        <a:defRPr/>
-                      </a:pPr>
-                      <a:r>
-                        <a:rPr lang="ru-RU" dirty="0">
-                          <a:latin typeface="Times New Roman" panose="02020603050405020304" pitchFamily="18" charset="0"/>
-                          <a:cs typeface="Times New Roman" panose="02020603050405020304" pitchFamily="18" charset="0"/>
-                        </a:rPr>
-                        <a:t>Необходимость поддержки отдельного пула соединения для каждой БД</a:t>
-                      </a:r>
-                    </a:p>
-                  </a:txBody>
-                  <a:tcPr anchor="ctr">
-                    <a:solidFill>
-                      <a:schemeClr val="bg1">
-                        <a:lumMod val="85000"/>
-                      </a:schemeClr>
-                    </a:solidFill>
-                  </a:tcPr>
+                  <a:tcPr marL="66513" marR="66513" marT="33256" marB="33256" anchor="ctr"/>
                 </a:tc>
                 <a:tc>
                   <a:txBody>
@@ -13197,21 +13216,23 @@
                         <a:defRPr/>
                       </a:pPr>
                       <a:r>
-                        <a:rPr lang="ru-RU" dirty="0">
+                        <a:rPr lang="ru-RU" sz="2000" kern="1200" dirty="0">
+                          <a:solidFill>
+                            <a:schemeClr val="dk1"/>
+                          </a:solidFill>
+                          <a:effectLst/>
                           <a:latin typeface="Times New Roman" panose="02020603050405020304" pitchFamily="18" charset="0"/>
                           <a:cs typeface="Times New Roman" panose="02020603050405020304" pitchFamily="18" charset="0"/>
                         </a:rPr>
-                        <a:t>Доступен только в коммерческой версии</a:t>
+                        <a:t>32767</a:t>
                       </a:r>
+                      <a:endParaRPr lang="ru-RU" sz="2000" dirty="0">
+                        <a:latin typeface="Times New Roman" panose="02020603050405020304" pitchFamily="18" charset="0"/>
+                        <a:cs typeface="Times New Roman" panose="02020603050405020304" pitchFamily="18" charset="0"/>
+                      </a:endParaRPr>
                     </a:p>
                   </a:txBody>
-                  <a:tcPr anchor="ctr">
-                    <a:solidFill>
-                      <a:schemeClr val="bg1">
-                        <a:lumMod val="85000"/>
-                      </a:schemeClr>
-                    </a:solidFill>
-                  </a:tcPr>
+                  <a:tcPr marL="66513" marR="66513" marT="33256" marB="33256" anchor="ctr"/>
                 </a:tc>
                 <a:extLst>
                   <a:ext uri="{0D108BD9-81ED-4DB2-BD59-A6C34878D82A}">
@@ -13219,7 +13240,7 @@
                   </a:ext>
                 </a:extLst>
               </a:tr>
-              <a:tr h="591105">
+              <a:tr h="649743">
                 <a:tc>
                   <a:txBody>
                     <a:bodyPr/>
@@ -13243,21 +13264,15 @@
                         <a:defRPr/>
                       </a:pPr>
                       <a:r>
-                        <a:rPr lang="ru-RU" dirty="0">
+                        <a:rPr lang="ru-RU" sz="2000" dirty="0">
                           <a:latin typeface="Times New Roman" panose="02020603050405020304" pitchFamily="18" charset="0"/>
                           <a:cs typeface="Times New Roman" panose="02020603050405020304" pitchFamily="18" charset="0"/>
                         </a:rPr>
-                        <a:t>Затраты на разработку</a:t>
+                        <a:t>Доступность</a:t>
                       </a:r>
                     </a:p>
                   </a:txBody>
-                  <a:tcPr anchor="ctr">
-                    <a:solidFill>
-                      <a:schemeClr val="bg1">
-                        <a:lumMod val="85000"/>
-                      </a:schemeClr>
-                    </a:solidFill>
-                  </a:tcPr>
+                  <a:tcPr marL="66513" marR="66513" marT="33256" marB="33256" anchor="ctr"/>
                 </a:tc>
                 <a:tc>
                   <a:txBody>
@@ -13282,87 +13297,15 @@
                         <a:defRPr/>
                       </a:pPr>
                       <a:r>
-                        <a:rPr lang="ru-RU" dirty="0">
+                        <a:rPr lang="ru-RU" sz="2000" dirty="0">
                           <a:latin typeface="Times New Roman" panose="02020603050405020304" pitchFamily="18" charset="0"/>
                           <a:cs typeface="Times New Roman" panose="02020603050405020304" pitchFamily="18" charset="0"/>
                         </a:rPr>
-                        <a:t>Сложность конфигурации пула</a:t>
+                        <a:t>Да</a:t>
                       </a:r>
                     </a:p>
                   </a:txBody>
-                  <a:tcPr anchor="ctr">
-                    <a:solidFill>
-                      <a:schemeClr val="bg1">
-                        <a:lumMod val="85000"/>
-                      </a:schemeClr>
-                    </a:solidFill>
-                  </a:tcPr>
-                </a:tc>
-                <a:tc>
-                  <a:txBody>
-                    <a:bodyPr/>
-                    <a:lstStyle/>
-                    <a:p>
-                      <a:pPr algn="ctr"/>
-                      <a:endParaRPr lang="ru-RU" dirty="0">
-                        <a:latin typeface="Times New Roman" panose="02020603050405020304" pitchFamily="18" charset="0"/>
-                        <a:cs typeface="Times New Roman" panose="02020603050405020304" pitchFamily="18" charset="0"/>
-                      </a:endParaRPr>
-                    </a:p>
-                  </a:txBody>
-                  <a:tcPr anchor="ctr">
-                    <a:solidFill>
-                      <a:schemeClr val="bg1">
-                        <a:lumMod val="85000"/>
-                      </a:schemeClr>
-                    </a:solidFill>
-                  </a:tcPr>
-                </a:tc>
-                <a:extLst>
-                  <a:ext uri="{0D108BD9-81ED-4DB2-BD59-A6C34878D82A}">
-                    <a16:rowId xmlns:a16="http://schemas.microsoft.com/office/drawing/2014/main" val="3025303234"/>
-                  </a:ext>
-                </a:extLst>
-              </a:tr>
-              <a:tr h="591105">
-                <a:tc>
-                  <a:txBody>
-                    <a:bodyPr/>
-                    <a:lstStyle/>
-                    <a:p>
-                      <a:pPr marL="0" marR="0" lvl="1" indent="0" algn="ctr" defTabSz="914400" rtl="0" eaLnBrk="1" fontAlgn="auto" latinLnBrk="0" hangingPunct="1">
-                        <a:lnSpc>
-                          <a:spcPct val="100000"/>
-                        </a:lnSpc>
-                        <a:spcBef>
-                          <a:spcPts val="0"/>
-                        </a:spcBef>
-                        <a:spcAft>
-                          <a:spcPts val="0"/>
-                        </a:spcAft>
-                        <a:buClrTx/>
-                        <a:buSzTx/>
-                        <a:buFontTx/>
-                        <a:buNone/>
-                        <a:tabLst/>
-                        <a:defRPr/>
-                      </a:pPr>
-                      <a:r>
-                        <a:rPr lang="ru-RU" dirty="0">
-                          <a:latin typeface="Times New Roman" panose="02020603050405020304" pitchFamily="18" charset="0"/>
-                          <a:cs typeface="Times New Roman" panose="02020603050405020304" pitchFamily="18" charset="0"/>
-                        </a:rPr>
-                        <a:t>Сложность встраиваемости в код</a:t>
-                      </a:r>
-                    </a:p>
-                  </a:txBody>
-                  <a:tcPr anchor="ctr">
-                    <a:solidFill>
-                      <a:schemeClr val="bg1">
-                        <a:lumMod val="85000"/>
-                      </a:schemeClr>
-                    </a:solidFill>
-                  </a:tcPr>
+                  <a:tcPr marL="66513" marR="66513" marT="33256" marB="33256" anchor="ctr"/>
                 </a:tc>
                 <a:tc>
                   <a:txBody>
@@ -13387,21 +13330,15 @@
                         <a:defRPr/>
                       </a:pPr>
                       <a:r>
-                        <a:rPr lang="ru-RU" dirty="0">
+                        <a:rPr lang="ru-RU" sz="2000" dirty="0">
                           <a:latin typeface="Times New Roman" panose="02020603050405020304" pitchFamily="18" charset="0"/>
                           <a:cs typeface="Times New Roman" panose="02020603050405020304" pitchFamily="18" charset="0"/>
                         </a:rPr>
-                        <a:t>Отсутствие кода ошибки</a:t>
+                        <a:t>Да</a:t>
                       </a:r>
                     </a:p>
                   </a:txBody>
-                  <a:tcPr anchor="ctr">
-                    <a:solidFill>
-                      <a:schemeClr val="bg1">
-                        <a:lumMod val="85000"/>
-                      </a:schemeClr>
-                    </a:solidFill>
-                  </a:tcPr>
+                  <a:tcPr marL="66513" marR="66513" marT="33256" marB="33256" anchor="ctr"/>
                 </a:tc>
                 <a:tc>
                   <a:txBody>
@@ -13409,27 +13346,24 @@
                     <a:lstStyle/>
                     <a:p>
                       <a:pPr algn="ctr"/>
-                      <a:endParaRPr lang="ru-RU" dirty="0">
-                        <a:latin typeface="Times New Roman" panose="02020603050405020304" pitchFamily="18" charset="0"/>
-                        <a:cs typeface="Times New Roman" panose="02020603050405020304" pitchFamily="18" charset="0"/>
-                      </a:endParaRPr>
+                      <a:r>
+                        <a:rPr lang="ru-RU" sz="2000" dirty="0">
+                          <a:latin typeface="Times New Roman" panose="02020603050405020304" pitchFamily="18" charset="0"/>
+                          <a:cs typeface="Times New Roman" panose="02020603050405020304" pitchFamily="18" charset="0"/>
+                        </a:rPr>
+                        <a:t>Коммерческая версия</a:t>
+                      </a:r>
                     </a:p>
                   </a:txBody>
-                  <a:tcPr anchor="ctr">
-                    <a:solidFill>
-                      <a:schemeClr val="bg1">
-                        <a:lumMod val="85000"/>
-                      </a:schemeClr>
-                    </a:solidFill>
-                  </a:tcPr>
+                  <a:tcPr marL="66513" marR="66513" marT="33256" marB="33256" anchor="ctr"/>
                 </a:tc>
                 <a:extLst>
                   <a:ext uri="{0D108BD9-81ED-4DB2-BD59-A6C34878D82A}">
-                    <a16:rowId xmlns:a16="http://schemas.microsoft.com/office/drawing/2014/main" val="1532925569"/>
+                    <a16:rowId xmlns:a16="http://schemas.microsoft.com/office/drawing/2014/main" val="3025303234"/>
                   </a:ext>
                 </a:extLst>
               </a:tr>
-              <a:tr h="591105">
+              <a:tr h="734895">
                 <a:tc>
                   <a:txBody>
                     <a:bodyPr/>
@@ -13452,19 +13386,16 @@
                         <a:tabLst/>
                         <a:defRPr/>
                       </a:pPr>
-                      <a:endParaRPr lang="ru-RU" dirty="0">
-                        <a:latin typeface="Times New Roman" panose="02020603050405020304" pitchFamily="18" charset="0"/>
-                        <a:cs typeface="Times New Roman" panose="02020603050405020304" pitchFamily="18" charset="0"/>
-                      </a:endParaRPr>
+                      <a:r>
+                        <a:rPr lang="ru-RU" sz="2000" dirty="0">
+                          <a:latin typeface="Times New Roman" panose="02020603050405020304" pitchFamily="18" charset="0"/>
+                          <a:cs typeface="Times New Roman" panose="02020603050405020304" pitchFamily="18" charset="0"/>
+                        </a:rPr>
+                        <a:t>Необходимость поддержки отдельного пула для каждой БД</a:t>
+                      </a:r>
                     </a:p>
                   </a:txBody>
-                  <a:tcPr anchor="ctr">
-                    <a:solidFill>
-                      <a:schemeClr val="bg1">
-                        <a:lumMod val="85000"/>
-                      </a:schemeClr>
-                    </a:solidFill>
-                  </a:tcPr>
+                  <a:tcPr marL="66513" marR="66513" marT="33256" marB="33256" anchor="ctr"/>
                 </a:tc>
                 <a:tc>
                   <a:txBody>
@@ -13489,45 +13420,224 @@
                         <a:defRPr/>
                       </a:pPr>
                       <a:r>
-                        <a:rPr lang="ru-RU" dirty="0">
+                        <a:rPr lang="ru-RU" sz="2000" dirty="0">
                           <a:latin typeface="Times New Roman" panose="02020603050405020304" pitchFamily="18" charset="0"/>
                           <a:cs typeface="Times New Roman" panose="02020603050405020304" pitchFamily="18" charset="0"/>
                         </a:rPr>
-                        <a:t>Однопоточная реализация службы</a:t>
+                        <a:t>Да</a:t>
                       </a:r>
                     </a:p>
                   </a:txBody>
-                  <a:tcPr anchor="ctr">
-                    <a:solidFill>
-                      <a:schemeClr val="bg1">
-                        <a:lumMod val="85000"/>
-                      </a:schemeClr>
-                    </a:solidFill>
-                  </a:tcPr>
+                  <a:tcPr marL="66513" marR="66513" marT="33256" marB="33256" anchor="ctr"/>
                 </a:tc>
                 <a:tc>
                   <a:txBody>
                     <a:bodyPr/>
                     <a:lstStyle/>
                     <a:p>
-                      <a:pPr algn="ctr"/>
-                      <a:endParaRPr lang="ru-RU" dirty="0">
-                        <a:latin typeface="Times New Roman" panose="02020603050405020304" pitchFamily="18" charset="0"/>
-                        <a:cs typeface="Times New Roman" panose="02020603050405020304" pitchFamily="18" charset="0"/>
-                      </a:endParaRPr>
+                      <a:pPr marL="0" marR="0" lvl="1" indent="0" algn="ctr" defTabSz="914400" rtl="0" eaLnBrk="1" fontAlgn="auto" latinLnBrk="0" hangingPunct="1">
+                        <a:lnSpc>
+                          <a:spcPct val="100000"/>
+                        </a:lnSpc>
+                        <a:spcBef>
+                          <a:spcPts val="0"/>
+                        </a:spcBef>
+                        <a:spcAft>
+                          <a:spcPts val="0"/>
+                        </a:spcAft>
+                        <a:buClrTx/>
+                        <a:buSzTx/>
+                        <a:buFontTx/>
+                        <a:buNone/>
+                        <a:tabLst/>
+                        <a:defRPr/>
+                      </a:pPr>
+                      <a:r>
+                        <a:rPr lang="ru-RU" sz="2000" dirty="0">
+                          <a:latin typeface="Times New Roman" panose="02020603050405020304" pitchFamily="18" charset="0"/>
+                          <a:cs typeface="Times New Roman" panose="02020603050405020304" pitchFamily="18" charset="0"/>
+                        </a:rPr>
+                        <a:t>Да</a:t>
+                      </a:r>
                     </a:p>
                   </a:txBody>
-                  <a:tcPr anchor="ctr">
-                    <a:solidFill>
-                      <a:schemeClr val="bg1">
-                        <a:lumMod val="85000"/>
-                      </a:schemeClr>
-                    </a:solidFill>
-                  </a:tcPr>
+                  <a:tcPr marL="66513" marR="66513" marT="33256" marB="33256" anchor="ctr"/>
+                </a:tc>
+                <a:tc>
+                  <a:txBody>
+                    <a:bodyPr/>
+                    <a:lstStyle/>
+                    <a:p>
+                      <a:pPr marL="0" marR="0" lvl="1" indent="0" algn="ctr" defTabSz="914400" rtl="0" eaLnBrk="1" fontAlgn="auto" latinLnBrk="0" hangingPunct="1">
+                        <a:lnSpc>
+                          <a:spcPct val="100000"/>
+                        </a:lnSpc>
+                        <a:spcBef>
+                          <a:spcPts val="0"/>
+                        </a:spcBef>
+                        <a:spcAft>
+                          <a:spcPts val="0"/>
+                        </a:spcAft>
+                        <a:buClrTx/>
+                        <a:buSzTx/>
+                        <a:buFontTx/>
+                        <a:buNone/>
+                        <a:tabLst/>
+                        <a:defRPr/>
+                      </a:pPr>
+                      <a:r>
+                        <a:rPr lang="ru-RU" sz="2000" dirty="0">
+                          <a:latin typeface="Times New Roman" panose="02020603050405020304" pitchFamily="18" charset="0"/>
+                          <a:cs typeface="Times New Roman" panose="02020603050405020304" pitchFamily="18" charset="0"/>
+                        </a:rPr>
+                        <a:t>Да</a:t>
+                      </a:r>
+                    </a:p>
+                  </a:txBody>
+                  <a:tcPr marL="66513" marR="66513" marT="33256" marB="33256" anchor="ctr"/>
                 </a:tc>
                 <a:extLst>
                   <a:ext uri="{0D108BD9-81ED-4DB2-BD59-A6C34878D82A}">
-                    <a16:rowId xmlns:a16="http://schemas.microsoft.com/office/drawing/2014/main" val="816052898"/>
+                    <a16:rowId xmlns:a16="http://schemas.microsoft.com/office/drawing/2014/main" val="948848466"/>
+                  </a:ext>
+                </a:extLst>
+              </a:tr>
+              <a:tr h="649743">
+                <a:tc>
+                  <a:txBody>
+                    <a:bodyPr/>
+                    <a:lstStyle/>
+                    <a:p>
+                      <a:pPr marL="0" marR="0" lvl="1" indent="0" algn="ctr" defTabSz="914400" rtl="0" eaLnBrk="1" fontAlgn="auto" latinLnBrk="0" hangingPunct="1">
+                        <a:lnSpc>
+                          <a:spcPct val="100000"/>
+                        </a:lnSpc>
+                        <a:spcBef>
+                          <a:spcPts val="0"/>
+                        </a:spcBef>
+                        <a:spcAft>
+                          <a:spcPts val="0"/>
+                        </a:spcAft>
+                        <a:buClrTx/>
+                        <a:buSzTx/>
+                        <a:buFontTx/>
+                        <a:buNone/>
+                        <a:tabLst/>
+                        <a:defRPr/>
+                      </a:pPr>
+                      <a:r>
+                        <a:rPr lang="ru-RU" sz="2000" dirty="0">
+                          <a:latin typeface="Times New Roman" panose="02020603050405020304" pitchFamily="18" charset="0"/>
+                          <a:cs typeface="Times New Roman" panose="02020603050405020304" pitchFamily="18" charset="0"/>
+                        </a:rPr>
+                        <a:t>Затраты на разработку</a:t>
+                      </a:r>
+                    </a:p>
+                  </a:txBody>
+                  <a:tcPr marL="66513" marR="66513" marT="33256" marB="33256" anchor="ctr"/>
+                </a:tc>
+                <a:tc>
+                  <a:txBody>
+                    <a:bodyPr/>
+                    <a:lstStyle/>
+                    <a:p>
+                      <a:pPr marL="0" marR="0" lvl="1" indent="0" algn="ctr" defTabSz="914400" rtl="0" eaLnBrk="1" fontAlgn="auto" latinLnBrk="0" hangingPunct="1">
+                        <a:lnSpc>
+                          <a:spcPct val="100000"/>
+                        </a:lnSpc>
+                        <a:spcBef>
+                          <a:spcPts val="0"/>
+                        </a:spcBef>
+                        <a:spcAft>
+                          <a:spcPts val="0"/>
+                        </a:spcAft>
+                        <a:buClrTx/>
+                        <a:buSzTx/>
+                        <a:buFontTx/>
+                        <a:buNone/>
+                        <a:tabLst/>
+                        <a:defRPr/>
+                      </a:pPr>
+                      <a:r>
+                        <a:rPr lang="ru-RU" sz="2000" dirty="0">
+                          <a:latin typeface="Times New Roman" panose="02020603050405020304" pitchFamily="18" charset="0"/>
+                          <a:cs typeface="Times New Roman" panose="02020603050405020304" pitchFamily="18" charset="0"/>
+                        </a:rPr>
+                        <a:t>Да</a:t>
+                      </a:r>
+                    </a:p>
+                  </a:txBody>
+                  <a:tcPr marL="66513" marR="66513" marT="33256" marB="33256" anchor="ctr"/>
+                </a:tc>
+                <a:tc>
+                  <a:txBody>
+                    <a:bodyPr/>
+                    <a:lstStyle/>
+                    <a:p>
+                      <a:pPr marL="0" marR="0" lvl="1" indent="0" algn="ctr" defTabSz="914400" rtl="0" eaLnBrk="1" fontAlgn="auto" latinLnBrk="0" hangingPunct="1">
+                        <a:lnSpc>
+                          <a:spcPct val="100000"/>
+                        </a:lnSpc>
+                        <a:spcBef>
+                          <a:spcPts val="0"/>
+                        </a:spcBef>
+                        <a:spcAft>
+                          <a:spcPts val="0"/>
+                        </a:spcAft>
+                        <a:buClrTx/>
+                        <a:buSzTx/>
+                        <a:buFontTx/>
+                        <a:buNone/>
+                        <a:tabLst/>
+                        <a:defRPr/>
+                      </a:pPr>
+                      <a:r>
+                        <a:rPr lang="ru-RU" sz="2000" dirty="0">
+                          <a:latin typeface="Times New Roman" panose="02020603050405020304" pitchFamily="18" charset="0"/>
+                          <a:cs typeface="Times New Roman" panose="02020603050405020304" pitchFamily="18" charset="0"/>
+                        </a:rPr>
+                        <a:t>Нет</a:t>
+                      </a:r>
+                    </a:p>
+                  </a:txBody>
+                  <a:tcPr marL="66513" marR="66513" marT="33256" marB="33256" anchor="ctr"/>
+                </a:tc>
+                <a:tc>
+                  <a:txBody>
+                    <a:bodyPr/>
+                    <a:lstStyle/>
+                    <a:p>
+                      <a:pPr marL="0" marR="0" lvl="1" indent="0" algn="ctr" defTabSz="914400" rtl="0" eaLnBrk="1" fontAlgn="auto" latinLnBrk="0" hangingPunct="1">
+                        <a:lnSpc>
+                          <a:spcPct val="100000"/>
+                        </a:lnSpc>
+                        <a:spcBef>
+                          <a:spcPts val="0"/>
+                        </a:spcBef>
+                        <a:spcAft>
+                          <a:spcPts val="0"/>
+                        </a:spcAft>
+                        <a:buClrTx/>
+                        <a:buSzTx/>
+                        <a:buFontTx/>
+                        <a:buNone/>
+                        <a:tabLst/>
+                        <a:defRPr/>
+                      </a:pPr>
+                      <a:r>
+                        <a:rPr lang="ru-RU" sz="2000" dirty="0">
+                          <a:latin typeface="Times New Roman" panose="02020603050405020304" pitchFamily="18" charset="0"/>
+                          <a:cs typeface="Times New Roman" panose="02020603050405020304" pitchFamily="18" charset="0"/>
+                        </a:rPr>
+                        <a:t>Нет</a:t>
+                      </a:r>
+                    </a:p>
+                  </a:txBody>
+                  <a:tcPr marL="66513" marR="66513" marT="33256" marB="33256" anchor="ctr"/>
+                </a:tc>
+                <a:extLst>
+                  <a:ext uri="{0D108BD9-81ED-4DB2-BD59-A6C34878D82A}">
+                    <a16:rowId xmlns:a16="http://schemas.microsoft.com/office/drawing/2014/main" val="3830979174"/>
                   </a:ext>
                 </a:extLst>
               </a:tr>
@@ -13581,24 +13691,20 @@
           <a:lstStyle/>
           <a:p>
             <a:r>
+              <a:rPr lang="ru-RU" sz="4400" dirty="0">
+                <a:effectLst/>
+                <a:latin typeface="Times New Roman" panose="02020603050405020304" pitchFamily="18" charset="0"/>
+                <a:ea typeface="Calibri" panose="020F0502020204030204" pitchFamily="34" charset="0"/>
+                <a:cs typeface="Times New Roman" panose="02020603050405020304" pitchFamily="18" charset="0"/>
+              </a:rPr>
+              <a:t>Распараллеливание </a:t>
+            </a:r>
+            <a:r>
               <a:rPr lang="ru-RU" dirty="0">
                 <a:latin typeface="Times New Roman" panose="02020603050405020304" pitchFamily="18" charset="0"/>
                 <a:cs typeface="Times New Roman" panose="02020603050405020304" pitchFamily="18" charset="0"/>
               </a:rPr>
-              <a:t>Анализ существующих решений.</a:t>
-            </a:r>
-            <a:br>
-              <a:rPr lang="ru-RU" dirty="0">
-                <a:latin typeface="Times New Roman" panose="02020603050405020304" pitchFamily="18" charset="0"/>
-                <a:cs typeface="Times New Roman" panose="02020603050405020304" pitchFamily="18" charset="0"/>
-              </a:rPr>
-            </a:br>
-            <a:r>
-              <a:rPr lang="ru-RU" dirty="0">
-                <a:latin typeface="Times New Roman" panose="02020603050405020304" pitchFamily="18" charset="0"/>
-                <a:cs typeface="Times New Roman" panose="02020603050405020304" pitchFamily="18" charset="0"/>
-              </a:rPr>
-              <a:t>Параллельное выполнение запроса</a:t>
+              <a:t>запроса</a:t>
             </a:r>
           </a:p>
         </p:txBody>
@@ -13881,7 +13987,7 @@
                 <a:latin typeface="Times New Roman" panose="02020603050405020304" pitchFamily="18" charset="0"/>
                 <a:cs typeface="Times New Roman" panose="02020603050405020304" pitchFamily="18" charset="0"/>
               </a:rPr>
-              <a:t>Ключевые этапы работы метода</a:t>
+              <a:t>Функциональная модель разрабатываемого программного комплекса</a:t>
             </a:r>
           </a:p>
         </p:txBody>

--- a/Презентация.pptx
+++ b/Презентация.pptx
@@ -148,7 +148,7 @@
   <pc:docChgLst>
     <pc:chgData name="Ольга Платонова" userId="b7a68a3ec46e1b54" providerId="LiveId" clId="{1F07ACF5-96D4-4BB6-B0A8-48BFF323F040}"/>
     <pc:docChg chg="undo redo custSel addSld delSld modSld">
-      <pc:chgData name="Ольга Платонова" userId="b7a68a3ec46e1b54" providerId="LiveId" clId="{1F07ACF5-96D4-4BB6-B0A8-48BFF323F040}" dt="2022-05-27T22:02:38.572" v="4097" actId="20577"/>
+      <pc:chgData name="Ольга Платонова" userId="b7a68a3ec46e1b54" providerId="LiveId" clId="{1F07ACF5-96D4-4BB6-B0A8-48BFF323F040}" dt="2022-05-27T23:08:33.047" v="4217" actId="1076"/>
       <pc:docMkLst>
         <pc:docMk/>
       </pc:docMkLst>
@@ -184,7 +184,7 @@
         </pc:spChg>
       </pc:sldChg>
       <pc:sldChg chg="modSp mod">
-        <pc:chgData name="Ольга Платонова" userId="b7a68a3ec46e1b54" providerId="LiveId" clId="{1F07ACF5-96D4-4BB6-B0A8-48BFF323F040}" dt="2022-05-27T17:48:12.083" v="2236" actId="20577"/>
+        <pc:chgData name="Ольга Платонова" userId="b7a68a3ec46e1b54" providerId="LiveId" clId="{1F07ACF5-96D4-4BB6-B0A8-48BFF323F040}" dt="2022-05-27T22:49:32.256" v="4138" actId="20577"/>
         <pc:sldMkLst>
           <pc:docMk/>
           <pc:sldMk cId="923825700" sldId="257"/>
@@ -206,7 +206,7 @@
           </ac:spMkLst>
         </pc:spChg>
         <pc:spChg chg="mod">
-          <ac:chgData name="Ольга Платонова" userId="b7a68a3ec46e1b54" providerId="LiveId" clId="{1F07ACF5-96D4-4BB6-B0A8-48BFF323F040}" dt="2022-05-27T17:48:12.083" v="2236" actId="20577"/>
+          <ac:chgData name="Ольга Платонова" userId="b7a68a3ec46e1b54" providerId="LiveId" clId="{1F07ACF5-96D4-4BB6-B0A8-48BFF323F040}" dt="2022-05-27T22:49:32.256" v="4138" actId="20577"/>
           <ac:spMkLst>
             <pc:docMk/>
             <pc:sldMk cId="923825700" sldId="257"/>
@@ -253,7 +253,7 @@
         </pc:sldMkLst>
       </pc:sldChg>
       <pc:sldChg chg="addSp delSp modSp mod">
-        <pc:chgData name="Ольга Платонова" userId="b7a68a3ec46e1b54" providerId="LiveId" clId="{1F07ACF5-96D4-4BB6-B0A8-48BFF323F040}" dt="2022-05-27T18:50:53.295" v="2688"/>
+        <pc:chgData name="Ольга Платонова" userId="b7a68a3ec46e1b54" providerId="LiveId" clId="{1F07ACF5-96D4-4BB6-B0A8-48BFF323F040}" dt="2022-05-27T22:51:32.093" v="4155" actId="20577"/>
         <pc:sldMkLst>
           <pc:docMk/>
           <pc:sldMk cId="725503657" sldId="261"/>
@@ -275,7 +275,7 @@
           </ac:graphicFrameMkLst>
         </pc:graphicFrameChg>
         <pc:graphicFrameChg chg="mod modGraphic">
-          <ac:chgData name="Ольга Платонова" userId="b7a68a3ec46e1b54" providerId="LiveId" clId="{1F07ACF5-96D4-4BB6-B0A8-48BFF323F040}" dt="2022-05-27T18:50:53.295" v="2688"/>
+          <ac:chgData name="Ольга Платонова" userId="b7a68a3ec46e1b54" providerId="LiveId" clId="{1F07ACF5-96D4-4BB6-B0A8-48BFF323F040}" dt="2022-05-27T22:51:32.093" v="4155" actId="20577"/>
           <ac:graphicFrameMkLst>
             <pc:docMk/>
             <pc:sldMk cId="725503657" sldId="261"/>
@@ -355,7 +355,7 @@
         </pc:graphicFrameChg>
       </pc:sldChg>
       <pc:sldChg chg="addSp delSp modSp mod">
-        <pc:chgData name="Ольга Платонова" userId="b7a68a3ec46e1b54" providerId="LiveId" clId="{1F07ACF5-96D4-4BB6-B0A8-48BFF323F040}" dt="2022-05-27T18:51:58.122" v="2690" actId="6549"/>
+        <pc:chgData name="Ольга Платонова" userId="b7a68a3ec46e1b54" providerId="LiveId" clId="{1F07ACF5-96D4-4BB6-B0A8-48BFF323F040}" dt="2022-05-27T22:50:23.623" v="4139" actId="1076"/>
         <pc:sldMkLst>
           <pc:docMk/>
           <pc:sldMk cId="877587620" sldId="263"/>
@@ -385,7 +385,7 @@
           </ac:spMkLst>
         </pc:spChg>
         <pc:spChg chg="add mod">
-          <ac:chgData name="Ольга Платонова" userId="b7a68a3ec46e1b54" providerId="LiveId" clId="{1F07ACF5-96D4-4BB6-B0A8-48BFF323F040}" dt="2022-05-27T16:43:33.417" v="1957" actId="20577"/>
+          <ac:chgData name="Ольга Платонова" userId="b7a68a3ec46e1b54" providerId="LiveId" clId="{1F07ACF5-96D4-4BB6-B0A8-48BFF323F040}" dt="2022-05-27T22:50:23.623" v="4139" actId="1076"/>
           <ac:spMkLst>
             <pc:docMk/>
             <pc:sldMk cId="877587620" sldId="263"/>
@@ -513,7 +513,7 @@
         </pc:picChg>
       </pc:sldChg>
       <pc:sldChg chg="addSp delSp modSp mod">
-        <pc:chgData name="Ольга Платонова" userId="b7a68a3ec46e1b54" providerId="LiveId" clId="{1F07ACF5-96D4-4BB6-B0A8-48BFF323F040}" dt="2022-05-27T22:02:33.330" v="4096" actId="20577"/>
+        <pc:chgData name="Ольга Платонова" userId="b7a68a3ec46e1b54" providerId="LiveId" clId="{1F07ACF5-96D4-4BB6-B0A8-48BFF323F040}" dt="2022-05-27T23:08:33.047" v="4217" actId="1076"/>
         <pc:sldMkLst>
           <pc:docMk/>
           <pc:sldMk cId="2402547047" sldId="266"/>
@@ -566,6 +566,22 @@
             <ac:picMk id="5" creationId="{4D2647A5-E8D1-FA06-87A1-E8C5442D0BD7}"/>
           </ac:picMkLst>
         </pc:picChg>
+        <pc:picChg chg="add mod">
+          <ac:chgData name="Ольга Платонова" userId="b7a68a3ec46e1b54" providerId="LiveId" clId="{1F07ACF5-96D4-4BB6-B0A8-48BFF323F040}" dt="2022-05-27T23:08:33.047" v="4217" actId="1076"/>
+          <ac:picMkLst>
+            <pc:docMk/>
+            <pc:sldMk cId="2402547047" sldId="266"/>
+            <ac:picMk id="5" creationId="{B8851B5B-4D54-CA6D-0B0D-1FBE86922FA5}"/>
+          </ac:picMkLst>
+        </pc:picChg>
+        <pc:picChg chg="add del mod">
+          <ac:chgData name="Ольга Платонова" userId="b7a68a3ec46e1b54" providerId="LiveId" clId="{1F07ACF5-96D4-4BB6-B0A8-48BFF323F040}" dt="2022-05-27T22:56:58.834" v="4203"/>
+          <ac:picMkLst>
+            <pc:docMk/>
+            <pc:sldMk cId="2402547047" sldId="266"/>
+            <ac:picMk id="5" creationId="{E477BBBB-855E-D3DA-A716-18E5B34F4909}"/>
+          </ac:picMkLst>
+        </pc:picChg>
         <pc:picChg chg="del">
           <ac:chgData name="Ольга Платонова" userId="b7a68a3ec46e1b54" providerId="LiveId" clId="{1F07ACF5-96D4-4BB6-B0A8-48BFF323F040}" dt="2022-05-26T19:19:28.342" v="1180" actId="478"/>
           <ac:picMkLst>
@@ -590,8 +606,8 @@
             <ac:picMk id="8" creationId="{057366AC-88EA-4947-318F-4132A582415E}"/>
           </ac:picMkLst>
         </pc:picChg>
-        <pc:picChg chg="add mod">
-          <ac:chgData name="Ольга Платонова" userId="b7a68a3ec46e1b54" providerId="LiveId" clId="{1F07ACF5-96D4-4BB6-B0A8-48BFF323F040}" dt="2022-05-27T21:45:07.031" v="4077" actId="1076"/>
+        <pc:picChg chg="add del mod">
+          <ac:chgData name="Ольга Платонова" userId="b7a68a3ec46e1b54" providerId="LiveId" clId="{1F07ACF5-96D4-4BB6-B0A8-48BFF323F040}" dt="2022-05-27T23:08:10.986" v="4211" actId="478"/>
           <ac:picMkLst>
             <pc:docMk/>
             <pc:sldMk cId="2402547047" sldId="266"/>
@@ -718,7 +734,7 @@
         </pc:graphicFrameChg>
       </pc:sldChg>
       <pc:sldChg chg="addSp modSp mod">
-        <pc:chgData name="Ольга Платонова" userId="b7a68a3ec46e1b54" providerId="LiveId" clId="{1F07ACF5-96D4-4BB6-B0A8-48BFF323F040}" dt="2022-05-26T19:54:28.047" v="1448" actId="20577"/>
+        <pc:chgData name="Ольга Платонова" userId="b7a68a3ec46e1b54" providerId="LiveId" clId="{1F07ACF5-96D4-4BB6-B0A8-48BFF323F040}" dt="2022-05-27T23:03:26.596" v="4210" actId="2062"/>
         <pc:sldMkLst>
           <pc:docMk/>
           <pc:sldMk cId="249996658" sldId="269"/>
@@ -748,7 +764,7 @@
           </ac:spMkLst>
         </pc:spChg>
         <pc:graphicFrameChg chg="mod modGraphic">
-          <ac:chgData name="Ольга Платонова" userId="b7a68a3ec46e1b54" providerId="LiveId" clId="{1F07ACF5-96D4-4BB6-B0A8-48BFF323F040}" dt="2022-05-26T19:54:02.357" v="1437" actId="1076"/>
+          <ac:chgData name="Ольга Платонова" userId="b7a68a3ec46e1b54" providerId="LiveId" clId="{1F07ACF5-96D4-4BB6-B0A8-48BFF323F040}" dt="2022-05-27T23:03:26.596" v="4210" actId="2062"/>
           <ac:graphicFrameMkLst>
             <pc:docMk/>
             <pc:sldMk cId="249996658" sldId="269"/>
@@ -757,7 +773,7 @@
         </pc:graphicFrameChg>
       </pc:sldChg>
       <pc:sldChg chg="addSp delSp modSp mod">
-        <pc:chgData name="Ольга Платонова" userId="b7a68a3ec46e1b54" providerId="LiveId" clId="{1F07ACF5-96D4-4BB6-B0A8-48BFF323F040}" dt="2022-05-27T19:22:01.870" v="3032" actId="20577"/>
+        <pc:chgData name="Ольга Платонова" userId="b7a68a3ec46e1b54" providerId="LiveId" clId="{1F07ACF5-96D4-4BB6-B0A8-48BFF323F040}" dt="2022-05-27T22:54:11.435" v="4173" actId="20577"/>
         <pc:sldMkLst>
           <pc:docMk/>
           <pc:sldMk cId="303095163" sldId="270"/>
@@ -771,7 +787,7 @@
           </ac:spMkLst>
         </pc:spChg>
         <pc:spChg chg="mod">
-          <ac:chgData name="Ольга Платонова" userId="b7a68a3ec46e1b54" providerId="LiveId" clId="{1F07ACF5-96D4-4BB6-B0A8-48BFF323F040}" dt="2022-05-27T19:22:01.870" v="3032" actId="20577"/>
+          <ac:chgData name="Ольга Платонова" userId="b7a68a3ec46e1b54" providerId="LiveId" clId="{1F07ACF5-96D4-4BB6-B0A8-48BFF323F040}" dt="2022-05-27T22:54:11.435" v="4173" actId="20577"/>
           <ac:spMkLst>
             <pc:docMk/>
             <pc:sldMk cId="303095163" sldId="270"/>
@@ -1092,25 +1108,33 @@
         </pc:sldMkLst>
       </pc:sldChg>
       <pc:sldChg chg="addSp delSp modSp add mod">
-        <pc:chgData name="Ольга Платонова" userId="b7a68a3ec46e1b54" providerId="LiveId" clId="{1F07ACF5-96D4-4BB6-B0A8-48BFF323F040}" dt="2022-05-27T22:02:38.572" v="4097" actId="20577"/>
+        <pc:chgData name="Ольга Платонова" userId="b7a68a3ec46e1b54" providerId="LiveId" clId="{1F07ACF5-96D4-4BB6-B0A8-48BFF323F040}" dt="2022-05-27T23:02:08.592" v="4206" actId="1076"/>
         <pc:sldMkLst>
           <pc:docMk/>
           <pc:sldMk cId="1949652332" sldId="275"/>
         </pc:sldMkLst>
         <pc:spChg chg="mod">
-          <ac:chgData name="Ольга Платонова" userId="b7a68a3ec46e1b54" providerId="LiveId" clId="{1F07ACF5-96D4-4BB6-B0A8-48BFF323F040}" dt="2022-05-27T22:02:38.572" v="4097" actId="20577"/>
+          <ac:chgData name="Ольга Платонова" userId="b7a68a3ec46e1b54" providerId="LiveId" clId="{1F07ACF5-96D4-4BB6-B0A8-48BFF323F040}" dt="2022-05-27T22:56:25.704" v="4183" actId="20577"/>
           <ac:spMkLst>
             <pc:docMk/>
             <pc:sldMk cId="1949652332" sldId="275"/>
             <ac:spMk id="2" creationId="{00000000-0000-0000-0000-000000000000}"/>
           </ac:spMkLst>
         </pc:spChg>
-        <pc:picChg chg="add mod">
-          <ac:chgData name="Ольга Платонова" userId="b7a68a3ec46e1b54" providerId="LiveId" clId="{1F07ACF5-96D4-4BB6-B0A8-48BFF323F040}" dt="2022-05-27T22:02:14.491" v="4095" actId="1076"/>
+        <pc:picChg chg="add del mod">
+          <ac:chgData name="Ольга Платонова" userId="b7a68a3ec46e1b54" providerId="LiveId" clId="{1F07ACF5-96D4-4BB6-B0A8-48BFF323F040}" dt="2022-05-27T23:02:02.805" v="4204" actId="478"/>
           <ac:picMkLst>
             <pc:docMk/>
             <pc:sldMk cId="1949652332" sldId="275"/>
             <ac:picMk id="5" creationId="{D612959F-5400-DF6D-6E96-AC48EB5F4F42}"/>
+          </ac:picMkLst>
+        </pc:picChg>
+        <pc:picChg chg="add mod">
+          <ac:chgData name="Ольга Платонова" userId="b7a68a3ec46e1b54" providerId="LiveId" clId="{1F07ACF5-96D4-4BB6-B0A8-48BFF323F040}" dt="2022-05-27T23:02:08.592" v="4206" actId="1076"/>
+          <ac:picMkLst>
+            <pc:docMk/>
+            <pc:sldMk cId="1949652332" sldId="275"/>
+            <ac:picMk id="6" creationId="{F6ABD845-BADE-374F-7076-CC7BB9408124}"/>
           </ac:picMkLst>
         </pc:picChg>
         <pc:picChg chg="del">
@@ -5145,7 +5169,7 @@
           <a:p>
             <a:fld id="{4A87FC3E-9964-4802-A7E8-1BB771D21BF3}" type="datetimeFigureOut">
               <a:rPr lang="ru-RU" smtClean="0"/>
-              <a:t>27.05.2022</a:t>
+              <a:t>28.05.2022</a:t>
             </a:fld>
             <a:endParaRPr lang="ru-RU" dirty="0"/>
           </a:p>
@@ -5541,7 +5565,7 @@
           <a:p>
             <a:fld id="{09755BBC-352B-460A-88C9-AADF2C9512EA}" type="datetime1">
               <a:rPr lang="ru-RU" smtClean="0"/>
-              <a:t>27.05.2022</a:t>
+              <a:t>28.05.2022</a:t>
             </a:fld>
             <a:endParaRPr lang="ru-RU" dirty="0"/>
           </a:p>
@@ -5709,7 +5733,7 @@
           <a:p>
             <a:fld id="{8296244F-19EA-411C-8075-D4DD5363EB01}" type="datetime1">
               <a:rPr lang="ru-RU" smtClean="0"/>
-              <a:t>27.05.2022</a:t>
+              <a:t>28.05.2022</a:t>
             </a:fld>
             <a:endParaRPr lang="ru-RU" dirty="0"/>
           </a:p>
@@ -5887,7 +5911,7 @@
           <a:p>
             <a:fld id="{84BB638D-B868-4FAE-A4AF-C8834DEF2F16}" type="datetime1">
               <a:rPr lang="ru-RU" smtClean="0"/>
-              <a:t>27.05.2022</a:t>
+              <a:t>28.05.2022</a:t>
             </a:fld>
             <a:endParaRPr lang="ru-RU" dirty="0"/>
           </a:p>
@@ -6055,7 +6079,7 @@
           <a:p>
             <a:fld id="{E867F41D-6C90-48B2-BB24-7DBF25713345}" type="datetime1">
               <a:rPr lang="ru-RU" smtClean="0"/>
-              <a:t>27.05.2022</a:t>
+              <a:t>28.05.2022</a:t>
             </a:fld>
             <a:endParaRPr lang="ru-RU" dirty="0"/>
           </a:p>
@@ -6300,7 +6324,7 @@
           <a:p>
             <a:fld id="{CC2C4912-257E-4B84-92B5-E1056AC81F3B}" type="datetime1">
               <a:rPr lang="ru-RU" smtClean="0"/>
-              <a:t>27.05.2022</a:t>
+              <a:t>28.05.2022</a:t>
             </a:fld>
             <a:endParaRPr lang="ru-RU" dirty="0"/>
           </a:p>
@@ -6529,7 +6553,7 @@
           <a:p>
             <a:fld id="{D6CEEFAB-2744-489F-9F34-AD68C1802ABB}" type="datetime1">
               <a:rPr lang="ru-RU" smtClean="0"/>
-              <a:t>27.05.2022</a:t>
+              <a:t>28.05.2022</a:t>
             </a:fld>
             <a:endParaRPr lang="ru-RU" dirty="0"/>
           </a:p>
@@ -6893,7 +6917,7 @@
           <a:p>
             <a:fld id="{F4C8D58E-CA22-4DBD-9D4F-D49D20C57869}" type="datetime1">
               <a:rPr lang="ru-RU" smtClean="0"/>
-              <a:t>27.05.2022</a:t>
+              <a:t>28.05.2022</a:t>
             </a:fld>
             <a:endParaRPr lang="ru-RU" dirty="0"/>
           </a:p>
@@ -7010,7 +7034,7 @@
           <a:p>
             <a:fld id="{16461FB2-18D8-4BB8-B792-34F36A1A6923}" type="datetime1">
               <a:rPr lang="ru-RU" smtClean="0"/>
-              <a:t>27.05.2022</a:t>
+              <a:t>28.05.2022</a:t>
             </a:fld>
             <a:endParaRPr lang="ru-RU" dirty="0"/>
           </a:p>
@@ -7105,7 +7129,7 @@
           <a:p>
             <a:fld id="{38099296-536C-461B-BEB7-1B812F69AC83}" type="datetime1">
               <a:rPr lang="ru-RU" smtClean="0"/>
-              <a:t>27.05.2022</a:t>
+              <a:t>28.05.2022</a:t>
             </a:fld>
             <a:endParaRPr lang="ru-RU" dirty="0"/>
           </a:p>
@@ -7380,7 +7404,7 @@
           <a:p>
             <a:fld id="{DD7EBC7E-964D-4409-AE41-3B38B4F15B2A}" type="datetime1">
               <a:rPr lang="ru-RU" smtClean="0"/>
-              <a:t>27.05.2022</a:t>
+              <a:t>28.05.2022</a:t>
             </a:fld>
             <a:endParaRPr lang="ru-RU" dirty="0"/>
           </a:p>
@@ -7632,7 +7656,7 @@
           <a:p>
             <a:fld id="{6623BFA2-B670-4B07-B542-231AD8CFA160}" type="datetime1">
               <a:rPr lang="ru-RU" smtClean="0"/>
-              <a:t>27.05.2022</a:t>
+              <a:t>28.05.2022</a:t>
             </a:fld>
             <a:endParaRPr lang="ru-RU" dirty="0"/>
           </a:p>
@@ -7843,7 +7867,7 @@
           <a:p>
             <a:fld id="{4222C596-8B8E-4DE0-A295-CA79CEF991CE}" type="datetime1">
               <a:rPr lang="ru-RU" smtClean="0"/>
-              <a:t>27.05.2022</a:t>
+              <a:t>28.05.2022</a:t>
             </a:fld>
             <a:endParaRPr lang="ru-RU" dirty="0"/>
           </a:p>
@@ -8448,10 +8472,10 @@
       </p:sp>
       <p:pic>
         <p:nvPicPr>
-          <p:cNvPr id="11" name="Рисунок 10">
+          <p:cNvPr id="5" name="Рисунок 4">
             <a:extLst>
               <a:ext uri="{FF2B5EF4-FFF2-40B4-BE49-F238E27FC236}">
-                <a16:creationId xmlns:a16="http://schemas.microsoft.com/office/drawing/2014/main" id="{35EB8F00-4603-F685-1BBF-1EA5425FB663}"/>
+                <a16:creationId xmlns:a16="http://schemas.microsoft.com/office/drawing/2014/main" id="{B8851B5B-4D54-CA6D-0B0D-1FBE86922FA5}"/>
               </a:ext>
             </a:extLst>
           </p:cNvPr>
@@ -8474,8 +8498,8 @@
         </p:blipFill>
         <p:spPr>
           <a:xfrm>
-            <a:off x="2652912" y="1690688"/>
-            <a:ext cx="6886175" cy="5030787"/>
+            <a:off x="2809366" y="1690688"/>
+            <a:ext cx="6573267" cy="4802187"/>
           </a:xfrm>
           <a:prstGeom prst="rect">
             <a:avLst/>
@@ -8528,18 +8552,11 @@
           <a:lstStyle/>
           <a:p>
             <a:r>
-              <a:rPr lang="ru-RU">
-                <a:latin typeface="Times New Roman" panose="02020603050405020304" pitchFamily="18" charset="0"/>
-                <a:cs typeface="Times New Roman" panose="02020603050405020304" pitchFamily="18" charset="0"/>
-              </a:rPr>
-              <a:t>Этап </a:t>
-            </a:r>
-            <a:r>
               <a:rPr lang="ru-RU" dirty="0">
                 <a:latin typeface="Times New Roman" panose="02020603050405020304" pitchFamily="18" charset="0"/>
                 <a:cs typeface="Times New Roman" panose="02020603050405020304" pitchFamily="18" charset="0"/>
               </a:rPr>
-              <a:t>получения запроса от сервера БД</a:t>
+              <a:t>Этап получения результата от сервера БД</a:t>
             </a:r>
           </a:p>
         </p:txBody>
@@ -8575,10 +8592,10 @@
       </p:sp>
       <p:pic>
         <p:nvPicPr>
-          <p:cNvPr id="5" name="Рисунок 4">
+          <p:cNvPr id="6" name="Рисунок 5">
             <a:extLst>
               <a:ext uri="{FF2B5EF4-FFF2-40B4-BE49-F238E27FC236}">
-                <a16:creationId xmlns:a16="http://schemas.microsoft.com/office/drawing/2014/main" id="{D612959F-5400-DF6D-6E96-AC48EB5F4F42}"/>
+                <a16:creationId xmlns:a16="http://schemas.microsoft.com/office/drawing/2014/main" id="{F6ABD845-BADE-374F-7076-CC7BB9408124}"/>
               </a:ext>
             </a:extLst>
           </p:cNvPr>
@@ -9380,7 +9397,7 @@
             <p:ph idx="1"/>
             <p:extLst>
               <p:ext uri="{D42A27DB-BD31-4B8C-83A1-F6EECF244321}">
-                <p14:modId xmlns:p14="http://schemas.microsoft.com/office/powerpoint/2010/main" val="257160017"/>
+                <p14:modId xmlns:p14="http://schemas.microsoft.com/office/powerpoint/2010/main" val="4179130930"/>
               </p:ext>
             </p:extLst>
           </p:nvPr>
@@ -10129,7 +10146,7 @@
                 </a:solidFill>
                 <a:latin typeface="Times New Roman" panose="02020603050405020304" pitchFamily="18" charset="0"/>
               </a:rPr>
-              <a:t>Реализован метод параллельного выполнения запросов в пределах одного соединения.</a:t>
+              <a:t>Реализован разработанный метод.</a:t>
             </a:r>
           </a:p>
           <a:p>
@@ -10742,7 +10759,7 @@
                 <a:latin typeface="Times New Roman" panose="02020603050405020304" pitchFamily="18" charset="0"/>
                 <a:cs typeface="Times New Roman" panose="02020603050405020304" pitchFamily="18" charset="0"/>
               </a:rPr>
-              <a:t>Реализовать метод параллельного выполнения запросов в пределах одного соединения.</a:t>
+              <a:t>Реализовать разработанный метод.</a:t>
             </a:r>
           </a:p>
           <a:p>
@@ -13782,7 +13799,7 @@
         </p:nvSpPr>
         <p:spPr>
           <a:xfrm>
-            <a:off x="690282" y="1989234"/>
+            <a:off x="690281" y="1821429"/>
             <a:ext cx="10663517" cy="707886"/>
           </a:xfrm>
           <a:prstGeom prst="rect">

--- a/Презентация.pptx
+++ b/Презентация.pptx
@@ -145,6 +145,45 @@
 
 <file path=ppt/changesInfos/changesInfo1.xml><?xml version="1.0" encoding="utf-8"?>
 <pc:chgInfo xmlns:a="http://schemas.openxmlformats.org/drawingml/2006/main" xmlns:r="http://schemas.openxmlformats.org/officeDocument/2006/relationships" xmlns:ac="http://schemas.microsoft.com/office/drawing/2013/main/command" xmlns:pc="http://schemas.microsoft.com/office/powerpoint/2013/main/command">
+  <pc:docChgLst>
+    <pc:chgData name="Ольга Платонова" userId="b7a68a3ec46e1b54" providerId="LiveId" clId="{69C37FF1-3A42-438E-A961-1DE13AE723BC}"/>
+    <pc:docChg chg="undo custSel modSld">
+      <pc:chgData name="Ольга Платонова" userId="b7a68a3ec46e1b54" providerId="LiveId" clId="{69C37FF1-3A42-438E-A961-1DE13AE723BC}" dt="2022-04-03T09:45:50.826" v="12" actId="13822"/>
+      <pc:docMkLst>
+        <pc:docMk/>
+      </pc:docMkLst>
+      <pc:sldChg chg="modSp mod">
+        <pc:chgData name="Ольга Платонова" userId="b7a68a3ec46e1b54" providerId="LiveId" clId="{69C37FF1-3A42-438E-A961-1DE13AE723BC}" dt="2022-04-03T09:42:32.286" v="1" actId="20577"/>
+        <pc:sldMkLst>
+          <pc:docMk/>
+          <pc:sldMk cId="906348732" sldId="256"/>
+        </pc:sldMkLst>
+        <pc:spChg chg="mod">
+          <ac:chgData name="Ольга Платонова" userId="b7a68a3ec46e1b54" providerId="LiveId" clId="{69C37FF1-3A42-438E-A961-1DE13AE723BC}" dt="2022-04-03T09:42:32.286" v="1" actId="20577"/>
+          <ac:spMkLst>
+            <pc:docMk/>
+            <pc:sldMk cId="906348732" sldId="256"/>
+            <ac:spMk id="3" creationId="{00000000-0000-0000-0000-000000000000}"/>
+          </ac:spMkLst>
+        </pc:spChg>
+      </pc:sldChg>
+      <pc:sldChg chg="modSp mod addCm delCm">
+        <pc:chgData name="Ольга Платонова" userId="b7a68a3ec46e1b54" providerId="LiveId" clId="{69C37FF1-3A42-438E-A961-1DE13AE723BC}" dt="2022-04-03T09:45:50.826" v="12" actId="13822"/>
+        <pc:sldMkLst>
+          <pc:docMk/>
+          <pc:sldMk cId="3963753601" sldId="262"/>
+        </pc:sldMkLst>
+        <pc:graphicFrameChg chg="mod">
+          <ac:chgData name="Ольга Платонова" userId="b7a68a3ec46e1b54" providerId="LiveId" clId="{69C37FF1-3A42-438E-A961-1DE13AE723BC}" dt="2022-04-03T09:45:50.826" v="12" actId="13822"/>
+          <ac:graphicFrameMkLst>
+            <pc:docMk/>
+            <pc:sldMk cId="3963753601" sldId="262"/>
+            <ac:graphicFrameMk id="5" creationId="{00000000-0000-0000-0000-000000000000}"/>
+          </ac:graphicFrameMkLst>
+        </pc:graphicFrameChg>
+      </pc:sldChg>
+    </pc:docChg>
+  </pc:docChgLst>
   <pc:docChgLst>
     <pc:chgData name="Ольга Платонова" userId="b7a68a3ec46e1b54" providerId="LiveId" clId="{1F07ACF5-96D4-4BB6-B0A8-48BFF323F040}"/>
     <pc:docChg chg="undo redo custSel addSld delSld modSld">
@@ -1145,45 +1184,6 @@
             <ac:picMk id="11" creationId="{35EB8F00-4603-F685-1BBF-1EA5425FB663}"/>
           </ac:picMkLst>
         </pc:picChg>
-      </pc:sldChg>
-    </pc:docChg>
-  </pc:docChgLst>
-  <pc:docChgLst>
-    <pc:chgData name="Ольга Платонова" userId="b7a68a3ec46e1b54" providerId="LiveId" clId="{69C37FF1-3A42-438E-A961-1DE13AE723BC}"/>
-    <pc:docChg chg="undo custSel modSld">
-      <pc:chgData name="Ольга Платонова" userId="b7a68a3ec46e1b54" providerId="LiveId" clId="{69C37FF1-3A42-438E-A961-1DE13AE723BC}" dt="2022-04-03T09:45:50.826" v="12" actId="13822"/>
-      <pc:docMkLst>
-        <pc:docMk/>
-      </pc:docMkLst>
-      <pc:sldChg chg="modSp mod">
-        <pc:chgData name="Ольга Платонова" userId="b7a68a3ec46e1b54" providerId="LiveId" clId="{69C37FF1-3A42-438E-A961-1DE13AE723BC}" dt="2022-04-03T09:42:32.286" v="1" actId="20577"/>
-        <pc:sldMkLst>
-          <pc:docMk/>
-          <pc:sldMk cId="906348732" sldId="256"/>
-        </pc:sldMkLst>
-        <pc:spChg chg="mod">
-          <ac:chgData name="Ольга Платонова" userId="b7a68a3ec46e1b54" providerId="LiveId" clId="{69C37FF1-3A42-438E-A961-1DE13AE723BC}" dt="2022-04-03T09:42:32.286" v="1" actId="20577"/>
-          <ac:spMkLst>
-            <pc:docMk/>
-            <pc:sldMk cId="906348732" sldId="256"/>
-            <ac:spMk id="3" creationId="{00000000-0000-0000-0000-000000000000}"/>
-          </ac:spMkLst>
-        </pc:spChg>
-      </pc:sldChg>
-      <pc:sldChg chg="modSp mod addCm delCm">
-        <pc:chgData name="Ольга Платонова" userId="b7a68a3ec46e1b54" providerId="LiveId" clId="{69C37FF1-3A42-438E-A961-1DE13AE723BC}" dt="2022-04-03T09:45:50.826" v="12" actId="13822"/>
-        <pc:sldMkLst>
-          <pc:docMk/>
-          <pc:sldMk cId="3963753601" sldId="262"/>
-        </pc:sldMkLst>
-        <pc:graphicFrameChg chg="mod">
-          <ac:chgData name="Ольга Платонова" userId="b7a68a3ec46e1b54" providerId="LiveId" clId="{69C37FF1-3A42-438E-A961-1DE13AE723BC}" dt="2022-04-03T09:45:50.826" v="12" actId="13822"/>
-          <ac:graphicFrameMkLst>
-            <pc:docMk/>
-            <pc:sldMk cId="3963753601" sldId="262"/>
-            <ac:graphicFrameMk id="5" creationId="{00000000-0000-0000-0000-000000000000}"/>
-          </ac:graphicFrameMkLst>
-        </pc:graphicFrameChg>
       </pc:sldChg>
     </pc:docChg>
   </pc:docChgLst>
@@ -8485,7 +8485,7 @@
           <p:nvPr/>
         </p:nvPicPr>
         <p:blipFill>
-          <a:blip r:embed="rId2">
+          <a:blip r:embed="rId2" cstate="print">
             <a:extLst>
               <a:ext uri="{28A0092B-C50C-407E-A947-70E740481C1C}">
                 <a14:useLocalDpi xmlns:a14="http://schemas.microsoft.com/office/drawing/2010/main" val="0"/>
@@ -8605,7 +8605,7 @@
           <p:nvPr/>
         </p:nvPicPr>
         <p:blipFill>
-          <a:blip r:embed="rId2">
+          <a:blip r:embed="rId2" cstate="print">
             <a:extLst>
               <a:ext uri="{28A0092B-C50C-407E-A947-70E740481C1C}">
                 <a14:useLocalDpi xmlns:a14="http://schemas.microsoft.com/office/drawing/2010/main" val="0"/>
@@ -8841,7 +8841,7 @@
           <p:nvPr/>
         </p:nvPicPr>
         <p:blipFill>
-          <a:blip r:embed="rId2">
+          <a:blip r:embed="rId2" cstate="print">
             <a:extLst>
               <a:ext uri="{28A0092B-C50C-407E-A947-70E740481C1C}">
                 <a14:useLocalDpi xmlns:a14="http://schemas.microsoft.com/office/drawing/2010/main" val="0"/>
@@ -10367,8 +10367,28 @@
                 <a:latin typeface="Times New Roman" panose="02020603050405020304" pitchFamily="18" charset="0"/>
                 <a:cs typeface="Times New Roman" panose="02020603050405020304" pitchFamily="18" charset="0"/>
               </a:rPr>
-              <a:t>Рассмотрение корректного завершения потоков в случае потери соединения с базой данных.</a:t>
-            </a:r>
+              <a:t>Рассмотрение корректного завершения всех потоков в случае потери соединения с базой данных.</a:t>
+            </a:r>
+          </a:p>
+          <a:p>
+            <a:r>
+              <a:rPr lang="ru-RU" sz="2400" dirty="0">
+                <a:latin typeface="Times New Roman" panose="02020603050405020304" pitchFamily="18" charset="0"/>
+                <a:cs typeface="Times New Roman" panose="02020603050405020304" pitchFamily="18" charset="0"/>
+              </a:rPr>
+              <a:t>Разработка метода управления ресурсным пулом в случае потери </a:t>
+            </a:r>
+            <a:r>
+              <a:rPr lang="ru-RU" sz="2400">
+                <a:latin typeface="Times New Roman" panose="02020603050405020304" pitchFamily="18" charset="0"/>
+                <a:cs typeface="Times New Roman" panose="02020603050405020304" pitchFamily="18" charset="0"/>
+              </a:rPr>
+              <a:t>потоком соединения с БД.</a:t>
+            </a:r>
+            <a:endParaRPr lang="ru-RU" sz="2400" dirty="0">
+              <a:latin typeface="Times New Roman" panose="02020603050405020304" pitchFamily="18" charset="0"/>
+              <a:cs typeface="Times New Roman" panose="02020603050405020304" pitchFamily="18" charset="0"/>
+            </a:endParaRPr>
           </a:p>
         </p:txBody>
       </p:sp>
@@ -12760,7 +12780,7 @@
           <p:nvPr/>
         </p:nvPicPr>
         <p:blipFill>
-          <a:blip r:embed="rId2">
+          <a:blip r:embed="rId2" cstate="print">
             <a:extLst>
               <a:ext uri="{28A0092B-C50C-407E-A947-70E740481C1C}">
                 <a14:useLocalDpi xmlns:a14="http://schemas.microsoft.com/office/drawing/2010/main" val="0"/>

--- a/Презентация.pptx
+++ b/Презентация.pptx
@@ -5,26 +5,24 @@
     <p:sldMasterId id="2147483648" r:id="rId1"/>
   </p:sldMasterIdLst>
   <p:notesMasterIdLst>
-    <p:notesMasterId r:id="rId19"/>
+    <p:notesMasterId r:id="rId17"/>
   </p:notesMasterIdLst>
   <p:sldIdLst>
     <p:sldId id="256" r:id="rId2"/>
     <p:sldId id="257" r:id="rId3"/>
     <p:sldId id="262" r:id="rId4"/>
-    <p:sldId id="272" r:id="rId5"/>
-    <p:sldId id="259" r:id="rId6"/>
-    <p:sldId id="264" r:id="rId7"/>
-    <p:sldId id="261" r:id="rId8"/>
-    <p:sldId id="263" r:id="rId9"/>
-    <p:sldId id="273" r:id="rId10"/>
-    <p:sldId id="266" r:id="rId11"/>
-    <p:sldId id="275" r:id="rId12"/>
-    <p:sldId id="274" r:id="rId13"/>
-    <p:sldId id="267" r:id="rId14"/>
-    <p:sldId id="268" r:id="rId15"/>
-    <p:sldId id="269" r:id="rId16"/>
-    <p:sldId id="270" r:id="rId17"/>
-    <p:sldId id="271" r:id="rId18"/>
+    <p:sldId id="259" r:id="rId5"/>
+    <p:sldId id="264" r:id="rId6"/>
+    <p:sldId id="261" r:id="rId7"/>
+    <p:sldId id="273" r:id="rId8"/>
+    <p:sldId id="266" r:id="rId9"/>
+    <p:sldId id="277" r:id="rId10"/>
+    <p:sldId id="274" r:id="rId11"/>
+    <p:sldId id="267" r:id="rId12"/>
+    <p:sldId id="268" r:id="rId13"/>
+    <p:sldId id="269" r:id="rId14"/>
+    <p:sldId id="270" r:id="rId15"/>
+    <p:sldId id="271" r:id="rId16"/>
   </p:sldIdLst>
   <p:sldSz cx="12192000" cy="6858000"/>
   <p:notesSz cx="6858000" cy="9144000"/>
@@ -131,6 +129,12 @@
 </p:presentation>
 </file>
 
+<file path=ppt/authors.xml><?xml version="1.0" encoding="utf-8"?>
+<p188:authorLst xmlns:a="http://schemas.openxmlformats.org/drawingml/2006/main" xmlns:r="http://schemas.openxmlformats.org/officeDocument/2006/relationships" xmlns:p188="http://schemas.microsoft.com/office/powerpoint/2018/8/main">
+  <p188:author id="{99D91DC6-B35E-39E1-38EA-D7F57AE5A1C9}" name="Ольга Платонова" initials="ОП" userId="b7a68a3ec46e1b54" providerId="Windows Live"/>
+</p188:authorLst>
+</file>
+
 <file path=ppt/commentAuthors.xml><?xml version="1.0" encoding="utf-8"?>
 <p:cmAuthorLst xmlns:a="http://schemas.openxmlformats.org/drawingml/2006/main" xmlns:r="http://schemas.openxmlformats.org/officeDocument/2006/relationships" xmlns:p="http://schemas.openxmlformats.org/presentationml/2006/main">
   <p:cmAuthor id="1" name="Ольга Платонова" initials="ОП" lastIdx="9" clrIdx="0">
@@ -146,53 +150,14 @@
 <file path=ppt/changesInfos/changesInfo1.xml><?xml version="1.0" encoding="utf-8"?>
 <pc:chgInfo xmlns:a="http://schemas.openxmlformats.org/drawingml/2006/main" xmlns:r="http://schemas.openxmlformats.org/officeDocument/2006/relationships" xmlns:ac="http://schemas.microsoft.com/office/drawing/2013/main/command" xmlns:pc="http://schemas.microsoft.com/office/powerpoint/2013/main/command">
   <pc:docChgLst>
-    <pc:chgData name="Ольга Платонова" userId="b7a68a3ec46e1b54" providerId="LiveId" clId="{69C37FF1-3A42-438E-A961-1DE13AE723BC}"/>
-    <pc:docChg chg="undo custSel modSld">
-      <pc:chgData name="Ольга Платонова" userId="b7a68a3ec46e1b54" providerId="LiveId" clId="{69C37FF1-3A42-438E-A961-1DE13AE723BC}" dt="2022-04-03T09:45:50.826" v="12" actId="13822"/>
-      <pc:docMkLst>
-        <pc:docMk/>
-      </pc:docMkLst>
-      <pc:sldChg chg="modSp mod">
-        <pc:chgData name="Ольга Платонова" userId="b7a68a3ec46e1b54" providerId="LiveId" clId="{69C37FF1-3A42-438E-A961-1DE13AE723BC}" dt="2022-04-03T09:42:32.286" v="1" actId="20577"/>
-        <pc:sldMkLst>
-          <pc:docMk/>
-          <pc:sldMk cId="906348732" sldId="256"/>
-        </pc:sldMkLst>
-        <pc:spChg chg="mod">
-          <ac:chgData name="Ольга Платонова" userId="b7a68a3ec46e1b54" providerId="LiveId" clId="{69C37FF1-3A42-438E-A961-1DE13AE723BC}" dt="2022-04-03T09:42:32.286" v="1" actId="20577"/>
-          <ac:spMkLst>
-            <pc:docMk/>
-            <pc:sldMk cId="906348732" sldId="256"/>
-            <ac:spMk id="3" creationId="{00000000-0000-0000-0000-000000000000}"/>
-          </ac:spMkLst>
-        </pc:spChg>
-      </pc:sldChg>
-      <pc:sldChg chg="modSp mod addCm delCm">
-        <pc:chgData name="Ольга Платонова" userId="b7a68a3ec46e1b54" providerId="LiveId" clId="{69C37FF1-3A42-438E-A961-1DE13AE723BC}" dt="2022-04-03T09:45:50.826" v="12" actId="13822"/>
-        <pc:sldMkLst>
-          <pc:docMk/>
-          <pc:sldMk cId="3963753601" sldId="262"/>
-        </pc:sldMkLst>
-        <pc:graphicFrameChg chg="mod">
-          <ac:chgData name="Ольга Платонова" userId="b7a68a3ec46e1b54" providerId="LiveId" clId="{69C37FF1-3A42-438E-A961-1DE13AE723BC}" dt="2022-04-03T09:45:50.826" v="12" actId="13822"/>
-          <ac:graphicFrameMkLst>
-            <pc:docMk/>
-            <pc:sldMk cId="3963753601" sldId="262"/>
-            <ac:graphicFrameMk id="5" creationId="{00000000-0000-0000-0000-000000000000}"/>
-          </ac:graphicFrameMkLst>
-        </pc:graphicFrameChg>
-      </pc:sldChg>
-    </pc:docChg>
-  </pc:docChgLst>
-  <pc:docChgLst>
     <pc:chgData name="Ольга Платонова" userId="b7a68a3ec46e1b54" providerId="LiveId" clId="{1F07ACF5-96D4-4BB6-B0A8-48BFF323F040}"/>
     <pc:docChg chg="undo redo custSel addSld delSld modSld">
-      <pc:chgData name="Ольга Платонова" userId="b7a68a3ec46e1b54" providerId="LiveId" clId="{1F07ACF5-96D4-4BB6-B0A8-48BFF323F040}" dt="2022-05-27T23:08:33.047" v="4217" actId="1076"/>
+      <pc:chgData name="Ольга Платонова" userId="b7a68a3ec46e1b54" providerId="LiveId" clId="{1F07ACF5-96D4-4BB6-B0A8-48BFF323F040}" dt="2022-05-29T15:23:51.710" v="7340" actId="47"/>
       <pc:docMkLst>
         <pc:docMk/>
       </pc:docMkLst>
       <pc:sldChg chg="addSp delSp modSp mod">
-        <pc:chgData name="Ольга Платонова" userId="b7a68a3ec46e1b54" providerId="LiveId" clId="{1F07ACF5-96D4-4BB6-B0A8-48BFF323F040}" dt="2022-05-26T15:14:10.385" v="108" actId="20577"/>
+        <pc:chgData name="Ольга Платонова" userId="b7a68a3ec46e1b54" providerId="LiveId" clId="{1F07ACF5-96D4-4BB6-B0A8-48BFF323F040}" dt="2022-05-28T19:35:34.508" v="4224" actId="1076"/>
         <pc:sldMkLst>
           <pc:docMk/>
           <pc:sldMk cId="906348732" sldId="256"/>
@@ -221,9 +186,17 @@
             <ac:spMk id="4" creationId="{22B71FA5-D9A2-648A-BA2B-198803987812}"/>
           </ac:spMkLst>
         </pc:spChg>
+        <pc:picChg chg="add mod">
+          <ac:chgData name="Ольга Платонова" userId="b7a68a3ec46e1b54" providerId="LiveId" clId="{1F07ACF5-96D4-4BB6-B0A8-48BFF323F040}" dt="2022-05-28T19:35:34.508" v="4224" actId="1076"/>
+          <ac:picMkLst>
+            <pc:docMk/>
+            <pc:sldMk cId="906348732" sldId="256"/>
+            <ac:picMk id="4" creationId="{E9D0A270-3744-AA97-6FAF-54A14B06FB53}"/>
+          </ac:picMkLst>
+        </pc:picChg>
       </pc:sldChg>
-      <pc:sldChg chg="modSp mod">
-        <pc:chgData name="Ольга Платонова" userId="b7a68a3ec46e1b54" providerId="LiveId" clId="{1F07ACF5-96D4-4BB6-B0A8-48BFF323F040}" dt="2022-05-27T22:49:32.256" v="4138" actId="20577"/>
+      <pc:sldChg chg="modSp mod addCm delCm modCm">
+        <pc:chgData name="Ольга Платонова" userId="b7a68a3ec46e1b54" providerId="LiveId" clId="{1F07ACF5-96D4-4BB6-B0A8-48BFF323F040}" dt="2022-05-28T23:15:39.861" v="5271"/>
         <pc:sldMkLst>
           <pc:docMk/>
           <pc:sldMk cId="923825700" sldId="257"/>
@@ -245,7 +218,7 @@
           </ac:spMkLst>
         </pc:spChg>
         <pc:spChg chg="mod">
-          <ac:chgData name="Ольга Платонова" userId="b7a68a3ec46e1b54" providerId="LiveId" clId="{1F07ACF5-96D4-4BB6-B0A8-48BFF323F040}" dt="2022-05-27T22:49:32.256" v="4138" actId="20577"/>
+          <ac:chgData name="Ольга Платонова" userId="b7a68a3ec46e1b54" providerId="LiveId" clId="{1F07ACF5-96D4-4BB6-B0A8-48BFF323F040}" dt="2022-05-28T23:15:22.946" v="5270"/>
           <ac:spMkLst>
             <pc:docMk/>
             <pc:sldMk cId="923825700" sldId="257"/>
@@ -253,30 +226,54 @@
           </ac:spMkLst>
         </pc:spChg>
       </pc:sldChg>
-      <pc:sldChg chg="modSp mod addCm modCm">
-        <pc:chgData name="Ольга Платонова" userId="b7a68a3ec46e1b54" providerId="LiveId" clId="{1F07ACF5-96D4-4BB6-B0A8-48BFF323F040}" dt="2022-05-27T18:01:28.772" v="2383" actId="1076"/>
+      <pc:sldChg chg="addSp delSp modSp mod addCm delCm modCm">
+        <pc:chgData name="Ольга Платонова" userId="b7a68a3ec46e1b54" providerId="LiveId" clId="{1F07ACF5-96D4-4BB6-B0A8-48BFF323F040}" dt="2022-05-29T13:16:18.048" v="6236" actId="14734"/>
         <pc:sldMkLst>
           <pc:docMk/>
           <pc:sldMk cId="4129783739" sldId="259"/>
         </pc:sldMkLst>
         <pc:spChg chg="mod">
-          <ac:chgData name="Ольга Платонова" userId="b7a68a3ec46e1b54" providerId="LiveId" clId="{1F07ACF5-96D4-4BB6-B0A8-48BFF323F040}" dt="2022-05-27T17:59:14.753" v="2361"/>
+          <ac:chgData name="Ольга Платонова" userId="b7a68a3ec46e1b54" providerId="LiveId" clId="{1F07ACF5-96D4-4BB6-B0A8-48BFF323F040}" dt="2022-05-28T19:52:43.859" v="4269"/>
           <ac:spMkLst>
             <pc:docMk/>
             <pc:sldMk cId="4129783739" sldId="259"/>
             <ac:spMk id="2" creationId="{00000000-0000-0000-0000-000000000000}"/>
           </ac:spMkLst>
         </pc:spChg>
-        <pc:spChg chg="mod">
-          <ac:chgData name="Ольга Платонова" userId="b7a68a3ec46e1b54" providerId="LiveId" clId="{1F07ACF5-96D4-4BB6-B0A8-48BFF323F040}" dt="2022-05-27T18:01:28.772" v="2383" actId="1076"/>
+        <pc:spChg chg="add del mod">
+          <ac:chgData name="Ольга Платонова" userId="b7a68a3ec46e1b54" providerId="LiveId" clId="{1F07ACF5-96D4-4BB6-B0A8-48BFF323F040}" dt="2022-05-29T13:14:37.067" v="6233" actId="1036"/>
+          <ac:spMkLst>
+            <pc:docMk/>
+            <pc:sldMk cId="4129783739" sldId="259"/>
+            <ac:spMk id="4" creationId="{53CC8D22-0E43-35A7-E466-76647D9CCA71}"/>
+          </ac:spMkLst>
+        </pc:spChg>
+        <pc:spChg chg="del mod">
+          <ac:chgData name="Ольга Платонова" userId="b7a68a3ec46e1b54" providerId="LiveId" clId="{1F07ACF5-96D4-4BB6-B0A8-48BFF323F040}" dt="2022-05-29T13:06:27.340" v="6146" actId="478"/>
           <ac:spMkLst>
             <pc:docMk/>
             <pc:sldMk cId="4129783739" sldId="259"/>
             <ac:spMk id="5" creationId="{00000000-0000-0000-0000-000000000000}"/>
           </ac:spMkLst>
         </pc:spChg>
+        <pc:graphicFrameChg chg="add del mod modGraphic">
+          <ac:chgData name="Ольга Платонова" userId="b7a68a3ec46e1b54" providerId="LiveId" clId="{1F07ACF5-96D4-4BB6-B0A8-48BFF323F040}" dt="2022-05-29T13:00:06.616" v="5966" actId="478"/>
+          <ac:graphicFrameMkLst>
+            <pc:docMk/>
+            <pc:sldMk cId="4129783739" sldId="259"/>
+            <ac:graphicFrameMk id="7" creationId="{626647C2-81A3-0681-3DCB-0D000A9688D6}"/>
+          </ac:graphicFrameMkLst>
+        </pc:graphicFrameChg>
+        <pc:graphicFrameChg chg="add del mod modGraphic">
+          <ac:chgData name="Ольга Платонова" userId="b7a68a3ec46e1b54" providerId="LiveId" clId="{1F07ACF5-96D4-4BB6-B0A8-48BFF323F040}" dt="2022-05-29T13:16:18.048" v="6236" actId="14734"/>
+          <ac:graphicFrameMkLst>
+            <pc:docMk/>
+            <pc:sldMk cId="4129783739" sldId="259"/>
+            <ac:graphicFrameMk id="8" creationId="{712A6E9C-6120-F809-1D87-58A8A6B3277E}"/>
+          </ac:graphicFrameMkLst>
+        </pc:graphicFrameChg>
         <pc:picChg chg="mod">
-          <ac:chgData name="Ольга Платонова" userId="b7a68a3ec46e1b54" providerId="LiveId" clId="{1F07ACF5-96D4-4BB6-B0A8-48BFF323F040}" dt="2022-05-27T18:01:20.284" v="2381" actId="1076"/>
+          <ac:chgData name="Ольга Платонова" userId="b7a68a3ec46e1b54" providerId="LiveId" clId="{1F07ACF5-96D4-4BB6-B0A8-48BFF323F040}" dt="2022-05-29T13:14:37.067" v="6233" actId="1036"/>
           <ac:picMkLst>
             <pc:docMk/>
             <pc:sldMk cId="4129783739" sldId="259"/>
@@ -291,14 +288,14 @@
           <pc:sldMk cId="3791205862" sldId="260"/>
         </pc:sldMkLst>
       </pc:sldChg>
-      <pc:sldChg chg="addSp delSp modSp mod">
-        <pc:chgData name="Ольга Платонова" userId="b7a68a3ec46e1b54" providerId="LiveId" clId="{1F07ACF5-96D4-4BB6-B0A8-48BFF323F040}" dt="2022-05-27T22:51:32.093" v="4155" actId="20577"/>
+      <pc:sldChg chg="addSp delSp modSp mod addCm">
+        <pc:chgData name="Ольга Платонова" userId="b7a68a3ec46e1b54" providerId="LiveId" clId="{1F07ACF5-96D4-4BB6-B0A8-48BFF323F040}" dt="2022-05-29T00:06:10.356" v="5297"/>
         <pc:sldMkLst>
           <pc:docMk/>
           <pc:sldMk cId="725503657" sldId="261"/>
         </pc:sldMkLst>
         <pc:spChg chg="mod">
-          <ac:chgData name="Ольга Платонова" userId="b7a68a3ec46e1b54" providerId="LiveId" clId="{1F07ACF5-96D4-4BB6-B0A8-48BFF323F040}" dt="2022-05-27T18:11:53.737" v="2465" actId="14100"/>
+          <ac:chgData name="Ольга Платонова" userId="b7a68a3ec46e1b54" providerId="LiveId" clId="{1F07ACF5-96D4-4BB6-B0A8-48BFF323F040}" dt="2022-05-28T20:34:37.705" v="4607" actId="20577"/>
           <ac:spMkLst>
             <pc:docMk/>
             <pc:sldMk cId="725503657" sldId="261"/>
@@ -314,7 +311,7 @@
           </ac:graphicFrameMkLst>
         </pc:graphicFrameChg>
         <pc:graphicFrameChg chg="mod modGraphic">
-          <ac:chgData name="Ольга Платонова" userId="b7a68a3ec46e1b54" providerId="LiveId" clId="{1F07ACF5-96D4-4BB6-B0A8-48BFF323F040}" dt="2022-05-27T22:51:32.093" v="4155" actId="20577"/>
+          <ac:chgData name="Ольга Платонова" userId="b7a68a3ec46e1b54" providerId="LiveId" clId="{1F07ACF5-96D4-4BB6-B0A8-48BFF323F040}" dt="2022-05-29T00:01:04.479" v="5295" actId="20577"/>
           <ac:graphicFrameMkLst>
             <pc:docMk/>
             <pc:sldMk cId="725503657" sldId="261"/>
@@ -322,8 +319,8 @@
           </ac:graphicFrameMkLst>
         </pc:graphicFrameChg>
       </pc:sldChg>
-      <pc:sldChg chg="addSp delSp modSp mod addCm modCm">
-        <pc:chgData name="Ольга Платонова" userId="b7a68a3ec46e1b54" providerId="LiveId" clId="{1F07ACF5-96D4-4BB6-B0A8-48BFF323F040}" dt="2022-05-27T17:49:39.123" v="2265" actId="20577"/>
+      <pc:sldChg chg="addSp delSp modSp mod addCm delCm modCm">
+        <pc:chgData name="Ольга Платонова" userId="b7a68a3ec46e1b54" providerId="LiveId" clId="{1F07ACF5-96D4-4BB6-B0A8-48BFF323F040}" dt="2022-05-28T23:31:07.640" v="5288"/>
         <pc:sldMkLst>
           <pc:docMk/>
           <pc:sldMk cId="3963753601" sldId="262"/>
@@ -385,7 +382,7 @@
           </ac:spMkLst>
         </pc:spChg>
         <pc:graphicFrameChg chg="mod">
-          <ac:chgData name="Ольга Платонова" userId="b7a68a3ec46e1b54" providerId="LiveId" clId="{1F07ACF5-96D4-4BB6-B0A8-48BFF323F040}" dt="2022-05-26T22:06:47.017" v="1932" actId="2"/>
+          <ac:chgData name="Ольга Платонова" userId="b7a68a3ec46e1b54" providerId="LiveId" clId="{1F07ACF5-96D4-4BB6-B0A8-48BFF323F040}" dt="2022-05-28T19:49:17.851" v="4261" actId="20577"/>
           <ac:graphicFrameMkLst>
             <pc:docMk/>
             <pc:sldMk cId="3963753601" sldId="262"/>
@@ -393,8 +390,8 @@
           </ac:graphicFrameMkLst>
         </pc:graphicFrameChg>
       </pc:sldChg>
-      <pc:sldChg chg="addSp delSp modSp mod">
-        <pc:chgData name="Ольга Платонова" userId="b7a68a3ec46e1b54" providerId="LiveId" clId="{1F07ACF5-96D4-4BB6-B0A8-48BFF323F040}" dt="2022-05-27T22:50:23.623" v="4139" actId="1076"/>
+      <pc:sldChg chg="addSp delSp modSp del mod">
+        <pc:chgData name="Ольга Платонова" userId="b7a68a3ec46e1b54" providerId="LiveId" clId="{1F07ACF5-96D4-4BB6-B0A8-48BFF323F040}" dt="2022-05-28T20:34:16.166" v="4580" actId="47"/>
         <pc:sldMkLst>
           <pc:docMk/>
           <pc:sldMk cId="877587620" sldId="263"/>
@@ -456,8 +453,8 @@
           </ac:picMkLst>
         </pc:picChg>
       </pc:sldChg>
-      <pc:sldChg chg="addSp delSp modSp mod">
-        <pc:chgData name="Ольга Платонова" userId="b7a68a3ec46e1b54" providerId="LiveId" clId="{1F07ACF5-96D4-4BB6-B0A8-48BFF323F040}" dt="2022-05-26T22:08:19.897" v="1941" actId="20577"/>
+      <pc:sldChg chg="addSp delSp modSp mod addCm">
+        <pc:chgData name="Ольга Платонова" userId="b7a68a3ec46e1b54" providerId="LiveId" clId="{1F07ACF5-96D4-4BB6-B0A8-48BFF323F040}" dt="2022-05-29T13:55:37.636" v="6915"/>
         <pc:sldMkLst>
           <pc:docMk/>
           <pc:sldMk cId="799910520" sldId="264"/>
@@ -471,23 +468,23 @@
           </ac:spMkLst>
         </pc:spChg>
         <pc:spChg chg="mod">
-          <ac:chgData name="Ольга Платонова" userId="b7a68a3ec46e1b54" providerId="LiveId" clId="{1F07ACF5-96D4-4BB6-B0A8-48BFF323F040}" dt="2022-05-26T17:17:35.946" v="659" actId="27636"/>
+          <ac:chgData name="Ольга Платонова" userId="b7a68a3ec46e1b54" providerId="LiveId" clId="{1F07ACF5-96D4-4BB6-B0A8-48BFF323F040}" dt="2022-05-28T20:11:02.193" v="4397" actId="6549"/>
           <ac:spMkLst>
             <pc:docMk/>
             <pc:sldMk cId="799910520" sldId="264"/>
             <ac:spMk id="4" creationId="{00000000-0000-0000-0000-000000000000}"/>
           </ac:spMkLst>
         </pc:spChg>
-        <pc:spChg chg="mod">
-          <ac:chgData name="Ольга Платонова" userId="b7a68a3ec46e1b54" providerId="LiveId" clId="{1F07ACF5-96D4-4BB6-B0A8-48BFF323F040}" dt="2022-05-26T22:06:49.661" v="1934" actId="2"/>
+        <pc:spChg chg="del mod">
+          <ac:chgData name="Ольга Платонова" userId="b7a68a3ec46e1b54" providerId="LiveId" clId="{1F07ACF5-96D4-4BB6-B0A8-48BFF323F040}" dt="2022-05-28T20:11:34.882" v="4421" actId="478"/>
           <ac:spMkLst>
             <pc:docMk/>
             <pc:sldMk cId="799910520" sldId="264"/>
             <ac:spMk id="6" creationId="{00000000-0000-0000-0000-000000000000}"/>
           </ac:spMkLst>
         </pc:spChg>
-        <pc:spChg chg="add mod">
-          <ac:chgData name="Ольга Платонова" userId="b7a68a3ec46e1b54" providerId="LiveId" clId="{1F07ACF5-96D4-4BB6-B0A8-48BFF323F040}" dt="2022-05-26T18:39:41.447" v="756" actId="1076"/>
+        <pc:spChg chg="add del mod">
+          <ac:chgData name="Ольга Платонова" userId="b7a68a3ec46e1b54" providerId="LiveId" clId="{1F07ACF5-96D4-4BB6-B0A8-48BFF323F040}" dt="2022-05-29T13:31:03.648" v="6410" actId="478"/>
           <ac:spMkLst>
             <pc:docMk/>
             <pc:sldMk cId="799910520" sldId="264"/>
@@ -495,7 +492,7 @@
           </ac:spMkLst>
         </pc:spChg>
         <pc:spChg chg="add mod">
-          <ac:chgData name="Ольга Платонова" userId="b7a68a3ec46e1b54" providerId="LiveId" clId="{1F07ACF5-96D4-4BB6-B0A8-48BFF323F040}" dt="2022-05-26T22:08:19.897" v="1941" actId="20577"/>
+          <ac:chgData name="Ольга Платонова" userId="b7a68a3ec46e1b54" providerId="LiveId" clId="{1F07ACF5-96D4-4BB6-B0A8-48BFF323F040}" dt="2022-05-29T13:35:26.148" v="6457" actId="1076"/>
           <ac:spMkLst>
             <pc:docMk/>
             <pc:sldMk cId="799910520" sldId="264"/>
@@ -503,11 +500,59 @@
           </ac:spMkLst>
         </pc:spChg>
         <pc:spChg chg="add del mod">
+          <ac:chgData name="Ольга Платонова" userId="b7a68a3ec46e1b54" providerId="LiveId" clId="{1F07ACF5-96D4-4BB6-B0A8-48BFF323F040}" dt="2022-05-28T20:27:51.468" v="4539" actId="478"/>
+          <ac:spMkLst>
+            <pc:docMk/>
+            <pc:sldMk cId="799910520" sldId="264"/>
+            <ac:spMk id="10" creationId="{6CBEC047-F7ED-61BC-6A2B-33B7BF5187C1}"/>
+          </ac:spMkLst>
+        </pc:spChg>
+        <pc:spChg chg="add mod">
+          <ac:chgData name="Ольга Платонова" userId="b7a68a3ec46e1b54" providerId="LiveId" clId="{1F07ACF5-96D4-4BB6-B0A8-48BFF323F040}" dt="2022-05-29T13:50:59.665" v="6846" actId="20577"/>
+          <ac:spMkLst>
+            <pc:docMk/>
+            <pc:sldMk cId="799910520" sldId="264"/>
+            <ac:spMk id="10" creationId="{D3C3CB60-1E1E-A046-150E-42067403ECCB}"/>
+          </ac:spMkLst>
+        </pc:spChg>
+        <pc:spChg chg="add del mod">
           <ac:chgData name="Ольга Платонова" userId="b7a68a3ec46e1b54" providerId="LiveId" clId="{1F07ACF5-96D4-4BB6-B0A8-48BFF323F040}" dt="2022-05-26T18:38:13.998" v="736"/>
           <ac:spMkLst>
             <pc:docMk/>
             <pc:sldMk cId="799910520" sldId="264"/>
             <ac:spMk id="11" creationId="{B7B47798-1220-BC70-A2E9-5CB5365A546B}"/>
+          </ac:spMkLst>
+        </pc:spChg>
+        <pc:spChg chg="add del mod">
+          <ac:chgData name="Ольга Платонова" userId="b7a68a3ec46e1b54" providerId="LiveId" clId="{1F07ACF5-96D4-4BB6-B0A8-48BFF323F040}" dt="2022-05-29T13:39:35.814" v="6510" actId="478"/>
+          <ac:spMkLst>
+            <pc:docMk/>
+            <pc:sldMk cId="799910520" sldId="264"/>
+            <ac:spMk id="11" creationId="{F46D9D0B-ABD1-F032-6419-BC5A599ED5F5}"/>
+          </ac:spMkLst>
+        </pc:spChg>
+        <pc:spChg chg="add del">
+          <ac:chgData name="Ольга Платонова" userId="b7a68a3ec46e1b54" providerId="LiveId" clId="{1F07ACF5-96D4-4BB6-B0A8-48BFF323F040}" dt="2022-05-28T20:24:41.887" v="4453" actId="22"/>
+          <ac:spMkLst>
+            <pc:docMk/>
+            <pc:sldMk cId="799910520" sldId="264"/>
+            <ac:spMk id="13" creationId="{699E85A6-91C7-FAD7-6725-91A3CB1CA910}"/>
+          </ac:spMkLst>
+        </pc:spChg>
+        <pc:spChg chg="add del mod">
+          <ac:chgData name="Ольга Платонова" userId="b7a68a3ec46e1b54" providerId="LiveId" clId="{1F07ACF5-96D4-4BB6-B0A8-48BFF323F040}" dt="2022-05-28T20:29:20.639" v="4545" actId="478"/>
+          <ac:spMkLst>
+            <pc:docMk/>
+            <pc:sldMk cId="799910520" sldId="264"/>
+            <ac:spMk id="15" creationId="{0B6CE688-C576-6892-F9FF-78BE31FD3C68}"/>
+          </ac:spMkLst>
+        </pc:spChg>
+        <pc:spChg chg="add mod">
+          <ac:chgData name="Ольга Платонова" userId="b7a68a3ec46e1b54" providerId="LiveId" clId="{1F07ACF5-96D4-4BB6-B0A8-48BFF323F040}" dt="2022-05-29T13:55:37.636" v="6915"/>
+          <ac:spMkLst>
+            <pc:docMk/>
+            <pc:sldMk cId="799910520" sldId="264"/>
+            <ac:spMk id="17" creationId="{50EDEBD6-9842-28F5-B19F-1E5B23FDC1EE}"/>
           </ac:spMkLst>
         </pc:spChg>
         <pc:picChg chg="del">
@@ -516,6 +561,14 @@
             <pc:docMk/>
             <pc:sldMk cId="799910520" sldId="264"/>
             <ac:picMk id="5" creationId="{00000000-0000-0000-0000-000000000000}"/>
+          </ac:picMkLst>
+        </pc:picChg>
+        <pc:picChg chg="add mod ord">
+          <ac:chgData name="Ольга Платонова" userId="b7a68a3ec46e1b54" providerId="LiveId" clId="{1F07ACF5-96D4-4BB6-B0A8-48BFF323F040}" dt="2022-05-29T13:35:21.443" v="6456" actId="1076"/>
+          <ac:picMkLst>
+            <pc:docMk/>
+            <pc:sldMk cId="799910520" sldId="264"/>
+            <ac:picMk id="8" creationId="{850EB269-C382-320B-505B-ED89F7C8CF7A}"/>
           </ac:picMkLst>
         </pc:picChg>
         <pc:picChg chg="add del mod">
@@ -534,8 +587,8 @@
             <ac:picMk id="14" creationId="{C625A28C-B46E-0164-733D-0D4DB0F53DF7}"/>
           </ac:picMkLst>
         </pc:picChg>
-        <pc:picChg chg="add mod">
-          <ac:chgData name="Ольга Платонова" userId="b7a68a3ec46e1b54" providerId="LiveId" clId="{1F07ACF5-96D4-4BB6-B0A8-48BFF323F040}" dt="2022-05-26T18:32:07.707" v="719" actId="1076"/>
+        <pc:picChg chg="add del mod">
+          <ac:chgData name="Ольга Платонова" userId="b7a68a3ec46e1b54" providerId="LiveId" clId="{1F07ACF5-96D4-4BB6-B0A8-48BFF323F040}" dt="2022-05-28T20:21:07.974" v="4431" actId="478"/>
           <ac:picMkLst>
             <pc:docMk/>
             <pc:sldMk cId="799910520" sldId="264"/>
@@ -551,14 +604,14 @@
           </ac:picMkLst>
         </pc:picChg>
       </pc:sldChg>
-      <pc:sldChg chg="addSp delSp modSp mod">
-        <pc:chgData name="Ольга Платонова" userId="b7a68a3ec46e1b54" providerId="LiveId" clId="{1F07ACF5-96D4-4BB6-B0A8-48BFF323F040}" dt="2022-05-27T23:08:33.047" v="4217" actId="1076"/>
+      <pc:sldChg chg="addSp delSp modSp mod addCm">
+        <pc:chgData name="Ольга Платонова" userId="b7a68a3ec46e1b54" providerId="LiveId" clId="{1F07ACF5-96D4-4BB6-B0A8-48BFF323F040}" dt="2022-05-29T15:23:42.387" v="7339" actId="403"/>
         <pc:sldMkLst>
           <pc:docMk/>
           <pc:sldMk cId="2402547047" sldId="266"/>
         </pc:sldMkLst>
         <pc:spChg chg="mod">
-          <ac:chgData name="Ольга Платонова" userId="b7a68a3ec46e1b54" providerId="LiveId" clId="{1F07ACF5-96D4-4BB6-B0A8-48BFF323F040}" dt="2022-05-27T22:02:33.330" v="4096" actId="20577"/>
+          <ac:chgData name="Ольга Платонова" userId="b7a68a3ec46e1b54" providerId="LiveId" clId="{1F07ACF5-96D4-4BB6-B0A8-48BFF323F040}" dt="2022-05-29T15:23:42.387" v="7339" actId="403"/>
           <ac:spMkLst>
             <pc:docMk/>
             <pc:sldMk cId="2402547047" sldId="266"/>
@@ -574,6 +627,22 @@
           </ac:spMkLst>
         </pc:spChg>
         <pc:spChg chg="add del mod">
+          <ac:chgData name="Ольга Платонова" userId="b7a68a3ec46e1b54" providerId="LiveId" clId="{1F07ACF5-96D4-4BB6-B0A8-48BFF323F040}" dt="2022-05-29T15:19:47.699" v="7321" actId="14100"/>
+          <ac:spMkLst>
+            <pc:docMk/>
+            <pc:sldMk cId="2402547047" sldId="266"/>
+            <ac:spMk id="8" creationId="{D54F2642-CED2-7AA0-A346-6A533FF6792B}"/>
+          </ac:spMkLst>
+        </pc:spChg>
+        <pc:spChg chg="add mod">
+          <ac:chgData name="Ольга Платонова" userId="b7a68a3ec46e1b54" providerId="LiveId" clId="{1F07ACF5-96D4-4BB6-B0A8-48BFF323F040}" dt="2022-05-29T15:20:06.114" v="7324" actId="1076"/>
+          <ac:spMkLst>
+            <pc:docMk/>
+            <pc:sldMk cId="2402547047" sldId="266"/>
+            <ac:spMk id="9" creationId="{18BA6212-B213-6B23-1A66-0037CE577FF7}"/>
+          </ac:spMkLst>
+        </pc:spChg>
+        <pc:spChg chg="add del mod">
           <ac:chgData name="Ольга Платонова" userId="b7a68a3ec46e1b54" providerId="LiveId" clId="{1F07ACF5-96D4-4BB6-B0A8-48BFF323F040}" dt="2022-05-27T21:44:58.166" v="4075" actId="478"/>
           <ac:spMkLst>
             <pc:docMk/>
@@ -597,6 +666,14 @@
             <ac:graphicFrameMk id="3" creationId="{438CFDCC-28C7-E3EA-5E34-1980D319BA32}"/>
           </ac:graphicFrameMkLst>
         </pc:graphicFrameChg>
+        <pc:picChg chg="add mod">
+          <ac:chgData name="Ольга Платонова" userId="b7a68a3ec46e1b54" providerId="LiveId" clId="{1F07ACF5-96D4-4BB6-B0A8-48BFF323F040}" dt="2022-05-29T15:19:26.814" v="7317" actId="1076"/>
+          <ac:picMkLst>
+            <pc:docMk/>
+            <pc:sldMk cId="2402547047" sldId="266"/>
+            <ac:picMk id="5" creationId="{10E9A07C-1763-9B2A-A116-E0082E62462E}"/>
+          </ac:picMkLst>
+        </pc:picChg>
         <pc:picChg chg="add del mod">
           <ac:chgData name="Ольга Платонова" userId="b7a68a3ec46e1b54" providerId="LiveId" clId="{1F07ACF5-96D4-4BB6-B0A8-48BFF323F040}" dt="2022-05-27T21:33:00.867" v="4047" actId="478"/>
           <ac:picMkLst>
@@ -605,8 +682,8 @@
             <ac:picMk id="5" creationId="{4D2647A5-E8D1-FA06-87A1-E8C5442D0BD7}"/>
           </ac:picMkLst>
         </pc:picChg>
-        <pc:picChg chg="add mod">
-          <ac:chgData name="Ольга Платонова" userId="b7a68a3ec46e1b54" providerId="LiveId" clId="{1F07ACF5-96D4-4BB6-B0A8-48BFF323F040}" dt="2022-05-27T23:08:33.047" v="4217" actId="1076"/>
+        <pc:picChg chg="add del mod">
+          <ac:chgData name="Ольга Платонова" userId="b7a68a3ec46e1b54" providerId="LiveId" clId="{1F07ACF5-96D4-4BB6-B0A8-48BFF323F040}" dt="2022-05-29T12:18:09.881" v="5383" actId="478"/>
           <ac:picMkLst>
             <pc:docMk/>
             <pc:sldMk cId="2402547047" sldId="266"/>
@@ -630,6 +707,22 @@
           </ac:picMkLst>
         </pc:picChg>
         <pc:picChg chg="add del mod">
+          <ac:chgData name="Ольга Платонова" userId="b7a68a3ec46e1b54" providerId="LiveId" clId="{1F07ACF5-96D4-4BB6-B0A8-48BFF323F040}" dt="2022-05-29T12:39:27.402" v="5844" actId="478"/>
+          <ac:picMkLst>
+            <pc:docMk/>
+            <pc:sldMk cId="2402547047" sldId="266"/>
+            <ac:picMk id="6" creationId="{B3FD275C-7C05-EAB3-EB8F-97EE49ADA3BE}"/>
+          </ac:picMkLst>
+        </pc:picChg>
+        <pc:picChg chg="add del mod">
+          <ac:chgData name="Ольга Платонова" userId="b7a68a3ec46e1b54" providerId="LiveId" clId="{1F07ACF5-96D4-4BB6-B0A8-48BFF323F040}" dt="2022-05-29T13:29:24.968" v="6403" actId="478"/>
+          <ac:picMkLst>
+            <pc:docMk/>
+            <pc:sldMk cId="2402547047" sldId="266"/>
+            <ac:picMk id="7" creationId="{05430737-DECB-CCF9-0771-869A0F67290E}"/>
+          </ac:picMkLst>
+        </pc:picChg>
+        <pc:picChg chg="add del mod">
           <ac:chgData name="Ольга Платонова" userId="b7a68a3ec46e1b54" providerId="LiveId" clId="{1F07ACF5-96D4-4BB6-B0A8-48BFF323F040}" dt="2022-05-27T21:44:27.849" v="4065" actId="478"/>
           <ac:picMkLst>
             <pc:docMk/>
@@ -645,6 +738,14 @@
             <ac:picMk id="8" creationId="{057366AC-88EA-4947-318F-4132A582415E}"/>
           </ac:picMkLst>
         </pc:picChg>
+        <pc:picChg chg="add mod">
+          <ac:chgData name="Ольга Платонова" userId="b7a68a3ec46e1b54" providerId="LiveId" clId="{1F07ACF5-96D4-4BB6-B0A8-48BFF323F040}" dt="2022-05-29T15:17:11.795" v="7314" actId="1076"/>
+          <ac:picMkLst>
+            <pc:docMk/>
+            <pc:sldMk cId="2402547047" sldId="266"/>
+            <ac:picMk id="10" creationId="{3FEB745E-7155-1A52-5B94-94CDA90D95DD}"/>
+          </ac:picMkLst>
+        </pc:picChg>
         <pc:picChg chg="add del mod">
           <ac:chgData name="Ольга Платонова" userId="b7a68a3ec46e1b54" providerId="LiveId" clId="{1F07ACF5-96D4-4BB6-B0A8-48BFF323F040}" dt="2022-05-27T23:08:10.986" v="4211" actId="478"/>
           <ac:picMkLst>
@@ -654,11 +755,35 @@
           </ac:picMkLst>
         </pc:picChg>
         <pc:picChg chg="add del mod">
+          <ac:chgData name="Ольга Платонова" userId="b7a68a3ec46e1b54" providerId="LiveId" clId="{1F07ACF5-96D4-4BB6-B0A8-48BFF323F040}" dt="2022-05-29T12:47:40.599" v="5849" actId="478"/>
+          <ac:picMkLst>
+            <pc:docMk/>
+            <pc:sldMk cId="2402547047" sldId="266"/>
+            <ac:picMk id="11" creationId="{4C7CD8B2-DF60-A74B-2A19-3F2754E86297}"/>
+          </ac:picMkLst>
+        </pc:picChg>
+        <pc:picChg chg="add del mod">
           <ac:chgData name="Ольга Платонова" userId="b7a68a3ec46e1b54" providerId="LiveId" clId="{1F07ACF5-96D4-4BB6-B0A8-48BFF323F040}" dt="2022-05-27T21:33:27.686" v="4056" actId="478"/>
           <ac:picMkLst>
             <pc:docMk/>
             <pc:sldMk cId="2402547047" sldId="266"/>
             <ac:picMk id="12" creationId="{9CEB407D-9E51-BBF1-2E0E-3B5485ECE3CE}"/>
+          </ac:picMkLst>
+        </pc:picChg>
+        <pc:picChg chg="add del mod">
+          <ac:chgData name="Ольга Платонова" userId="b7a68a3ec46e1b54" providerId="LiveId" clId="{1F07ACF5-96D4-4BB6-B0A8-48BFF323F040}" dt="2022-05-29T12:50:51.435" v="5866" actId="478"/>
+          <ac:picMkLst>
+            <pc:docMk/>
+            <pc:sldMk cId="2402547047" sldId="266"/>
+            <ac:picMk id="13" creationId="{DF520CA0-53D5-64FC-FC98-1BBE1D5381DB}"/>
+          </ac:picMkLst>
+        </pc:picChg>
+        <pc:picChg chg="add del mod">
+          <ac:chgData name="Ольга Платонова" userId="b7a68a3ec46e1b54" providerId="LiveId" clId="{1F07ACF5-96D4-4BB6-B0A8-48BFF323F040}" dt="2022-05-29T15:13:44.310" v="7289" actId="478"/>
+          <ac:picMkLst>
+            <pc:docMk/>
+            <pc:sldMk cId="2402547047" sldId="266"/>
+            <ac:picMk id="15" creationId="{4681BC7B-53BD-AC7F-C6EE-D94E5D66820F}"/>
           </ac:picMkLst>
         </pc:picChg>
         <pc:cxnChg chg="add del mod">
@@ -669,15 +794,23 @@
             <ac:cxnSpMk id="14" creationId="{8BF3890D-A7B0-CF9B-0C21-7A7B8BCE8E85}"/>
           </ac:cxnSpMkLst>
         </pc:cxnChg>
+        <pc:cxnChg chg="add del mod">
+          <ac:chgData name="Ольга Платонова" userId="b7a68a3ec46e1b54" providerId="LiveId" clId="{1F07ACF5-96D4-4BB6-B0A8-48BFF323F040}" dt="2022-05-29T15:05:39.041" v="7288" actId="478"/>
+          <ac:cxnSpMkLst>
+            <pc:docMk/>
+            <pc:sldMk cId="2402547047" sldId="266"/>
+            <ac:cxnSpMk id="17" creationId="{328C179F-D6E3-71A3-B181-F29BE69A2418}"/>
+          </ac:cxnSpMkLst>
+        </pc:cxnChg>
       </pc:sldChg>
-      <pc:sldChg chg="addSp delSp modSp mod">
-        <pc:chgData name="Ольга Платонова" userId="b7a68a3ec46e1b54" providerId="LiveId" clId="{1F07ACF5-96D4-4BB6-B0A8-48BFF323F040}" dt="2022-05-27T20:34:28.001" v="3973" actId="20577"/>
+      <pc:sldChg chg="addSp delSp modSp mod addCm">
+        <pc:chgData name="Ольга Платонова" userId="b7a68a3ec46e1b54" providerId="LiveId" clId="{1F07ACF5-96D4-4BB6-B0A8-48BFF323F040}" dt="2022-05-29T14:02:02.203" v="6982"/>
         <pc:sldMkLst>
           <pc:docMk/>
           <pc:sldMk cId="2523793028" sldId="267"/>
         </pc:sldMkLst>
         <pc:spChg chg="mod">
-          <ac:chgData name="Ольга Платонова" userId="b7a68a3ec46e1b54" providerId="LiveId" clId="{1F07ACF5-96D4-4BB6-B0A8-48BFF323F040}" dt="2022-05-27T19:04:35.049" v="2695"/>
+          <ac:chgData name="Ольга Платонова" userId="b7a68a3ec46e1b54" providerId="LiveId" clId="{1F07ACF5-96D4-4BB6-B0A8-48BFF323F040}" dt="2022-05-29T13:26:42.192" v="6363" actId="20577"/>
           <ac:spMkLst>
             <pc:docMk/>
             <pc:sldMk cId="2523793028" sldId="267"/>
@@ -693,7 +826,7 @@
           </ac:spMkLst>
         </pc:spChg>
         <pc:spChg chg="add mod">
-          <ac:chgData name="Ольга Платонова" userId="b7a68a3ec46e1b54" providerId="LiveId" clId="{1F07ACF5-96D4-4BB6-B0A8-48BFF323F040}" dt="2022-05-26T20:40:39.836" v="1525" actId="1076"/>
+          <ac:chgData name="Ольга Платонова" userId="b7a68a3ec46e1b54" providerId="LiveId" clId="{1F07ACF5-96D4-4BB6-B0A8-48BFF323F040}" dt="2022-05-29T13:26:01.830" v="6351" actId="1076"/>
           <ac:spMkLst>
             <pc:docMk/>
             <pc:sldMk cId="2523793028" sldId="267"/>
@@ -708,8 +841,8 @@
             <ac:spMk id="7" creationId="{3370C315-62A7-7D88-7419-DBAAA7EACBCD}"/>
           </ac:spMkLst>
         </pc:spChg>
-        <pc:spChg chg="add mod">
-          <ac:chgData name="Ольга Платонова" userId="b7a68a3ec46e1b54" providerId="LiveId" clId="{1F07ACF5-96D4-4BB6-B0A8-48BFF323F040}" dt="2022-05-27T20:34:28.001" v="3973" actId="20577"/>
+        <pc:spChg chg="add del mod">
+          <ac:chgData name="Ольга Платонова" userId="b7a68a3ec46e1b54" providerId="LiveId" clId="{1F07ACF5-96D4-4BB6-B0A8-48BFF323F040}" dt="2022-05-28T22:40:44.269" v="4855" actId="478"/>
           <ac:spMkLst>
             <pc:docMk/>
             <pc:sldMk cId="2523793028" sldId="267"/>
@@ -717,7 +850,7 @@
           </ac:spMkLst>
         </pc:spChg>
         <pc:graphicFrameChg chg="mod">
-          <ac:chgData name="Ольга Платонова" userId="b7a68a3ec46e1b54" providerId="LiveId" clId="{1F07ACF5-96D4-4BB6-B0A8-48BFF323F040}" dt="2022-05-26T22:06:58.653" v="1937" actId="2"/>
+          <ac:chgData name="Ольга Платонова" userId="b7a68a3ec46e1b54" providerId="LiveId" clId="{1F07ACF5-96D4-4BB6-B0A8-48BFF323F040}" dt="2022-05-28T22:44:44.017" v="4966" actId="20577"/>
           <ac:graphicFrameMkLst>
             <pc:docMk/>
             <pc:sldMk cId="2523793028" sldId="267"/>
@@ -725,14 +858,14 @@
           </ac:graphicFrameMkLst>
         </pc:graphicFrameChg>
       </pc:sldChg>
-      <pc:sldChg chg="addSp delSp modSp mod">
-        <pc:chgData name="Ольга Платонова" userId="b7a68a3ec46e1b54" providerId="LiveId" clId="{1F07ACF5-96D4-4BB6-B0A8-48BFF323F040}" dt="2022-05-27T20:35:56.321" v="4017" actId="20577"/>
+      <pc:sldChg chg="addSp delSp modSp mod addCm">
+        <pc:chgData name="Ольга Платонова" userId="b7a68a3ec46e1b54" providerId="LiveId" clId="{1F07ACF5-96D4-4BB6-B0A8-48BFF323F040}" dt="2022-05-29T14:01:08.215" v="6981"/>
         <pc:sldMkLst>
           <pc:docMk/>
           <pc:sldMk cId="60974364" sldId="268"/>
         </pc:sldMkLst>
         <pc:spChg chg="mod">
-          <ac:chgData name="Ольга Платонова" userId="b7a68a3ec46e1b54" providerId="LiveId" clId="{1F07ACF5-96D4-4BB6-B0A8-48BFF323F040}" dt="2022-05-27T20:35:56.321" v="4017" actId="20577"/>
+          <ac:chgData name="Ольга Платонова" userId="b7a68a3ec46e1b54" providerId="LiveId" clId="{1F07ACF5-96D4-4BB6-B0A8-48BFF323F040}" dt="2022-05-28T22:46:30.978" v="5011" actId="20577"/>
           <ac:spMkLst>
             <pc:docMk/>
             <pc:sldMk cId="60974364" sldId="268"/>
@@ -756,7 +889,7 @@
           </ac:spMkLst>
         </pc:spChg>
         <pc:spChg chg="add mod">
-          <ac:chgData name="Ольга Платонова" userId="b7a68a3ec46e1b54" providerId="LiveId" clId="{1F07ACF5-96D4-4BB6-B0A8-48BFF323F040}" dt="2022-05-27T20:35:33.481" v="4003" actId="1076"/>
+          <ac:chgData name="Ольга Платонова" userId="b7a68a3ec46e1b54" providerId="LiveId" clId="{1F07ACF5-96D4-4BB6-B0A8-48BFF323F040}" dt="2022-05-29T13:28:26.805" v="6392" actId="1076"/>
           <ac:spMkLst>
             <pc:docMk/>
             <pc:sldMk cId="60974364" sldId="268"/>
@@ -764,7 +897,7 @@
           </ac:spMkLst>
         </pc:spChg>
         <pc:graphicFrameChg chg="mod">
-          <ac:chgData name="Ольга Платонова" userId="b7a68a3ec46e1b54" providerId="LiveId" clId="{1F07ACF5-96D4-4BB6-B0A8-48BFF323F040}" dt="2022-05-27T20:35:29.526" v="4002" actId="1076"/>
+          <ac:chgData name="Ольга Платонова" userId="b7a68a3ec46e1b54" providerId="LiveId" clId="{1F07ACF5-96D4-4BB6-B0A8-48BFF323F040}" dt="2022-05-29T13:53:05.065" v="6855"/>
           <ac:graphicFrameMkLst>
             <pc:docMk/>
             <pc:sldMk cId="60974364" sldId="268"/>
@@ -772,14 +905,14 @@
           </ac:graphicFrameMkLst>
         </pc:graphicFrameChg>
       </pc:sldChg>
-      <pc:sldChg chg="addSp modSp mod">
-        <pc:chgData name="Ольга Платонова" userId="b7a68a3ec46e1b54" providerId="LiveId" clId="{1F07ACF5-96D4-4BB6-B0A8-48BFF323F040}" dt="2022-05-27T23:03:26.596" v="4210" actId="2062"/>
+      <pc:sldChg chg="addSp modSp mod addCm">
+        <pc:chgData name="Ольга Платонова" userId="b7a68a3ec46e1b54" providerId="LiveId" clId="{1F07ACF5-96D4-4BB6-B0A8-48BFF323F040}" dt="2022-05-29T13:59:48.469" v="6980"/>
         <pc:sldMkLst>
           <pc:docMk/>
           <pc:sldMk cId="249996658" sldId="269"/>
         </pc:sldMkLst>
         <pc:spChg chg="mod">
-          <ac:chgData name="Ольга Платонова" userId="b7a68a3ec46e1b54" providerId="LiveId" clId="{1F07ACF5-96D4-4BB6-B0A8-48BFF323F040}" dt="2022-05-26T19:50:36.827" v="1416" actId="2711"/>
+          <ac:chgData name="Ольга Платонова" userId="b7a68a3ec46e1b54" providerId="LiveId" clId="{1F07ACF5-96D4-4BB6-B0A8-48BFF323F040}" dt="2022-05-28T22:35:19.994" v="4792" actId="20577"/>
           <ac:spMkLst>
             <pc:docMk/>
             <pc:sldMk cId="249996658" sldId="269"/>
@@ -795,7 +928,7 @@
           </ac:spMkLst>
         </pc:spChg>
         <pc:spChg chg="add mod">
-          <ac:chgData name="Ольга Платонова" userId="b7a68a3ec46e1b54" providerId="LiveId" clId="{1F07ACF5-96D4-4BB6-B0A8-48BFF323F040}" dt="2022-05-26T19:54:28.047" v="1448" actId="20577"/>
+          <ac:chgData name="Ольга Платонова" userId="b7a68a3ec46e1b54" providerId="LiveId" clId="{1F07ACF5-96D4-4BB6-B0A8-48BFF323F040}" dt="2022-05-29T13:57:54.767" v="6979" actId="20577"/>
           <ac:spMkLst>
             <pc:docMk/>
             <pc:sldMk cId="249996658" sldId="269"/>
@@ -803,7 +936,7 @@
           </ac:spMkLst>
         </pc:spChg>
         <pc:graphicFrameChg chg="mod modGraphic">
-          <ac:chgData name="Ольга Платонова" userId="b7a68a3ec46e1b54" providerId="LiveId" clId="{1F07ACF5-96D4-4BB6-B0A8-48BFF323F040}" dt="2022-05-27T23:03:26.596" v="4210" actId="2062"/>
+          <ac:chgData name="Ольга Платонова" userId="b7a68a3ec46e1b54" providerId="LiveId" clId="{1F07ACF5-96D4-4BB6-B0A8-48BFF323F040}" dt="2022-05-29T13:55:11.651" v="6913" actId="1076"/>
           <ac:graphicFrameMkLst>
             <pc:docMk/>
             <pc:sldMk cId="249996658" sldId="269"/>
@@ -812,7 +945,7 @@
         </pc:graphicFrameChg>
       </pc:sldChg>
       <pc:sldChg chg="addSp delSp modSp mod">
-        <pc:chgData name="Ольга Платонова" userId="b7a68a3ec46e1b54" providerId="LiveId" clId="{1F07ACF5-96D4-4BB6-B0A8-48BFF323F040}" dt="2022-05-27T22:54:11.435" v="4173" actId="20577"/>
+        <pc:chgData name="Ольга Платонова" userId="b7a68a3ec46e1b54" providerId="LiveId" clId="{1F07ACF5-96D4-4BB6-B0A8-48BFF323F040}" dt="2022-05-28T23:17:03.160" v="5284" actId="20577"/>
         <pc:sldMkLst>
           <pc:docMk/>
           <pc:sldMk cId="303095163" sldId="270"/>
@@ -826,7 +959,7 @@
           </ac:spMkLst>
         </pc:spChg>
         <pc:spChg chg="mod">
-          <ac:chgData name="Ольга Платонова" userId="b7a68a3ec46e1b54" providerId="LiveId" clId="{1F07ACF5-96D4-4BB6-B0A8-48BFF323F040}" dt="2022-05-27T22:54:11.435" v="4173" actId="20577"/>
+          <ac:chgData name="Ольга Платонова" userId="b7a68a3ec46e1b54" providerId="LiveId" clId="{1F07ACF5-96D4-4BB6-B0A8-48BFF323F040}" dt="2022-05-28T23:17:03.160" v="5284" actId="20577"/>
           <ac:spMkLst>
             <pc:docMk/>
             <pc:sldMk cId="303095163" sldId="270"/>
@@ -859,7 +992,7 @@
         </pc:spChg>
       </pc:sldChg>
       <pc:sldChg chg="modSp mod">
-        <pc:chgData name="Ольга Платонова" userId="b7a68a3ec46e1b54" providerId="LiveId" clId="{1F07ACF5-96D4-4BB6-B0A8-48BFF323F040}" dt="2022-05-27T20:33:32.416" v="3963" actId="20577"/>
+        <pc:chgData name="Ольга Платонова" userId="b7a68a3ec46e1b54" providerId="LiveId" clId="{1F07ACF5-96D4-4BB6-B0A8-48BFF323F040}" dt="2022-05-28T22:33:47.330" v="4717" actId="20577"/>
         <pc:sldMkLst>
           <pc:docMk/>
           <pc:sldMk cId="1859900911" sldId="271"/>
@@ -873,7 +1006,7 @@
           </ac:spMkLst>
         </pc:spChg>
         <pc:spChg chg="mod">
-          <ac:chgData name="Ольга Платонова" userId="b7a68a3ec46e1b54" providerId="LiveId" clId="{1F07ACF5-96D4-4BB6-B0A8-48BFF323F040}" dt="2022-05-27T20:33:32.416" v="3963" actId="20577"/>
+          <ac:chgData name="Ольга Платонова" userId="b7a68a3ec46e1b54" providerId="LiveId" clId="{1F07ACF5-96D4-4BB6-B0A8-48BFF323F040}" dt="2022-05-28T22:33:47.330" v="4717" actId="20577"/>
           <ac:spMkLst>
             <pc:docMk/>
             <pc:sldMk cId="1859900911" sldId="271"/>
@@ -889,8 +1022,8 @@
           </ac:spMkLst>
         </pc:spChg>
       </pc:sldChg>
-      <pc:sldChg chg="addSp delSp modSp add mod delCm modCm">
-        <pc:chgData name="Ольга Платонова" userId="b7a68a3ec46e1b54" providerId="LiveId" clId="{1F07ACF5-96D4-4BB6-B0A8-48BFF323F040}" dt="2022-05-27T17:58:25.377" v="2358" actId="1076"/>
+      <pc:sldChg chg="addSp delSp modSp add del mod delCm modCm">
+        <pc:chgData name="Ольга Платонова" userId="b7a68a3ec46e1b54" providerId="LiveId" clId="{1F07ACF5-96D4-4BB6-B0A8-48BFF323F040}" dt="2022-05-28T19:52:46.688" v="4270" actId="47"/>
         <pc:sldMkLst>
           <pc:docMk/>
           <pc:sldMk cId="612401859" sldId="272"/>
@@ -951,16 +1084,16 @@
             <ac:spMk id="13" creationId="{3458F0EB-DE85-4C9B-D93E-68728FD3E221}"/>
           </ac:spMkLst>
         </pc:spChg>
-        <pc:spChg chg="add mod">
-          <ac:chgData name="Ольга Платонова" userId="b7a68a3ec46e1b54" providerId="LiveId" clId="{1F07ACF5-96D4-4BB6-B0A8-48BFF323F040}" dt="2022-05-27T17:57:58.616" v="2355" actId="1076"/>
+        <pc:spChg chg="add del mod">
+          <ac:chgData name="Ольга Платонова" userId="b7a68a3ec46e1b54" providerId="LiveId" clId="{1F07ACF5-96D4-4BB6-B0A8-48BFF323F040}" dt="2022-05-28T19:52:24.796" v="4265" actId="478"/>
           <ac:spMkLst>
             <pc:docMk/>
             <pc:sldMk cId="612401859" sldId="272"/>
             <ac:spMk id="15" creationId="{E667541D-299D-41CF-3769-143D6E9120DA}"/>
           </ac:spMkLst>
         </pc:spChg>
-        <pc:spChg chg="add mod">
-          <ac:chgData name="Ольга Платонова" userId="b7a68a3ec46e1b54" providerId="LiveId" clId="{1F07ACF5-96D4-4BB6-B0A8-48BFF323F040}" dt="2022-05-27T17:57:56.522" v="2350" actId="1076"/>
+        <pc:spChg chg="add del mod">
+          <ac:chgData name="Ольга Платонова" userId="b7a68a3ec46e1b54" providerId="LiveId" clId="{1F07ACF5-96D4-4BB6-B0A8-48BFF323F040}" dt="2022-05-28T19:52:26.750" v="4266" actId="478"/>
           <ac:spMkLst>
             <pc:docMk/>
             <pc:sldMk cId="612401859" sldId="272"/>
@@ -998,8 +1131,8 @@
           <pc:sldMk cId="2846990305" sldId="272"/>
         </pc:sldMkLst>
       </pc:sldChg>
-      <pc:sldChg chg="addSp delSp modSp add mod">
-        <pc:chgData name="Ольга Платонова" userId="b7a68a3ec46e1b54" providerId="LiveId" clId="{1F07ACF5-96D4-4BB6-B0A8-48BFF323F040}" dt="2022-05-27T18:17:49.038" v="2585"/>
+      <pc:sldChg chg="addSp delSp modSp add mod addCm modCm">
+        <pc:chgData name="Ольга Платонова" userId="b7a68a3ec46e1b54" providerId="LiveId" clId="{1F07ACF5-96D4-4BB6-B0A8-48BFF323F040}" dt="2022-05-29T14:59:26.165" v="7275" actId="1076"/>
         <pc:sldMkLst>
           <pc:docMk/>
           <pc:sldMk cId="3515134166" sldId="273"/>
@@ -1021,7 +1154,31 @@
           </ac:spMkLst>
         </pc:spChg>
         <pc:picChg chg="add mod">
-          <ac:chgData name="Ольга Платонова" userId="b7a68a3ec46e1b54" providerId="LiveId" clId="{1F07ACF5-96D4-4BB6-B0A8-48BFF323F040}" dt="2022-05-26T19:01:04.040" v="1027" actId="1076"/>
+          <ac:chgData name="Ольга Платонова" userId="b7a68a3ec46e1b54" providerId="LiveId" clId="{1F07ACF5-96D4-4BB6-B0A8-48BFF323F040}" dt="2022-05-29T14:59:26.165" v="7275" actId="1076"/>
+          <ac:picMkLst>
+            <pc:docMk/>
+            <pc:sldMk cId="3515134166" sldId="273"/>
+            <ac:picMk id="5" creationId="{DF4EA37F-5816-6921-7401-E900B8B2D2BA}"/>
+          </ac:picMkLst>
+        </pc:picChg>
+        <pc:picChg chg="add del mod">
+          <ac:chgData name="Ольга Платонова" userId="b7a68a3ec46e1b54" providerId="LiveId" clId="{1F07ACF5-96D4-4BB6-B0A8-48BFF323F040}" dt="2022-05-29T11:38:57.867" v="5375" actId="478"/>
+          <ac:picMkLst>
+            <pc:docMk/>
+            <pc:sldMk cId="3515134166" sldId="273"/>
+            <ac:picMk id="5" creationId="{F2075A1D-F396-56A4-4A00-E53233D34D5C}"/>
+          </ac:picMkLst>
+        </pc:picChg>
+        <pc:picChg chg="add del mod">
+          <ac:chgData name="Ольга Платонова" userId="b7a68a3ec46e1b54" providerId="LiveId" clId="{1F07ACF5-96D4-4BB6-B0A8-48BFF323F040}" dt="2022-05-29T14:59:06.939" v="7270" actId="478"/>
+          <ac:picMkLst>
+            <pc:docMk/>
+            <pc:sldMk cId="3515134166" sldId="273"/>
+            <ac:picMk id="6" creationId="{664DC917-BC29-DC37-4282-4674635B2E30}"/>
+          </ac:picMkLst>
+        </pc:picChg>
+        <pc:picChg chg="add del mod">
+          <ac:chgData name="Ольга Платонова" userId="b7a68a3ec46e1b54" providerId="LiveId" clId="{1F07ACF5-96D4-4BB6-B0A8-48BFF323F040}" dt="2022-05-29T00:41:26.290" v="5363" actId="478"/>
           <ac:picMkLst>
             <pc:docMk/>
             <pc:sldMk cId="3515134166" sldId="273"/>
@@ -1052,14 +1209,14 @@
           </ac:spMkLst>
         </pc:spChg>
       </pc:sldChg>
-      <pc:sldChg chg="addSp delSp modSp add mod">
-        <pc:chgData name="Ольга Платонова" userId="b7a68a3ec46e1b54" providerId="LiveId" clId="{1F07ACF5-96D4-4BB6-B0A8-48BFF323F040}" dt="2022-05-27T20:53:41.803" v="4046" actId="1076"/>
+      <pc:sldChg chg="addSp delSp modSp add mod addCm">
+        <pc:chgData name="Ольга Платонова" userId="b7a68a3ec46e1b54" providerId="LiveId" clId="{1F07ACF5-96D4-4BB6-B0A8-48BFF323F040}" dt="2022-05-29T14:02:53.220" v="6983"/>
         <pc:sldMkLst>
           <pc:docMk/>
           <pc:sldMk cId="2983278968" sldId="274"/>
         </pc:sldMkLst>
         <pc:spChg chg="mod">
-          <ac:chgData name="Ольга Платонова" userId="b7a68a3ec46e1b54" providerId="LiveId" clId="{1F07ACF5-96D4-4BB6-B0A8-48BFF323F040}" dt="2022-05-26T19:28:07.169" v="1303" actId="20577"/>
+          <ac:chgData name="Ольга Платонова" userId="b7a68a3ec46e1b54" providerId="LiveId" clId="{1F07ACF5-96D4-4BB6-B0A8-48BFF323F040}" dt="2022-05-29T13:52:33.012" v="6853" actId="20577"/>
           <ac:spMkLst>
             <pc:docMk/>
             <pc:sldMk cId="2983278968" sldId="274"/>
@@ -1083,15 +1240,15 @@
           </ac:spMkLst>
         </pc:spChg>
         <pc:spChg chg="add mod">
-          <ac:chgData name="Ольга Платонова" userId="b7a68a3ec46e1b54" providerId="LiveId" clId="{1F07ACF5-96D4-4BB6-B0A8-48BFF323F040}" dt="2022-05-27T20:53:41.803" v="4046" actId="1076"/>
+          <ac:chgData name="Ольга Платонова" userId="b7a68a3ec46e1b54" providerId="LiveId" clId="{1F07ACF5-96D4-4BB6-B0A8-48BFF323F040}" dt="2022-05-29T13:25:01.583" v="6348" actId="1076"/>
           <ac:spMkLst>
             <pc:docMk/>
             <pc:sldMk cId="2983278968" sldId="274"/>
             <ac:spMk id="11" creationId="{7836B703-A15B-F8DB-7358-B718129E9057}"/>
           </ac:spMkLst>
         </pc:spChg>
-        <pc:spChg chg="add mod">
-          <ac:chgData name="Ольга Платонова" userId="b7a68a3ec46e1b54" providerId="LiveId" clId="{1F07ACF5-96D4-4BB6-B0A8-48BFF323F040}" dt="2022-05-26T20:53:48.270" v="1830" actId="14100"/>
+        <pc:spChg chg="add del mod">
+          <ac:chgData name="Ольга Платонова" userId="b7a68a3ec46e1b54" providerId="LiveId" clId="{1F07ACF5-96D4-4BB6-B0A8-48BFF323F040}" dt="2022-05-29T13:23:55.587" v="6339" actId="478"/>
           <ac:spMkLst>
             <pc:docMk/>
             <pc:sldMk cId="2983278968" sldId="274"/>
@@ -1115,7 +1272,7 @@
           </ac:picMkLst>
         </pc:picChg>
         <pc:picChg chg="add mod">
-          <ac:chgData name="Ольга Платонова" userId="b7a68a3ec46e1b54" providerId="LiveId" clId="{1F07ACF5-96D4-4BB6-B0A8-48BFF323F040}" dt="2022-05-27T20:52:26.580" v="4027" actId="1076"/>
+          <ac:chgData name="Ольга Платонова" userId="b7a68a3ec46e1b54" providerId="LiveId" clId="{1F07ACF5-96D4-4BB6-B0A8-48BFF323F040}" dt="2022-05-29T13:24:16.267" v="6344" actId="1076"/>
           <ac:picMkLst>
             <pc:docMk/>
             <pc:sldMk cId="2983278968" sldId="274"/>
@@ -1146,18 +1303,26 @@
           <pc:sldMk cId="1059064788" sldId="275"/>
         </pc:sldMkLst>
       </pc:sldChg>
-      <pc:sldChg chg="addSp delSp modSp add mod">
-        <pc:chgData name="Ольга Платонова" userId="b7a68a3ec46e1b54" providerId="LiveId" clId="{1F07ACF5-96D4-4BB6-B0A8-48BFF323F040}" dt="2022-05-27T23:02:08.592" v="4206" actId="1076"/>
+      <pc:sldChg chg="addSp delSp modSp add del mod addCm">
+        <pc:chgData name="Ольга Платонова" userId="b7a68a3ec46e1b54" providerId="LiveId" clId="{1F07ACF5-96D4-4BB6-B0A8-48BFF323F040}" dt="2022-05-29T14:38:10.943" v="7157" actId="47"/>
         <pc:sldMkLst>
           <pc:docMk/>
           <pc:sldMk cId="1949652332" sldId="275"/>
         </pc:sldMkLst>
         <pc:spChg chg="mod">
-          <ac:chgData name="Ольга Платонова" userId="b7a68a3ec46e1b54" providerId="LiveId" clId="{1F07ACF5-96D4-4BB6-B0A8-48BFF323F040}" dt="2022-05-27T22:56:25.704" v="4183" actId="20577"/>
+          <ac:chgData name="Ольга Платонова" userId="b7a68a3ec46e1b54" providerId="LiveId" clId="{1F07ACF5-96D4-4BB6-B0A8-48BFF323F040}" dt="2022-05-29T14:37:23.712" v="7151" actId="1076"/>
           <ac:spMkLst>
             <pc:docMk/>
             <pc:sldMk cId="1949652332" sldId="275"/>
             <ac:spMk id="2" creationId="{00000000-0000-0000-0000-000000000000}"/>
+          </ac:spMkLst>
+        </pc:spChg>
+        <pc:spChg chg="add del mod">
+          <ac:chgData name="Ольга Платонова" userId="b7a68a3ec46e1b54" providerId="LiveId" clId="{1F07ACF5-96D4-4BB6-B0A8-48BFF323F040}" dt="2022-05-29T14:37:42.438" v="7152" actId="478"/>
+          <ac:spMkLst>
+            <pc:docMk/>
+            <pc:sldMk cId="1949652332" sldId="275"/>
+            <ac:spMk id="7" creationId="{B6CF6230-B462-482C-8D36-F8159A1416AA}"/>
           </ac:spMkLst>
         </pc:spChg>
         <pc:picChg chg="add del mod">
@@ -1168,8 +1333,8 @@
             <ac:picMk id="5" creationId="{D612959F-5400-DF6D-6E96-AC48EB5F4F42}"/>
           </ac:picMkLst>
         </pc:picChg>
-        <pc:picChg chg="add mod">
-          <ac:chgData name="Ольга Платонова" userId="b7a68a3ec46e1b54" providerId="LiveId" clId="{1F07ACF5-96D4-4BB6-B0A8-48BFF323F040}" dt="2022-05-27T23:02:08.592" v="4206" actId="1076"/>
+        <pc:picChg chg="add del mod">
+          <ac:chgData name="Ольга Платонова" userId="b7a68a3ec46e1b54" providerId="LiveId" clId="{1F07ACF5-96D4-4BB6-B0A8-48BFF323F040}" dt="2022-05-29T14:37:44.677" v="7153" actId="478"/>
           <ac:picMkLst>
             <pc:docMk/>
             <pc:sldMk cId="1949652332" sldId="275"/>
@@ -1184,6 +1349,282 @@
             <ac:picMk id="11" creationId="{35EB8F00-4603-F685-1BBF-1EA5425FB663}"/>
           </ac:picMkLst>
         </pc:picChg>
+      </pc:sldChg>
+      <pc:sldChg chg="addSp delSp modSp add del mod modCm">
+        <pc:chgData name="Ольга Платонова" userId="b7a68a3ec46e1b54" providerId="LiveId" clId="{1F07ACF5-96D4-4BB6-B0A8-48BFF323F040}" dt="2022-05-29T14:49:08.852" v="7225" actId="47"/>
+        <pc:sldMkLst>
+          <pc:docMk/>
+          <pc:sldMk cId="1023937611" sldId="276"/>
+        </pc:sldMkLst>
+        <pc:spChg chg="mod">
+          <ac:chgData name="Ольга Платонова" userId="b7a68a3ec46e1b54" providerId="LiveId" clId="{1F07ACF5-96D4-4BB6-B0A8-48BFF323F040}" dt="2022-05-29T14:37:53.839" v="7155"/>
+          <ac:spMkLst>
+            <pc:docMk/>
+            <pc:sldMk cId="1023937611" sldId="276"/>
+            <ac:spMk id="2" creationId="{00000000-0000-0000-0000-000000000000}"/>
+          </ac:spMkLst>
+        </pc:spChg>
+        <pc:spChg chg="del mod">
+          <ac:chgData name="Ольга Платонова" userId="b7a68a3ec46e1b54" providerId="LiveId" clId="{1F07ACF5-96D4-4BB6-B0A8-48BFF323F040}" dt="2022-05-29T14:38:20.655" v="7163" actId="478"/>
+          <ac:spMkLst>
+            <pc:docMk/>
+            <pc:sldMk cId="1023937611" sldId="276"/>
+            <ac:spMk id="8" creationId="{D54F2642-CED2-7AA0-A346-6A533FF6792B}"/>
+          </ac:spMkLst>
+        </pc:spChg>
+        <pc:spChg chg="del">
+          <ac:chgData name="Ольга Платонова" userId="b7a68a3ec46e1b54" providerId="LiveId" clId="{1F07ACF5-96D4-4BB6-B0A8-48BFF323F040}" dt="2022-05-29T14:38:19.669" v="7162" actId="478"/>
+          <ac:spMkLst>
+            <pc:docMk/>
+            <pc:sldMk cId="1023937611" sldId="276"/>
+            <ac:spMk id="9" creationId="{18BA6212-B213-6B23-1A66-0037CE577FF7}"/>
+          </ac:spMkLst>
+        </pc:spChg>
+        <pc:picChg chg="add del mod">
+          <ac:chgData name="Ольга Платонова" userId="b7a68a3ec46e1b54" providerId="LiveId" clId="{1F07ACF5-96D4-4BB6-B0A8-48BFF323F040}" dt="2022-05-29T14:43:27.852" v="7178" actId="478"/>
+          <ac:picMkLst>
+            <pc:docMk/>
+            <pc:sldMk cId="1023937611" sldId="276"/>
+            <ac:picMk id="5" creationId="{2829C084-F6F7-F224-BAB2-0C6ADE8B2739}"/>
+          </ac:picMkLst>
+        </pc:picChg>
+        <pc:picChg chg="add del mod">
+          <ac:chgData name="Ольга Платонова" userId="b7a68a3ec46e1b54" providerId="LiveId" clId="{1F07ACF5-96D4-4BB6-B0A8-48BFF323F040}" dt="2022-05-29T14:43:28.743" v="7179" actId="478"/>
+          <ac:picMkLst>
+            <pc:docMk/>
+            <pc:sldMk cId="1023937611" sldId="276"/>
+            <ac:picMk id="7" creationId="{58FCF205-5E9E-6073-298A-32C5B209C82B}"/>
+          </ac:picMkLst>
+        </pc:picChg>
+        <pc:picChg chg="del">
+          <ac:chgData name="Ольга Платонова" userId="b7a68a3ec46e1b54" providerId="LiveId" clId="{1F07ACF5-96D4-4BB6-B0A8-48BFF323F040}" dt="2022-05-29T14:38:17.824" v="7160" actId="478"/>
+          <ac:picMkLst>
+            <pc:docMk/>
+            <pc:sldMk cId="1023937611" sldId="276"/>
+            <ac:picMk id="10" creationId="{3FEB745E-7155-1A52-5B94-94CDA90D95DD}"/>
+          </ac:picMkLst>
+        </pc:picChg>
+        <pc:picChg chg="add del mod ord">
+          <ac:chgData name="Ольга Платонова" userId="b7a68a3ec46e1b54" providerId="LiveId" clId="{1F07ACF5-96D4-4BB6-B0A8-48BFF323F040}" dt="2022-05-29T14:47:10.058" v="7189" actId="478"/>
+          <ac:picMkLst>
+            <pc:docMk/>
+            <pc:sldMk cId="1023937611" sldId="276"/>
+            <ac:picMk id="12" creationId="{AEAA0470-D30F-7711-883F-D1AFA75CCC18}"/>
+          </ac:picMkLst>
+        </pc:picChg>
+        <pc:picChg chg="add mod">
+          <ac:chgData name="Ольга Платонова" userId="b7a68a3ec46e1b54" providerId="LiveId" clId="{1F07ACF5-96D4-4BB6-B0A8-48BFF323F040}" dt="2022-05-29T14:47:55.006" v="7209" actId="1076"/>
+          <ac:picMkLst>
+            <pc:docMk/>
+            <pc:sldMk cId="1023937611" sldId="276"/>
+            <ac:picMk id="14" creationId="{B9FAD057-266F-2A4E-36DB-795BDAFBCE3C}"/>
+          </ac:picMkLst>
+        </pc:picChg>
+        <pc:picChg chg="del">
+          <ac:chgData name="Ольга Платонова" userId="b7a68a3ec46e1b54" providerId="LiveId" clId="{1F07ACF5-96D4-4BB6-B0A8-48BFF323F040}" dt="2022-05-29T14:38:15.980" v="7158" actId="478"/>
+          <ac:picMkLst>
+            <pc:docMk/>
+            <pc:sldMk cId="1023937611" sldId="276"/>
+            <ac:picMk id="15" creationId="{4681BC7B-53BD-AC7F-C6EE-D94E5D66820F}"/>
+          </ac:picMkLst>
+        </pc:picChg>
+        <pc:picChg chg="add del mod">
+          <ac:chgData name="Ольга Платонова" userId="b7a68a3ec46e1b54" providerId="LiveId" clId="{1F07ACF5-96D4-4BB6-B0A8-48BFF323F040}" dt="2022-05-29T14:47:49.942" v="7206"/>
+          <ac:picMkLst>
+            <pc:docMk/>
+            <pc:sldMk cId="1023937611" sldId="276"/>
+            <ac:picMk id="18" creationId="{B1738897-E3AC-01F8-9BB9-8E48E2EB1134}"/>
+          </ac:picMkLst>
+        </pc:picChg>
+        <pc:picChg chg="add mod">
+          <ac:chgData name="Ольга Платонова" userId="b7a68a3ec46e1b54" providerId="LiveId" clId="{1F07ACF5-96D4-4BB6-B0A8-48BFF323F040}" dt="2022-05-29T14:48:05.481" v="7213" actId="1076"/>
+          <ac:picMkLst>
+            <pc:docMk/>
+            <pc:sldMk cId="1023937611" sldId="276"/>
+            <ac:picMk id="20" creationId="{E728FA1D-F20F-A0EC-11E9-10E0157C1E64}"/>
+          </ac:picMkLst>
+        </pc:picChg>
+        <pc:cxnChg chg="del">
+          <ac:chgData name="Ольга Платонова" userId="b7a68a3ec46e1b54" providerId="LiveId" clId="{1F07ACF5-96D4-4BB6-B0A8-48BFF323F040}" dt="2022-05-29T14:38:17.403" v="7159" actId="478"/>
+          <ac:cxnSpMkLst>
+            <pc:docMk/>
+            <pc:sldMk cId="1023937611" sldId="276"/>
+            <ac:cxnSpMk id="17" creationId="{328C179F-D6E3-71A3-B181-F29BE69A2418}"/>
+          </ac:cxnSpMkLst>
+        </pc:cxnChg>
+      </pc:sldChg>
+      <pc:sldChg chg="addSp delSp modSp add mod modCm">
+        <pc:chgData name="Ольга Платонова" userId="b7a68a3ec46e1b54" providerId="LiveId" clId="{1F07ACF5-96D4-4BB6-B0A8-48BFF323F040}" dt="2022-05-29T15:15:14.632" v="7304" actId="1076"/>
+        <pc:sldMkLst>
+          <pc:docMk/>
+          <pc:sldMk cId="4202505179" sldId="277"/>
+        </pc:sldMkLst>
+        <pc:spChg chg="mod">
+          <ac:chgData name="Ольга Платонова" userId="b7a68a3ec46e1b54" providerId="LiveId" clId="{1F07ACF5-96D4-4BB6-B0A8-48BFF323F040}" dt="2022-05-29T15:15:14.632" v="7304" actId="1076"/>
+          <ac:spMkLst>
+            <pc:docMk/>
+            <pc:sldMk cId="4202505179" sldId="277"/>
+            <ac:spMk id="2" creationId="{00000000-0000-0000-0000-000000000000}"/>
+          </ac:spMkLst>
+        </pc:spChg>
+        <pc:spChg chg="add mod">
+          <ac:chgData name="Ольга Платонова" userId="b7a68a3ec46e1b54" providerId="LiveId" clId="{1F07ACF5-96D4-4BB6-B0A8-48BFF323F040}" dt="2022-05-29T15:15:09.409" v="7303" actId="1076"/>
+          <ac:spMkLst>
+            <pc:docMk/>
+            <pc:sldMk cId="4202505179" sldId="277"/>
+            <ac:spMk id="3" creationId="{F49073B8-27F7-174C-28CD-6E15A5CFB138}"/>
+          </ac:spMkLst>
+        </pc:spChg>
+        <pc:spChg chg="del">
+          <ac:chgData name="Ольга Платонова" userId="b7a68a3ec46e1b54" providerId="LiveId" clId="{1F07ACF5-96D4-4BB6-B0A8-48BFF323F040}" dt="2022-05-29T14:48:26.064" v="7217" actId="478"/>
+          <ac:spMkLst>
+            <pc:docMk/>
+            <pc:sldMk cId="4202505179" sldId="277"/>
+            <ac:spMk id="8" creationId="{D54F2642-CED2-7AA0-A346-6A533FF6792B}"/>
+          </ac:spMkLst>
+        </pc:spChg>
+        <pc:spChg chg="del">
+          <ac:chgData name="Ольга Платонова" userId="b7a68a3ec46e1b54" providerId="LiveId" clId="{1F07ACF5-96D4-4BB6-B0A8-48BFF323F040}" dt="2022-05-29T14:48:24.563" v="7215" actId="478"/>
+          <ac:spMkLst>
+            <pc:docMk/>
+            <pc:sldMk cId="4202505179" sldId="277"/>
+            <ac:spMk id="9" creationId="{18BA6212-B213-6B23-1A66-0037CE577FF7}"/>
+          </ac:spMkLst>
+        </pc:spChg>
+        <pc:picChg chg="del">
+          <ac:chgData name="Ольга Платонова" userId="b7a68a3ec46e1b54" providerId="LiveId" clId="{1F07ACF5-96D4-4BB6-B0A8-48BFF323F040}" dt="2022-05-29T14:48:25.080" v="7216" actId="478"/>
+          <ac:picMkLst>
+            <pc:docMk/>
+            <pc:sldMk cId="4202505179" sldId="277"/>
+            <ac:picMk id="10" creationId="{3FEB745E-7155-1A52-5B94-94CDA90D95DD}"/>
+          </ac:picMkLst>
+        </pc:picChg>
+        <pc:picChg chg="add mod">
+          <ac:chgData name="Ольга Платонова" userId="b7a68a3ec46e1b54" providerId="LiveId" clId="{1F07ACF5-96D4-4BB6-B0A8-48BFF323F040}" dt="2022-05-29T15:15:03.874" v="7302" actId="1076"/>
+          <ac:picMkLst>
+            <pc:docMk/>
+            <pc:sldMk cId="4202505179" sldId="277"/>
+            <ac:picMk id="11" creationId="{D76476DF-8F58-2051-E7CB-7BA64333F282}"/>
+          </ac:picMkLst>
+        </pc:picChg>
+        <pc:picChg chg="add mod">
+          <ac:chgData name="Ольга Платонова" userId="b7a68a3ec46e1b54" providerId="LiveId" clId="{1F07ACF5-96D4-4BB6-B0A8-48BFF323F040}" dt="2022-05-29T14:53:18.276" v="7265" actId="1076"/>
+          <ac:picMkLst>
+            <pc:docMk/>
+            <pc:sldMk cId="4202505179" sldId="277"/>
+            <ac:picMk id="12" creationId="{03892476-5808-A340-E758-4014E14117CC}"/>
+          </ac:picMkLst>
+        </pc:picChg>
+        <pc:picChg chg="del">
+          <ac:chgData name="Ольга Платонова" userId="b7a68a3ec46e1b54" providerId="LiveId" clId="{1F07ACF5-96D4-4BB6-B0A8-48BFF323F040}" dt="2022-05-29T14:48:45.682" v="7220" actId="478"/>
+          <ac:picMkLst>
+            <pc:docMk/>
+            <pc:sldMk cId="4202505179" sldId="277"/>
+            <ac:picMk id="15" creationId="{4681BC7B-53BD-AC7F-C6EE-D94E5D66820F}"/>
+          </ac:picMkLst>
+        </pc:picChg>
+        <pc:cxnChg chg="add del">
+          <ac:chgData name="Ольга Платонова" userId="b7a68a3ec46e1b54" providerId="LiveId" clId="{1F07ACF5-96D4-4BB6-B0A8-48BFF323F040}" dt="2022-05-29T15:14:56.057" v="7300" actId="478"/>
+          <ac:cxnSpMkLst>
+            <pc:docMk/>
+            <pc:sldMk cId="4202505179" sldId="277"/>
+            <ac:cxnSpMk id="17" creationId="{328C179F-D6E3-71A3-B181-F29BE69A2418}"/>
+          </ac:cxnSpMkLst>
+        </pc:cxnChg>
+      </pc:sldChg>
+      <pc:sldChg chg="addSp delSp modSp add del mod">
+        <pc:chgData name="Ольга Платонова" userId="b7a68a3ec46e1b54" providerId="LiveId" clId="{1F07ACF5-96D4-4BB6-B0A8-48BFF323F040}" dt="2022-05-29T15:23:51.710" v="7340" actId="47"/>
+        <pc:sldMkLst>
+          <pc:docMk/>
+          <pc:sldMk cId="1992741652" sldId="278"/>
+        </pc:sldMkLst>
+        <pc:spChg chg="mod">
+          <ac:chgData name="Ольга Платонова" userId="b7a68a3ec46e1b54" providerId="LiveId" clId="{1F07ACF5-96D4-4BB6-B0A8-48BFF323F040}" dt="2022-05-29T15:22:50.020" v="7326"/>
+          <ac:spMkLst>
+            <pc:docMk/>
+            <pc:sldMk cId="1992741652" sldId="278"/>
+            <ac:spMk id="2" creationId="{00000000-0000-0000-0000-000000000000}"/>
+          </ac:spMkLst>
+        </pc:spChg>
+        <pc:spChg chg="add mod">
+          <ac:chgData name="Ольга Платонова" userId="b7a68a3ec46e1b54" providerId="LiveId" clId="{1F07ACF5-96D4-4BB6-B0A8-48BFF323F040}" dt="2022-05-29T15:23:22.004" v="7333" actId="1076"/>
+          <ac:spMkLst>
+            <pc:docMk/>
+            <pc:sldMk cId="1992741652" sldId="278"/>
+            <ac:spMk id="7" creationId="{D3081A55-9904-8F40-CD7F-F6EC709F10B9}"/>
+          </ac:spMkLst>
+        </pc:spChg>
+        <pc:spChg chg="add mod">
+          <ac:chgData name="Ольга Платонова" userId="b7a68a3ec46e1b54" providerId="LiveId" clId="{1F07ACF5-96D4-4BB6-B0A8-48BFF323F040}" dt="2022-05-29T15:23:34.211" v="7338" actId="1076"/>
+          <ac:spMkLst>
+            <pc:docMk/>
+            <pc:sldMk cId="1992741652" sldId="278"/>
+            <ac:spMk id="8" creationId="{C2CAF7DC-FA0B-0955-AB62-12A5C618FC6B}"/>
+          </ac:spMkLst>
+        </pc:spChg>
+        <pc:picChg chg="del">
+          <ac:chgData name="Ольга Платонова" userId="b7a68a3ec46e1b54" providerId="LiveId" clId="{1F07ACF5-96D4-4BB6-B0A8-48BFF323F040}" dt="2022-05-29T15:22:56.556" v="7327" actId="478"/>
+          <ac:picMkLst>
+            <pc:docMk/>
+            <pc:sldMk cId="1992741652" sldId="278"/>
+            <ac:picMk id="5" creationId="{DF4EA37F-5816-6921-7401-E900B8B2D2BA}"/>
+          </ac:picMkLst>
+        </pc:picChg>
+        <pc:picChg chg="add mod">
+          <ac:chgData name="Ольга Платонова" userId="b7a68a3ec46e1b54" providerId="LiveId" clId="{1F07ACF5-96D4-4BB6-B0A8-48BFF323F040}" dt="2022-05-29T15:23:05.461" v="7329" actId="1076"/>
+          <ac:picMkLst>
+            <pc:docMk/>
+            <pc:sldMk cId="1992741652" sldId="278"/>
+            <ac:picMk id="6" creationId="{750C1511-8A0B-7A0D-4B91-D3B1B05C0B73}"/>
+          </ac:picMkLst>
+        </pc:picChg>
+        <pc:picChg chg="add mod">
+          <ac:chgData name="Ольга Платонова" userId="b7a68a3ec46e1b54" providerId="LiveId" clId="{1F07ACF5-96D4-4BB6-B0A8-48BFF323F040}" dt="2022-05-29T15:23:24.317" v="7334" actId="1076"/>
+          <ac:picMkLst>
+            <pc:docMk/>
+            <pc:sldMk cId="1992741652" sldId="278"/>
+            <ac:picMk id="9" creationId="{9F24CDB8-8C4C-4351-6FCE-0F60DCC02B64}"/>
+          </ac:picMkLst>
+        </pc:picChg>
+      </pc:sldChg>
+    </pc:docChg>
+  </pc:docChgLst>
+  <pc:docChgLst>
+    <pc:chgData name="Ольга Платонова" userId="b7a68a3ec46e1b54" providerId="LiveId" clId="{69C37FF1-3A42-438E-A961-1DE13AE723BC}"/>
+    <pc:docChg chg="undo custSel modSld">
+      <pc:chgData name="Ольга Платонова" userId="b7a68a3ec46e1b54" providerId="LiveId" clId="{69C37FF1-3A42-438E-A961-1DE13AE723BC}" dt="2022-04-03T09:45:50.826" v="12" actId="13822"/>
+      <pc:docMkLst>
+        <pc:docMk/>
+      </pc:docMkLst>
+      <pc:sldChg chg="modSp mod">
+        <pc:chgData name="Ольга Платонова" userId="b7a68a3ec46e1b54" providerId="LiveId" clId="{69C37FF1-3A42-438E-A961-1DE13AE723BC}" dt="2022-04-03T09:42:32.286" v="1" actId="20577"/>
+        <pc:sldMkLst>
+          <pc:docMk/>
+          <pc:sldMk cId="906348732" sldId="256"/>
+        </pc:sldMkLst>
+        <pc:spChg chg="mod">
+          <ac:chgData name="Ольга Платонова" userId="b7a68a3ec46e1b54" providerId="LiveId" clId="{69C37FF1-3A42-438E-A961-1DE13AE723BC}" dt="2022-04-03T09:42:32.286" v="1" actId="20577"/>
+          <ac:spMkLst>
+            <pc:docMk/>
+            <pc:sldMk cId="906348732" sldId="256"/>
+            <ac:spMk id="3" creationId="{00000000-0000-0000-0000-000000000000}"/>
+          </ac:spMkLst>
+        </pc:spChg>
+      </pc:sldChg>
+      <pc:sldChg chg="modSp mod addCm delCm">
+        <pc:chgData name="Ольга Платонова" userId="b7a68a3ec46e1b54" providerId="LiveId" clId="{69C37FF1-3A42-438E-A961-1DE13AE723BC}" dt="2022-04-03T09:45:50.826" v="12" actId="13822"/>
+        <pc:sldMkLst>
+          <pc:docMk/>
+          <pc:sldMk cId="3963753601" sldId="262"/>
+        </pc:sldMkLst>
+        <pc:graphicFrameChg chg="mod">
+          <ac:chgData name="Ольга Платонова" userId="b7a68a3ec46e1b54" providerId="LiveId" clId="{69C37FF1-3A42-438E-A961-1DE13AE723BC}" dt="2022-04-03T09:45:50.826" v="12" actId="13822"/>
+          <ac:graphicFrameMkLst>
+            <pc:docMk/>
+            <pc:sldMk cId="3963753601" sldId="262"/>
+            <ac:graphicFrameMk id="5" creationId="{00000000-0000-0000-0000-000000000000}"/>
+          </ac:graphicFrameMkLst>
+        </pc:graphicFrameChg>
       </pc:sldChg>
     </pc:docChg>
   </pc:docChgLst>
@@ -1222,8 +1663,13 @@
             </a:pPr>
             <a:r>
               <a:rPr lang="ru-RU" dirty="0"/>
-              <a:t>Время работы запросов при 100000 записях в базе данных</a:t>
-            </a:r>
+              <a:t>Время работы запросов при 100000 записях в базе данных </a:t>
+            </a:r>
+            <a:r>
+              <a:rPr lang="en-US" dirty="0"/>
+              <a:t>PostgreSQL</a:t>
+            </a:r>
+            <a:endParaRPr lang="ru-RU" dirty="0"/>
           </a:p>
         </c:rich>
       </c:tx>
@@ -1268,7 +1714,7 @@
               <c:strCache>
                 <c:ptCount val="1"/>
                 <c:pt idx="0">
-                  <c:v>Модель Single Persistence</c:v>
+                  <c:v>Модель Multi Persistence</c:v>
                 </c:pt>
               </c:strCache>
             </c:strRef>
@@ -1355,7 +1801,7 @@
               <c:strCache>
                 <c:ptCount val="1"/>
                 <c:pt idx="0">
-                  <c:v>Модель Multi Persistence</c:v>
+                  <c:v>Модель Single Persistence</c:v>
                 </c:pt>
               </c:strCache>
             </c:strRef>
@@ -1758,16 +2204,13 @@
             </a:pPr>
             <a:r>
               <a:rPr lang="ru-RU" dirty="0"/>
-              <a:t>Зависимость времени работы различных</a:t>
+              <a:t>Зависимость</a:t>
             </a:r>
             <a:r>
               <a:rPr lang="ru-RU" baseline="0" dirty="0"/>
-              <a:t> реализаций от количества соединений к БД</a:t>
-            </a:r>
-            <a:r>
-              <a:rPr lang="ru-RU" dirty="0"/>
-              <a:t> </a:t>
-            </a:r>
+              <a:t> времени работы от числа соединений</a:t>
+            </a:r>
+            <a:endParaRPr lang="ru-RU" dirty="0"/>
           </a:p>
         </c:rich>
       </c:tx>
@@ -2592,11 +3035,7 @@
             </a:pPr>
             <a:r>
               <a:rPr lang="ru-RU" dirty="0"/>
-              <a:t>Сравнение времени работы метода</a:t>
-            </a:r>
-            <a:r>
-              <a:rPr lang="ru-RU" baseline="0" dirty="0"/>
-              <a:t> и пула соединений</a:t>
+              <a:t>Зависимость времени работы от числа соединений</a:t>
             </a:r>
           </a:p>
         </c:rich>
@@ -5014,77 +5453,294 @@
 </cs:chartStyle>
 </file>
 
-<file path=ppt/comments/comment1.xml><?xml version="1.0" encoding="utf-8"?>
-<p:cmLst xmlns:a="http://schemas.openxmlformats.org/drawingml/2006/main" xmlns:r="http://schemas.openxmlformats.org/officeDocument/2006/relationships" xmlns:p="http://schemas.openxmlformats.org/presentationml/2006/main">
-  <p:cm authorId="1" dt="2021-12-25T13:35:14.466" idx="1">
-    <p:pos x="10" y="10"/>
-    <p:text>Актуальность задачи. Рассказать, что даже при реализации многопоточности, "узким горлышком" является подключение к БД. Рассказать п. 1.4.</p:text>
-    <p:extLst>
-      <p:ext uri="{C676402C-5697-4E1C-873F-D02D1690AC5C}">
-        <p15:threadingInfo xmlns:p15="http://schemas.microsoft.com/office/powerpoint/2012/main" timeZoneBias="-180"/>
-      </p:ext>
-    </p:extLst>
-  </p:cm>
-  <p:cm authorId="1" dt="2022-05-26T18:54:12.239" idx="6">
-    <p:pos x="146" y="146"/>
-    <p:text>1. многопоточность
-+ очевидны
-- много подключений
-2. почему Postgres</p:text>
-    <p:extLst>
-      <p:ext uri="{C676402C-5697-4E1C-873F-D02D1690AC5C}">
-        <p15:threadingInfo xmlns:p15="http://schemas.microsoft.com/office/powerpoint/2012/main" timeZoneBias="-180"/>
-      </p:ext>
-    </p:extLst>
-  </p:cm>
-</p:cmLst>
+<file path=ppt/comments/modernComment_101_37107624.xml><?xml version="1.0" encoding="utf-8"?>
+<p188:cmLst xmlns:a="http://schemas.openxmlformats.org/drawingml/2006/main" xmlns:r="http://schemas.openxmlformats.org/officeDocument/2006/relationships" xmlns:p188="http://schemas.microsoft.com/office/powerpoint/2018/8/main">
+  <p188:cm id="{D552F172-EC9D-45A3-9AC0-74984A47E49C}" authorId="{99D91DC6-B35E-39E1-38EA-D7F57AE5A1C9}" created="2022-05-28T23:15:03.121">
+    <ac:txMkLst xmlns:ac="http://schemas.microsoft.com/office/drawing/2013/main/command">
+      <pc:docMk xmlns:pc="http://schemas.microsoft.com/office/powerpoint/2013/main/command"/>
+      <pc:sldMk xmlns:pc="http://schemas.microsoft.com/office/powerpoint/2013/main/command" cId="923825700" sldId="257"/>
+      <ac:spMk id="4" creationId="{00000000-0000-0000-0000-000000000000}"/>
+      <ac:txMk cp="236" len="96">
+        <ac:context len="333" hash="3860307565"/>
+      </ac:txMk>
+    </ac:txMkLst>
+    <p188:pos x="10293626" y="2477555"/>
+    <p188:txBody>
+      <a:bodyPr/>
+      <a:lstStyle/>
+      <a:p>
+        <a:r>
+          <a:rPr lang="ru-RU"/>
+          <a:t>Выполнить исследование зависимости времени работы метода и различных реализаций выполнения запросов от количества соединений.</a:t>
+        </a:r>
+      </a:p>
+    </p188:txBody>
+  </p188:cm>
+</p188:cmLst>
 </file>
 
-<file path=ppt/comments/comment2.xml><?xml version="1.0" encoding="utf-8"?>
-<p:cmLst xmlns:a="http://schemas.openxmlformats.org/drawingml/2006/main" xmlns:r="http://schemas.openxmlformats.org/officeDocument/2006/relationships" xmlns:p="http://schemas.openxmlformats.org/presentationml/2006/main">
-  <p:cm authorId="1" dt="2021-12-25T13:35:14.466" idx="7">
-    <p:pos x="10" y="10"/>
-    <p:text>Почему PostgreSQL</p:text>
-    <p:extLst>
-      <p:ext uri="{C676402C-5697-4E1C-873F-D02D1690AC5C}">
-        <p15:threadingInfo xmlns:p15="http://schemas.microsoft.com/office/powerpoint/2012/main" timeZoneBias="-180"/>
-      </p:ext>
-    </p:extLst>
-  </p:cm>
-</p:cmLst>
+<file path=ppt/comments/modernComment_103_F6277FBB.xml><?xml version="1.0" encoding="utf-8"?>
+<p188:cmLst xmlns:a="http://schemas.openxmlformats.org/drawingml/2006/main" xmlns:r="http://schemas.openxmlformats.org/officeDocument/2006/relationships" xmlns:p188="http://schemas.microsoft.com/office/powerpoint/2018/8/main">
+  <p188:cm id="{89D19455-D17B-44BF-AE11-A8FD55D41C6C}" authorId="{99D91DC6-B35E-39E1-38EA-D7F57AE5A1C9}" created="2022-05-28T23:37:22.011">
+    <pc:sldMkLst xmlns:pc="http://schemas.microsoft.com/office/powerpoint/2013/main/command">
+      <pc:docMk/>
+      <pc:sldMk cId="4129783739" sldId="259"/>
+    </pc:sldMkLst>
+    <p188:txBody>
+      <a:bodyPr/>
+      <a:lstStyle/>
+      <a:p>
+        <a:r>
+          <a:rPr lang="ru-RU"/>
+          <a:t>Данная работа будет основываться на объектно-реляционной СУБД PostgreSQL 14-ой версии, занимающей 4-ое место в рейтинге СУБД на начало 22го года. Выбор аргументирован такими преимуществами как доступность исходного кода и кроссплатформенность.
+PostgreSQL содержит инструменты для реализации многопоточности. Однако, обратившись к документации, можно выделить следующее ограничение: «параллельное выполнение команд из разных потоков через один объект соединения недопустимо»</a:t>
+        </a:r>
+      </a:p>
+    </p188:txBody>
+  </p188:cm>
+  <p188:cm id="{09628802-901E-4EAA-88AF-74D0C2D508A2}" authorId="{99D91DC6-B35E-39E1-38EA-D7F57AE5A1C9}" created="2022-05-28T23:37:36.671">
+    <pc:sldMkLst xmlns:pc="http://schemas.microsoft.com/office/powerpoint/2013/main/command">
+      <pc:docMk/>
+      <pc:sldMk cId="4129783739" sldId="259"/>
+    </pc:sldMkLst>
+    <p188:txBody>
+      <a:bodyPr/>
+      <a:lstStyle/>
+      <a:p>
+        <a:r>
+          <a:rPr lang="ru-RU"/>
+          <a:t>Одной из наиболее сильных сторон PostgreSQL является архитектура, основанная на модели «клиент-сервер». Выделяют 3 основные подсистемы: клиентская часть, серверная часть и хранилище данных.
+Клиентская часть состоит из пользовательского приложения и библиотеки libpq. Данная библиотека содержит набор функций, с помощью которых создается соединение с сервером.
+Соединение принимается процессом-демоном postmaster, который в дальнейшем с помощью системного вызова fork() создаст новый процесс Postgres для обслуживания данного соединения, а также ряд служебных процессов.
+Третья часть сформирована из хранилища данных и средств его управления.</a:t>
+        </a:r>
+      </a:p>
+    </p188:txBody>
+  </p188:cm>
+</p188:cmLst>
 </file>
 
-<file path=ppt/comments/comment3.xml><?xml version="1.0" encoding="utf-8"?>
-<p:cmLst xmlns:a="http://schemas.openxmlformats.org/drawingml/2006/main" xmlns:r="http://schemas.openxmlformats.org/officeDocument/2006/relationships" xmlns:p="http://schemas.openxmlformats.org/presentationml/2006/main">
-  <p:cm authorId="1" dt="2021-12-25T13:54:05.369" idx="3">
-    <p:pos x="10" y="10"/>
-    <p:text>Одной из наиболее сильных сторон PostgreSQL является архитектура,
-основанная на модели «клиент-сервер».</p:text>
-    <p:extLst>
-      <p:ext uri="{C676402C-5697-4E1C-873F-D02D1690AC5C}">
-        <p15:threadingInfo xmlns:p15="http://schemas.microsoft.com/office/powerpoint/2012/main" timeZoneBias="-180"/>
-      </p:ext>
-    </p:extLst>
-  </p:cm>
-  <p:cm authorId="1" dt="2021-12-25T13:56:00.865" idx="4">
-    <p:pos x="146" y="146"/>
-    <p:text>Соединение, установленное клиентом, принимается демоном postmaster, который в дальнейшем с помощью системного вызова fork() создаст новый серверный процесс для обслуживания соединения данного клиента.</p:text>
-    <p:extLst>
-      <p:ext uri="{C676402C-5697-4E1C-873F-D02D1690AC5C}">
-        <p15:threadingInfo xmlns:p15="http://schemas.microsoft.com/office/powerpoint/2012/main" timeZoneBias="-180"/>
-      </p:ext>
-    </p:extLst>
-  </p:cm>
-  <p:cm authorId="1" dt="2022-05-26T19:59:14.588" idx="9">
-    <p:pos x="282" y="282"/>
-    <p:text>Рассказать, что происходит при подключении</p:text>
-    <p:extLst>
-      <p:ext uri="{C676402C-5697-4E1C-873F-D02D1690AC5C}">
-        <p15:threadingInfo xmlns:p15="http://schemas.microsoft.com/office/powerpoint/2012/main" timeZoneBias="-180"/>
-      </p:ext>
-    </p:extLst>
-  </p:cm>
-</p:cmLst>
+<file path=ppt/comments/modernComment_105_2B3E4EA9.xml><?xml version="1.0" encoding="utf-8"?>
+<p188:cmLst xmlns:a="http://schemas.openxmlformats.org/drawingml/2006/main" xmlns:r="http://schemas.openxmlformats.org/officeDocument/2006/relationships" xmlns:p188="http://schemas.microsoft.com/office/powerpoint/2018/8/main">
+  <p188:cm id="{51436C27-36BA-4159-9EF0-BB56728BF454}" authorId="{99D91DC6-B35E-39E1-38EA-D7F57AE5A1C9}" created="2022-05-29T00:06:10.356">
+    <pc:sldMkLst xmlns:pc="http://schemas.microsoft.com/office/powerpoint/2013/main/command">
+      <pc:docMk/>
+      <pc:sldMk cId="725503657" sldId="261"/>
+    </pc:sldMkLst>
+    <p188:txBody>
+      <a:bodyPr/>
+      <a:lstStyle/>
+      <a:p>
+        <a:r>
+          <a:rPr lang="ru-RU"/>
+          <a:t>Преимущество использование пула – это увеличение пропускной способности транзакции до 60%.
+Однако каждый из описанных пулов имеет свои существенные недостатки. Так, главным недостатком пула на основе библиотеки – затраты на его разработку. В том числе необходимость изменения архитектуры приложения. Недостаток пула в качестве внешней службы – однопоточная реализация самой службы. Встроенный же пул доступен только в коммерческой версии.</a:t>
+        </a:r>
+      </a:p>
+    </p188:txBody>
+  </p188:cm>
+</p188:cmLst>
+</file>
+
+<file path=ppt/comments/modernComment_106_EC421481.xml><?xml version="1.0" encoding="utf-8"?>
+<p188:cmLst xmlns:a="http://schemas.openxmlformats.org/drawingml/2006/main" xmlns:r="http://schemas.openxmlformats.org/officeDocument/2006/relationships" xmlns:p188="http://schemas.microsoft.com/office/powerpoint/2018/8/main">
+  <p188:cm id="{1F1FCFAE-37F5-41E2-BD2D-67C26E45363A}" authorId="{99D91DC6-B35E-39E1-38EA-D7F57AE5A1C9}" created="2022-05-28T23:18:17.136">
+    <pc:sldMkLst xmlns:pc="http://schemas.microsoft.com/office/powerpoint/2013/main/command">
+      <pc:docMk/>
+      <pc:sldMk cId="3963753601" sldId="262"/>
+    </pc:sldMkLst>
+    <p188:txBody>
+      <a:bodyPr/>
+      <a:lstStyle/>
+      <a:p>
+        <a:r>
+          <a:rPr lang="ru-RU"/>
+          <a:t>С ростом популярности СУБД возникает вопрос об оптимизации ее работы. Так как один из самых распространенных способов увеличения производительности — параллельное выполнение, следует рассмотреть оптимизацию многопоточной программы. 
+Согласно исследованию, операция доступа (без какой-либо оптимизации) к базе данных объемом 100.000 записей в случае многопоточной программы выполняется примерно в 1000 раз быстрее. В тоже время однопоточная программа показывает нестабильную работу на больших данных.
+Несмотря на указанное преимущество многопоточности, узким горлышком все равно остается операция подключения, одна из самых дорогостоящих (т.к. процесс подключения занимает от 2 до 3 МБ памяти).</a:t>
+        </a:r>
+      </a:p>
+    </p188:txBody>
+  </p188:cm>
+</p188:cmLst>
+</file>
+
+<file path=ppt/comments/modernComment_108_2FADAA78.xml><?xml version="1.0" encoding="utf-8"?>
+<p188:cmLst xmlns:a="http://schemas.openxmlformats.org/drawingml/2006/main" xmlns:r="http://schemas.openxmlformats.org/officeDocument/2006/relationships" xmlns:p188="http://schemas.microsoft.com/office/powerpoint/2018/8/main">
+  <p188:cm id="{1BC88522-E21D-4FF5-948E-3FB53379E0C1}" authorId="{99D91DC6-B35E-39E1-38EA-D7F57AE5A1C9}" created="2022-05-29T00:05:57.084">
+    <pc:sldMkLst xmlns:pc="http://schemas.microsoft.com/office/powerpoint/2013/main/command">
+      <pc:docMk/>
+      <pc:sldMk cId="799910520" sldId="264"/>
+    </pc:sldMkLst>
+    <p188:txBody>
+      <a:bodyPr/>
+      <a:lstStyle/>
+      <a:p>
+        <a:r>
+          <a:rPr lang="ru-RU"/>
+          <a:t>На сегодняшний день можно выделить несколько различных подходов повышения эффективности выполнения запросов. Один из них – оптимизация выполнения в рамках одного потока. Такой оптимизацией может стать распараллеливание запроса. Другой подход – сокращение числа соединений путем использования пула. Пул соединений представляет из себя набор открытых и готовых к использованию соединений с БД. 
+И хотя в PostgreSQL отсутствует встроенный пул соединений, он может быть реализован на основе библиотеки libpq или в качестве внешней службы.</a:t>
+        </a:r>
+      </a:p>
+    </p188:txBody>
+  </p188:cm>
+</p188:cmLst>
+</file>
+
+<file path=ppt/comments/modernComment_10A_8F33F567.xml><?xml version="1.0" encoding="utf-8"?>
+<p188:cmLst xmlns:a="http://schemas.openxmlformats.org/drawingml/2006/main" xmlns:r="http://schemas.openxmlformats.org/officeDocument/2006/relationships" xmlns:p188="http://schemas.microsoft.com/office/powerpoint/2018/8/main">
+  <p188:cm id="{080BF10C-3B06-43ED-A090-D06ABDD7564B}" authorId="{99D91DC6-B35E-39E1-38EA-D7F57AE5A1C9}" created="2022-05-29T14:03:25.925">
+    <pc:sldMkLst xmlns:pc="http://schemas.microsoft.com/office/powerpoint/2013/main/command">
+      <pc:docMk/>
+      <pc:sldMk cId="2402547047" sldId="266"/>
+    </pc:sldMkLst>
+    <p188:txBody>
+      <a:bodyPr/>
+      <a:lstStyle/>
+      <a:p>
+        <a:r>
+          <a:rPr lang="ru-RU"/>
+          <a:t>Работа функции отправки команды начинается с блокировки мьютекса. Прежде всего мьютекс необходим для корректного возвращения результата обработки запроса в соответствующий поток. Также мьютекс защищает параметры подключения, от которых зависит результат, от изменений другими потоками.
+После того как была произведена защита текущих параметров подключения от изменений, выполняется проверка их корректности и инициализация соответствующих полей.
+Далее следует поместить команду в очередь и обновить статус соединения.</a:t>
+        </a:r>
+      </a:p>
+    </p188:txBody>
+  </p188:cm>
+</p188:cmLst>
+</file>
+
+<file path=ppt/comments/modernComment_10B_966E0684.xml><?xml version="1.0" encoding="utf-8"?>
+<p188:cmLst xmlns:a="http://schemas.openxmlformats.org/drawingml/2006/main" xmlns:r="http://schemas.openxmlformats.org/officeDocument/2006/relationships" xmlns:p188="http://schemas.microsoft.com/office/powerpoint/2018/8/main">
+  <p188:cm id="{92A4D2A2-DD1F-4924-898A-C2CEA4A35EC2}" authorId="{99D91DC6-B35E-39E1-38EA-D7F57AE5A1C9}" created="2022-05-29T14:02:02.203">
+    <pc:sldMkLst xmlns:pc="http://schemas.microsoft.com/office/powerpoint/2013/main/command">
+      <pc:docMk/>
+      <pc:sldMk cId="2523793028" sldId="267"/>
+    </pc:sldMkLst>
+    <p188:txBody>
+      <a:bodyPr/>
+      <a:lstStyle/>
+      <a:p>
+        <a:r>
+          <a:rPr lang="ru-RU"/>
+          <a:t>В данном эксперименте выполнялось сравнение времени выполнения простого запроса для 4 реализаций. Для каждого опыта учитывалось время создания соединения, выполнения запроса, очистки результата выполнения и закрытия соединения. В случае многопоточности, время создания и ожидания синхронизации потоков также влияло на итоговый результат.
+Согласно результатам, наибольшее время выполнения было зафиксировано у однопоточной реализации: 0.42 секунды при 500 потоках. У многопоточной реализации наибольшее преимущество перед однопоточной достигается в случае 500 соединений (в 1.7 раз работает быстрее), однако при малом числе (10) соединений результаты работы отличаются незначительно (в 0.99 раз).
+Из опыта видно, что конкурентоспособность по времени разработанному методу составляет только пул соединений.</a:t>
+        </a:r>
+      </a:p>
+    </p188:txBody>
+  </p188:cm>
+</p188:cmLst>
+</file>
+
+<file path=ppt/comments/modernComment_10C_3A2651C.xml><?xml version="1.0" encoding="utf-8"?>
+<p188:cmLst xmlns:a="http://schemas.openxmlformats.org/drawingml/2006/main" xmlns:r="http://schemas.openxmlformats.org/officeDocument/2006/relationships" xmlns:p188="http://schemas.microsoft.com/office/powerpoint/2018/8/main">
+  <p188:cm id="{958E2630-9C5E-49F7-A9B9-B4A1737DAEFF}" authorId="{99D91DC6-B35E-39E1-38EA-D7F57AE5A1C9}" created="2022-05-29T14:01:08.215">
+    <pc:sldMkLst xmlns:pc="http://schemas.microsoft.com/office/powerpoint/2013/main/command">
+      <pc:docMk/>
+      <pc:sldMk cId="60974364" sldId="268"/>
+    </pc:sldMkLst>
+    <p188:txBody>
+      <a:bodyPr/>
+      <a:lstStyle/>
+      <a:p>
+        <a:r>
+          <a:rPr lang="ru-RU"/>
+          <a:t>Поэтому был проведен эксперимент, где выполнялось сравнение времени работы пула, использующего библиотеку libpq и пула, реализованного в качестве внешней службы (PGBouncer), с разработанным методом.
+Согласно результатам эксперимента, при более 100 соединений PGBouncer теряет временную эффективность: в 2 раза работает дольше, чем внешний пул. Однако при 10 соединениях работает быстрее разработанного метода в 1.24 раза.</a:t>
+        </a:r>
+      </a:p>
+    </p188:txBody>
+  </p188:cm>
+</p188:cmLst>
+</file>
+
+<file path=ppt/comments/modernComment_10D_EE6A572.xml><?xml version="1.0" encoding="utf-8"?>
+<p188:cmLst xmlns:a="http://schemas.openxmlformats.org/drawingml/2006/main" xmlns:r="http://schemas.openxmlformats.org/officeDocument/2006/relationships" xmlns:p188="http://schemas.microsoft.com/office/powerpoint/2018/8/main">
+  <p188:cm id="{F49C668A-907B-4DB3-8254-B7A2FA3BDFE4}" authorId="{99D91DC6-B35E-39E1-38EA-D7F57AE5A1C9}" created="2022-05-29T13:59:48.469">
+    <pc:sldMkLst xmlns:pc="http://schemas.microsoft.com/office/powerpoint/2013/main/command">
+      <pc:docMk/>
+      <pc:sldMk cId="249996658" sldId="269"/>
+    </pc:sldMkLst>
+    <p188:txBody>
+      <a:bodyPr/>
+      <a:lstStyle/>
+      <a:p>
+        <a:r>
+          <a:rPr lang="ru-RU"/>
+          <a:t>Был проведен эксперимент, фиксирующий затраты памяти для каждой реализации в случае создания 10 соединений и выполнения простого запроса. 
+Согласно результатам, наибольшее потребление памяти (593 байта) у многопоточной реализации, что в 3 раза больше, чем память, потребляемая разработанным методом. Также, метод требует в 3 раза меньше памяти, чем внешний пул.</a:t>
+        </a:r>
+      </a:p>
+    </p188:txBody>
+  </p188:cm>
+</p188:cmLst>
+</file>
+
+<file path=ppt/comments/modernComment_111_D184B0D6.xml><?xml version="1.0" encoding="utf-8"?>
+<p188:cmLst xmlns:a="http://schemas.openxmlformats.org/drawingml/2006/main" xmlns:r="http://schemas.openxmlformats.org/officeDocument/2006/relationships" xmlns:p188="http://schemas.microsoft.com/office/powerpoint/2018/8/main">
+  <p188:cm id="{E3587B0B-616C-4E16-AC3B-C8965FD33A7B}" authorId="{99D91DC6-B35E-39E1-38EA-D7F57AE5A1C9}" created="2022-05-29T00:42:23.710">
+    <pc:sldMkLst xmlns:pc="http://schemas.microsoft.com/office/powerpoint/2013/main/command">
+      <pc:docMk/>
+      <pc:sldMk cId="3515134166" sldId="273"/>
+    </pc:sldMkLst>
+    <p188:txBody>
+      <a:bodyPr/>
+      <a:lstStyle/>
+      <a:p>
+        <a:r>
+          <a:rPr lang="ru-RU"/>
+          <a:t>Принципиально другой подход повышения производительности (путем параллельного выполнения запросов в рамках одного соединения) предлагает разрабатываемый метод.
+Он состоит из двух этапов обработки запроса: 1ый – отправка запроса серверу, включающий а) формирование очереди запросов и б) отправку запроса из очереди; 2й – получение ответа от сервера. Рассмотрим более подробно каждый из этапов.</a:t>
+        </a:r>
+      </a:p>
+    </p188:txBody>
+  </p188:cm>
+</p188:cmLst>
+</file>
+
+<file path=ppt/comments/modernComment_112_B1D13978.xml><?xml version="1.0" encoding="utf-8"?>
+<p188:cmLst xmlns:a="http://schemas.openxmlformats.org/drawingml/2006/main" xmlns:r="http://schemas.openxmlformats.org/officeDocument/2006/relationships" xmlns:p188="http://schemas.microsoft.com/office/powerpoint/2018/8/main">
+  <p188:cm id="{B241B4C8-BB9A-4F54-AE1A-8F69F014F3DF}" authorId="{99D91DC6-B35E-39E1-38EA-D7F57AE5A1C9}" created="2022-05-29T14:02:53.220">
+    <pc:sldMkLst xmlns:pc="http://schemas.microsoft.com/office/powerpoint/2013/main/command">
+      <pc:docMk/>
+      <pc:sldMk cId="2983278968" sldId="274"/>
+    </pc:sldMkLst>
+    <p188:txBody>
+      <a:bodyPr/>
+      <a:lstStyle/>
+      <a:p>
+        <a:r>
+          <a:rPr lang="ru-RU"/>
+          <a:t>Помимо встроенного модуля, был реализован внешний, выполняющий вызов разработанного метода. Кроме того, пользователю доступны однопоточная, многопоточная реализации, реализация с внешним пулом и сравнение времени выполнения каждой. 
+Внешний пул был разработан с использованием умных указателей для предотвращения возможной утечки ресурсов. Сам пул был реализован в качестве очереди соединений: в конец добавлялись свободные соединения, работа с которыми была завершена.</a:t>
+        </a:r>
+      </a:p>
+    </p188:txBody>
+  </p188:cm>
+</p188:cmLst>
+</file>
+
+<file path=ppt/comments/modernComment_115_FA7D23DB.xml><?xml version="1.0" encoding="utf-8"?>
+<p188:cmLst xmlns:a="http://schemas.openxmlformats.org/drawingml/2006/main" xmlns:r="http://schemas.openxmlformats.org/officeDocument/2006/relationships" xmlns:p188="http://schemas.microsoft.com/office/powerpoint/2018/8/main">
+  <p188:cm id="{82B6B738-52AE-4301-9DA9-03004AA5E482}" authorId="{99D91DC6-B35E-39E1-38EA-D7F57AE5A1C9}" created="2022-05-29T14:03:25.925">
+    <pc:sldMkLst xmlns:pc="http://schemas.microsoft.com/office/powerpoint/2013/main/command">
+      <pc:docMk/>
+      <pc:sldMk cId="2402547047" sldId="266"/>
+    </pc:sldMkLst>
+    <p188:txBody>
+      <a:bodyPr/>
+      <a:lstStyle/>
+      <a:p>
+        <a:r>
+          <a:rPr lang="ru-RU"/>
+          <a:t>Ожидание поступления результата от сервера реализовано с помощью бесконечного цикла, на каждой итерации которого выполняется проверка состояния сервера. Пока сервер готов вернуть данные, выполняется их чтение и запись в выходной буфер. Как только состояние сервера меняется на «свободен», выполняется обработка полученных данных. 
+Перед выходом из функции выполняется проверка на корректность полученных данных и разблокировка мьютекса для обработки следующего запроса.</a:t>
+        </a:r>
+      </a:p>
+    </p188:txBody>
+  </p188:cm>
+</p188:cmLst>
 </file>
 
 <file path=ppt/notesMasters/notesMaster1.xml><?xml version="1.0" encoding="utf-8"?>
@@ -5169,7 +5825,7 @@
           <a:p>
             <a:fld id="{4A87FC3E-9964-4802-A7E8-1BB771D21BF3}" type="datetimeFigureOut">
               <a:rPr lang="ru-RU" smtClean="0"/>
-              <a:t>28.05.2022</a:t>
+              <a:t>29.05.2022</a:t>
             </a:fld>
             <a:endParaRPr lang="ru-RU" dirty="0"/>
           </a:p>
@@ -5436,6 +6092,90 @@
 </p:notesMaster>
 </file>
 
+<file path=ppt/notesSlides/notesSlide1.xml><?xml version="1.0" encoding="utf-8"?>
+<p:notes xmlns:a="http://schemas.openxmlformats.org/drawingml/2006/main" xmlns:r="http://schemas.openxmlformats.org/officeDocument/2006/relationships" xmlns:p="http://schemas.openxmlformats.org/presentationml/2006/main">
+  <p:cSld>
+    <p:spTree>
+      <p:nvGrpSpPr>
+        <p:cNvPr id="1" name=""/>
+        <p:cNvGrpSpPr/>
+        <p:nvPr/>
+      </p:nvGrpSpPr>
+      <p:grpSpPr>
+        <a:xfrm>
+          <a:off x="0" y="0"/>
+          <a:ext cx="0" cy="0"/>
+          <a:chOff x="0" y="0"/>
+          <a:chExt cx="0" cy="0"/>
+        </a:xfrm>
+      </p:grpSpPr>
+      <p:sp>
+        <p:nvSpPr>
+          <p:cNvPr id="2" name="Образ слайда 1"/>
+          <p:cNvSpPr>
+            <a:spLocks noGrp="1" noRot="1" noChangeAspect="1"/>
+          </p:cNvSpPr>
+          <p:nvPr>
+            <p:ph type="sldImg"/>
+          </p:nvPr>
+        </p:nvSpPr>
+        <p:spPr/>
+      </p:sp>
+      <p:sp>
+        <p:nvSpPr>
+          <p:cNvPr id="3" name="Заметки 2"/>
+          <p:cNvSpPr>
+            <a:spLocks noGrp="1"/>
+          </p:cNvSpPr>
+          <p:nvPr>
+            <p:ph type="body" idx="1"/>
+          </p:nvPr>
+        </p:nvSpPr>
+        <p:spPr/>
+        <p:txBody>
+          <a:bodyPr/>
+          <a:lstStyle/>
+          <a:p>
+            <a:endParaRPr lang="ru-RU" dirty="0"/>
+          </a:p>
+        </p:txBody>
+      </p:sp>
+      <p:sp>
+        <p:nvSpPr>
+          <p:cNvPr id="4" name="Номер слайда 3"/>
+          <p:cNvSpPr>
+            <a:spLocks noGrp="1"/>
+          </p:cNvSpPr>
+          <p:nvPr>
+            <p:ph type="sldNum" sz="quarter" idx="5"/>
+          </p:nvPr>
+        </p:nvSpPr>
+        <p:spPr/>
+        <p:txBody>
+          <a:bodyPr/>
+          <a:lstStyle/>
+          <a:p>
+            <a:fld id="{1C52CBB1-8DB5-45B5-A857-24C64DDE314A}" type="slidenum">
+              <a:rPr lang="ru-RU" smtClean="0"/>
+              <a:t>2</a:t>
+            </a:fld>
+            <a:endParaRPr lang="ru-RU" dirty="0"/>
+          </a:p>
+        </p:txBody>
+      </p:sp>
+    </p:spTree>
+    <p:extLst>
+      <p:ext uri="{BB962C8B-B14F-4D97-AF65-F5344CB8AC3E}">
+        <p14:creationId xmlns:p14="http://schemas.microsoft.com/office/powerpoint/2010/main" val="4205171975"/>
+      </p:ext>
+    </p:extLst>
+  </p:cSld>
+  <p:clrMapOvr>
+    <a:masterClrMapping/>
+  </p:clrMapOvr>
+</p:notes>
+</file>
+
 <file path=ppt/slideLayouts/slideLayout1.xml><?xml version="1.0" encoding="utf-8"?>
 <p:sldLayout xmlns:a="http://schemas.openxmlformats.org/drawingml/2006/main" xmlns:r="http://schemas.openxmlformats.org/officeDocument/2006/relationships" xmlns:p="http://schemas.openxmlformats.org/presentationml/2006/main" type="title" preserve="1">
   <p:cSld name="Титульный слайд">
@@ -5565,7 +6305,7 @@
           <a:p>
             <a:fld id="{09755BBC-352B-460A-88C9-AADF2C9512EA}" type="datetime1">
               <a:rPr lang="ru-RU" smtClean="0"/>
-              <a:t>28.05.2022</a:t>
+              <a:t>29.05.2022</a:t>
             </a:fld>
             <a:endParaRPr lang="ru-RU" dirty="0"/>
           </a:p>
@@ -5733,7 +6473,7 @@
           <a:p>
             <a:fld id="{8296244F-19EA-411C-8075-D4DD5363EB01}" type="datetime1">
               <a:rPr lang="ru-RU" smtClean="0"/>
-              <a:t>28.05.2022</a:t>
+              <a:t>29.05.2022</a:t>
             </a:fld>
             <a:endParaRPr lang="ru-RU" dirty="0"/>
           </a:p>
@@ -5911,7 +6651,7 @@
           <a:p>
             <a:fld id="{84BB638D-B868-4FAE-A4AF-C8834DEF2F16}" type="datetime1">
               <a:rPr lang="ru-RU" smtClean="0"/>
-              <a:t>28.05.2022</a:t>
+              <a:t>29.05.2022</a:t>
             </a:fld>
             <a:endParaRPr lang="ru-RU" dirty="0"/>
           </a:p>
@@ -6079,7 +6819,7 @@
           <a:p>
             <a:fld id="{E867F41D-6C90-48B2-BB24-7DBF25713345}" type="datetime1">
               <a:rPr lang="ru-RU" smtClean="0"/>
-              <a:t>28.05.2022</a:t>
+              <a:t>29.05.2022</a:t>
             </a:fld>
             <a:endParaRPr lang="ru-RU" dirty="0"/>
           </a:p>
@@ -6324,7 +7064,7 @@
           <a:p>
             <a:fld id="{CC2C4912-257E-4B84-92B5-E1056AC81F3B}" type="datetime1">
               <a:rPr lang="ru-RU" smtClean="0"/>
-              <a:t>28.05.2022</a:t>
+              <a:t>29.05.2022</a:t>
             </a:fld>
             <a:endParaRPr lang="ru-RU" dirty="0"/>
           </a:p>
@@ -6553,7 +7293,7 @@
           <a:p>
             <a:fld id="{D6CEEFAB-2744-489F-9F34-AD68C1802ABB}" type="datetime1">
               <a:rPr lang="ru-RU" smtClean="0"/>
-              <a:t>28.05.2022</a:t>
+              <a:t>29.05.2022</a:t>
             </a:fld>
             <a:endParaRPr lang="ru-RU" dirty="0"/>
           </a:p>
@@ -6917,7 +7657,7 @@
           <a:p>
             <a:fld id="{F4C8D58E-CA22-4DBD-9D4F-D49D20C57869}" type="datetime1">
               <a:rPr lang="ru-RU" smtClean="0"/>
-              <a:t>28.05.2022</a:t>
+              <a:t>29.05.2022</a:t>
             </a:fld>
             <a:endParaRPr lang="ru-RU" dirty="0"/>
           </a:p>
@@ -7034,7 +7774,7 @@
           <a:p>
             <a:fld id="{16461FB2-18D8-4BB8-B792-34F36A1A6923}" type="datetime1">
               <a:rPr lang="ru-RU" smtClean="0"/>
-              <a:t>28.05.2022</a:t>
+              <a:t>29.05.2022</a:t>
             </a:fld>
             <a:endParaRPr lang="ru-RU" dirty="0"/>
           </a:p>
@@ -7129,7 +7869,7 @@
           <a:p>
             <a:fld id="{38099296-536C-461B-BEB7-1B812F69AC83}" type="datetime1">
               <a:rPr lang="ru-RU" smtClean="0"/>
-              <a:t>28.05.2022</a:t>
+              <a:t>29.05.2022</a:t>
             </a:fld>
             <a:endParaRPr lang="ru-RU" dirty="0"/>
           </a:p>
@@ -7404,7 +8144,7 @@
           <a:p>
             <a:fld id="{DD7EBC7E-964D-4409-AE41-3B38B4F15B2A}" type="datetime1">
               <a:rPr lang="ru-RU" smtClean="0"/>
-              <a:t>28.05.2022</a:t>
+              <a:t>29.05.2022</a:t>
             </a:fld>
             <a:endParaRPr lang="ru-RU" dirty="0"/>
           </a:p>
@@ -7656,7 +8396,7 @@
           <a:p>
             <a:fld id="{6623BFA2-B670-4B07-B542-231AD8CFA160}" type="datetime1">
               <a:rPr lang="ru-RU" smtClean="0"/>
-              <a:t>28.05.2022</a:t>
+              <a:t>29.05.2022</a:t>
             </a:fld>
             <a:endParaRPr lang="ru-RU" dirty="0"/>
           </a:p>
@@ -7867,7 +8607,7 @@
           <a:p>
             <a:fld id="{4222C596-8B8E-4DE0-A295-CA79CEF991CE}" type="datetime1">
               <a:rPr lang="ru-RU" smtClean="0"/>
-              <a:t>28.05.2022</a:t>
+              <a:t>29.05.2022</a:t>
             </a:fld>
             <a:endParaRPr lang="ru-RU" dirty="0"/>
           </a:p>
@@ -8386,6 +9126,37 @@
           </a:p>
         </p:txBody>
       </p:sp>
+      <p:pic>
+        <p:nvPicPr>
+          <p:cNvPr id="4" name="Изображение1">
+            <a:extLst>
+              <a:ext uri="{FF2B5EF4-FFF2-40B4-BE49-F238E27FC236}">
+                <a16:creationId xmlns:a16="http://schemas.microsoft.com/office/drawing/2014/main" id="{E9D0A270-3744-AA97-6FAF-54A14B06FB53}"/>
+              </a:ext>
+            </a:extLst>
+          </p:cNvPr>
+          <p:cNvPicPr>
+            <a:picLocks noChangeAspect="1"/>
+          </p:cNvPicPr>
+          <p:nvPr/>
+        </p:nvPicPr>
+        <p:blipFill>
+          <a:blip r:embed="rId2"/>
+          <a:srcRect l="-37" t="-32" r="-37" b="-32"/>
+          <a:stretch>
+            <a:fillRect/>
+          </a:stretch>
+        </p:blipFill>
+        <p:spPr bwMode="auto">
+          <a:xfrm>
+            <a:off x="10773840" y="90392"/>
+            <a:ext cx="1037160" cy="1171855"/>
+          </a:xfrm>
+          <a:prstGeom prst="rect">
+            <a:avLst/>
+          </a:prstGeom>
+        </p:spPr>
+      </p:pic>
     </p:spTree>
     <p:extLst>
       <p:ext uri="{BB962C8B-B14F-4D97-AF65-F5344CB8AC3E}">
@@ -8436,7 +9207,7 @@
                 <a:latin typeface="Times New Roman" panose="02020603050405020304" pitchFamily="18" charset="0"/>
                 <a:cs typeface="Times New Roman" panose="02020603050405020304" pitchFamily="18" charset="0"/>
               </a:rPr>
-              <a:t>Этап отправки запроса серверу БД</a:t>
+              <a:t>Внешний модуль взаимодействия с разработанным методом</a:t>
             </a:r>
           </a:p>
         </p:txBody>
@@ -8470,246 +9241,6 @@
           </a:p>
         </p:txBody>
       </p:sp>
-      <p:pic>
-        <p:nvPicPr>
-          <p:cNvPr id="5" name="Рисунок 4">
-            <a:extLst>
-              <a:ext uri="{FF2B5EF4-FFF2-40B4-BE49-F238E27FC236}">
-                <a16:creationId xmlns:a16="http://schemas.microsoft.com/office/drawing/2014/main" id="{B8851B5B-4D54-CA6D-0B0D-1FBE86922FA5}"/>
-              </a:ext>
-            </a:extLst>
-          </p:cNvPr>
-          <p:cNvPicPr>
-            <a:picLocks noChangeAspect="1"/>
-          </p:cNvPicPr>
-          <p:nvPr/>
-        </p:nvPicPr>
-        <p:blipFill>
-          <a:blip r:embed="rId2" cstate="print">
-            <a:extLst>
-              <a:ext uri="{28A0092B-C50C-407E-A947-70E740481C1C}">
-                <a14:useLocalDpi xmlns:a14="http://schemas.microsoft.com/office/drawing/2010/main" val="0"/>
-              </a:ext>
-            </a:extLst>
-          </a:blip>
-          <a:stretch>
-            <a:fillRect/>
-          </a:stretch>
-        </p:blipFill>
-        <p:spPr>
-          <a:xfrm>
-            <a:off x="2809366" y="1690688"/>
-            <a:ext cx="6573267" cy="4802187"/>
-          </a:xfrm>
-          <a:prstGeom prst="rect">
-            <a:avLst/>
-          </a:prstGeom>
-        </p:spPr>
-      </p:pic>
-    </p:spTree>
-    <p:extLst>
-      <p:ext uri="{BB962C8B-B14F-4D97-AF65-F5344CB8AC3E}">
-        <p14:creationId xmlns:p14="http://schemas.microsoft.com/office/powerpoint/2010/main" val="2402547047"/>
-      </p:ext>
-    </p:extLst>
-  </p:cSld>
-  <p:clrMapOvr>
-    <a:masterClrMapping/>
-  </p:clrMapOvr>
-</p:sld>
-</file>
-
-<file path=ppt/slides/slide11.xml><?xml version="1.0" encoding="utf-8"?>
-<p:sld xmlns:a="http://schemas.openxmlformats.org/drawingml/2006/main" xmlns:r="http://schemas.openxmlformats.org/officeDocument/2006/relationships" xmlns:p="http://schemas.openxmlformats.org/presentationml/2006/main">
-  <p:cSld>
-    <p:spTree>
-      <p:nvGrpSpPr>
-        <p:cNvPr id="1" name=""/>
-        <p:cNvGrpSpPr/>
-        <p:nvPr/>
-      </p:nvGrpSpPr>
-      <p:grpSpPr>
-        <a:xfrm>
-          <a:off x="0" y="0"/>
-          <a:ext cx="0" cy="0"/>
-          <a:chOff x="0" y="0"/>
-          <a:chExt cx="0" cy="0"/>
-        </a:xfrm>
-      </p:grpSpPr>
-      <p:sp>
-        <p:nvSpPr>
-          <p:cNvPr id="2" name="Заголовок 1"/>
-          <p:cNvSpPr>
-            <a:spLocks noGrp="1"/>
-          </p:cNvSpPr>
-          <p:nvPr>
-            <p:ph type="title"/>
-          </p:nvPr>
-        </p:nvSpPr>
-        <p:spPr/>
-        <p:txBody>
-          <a:bodyPr/>
-          <a:lstStyle/>
-          <a:p>
-            <a:r>
-              <a:rPr lang="ru-RU" dirty="0">
-                <a:latin typeface="Times New Roman" panose="02020603050405020304" pitchFamily="18" charset="0"/>
-                <a:cs typeface="Times New Roman" panose="02020603050405020304" pitchFamily="18" charset="0"/>
-              </a:rPr>
-              <a:t>Этап получения результата от сервера БД</a:t>
-            </a:r>
-          </a:p>
-        </p:txBody>
-      </p:sp>
-      <p:sp>
-        <p:nvSpPr>
-          <p:cNvPr id="4" name="Номер слайда 3"/>
-          <p:cNvSpPr>
-            <a:spLocks noGrp="1"/>
-          </p:cNvSpPr>
-          <p:nvPr>
-            <p:ph type="sldNum" sz="quarter" idx="12"/>
-          </p:nvPr>
-        </p:nvSpPr>
-        <p:spPr/>
-        <p:txBody>
-          <a:bodyPr/>
-          <a:lstStyle/>
-          <a:p>
-            <a:fld id="{5D15703D-96D9-4C94-B196-0ED7D1E8A93C}" type="slidenum">
-              <a:rPr lang="ru-RU" sz="1800" smtClean="0">
-                <a:latin typeface="Times New Roman" panose="02020603050405020304" pitchFamily="18" charset="0"/>
-                <a:cs typeface="Times New Roman" panose="02020603050405020304" pitchFamily="18" charset="0"/>
-              </a:rPr>
-              <a:t>11</a:t>
-            </a:fld>
-            <a:endParaRPr lang="ru-RU" sz="1800" dirty="0">
-              <a:latin typeface="Times New Roman" panose="02020603050405020304" pitchFamily="18" charset="0"/>
-              <a:cs typeface="Times New Roman" panose="02020603050405020304" pitchFamily="18" charset="0"/>
-            </a:endParaRPr>
-          </a:p>
-        </p:txBody>
-      </p:sp>
-      <p:pic>
-        <p:nvPicPr>
-          <p:cNvPr id="6" name="Рисунок 5">
-            <a:extLst>
-              <a:ext uri="{FF2B5EF4-FFF2-40B4-BE49-F238E27FC236}">
-                <a16:creationId xmlns:a16="http://schemas.microsoft.com/office/drawing/2014/main" id="{F6ABD845-BADE-374F-7076-CC7BB9408124}"/>
-              </a:ext>
-            </a:extLst>
-          </p:cNvPr>
-          <p:cNvPicPr>
-            <a:picLocks noChangeAspect="1"/>
-          </p:cNvPicPr>
-          <p:nvPr/>
-        </p:nvPicPr>
-        <p:blipFill>
-          <a:blip r:embed="rId2" cstate="print">
-            <a:extLst>
-              <a:ext uri="{28A0092B-C50C-407E-A947-70E740481C1C}">
-                <a14:useLocalDpi xmlns:a14="http://schemas.microsoft.com/office/drawing/2010/main" val="0"/>
-              </a:ext>
-            </a:extLst>
-          </a:blip>
-          <a:stretch>
-            <a:fillRect/>
-          </a:stretch>
-        </p:blipFill>
-        <p:spPr>
-          <a:xfrm>
-            <a:off x="1829562" y="1809147"/>
-            <a:ext cx="8532876" cy="4428744"/>
-          </a:xfrm>
-          <a:prstGeom prst="rect">
-            <a:avLst/>
-          </a:prstGeom>
-        </p:spPr>
-      </p:pic>
-    </p:spTree>
-    <p:extLst>
-      <p:ext uri="{BB962C8B-B14F-4D97-AF65-F5344CB8AC3E}">
-        <p14:creationId xmlns:p14="http://schemas.microsoft.com/office/powerpoint/2010/main" val="1949652332"/>
-      </p:ext>
-    </p:extLst>
-  </p:cSld>
-  <p:clrMapOvr>
-    <a:masterClrMapping/>
-  </p:clrMapOvr>
-</p:sld>
-</file>
-
-<file path=ppt/slides/slide12.xml><?xml version="1.0" encoding="utf-8"?>
-<p:sld xmlns:a="http://schemas.openxmlformats.org/drawingml/2006/main" xmlns:r="http://schemas.openxmlformats.org/officeDocument/2006/relationships" xmlns:p="http://schemas.openxmlformats.org/presentationml/2006/main">
-  <p:cSld>
-    <p:spTree>
-      <p:nvGrpSpPr>
-        <p:cNvPr id="1" name=""/>
-        <p:cNvGrpSpPr/>
-        <p:nvPr/>
-      </p:nvGrpSpPr>
-      <p:grpSpPr>
-        <a:xfrm>
-          <a:off x="0" y="0"/>
-          <a:ext cx="0" cy="0"/>
-          <a:chOff x="0" y="0"/>
-          <a:chExt cx="0" cy="0"/>
-        </a:xfrm>
-      </p:grpSpPr>
-      <p:sp>
-        <p:nvSpPr>
-          <p:cNvPr id="2" name="Заголовок 1"/>
-          <p:cNvSpPr>
-            <a:spLocks noGrp="1"/>
-          </p:cNvSpPr>
-          <p:nvPr>
-            <p:ph type="title"/>
-          </p:nvPr>
-        </p:nvSpPr>
-        <p:spPr/>
-        <p:txBody>
-          <a:bodyPr/>
-          <a:lstStyle/>
-          <a:p>
-            <a:r>
-              <a:rPr lang="ru-RU" dirty="0">
-                <a:latin typeface="Times New Roman" panose="02020603050405020304" pitchFamily="18" charset="0"/>
-                <a:cs typeface="Times New Roman" panose="02020603050405020304" pitchFamily="18" charset="0"/>
-              </a:rPr>
-              <a:t>Внешний модуль</a:t>
-            </a:r>
-          </a:p>
-        </p:txBody>
-      </p:sp>
-      <p:sp>
-        <p:nvSpPr>
-          <p:cNvPr id="4" name="Номер слайда 3"/>
-          <p:cNvSpPr>
-            <a:spLocks noGrp="1"/>
-          </p:cNvSpPr>
-          <p:nvPr>
-            <p:ph type="sldNum" sz="quarter" idx="12"/>
-          </p:nvPr>
-        </p:nvSpPr>
-        <p:spPr/>
-        <p:txBody>
-          <a:bodyPr/>
-          <a:lstStyle/>
-          <a:p>
-            <a:fld id="{5D15703D-96D9-4C94-B196-0ED7D1E8A93C}" type="slidenum">
-              <a:rPr lang="ru-RU" sz="1800" smtClean="0">
-                <a:latin typeface="Times New Roman" panose="02020603050405020304" pitchFamily="18" charset="0"/>
-                <a:cs typeface="Times New Roman" panose="02020603050405020304" pitchFamily="18" charset="0"/>
-              </a:rPr>
-              <a:t>12</a:t>
-            </a:fld>
-            <a:endParaRPr lang="ru-RU" sz="1800" dirty="0">
-              <a:latin typeface="Times New Roman" panose="02020603050405020304" pitchFamily="18" charset="0"/>
-              <a:cs typeface="Times New Roman" panose="02020603050405020304" pitchFamily="18" charset="0"/>
-            </a:endParaRPr>
-          </a:p>
-        </p:txBody>
-      </p:sp>
       <p:sp>
         <p:nvSpPr>
           <p:cNvPr id="11" name="TextBox 10">
@@ -8724,8 +9255,8 @@
         </p:nvSpPr>
         <p:spPr>
           <a:xfrm>
-            <a:off x="7297271" y="3182154"/>
-            <a:ext cx="4343399" cy="2554545"/>
+            <a:off x="7360024" y="2900134"/>
+            <a:ext cx="4343399" cy="2246769"/>
           </a:xfrm>
           <a:prstGeom prst="rect">
             <a:avLst/>
@@ -8773,6 +9304,14 @@
             </a:endParaRPr>
           </a:p>
           <a:p>
+            <a:endParaRPr lang="ru-RU" sz="2000" b="0" i="0" u="none" strike="noStrike" baseline="0" dirty="0">
+              <a:solidFill>
+                <a:srgbClr val="000000"/>
+              </a:solidFill>
+              <a:latin typeface="Times New Roman" panose="02020603050405020304" pitchFamily="18" charset="0"/>
+            </a:endParaRPr>
+          </a:p>
+          <a:p>
             <a:r>
               <a:rPr lang="ru-RU" sz="2000" b="0" i="0" u="none" strike="noStrike" baseline="0" dirty="0">
                 <a:solidFill>
@@ -8780,49 +9319,9 @@
                 </a:solidFill>
                 <a:latin typeface="Times New Roman" panose="02020603050405020304" pitchFamily="18" charset="0"/>
               </a:rPr>
-              <a:t>Сам пул был реализован в качестве очереди соединений: в конец добавлялись свободные соединения, работа с которыми была завершена. </a:t>
+              <a:t>Сам пул был реализован в качестве очереди соединений. </a:t>
             </a:r>
             <a:endParaRPr lang="ru-RU" sz="2000" dirty="0"/>
-          </a:p>
-        </p:txBody>
-      </p:sp>
-      <p:sp>
-        <p:nvSpPr>
-          <p:cNvPr id="13" name="TextBox 12">
-            <a:extLst>
-              <a:ext uri="{FF2B5EF4-FFF2-40B4-BE49-F238E27FC236}">
-                <a16:creationId xmlns:a16="http://schemas.microsoft.com/office/drawing/2014/main" id="{75C268BE-EBCD-D386-B29A-DA86B97AAF5F}"/>
-              </a:ext>
-            </a:extLst>
-          </p:cNvPr>
-          <p:cNvSpPr txBox="1"/>
-          <p:nvPr/>
-        </p:nvSpPr>
-        <p:spPr>
-          <a:xfrm>
-            <a:off x="838200" y="1690688"/>
-            <a:ext cx="10515600" cy="707886"/>
-          </a:xfrm>
-          <a:prstGeom prst="rect">
-            <a:avLst/>
-          </a:prstGeom>
-          <a:noFill/>
-        </p:spPr>
-        <p:txBody>
-          <a:bodyPr wrap="square">
-            <a:spAutoFit/>
-          </a:bodyPr>
-          <a:lstStyle/>
-          <a:p>
-            <a:r>
-              <a:rPr lang="ru-RU" sz="2000" b="0" i="0" u="none" strike="noStrike" baseline="0" dirty="0">
-                <a:solidFill>
-                  <a:srgbClr val="000000"/>
-                </a:solidFill>
-                <a:latin typeface="Times New Roman" panose="02020603050405020304" pitchFamily="18" charset="0"/>
-              </a:rPr>
-              <a:t>Внешний модуль, используя интерфейс командной строки, предоставляет пользователю возможность выбора запускаемой реализации. </a:t>
-            </a:r>
           </a:p>
         </p:txBody>
       </p:sp>
@@ -8841,7 +9340,7 @@
           <p:nvPr/>
         </p:nvPicPr>
         <p:blipFill>
-          <a:blip r:embed="rId2" cstate="print">
+          <a:blip r:embed="rId3" cstate="print">
             <a:extLst>
               <a:ext uri="{28A0092B-C50C-407E-A947-70E740481C1C}">
                 <a14:useLocalDpi xmlns:a14="http://schemas.microsoft.com/office/drawing/2010/main" val="0"/>
@@ -8854,8 +9353,8 @@
         </p:blipFill>
         <p:spPr>
           <a:xfrm>
-            <a:off x="551330" y="2792412"/>
-            <a:ext cx="6247874" cy="3345785"/>
+            <a:off x="488577" y="2277595"/>
+            <a:ext cx="6520626" cy="3491846"/>
           </a:xfrm>
           <a:prstGeom prst="rect">
             <a:avLst/>
@@ -8872,10 +9371,15 @@
   <p:clrMapOvr>
     <a:masterClrMapping/>
   </p:clrMapOvr>
+  <p:extLst>
+    <p:ext uri="{6950BFC3-D8DA-4A85-94F7-54DA5524770B}">
+      <p188:commentRel xmlns:p188="http://schemas.microsoft.com/office/powerpoint/2018/8/main" r:id="rId2"/>
+    </p:ext>
+  </p:extLst>
 </p:sld>
 </file>
 
-<file path=ppt/slides/slide13.xml><?xml version="1.0" encoding="utf-8"?>
+<file path=ppt/slides/slide11.xml><?xml version="1.0" encoding="utf-8"?>
 <p:sld xmlns:a="http://schemas.openxmlformats.org/drawingml/2006/main" xmlns:r="http://schemas.openxmlformats.org/officeDocument/2006/relationships" xmlns:p="http://schemas.openxmlformats.org/presentationml/2006/main">
   <p:cSld>
     <p:spTree>
@@ -8910,7 +9414,9 @@
         </p:nvSpPr>
         <p:spPr/>
         <p:txBody>
-          <a:bodyPr/>
+          <a:bodyPr>
+            <a:normAutofit fontScale="90000"/>
+          </a:bodyPr>
           <a:lstStyle/>
           <a:p>
             <a:r>
@@ -8918,7 +9424,7 @@
                 <a:latin typeface="Times New Roman" panose="02020603050405020304" pitchFamily="18" charset="0"/>
                 <a:cs typeface="Times New Roman" panose="02020603050405020304" pitchFamily="18" charset="0"/>
               </a:rPr>
-              <a:t>Зависимость времени работы различных реализаций от количества соединений к БД </a:t>
+              <a:t>Зависимость времени работы различных реализаций создания соединения от количества соединений с БД </a:t>
             </a:r>
           </a:p>
         </p:txBody>
@@ -8949,7 +9455,7 @@
                 <a:latin typeface="Times New Roman" panose="02020603050405020304" pitchFamily="18" charset="0"/>
                 <a:cs typeface="Times New Roman" panose="02020603050405020304" pitchFamily="18" charset="0"/>
               </a:rPr>
-              <a:t>13</a:t>
+              <a:t>11</a:t>
             </a:fld>
             <a:endParaRPr lang="ru-RU" sz="1800" dirty="0">
               <a:latin typeface="Times New Roman" panose="02020603050405020304" pitchFamily="18" charset="0"/>
@@ -8974,18 +9480,18 @@
             <p:ph idx="1"/>
             <p:extLst>
               <p:ext uri="{D42A27DB-BD31-4B8C-83A1-F6EECF244321}">
-                <p14:modId xmlns:p14="http://schemas.microsoft.com/office/powerpoint/2010/main" val="2213246936"/>
+                <p14:modId xmlns:p14="http://schemas.microsoft.com/office/powerpoint/2010/main" val="2279654920"/>
               </p:ext>
             </p:extLst>
           </p:nvPr>
         </p:nvGraphicFramePr>
         <p:xfrm>
-          <a:off x="838200" y="2097741"/>
+          <a:off x="838200" y="2384612"/>
           <a:ext cx="6306671" cy="3720353"/>
         </p:xfrm>
         <a:graphic>
           <a:graphicData uri="http://schemas.openxmlformats.org/drawingml/2006/chart">
-            <c:chart xmlns:c="http://schemas.openxmlformats.org/drawingml/2006/chart" xmlns:r="http://schemas.openxmlformats.org/officeDocument/2006/relationships" r:id="rId2"/>
+            <c:chart xmlns:c="http://schemas.openxmlformats.org/drawingml/2006/chart" xmlns:r="http://schemas.openxmlformats.org/officeDocument/2006/relationships" r:id="rId3"/>
           </a:graphicData>
         </a:graphic>
       </p:graphicFrame>
@@ -9003,8 +9509,8 @@
         </p:nvSpPr>
         <p:spPr>
           <a:xfrm>
-            <a:off x="7431740" y="2097741"/>
-            <a:ext cx="4428565" cy="2554545"/>
+            <a:off x="7440705" y="2765826"/>
+            <a:ext cx="4428565" cy="1938992"/>
           </a:xfrm>
           <a:prstGeom prst="rect">
             <a:avLst/>
@@ -9024,13 +9530,13 @@
                 </a:solidFill>
                 <a:latin typeface="Times New Roman" panose="02020603050405020304" pitchFamily="18" charset="0"/>
               </a:rPr>
-              <a:t>Сравнение времени выполнения простого запроса для 4 реализаций:</a:t>
-            </a:r>
-          </a:p>
-          <a:p>
-            <a:pPr marL="800100" lvl="1" indent="-342900">
-              <a:buFont typeface="+mj-lt"/>
-              <a:buAutoNum type="arabicPeriod"/>
+              <a:t>Для каждого опыта учитывалось время:</a:t>
+            </a:r>
+          </a:p>
+          <a:p>
+            <a:pPr marL="342900" indent="-342900">
+              <a:buFont typeface="Arial" panose="020B0604020202020204" pitchFamily="34" charset="0"/>
+              <a:buChar char="•"/>
             </a:pPr>
             <a:r>
               <a:rPr lang="ru-RU" sz="2000" b="0" i="0" u="none" strike="noStrike" baseline="0" dirty="0">
@@ -9039,13 +9545,13 @@
                 </a:solidFill>
                 <a:latin typeface="Times New Roman" panose="02020603050405020304" pitchFamily="18" charset="0"/>
               </a:rPr>
-              <a:t>последовательная; </a:t>
-            </a:r>
-          </a:p>
-          <a:p>
-            <a:pPr marL="800100" lvl="1" indent="-342900">
-              <a:buFont typeface="+mj-lt"/>
-              <a:buAutoNum type="arabicPeriod"/>
+              <a:t>создания соединения;</a:t>
+            </a:r>
+          </a:p>
+          <a:p>
+            <a:pPr marL="342900" indent="-342900">
+              <a:buFont typeface="Arial" panose="020B0604020202020204" pitchFamily="34" charset="0"/>
+              <a:buChar char="•"/>
             </a:pPr>
             <a:r>
               <a:rPr lang="ru-RU" sz="2000" b="0" i="0" u="none" strike="noStrike" baseline="0" dirty="0">
@@ -9054,13 +9560,13 @@
                 </a:solidFill>
                 <a:latin typeface="Times New Roman" panose="02020603050405020304" pitchFamily="18" charset="0"/>
               </a:rPr>
-              <a:t>параллельная; </a:t>
-            </a:r>
-          </a:p>
-          <a:p>
-            <a:pPr marL="800100" lvl="1" indent="-342900">
-              <a:buFont typeface="+mj-lt"/>
-              <a:buAutoNum type="arabicPeriod"/>
+              <a:t>выполнения запроса;</a:t>
+            </a:r>
+          </a:p>
+          <a:p>
+            <a:pPr marL="342900" indent="-342900">
+              <a:buFont typeface="Arial" panose="020B0604020202020204" pitchFamily="34" charset="0"/>
+              <a:buChar char="•"/>
             </a:pPr>
             <a:r>
               <a:rPr lang="ru-RU" sz="2000" b="0" i="0" u="none" strike="noStrike" baseline="0" dirty="0">
@@ -9069,13 +9575,13 @@
                 </a:solidFill>
                 <a:latin typeface="Times New Roman" panose="02020603050405020304" pitchFamily="18" charset="0"/>
               </a:rPr>
-              <a:t>реализация с использованием внешнего пула соединений;</a:t>
-            </a:r>
-          </a:p>
-          <a:p>
-            <a:pPr marL="800100" lvl="1" indent="-342900">
-              <a:buFont typeface="+mj-lt"/>
-              <a:buAutoNum type="arabicPeriod"/>
+              <a:t>очистки результата выполнения;</a:t>
+            </a:r>
+          </a:p>
+          <a:p>
+            <a:pPr marL="342900" indent="-342900">
+              <a:buFont typeface="Arial" panose="020B0604020202020204" pitchFamily="34" charset="0"/>
+              <a:buChar char="•"/>
             </a:pPr>
             <a:r>
               <a:rPr lang="ru-RU" sz="2000" b="0" i="0" u="none" strike="noStrike" baseline="0" dirty="0">
@@ -9084,72 +9590,8 @@
                 </a:solidFill>
                 <a:latin typeface="Times New Roman" panose="02020603050405020304" pitchFamily="18" charset="0"/>
               </a:rPr>
-              <a:t>реализация с использованием разработанного метода. </a:t>
-            </a:r>
-          </a:p>
-        </p:txBody>
-      </p:sp>
-      <p:sp>
-        <p:nvSpPr>
-          <p:cNvPr id="8" name="TextBox 7">
-            <a:extLst>
-              <a:ext uri="{FF2B5EF4-FFF2-40B4-BE49-F238E27FC236}">
-                <a16:creationId xmlns:a16="http://schemas.microsoft.com/office/drawing/2014/main" id="{4C010AE0-A05C-7E18-16A5-F2D686212F65}"/>
-              </a:ext>
-            </a:extLst>
-          </p:cNvPr>
-          <p:cNvSpPr txBox="1"/>
-          <p:nvPr/>
-        </p:nvSpPr>
-        <p:spPr>
-          <a:xfrm>
-            <a:off x="7431739" y="4859284"/>
-            <a:ext cx="4428565" cy="400110"/>
-          </a:xfrm>
-          <a:prstGeom prst="rect">
-            <a:avLst/>
-          </a:prstGeom>
-          <a:noFill/>
-        </p:spPr>
-        <p:txBody>
-          <a:bodyPr wrap="square">
-            <a:spAutoFit/>
-          </a:bodyPr>
-          <a:lstStyle/>
-          <a:p>
-            <a:r>
-              <a:rPr lang="ru-RU" sz="2000" b="0" i="0" u="none" strike="noStrike" baseline="0" dirty="0">
-                <a:solidFill>
-                  <a:srgbClr val="000000"/>
-                </a:solidFill>
-                <a:latin typeface="Times New Roman" panose="02020603050405020304" pitchFamily="18" charset="0"/>
-              </a:rPr>
-              <a:t>Простой запрос – один </a:t>
-            </a:r>
-            <a:r>
-              <a:rPr lang="en-US" sz="2000" b="0" i="0" u="none" strike="noStrike" baseline="0" dirty="0">
-                <a:solidFill>
-                  <a:srgbClr val="000000"/>
-                </a:solidFill>
-                <a:latin typeface="Times New Roman" panose="02020603050405020304" pitchFamily="18" charset="0"/>
-              </a:rPr>
-              <a:t>SQL-</a:t>
-            </a:r>
-            <a:r>
-              <a:rPr lang="ru-RU" sz="2000" b="0" i="0" u="none" strike="noStrike" baseline="0" dirty="0">
-                <a:solidFill>
-                  <a:srgbClr val="000000"/>
-                </a:solidFill>
-                <a:latin typeface="Times New Roman" panose="02020603050405020304" pitchFamily="18" charset="0"/>
-              </a:rPr>
-              <a:t>оператор.</a:t>
-            </a:r>
-            <a:endParaRPr lang="en-US" sz="2000" b="0" i="0" u="none" strike="noStrike" baseline="0" dirty="0">
-              <a:solidFill>
-                <a:srgbClr val="000000"/>
-              </a:solidFill>
-              <a:latin typeface="Times New Roman" panose="02020603050405020304" pitchFamily="18" charset="0"/>
-            </a:endParaRPr>
+              <a:t>закрытия соединения. </a:t>
+            </a:r>
           </a:p>
         </p:txBody>
       </p:sp>
@@ -9163,10 +9605,15 @@
   <p:clrMapOvr>
     <a:masterClrMapping/>
   </p:clrMapOvr>
+  <p:extLst>
+    <p:ext uri="{6950BFC3-D8DA-4A85-94F7-54DA5524770B}">
+      <p188:commentRel xmlns:p188="http://schemas.microsoft.com/office/powerpoint/2018/8/main" r:id="rId2"/>
+    </p:ext>
+  </p:extLst>
 </p:sld>
 </file>
 
-<file path=ppt/slides/slide14.xml><?xml version="1.0" encoding="utf-8"?>
+<file path=ppt/slides/slide12.xml><?xml version="1.0" encoding="utf-8"?>
 <p:sld xmlns:a="http://schemas.openxmlformats.org/drawingml/2006/main" xmlns:r="http://schemas.openxmlformats.org/officeDocument/2006/relationships" xmlns:p="http://schemas.openxmlformats.org/presentationml/2006/main">
   <p:cSld>
     <p:spTree>
@@ -9211,7 +9658,7 @@
                 <a:latin typeface="Times New Roman" panose="02020603050405020304" pitchFamily="18" charset="0"/>
                 <a:cs typeface="Times New Roman" panose="02020603050405020304" pitchFamily="18" charset="0"/>
               </a:rPr>
-              <a:t>Сравнение времени работы реализованного метода с пулами соединений в зависимости от количества соединений</a:t>
+              <a:t>Исследование зависимости времени работы реализованного метода и пулов соединений от количества соединений</a:t>
             </a:r>
           </a:p>
         </p:txBody>
@@ -9242,7 +9689,7 @@
                 <a:latin typeface="Times New Roman" panose="02020603050405020304" pitchFamily="18" charset="0"/>
                 <a:cs typeface="Times New Roman" panose="02020603050405020304" pitchFamily="18" charset="0"/>
               </a:rPr>
-              <a:t>14</a:t>
+              <a:t>12</a:t>
             </a:fld>
             <a:endParaRPr lang="ru-RU" dirty="0">
               <a:latin typeface="Times New Roman" panose="02020603050405020304" pitchFamily="18" charset="0"/>
@@ -9264,7 +9711,7 @@
           <p:nvPr>
             <p:extLst>
               <p:ext uri="{D42A27DB-BD31-4B8C-83A1-F6EECF244321}">
-                <p14:modId xmlns:p14="http://schemas.microsoft.com/office/powerpoint/2010/main" val="4197916817"/>
+                <p14:modId xmlns:p14="http://schemas.microsoft.com/office/powerpoint/2010/main" val="2409793995"/>
               </p:ext>
             </p:extLst>
           </p:nvPr>
@@ -9275,7 +9722,7 @@
         </p:xfrm>
         <a:graphic>
           <a:graphicData uri="http://schemas.openxmlformats.org/drawingml/2006/chart">
-            <c:chart xmlns:c="http://schemas.openxmlformats.org/drawingml/2006/chart" xmlns:r="http://schemas.openxmlformats.org/officeDocument/2006/relationships" r:id="rId2"/>
+            <c:chart xmlns:c="http://schemas.openxmlformats.org/drawingml/2006/chart" xmlns:r="http://schemas.openxmlformats.org/officeDocument/2006/relationships" r:id="rId3"/>
           </a:graphicData>
         </a:graphic>
       </p:graphicFrame>
@@ -9293,8 +9740,8 @@
         </p:nvSpPr>
         <p:spPr>
           <a:xfrm>
-            <a:off x="7487418" y="2612747"/>
-            <a:ext cx="4329952" cy="1631216"/>
+            <a:off x="7415701" y="2809971"/>
+            <a:ext cx="4193594" cy="1938992"/>
           </a:xfrm>
           <a:prstGeom prst="rect">
             <a:avLst/>
@@ -9314,7 +9761,88 @@
                 </a:solidFill>
                 <a:latin typeface="Times New Roman" panose="02020603050405020304" pitchFamily="18" charset="0"/>
               </a:rPr>
-              <a:t>Сравнение времени работы пула, использующего библиотеку libpq и пула, реализованного в качестве внешней службы (PGBouncer), с разработанным методом. </a:t>
+              <a:t>Сравнение времени работы:</a:t>
+            </a:r>
+          </a:p>
+          <a:p>
+            <a:pPr marL="342900" indent="-342900">
+              <a:buFont typeface="Arial" panose="020B0604020202020204" pitchFamily="34" charset="0"/>
+              <a:buChar char="•"/>
+            </a:pPr>
+            <a:r>
+              <a:rPr lang="ru-RU" sz="2000" b="0" i="0" u="none" strike="noStrike" baseline="0" dirty="0">
+                <a:solidFill>
+                  <a:srgbClr val="000000"/>
+                </a:solidFill>
+                <a:latin typeface="Times New Roman" panose="02020603050405020304" pitchFamily="18" charset="0"/>
+              </a:rPr>
+              <a:t>пула, использующего библиотеку </a:t>
+            </a:r>
+            <a:r>
+              <a:rPr lang="ru-RU" sz="2000" b="0" i="0" u="none" strike="noStrike" baseline="0" dirty="0" err="1">
+                <a:solidFill>
+                  <a:srgbClr val="000000"/>
+                </a:solidFill>
+                <a:latin typeface="Times New Roman" panose="02020603050405020304" pitchFamily="18" charset="0"/>
+              </a:rPr>
+              <a:t>libpq</a:t>
+            </a:r>
+            <a:r>
+              <a:rPr lang="ru-RU" sz="2000" dirty="0">
+                <a:solidFill>
+                  <a:srgbClr val="000000"/>
+                </a:solidFill>
+                <a:latin typeface="Times New Roman" panose="02020603050405020304" pitchFamily="18" charset="0"/>
+              </a:rPr>
+              <a:t>;</a:t>
+            </a:r>
+          </a:p>
+          <a:p>
+            <a:pPr marL="342900" indent="-342900">
+              <a:buFont typeface="Arial" panose="020B0604020202020204" pitchFamily="34" charset="0"/>
+              <a:buChar char="•"/>
+            </a:pPr>
+            <a:r>
+              <a:rPr lang="ru-RU" sz="2000" b="0" i="0" u="none" strike="noStrike" baseline="0" dirty="0">
+                <a:solidFill>
+                  <a:srgbClr val="000000"/>
+                </a:solidFill>
+                <a:latin typeface="Times New Roman" panose="02020603050405020304" pitchFamily="18" charset="0"/>
+              </a:rPr>
+              <a:t>пула, реализованного в качестве внешней службы (</a:t>
+            </a:r>
+            <a:r>
+              <a:rPr lang="ru-RU" sz="2000" b="0" i="0" u="none" strike="noStrike" baseline="0" dirty="0" err="1">
+                <a:solidFill>
+                  <a:srgbClr val="000000"/>
+                </a:solidFill>
+                <a:latin typeface="Times New Roman" panose="02020603050405020304" pitchFamily="18" charset="0"/>
+              </a:rPr>
+              <a:t>PGBouncer</a:t>
+            </a:r>
+            <a:r>
+              <a:rPr lang="ru-RU" sz="2000" b="0" i="0" u="none" strike="noStrike" baseline="0" dirty="0">
+                <a:solidFill>
+                  <a:srgbClr val="000000"/>
+                </a:solidFill>
+                <a:latin typeface="Times New Roman" panose="02020603050405020304" pitchFamily="18" charset="0"/>
+              </a:rPr>
+              <a:t>);</a:t>
+            </a:r>
+          </a:p>
+          <a:p>
+            <a:pPr marL="342900" indent="-342900">
+              <a:buFont typeface="Arial" panose="020B0604020202020204" pitchFamily="34" charset="0"/>
+              <a:buChar char="•"/>
+            </a:pPr>
+            <a:r>
+              <a:rPr lang="ru-RU" sz="2000" b="0" i="0" u="none" strike="noStrike" baseline="0" dirty="0">
+                <a:solidFill>
+                  <a:srgbClr val="000000"/>
+                </a:solidFill>
+                <a:latin typeface="Times New Roman" panose="02020603050405020304" pitchFamily="18" charset="0"/>
+              </a:rPr>
+              <a:t>разработанного метода. </a:t>
             </a:r>
             <a:endParaRPr lang="ru-RU" sz="2000" dirty="0"/>
           </a:p>
@@ -9330,10 +9858,15 @@
   <p:clrMapOvr>
     <a:masterClrMapping/>
   </p:clrMapOvr>
+  <p:extLst>
+    <p:ext uri="{6950BFC3-D8DA-4A85-94F7-54DA5524770B}">
+      <p188:commentRel xmlns:p188="http://schemas.microsoft.com/office/powerpoint/2018/8/main" r:id="rId2"/>
+    </p:ext>
+  </p:extLst>
 </p:sld>
 </file>
 
-<file path=ppt/slides/slide15.xml><?xml version="1.0" encoding="utf-8"?>
+<file path=ppt/slides/slide13.xml><?xml version="1.0" encoding="utf-8"?>
 <p:sld xmlns:a="http://schemas.openxmlformats.org/drawingml/2006/main" xmlns:r="http://schemas.openxmlformats.org/officeDocument/2006/relationships" xmlns:p="http://schemas.openxmlformats.org/presentationml/2006/main">
   <p:cSld>
     <p:spTree>
@@ -9376,7 +9909,7 @@
                 <a:latin typeface="Times New Roman" panose="02020603050405020304" pitchFamily="18" charset="0"/>
                 <a:cs typeface="Times New Roman" panose="02020603050405020304" pitchFamily="18" charset="0"/>
               </a:rPr>
-              <a:t>Анализ памяти</a:t>
+              <a:t>Исследование требуемых ресурсов для выполнения простого запроса к БД</a:t>
             </a:r>
           </a:p>
         </p:txBody>
@@ -9397,13 +9930,13 @@
             <p:ph idx="1"/>
             <p:extLst>
               <p:ext uri="{D42A27DB-BD31-4B8C-83A1-F6EECF244321}">
-                <p14:modId xmlns:p14="http://schemas.microsoft.com/office/powerpoint/2010/main" val="4179130930"/>
+                <p14:modId xmlns:p14="http://schemas.microsoft.com/office/powerpoint/2010/main" val="1609419992"/>
               </p:ext>
             </p:extLst>
           </p:nvPr>
         </p:nvGraphicFramePr>
         <p:xfrm>
-          <a:off x="838198" y="3005061"/>
+          <a:off x="838197" y="3391605"/>
           <a:ext cx="9390529" cy="2683246"/>
         </p:xfrm>
         <a:graphic>
@@ -9928,7 +10461,7 @@
                 <a:latin typeface="Times New Roman" panose="02020603050405020304" pitchFamily="18" charset="0"/>
                 <a:cs typeface="Times New Roman" panose="02020603050405020304" pitchFamily="18" charset="0"/>
               </a:rPr>
-              <a:t>15</a:t>
+              <a:t>13</a:t>
             </a:fld>
             <a:endParaRPr lang="ru-RU" dirty="0">
               <a:latin typeface="Times New Roman" panose="02020603050405020304" pitchFamily="18" charset="0"/>
@@ -9951,8 +10484,8 @@
         </p:nvSpPr>
         <p:spPr>
           <a:xfrm>
-            <a:off x="838199" y="1690688"/>
-            <a:ext cx="9390529" cy="707886"/>
+            <a:off x="838196" y="1690688"/>
+            <a:ext cx="9390529" cy="1600438"/>
           </a:xfrm>
           <a:prstGeom prst="rect">
             <a:avLst/>
@@ -9966,15 +10499,104 @@
           <a:lstStyle/>
           <a:p>
             <a:r>
-              <a:rPr lang="ru-RU" sz="2000" b="0" i="0" u="none" strike="noStrike" baseline="0" dirty="0">
+              <a:rPr lang="ru-RU" sz="2000" dirty="0">
                 <a:solidFill>
                   <a:srgbClr val="000000"/>
                 </a:solidFill>
                 <a:latin typeface="Times New Roman" panose="02020603050405020304" pitchFamily="18" charset="0"/>
               </a:rPr>
-              <a:t>Сравнение затрат памяти для каждой реализации в случае создания 10 соединений и выполнения простого запроса.</a:t>
-            </a:r>
-            <a:endParaRPr lang="ru-RU" sz="2000" dirty="0"/>
+              <a:t>Простой запрос </a:t>
+            </a:r>
+            <a:r>
+              <a:rPr lang="ru-RU" sz="2000" dirty="0">
+                <a:effectLst/>
+                <a:latin typeface="Times New Roman" panose="02020603050405020304" pitchFamily="18" charset="0"/>
+                <a:ea typeface="Noto Serif CJK SC"/>
+                <a:cs typeface="Lohit Devanagari"/>
+              </a:rPr>
+              <a:t>—</a:t>
+            </a:r>
+            <a:r>
+              <a:rPr lang="ru-RU" sz="2000" dirty="0">
+                <a:solidFill>
+                  <a:srgbClr val="000000"/>
+                </a:solidFill>
+                <a:latin typeface="Times New Roman" panose="02020603050405020304" pitchFamily="18" charset="0"/>
+              </a:rPr>
+              <a:t> выборка всех данных посредством одного оператора </a:t>
+            </a:r>
+            <a:r>
+              <a:rPr lang="en-US" sz="2000" dirty="0">
+                <a:solidFill>
+                  <a:srgbClr val="000000"/>
+                </a:solidFill>
+                <a:latin typeface="Times New Roman" panose="02020603050405020304" pitchFamily="18" charset="0"/>
+              </a:rPr>
+              <a:t>‘SELECT’</a:t>
+            </a:r>
+            <a:r>
+              <a:rPr lang="ru-RU" sz="2000" dirty="0">
+                <a:solidFill>
+                  <a:srgbClr val="000000"/>
+                </a:solidFill>
+                <a:latin typeface="Times New Roman" panose="02020603050405020304" pitchFamily="18" charset="0"/>
+              </a:rPr>
+              <a:t> и одного оператора</a:t>
+            </a:r>
+            <a:r>
+              <a:rPr lang="en-US" sz="2000" dirty="0">
+                <a:solidFill>
+                  <a:srgbClr val="000000"/>
+                </a:solidFill>
+                <a:latin typeface="Times New Roman" panose="02020603050405020304" pitchFamily="18" charset="0"/>
+              </a:rPr>
+              <a:t> ‘FROM’</a:t>
+            </a:r>
+            <a:r>
+              <a:rPr lang="ru-RU" sz="2000" dirty="0">
+                <a:solidFill>
+                  <a:srgbClr val="000000"/>
+                </a:solidFill>
+                <a:latin typeface="Times New Roman" panose="02020603050405020304" pitchFamily="18" charset="0"/>
+              </a:rPr>
+              <a:t>. </a:t>
+            </a:r>
+          </a:p>
+          <a:p>
+            <a:endParaRPr lang="en-US" dirty="0">
+              <a:solidFill>
+                <a:srgbClr val="000000"/>
+              </a:solidFill>
+              <a:latin typeface="Times New Roman" panose="02020603050405020304" pitchFamily="18" charset="0"/>
+            </a:endParaRPr>
+          </a:p>
+          <a:p>
+            <a:r>
+              <a:rPr lang="en-US" sz="2000" dirty="0">
+                <a:solidFill>
+                  <a:srgbClr val="000000"/>
+                </a:solidFill>
+                <a:latin typeface="Times New Roman" panose="02020603050405020304" pitchFamily="18" charset="0"/>
+              </a:rPr>
+              <a:t>SELECT * FROM table100;</a:t>
+            </a:r>
+            <a:endParaRPr lang="ru-RU" sz="2000" dirty="0">
+              <a:solidFill>
+                <a:srgbClr val="000000"/>
+              </a:solidFill>
+              <a:latin typeface="Times New Roman" panose="02020603050405020304" pitchFamily="18" charset="0"/>
+            </a:endParaRPr>
+          </a:p>
+          <a:p>
+            <a:r>
+              <a:rPr lang="ru-RU" sz="2000" dirty="0">
+                <a:solidFill>
+                  <a:srgbClr val="000000"/>
+                </a:solidFill>
+                <a:latin typeface="Times New Roman" panose="02020603050405020304" pitchFamily="18" charset="0"/>
+              </a:rPr>
+              <a:t>Создание 10 соединений.</a:t>
+            </a:r>
           </a:p>
         </p:txBody>
       </p:sp>
@@ -9988,10 +10610,15 @@
   <p:clrMapOvr>
     <a:masterClrMapping/>
   </p:clrMapOvr>
+  <p:extLst>
+    <p:ext uri="{6950BFC3-D8DA-4A85-94F7-54DA5524770B}">
+      <p188:commentRel xmlns:p188="http://schemas.microsoft.com/office/powerpoint/2018/8/main" r:id="rId2"/>
+    </p:ext>
+  </p:extLst>
 </p:sld>
 </file>
 
-<file path=ppt/slides/slide16.xml><?xml version="1.0" encoding="utf-8"?>
+<file path=ppt/slides/slide14.xml><?xml version="1.0" encoding="utf-8"?>
 <p:sld xmlns:a="http://schemas.openxmlformats.org/drawingml/2006/main" xmlns:r="http://schemas.openxmlformats.org/officeDocument/2006/relationships" xmlns:p="http://schemas.openxmlformats.org/presentationml/2006/main">
   <p:cSld>
     <p:spTree>
@@ -10096,7 +10723,7 @@
                 </a:solidFill>
                 <a:latin typeface="Times New Roman" panose="02020603050405020304" pitchFamily="18" charset="0"/>
               </a:rPr>
-              <a:t>Выполнен анализ предметной области и существующих методов выполнения запросов в MPP системах.</a:t>
+              <a:t>Выполнен анализ предметной области и существующих методов выполнения запросов в MPP системах;</a:t>
             </a:r>
           </a:p>
           <a:p>
@@ -10130,7 +10757,7 @@
                 </a:solidFill>
                 <a:latin typeface="Times New Roman" panose="02020603050405020304" pitchFamily="18" charset="0"/>
               </a:rPr>
-              <a:t> в пределах одного соединения.</a:t>
+              <a:t> в пределах одного соединения;</a:t>
             </a:r>
           </a:p>
           <a:p>
@@ -10146,7 +10773,7 @@
                 </a:solidFill>
                 <a:latin typeface="Times New Roman" panose="02020603050405020304" pitchFamily="18" charset="0"/>
               </a:rPr>
-              <a:t>Реализован разработанный метод.</a:t>
+              <a:t>Реализован разработанный метод;</a:t>
             </a:r>
           </a:p>
           <a:p>
@@ -10162,7 +10789,7 @@
                 </a:solidFill>
                 <a:latin typeface="Times New Roman" panose="02020603050405020304" pitchFamily="18" charset="0"/>
               </a:rPr>
-              <a:t>Выполнено исследование временной эффективности метода и его затрат памяти путем сравнения со стандартными методами обработки запросов.</a:t>
+              <a:t>Выполнен сравнительный анализ времени работы метода и различных реализаций выполнения запросов.</a:t>
             </a:r>
           </a:p>
           <a:p>
@@ -10207,7 +10834,7 @@
                 <a:latin typeface="Times New Roman" panose="02020603050405020304" pitchFamily="18" charset="0"/>
                 <a:cs typeface="Times New Roman" panose="02020603050405020304" pitchFamily="18" charset="0"/>
               </a:rPr>
-              <a:t>16</a:t>
+              <a:t>14</a:t>
             </a:fld>
             <a:endParaRPr lang="ru-RU" dirty="0">
               <a:latin typeface="Times New Roman" panose="02020603050405020304" pitchFamily="18" charset="0"/>
@@ -10282,7 +10909,7 @@
 </p:sld>
 </file>
 
-<file path=ppt/slides/slide17.xml><?xml version="1.0" encoding="utf-8"?>
+<file path=ppt/slides/slide15.xml><?xml version="1.0" encoding="utf-8"?>
 <p:sld xmlns:a="http://schemas.openxmlformats.org/drawingml/2006/main" xmlns:r="http://schemas.openxmlformats.org/officeDocument/2006/relationships" xmlns:p="http://schemas.openxmlformats.org/presentationml/2006/main">
   <p:cSld>
     <p:spTree>
@@ -10358,7 +10985,7 @@
                 <a:latin typeface="Times New Roman" panose="02020603050405020304" pitchFamily="18" charset="0"/>
                 <a:cs typeface="Times New Roman" panose="02020603050405020304" pitchFamily="18" charset="0"/>
               </a:rPr>
-              <a:t>Реализация пользовательского вывода информации об ошибки в случае конкатенации нескольких запросов в одну команду.</a:t>
+              <a:t>Реализация пользовательского вывода информации об ошибках в случае конкатенации нескольких запросов в одну команду.</a:t>
             </a:r>
           </a:p>
           <a:p>
@@ -10367,28 +10994,8 @@
                 <a:latin typeface="Times New Roman" panose="02020603050405020304" pitchFamily="18" charset="0"/>
                 <a:cs typeface="Times New Roman" panose="02020603050405020304" pitchFamily="18" charset="0"/>
               </a:rPr>
-              <a:t>Рассмотрение корректного завершения всех потоков в случае потери соединения с базой данных.</a:t>
-            </a:r>
-          </a:p>
-          <a:p>
-            <a:r>
-              <a:rPr lang="ru-RU" sz="2400" dirty="0">
-                <a:latin typeface="Times New Roman" panose="02020603050405020304" pitchFamily="18" charset="0"/>
-                <a:cs typeface="Times New Roman" panose="02020603050405020304" pitchFamily="18" charset="0"/>
-              </a:rPr>
-              <a:t>Разработка метода управления ресурсным пулом в случае потери </a:t>
-            </a:r>
-            <a:r>
-              <a:rPr lang="ru-RU" sz="2400">
-                <a:latin typeface="Times New Roman" panose="02020603050405020304" pitchFamily="18" charset="0"/>
-                <a:cs typeface="Times New Roman" panose="02020603050405020304" pitchFamily="18" charset="0"/>
-              </a:rPr>
-              <a:t>потоком соединения с БД.</a:t>
-            </a:r>
-            <a:endParaRPr lang="ru-RU" sz="2400" dirty="0">
-              <a:latin typeface="Times New Roman" panose="02020603050405020304" pitchFamily="18" charset="0"/>
-              <a:cs typeface="Times New Roman" panose="02020603050405020304" pitchFamily="18" charset="0"/>
-            </a:endParaRPr>
+              <a:t>Разработка метода управления ресурсным пулом в случае потери потоком соединения с базой данных.</a:t>
+            </a:r>
           </a:p>
         </p:txBody>
       </p:sp>
@@ -10418,7 +11025,7 @@
                 <a:latin typeface="Times New Roman" panose="02020603050405020304" pitchFamily="18" charset="0"/>
                 <a:cs typeface="Times New Roman" panose="02020603050405020304" pitchFamily="18" charset="0"/>
               </a:rPr>
-              <a:t>17</a:t>
+              <a:t>15</a:t>
             </a:fld>
             <a:endParaRPr lang="ru-RU" sz="1800" dirty="0">
               <a:latin typeface="Times New Roman" panose="02020603050405020304" pitchFamily="18" charset="0"/>
@@ -10759,7 +11366,7 @@
                 <a:latin typeface="Times New Roman" panose="02020603050405020304" pitchFamily="18" charset="0"/>
                 <a:cs typeface="Times New Roman" panose="02020603050405020304" pitchFamily="18" charset="0"/>
               </a:rPr>
-              <a:t>системах.</a:t>
+              <a:t>системах;</a:t>
             </a:r>
           </a:p>
           <a:p>
@@ -10769,7 +11376,7 @@
                 <a:latin typeface="Times New Roman" panose="02020603050405020304" pitchFamily="18" charset="0"/>
                 <a:cs typeface="Times New Roman" panose="02020603050405020304" pitchFamily="18" charset="0"/>
               </a:rPr>
-              <a:t>Разработать метод параллельного выполнения запросов к СУБД PostgreSQL в пределах одного соединения.</a:t>
+              <a:t>Разработать метод параллельного выполнения запросов к СУБД PostgreSQL в пределах одного соединения;</a:t>
             </a:r>
           </a:p>
           <a:p>
@@ -10779,7 +11386,7 @@
                 <a:latin typeface="Times New Roman" panose="02020603050405020304" pitchFamily="18" charset="0"/>
                 <a:cs typeface="Times New Roman" panose="02020603050405020304" pitchFamily="18" charset="0"/>
               </a:rPr>
-              <a:t>Реализовать разработанный метод.</a:t>
+              <a:t>Реализовать разработанный метод;</a:t>
             </a:r>
           </a:p>
           <a:p>
@@ -10789,7 +11396,7 @@
                 <a:latin typeface="Times New Roman" panose="02020603050405020304" pitchFamily="18" charset="0"/>
                 <a:cs typeface="Times New Roman" panose="02020603050405020304" pitchFamily="18" charset="0"/>
               </a:rPr>
-              <a:t>Выполнить исследование временной эффективности метода и его затрат памяти путем сравнения со стандартными методами обработки запросов.</a:t>
+              <a:t>Выполнить сравнительный анализ времени работы метода и различных реализаций выполнения запросов.</a:t>
             </a:r>
           </a:p>
         </p:txBody>
@@ -10833,6 +11440,11 @@
   <p:clrMapOvr>
     <a:masterClrMapping/>
   </p:clrMapOvr>
+  <p:extLst>
+    <p:ext uri="{6950BFC3-D8DA-4A85-94F7-54DA5524770B}">
+      <p188:commentRel xmlns:p188="http://schemas.microsoft.com/office/powerpoint/2018/8/main" r:id="rId3"/>
+    </p:ext>
+  </p:extLst>
 </p:sld>
 </file>
 
@@ -10917,7 +11529,7 @@
             <p:ph idx="1"/>
             <p:extLst>
               <p:ext uri="{D42A27DB-BD31-4B8C-83A1-F6EECF244321}">
-                <p14:modId xmlns:p14="http://schemas.microsoft.com/office/powerpoint/2010/main" val="804986888"/>
+                <p14:modId xmlns:p14="http://schemas.microsoft.com/office/powerpoint/2010/main" val="1543382122"/>
               </p:ext>
             </p:extLst>
           </p:nvPr>
@@ -10928,7 +11540,7 @@
         </p:xfrm>
         <a:graphic>
           <a:graphicData uri="http://schemas.openxmlformats.org/drawingml/2006/chart">
-            <c:chart xmlns:c="http://schemas.openxmlformats.org/drawingml/2006/chart" xmlns:r="http://schemas.openxmlformats.org/officeDocument/2006/relationships" r:id="rId2"/>
+            <c:chart xmlns:c="http://schemas.openxmlformats.org/drawingml/2006/chart" xmlns:r="http://schemas.openxmlformats.org/officeDocument/2006/relationships" r:id="rId3"/>
           </a:graphicData>
         </a:graphic>
       </p:graphicFrame>
@@ -11087,6 +11699,11 @@
   <p:clrMapOvr>
     <a:masterClrMapping/>
   </p:clrMapOvr>
+  <p:extLst>
+    <p:ext uri="{6950BFC3-D8DA-4A85-94F7-54DA5524770B}">
+      <p188:commentRel xmlns:p188="http://schemas.microsoft.com/office/powerpoint/2018/8/main" r:id="rId2"/>
+    </p:ext>
+  </p:extLst>
 </p:sld>
 </file>
 
@@ -11134,7 +11751,7 @@
       </p:sp>
       <p:sp>
         <p:nvSpPr>
-          <p:cNvPr id="4" name="Номер слайда 3"/>
+          <p:cNvPr id="6" name="Номер слайда 5"/>
           <p:cNvSpPr>
             <a:spLocks noGrp="1"/>
           </p:cNvSpPr>
@@ -11161,946 +11778,42 @@
           </a:p>
         </p:txBody>
       </p:sp>
-      <p:graphicFrame>
-        <p:nvGraphicFramePr>
-          <p:cNvPr id="9" name="Таблица 8">
+      <p:pic>
+        <p:nvPicPr>
+          <p:cNvPr id="3" name="Рисунок 2"/>
+          <p:cNvPicPr>
+            <a:picLocks noChangeAspect="1"/>
+          </p:cNvPicPr>
+          <p:nvPr/>
+        </p:nvPicPr>
+        <p:blipFill>
+          <a:blip r:embed="rId3">
+            <a:extLst>
+              <a:ext uri="{28A0092B-C50C-407E-A947-70E740481C1C}">
+                <a14:useLocalDpi xmlns:a14="http://schemas.microsoft.com/office/drawing/2010/main" val="0"/>
+              </a:ext>
+            </a:extLst>
+          </a:blip>
+          <a:stretch>
+            <a:fillRect/>
+          </a:stretch>
+        </p:blipFill>
+        <p:spPr>
+          <a:xfrm>
+            <a:off x="5913347" y="2225941"/>
+            <a:ext cx="5633195" cy="3117028"/>
+          </a:xfrm>
+          <a:prstGeom prst="rect">
+            <a:avLst/>
+          </a:prstGeom>
+        </p:spPr>
+      </p:pic>
+      <p:sp>
+        <p:nvSpPr>
+          <p:cNvPr id="4" name="TextBox 3">
             <a:extLst>
               <a:ext uri="{FF2B5EF4-FFF2-40B4-BE49-F238E27FC236}">
-                <a16:creationId xmlns:a16="http://schemas.microsoft.com/office/drawing/2014/main" id="{760CD65D-A072-B8A1-B0E7-A274661AF3DE}"/>
-              </a:ext>
-            </a:extLst>
-          </p:cNvPr>
-          <p:cNvGraphicFramePr>
-            <a:graphicFrameLocks noGrp="1"/>
-          </p:cNvGraphicFramePr>
-          <p:nvPr>
-            <p:extLst>
-              <p:ext uri="{D42A27DB-BD31-4B8C-83A1-F6EECF244321}">
-                <p14:modId xmlns:p14="http://schemas.microsoft.com/office/powerpoint/2010/main" val="3832927421"/>
-              </p:ext>
-            </p:extLst>
-          </p:nvPr>
-        </p:nvGraphicFramePr>
-        <p:xfrm>
-          <a:off x="4507716" y="1962420"/>
-          <a:ext cx="7341384" cy="3772461"/>
-        </p:xfrm>
-        <a:graphic>
-          <a:graphicData uri="http://schemas.openxmlformats.org/drawingml/2006/table">
-            <a:tbl>
-              <a:tblPr firstRow="1" firstCol="1" bandRow="1">
-                <a:tableStyleId>{F5AB1C69-6EDB-4FF4-983F-18BD219EF322}</a:tableStyleId>
-              </a:tblPr>
-              <a:tblGrid>
-                <a:gridCol w="1225628">
-                  <a:extLst>
-                    <a:ext uri="{9D8B030D-6E8A-4147-A177-3AD203B41FA5}">
-                      <a16:colId xmlns:a16="http://schemas.microsoft.com/office/drawing/2014/main" val="1446329827"/>
-                    </a:ext>
-                  </a:extLst>
-                </a:gridCol>
-                <a:gridCol w="2835038">
-                  <a:extLst>
-                    <a:ext uri="{9D8B030D-6E8A-4147-A177-3AD203B41FA5}">
-                      <a16:colId xmlns:a16="http://schemas.microsoft.com/office/drawing/2014/main" val="1616460064"/>
-                    </a:ext>
-                  </a:extLst>
-                </a:gridCol>
-                <a:gridCol w="3280718">
-                  <a:extLst>
-                    <a:ext uri="{9D8B030D-6E8A-4147-A177-3AD203B41FA5}">
-                      <a16:colId xmlns:a16="http://schemas.microsoft.com/office/drawing/2014/main" val="2821150434"/>
-                    </a:ext>
-                  </a:extLst>
-                </a:gridCol>
-              </a:tblGrid>
-              <a:tr h="342951">
-                <a:tc>
-                  <a:txBody>
-                    <a:bodyPr/>
-                    <a:lstStyle/>
-                    <a:p>
-                      <a:pPr indent="0" algn="l"/>
-                      <a:r>
-                        <a:rPr lang="ru-RU" sz="2000" kern="150" dirty="0">
-                          <a:effectLst/>
-                          <a:latin typeface="Times New Roman" panose="02020603050405020304" pitchFamily="18" charset="0"/>
-                          <a:cs typeface="Times New Roman" panose="02020603050405020304" pitchFamily="18" charset="0"/>
-                        </a:rPr>
-                        <a:t>Рейтинг</a:t>
-                      </a:r>
-                      <a:endParaRPr lang="ru-RU" sz="2000" kern="150" dirty="0">
-                        <a:effectLst/>
-                        <a:latin typeface="Times New Roman" panose="02020603050405020304" pitchFamily="18" charset="0"/>
-                        <a:ea typeface="Noto Serif CJK SC"/>
-                        <a:cs typeface="Times New Roman" panose="02020603050405020304" pitchFamily="18" charset="0"/>
-                      </a:endParaRPr>
-                    </a:p>
-                  </a:txBody>
-                  <a:tcPr marL="85598" marR="85598" marT="0" marB="0" anchor="ctr"/>
-                </a:tc>
-                <a:tc>
-                  <a:txBody>
-                    <a:bodyPr/>
-                    <a:lstStyle/>
-                    <a:p>
-                      <a:pPr indent="0" algn="l"/>
-                      <a:r>
-                        <a:rPr lang="ru-RU" sz="2000" kern="150" dirty="0">
-                          <a:effectLst/>
-                          <a:latin typeface="Times New Roman" panose="02020603050405020304" pitchFamily="18" charset="0"/>
-                          <a:cs typeface="Times New Roman" panose="02020603050405020304" pitchFamily="18" charset="0"/>
-                        </a:rPr>
-                        <a:t>СУБД</a:t>
-                      </a:r>
-                      <a:endParaRPr lang="ru-RU" sz="2000" kern="150" dirty="0">
-                        <a:effectLst/>
-                        <a:latin typeface="Times New Roman" panose="02020603050405020304" pitchFamily="18" charset="0"/>
-                        <a:ea typeface="Noto Serif CJK SC"/>
-                        <a:cs typeface="Times New Roman" panose="02020603050405020304" pitchFamily="18" charset="0"/>
-                      </a:endParaRPr>
-                    </a:p>
-                  </a:txBody>
-                  <a:tcPr marL="85598" marR="85598" marT="0" marB="0" anchor="ctr"/>
-                </a:tc>
-                <a:tc>
-                  <a:txBody>
-                    <a:bodyPr/>
-                    <a:lstStyle/>
-                    <a:p>
-                      <a:pPr indent="0" algn="l"/>
-                      <a:r>
-                        <a:rPr lang="ru-RU" sz="2000" kern="150" dirty="0">
-                          <a:effectLst/>
-                          <a:latin typeface="Times New Roman" panose="02020603050405020304" pitchFamily="18" charset="0"/>
-                          <a:cs typeface="Times New Roman" panose="02020603050405020304" pitchFamily="18" charset="0"/>
-                        </a:rPr>
-                        <a:t>Модель БД</a:t>
-                      </a:r>
-                      <a:endParaRPr lang="ru-RU" sz="2000" kern="150" dirty="0">
-                        <a:effectLst/>
-                        <a:latin typeface="Times New Roman" panose="02020603050405020304" pitchFamily="18" charset="0"/>
-                        <a:ea typeface="Noto Serif CJK SC"/>
-                        <a:cs typeface="Times New Roman" panose="02020603050405020304" pitchFamily="18" charset="0"/>
-                      </a:endParaRPr>
-                    </a:p>
-                  </a:txBody>
-                  <a:tcPr marL="85598" marR="85598" marT="0" marB="0" anchor="ctr"/>
-                </a:tc>
-                <a:extLst>
-                  <a:ext uri="{0D108BD9-81ED-4DB2-BD59-A6C34878D82A}">
-                    <a16:rowId xmlns:a16="http://schemas.microsoft.com/office/drawing/2014/main" val="967554814"/>
-                  </a:ext>
-                </a:extLst>
-              </a:tr>
-              <a:tr h="342951">
-                <a:tc>
-                  <a:txBody>
-                    <a:bodyPr/>
-                    <a:lstStyle/>
-                    <a:p>
-                      <a:pPr indent="0" algn="l"/>
-                      <a:r>
-                        <a:rPr lang="ru-RU" sz="2000" kern="150" dirty="0">
-                          <a:effectLst/>
-                          <a:latin typeface="Times New Roman" panose="02020603050405020304" pitchFamily="18" charset="0"/>
-                          <a:cs typeface="Times New Roman" panose="02020603050405020304" pitchFamily="18" charset="0"/>
-                        </a:rPr>
-                        <a:t>1.</a:t>
-                      </a:r>
-                      <a:endParaRPr lang="ru-RU" sz="2000" kern="150" dirty="0">
-                        <a:effectLst/>
-                        <a:latin typeface="Times New Roman" panose="02020603050405020304" pitchFamily="18" charset="0"/>
-                        <a:ea typeface="Noto Serif CJK SC"/>
-                        <a:cs typeface="Times New Roman" panose="02020603050405020304" pitchFamily="18" charset="0"/>
-                      </a:endParaRPr>
-                    </a:p>
-                  </a:txBody>
-                  <a:tcPr marL="85598" marR="85598" marT="0" marB="0" anchor="ctr"/>
-                </a:tc>
-                <a:tc>
-                  <a:txBody>
-                    <a:bodyPr/>
-                    <a:lstStyle/>
-                    <a:p>
-                      <a:pPr indent="0" algn="l"/>
-                      <a:r>
-                        <a:rPr lang="en-US" sz="2000" kern="150" dirty="0">
-                          <a:effectLst/>
-                          <a:latin typeface="Times New Roman" panose="02020603050405020304" pitchFamily="18" charset="0"/>
-                          <a:cs typeface="Times New Roman" panose="02020603050405020304" pitchFamily="18" charset="0"/>
-                        </a:rPr>
-                        <a:t>Oracle</a:t>
-                      </a:r>
-                      <a:endParaRPr lang="ru-RU" sz="2000" kern="150" dirty="0">
-                        <a:effectLst/>
-                        <a:latin typeface="Times New Roman" panose="02020603050405020304" pitchFamily="18" charset="0"/>
-                        <a:ea typeface="Noto Serif CJK SC"/>
-                        <a:cs typeface="Times New Roman" panose="02020603050405020304" pitchFamily="18" charset="0"/>
-                      </a:endParaRPr>
-                    </a:p>
-                  </a:txBody>
-                  <a:tcPr marL="85598" marR="85598" marT="0" marB="0" anchor="ctr"/>
-                </a:tc>
-                <a:tc>
-                  <a:txBody>
-                    <a:bodyPr/>
-                    <a:lstStyle/>
-                    <a:p>
-                      <a:pPr indent="0" algn="l"/>
-                      <a:r>
-                        <a:rPr lang="ru-RU" sz="2000" kern="150" dirty="0">
-                          <a:effectLst/>
-                          <a:latin typeface="Times New Roman" panose="02020603050405020304" pitchFamily="18" charset="0"/>
-                          <a:cs typeface="Times New Roman" panose="02020603050405020304" pitchFamily="18" charset="0"/>
-                        </a:rPr>
-                        <a:t>Реляционная</a:t>
-                      </a:r>
-                      <a:endParaRPr lang="ru-RU" sz="2000" kern="150" dirty="0">
-                        <a:effectLst/>
-                        <a:latin typeface="Times New Roman" panose="02020603050405020304" pitchFamily="18" charset="0"/>
-                        <a:ea typeface="Noto Serif CJK SC"/>
-                        <a:cs typeface="Times New Roman" panose="02020603050405020304" pitchFamily="18" charset="0"/>
-                      </a:endParaRPr>
-                    </a:p>
-                  </a:txBody>
-                  <a:tcPr marL="85598" marR="85598" marT="0" marB="0" anchor="ctr"/>
-                </a:tc>
-                <a:extLst>
-                  <a:ext uri="{0D108BD9-81ED-4DB2-BD59-A6C34878D82A}">
-                    <a16:rowId xmlns:a16="http://schemas.microsoft.com/office/drawing/2014/main" val="2582211304"/>
-                  </a:ext>
-                </a:extLst>
-              </a:tr>
-              <a:tr h="342951">
-                <a:tc>
-                  <a:txBody>
-                    <a:bodyPr/>
-                    <a:lstStyle/>
-                    <a:p>
-                      <a:pPr indent="0" algn="l"/>
-                      <a:r>
-                        <a:rPr lang="ru-RU" sz="2000" kern="150" dirty="0">
-                          <a:effectLst/>
-                          <a:latin typeface="Times New Roman" panose="02020603050405020304" pitchFamily="18" charset="0"/>
-                          <a:cs typeface="Times New Roman" panose="02020603050405020304" pitchFamily="18" charset="0"/>
-                        </a:rPr>
-                        <a:t>2.</a:t>
-                      </a:r>
-                      <a:endParaRPr lang="ru-RU" sz="2000" kern="150" dirty="0">
-                        <a:effectLst/>
-                        <a:latin typeface="Times New Roman" panose="02020603050405020304" pitchFamily="18" charset="0"/>
-                        <a:ea typeface="Noto Serif CJK SC"/>
-                        <a:cs typeface="Times New Roman" panose="02020603050405020304" pitchFamily="18" charset="0"/>
-                      </a:endParaRPr>
-                    </a:p>
-                  </a:txBody>
-                  <a:tcPr marL="85598" marR="85598" marT="0" marB="0" anchor="ctr"/>
-                </a:tc>
-                <a:tc>
-                  <a:txBody>
-                    <a:bodyPr/>
-                    <a:lstStyle/>
-                    <a:p>
-                      <a:pPr indent="0" algn="l"/>
-                      <a:r>
-                        <a:rPr lang="en-US" sz="2000" kern="150" dirty="0">
-                          <a:effectLst/>
-                          <a:latin typeface="Times New Roman" panose="02020603050405020304" pitchFamily="18" charset="0"/>
-                          <a:cs typeface="Times New Roman" panose="02020603050405020304" pitchFamily="18" charset="0"/>
-                        </a:rPr>
-                        <a:t>MySQL</a:t>
-                      </a:r>
-                      <a:endParaRPr lang="ru-RU" sz="2000" kern="150" dirty="0">
-                        <a:effectLst/>
-                        <a:latin typeface="Times New Roman" panose="02020603050405020304" pitchFamily="18" charset="0"/>
-                        <a:ea typeface="Noto Serif CJK SC"/>
-                        <a:cs typeface="Times New Roman" panose="02020603050405020304" pitchFamily="18" charset="0"/>
-                      </a:endParaRPr>
-                    </a:p>
-                  </a:txBody>
-                  <a:tcPr marL="85598" marR="85598" marT="0" marB="0" anchor="ctr"/>
-                </a:tc>
-                <a:tc>
-                  <a:txBody>
-                    <a:bodyPr/>
-                    <a:lstStyle/>
-                    <a:p>
-                      <a:pPr indent="0" algn="l"/>
-                      <a:r>
-                        <a:rPr lang="ru-RU" sz="2000" kern="150" dirty="0">
-                          <a:effectLst/>
-                          <a:latin typeface="Times New Roman" panose="02020603050405020304" pitchFamily="18" charset="0"/>
-                          <a:cs typeface="Times New Roman" panose="02020603050405020304" pitchFamily="18" charset="0"/>
-                        </a:rPr>
-                        <a:t>Реляционная</a:t>
-                      </a:r>
-                      <a:endParaRPr lang="ru-RU" sz="2000" kern="150" dirty="0">
-                        <a:effectLst/>
-                        <a:latin typeface="Times New Roman" panose="02020603050405020304" pitchFamily="18" charset="0"/>
-                        <a:ea typeface="Noto Serif CJK SC"/>
-                        <a:cs typeface="Times New Roman" panose="02020603050405020304" pitchFamily="18" charset="0"/>
-                      </a:endParaRPr>
-                    </a:p>
-                  </a:txBody>
-                  <a:tcPr marL="85598" marR="85598" marT="0" marB="0" anchor="ctr"/>
-                </a:tc>
-                <a:extLst>
-                  <a:ext uri="{0D108BD9-81ED-4DB2-BD59-A6C34878D82A}">
-                    <a16:rowId xmlns:a16="http://schemas.microsoft.com/office/drawing/2014/main" val="3339624283"/>
-                  </a:ext>
-                </a:extLst>
-              </a:tr>
-              <a:tr h="342951">
-                <a:tc>
-                  <a:txBody>
-                    <a:bodyPr/>
-                    <a:lstStyle/>
-                    <a:p>
-                      <a:pPr indent="0" algn="l"/>
-                      <a:r>
-                        <a:rPr lang="ru-RU" sz="2000" kern="150" dirty="0">
-                          <a:effectLst/>
-                          <a:latin typeface="Times New Roman" panose="02020603050405020304" pitchFamily="18" charset="0"/>
-                          <a:cs typeface="Times New Roman" panose="02020603050405020304" pitchFamily="18" charset="0"/>
-                        </a:rPr>
-                        <a:t>3.</a:t>
-                      </a:r>
-                      <a:endParaRPr lang="ru-RU" sz="2000" kern="150" dirty="0">
-                        <a:effectLst/>
-                        <a:latin typeface="Times New Roman" panose="02020603050405020304" pitchFamily="18" charset="0"/>
-                        <a:ea typeface="Noto Serif CJK SC"/>
-                        <a:cs typeface="Times New Roman" panose="02020603050405020304" pitchFamily="18" charset="0"/>
-                      </a:endParaRPr>
-                    </a:p>
-                  </a:txBody>
-                  <a:tcPr marL="85598" marR="85598" marT="0" marB="0" anchor="ctr"/>
-                </a:tc>
-                <a:tc>
-                  <a:txBody>
-                    <a:bodyPr/>
-                    <a:lstStyle/>
-                    <a:p>
-                      <a:pPr indent="0" algn="l"/>
-                      <a:r>
-                        <a:rPr lang="en-US" sz="2000" kern="150" dirty="0">
-                          <a:effectLst/>
-                          <a:latin typeface="Times New Roman" panose="02020603050405020304" pitchFamily="18" charset="0"/>
-                          <a:cs typeface="Times New Roman" panose="02020603050405020304" pitchFamily="18" charset="0"/>
-                        </a:rPr>
-                        <a:t>Microsoft SQL Server</a:t>
-                      </a:r>
-                      <a:endParaRPr lang="ru-RU" sz="2000" kern="150" dirty="0">
-                        <a:effectLst/>
-                        <a:latin typeface="Times New Roman" panose="02020603050405020304" pitchFamily="18" charset="0"/>
-                        <a:ea typeface="Noto Serif CJK SC"/>
-                        <a:cs typeface="Times New Roman" panose="02020603050405020304" pitchFamily="18" charset="0"/>
-                      </a:endParaRPr>
-                    </a:p>
-                  </a:txBody>
-                  <a:tcPr marL="85598" marR="85598" marT="0" marB="0" anchor="ctr"/>
-                </a:tc>
-                <a:tc>
-                  <a:txBody>
-                    <a:bodyPr/>
-                    <a:lstStyle/>
-                    <a:p>
-                      <a:pPr indent="0" algn="l"/>
-                      <a:r>
-                        <a:rPr lang="ru-RU" sz="2000" kern="150" dirty="0">
-                          <a:effectLst/>
-                          <a:latin typeface="Times New Roman" panose="02020603050405020304" pitchFamily="18" charset="0"/>
-                          <a:cs typeface="Times New Roman" panose="02020603050405020304" pitchFamily="18" charset="0"/>
-                        </a:rPr>
-                        <a:t>Реляционная</a:t>
-                      </a:r>
-                      <a:endParaRPr lang="ru-RU" sz="2000" kern="150" dirty="0">
-                        <a:effectLst/>
-                        <a:latin typeface="Times New Roman" panose="02020603050405020304" pitchFamily="18" charset="0"/>
-                        <a:ea typeface="Noto Serif CJK SC"/>
-                        <a:cs typeface="Times New Roman" panose="02020603050405020304" pitchFamily="18" charset="0"/>
-                      </a:endParaRPr>
-                    </a:p>
-                  </a:txBody>
-                  <a:tcPr marL="85598" marR="85598" marT="0" marB="0" anchor="ctr"/>
-                </a:tc>
-                <a:extLst>
-                  <a:ext uri="{0D108BD9-81ED-4DB2-BD59-A6C34878D82A}">
-                    <a16:rowId xmlns:a16="http://schemas.microsoft.com/office/drawing/2014/main" val="3440575899"/>
-                  </a:ext>
-                </a:extLst>
-              </a:tr>
-              <a:tr h="342951">
-                <a:tc>
-                  <a:txBody>
-                    <a:bodyPr/>
-                    <a:lstStyle/>
-                    <a:p>
-                      <a:pPr indent="0" algn="l"/>
-                      <a:r>
-                        <a:rPr lang="ru-RU" sz="2000" kern="150" dirty="0">
-                          <a:effectLst/>
-                          <a:latin typeface="Times New Roman" panose="02020603050405020304" pitchFamily="18" charset="0"/>
-                          <a:cs typeface="Times New Roman" panose="02020603050405020304" pitchFamily="18" charset="0"/>
-                        </a:rPr>
-                        <a:t>4.</a:t>
-                      </a:r>
-                      <a:endParaRPr lang="ru-RU" sz="2000" kern="150" dirty="0">
-                        <a:effectLst/>
-                        <a:latin typeface="Times New Roman" panose="02020603050405020304" pitchFamily="18" charset="0"/>
-                        <a:ea typeface="Noto Serif CJK SC"/>
-                        <a:cs typeface="Times New Roman" panose="02020603050405020304" pitchFamily="18" charset="0"/>
-                      </a:endParaRPr>
-                    </a:p>
-                  </a:txBody>
-                  <a:tcPr marL="85598" marR="85598" marT="0" marB="0" anchor="ctr"/>
-                </a:tc>
-                <a:tc>
-                  <a:txBody>
-                    <a:bodyPr/>
-                    <a:lstStyle/>
-                    <a:p>
-                      <a:pPr indent="0" algn="l"/>
-                      <a:r>
-                        <a:rPr lang="en-US" sz="2000" kern="150" dirty="0">
-                          <a:effectLst/>
-                          <a:latin typeface="Times New Roman" panose="02020603050405020304" pitchFamily="18" charset="0"/>
-                          <a:cs typeface="Times New Roman" panose="02020603050405020304" pitchFamily="18" charset="0"/>
-                        </a:rPr>
-                        <a:t>PostgreSQL</a:t>
-                      </a:r>
-                      <a:endParaRPr lang="ru-RU" sz="2000" kern="150" dirty="0">
-                        <a:effectLst/>
-                        <a:latin typeface="Times New Roman" panose="02020603050405020304" pitchFamily="18" charset="0"/>
-                        <a:ea typeface="Noto Serif CJK SC"/>
-                        <a:cs typeface="Times New Roman" panose="02020603050405020304" pitchFamily="18" charset="0"/>
-                      </a:endParaRPr>
-                    </a:p>
-                  </a:txBody>
-                  <a:tcPr marL="85598" marR="85598" marT="0" marB="0" anchor="ctr"/>
-                </a:tc>
-                <a:tc>
-                  <a:txBody>
-                    <a:bodyPr/>
-                    <a:lstStyle/>
-                    <a:p>
-                      <a:pPr indent="0" algn="l"/>
-                      <a:r>
-                        <a:rPr lang="ru-RU" sz="2000" kern="150" dirty="0">
-                          <a:effectLst/>
-                          <a:latin typeface="Times New Roman" panose="02020603050405020304" pitchFamily="18" charset="0"/>
-                          <a:cs typeface="Times New Roman" panose="02020603050405020304" pitchFamily="18" charset="0"/>
-                        </a:rPr>
-                        <a:t>Реляционная</a:t>
-                      </a:r>
-                      <a:endParaRPr lang="ru-RU" sz="2000" kern="150" dirty="0">
-                        <a:effectLst/>
-                        <a:latin typeface="Times New Roman" panose="02020603050405020304" pitchFamily="18" charset="0"/>
-                        <a:ea typeface="Noto Serif CJK SC"/>
-                        <a:cs typeface="Times New Roman" panose="02020603050405020304" pitchFamily="18" charset="0"/>
-                      </a:endParaRPr>
-                    </a:p>
-                  </a:txBody>
-                  <a:tcPr marL="85598" marR="85598" marT="0" marB="0" anchor="ctr"/>
-                </a:tc>
-                <a:extLst>
-                  <a:ext uri="{0D108BD9-81ED-4DB2-BD59-A6C34878D82A}">
-                    <a16:rowId xmlns:a16="http://schemas.microsoft.com/office/drawing/2014/main" val="3843501195"/>
-                  </a:ext>
-                </a:extLst>
-              </a:tr>
-              <a:tr h="342951">
-                <a:tc>
-                  <a:txBody>
-                    <a:bodyPr/>
-                    <a:lstStyle/>
-                    <a:p>
-                      <a:pPr indent="0" algn="l"/>
-                      <a:r>
-                        <a:rPr lang="en-US" sz="2000" kern="150" dirty="0">
-                          <a:effectLst/>
-                          <a:latin typeface="Times New Roman" panose="02020603050405020304" pitchFamily="18" charset="0"/>
-                          <a:cs typeface="Times New Roman" panose="02020603050405020304" pitchFamily="18" charset="0"/>
-                        </a:rPr>
-                        <a:t>5.</a:t>
-                      </a:r>
-                      <a:endParaRPr lang="ru-RU" sz="2000" kern="150" dirty="0">
-                        <a:effectLst/>
-                        <a:latin typeface="Times New Roman" panose="02020603050405020304" pitchFamily="18" charset="0"/>
-                        <a:ea typeface="Noto Serif CJK SC"/>
-                        <a:cs typeface="Times New Roman" panose="02020603050405020304" pitchFamily="18" charset="0"/>
-                      </a:endParaRPr>
-                    </a:p>
-                  </a:txBody>
-                  <a:tcPr marL="85598" marR="85598" marT="0" marB="0" anchor="ctr"/>
-                </a:tc>
-                <a:tc>
-                  <a:txBody>
-                    <a:bodyPr/>
-                    <a:lstStyle/>
-                    <a:p>
-                      <a:pPr indent="0" algn="l"/>
-                      <a:r>
-                        <a:rPr lang="en-US" sz="2000" kern="150" dirty="0">
-                          <a:effectLst/>
-                          <a:latin typeface="Times New Roman" panose="02020603050405020304" pitchFamily="18" charset="0"/>
-                          <a:cs typeface="Times New Roman" panose="02020603050405020304" pitchFamily="18" charset="0"/>
-                        </a:rPr>
-                        <a:t>MongoDB</a:t>
-                      </a:r>
-                      <a:endParaRPr lang="ru-RU" sz="2000" kern="150" dirty="0">
-                        <a:effectLst/>
-                        <a:latin typeface="Times New Roman" panose="02020603050405020304" pitchFamily="18" charset="0"/>
-                        <a:ea typeface="Noto Serif CJK SC"/>
-                        <a:cs typeface="Times New Roman" panose="02020603050405020304" pitchFamily="18" charset="0"/>
-                      </a:endParaRPr>
-                    </a:p>
-                  </a:txBody>
-                  <a:tcPr marL="85598" marR="85598" marT="0" marB="0" anchor="ctr"/>
-                </a:tc>
-                <a:tc>
-                  <a:txBody>
-                    <a:bodyPr/>
-                    <a:lstStyle/>
-                    <a:p>
-                      <a:pPr indent="0" algn="l"/>
-                      <a:r>
-                        <a:rPr lang="ru-RU" sz="2000" kern="150" dirty="0">
-                          <a:effectLst/>
-                          <a:latin typeface="Times New Roman" panose="02020603050405020304" pitchFamily="18" charset="0"/>
-                          <a:cs typeface="Times New Roman" panose="02020603050405020304" pitchFamily="18" charset="0"/>
-                        </a:rPr>
-                        <a:t>Документная</a:t>
-                      </a:r>
-                      <a:endParaRPr lang="ru-RU" sz="2000" kern="150" dirty="0">
-                        <a:effectLst/>
-                        <a:latin typeface="Times New Roman" panose="02020603050405020304" pitchFamily="18" charset="0"/>
-                        <a:ea typeface="Noto Serif CJK SC"/>
-                        <a:cs typeface="Times New Roman" panose="02020603050405020304" pitchFamily="18" charset="0"/>
-                      </a:endParaRPr>
-                    </a:p>
-                  </a:txBody>
-                  <a:tcPr marL="85598" marR="85598" marT="0" marB="0" anchor="ctr"/>
-                </a:tc>
-                <a:extLst>
-                  <a:ext uri="{0D108BD9-81ED-4DB2-BD59-A6C34878D82A}">
-                    <a16:rowId xmlns:a16="http://schemas.microsoft.com/office/drawing/2014/main" val="3396648353"/>
-                  </a:ext>
-                </a:extLst>
-              </a:tr>
-              <a:tr h="342951">
-                <a:tc>
-                  <a:txBody>
-                    <a:bodyPr/>
-                    <a:lstStyle/>
-                    <a:p>
-                      <a:pPr indent="0" algn="l"/>
-                      <a:r>
-                        <a:rPr lang="en-US" sz="2000" kern="150" dirty="0">
-                          <a:effectLst/>
-                          <a:latin typeface="Times New Roman" panose="02020603050405020304" pitchFamily="18" charset="0"/>
-                          <a:cs typeface="Times New Roman" panose="02020603050405020304" pitchFamily="18" charset="0"/>
-                        </a:rPr>
-                        <a:t>6.</a:t>
-                      </a:r>
-                      <a:endParaRPr lang="ru-RU" sz="2000" kern="150" dirty="0">
-                        <a:effectLst/>
-                        <a:latin typeface="Times New Roman" panose="02020603050405020304" pitchFamily="18" charset="0"/>
-                        <a:ea typeface="Noto Serif CJK SC"/>
-                        <a:cs typeface="Times New Roman" panose="02020603050405020304" pitchFamily="18" charset="0"/>
-                      </a:endParaRPr>
-                    </a:p>
-                  </a:txBody>
-                  <a:tcPr marL="85598" marR="85598" marT="0" marB="0" anchor="ctr"/>
-                </a:tc>
-                <a:tc>
-                  <a:txBody>
-                    <a:bodyPr/>
-                    <a:lstStyle/>
-                    <a:p>
-                      <a:pPr indent="0" algn="l"/>
-                      <a:r>
-                        <a:rPr lang="en-US" sz="2000" kern="150" dirty="0">
-                          <a:effectLst/>
-                          <a:latin typeface="Times New Roman" panose="02020603050405020304" pitchFamily="18" charset="0"/>
-                          <a:cs typeface="Times New Roman" panose="02020603050405020304" pitchFamily="18" charset="0"/>
-                        </a:rPr>
-                        <a:t>Redis</a:t>
-                      </a:r>
-                      <a:endParaRPr lang="ru-RU" sz="2000" kern="150" dirty="0">
-                        <a:effectLst/>
-                        <a:latin typeface="Times New Roman" panose="02020603050405020304" pitchFamily="18" charset="0"/>
-                        <a:ea typeface="Noto Serif CJK SC"/>
-                        <a:cs typeface="Times New Roman" panose="02020603050405020304" pitchFamily="18" charset="0"/>
-                      </a:endParaRPr>
-                    </a:p>
-                  </a:txBody>
-                  <a:tcPr marL="85598" marR="85598" marT="0" marB="0" anchor="ctr"/>
-                </a:tc>
-                <a:tc>
-                  <a:txBody>
-                    <a:bodyPr/>
-                    <a:lstStyle/>
-                    <a:p>
-                      <a:pPr indent="0" algn="l"/>
-                      <a:r>
-                        <a:rPr lang="ru-RU" sz="2000" kern="150" dirty="0">
-                          <a:effectLst/>
-                          <a:latin typeface="Times New Roman" panose="02020603050405020304" pitchFamily="18" charset="0"/>
-                          <a:cs typeface="Times New Roman" panose="02020603050405020304" pitchFamily="18" charset="0"/>
-                        </a:rPr>
-                        <a:t>«Ключ-значение»</a:t>
-                      </a:r>
-                      <a:endParaRPr lang="ru-RU" sz="2000" kern="150" dirty="0">
-                        <a:effectLst/>
-                        <a:latin typeface="Times New Roman" panose="02020603050405020304" pitchFamily="18" charset="0"/>
-                        <a:ea typeface="Noto Serif CJK SC"/>
-                        <a:cs typeface="Times New Roman" panose="02020603050405020304" pitchFamily="18" charset="0"/>
-                      </a:endParaRPr>
-                    </a:p>
-                  </a:txBody>
-                  <a:tcPr marL="85598" marR="85598" marT="0" marB="0" anchor="ctr"/>
-                </a:tc>
-                <a:extLst>
-                  <a:ext uri="{0D108BD9-81ED-4DB2-BD59-A6C34878D82A}">
-                    <a16:rowId xmlns:a16="http://schemas.microsoft.com/office/drawing/2014/main" val="609146865"/>
-                  </a:ext>
-                </a:extLst>
-              </a:tr>
-              <a:tr h="342951">
-                <a:tc>
-                  <a:txBody>
-                    <a:bodyPr/>
-                    <a:lstStyle/>
-                    <a:p>
-                      <a:pPr indent="0" algn="l"/>
-                      <a:r>
-                        <a:rPr lang="en-US" sz="2000" kern="150" dirty="0">
-                          <a:effectLst/>
-                          <a:latin typeface="Times New Roman" panose="02020603050405020304" pitchFamily="18" charset="0"/>
-                          <a:cs typeface="Times New Roman" panose="02020603050405020304" pitchFamily="18" charset="0"/>
-                        </a:rPr>
-                        <a:t>7.</a:t>
-                      </a:r>
-                      <a:endParaRPr lang="ru-RU" sz="2000" kern="150" dirty="0">
-                        <a:effectLst/>
-                        <a:latin typeface="Times New Roman" panose="02020603050405020304" pitchFamily="18" charset="0"/>
-                        <a:ea typeface="Noto Serif CJK SC"/>
-                        <a:cs typeface="Times New Roman" panose="02020603050405020304" pitchFamily="18" charset="0"/>
-                      </a:endParaRPr>
-                    </a:p>
-                  </a:txBody>
-                  <a:tcPr marL="85598" marR="85598" marT="0" marB="0" anchor="ctr"/>
-                </a:tc>
-                <a:tc>
-                  <a:txBody>
-                    <a:bodyPr/>
-                    <a:lstStyle/>
-                    <a:p>
-                      <a:pPr indent="0" algn="l"/>
-                      <a:r>
-                        <a:rPr lang="en-US" sz="2000" kern="150" dirty="0">
-                          <a:effectLst/>
-                          <a:latin typeface="Times New Roman" panose="02020603050405020304" pitchFamily="18" charset="0"/>
-                          <a:cs typeface="Times New Roman" panose="02020603050405020304" pitchFamily="18" charset="0"/>
-                        </a:rPr>
-                        <a:t>IBM Db2</a:t>
-                      </a:r>
-                      <a:endParaRPr lang="ru-RU" sz="2000" kern="150" dirty="0">
-                        <a:effectLst/>
-                        <a:latin typeface="Times New Roman" panose="02020603050405020304" pitchFamily="18" charset="0"/>
-                        <a:ea typeface="Noto Serif CJK SC"/>
-                        <a:cs typeface="Times New Roman" panose="02020603050405020304" pitchFamily="18" charset="0"/>
-                      </a:endParaRPr>
-                    </a:p>
-                  </a:txBody>
-                  <a:tcPr marL="85598" marR="85598" marT="0" marB="0" anchor="ctr"/>
-                </a:tc>
-                <a:tc>
-                  <a:txBody>
-                    <a:bodyPr/>
-                    <a:lstStyle/>
-                    <a:p>
-                      <a:pPr indent="0" algn="l"/>
-                      <a:r>
-                        <a:rPr lang="ru-RU" sz="2000" kern="150" dirty="0">
-                          <a:effectLst/>
-                          <a:latin typeface="Times New Roman" panose="02020603050405020304" pitchFamily="18" charset="0"/>
-                          <a:cs typeface="Times New Roman" panose="02020603050405020304" pitchFamily="18" charset="0"/>
-                        </a:rPr>
-                        <a:t>Реляционная</a:t>
-                      </a:r>
-                      <a:endParaRPr lang="ru-RU" sz="2000" kern="150" dirty="0">
-                        <a:effectLst/>
-                        <a:latin typeface="Times New Roman" panose="02020603050405020304" pitchFamily="18" charset="0"/>
-                        <a:ea typeface="Noto Serif CJK SC"/>
-                        <a:cs typeface="Times New Roman" panose="02020603050405020304" pitchFamily="18" charset="0"/>
-                      </a:endParaRPr>
-                    </a:p>
-                  </a:txBody>
-                  <a:tcPr marL="85598" marR="85598" marT="0" marB="0" anchor="ctr"/>
-                </a:tc>
-                <a:extLst>
-                  <a:ext uri="{0D108BD9-81ED-4DB2-BD59-A6C34878D82A}">
-                    <a16:rowId xmlns:a16="http://schemas.microsoft.com/office/drawing/2014/main" val="1502922248"/>
-                  </a:ext>
-                </a:extLst>
-              </a:tr>
-              <a:tr h="342951">
-                <a:tc>
-                  <a:txBody>
-                    <a:bodyPr/>
-                    <a:lstStyle/>
-                    <a:p>
-                      <a:pPr indent="0" algn="l"/>
-                      <a:r>
-                        <a:rPr lang="en-US" sz="2000" kern="150" dirty="0">
-                          <a:effectLst/>
-                          <a:latin typeface="Times New Roman" panose="02020603050405020304" pitchFamily="18" charset="0"/>
-                          <a:cs typeface="Times New Roman" panose="02020603050405020304" pitchFamily="18" charset="0"/>
-                        </a:rPr>
-                        <a:t>8.</a:t>
-                      </a:r>
-                      <a:endParaRPr lang="ru-RU" sz="2000" kern="150" dirty="0">
-                        <a:effectLst/>
-                        <a:latin typeface="Times New Roman" panose="02020603050405020304" pitchFamily="18" charset="0"/>
-                        <a:ea typeface="Noto Serif CJK SC"/>
-                        <a:cs typeface="Times New Roman" panose="02020603050405020304" pitchFamily="18" charset="0"/>
-                      </a:endParaRPr>
-                    </a:p>
-                  </a:txBody>
-                  <a:tcPr marL="85598" marR="85598" marT="0" marB="0" anchor="ctr"/>
-                </a:tc>
-                <a:tc>
-                  <a:txBody>
-                    <a:bodyPr/>
-                    <a:lstStyle/>
-                    <a:p>
-                      <a:pPr indent="0" algn="l"/>
-                      <a:r>
-                        <a:rPr lang="en-US" sz="2000" kern="150" dirty="0">
-                          <a:effectLst/>
-                          <a:latin typeface="Times New Roman" panose="02020603050405020304" pitchFamily="18" charset="0"/>
-                          <a:cs typeface="Times New Roman" panose="02020603050405020304" pitchFamily="18" charset="0"/>
-                        </a:rPr>
-                        <a:t>Elasticsearch</a:t>
-                      </a:r>
-                      <a:endParaRPr lang="ru-RU" sz="2000" kern="150" dirty="0">
-                        <a:effectLst/>
-                        <a:latin typeface="Times New Roman" panose="02020603050405020304" pitchFamily="18" charset="0"/>
-                        <a:ea typeface="Noto Serif CJK SC"/>
-                        <a:cs typeface="Times New Roman" panose="02020603050405020304" pitchFamily="18" charset="0"/>
-                      </a:endParaRPr>
-                    </a:p>
-                  </a:txBody>
-                  <a:tcPr marL="85598" marR="85598" marT="0" marB="0" anchor="ctr"/>
-                </a:tc>
-                <a:tc>
-                  <a:txBody>
-                    <a:bodyPr/>
-                    <a:lstStyle/>
-                    <a:p>
-                      <a:pPr indent="0" algn="l"/>
-                      <a:r>
-                        <a:rPr lang="ru-RU" sz="2000" kern="150" dirty="0">
-                          <a:effectLst/>
-                          <a:latin typeface="Times New Roman" panose="02020603050405020304" pitchFamily="18" charset="0"/>
-                          <a:cs typeface="Times New Roman" panose="02020603050405020304" pitchFamily="18" charset="0"/>
-                        </a:rPr>
-                        <a:t>Поисковая система</a:t>
-                      </a:r>
-                      <a:endParaRPr lang="ru-RU" sz="2000" kern="150" dirty="0">
-                        <a:effectLst/>
-                        <a:latin typeface="Times New Roman" panose="02020603050405020304" pitchFamily="18" charset="0"/>
-                        <a:ea typeface="Noto Serif CJK SC"/>
-                        <a:cs typeface="Times New Roman" panose="02020603050405020304" pitchFamily="18" charset="0"/>
-                      </a:endParaRPr>
-                    </a:p>
-                  </a:txBody>
-                  <a:tcPr marL="85598" marR="85598" marT="0" marB="0" anchor="ctr"/>
-                </a:tc>
-                <a:extLst>
-                  <a:ext uri="{0D108BD9-81ED-4DB2-BD59-A6C34878D82A}">
-                    <a16:rowId xmlns:a16="http://schemas.microsoft.com/office/drawing/2014/main" val="54237346"/>
-                  </a:ext>
-                </a:extLst>
-              </a:tr>
-              <a:tr h="342951">
-                <a:tc>
-                  <a:txBody>
-                    <a:bodyPr/>
-                    <a:lstStyle/>
-                    <a:p>
-                      <a:pPr indent="0" algn="l"/>
-                      <a:r>
-                        <a:rPr lang="ru-RU" sz="2000" kern="150" dirty="0">
-                          <a:effectLst/>
-                          <a:latin typeface="Times New Roman" panose="02020603050405020304" pitchFamily="18" charset="0"/>
-                          <a:cs typeface="Times New Roman" panose="02020603050405020304" pitchFamily="18" charset="0"/>
-                        </a:rPr>
-                        <a:t>9. </a:t>
-                      </a:r>
-                      <a:endParaRPr lang="ru-RU" sz="2000" kern="150" dirty="0">
-                        <a:effectLst/>
-                        <a:latin typeface="Times New Roman" panose="02020603050405020304" pitchFamily="18" charset="0"/>
-                        <a:ea typeface="Noto Serif CJK SC"/>
-                        <a:cs typeface="Times New Roman" panose="02020603050405020304" pitchFamily="18" charset="0"/>
-                      </a:endParaRPr>
-                    </a:p>
-                  </a:txBody>
-                  <a:tcPr marL="85598" marR="85598" marT="0" marB="0" anchor="ctr"/>
-                </a:tc>
-                <a:tc>
-                  <a:txBody>
-                    <a:bodyPr/>
-                    <a:lstStyle/>
-                    <a:p>
-                      <a:pPr indent="0" algn="l"/>
-                      <a:r>
-                        <a:rPr lang="en-US" sz="2000" kern="150" dirty="0">
-                          <a:effectLst/>
-                          <a:latin typeface="Times New Roman" panose="02020603050405020304" pitchFamily="18" charset="0"/>
-                          <a:cs typeface="Times New Roman" panose="02020603050405020304" pitchFamily="18" charset="0"/>
-                        </a:rPr>
-                        <a:t>Microsoft Access</a:t>
-                      </a:r>
-                      <a:endParaRPr lang="ru-RU" sz="2000" kern="150" dirty="0">
-                        <a:effectLst/>
-                        <a:latin typeface="Times New Roman" panose="02020603050405020304" pitchFamily="18" charset="0"/>
-                        <a:ea typeface="Noto Serif CJK SC"/>
-                        <a:cs typeface="Times New Roman" panose="02020603050405020304" pitchFamily="18" charset="0"/>
-                      </a:endParaRPr>
-                    </a:p>
-                  </a:txBody>
-                  <a:tcPr marL="85598" marR="85598" marT="0" marB="0" anchor="ctr"/>
-                </a:tc>
-                <a:tc>
-                  <a:txBody>
-                    <a:bodyPr/>
-                    <a:lstStyle/>
-                    <a:p>
-                      <a:pPr indent="0" algn="l"/>
-                      <a:r>
-                        <a:rPr lang="ru-RU" sz="2000" kern="150" dirty="0">
-                          <a:effectLst/>
-                          <a:latin typeface="Times New Roman" panose="02020603050405020304" pitchFamily="18" charset="0"/>
-                          <a:cs typeface="Times New Roman" panose="02020603050405020304" pitchFamily="18" charset="0"/>
-                        </a:rPr>
-                        <a:t>Реляционная</a:t>
-                      </a:r>
-                      <a:endParaRPr lang="ru-RU" sz="2000" kern="150" dirty="0">
-                        <a:effectLst/>
-                        <a:latin typeface="Times New Roman" panose="02020603050405020304" pitchFamily="18" charset="0"/>
-                        <a:ea typeface="Noto Serif CJK SC"/>
-                        <a:cs typeface="Times New Roman" panose="02020603050405020304" pitchFamily="18" charset="0"/>
-                      </a:endParaRPr>
-                    </a:p>
-                  </a:txBody>
-                  <a:tcPr marL="85598" marR="85598" marT="0" marB="0" anchor="ctr"/>
-                </a:tc>
-                <a:extLst>
-                  <a:ext uri="{0D108BD9-81ED-4DB2-BD59-A6C34878D82A}">
-                    <a16:rowId xmlns:a16="http://schemas.microsoft.com/office/drawing/2014/main" val="1623831007"/>
-                  </a:ext>
-                </a:extLst>
-              </a:tr>
-              <a:tr h="342951">
-                <a:tc>
-                  <a:txBody>
-                    <a:bodyPr/>
-                    <a:lstStyle/>
-                    <a:p>
-                      <a:pPr indent="0" algn="l"/>
-                      <a:r>
-                        <a:rPr lang="ru-RU" sz="2000" kern="150" dirty="0">
-                          <a:effectLst/>
-                          <a:latin typeface="Times New Roman" panose="02020603050405020304" pitchFamily="18" charset="0"/>
-                          <a:cs typeface="Times New Roman" panose="02020603050405020304" pitchFamily="18" charset="0"/>
-                        </a:rPr>
-                        <a:t>10</a:t>
-                      </a:r>
-                      <a:r>
-                        <a:rPr lang="en-US" sz="2000" kern="150" dirty="0">
-                          <a:effectLst/>
-                          <a:latin typeface="Times New Roman" panose="02020603050405020304" pitchFamily="18" charset="0"/>
-                          <a:cs typeface="Times New Roman" panose="02020603050405020304" pitchFamily="18" charset="0"/>
-                        </a:rPr>
-                        <a:t>.</a:t>
-                      </a:r>
-                      <a:endParaRPr lang="ru-RU" sz="2000" kern="150" dirty="0">
-                        <a:effectLst/>
-                        <a:latin typeface="Times New Roman" panose="02020603050405020304" pitchFamily="18" charset="0"/>
-                        <a:ea typeface="Noto Serif CJK SC"/>
-                        <a:cs typeface="Times New Roman" panose="02020603050405020304" pitchFamily="18" charset="0"/>
-                      </a:endParaRPr>
-                    </a:p>
-                  </a:txBody>
-                  <a:tcPr marL="85598" marR="85598" marT="0" marB="0" anchor="ctr"/>
-                </a:tc>
-                <a:tc>
-                  <a:txBody>
-                    <a:bodyPr/>
-                    <a:lstStyle/>
-                    <a:p>
-                      <a:pPr indent="0" algn="l"/>
-                      <a:r>
-                        <a:rPr lang="en-US" sz="2000" kern="150" dirty="0">
-                          <a:effectLst/>
-                          <a:latin typeface="Times New Roman" panose="02020603050405020304" pitchFamily="18" charset="0"/>
-                          <a:cs typeface="Times New Roman" panose="02020603050405020304" pitchFamily="18" charset="0"/>
-                        </a:rPr>
-                        <a:t>SQLite</a:t>
-                      </a:r>
-                      <a:endParaRPr lang="ru-RU" sz="2000" kern="150" dirty="0">
-                        <a:effectLst/>
-                        <a:latin typeface="Times New Roman" panose="02020603050405020304" pitchFamily="18" charset="0"/>
-                        <a:ea typeface="Noto Serif CJK SC"/>
-                        <a:cs typeface="Times New Roman" panose="02020603050405020304" pitchFamily="18" charset="0"/>
-                      </a:endParaRPr>
-                    </a:p>
-                  </a:txBody>
-                  <a:tcPr marL="85598" marR="85598" marT="0" marB="0" anchor="ctr"/>
-                </a:tc>
-                <a:tc>
-                  <a:txBody>
-                    <a:bodyPr/>
-                    <a:lstStyle/>
-                    <a:p>
-                      <a:pPr indent="0" algn="l"/>
-                      <a:r>
-                        <a:rPr lang="ru-RU" sz="2000" kern="150" dirty="0">
-                          <a:effectLst/>
-                          <a:latin typeface="Times New Roman" panose="02020603050405020304" pitchFamily="18" charset="0"/>
-                          <a:cs typeface="Times New Roman" panose="02020603050405020304" pitchFamily="18" charset="0"/>
-                        </a:rPr>
-                        <a:t>Реляционная</a:t>
-                      </a:r>
-                      <a:endParaRPr lang="ru-RU" sz="2000" kern="150" dirty="0">
-                        <a:effectLst/>
-                        <a:latin typeface="Times New Roman" panose="02020603050405020304" pitchFamily="18" charset="0"/>
-                        <a:ea typeface="Noto Serif CJK SC"/>
-                        <a:cs typeface="Times New Roman" panose="02020603050405020304" pitchFamily="18" charset="0"/>
-                      </a:endParaRPr>
-                    </a:p>
-                  </a:txBody>
-                  <a:tcPr marL="85598" marR="85598" marT="0" marB="0" anchor="ctr"/>
-                </a:tc>
-                <a:extLst>
-                  <a:ext uri="{0D108BD9-81ED-4DB2-BD59-A6C34878D82A}">
-                    <a16:rowId xmlns:a16="http://schemas.microsoft.com/office/drawing/2014/main" val="2393185282"/>
-                  </a:ext>
-                </a:extLst>
-              </a:tr>
-            </a:tbl>
-          </a:graphicData>
-        </a:graphic>
-      </p:graphicFrame>
-      <p:sp>
-        <p:nvSpPr>
-          <p:cNvPr id="15" name="TextBox 14">
-            <a:extLst>
-              <a:ext uri="{FF2B5EF4-FFF2-40B4-BE49-F238E27FC236}">
-                <a16:creationId xmlns:a16="http://schemas.microsoft.com/office/drawing/2014/main" id="{E667541D-299D-41CF-3769-143D6E9120DA}"/>
+                <a16:creationId xmlns:a16="http://schemas.microsoft.com/office/drawing/2014/main" id="{53CC8D22-0E43-35A7-E466-76647D9CCA71}"/>
               </a:ext>
             </a:extLst>
           </p:cNvPr>
@@ -12109,96 +11822,8 @@
         </p:nvSpPr>
         <p:spPr>
           <a:xfrm>
-            <a:off x="342899" y="3429000"/>
-            <a:ext cx="3928339" cy="2246769"/>
-          </a:xfrm>
-          <a:prstGeom prst="rect">
-            <a:avLst/>
-          </a:prstGeom>
-          <a:noFill/>
-        </p:spPr>
-        <p:txBody>
-          <a:bodyPr wrap="square">
-            <a:spAutoFit/>
-          </a:bodyPr>
-          <a:lstStyle/>
-          <a:p>
-            <a:r>
-              <a:rPr lang="ru-RU" sz="2000" b="0" i="0" u="none" strike="noStrike" baseline="0" dirty="0">
-                <a:solidFill>
-                  <a:srgbClr val="000000"/>
-                </a:solidFill>
-                <a:latin typeface="Times New Roman" panose="02020603050405020304" pitchFamily="18" charset="0"/>
-              </a:rPr>
-              <a:t>«</a:t>
-            </a:r>
-            <a:r>
-              <a:rPr lang="ru-RU" sz="2000" dirty="0">
-                <a:solidFill>
-                  <a:srgbClr val="000000"/>
-                </a:solidFill>
-                <a:latin typeface="Times New Roman" panose="02020603050405020304" pitchFamily="18" charset="0"/>
-              </a:rPr>
-              <a:t>Д</a:t>
-            </a:r>
-            <a:r>
-              <a:rPr lang="ru-RU" sz="2000" b="0" i="0" u="none" strike="noStrike" baseline="0" dirty="0">
-                <a:solidFill>
-                  <a:srgbClr val="000000"/>
-                </a:solidFill>
-                <a:latin typeface="Times New Roman" panose="02020603050405020304" pitchFamily="18" charset="0"/>
-              </a:rPr>
-              <a:t>ва потока не должны пытаться одновременно работать с одним объектом </a:t>
-            </a:r>
-            <a:r>
-              <a:rPr lang="ru-RU" sz="2000" b="0" i="0" u="none" strike="noStrike" baseline="0" dirty="0" err="1">
-                <a:solidFill>
-                  <a:srgbClr val="000000"/>
-                </a:solidFill>
-                <a:latin typeface="Times New Roman" panose="02020603050405020304" pitchFamily="18" charset="0"/>
-              </a:rPr>
-              <a:t>PGconn</a:t>
-            </a:r>
-            <a:r>
-              <a:rPr lang="ru-RU" sz="2000" b="0" i="0" u="none" strike="noStrike" baseline="0" dirty="0">
-                <a:solidFill>
-                  <a:srgbClr val="000000"/>
-                </a:solidFill>
-                <a:latin typeface="Times New Roman" panose="02020603050405020304" pitchFamily="18" charset="0"/>
-              </a:rPr>
-              <a:t>. </a:t>
-            </a:r>
-          </a:p>
-          <a:p>
-            <a:r>
-              <a:rPr lang="ru-RU" sz="2000" b="0" i="0" u="none" strike="noStrike" baseline="0" dirty="0">
-                <a:solidFill>
-                  <a:srgbClr val="000000"/>
-                </a:solidFill>
-                <a:latin typeface="Times New Roman" panose="02020603050405020304" pitchFamily="18" charset="0"/>
-              </a:rPr>
-              <a:t>В частности, не допускается параллельное выполнение команд из разных потоков через один объект соединения»</a:t>
-            </a:r>
-            <a:endParaRPr lang="ru-RU" sz="2000" dirty="0"/>
-          </a:p>
-        </p:txBody>
-      </p:sp>
-      <p:sp>
-        <p:nvSpPr>
-          <p:cNvPr id="16" name="TextBox 15">
-            <a:extLst>
-              <a:ext uri="{FF2B5EF4-FFF2-40B4-BE49-F238E27FC236}">
-                <a16:creationId xmlns:a16="http://schemas.microsoft.com/office/drawing/2014/main" id="{F41FA174-3753-2090-6794-E33199A1DF5B}"/>
-              </a:ext>
-            </a:extLst>
-          </p:cNvPr>
-          <p:cNvSpPr txBox="1"/>
-          <p:nvPr/>
-        </p:nvSpPr>
-        <p:spPr>
-          <a:xfrm>
-            <a:off x="342900" y="2052012"/>
-            <a:ext cx="3928339" cy="1015663"/>
+            <a:off x="645458" y="2358160"/>
+            <a:ext cx="3320300" cy="923330"/>
           </a:xfrm>
           <a:prstGeom prst="rect">
             <a:avLst/>
@@ -12212,23 +11837,12 @@
           <a:lstStyle/>
           <a:p>
             <a:r>
-              <a:rPr lang="en-US" sz="2000" dirty="0">
+              <a:rPr lang="en-US" dirty="0">
                 <a:latin typeface="Times New Roman" panose="02020603050405020304" pitchFamily="18" charset="0"/>
                 <a:cs typeface="Times New Roman" panose="02020603050405020304" pitchFamily="18" charset="0"/>
               </a:rPr>
-              <a:t>PostgreSQL</a:t>
-            </a:r>
-            <a:r>
-              <a:rPr lang="ru-RU" sz="2000" dirty="0">
-                <a:latin typeface="Times New Roman" panose="02020603050405020304" pitchFamily="18" charset="0"/>
-                <a:cs typeface="Times New Roman" panose="02020603050405020304" pitchFamily="18" charset="0"/>
-              </a:rPr>
-              <a:t> (14.2):</a:t>
-            </a:r>
-            <a:endParaRPr lang="en-US" sz="2000" dirty="0">
-              <a:latin typeface="Times New Roman" panose="02020603050405020304" pitchFamily="18" charset="0"/>
-              <a:cs typeface="Times New Roman" panose="02020603050405020304" pitchFamily="18" charset="0"/>
-            </a:endParaRPr>
+              <a:t>PostgreSQL (14.2):</a:t>
+            </a:r>
           </a:p>
           <a:p>
             <a:pPr marL="285750" indent="-285750">
@@ -12236,7 +11850,7 @@
               <a:buChar char="•"/>
             </a:pPr>
             <a:r>
-              <a:rPr lang="ru-RU" sz="2000" dirty="0">
+              <a:rPr lang="ru-RU" dirty="0">
                 <a:latin typeface="Times New Roman" panose="02020603050405020304" pitchFamily="18" charset="0"/>
                 <a:cs typeface="Times New Roman" panose="02020603050405020304" pitchFamily="18" charset="0"/>
               </a:rPr>
@@ -12249,7 +11863,7 @@
               <a:buChar char="•"/>
             </a:pPr>
             <a:r>
-              <a:rPr lang="ru-RU" sz="2000" dirty="0">
+              <a:rPr lang="ru-RU" dirty="0">
                 <a:latin typeface="Times New Roman" panose="02020603050405020304" pitchFamily="18" charset="0"/>
                 <a:cs typeface="Times New Roman" panose="02020603050405020304" pitchFamily="18" charset="0"/>
               </a:rPr>
@@ -12258,16 +11872,552 @@
           </a:p>
         </p:txBody>
       </p:sp>
+      <p:graphicFrame>
+        <p:nvGraphicFramePr>
+          <p:cNvPr id="8" name="Таблица 7">
+            <a:extLst>
+              <a:ext uri="{FF2B5EF4-FFF2-40B4-BE49-F238E27FC236}">
+                <a16:creationId xmlns:a16="http://schemas.microsoft.com/office/drawing/2014/main" id="{712A6E9C-6120-F809-1D87-58A8A6B3277E}"/>
+              </a:ext>
+            </a:extLst>
+          </p:cNvPr>
+          <p:cNvGraphicFramePr>
+            <a:graphicFrameLocks noGrp="1"/>
+          </p:cNvGraphicFramePr>
+          <p:nvPr>
+            <p:extLst>
+              <p:ext uri="{D42A27DB-BD31-4B8C-83A1-F6EECF244321}">
+                <p14:modId xmlns:p14="http://schemas.microsoft.com/office/powerpoint/2010/main" val="842864224"/>
+              </p:ext>
+            </p:extLst>
+          </p:nvPr>
+        </p:nvGraphicFramePr>
+        <p:xfrm>
+          <a:off x="645458" y="3688981"/>
+          <a:ext cx="4446495" cy="1463040"/>
+        </p:xfrm>
+        <a:graphic>
+          <a:graphicData uri="http://schemas.openxmlformats.org/drawingml/2006/table">
+            <a:tbl>
+              <a:tblPr firstRow="1" bandRow="1">
+                <a:tableStyleId>{F5AB1C69-6EDB-4FF4-983F-18BD219EF322}</a:tableStyleId>
+              </a:tblPr>
+              <a:tblGrid>
+                <a:gridCol w="977154">
+                  <a:extLst>
+                    <a:ext uri="{9D8B030D-6E8A-4147-A177-3AD203B41FA5}">
+                      <a16:colId xmlns:a16="http://schemas.microsoft.com/office/drawing/2014/main" val="1651366923"/>
+                    </a:ext>
+                  </a:extLst>
+                </a:gridCol>
+                <a:gridCol w="2026023">
+                  <a:extLst>
+                    <a:ext uri="{9D8B030D-6E8A-4147-A177-3AD203B41FA5}">
+                      <a16:colId xmlns:a16="http://schemas.microsoft.com/office/drawing/2014/main" val="2097400050"/>
+                    </a:ext>
+                  </a:extLst>
+                </a:gridCol>
+                <a:gridCol w="1443318">
+                  <a:extLst>
+                    <a:ext uri="{9D8B030D-6E8A-4147-A177-3AD203B41FA5}">
+                      <a16:colId xmlns:a16="http://schemas.microsoft.com/office/drawing/2014/main" val="898337953"/>
+                    </a:ext>
+                  </a:extLst>
+                </a:gridCol>
+              </a:tblGrid>
+              <a:tr h="0">
+                <a:tc>
+                  <a:txBody>
+                    <a:bodyPr/>
+                    <a:lstStyle/>
+                    <a:p>
+                      <a:pPr indent="0" algn="l"/>
+                      <a:r>
+                        <a:rPr lang="ru-RU" sz="1600" kern="150" dirty="0">
+                          <a:effectLst/>
+                          <a:latin typeface="Times New Roman" panose="02020603050405020304" pitchFamily="18" charset="0"/>
+                          <a:cs typeface="Times New Roman" panose="02020603050405020304" pitchFamily="18" charset="0"/>
+                        </a:rPr>
+                        <a:t>Рейтинг</a:t>
+                      </a:r>
+                      <a:endParaRPr lang="ru-RU" sz="1600" kern="150" dirty="0">
+                        <a:effectLst/>
+                        <a:latin typeface="Times New Roman" panose="02020603050405020304" pitchFamily="18" charset="0"/>
+                        <a:ea typeface="Noto Serif CJK SC"/>
+                        <a:cs typeface="Times New Roman" panose="02020603050405020304" pitchFamily="18" charset="0"/>
+                      </a:endParaRPr>
+                    </a:p>
+                  </a:txBody>
+                  <a:tcPr marL="68580" marR="68580" marT="0" marB="0"/>
+                </a:tc>
+                <a:tc>
+                  <a:txBody>
+                    <a:bodyPr/>
+                    <a:lstStyle/>
+                    <a:p>
+                      <a:pPr indent="0" algn="l"/>
+                      <a:r>
+                        <a:rPr lang="ru-RU" sz="1600" kern="150" dirty="0">
+                          <a:effectLst/>
+                          <a:latin typeface="Times New Roman" panose="02020603050405020304" pitchFamily="18" charset="0"/>
+                          <a:cs typeface="Times New Roman" panose="02020603050405020304" pitchFamily="18" charset="0"/>
+                        </a:rPr>
+                        <a:t>СУБД</a:t>
+                      </a:r>
+                      <a:endParaRPr lang="ru-RU" sz="1600" kern="150" dirty="0">
+                        <a:effectLst/>
+                        <a:latin typeface="Times New Roman" panose="02020603050405020304" pitchFamily="18" charset="0"/>
+                        <a:ea typeface="Noto Serif CJK SC"/>
+                        <a:cs typeface="Times New Roman" panose="02020603050405020304" pitchFamily="18" charset="0"/>
+                      </a:endParaRPr>
+                    </a:p>
+                  </a:txBody>
+                  <a:tcPr marL="68580" marR="68580" marT="0" marB="0"/>
+                </a:tc>
+                <a:tc>
+                  <a:txBody>
+                    <a:bodyPr/>
+                    <a:lstStyle/>
+                    <a:p>
+                      <a:pPr indent="0" algn="l"/>
+                      <a:r>
+                        <a:rPr lang="ru-RU" sz="1600" kern="150" dirty="0">
+                          <a:effectLst/>
+                          <a:latin typeface="Times New Roman" panose="02020603050405020304" pitchFamily="18" charset="0"/>
+                          <a:cs typeface="Times New Roman" panose="02020603050405020304" pitchFamily="18" charset="0"/>
+                        </a:rPr>
+                        <a:t>Модель БД</a:t>
+                      </a:r>
+                      <a:endParaRPr lang="ru-RU" sz="1600" kern="150" dirty="0">
+                        <a:effectLst/>
+                        <a:latin typeface="Times New Roman" panose="02020603050405020304" pitchFamily="18" charset="0"/>
+                        <a:ea typeface="Noto Serif CJK SC"/>
+                        <a:cs typeface="Times New Roman" panose="02020603050405020304" pitchFamily="18" charset="0"/>
+                      </a:endParaRPr>
+                    </a:p>
+                  </a:txBody>
+                  <a:tcPr marL="68580" marR="68580" marT="0" marB="0"/>
+                </a:tc>
+                <a:extLst>
+                  <a:ext uri="{0D108BD9-81ED-4DB2-BD59-A6C34878D82A}">
+                    <a16:rowId xmlns:a16="http://schemas.microsoft.com/office/drawing/2014/main" val="339920098"/>
+                  </a:ext>
+                </a:extLst>
+              </a:tr>
+              <a:tr h="0">
+                <a:tc>
+                  <a:txBody>
+                    <a:bodyPr/>
+                    <a:lstStyle/>
+                    <a:p>
+                      <a:pPr indent="0" algn="l"/>
+                      <a:r>
+                        <a:rPr lang="ru-RU" sz="1600" kern="150">
+                          <a:effectLst/>
+                          <a:latin typeface="Times New Roman" panose="02020603050405020304" pitchFamily="18" charset="0"/>
+                          <a:cs typeface="Times New Roman" panose="02020603050405020304" pitchFamily="18" charset="0"/>
+                        </a:rPr>
+                        <a:t>1.</a:t>
+                      </a:r>
+                      <a:endParaRPr lang="ru-RU" sz="1600" kern="150">
+                        <a:effectLst/>
+                        <a:latin typeface="Times New Roman" panose="02020603050405020304" pitchFamily="18" charset="0"/>
+                        <a:ea typeface="Noto Serif CJK SC"/>
+                        <a:cs typeface="Times New Roman" panose="02020603050405020304" pitchFamily="18" charset="0"/>
+                      </a:endParaRPr>
+                    </a:p>
+                  </a:txBody>
+                  <a:tcPr marL="68580" marR="68580" marT="0" marB="0"/>
+                </a:tc>
+                <a:tc>
+                  <a:txBody>
+                    <a:bodyPr/>
+                    <a:lstStyle/>
+                    <a:p>
+                      <a:pPr indent="0" algn="l"/>
+                      <a:r>
+                        <a:rPr lang="en-US" sz="1600" kern="150" dirty="0">
+                          <a:effectLst/>
+                          <a:latin typeface="Times New Roman" panose="02020603050405020304" pitchFamily="18" charset="0"/>
+                          <a:cs typeface="Times New Roman" panose="02020603050405020304" pitchFamily="18" charset="0"/>
+                        </a:rPr>
+                        <a:t>Oracle</a:t>
+                      </a:r>
+                      <a:endParaRPr lang="ru-RU" sz="1600" kern="150" dirty="0">
+                        <a:effectLst/>
+                        <a:latin typeface="Times New Roman" panose="02020603050405020304" pitchFamily="18" charset="0"/>
+                        <a:ea typeface="Noto Serif CJK SC"/>
+                        <a:cs typeface="Times New Roman" panose="02020603050405020304" pitchFamily="18" charset="0"/>
+                      </a:endParaRPr>
+                    </a:p>
+                  </a:txBody>
+                  <a:tcPr marL="68580" marR="68580" marT="0" marB="0"/>
+                </a:tc>
+                <a:tc>
+                  <a:txBody>
+                    <a:bodyPr/>
+                    <a:lstStyle/>
+                    <a:p>
+                      <a:pPr indent="0" algn="just"/>
+                      <a:r>
+                        <a:rPr lang="ru-RU" sz="1600" kern="150">
+                          <a:effectLst/>
+                          <a:latin typeface="Times New Roman" panose="02020603050405020304" pitchFamily="18" charset="0"/>
+                          <a:cs typeface="Times New Roman" panose="02020603050405020304" pitchFamily="18" charset="0"/>
+                        </a:rPr>
+                        <a:t>Реляционная</a:t>
+                      </a:r>
+                      <a:endParaRPr lang="ru-RU" sz="1600" kern="150">
+                        <a:effectLst/>
+                        <a:latin typeface="Times New Roman" panose="02020603050405020304" pitchFamily="18" charset="0"/>
+                        <a:ea typeface="Noto Serif CJK SC"/>
+                        <a:cs typeface="Times New Roman" panose="02020603050405020304" pitchFamily="18" charset="0"/>
+                      </a:endParaRPr>
+                    </a:p>
+                  </a:txBody>
+                  <a:tcPr marL="68580" marR="68580" marT="0" marB="0"/>
+                </a:tc>
+                <a:extLst>
+                  <a:ext uri="{0D108BD9-81ED-4DB2-BD59-A6C34878D82A}">
+                    <a16:rowId xmlns:a16="http://schemas.microsoft.com/office/drawing/2014/main" val="2727878850"/>
+                  </a:ext>
+                </a:extLst>
+              </a:tr>
+              <a:tr h="0">
+                <a:tc>
+                  <a:txBody>
+                    <a:bodyPr/>
+                    <a:lstStyle/>
+                    <a:p>
+                      <a:pPr indent="0" algn="l"/>
+                      <a:r>
+                        <a:rPr lang="ru-RU" sz="1600" kern="150">
+                          <a:effectLst/>
+                          <a:latin typeface="Times New Roman" panose="02020603050405020304" pitchFamily="18" charset="0"/>
+                          <a:cs typeface="Times New Roman" panose="02020603050405020304" pitchFamily="18" charset="0"/>
+                        </a:rPr>
+                        <a:t>2.</a:t>
+                      </a:r>
+                      <a:endParaRPr lang="ru-RU" sz="1600" kern="150">
+                        <a:effectLst/>
+                        <a:latin typeface="Times New Roman" panose="02020603050405020304" pitchFamily="18" charset="0"/>
+                        <a:ea typeface="Noto Serif CJK SC"/>
+                        <a:cs typeface="Times New Roman" panose="02020603050405020304" pitchFamily="18" charset="0"/>
+                      </a:endParaRPr>
+                    </a:p>
+                  </a:txBody>
+                  <a:tcPr marL="68580" marR="68580" marT="0" marB="0"/>
+                </a:tc>
+                <a:tc>
+                  <a:txBody>
+                    <a:bodyPr/>
+                    <a:lstStyle/>
+                    <a:p>
+                      <a:pPr indent="0" algn="l"/>
+                      <a:r>
+                        <a:rPr lang="en-US" sz="1600" kern="150" dirty="0">
+                          <a:effectLst/>
+                          <a:latin typeface="Times New Roman" panose="02020603050405020304" pitchFamily="18" charset="0"/>
+                          <a:cs typeface="Times New Roman" panose="02020603050405020304" pitchFamily="18" charset="0"/>
+                        </a:rPr>
+                        <a:t>MySQL</a:t>
+                      </a:r>
+                      <a:endParaRPr lang="ru-RU" sz="1600" kern="150" dirty="0">
+                        <a:effectLst/>
+                        <a:latin typeface="Times New Roman" panose="02020603050405020304" pitchFamily="18" charset="0"/>
+                        <a:ea typeface="Noto Serif CJK SC"/>
+                        <a:cs typeface="Times New Roman" panose="02020603050405020304" pitchFamily="18" charset="0"/>
+                      </a:endParaRPr>
+                    </a:p>
+                  </a:txBody>
+                  <a:tcPr marL="68580" marR="68580" marT="0" marB="0"/>
+                </a:tc>
+                <a:tc>
+                  <a:txBody>
+                    <a:bodyPr/>
+                    <a:lstStyle/>
+                    <a:p>
+                      <a:pPr indent="0" algn="just"/>
+                      <a:r>
+                        <a:rPr lang="ru-RU" sz="1600" kern="150" dirty="0">
+                          <a:effectLst/>
+                          <a:latin typeface="Times New Roman" panose="02020603050405020304" pitchFamily="18" charset="0"/>
+                          <a:cs typeface="Times New Roman" panose="02020603050405020304" pitchFamily="18" charset="0"/>
+                        </a:rPr>
+                        <a:t>Реляционная</a:t>
+                      </a:r>
+                      <a:endParaRPr lang="ru-RU" sz="1600" kern="150" dirty="0">
+                        <a:effectLst/>
+                        <a:latin typeface="Times New Roman" panose="02020603050405020304" pitchFamily="18" charset="0"/>
+                        <a:ea typeface="Noto Serif CJK SC"/>
+                        <a:cs typeface="Times New Roman" panose="02020603050405020304" pitchFamily="18" charset="0"/>
+                      </a:endParaRPr>
+                    </a:p>
+                  </a:txBody>
+                  <a:tcPr marL="68580" marR="68580" marT="0" marB="0"/>
+                </a:tc>
+                <a:extLst>
+                  <a:ext uri="{0D108BD9-81ED-4DB2-BD59-A6C34878D82A}">
+                    <a16:rowId xmlns:a16="http://schemas.microsoft.com/office/drawing/2014/main" val="2434609549"/>
+                  </a:ext>
+                </a:extLst>
+              </a:tr>
+              <a:tr h="0">
+                <a:tc>
+                  <a:txBody>
+                    <a:bodyPr/>
+                    <a:lstStyle/>
+                    <a:p>
+                      <a:pPr indent="0" algn="l"/>
+                      <a:r>
+                        <a:rPr lang="ru-RU" sz="1600" kern="150">
+                          <a:effectLst/>
+                          <a:latin typeface="Times New Roman" panose="02020603050405020304" pitchFamily="18" charset="0"/>
+                          <a:cs typeface="Times New Roman" panose="02020603050405020304" pitchFamily="18" charset="0"/>
+                        </a:rPr>
+                        <a:t>3.</a:t>
+                      </a:r>
+                      <a:endParaRPr lang="ru-RU" sz="1600" kern="150">
+                        <a:effectLst/>
+                        <a:latin typeface="Times New Roman" panose="02020603050405020304" pitchFamily="18" charset="0"/>
+                        <a:ea typeface="Noto Serif CJK SC"/>
+                        <a:cs typeface="Times New Roman" panose="02020603050405020304" pitchFamily="18" charset="0"/>
+                      </a:endParaRPr>
+                    </a:p>
+                  </a:txBody>
+                  <a:tcPr marL="68580" marR="68580" marT="0" marB="0"/>
+                </a:tc>
+                <a:tc>
+                  <a:txBody>
+                    <a:bodyPr/>
+                    <a:lstStyle/>
+                    <a:p>
+                      <a:pPr indent="0" algn="l"/>
+                      <a:r>
+                        <a:rPr lang="en-US" sz="1600" kern="150">
+                          <a:effectLst/>
+                          <a:latin typeface="Times New Roman" panose="02020603050405020304" pitchFamily="18" charset="0"/>
+                          <a:cs typeface="Times New Roman" panose="02020603050405020304" pitchFamily="18" charset="0"/>
+                        </a:rPr>
+                        <a:t>Microsoft SQL Server</a:t>
+                      </a:r>
+                      <a:endParaRPr lang="ru-RU" sz="1600" kern="150">
+                        <a:effectLst/>
+                        <a:latin typeface="Times New Roman" panose="02020603050405020304" pitchFamily="18" charset="0"/>
+                        <a:ea typeface="Noto Serif CJK SC"/>
+                        <a:cs typeface="Times New Roman" panose="02020603050405020304" pitchFamily="18" charset="0"/>
+                      </a:endParaRPr>
+                    </a:p>
+                  </a:txBody>
+                  <a:tcPr marL="68580" marR="68580" marT="0" marB="0"/>
+                </a:tc>
+                <a:tc>
+                  <a:txBody>
+                    <a:bodyPr/>
+                    <a:lstStyle/>
+                    <a:p>
+                      <a:pPr indent="0" algn="just"/>
+                      <a:r>
+                        <a:rPr lang="ru-RU" sz="1600" kern="150">
+                          <a:effectLst/>
+                          <a:latin typeface="Times New Roman" panose="02020603050405020304" pitchFamily="18" charset="0"/>
+                          <a:cs typeface="Times New Roman" panose="02020603050405020304" pitchFamily="18" charset="0"/>
+                        </a:rPr>
+                        <a:t>Реляционная</a:t>
+                      </a:r>
+                      <a:endParaRPr lang="ru-RU" sz="1600" kern="150">
+                        <a:effectLst/>
+                        <a:latin typeface="Times New Roman" panose="02020603050405020304" pitchFamily="18" charset="0"/>
+                        <a:ea typeface="Noto Serif CJK SC"/>
+                        <a:cs typeface="Times New Roman" panose="02020603050405020304" pitchFamily="18" charset="0"/>
+                      </a:endParaRPr>
+                    </a:p>
+                  </a:txBody>
+                  <a:tcPr marL="68580" marR="68580" marT="0" marB="0"/>
+                </a:tc>
+                <a:extLst>
+                  <a:ext uri="{0D108BD9-81ED-4DB2-BD59-A6C34878D82A}">
+                    <a16:rowId xmlns:a16="http://schemas.microsoft.com/office/drawing/2014/main" val="2731374537"/>
+                  </a:ext>
+                </a:extLst>
+              </a:tr>
+              <a:tr h="0">
+                <a:tc>
+                  <a:txBody>
+                    <a:bodyPr/>
+                    <a:lstStyle/>
+                    <a:p>
+                      <a:pPr indent="0" algn="l"/>
+                      <a:r>
+                        <a:rPr lang="ru-RU" sz="1600" kern="150">
+                          <a:effectLst/>
+                          <a:latin typeface="Times New Roman" panose="02020603050405020304" pitchFamily="18" charset="0"/>
+                          <a:cs typeface="Times New Roman" panose="02020603050405020304" pitchFamily="18" charset="0"/>
+                        </a:rPr>
+                        <a:t>4.</a:t>
+                      </a:r>
+                      <a:endParaRPr lang="ru-RU" sz="1600" kern="150">
+                        <a:effectLst/>
+                        <a:latin typeface="Times New Roman" panose="02020603050405020304" pitchFamily="18" charset="0"/>
+                        <a:ea typeface="Noto Serif CJK SC"/>
+                        <a:cs typeface="Times New Roman" panose="02020603050405020304" pitchFamily="18" charset="0"/>
+                      </a:endParaRPr>
+                    </a:p>
+                  </a:txBody>
+                  <a:tcPr marL="68580" marR="68580" marT="0" marB="0"/>
+                </a:tc>
+                <a:tc>
+                  <a:txBody>
+                    <a:bodyPr/>
+                    <a:lstStyle/>
+                    <a:p>
+                      <a:pPr indent="0" algn="l"/>
+                      <a:r>
+                        <a:rPr lang="en-US" sz="1600" kern="150" dirty="0">
+                          <a:effectLst/>
+                          <a:latin typeface="Times New Roman" panose="02020603050405020304" pitchFamily="18" charset="0"/>
+                          <a:cs typeface="Times New Roman" panose="02020603050405020304" pitchFamily="18" charset="0"/>
+                        </a:rPr>
+                        <a:t>PostgreSQL</a:t>
+                      </a:r>
+                      <a:endParaRPr lang="ru-RU" sz="1600" kern="150" dirty="0">
+                        <a:effectLst/>
+                        <a:latin typeface="Times New Roman" panose="02020603050405020304" pitchFamily="18" charset="0"/>
+                        <a:ea typeface="Noto Serif CJK SC"/>
+                        <a:cs typeface="Times New Roman" panose="02020603050405020304" pitchFamily="18" charset="0"/>
+                      </a:endParaRPr>
+                    </a:p>
+                  </a:txBody>
+                  <a:tcPr marL="68580" marR="68580" marT="0" marB="0"/>
+                </a:tc>
+                <a:tc>
+                  <a:txBody>
+                    <a:bodyPr/>
+                    <a:lstStyle/>
+                    <a:p>
+                      <a:pPr indent="0" algn="just"/>
+                      <a:r>
+                        <a:rPr lang="ru-RU" sz="1600" kern="150" dirty="0">
+                          <a:effectLst/>
+                          <a:latin typeface="Times New Roman" panose="02020603050405020304" pitchFamily="18" charset="0"/>
+                          <a:cs typeface="Times New Roman" panose="02020603050405020304" pitchFamily="18" charset="0"/>
+                        </a:rPr>
+                        <a:t>Реляционная</a:t>
+                      </a:r>
+                      <a:endParaRPr lang="ru-RU" sz="1600" kern="150" dirty="0">
+                        <a:effectLst/>
+                        <a:latin typeface="Times New Roman" panose="02020603050405020304" pitchFamily="18" charset="0"/>
+                        <a:ea typeface="Noto Serif CJK SC"/>
+                        <a:cs typeface="Times New Roman" panose="02020603050405020304" pitchFamily="18" charset="0"/>
+                      </a:endParaRPr>
+                    </a:p>
+                  </a:txBody>
+                  <a:tcPr marL="68580" marR="68580" marT="0" marB="0"/>
+                </a:tc>
+                <a:extLst>
+                  <a:ext uri="{0D108BD9-81ED-4DB2-BD59-A6C34878D82A}">
+                    <a16:rowId xmlns:a16="http://schemas.microsoft.com/office/drawing/2014/main" val="2085945491"/>
+                  </a:ext>
+                </a:extLst>
+              </a:tr>
+              <a:tr h="0">
+                <a:tc>
+                  <a:txBody>
+                    <a:bodyPr/>
+                    <a:lstStyle/>
+                    <a:p>
+                      <a:pPr indent="0" algn="l"/>
+                      <a:r>
+                        <a:rPr lang="en-US" sz="1600" kern="150">
+                          <a:effectLst/>
+                          <a:latin typeface="Times New Roman" panose="02020603050405020304" pitchFamily="18" charset="0"/>
+                          <a:cs typeface="Times New Roman" panose="02020603050405020304" pitchFamily="18" charset="0"/>
+                        </a:rPr>
+                        <a:t>5.</a:t>
+                      </a:r>
+                      <a:endParaRPr lang="ru-RU" sz="1600" kern="150">
+                        <a:effectLst/>
+                        <a:latin typeface="Times New Roman" panose="02020603050405020304" pitchFamily="18" charset="0"/>
+                        <a:ea typeface="Noto Serif CJK SC"/>
+                        <a:cs typeface="Times New Roman" panose="02020603050405020304" pitchFamily="18" charset="0"/>
+                      </a:endParaRPr>
+                    </a:p>
+                  </a:txBody>
+                  <a:tcPr marL="68580" marR="68580" marT="0" marB="0"/>
+                </a:tc>
+                <a:tc>
+                  <a:txBody>
+                    <a:bodyPr/>
+                    <a:lstStyle/>
+                    <a:p>
+                      <a:pPr indent="0" algn="l"/>
+                      <a:r>
+                        <a:rPr lang="en-US" sz="1600" kern="150">
+                          <a:effectLst/>
+                          <a:latin typeface="Times New Roman" panose="02020603050405020304" pitchFamily="18" charset="0"/>
+                          <a:cs typeface="Times New Roman" panose="02020603050405020304" pitchFamily="18" charset="0"/>
+                        </a:rPr>
+                        <a:t>MongoDB</a:t>
+                      </a:r>
+                      <a:endParaRPr lang="ru-RU" sz="1600" kern="150">
+                        <a:effectLst/>
+                        <a:latin typeface="Times New Roman" panose="02020603050405020304" pitchFamily="18" charset="0"/>
+                        <a:ea typeface="Noto Serif CJK SC"/>
+                        <a:cs typeface="Times New Roman" panose="02020603050405020304" pitchFamily="18" charset="0"/>
+                      </a:endParaRPr>
+                    </a:p>
+                  </a:txBody>
+                  <a:tcPr marL="68580" marR="68580" marT="0" marB="0"/>
+                </a:tc>
+                <a:tc>
+                  <a:txBody>
+                    <a:bodyPr/>
+                    <a:lstStyle/>
+                    <a:p>
+                      <a:pPr indent="0" algn="just"/>
+                      <a:r>
+                        <a:rPr lang="ru-RU" sz="1600" kern="150" dirty="0">
+                          <a:effectLst/>
+                          <a:latin typeface="Times New Roman" panose="02020603050405020304" pitchFamily="18" charset="0"/>
+                          <a:cs typeface="Times New Roman" panose="02020603050405020304" pitchFamily="18" charset="0"/>
+                        </a:rPr>
+                        <a:t>Документная</a:t>
+                      </a:r>
+                      <a:endParaRPr lang="ru-RU" sz="1600" kern="150" dirty="0">
+                        <a:effectLst/>
+                        <a:latin typeface="Times New Roman" panose="02020603050405020304" pitchFamily="18" charset="0"/>
+                        <a:ea typeface="Noto Serif CJK SC"/>
+                        <a:cs typeface="Times New Roman" panose="02020603050405020304" pitchFamily="18" charset="0"/>
+                      </a:endParaRPr>
+                    </a:p>
+                  </a:txBody>
+                  <a:tcPr marL="68580" marR="68580" marT="0" marB="0"/>
+                </a:tc>
+                <a:extLst>
+                  <a:ext uri="{0D108BD9-81ED-4DB2-BD59-A6C34878D82A}">
+                    <a16:rowId xmlns:a16="http://schemas.microsoft.com/office/drawing/2014/main" val="2935546885"/>
+                  </a:ext>
+                </a:extLst>
+              </a:tr>
+            </a:tbl>
+          </a:graphicData>
+        </a:graphic>
+      </p:graphicFrame>
     </p:spTree>
     <p:extLst>
       <p:ext uri="{BB962C8B-B14F-4D97-AF65-F5344CB8AC3E}">
-        <p14:creationId xmlns:p14="http://schemas.microsoft.com/office/powerpoint/2010/main" val="612401859"/>
+        <p14:creationId xmlns:p14="http://schemas.microsoft.com/office/powerpoint/2010/main" val="4129783739"/>
       </p:ext>
     </p:extLst>
   </p:cSld>
   <p:clrMapOvr>
     <a:masterClrMapping/>
   </p:clrMapOvr>
+  <p:extLst>
+    <p:ext uri="{6950BFC3-D8DA-4A85-94F7-54DA5524770B}">
+      <p188:commentRel xmlns:p188="http://schemas.microsoft.com/office/powerpoint/2018/8/main" r:id="rId2"/>
+    </p:ext>
+  </p:extLst>
 </p:sld>
 </file>
 
@@ -12288,172 +12438,22 @@
           <a:chExt cx="0" cy="0"/>
         </a:xfrm>
       </p:grpSpPr>
-      <p:sp>
-        <p:nvSpPr>
-          <p:cNvPr id="2" name="Заголовок 1"/>
-          <p:cNvSpPr>
-            <a:spLocks noGrp="1"/>
-          </p:cNvSpPr>
-          <p:nvPr>
-            <p:ph type="title"/>
-          </p:nvPr>
-        </p:nvSpPr>
-        <p:spPr/>
-        <p:txBody>
-          <a:bodyPr/>
-          <a:lstStyle/>
-          <a:p>
-            <a:r>
-              <a:rPr lang="ru-RU" dirty="0">
-                <a:latin typeface="Times New Roman" panose="02020603050405020304" pitchFamily="18" charset="0"/>
-                <a:cs typeface="Times New Roman" panose="02020603050405020304" pitchFamily="18" charset="0"/>
-              </a:rPr>
-              <a:t>Архитектура </a:t>
-            </a:r>
-            <a:r>
-              <a:rPr lang="en-US" dirty="0">
-                <a:latin typeface="Times New Roman" panose="02020603050405020304" pitchFamily="18" charset="0"/>
-                <a:cs typeface="Times New Roman" panose="02020603050405020304" pitchFamily="18" charset="0"/>
-              </a:rPr>
-              <a:t>PostgreSQL</a:t>
-            </a:r>
-            <a:endParaRPr lang="ru-RU" dirty="0">
-              <a:latin typeface="Times New Roman" panose="02020603050405020304" pitchFamily="18" charset="0"/>
-              <a:cs typeface="Times New Roman" panose="02020603050405020304" pitchFamily="18" charset="0"/>
-            </a:endParaRPr>
-          </a:p>
-        </p:txBody>
-      </p:sp>
-      <p:sp>
-        <p:nvSpPr>
-          <p:cNvPr id="5" name="TextBox 4"/>
-          <p:cNvSpPr txBox="1"/>
-          <p:nvPr/>
-        </p:nvSpPr>
-        <p:spPr>
-          <a:xfrm>
-            <a:off x="6923314" y="2494112"/>
-            <a:ext cx="5268686" cy="1846659"/>
-          </a:xfrm>
-          <a:prstGeom prst="rect">
-            <a:avLst/>
-          </a:prstGeom>
-          <a:noFill/>
-        </p:spPr>
-        <p:txBody>
-          <a:bodyPr wrap="square" rtlCol="0">
-            <a:spAutoFit/>
-          </a:bodyPr>
-          <a:lstStyle/>
-          <a:p>
-            <a:r>
-              <a:rPr lang="ru-RU" sz="2400" dirty="0">
-                <a:latin typeface="Times New Roman" panose="02020603050405020304" pitchFamily="18" charset="0"/>
-                <a:cs typeface="Times New Roman" panose="02020603050405020304" pitchFamily="18" charset="0"/>
-              </a:rPr>
-              <a:t>Выделяют 3 основные</a:t>
-            </a:r>
-            <a:r>
-              <a:rPr lang="en-US" sz="2400" dirty="0">
-                <a:latin typeface="Times New Roman" panose="02020603050405020304" pitchFamily="18" charset="0"/>
-                <a:cs typeface="Times New Roman" panose="02020603050405020304" pitchFamily="18" charset="0"/>
-              </a:rPr>
-              <a:t> </a:t>
-            </a:r>
-            <a:r>
-              <a:rPr lang="ru-RU" sz="2400" dirty="0">
-                <a:latin typeface="Times New Roman" panose="02020603050405020304" pitchFamily="18" charset="0"/>
-                <a:cs typeface="Times New Roman" panose="02020603050405020304" pitchFamily="18" charset="0"/>
-              </a:rPr>
-              <a:t>подсистемы: </a:t>
-            </a:r>
-          </a:p>
-          <a:p>
-            <a:pPr marL="914400" lvl="1" indent="-457200">
-              <a:buFont typeface="Arial" panose="020B0604020202020204" pitchFamily="34" charset="0"/>
-              <a:buChar char="•"/>
-            </a:pPr>
-            <a:r>
-              <a:rPr lang="ru-RU" sz="2400" dirty="0">
-                <a:latin typeface="Times New Roman" panose="02020603050405020304" pitchFamily="18" charset="0"/>
-                <a:cs typeface="Times New Roman" panose="02020603050405020304" pitchFamily="18" charset="0"/>
-              </a:rPr>
-              <a:t>клиентская часть</a:t>
-            </a:r>
-          </a:p>
-          <a:p>
-            <a:pPr marL="914400" lvl="1" indent="-457200">
-              <a:buFont typeface="Arial" panose="020B0604020202020204" pitchFamily="34" charset="0"/>
-              <a:buChar char="•"/>
-            </a:pPr>
-            <a:r>
-              <a:rPr lang="ru-RU" sz="2400" dirty="0">
-                <a:latin typeface="Times New Roman" panose="02020603050405020304" pitchFamily="18" charset="0"/>
-                <a:cs typeface="Times New Roman" panose="02020603050405020304" pitchFamily="18" charset="0"/>
-              </a:rPr>
-              <a:t>серверная часть</a:t>
-            </a:r>
-          </a:p>
-          <a:p>
-            <a:pPr marL="914400" lvl="1" indent="-457200">
-              <a:buFont typeface="Arial" panose="020B0604020202020204" pitchFamily="34" charset="0"/>
-              <a:buChar char="•"/>
-            </a:pPr>
-            <a:r>
-              <a:rPr lang="ru-RU" sz="2400" dirty="0">
-                <a:latin typeface="Times New Roman" panose="02020603050405020304" pitchFamily="18" charset="0"/>
-                <a:cs typeface="Times New Roman" panose="02020603050405020304" pitchFamily="18" charset="0"/>
-              </a:rPr>
-              <a:t>хранилище данных</a:t>
-            </a:r>
-          </a:p>
-          <a:p>
-            <a:endParaRPr lang="ru-RU" sz="1600" dirty="0">
-              <a:latin typeface="Times New Roman" panose="02020603050405020304" pitchFamily="18" charset="0"/>
-              <a:cs typeface="Times New Roman" panose="02020603050405020304" pitchFamily="18" charset="0"/>
-            </a:endParaRPr>
-          </a:p>
-        </p:txBody>
-      </p:sp>
-      <p:sp>
-        <p:nvSpPr>
-          <p:cNvPr id="6" name="Номер слайда 5"/>
-          <p:cNvSpPr>
-            <a:spLocks noGrp="1"/>
-          </p:cNvSpPr>
-          <p:nvPr>
-            <p:ph type="sldNum" sz="quarter" idx="12"/>
-          </p:nvPr>
-        </p:nvSpPr>
-        <p:spPr/>
-        <p:txBody>
-          <a:bodyPr/>
-          <a:lstStyle/>
-          <a:p>
-            <a:fld id="{5D15703D-96D9-4C94-B196-0ED7D1E8A93C}" type="slidenum">
-              <a:rPr lang="ru-RU" sz="1800" smtClean="0">
-                <a:latin typeface="Times New Roman" panose="02020603050405020304" pitchFamily="18" charset="0"/>
-                <a:cs typeface="Times New Roman" panose="02020603050405020304" pitchFamily="18" charset="0"/>
-              </a:rPr>
-              <a:t>5</a:t>
-            </a:fld>
-            <a:endParaRPr lang="ru-RU" sz="1800" dirty="0">
-              <a:latin typeface="Times New Roman" panose="02020603050405020304" pitchFamily="18" charset="0"/>
-              <a:cs typeface="Times New Roman" panose="02020603050405020304" pitchFamily="18" charset="0"/>
-            </a:endParaRPr>
-          </a:p>
-        </p:txBody>
-      </p:sp>
       <p:pic>
         <p:nvPicPr>
-          <p:cNvPr id="3" name="Рисунок 2"/>
+          <p:cNvPr id="8" name="Рисунок 7">
+            <a:extLst>
+              <a:ext uri="{FF2B5EF4-FFF2-40B4-BE49-F238E27FC236}">
+                <a16:creationId xmlns:a16="http://schemas.microsoft.com/office/drawing/2014/main" id="{850EB269-C382-320B-505B-ED89F7C8CF7A}"/>
+              </a:ext>
+            </a:extLst>
+          </p:cNvPr>
           <p:cNvPicPr>
             <a:picLocks noChangeAspect="1"/>
           </p:cNvPicPr>
           <p:nvPr/>
         </p:nvPicPr>
         <p:blipFill>
-          <a:blip r:embed="rId2">
+          <a:blip r:embed="rId3">
             <a:extLst>
               <a:ext uri="{28A0092B-C50C-407E-A947-70E740481C1C}">
                 <a14:useLocalDpi xmlns:a14="http://schemas.microsoft.com/office/drawing/2010/main" val="0"/>
@@ -12466,44 +12466,14 @@
         </p:blipFill>
         <p:spPr>
           <a:xfrm>
-            <a:off x="838200" y="2494112"/>
-            <a:ext cx="5728062" cy="2908341"/>
+            <a:off x="5334000" y="3141560"/>
+            <a:ext cx="6019800" cy="2873490"/>
           </a:xfrm>
           <a:prstGeom prst="rect">
             <a:avLst/>
           </a:prstGeom>
         </p:spPr>
       </p:pic>
-    </p:spTree>
-    <p:extLst>
-      <p:ext uri="{BB962C8B-B14F-4D97-AF65-F5344CB8AC3E}">
-        <p14:creationId xmlns:p14="http://schemas.microsoft.com/office/powerpoint/2010/main" val="4129783739"/>
-      </p:ext>
-    </p:extLst>
-  </p:cSld>
-  <p:clrMapOvr>
-    <a:masterClrMapping/>
-  </p:clrMapOvr>
-</p:sld>
-</file>
-
-<file path=ppt/slides/slide6.xml><?xml version="1.0" encoding="utf-8"?>
-<p:sld xmlns:a="http://schemas.openxmlformats.org/drawingml/2006/main" xmlns:r="http://schemas.openxmlformats.org/officeDocument/2006/relationships" xmlns:p="http://schemas.openxmlformats.org/presentationml/2006/main">
-  <p:cSld>
-    <p:spTree>
-      <p:nvGrpSpPr>
-        <p:cNvPr id="1" name=""/>
-        <p:cNvGrpSpPr/>
-        <p:nvPr/>
-      </p:nvGrpSpPr>
-      <p:grpSpPr>
-        <a:xfrm>
-          <a:off x="0" y="0"/>
-          <a:ext cx="0" cy="0"/>
-          <a:chOff x="0" y="0"/>
-          <a:chExt cx="0" cy="0"/>
-        </a:xfrm>
-      </p:grpSpPr>
       <p:sp>
         <p:nvSpPr>
           <p:cNvPr id="3" name="Номер слайда 2"/>
@@ -12524,7 +12494,7 @@
                 <a:latin typeface="Times New Roman" panose="02020603050405020304" pitchFamily="18" charset="0"/>
                 <a:cs typeface="Times New Roman" panose="02020603050405020304" pitchFamily="18" charset="0"/>
               </a:rPr>
-              <a:t>6</a:t>
+              <a:t>5</a:t>
             </a:fld>
             <a:endParaRPr lang="ru-RU" sz="1800" dirty="0">
               <a:latin typeface="Times New Roman" panose="02020603050405020304" pitchFamily="18" charset="0"/>
@@ -12555,117 +12525,8 @@
                 <a:latin typeface="Times New Roman" panose="02020603050405020304" pitchFamily="18" charset="0"/>
                 <a:cs typeface="Times New Roman" panose="02020603050405020304" pitchFamily="18" charset="0"/>
               </a:rPr>
-              <a:t>Анализ существующих решений. </a:t>
-            </a:r>
-            <a:br>
-              <a:rPr lang="ru-RU" dirty="0">
-                <a:latin typeface="Times New Roman" panose="02020603050405020304" pitchFamily="18" charset="0"/>
-                <a:cs typeface="Times New Roman" panose="02020603050405020304" pitchFamily="18" charset="0"/>
-              </a:rPr>
-            </a:br>
-            <a:r>
-              <a:rPr lang="ru-RU" dirty="0">
-                <a:latin typeface="Times New Roman" panose="02020603050405020304" pitchFamily="18" charset="0"/>
-                <a:cs typeface="Times New Roman" panose="02020603050405020304" pitchFamily="18" charset="0"/>
-              </a:rPr>
               <a:t>Пул соединений</a:t>
             </a:r>
-          </a:p>
-        </p:txBody>
-      </p:sp>
-      <p:sp>
-        <p:nvSpPr>
-          <p:cNvPr id="6" name="TextBox 5"/>
-          <p:cNvSpPr txBox="1"/>
-          <p:nvPr/>
-        </p:nvSpPr>
-        <p:spPr>
-          <a:xfrm>
-            <a:off x="838200" y="3308185"/>
-            <a:ext cx="9937375" cy="1015663"/>
-          </a:xfrm>
-          <a:prstGeom prst="rect">
-            <a:avLst/>
-          </a:prstGeom>
-          <a:noFill/>
-        </p:spPr>
-        <p:txBody>
-          <a:bodyPr wrap="square" rtlCol="0">
-            <a:spAutoFit/>
-          </a:bodyPr>
-          <a:lstStyle/>
-          <a:p>
-            <a:r>
-              <a:rPr lang="ru-RU" sz="2000" b="0" i="0" u="none" strike="noStrike" baseline="0" dirty="0">
-                <a:solidFill>
-                  <a:srgbClr val="000000"/>
-                </a:solidFill>
-                <a:latin typeface="Times New Roman" panose="02020603050405020304" pitchFamily="18" charset="0"/>
-              </a:rPr>
-              <a:t>В PostgreSQL отсутствует встроенный пул соединений, однако допускается использование внешнего</a:t>
-            </a:r>
-            <a:r>
-              <a:rPr lang="en-US" sz="2000" dirty="0">
-                <a:solidFill>
-                  <a:srgbClr val="000000"/>
-                </a:solidFill>
-                <a:latin typeface="Times New Roman" panose="02020603050405020304" pitchFamily="18" charset="0"/>
-              </a:rPr>
-              <a:t>.</a:t>
-            </a:r>
-            <a:endParaRPr lang="en-US" sz="2000" b="1" dirty="0">
-              <a:solidFill>
-                <a:srgbClr val="000000"/>
-              </a:solidFill>
-              <a:latin typeface="Times New Roman" panose="02020603050405020304" pitchFamily="18" charset="0"/>
-            </a:endParaRPr>
-          </a:p>
-          <a:p>
-            <a:endParaRPr lang="ru-RU" sz="2000" dirty="0">
-              <a:latin typeface="Times New Roman" panose="02020603050405020304" pitchFamily="18" charset="0"/>
-              <a:cs typeface="Times New Roman" panose="02020603050405020304" pitchFamily="18" charset="0"/>
-            </a:endParaRPr>
-          </a:p>
-        </p:txBody>
-      </p:sp>
-      <p:sp>
-        <p:nvSpPr>
-          <p:cNvPr id="7" name="TextBox 6">
-            <a:extLst>
-              <a:ext uri="{FF2B5EF4-FFF2-40B4-BE49-F238E27FC236}">
-                <a16:creationId xmlns:a16="http://schemas.microsoft.com/office/drawing/2014/main" id="{299AFE98-52FE-A52C-5AA3-E27FFCAC0B49}"/>
-              </a:ext>
-            </a:extLst>
-          </p:cNvPr>
-          <p:cNvSpPr txBox="1"/>
-          <p:nvPr/>
-        </p:nvSpPr>
-        <p:spPr>
-          <a:xfrm>
-            <a:off x="838200" y="1989588"/>
-            <a:ext cx="9937376" cy="1015663"/>
-          </a:xfrm>
-          <a:prstGeom prst="rect">
-            <a:avLst/>
-          </a:prstGeom>
-          <a:noFill/>
-        </p:spPr>
-        <p:txBody>
-          <a:bodyPr wrap="square">
-            <a:spAutoFit/>
-          </a:bodyPr>
-          <a:lstStyle/>
-          <a:p>
-            <a:r>
-              <a:rPr lang="ru-RU" sz="2000" b="0" i="0" u="none" strike="noStrike" baseline="0" dirty="0">
-                <a:solidFill>
-                  <a:srgbClr val="000000"/>
-                </a:solidFill>
-                <a:latin typeface="Times New Roman" panose="02020603050405020304" pitchFamily="18" charset="0"/>
-              </a:rPr>
-              <a:t>Повышение производительности, когда стоимость и скорость инициализации экземпляра высоки, а количество одновременно используемых объектов в любой момент времени является низким.</a:t>
-            </a:r>
-            <a:endParaRPr lang="ru-RU" sz="2000" dirty="0"/>
           </a:p>
         </p:txBody>
       </p:sp>
@@ -12683,8 +12544,8 @@
         </p:nvSpPr>
         <p:spPr>
           <a:xfrm>
-            <a:off x="838200" y="4626782"/>
-            <a:ext cx="4612342" cy="1015663"/>
+            <a:off x="838197" y="3978140"/>
+            <a:ext cx="4495803" cy="1200329"/>
           </a:xfrm>
           <a:prstGeom prst="rect">
             <a:avLst/>
@@ -12702,25 +12563,37 @@
               <a:buChar char="•"/>
             </a:pPr>
             <a:r>
-              <a:rPr lang="ru-RU" sz="2000" b="1" i="0" u="none" strike="noStrike" baseline="0">
+              <a:rPr lang="ru-RU" b="1" dirty="0">
                 <a:solidFill>
                   <a:srgbClr val="000000"/>
                 </a:solidFill>
                 <a:latin typeface="Times New Roman" panose="02020603050405020304" pitchFamily="18" charset="0"/>
               </a:rPr>
-              <a:t>Пул </a:t>
-            </a:r>
-            <a:r>
-              <a:rPr lang="ru-RU" sz="2000" b="1" i="0" u="none" strike="noStrike" baseline="0" dirty="0">
+              <a:t>Встроенный пул</a:t>
+            </a:r>
+            <a:endParaRPr lang="en-US" b="1" i="0" u="none" strike="noStrike" baseline="0" dirty="0">
+              <a:solidFill>
+                <a:srgbClr val="000000"/>
+              </a:solidFill>
+              <a:latin typeface="Times New Roman" panose="02020603050405020304" pitchFamily="18" charset="0"/>
+            </a:endParaRPr>
+          </a:p>
+          <a:p>
+            <a:pPr marL="285750" indent="-285750">
+              <a:buFont typeface="Arial" panose="020B0604020202020204" pitchFamily="34" charset="0"/>
+              <a:buChar char="•"/>
+            </a:pPr>
+            <a:r>
+              <a:rPr lang="ru-RU" b="1" i="0" u="none" strike="noStrike" baseline="0" dirty="0">
                 <a:solidFill>
                   <a:srgbClr val="000000"/>
                 </a:solidFill>
                 <a:latin typeface="Times New Roman" panose="02020603050405020304" pitchFamily="18" charset="0"/>
               </a:rPr>
-              <a:t>на основе </a:t>
-            </a:r>
-            <a:r>
-              <a:rPr lang="en-US" sz="2000" b="1" i="0" u="none" strike="noStrike" baseline="0" dirty="0">
+              <a:t>Пул на основе </a:t>
+            </a:r>
+            <a:r>
+              <a:rPr lang="en-US" b="1" i="0" u="none" strike="noStrike" baseline="0" dirty="0">
                 <a:solidFill>
                   <a:srgbClr val="000000"/>
                 </a:solidFill>
@@ -12728,7 +12601,7 @@
               </a:rPr>
               <a:t>libpq</a:t>
             </a:r>
-            <a:endParaRPr lang="en-US" sz="2000" b="1" dirty="0">
+            <a:endParaRPr lang="en-US" b="1" dirty="0">
               <a:solidFill>
                 <a:srgbClr val="000000"/>
               </a:solidFill>
@@ -12741,7 +12614,7 @@
               <a:buChar char="•"/>
             </a:pPr>
             <a:r>
-              <a:rPr lang="ru-RU" sz="2000" b="1" i="0" u="none" strike="noStrike" baseline="0" dirty="0">
+              <a:rPr lang="ru-RU" b="1" i="0" u="none" strike="noStrike" baseline="0" dirty="0">
                 <a:solidFill>
                   <a:srgbClr val="000000"/>
                 </a:solidFill>
@@ -12749,11 +12622,11 @@
               </a:rPr>
               <a:t>Пул в качестве внешней службы </a:t>
             </a:r>
-            <a:endParaRPr lang="ru-RU" sz="2000" b="1" dirty="0"/>
-          </a:p>
-          <a:p>
-            <a:r>
-              <a:rPr lang="en-US" sz="2000" b="1" i="0" u="none" strike="noStrike" baseline="0" dirty="0">
+            <a:endParaRPr lang="ru-RU" b="1" dirty="0"/>
+          </a:p>
+          <a:p>
+            <a:r>
+              <a:rPr lang="en-US" b="1" i="0" u="none" strike="noStrike" baseline="0" dirty="0">
                 <a:solidFill>
                   <a:srgbClr val="000000"/>
                 </a:solidFill>
@@ -12761,46 +12634,112 @@
               </a:rPr>
               <a:t> </a:t>
             </a:r>
-            <a:endParaRPr lang="ru-RU" b="1" dirty="0"/>
+            <a:endParaRPr lang="ru-RU" sz="1600" b="1" dirty="0"/>
           </a:p>
         </p:txBody>
       </p:sp>
-      <p:pic>
-        <p:nvPicPr>
-          <p:cNvPr id="16" name="Рисунок 15">
+      <p:sp>
+        <p:nvSpPr>
+          <p:cNvPr id="17" name="TextBox 16">
             <a:extLst>
               <a:ext uri="{FF2B5EF4-FFF2-40B4-BE49-F238E27FC236}">
-                <a16:creationId xmlns:a16="http://schemas.microsoft.com/office/drawing/2014/main" id="{CD9203DB-8F4F-E93F-5A6F-C503F006EAED}"/>
+                <a16:creationId xmlns:a16="http://schemas.microsoft.com/office/drawing/2014/main" id="{50EDEBD6-9842-28F5-B19F-1E5B23FDC1EE}"/>
               </a:ext>
             </a:extLst>
           </p:cNvPr>
-          <p:cNvPicPr>
-            <a:picLocks noChangeAspect="1"/>
-          </p:cNvPicPr>
+          <p:cNvSpPr txBox="1"/>
           <p:nvPr/>
-        </p:nvPicPr>
-        <p:blipFill>
-          <a:blip r:embed="rId2" cstate="print">
-            <a:extLst>
-              <a:ext uri="{28A0092B-C50C-407E-A947-70E740481C1C}">
-                <a14:useLocalDpi xmlns:a14="http://schemas.microsoft.com/office/drawing/2010/main" val="0"/>
-              </a:ext>
-            </a:extLst>
-          </a:blip>
-          <a:stretch>
-            <a:fillRect/>
-          </a:stretch>
-        </p:blipFill>
+        </p:nvSpPr>
         <p:spPr>
           <a:xfrm>
-            <a:off x="6576441" y="4277681"/>
-            <a:ext cx="4068318" cy="2232660"/>
+            <a:off x="838197" y="1690688"/>
+            <a:ext cx="10206320" cy="400110"/>
           </a:xfrm>
           <a:prstGeom prst="rect">
             <a:avLst/>
           </a:prstGeom>
+          <a:noFill/>
         </p:spPr>
-      </p:pic>
+        <p:txBody>
+          <a:bodyPr wrap="square">
+            <a:spAutoFit/>
+          </a:bodyPr>
+          <a:lstStyle/>
+          <a:p>
+            <a:r>
+              <a:rPr lang="ru-RU" sz="2000" i="1" dirty="0">
+                <a:effectLst/>
+                <a:latin typeface="Times New Roman" panose="02020603050405020304" pitchFamily="18" charset="0"/>
+                <a:ea typeface="Noto Serif CJK SC"/>
+                <a:cs typeface="Lohit Devanagari"/>
+              </a:rPr>
+              <a:t>Пул соединений </a:t>
+            </a:r>
+            <a:r>
+              <a:rPr lang="ru-RU" sz="2000" dirty="0">
+                <a:effectLst/>
+                <a:latin typeface="Times New Roman" panose="02020603050405020304" pitchFamily="18" charset="0"/>
+                <a:ea typeface="Noto Serif CJK SC"/>
+                <a:cs typeface="Lohit Devanagari"/>
+              </a:rPr>
+              <a:t>— набор открытых и готовых к использованию соединений с базой данных.  </a:t>
+            </a:r>
+            <a:endParaRPr lang="ru-RU" sz="2000" dirty="0"/>
+          </a:p>
+        </p:txBody>
+      </p:sp>
+      <p:sp>
+        <p:nvSpPr>
+          <p:cNvPr id="10" name="TextBox 9">
+            <a:extLst>
+              <a:ext uri="{FF2B5EF4-FFF2-40B4-BE49-F238E27FC236}">
+                <a16:creationId xmlns:a16="http://schemas.microsoft.com/office/drawing/2014/main" id="{D3C3CB60-1E1E-A046-150E-42067403ECCB}"/>
+              </a:ext>
+            </a:extLst>
+          </p:cNvPr>
+          <p:cNvSpPr txBox="1"/>
+          <p:nvPr/>
+        </p:nvSpPr>
+        <p:spPr>
+          <a:xfrm>
+            <a:off x="838197" y="2092375"/>
+            <a:ext cx="10206320" cy="1323439"/>
+          </a:xfrm>
+          <a:prstGeom prst="rect">
+            <a:avLst/>
+          </a:prstGeom>
+          <a:noFill/>
+        </p:spPr>
+        <p:txBody>
+          <a:bodyPr wrap="square">
+            <a:spAutoFit/>
+          </a:bodyPr>
+          <a:lstStyle/>
+          <a:p>
+            <a:r>
+              <a:rPr lang="ru-RU" sz="2000" dirty="0">
+                <a:effectLst/>
+                <a:latin typeface="Times New Roman" panose="02020603050405020304" pitchFamily="18" charset="0"/>
+                <a:ea typeface="Noto Serif CJK SC"/>
+                <a:cs typeface="Lohit Devanagari"/>
+              </a:rPr>
+              <a:t>Оптимизации процесса подключения к базе данных: многократное использование соединений. Особенно заметно повышение производительности, когда </a:t>
+            </a:r>
+            <a:r>
+              <a:rPr lang="ru-RU" sz="2000" dirty="0">
+                <a:latin typeface="Times New Roman" panose="02020603050405020304" pitchFamily="18" charset="0"/>
+                <a:ea typeface="Noto Serif CJK SC"/>
+                <a:cs typeface="Lohit Devanagari"/>
+              </a:rPr>
+              <a:t>размер пула не превосходит количества потоков.</a:t>
+            </a:r>
+            <a:endParaRPr lang="ru-RU" sz="2000" dirty="0"/>
+          </a:p>
+          <a:p>
+            <a:endParaRPr lang="ru-RU" sz="2000" dirty="0"/>
+          </a:p>
+        </p:txBody>
+      </p:sp>
     </p:spTree>
     <p:extLst>
       <p:ext uri="{BB962C8B-B14F-4D97-AF65-F5344CB8AC3E}">
@@ -12811,10 +12750,15 @@
   <p:clrMapOvr>
     <a:masterClrMapping/>
   </p:clrMapOvr>
+  <p:extLst>
+    <p:ext uri="{6950BFC3-D8DA-4A85-94F7-54DA5524770B}">
+      <p188:commentRel xmlns:p188="http://schemas.microsoft.com/office/powerpoint/2018/8/main" r:id="rId2"/>
+    </p:ext>
+  </p:extLst>
 </p:sld>
 </file>
 
-<file path=ppt/slides/slide7.xml><?xml version="1.0" encoding="utf-8"?>
+<file path=ppt/slides/slide6.xml><?xml version="1.0" encoding="utf-8"?>
 <p:sld xmlns:a="http://schemas.openxmlformats.org/drawingml/2006/main" xmlns:r="http://schemas.openxmlformats.org/officeDocument/2006/relationships" xmlns:p="http://schemas.openxmlformats.org/presentationml/2006/main">
   <p:cSld>
     <p:spTree>
@@ -12856,7 +12800,7 @@
                 <a:latin typeface="Times New Roman" panose="02020603050405020304" pitchFamily="18" charset="0"/>
                 <a:cs typeface="Times New Roman" panose="02020603050405020304" pitchFamily="18" charset="0"/>
               </a:rPr>
-              <a:t>Сравнительный анализ пулов соединений</a:t>
+              <a:t>Анализ существующих решений</a:t>
             </a:r>
           </a:p>
         </p:txBody>
@@ -12881,7 +12825,7 @@
                 <a:latin typeface="Times New Roman" panose="02020603050405020304" pitchFamily="18" charset="0"/>
                 <a:cs typeface="Times New Roman" panose="02020603050405020304" pitchFamily="18" charset="0"/>
               </a:rPr>
-              <a:t>7</a:t>
+              <a:t>6</a:t>
             </a:fld>
             <a:endParaRPr lang="ru-RU" sz="1800" dirty="0">
               <a:latin typeface="Times New Roman" panose="02020603050405020304" pitchFamily="18" charset="0"/>
@@ -12899,14 +12843,14 @@
           <p:nvPr>
             <p:extLst>
               <p:ext uri="{D42A27DB-BD31-4B8C-83A1-F6EECF244321}">
-                <p14:modId xmlns:p14="http://schemas.microsoft.com/office/powerpoint/2010/main" val="1506199526"/>
+                <p14:modId xmlns:p14="http://schemas.microsoft.com/office/powerpoint/2010/main" val="2391898018"/>
               </p:ext>
             </p:extLst>
           </p:nvPr>
         </p:nvGraphicFramePr>
         <p:xfrm>
           <a:off x="977153" y="1811875"/>
-          <a:ext cx="10085295" cy="3632622"/>
+          <a:ext cx="10085295" cy="4104830"/>
         </p:xfrm>
         <a:graphic>
           <a:graphicData uri="http://schemas.openxmlformats.org/drawingml/2006/table">
@@ -12944,7 +12888,7 @@
                   </a:extLst>
                 </a:gridCol>
               </a:tblGrid>
-              <a:tr h="649743">
+              <a:tr h="700169">
                 <a:tc>
                   <a:txBody>
                     <a:bodyPr/>
@@ -13130,7 +13074,7 @@
                   </a:ext>
                 </a:extLst>
               </a:tr>
-              <a:tr h="649743">
+              <a:tr h="700169">
                 <a:tc>
                   <a:txBody>
                     <a:bodyPr/>
@@ -13154,7 +13098,7 @@
                         <a:defRPr/>
                       </a:pPr>
                       <a:r>
-                        <a:rPr lang="ru-RU" sz="2000" dirty="0">
+                        <a:rPr lang="ru-RU" sz="1800" dirty="0">
                           <a:latin typeface="Times New Roman" panose="02020603050405020304" pitchFamily="18" charset="0"/>
                           <a:cs typeface="Times New Roman" panose="02020603050405020304" pitchFamily="18" charset="0"/>
                         </a:rPr>
@@ -13187,7 +13131,7 @@
                         <a:defRPr/>
                       </a:pPr>
                       <a:r>
-                        <a:rPr lang="ru-RU" sz="2000" dirty="0">
+                        <a:rPr lang="ru-RU" sz="1800" dirty="0">
                           <a:latin typeface="Times New Roman" panose="02020603050405020304" pitchFamily="18" charset="0"/>
                           <a:cs typeface="Times New Roman" panose="02020603050405020304" pitchFamily="18" charset="0"/>
                         </a:rPr>
@@ -13220,7 +13164,7 @@
                         <a:defRPr/>
                       </a:pPr>
                       <a:r>
-                        <a:rPr lang="ru-RU" sz="2000" dirty="0">
+                        <a:rPr lang="ru-RU" sz="1800" dirty="0">
                           <a:latin typeface="Times New Roman" panose="02020603050405020304" pitchFamily="18" charset="0"/>
                           <a:cs typeface="Times New Roman" panose="02020603050405020304" pitchFamily="18" charset="0"/>
                         </a:rPr>
@@ -13253,7 +13197,7 @@
                         <a:defRPr/>
                       </a:pPr>
                       <a:r>
-                        <a:rPr lang="ru-RU" sz="2000" kern="1200" dirty="0">
+                        <a:rPr lang="ru-RU" sz="1800" kern="1200" dirty="0">
                           <a:solidFill>
                             <a:schemeClr val="dk1"/>
                           </a:solidFill>
@@ -13263,7 +13207,7 @@
                         </a:rPr>
                         <a:t>32767</a:t>
                       </a:r>
-                      <a:endParaRPr lang="ru-RU" sz="2000" dirty="0">
+                      <a:endParaRPr lang="ru-RU" sz="1800" dirty="0">
                         <a:latin typeface="Times New Roman" panose="02020603050405020304" pitchFamily="18" charset="0"/>
                         <a:cs typeface="Times New Roman" panose="02020603050405020304" pitchFamily="18" charset="0"/>
                       </a:endParaRPr>
@@ -13277,7 +13221,7 @@
                   </a:ext>
                 </a:extLst>
               </a:tr>
-              <a:tr h="649743">
+              <a:tr h="672862">
                 <a:tc>
                   <a:txBody>
                     <a:bodyPr/>
@@ -13301,11 +13245,11 @@
                         <a:defRPr/>
                       </a:pPr>
                       <a:r>
-                        <a:rPr lang="ru-RU" sz="2000" dirty="0">
+                        <a:rPr lang="ru-RU" sz="1800" dirty="0">
                           <a:latin typeface="Times New Roman" panose="02020603050405020304" pitchFamily="18" charset="0"/>
                           <a:cs typeface="Times New Roman" panose="02020603050405020304" pitchFamily="18" charset="0"/>
                         </a:rPr>
-                        <a:t>Доступность</a:t>
+                        <a:t>Наличие лицензии</a:t>
                       </a:r>
                     </a:p>
                   </a:txBody>
@@ -13334,7 +13278,130 @@
                         <a:defRPr/>
                       </a:pPr>
                       <a:r>
-                        <a:rPr lang="ru-RU" sz="2000" dirty="0">
+                        <a:rPr lang="ru-RU" sz="1800" dirty="0">
+                          <a:latin typeface="Times New Roman" panose="02020603050405020304" pitchFamily="18" charset="0"/>
+                          <a:cs typeface="Times New Roman" panose="02020603050405020304" pitchFamily="18" charset="0"/>
+                        </a:rPr>
+                        <a:t>Нет</a:t>
+                      </a:r>
+                    </a:p>
+                  </a:txBody>
+                  <a:tcPr marL="66513" marR="66513" marT="33256" marB="33256" anchor="ctr"/>
+                </a:tc>
+                <a:tc>
+                  <a:txBody>
+                    <a:bodyPr/>
+                    <a:lstStyle/>
+                    <a:p>
+                      <a:pPr marL="0" marR="0" lvl="1" indent="0" algn="ctr" defTabSz="914400" rtl="0" eaLnBrk="1" fontAlgn="auto" latinLnBrk="0" hangingPunct="1">
+                        <a:lnSpc>
+                          <a:spcPct val="100000"/>
+                        </a:lnSpc>
+                        <a:spcBef>
+                          <a:spcPts val="0"/>
+                        </a:spcBef>
+                        <a:spcAft>
+                          <a:spcPts val="0"/>
+                        </a:spcAft>
+                        <a:buClrTx/>
+                        <a:buSzTx/>
+                        <a:buFontTx/>
+                        <a:buNone/>
+                        <a:tabLst/>
+                        <a:defRPr/>
+                      </a:pPr>
+                      <a:r>
+                        <a:rPr lang="ru-RU" sz="1800" dirty="0">
+                          <a:latin typeface="Times New Roman" panose="02020603050405020304" pitchFamily="18" charset="0"/>
+                          <a:cs typeface="Times New Roman" panose="02020603050405020304" pitchFamily="18" charset="0"/>
+                        </a:rPr>
+                        <a:t>Нет</a:t>
+                      </a:r>
+                    </a:p>
+                  </a:txBody>
+                  <a:tcPr marL="66513" marR="66513" marT="33256" marB="33256" anchor="ctr"/>
+                </a:tc>
+                <a:tc>
+                  <a:txBody>
+                    <a:bodyPr/>
+                    <a:lstStyle/>
+                    <a:p>
+                      <a:pPr algn="ctr"/>
+                      <a:r>
+                        <a:rPr lang="ru-RU" sz="1800" dirty="0">
+                          <a:latin typeface="Times New Roman" panose="02020603050405020304" pitchFamily="18" charset="0"/>
+                          <a:cs typeface="Times New Roman" panose="02020603050405020304" pitchFamily="18" charset="0"/>
+                        </a:rPr>
+                        <a:t>Да</a:t>
+                      </a:r>
+                    </a:p>
+                  </a:txBody>
+                  <a:tcPr marL="66513" marR="66513" marT="33256" marB="33256" anchor="ctr"/>
+                </a:tc>
+                <a:extLst>
+                  <a:ext uri="{0D108BD9-81ED-4DB2-BD59-A6C34878D82A}">
+                    <a16:rowId xmlns:a16="http://schemas.microsoft.com/office/drawing/2014/main" val="3025303234"/>
+                  </a:ext>
+                </a:extLst>
+              </a:tr>
+              <a:tr h="1015815">
+                <a:tc>
+                  <a:txBody>
+                    <a:bodyPr/>
+                    <a:lstStyle/>
+                    <a:p>
+                      <a:pPr marL="0" marR="0" lvl="1" indent="0" algn="ctr" defTabSz="914400" rtl="0" eaLnBrk="1" fontAlgn="auto" latinLnBrk="0" hangingPunct="1">
+                        <a:lnSpc>
+                          <a:spcPct val="100000"/>
+                        </a:lnSpc>
+                        <a:spcBef>
+                          <a:spcPts val="0"/>
+                        </a:spcBef>
+                        <a:spcAft>
+                          <a:spcPts val="0"/>
+                        </a:spcAft>
+                        <a:buClrTx/>
+                        <a:buSzTx/>
+                        <a:buFontTx/>
+                        <a:buNone/>
+                        <a:tabLst/>
+                        <a:defRPr/>
+                      </a:pPr>
+                      <a:r>
+                        <a:rPr lang="ru-RU" sz="1800" dirty="0">
+                          <a:latin typeface="Times New Roman" panose="02020603050405020304" pitchFamily="18" charset="0"/>
+                          <a:cs typeface="Times New Roman" panose="02020603050405020304" pitchFamily="18" charset="0"/>
+                        </a:rPr>
+                        <a:t>Необходимость поддержки отдельного пула для каждой БД</a:t>
+                      </a:r>
+                    </a:p>
+                  </a:txBody>
+                  <a:tcPr marL="66513" marR="66513" marT="33256" marB="33256" anchor="ctr"/>
+                </a:tc>
+                <a:tc>
+                  <a:txBody>
+                    <a:bodyPr/>
+                    <a:lstStyle/>
+                    <a:p>
+                      <a:pPr marL="0" marR="0" lvl="1" indent="0" algn="ctr" defTabSz="914400" rtl="0" eaLnBrk="1" fontAlgn="auto" latinLnBrk="0" hangingPunct="1">
+                        <a:lnSpc>
+                          <a:spcPct val="100000"/>
+                        </a:lnSpc>
+                        <a:spcBef>
+                          <a:spcPts val="0"/>
+                        </a:spcBef>
+                        <a:spcAft>
+                          <a:spcPts val="0"/>
+                        </a:spcAft>
+                        <a:buClrTx/>
+                        <a:buSzTx/>
+                        <a:buFontTx/>
+                        <a:buNone/>
+                        <a:tabLst/>
+                        <a:defRPr/>
+                      </a:pPr>
+                      <a:r>
+                        <a:rPr lang="ru-RU" sz="1800" dirty="0">
                           <a:latin typeface="Times New Roman" panose="02020603050405020304" pitchFamily="18" charset="0"/>
                           <a:cs typeface="Times New Roman" panose="02020603050405020304" pitchFamily="18" charset="0"/>
                         </a:rPr>
@@ -13367,97 +13434,7 @@
                         <a:defRPr/>
                       </a:pPr>
                       <a:r>
-                        <a:rPr lang="ru-RU" sz="2000" dirty="0">
-                          <a:latin typeface="Times New Roman" panose="02020603050405020304" pitchFamily="18" charset="0"/>
-                          <a:cs typeface="Times New Roman" panose="02020603050405020304" pitchFamily="18" charset="0"/>
-                        </a:rPr>
-                        <a:t>Да</a:t>
-                      </a:r>
-                    </a:p>
-                  </a:txBody>
-                  <a:tcPr marL="66513" marR="66513" marT="33256" marB="33256" anchor="ctr"/>
-                </a:tc>
-                <a:tc>
-                  <a:txBody>
-                    <a:bodyPr/>
-                    <a:lstStyle/>
-                    <a:p>
-                      <a:pPr algn="ctr"/>
-                      <a:r>
-                        <a:rPr lang="ru-RU" sz="2000" dirty="0">
-                          <a:latin typeface="Times New Roman" panose="02020603050405020304" pitchFamily="18" charset="0"/>
-                          <a:cs typeface="Times New Roman" panose="02020603050405020304" pitchFamily="18" charset="0"/>
-                        </a:rPr>
-                        <a:t>Коммерческая версия</a:t>
-                      </a:r>
-                    </a:p>
-                  </a:txBody>
-                  <a:tcPr marL="66513" marR="66513" marT="33256" marB="33256" anchor="ctr"/>
-                </a:tc>
-                <a:extLst>
-                  <a:ext uri="{0D108BD9-81ED-4DB2-BD59-A6C34878D82A}">
-                    <a16:rowId xmlns:a16="http://schemas.microsoft.com/office/drawing/2014/main" val="3025303234"/>
-                  </a:ext>
-                </a:extLst>
-              </a:tr>
-              <a:tr h="734895">
-                <a:tc>
-                  <a:txBody>
-                    <a:bodyPr/>
-                    <a:lstStyle/>
-                    <a:p>
-                      <a:pPr marL="0" marR="0" lvl="1" indent="0" algn="ctr" defTabSz="914400" rtl="0" eaLnBrk="1" fontAlgn="auto" latinLnBrk="0" hangingPunct="1">
-                        <a:lnSpc>
-                          <a:spcPct val="100000"/>
-                        </a:lnSpc>
-                        <a:spcBef>
-                          <a:spcPts val="0"/>
-                        </a:spcBef>
-                        <a:spcAft>
-                          <a:spcPts val="0"/>
-                        </a:spcAft>
-                        <a:buClrTx/>
-                        <a:buSzTx/>
-                        <a:buFontTx/>
-                        <a:buNone/>
-                        <a:tabLst/>
-                        <a:defRPr/>
-                      </a:pPr>
-                      <a:r>
-                        <a:rPr lang="ru-RU" sz="2000" dirty="0">
-                          <a:latin typeface="Times New Roman" panose="02020603050405020304" pitchFamily="18" charset="0"/>
-                          <a:cs typeface="Times New Roman" panose="02020603050405020304" pitchFamily="18" charset="0"/>
-                        </a:rPr>
-                        <a:t>Необходимость поддержки отдельного пула для каждой БД</a:t>
-                      </a:r>
-                    </a:p>
-                  </a:txBody>
-                  <a:tcPr marL="66513" marR="66513" marT="33256" marB="33256" anchor="ctr"/>
-                </a:tc>
-                <a:tc>
-                  <a:txBody>
-                    <a:bodyPr/>
-                    <a:lstStyle/>
-                    <a:p>
-                      <a:pPr marL="0" marR="0" lvl="1" indent="0" algn="ctr" defTabSz="914400" rtl="0" eaLnBrk="1" fontAlgn="auto" latinLnBrk="0" hangingPunct="1">
-                        <a:lnSpc>
-                          <a:spcPct val="100000"/>
-                        </a:lnSpc>
-                        <a:spcBef>
-                          <a:spcPts val="0"/>
-                        </a:spcBef>
-                        <a:spcAft>
-                          <a:spcPts val="0"/>
-                        </a:spcAft>
-                        <a:buClrTx/>
-                        <a:buSzTx/>
-                        <a:buFontTx/>
-                        <a:buNone/>
-                        <a:tabLst/>
-                        <a:defRPr/>
-                      </a:pPr>
-                      <a:r>
-                        <a:rPr lang="ru-RU" sz="2000" dirty="0">
+                        <a:rPr lang="ru-RU" sz="1800" dirty="0">
                           <a:latin typeface="Times New Roman" panose="02020603050405020304" pitchFamily="18" charset="0"/>
                           <a:cs typeface="Times New Roman" panose="02020603050405020304" pitchFamily="18" charset="0"/>
                         </a:rPr>
@@ -13490,7 +13467,80 @@
                         <a:defRPr/>
                       </a:pPr>
                       <a:r>
-                        <a:rPr lang="ru-RU" sz="2000" dirty="0">
+                        <a:rPr lang="ru-RU" sz="1800" dirty="0">
+                          <a:latin typeface="Times New Roman" panose="02020603050405020304" pitchFamily="18" charset="0"/>
+                          <a:cs typeface="Times New Roman" panose="02020603050405020304" pitchFamily="18" charset="0"/>
+                        </a:rPr>
+                        <a:t>Да</a:t>
+                      </a:r>
+                    </a:p>
+                  </a:txBody>
+                  <a:tcPr marL="66513" marR="66513" marT="33256" marB="33256" anchor="ctr"/>
+                </a:tc>
+                <a:extLst>
+                  <a:ext uri="{0D108BD9-81ED-4DB2-BD59-A6C34878D82A}">
+                    <a16:rowId xmlns:a16="http://schemas.microsoft.com/office/drawing/2014/main" val="948848466"/>
+                  </a:ext>
+                </a:extLst>
+              </a:tr>
+              <a:tr h="1015815">
+                <a:tc>
+                  <a:txBody>
+                    <a:bodyPr/>
+                    <a:lstStyle/>
+                    <a:p>
+                      <a:pPr marL="0" marR="0" lvl="1" indent="0" algn="ctr" defTabSz="914400" rtl="0" eaLnBrk="1" fontAlgn="auto" latinLnBrk="0" hangingPunct="1">
+                        <a:lnSpc>
+                          <a:spcPct val="100000"/>
+                        </a:lnSpc>
+                        <a:spcBef>
+                          <a:spcPts val="0"/>
+                        </a:spcBef>
+                        <a:spcAft>
+                          <a:spcPts val="0"/>
+                        </a:spcAft>
+                        <a:buClrTx/>
+                        <a:buSzTx/>
+                        <a:buFontTx/>
+                        <a:buNone/>
+                        <a:tabLst/>
+                        <a:defRPr/>
+                      </a:pPr>
+                      <a:r>
+                        <a:rPr lang="ru-RU" sz="1800" dirty="0">
+                          <a:latin typeface="Times New Roman" panose="02020603050405020304" pitchFamily="18" charset="0"/>
+                          <a:cs typeface="Times New Roman" panose="02020603050405020304" pitchFamily="18" charset="0"/>
+                        </a:rPr>
+                        <a:t>Необходимость самостоятельной разработки и поддержки</a:t>
+                      </a:r>
+                    </a:p>
+                  </a:txBody>
+                  <a:tcPr marL="66513" marR="66513" marT="33256" marB="33256" anchor="ctr"/>
+                </a:tc>
+                <a:tc>
+                  <a:txBody>
+                    <a:bodyPr/>
+                    <a:lstStyle/>
+                    <a:p>
+                      <a:pPr marL="0" marR="0" lvl="1" indent="0" algn="ctr" defTabSz="914400" rtl="0" eaLnBrk="1" fontAlgn="auto" latinLnBrk="0" hangingPunct="1">
+                        <a:lnSpc>
+                          <a:spcPct val="100000"/>
+                        </a:lnSpc>
+                        <a:spcBef>
+                          <a:spcPts val="0"/>
+                        </a:spcBef>
+                        <a:spcAft>
+                          <a:spcPts val="0"/>
+                        </a:spcAft>
+                        <a:buClrTx/>
+                        <a:buSzTx/>
+                        <a:buFontTx/>
+                        <a:buNone/>
+                        <a:tabLst/>
+                        <a:defRPr/>
+                      </a:pPr>
+                      <a:r>
+                        <a:rPr lang="ru-RU" sz="1800" dirty="0">
                           <a:latin typeface="Times New Roman" panose="02020603050405020304" pitchFamily="18" charset="0"/>
                           <a:cs typeface="Times New Roman" panose="02020603050405020304" pitchFamily="18" charset="0"/>
                         </a:rPr>
@@ -13523,113 +13573,7 @@
                         <a:defRPr/>
                       </a:pPr>
                       <a:r>
-                        <a:rPr lang="ru-RU" sz="2000" dirty="0">
-                          <a:latin typeface="Times New Roman" panose="02020603050405020304" pitchFamily="18" charset="0"/>
-                          <a:cs typeface="Times New Roman" panose="02020603050405020304" pitchFamily="18" charset="0"/>
-                        </a:rPr>
-                        <a:t>Да</a:t>
-                      </a:r>
-                    </a:p>
-                  </a:txBody>
-                  <a:tcPr marL="66513" marR="66513" marT="33256" marB="33256" anchor="ctr"/>
-                </a:tc>
-                <a:extLst>
-                  <a:ext uri="{0D108BD9-81ED-4DB2-BD59-A6C34878D82A}">
-                    <a16:rowId xmlns:a16="http://schemas.microsoft.com/office/drawing/2014/main" val="948848466"/>
-                  </a:ext>
-                </a:extLst>
-              </a:tr>
-              <a:tr h="649743">
-                <a:tc>
-                  <a:txBody>
-                    <a:bodyPr/>
-                    <a:lstStyle/>
-                    <a:p>
-                      <a:pPr marL="0" marR="0" lvl="1" indent="0" algn="ctr" defTabSz="914400" rtl="0" eaLnBrk="1" fontAlgn="auto" latinLnBrk="0" hangingPunct="1">
-                        <a:lnSpc>
-                          <a:spcPct val="100000"/>
-                        </a:lnSpc>
-                        <a:spcBef>
-                          <a:spcPts val="0"/>
-                        </a:spcBef>
-                        <a:spcAft>
-                          <a:spcPts val="0"/>
-                        </a:spcAft>
-                        <a:buClrTx/>
-                        <a:buSzTx/>
-                        <a:buFontTx/>
-                        <a:buNone/>
-                        <a:tabLst/>
-                        <a:defRPr/>
-                      </a:pPr>
-                      <a:r>
-                        <a:rPr lang="ru-RU" sz="2000" dirty="0">
-                          <a:latin typeface="Times New Roman" panose="02020603050405020304" pitchFamily="18" charset="0"/>
-                          <a:cs typeface="Times New Roman" panose="02020603050405020304" pitchFamily="18" charset="0"/>
-                        </a:rPr>
-                        <a:t>Затраты на разработку</a:t>
-                      </a:r>
-                    </a:p>
-                  </a:txBody>
-                  <a:tcPr marL="66513" marR="66513" marT="33256" marB="33256" anchor="ctr"/>
-                </a:tc>
-                <a:tc>
-                  <a:txBody>
-                    <a:bodyPr/>
-                    <a:lstStyle/>
-                    <a:p>
-                      <a:pPr marL="0" marR="0" lvl="1" indent="0" algn="ctr" defTabSz="914400" rtl="0" eaLnBrk="1" fontAlgn="auto" latinLnBrk="0" hangingPunct="1">
-                        <a:lnSpc>
-                          <a:spcPct val="100000"/>
-                        </a:lnSpc>
-                        <a:spcBef>
-                          <a:spcPts val="0"/>
-                        </a:spcBef>
-                        <a:spcAft>
-                          <a:spcPts val="0"/>
-                        </a:spcAft>
-                        <a:buClrTx/>
-                        <a:buSzTx/>
-                        <a:buFontTx/>
-                        <a:buNone/>
-                        <a:tabLst/>
-                        <a:defRPr/>
-                      </a:pPr>
-                      <a:r>
-                        <a:rPr lang="ru-RU" sz="2000" dirty="0">
-                          <a:latin typeface="Times New Roman" panose="02020603050405020304" pitchFamily="18" charset="0"/>
-                          <a:cs typeface="Times New Roman" panose="02020603050405020304" pitchFamily="18" charset="0"/>
-                        </a:rPr>
-                        <a:t>Да</a:t>
-                      </a:r>
-                    </a:p>
-                  </a:txBody>
-                  <a:tcPr marL="66513" marR="66513" marT="33256" marB="33256" anchor="ctr"/>
-                </a:tc>
-                <a:tc>
-                  <a:txBody>
-                    <a:bodyPr/>
-                    <a:lstStyle/>
-                    <a:p>
-                      <a:pPr marL="0" marR="0" lvl="1" indent="0" algn="ctr" defTabSz="914400" rtl="0" eaLnBrk="1" fontAlgn="auto" latinLnBrk="0" hangingPunct="1">
-                        <a:lnSpc>
-                          <a:spcPct val="100000"/>
-                        </a:lnSpc>
-                        <a:spcBef>
-                          <a:spcPts val="0"/>
-                        </a:spcBef>
-                        <a:spcAft>
-                          <a:spcPts val="0"/>
-                        </a:spcAft>
-                        <a:buClrTx/>
-                        <a:buSzTx/>
-                        <a:buFontTx/>
-                        <a:buNone/>
-                        <a:tabLst/>
-                        <a:defRPr/>
-                      </a:pPr>
-                      <a:r>
-                        <a:rPr lang="ru-RU" sz="2000" dirty="0">
+                        <a:rPr lang="ru-RU" sz="1800" dirty="0">
                           <a:latin typeface="Times New Roman" panose="02020603050405020304" pitchFamily="18" charset="0"/>
                           <a:cs typeface="Times New Roman" panose="02020603050405020304" pitchFamily="18" charset="0"/>
                         </a:rPr>
@@ -13662,7 +13606,7 @@
                         <a:defRPr/>
                       </a:pPr>
                       <a:r>
-                        <a:rPr lang="ru-RU" sz="2000" dirty="0">
+                        <a:rPr lang="ru-RU" sz="1800" dirty="0">
                           <a:latin typeface="Times New Roman" panose="02020603050405020304" pitchFamily="18" charset="0"/>
                           <a:cs typeface="Times New Roman" panose="02020603050405020304" pitchFamily="18" charset="0"/>
                         </a:rPr>
@@ -13692,6 +13636,136 @@
   <p:clrMapOvr>
     <a:masterClrMapping/>
   </p:clrMapOvr>
+  <p:extLst>
+    <p:ext uri="{6950BFC3-D8DA-4A85-94F7-54DA5524770B}">
+      <p188:commentRel xmlns:p188="http://schemas.microsoft.com/office/powerpoint/2018/8/main" r:id="rId2"/>
+    </p:ext>
+  </p:extLst>
+</p:sld>
+</file>
+
+<file path=ppt/slides/slide7.xml><?xml version="1.0" encoding="utf-8"?>
+<p:sld xmlns:a="http://schemas.openxmlformats.org/drawingml/2006/main" xmlns:r="http://schemas.openxmlformats.org/officeDocument/2006/relationships" xmlns:p="http://schemas.openxmlformats.org/presentationml/2006/main">
+  <p:cSld>
+    <p:spTree>
+      <p:nvGrpSpPr>
+        <p:cNvPr id="1" name=""/>
+        <p:cNvGrpSpPr/>
+        <p:nvPr/>
+      </p:nvGrpSpPr>
+      <p:grpSpPr>
+        <a:xfrm>
+          <a:off x="0" y="0"/>
+          <a:ext cx="0" cy="0"/>
+          <a:chOff x="0" y="0"/>
+          <a:chExt cx="0" cy="0"/>
+        </a:xfrm>
+      </p:grpSpPr>
+      <p:sp>
+        <p:nvSpPr>
+          <p:cNvPr id="2" name="Заголовок 1"/>
+          <p:cNvSpPr>
+            <a:spLocks noGrp="1"/>
+          </p:cNvSpPr>
+          <p:nvPr>
+            <p:ph type="title"/>
+          </p:nvPr>
+        </p:nvSpPr>
+        <p:spPr/>
+        <p:txBody>
+          <a:bodyPr/>
+          <a:lstStyle/>
+          <a:p>
+            <a:r>
+              <a:rPr lang="ru-RU" dirty="0">
+                <a:latin typeface="Times New Roman" panose="02020603050405020304" pitchFamily="18" charset="0"/>
+                <a:cs typeface="Times New Roman" panose="02020603050405020304" pitchFamily="18" charset="0"/>
+              </a:rPr>
+              <a:t>Функциональная модель разрабатываемого программного комплекса</a:t>
+            </a:r>
+          </a:p>
+        </p:txBody>
+      </p:sp>
+      <p:sp>
+        <p:nvSpPr>
+          <p:cNvPr id="4" name="Номер слайда 3"/>
+          <p:cNvSpPr>
+            <a:spLocks noGrp="1"/>
+          </p:cNvSpPr>
+          <p:nvPr>
+            <p:ph type="sldNum" sz="quarter" idx="12"/>
+          </p:nvPr>
+        </p:nvSpPr>
+        <p:spPr/>
+        <p:txBody>
+          <a:bodyPr/>
+          <a:lstStyle/>
+          <a:p>
+            <a:fld id="{5D15703D-96D9-4C94-B196-0ED7D1E8A93C}" type="slidenum">
+              <a:rPr lang="ru-RU" sz="1800" smtClean="0">
+                <a:latin typeface="Times New Roman" panose="02020603050405020304" pitchFamily="18" charset="0"/>
+                <a:cs typeface="Times New Roman" panose="02020603050405020304" pitchFamily="18" charset="0"/>
+              </a:rPr>
+              <a:t>7</a:t>
+            </a:fld>
+            <a:endParaRPr lang="ru-RU" sz="1800" dirty="0">
+              <a:latin typeface="Times New Roman" panose="02020603050405020304" pitchFamily="18" charset="0"/>
+              <a:cs typeface="Times New Roman" panose="02020603050405020304" pitchFamily="18" charset="0"/>
+            </a:endParaRPr>
+          </a:p>
+        </p:txBody>
+      </p:sp>
+      <p:pic>
+        <p:nvPicPr>
+          <p:cNvPr id="5" name="Рисунок 4">
+            <a:extLst>
+              <a:ext uri="{FF2B5EF4-FFF2-40B4-BE49-F238E27FC236}">
+                <a16:creationId xmlns:a16="http://schemas.microsoft.com/office/drawing/2014/main" id="{DF4EA37F-5816-6921-7401-E900B8B2D2BA}"/>
+              </a:ext>
+            </a:extLst>
+          </p:cNvPr>
+          <p:cNvPicPr>
+            <a:picLocks noChangeAspect="1"/>
+          </p:cNvPicPr>
+          <p:nvPr/>
+        </p:nvPicPr>
+        <p:blipFill>
+          <a:blip r:embed="rId3">
+            <a:extLst>
+              <a:ext uri="{28A0092B-C50C-407E-A947-70E740481C1C}">
+                <a14:useLocalDpi xmlns:a14="http://schemas.microsoft.com/office/drawing/2010/main" val="0"/>
+              </a:ext>
+            </a:extLst>
+          </a:blip>
+          <a:stretch>
+            <a:fillRect/>
+          </a:stretch>
+        </p:blipFill>
+        <p:spPr>
+          <a:xfrm>
+            <a:off x="1161806" y="1736725"/>
+            <a:ext cx="9519536" cy="4802187"/>
+          </a:xfrm>
+          <a:prstGeom prst="rect">
+            <a:avLst/>
+          </a:prstGeom>
+        </p:spPr>
+      </p:pic>
+    </p:spTree>
+    <p:extLst>
+      <p:ext uri="{BB962C8B-B14F-4D97-AF65-F5344CB8AC3E}">
+        <p14:creationId xmlns:p14="http://schemas.microsoft.com/office/powerpoint/2010/main" val="3515134166"/>
+      </p:ext>
+    </p:extLst>
+  </p:cSld>
+  <p:clrMapOvr>
+    <a:masterClrMapping/>
+  </p:clrMapOvr>
+  <p:extLst>
+    <p:ext uri="{6950BFC3-D8DA-4A85-94F7-54DA5524770B}">
+      <p188:commentRel xmlns:p188="http://schemas.microsoft.com/office/powerpoint/2018/8/main" r:id="rId2"/>
+    </p:ext>
+  </p:extLst>
 </p:sld>
 </file>
 
@@ -13722,26 +13796,24 @@
             <p:ph type="title"/>
           </p:nvPr>
         </p:nvSpPr>
-        <p:spPr/>
+        <p:spPr>
+          <a:xfrm>
+            <a:off x="210671" y="189712"/>
+            <a:ext cx="10515600" cy="1325563"/>
+          </a:xfrm>
+        </p:spPr>
         <p:txBody>
-          <a:bodyPr/>
+          <a:bodyPr>
+            <a:normAutofit/>
+          </a:bodyPr>
           <a:lstStyle/>
           <a:p>
             <a:r>
-              <a:rPr lang="ru-RU" sz="4400" dirty="0">
-                <a:effectLst/>
-                <a:latin typeface="Times New Roman" panose="02020603050405020304" pitchFamily="18" charset="0"/>
-                <a:ea typeface="Calibri" panose="020F0502020204030204" pitchFamily="34" charset="0"/>
-                <a:cs typeface="Times New Roman" panose="02020603050405020304" pitchFamily="18" charset="0"/>
-              </a:rPr>
-              <a:t>Распараллеливание </a:t>
-            </a:r>
-            <a:r>
-              <a:rPr lang="ru-RU" dirty="0">
+              <a:rPr lang="ru-RU" sz="4000" dirty="0">
                 <a:latin typeface="Times New Roman" panose="02020603050405020304" pitchFamily="18" charset="0"/>
                 <a:cs typeface="Times New Roman" panose="02020603050405020304" pitchFamily="18" charset="0"/>
               </a:rPr>
-              <a:t>запроса</a:t>
+              <a:t>Формирование очереди команд и отправка серверу запроса из очереди</a:t>
             </a:r>
           </a:p>
         </p:txBody>
@@ -13775,16 +13847,229 @@
           </a:p>
         </p:txBody>
       </p:sp>
+      <p:sp>
+        <p:nvSpPr>
+          <p:cNvPr id="8" name="TextBox 7">
+            <a:extLst>
+              <a:ext uri="{FF2B5EF4-FFF2-40B4-BE49-F238E27FC236}">
+                <a16:creationId xmlns:a16="http://schemas.microsoft.com/office/drawing/2014/main" id="{D54F2642-CED2-7AA0-A346-6A533FF6792B}"/>
+              </a:ext>
+            </a:extLst>
+          </p:cNvPr>
+          <p:cNvSpPr txBox="1"/>
+          <p:nvPr/>
+        </p:nvSpPr>
+        <p:spPr>
+          <a:xfrm>
+            <a:off x="6937513" y="1907050"/>
+            <a:ext cx="4993363" cy="923330"/>
+          </a:xfrm>
+          <a:prstGeom prst="rect">
+            <a:avLst/>
+          </a:prstGeom>
+          <a:noFill/>
+        </p:spPr>
+        <p:txBody>
+          <a:bodyPr wrap="square" rtlCol="0">
+            <a:spAutoFit/>
+          </a:bodyPr>
+          <a:lstStyle/>
+          <a:p>
+            <a:r>
+              <a:rPr lang="ru-RU" dirty="0">
+                <a:latin typeface="Times New Roman" panose="02020603050405020304" pitchFamily="18" charset="0"/>
+                <a:cs typeface="Times New Roman" panose="02020603050405020304" pitchFamily="18" charset="0"/>
+              </a:rPr>
+              <a:t>Для каждого соединения определен выходной буфер данных, которые еще не были отправлены на сервер.</a:t>
+            </a:r>
+          </a:p>
+        </p:txBody>
+      </p:sp>
+      <p:sp>
+        <p:nvSpPr>
+          <p:cNvPr id="9" name="TextBox 8">
+            <a:extLst>
+              <a:ext uri="{FF2B5EF4-FFF2-40B4-BE49-F238E27FC236}">
+                <a16:creationId xmlns:a16="http://schemas.microsoft.com/office/drawing/2014/main" id="{18BA6212-B213-6B23-1A66-0037CE577FF7}"/>
+              </a:ext>
+            </a:extLst>
+          </p:cNvPr>
+          <p:cNvSpPr txBox="1"/>
+          <p:nvPr/>
+        </p:nvSpPr>
+        <p:spPr>
+          <a:xfrm>
+            <a:off x="6937513" y="4439380"/>
+            <a:ext cx="4993362" cy="1200329"/>
+          </a:xfrm>
+          <a:prstGeom prst="rect">
+            <a:avLst/>
+          </a:prstGeom>
+          <a:noFill/>
+        </p:spPr>
+        <p:txBody>
+          <a:bodyPr wrap="square" rtlCol="0">
+            <a:spAutoFit/>
+          </a:bodyPr>
+          <a:lstStyle/>
+          <a:p>
+            <a:r>
+              <a:rPr lang="ru-RU" sz="1800" dirty="0">
+                <a:effectLst/>
+                <a:latin typeface="Times New Roman" panose="02020603050405020304" pitchFamily="18" charset="0"/>
+                <a:ea typeface="Noto Serif CJK SC"/>
+                <a:cs typeface="Lohit Devanagari"/>
+              </a:rPr>
+              <a:t>Отправка сообщения:</a:t>
+            </a:r>
+          </a:p>
+          <a:p>
+            <a:pPr marL="285750" indent="-285750">
+              <a:buFont typeface="Arial" panose="020B0604020202020204" pitchFamily="34" charset="0"/>
+              <a:buChar char="•"/>
+            </a:pPr>
+            <a:r>
+              <a:rPr lang="ru-RU" sz="1800" dirty="0">
+                <a:effectLst/>
+                <a:latin typeface="Times New Roman" panose="02020603050405020304" pitchFamily="18" charset="0"/>
+                <a:ea typeface="Noto Serif CJK SC"/>
+                <a:cs typeface="Lohit Devanagari"/>
+              </a:rPr>
+              <a:t>размер выходного буфера </a:t>
+            </a:r>
+            <a:r>
+              <a:rPr lang="ru-RU" dirty="0">
+                <a:latin typeface="Times New Roman" panose="02020603050405020304" pitchFamily="18" charset="0"/>
+                <a:ea typeface="Noto Serif CJK SC"/>
+                <a:cs typeface="Lohit Devanagari"/>
+              </a:rPr>
+              <a:t>достиг 8 Кб </a:t>
+            </a:r>
+            <a:r>
+              <a:rPr lang="ru-RU" sz="1800" dirty="0">
+                <a:effectLst/>
+                <a:latin typeface="Times New Roman" panose="02020603050405020304" pitchFamily="18" charset="0"/>
+                <a:ea typeface="Noto Serif CJK SC"/>
+                <a:cs typeface="Lohit Devanagari"/>
+              </a:rPr>
+              <a:t>(</a:t>
+            </a:r>
+            <a:r>
+              <a:rPr lang="ru-RU" dirty="0">
+                <a:latin typeface="Times New Roman" panose="02020603050405020304" pitchFamily="18" charset="0"/>
+                <a:ea typeface="Noto Serif CJK SC"/>
+                <a:cs typeface="Lohit Devanagari"/>
+              </a:rPr>
+              <a:t>исключает отправку маленьких пакетов</a:t>
+            </a:r>
+            <a:r>
+              <a:rPr lang="ru-RU" sz="1800" dirty="0">
+                <a:effectLst/>
+                <a:latin typeface="Times New Roman" panose="02020603050405020304" pitchFamily="18" charset="0"/>
+                <a:ea typeface="Noto Serif CJK SC"/>
+                <a:cs typeface="Lohit Devanagari"/>
+              </a:rPr>
+              <a:t>);</a:t>
+            </a:r>
+          </a:p>
+          <a:p>
+            <a:pPr marL="285750" indent="-285750">
+              <a:buFont typeface="Arial" panose="020B0604020202020204" pitchFamily="34" charset="0"/>
+              <a:buChar char="•"/>
+            </a:pPr>
+            <a:r>
+              <a:rPr lang="ru-RU" dirty="0">
+                <a:latin typeface="Times New Roman" panose="02020603050405020304" pitchFamily="18" charset="0"/>
+                <a:ea typeface="Noto Serif CJK SC"/>
+                <a:cs typeface="Lohit Devanagari"/>
+              </a:rPr>
+              <a:t>была вызвана функция </a:t>
+            </a:r>
+            <a:r>
+              <a:rPr lang="en-US" i="1" dirty="0" err="1">
+                <a:latin typeface="Times New Roman" panose="02020603050405020304" pitchFamily="18" charset="0"/>
+                <a:ea typeface="Noto Serif CJK SC"/>
+                <a:cs typeface="Lohit Devanagari"/>
+              </a:rPr>
+              <a:t>fflush</a:t>
+            </a:r>
+            <a:r>
+              <a:rPr lang="en-US" i="1" dirty="0">
+                <a:latin typeface="Times New Roman" panose="02020603050405020304" pitchFamily="18" charset="0"/>
+                <a:ea typeface="Noto Serif CJK SC"/>
+                <a:cs typeface="Lohit Devanagari"/>
+              </a:rPr>
+              <a:t>()</a:t>
+            </a:r>
+            <a:r>
+              <a:rPr lang="ru-RU" sz="1800" dirty="0">
+                <a:effectLst/>
+                <a:latin typeface="Times New Roman" panose="02020603050405020304" pitchFamily="18" charset="0"/>
+                <a:ea typeface="Noto Serif CJK SC"/>
+                <a:cs typeface="Lohit Devanagari"/>
+              </a:rPr>
+              <a:t>. </a:t>
+            </a:r>
+          </a:p>
+        </p:txBody>
+      </p:sp>
       <p:pic>
         <p:nvPicPr>
-          <p:cNvPr id="12" name="Рисунок 11"/>
+          <p:cNvPr id="10" name="Рисунок 9">
+            <a:extLst>
+              <a:ext uri="{FF2B5EF4-FFF2-40B4-BE49-F238E27FC236}">
+                <a16:creationId xmlns:a16="http://schemas.microsoft.com/office/drawing/2014/main" id="{3FEB745E-7155-1A52-5B94-94CDA90D95DD}"/>
+              </a:ext>
+            </a:extLst>
+          </p:cNvPr>
           <p:cNvPicPr>
             <a:picLocks noChangeAspect="1"/>
           </p:cNvPicPr>
           <p:nvPr/>
         </p:nvPicPr>
         <p:blipFill>
-          <a:blip r:embed="rId2" cstate="print">
+          <a:blip r:embed="rId3" cstate="print">
+            <a:extLst>
+              <a:ext uri="{28A0092B-C50C-407E-A947-70E740481C1C}">
+                <a14:useLocalDpi xmlns:a14="http://schemas.microsoft.com/office/drawing/2010/main" val="0"/>
+              </a:ext>
+            </a:extLst>
+          </a:blip>
+          <a:srcRect/>
+          <a:stretch>
+            <a:fillRect/>
+          </a:stretch>
+        </p:blipFill>
+        <p:spPr bwMode="auto">
+          <a:xfrm>
+            <a:off x="8032774" y="2869299"/>
+            <a:ext cx="2332355" cy="853440"/>
+          </a:xfrm>
+          <a:prstGeom prst="rect">
+            <a:avLst/>
+          </a:prstGeom>
+          <a:noFill/>
+          <a:ln>
+            <a:noFill/>
+          </a:ln>
+        </p:spPr>
+      </p:pic>
+      <p:pic>
+        <p:nvPicPr>
+          <p:cNvPr id="5" name="Рисунок 4">
+            <a:extLst>
+              <a:ext uri="{FF2B5EF4-FFF2-40B4-BE49-F238E27FC236}">
+                <a16:creationId xmlns:a16="http://schemas.microsoft.com/office/drawing/2014/main" id="{10E9A07C-1763-9B2A-A116-E0082E62462E}"/>
+              </a:ext>
+            </a:extLst>
+          </p:cNvPr>
+          <p:cNvPicPr>
+            <a:picLocks noChangeAspect="1"/>
+          </p:cNvPicPr>
+          <p:nvPr/>
+        </p:nvPicPr>
+        <p:blipFill>
+          <a:blip r:embed="rId4">
             <a:extLst>
               <a:ext uri="{28A0092B-C50C-407E-A947-70E740481C1C}">
                 <a14:useLocalDpi xmlns:a14="http://schemas.microsoft.com/office/drawing/2010/main" val="0"/>
@@ -13797,193 +14082,29 @@
         </p:blipFill>
         <p:spPr>
           <a:xfrm>
-            <a:off x="2532523" y="2773161"/>
-            <a:ext cx="6979034" cy="1438856"/>
+            <a:off x="261125" y="1823207"/>
+            <a:ext cx="6260200" cy="4533143"/>
           </a:xfrm>
           <a:prstGeom prst="rect">
             <a:avLst/>
           </a:prstGeom>
         </p:spPr>
       </p:pic>
-      <p:sp>
-        <p:nvSpPr>
-          <p:cNvPr id="8" name="TextBox 7">
-            <a:extLst>
-              <a:ext uri="{FF2B5EF4-FFF2-40B4-BE49-F238E27FC236}">
-                <a16:creationId xmlns:a16="http://schemas.microsoft.com/office/drawing/2014/main" id="{7DBC9360-1F4E-7841-472D-FC7C20F22E72}"/>
-              </a:ext>
-            </a:extLst>
-          </p:cNvPr>
-          <p:cNvSpPr txBox="1"/>
-          <p:nvPr/>
-        </p:nvSpPr>
-        <p:spPr>
-          <a:xfrm>
-            <a:off x="690281" y="1821429"/>
-            <a:ext cx="10663517" cy="707886"/>
-          </a:xfrm>
-          <a:prstGeom prst="rect">
-            <a:avLst/>
-          </a:prstGeom>
-          <a:noFill/>
-        </p:spPr>
-        <p:txBody>
-          <a:bodyPr wrap="square">
-            <a:spAutoFit/>
-          </a:bodyPr>
-          <a:lstStyle/>
-          <a:p>
-            <a:r>
-              <a:rPr lang="ru-RU" sz="2000" dirty="0">
-                <a:effectLst/>
-                <a:latin typeface="Times New Roman" panose="02020603050405020304" pitchFamily="18" charset="0"/>
-                <a:ea typeface="Calibri" panose="020F0502020204030204" pitchFamily="34" charset="0"/>
-                <a:cs typeface="Times New Roman" panose="02020603050405020304" pitchFamily="18" charset="0"/>
-              </a:rPr>
-              <a:t>Распараллеливание — возможность построения таких планов запросов, которые будут задействовать несколько ядер.</a:t>
-            </a:r>
-          </a:p>
-        </p:txBody>
-      </p:sp>
-      <p:sp>
-        <p:nvSpPr>
-          <p:cNvPr id="7" name="TextBox 6"/>
-          <p:cNvSpPr txBox="1"/>
-          <p:nvPr/>
-        </p:nvSpPr>
-        <p:spPr>
-          <a:xfrm>
-            <a:off x="6243920" y="4852994"/>
-            <a:ext cx="5257800" cy="1015663"/>
-          </a:xfrm>
-          <a:prstGeom prst="rect">
-            <a:avLst/>
-          </a:prstGeom>
-          <a:noFill/>
-        </p:spPr>
-        <p:txBody>
-          <a:bodyPr wrap="square" rtlCol="0">
-            <a:spAutoFit/>
-          </a:bodyPr>
-          <a:lstStyle/>
-          <a:p>
-            <a:r>
-              <a:rPr lang="ru-RU" sz="2000" u="sng" dirty="0">
-                <a:latin typeface="Times New Roman" panose="02020603050405020304" pitchFamily="18" charset="0"/>
-                <a:cs typeface="Times New Roman" panose="02020603050405020304" pitchFamily="18" charset="0"/>
-              </a:rPr>
-              <a:t>Недостатки метода:</a:t>
-            </a:r>
-          </a:p>
-          <a:p>
-            <a:pPr marL="342900" indent="-342900">
-              <a:buFont typeface="Arial" panose="020B0604020202020204" pitchFamily="34" charset="0"/>
-              <a:buChar char="•"/>
-            </a:pPr>
-            <a:r>
-              <a:rPr lang="ru-RU" sz="2000" dirty="0">
-                <a:latin typeface="Times New Roman" panose="02020603050405020304" pitchFamily="18" charset="0"/>
-                <a:cs typeface="Times New Roman" panose="02020603050405020304" pitchFamily="18" charset="0"/>
-              </a:rPr>
-              <a:t>применим к малому числу запросов;</a:t>
-            </a:r>
-          </a:p>
-          <a:p>
-            <a:pPr marL="342900" indent="-342900">
-              <a:buFont typeface="Arial" panose="020B0604020202020204" pitchFamily="34" charset="0"/>
-              <a:buChar char="•"/>
-            </a:pPr>
-            <a:r>
-              <a:rPr lang="ru-RU" sz="2000" dirty="0">
-                <a:latin typeface="Times New Roman" panose="02020603050405020304" pitchFamily="18" charset="0"/>
-                <a:cs typeface="Times New Roman" panose="02020603050405020304" pitchFamily="18" charset="0"/>
-              </a:rPr>
-              <a:t>может быть снижена производительность.</a:t>
-            </a:r>
-          </a:p>
-        </p:txBody>
-      </p:sp>
-      <p:sp>
-        <p:nvSpPr>
-          <p:cNvPr id="10" name="TextBox 9">
-            <a:extLst>
-              <a:ext uri="{FF2B5EF4-FFF2-40B4-BE49-F238E27FC236}">
-                <a16:creationId xmlns:a16="http://schemas.microsoft.com/office/drawing/2014/main" id="{972C0D04-B28F-4D66-1B20-0D7D0A28DBE8}"/>
-              </a:ext>
-            </a:extLst>
-          </p:cNvPr>
-          <p:cNvSpPr txBox="1"/>
-          <p:nvPr/>
-        </p:nvSpPr>
-        <p:spPr>
-          <a:xfrm>
-            <a:off x="690282" y="4545218"/>
-            <a:ext cx="5257800" cy="1631216"/>
-          </a:xfrm>
-          <a:prstGeom prst="rect">
-            <a:avLst/>
-          </a:prstGeom>
-          <a:noFill/>
-        </p:spPr>
-        <p:txBody>
-          <a:bodyPr wrap="square">
-            <a:spAutoFit/>
-          </a:bodyPr>
-          <a:lstStyle/>
-          <a:p>
-            <a:r>
-              <a:rPr lang="ru-RU" sz="2000" b="0" i="0" u="none" strike="noStrike" baseline="0" dirty="0">
-                <a:solidFill>
-                  <a:srgbClr val="000000"/>
-                </a:solidFill>
-                <a:latin typeface="Times New Roman" panose="02020603050405020304" pitchFamily="18" charset="0"/>
-              </a:rPr>
-              <a:t>Выбор плана: </a:t>
-            </a:r>
-          </a:p>
-          <a:p>
-            <a:pPr marL="285750" indent="-285750">
-              <a:buFont typeface="Arial" panose="020B0604020202020204" pitchFamily="34" charset="0"/>
-              <a:buChar char="•"/>
-            </a:pPr>
-            <a:r>
-              <a:rPr lang="ru-RU" sz="2000" b="0" i="0" u="none" strike="noStrike" baseline="0" dirty="0">
-                <a:solidFill>
-                  <a:srgbClr val="000000"/>
-                </a:solidFill>
-                <a:latin typeface="Times New Roman" panose="02020603050405020304" pitchFamily="18" charset="0"/>
-              </a:rPr>
-              <a:t>рассмотрение всевозможных вариантов для получения одного и того же результата;</a:t>
-            </a:r>
-          </a:p>
-          <a:p>
-            <a:pPr marL="285750" indent="-285750">
-              <a:buFont typeface="Arial" panose="020B0604020202020204" pitchFamily="34" charset="0"/>
-              <a:buChar char="•"/>
-            </a:pPr>
-            <a:r>
-              <a:rPr lang="ru-RU" sz="2000" b="0" i="0" u="none" strike="noStrike" baseline="0" dirty="0">
-                <a:solidFill>
-                  <a:srgbClr val="000000"/>
-                </a:solidFill>
-                <a:latin typeface="Times New Roman" panose="02020603050405020304" pitchFamily="18" charset="0"/>
-              </a:rPr>
-              <a:t>оценка каждого варианта для выбора самого дешевого. </a:t>
-            </a:r>
-            <a:endParaRPr lang="ru-RU" sz="2000" dirty="0"/>
-          </a:p>
-        </p:txBody>
-      </p:sp>
     </p:spTree>
     <p:extLst>
       <p:ext uri="{BB962C8B-B14F-4D97-AF65-F5344CB8AC3E}">
-        <p14:creationId xmlns:p14="http://schemas.microsoft.com/office/powerpoint/2010/main" val="877587620"/>
+        <p14:creationId xmlns:p14="http://schemas.microsoft.com/office/powerpoint/2010/main" val="2402547047"/>
       </p:ext>
     </p:extLst>
   </p:cSld>
   <p:clrMapOvr>
     <a:masterClrMapping/>
   </p:clrMapOvr>
+  <p:extLst>
+    <p:ext uri="{6950BFC3-D8DA-4A85-94F7-54DA5524770B}">
+      <p188:commentRel xmlns:p188="http://schemas.microsoft.com/office/powerpoint/2018/8/main" r:id="rId2"/>
+    </p:ext>
+  </p:extLst>
 </p:sld>
 </file>
 
@@ -14014,17 +14135,24 @@
             <p:ph type="title"/>
           </p:nvPr>
         </p:nvSpPr>
-        <p:spPr/>
+        <p:spPr>
+          <a:xfrm>
+            <a:off x="161949" y="0"/>
+            <a:ext cx="10515600" cy="1325563"/>
+          </a:xfrm>
+        </p:spPr>
         <p:txBody>
-          <a:bodyPr/>
+          <a:bodyPr>
+            <a:normAutofit/>
+          </a:bodyPr>
           <a:lstStyle/>
           <a:p>
             <a:r>
-              <a:rPr lang="ru-RU" dirty="0">
+              <a:rPr lang="ru-RU" sz="3600" dirty="0">
                 <a:latin typeface="Times New Roman" panose="02020603050405020304" pitchFamily="18" charset="0"/>
                 <a:cs typeface="Times New Roman" panose="02020603050405020304" pitchFamily="18" charset="0"/>
               </a:rPr>
-              <a:t>Функциональная модель разрабатываемого программного комплекса</a:t>
+              <a:t>Получение сообщения от сервера</a:t>
             </a:r>
           </a:p>
         </p:txBody>
@@ -14060,10 +14188,10 @@
       </p:sp>
       <p:pic>
         <p:nvPicPr>
-          <p:cNvPr id="6" name="Рисунок 5">
+          <p:cNvPr id="11" name="Рисунок 10">
             <a:extLst>
               <a:ext uri="{FF2B5EF4-FFF2-40B4-BE49-F238E27FC236}">
-                <a16:creationId xmlns:a16="http://schemas.microsoft.com/office/drawing/2014/main" id="{8252D084-9FBF-C0CD-6906-61B429838B10}"/>
+                <a16:creationId xmlns:a16="http://schemas.microsoft.com/office/drawing/2014/main" id="{D76476DF-8F58-2051-E7CB-7BA64333F282}"/>
               </a:ext>
             </a:extLst>
           </p:cNvPr>
@@ -14073,42 +14201,116 @@
           <p:nvPr/>
         </p:nvPicPr>
         <p:blipFill>
-          <a:blip r:embed="rId2" cstate="print">
+          <a:blip r:embed="rId3">
             <a:extLst>
               <a:ext uri="{28A0092B-C50C-407E-A947-70E740481C1C}">
                 <a14:useLocalDpi xmlns:a14="http://schemas.microsoft.com/office/drawing/2010/main" val="0"/>
               </a:ext>
             </a:extLst>
           </a:blip>
-          <a:srcRect/>
           <a:stretch>
             <a:fillRect/>
           </a:stretch>
         </p:blipFill>
-        <p:spPr bwMode="auto">
+        <p:spPr>
           <a:xfrm>
-            <a:off x="838200" y="2220135"/>
-            <a:ext cx="10009094" cy="3606768"/>
+            <a:off x="8342243" y="1742087"/>
+            <a:ext cx="2335306" cy="4543291"/>
+          </a:xfrm>
+          <a:prstGeom prst="rect">
+            <a:avLst/>
+          </a:prstGeom>
+        </p:spPr>
+      </p:pic>
+      <p:pic>
+        <p:nvPicPr>
+          <p:cNvPr id="12" name="Рисунок 11">
+            <a:extLst>
+              <a:ext uri="{FF2B5EF4-FFF2-40B4-BE49-F238E27FC236}">
+                <a16:creationId xmlns:a16="http://schemas.microsoft.com/office/drawing/2014/main" id="{03892476-5808-A340-E758-4014E14117CC}"/>
+              </a:ext>
+            </a:extLst>
+          </p:cNvPr>
+          <p:cNvPicPr>
+            <a:picLocks noChangeAspect="1"/>
+          </p:cNvPicPr>
+          <p:nvPr/>
+        </p:nvPicPr>
+        <p:blipFill>
+          <a:blip r:embed="rId4">
+            <a:extLst>
+              <a:ext uri="{28A0092B-C50C-407E-A947-70E740481C1C}">
+                <a14:useLocalDpi xmlns:a14="http://schemas.microsoft.com/office/drawing/2010/main" val="0"/>
+              </a:ext>
+            </a:extLst>
+          </a:blip>
+          <a:stretch>
+            <a:fillRect/>
+          </a:stretch>
+        </p:blipFill>
+        <p:spPr>
+          <a:xfrm>
+            <a:off x="480549" y="2126974"/>
+            <a:ext cx="6550022" cy="3399601"/>
+          </a:xfrm>
+          <a:prstGeom prst="rect">
+            <a:avLst/>
+          </a:prstGeom>
+        </p:spPr>
+      </p:pic>
+      <p:sp>
+        <p:nvSpPr>
+          <p:cNvPr id="3" name="TextBox 2">
+            <a:extLst>
+              <a:ext uri="{FF2B5EF4-FFF2-40B4-BE49-F238E27FC236}">
+                <a16:creationId xmlns:a16="http://schemas.microsoft.com/office/drawing/2014/main" id="{F49073B8-27F7-174C-28CD-6E15A5CFB138}"/>
+              </a:ext>
+            </a:extLst>
+          </p:cNvPr>
+          <p:cNvSpPr txBox="1"/>
+          <p:nvPr/>
+        </p:nvSpPr>
+        <p:spPr>
+          <a:xfrm>
+            <a:off x="7929866" y="1074683"/>
+            <a:ext cx="3538331" cy="369332"/>
           </a:xfrm>
           <a:prstGeom prst="rect">
             <a:avLst/>
           </a:prstGeom>
           <a:noFill/>
-          <a:ln>
-            <a:noFill/>
-          </a:ln>
         </p:spPr>
-      </p:pic>
+        <p:txBody>
+          <a:bodyPr wrap="square" rtlCol="0">
+            <a:spAutoFit/>
+          </a:bodyPr>
+          <a:lstStyle/>
+          <a:p>
+            <a:r>
+              <a:rPr lang="ru-RU" u="sng" dirty="0">
+                <a:latin typeface="Times New Roman" panose="02020603050405020304" pitchFamily="18" charset="0"/>
+                <a:cs typeface="Times New Roman" panose="02020603050405020304" pitchFamily="18" charset="0"/>
+              </a:rPr>
+              <a:t>Обработка полученных данных</a:t>
+            </a:r>
+          </a:p>
+        </p:txBody>
+      </p:sp>
     </p:spTree>
     <p:extLst>
       <p:ext uri="{BB962C8B-B14F-4D97-AF65-F5344CB8AC3E}">
-        <p14:creationId xmlns:p14="http://schemas.microsoft.com/office/powerpoint/2010/main" val="3515134166"/>
+        <p14:creationId xmlns:p14="http://schemas.microsoft.com/office/powerpoint/2010/main" val="4202505179"/>
       </p:ext>
     </p:extLst>
   </p:cSld>
   <p:clrMapOvr>
     <a:masterClrMapping/>
   </p:clrMapOvr>
+  <p:extLst>
+    <p:ext uri="{6950BFC3-D8DA-4A85-94F7-54DA5524770B}">
+      <p188:commentRel xmlns:p188="http://schemas.microsoft.com/office/powerpoint/2018/8/main" r:id="rId2"/>
+    </p:ext>
+  </p:extLst>
 </p:sld>
 </file>
 

--- a/Презентация.pptx
+++ b/Презентация.pptx
@@ -152,12 +152,12 @@
   <pc:docChgLst>
     <pc:chgData name="Ольга Платонова" userId="b7a68a3ec46e1b54" providerId="LiveId" clId="{1F07ACF5-96D4-4BB6-B0A8-48BFF323F040}"/>
     <pc:docChg chg="undo redo custSel addSld delSld modSld">
-      <pc:chgData name="Ольга Платонова" userId="b7a68a3ec46e1b54" providerId="LiveId" clId="{1F07ACF5-96D4-4BB6-B0A8-48BFF323F040}" dt="2022-05-29T15:23:51.710" v="7340" actId="47"/>
+      <pc:chgData name="Ольга Платонова" userId="b7a68a3ec46e1b54" providerId="LiveId" clId="{1F07ACF5-96D4-4BB6-B0A8-48BFF323F040}" dt="2022-05-29T23:56:37.070" v="7561" actId="1076"/>
       <pc:docMkLst>
         <pc:docMk/>
       </pc:docMkLst>
       <pc:sldChg chg="addSp delSp modSp mod">
-        <pc:chgData name="Ольга Платонова" userId="b7a68a3ec46e1b54" providerId="LiveId" clId="{1F07ACF5-96D4-4BB6-B0A8-48BFF323F040}" dt="2022-05-28T19:35:34.508" v="4224" actId="1076"/>
+        <pc:chgData name="Ольга Платонова" userId="b7a68a3ec46e1b54" providerId="LiveId" clId="{1F07ACF5-96D4-4BB6-B0A8-48BFF323F040}" dt="2022-05-29T23:32:26.556" v="7500" actId="1076"/>
         <pc:sldMkLst>
           <pc:docMk/>
           <pc:sldMk cId="906348732" sldId="256"/>
@@ -171,7 +171,7 @@
           </ac:spMkLst>
         </pc:spChg>
         <pc:spChg chg="mod">
-          <ac:chgData name="Ольга Платонова" userId="b7a68a3ec46e1b54" providerId="LiveId" clId="{1F07ACF5-96D4-4BB6-B0A8-48BFF323F040}" dt="2022-05-26T15:14:10.385" v="108" actId="20577"/>
+          <ac:chgData name="Ольга Платонова" userId="b7a68a3ec46e1b54" providerId="LiveId" clId="{1F07ACF5-96D4-4BB6-B0A8-48BFF323F040}" dt="2022-05-29T23:32:26.556" v="7500" actId="1076"/>
           <ac:spMkLst>
             <pc:docMk/>
             <pc:sldMk cId="906348732" sldId="256"/>
@@ -186,8 +186,16 @@
             <ac:spMk id="4" creationId="{22B71FA5-D9A2-648A-BA2B-198803987812}"/>
           </ac:spMkLst>
         </pc:spChg>
-        <pc:picChg chg="add mod">
-          <ac:chgData name="Ольга Платонова" userId="b7a68a3ec46e1b54" providerId="LiveId" clId="{1F07ACF5-96D4-4BB6-B0A8-48BFF323F040}" dt="2022-05-28T19:35:34.508" v="4224" actId="1076"/>
+        <pc:spChg chg="add mod">
+          <ac:chgData name="Ольга Платонова" userId="b7a68a3ec46e1b54" providerId="LiveId" clId="{1F07ACF5-96D4-4BB6-B0A8-48BFF323F040}" dt="2022-05-29T23:31:55.495" v="7496" actId="20577"/>
+          <ac:spMkLst>
+            <pc:docMk/>
+            <pc:sldMk cId="906348732" sldId="256"/>
+            <ac:spMk id="5" creationId="{F49073B8-27F7-174C-28CD-6E15A5CFB138}"/>
+          </ac:spMkLst>
+        </pc:spChg>
+        <pc:picChg chg="add del mod">
+          <ac:chgData name="Ольга Платонова" userId="b7a68a3ec46e1b54" providerId="LiveId" clId="{1F07ACF5-96D4-4BB6-B0A8-48BFF323F040}" dt="2022-05-29T23:27:34.836" v="7450" actId="478"/>
           <ac:picMkLst>
             <pc:docMk/>
             <pc:sldMk cId="906348732" sldId="256"/>
@@ -227,7 +235,7 @@
         </pc:spChg>
       </pc:sldChg>
       <pc:sldChg chg="addSp delSp modSp mod addCm delCm modCm">
-        <pc:chgData name="Ольга Платонова" userId="b7a68a3ec46e1b54" providerId="LiveId" clId="{1F07ACF5-96D4-4BB6-B0A8-48BFF323F040}" dt="2022-05-29T13:16:18.048" v="6236" actId="14734"/>
+        <pc:chgData name="Ольга Платонова" userId="b7a68a3ec46e1b54" providerId="LiveId" clId="{1F07ACF5-96D4-4BB6-B0A8-48BFF323F040}" dt="2022-05-29T23:44:23.650" v="7542" actId="403"/>
         <pc:sldMkLst>
           <pc:docMk/>
           <pc:sldMk cId="4129783739" sldId="259"/>
@@ -241,7 +249,7 @@
           </ac:spMkLst>
         </pc:spChg>
         <pc:spChg chg="add del mod">
-          <ac:chgData name="Ольга Платонова" userId="b7a68a3ec46e1b54" providerId="LiveId" clId="{1F07ACF5-96D4-4BB6-B0A8-48BFF323F040}" dt="2022-05-29T13:14:37.067" v="6233" actId="1036"/>
+          <ac:chgData name="Ольга Платонова" userId="b7a68a3ec46e1b54" providerId="LiveId" clId="{1F07ACF5-96D4-4BB6-B0A8-48BFF323F040}" dt="2022-05-29T23:41:40.831" v="7525" actId="14100"/>
           <ac:spMkLst>
             <pc:docMk/>
             <pc:sldMk cId="4129783739" sldId="259"/>
@@ -256,6 +264,14 @@
             <ac:spMk id="5" creationId="{00000000-0000-0000-0000-000000000000}"/>
           </ac:spMkLst>
         </pc:spChg>
+        <pc:spChg chg="add mod">
+          <ac:chgData name="Ольга Платонова" userId="b7a68a3ec46e1b54" providerId="LiveId" clId="{1F07ACF5-96D4-4BB6-B0A8-48BFF323F040}" dt="2022-05-29T23:44:23.650" v="7542" actId="403"/>
+          <ac:spMkLst>
+            <pc:docMk/>
+            <pc:sldMk cId="4129783739" sldId="259"/>
+            <ac:spMk id="9" creationId="{9E5F91C8-1630-0A30-D6C3-D893611D08C9}"/>
+          </ac:spMkLst>
+        </pc:spChg>
         <pc:graphicFrameChg chg="add del mod modGraphic">
           <ac:chgData name="Ольга Платонова" userId="b7a68a3ec46e1b54" providerId="LiveId" clId="{1F07ACF5-96D4-4BB6-B0A8-48BFF323F040}" dt="2022-05-29T13:00:06.616" v="5966" actId="478"/>
           <ac:graphicFrameMkLst>
@@ -265,7 +281,7 @@
           </ac:graphicFrameMkLst>
         </pc:graphicFrameChg>
         <pc:graphicFrameChg chg="add del mod modGraphic">
-          <ac:chgData name="Ольга Платонова" userId="b7a68a3ec46e1b54" providerId="LiveId" clId="{1F07ACF5-96D4-4BB6-B0A8-48BFF323F040}" dt="2022-05-29T13:16:18.048" v="6236" actId="14734"/>
+          <ac:chgData name="Ольга Платонова" userId="b7a68a3ec46e1b54" providerId="LiveId" clId="{1F07ACF5-96D4-4BB6-B0A8-48BFF323F040}" dt="2022-05-29T23:44:17.852" v="7541" actId="403"/>
           <ac:graphicFrameMkLst>
             <pc:docMk/>
             <pc:sldMk cId="4129783739" sldId="259"/>
@@ -289,7 +305,7 @@
         </pc:sldMkLst>
       </pc:sldChg>
       <pc:sldChg chg="addSp delSp modSp mod addCm">
-        <pc:chgData name="Ольга Платонова" userId="b7a68a3ec46e1b54" providerId="LiveId" clId="{1F07ACF5-96D4-4BB6-B0A8-48BFF323F040}" dt="2022-05-29T00:06:10.356" v="5297"/>
+        <pc:chgData name="Ольга Платонова" userId="b7a68a3ec46e1b54" providerId="LiveId" clId="{1F07ACF5-96D4-4BB6-B0A8-48BFF323F040}" dt="2022-05-29T23:36:10.053" v="7516" actId="403"/>
         <pc:sldMkLst>
           <pc:docMk/>
           <pc:sldMk cId="725503657" sldId="261"/>
@@ -311,7 +327,7 @@
           </ac:graphicFrameMkLst>
         </pc:graphicFrameChg>
         <pc:graphicFrameChg chg="mod modGraphic">
-          <ac:chgData name="Ольга Платонова" userId="b7a68a3ec46e1b54" providerId="LiveId" clId="{1F07ACF5-96D4-4BB6-B0A8-48BFF323F040}" dt="2022-05-29T00:01:04.479" v="5295" actId="20577"/>
+          <ac:chgData name="Ольга Платонова" userId="b7a68a3ec46e1b54" providerId="LiveId" clId="{1F07ACF5-96D4-4BB6-B0A8-48BFF323F040}" dt="2022-05-29T23:36:10.053" v="7516" actId="403"/>
           <ac:graphicFrameMkLst>
             <pc:docMk/>
             <pc:sldMk cId="725503657" sldId="261"/>
@@ -320,7 +336,7 @@
         </pc:graphicFrameChg>
       </pc:sldChg>
       <pc:sldChg chg="addSp delSp modSp mod addCm delCm modCm">
-        <pc:chgData name="Ольга Платонова" userId="b7a68a3ec46e1b54" providerId="LiveId" clId="{1F07ACF5-96D4-4BB6-B0A8-48BFF323F040}" dt="2022-05-28T23:31:07.640" v="5288"/>
+        <pc:chgData name="Ольга Платонова" userId="b7a68a3ec46e1b54" providerId="LiveId" clId="{1F07ACF5-96D4-4BB6-B0A8-48BFF323F040}" dt="2022-05-29T23:41:23.852" v="7523" actId="14100"/>
         <pc:sldMkLst>
           <pc:docMk/>
           <pc:sldMk cId="3963753601" sldId="262"/>
@@ -350,7 +366,7 @@
           </ac:spMkLst>
         </pc:spChg>
         <pc:spChg chg="add mod">
-          <ac:chgData name="Ольга Платонова" userId="b7a68a3ec46e1b54" providerId="LiveId" clId="{1F07ACF5-96D4-4BB6-B0A8-48BFF323F040}" dt="2022-05-26T16:51:25.493" v="520" actId="20577"/>
+          <ac:chgData name="Ольга Платонова" userId="b7a68a3ec46e1b54" providerId="LiveId" clId="{1F07ACF5-96D4-4BB6-B0A8-48BFF323F040}" dt="2022-05-29T23:41:23.852" v="7523" actId="14100"/>
           <ac:spMkLst>
             <pc:docMk/>
             <pc:sldMk cId="3963753601" sldId="262"/>
@@ -374,7 +390,7 @@
           </ac:spMkLst>
         </pc:spChg>
         <pc:spChg chg="add mod">
-          <ac:chgData name="Ольга Платонова" userId="b7a68a3ec46e1b54" providerId="LiveId" clId="{1F07ACF5-96D4-4BB6-B0A8-48BFF323F040}" dt="2022-05-26T16:41:45.184" v="455" actId="20577"/>
+          <ac:chgData name="Ольга Платонова" userId="b7a68a3ec46e1b54" providerId="LiveId" clId="{1F07ACF5-96D4-4BB6-B0A8-48BFF323F040}" dt="2022-05-29T23:41:20.663" v="7522" actId="14100"/>
           <ac:spMkLst>
             <pc:docMk/>
             <pc:sldMk cId="3963753601" sldId="262"/>
@@ -454,7 +470,7 @@
         </pc:picChg>
       </pc:sldChg>
       <pc:sldChg chg="addSp delSp modSp mod addCm">
-        <pc:chgData name="Ольга Платонова" userId="b7a68a3ec46e1b54" providerId="LiveId" clId="{1F07ACF5-96D4-4BB6-B0A8-48BFF323F040}" dt="2022-05-29T13:55:37.636" v="6915"/>
+        <pc:chgData name="Ольга Платонова" userId="b7a68a3ec46e1b54" providerId="LiveId" clId="{1F07ACF5-96D4-4BB6-B0A8-48BFF323F040}" dt="2022-05-29T23:44:35.861" v="7545" actId="20577"/>
         <pc:sldMkLst>
           <pc:docMk/>
           <pc:sldMk cId="799910520" sldId="264"/>
@@ -492,7 +508,7 @@
           </ac:spMkLst>
         </pc:spChg>
         <pc:spChg chg="add mod">
-          <ac:chgData name="Ольга Платонова" userId="b7a68a3ec46e1b54" providerId="LiveId" clId="{1F07ACF5-96D4-4BB6-B0A8-48BFF323F040}" dt="2022-05-29T13:35:26.148" v="6457" actId="1076"/>
+          <ac:chgData name="Ольга Платонова" userId="b7a68a3ec46e1b54" providerId="LiveId" clId="{1F07ACF5-96D4-4BB6-B0A8-48BFF323F040}" dt="2022-05-29T23:44:35.861" v="7545" actId="20577"/>
           <ac:spMkLst>
             <pc:docMk/>
             <pc:sldMk cId="799910520" sldId="264"/>
@@ -605,13 +621,13 @@
         </pc:picChg>
       </pc:sldChg>
       <pc:sldChg chg="addSp delSp modSp mod addCm">
-        <pc:chgData name="Ольга Платонова" userId="b7a68a3ec46e1b54" providerId="LiveId" clId="{1F07ACF5-96D4-4BB6-B0A8-48BFF323F040}" dt="2022-05-29T15:23:42.387" v="7339" actId="403"/>
+        <pc:chgData name="Ольга Платонова" userId="b7a68a3ec46e1b54" providerId="LiveId" clId="{1F07ACF5-96D4-4BB6-B0A8-48BFF323F040}" dt="2022-05-29T23:56:37.070" v="7561" actId="1076"/>
         <pc:sldMkLst>
           <pc:docMk/>
           <pc:sldMk cId="2402547047" sldId="266"/>
         </pc:sldMkLst>
         <pc:spChg chg="mod">
-          <ac:chgData name="Ольга Платонова" userId="b7a68a3ec46e1b54" providerId="LiveId" clId="{1F07ACF5-96D4-4BB6-B0A8-48BFF323F040}" dt="2022-05-29T15:23:42.387" v="7339" actId="403"/>
+          <ac:chgData name="Ольга Платонова" userId="b7a68a3ec46e1b54" providerId="LiveId" clId="{1F07ACF5-96D4-4BB6-B0A8-48BFF323F040}" dt="2022-05-29T23:21:34.679" v="7426" actId="27636"/>
           <ac:spMkLst>
             <pc:docMk/>
             <pc:sldMk cId="2402547047" sldId="266"/>
@@ -627,7 +643,7 @@
           </ac:spMkLst>
         </pc:spChg>
         <pc:spChg chg="add del mod">
-          <ac:chgData name="Ольга Платонова" userId="b7a68a3ec46e1b54" providerId="LiveId" clId="{1F07ACF5-96D4-4BB6-B0A8-48BFF323F040}" dt="2022-05-29T15:19:47.699" v="7321" actId="14100"/>
+          <ac:chgData name="Ольга Платонова" userId="b7a68a3ec46e1b54" providerId="LiveId" clId="{1F07ACF5-96D4-4BB6-B0A8-48BFF323F040}" dt="2022-05-29T23:44:59.876" v="7547" actId="1076"/>
           <ac:spMkLst>
             <pc:docMk/>
             <pc:sldMk cId="2402547047" sldId="266"/>
@@ -635,7 +651,7 @@
           </ac:spMkLst>
         </pc:spChg>
         <pc:spChg chg="add mod">
-          <ac:chgData name="Ольга Платонова" userId="b7a68a3ec46e1b54" providerId="LiveId" clId="{1F07ACF5-96D4-4BB6-B0A8-48BFF323F040}" dt="2022-05-29T15:20:06.114" v="7324" actId="1076"/>
+          <ac:chgData name="Ольга Платонова" userId="b7a68a3ec46e1b54" providerId="LiveId" clId="{1F07ACF5-96D4-4BB6-B0A8-48BFF323F040}" dt="2022-05-29T23:45:16.274" v="7551" actId="1076"/>
           <ac:spMkLst>
             <pc:docMk/>
             <pc:sldMk cId="2402547047" sldId="266"/>
@@ -667,7 +683,7 @@
           </ac:graphicFrameMkLst>
         </pc:graphicFrameChg>
         <pc:picChg chg="add mod">
-          <ac:chgData name="Ольга Платонова" userId="b7a68a3ec46e1b54" providerId="LiveId" clId="{1F07ACF5-96D4-4BB6-B0A8-48BFF323F040}" dt="2022-05-29T15:19:26.814" v="7317" actId="1076"/>
+          <ac:chgData name="Ольга Платонова" userId="b7a68a3ec46e1b54" providerId="LiveId" clId="{1F07ACF5-96D4-4BB6-B0A8-48BFF323F040}" dt="2022-05-29T23:56:37.070" v="7561" actId="1076"/>
           <ac:picMkLst>
             <pc:docMk/>
             <pc:sldMk cId="2402547047" sldId="266"/>
@@ -739,7 +755,7 @@
           </ac:picMkLst>
         </pc:picChg>
         <pc:picChg chg="add mod">
-          <ac:chgData name="Ольга Платонова" userId="b7a68a3ec46e1b54" providerId="LiveId" clId="{1F07ACF5-96D4-4BB6-B0A8-48BFF323F040}" dt="2022-05-29T15:17:11.795" v="7314" actId="1076"/>
+          <ac:chgData name="Ольга Платонова" userId="b7a68a3ec46e1b54" providerId="LiveId" clId="{1F07ACF5-96D4-4BB6-B0A8-48BFF323F040}" dt="2022-05-29T23:45:02.957" v="7548" actId="1076"/>
           <ac:picMkLst>
             <pc:docMk/>
             <pc:sldMk cId="2402547047" sldId="266"/>
@@ -804,7 +820,7 @@
         </pc:cxnChg>
       </pc:sldChg>
       <pc:sldChg chg="addSp delSp modSp mod addCm">
-        <pc:chgData name="Ольга Платонова" userId="b7a68a3ec46e1b54" providerId="LiveId" clId="{1F07ACF5-96D4-4BB6-B0A8-48BFF323F040}" dt="2022-05-29T14:02:02.203" v="6982"/>
+        <pc:chgData name="Ольга Платонова" userId="b7a68a3ec46e1b54" providerId="LiveId" clId="{1F07ACF5-96D4-4BB6-B0A8-48BFF323F040}" dt="2022-05-29T23:19:20.794" v="7418"/>
         <pc:sldMkLst>
           <pc:docMk/>
           <pc:sldMk cId="2523793028" sldId="267"/>
@@ -850,7 +866,7 @@
           </ac:spMkLst>
         </pc:spChg>
         <pc:graphicFrameChg chg="mod">
-          <ac:chgData name="Ольга Платонова" userId="b7a68a3ec46e1b54" providerId="LiveId" clId="{1F07ACF5-96D4-4BB6-B0A8-48BFF323F040}" dt="2022-05-28T22:44:44.017" v="4966" actId="20577"/>
+          <ac:chgData name="Ольга Платонова" userId="b7a68a3ec46e1b54" providerId="LiveId" clId="{1F07ACF5-96D4-4BB6-B0A8-48BFF323F040}" dt="2022-05-29T23:19:20.794" v="7418"/>
           <ac:graphicFrameMkLst>
             <pc:docMk/>
             <pc:sldMk cId="2523793028" sldId="267"/>
@@ -859,7 +875,7 @@
         </pc:graphicFrameChg>
       </pc:sldChg>
       <pc:sldChg chg="addSp delSp modSp mod addCm">
-        <pc:chgData name="Ольга Платонова" userId="b7a68a3ec46e1b54" providerId="LiveId" clId="{1F07ACF5-96D4-4BB6-B0A8-48BFF323F040}" dt="2022-05-29T14:01:08.215" v="6981"/>
+        <pc:chgData name="Ольга Платонова" userId="b7a68a3ec46e1b54" providerId="LiveId" clId="{1F07ACF5-96D4-4BB6-B0A8-48BFF323F040}" dt="2022-05-29T23:34:03.286" v="7504" actId="2"/>
         <pc:sldMkLst>
           <pc:docMk/>
           <pc:sldMk cId="60974364" sldId="268"/>
@@ -889,7 +905,7 @@
           </ac:spMkLst>
         </pc:spChg>
         <pc:spChg chg="add mod">
-          <ac:chgData name="Ольга Платонова" userId="b7a68a3ec46e1b54" providerId="LiveId" clId="{1F07ACF5-96D4-4BB6-B0A8-48BFF323F040}" dt="2022-05-29T13:28:26.805" v="6392" actId="1076"/>
+          <ac:chgData name="Ольга Платонова" userId="b7a68a3ec46e1b54" providerId="LiveId" clId="{1F07ACF5-96D4-4BB6-B0A8-48BFF323F040}" dt="2022-05-29T23:34:03.286" v="7504" actId="2"/>
           <ac:spMkLst>
             <pc:docMk/>
             <pc:sldMk cId="60974364" sldId="268"/>
@@ -897,7 +913,7 @@
           </ac:spMkLst>
         </pc:spChg>
         <pc:graphicFrameChg chg="mod">
-          <ac:chgData name="Ольга Платонова" userId="b7a68a3ec46e1b54" providerId="LiveId" clId="{1F07ACF5-96D4-4BB6-B0A8-48BFF323F040}" dt="2022-05-29T13:53:05.065" v="6855"/>
+          <ac:chgData name="Ольга Платонова" userId="b7a68a3ec46e1b54" providerId="LiveId" clId="{1F07ACF5-96D4-4BB6-B0A8-48BFF323F040}" dt="2022-05-29T23:18:29.741" v="7407"/>
           <ac:graphicFrameMkLst>
             <pc:docMk/>
             <pc:sldMk cId="60974364" sldId="268"/>
@@ -945,7 +961,7 @@
         </pc:graphicFrameChg>
       </pc:sldChg>
       <pc:sldChg chg="addSp delSp modSp mod">
-        <pc:chgData name="Ольга Платонова" userId="b7a68a3ec46e1b54" providerId="LiveId" clId="{1F07ACF5-96D4-4BB6-B0A8-48BFF323F040}" dt="2022-05-28T23:17:03.160" v="5284" actId="20577"/>
+        <pc:chgData name="Ольга Платонова" userId="b7a68a3ec46e1b54" providerId="LiveId" clId="{1F07ACF5-96D4-4BB6-B0A8-48BFF323F040}" dt="2022-05-29T23:35:23.623" v="7512" actId="2"/>
         <pc:sldMkLst>
           <pc:docMk/>
           <pc:sldMk cId="303095163" sldId="270"/>
@@ -959,7 +975,7 @@
           </ac:spMkLst>
         </pc:spChg>
         <pc:spChg chg="mod">
-          <ac:chgData name="Ольга Платонова" userId="b7a68a3ec46e1b54" providerId="LiveId" clId="{1F07ACF5-96D4-4BB6-B0A8-48BFF323F040}" dt="2022-05-28T23:17:03.160" v="5284" actId="20577"/>
+          <ac:chgData name="Ольга Платонова" userId="b7a68a3ec46e1b54" providerId="LiveId" clId="{1F07ACF5-96D4-4BB6-B0A8-48BFF323F040}" dt="2022-05-29T23:35:23.623" v="7512" actId="2"/>
           <ac:spMkLst>
             <pc:docMk/>
             <pc:sldMk cId="303095163" sldId="270"/>
@@ -992,7 +1008,7 @@
         </pc:spChg>
       </pc:sldChg>
       <pc:sldChg chg="modSp mod">
-        <pc:chgData name="Ольга Платонова" userId="b7a68a3ec46e1b54" providerId="LiveId" clId="{1F07ACF5-96D4-4BB6-B0A8-48BFF323F040}" dt="2022-05-28T22:33:47.330" v="4717" actId="20577"/>
+        <pc:chgData name="Ольга Платонова" userId="b7a68a3ec46e1b54" providerId="LiveId" clId="{1F07ACF5-96D4-4BB6-B0A8-48BFF323F040}" dt="2022-05-29T23:33:41.432" v="7501" actId="313"/>
         <pc:sldMkLst>
           <pc:docMk/>
           <pc:sldMk cId="1859900911" sldId="271"/>
@@ -1006,7 +1022,7 @@
           </ac:spMkLst>
         </pc:spChg>
         <pc:spChg chg="mod">
-          <ac:chgData name="Ольга Платонова" userId="b7a68a3ec46e1b54" providerId="LiveId" clId="{1F07ACF5-96D4-4BB6-B0A8-48BFF323F040}" dt="2022-05-28T22:33:47.330" v="4717" actId="20577"/>
+          <ac:chgData name="Ольга Платонова" userId="b7a68a3ec46e1b54" providerId="LiveId" clId="{1F07ACF5-96D4-4BB6-B0A8-48BFF323F040}" dt="2022-05-29T23:33:41.432" v="7501" actId="313"/>
           <ac:spMkLst>
             <pc:docMk/>
             <pc:sldMk cId="1859900911" sldId="271"/>
@@ -1454,25 +1470,33 @@
         </pc:cxnChg>
       </pc:sldChg>
       <pc:sldChg chg="addSp delSp modSp add mod modCm">
-        <pc:chgData name="Ольга Платонова" userId="b7a68a3ec46e1b54" providerId="LiveId" clId="{1F07ACF5-96D4-4BB6-B0A8-48BFF323F040}" dt="2022-05-29T15:15:14.632" v="7304" actId="1076"/>
+        <pc:chgData name="Ольга Платонова" userId="b7a68a3ec46e1b54" providerId="LiveId" clId="{1F07ACF5-96D4-4BB6-B0A8-48BFF323F040}" dt="2022-05-29T23:55:17.631" v="7559" actId="1076"/>
         <pc:sldMkLst>
           <pc:docMk/>
           <pc:sldMk cId="4202505179" sldId="277"/>
         </pc:sldMkLst>
         <pc:spChg chg="mod">
-          <ac:chgData name="Ольга Платонова" userId="b7a68a3ec46e1b54" providerId="LiveId" clId="{1F07ACF5-96D4-4BB6-B0A8-48BFF323F040}" dt="2022-05-29T15:15:14.632" v="7304" actId="1076"/>
+          <ac:chgData name="Ольга Платонова" userId="b7a68a3ec46e1b54" providerId="LiveId" clId="{1F07ACF5-96D4-4BB6-B0A8-48BFF323F040}" dt="2022-05-29T23:38:40.086" v="7517" actId="1076"/>
           <ac:spMkLst>
             <pc:docMk/>
             <pc:sldMk cId="4202505179" sldId="277"/>
             <ac:spMk id="2" creationId="{00000000-0000-0000-0000-000000000000}"/>
           </ac:spMkLst>
         </pc:spChg>
-        <pc:spChg chg="add mod">
-          <ac:chgData name="Ольга Платонова" userId="b7a68a3ec46e1b54" providerId="LiveId" clId="{1F07ACF5-96D4-4BB6-B0A8-48BFF323F040}" dt="2022-05-29T15:15:09.409" v="7303" actId="1076"/>
+        <pc:spChg chg="add del mod">
+          <ac:chgData name="Ольга Платонова" userId="b7a68a3ec46e1b54" providerId="LiveId" clId="{1F07ACF5-96D4-4BB6-B0A8-48BFF323F040}" dt="2022-05-29T23:47:06.006" v="7556" actId="478"/>
           <ac:spMkLst>
             <pc:docMk/>
             <pc:sldMk cId="4202505179" sldId="277"/>
             <ac:spMk id="3" creationId="{F49073B8-27F7-174C-28CD-6E15A5CFB138}"/>
+          </ac:spMkLst>
+        </pc:spChg>
+        <pc:spChg chg="add del mod">
+          <ac:chgData name="Ольга Платонова" userId="b7a68a3ec46e1b54" providerId="LiveId" clId="{1F07ACF5-96D4-4BB6-B0A8-48BFF323F040}" dt="2022-05-29T23:23:11.402" v="7449" actId="478"/>
+          <ac:spMkLst>
+            <pc:docMk/>
+            <pc:sldMk cId="4202505179" sldId="277"/>
+            <ac:spMk id="7" creationId="{B9B568CB-98BD-D568-B66C-8C158DB6832B}"/>
           </ac:spMkLst>
         </pc:spChg>
         <pc:spChg chg="del">
@@ -1491,6 +1515,14 @@
             <ac:spMk id="9" creationId="{18BA6212-B213-6B23-1A66-0037CE577FF7}"/>
           </ac:spMkLst>
         </pc:spChg>
+        <pc:picChg chg="add mod">
+          <ac:chgData name="Ольга Платонова" userId="b7a68a3ec46e1b54" providerId="LiveId" clId="{1F07ACF5-96D4-4BB6-B0A8-48BFF323F040}" dt="2022-05-29T23:55:17.631" v="7559" actId="1076"/>
+          <ac:picMkLst>
+            <pc:docMk/>
+            <pc:sldMk cId="4202505179" sldId="277"/>
+            <ac:picMk id="6" creationId="{9764A5E6-EFEE-BD7B-5E40-C545A4F48557}"/>
+          </ac:picMkLst>
+        </pc:picChg>
         <pc:picChg chg="del">
           <ac:chgData name="Ольга Платонова" userId="b7a68a3ec46e1b54" providerId="LiveId" clId="{1F07ACF5-96D4-4BB6-B0A8-48BFF323F040}" dt="2022-05-29T14:48:25.080" v="7216" actId="478"/>
           <ac:picMkLst>
@@ -1499,16 +1531,16 @@
             <ac:picMk id="10" creationId="{3FEB745E-7155-1A52-5B94-94CDA90D95DD}"/>
           </ac:picMkLst>
         </pc:picChg>
-        <pc:picChg chg="add mod">
-          <ac:chgData name="Ольга Платонова" userId="b7a68a3ec46e1b54" providerId="LiveId" clId="{1F07ACF5-96D4-4BB6-B0A8-48BFF323F040}" dt="2022-05-29T15:15:03.874" v="7302" actId="1076"/>
+        <pc:picChg chg="add del mod">
+          <ac:chgData name="Ольга Платонова" userId="b7a68a3ec46e1b54" providerId="LiveId" clId="{1F07ACF5-96D4-4BB6-B0A8-48BFF323F040}" dt="2022-05-29T23:47:03.521" v="7554" actId="478"/>
           <ac:picMkLst>
             <pc:docMk/>
             <pc:sldMk cId="4202505179" sldId="277"/>
             <ac:picMk id="11" creationId="{D76476DF-8F58-2051-E7CB-7BA64333F282}"/>
           </ac:picMkLst>
         </pc:picChg>
-        <pc:picChg chg="add mod">
-          <ac:chgData name="Ольга Платонова" userId="b7a68a3ec46e1b54" providerId="LiveId" clId="{1F07ACF5-96D4-4BB6-B0A8-48BFF323F040}" dt="2022-05-29T14:53:18.276" v="7265" actId="1076"/>
+        <pc:picChg chg="add del mod">
+          <ac:chgData name="Ольга Платонова" userId="b7a68a3ec46e1b54" providerId="LiveId" clId="{1F07ACF5-96D4-4BB6-B0A8-48BFF323F040}" dt="2022-05-29T23:47:04.162" v="7555" actId="478"/>
           <ac:picMkLst>
             <pc:docMk/>
             <pc:sldMk cId="4202505179" sldId="277"/>
@@ -2183,69 +2215,19 @@
     </mc:Fallback>
   </mc:AlternateContent>
   <c:chart>
-    <c:title>
-      <c:tx>
-        <c:rich>
-          <a:bodyPr rot="0" spcFirstLastPara="1" vertOverflow="ellipsis" vert="horz" wrap="square" anchor="ctr" anchorCtr="1"/>
-          <a:lstStyle/>
-          <a:p>
-            <a:pPr>
-              <a:defRPr sz="1400" b="0" i="0" u="none" strike="noStrike" kern="1200" spc="0" baseline="0">
-                <a:solidFill>
-                  <a:schemeClr val="tx1">
-                    <a:lumMod val="65000"/>
-                    <a:lumOff val="35000"/>
-                  </a:schemeClr>
-                </a:solidFill>
-                <a:latin typeface="+mn-lt"/>
-                <a:ea typeface="+mn-ea"/>
-                <a:cs typeface="+mn-cs"/>
-              </a:defRPr>
-            </a:pPr>
-            <a:r>
-              <a:rPr lang="ru-RU" dirty="0"/>
-              <a:t>Зависимость</a:t>
-            </a:r>
-            <a:r>
-              <a:rPr lang="ru-RU" baseline="0" dirty="0"/>
-              <a:t> времени работы от числа соединений</a:t>
-            </a:r>
-            <a:endParaRPr lang="ru-RU" dirty="0"/>
-          </a:p>
-        </c:rich>
-      </c:tx>
-      <c:overlay val="0"/>
-      <c:spPr>
-        <a:noFill/>
-        <a:ln>
-          <a:noFill/>
-        </a:ln>
-        <a:effectLst/>
-      </c:spPr>
-      <c:txPr>
-        <a:bodyPr rot="0" spcFirstLastPara="1" vertOverflow="ellipsis" vert="horz" wrap="square" anchor="ctr" anchorCtr="1"/>
-        <a:lstStyle/>
-        <a:p>
-          <a:pPr>
-            <a:defRPr sz="1400" b="0" i="0" u="none" strike="noStrike" kern="1200" spc="0" baseline="0">
-              <a:solidFill>
-                <a:schemeClr val="tx1">
-                  <a:lumMod val="65000"/>
-                  <a:lumOff val="35000"/>
-                </a:schemeClr>
-              </a:solidFill>
-              <a:latin typeface="+mn-lt"/>
-              <a:ea typeface="+mn-ea"/>
-              <a:cs typeface="+mn-cs"/>
-            </a:defRPr>
-          </a:pPr>
-          <a:endParaRPr lang="ru-RU"/>
-        </a:p>
-      </c:txPr>
-    </c:title>
-    <c:autoTitleDeleted val="0"/>
+    <c:autoTitleDeleted val="1"/>
     <c:plotArea>
-      <c:layout/>
+      <c:layout>
+        <c:manualLayout>
+          <c:layoutTarget val="inner"/>
+          <c:xMode val="edge"/>
+          <c:yMode val="edge"/>
+          <c:x val="8.6961726717629639E-2"/>
+          <c:y val="3.7550200209496253E-2"/>
+          <c:w val="0.89088712571180584"/>
+          <c:h val="0.83178047889541662"/>
+        </c:manualLayout>
+      </c:layout>
       <c:lineChart>
         <c:grouping val="standard"/>
         <c:varyColors val="0"/>
@@ -2838,22 +2820,6 @@
                 </a:r>
                 <a:endParaRPr lang="en-US" dirty="0"/>
               </a:p>
-              <a:p>
-                <a:pPr>
-                  <a:defRPr sz="1000" b="0" i="0" u="none" strike="noStrike" kern="1200" baseline="0">
-                    <a:solidFill>
-                      <a:schemeClr val="tx1">
-                        <a:lumMod val="65000"/>
-                        <a:lumOff val="35000"/>
-                      </a:schemeClr>
-                    </a:solidFill>
-                    <a:latin typeface="+mn-lt"/>
-                    <a:ea typeface="+mn-ea"/>
-                    <a:cs typeface="+mn-cs"/>
-                  </a:defRPr>
-                </a:pPr>
-                <a:endParaRPr lang="ru-RU" dirty="0"/>
-              </a:p>
             </c:rich>
           </c:tx>
           <c:overlay val="0"/>
@@ -2932,6 +2898,16 @@
     </c:plotArea>
     <c:legend>
       <c:legendPos val="b"/>
+      <c:layout>
+        <c:manualLayout>
+          <c:xMode val="edge"/>
+          <c:yMode val="edge"/>
+          <c:x val="0.13573183062823477"/>
+          <c:y val="4.8016680137610575E-2"/>
+          <c:w val="0.43855767963795794"/>
+          <c:h val="5.7605823963478735E-2"/>
+        </c:manualLayout>
+      </c:layout>
       <c:overlay val="0"/>
       <c:spPr>
         <a:noFill/>
@@ -3014,64 +2990,19 @@
     </mc:Fallback>
   </mc:AlternateContent>
   <c:chart>
-    <c:title>
-      <c:tx>
-        <c:rich>
-          <a:bodyPr rot="0" spcFirstLastPara="1" vertOverflow="ellipsis" vert="horz" wrap="square" anchor="ctr" anchorCtr="1"/>
-          <a:lstStyle/>
-          <a:p>
-            <a:pPr>
-              <a:defRPr sz="1400" b="0" i="0" u="none" strike="noStrike" kern="1200" spc="0" baseline="0">
-                <a:solidFill>
-                  <a:schemeClr val="tx1">
-                    <a:lumMod val="65000"/>
-                    <a:lumOff val="35000"/>
-                  </a:schemeClr>
-                </a:solidFill>
-                <a:latin typeface="+mn-lt"/>
-                <a:ea typeface="+mn-ea"/>
-                <a:cs typeface="+mn-cs"/>
-              </a:defRPr>
-            </a:pPr>
-            <a:r>
-              <a:rPr lang="ru-RU" dirty="0"/>
-              <a:t>Зависимость времени работы от числа соединений</a:t>
-            </a:r>
-          </a:p>
-        </c:rich>
-      </c:tx>
-      <c:overlay val="0"/>
-      <c:spPr>
-        <a:noFill/>
-        <a:ln>
-          <a:noFill/>
-        </a:ln>
-        <a:effectLst/>
-      </c:spPr>
-      <c:txPr>
-        <a:bodyPr rot="0" spcFirstLastPara="1" vertOverflow="ellipsis" vert="horz" wrap="square" anchor="ctr" anchorCtr="1"/>
-        <a:lstStyle/>
-        <a:p>
-          <a:pPr>
-            <a:defRPr sz="1400" b="0" i="0" u="none" strike="noStrike" kern="1200" spc="0" baseline="0">
-              <a:solidFill>
-                <a:schemeClr val="tx1">
-                  <a:lumMod val="65000"/>
-                  <a:lumOff val="35000"/>
-                </a:schemeClr>
-              </a:solidFill>
-              <a:latin typeface="+mn-lt"/>
-              <a:ea typeface="+mn-ea"/>
-              <a:cs typeface="+mn-cs"/>
-            </a:defRPr>
-          </a:pPr>
-          <a:endParaRPr lang="ru-RU"/>
-        </a:p>
-      </c:txPr>
-    </c:title>
-    <c:autoTitleDeleted val="0"/>
+    <c:autoTitleDeleted val="1"/>
     <c:plotArea>
-      <c:layout/>
+      <c:layout>
+        <c:manualLayout>
+          <c:layoutTarget val="inner"/>
+          <c:xMode val="edge"/>
+          <c:yMode val="edge"/>
+          <c:x val="9.433341373015007E-2"/>
+          <c:y val="3.7722908093278461E-2"/>
+          <c:w val="0.88309839746473795"/>
+          <c:h val="0.82071870645798906"/>
+        </c:manualLayout>
+      </c:layout>
       <c:lineChart>
         <c:grouping val="standard"/>
         <c:varyColors val="0"/>
@@ -3756,6 +3687,16 @@
     </c:plotArea>
     <c:legend>
       <c:legendPos val="b"/>
+      <c:layout>
+        <c:manualLayout>
+          <c:xMode val="edge"/>
+          <c:yMode val="edge"/>
+          <c:x val="0.11585622852124731"/>
+          <c:y val="5.7355562036226909E-2"/>
+          <c:w val="0.38667998679833654"/>
+          <c:h val="5.7870775412332716E-2"/>
+        </c:manualLayout>
+      </c:layout>
       <c:overlay val="0"/>
       <c:spPr>
         <a:noFill/>
@@ -5825,7 +5766,7 @@
           <a:p>
             <a:fld id="{4A87FC3E-9964-4802-A7E8-1BB771D21BF3}" type="datetimeFigureOut">
               <a:rPr lang="ru-RU" smtClean="0"/>
-              <a:t>29.05.2022</a:t>
+              <a:t>30.05.2022</a:t>
             </a:fld>
             <a:endParaRPr lang="ru-RU" dirty="0"/>
           </a:p>
@@ -6305,7 +6246,7 @@
           <a:p>
             <a:fld id="{09755BBC-352B-460A-88C9-AADF2C9512EA}" type="datetime1">
               <a:rPr lang="ru-RU" smtClean="0"/>
-              <a:t>29.05.2022</a:t>
+              <a:t>30.05.2022</a:t>
             </a:fld>
             <a:endParaRPr lang="ru-RU" dirty="0"/>
           </a:p>
@@ -6473,7 +6414,7 @@
           <a:p>
             <a:fld id="{8296244F-19EA-411C-8075-D4DD5363EB01}" type="datetime1">
               <a:rPr lang="ru-RU" smtClean="0"/>
-              <a:t>29.05.2022</a:t>
+              <a:t>30.05.2022</a:t>
             </a:fld>
             <a:endParaRPr lang="ru-RU" dirty="0"/>
           </a:p>
@@ -6651,7 +6592,7 @@
           <a:p>
             <a:fld id="{84BB638D-B868-4FAE-A4AF-C8834DEF2F16}" type="datetime1">
               <a:rPr lang="ru-RU" smtClean="0"/>
-              <a:t>29.05.2022</a:t>
+              <a:t>30.05.2022</a:t>
             </a:fld>
             <a:endParaRPr lang="ru-RU" dirty="0"/>
           </a:p>
@@ -6819,7 +6760,7 @@
           <a:p>
             <a:fld id="{E867F41D-6C90-48B2-BB24-7DBF25713345}" type="datetime1">
               <a:rPr lang="ru-RU" smtClean="0"/>
-              <a:t>29.05.2022</a:t>
+              <a:t>30.05.2022</a:t>
             </a:fld>
             <a:endParaRPr lang="ru-RU" dirty="0"/>
           </a:p>
@@ -7064,7 +7005,7 @@
           <a:p>
             <a:fld id="{CC2C4912-257E-4B84-92B5-E1056AC81F3B}" type="datetime1">
               <a:rPr lang="ru-RU" smtClean="0"/>
-              <a:t>29.05.2022</a:t>
+              <a:t>30.05.2022</a:t>
             </a:fld>
             <a:endParaRPr lang="ru-RU" dirty="0"/>
           </a:p>
@@ -7293,7 +7234,7 @@
           <a:p>
             <a:fld id="{D6CEEFAB-2744-489F-9F34-AD68C1802ABB}" type="datetime1">
               <a:rPr lang="ru-RU" smtClean="0"/>
-              <a:t>29.05.2022</a:t>
+              <a:t>30.05.2022</a:t>
             </a:fld>
             <a:endParaRPr lang="ru-RU" dirty="0"/>
           </a:p>
@@ -7657,7 +7598,7 @@
           <a:p>
             <a:fld id="{F4C8D58E-CA22-4DBD-9D4F-D49D20C57869}" type="datetime1">
               <a:rPr lang="ru-RU" smtClean="0"/>
-              <a:t>29.05.2022</a:t>
+              <a:t>30.05.2022</a:t>
             </a:fld>
             <a:endParaRPr lang="ru-RU" dirty="0"/>
           </a:p>
@@ -7774,7 +7715,7 @@
           <a:p>
             <a:fld id="{16461FB2-18D8-4BB8-B792-34F36A1A6923}" type="datetime1">
               <a:rPr lang="ru-RU" smtClean="0"/>
-              <a:t>29.05.2022</a:t>
+              <a:t>30.05.2022</a:t>
             </a:fld>
             <a:endParaRPr lang="ru-RU" dirty="0"/>
           </a:p>
@@ -7869,7 +7810,7 @@
           <a:p>
             <a:fld id="{38099296-536C-461B-BEB7-1B812F69AC83}" type="datetime1">
               <a:rPr lang="ru-RU" smtClean="0"/>
-              <a:t>29.05.2022</a:t>
+              <a:t>30.05.2022</a:t>
             </a:fld>
             <a:endParaRPr lang="ru-RU" dirty="0"/>
           </a:p>
@@ -8144,7 +8085,7 @@
           <a:p>
             <a:fld id="{DD7EBC7E-964D-4409-AE41-3B38B4F15B2A}" type="datetime1">
               <a:rPr lang="ru-RU" smtClean="0"/>
-              <a:t>29.05.2022</a:t>
+              <a:t>30.05.2022</a:t>
             </a:fld>
             <a:endParaRPr lang="ru-RU" dirty="0"/>
           </a:p>
@@ -8396,7 +8337,7 @@
           <a:p>
             <a:fld id="{6623BFA2-B670-4B07-B542-231AD8CFA160}" type="datetime1">
               <a:rPr lang="ru-RU" smtClean="0"/>
-              <a:t>29.05.2022</a:t>
+              <a:t>30.05.2022</a:t>
             </a:fld>
             <a:endParaRPr lang="ru-RU" dirty="0"/>
           </a:p>
@@ -8607,7 +8548,7 @@
           <a:p>
             <a:fld id="{4222C596-8B8E-4DE0-A295-CA79CEF991CE}" type="datetime1">
               <a:rPr lang="ru-RU" smtClean="0"/>
-              <a:t>29.05.2022</a:t>
+              <a:t>30.05.2022</a:t>
             </a:fld>
             <a:endParaRPr lang="ru-RU" dirty="0"/>
           </a:p>
@@ -9057,8 +8998,8 @@
         </p:nvSpPr>
         <p:spPr>
           <a:xfrm>
-            <a:off x="1454020" y="4244059"/>
-            <a:ext cx="7382069" cy="2274180"/>
+            <a:off x="1427127" y="3893036"/>
+            <a:ext cx="7382069" cy="1690576"/>
           </a:xfrm>
         </p:spPr>
         <p:txBody>
@@ -9083,16 +9024,6 @@
                 <a:latin typeface="Times New Roman" panose="02020603050405020304" pitchFamily="18" charset="0"/>
                 <a:cs typeface="Times New Roman" panose="02020603050405020304" pitchFamily="18" charset="0"/>
               </a:rPr>
-              <a:t>Группа: ИУ7-85Б</a:t>
-            </a:r>
-          </a:p>
-          <a:p>
-            <a:pPr algn="l"/>
-            <a:r>
-              <a:rPr lang="ru-RU" dirty="0">
-                <a:latin typeface="Times New Roman" panose="02020603050405020304" pitchFamily="18" charset="0"/>
-                <a:cs typeface="Times New Roman" panose="02020603050405020304" pitchFamily="18" charset="0"/>
-              </a:rPr>
               <a:t>Руководитель: Филиппов Михаил Владимирович, </a:t>
             </a:r>
             <a:r>
@@ -9126,37 +9057,149 @@
           </a:p>
         </p:txBody>
       </p:sp>
-      <p:pic>
-        <p:nvPicPr>
-          <p:cNvPr id="4" name="Изображение1">
+      <p:sp>
+        <p:nvSpPr>
+          <p:cNvPr id="5" name="TextBox 2">
             <a:extLst>
               <a:ext uri="{FF2B5EF4-FFF2-40B4-BE49-F238E27FC236}">
-                <a16:creationId xmlns:a16="http://schemas.microsoft.com/office/drawing/2014/main" id="{E9D0A270-3744-AA97-6FAF-54A14B06FB53}"/>
+                <a16:creationId xmlns:a16="http://schemas.microsoft.com/office/drawing/2014/main" id="{F49073B8-27F7-174C-28CD-6E15A5CFB138}"/>
               </a:ext>
             </a:extLst>
           </p:cNvPr>
-          <p:cNvPicPr>
-            <a:picLocks noChangeAspect="1"/>
-          </p:cNvPicPr>
+          <p:cNvSpPr txBox="1"/>
           <p:nvPr/>
-        </p:nvPicPr>
-        <p:blipFill>
-          <a:blip r:embed="rId2"/>
-          <a:srcRect l="-37" t="-32" r="-37" b="-32"/>
-          <a:stretch>
-            <a:fillRect/>
-          </a:stretch>
-        </p:blipFill>
-        <p:spPr bwMode="auto">
+        </p:nvSpPr>
+        <p:spPr>
           <a:xfrm>
-            <a:off x="10773840" y="90392"/>
-            <a:ext cx="1037160" cy="1171855"/>
+            <a:off x="4326834" y="6211669"/>
+            <a:ext cx="3538331" cy="646331"/>
           </a:xfrm>
           <a:prstGeom prst="rect">
             <a:avLst/>
           </a:prstGeom>
+          <a:noFill/>
         </p:spPr>
-      </p:pic>
+        <p:txBody>
+          <a:bodyPr wrap="square" rtlCol="0">
+            <a:spAutoFit/>
+          </a:bodyPr>
+          <a:lstStyle>
+            <a:defPPr>
+              <a:defRPr lang="ru-RU"/>
+            </a:defPPr>
+            <a:lvl1pPr marL="0" algn="l" defTabSz="914400" rtl="0" eaLnBrk="1" latinLnBrk="0" hangingPunct="1">
+              <a:defRPr sz="1800" kern="1200">
+                <a:solidFill>
+                  <a:schemeClr val="tx1"/>
+                </a:solidFill>
+                <a:latin typeface="+mn-lt"/>
+                <a:ea typeface="+mn-ea"/>
+                <a:cs typeface="+mn-cs"/>
+              </a:defRPr>
+            </a:lvl1pPr>
+            <a:lvl2pPr marL="457200" algn="l" defTabSz="914400" rtl="0" eaLnBrk="1" latinLnBrk="0" hangingPunct="1">
+              <a:defRPr sz="1800" kern="1200">
+                <a:solidFill>
+                  <a:schemeClr val="tx1"/>
+                </a:solidFill>
+                <a:latin typeface="+mn-lt"/>
+                <a:ea typeface="+mn-ea"/>
+                <a:cs typeface="+mn-cs"/>
+              </a:defRPr>
+            </a:lvl2pPr>
+            <a:lvl3pPr marL="914400" algn="l" defTabSz="914400" rtl="0" eaLnBrk="1" latinLnBrk="0" hangingPunct="1">
+              <a:defRPr sz="1800" kern="1200">
+                <a:solidFill>
+                  <a:schemeClr val="tx1"/>
+                </a:solidFill>
+                <a:latin typeface="+mn-lt"/>
+                <a:ea typeface="+mn-ea"/>
+                <a:cs typeface="+mn-cs"/>
+              </a:defRPr>
+            </a:lvl3pPr>
+            <a:lvl4pPr marL="1371600" algn="l" defTabSz="914400" rtl="0" eaLnBrk="1" latinLnBrk="0" hangingPunct="1">
+              <a:defRPr sz="1800" kern="1200">
+                <a:solidFill>
+                  <a:schemeClr val="tx1"/>
+                </a:solidFill>
+                <a:latin typeface="+mn-lt"/>
+                <a:ea typeface="+mn-ea"/>
+                <a:cs typeface="+mn-cs"/>
+              </a:defRPr>
+            </a:lvl4pPr>
+            <a:lvl5pPr marL="1828800" algn="l" defTabSz="914400" rtl="0" eaLnBrk="1" latinLnBrk="0" hangingPunct="1">
+              <a:defRPr sz="1800" kern="1200">
+                <a:solidFill>
+                  <a:schemeClr val="tx1"/>
+                </a:solidFill>
+                <a:latin typeface="+mn-lt"/>
+                <a:ea typeface="+mn-ea"/>
+                <a:cs typeface="+mn-cs"/>
+              </a:defRPr>
+            </a:lvl5pPr>
+            <a:lvl6pPr marL="2286000" algn="l" defTabSz="914400" rtl="0" eaLnBrk="1" latinLnBrk="0" hangingPunct="1">
+              <a:defRPr sz="1800" kern="1200">
+                <a:solidFill>
+                  <a:schemeClr val="tx1"/>
+                </a:solidFill>
+                <a:latin typeface="+mn-lt"/>
+                <a:ea typeface="+mn-ea"/>
+                <a:cs typeface="+mn-cs"/>
+              </a:defRPr>
+            </a:lvl6pPr>
+            <a:lvl7pPr marL="2743200" algn="l" defTabSz="914400" rtl="0" eaLnBrk="1" latinLnBrk="0" hangingPunct="1">
+              <a:defRPr sz="1800" kern="1200">
+                <a:solidFill>
+                  <a:schemeClr val="tx1"/>
+                </a:solidFill>
+                <a:latin typeface="+mn-lt"/>
+                <a:ea typeface="+mn-ea"/>
+                <a:cs typeface="+mn-cs"/>
+              </a:defRPr>
+            </a:lvl7pPr>
+            <a:lvl8pPr marL="3200400" algn="l" defTabSz="914400" rtl="0" eaLnBrk="1" latinLnBrk="0" hangingPunct="1">
+              <a:defRPr sz="1800" kern="1200">
+                <a:solidFill>
+                  <a:schemeClr val="tx1"/>
+                </a:solidFill>
+                <a:latin typeface="+mn-lt"/>
+                <a:ea typeface="+mn-ea"/>
+                <a:cs typeface="+mn-cs"/>
+              </a:defRPr>
+            </a:lvl8pPr>
+            <a:lvl9pPr marL="3657600" algn="l" defTabSz="914400" rtl="0" eaLnBrk="1" latinLnBrk="0" hangingPunct="1">
+              <a:defRPr sz="1800" kern="1200">
+                <a:solidFill>
+                  <a:schemeClr val="tx1"/>
+                </a:solidFill>
+                <a:latin typeface="+mn-lt"/>
+                <a:ea typeface="+mn-ea"/>
+                <a:cs typeface="+mn-cs"/>
+              </a:defRPr>
+            </a:lvl9pPr>
+          </a:lstStyle>
+          <a:p>
+            <a:pPr algn="ctr"/>
+            <a:r>
+              <a:rPr lang="ru-RU" dirty="0">
+                <a:latin typeface="Times New Roman" panose="02020603050405020304" pitchFamily="18" charset="0"/>
+                <a:cs typeface="Times New Roman" panose="02020603050405020304" pitchFamily="18" charset="0"/>
+              </a:rPr>
+              <a:t>Москва</a:t>
+            </a:r>
+          </a:p>
+          <a:p>
+            <a:pPr algn="ctr"/>
+            <a:r>
+              <a:rPr lang="ru-RU" dirty="0">
+                <a:latin typeface="Times New Roman" panose="02020603050405020304" pitchFamily="18" charset="0"/>
+                <a:cs typeface="Times New Roman" panose="02020603050405020304" pitchFamily="18" charset="0"/>
+              </a:rPr>
+              <a:t>2022 г</a:t>
+            </a:r>
+          </a:p>
+        </p:txBody>
+      </p:sp>
     </p:spTree>
     <p:extLst>
       <p:ext uri="{BB962C8B-B14F-4D97-AF65-F5344CB8AC3E}">
@@ -9480,7 +9523,7 @@
             <p:ph idx="1"/>
             <p:extLst>
               <p:ext uri="{D42A27DB-BD31-4B8C-83A1-F6EECF244321}">
-                <p14:modId xmlns:p14="http://schemas.microsoft.com/office/powerpoint/2010/main" val="2279654920"/>
+                <p14:modId xmlns:p14="http://schemas.microsoft.com/office/powerpoint/2010/main" val="4070994668"/>
               </p:ext>
             </p:extLst>
           </p:nvPr>
@@ -9711,7 +9754,7 @@
           <p:nvPr>
             <p:extLst>
               <p:ext uri="{D42A27DB-BD31-4B8C-83A1-F6EECF244321}">
-                <p14:modId xmlns:p14="http://schemas.microsoft.com/office/powerpoint/2010/main" val="2409793995"/>
+                <p14:modId xmlns:p14="http://schemas.microsoft.com/office/powerpoint/2010/main" val="4059238637"/>
               </p:ext>
             </p:extLst>
           </p:nvPr>
@@ -9776,16 +9819,7 @@
                 </a:solidFill>
                 <a:latin typeface="Times New Roman" panose="02020603050405020304" pitchFamily="18" charset="0"/>
               </a:rPr>
-              <a:t>пула, использующего библиотеку </a:t>
-            </a:r>
-            <a:r>
-              <a:rPr lang="ru-RU" sz="2000" b="0" i="0" u="none" strike="noStrike" baseline="0" dirty="0" err="1">
-                <a:solidFill>
-                  <a:srgbClr val="000000"/>
-                </a:solidFill>
-                <a:latin typeface="Times New Roman" panose="02020603050405020304" pitchFamily="18" charset="0"/>
-              </a:rPr>
-              <a:t>libpq</a:t>
+              <a:t>пула, использующего библиотеку libpq</a:t>
             </a:r>
             <a:r>
               <a:rPr lang="ru-RU" sz="2000" dirty="0">
@@ -9809,25 +9843,7 @@
                 </a:solidFill>
                 <a:latin typeface="Times New Roman" panose="02020603050405020304" pitchFamily="18" charset="0"/>
               </a:rPr>
-              <a:t>пула, реализованного в качестве внешней службы (</a:t>
-            </a:r>
-            <a:r>
-              <a:rPr lang="ru-RU" sz="2000" b="0" i="0" u="none" strike="noStrike" baseline="0" dirty="0" err="1">
-                <a:solidFill>
-                  <a:srgbClr val="000000"/>
-                </a:solidFill>
-                <a:latin typeface="Times New Roman" panose="02020603050405020304" pitchFamily="18" charset="0"/>
-              </a:rPr>
-              <a:t>PGBouncer</a:t>
-            </a:r>
-            <a:r>
-              <a:rPr lang="ru-RU" sz="2000" b="0" i="0" u="none" strike="noStrike" baseline="0" dirty="0">
-                <a:solidFill>
-                  <a:srgbClr val="000000"/>
-                </a:solidFill>
-                <a:latin typeface="Times New Roman" panose="02020603050405020304" pitchFamily="18" charset="0"/>
-              </a:rPr>
-              <a:t>);</a:t>
+              <a:t>пула, реализованного в качестве внешней службы (PGBouncer);</a:t>
             </a:r>
           </a:p>
           <a:p>
@@ -11559,7 +11575,7 @@
         <p:spPr>
           <a:xfrm>
             <a:off x="6781800" y="2244870"/>
-            <a:ext cx="4571999" cy="1754326"/>
+            <a:ext cx="4571999" cy="1938992"/>
           </a:xfrm>
           <a:prstGeom prst="rect">
             <a:avLst/>
@@ -11573,7 +11589,7 @@
           <a:lstStyle/>
           <a:p>
             <a:r>
-              <a:rPr lang="ru-RU" dirty="0">
+              <a:rPr lang="ru-RU" sz="2000" dirty="0">
                 <a:solidFill>
                   <a:srgbClr val="000000"/>
                 </a:solidFill>
@@ -11582,7 +11598,7 @@
               <a:t>Доступ к </a:t>
             </a:r>
             <a:r>
-              <a:rPr lang="ru-RU" sz="1800" b="0" i="0" u="none" strike="noStrike" baseline="0" dirty="0">
+              <a:rPr lang="ru-RU" sz="2000" b="0" i="0" u="none" strike="noStrike" baseline="0" dirty="0">
                 <a:solidFill>
                   <a:srgbClr val="000000"/>
                 </a:solidFill>
@@ -11597,7 +11613,7 @@
               <a:buChar char="•"/>
             </a:pPr>
             <a:r>
-              <a:rPr lang="ru-RU" dirty="0">
+              <a:rPr lang="ru-RU" sz="2000" dirty="0">
                 <a:solidFill>
                   <a:srgbClr val="000000"/>
                 </a:solidFill>
@@ -11606,7 +11622,7 @@
               <a:t>многопоточная программа примерно </a:t>
             </a:r>
             <a:r>
-              <a:rPr lang="ru-RU" sz="1800" b="0" i="0" u="none" strike="noStrike" baseline="0" dirty="0">
+              <a:rPr lang="ru-RU" sz="2000" b="0" i="0" u="none" strike="noStrike" baseline="0" dirty="0">
                 <a:solidFill>
                   <a:srgbClr val="000000"/>
                 </a:solidFill>
@@ -11621,18 +11637,18 @@
               <a:buChar char="•"/>
             </a:pPr>
             <a:r>
-              <a:rPr lang="ru-RU" dirty="0">
+              <a:rPr lang="ru-RU" sz="2000" dirty="0">
                 <a:latin typeface="Times New Roman" panose="02020603050405020304" pitchFamily="18" charset="0"/>
               </a:rPr>
               <a:t>о</a:t>
             </a:r>
             <a:r>
-              <a:rPr lang="ru-RU" sz="1800" b="0" i="0" u="none" strike="noStrike" baseline="0" dirty="0">
+              <a:rPr lang="ru-RU" sz="2000" b="0" i="0" u="none" strike="noStrike" baseline="0" dirty="0">
                 <a:latin typeface="Times New Roman" panose="02020603050405020304" pitchFamily="18" charset="0"/>
               </a:rPr>
               <a:t>днопоточная программа показывает нестабильную работу на больших данных.</a:t>
             </a:r>
-            <a:endParaRPr lang="ru-RU" dirty="0">
+            <a:endParaRPr lang="ru-RU" sz="2000" dirty="0">
               <a:latin typeface="Times New Roman" panose="02020603050405020304" pitchFamily="18" charset="0"/>
               <a:cs typeface="Times New Roman" panose="02020603050405020304" pitchFamily="18" charset="0"/>
             </a:endParaRPr>
@@ -11654,7 +11670,7 @@
         <p:spPr>
           <a:xfrm>
             <a:off x="6781800" y="4531441"/>
-            <a:ext cx="4571999" cy="923330"/>
+            <a:ext cx="4782671" cy="1015663"/>
           </a:xfrm>
           <a:prstGeom prst="rect">
             <a:avLst/>
@@ -11668,7 +11684,7 @@
           <a:lstStyle/>
           <a:p>
             <a:r>
-              <a:rPr lang="ru-RU" dirty="0">
+              <a:rPr lang="ru-RU" sz="2000" dirty="0">
                 <a:solidFill>
                   <a:srgbClr val="000000"/>
                 </a:solidFill>
@@ -11677,7 +11693,7 @@
               <a:t>О</a:t>
             </a:r>
             <a:r>
-              <a:rPr lang="ru-RU" sz="1800" b="0" i="0" u="none" strike="noStrike" baseline="0" dirty="0">
+              <a:rPr lang="ru-RU" sz="2000" b="0" i="0" u="none" strike="noStrike" baseline="0" dirty="0">
                 <a:solidFill>
                   <a:srgbClr val="000000"/>
                 </a:solidFill>
@@ -11685,7 +11701,7 @@
               </a:rPr>
               <a:t>перация подключения — одна из самых дорогостоящих (процесс подключения к БД занимает от 2 до 3 МБ). </a:t>
             </a:r>
-            <a:endParaRPr lang="ru-RU" dirty="0"/>
+            <a:endParaRPr lang="ru-RU" sz="2000" dirty="0"/>
           </a:p>
         </p:txBody>
       </p:sp>
@@ -11822,8 +11838,8 @@
         </p:nvSpPr>
         <p:spPr>
           <a:xfrm>
-            <a:off x="645458" y="2358160"/>
-            <a:ext cx="3320300" cy="923330"/>
+            <a:off x="764727" y="4313686"/>
+            <a:ext cx="3941744" cy="1015663"/>
           </a:xfrm>
           <a:prstGeom prst="rect">
             <a:avLst/>
@@ -11837,7 +11853,7 @@
           <a:lstStyle/>
           <a:p>
             <a:r>
-              <a:rPr lang="en-US" dirty="0">
+              <a:rPr lang="en-US" sz="2000" dirty="0">
                 <a:latin typeface="Times New Roman" panose="02020603050405020304" pitchFamily="18" charset="0"/>
                 <a:cs typeface="Times New Roman" panose="02020603050405020304" pitchFamily="18" charset="0"/>
               </a:rPr>
@@ -11850,7 +11866,7 @@
               <a:buChar char="•"/>
             </a:pPr>
             <a:r>
-              <a:rPr lang="ru-RU" dirty="0">
+              <a:rPr lang="ru-RU" sz="2000" dirty="0">
                 <a:latin typeface="Times New Roman" panose="02020603050405020304" pitchFamily="18" charset="0"/>
                 <a:cs typeface="Times New Roman" panose="02020603050405020304" pitchFamily="18" charset="0"/>
               </a:rPr>
@@ -11863,7 +11879,7 @@
               <a:buChar char="•"/>
             </a:pPr>
             <a:r>
-              <a:rPr lang="ru-RU" dirty="0">
+              <a:rPr lang="ru-RU" sz="2000" dirty="0">
                 <a:latin typeface="Times New Roman" panose="02020603050405020304" pitchFamily="18" charset="0"/>
                 <a:cs typeface="Times New Roman" panose="02020603050405020304" pitchFamily="18" charset="0"/>
               </a:rPr>
@@ -11887,13 +11903,13 @@
           <p:nvPr>
             <p:extLst>
               <p:ext uri="{D42A27DB-BD31-4B8C-83A1-F6EECF244321}">
-                <p14:modId xmlns:p14="http://schemas.microsoft.com/office/powerpoint/2010/main" val="842864224"/>
+                <p14:modId xmlns:p14="http://schemas.microsoft.com/office/powerpoint/2010/main" val="1899843697"/>
               </p:ext>
             </p:extLst>
           </p:nvPr>
         </p:nvGraphicFramePr>
         <p:xfrm>
-          <a:off x="645458" y="3688981"/>
+          <a:off x="764727" y="2321415"/>
           <a:ext cx="4446495" cy="1463040"/>
         </p:xfrm>
         <a:graphic>
@@ -12012,14 +12028,14 @@
                     <a:p>
                       <a:pPr indent="0" algn="l"/>
                       <a:r>
-                        <a:rPr lang="ru-RU" sz="1600" kern="150">
+                        <a:rPr lang="ru-RU" sz="1600" kern="150" dirty="0">
                           <a:effectLst/>
                           <a:latin typeface="Times New Roman" panose="02020603050405020304" pitchFamily="18" charset="0"/>
                           <a:cs typeface="Times New Roman" panose="02020603050405020304" pitchFamily="18" charset="0"/>
                         </a:rPr>
                         <a:t>1.</a:t>
                       </a:r>
-                      <a:endParaRPr lang="ru-RU" sz="1600" kern="150">
+                      <a:endParaRPr lang="ru-RU" sz="1600" kern="150" dirty="0">
                         <a:effectLst/>
                         <a:latin typeface="Times New Roman" panose="02020603050405020304" pitchFamily="18" charset="0"/>
                         <a:ea typeface="Noto Serif CJK SC"/>
@@ -12060,14 +12076,14 @@
                     <a:p>
                       <a:pPr indent="0" algn="just"/>
                       <a:r>
-                        <a:rPr lang="ru-RU" sz="1600" kern="150">
+                        <a:rPr lang="ru-RU" sz="1600" kern="150" dirty="0">
                           <a:effectLst/>
                           <a:latin typeface="Times New Roman" panose="02020603050405020304" pitchFamily="18" charset="0"/>
                           <a:cs typeface="Times New Roman" panose="02020603050405020304" pitchFamily="18" charset="0"/>
                         </a:rPr>
                         <a:t>Реляционная</a:t>
                       </a:r>
-                      <a:endParaRPr lang="ru-RU" sz="1600" kern="150">
+                      <a:endParaRPr lang="ru-RU" sz="1600" kern="150" dirty="0">
                         <a:effectLst/>
                         <a:latin typeface="Times New Roman" panose="02020603050405020304" pitchFamily="18" charset="0"/>
                         <a:ea typeface="Noto Serif CJK SC"/>
@@ -12091,14 +12107,14 @@
                     <a:p>
                       <a:pPr indent="0" algn="l"/>
                       <a:r>
-                        <a:rPr lang="ru-RU" sz="1600" kern="150">
+                        <a:rPr lang="ru-RU" sz="1600" kern="150" dirty="0">
                           <a:effectLst/>
                           <a:latin typeface="Times New Roman" panose="02020603050405020304" pitchFamily="18" charset="0"/>
                           <a:cs typeface="Times New Roman" panose="02020603050405020304" pitchFamily="18" charset="0"/>
                         </a:rPr>
                         <a:t>2.</a:t>
                       </a:r>
-                      <a:endParaRPr lang="ru-RU" sz="1600" kern="150">
+                      <a:endParaRPr lang="ru-RU" sz="1600" kern="150" dirty="0">
                         <a:effectLst/>
                         <a:latin typeface="Times New Roman" panose="02020603050405020304" pitchFamily="18" charset="0"/>
                         <a:ea typeface="Noto Serif CJK SC"/>
@@ -12170,14 +12186,14 @@
                     <a:p>
                       <a:pPr indent="0" algn="l"/>
                       <a:r>
-                        <a:rPr lang="ru-RU" sz="1600" kern="150">
+                        <a:rPr lang="ru-RU" sz="1600" kern="150" dirty="0">
                           <a:effectLst/>
                           <a:latin typeface="Times New Roman" panose="02020603050405020304" pitchFamily="18" charset="0"/>
                           <a:cs typeface="Times New Roman" panose="02020603050405020304" pitchFamily="18" charset="0"/>
                         </a:rPr>
                         <a:t>3.</a:t>
                       </a:r>
-                      <a:endParaRPr lang="ru-RU" sz="1600" kern="150">
+                      <a:endParaRPr lang="ru-RU" sz="1600" kern="150" dirty="0">
                         <a:effectLst/>
                         <a:latin typeface="Times New Roman" panose="02020603050405020304" pitchFamily="18" charset="0"/>
                         <a:ea typeface="Noto Serif CJK SC"/>
@@ -12194,14 +12210,14 @@
                     <a:p>
                       <a:pPr indent="0" algn="l"/>
                       <a:r>
-                        <a:rPr lang="en-US" sz="1600" kern="150">
+                        <a:rPr lang="en-US" sz="1600" kern="150" dirty="0">
                           <a:effectLst/>
                           <a:latin typeface="Times New Roman" panose="02020603050405020304" pitchFamily="18" charset="0"/>
                           <a:cs typeface="Times New Roman" panose="02020603050405020304" pitchFamily="18" charset="0"/>
                         </a:rPr>
                         <a:t>Microsoft SQL Server</a:t>
                       </a:r>
-                      <a:endParaRPr lang="ru-RU" sz="1600" kern="150">
+                      <a:endParaRPr lang="ru-RU" sz="1600" kern="150" dirty="0">
                         <a:effectLst/>
                         <a:latin typeface="Times New Roman" panose="02020603050405020304" pitchFamily="18" charset="0"/>
                         <a:ea typeface="Noto Serif CJK SC"/>
@@ -12218,14 +12234,14 @@
                     <a:p>
                       <a:pPr indent="0" algn="just"/>
                       <a:r>
-                        <a:rPr lang="ru-RU" sz="1600" kern="150">
+                        <a:rPr lang="ru-RU" sz="1600" kern="150" dirty="0">
                           <a:effectLst/>
                           <a:latin typeface="Times New Roman" panose="02020603050405020304" pitchFamily="18" charset="0"/>
                           <a:cs typeface="Times New Roman" panose="02020603050405020304" pitchFamily="18" charset="0"/>
                         </a:rPr>
                         <a:t>Реляционная</a:t>
                       </a:r>
-                      <a:endParaRPr lang="ru-RU" sz="1600" kern="150">
+                      <a:endParaRPr lang="ru-RU" sz="1600" kern="150" dirty="0">
                         <a:effectLst/>
                         <a:latin typeface="Times New Roman" panose="02020603050405020304" pitchFamily="18" charset="0"/>
                         <a:ea typeface="Noto Serif CJK SC"/>
@@ -12249,14 +12265,14 @@
                     <a:p>
                       <a:pPr indent="0" algn="l"/>
                       <a:r>
-                        <a:rPr lang="ru-RU" sz="1600" kern="150">
+                        <a:rPr lang="ru-RU" sz="1600" kern="150" dirty="0">
                           <a:effectLst/>
                           <a:latin typeface="Times New Roman" panose="02020603050405020304" pitchFamily="18" charset="0"/>
                           <a:cs typeface="Times New Roman" panose="02020603050405020304" pitchFamily="18" charset="0"/>
                         </a:rPr>
                         <a:t>4.</a:t>
                       </a:r>
-                      <a:endParaRPr lang="ru-RU" sz="1600" kern="150">
+                      <a:endParaRPr lang="ru-RU" sz="1600" kern="150" dirty="0">
                         <a:effectLst/>
                         <a:latin typeface="Times New Roman" panose="02020603050405020304" pitchFamily="18" charset="0"/>
                         <a:ea typeface="Noto Serif CJK SC"/>
@@ -12328,14 +12344,14 @@
                     <a:p>
                       <a:pPr indent="0" algn="l"/>
                       <a:r>
-                        <a:rPr lang="en-US" sz="1600" kern="150">
+                        <a:rPr lang="en-US" sz="1600" kern="150" dirty="0">
                           <a:effectLst/>
                           <a:latin typeface="Times New Roman" panose="02020603050405020304" pitchFamily="18" charset="0"/>
                           <a:cs typeface="Times New Roman" panose="02020603050405020304" pitchFamily="18" charset="0"/>
                         </a:rPr>
                         <a:t>5.</a:t>
                       </a:r>
-                      <a:endParaRPr lang="ru-RU" sz="1600" kern="150">
+                      <a:endParaRPr lang="ru-RU" sz="1600" kern="150" dirty="0">
                         <a:effectLst/>
                         <a:latin typeface="Times New Roman" panose="02020603050405020304" pitchFamily="18" charset="0"/>
                         <a:ea typeface="Noto Serif CJK SC"/>
@@ -12352,14 +12368,14 @@
                     <a:p>
                       <a:pPr indent="0" algn="l"/>
                       <a:r>
-                        <a:rPr lang="en-US" sz="1600" kern="150">
+                        <a:rPr lang="en-US" sz="1600" kern="150" dirty="0">
                           <a:effectLst/>
                           <a:latin typeface="Times New Roman" panose="02020603050405020304" pitchFamily="18" charset="0"/>
                           <a:cs typeface="Times New Roman" panose="02020603050405020304" pitchFamily="18" charset="0"/>
                         </a:rPr>
                         <a:t>MongoDB</a:t>
                       </a:r>
-                      <a:endParaRPr lang="ru-RU" sz="1600" kern="150">
+                      <a:endParaRPr lang="ru-RU" sz="1600" kern="150" dirty="0">
                         <a:effectLst/>
                         <a:latin typeface="Times New Roman" panose="02020603050405020304" pitchFamily="18" charset="0"/>
                         <a:ea typeface="Noto Serif CJK SC"/>
@@ -12403,6 +12419,56 @@
           </a:graphicData>
         </a:graphic>
       </p:graphicFrame>
+      <p:sp>
+        <p:nvSpPr>
+          <p:cNvPr id="9" name="TextBox 8">
+            <a:extLst>
+              <a:ext uri="{FF2B5EF4-FFF2-40B4-BE49-F238E27FC236}">
+                <a16:creationId xmlns:a16="http://schemas.microsoft.com/office/drawing/2014/main" id="{9E5F91C8-1630-0A30-D6C3-D893611D08C9}"/>
+              </a:ext>
+            </a:extLst>
+          </p:cNvPr>
+          <p:cNvSpPr txBox="1"/>
+          <p:nvPr/>
+        </p:nvSpPr>
+        <p:spPr>
+          <a:xfrm>
+            <a:off x="5681116" y="5664993"/>
+            <a:ext cx="6097656" cy="400110"/>
+          </a:xfrm>
+          <a:prstGeom prst="rect">
+            <a:avLst/>
+          </a:prstGeom>
+          <a:noFill/>
+        </p:spPr>
+        <p:txBody>
+          <a:bodyPr wrap="square">
+            <a:spAutoFit/>
+          </a:bodyPr>
+          <a:lstStyle/>
+          <a:p>
+            <a:pPr algn="ctr"/>
+            <a:r>
+              <a:rPr lang="ru-RU" sz="2000" u="sng" dirty="0">
+                <a:latin typeface="Times New Roman" panose="02020603050405020304" pitchFamily="18" charset="0"/>
+                <a:cs typeface="Times New Roman" panose="02020603050405020304" pitchFamily="18" charset="0"/>
+              </a:rPr>
+              <a:t>Архитектура </a:t>
+            </a:r>
+            <a:r>
+              <a:rPr lang="en-US" sz="2000" u="sng" dirty="0">
+                <a:latin typeface="Times New Roman" panose="02020603050405020304" pitchFamily="18" charset="0"/>
+                <a:cs typeface="Times New Roman" panose="02020603050405020304" pitchFamily="18" charset="0"/>
+              </a:rPr>
+              <a:t>PostgreSQL</a:t>
+            </a:r>
+            <a:endParaRPr lang="ru-RU" sz="2000" u="sng" dirty="0">
+              <a:latin typeface="Times New Roman" panose="02020603050405020304" pitchFamily="18" charset="0"/>
+              <a:cs typeface="Times New Roman" panose="02020603050405020304" pitchFamily="18" charset="0"/>
+            </a:endParaRPr>
+          </a:p>
+        </p:txBody>
+      </p:sp>
     </p:spTree>
     <p:extLst>
       <p:ext uri="{BB962C8B-B14F-4D97-AF65-F5344CB8AC3E}">
@@ -12545,7 +12611,7 @@
         <p:spPr>
           <a:xfrm>
             <a:off x="838197" y="3978140"/>
-            <a:ext cx="4495803" cy="1200329"/>
+            <a:ext cx="4495803" cy="1015663"/>
           </a:xfrm>
           <a:prstGeom prst="rect">
             <a:avLst/>
@@ -12563,7 +12629,7 @@
               <a:buChar char="•"/>
             </a:pPr>
             <a:r>
-              <a:rPr lang="ru-RU" b="1" dirty="0">
+              <a:rPr lang="ru-RU" sz="2000" b="1" dirty="0">
                 <a:solidFill>
                   <a:srgbClr val="000000"/>
                 </a:solidFill>
@@ -12571,7 +12637,7 @@
               </a:rPr>
               <a:t>Встроенный пул</a:t>
             </a:r>
-            <a:endParaRPr lang="en-US" b="1" i="0" u="none" strike="noStrike" baseline="0" dirty="0">
+            <a:endParaRPr lang="en-US" sz="2000" b="1" i="0" u="none" strike="noStrike" baseline="0" dirty="0">
               <a:solidFill>
                 <a:srgbClr val="000000"/>
               </a:solidFill>
@@ -12584,7 +12650,7 @@
               <a:buChar char="•"/>
             </a:pPr>
             <a:r>
-              <a:rPr lang="ru-RU" b="1" i="0" u="none" strike="noStrike" baseline="0" dirty="0">
+              <a:rPr lang="ru-RU" sz="2000" b="1" i="0" u="none" strike="noStrike" baseline="0" dirty="0">
                 <a:solidFill>
                   <a:srgbClr val="000000"/>
                 </a:solidFill>
@@ -12593,7 +12659,7 @@
               <a:t>Пул на основе </a:t>
             </a:r>
             <a:r>
-              <a:rPr lang="en-US" b="1" i="0" u="none" strike="noStrike" baseline="0" dirty="0">
+              <a:rPr lang="en-US" sz="2000" b="1" i="0" u="none" strike="noStrike" baseline="0" dirty="0">
                 <a:solidFill>
                   <a:srgbClr val="000000"/>
                 </a:solidFill>
@@ -12601,7 +12667,7 @@
               </a:rPr>
               <a:t>libpq</a:t>
             </a:r>
-            <a:endParaRPr lang="en-US" b="1" dirty="0">
+            <a:endParaRPr lang="en-US" sz="2000" b="1" dirty="0">
               <a:solidFill>
                 <a:srgbClr val="000000"/>
               </a:solidFill>
@@ -12614,7 +12680,7 @@
               <a:buChar char="•"/>
             </a:pPr>
             <a:r>
-              <a:rPr lang="ru-RU" b="1" i="0" u="none" strike="noStrike" baseline="0" dirty="0">
+              <a:rPr lang="ru-RU" sz="2000" b="1" i="0" u="none" strike="noStrike" baseline="0" dirty="0">
                 <a:solidFill>
                   <a:srgbClr val="000000"/>
                 </a:solidFill>
@@ -12622,19 +12688,7 @@
               </a:rPr>
               <a:t>Пул в качестве внешней службы </a:t>
             </a:r>
-            <a:endParaRPr lang="ru-RU" b="1" dirty="0"/>
-          </a:p>
-          <a:p>
-            <a:r>
-              <a:rPr lang="en-US" b="1" i="0" u="none" strike="noStrike" baseline="0" dirty="0">
-                <a:solidFill>
-                  <a:srgbClr val="000000"/>
-                </a:solidFill>
-                <a:latin typeface="Times New Roman" panose="02020603050405020304" pitchFamily="18" charset="0"/>
-              </a:rPr>
-              <a:t> </a:t>
-            </a:r>
-            <a:endParaRPr lang="ru-RU" sz="1600" b="1" dirty="0"/>
+            <a:endParaRPr lang="ru-RU" sz="2000" b="1" dirty="0"/>
           </a:p>
         </p:txBody>
       </p:sp>
@@ -12843,7 +12897,7 @@
           <p:nvPr>
             <p:extLst>
               <p:ext uri="{D42A27DB-BD31-4B8C-83A1-F6EECF244321}">
-                <p14:modId xmlns:p14="http://schemas.microsoft.com/office/powerpoint/2010/main" val="2391898018"/>
+                <p14:modId xmlns:p14="http://schemas.microsoft.com/office/powerpoint/2010/main" val="4208355847"/>
               </p:ext>
             </p:extLst>
           </p:nvPr>
@@ -13798,8 +13852,8 @@
         </p:nvSpPr>
         <p:spPr>
           <a:xfrm>
-            <a:off x="210671" y="189712"/>
-            <a:ext cx="10515600" cy="1325563"/>
+            <a:off x="210671" y="189713"/>
+            <a:ext cx="10515600" cy="1122252"/>
           </a:xfrm>
         </p:spPr>
         <p:txBody>
@@ -13809,7 +13863,7 @@
           <a:lstStyle/>
           <a:p>
             <a:r>
-              <a:rPr lang="ru-RU" sz="4000" dirty="0">
+              <a:rPr lang="ru-RU" sz="3600" dirty="0">
                 <a:latin typeface="Times New Roman" panose="02020603050405020304" pitchFamily="18" charset="0"/>
                 <a:cs typeface="Times New Roman" panose="02020603050405020304" pitchFamily="18" charset="0"/>
               </a:rPr>
@@ -13861,8 +13915,8 @@
         </p:nvSpPr>
         <p:spPr>
           <a:xfrm>
-            <a:off x="6937513" y="1907050"/>
-            <a:ext cx="4993363" cy="923330"/>
+            <a:off x="6937513" y="1582800"/>
+            <a:ext cx="4993363" cy="1015663"/>
           </a:xfrm>
           <a:prstGeom prst="rect">
             <a:avLst/>
@@ -13876,7 +13930,7 @@
           <a:lstStyle/>
           <a:p>
             <a:r>
-              <a:rPr lang="ru-RU" dirty="0">
+              <a:rPr lang="ru-RU" sz="2000" dirty="0">
                 <a:latin typeface="Times New Roman" panose="02020603050405020304" pitchFamily="18" charset="0"/>
                 <a:cs typeface="Times New Roman" panose="02020603050405020304" pitchFamily="18" charset="0"/>
               </a:rPr>
@@ -13899,8 +13953,8 @@
         </p:nvSpPr>
         <p:spPr>
           <a:xfrm>
-            <a:off x="6937513" y="4439380"/>
-            <a:ext cx="4993362" cy="1200329"/>
+            <a:off x="6937513" y="4377825"/>
+            <a:ext cx="5146911" cy="1323439"/>
           </a:xfrm>
           <a:prstGeom prst="rect">
             <a:avLst/>
@@ -13914,7 +13968,7 @@
           <a:lstStyle/>
           <a:p>
             <a:r>
-              <a:rPr lang="ru-RU" sz="1800" dirty="0">
+              <a:rPr lang="ru-RU" sz="2000" dirty="0">
                 <a:effectLst/>
                 <a:latin typeface="Times New Roman" panose="02020603050405020304" pitchFamily="18" charset="0"/>
                 <a:ea typeface="Noto Serif CJK SC"/>
@@ -13929,7 +13983,7 @@
               <a:buChar char="•"/>
             </a:pPr>
             <a:r>
-              <a:rPr lang="ru-RU" sz="1800" dirty="0">
+              <a:rPr lang="ru-RU" sz="2000" dirty="0">
                 <a:effectLst/>
                 <a:latin typeface="Times New Roman" panose="02020603050405020304" pitchFamily="18" charset="0"/>
                 <a:ea typeface="Noto Serif CJK SC"/>
@@ -13938,7 +13992,7 @@
               <a:t>размер выходного буфера </a:t>
             </a:r>
             <a:r>
-              <a:rPr lang="ru-RU" dirty="0">
+              <a:rPr lang="ru-RU" sz="2000" dirty="0">
                 <a:latin typeface="Times New Roman" panose="02020603050405020304" pitchFamily="18" charset="0"/>
                 <a:ea typeface="Noto Serif CJK SC"/>
                 <a:cs typeface="Lohit Devanagari"/>
@@ -13946,7 +14000,7 @@
               <a:t>достиг 8 Кб </a:t>
             </a:r>
             <a:r>
-              <a:rPr lang="ru-RU" sz="1800" dirty="0">
+              <a:rPr lang="ru-RU" sz="2000" dirty="0">
                 <a:effectLst/>
                 <a:latin typeface="Times New Roman" panose="02020603050405020304" pitchFamily="18" charset="0"/>
                 <a:ea typeface="Noto Serif CJK SC"/>
@@ -13955,7 +14009,7 @@
               <a:t>(</a:t>
             </a:r>
             <a:r>
-              <a:rPr lang="ru-RU" dirty="0">
+              <a:rPr lang="ru-RU" sz="2000" dirty="0">
                 <a:latin typeface="Times New Roman" panose="02020603050405020304" pitchFamily="18" charset="0"/>
                 <a:ea typeface="Noto Serif CJK SC"/>
                 <a:cs typeface="Lohit Devanagari"/>
@@ -13963,7 +14017,7 @@
               <a:t>исключает отправку маленьких пакетов</a:t>
             </a:r>
             <a:r>
-              <a:rPr lang="ru-RU" sz="1800" dirty="0">
+              <a:rPr lang="ru-RU" sz="2000" dirty="0">
                 <a:effectLst/>
                 <a:latin typeface="Times New Roman" panose="02020603050405020304" pitchFamily="18" charset="0"/>
                 <a:ea typeface="Noto Serif CJK SC"/>
@@ -13978,7 +14032,7 @@
               <a:buChar char="•"/>
             </a:pPr>
             <a:r>
-              <a:rPr lang="ru-RU" dirty="0">
+              <a:rPr lang="ru-RU" sz="2000" dirty="0">
                 <a:latin typeface="Times New Roman" panose="02020603050405020304" pitchFamily="18" charset="0"/>
                 <a:ea typeface="Noto Serif CJK SC"/>
                 <a:cs typeface="Lohit Devanagari"/>
@@ -13986,23 +14040,15 @@
               <a:t>была вызвана функция </a:t>
             </a:r>
             <a:r>
-              <a:rPr lang="en-US" i="1" dirty="0" err="1">
+              <a:rPr lang="en-US" sz="2000" i="1" dirty="0">
                 <a:latin typeface="Times New Roman" panose="02020603050405020304" pitchFamily="18" charset="0"/>
                 <a:ea typeface="Noto Serif CJK SC"/>
                 <a:cs typeface="Lohit Devanagari"/>
               </a:rPr>
-              <a:t>fflush</a:t>
-            </a:r>
-            <a:r>
-              <a:rPr lang="en-US" i="1" dirty="0">
-                <a:latin typeface="Times New Roman" panose="02020603050405020304" pitchFamily="18" charset="0"/>
-                <a:ea typeface="Noto Serif CJK SC"/>
-                <a:cs typeface="Lohit Devanagari"/>
-              </a:rPr>
-              <a:t>()</a:t>
-            </a:r>
-            <a:r>
-              <a:rPr lang="ru-RU" sz="1800" dirty="0">
+              <a:t>fflush()</a:t>
+            </a:r>
+            <a:r>
+              <a:rPr lang="ru-RU" sz="2000" dirty="0">
                 <a:effectLst/>
                 <a:latin typeface="Times New Roman" panose="02020603050405020304" pitchFamily="18" charset="0"/>
                 <a:ea typeface="Noto Serif CJK SC"/>
@@ -14042,7 +14088,7 @@
         </p:blipFill>
         <p:spPr bwMode="auto">
           <a:xfrm>
-            <a:off x="8032774" y="2869299"/>
+            <a:off x="8268016" y="2869299"/>
             <a:ext cx="2332355" cy="853440"/>
           </a:xfrm>
           <a:prstGeom prst="rect">
@@ -14082,8 +14128,8 @@
         </p:blipFill>
         <p:spPr>
           <a:xfrm>
-            <a:off x="261125" y="1823207"/>
-            <a:ext cx="6260200" cy="4533143"/>
+            <a:off x="107576" y="1582800"/>
+            <a:ext cx="6592198" cy="4773550"/>
           </a:xfrm>
           <a:prstGeom prst="rect">
             <a:avLst/>
@@ -14137,7 +14183,7 @@
         </p:nvSpPr>
         <p:spPr>
           <a:xfrm>
-            <a:off x="161949" y="0"/>
+            <a:off x="475713" y="-4316"/>
             <a:ext cx="10515600" cy="1325563"/>
           </a:xfrm>
         </p:spPr>
@@ -14148,7 +14194,7 @@
           <a:lstStyle/>
           <a:p>
             <a:r>
-              <a:rPr lang="ru-RU" sz="3600" dirty="0">
+              <a:rPr lang="ru-RU" sz="4000" dirty="0">
                 <a:latin typeface="Times New Roman" panose="02020603050405020304" pitchFamily="18" charset="0"/>
                 <a:cs typeface="Times New Roman" panose="02020603050405020304" pitchFamily="18" charset="0"/>
               </a:rPr>
@@ -14188,10 +14234,10 @@
       </p:sp>
       <p:pic>
         <p:nvPicPr>
-          <p:cNvPr id="11" name="Рисунок 10">
+          <p:cNvPr id="6" name="Рисунок 5">
             <a:extLst>
               <a:ext uri="{FF2B5EF4-FFF2-40B4-BE49-F238E27FC236}">
-                <a16:creationId xmlns:a16="http://schemas.microsoft.com/office/drawing/2014/main" id="{D76476DF-8F58-2051-E7CB-7BA64333F282}"/>
+                <a16:creationId xmlns:a16="http://schemas.microsoft.com/office/drawing/2014/main" id="{9764A5E6-EFEE-BD7B-5E40-C545A4F48557}"/>
               </a:ext>
             </a:extLst>
           </p:cNvPr>
@@ -14214,88 +14260,14 @@
         </p:blipFill>
         <p:spPr>
           <a:xfrm>
-            <a:off x="8342243" y="1742087"/>
-            <a:ext cx="2335306" cy="4543291"/>
+            <a:off x="881611" y="1534077"/>
+            <a:ext cx="10853772" cy="4459770"/>
           </a:xfrm>
           <a:prstGeom prst="rect">
             <a:avLst/>
           </a:prstGeom>
         </p:spPr>
       </p:pic>
-      <p:pic>
-        <p:nvPicPr>
-          <p:cNvPr id="12" name="Рисунок 11">
-            <a:extLst>
-              <a:ext uri="{FF2B5EF4-FFF2-40B4-BE49-F238E27FC236}">
-                <a16:creationId xmlns:a16="http://schemas.microsoft.com/office/drawing/2014/main" id="{03892476-5808-A340-E758-4014E14117CC}"/>
-              </a:ext>
-            </a:extLst>
-          </p:cNvPr>
-          <p:cNvPicPr>
-            <a:picLocks noChangeAspect="1"/>
-          </p:cNvPicPr>
-          <p:nvPr/>
-        </p:nvPicPr>
-        <p:blipFill>
-          <a:blip r:embed="rId4">
-            <a:extLst>
-              <a:ext uri="{28A0092B-C50C-407E-A947-70E740481C1C}">
-                <a14:useLocalDpi xmlns:a14="http://schemas.microsoft.com/office/drawing/2010/main" val="0"/>
-              </a:ext>
-            </a:extLst>
-          </a:blip>
-          <a:stretch>
-            <a:fillRect/>
-          </a:stretch>
-        </p:blipFill>
-        <p:spPr>
-          <a:xfrm>
-            <a:off x="480549" y="2126974"/>
-            <a:ext cx="6550022" cy="3399601"/>
-          </a:xfrm>
-          <a:prstGeom prst="rect">
-            <a:avLst/>
-          </a:prstGeom>
-        </p:spPr>
-      </p:pic>
-      <p:sp>
-        <p:nvSpPr>
-          <p:cNvPr id="3" name="TextBox 2">
-            <a:extLst>
-              <a:ext uri="{FF2B5EF4-FFF2-40B4-BE49-F238E27FC236}">
-                <a16:creationId xmlns:a16="http://schemas.microsoft.com/office/drawing/2014/main" id="{F49073B8-27F7-174C-28CD-6E15A5CFB138}"/>
-              </a:ext>
-            </a:extLst>
-          </p:cNvPr>
-          <p:cNvSpPr txBox="1"/>
-          <p:nvPr/>
-        </p:nvSpPr>
-        <p:spPr>
-          <a:xfrm>
-            <a:off x="7929866" y="1074683"/>
-            <a:ext cx="3538331" cy="369332"/>
-          </a:xfrm>
-          <a:prstGeom prst="rect">
-            <a:avLst/>
-          </a:prstGeom>
-          <a:noFill/>
-        </p:spPr>
-        <p:txBody>
-          <a:bodyPr wrap="square" rtlCol="0">
-            <a:spAutoFit/>
-          </a:bodyPr>
-          <a:lstStyle/>
-          <a:p>
-            <a:r>
-              <a:rPr lang="ru-RU" u="sng" dirty="0">
-                <a:latin typeface="Times New Roman" panose="02020603050405020304" pitchFamily="18" charset="0"/>
-                <a:cs typeface="Times New Roman" panose="02020603050405020304" pitchFamily="18" charset="0"/>
-              </a:rPr>
-              <a:t>Обработка полученных данных</a:t>
-            </a:r>
-          </a:p>
-        </p:txBody>
-      </p:sp>
     </p:spTree>
     <p:extLst>
       <p:ext uri="{BB962C8B-B14F-4D97-AF65-F5344CB8AC3E}">

--- a/Презентация.pptx
+++ b/Презентация.pptx
@@ -150,6 +150,45 @@
 <file path=ppt/changesInfos/changesInfo1.xml><?xml version="1.0" encoding="utf-8"?>
 <pc:chgInfo xmlns:a="http://schemas.openxmlformats.org/drawingml/2006/main" xmlns:r="http://schemas.openxmlformats.org/officeDocument/2006/relationships" xmlns:ac="http://schemas.microsoft.com/office/drawing/2013/main/command" xmlns:pc="http://schemas.microsoft.com/office/powerpoint/2013/main/command">
   <pc:docChgLst>
+    <pc:chgData name="Ольга Платонова" userId="b7a68a3ec46e1b54" providerId="LiveId" clId="{69C37FF1-3A42-438E-A961-1DE13AE723BC}"/>
+    <pc:docChg chg="undo custSel modSld">
+      <pc:chgData name="Ольга Платонова" userId="b7a68a3ec46e1b54" providerId="LiveId" clId="{69C37FF1-3A42-438E-A961-1DE13AE723BC}" dt="2022-04-03T09:45:50.826" v="12" actId="13822"/>
+      <pc:docMkLst>
+        <pc:docMk/>
+      </pc:docMkLst>
+      <pc:sldChg chg="modSp mod">
+        <pc:chgData name="Ольга Платонова" userId="b7a68a3ec46e1b54" providerId="LiveId" clId="{69C37FF1-3A42-438E-A961-1DE13AE723BC}" dt="2022-04-03T09:42:32.286" v="1" actId="20577"/>
+        <pc:sldMkLst>
+          <pc:docMk/>
+          <pc:sldMk cId="906348732" sldId="256"/>
+        </pc:sldMkLst>
+        <pc:spChg chg="mod">
+          <ac:chgData name="Ольга Платонова" userId="b7a68a3ec46e1b54" providerId="LiveId" clId="{69C37FF1-3A42-438E-A961-1DE13AE723BC}" dt="2022-04-03T09:42:32.286" v="1" actId="20577"/>
+          <ac:spMkLst>
+            <pc:docMk/>
+            <pc:sldMk cId="906348732" sldId="256"/>
+            <ac:spMk id="3" creationId="{00000000-0000-0000-0000-000000000000}"/>
+          </ac:spMkLst>
+        </pc:spChg>
+      </pc:sldChg>
+      <pc:sldChg chg="modSp mod addCm delCm">
+        <pc:chgData name="Ольга Платонова" userId="b7a68a3ec46e1b54" providerId="LiveId" clId="{69C37FF1-3A42-438E-A961-1DE13AE723BC}" dt="2022-04-03T09:45:50.826" v="12" actId="13822"/>
+        <pc:sldMkLst>
+          <pc:docMk/>
+          <pc:sldMk cId="3963753601" sldId="262"/>
+        </pc:sldMkLst>
+        <pc:graphicFrameChg chg="mod">
+          <ac:chgData name="Ольга Платонова" userId="b7a68a3ec46e1b54" providerId="LiveId" clId="{69C37FF1-3A42-438E-A961-1DE13AE723BC}" dt="2022-04-03T09:45:50.826" v="12" actId="13822"/>
+          <ac:graphicFrameMkLst>
+            <pc:docMk/>
+            <pc:sldMk cId="3963753601" sldId="262"/>
+            <ac:graphicFrameMk id="5" creationId="{00000000-0000-0000-0000-000000000000}"/>
+          </ac:graphicFrameMkLst>
+        </pc:graphicFrameChg>
+      </pc:sldChg>
+    </pc:docChg>
+  </pc:docChgLst>
+  <pc:docChgLst>
     <pc:chgData name="Ольга Платонова" userId="b7a68a3ec46e1b54" providerId="LiveId" clId="{1F07ACF5-96D4-4BB6-B0A8-48BFF323F040}"/>
     <pc:docChg chg="undo redo custSel addSld delSld modSld">
       <pc:chgData name="Ольга Платонова" userId="b7a68a3ec46e1b54" providerId="LiveId" clId="{1F07ACF5-96D4-4BB6-B0A8-48BFF323F040}" dt="2022-05-29T23:56:37.070" v="7561" actId="1076"/>
@@ -1618,45 +1657,6 @@
             <ac:picMk id="9" creationId="{9F24CDB8-8C4C-4351-6FCE-0F60DCC02B64}"/>
           </ac:picMkLst>
         </pc:picChg>
-      </pc:sldChg>
-    </pc:docChg>
-  </pc:docChgLst>
-  <pc:docChgLst>
-    <pc:chgData name="Ольга Платонова" userId="b7a68a3ec46e1b54" providerId="LiveId" clId="{69C37FF1-3A42-438E-A961-1DE13AE723BC}"/>
-    <pc:docChg chg="undo custSel modSld">
-      <pc:chgData name="Ольга Платонова" userId="b7a68a3ec46e1b54" providerId="LiveId" clId="{69C37FF1-3A42-438E-A961-1DE13AE723BC}" dt="2022-04-03T09:45:50.826" v="12" actId="13822"/>
-      <pc:docMkLst>
-        <pc:docMk/>
-      </pc:docMkLst>
-      <pc:sldChg chg="modSp mod">
-        <pc:chgData name="Ольга Платонова" userId="b7a68a3ec46e1b54" providerId="LiveId" clId="{69C37FF1-3A42-438E-A961-1DE13AE723BC}" dt="2022-04-03T09:42:32.286" v="1" actId="20577"/>
-        <pc:sldMkLst>
-          <pc:docMk/>
-          <pc:sldMk cId="906348732" sldId="256"/>
-        </pc:sldMkLst>
-        <pc:spChg chg="mod">
-          <ac:chgData name="Ольга Платонова" userId="b7a68a3ec46e1b54" providerId="LiveId" clId="{69C37FF1-3A42-438E-A961-1DE13AE723BC}" dt="2022-04-03T09:42:32.286" v="1" actId="20577"/>
-          <ac:spMkLst>
-            <pc:docMk/>
-            <pc:sldMk cId="906348732" sldId="256"/>
-            <ac:spMk id="3" creationId="{00000000-0000-0000-0000-000000000000}"/>
-          </ac:spMkLst>
-        </pc:spChg>
-      </pc:sldChg>
-      <pc:sldChg chg="modSp mod addCm delCm">
-        <pc:chgData name="Ольга Платонова" userId="b7a68a3ec46e1b54" providerId="LiveId" clId="{69C37FF1-3A42-438E-A961-1DE13AE723BC}" dt="2022-04-03T09:45:50.826" v="12" actId="13822"/>
-        <pc:sldMkLst>
-          <pc:docMk/>
-          <pc:sldMk cId="3963753601" sldId="262"/>
-        </pc:sldMkLst>
-        <pc:graphicFrameChg chg="mod">
-          <ac:chgData name="Ольга Платонова" userId="b7a68a3ec46e1b54" providerId="LiveId" clId="{69C37FF1-3A42-438E-A961-1DE13AE723BC}" dt="2022-04-03T09:45:50.826" v="12" actId="13822"/>
-          <ac:graphicFrameMkLst>
-            <pc:docMk/>
-            <pc:sldMk cId="3963753601" sldId="262"/>
-            <ac:graphicFrameMk id="5" creationId="{00000000-0000-0000-0000-000000000000}"/>
-          </ac:graphicFrameMkLst>
-        </pc:graphicFrameChg>
       </pc:sldChg>
     </pc:docChg>
   </pc:docChgLst>
@@ -2222,10 +2222,10 @@
           <c:layoutTarget val="inner"/>
           <c:xMode val="edge"/>
           <c:yMode val="edge"/>
-          <c:x val="8.6961726717629639E-2"/>
-          <c:y val="3.7550200209496253E-2"/>
-          <c:w val="0.89088712571180584"/>
-          <c:h val="0.83178047889541662"/>
+          <c:x val="8.2884369918676606E-2"/>
+          <c:y val="3.3796950726368326E-2"/>
+          <c:w val="0.8949562816835458"/>
+          <c:h val="0.83630469898577697"/>
         </c:manualLayout>
       </c:layout>
       <c:lineChart>
@@ -2235,35 +2235,66 @@
           <c:idx val="0"/>
           <c:order val="0"/>
           <c:tx>
-            <c:v>Custom</c:v>
+            <c:v>Разработанный метод</c:v>
           </c:tx>
           <c:spPr>
-            <a:ln w="28575" cap="rnd">
+            <a:ln w="28440">
               <a:solidFill>
-                <a:schemeClr val="accent1"/>
+                <a:srgbClr val="4472C4"/>
               </a:solidFill>
               <a:round/>
             </a:ln>
-            <a:effectLst/>
           </c:spPr>
           <c:marker>
             <c:symbol val="circle"/>
             <c:size val="5"/>
             <c:spPr>
               <a:solidFill>
-                <a:schemeClr val="accent1"/>
+                <a:srgbClr val="4472C4"/>
               </a:solidFill>
-              <a:ln w="9525">
-                <a:solidFill>
-                  <a:schemeClr val="accent1"/>
-                </a:solidFill>
+            </c:spPr>
+          </c:marker>
+          <c:dLbls>
+            <c:spPr>
+              <a:noFill/>
+              <a:ln>
+                <a:noFill/>
               </a:ln>
               <a:effectLst/>
             </c:spPr>
-          </c:marker>
+            <c:txPr>
+              <a:bodyPr/>
+              <a:lstStyle/>
+              <a:p>
+                <a:pPr>
+                  <a:defRPr sz="1000" b="0" strike="noStrike" spc="-1">
+                    <a:solidFill>
+                      <a:srgbClr val="000000"/>
+                    </a:solidFill>
+                    <a:latin typeface="Calibri"/>
+                  </a:defRPr>
+                </a:pPr>
+                <a:endParaRPr lang="ru-RU"/>
+              </a:p>
+            </c:txPr>
+            <c:dLblPos val="r"/>
+            <c:showLegendKey val="0"/>
+            <c:showVal val="0"/>
+            <c:showCatName val="0"/>
+            <c:showSerName val="0"/>
+            <c:showPercent val="0"/>
+            <c:showBubbleSize val="1"/>
+            <c:separator>; </c:separator>
+            <c:showLeaderLines val="0"/>
+            <c:extLst>
+              <c:ext xmlns:c15="http://schemas.microsoft.com/office/drawing/2012/chart" uri="{CE6537A1-D6FC-4f65-9D91-7224C49458BB}">
+                <c15:showLeaderLines val="0"/>
+              </c:ext>
+            </c:extLst>
+          </c:dLbls>
           <c:cat>
             <c:numRef>
-              <c:f>'[2.ods]Лист1'!$A$2:$A$8</c:f>
+              <c:f>'[2Ex.xlsx]Лист1'!$A$2:$A$8</c:f>
               <c:numCache>
                 <c:formatCode>General</c:formatCode>
                 <c:ptCount val="7"/>
@@ -2293,7 +2324,7 @@
           </c:cat>
           <c:val>
             <c:numRef>
-              <c:f>'[2.ods]Лист1'!$B$2:$B$8</c:f>
+              <c:f>'[2Ex.xlsx]Лист1'!$B$2:$B$8</c:f>
               <c:numCache>
                 <c:formatCode>General</c:formatCode>
                 <c:ptCount val="7"/>
@@ -2324,7 +2355,7 @@
           <c:smooth val="0"/>
           <c:extLst>
             <c:ext xmlns:c16="http://schemas.microsoft.com/office/drawing/2014/chart" uri="{C3380CC4-5D6E-409C-BE32-E72D297353CC}">
-              <c16:uniqueId val="{00000000-AED8-4510-8E68-8171EE5FE281}"/>
+              <c16:uniqueId val="{00000000-0779-4739-9F08-D1C7E2C817F0}"/>
             </c:ext>
           </c:extLst>
         </c:ser>
@@ -2332,35 +2363,66 @@
           <c:idx val="1"/>
           <c:order val="1"/>
           <c:tx>
-            <c:v>Single</c:v>
+            <c:v>Однопоточная</c:v>
           </c:tx>
           <c:spPr>
-            <a:ln w="28575" cap="rnd">
+            <a:ln w="28440">
               <a:solidFill>
-                <a:schemeClr val="accent2"/>
+                <a:srgbClr val="ED7D31"/>
               </a:solidFill>
               <a:round/>
             </a:ln>
-            <a:effectLst/>
           </c:spPr>
           <c:marker>
             <c:symbol val="circle"/>
             <c:size val="5"/>
             <c:spPr>
               <a:solidFill>
-                <a:schemeClr val="accent2"/>
+                <a:srgbClr val="ED7D31"/>
               </a:solidFill>
-              <a:ln w="9525">
-                <a:solidFill>
-                  <a:schemeClr val="accent2"/>
-                </a:solidFill>
+            </c:spPr>
+          </c:marker>
+          <c:dLbls>
+            <c:spPr>
+              <a:noFill/>
+              <a:ln>
+                <a:noFill/>
               </a:ln>
               <a:effectLst/>
             </c:spPr>
-          </c:marker>
+            <c:txPr>
+              <a:bodyPr/>
+              <a:lstStyle/>
+              <a:p>
+                <a:pPr>
+                  <a:defRPr sz="1000" b="0" strike="noStrike" spc="-1">
+                    <a:solidFill>
+                      <a:srgbClr val="000000"/>
+                    </a:solidFill>
+                    <a:latin typeface="Calibri"/>
+                  </a:defRPr>
+                </a:pPr>
+                <a:endParaRPr lang="ru-RU"/>
+              </a:p>
+            </c:txPr>
+            <c:dLblPos val="r"/>
+            <c:showLegendKey val="0"/>
+            <c:showVal val="0"/>
+            <c:showCatName val="0"/>
+            <c:showSerName val="0"/>
+            <c:showPercent val="0"/>
+            <c:showBubbleSize val="1"/>
+            <c:separator>; </c:separator>
+            <c:showLeaderLines val="0"/>
+            <c:extLst>
+              <c:ext xmlns:c15="http://schemas.microsoft.com/office/drawing/2012/chart" uri="{CE6537A1-D6FC-4f65-9D91-7224C49458BB}">
+                <c15:showLeaderLines val="0"/>
+              </c:ext>
+            </c:extLst>
+          </c:dLbls>
           <c:cat>
             <c:numRef>
-              <c:f>'[2.ods]Лист1'!$A$2:$A$8</c:f>
+              <c:f>'[2Ex.xlsx]Лист1'!$A$2:$A$8</c:f>
               <c:numCache>
                 <c:formatCode>General</c:formatCode>
                 <c:ptCount val="7"/>
@@ -2390,7 +2452,7 @@
           </c:cat>
           <c:val>
             <c:numRef>
-              <c:f>'[2.ods]Лист1'!$C$2:$C$8</c:f>
+              <c:f>'[2Ex.xlsx]Лист1'!$C$2:$C$8</c:f>
               <c:numCache>
                 <c:formatCode>General</c:formatCode>
                 <c:ptCount val="7"/>
@@ -2421,7 +2483,7 @@
           <c:smooth val="0"/>
           <c:extLst>
             <c:ext xmlns:c16="http://schemas.microsoft.com/office/drawing/2014/chart" uri="{C3380CC4-5D6E-409C-BE32-E72D297353CC}">
-              <c16:uniqueId val="{00000001-AED8-4510-8E68-8171EE5FE281}"/>
+              <c16:uniqueId val="{00000001-0779-4739-9F08-D1C7E2C817F0}"/>
             </c:ext>
           </c:extLst>
         </c:ser>
@@ -2429,35 +2491,66 @@
           <c:idx val="2"/>
           <c:order val="2"/>
           <c:tx>
-            <c:v>Multi</c:v>
+            <c:v>Многопоточная</c:v>
           </c:tx>
           <c:spPr>
-            <a:ln w="28575" cap="rnd">
+            <a:ln w="28440">
               <a:solidFill>
-                <a:schemeClr val="accent3"/>
+                <a:srgbClr val="A5A5A5"/>
               </a:solidFill>
               <a:round/>
             </a:ln>
-            <a:effectLst/>
           </c:spPr>
           <c:marker>
             <c:symbol val="circle"/>
             <c:size val="5"/>
             <c:spPr>
               <a:solidFill>
-                <a:schemeClr val="accent3"/>
+                <a:srgbClr val="A5A5A5"/>
               </a:solidFill>
-              <a:ln w="9525">
-                <a:solidFill>
-                  <a:schemeClr val="accent3"/>
-                </a:solidFill>
+            </c:spPr>
+          </c:marker>
+          <c:dLbls>
+            <c:spPr>
+              <a:noFill/>
+              <a:ln>
+                <a:noFill/>
               </a:ln>
               <a:effectLst/>
             </c:spPr>
-          </c:marker>
+            <c:txPr>
+              <a:bodyPr/>
+              <a:lstStyle/>
+              <a:p>
+                <a:pPr>
+                  <a:defRPr sz="1000" b="0" strike="noStrike" spc="-1">
+                    <a:solidFill>
+                      <a:srgbClr val="000000"/>
+                    </a:solidFill>
+                    <a:latin typeface="Calibri"/>
+                  </a:defRPr>
+                </a:pPr>
+                <a:endParaRPr lang="ru-RU"/>
+              </a:p>
+            </c:txPr>
+            <c:dLblPos val="r"/>
+            <c:showLegendKey val="0"/>
+            <c:showVal val="0"/>
+            <c:showCatName val="0"/>
+            <c:showSerName val="0"/>
+            <c:showPercent val="0"/>
+            <c:showBubbleSize val="1"/>
+            <c:separator>; </c:separator>
+            <c:showLeaderLines val="0"/>
+            <c:extLst>
+              <c:ext xmlns:c15="http://schemas.microsoft.com/office/drawing/2012/chart" uri="{CE6537A1-D6FC-4f65-9D91-7224C49458BB}">
+                <c15:showLeaderLines val="0"/>
+              </c:ext>
+            </c:extLst>
+          </c:dLbls>
           <c:cat>
             <c:numRef>
-              <c:f>'[2.ods]Лист1'!$A$2:$A$8</c:f>
+              <c:f>'[2Ex.xlsx]Лист1'!$A$2:$A$8</c:f>
               <c:numCache>
                 <c:formatCode>General</c:formatCode>
                 <c:ptCount val="7"/>
@@ -2487,7 +2580,7 @@
           </c:cat>
           <c:val>
             <c:numRef>
-              <c:f>'[2.ods]Лист1'!$D$2:$D$8</c:f>
+              <c:f>'[2Ex.xlsx]Лист1'!$D$2:$D$8</c:f>
               <c:numCache>
                 <c:formatCode>General</c:formatCode>
                 <c:ptCount val="7"/>
@@ -2518,7 +2611,7 @@
           <c:smooth val="0"/>
           <c:extLst>
             <c:ext xmlns:c16="http://schemas.microsoft.com/office/drawing/2014/chart" uri="{C3380CC4-5D6E-409C-BE32-E72D297353CC}">
-              <c16:uniqueId val="{00000002-AED8-4510-8E68-8171EE5FE281}"/>
+              <c16:uniqueId val="{00000002-0779-4739-9F08-D1C7E2C817F0}"/>
             </c:ext>
           </c:extLst>
         </c:ser>
@@ -2526,35 +2619,66 @@
           <c:idx val="3"/>
           <c:order val="3"/>
           <c:tx>
-            <c:v>Pool</c:v>
+            <c:v>Пул</c:v>
           </c:tx>
           <c:spPr>
-            <a:ln w="28575" cap="rnd">
+            <a:ln w="28440">
               <a:solidFill>
-                <a:schemeClr val="accent4"/>
+                <a:srgbClr val="FFC000"/>
               </a:solidFill>
               <a:round/>
             </a:ln>
-            <a:effectLst/>
           </c:spPr>
           <c:marker>
             <c:symbol val="circle"/>
             <c:size val="5"/>
             <c:spPr>
               <a:solidFill>
-                <a:schemeClr val="accent4"/>
+                <a:srgbClr val="FFC000"/>
               </a:solidFill>
-              <a:ln w="9525">
-                <a:solidFill>
-                  <a:schemeClr val="accent4"/>
-                </a:solidFill>
+            </c:spPr>
+          </c:marker>
+          <c:dLbls>
+            <c:spPr>
+              <a:noFill/>
+              <a:ln>
+                <a:noFill/>
               </a:ln>
               <a:effectLst/>
             </c:spPr>
-          </c:marker>
+            <c:txPr>
+              <a:bodyPr/>
+              <a:lstStyle/>
+              <a:p>
+                <a:pPr>
+                  <a:defRPr sz="1000" b="0" strike="noStrike" spc="-1">
+                    <a:solidFill>
+                      <a:srgbClr val="000000"/>
+                    </a:solidFill>
+                    <a:latin typeface="Calibri"/>
+                  </a:defRPr>
+                </a:pPr>
+                <a:endParaRPr lang="ru-RU"/>
+              </a:p>
+            </c:txPr>
+            <c:dLblPos val="r"/>
+            <c:showLegendKey val="0"/>
+            <c:showVal val="0"/>
+            <c:showCatName val="0"/>
+            <c:showSerName val="0"/>
+            <c:showPercent val="0"/>
+            <c:showBubbleSize val="1"/>
+            <c:separator>; </c:separator>
+            <c:showLeaderLines val="0"/>
+            <c:extLst>
+              <c:ext xmlns:c15="http://schemas.microsoft.com/office/drawing/2012/chart" uri="{CE6537A1-D6FC-4f65-9D91-7224C49458BB}">
+                <c15:showLeaderLines val="0"/>
+              </c:ext>
+            </c:extLst>
+          </c:dLbls>
           <c:cat>
             <c:numRef>
-              <c:f>'[2.ods]Лист1'!$A$2:$A$8</c:f>
+              <c:f>'[2Ex.xlsx]Лист1'!$A$2:$A$8</c:f>
               <c:numCache>
                 <c:formatCode>General</c:formatCode>
                 <c:ptCount val="7"/>
@@ -2584,7 +2708,7 @@
           </c:cat>
           <c:val>
             <c:numRef>
-              <c:f>'[2.ods]Лист1'!$E$2:$E$8</c:f>
+              <c:f>'[2Ex.xlsx]Лист1'!$E$2:$E$8</c:f>
               <c:numCache>
                 <c:formatCode>General</c:formatCode>
                 <c:ptCount val="7"/>
@@ -2615,7 +2739,7 @@
           <c:smooth val="0"/>
           <c:extLst>
             <c:ext xmlns:c16="http://schemas.microsoft.com/office/drawing/2014/chart" uri="{C3380CC4-5D6E-409C-BE32-E72D297353CC}">
-              <c16:uniqueId val="{00000003-AED8-4510-8E68-8171EE5FE281}"/>
+              <c16:uniqueId val="{00000003-0779-4739-9F08-D1C7E2C817F0}"/>
             </c:ext>
           </c:extLst>
         </c:ser>
@@ -2627,13 +2751,20 @@
           <c:showPercent val="0"/>
           <c:showBubbleSize val="0"/>
         </c:dLbls>
+        <c:hiLowLines>
+          <c:spPr>
+            <a:ln>
+              <a:noFill/>
+            </a:ln>
+          </c:spPr>
+        </c:hiLowLines>
         <c:marker val="1"/>
         <c:smooth val="0"/>
-        <c:axId val="2033137871"/>
-        <c:axId val="2033143279"/>
+        <c:axId val="46518742"/>
+        <c:axId val="29397383"/>
       </c:lineChart>
       <c:catAx>
-        <c:axId val="2033137871"/>
+        <c:axId val="46518742"/>
         <c:scaling>
           <c:orientation val="minMax"/>
         </c:scaling>
@@ -2641,62 +2772,46 @@
         <c:axPos val="b"/>
         <c:majorGridlines>
           <c:spPr>
-            <a:ln w="9525" cap="flat" cmpd="sng" algn="ctr">
+            <a:ln w="9360">
               <a:solidFill>
-                <a:schemeClr val="tx1">
-                  <a:lumMod val="15000"/>
-                  <a:lumOff val="85000"/>
-                </a:schemeClr>
+                <a:srgbClr val="D9D9D9"/>
               </a:solidFill>
               <a:round/>
             </a:ln>
-            <a:effectLst/>
           </c:spPr>
         </c:majorGridlines>
         <c:minorGridlines>
           <c:spPr>
-            <a:ln w="9525" cap="flat" cmpd="sng" algn="ctr">
+            <a:ln w="9360">
               <a:solidFill>
-                <a:schemeClr val="tx1">
-                  <a:lumMod val="5000"/>
-                  <a:lumOff val="95000"/>
-                </a:schemeClr>
+                <a:srgbClr val="F2F2F2"/>
               </a:solidFill>
               <a:round/>
             </a:ln>
-            <a:effectLst/>
           </c:spPr>
         </c:minorGridlines>
         <c:title>
           <c:tx>
             <c:rich>
-              <a:bodyPr rot="0" spcFirstLastPara="1" vertOverflow="ellipsis" vert="horz" wrap="square" anchor="ctr" anchorCtr="1"/>
+              <a:bodyPr rot="0"/>
               <a:lstStyle/>
               <a:p>
                 <a:pPr>
-                  <a:defRPr sz="1000" b="0" i="0" u="none" strike="noStrike" kern="1200" baseline="0">
+                  <a:defRPr lang="ru-RU" sz="1000" b="0" strike="noStrike" spc="-1">
                     <a:solidFill>
-                      <a:schemeClr val="tx1">
-                        <a:lumMod val="65000"/>
-                        <a:lumOff val="35000"/>
-                      </a:schemeClr>
+                      <a:srgbClr val="595959"/>
                     </a:solidFill>
-                    <a:latin typeface="+mn-lt"/>
-                    <a:ea typeface="+mn-ea"/>
-                    <a:cs typeface="+mn-cs"/>
+                    <a:latin typeface="Calibri"/>
                   </a:defRPr>
                 </a:pPr>
                 <a:r>
-                  <a:rPr lang="ru-RU" dirty="0"/>
-                  <a:t>Число соединений</a:t>
-                </a:r>
-                <a:r>
-                  <a:rPr lang="en-US" dirty="0"/>
-                  <a:t>, </a:t>
-                </a:r>
-                <a:r>
-                  <a:rPr lang="ru-RU" dirty="0"/>
-                  <a:t>шт</a:t>
+                  <a:rPr lang="ru-RU" sz="1000" b="0" strike="noStrike" spc="-1">
+                    <a:solidFill>
+                      <a:srgbClr val="595959"/>
+                    </a:solidFill>
+                    <a:latin typeface="Calibri"/>
+                  </a:rPr>
+                  <a:t>Число соединений, шт</a:t>
                 </a:r>
               </a:p>
             </c:rich>
@@ -2707,67 +2822,36 @@
             <a:ln>
               <a:noFill/>
             </a:ln>
-            <a:effectLst/>
           </c:spPr>
-          <c:txPr>
-            <a:bodyPr rot="0" spcFirstLastPara="1" vertOverflow="ellipsis" vert="horz" wrap="square" anchor="ctr" anchorCtr="1"/>
-            <a:lstStyle/>
-            <a:p>
-              <a:pPr>
-                <a:defRPr sz="1000" b="0" i="0" u="none" strike="noStrike" kern="1200" baseline="0">
-                  <a:solidFill>
-                    <a:schemeClr val="tx1">
-                      <a:lumMod val="65000"/>
-                      <a:lumOff val="35000"/>
-                    </a:schemeClr>
-                  </a:solidFill>
-                  <a:latin typeface="+mn-lt"/>
-                  <a:ea typeface="+mn-ea"/>
-                  <a:cs typeface="+mn-cs"/>
-                </a:defRPr>
-              </a:pPr>
-              <a:endParaRPr lang="ru-RU"/>
-            </a:p>
-          </c:txPr>
         </c:title>
         <c:numFmt formatCode="General" sourceLinked="1"/>
         <c:majorTickMark val="none"/>
         <c:minorTickMark val="none"/>
         <c:tickLblPos val="nextTo"/>
         <c:spPr>
-          <a:noFill/>
-          <a:ln w="9525" cap="flat" cmpd="sng" algn="ctr">
+          <a:ln w="9360">
             <a:solidFill>
-              <a:schemeClr val="tx1">
-                <a:lumMod val="15000"/>
-                <a:lumOff val="85000"/>
-              </a:schemeClr>
+              <a:srgbClr val="D9D9D9"/>
             </a:solidFill>
             <a:round/>
           </a:ln>
-          <a:effectLst/>
         </c:spPr>
         <c:txPr>
-          <a:bodyPr rot="-60000000" spcFirstLastPara="1" vertOverflow="ellipsis" vert="horz" wrap="square" anchor="ctr" anchorCtr="1"/>
+          <a:bodyPr/>
           <a:lstStyle/>
           <a:p>
             <a:pPr>
-              <a:defRPr sz="900" b="0" i="0" u="none" strike="noStrike" kern="1200" baseline="0">
+              <a:defRPr sz="900" b="0" strike="noStrike" spc="-1">
                 <a:solidFill>
-                  <a:schemeClr val="tx1">
-                    <a:lumMod val="65000"/>
-                    <a:lumOff val="35000"/>
-                  </a:schemeClr>
+                  <a:srgbClr val="595959"/>
                 </a:solidFill>
-                <a:latin typeface="+mn-lt"/>
-                <a:ea typeface="+mn-ea"/>
-                <a:cs typeface="+mn-cs"/>
+                <a:latin typeface="Calibri"/>
               </a:defRPr>
             </a:pPr>
             <a:endParaRPr lang="ru-RU"/>
           </a:p>
         </c:txPr>
-        <c:crossAx val="2033143279"/>
+        <c:crossAx val="29397383"/>
         <c:crosses val="autoZero"/>
         <c:auto val="1"/>
         <c:lblAlgn val="ctr"/>
@@ -2775,7 +2859,7 @@
         <c:noMultiLvlLbl val="0"/>
       </c:catAx>
       <c:valAx>
-        <c:axId val="2033143279"/>
+        <c:axId val="29397383"/>
         <c:scaling>
           <c:orientation val="minMax"/>
         </c:scaling>
@@ -2783,42 +2867,37 @@
         <c:axPos val="l"/>
         <c:majorGridlines>
           <c:spPr>
-            <a:ln w="9525" cap="flat" cmpd="sng" algn="ctr">
+            <a:ln w="9360">
               <a:solidFill>
-                <a:schemeClr val="tx1">
-                  <a:lumMod val="15000"/>
-                  <a:lumOff val="85000"/>
-                </a:schemeClr>
+                <a:srgbClr val="D9D9D9"/>
               </a:solidFill>
               <a:round/>
             </a:ln>
-            <a:effectLst/>
           </c:spPr>
         </c:majorGridlines>
         <c:title>
           <c:tx>
             <c:rich>
-              <a:bodyPr rot="-5400000" spcFirstLastPara="1" vertOverflow="ellipsis" vert="horz" wrap="square" anchor="ctr" anchorCtr="1"/>
+              <a:bodyPr rot="-5400000"/>
               <a:lstStyle/>
               <a:p>
                 <a:pPr>
-                  <a:defRPr sz="1000" b="0" i="0" u="none" strike="noStrike" kern="1200" baseline="0">
+                  <a:defRPr lang="ru-RU" sz="1000" b="0" strike="noStrike" spc="-1">
                     <a:solidFill>
-                      <a:schemeClr val="tx1">
-                        <a:lumMod val="65000"/>
-                        <a:lumOff val="35000"/>
-                      </a:schemeClr>
+                      <a:srgbClr val="595959"/>
                     </a:solidFill>
-                    <a:latin typeface="+mn-lt"/>
-                    <a:ea typeface="+mn-ea"/>
-                    <a:cs typeface="+mn-cs"/>
+                    <a:latin typeface="Calibri"/>
                   </a:defRPr>
                 </a:pPr>
                 <a:r>
-                  <a:rPr lang="ru-RU" dirty="0"/>
+                  <a:rPr lang="ru-RU" sz="1000" b="0" strike="noStrike" spc="-1" dirty="0">
+                    <a:solidFill>
+                      <a:srgbClr val="595959"/>
+                    </a:solidFill>
+                    <a:latin typeface="Calibri"/>
+                  </a:rPr>
                   <a:t>Время, с</a:t>
                 </a:r>
-                <a:endParaRPr lang="en-US" dirty="0"/>
               </a:p>
             </c:rich>
           </c:tx>
@@ -2828,61 +2907,33 @@
             <a:ln>
               <a:noFill/>
             </a:ln>
-            <a:effectLst/>
           </c:spPr>
-          <c:txPr>
-            <a:bodyPr rot="-5400000" spcFirstLastPara="1" vertOverflow="ellipsis" vert="horz" wrap="square" anchor="ctr" anchorCtr="1"/>
-            <a:lstStyle/>
-            <a:p>
-              <a:pPr>
-                <a:defRPr sz="1000" b="0" i="0" u="none" strike="noStrike" kern="1200" baseline="0">
-                  <a:solidFill>
-                    <a:schemeClr val="tx1">
-                      <a:lumMod val="65000"/>
-                      <a:lumOff val="35000"/>
-                    </a:schemeClr>
-                  </a:solidFill>
-                  <a:latin typeface="+mn-lt"/>
-                  <a:ea typeface="+mn-ea"/>
-                  <a:cs typeface="+mn-cs"/>
-                </a:defRPr>
-              </a:pPr>
-              <a:endParaRPr lang="ru-RU"/>
-            </a:p>
-          </c:txPr>
         </c:title>
-        <c:numFmt formatCode="General" sourceLinked="1"/>
+        <c:numFmt formatCode="General" sourceLinked="0"/>
         <c:majorTickMark val="none"/>
         <c:minorTickMark val="none"/>
         <c:tickLblPos val="nextTo"/>
         <c:spPr>
-          <a:noFill/>
-          <a:ln>
+          <a:ln w="6480">
             <a:noFill/>
           </a:ln>
-          <a:effectLst/>
         </c:spPr>
         <c:txPr>
-          <a:bodyPr rot="-60000000" spcFirstLastPara="1" vertOverflow="ellipsis" vert="horz" wrap="square" anchor="ctr" anchorCtr="1"/>
+          <a:bodyPr/>
           <a:lstStyle/>
           <a:p>
             <a:pPr>
-              <a:defRPr sz="900" b="0" i="0" u="none" strike="noStrike" kern="1200" baseline="0">
+              <a:defRPr sz="900" b="0" strike="noStrike" spc="-1">
                 <a:solidFill>
-                  <a:schemeClr val="tx1">
-                    <a:lumMod val="65000"/>
-                    <a:lumOff val="35000"/>
-                  </a:schemeClr>
+                  <a:srgbClr val="595959"/>
                 </a:solidFill>
-                <a:latin typeface="+mn-lt"/>
-                <a:ea typeface="+mn-ea"/>
-                <a:cs typeface="+mn-cs"/>
+                <a:latin typeface="Calibri"/>
               </a:defRPr>
             </a:pPr>
             <a:endParaRPr lang="ru-RU"/>
           </a:p>
         </c:txPr>
-        <c:crossAx val="2033137871"/>
+        <c:crossAx val="46518742"/>
         <c:crosses val="autoZero"/>
         <c:crossBetween val="between"/>
       </c:valAx>
@@ -2890,10 +2941,9 @@
         <a:noFill/>
         <a:ln>
           <a:solidFill>
-            <a:schemeClr val="tx1"/>
+            <a:srgbClr val="000000"/>
           </a:solidFill>
         </a:ln>
-        <a:effectLst/>
       </c:spPr>
     </c:plotArea>
     <c:legend>
@@ -2902,10 +2952,10 @@
         <c:manualLayout>
           <c:xMode val="edge"/>
           <c:yMode val="edge"/>
-          <c:x val="0.13573183062823477"/>
-          <c:y val="4.8016680137610575E-2"/>
-          <c:w val="0.43855767963795794"/>
-          <c:h val="5.7605823963478735E-2"/>
+          <c:x val="9.9391101712995339E-2"/>
+          <c:y val="5.4069073032138065E-2"/>
+          <c:w val="0.75286996872153245"/>
+          <c:h val="5.1847957752118118E-2"/>
         </c:manualLayout>
       </c:layout>
       <c:overlay val="0"/>
@@ -2914,23 +2964,17 @@
         <a:ln>
           <a:noFill/>
         </a:ln>
-        <a:effectLst/>
       </c:spPr>
       <c:txPr>
-        <a:bodyPr rot="0" spcFirstLastPara="1" vertOverflow="ellipsis" vert="horz" wrap="square" anchor="ctr" anchorCtr="1"/>
+        <a:bodyPr/>
         <a:lstStyle/>
         <a:p>
           <a:pPr>
-            <a:defRPr sz="900" b="0" i="0" u="none" strike="noStrike" kern="1200" baseline="0">
+            <a:defRPr sz="900" b="0" strike="noStrike" spc="-1">
               <a:solidFill>
-                <a:schemeClr val="tx1">
-                  <a:lumMod val="65000"/>
-                  <a:lumOff val="35000"/>
-                </a:schemeClr>
+                <a:srgbClr val="595959"/>
               </a:solidFill>
-              <a:latin typeface="+mn-lt"/>
-              <a:ea typeface="+mn-ea"/>
-              <a:cs typeface="+mn-cs"/>
+              <a:latin typeface="Calibri"/>
             </a:defRPr>
           </a:pPr>
           <a:endParaRPr lang="ru-RU"/>
@@ -2939,38 +2983,20 @@
     </c:legend>
     <c:plotVisOnly val="1"/>
     <c:dispBlanksAs val="gap"/>
-    <c:extLst>
-      <c:ext xmlns:c16r3="http://schemas.microsoft.com/office/drawing/2017/03/chart" uri="{56B9EC1D-385E-4148-901F-78D8002777C0}">
-        <c16r3:dataDisplayOptions16>
-          <c16r3:dispNaAsBlank val="1"/>
-        </c16r3:dataDisplayOptions16>
-      </c:ext>
-    </c:extLst>
-    <c:showDLblsOverMax val="0"/>
+    <c:showDLblsOverMax val="1"/>
   </c:chart>
   <c:spPr>
     <a:solidFill>
-      <a:schemeClr val="bg1"/>
+      <a:srgbClr val="FFFFFF"/>
     </a:solidFill>
-    <a:ln w="9525" cap="flat" cmpd="sng" algn="ctr">
+    <a:ln w="9360">
       <a:solidFill>
-        <a:schemeClr val="tx1"/>
+        <a:srgbClr val="000000"/>
       </a:solidFill>
       <a:round/>
     </a:ln>
-    <a:effectLst/>
   </c:spPr>
-  <c:txPr>
-    <a:bodyPr/>
-    <a:lstStyle/>
-    <a:p>
-      <a:pPr>
-        <a:defRPr/>
-      </a:pPr>
-      <a:endParaRPr lang="ru-RU"/>
-    </a:p>
-  </c:txPr>
-  <c:externalData r:id="rId3">
+  <c:externalData r:id="rId1">
     <c:autoUpdate val="0"/>
   </c:externalData>
 </c:chartSpace>
@@ -2997,29 +3023,28 @@
           <c:layoutTarget val="inner"/>
           <c:xMode val="edge"/>
           <c:yMode val="edge"/>
-          <c:x val="9.433341373015007E-2"/>
-          <c:y val="3.7722908093278461E-2"/>
-          <c:w val="0.88309839746473795"/>
-          <c:h val="0.82071870645798906"/>
+          <c:x val="8.5608365133078929E-2"/>
+          <c:y val="3.3729386021354543E-2"/>
+          <c:w val="0.89343680250558"/>
+          <c:h val="0.84583087163542137"/>
         </c:manualLayout>
       </c:layout>
       <c:lineChart>
         <c:grouping val="standard"/>
         <c:varyColors val="0"/>
         <c:ser>
-          <c:idx val="1"/>
-          <c:order val="1"/>
+          <c:idx val="0"/>
+          <c:order val="0"/>
           <c:tx>
-            <c:v>Custom</c:v>
+            <c:v>Разработанный метод</c:v>
           </c:tx>
           <c:spPr>
-            <a:ln w="28575" cap="rnd">
+            <a:ln w="28440">
               <a:solidFill>
                 <a:srgbClr val="4472C4"/>
               </a:solidFill>
               <a:round/>
             </a:ln>
-            <a:effectLst/>
           </c:spPr>
           <c:marker>
             <c:symbol val="circle"/>
@@ -3028,14 +3053,46 @@
               <a:solidFill>
                 <a:srgbClr val="4472C4"/>
               </a:solidFill>
-              <a:ln w="9525">
-                <a:solidFill>
-                  <a:srgbClr val="4472C4"/>
-                </a:solidFill>
+            </c:spPr>
+          </c:marker>
+          <c:dLbls>
+            <c:spPr>
+              <a:noFill/>
+              <a:ln>
+                <a:noFill/>
               </a:ln>
               <a:effectLst/>
             </c:spPr>
-          </c:marker>
+            <c:txPr>
+              <a:bodyPr/>
+              <a:lstStyle/>
+              <a:p>
+                <a:pPr>
+                  <a:defRPr sz="1000" b="0" strike="noStrike" spc="-1">
+                    <a:solidFill>
+                      <a:srgbClr val="000000"/>
+                    </a:solidFill>
+                    <a:latin typeface="Calibri"/>
+                  </a:defRPr>
+                </a:pPr>
+                <a:endParaRPr lang="ru-RU"/>
+              </a:p>
+            </c:txPr>
+            <c:dLblPos val="r"/>
+            <c:showLegendKey val="0"/>
+            <c:showVal val="0"/>
+            <c:showCatName val="0"/>
+            <c:showSerName val="0"/>
+            <c:showPercent val="0"/>
+            <c:showBubbleSize val="1"/>
+            <c:separator>; </c:separator>
+            <c:showLeaderLines val="0"/>
+            <c:extLst>
+              <c:ext xmlns:c15="http://schemas.microsoft.com/office/drawing/2012/chart" uri="{CE6537A1-D6FC-4f65-9D91-7224C49458BB}">
+                <c15:showLeaderLines val="0"/>
+              </c:ext>
+            </c:extLst>
+          </c:dLbls>
           <c:cat>
             <c:numRef>
               <c:f>'[2Ex.xlsx]Лист1'!$P$2:$P$8</c:f>
@@ -3099,24 +3156,23 @@
           <c:smooth val="0"/>
           <c:extLst>
             <c:ext xmlns:c16="http://schemas.microsoft.com/office/drawing/2014/chart" uri="{C3380CC4-5D6E-409C-BE32-E72D297353CC}">
-              <c16:uniqueId val="{00000000-2AEE-452E-8F83-D178AC73D6B5}"/>
+              <c16:uniqueId val="{00000000-1962-4598-B58A-0A025312A253}"/>
             </c:ext>
           </c:extLst>
         </c:ser>
         <c:ser>
-          <c:idx val="2"/>
-          <c:order val="2"/>
+          <c:idx val="1"/>
+          <c:order val="1"/>
           <c:tx>
-            <c:v>Pool</c:v>
+            <c:v>Пул</c:v>
           </c:tx>
           <c:spPr>
-            <a:ln w="28575" cap="rnd">
+            <a:ln w="28440">
               <a:solidFill>
                 <a:srgbClr val="FFC000"/>
               </a:solidFill>
               <a:round/>
             </a:ln>
-            <a:effectLst/>
           </c:spPr>
           <c:marker>
             <c:symbol val="circle"/>
@@ -3125,14 +3181,46 @@
               <a:solidFill>
                 <a:srgbClr val="FFC000"/>
               </a:solidFill>
-              <a:ln w="9525">
-                <a:solidFill>
-                  <a:srgbClr val="FFC000"/>
-                </a:solidFill>
+            </c:spPr>
+          </c:marker>
+          <c:dLbls>
+            <c:spPr>
+              <a:noFill/>
+              <a:ln>
+                <a:noFill/>
               </a:ln>
               <a:effectLst/>
             </c:spPr>
-          </c:marker>
+            <c:txPr>
+              <a:bodyPr/>
+              <a:lstStyle/>
+              <a:p>
+                <a:pPr>
+                  <a:defRPr sz="1000" b="0" strike="noStrike" spc="-1">
+                    <a:solidFill>
+                      <a:srgbClr val="000000"/>
+                    </a:solidFill>
+                    <a:latin typeface="Calibri"/>
+                  </a:defRPr>
+                </a:pPr>
+                <a:endParaRPr lang="ru-RU"/>
+              </a:p>
+            </c:txPr>
+            <c:dLblPos val="r"/>
+            <c:showLegendKey val="0"/>
+            <c:showVal val="0"/>
+            <c:showCatName val="0"/>
+            <c:showSerName val="0"/>
+            <c:showPercent val="0"/>
+            <c:showBubbleSize val="1"/>
+            <c:separator>; </c:separator>
+            <c:showLeaderLines val="0"/>
+            <c:extLst>
+              <c:ext xmlns:c15="http://schemas.microsoft.com/office/drawing/2012/chart" uri="{CE6537A1-D6FC-4f65-9D91-7224C49458BB}">
+                <c15:showLeaderLines val="0"/>
+              </c:ext>
+            </c:extLst>
+          </c:dLbls>
           <c:cat>
             <c:numRef>
               <c:f>'[2Ex.xlsx]Лист1'!$P$2:$P$8</c:f>
@@ -3196,24 +3284,23 @@
           <c:smooth val="0"/>
           <c:extLst>
             <c:ext xmlns:c16="http://schemas.microsoft.com/office/drawing/2014/chart" uri="{C3380CC4-5D6E-409C-BE32-E72D297353CC}">
-              <c16:uniqueId val="{00000001-2AEE-452E-8F83-D178AC73D6B5}"/>
+              <c16:uniqueId val="{00000001-1962-4598-B58A-0A025312A253}"/>
             </c:ext>
           </c:extLst>
         </c:ser>
         <c:ser>
-          <c:idx val="3"/>
-          <c:order val="3"/>
+          <c:idx val="2"/>
+          <c:order val="2"/>
           <c:tx>
             <c:v>PGBouncer</c:v>
           </c:tx>
           <c:spPr>
-            <a:ln w="28575" cap="rnd">
+            <a:ln w="28440">
               <a:solidFill>
                 <a:srgbClr val="92D050"/>
               </a:solidFill>
               <a:round/>
             </a:ln>
-            <a:effectLst/>
           </c:spPr>
           <c:marker>
             <c:symbol val="circle"/>
@@ -3222,14 +3309,46 @@
               <a:solidFill>
                 <a:srgbClr val="92D050"/>
               </a:solidFill>
-              <a:ln w="9525">
-                <a:solidFill>
-                  <a:srgbClr val="92D050"/>
-                </a:solidFill>
+            </c:spPr>
+          </c:marker>
+          <c:dLbls>
+            <c:spPr>
+              <a:noFill/>
+              <a:ln>
+                <a:noFill/>
               </a:ln>
               <a:effectLst/>
             </c:spPr>
-          </c:marker>
+            <c:txPr>
+              <a:bodyPr/>
+              <a:lstStyle/>
+              <a:p>
+                <a:pPr>
+                  <a:defRPr sz="1000" b="0" strike="noStrike" spc="-1">
+                    <a:solidFill>
+                      <a:srgbClr val="000000"/>
+                    </a:solidFill>
+                    <a:latin typeface="Calibri"/>
+                  </a:defRPr>
+                </a:pPr>
+                <a:endParaRPr lang="ru-RU"/>
+              </a:p>
+            </c:txPr>
+            <c:dLblPos val="r"/>
+            <c:showLegendKey val="0"/>
+            <c:showVal val="0"/>
+            <c:showCatName val="0"/>
+            <c:showSerName val="0"/>
+            <c:showPercent val="0"/>
+            <c:showBubbleSize val="1"/>
+            <c:separator>; </c:separator>
+            <c:showLeaderLines val="0"/>
+            <c:extLst>
+              <c:ext xmlns:c15="http://schemas.microsoft.com/office/drawing/2012/chart" uri="{CE6537A1-D6FC-4f65-9D91-7224C49458BB}">
+                <c15:showLeaderLines val="0"/>
+              </c:ext>
+            </c:extLst>
+          </c:dLbls>
           <c:cat>
             <c:numRef>
               <c:f>'[2Ex.xlsx]Лист1'!$P$2:$P$8</c:f>
@@ -3293,7 +3412,7 @@
           <c:smooth val="0"/>
           <c:extLst>
             <c:ext xmlns:c16="http://schemas.microsoft.com/office/drawing/2014/chart" uri="{C3380CC4-5D6E-409C-BE32-E72D297353CC}">
-              <c16:uniqueId val="{00000002-2AEE-452E-8F83-D178AC73D6B5}"/>
+              <c16:uniqueId val="{00000002-1962-4598-B58A-0A025312A253}"/>
             </c:ext>
           </c:extLst>
         </c:ser>
@@ -3305,142 +3424,20 @@
           <c:showPercent val="0"/>
           <c:showBubbleSize val="0"/>
         </c:dLbls>
+        <c:hiLowLines>
+          <c:spPr>
+            <a:ln>
+              <a:noFill/>
+            </a:ln>
+          </c:spPr>
+        </c:hiLowLines>
         <c:marker val="1"/>
         <c:smooth val="0"/>
-        <c:axId val="341599903"/>
-        <c:axId val="2111646047"/>
-        <c:extLst>
-          <c:ext xmlns:c15="http://schemas.microsoft.com/office/drawing/2012/chart" uri="{02D57815-91ED-43cb-92C2-25804820EDAC}">
-            <c15:filteredLineSeries>
-              <c15:ser>
-                <c:idx val="0"/>
-                <c:order val="0"/>
-                <c:tx>
-                  <c:strRef>
-                    <c:extLst>
-                      <c:ext uri="{02D57815-91ED-43cb-92C2-25804820EDAC}">
-                        <c15:formulaRef>
-                          <c15:sqref>'[2Ex.xlsx]Лист1'!$P$1</c15:sqref>
-                        </c15:formulaRef>
-                      </c:ext>
-                    </c:extLst>
-                    <c:strCache>
-                      <c:ptCount val="1"/>
-                      <c:pt idx="0">
-                        <c:v>ось Х</c:v>
-                      </c:pt>
-                    </c:strCache>
-                  </c:strRef>
-                </c:tx>
-                <c:spPr>
-                  <a:ln w="28575" cap="rnd">
-                    <a:solidFill>
-                      <a:schemeClr val="accent1"/>
-                    </a:solidFill>
-                    <a:round/>
-                  </a:ln>
-                  <a:effectLst/>
-                </c:spPr>
-                <c:marker>
-                  <c:symbol val="circle"/>
-                  <c:size val="5"/>
-                  <c:spPr>
-                    <a:solidFill>
-                      <a:schemeClr val="accent1"/>
-                    </a:solidFill>
-                    <a:ln w="9525">
-                      <a:solidFill>
-                        <a:schemeClr val="accent1"/>
-                      </a:solidFill>
-                    </a:ln>
-                    <a:effectLst/>
-                  </c:spPr>
-                </c:marker>
-                <c:cat>
-                  <c:numRef>
-                    <c:extLst>
-                      <c:ext uri="{02D57815-91ED-43cb-92C2-25804820EDAC}">
-                        <c15:formulaRef>
-                          <c15:sqref>'[2Ex.xlsx]Лист1'!$P$2:$P$8</c15:sqref>
-                        </c15:formulaRef>
-                      </c:ext>
-                    </c:extLst>
-                    <c:numCache>
-                      <c:formatCode>General</c:formatCode>
-                      <c:ptCount val="7"/>
-                      <c:pt idx="0">
-                        <c:v>10</c:v>
-                      </c:pt>
-                      <c:pt idx="1">
-                        <c:v>50</c:v>
-                      </c:pt>
-                      <c:pt idx="2">
-                        <c:v>100</c:v>
-                      </c:pt>
-                      <c:pt idx="3">
-                        <c:v>150</c:v>
-                      </c:pt>
-                      <c:pt idx="4">
-                        <c:v>200</c:v>
-                      </c:pt>
-                      <c:pt idx="5">
-                        <c:v>250</c:v>
-                      </c:pt>
-                      <c:pt idx="6">
-                        <c:v>500</c:v>
-                      </c:pt>
-                    </c:numCache>
-                  </c:numRef>
-                </c:cat>
-                <c:val>
-                  <c:numRef>
-                    <c:extLst>
-                      <c:ext uri="{02D57815-91ED-43cb-92C2-25804820EDAC}">
-                        <c15:formulaRef>
-                          <c15:sqref>'[2Ex.xlsx]Лист1'!$P$2:$P$8</c15:sqref>
-                        </c15:formulaRef>
-                      </c:ext>
-                    </c:extLst>
-                    <c:numCache>
-                      <c:formatCode>General</c:formatCode>
-                      <c:ptCount val="7"/>
-                      <c:pt idx="0">
-                        <c:v>10</c:v>
-                      </c:pt>
-                      <c:pt idx="1">
-                        <c:v>50</c:v>
-                      </c:pt>
-                      <c:pt idx="2">
-                        <c:v>100</c:v>
-                      </c:pt>
-                      <c:pt idx="3">
-                        <c:v>150</c:v>
-                      </c:pt>
-                      <c:pt idx="4">
-                        <c:v>200</c:v>
-                      </c:pt>
-                      <c:pt idx="5">
-                        <c:v>250</c:v>
-                      </c:pt>
-                      <c:pt idx="6">
-                        <c:v>500</c:v>
-                      </c:pt>
-                    </c:numCache>
-                  </c:numRef>
-                </c:val>
-                <c:smooth val="0"/>
-                <c:extLst>
-                  <c:ext xmlns:c16="http://schemas.microsoft.com/office/drawing/2014/chart" uri="{C3380CC4-5D6E-409C-BE32-E72D297353CC}">
-                    <c16:uniqueId val="{00000003-2AEE-452E-8F83-D178AC73D6B5}"/>
-                  </c:ext>
-                </c:extLst>
-              </c15:ser>
-            </c15:filteredLineSeries>
-          </c:ext>
-        </c:extLst>
+        <c:axId val="82422225"/>
+        <c:axId val="98509539"/>
       </c:lineChart>
       <c:catAx>
-        <c:axId val="341599903"/>
+        <c:axId val="82422225"/>
         <c:scaling>
           <c:orientation val="minMax"/>
         </c:scaling>
@@ -3448,39 +3445,35 @@
         <c:axPos val="b"/>
         <c:majorGridlines>
           <c:spPr>
-            <a:ln w="9525" cap="flat" cmpd="sng" algn="ctr">
+            <a:ln w="9360">
               <a:solidFill>
-                <a:schemeClr val="tx1">
-                  <a:lumMod val="15000"/>
-                  <a:lumOff val="85000"/>
-                </a:schemeClr>
+                <a:srgbClr val="D9D9D9"/>
               </a:solidFill>
               <a:round/>
             </a:ln>
-            <a:effectLst/>
           </c:spPr>
         </c:majorGridlines>
         <c:title>
           <c:tx>
             <c:rich>
-              <a:bodyPr rot="0" spcFirstLastPara="1" vertOverflow="ellipsis" vert="horz" wrap="square" anchor="ctr" anchorCtr="1"/>
+              <a:bodyPr rot="0"/>
               <a:lstStyle/>
               <a:p>
                 <a:pPr>
-                  <a:defRPr sz="1000" b="0" i="0" u="none" strike="noStrike" kern="1200" baseline="0">
+                  <a:defRPr lang="ru-RU" sz="1000" b="0" strike="noStrike" spc="-1">
                     <a:solidFill>
-                      <a:schemeClr val="tx1">
-                        <a:lumMod val="65000"/>
-                        <a:lumOff val="35000"/>
-                      </a:schemeClr>
+                      <a:srgbClr val="595959"/>
                     </a:solidFill>
-                    <a:latin typeface="+mn-lt"/>
-                    <a:ea typeface="+mn-ea"/>
-                    <a:cs typeface="+mn-cs"/>
+                    <a:latin typeface="Calibri"/>
                   </a:defRPr>
                 </a:pPr>
                 <a:r>
-                  <a:rPr lang="ru-RU" dirty="0"/>
+                  <a:rPr lang="ru-RU" sz="1000" b="0" strike="noStrike" spc="-1">
+                    <a:solidFill>
+                      <a:srgbClr val="595959"/>
+                    </a:solidFill>
+                    <a:latin typeface="Calibri"/>
+                  </a:rPr>
                   <a:t>Число соединений, шт</a:t>
                 </a:r>
               </a:p>
@@ -3492,67 +3485,36 @@
             <a:ln>
               <a:noFill/>
             </a:ln>
-            <a:effectLst/>
           </c:spPr>
-          <c:txPr>
-            <a:bodyPr rot="0" spcFirstLastPara="1" vertOverflow="ellipsis" vert="horz" wrap="square" anchor="ctr" anchorCtr="1"/>
-            <a:lstStyle/>
-            <a:p>
-              <a:pPr>
-                <a:defRPr sz="1000" b="0" i="0" u="none" strike="noStrike" kern="1200" baseline="0">
-                  <a:solidFill>
-                    <a:schemeClr val="tx1">
-                      <a:lumMod val="65000"/>
-                      <a:lumOff val="35000"/>
-                    </a:schemeClr>
-                  </a:solidFill>
-                  <a:latin typeface="+mn-lt"/>
-                  <a:ea typeface="+mn-ea"/>
-                  <a:cs typeface="+mn-cs"/>
-                </a:defRPr>
-              </a:pPr>
-              <a:endParaRPr lang="ru-RU"/>
-            </a:p>
-          </c:txPr>
         </c:title>
         <c:numFmt formatCode="General" sourceLinked="1"/>
         <c:majorTickMark val="none"/>
         <c:minorTickMark val="none"/>
         <c:tickLblPos val="nextTo"/>
         <c:spPr>
-          <a:noFill/>
-          <a:ln w="9525" cap="flat" cmpd="sng" algn="ctr">
+          <a:ln w="9360">
             <a:solidFill>
-              <a:schemeClr val="tx1">
-                <a:lumMod val="15000"/>
-                <a:lumOff val="85000"/>
-              </a:schemeClr>
+              <a:srgbClr val="D9D9D9"/>
             </a:solidFill>
             <a:round/>
           </a:ln>
-          <a:effectLst/>
         </c:spPr>
         <c:txPr>
-          <a:bodyPr rot="-60000000" spcFirstLastPara="1" vertOverflow="ellipsis" vert="horz" wrap="square" anchor="ctr" anchorCtr="1"/>
+          <a:bodyPr/>
           <a:lstStyle/>
           <a:p>
             <a:pPr>
-              <a:defRPr sz="900" b="0" i="0" u="none" strike="noStrike" kern="1200" baseline="0">
+              <a:defRPr sz="900" b="0" strike="noStrike" spc="-1">
                 <a:solidFill>
-                  <a:schemeClr val="tx1">
-                    <a:lumMod val="65000"/>
-                    <a:lumOff val="35000"/>
-                  </a:schemeClr>
+                  <a:srgbClr val="595959"/>
                 </a:solidFill>
-                <a:latin typeface="+mn-lt"/>
-                <a:ea typeface="+mn-ea"/>
-                <a:cs typeface="+mn-cs"/>
+                <a:latin typeface="Calibri"/>
               </a:defRPr>
             </a:pPr>
             <a:endParaRPr lang="ru-RU"/>
           </a:p>
         </c:txPr>
-        <c:crossAx val="2111646047"/>
+        <c:crossAx val="98509539"/>
         <c:crosses val="autoZero"/>
         <c:auto val="1"/>
         <c:lblAlgn val="ctr"/>
@@ -3560,7 +3522,7 @@
         <c:noMultiLvlLbl val="0"/>
       </c:catAx>
       <c:valAx>
-        <c:axId val="2111646047"/>
+        <c:axId val="98509539"/>
         <c:scaling>
           <c:orientation val="minMax"/>
         </c:scaling>
@@ -3568,46 +3530,37 @@
         <c:axPos val="l"/>
         <c:majorGridlines>
           <c:spPr>
-            <a:ln w="9525" cap="flat" cmpd="sng" algn="ctr">
+            <a:ln w="9360">
               <a:solidFill>
-                <a:schemeClr val="tx1">
-                  <a:lumMod val="15000"/>
-                  <a:lumOff val="85000"/>
-                </a:schemeClr>
+                <a:srgbClr val="D9D9D9"/>
               </a:solidFill>
               <a:round/>
             </a:ln>
-            <a:effectLst/>
           </c:spPr>
         </c:majorGridlines>
         <c:title>
           <c:tx>
             <c:rich>
-              <a:bodyPr rot="-5400000" spcFirstLastPara="1" vertOverflow="ellipsis" vert="horz" wrap="square" anchor="ctr" anchorCtr="1"/>
+              <a:bodyPr rot="-5400000"/>
               <a:lstStyle/>
               <a:p>
                 <a:pPr>
-                  <a:defRPr sz="1000" b="0" i="0" u="none" strike="noStrike" kern="1200" baseline="0">
+                  <a:defRPr lang="ru-RU" sz="1000" b="0" strike="noStrike" spc="-1">
                     <a:solidFill>
-                      <a:schemeClr val="tx1">
-                        <a:lumMod val="65000"/>
-                        <a:lumOff val="35000"/>
-                      </a:schemeClr>
+                      <a:srgbClr val="595959"/>
                     </a:solidFill>
-                    <a:latin typeface="+mn-lt"/>
-                    <a:ea typeface="+mn-ea"/>
-                    <a:cs typeface="+mn-cs"/>
+                    <a:latin typeface="Calibri"/>
                   </a:defRPr>
                 </a:pPr>
                 <a:r>
-                  <a:rPr lang="ru-RU" dirty="0"/>
-                  <a:t>Время,</a:t>
+                  <a:rPr lang="ru-RU" sz="1000" b="0" strike="noStrike" spc="-1">
+                    <a:solidFill>
+                      <a:srgbClr val="595959"/>
+                    </a:solidFill>
+                    <a:latin typeface="Calibri"/>
+                  </a:rPr>
+                  <a:t>Время, с</a:t>
                 </a:r>
-                <a:r>
-                  <a:rPr lang="ru-RU" baseline="0" dirty="0"/>
-                  <a:t> с</a:t>
-                </a:r>
-                <a:endParaRPr lang="ru-RU" dirty="0"/>
               </a:p>
             </c:rich>
           </c:tx>
@@ -3617,61 +3570,33 @@
             <a:ln>
               <a:noFill/>
             </a:ln>
-            <a:effectLst/>
           </c:spPr>
-          <c:txPr>
-            <a:bodyPr rot="-5400000" spcFirstLastPara="1" vertOverflow="ellipsis" vert="horz" wrap="square" anchor="ctr" anchorCtr="1"/>
-            <a:lstStyle/>
-            <a:p>
-              <a:pPr>
-                <a:defRPr sz="1000" b="0" i="0" u="none" strike="noStrike" kern="1200" baseline="0">
-                  <a:solidFill>
-                    <a:schemeClr val="tx1">
-                      <a:lumMod val="65000"/>
-                      <a:lumOff val="35000"/>
-                    </a:schemeClr>
-                  </a:solidFill>
-                  <a:latin typeface="+mn-lt"/>
-                  <a:ea typeface="+mn-ea"/>
-                  <a:cs typeface="+mn-cs"/>
-                </a:defRPr>
-              </a:pPr>
-              <a:endParaRPr lang="ru-RU"/>
-            </a:p>
-          </c:txPr>
         </c:title>
-        <c:numFmt formatCode="General" sourceLinked="1"/>
+        <c:numFmt formatCode="General" sourceLinked="0"/>
         <c:majorTickMark val="none"/>
         <c:minorTickMark val="none"/>
         <c:tickLblPos val="nextTo"/>
         <c:spPr>
-          <a:noFill/>
-          <a:ln>
+          <a:ln w="6480">
             <a:noFill/>
           </a:ln>
-          <a:effectLst/>
         </c:spPr>
         <c:txPr>
-          <a:bodyPr rot="-60000000" spcFirstLastPara="1" vertOverflow="ellipsis" vert="horz" wrap="square" anchor="ctr" anchorCtr="1"/>
+          <a:bodyPr/>
           <a:lstStyle/>
           <a:p>
             <a:pPr>
-              <a:defRPr sz="900" b="0" i="0" u="none" strike="noStrike" kern="1200" baseline="0">
+              <a:defRPr sz="900" b="0" strike="noStrike" spc="-1">
                 <a:solidFill>
-                  <a:schemeClr val="tx1">
-                    <a:lumMod val="65000"/>
-                    <a:lumOff val="35000"/>
-                  </a:schemeClr>
+                  <a:srgbClr val="595959"/>
                 </a:solidFill>
-                <a:latin typeface="+mn-lt"/>
-                <a:ea typeface="+mn-ea"/>
-                <a:cs typeface="+mn-cs"/>
+                <a:latin typeface="Calibri"/>
               </a:defRPr>
             </a:pPr>
             <a:endParaRPr lang="ru-RU"/>
           </a:p>
         </c:txPr>
-        <c:crossAx val="341599903"/>
+        <c:crossAx val="82422225"/>
         <c:crosses val="autoZero"/>
         <c:crossBetween val="between"/>
       </c:valAx>
@@ -3679,10 +3604,9 @@
         <a:noFill/>
         <a:ln>
           <a:solidFill>
-            <a:sysClr val="windowText" lastClr="000000"/>
+            <a:srgbClr val="000000"/>
           </a:solidFill>
         </a:ln>
-        <a:effectLst/>
       </c:spPr>
     </c:plotArea>
     <c:legend>
@@ -3691,10 +3615,10 @@
         <c:manualLayout>
           <c:xMode val="edge"/>
           <c:yMode val="edge"/>
-          <c:x val="0.11585622852124731"/>
-          <c:y val="5.7355562036226909E-2"/>
-          <c:w val="0.38667998679833654"/>
-          <c:h val="5.7870775412332716E-2"/>
+          <c:x val="0.10877702978376171"/>
+          <c:y val="5.2893809897124167E-2"/>
+          <c:w val="0.4852683178534572"/>
+          <c:h val="5.1744306626918944E-2"/>
         </c:manualLayout>
       </c:layout>
       <c:overlay val="0"/>
@@ -3703,23 +3627,17 @@
         <a:ln>
           <a:noFill/>
         </a:ln>
-        <a:effectLst/>
       </c:spPr>
       <c:txPr>
-        <a:bodyPr rot="0" spcFirstLastPara="1" vertOverflow="ellipsis" vert="horz" wrap="square" anchor="ctr" anchorCtr="1"/>
+        <a:bodyPr/>
         <a:lstStyle/>
         <a:p>
           <a:pPr>
-            <a:defRPr sz="900" b="0" i="0" u="none" strike="noStrike" kern="1200" baseline="0">
+            <a:defRPr sz="900" b="0" strike="noStrike" spc="-1">
               <a:solidFill>
-                <a:schemeClr val="tx1">
-                  <a:lumMod val="65000"/>
-                  <a:lumOff val="35000"/>
-                </a:schemeClr>
+                <a:srgbClr val="595959"/>
               </a:solidFill>
-              <a:latin typeface="+mn-lt"/>
-              <a:ea typeface="+mn-ea"/>
-              <a:cs typeface="+mn-cs"/>
+              <a:latin typeface="Calibri"/>
             </a:defRPr>
           </a:pPr>
           <a:endParaRPr lang="ru-RU"/>
@@ -3728,38 +3646,20 @@
     </c:legend>
     <c:plotVisOnly val="1"/>
     <c:dispBlanksAs val="gap"/>
-    <c:extLst>
-      <c:ext xmlns:c16r3="http://schemas.microsoft.com/office/drawing/2017/03/chart" uri="{56B9EC1D-385E-4148-901F-78D8002777C0}">
-        <c16r3:dataDisplayOptions16>
-          <c16r3:dispNaAsBlank val="1"/>
-        </c16r3:dataDisplayOptions16>
-      </c:ext>
-    </c:extLst>
-    <c:showDLblsOverMax val="0"/>
+    <c:showDLblsOverMax val="1"/>
   </c:chart>
   <c:spPr>
     <a:solidFill>
-      <a:schemeClr val="bg1"/>
+      <a:srgbClr val="FFFFFF"/>
     </a:solidFill>
-    <a:ln w="9525" cap="flat" cmpd="sng" algn="ctr">
+    <a:ln w="9360">
       <a:solidFill>
-        <a:sysClr val="windowText" lastClr="000000"/>
+        <a:srgbClr val="000000"/>
       </a:solidFill>
       <a:round/>
     </a:ln>
-    <a:effectLst/>
   </c:spPr>
-  <c:txPr>
-    <a:bodyPr/>
-    <a:lstStyle/>
-    <a:p>
-      <a:pPr indent="0">
-        <a:defRPr/>
-      </a:pPr>
-      <a:endParaRPr lang="ru-RU"/>
-    </a:p>
-  </c:txPr>
-  <c:externalData r:id="rId3">
+  <c:externalData r:id="rId1">
     <c:autoUpdate val="0"/>
   </c:externalData>
 </c:chartSpace>
@@ -3805,1093 +3705,7 @@
 </cs:colorStyle>
 </file>
 
-<file path=ppt/charts/colors2.xml><?xml version="1.0" encoding="utf-8"?>
-<cs:colorStyle xmlns:cs="http://schemas.microsoft.com/office/drawing/2012/chartStyle" xmlns:a="http://schemas.openxmlformats.org/drawingml/2006/main" meth="cycle" id="10">
-  <a:schemeClr val="accent1"/>
-  <a:schemeClr val="accent2"/>
-  <a:schemeClr val="accent3"/>
-  <a:schemeClr val="accent4"/>
-  <a:schemeClr val="accent5"/>
-  <a:schemeClr val="accent6"/>
-  <cs:variation/>
-  <cs:variation>
-    <a:lumMod val="60000"/>
-  </cs:variation>
-  <cs:variation>
-    <a:lumMod val="80000"/>
-    <a:lumOff val="20000"/>
-  </cs:variation>
-  <cs:variation>
-    <a:lumMod val="80000"/>
-  </cs:variation>
-  <cs:variation>
-    <a:lumMod val="60000"/>
-    <a:lumOff val="40000"/>
-  </cs:variation>
-  <cs:variation>
-    <a:lumMod val="50000"/>
-  </cs:variation>
-  <cs:variation>
-    <a:lumMod val="70000"/>
-    <a:lumOff val="30000"/>
-  </cs:variation>
-  <cs:variation>
-    <a:lumMod val="70000"/>
-  </cs:variation>
-  <cs:variation>
-    <a:lumMod val="50000"/>
-    <a:lumOff val="50000"/>
-  </cs:variation>
-</cs:colorStyle>
-</file>
-
-<file path=ppt/charts/colors3.xml><?xml version="1.0" encoding="utf-8"?>
-<cs:colorStyle xmlns:cs="http://schemas.microsoft.com/office/drawing/2012/chartStyle" xmlns:a="http://schemas.openxmlformats.org/drawingml/2006/main" meth="cycle" id="10">
-  <a:schemeClr val="accent1"/>
-  <a:schemeClr val="accent2"/>
-  <a:schemeClr val="accent3"/>
-  <a:schemeClr val="accent4"/>
-  <a:schemeClr val="accent5"/>
-  <a:schemeClr val="accent6"/>
-  <cs:variation/>
-  <cs:variation>
-    <a:lumMod val="60000"/>
-  </cs:variation>
-  <cs:variation>
-    <a:lumMod val="80000"/>
-    <a:lumOff val="20000"/>
-  </cs:variation>
-  <cs:variation>
-    <a:lumMod val="80000"/>
-  </cs:variation>
-  <cs:variation>
-    <a:lumMod val="60000"/>
-    <a:lumOff val="40000"/>
-  </cs:variation>
-  <cs:variation>
-    <a:lumMod val="50000"/>
-  </cs:variation>
-  <cs:variation>
-    <a:lumMod val="70000"/>
-    <a:lumOff val="30000"/>
-  </cs:variation>
-  <cs:variation>
-    <a:lumMod val="70000"/>
-  </cs:variation>
-  <cs:variation>
-    <a:lumMod val="50000"/>
-    <a:lumOff val="50000"/>
-  </cs:variation>
-</cs:colorStyle>
-</file>
-
 <file path=ppt/charts/style1.xml><?xml version="1.0" encoding="utf-8"?>
-<cs:chartStyle xmlns:cs="http://schemas.microsoft.com/office/drawing/2012/chartStyle" xmlns:a="http://schemas.openxmlformats.org/drawingml/2006/main" id="332">
-  <cs:axisTitle>
-    <cs:lnRef idx="0"/>
-    <cs:fillRef idx="0"/>
-    <cs:effectRef idx="0"/>
-    <cs:fontRef idx="minor">
-      <a:schemeClr val="tx1">
-        <a:lumMod val="65000"/>
-        <a:lumOff val="35000"/>
-      </a:schemeClr>
-    </cs:fontRef>
-    <cs:defRPr sz="1000" kern="1200"/>
-  </cs:axisTitle>
-  <cs:categoryAxis>
-    <cs:lnRef idx="0"/>
-    <cs:fillRef idx="0"/>
-    <cs:effectRef idx="0"/>
-    <cs:fontRef idx="minor">
-      <a:schemeClr val="tx1">
-        <a:lumMod val="65000"/>
-        <a:lumOff val="35000"/>
-      </a:schemeClr>
-    </cs:fontRef>
-    <cs:spPr>
-      <a:ln w="9525" cap="flat" cmpd="sng" algn="ctr">
-        <a:solidFill>
-          <a:schemeClr val="tx1">
-            <a:lumMod val="15000"/>
-            <a:lumOff val="85000"/>
-          </a:schemeClr>
-        </a:solidFill>
-        <a:round/>
-      </a:ln>
-    </cs:spPr>
-    <cs:defRPr sz="900" kern="1200"/>
-  </cs:categoryAxis>
-  <cs:chartArea mods="allowNoFillOverride allowNoLineOverride">
-    <cs:lnRef idx="0"/>
-    <cs:fillRef idx="0"/>
-    <cs:effectRef idx="0"/>
-    <cs:fontRef idx="minor">
-      <a:schemeClr val="tx1"/>
-    </cs:fontRef>
-    <cs:spPr>
-      <a:solidFill>
-        <a:schemeClr val="bg1"/>
-      </a:solidFill>
-      <a:ln w="9525" cap="flat" cmpd="sng" algn="ctr">
-        <a:solidFill>
-          <a:schemeClr val="tx1">
-            <a:lumMod val="15000"/>
-            <a:lumOff val="85000"/>
-          </a:schemeClr>
-        </a:solidFill>
-        <a:round/>
-      </a:ln>
-    </cs:spPr>
-    <cs:defRPr sz="1000" kern="1200"/>
-  </cs:chartArea>
-  <cs:dataLabel>
-    <cs:lnRef idx="0"/>
-    <cs:fillRef idx="0"/>
-    <cs:effectRef idx="0"/>
-    <cs:fontRef idx="minor">
-      <a:schemeClr val="tx1">
-        <a:lumMod val="75000"/>
-        <a:lumOff val="25000"/>
-      </a:schemeClr>
-    </cs:fontRef>
-    <cs:defRPr sz="900" kern="1200"/>
-  </cs:dataLabel>
-  <cs:dataLabelCallout>
-    <cs:lnRef idx="0"/>
-    <cs:fillRef idx="0"/>
-    <cs:effectRef idx="0"/>
-    <cs:fontRef idx="minor">
-      <a:schemeClr val="dk1">
-        <a:lumMod val="65000"/>
-        <a:lumOff val="35000"/>
-      </a:schemeClr>
-    </cs:fontRef>
-    <cs:spPr>
-      <a:solidFill>
-        <a:schemeClr val="lt1"/>
-      </a:solidFill>
-      <a:ln>
-        <a:solidFill>
-          <a:schemeClr val="dk1">
-            <a:lumMod val="25000"/>
-            <a:lumOff val="75000"/>
-          </a:schemeClr>
-        </a:solidFill>
-      </a:ln>
-    </cs:spPr>
-    <cs:defRPr sz="900" kern="1200"/>
-    <cs:bodyPr rot="0" spcFirstLastPara="1" vertOverflow="clip" horzOverflow="clip" vert="horz" wrap="square" lIns="36576" tIns="18288" rIns="36576" bIns="18288" anchor="ctr" anchorCtr="1">
-      <a:spAutoFit/>
-    </cs:bodyPr>
-  </cs:dataLabelCallout>
-  <cs:dataPoint>
-    <cs:lnRef idx="0"/>
-    <cs:fillRef idx="1">
-      <cs:styleClr val="auto"/>
-    </cs:fillRef>
-    <cs:effectRef idx="0"/>
-    <cs:fontRef idx="minor">
-      <a:schemeClr val="tx1"/>
-    </cs:fontRef>
-  </cs:dataPoint>
-  <cs:dataPoint3D>
-    <cs:lnRef idx="0"/>
-    <cs:fillRef idx="1">
-      <cs:styleClr val="auto"/>
-    </cs:fillRef>
-    <cs:effectRef idx="0"/>
-    <cs:fontRef idx="minor">
-      <a:schemeClr val="tx1"/>
-    </cs:fontRef>
-  </cs:dataPoint3D>
-  <cs:dataPointLine>
-    <cs:lnRef idx="0">
-      <cs:styleClr val="auto"/>
-    </cs:lnRef>
-    <cs:fillRef idx="1"/>
-    <cs:effectRef idx="0"/>
-    <cs:fontRef idx="minor">
-      <a:schemeClr val="tx1"/>
-    </cs:fontRef>
-    <cs:spPr>
-      <a:ln w="28575" cap="rnd">
-        <a:solidFill>
-          <a:schemeClr val="phClr"/>
-        </a:solidFill>
-        <a:round/>
-      </a:ln>
-    </cs:spPr>
-  </cs:dataPointLine>
-  <cs:dataPointMarker>
-    <cs:lnRef idx="0">
-      <cs:styleClr val="auto"/>
-    </cs:lnRef>
-    <cs:fillRef idx="1">
-      <cs:styleClr val="auto"/>
-    </cs:fillRef>
-    <cs:effectRef idx="0"/>
-    <cs:fontRef idx="minor">
-      <a:schemeClr val="tx1"/>
-    </cs:fontRef>
-    <cs:spPr>
-      <a:ln w="9525">
-        <a:solidFill>
-          <a:schemeClr val="phClr"/>
-        </a:solidFill>
-      </a:ln>
-    </cs:spPr>
-  </cs:dataPointMarker>
-  <cs:dataPointMarkerLayout symbol="circle" size="5"/>
-  <cs:dataPointWireframe>
-    <cs:lnRef idx="0">
-      <cs:styleClr val="auto"/>
-    </cs:lnRef>
-    <cs:fillRef idx="1"/>
-    <cs:effectRef idx="0"/>
-    <cs:fontRef idx="minor">
-      <a:schemeClr val="tx1"/>
-    </cs:fontRef>
-    <cs:spPr>
-      <a:ln w="9525" cap="rnd">
-        <a:solidFill>
-          <a:schemeClr val="phClr"/>
-        </a:solidFill>
-        <a:round/>
-      </a:ln>
-    </cs:spPr>
-  </cs:dataPointWireframe>
-  <cs:dataTable>
-    <cs:lnRef idx="0"/>
-    <cs:fillRef idx="0"/>
-    <cs:effectRef idx="0"/>
-    <cs:fontRef idx="minor">
-      <a:schemeClr val="tx1">
-        <a:lumMod val="65000"/>
-        <a:lumOff val="35000"/>
-      </a:schemeClr>
-    </cs:fontRef>
-    <cs:spPr>
-      <a:noFill/>
-      <a:ln w="9525" cap="flat" cmpd="sng" algn="ctr">
-        <a:solidFill>
-          <a:schemeClr val="tx1">
-            <a:lumMod val="15000"/>
-            <a:lumOff val="85000"/>
-          </a:schemeClr>
-        </a:solidFill>
-        <a:round/>
-      </a:ln>
-    </cs:spPr>
-    <cs:defRPr sz="900" kern="1200"/>
-  </cs:dataTable>
-  <cs:downBar>
-    <cs:lnRef idx="0"/>
-    <cs:fillRef idx="0"/>
-    <cs:effectRef idx="0"/>
-    <cs:fontRef idx="minor">
-      <a:schemeClr val="dk1"/>
-    </cs:fontRef>
-    <cs:spPr>
-      <a:solidFill>
-        <a:schemeClr val="dk1">
-          <a:lumMod val="65000"/>
-          <a:lumOff val="35000"/>
-        </a:schemeClr>
-      </a:solidFill>
-      <a:ln w="9525">
-        <a:solidFill>
-          <a:schemeClr val="tx1">
-            <a:lumMod val="65000"/>
-            <a:lumOff val="35000"/>
-          </a:schemeClr>
-        </a:solidFill>
-      </a:ln>
-    </cs:spPr>
-  </cs:downBar>
-  <cs:dropLine>
-    <cs:lnRef idx="0"/>
-    <cs:fillRef idx="0"/>
-    <cs:effectRef idx="0"/>
-    <cs:fontRef idx="minor">
-      <a:schemeClr val="tx1"/>
-    </cs:fontRef>
-    <cs:spPr>
-      <a:ln w="9525" cap="flat" cmpd="sng" algn="ctr">
-        <a:solidFill>
-          <a:schemeClr val="tx1">
-            <a:lumMod val="35000"/>
-            <a:lumOff val="65000"/>
-          </a:schemeClr>
-        </a:solidFill>
-        <a:round/>
-      </a:ln>
-    </cs:spPr>
-  </cs:dropLine>
-  <cs:errorBar>
-    <cs:lnRef idx="0"/>
-    <cs:fillRef idx="0"/>
-    <cs:effectRef idx="0"/>
-    <cs:fontRef idx="minor">
-      <a:schemeClr val="tx1"/>
-    </cs:fontRef>
-    <cs:spPr>
-      <a:ln w="9525" cap="flat" cmpd="sng" algn="ctr">
-        <a:solidFill>
-          <a:schemeClr val="tx1">
-            <a:lumMod val="65000"/>
-            <a:lumOff val="35000"/>
-          </a:schemeClr>
-        </a:solidFill>
-        <a:round/>
-      </a:ln>
-    </cs:spPr>
-  </cs:errorBar>
-  <cs:floor>
-    <cs:lnRef idx="0"/>
-    <cs:fillRef idx="0"/>
-    <cs:effectRef idx="0"/>
-    <cs:fontRef idx="minor">
-      <a:schemeClr val="tx1"/>
-    </cs:fontRef>
-    <cs:spPr>
-      <a:noFill/>
-      <a:ln>
-        <a:noFill/>
-      </a:ln>
-    </cs:spPr>
-  </cs:floor>
-  <cs:gridlineMajor>
-    <cs:lnRef idx="0"/>
-    <cs:fillRef idx="0"/>
-    <cs:effectRef idx="0"/>
-    <cs:fontRef idx="minor">
-      <a:schemeClr val="tx1"/>
-    </cs:fontRef>
-    <cs:spPr>
-      <a:ln w="9525" cap="flat" cmpd="sng" algn="ctr">
-        <a:solidFill>
-          <a:schemeClr val="tx1">
-            <a:lumMod val="15000"/>
-            <a:lumOff val="85000"/>
-          </a:schemeClr>
-        </a:solidFill>
-        <a:round/>
-      </a:ln>
-    </cs:spPr>
-  </cs:gridlineMajor>
-  <cs:gridlineMinor>
-    <cs:lnRef idx="0"/>
-    <cs:fillRef idx="0"/>
-    <cs:effectRef idx="0"/>
-    <cs:fontRef idx="minor">
-      <a:schemeClr val="tx1"/>
-    </cs:fontRef>
-    <cs:spPr>
-      <a:ln w="9525" cap="flat" cmpd="sng" algn="ctr">
-        <a:solidFill>
-          <a:schemeClr val="tx1">
-            <a:lumMod val="5000"/>
-            <a:lumOff val="95000"/>
-          </a:schemeClr>
-        </a:solidFill>
-        <a:round/>
-      </a:ln>
-    </cs:spPr>
-  </cs:gridlineMinor>
-  <cs:hiLoLine>
-    <cs:lnRef idx="0"/>
-    <cs:fillRef idx="0"/>
-    <cs:effectRef idx="0"/>
-    <cs:fontRef idx="minor">
-      <a:schemeClr val="tx1"/>
-    </cs:fontRef>
-    <cs:spPr>
-      <a:ln w="9525" cap="flat" cmpd="sng" algn="ctr">
-        <a:solidFill>
-          <a:schemeClr val="tx1">
-            <a:lumMod val="75000"/>
-            <a:lumOff val="25000"/>
-          </a:schemeClr>
-        </a:solidFill>
-        <a:round/>
-      </a:ln>
-    </cs:spPr>
-  </cs:hiLoLine>
-  <cs:leaderLine>
-    <cs:lnRef idx="0"/>
-    <cs:fillRef idx="0"/>
-    <cs:effectRef idx="0"/>
-    <cs:fontRef idx="minor">
-      <a:schemeClr val="tx1"/>
-    </cs:fontRef>
-    <cs:spPr>
-      <a:ln w="9525" cap="flat" cmpd="sng" algn="ctr">
-        <a:solidFill>
-          <a:schemeClr val="tx1">
-            <a:lumMod val="35000"/>
-            <a:lumOff val="65000"/>
-          </a:schemeClr>
-        </a:solidFill>
-        <a:round/>
-      </a:ln>
-    </cs:spPr>
-  </cs:leaderLine>
-  <cs:legend>
-    <cs:lnRef idx="0"/>
-    <cs:fillRef idx="0"/>
-    <cs:effectRef idx="0"/>
-    <cs:fontRef idx="minor">
-      <a:schemeClr val="tx1">
-        <a:lumMod val="65000"/>
-        <a:lumOff val="35000"/>
-      </a:schemeClr>
-    </cs:fontRef>
-    <cs:defRPr sz="900" kern="1200"/>
-  </cs:legend>
-  <cs:plotArea mods="allowNoFillOverride allowNoLineOverride">
-    <cs:lnRef idx="0"/>
-    <cs:fillRef idx="0"/>
-    <cs:effectRef idx="0"/>
-    <cs:fontRef idx="minor">
-      <a:schemeClr val="tx1"/>
-    </cs:fontRef>
-  </cs:plotArea>
-  <cs:plotArea3D mods="allowNoFillOverride allowNoLineOverride">
-    <cs:lnRef idx="0"/>
-    <cs:fillRef idx="0"/>
-    <cs:effectRef idx="0"/>
-    <cs:fontRef idx="minor">
-      <a:schemeClr val="tx1"/>
-    </cs:fontRef>
-  </cs:plotArea3D>
-  <cs:seriesAxis>
-    <cs:lnRef idx="0"/>
-    <cs:fillRef idx="0"/>
-    <cs:effectRef idx="0"/>
-    <cs:fontRef idx="minor">
-      <a:schemeClr val="tx1">
-        <a:lumMod val="65000"/>
-        <a:lumOff val="35000"/>
-      </a:schemeClr>
-    </cs:fontRef>
-    <cs:defRPr sz="900" kern="1200"/>
-  </cs:seriesAxis>
-  <cs:seriesLine>
-    <cs:lnRef idx="0"/>
-    <cs:fillRef idx="0"/>
-    <cs:effectRef idx="0"/>
-    <cs:fontRef idx="minor">
-      <a:schemeClr val="tx1"/>
-    </cs:fontRef>
-    <cs:spPr>
-      <a:ln w="9525" cap="flat" cmpd="sng" algn="ctr">
-        <a:solidFill>
-          <a:schemeClr val="tx1">
-            <a:lumMod val="35000"/>
-            <a:lumOff val="65000"/>
-          </a:schemeClr>
-        </a:solidFill>
-        <a:round/>
-      </a:ln>
-    </cs:spPr>
-  </cs:seriesLine>
-  <cs:title>
-    <cs:lnRef idx="0"/>
-    <cs:fillRef idx="0"/>
-    <cs:effectRef idx="0"/>
-    <cs:fontRef idx="minor">
-      <a:schemeClr val="tx1">
-        <a:lumMod val="65000"/>
-        <a:lumOff val="35000"/>
-      </a:schemeClr>
-    </cs:fontRef>
-    <cs:defRPr sz="1400" b="0" kern="1200" spc="0" baseline="0"/>
-  </cs:title>
-  <cs:trendline>
-    <cs:lnRef idx="0">
-      <cs:styleClr val="auto"/>
-    </cs:lnRef>
-    <cs:fillRef idx="0"/>
-    <cs:effectRef idx="0"/>
-    <cs:fontRef idx="minor">
-      <a:schemeClr val="tx1"/>
-    </cs:fontRef>
-    <cs:spPr>
-      <a:ln w="19050" cap="rnd">
-        <a:solidFill>
-          <a:schemeClr val="phClr"/>
-        </a:solidFill>
-        <a:prstDash val="sysDot"/>
-      </a:ln>
-    </cs:spPr>
-  </cs:trendline>
-  <cs:trendlineLabel>
-    <cs:lnRef idx="0"/>
-    <cs:fillRef idx="0"/>
-    <cs:effectRef idx="0"/>
-    <cs:fontRef idx="minor">
-      <a:schemeClr val="tx1">
-        <a:lumMod val="65000"/>
-        <a:lumOff val="35000"/>
-      </a:schemeClr>
-    </cs:fontRef>
-    <cs:defRPr sz="900" kern="1200"/>
-  </cs:trendlineLabel>
-  <cs:upBar>
-    <cs:lnRef idx="0"/>
-    <cs:fillRef idx="0"/>
-    <cs:effectRef idx="0"/>
-    <cs:fontRef idx="minor">
-      <a:schemeClr val="dk1"/>
-    </cs:fontRef>
-    <cs:spPr>
-      <a:solidFill>
-        <a:schemeClr val="lt1"/>
-      </a:solidFill>
-      <a:ln w="9525">
-        <a:solidFill>
-          <a:schemeClr val="tx1">
-            <a:lumMod val="15000"/>
-            <a:lumOff val="85000"/>
-          </a:schemeClr>
-        </a:solidFill>
-      </a:ln>
-    </cs:spPr>
-  </cs:upBar>
-  <cs:valueAxis>
-    <cs:lnRef idx="0"/>
-    <cs:fillRef idx="0"/>
-    <cs:effectRef idx="0"/>
-    <cs:fontRef idx="minor">
-      <a:schemeClr val="tx1">
-        <a:lumMod val="65000"/>
-        <a:lumOff val="35000"/>
-      </a:schemeClr>
-    </cs:fontRef>
-    <cs:defRPr sz="900" kern="1200"/>
-  </cs:valueAxis>
-  <cs:wall>
-    <cs:lnRef idx="0"/>
-    <cs:fillRef idx="0"/>
-    <cs:effectRef idx="0"/>
-    <cs:fontRef idx="minor">
-      <a:schemeClr val="tx1"/>
-    </cs:fontRef>
-    <cs:spPr>
-      <a:noFill/>
-      <a:ln>
-        <a:noFill/>
-      </a:ln>
-    </cs:spPr>
-  </cs:wall>
-</cs:chartStyle>
-</file>
-
-<file path=ppt/charts/style2.xml><?xml version="1.0" encoding="utf-8"?>
-<cs:chartStyle xmlns:cs="http://schemas.microsoft.com/office/drawing/2012/chartStyle" xmlns:a="http://schemas.openxmlformats.org/drawingml/2006/main" id="332">
-  <cs:axisTitle>
-    <cs:lnRef idx="0"/>
-    <cs:fillRef idx="0"/>
-    <cs:effectRef idx="0"/>
-    <cs:fontRef idx="minor">
-      <a:schemeClr val="tx1">
-        <a:lumMod val="65000"/>
-        <a:lumOff val="35000"/>
-      </a:schemeClr>
-    </cs:fontRef>
-    <cs:defRPr sz="1000" kern="1200"/>
-  </cs:axisTitle>
-  <cs:categoryAxis>
-    <cs:lnRef idx="0"/>
-    <cs:fillRef idx="0"/>
-    <cs:effectRef idx="0"/>
-    <cs:fontRef idx="minor">
-      <a:schemeClr val="tx1">
-        <a:lumMod val="65000"/>
-        <a:lumOff val="35000"/>
-      </a:schemeClr>
-    </cs:fontRef>
-    <cs:spPr>
-      <a:ln w="9525" cap="flat" cmpd="sng" algn="ctr">
-        <a:solidFill>
-          <a:schemeClr val="tx1">
-            <a:lumMod val="15000"/>
-            <a:lumOff val="85000"/>
-          </a:schemeClr>
-        </a:solidFill>
-        <a:round/>
-      </a:ln>
-    </cs:spPr>
-    <cs:defRPr sz="900" kern="1200"/>
-  </cs:categoryAxis>
-  <cs:chartArea mods="allowNoFillOverride allowNoLineOverride">
-    <cs:lnRef idx="0"/>
-    <cs:fillRef idx="0"/>
-    <cs:effectRef idx="0"/>
-    <cs:fontRef idx="minor">
-      <a:schemeClr val="tx1"/>
-    </cs:fontRef>
-    <cs:spPr>
-      <a:solidFill>
-        <a:schemeClr val="bg1"/>
-      </a:solidFill>
-      <a:ln w="9525" cap="flat" cmpd="sng" algn="ctr">
-        <a:solidFill>
-          <a:schemeClr val="tx1">
-            <a:lumMod val="15000"/>
-            <a:lumOff val="85000"/>
-          </a:schemeClr>
-        </a:solidFill>
-        <a:round/>
-      </a:ln>
-    </cs:spPr>
-    <cs:defRPr sz="1000" kern="1200"/>
-  </cs:chartArea>
-  <cs:dataLabel>
-    <cs:lnRef idx="0"/>
-    <cs:fillRef idx="0"/>
-    <cs:effectRef idx="0"/>
-    <cs:fontRef idx="minor">
-      <a:schemeClr val="tx1">
-        <a:lumMod val="75000"/>
-        <a:lumOff val="25000"/>
-      </a:schemeClr>
-    </cs:fontRef>
-    <cs:defRPr sz="900" kern="1200"/>
-  </cs:dataLabel>
-  <cs:dataLabelCallout>
-    <cs:lnRef idx="0"/>
-    <cs:fillRef idx="0"/>
-    <cs:effectRef idx="0"/>
-    <cs:fontRef idx="minor">
-      <a:schemeClr val="dk1">
-        <a:lumMod val="65000"/>
-        <a:lumOff val="35000"/>
-      </a:schemeClr>
-    </cs:fontRef>
-    <cs:spPr>
-      <a:solidFill>
-        <a:schemeClr val="lt1"/>
-      </a:solidFill>
-      <a:ln>
-        <a:solidFill>
-          <a:schemeClr val="dk1">
-            <a:lumMod val="25000"/>
-            <a:lumOff val="75000"/>
-          </a:schemeClr>
-        </a:solidFill>
-      </a:ln>
-    </cs:spPr>
-    <cs:defRPr sz="900" kern="1200"/>
-    <cs:bodyPr rot="0" spcFirstLastPara="1" vertOverflow="clip" horzOverflow="clip" vert="horz" wrap="square" lIns="36576" tIns="18288" rIns="36576" bIns="18288" anchor="ctr" anchorCtr="1">
-      <a:spAutoFit/>
-    </cs:bodyPr>
-  </cs:dataLabelCallout>
-  <cs:dataPoint>
-    <cs:lnRef idx="0"/>
-    <cs:fillRef idx="1">
-      <cs:styleClr val="auto"/>
-    </cs:fillRef>
-    <cs:effectRef idx="0"/>
-    <cs:fontRef idx="minor">
-      <a:schemeClr val="tx1"/>
-    </cs:fontRef>
-  </cs:dataPoint>
-  <cs:dataPoint3D>
-    <cs:lnRef idx="0"/>
-    <cs:fillRef idx="1">
-      <cs:styleClr val="auto"/>
-    </cs:fillRef>
-    <cs:effectRef idx="0"/>
-    <cs:fontRef idx="minor">
-      <a:schemeClr val="tx1"/>
-    </cs:fontRef>
-  </cs:dataPoint3D>
-  <cs:dataPointLine>
-    <cs:lnRef idx="0">
-      <cs:styleClr val="auto"/>
-    </cs:lnRef>
-    <cs:fillRef idx="1"/>
-    <cs:effectRef idx="0"/>
-    <cs:fontRef idx="minor">
-      <a:schemeClr val="tx1"/>
-    </cs:fontRef>
-    <cs:spPr>
-      <a:ln w="28575" cap="rnd">
-        <a:solidFill>
-          <a:schemeClr val="phClr"/>
-        </a:solidFill>
-        <a:round/>
-      </a:ln>
-    </cs:spPr>
-  </cs:dataPointLine>
-  <cs:dataPointMarker>
-    <cs:lnRef idx="0">
-      <cs:styleClr val="auto"/>
-    </cs:lnRef>
-    <cs:fillRef idx="1">
-      <cs:styleClr val="auto"/>
-    </cs:fillRef>
-    <cs:effectRef idx="0"/>
-    <cs:fontRef idx="minor">
-      <a:schemeClr val="tx1"/>
-    </cs:fontRef>
-    <cs:spPr>
-      <a:ln w="9525">
-        <a:solidFill>
-          <a:schemeClr val="phClr"/>
-        </a:solidFill>
-      </a:ln>
-    </cs:spPr>
-  </cs:dataPointMarker>
-  <cs:dataPointMarkerLayout symbol="circle" size="5"/>
-  <cs:dataPointWireframe>
-    <cs:lnRef idx="0">
-      <cs:styleClr val="auto"/>
-    </cs:lnRef>
-    <cs:fillRef idx="1"/>
-    <cs:effectRef idx="0"/>
-    <cs:fontRef idx="minor">
-      <a:schemeClr val="tx1"/>
-    </cs:fontRef>
-    <cs:spPr>
-      <a:ln w="9525" cap="rnd">
-        <a:solidFill>
-          <a:schemeClr val="phClr"/>
-        </a:solidFill>
-        <a:round/>
-      </a:ln>
-    </cs:spPr>
-  </cs:dataPointWireframe>
-  <cs:dataTable>
-    <cs:lnRef idx="0"/>
-    <cs:fillRef idx="0"/>
-    <cs:effectRef idx="0"/>
-    <cs:fontRef idx="minor">
-      <a:schemeClr val="tx1">
-        <a:lumMod val="65000"/>
-        <a:lumOff val="35000"/>
-      </a:schemeClr>
-    </cs:fontRef>
-    <cs:spPr>
-      <a:noFill/>
-      <a:ln w="9525" cap="flat" cmpd="sng" algn="ctr">
-        <a:solidFill>
-          <a:schemeClr val="tx1">
-            <a:lumMod val="15000"/>
-            <a:lumOff val="85000"/>
-          </a:schemeClr>
-        </a:solidFill>
-        <a:round/>
-      </a:ln>
-    </cs:spPr>
-    <cs:defRPr sz="900" kern="1200"/>
-  </cs:dataTable>
-  <cs:downBar>
-    <cs:lnRef idx="0"/>
-    <cs:fillRef idx="0"/>
-    <cs:effectRef idx="0"/>
-    <cs:fontRef idx="minor">
-      <a:schemeClr val="dk1"/>
-    </cs:fontRef>
-    <cs:spPr>
-      <a:solidFill>
-        <a:schemeClr val="dk1">
-          <a:lumMod val="65000"/>
-          <a:lumOff val="35000"/>
-        </a:schemeClr>
-      </a:solidFill>
-      <a:ln w="9525">
-        <a:solidFill>
-          <a:schemeClr val="tx1">
-            <a:lumMod val="65000"/>
-            <a:lumOff val="35000"/>
-          </a:schemeClr>
-        </a:solidFill>
-      </a:ln>
-    </cs:spPr>
-  </cs:downBar>
-  <cs:dropLine>
-    <cs:lnRef idx="0"/>
-    <cs:fillRef idx="0"/>
-    <cs:effectRef idx="0"/>
-    <cs:fontRef idx="minor">
-      <a:schemeClr val="tx1"/>
-    </cs:fontRef>
-    <cs:spPr>
-      <a:ln w="9525" cap="flat" cmpd="sng" algn="ctr">
-        <a:solidFill>
-          <a:schemeClr val="tx1">
-            <a:lumMod val="35000"/>
-            <a:lumOff val="65000"/>
-          </a:schemeClr>
-        </a:solidFill>
-        <a:round/>
-      </a:ln>
-    </cs:spPr>
-  </cs:dropLine>
-  <cs:errorBar>
-    <cs:lnRef idx="0"/>
-    <cs:fillRef idx="0"/>
-    <cs:effectRef idx="0"/>
-    <cs:fontRef idx="minor">
-      <a:schemeClr val="tx1"/>
-    </cs:fontRef>
-    <cs:spPr>
-      <a:ln w="9525" cap="flat" cmpd="sng" algn="ctr">
-        <a:solidFill>
-          <a:schemeClr val="tx1">
-            <a:lumMod val="65000"/>
-            <a:lumOff val="35000"/>
-          </a:schemeClr>
-        </a:solidFill>
-        <a:round/>
-      </a:ln>
-    </cs:spPr>
-  </cs:errorBar>
-  <cs:floor>
-    <cs:lnRef idx="0"/>
-    <cs:fillRef idx="0"/>
-    <cs:effectRef idx="0"/>
-    <cs:fontRef idx="minor">
-      <a:schemeClr val="tx1"/>
-    </cs:fontRef>
-    <cs:spPr>
-      <a:noFill/>
-      <a:ln>
-        <a:noFill/>
-      </a:ln>
-    </cs:spPr>
-  </cs:floor>
-  <cs:gridlineMajor>
-    <cs:lnRef idx="0"/>
-    <cs:fillRef idx="0"/>
-    <cs:effectRef idx="0"/>
-    <cs:fontRef idx="minor">
-      <a:schemeClr val="tx1"/>
-    </cs:fontRef>
-    <cs:spPr>
-      <a:ln w="9525" cap="flat" cmpd="sng" algn="ctr">
-        <a:solidFill>
-          <a:schemeClr val="tx1">
-            <a:lumMod val="15000"/>
-            <a:lumOff val="85000"/>
-          </a:schemeClr>
-        </a:solidFill>
-        <a:round/>
-      </a:ln>
-    </cs:spPr>
-  </cs:gridlineMajor>
-  <cs:gridlineMinor>
-    <cs:lnRef idx="0"/>
-    <cs:fillRef idx="0"/>
-    <cs:effectRef idx="0"/>
-    <cs:fontRef idx="minor">
-      <a:schemeClr val="tx1"/>
-    </cs:fontRef>
-    <cs:spPr>
-      <a:ln w="9525" cap="flat" cmpd="sng" algn="ctr">
-        <a:solidFill>
-          <a:schemeClr val="tx1">
-            <a:lumMod val="5000"/>
-            <a:lumOff val="95000"/>
-          </a:schemeClr>
-        </a:solidFill>
-        <a:round/>
-      </a:ln>
-    </cs:spPr>
-  </cs:gridlineMinor>
-  <cs:hiLoLine>
-    <cs:lnRef idx="0"/>
-    <cs:fillRef idx="0"/>
-    <cs:effectRef idx="0"/>
-    <cs:fontRef idx="minor">
-      <a:schemeClr val="tx1"/>
-    </cs:fontRef>
-    <cs:spPr>
-      <a:ln w="9525" cap="flat" cmpd="sng" algn="ctr">
-        <a:solidFill>
-          <a:schemeClr val="tx1">
-            <a:lumMod val="75000"/>
-            <a:lumOff val="25000"/>
-          </a:schemeClr>
-        </a:solidFill>
-        <a:round/>
-      </a:ln>
-    </cs:spPr>
-  </cs:hiLoLine>
-  <cs:leaderLine>
-    <cs:lnRef idx="0"/>
-    <cs:fillRef idx="0"/>
-    <cs:effectRef idx="0"/>
-    <cs:fontRef idx="minor">
-      <a:schemeClr val="tx1"/>
-    </cs:fontRef>
-    <cs:spPr>
-      <a:ln w="9525" cap="flat" cmpd="sng" algn="ctr">
-        <a:solidFill>
-          <a:schemeClr val="tx1">
-            <a:lumMod val="35000"/>
-            <a:lumOff val="65000"/>
-          </a:schemeClr>
-        </a:solidFill>
-        <a:round/>
-      </a:ln>
-    </cs:spPr>
-  </cs:leaderLine>
-  <cs:legend>
-    <cs:lnRef idx="0"/>
-    <cs:fillRef idx="0"/>
-    <cs:effectRef idx="0"/>
-    <cs:fontRef idx="minor">
-      <a:schemeClr val="tx1">
-        <a:lumMod val="65000"/>
-        <a:lumOff val="35000"/>
-      </a:schemeClr>
-    </cs:fontRef>
-    <cs:defRPr sz="900" kern="1200"/>
-  </cs:legend>
-  <cs:plotArea mods="allowNoFillOverride allowNoLineOverride">
-    <cs:lnRef idx="0"/>
-    <cs:fillRef idx="0"/>
-    <cs:effectRef idx="0"/>
-    <cs:fontRef idx="minor">
-      <a:schemeClr val="tx1"/>
-    </cs:fontRef>
-  </cs:plotArea>
-  <cs:plotArea3D mods="allowNoFillOverride allowNoLineOverride">
-    <cs:lnRef idx="0"/>
-    <cs:fillRef idx="0"/>
-    <cs:effectRef idx="0"/>
-    <cs:fontRef idx="minor">
-      <a:schemeClr val="tx1"/>
-    </cs:fontRef>
-  </cs:plotArea3D>
-  <cs:seriesAxis>
-    <cs:lnRef idx="0"/>
-    <cs:fillRef idx="0"/>
-    <cs:effectRef idx="0"/>
-    <cs:fontRef idx="minor">
-      <a:schemeClr val="tx1">
-        <a:lumMod val="65000"/>
-        <a:lumOff val="35000"/>
-      </a:schemeClr>
-    </cs:fontRef>
-    <cs:defRPr sz="900" kern="1200"/>
-  </cs:seriesAxis>
-  <cs:seriesLine>
-    <cs:lnRef idx="0"/>
-    <cs:fillRef idx="0"/>
-    <cs:effectRef idx="0"/>
-    <cs:fontRef idx="minor">
-      <a:schemeClr val="tx1"/>
-    </cs:fontRef>
-    <cs:spPr>
-      <a:ln w="9525" cap="flat" cmpd="sng" algn="ctr">
-        <a:solidFill>
-          <a:schemeClr val="tx1">
-            <a:lumMod val="35000"/>
-            <a:lumOff val="65000"/>
-          </a:schemeClr>
-        </a:solidFill>
-        <a:round/>
-      </a:ln>
-    </cs:spPr>
-  </cs:seriesLine>
-  <cs:title>
-    <cs:lnRef idx="0"/>
-    <cs:fillRef idx="0"/>
-    <cs:effectRef idx="0"/>
-    <cs:fontRef idx="minor">
-      <a:schemeClr val="tx1">
-        <a:lumMod val="65000"/>
-        <a:lumOff val="35000"/>
-      </a:schemeClr>
-    </cs:fontRef>
-    <cs:defRPr sz="1400" b="0" kern="1200" spc="0" baseline="0"/>
-  </cs:title>
-  <cs:trendline>
-    <cs:lnRef idx="0">
-      <cs:styleClr val="auto"/>
-    </cs:lnRef>
-    <cs:fillRef idx="0"/>
-    <cs:effectRef idx="0"/>
-    <cs:fontRef idx="minor">
-      <a:schemeClr val="tx1"/>
-    </cs:fontRef>
-    <cs:spPr>
-      <a:ln w="19050" cap="rnd">
-        <a:solidFill>
-          <a:schemeClr val="phClr"/>
-        </a:solidFill>
-        <a:prstDash val="sysDot"/>
-      </a:ln>
-    </cs:spPr>
-  </cs:trendline>
-  <cs:trendlineLabel>
-    <cs:lnRef idx="0"/>
-    <cs:fillRef idx="0"/>
-    <cs:effectRef idx="0"/>
-    <cs:fontRef idx="minor">
-      <a:schemeClr val="tx1">
-        <a:lumMod val="65000"/>
-        <a:lumOff val="35000"/>
-      </a:schemeClr>
-    </cs:fontRef>
-    <cs:defRPr sz="900" kern="1200"/>
-  </cs:trendlineLabel>
-  <cs:upBar>
-    <cs:lnRef idx="0"/>
-    <cs:fillRef idx="0"/>
-    <cs:effectRef idx="0"/>
-    <cs:fontRef idx="minor">
-      <a:schemeClr val="dk1"/>
-    </cs:fontRef>
-    <cs:spPr>
-      <a:solidFill>
-        <a:schemeClr val="lt1"/>
-      </a:solidFill>
-      <a:ln w="9525">
-        <a:solidFill>
-          <a:schemeClr val="tx1">
-            <a:lumMod val="15000"/>
-            <a:lumOff val="85000"/>
-          </a:schemeClr>
-        </a:solidFill>
-      </a:ln>
-    </cs:spPr>
-  </cs:upBar>
-  <cs:valueAxis>
-    <cs:lnRef idx="0"/>
-    <cs:fillRef idx="0"/>
-    <cs:effectRef idx="0"/>
-    <cs:fontRef idx="minor">
-      <a:schemeClr val="tx1">
-        <a:lumMod val="65000"/>
-        <a:lumOff val="35000"/>
-      </a:schemeClr>
-    </cs:fontRef>
-    <cs:defRPr sz="900" kern="1200"/>
-  </cs:valueAxis>
-  <cs:wall>
-    <cs:lnRef idx="0"/>
-    <cs:fillRef idx="0"/>
-    <cs:effectRef idx="0"/>
-    <cs:fontRef idx="minor">
-      <a:schemeClr val="tx1"/>
-    </cs:fontRef>
-    <cs:spPr>
-      <a:noFill/>
-      <a:ln>
-        <a:noFill/>
-      </a:ln>
-    </cs:spPr>
-  </cs:wall>
-</cs:chartStyle>
-</file>
-
-<file path=ppt/charts/style3.xml><?xml version="1.0" encoding="utf-8"?>
 <cs:chartStyle xmlns:cs="http://schemas.microsoft.com/office/drawing/2012/chartStyle" xmlns:a="http://schemas.openxmlformats.org/drawingml/2006/main" id="332">
   <cs:axisTitle>
     <cs:lnRef idx="0"/>
@@ -9507,37 +8321,6 @@
           </a:p>
         </p:txBody>
       </p:sp>
-      <p:graphicFrame>
-        <p:nvGraphicFramePr>
-          <p:cNvPr id="5" name="Объект 4">
-            <a:extLst>
-              <a:ext uri="{FF2B5EF4-FFF2-40B4-BE49-F238E27FC236}">
-                <a16:creationId xmlns:a16="http://schemas.microsoft.com/office/drawing/2014/main" id="{95A65DD9-1CAC-4A94-E8D3-61676FE2B0A4}"/>
-              </a:ext>
-            </a:extLst>
-          </p:cNvPr>
-          <p:cNvGraphicFramePr>
-            <a:graphicFrameLocks noGrp="1"/>
-          </p:cNvGraphicFramePr>
-          <p:nvPr>
-            <p:ph idx="1"/>
-            <p:extLst>
-              <p:ext uri="{D42A27DB-BD31-4B8C-83A1-F6EECF244321}">
-                <p14:modId xmlns:p14="http://schemas.microsoft.com/office/powerpoint/2010/main" val="4070994668"/>
-              </p:ext>
-            </p:extLst>
-          </p:nvPr>
-        </p:nvGraphicFramePr>
-        <p:xfrm>
-          <a:off x="838200" y="2384612"/>
-          <a:ext cx="6306671" cy="3720353"/>
-        </p:xfrm>
-        <a:graphic>
-          <a:graphicData uri="http://schemas.openxmlformats.org/drawingml/2006/chart">
-            <c:chart xmlns:c="http://schemas.openxmlformats.org/drawingml/2006/chart" xmlns:r="http://schemas.openxmlformats.org/officeDocument/2006/relationships" r:id="rId3"/>
-          </a:graphicData>
-        </a:graphic>
-      </p:graphicFrame>
       <p:sp>
         <p:nvSpPr>
           <p:cNvPr id="6" name="TextBox 5">
@@ -9638,6 +8421,36 @@
           </a:p>
         </p:txBody>
       </p:sp>
+      <p:graphicFrame>
+        <p:nvGraphicFramePr>
+          <p:cNvPr id="8" name="Диаграмма 7">
+            <a:extLst>
+              <a:ext uri="{FF2B5EF4-FFF2-40B4-BE49-F238E27FC236}">
+                <a16:creationId xmlns:a16="http://schemas.microsoft.com/office/drawing/2014/main" id="{00000000-0008-0000-0000-000002000000}"/>
+              </a:ext>
+            </a:extLst>
+          </p:cNvPr>
+          <p:cNvGraphicFramePr>
+            <a:graphicFrameLocks/>
+          </p:cNvGraphicFramePr>
+          <p:nvPr>
+            <p:extLst>
+              <p:ext uri="{D42A27DB-BD31-4B8C-83A1-F6EECF244321}">
+                <p14:modId xmlns:p14="http://schemas.microsoft.com/office/powerpoint/2010/main" val="522110365"/>
+              </p:ext>
+            </p:extLst>
+          </p:nvPr>
+        </p:nvGraphicFramePr>
+        <p:xfrm>
+          <a:off x="838200" y="2222841"/>
+          <a:ext cx="6304337" cy="4133509"/>
+        </p:xfrm>
+        <a:graphic>
+          <a:graphicData uri="http://schemas.openxmlformats.org/drawingml/2006/chart">
+            <c:chart xmlns:c="http://schemas.openxmlformats.org/drawingml/2006/chart" xmlns:r="http://schemas.openxmlformats.org/officeDocument/2006/relationships" r:id="rId3"/>
+          </a:graphicData>
+        </a:graphic>
+      </p:graphicFrame>
     </p:spTree>
     <p:extLst>
       <p:ext uri="{BB962C8B-B14F-4D97-AF65-F5344CB8AC3E}">
@@ -9741,34 +8554,6 @@
           </a:p>
         </p:txBody>
       </p:sp>
-      <p:graphicFrame>
-        <p:nvGraphicFramePr>
-          <p:cNvPr id="5" name="Диаграмма 4">
-            <a:extLst>
-              <a:ext uri="{FF2B5EF4-FFF2-40B4-BE49-F238E27FC236}">
-                <a16:creationId xmlns:a16="http://schemas.microsoft.com/office/drawing/2014/main" id="{EBE3C923-F928-7B57-C79F-7A333B40D695}"/>
-              </a:ext>
-            </a:extLst>
-          </p:cNvPr>
-          <p:cNvGraphicFramePr/>
-          <p:nvPr>
-            <p:extLst>
-              <p:ext uri="{D42A27DB-BD31-4B8C-83A1-F6EECF244321}">
-                <p14:modId xmlns:p14="http://schemas.microsoft.com/office/powerpoint/2010/main" val="4059238637"/>
-              </p:ext>
-            </p:extLst>
-          </p:nvPr>
-        </p:nvGraphicFramePr>
-        <p:xfrm>
-          <a:off x="838200" y="2392303"/>
-          <a:ext cx="6190129" cy="3703320"/>
-        </p:xfrm>
-        <a:graphic>
-          <a:graphicData uri="http://schemas.openxmlformats.org/drawingml/2006/chart">
-            <c:chart xmlns:c="http://schemas.openxmlformats.org/drawingml/2006/chart" xmlns:r="http://schemas.openxmlformats.org/officeDocument/2006/relationships" r:id="rId3"/>
-          </a:graphicData>
-        </a:graphic>
-      </p:graphicFrame>
       <p:sp>
         <p:nvSpPr>
           <p:cNvPr id="7" name="TextBox 6">
@@ -9864,6 +8649,36 @@
           </a:p>
         </p:txBody>
       </p:sp>
+      <p:graphicFrame>
+        <p:nvGraphicFramePr>
+          <p:cNvPr id="6" name="Диаграмма 5">
+            <a:extLst>
+              <a:ext uri="{FF2B5EF4-FFF2-40B4-BE49-F238E27FC236}">
+                <a16:creationId xmlns:a16="http://schemas.microsoft.com/office/drawing/2014/main" id="{00000000-0008-0000-0000-000003000000}"/>
+              </a:ext>
+            </a:extLst>
+          </p:cNvPr>
+          <p:cNvGraphicFramePr>
+            <a:graphicFrameLocks/>
+          </p:cNvGraphicFramePr>
+          <p:nvPr>
+            <p:extLst>
+              <p:ext uri="{D42A27DB-BD31-4B8C-83A1-F6EECF244321}">
+                <p14:modId xmlns:p14="http://schemas.microsoft.com/office/powerpoint/2010/main" val="2797115600"/>
+              </p:ext>
+            </p:extLst>
+          </p:nvPr>
+        </p:nvGraphicFramePr>
+        <p:xfrm>
+          <a:off x="582705" y="2214561"/>
+          <a:ext cx="6666720" cy="4141789"/>
+        </p:xfrm>
+        <a:graphic>
+          <a:graphicData uri="http://schemas.openxmlformats.org/drawingml/2006/chart">
+            <c:chart xmlns:c="http://schemas.openxmlformats.org/drawingml/2006/chart" xmlns:r="http://schemas.openxmlformats.org/officeDocument/2006/relationships" r:id="rId3"/>
+          </a:graphicData>
+        </a:graphic>
+      </p:graphicFrame>
     </p:spTree>
     <p:extLst>
       <p:ext uri="{BB962C8B-B14F-4D97-AF65-F5344CB8AC3E}">
@@ -12519,7 +11334,7 @@
           <p:nvPr/>
         </p:nvPicPr>
         <p:blipFill>
-          <a:blip r:embed="rId3">
+          <a:blip r:embed="rId3" cstate="print">
             <a:extLst>
               <a:ext uri="{28A0092B-C50C-407E-A947-70E740481C1C}">
                 <a14:useLocalDpi xmlns:a14="http://schemas.microsoft.com/office/drawing/2010/main" val="0"/>
@@ -13784,7 +12599,7 @@
           <p:nvPr/>
         </p:nvPicPr>
         <p:blipFill>
-          <a:blip r:embed="rId3">
+          <a:blip r:embed="rId3" cstate="print">
             <a:extLst>
               <a:ext uri="{28A0092B-C50C-407E-A947-70E740481C1C}">
                 <a14:useLocalDpi xmlns:a14="http://schemas.microsoft.com/office/drawing/2010/main" val="0"/>
@@ -14115,7 +12930,7 @@
           <p:nvPr/>
         </p:nvPicPr>
         <p:blipFill>
-          <a:blip r:embed="rId4">
+          <a:blip r:embed="rId4" cstate="print">
             <a:extLst>
               <a:ext uri="{28A0092B-C50C-407E-A947-70E740481C1C}">
                 <a14:useLocalDpi xmlns:a14="http://schemas.microsoft.com/office/drawing/2010/main" val="0"/>
@@ -14247,7 +13062,7 @@
           <p:nvPr/>
         </p:nvPicPr>
         <p:blipFill>
-          <a:blip r:embed="rId3">
+          <a:blip r:embed="rId3" cstate="print">
             <a:extLst>
               <a:ext uri="{28A0092B-C50C-407E-A947-70E740481C1C}">
                 <a14:useLocalDpi xmlns:a14="http://schemas.microsoft.com/office/drawing/2010/main" val="0"/>

--- a/Презентация.pptx
+++ b/Презентация.pptx
@@ -191,12 +191,12 @@
   <pc:docChgLst>
     <pc:chgData name="Ольга Платонова" userId="b7a68a3ec46e1b54" providerId="LiveId" clId="{1F07ACF5-96D4-4BB6-B0A8-48BFF323F040}"/>
     <pc:docChg chg="undo redo custSel addSld delSld modSld">
-      <pc:chgData name="Ольга Платонова" userId="b7a68a3ec46e1b54" providerId="LiveId" clId="{1F07ACF5-96D4-4BB6-B0A8-48BFF323F040}" dt="2022-05-29T23:56:37.070" v="7561" actId="1076"/>
+      <pc:chgData name="Ольга Платонова" userId="b7a68a3ec46e1b54" providerId="LiveId" clId="{1F07ACF5-96D4-4BB6-B0A8-48BFF323F040}" dt="2022-05-30T12:30:20.498" v="7593" actId="1076"/>
       <pc:docMkLst>
         <pc:docMk/>
       </pc:docMkLst>
       <pc:sldChg chg="addSp delSp modSp mod">
-        <pc:chgData name="Ольга Платонова" userId="b7a68a3ec46e1b54" providerId="LiveId" clId="{1F07ACF5-96D4-4BB6-B0A8-48BFF323F040}" dt="2022-05-29T23:32:26.556" v="7500" actId="1076"/>
+        <pc:chgData name="Ольга Платонова" userId="b7a68a3ec46e1b54" providerId="LiveId" clId="{1F07ACF5-96D4-4BB6-B0A8-48BFF323F040}" dt="2022-05-30T12:30:20.498" v="7593" actId="1076"/>
         <pc:sldMkLst>
           <pc:docMk/>
           <pc:sldMk cId="906348732" sldId="256"/>
@@ -210,7 +210,7 @@
           </ac:spMkLst>
         </pc:spChg>
         <pc:spChg chg="mod">
-          <ac:chgData name="Ольга Платонова" userId="b7a68a3ec46e1b54" providerId="LiveId" clId="{1F07ACF5-96D4-4BB6-B0A8-48BFF323F040}" dt="2022-05-29T23:32:26.556" v="7500" actId="1076"/>
+          <ac:chgData name="Ольга Платонова" userId="b7a68a3ec46e1b54" providerId="LiveId" clId="{1F07ACF5-96D4-4BB6-B0A8-48BFF323F040}" dt="2022-05-30T12:30:20.498" v="7593" actId="1076"/>
           <ac:spMkLst>
             <pc:docMk/>
             <pc:sldMk cId="906348732" sldId="256"/>
@@ -225,8 +225,8 @@
             <ac:spMk id="4" creationId="{22B71FA5-D9A2-648A-BA2B-198803987812}"/>
           </ac:spMkLst>
         </pc:spChg>
-        <pc:spChg chg="add mod">
-          <ac:chgData name="Ольга Платонова" userId="b7a68a3ec46e1b54" providerId="LiveId" clId="{1F07ACF5-96D4-4BB6-B0A8-48BFF323F040}" dt="2022-05-29T23:31:55.495" v="7496" actId="20577"/>
+        <pc:spChg chg="add del mod">
+          <ac:chgData name="Ольга Платонова" userId="b7a68a3ec46e1b54" providerId="LiveId" clId="{1F07ACF5-96D4-4BB6-B0A8-48BFF323F040}" dt="2022-05-30T12:29:52.310" v="7562" actId="478"/>
           <ac:spMkLst>
             <pc:docMk/>
             <pc:sldMk cId="906348732" sldId="256"/>
@@ -7812,13 +7812,13 @@
         </p:nvSpPr>
         <p:spPr>
           <a:xfrm>
-            <a:off x="1427127" y="3893036"/>
-            <a:ext cx="7382069" cy="1690576"/>
+            <a:off x="1445057" y="4323342"/>
+            <a:ext cx="7382069" cy="2002732"/>
           </a:xfrm>
         </p:spPr>
         <p:txBody>
           <a:bodyPr>
-            <a:normAutofit/>
+            <a:normAutofit lnSpcReduction="10000"/>
           </a:bodyPr>
           <a:lstStyle/>
           <a:p>
@@ -7830,6 +7830,20 @@
               </a:rPr>
               <a:t>Студент: Платонова Ольга Сергеевна</a:t>
             </a:r>
+            <a:endParaRPr lang="en-US" dirty="0">
+              <a:latin typeface="Times New Roman" panose="02020603050405020304" pitchFamily="18" charset="0"/>
+              <a:cs typeface="Times New Roman" panose="02020603050405020304" pitchFamily="18" charset="0"/>
+            </a:endParaRPr>
+          </a:p>
+          <a:p>
+            <a:pPr algn="l"/>
+            <a:r>
+              <a:rPr lang="ru-RU" dirty="0">
+                <a:latin typeface="Times New Roman" panose="02020603050405020304" pitchFamily="18" charset="0"/>
+                <a:cs typeface="Times New Roman" panose="02020603050405020304" pitchFamily="18" charset="0"/>
+              </a:rPr>
+              <a:t>Группа: ИУ7-85Б</a:t>
+            </a:r>
           </a:p>
           <a:p>
             <a:pPr algn="l"/>
@@ -7867,149 +7881,6 @@
                 <a:cs typeface="Times New Roman" panose="02020603050405020304" pitchFamily="18" charset="0"/>
               </a:rPr>
               <a:t>Консультант: Гаврилова Юлия Михайловна</a:t>
-            </a:r>
-          </a:p>
-        </p:txBody>
-      </p:sp>
-      <p:sp>
-        <p:nvSpPr>
-          <p:cNvPr id="5" name="TextBox 2">
-            <a:extLst>
-              <a:ext uri="{FF2B5EF4-FFF2-40B4-BE49-F238E27FC236}">
-                <a16:creationId xmlns:a16="http://schemas.microsoft.com/office/drawing/2014/main" id="{F49073B8-27F7-174C-28CD-6E15A5CFB138}"/>
-              </a:ext>
-            </a:extLst>
-          </p:cNvPr>
-          <p:cNvSpPr txBox="1"/>
-          <p:nvPr/>
-        </p:nvSpPr>
-        <p:spPr>
-          <a:xfrm>
-            <a:off x="4326834" y="6211669"/>
-            <a:ext cx="3538331" cy="646331"/>
-          </a:xfrm>
-          <a:prstGeom prst="rect">
-            <a:avLst/>
-          </a:prstGeom>
-          <a:noFill/>
-        </p:spPr>
-        <p:txBody>
-          <a:bodyPr wrap="square" rtlCol="0">
-            <a:spAutoFit/>
-          </a:bodyPr>
-          <a:lstStyle>
-            <a:defPPr>
-              <a:defRPr lang="ru-RU"/>
-            </a:defPPr>
-            <a:lvl1pPr marL="0" algn="l" defTabSz="914400" rtl="0" eaLnBrk="1" latinLnBrk="0" hangingPunct="1">
-              <a:defRPr sz="1800" kern="1200">
-                <a:solidFill>
-                  <a:schemeClr val="tx1"/>
-                </a:solidFill>
-                <a:latin typeface="+mn-lt"/>
-                <a:ea typeface="+mn-ea"/>
-                <a:cs typeface="+mn-cs"/>
-              </a:defRPr>
-            </a:lvl1pPr>
-            <a:lvl2pPr marL="457200" algn="l" defTabSz="914400" rtl="0" eaLnBrk="1" latinLnBrk="0" hangingPunct="1">
-              <a:defRPr sz="1800" kern="1200">
-                <a:solidFill>
-                  <a:schemeClr val="tx1"/>
-                </a:solidFill>
-                <a:latin typeface="+mn-lt"/>
-                <a:ea typeface="+mn-ea"/>
-                <a:cs typeface="+mn-cs"/>
-              </a:defRPr>
-            </a:lvl2pPr>
-            <a:lvl3pPr marL="914400" algn="l" defTabSz="914400" rtl="0" eaLnBrk="1" latinLnBrk="0" hangingPunct="1">
-              <a:defRPr sz="1800" kern="1200">
-                <a:solidFill>
-                  <a:schemeClr val="tx1"/>
-                </a:solidFill>
-                <a:latin typeface="+mn-lt"/>
-                <a:ea typeface="+mn-ea"/>
-                <a:cs typeface="+mn-cs"/>
-              </a:defRPr>
-            </a:lvl3pPr>
-            <a:lvl4pPr marL="1371600" algn="l" defTabSz="914400" rtl="0" eaLnBrk="1" latinLnBrk="0" hangingPunct="1">
-              <a:defRPr sz="1800" kern="1200">
-                <a:solidFill>
-                  <a:schemeClr val="tx1"/>
-                </a:solidFill>
-                <a:latin typeface="+mn-lt"/>
-                <a:ea typeface="+mn-ea"/>
-                <a:cs typeface="+mn-cs"/>
-              </a:defRPr>
-            </a:lvl4pPr>
-            <a:lvl5pPr marL="1828800" algn="l" defTabSz="914400" rtl="0" eaLnBrk="1" latinLnBrk="0" hangingPunct="1">
-              <a:defRPr sz="1800" kern="1200">
-                <a:solidFill>
-                  <a:schemeClr val="tx1"/>
-                </a:solidFill>
-                <a:latin typeface="+mn-lt"/>
-                <a:ea typeface="+mn-ea"/>
-                <a:cs typeface="+mn-cs"/>
-              </a:defRPr>
-            </a:lvl5pPr>
-            <a:lvl6pPr marL="2286000" algn="l" defTabSz="914400" rtl="0" eaLnBrk="1" latinLnBrk="0" hangingPunct="1">
-              <a:defRPr sz="1800" kern="1200">
-                <a:solidFill>
-                  <a:schemeClr val="tx1"/>
-                </a:solidFill>
-                <a:latin typeface="+mn-lt"/>
-                <a:ea typeface="+mn-ea"/>
-                <a:cs typeface="+mn-cs"/>
-              </a:defRPr>
-            </a:lvl6pPr>
-            <a:lvl7pPr marL="2743200" algn="l" defTabSz="914400" rtl="0" eaLnBrk="1" latinLnBrk="0" hangingPunct="1">
-              <a:defRPr sz="1800" kern="1200">
-                <a:solidFill>
-                  <a:schemeClr val="tx1"/>
-                </a:solidFill>
-                <a:latin typeface="+mn-lt"/>
-                <a:ea typeface="+mn-ea"/>
-                <a:cs typeface="+mn-cs"/>
-              </a:defRPr>
-            </a:lvl7pPr>
-            <a:lvl8pPr marL="3200400" algn="l" defTabSz="914400" rtl="0" eaLnBrk="1" latinLnBrk="0" hangingPunct="1">
-              <a:defRPr sz="1800" kern="1200">
-                <a:solidFill>
-                  <a:schemeClr val="tx1"/>
-                </a:solidFill>
-                <a:latin typeface="+mn-lt"/>
-                <a:ea typeface="+mn-ea"/>
-                <a:cs typeface="+mn-cs"/>
-              </a:defRPr>
-            </a:lvl8pPr>
-            <a:lvl9pPr marL="3657600" algn="l" defTabSz="914400" rtl="0" eaLnBrk="1" latinLnBrk="0" hangingPunct="1">
-              <a:defRPr sz="1800" kern="1200">
-                <a:solidFill>
-                  <a:schemeClr val="tx1"/>
-                </a:solidFill>
-                <a:latin typeface="+mn-lt"/>
-                <a:ea typeface="+mn-ea"/>
-                <a:cs typeface="+mn-cs"/>
-              </a:defRPr>
-            </a:lvl9pPr>
-          </a:lstStyle>
-          <a:p>
-            <a:pPr algn="ctr"/>
-            <a:r>
-              <a:rPr lang="ru-RU" dirty="0">
-                <a:latin typeface="Times New Roman" panose="02020603050405020304" pitchFamily="18" charset="0"/>
-                <a:cs typeface="Times New Roman" panose="02020603050405020304" pitchFamily="18" charset="0"/>
-              </a:rPr>
-              <a:t>Москва</a:t>
-            </a:r>
-          </a:p>
-          <a:p>
-            <a:pPr algn="ctr"/>
-            <a:r>
-              <a:rPr lang="ru-RU" dirty="0">
-                <a:latin typeface="Times New Roman" panose="02020603050405020304" pitchFamily="18" charset="0"/>
-                <a:cs typeface="Times New Roman" panose="02020603050405020304" pitchFamily="18" charset="0"/>
-              </a:rPr>
-              <a:t>2022 г</a:t>
             </a:r>
           </a:p>
         </p:txBody>
@@ -8761,13 +8632,13 @@
             <p:ph idx="1"/>
             <p:extLst>
               <p:ext uri="{D42A27DB-BD31-4B8C-83A1-F6EECF244321}">
-                <p14:modId xmlns:p14="http://schemas.microsoft.com/office/powerpoint/2010/main" val="1609419992"/>
+                <p14:modId xmlns:p14="http://schemas.microsoft.com/office/powerpoint/2010/main" val="3048968652"/>
               </p:ext>
             </p:extLst>
           </p:nvPr>
         </p:nvGraphicFramePr>
         <p:xfrm>
-          <a:off x="838197" y="3391605"/>
+          <a:off x="838197" y="3606765"/>
           <a:ext cx="9390529" cy="2683246"/>
         </p:xfrm>
         <a:graphic>
@@ -9315,7 +9186,7 @@
         </p:nvSpPr>
         <p:spPr>
           <a:xfrm>
-            <a:off x="838196" y="1690688"/>
+            <a:off x="838196" y="1905848"/>
             <a:ext cx="9390529" cy="1600438"/>
           </a:xfrm>
           <a:prstGeom prst="rect">
@@ -10718,7 +10589,7 @@
           <p:nvPr>
             <p:extLst>
               <p:ext uri="{D42A27DB-BD31-4B8C-83A1-F6EECF244321}">
-                <p14:modId xmlns:p14="http://schemas.microsoft.com/office/powerpoint/2010/main" val="1899843697"/>
+                <p14:modId xmlns:p14="http://schemas.microsoft.com/office/powerpoint/2010/main" val="1874062603"/>
               </p:ext>
             </p:extLst>
           </p:nvPr>
@@ -11080,14 +10951,14 @@
                     <a:p>
                       <a:pPr indent="0" algn="l"/>
                       <a:r>
-                        <a:rPr lang="ru-RU" sz="1600" kern="150" dirty="0">
+                        <a:rPr lang="ru-RU" sz="1600" b="1" kern="150" dirty="0">
                           <a:effectLst/>
                           <a:latin typeface="Times New Roman" panose="02020603050405020304" pitchFamily="18" charset="0"/>
                           <a:cs typeface="Times New Roman" panose="02020603050405020304" pitchFamily="18" charset="0"/>
                         </a:rPr>
                         <a:t>4.</a:t>
                       </a:r>
-                      <a:endParaRPr lang="ru-RU" sz="1600" kern="150" dirty="0">
+                      <a:endParaRPr lang="ru-RU" sz="1600" b="1" kern="150" dirty="0">
                         <a:effectLst/>
                         <a:latin typeface="Times New Roman" panose="02020603050405020304" pitchFamily="18" charset="0"/>
                         <a:ea typeface="Noto Serif CJK SC"/>
@@ -11104,14 +10975,14 @@
                     <a:p>
                       <a:pPr indent="0" algn="l"/>
                       <a:r>
-                        <a:rPr lang="en-US" sz="1600" kern="150" dirty="0">
+                        <a:rPr lang="en-US" sz="1600" b="1" kern="150" dirty="0">
                           <a:effectLst/>
                           <a:latin typeface="Times New Roman" panose="02020603050405020304" pitchFamily="18" charset="0"/>
                           <a:cs typeface="Times New Roman" panose="02020603050405020304" pitchFamily="18" charset="0"/>
                         </a:rPr>
                         <a:t>PostgreSQL</a:t>
                       </a:r>
-                      <a:endParaRPr lang="ru-RU" sz="1600" kern="150" dirty="0">
+                      <a:endParaRPr lang="ru-RU" sz="1600" b="1" kern="150" dirty="0">
                         <a:effectLst/>
                         <a:latin typeface="Times New Roman" panose="02020603050405020304" pitchFamily="18" charset="0"/>
                         <a:ea typeface="Noto Serif CJK SC"/>
@@ -11128,14 +10999,14 @@
                     <a:p>
                       <a:pPr indent="0" algn="just"/>
                       <a:r>
-                        <a:rPr lang="ru-RU" sz="1600" kern="150" dirty="0">
+                        <a:rPr lang="ru-RU" sz="1600" b="1" kern="150" dirty="0">
                           <a:effectLst/>
                           <a:latin typeface="Times New Roman" panose="02020603050405020304" pitchFamily="18" charset="0"/>
                           <a:cs typeface="Times New Roman" panose="02020603050405020304" pitchFamily="18" charset="0"/>
                         </a:rPr>
                         <a:t>Реляционная</a:t>
                       </a:r>
-                      <a:endParaRPr lang="ru-RU" sz="1600" kern="150" dirty="0">
+                      <a:endParaRPr lang="ru-RU" sz="1600" b="1" kern="150" dirty="0">
                         <a:effectLst/>
                         <a:latin typeface="Times New Roman" panose="02020603050405020304" pitchFamily="18" charset="0"/>
                         <a:ea typeface="Noto Serif CJK SC"/>

--- a/Презентация.pptx
+++ b/Презентация.pptx
@@ -5,24 +5,26 @@
     <p:sldMasterId id="2147483648" r:id="rId1"/>
   </p:sldMasterIdLst>
   <p:notesMasterIdLst>
-    <p:notesMasterId r:id="rId17"/>
+    <p:notesMasterId r:id="rId19"/>
   </p:notesMasterIdLst>
   <p:sldIdLst>
     <p:sldId id="256" r:id="rId2"/>
-    <p:sldId id="257" r:id="rId3"/>
-    <p:sldId id="262" r:id="rId4"/>
+    <p:sldId id="262" r:id="rId3"/>
+    <p:sldId id="257" r:id="rId4"/>
     <p:sldId id="259" r:id="rId5"/>
-    <p:sldId id="264" r:id="rId6"/>
-    <p:sldId id="261" r:id="rId7"/>
-    <p:sldId id="273" r:id="rId8"/>
-    <p:sldId id="266" r:id="rId9"/>
-    <p:sldId id="277" r:id="rId10"/>
-    <p:sldId id="274" r:id="rId11"/>
-    <p:sldId id="267" r:id="rId12"/>
-    <p:sldId id="268" r:id="rId13"/>
-    <p:sldId id="269" r:id="rId14"/>
-    <p:sldId id="270" r:id="rId15"/>
-    <p:sldId id="271" r:id="rId16"/>
+    <p:sldId id="278" r:id="rId6"/>
+    <p:sldId id="279" r:id="rId7"/>
+    <p:sldId id="264" r:id="rId8"/>
+    <p:sldId id="261" r:id="rId9"/>
+    <p:sldId id="273" r:id="rId10"/>
+    <p:sldId id="266" r:id="rId11"/>
+    <p:sldId id="277" r:id="rId12"/>
+    <p:sldId id="274" r:id="rId13"/>
+    <p:sldId id="267" r:id="rId14"/>
+    <p:sldId id="268" r:id="rId15"/>
+    <p:sldId id="269" r:id="rId16"/>
+    <p:sldId id="270" r:id="rId17"/>
+    <p:sldId id="271" r:id="rId18"/>
   </p:sldIdLst>
   <p:sldSz cx="12192000" cy="6858000"/>
   <p:notesSz cx="6858000" cy="9144000"/>
@@ -150,48 +152,9 @@
 <file path=ppt/changesInfos/changesInfo1.xml><?xml version="1.0" encoding="utf-8"?>
 <pc:chgInfo xmlns:a="http://schemas.openxmlformats.org/drawingml/2006/main" xmlns:r="http://schemas.openxmlformats.org/officeDocument/2006/relationships" xmlns:ac="http://schemas.microsoft.com/office/drawing/2013/main/command" xmlns:pc="http://schemas.microsoft.com/office/powerpoint/2013/main/command">
   <pc:docChgLst>
-    <pc:chgData name="Ольга Платонова" userId="b7a68a3ec46e1b54" providerId="LiveId" clId="{69C37FF1-3A42-438E-A961-1DE13AE723BC}"/>
-    <pc:docChg chg="undo custSel modSld">
-      <pc:chgData name="Ольга Платонова" userId="b7a68a3ec46e1b54" providerId="LiveId" clId="{69C37FF1-3A42-438E-A961-1DE13AE723BC}" dt="2022-04-03T09:45:50.826" v="12" actId="13822"/>
-      <pc:docMkLst>
-        <pc:docMk/>
-      </pc:docMkLst>
-      <pc:sldChg chg="modSp mod">
-        <pc:chgData name="Ольга Платонова" userId="b7a68a3ec46e1b54" providerId="LiveId" clId="{69C37FF1-3A42-438E-A961-1DE13AE723BC}" dt="2022-04-03T09:42:32.286" v="1" actId="20577"/>
-        <pc:sldMkLst>
-          <pc:docMk/>
-          <pc:sldMk cId="906348732" sldId="256"/>
-        </pc:sldMkLst>
-        <pc:spChg chg="mod">
-          <ac:chgData name="Ольга Платонова" userId="b7a68a3ec46e1b54" providerId="LiveId" clId="{69C37FF1-3A42-438E-A961-1DE13AE723BC}" dt="2022-04-03T09:42:32.286" v="1" actId="20577"/>
-          <ac:spMkLst>
-            <pc:docMk/>
-            <pc:sldMk cId="906348732" sldId="256"/>
-            <ac:spMk id="3" creationId="{00000000-0000-0000-0000-000000000000}"/>
-          </ac:spMkLst>
-        </pc:spChg>
-      </pc:sldChg>
-      <pc:sldChg chg="modSp mod addCm delCm">
-        <pc:chgData name="Ольга Платонова" userId="b7a68a3ec46e1b54" providerId="LiveId" clId="{69C37FF1-3A42-438E-A961-1DE13AE723BC}" dt="2022-04-03T09:45:50.826" v="12" actId="13822"/>
-        <pc:sldMkLst>
-          <pc:docMk/>
-          <pc:sldMk cId="3963753601" sldId="262"/>
-        </pc:sldMkLst>
-        <pc:graphicFrameChg chg="mod">
-          <ac:chgData name="Ольга Платонова" userId="b7a68a3ec46e1b54" providerId="LiveId" clId="{69C37FF1-3A42-438E-A961-1DE13AE723BC}" dt="2022-04-03T09:45:50.826" v="12" actId="13822"/>
-          <ac:graphicFrameMkLst>
-            <pc:docMk/>
-            <pc:sldMk cId="3963753601" sldId="262"/>
-            <ac:graphicFrameMk id="5" creationId="{00000000-0000-0000-0000-000000000000}"/>
-          </ac:graphicFrameMkLst>
-        </pc:graphicFrameChg>
-      </pc:sldChg>
-    </pc:docChg>
-  </pc:docChgLst>
-  <pc:docChgLst>
     <pc:chgData name="Ольга Платонова" userId="b7a68a3ec46e1b54" providerId="LiveId" clId="{1F07ACF5-96D4-4BB6-B0A8-48BFF323F040}"/>
-    <pc:docChg chg="undo redo custSel addSld delSld modSld">
-      <pc:chgData name="Ольга Платонова" userId="b7a68a3ec46e1b54" providerId="LiveId" clId="{1F07ACF5-96D4-4BB6-B0A8-48BFF323F040}" dt="2022-05-30T12:30:20.498" v="7593" actId="1076"/>
+    <pc:docChg chg="undo redo custSel addSld delSld modSld sldOrd">
+      <pc:chgData name="Ольга Платонова" userId="b7a68a3ec46e1b54" providerId="LiveId" clId="{1F07ACF5-96D4-4BB6-B0A8-48BFF323F040}" dt="2022-06-01T00:11:50.906" v="8628" actId="20577"/>
       <pc:docMkLst>
         <pc:docMk/>
       </pc:docMkLst>
@@ -274,7 +237,7 @@
         </pc:spChg>
       </pc:sldChg>
       <pc:sldChg chg="addSp delSp modSp mod addCm delCm modCm">
-        <pc:chgData name="Ольга Платонова" userId="b7a68a3ec46e1b54" providerId="LiveId" clId="{1F07ACF5-96D4-4BB6-B0A8-48BFF323F040}" dt="2022-05-29T23:44:23.650" v="7542" actId="403"/>
+        <pc:chgData name="Ольга Платонова" userId="b7a68a3ec46e1b54" providerId="LiveId" clId="{1F07ACF5-96D4-4BB6-B0A8-48BFF323F040}" dt="2022-05-31T20:34:24.210" v="8129" actId="22"/>
         <pc:sldMkLst>
           <pc:docMk/>
           <pc:sldMk cId="4129783739" sldId="259"/>
@@ -304,11 +267,19 @@
           </ac:spMkLst>
         </pc:spChg>
         <pc:spChg chg="add mod">
-          <ac:chgData name="Ольга Платонова" userId="b7a68a3ec46e1b54" providerId="LiveId" clId="{1F07ACF5-96D4-4BB6-B0A8-48BFF323F040}" dt="2022-05-29T23:44:23.650" v="7542" actId="403"/>
+          <ac:chgData name="Ольга Платонова" userId="b7a68a3ec46e1b54" providerId="LiveId" clId="{1F07ACF5-96D4-4BB6-B0A8-48BFF323F040}" dt="2022-05-31T18:22:12.288" v="8048" actId="1076"/>
           <ac:spMkLst>
             <pc:docMk/>
             <pc:sldMk cId="4129783739" sldId="259"/>
             <ac:spMk id="9" creationId="{9E5F91C8-1630-0A30-D6C3-D893611D08C9}"/>
+          </ac:spMkLst>
+        </pc:spChg>
+        <pc:spChg chg="add del">
+          <ac:chgData name="Ольга Платонова" userId="b7a68a3ec46e1b54" providerId="LiveId" clId="{1F07ACF5-96D4-4BB6-B0A8-48BFF323F040}" dt="2022-05-31T20:34:24.210" v="8129" actId="22"/>
+          <ac:spMkLst>
+            <pc:docMk/>
+            <pc:sldMk cId="4129783739" sldId="259"/>
+            <ac:spMk id="10" creationId="{5AAD16D8-BD25-76A0-91B2-350EBFEB288E}"/>
           </ac:spMkLst>
         </pc:spChg>
         <pc:graphicFrameChg chg="add del mod modGraphic">
@@ -328,7 +299,7 @@
           </ac:graphicFrameMkLst>
         </pc:graphicFrameChg>
         <pc:picChg chg="mod">
-          <ac:chgData name="Ольга Платонова" userId="b7a68a3ec46e1b54" providerId="LiveId" clId="{1F07ACF5-96D4-4BB6-B0A8-48BFF323F040}" dt="2022-05-29T13:14:37.067" v="6233" actId="1036"/>
+          <ac:chgData name="Ольга Платонова" userId="b7a68a3ec46e1b54" providerId="LiveId" clId="{1F07ACF5-96D4-4BB6-B0A8-48BFF323F040}" dt="2022-05-31T18:21:49.117" v="8045" actId="1076"/>
           <ac:picMkLst>
             <pc:docMk/>
             <pc:sldMk cId="4129783739" sldId="259"/>
@@ -344,13 +315,13 @@
         </pc:sldMkLst>
       </pc:sldChg>
       <pc:sldChg chg="addSp delSp modSp mod addCm">
-        <pc:chgData name="Ольга Платонова" userId="b7a68a3ec46e1b54" providerId="LiveId" clId="{1F07ACF5-96D4-4BB6-B0A8-48BFF323F040}" dt="2022-05-29T23:36:10.053" v="7516" actId="403"/>
+        <pc:chgData name="Ольга Платонова" userId="b7a68a3ec46e1b54" providerId="LiveId" clId="{1F07ACF5-96D4-4BB6-B0A8-48BFF323F040}" dt="2022-05-31T22:49:29.395" v="8276" actId="20577"/>
         <pc:sldMkLst>
           <pc:docMk/>
           <pc:sldMk cId="725503657" sldId="261"/>
         </pc:sldMkLst>
         <pc:spChg chg="mod">
-          <ac:chgData name="Ольга Платонова" userId="b7a68a3ec46e1b54" providerId="LiveId" clId="{1F07ACF5-96D4-4BB6-B0A8-48BFF323F040}" dt="2022-05-28T20:34:37.705" v="4607" actId="20577"/>
+          <ac:chgData name="Ольга Платонова" userId="b7a68a3ec46e1b54" providerId="LiveId" clId="{1F07ACF5-96D4-4BB6-B0A8-48BFF323F040}" dt="2022-05-31T22:49:29.395" v="8276" actId="20577"/>
           <ac:spMkLst>
             <pc:docMk/>
             <pc:sldMk cId="725503657" sldId="261"/>
@@ -374,14 +345,14 @@
           </ac:graphicFrameMkLst>
         </pc:graphicFrameChg>
       </pc:sldChg>
-      <pc:sldChg chg="addSp delSp modSp mod addCm delCm modCm">
-        <pc:chgData name="Ольга Платонова" userId="b7a68a3ec46e1b54" providerId="LiveId" clId="{1F07ACF5-96D4-4BB6-B0A8-48BFF323F040}" dt="2022-05-29T23:41:23.852" v="7523" actId="14100"/>
+      <pc:sldChg chg="addSp delSp modSp mod ord addCm delCm modCm">
+        <pc:chgData name="Ольга Платонова" userId="b7a68a3ec46e1b54" providerId="LiveId" clId="{1F07ACF5-96D4-4BB6-B0A8-48BFF323F040}" dt="2022-05-31T19:55:21.061" v="8127"/>
         <pc:sldMkLst>
           <pc:docMk/>
           <pc:sldMk cId="3963753601" sldId="262"/>
         </pc:sldMkLst>
         <pc:spChg chg="mod">
-          <ac:chgData name="Ольга Платонова" userId="b7a68a3ec46e1b54" providerId="LiveId" clId="{1F07ACF5-96D4-4BB6-B0A8-48BFF323F040}" dt="2022-05-27T17:49:39.123" v="2265" actId="20577"/>
+          <ac:chgData name="Ольга Платонова" userId="b7a68a3ec46e1b54" providerId="LiveId" clId="{1F07ACF5-96D4-4BB6-B0A8-48BFF323F040}" dt="2022-05-31T12:07:23.787" v="7879" actId="20577"/>
           <ac:spMkLst>
             <pc:docMk/>
             <pc:sldMk cId="3963753601" sldId="262"/>
@@ -405,7 +376,7 @@
           </ac:spMkLst>
         </pc:spChg>
         <pc:spChg chg="add mod">
-          <ac:chgData name="Ольга Платонова" userId="b7a68a3ec46e1b54" providerId="LiveId" clId="{1F07ACF5-96D4-4BB6-B0A8-48BFF323F040}" dt="2022-05-29T23:41:23.852" v="7523" actId="14100"/>
+          <ac:chgData name="Ольга Платонова" userId="b7a68a3ec46e1b54" providerId="LiveId" clId="{1F07ACF5-96D4-4BB6-B0A8-48BFF323F040}" dt="2022-05-31T18:20:23.123" v="8036" actId="1076"/>
           <ac:spMkLst>
             <pc:docMk/>
             <pc:sldMk cId="3963753601" sldId="262"/>
@@ -429,7 +400,7 @@
           </ac:spMkLst>
         </pc:spChg>
         <pc:spChg chg="add mod">
-          <ac:chgData name="Ольга Платонова" userId="b7a68a3ec46e1b54" providerId="LiveId" clId="{1F07ACF5-96D4-4BB6-B0A8-48BFF323F040}" dt="2022-05-29T23:41:20.663" v="7522" actId="14100"/>
+          <ac:chgData name="Ольга Платонова" userId="b7a68a3ec46e1b54" providerId="LiveId" clId="{1F07ACF5-96D4-4BB6-B0A8-48BFF323F040}" dt="2022-05-31T18:20:31.582" v="8038" actId="1076"/>
           <ac:spMkLst>
             <pc:docMk/>
             <pc:sldMk cId="3963753601" sldId="262"/>
@@ -437,7 +408,7 @@
           </ac:spMkLst>
         </pc:spChg>
         <pc:graphicFrameChg chg="mod">
-          <ac:chgData name="Ольга Платонова" userId="b7a68a3ec46e1b54" providerId="LiveId" clId="{1F07ACF5-96D4-4BB6-B0A8-48BFF323F040}" dt="2022-05-28T19:49:17.851" v="4261" actId="20577"/>
+          <ac:chgData name="Ольга Платонова" userId="b7a68a3ec46e1b54" providerId="LiveId" clId="{1F07ACF5-96D4-4BB6-B0A8-48BFF323F040}" dt="2022-05-31T09:06:50.515" v="7649" actId="692"/>
           <ac:graphicFrameMkLst>
             <pc:docMk/>
             <pc:sldMk cId="3963753601" sldId="262"/>
@@ -509,7 +480,7 @@
         </pc:picChg>
       </pc:sldChg>
       <pc:sldChg chg="addSp delSp modSp mod addCm">
-        <pc:chgData name="Ольга Платонова" userId="b7a68a3ec46e1b54" providerId="LiveId" clId="{1F07ACF5-96D4-4BB6-B0A8-48BFF323F040}" dt="2022-05-29T23:44:35.861" v="7545" actId="20577"/>
+        <pc:chgData name="Ольга Платонова" userId="b7a68a3ec46e1b54" providerId="LiveId" clId="{1F07ACF5-96D4-4BB6-B0A8-48BFF323F040}" dt="2022-05-31T23:29:42.767" v="8592" actId="1076"/>
         <pc:sldMkLst>
           <pc:docMk/>
           <pc:sldMk cId="799910520" sldId="264"/>
@@ -547,7 +518,7 @@
           </ac:spMkLst>
         </pc:spChg>
         <pc:spChg chg="add mod">
-          <ac:chgData name="Ольга Платонова" userId="b7a68a3ec46e1b54" providerId="LiveId" clId="{1F07ACF5-96D4-4BB6-B0A8-48BFF323F040}" dt="2022-05-29T23:44:35.861" v="7545" actId="20577"/>
+          <ac:chgData name="Ольга Платонова" userId="b7a68a3ec46e1b54" providerId="LiveId" clId="{1F07ACF5-96D4-4BB6-B0A8-48BFF323F040}" dt="2022-05-31T22:47:07.874" v="8237" actId="1076"/>
           <ac:spMkLst>
             <pc:docMk/>
             <pc:sldMk cId="799910520" sldId="264"/>
@@ -570,6 +541,14 @@
             <ac:spMk id="10" creationId="{D3C3CB60-1E1E-A046-150E-42067403ECCB}"/>
           </ac:spMkLst>
         </pc:spChg>
+        <pc:spChg chg="add mod">
+          <ac:chgData name="Ольга Платонова" userId="b7a68a3ec46e1b54" providerId="LiveId" clId="{1F07ACF5-96D4-4BB6-B0A8-48BFF323F040}" dt="2022-05-31T22:47:04.608" v="8235" actId="1076"/>
+          <ac:spMkLst>
+            <pc:docMk/>
+            <pc:sldMk cId="799910520" sldId="264"/>
+            <ac:spMk id="10" creationId="{F9C76975-635A-A524-340D-416584B6687C}"/>
+          </ac:spMkLst>
+        </pc:spChg>
         <pc:spChg chg="add del mod">
           <ac:chgData name="Ольга Платонова" userId="b7a68a3ec46e1b54" providerId="LiveId" clId="{1F07ACF5-96D4-4BB6-B0A8-48BFF323F040}" dt="2022-05-26T18:38:13.998" v="736"/>
           <ac:spMkLst>
@@ -618,12 +597,44 @@
             <ac:picMk id="5" creationId="{00000000-0000-0000-0000-000000000000}"/>
           </ac:picMkLst>
         </pc:picChg>
-        <pc:picChg chg="add mod ord">
-          <ac:chgData name="Ольга Платонова" userId="b7a68a3ec46e1b54" providerId="LiveId" clId="{1F07ACF5-96D4-4BB6-B0A8-48BFF323F040}" dt="2022-05-29T13:35:21.443" v="6456" actId="1076"/>
+        <pc:picChg chg="add del mod">
+          <ac:chgData name="Ольга Платонова" userId="b7a68a3ec46e1b54" providerId="LiveId" clId="{1F07ACF5-96D4-4BB6-B0A8-48BFF323F040}" dt="2022-05-31T22:46:23.299" v="8230" actId="478"/>
+          <ac:picMkLst>
+            <pc:docMk/>
+            <pc:sldMk cId="799910520" sldId="264"/>
+            <ac:picMk id="5" creationId="{D4F85534-39C5-06FF-B47E-F9C3063D7E1A}"/>
+          </ac:picMkLst>
+        </pc:picChg>
+        <pc:picChg chg="add mod">
+          <ac:chgData name="Ольга Платонова" userId="b7a68a3ec46e1b54" providerId="LiveId" clId="{1F07ACF5-96D4-4BB6-B0A8-48BFF323F040}" dt="2022-05-31T13:08:52.698" v="8032" actId="1076"/>
+          <ac:picMkLst>
+            <pc:docMk/>
+            <pc:sldMk cId="799910520" sldId="264"/>
+            <ac:picMk id="6" creationId="{366C0DDF-D095-B033-50DC-46D85B0DCF03}"/>
+          </ac:picMkLst>
+        </pc:picChg>
+        <pc:picChg chg="add del mod">
+          <ac:chgData name="Ольга Платонова" userId="b7a68a3ec46e1b54" providerId="LiveId" clId="{1F07ACF5-96D4-4BB6-B0A8-48BFF323F040}" dt="2022-05-31T23:28:28.625" v="8578" actId="478"/>
+          <ac:picMkLst>
+            <pc:docMk/>
+            <pc:sldMk cId="799910520" sldId="264"/>
+            <ac:picMk id="7" creationId="{72D8108E-E744-A31B-C515-4C9A34EF76D5}"/>
+          </ac:picMkLst>
+        </pc:picChg>
+        <pc:picChg chg="add del mod ord">
+          <ac:chgData name="Ольга Платонова" userId="b7a68a3ec46e1b54" providerId="LiveId" clId="{1F07ACF5-96D4-4BB6-B0A8-48BFF323F040}" dt="2022-05-31T13:08:26.600" v="8024" actId="478"/>
           <ac:picMkLst>
             <pc:docMk/>
             <pc:sldMk cId="799910520" sldId="264"/>
             <ac:picMk id="8" creationId="{850EB269-C382-320B-505B-ED89F7C8CF7A}"/>
+          </ac:picMkLst>
+        </pc:picChg>
+        <pc:picChg chg="add mod">
+          <ac:chgData name="Ольга Платонова" userId="b7a68a3ec46e1b54" providerId="LiveId" clId="{1F07ACF5-96D4-4BB6-B0A8-48BFF323F040}" dt="2022-05-31T23:29:42.767" v="8592" actId="1076"/>
+          <ac:picMkLst>
+            <pc:docMk/>
+            <pc:sldMk cId="799910520" sldId="264"/>
+            <ac:picMk id="11" creationId="{8B36E4DD-A638-3A7D-FD08-1638AB7F5024}"/>
           </ac:picMkLst>
         </pc:picChg>
         <pc:picChg chg="add del mod">
@@ -632,6 +643,14 @@
             <pc:docMk/>
             <pc:sldMk cId="799910520" sldId="264"/>
             <ac:picMk id="12" creationId="{1FE48CFF-A097-C565-6D10-B338AC054F4A}"/>
+          </ac:picMkLst>
+        </pc:picChg>
+        <pc:picChg chg="del mod">
+          <ac:chgData name="Ольга Платонова" userId="b7a68a3ec46e1b54" providerId="LiveId" clId="{1F07ACF5-96D4-4BB6-B0A8-48BFF323F040}" dt="2022-05-31T22:46:13.340" v="8227" actId="478"/>
+          <ac:picMkLst>
+            <pc:docMk/>
+            <pc:sldMk cId="799910520" sldId="264"/>
+            <ac:picMk id="12" creationId="{3116CC2B-5407-4CBA-63E5-2263374D69F0}"/>
           </ac:picMkLst>
         </pc:picChg>
         <pc:picChg chg="add del mod">
@@ -660,7 +679,7 @@
         </pc:picChg>
       </pc:sldChg>
       <pc:sldChg chg="addSp delSp modSp mod addCm">
-        <pc:chgData name="Ольга Платонова" userId="b7a68a3ec46e1b54" providerId="LiveId" clId="{1F07ACF5-96D4-4BB6-B0A8-48BFF323F040}" dt="2022-05-29T23:56:37.070" v="7561" actId="1076"/>
+        <pc:chgData name="Ольга Платонова" userId="b7a68a3ec46e1b54" providerId="LiveId" clId="{1F07ACF5-96D4-4BB6-B0A8-48BFF323F040}" dt="2022-06-01T00:11:50.906" v="8628" actId="20577"/>
         <pc:sldMkLst>
           <pc:docMk/>
           <pc:sldMk cId="2402547047" sldId="266"/>
@@ -682,15 +701,15 @@
           </ac:spMkLst>
         </pc:spChg>
         <pc:spChg chg="add del mod">
-          <ac:chgData name="Ольга Платонова" userId="b7a68a3ec46e1b54" providerId="LiveId" clId="{1F07ACF5-96D4-4BB6-B0A8-48BFF323F040}" dt="2022-05-29T23:44:59.876" v="7547" actId="1076"/>
+          <ac:chgData name="Ольга Платонова" userId="b7a68a3ec46e1b54" providerId="LiveId" clId="{1F07ACF5-96D4-4BB6-B0A8-48BFF323F040}" dt="2022-06-01T00:10:40.425" v="8602" actId="478"/>
           <ac:spMkLst>
             <pc:docMk/>
             <pc:sldMk cId="2402547047" sldId="266"/>
             <ac:spMk id="8" creationId="{D54F2642-CED2-7AA0-A346-6A533FF6792B}"/>
           </ac:spMkLst>
         </pc:spChg>
-        <pc:spChg chg="add mod">
-          <ac:chgData name="Ольга Платонова" userId="b7a68a3ec46e1b54" providerId="LiveId" clId="{1F07ACF5-96D4-4BB6-B0A8-48BFF323F040}" dt="2022-05-29T23:45:16.274" v="7551" actId="1076"/>
+        <pc:spChg chg="add del mod">
+          <ac:chgData name="Ольга Платонова" userId="b7a68a3ec46e1b54" providerId="LiveId" clId="{1F07ACF5-96D4-4BB6-B0A8-48BFF323F040}" dt="2022-06-01T00:10:38.163" v="8600" actId="478"/>
           <ac:spMkLst>
             <pc:docMk/>
             <pc:sldMk cId="2402547047" sldId="266"/>
@@ -713,12 +732,36 @@
             <ac:spMk id="10" creationId="{E47E263C-1F3B-9416-3057-6B5C3CF0FB10}"/>
           </ac:spMkLst>
         </pc:spChg>
+        <pc:spChg chg="mod">
+          <ac:chgData name="Ольга Платонова" userId="b7a68a3ec46e1b54" providerId="LiveId" clId="{1F07ACF5-96D4-4BB6-B0A8-48BFF323F040}" dt="2022-05-31T22:50:19.034" v="8278" actId="1076"/>
+          <ac:spMkLst>
+            <pc:docMk/>
+            <pc:sldMk cId="2402547047" sldId="266"/>
+            <ac:spMk id="12" creationId="{B7A0EAC4-F27B-1B1E-14B2-5A00284EF829}"/>
+          </ac:spMkLst>
+        </pc:spChg>
+        <pc:spChg chg="mod">
+          <ac:chgData name="Ольга Платонова" userId="b7a68a3ec46e1b54" providerId="LiveId" clId="{1F07ACF5-96D4-4BB6-B0A8-48BFF323F040}" dt="2022-06-01T00:11:50.906" v="8628" actId="20577"/>
+          <ac:spMkLst>
+            <pc:docMk/>
+            <pc:sldMk cId="2402547047" sldId="266"/>
+            <ac:spMk id="13" creationId="{D9663851-2F05-7B57-975B-2FF005EBDEFD}"/>
+          </ac:spMkLst>
+        </pc:spChg>
         <pc:graphicFrameChg chg="add del mod">
           <ac:chgData name="Ольга Платонова" userId="b7a68a3ec46e1b54" providerId="LiveId" clId="{1F07ACF5-96D4-4BB6-B0A8-48BFF323F040}" dt="2022-05-27T21:33:06.866" v="4049" actId="478"/>
           <ac:graphicFrameMkLst>
             <pc:docMk/>
             <pc:sldMk cId="2402547047" sldId="266"/>
             <ac:graphicFrameMk id="3" creationId="{438CFDCC-28C7-E3EA-5E34-1980D319BA32}"/>
+          </ac:graphicFrameMkLst>
+        </pc:graphicFrameChg>
+        <pc:graphicFrameChg chg="add del mod">
+          <ac:chgData name="Ольга Платонова" userId="b7a68a3ec46e1b54" providerId="LiveId" clId="{1F07ACF5-96D4-4BB6-B0A8-48BFF323F040}" dt="2022-06-01T00:10:53.747" v="8604" actId="478"/>
+          <ac:graphicFrameMkLst>
+            <pc:docMk/>
+            <pc:sldMk cId="2402547047" sldId="266"/>
+            <ac:graphicFrameMk id="3" creationId="{FD962E95-1EAF-3258-F2E9-8729F2C40D14}"/>
           </ac:graphicFrameMkLst>
         </pc:graphicFrameChg>
         <pc:picChg chg="add mod">
@@ -769,6 +812,14 @@
             <ac:picMk id="6" creationId="{B3FD275C-7C05-EAB3-EB8F-97EE49ADA3BE}"/>
           </ac:picMkLst>
         </pc:picChg>
+        <pc:picChg chg="add mod">
+          <ac:chgData name="Ольга Платонова" userId="b7a68a3ec46e1b54" providerId="LiveId" clId="{1F07ACF5-96D4-4BB6-B0A8-48BFF323F040}" dt="2022-06-01T00:11:42.400" v="8610" actId="1076"/>
+          <ac:picMkLst>
+            <pc:docMk/>
+            <pc:sldMk cId="2402547047" sldId="266"/>
+            <ac:picMk id="6" creationId="{CFE53CAF-5112-A0C9-32B3-0C7F34630D1A}"/>
+          </ac:picMkLst>
+        </pc:picChg>
         <pc:picChg chg="add del mod">
           <ac:chgData name="Ольга Платонова" userId="b7a68a3ec46e1b54" providerId="LiveId" clId="{1F07ACF5-96D4-4BB6-B0A8-48BFF323F040}" dt="2022-05-29T13:29:24.968" v="6403" actId="478"/>
           <ac:picMkLst>
@@ -793,8 +844,8 @@
             <ac:picMk id="8" creationId="{057366AC-88EA-4947-318F-4132A582415E}"/>
           </ac:picMkLst>
         </pc:picChg>
-        <pc:picChg chg="add mod">
-          <ac:chgData name="Ольга Платонова" userId="b7a68a3ec46e1b54" providerId="LiveId" clId="{1F07ACF5-96D4-4BB6-B0A8-48BFF323F040}" dt="2022-05-29T23:45:02.957" v="7548" actId="1076"/>
+        <pc:picChg chg="add del mod">
+          <ac:chgData name="Ольга Платонова" userId="b7a68a3ec46e1b54" providerId="LiveId" clId="{1F07ACF5-96D4-4BB6-B0A8-48BFF323F040}" dt="2022-06-01T00:10:38.945" v="8601" actId="478"/>
           <ac:picMkLst>
             <pc:docMk/>
             <pc:sldMk cId="2402547047" sldId="266"/>
@@ -841,6 +892,14 @@
             <ac:picMk id="15" creationId="{4681BC7B-53BD-AC7F-C6EE-D94E5D66820F}"/>
           </ac:picMkLst>
         </pc:picChg>
+        <pc:picChg chg="mod">
+          <ac:chgData name="Ольга Платонова" userId="b7a68a3ec46e1b54" providerId="LiveId" clId="{1F07ACF5-96D4-4BB6-B0A8-48BFF323F040}" dt="2022-05-31T22:50:16.204" v="8277" actId="1076"/>
+          <ac:picMkLst>
+            <pc:docMk/>
+            <pc:sldMk cId="2402547047" sldId="266"/>
+            <ac:picMk id="16" creationId="{8470F999-7346-24CA-3F47-E0E57ADC50B4}"/>
+          </ac:picMkLst>
+        </pc:picChg>
         <pc:cxnChg chg="add del mod">
           <ac:chgData name="Ольга Платонова" userId="b7a68a3ec46e1b54" providerId="LiveId" clId="{1F07ACF5-96D4-4BB6-B0A8-48BFF323F040}" dt="2022-05-27T21:33:31.344" v="4059" actId="478"/>
           <ac:cxnSpMkLst>
@@ -859,7 +918,7 @@
         </pc:cxnChg>
       </pc:sldChg>
       <pc:sldChg chg="addSp delSp modSp mod addCm">
-        <pc:chgData name="Ольга Платонова" userId="b7a68a3ec46e1b54" providerId="LiveId" clId="{1F07ACF5-96D4-4BB6-B0A8-48BFF323F040}" dt="2022-05-29T23:19:20.794" v="7418"/>
+        <pc:chgData name="Ольга Платонова" userId="b7a68a3ec46e1b54" providerId="LiveId" clId="{1F07ACF5-96D4-4BB6-B0A8-48BFF323F040}" dt="2022-05-31T23:17:45.942" v="8459" actId="1076"/>
         <pc:sldMkLst>
           <pc:docMk/>
           <pc:sldMk cId="2523793028" sldId="267"/>
@@ -881,6 +940,22 @@
           </ac:spMkLst>
         </pc:spChg>
         <pc:spChg chg="add mod">
+          <ac:chgData name="Ольга Платонова" userId="b7a68a3ec46e1b54" providerId="LiveId" clId="{1F07ACF5-96D4-4BB6-B0A8-48BFF323F040}" dt="2022-05-31T23:17:45.942" v="8459" actId="1076"/>
+          <ac:spMkLst>
+            <pc:docMk/>
+            <pc:sldMk cId="2523793028" sldId="267"/>
+            <ac:spMk id="5" creationId="{DAF376B3-C676-E5B2-53ED-70591D7DA52A}"/>
+          </ac:spMkLst>
+        </pc:spChg>
+        <pc:spChg chg="add del mod">
+          <ac:chgData name="Ольга Платонова" userId="b7a68a3ec46e1b54" providerId="LiveId" clId="{1F07ACF5-96D4-4BB6-B0A8-48BFF323F040}" dt="2022-05-31T23:13:31.319" v="8298" actId="478"/>
+          <ac:spMkLst>
+            <pc:docMk/>
+            <pc:sldMk cId="2523793028" sldId="267"/>
+            <ac:spMk id="6" creationId="{15E0AB59-92AF-24D5-1021-407BBF34C634}"/>
+          </ac:spMkLst>
+        </pc:spChg>
+        <pc:spChg chg="add mod">
           <ac:chgData name="Ольга Платонова" userId="b7a68a3ec46e1b54" providerId="LiveId" clId="{1F07ACF5-96D4-4BB6-B0A8-48BFF323F040}" dt="2022-05-29T13:26:01.830" v="6351" actId="1076"/>
           <ac:spMkLst>
             <pc:docMk/>
@@ -912,19 +987,35 @@
             <ac:graphicFrameMk id="5" creationId="{95A65DD9-1CAC-4A94-E8D3-61676FE2B0A4}"/>
           </ac:graphicFrameMkLst>
         </pc:graphicFrameChg>
+        <pc:graphicFrameChg chg="mod">
+          <ac:chgData name="Ольга Платонова" userId="b7a68a3ec46e1b54" providerId="LiveId" clId="{1F07ACF5-96D4-4BB6-B0A8-48BFF323F040}" dt="2022-05-31T23:17:37.406" v="8457" actId="14100"/>
+          <ac:graphicFrameMkLst>
+            <pc:docMk/>
+            <pc:sldMk cId="2523793028" sldId="267"/>
+            <ac:graphicFrameMk id="8" creationId="{00000000-0008-0000-0000-000002000000}"/>
+          </ac:graphicFrameMkLst>
+        </pc:graphicFrameChg>
       </pc:sldChg>
       <pc:sldChg chg="addSp delSp modSp mod addCm">
-        <pc:chgData name="Ольга Платонова" userId="b7a68a3ec46e1b54" providerId="LiveId" clId="{1F07ACF5-96D4-4BB6-B0A8-48BFF323F040}" dt="2022-05-29T23:34:03.286" v="7504" actId="2"/>
+        <pc:chgData name="Ольга Платонова" userId="b7a68a3ec46e1b54" providerId="LiveId" clId="{1F07ACF5-96D4-4BB6-B0A8-48BFF323F040}" dt="2022-05-31T23:22:18.709" v="8574" actId="1076"/>
         <pc:sldMkLst>
           <pc:docMk/>
           <pc:sldMk cId="60974364" sldId="268"/>
         </pc:sldMkLst>
         <pc:spChg chg="mod">
-          <ac:chgData name="Ольга Платонова" userId="b7a68a3ec46e1b54" providerId="LiveId" clId="{1F07ACF5-96D4-4BB6-B0A8-48BFF323F040}" dt="2022-05-28T22:46:30.978" v="5011" actId="20577"/>
+          <ac:chgData name="Ольга Платонова" userId="b7a68a3ec46e1b54" providerId="LiveId" clId="{1F07ACF5-96D4-4BB6-B0A8-48BFF323F040}" dt="2022-05-31T08:44:32.651" v="7622" actId="20577"/>
           <ac:spMkLst>
             <pc:docMk/>
             <pc:sldMk cId="60974364" sldId="268"/>
             <ac:spMk id="2" creationId="{4C78D7F3-9124-6A66-4328-E2A1C351120A}"/>
+          </ac:spMkLst>
+        </pc:spChg>
+        <pc:spChg chg="add mod">
+          <ac:chgData name="Ольга Платонова" userId="b7a68a3ec46e1b54" providerId="LiveId" clId="{1F07ACF5-96D4-4BB6-B0A8-48BFF323F040}" dt="2022-05-31T23:22:18.709" v="8574" actId="1076"/>
+          <ac:spMkLst>
+            <pc:docMk/>
+            <pc:sldMk cId="60974364" sldId="268"/>
+            <ac:spMk id="3" creationId="{6DEC9AD4-B7AB-5197-C560-AADF11A3E07A}"/>
           </ac:spMkLst>
         </pc:spChg>
         <pc:spChg chg="del">
@@ -951,6 +1042,14 @@
             <ac:spMk id="7" creationId="{83653DF7-8A99-3665-B061-487A9119DB45}"/>
           </ac:spMkLst>
         </pc:spChg>
+        <pc:graphicFrameChg chg="add del mod ord">
+          <ac:chgData name="Ольга Платонова" userId="b7a68a3ec46e1b54" providerId="LiveId" clId="{1F07ACF5-96D4-4BB6-B0A8-48BFF323F040}" dt="2022-05-31T19:01:50.055" v="8122" actId="478"/>
+          <ac:graphicFrameMkLst>
+            <pc:docMk/>
+            <pc:sldMk cId="60974364" sldId="268"/>
+            <ac:graphicFrameMk id="5" creationId="{505E0E97-3FFC-0CC6-A245-8ABC29834877}"/>
+          </ac:graphicFrameMkLst>
+        </pc:graphicFrameChg>
         <pc:graphicFrameChg chg="mod">
           <ac:chgData name="Ольга Платонова" userId="b7a68a3ec46e1b54" providerId="LiveId" clId="{1F07ACF5-96D4-4BB6-B0A8-48BFF323F040}" dt="2022-05-29T23:18:29.741" v="7407"/>
           <ac:graphicFrameMkLst>
@@ -959,15 +1058,31 @@
             <ac:graphicFrameMk id="5" creationId="{EBE3C923-F928-7B57-C79F-7A333B40D695}"/>
           </ac:graphicFrameMkLst>
         </pc:graphicFrameChg>
+        <pc:graphicFrameChg chg="mod ord">
+          <ac:chgData name="Ольга Платонова" userId="b7a68a3ec46e1b54" providerId="LiveId" clId="{1F07ACF5-96D4-4BB6-B0A8-48BFF323F040}" dt="2022-05-31T23:18:20.050" v="8481" actId="14100"/>
+          <ac:graphicFrameMkLst>
+            <pc:docMk/>
+            <pc:sldMk cId="60974364" sldId="268"/>
+            <ac:graphicFrameMk id="6" creationId="{00000000-0008-0000-0000-000003000000}"/>
+          </ac:graphicFrameMkLst>
+        </pc:graphicFrameChg>
+        <pc:graphicFrameChg chg="add del mod">
+          <ac:chgData name="Ольга Платонова" userId="b7a68a3ec46e1b54" providerId="LiveId" clId="{1F07ACF5-96D4-4BB6-B0A8-48BFF323F040}" dt="2022-05-31T23:18:23.395" v="8482" actId="478"/>
+          <ac:graphicFrameMkLst>
+            <pc:docMk/>
+            <pc:sldMk cId="60974364" sldId="268"/>
+            <ac:graphicFrameMk id="7" creationId="{DC4A814C-FC3D-040A-4077-F716B569043B}"/>
+          </ac:graphicFrameMkLst>
+        </pc:graphicFrameChg>
       </pc:sldChg>
       <pc:sldChg chg="addSp modSp mod addCm">
-        <pc:chgData name="Ольга Платонова" userId="b7a68a3ec46e1b54" providerId="LiveId" clId="{1F07ACF5-96D4-4BB6-B0A8-48BFF323F040}" dt="2022-05-29T13:59:48.469" v="6980"/>
+        <pc:chgData name="Ольга Платонова" userId="b7a68a3ec46e1b54" providerId="LiveId" clId="{1F07ACF5-96D4-4BB6-B0A8-48BFF323F040}" dt="2022-05-31T23:21:46.694" v="8568" actId="20577"/>
         <pc:sldMkLst>
           <pc:docMk/>
           <pc:sldMk cId="249996658" sldId="269"/>
         </pc:sldMkLst>
         <pc:spChg chg="mod">
-          <ac:chgData name="Ольга Платонова" userId="b7a68a3ec46e1b54" providerId="LiveId" clId="{1F07ACF5-96D4-4BB6-B0A8-48BFF323F040}" dt="2022-05-28T22:35:19.994" v="4792" actId="20577"/>
+          <ac:chgData name="Ольга Платонова" userId="b7a68a3ec46e1b54" providerId="LiveId" clId="{1F07ACF5-96D4-4BB6-B0A8-48BFF323F040}" dt="2022-05-31T23:21:46.694" v="8568" actId="20577"/>
           <ac:spMkLst>
             <pc:docMk/>
             <pc:sldMk cId="249996658" sldId="269"/>
@@ -1187,7 +1302,7 @@
         </pc:sldMkLst>
       </pc:sldChg>
       <pc:sldChg chg="addSp delSp modSp add mod addCm modCm">
-        <pc:chgData name="Ольга Платонова" userId="b7a68a3ec46e1b54" providerId="LiveId" clId="{1F07ACF5-96D4-4BB6-B0A8-48BFF323F040}" dt="2022-05-29T14:59:26.165" v="7275" actId="1076"/>
+        <pc:chgData name="Ольга Платонова" userId="b7a68a3ec46e1b54" providerId="LiveId" clId="{1F07ACF5-96D4-4BB6-B0A8-48BFF323F040}" dt="2022-05-31T18:48:48.113" v="8057" actId="1076"/>
         <pc:sldMkLst>
           <pc:docMk/>
           <pc:sldMk cId="3515134166" sldId="273"/>
@@ -1208,8 +1323,8 @@
             <ac:spMk id="7" creationId="{00000000-0000-0000-0000-000000000000}"/>
           </ac:spMkLst>
         </pc:spChg>
-        <pc:picChg chg="add mod">
-          <ac:chgData name="Ольга Платонова" userId="b7a68a3ec46e1b54" providerId="LiveId" clId="{1F07ACF5-96D4-4BB6-B0A8-48BFF323F040}" dt="2022-05-29T14:59:26.165" v="7275" actId="1076"/>
+        <pc:picChg chg="add del mod">
+          <ac:chgData name="Ольга Платонова" userId="b7a68a3ec46e1b54" providerId="LiveId" clId="{1F07ACF5-96D4-4BB6-B0A8-48BFF323F040}" dt="2022-05-31T18:48:24.373" v="8050" actId="478"/>
           <ac:picMkLst>
             <pc:docMk/>
             <pc:sldMk cId="3515134166" sldId="273"/>
@@ -1238,6 +1353,14 @@
             <pc:docMk/>
             <pc:sldMk cId="3515134166" sldId="273"/>
             <ac:picMk id="6" creationId="{8252D084-9FBF-C0CD-6906-61B429838B10}"/>
+          </ac:picMkLst>
+        </pc:picChg>
+        <pc:picChg chg="add mod">
+          <ac:chgData name="Ольга Платонова" userId="b7a68a3ec46e1b54" providerId="LiveId" clId="{1F07ACF5-96D4-4BB6-B0A8-48BFF323F040}" dt="2022-05-31T18:48:48.113" v="8057" actId="1076"/>
+          <ac:picMkLst>
+            <pc:docMk/>
+            <pc:sldMk cId="3515134166" sldId="273"/>
+            <ac:picMk id="6" creationId="{83BD322C-1E86-ED18-DF10-AF5DB9F9C2BF}"/>
           </ac:picMkLst>
         </pc:picChg>
         <pc:picChg chg="del">
@@ -1265,7 +1388,7 @@
         </pc:spChg>
       </pc:sldChg>
       <pc:sldChg chg="addSp delSp modSp add mod addCm">
-        <pc:chgData name="Ольга Платонова" userId="b7a68a3ec46e1b54" providerId="LiveId" clId="{1F07ACF5-96D4-4BB6-B0A8-48BFF323F040}" dt="2022-05-29T14:02:53.220" v="6983"/>
+        <pc:chgData name="Ольга Платонова" userId="b7a68a3ec46e1b54" providerId="LiveId" clId="{1F07ACF5-96D4-4BB6-B0A8-48BFF323F040}" dt="2022-05-31T23:10:16.441" v="8288" actId="14100"/>
         <pc:sldMkLst>
           <pc:docMk/>
           <pc:sldMk cId="2983278968" sldId="274"/>
@@ -1278,6 +1401,14 @@
             <ac:spMk id="2" creationId="{00000000-0000-0000-0000-000000000000}"/>
           </ac:spMkLst>
         </pc:spChg>
+        <pc:spChg chg="add del mod">
+          <ac:chgData name="Ольга Платонова" userId="b7a68a3ec46e1b54" providerId="LiveId" clId="{1F07ACF5-96D4-4BB6-B0A8-48BFF323F040}" dt="2022-05-31T22:50:39.496" v="8279" actId="478"/>
+          <ac:spMkLst>
+            <pc:docMk/>
+            <pc:sldMk cId="2983278968" sldId="274"/>
+            <ac:spMk id="7" creationId="{D50C6848-E7D7-9498-86B9-40B2E756CDDC}"/>
+          </ac:spMkLst>
+        </pc:spChg>
         <pc:spChg chg="del mod">
           <ac:chgData name="Ольга Платонова" userId="b7a68a3ec46e1b54" providerId="LiveId" clId="{1F07ACF5-96D4-4BB6-B0A8-48BFF323F040}" dt="2022-05-26T19:28:17.861" v="1309" actId="478"/>
           <ac:spMkLst>
@@ -1294,8 +1425,8 @@
             <ac:spMk id="10" creationId="{E47E263C-1F3B-9416-3057-6B5C3CF0FB10}"/>
           </ac:spMkLst>
         </pc:spChg>
-        <pc:spChg chg="add mod">
-          <ac:chgData name="Ольга Платонова" userId="b7a68a3ec46e1b54" providerId="LiveId" clId="{1F07ACF5-96D4-4BB6-B0A8-48BFF323F040}" dt="2022-05-29T13:25:01.583" v="6348" actId="1076"/>
+        <pc:spChg chg="add del mod">
+          <ac:chgData name="Ольга Платонова" userId="b7a68a3ec46e1b54" providerId="LiveId" clId="{1F07ACF5-96D4-4BB6-B0A8-48BFF323F040}" dt="2022-05-31T18:52:12.269" v="8058" actId="478"/>
           <ac:spMkLst>
             <pc:docMk/>
             <pc:sldMk cId="2983278968" sldId="274"/>
@@ -1327,7 +1458,7 @@
           </ac:picMkLst>
         </pc:picChg>
         <pc:picChg chg="add mod">
-          <ac:chgData name="Ольга Платонова" userId="b7a68a3ec46e1b54" providerId="LiveId" clId="{1F07ACF5-96D4-4BB6-B0A8-48BFF323F040}" dt="2022-05-29T13:24:16.267" v="6344" actId="1076"/>
+          <ac:chgData name="Ольга Платонова" userId="b7a68a3ec46e1b54" providerId="LiveId" clId="{1F07ACF5-96D4-4BB6-B0A8-48BFF323F040}" dt="2022-05-31T23:10:16.441" v="8288" actId="14100"/>
           <ac:picMkLst>
             <pc:docMk/>
             <pc:sldMk cId="2983278968" sldId="274"/>
@@ -1509,7 +1640,7 @@
         </pc:cxnChg>
       </pc:sldChg>
       <pc:sldChg chg="addSp delSp modSp add mod modCm">
-        <pc:chgData name="Ольга Платонова" userId="b7a68a3ec46e1b54" providerId="LiveId" clId="{1F07ACF5-96D4-4BB6-B0A8-48BFF323F040}" dt="2022-05-29T23:55:17.631" v="7559" actId="1076"/>
+        <pc:chgData name="Ольга Платонова" userId="b7a68a3ec46e1b54" providerId="LiveId" clId="{1F07ACF5-96D4-4BB6-B0A8-48BFF323F040}" dt="2022-05-31T08:34:56.395" v="7601" actId="1076"/>
         <pc:sldMkLst>
           <pc:docMk/>
           <pc:sldMk cId="4202505179" sldId="277"/>
@@ -1555,7 +1686,15 @@
           </ac:spMkLst>
         </pc:spChg>
         <pc:picChg chg="add mod">
-          <ac:chgData name="Ольга Платонова" userId="b7a68a3ec46e1b54" providerId="LiveId" clId="{1F07ACF5-96D4-4BB6-B0A8-48BFF323F040}" dt="2022-05-29T23:55:17.631" v="7559" actId="1076"/>
+          <ac:chgData name="Ольга Платонова" userId="b7a68a3ec46e1b54" providerId="LiveId" clId="{1F07ACF5-96D4-4BB6-B0A8-48BFF323F040}" dt="2022-05-31T08:34:56.395" v="7601" actId="1076"/>
+          <ac:picMkLst>
+            <pc:docMk/>
+            <pc:sldMk cId="4202505179" sldId="277"/>
+            <ac:picMk id="5" creationId="{4A7AB240-80BC-8561-3447-3269799262F9}"/>
+          </ac:picMkLst>
+        </pc:picChg>
+        <pc:picChg chg="add del mod">
+          <ac:chgData name="Ольга Платонова" userId="b7a68a3ec46e1b54" providerId="LiveId" clId="{1F07ACF5-96D4-4BB6-B0A8-48BFF323F040}" dt="2022-05-31T08:33:59.965" v="7594" actId="478"/>
           <ac:picMkLst>
             <pc:docMk/>
             <pc:sldMk cId="4202505179" sldId="277"/>
@@ -1657,6 +1796,123 @@
             <ac:picMk id="9" creationId="{9F24CDB8-8C4C-4351-6FCE-0F60DCC02B64}"/>
           </ac:picMkLst>
         </pc:picChg>
+      </pc:sldChg>
+      <pc:sldChg chg="addSp delSp modSp add mod">
+        <pc:chgData name="Ольга Платонова" userId="b7a68a3ec46e1b54" providerId="LiveId" clId="{1F07ACF5-96D4-4BB6-B0A8-48BFF323F040}" dt="2022-05-31T23:29:17.851" v="8589" actId="1076"/>
+        <pc:sldMkLst>
+          <pc:docMk/>
+          <pc:sldMk cId="2304865587" sldId="278"/>
+        </pc:sldMkLst>
+        <pc:spChg chg="del">
+          <ac:chgData name="Ольга Платонова" userId="b7a68a3ec46e1b54" providerId="LiveId" clId="{1F07ACF5-96D4-4BB6-B0A8-48BFF323F040}" dt="2022-05-31T20:50:23.002" v="8131" actId="478"/>
+          <ac:spMkLst>
+            <pc:docMk/>
+            <pc:sldMk cId="2304865587" sldId="278"/>
+            <ac:spMk id="4" creationId="{53CC8D22-0E43-35A7-E466-76647D9CCA71}"/>
+          </ac:spMkLst>
+        </pc:spChg>
+        <pc:spChg chg="mod">
+          <ac:chgData name="Ольга Платонова" userId="b7a68a3ec46e1b54" providerId="LiveId" clId="{1F07ACF5-96D4-4BB6-B0A8-48BFF323F040}" dt="2022-05-31T20:51:15.523" v="8144" actId="1076"/>
+          <ac:spMkLst>
+            <pc:docMk/>
+            <pc:sldMk cId="2304865587" sldId="278"/>
+            <ac:spMk id="9" creationId="{9E5F91C8-1630-0A30-D6C3-D893611D08C9}"/>
+          </ac:spMkLst>
+        </pc:spChg>
+        <pc:graphicFrameChg chg="del">
+          <ac:chgData name="Ольга Платонова" userId="b7a68a3ec46e1b54" providerId="LiveId" clId="{1F07ACF5-96D4-4BB6-B0A8-48BFF323F040}" dt="2022-05-31T20:50:24.365" v="8132" actId="478"/>
+          <ac:graphicFrameMkLst>
+            <pc:docMk/>
+            <pc:sldMk cId="2304865587" sldId="278"/>
+            <ac:graphicFrameMk id="8" creationId="{712A6E9C-6120-F809-1D87-58A8A6B3277E}"/>
+          </ac:graphicFrameMkLst>
+        </pc:graphicFrameChg>
+        <pc:picChg chg="mod">
+          <ac:chgData name="Ольга Платонова" userId="b7a68a3ec46e1b54" providerId="LiveId" clId="{1F07ACF5-96D4-4BB6-B0A8-48BFF323F040}" dt="2022-05-31T23:29:15.285" v="8588" actId="1076"/>
+          <ac:picMkLst>
+            <pc:docMk/>
+            <pc:sldMk cId="2304865587" sldId="278"/>
+            <ac:picMk id="3" creationId="{00000000-0000-0000-0000-000000000000}"/>
+          </ac:picMkLst>
+        </pc:picChg>
+        <pc:picChg chg="add del mod">
+          <ac:chgData name="Ольга Платонова" userId="b7a68a3ec46e1b54" providerId="LiveId" clId="{1F07ACF5-96D4-4BB6-B0A8-48BFF323F040}" dt="2022-05-31T23:28:20.991" v="8575" actId="478"/>
+          <ac:picMkLst>
+            <pc:docMk/>
+            <pc:sldMk cId="2304865587" sldId="278"/>
+            <ac:picMk id="7" creationId="{EF0954A7-DA81-19F0-C981-CC3B7720123C}"/>
+          </ac:picMkLst>
+        </pc:picChg>
+        <pc:picChg chg="add mod">
+          <ac:chgData name="Ольга Платонова" userId="b7a68a3ec46e1b54" providerId="LiveId" clId="{1F07ACF5-96D4-4BB6-B0A8-48BFF323F040}" dt="2022-05-31T23:29:17.851" v="8589" actId="1076"/>
+          <ac:picMkLst>
+            <pc:docMk/>
+            <pc:sldMk cId="2304865587" sldId="278"/>
+            <ac:picMk id="11" creationId="{7FA3960F-4F69-07E7-2C6A-AF2F8C22E3E5}"/>
+          </ac:picMkLst>
+        </pc:picChg>
+      </pc:sldChg>
+      <pc:sldChg chg="addSp delSp modSp add mod">
+        <pc:chgData name="Ольга Платонова" userId="b7a68a3ec46e1b54" providerId="LiveId" clId="{1F07ACF5-96D4-4BB6-B0A8-48BFF323F040}" dt="2022-05-31T23:30:12.506" v="8599" actId="1076"/>
+        <pc:sldMkLst>
+          <pc:docMk/>
+          <pc:sldMk cId="4131877176" sldId="279"/>
+        </pc:sldMkLst>
+        <pc:picChg chg="add mod">
+          <ac:chgData name="Ольга Платонова" userId="b7a68a3ec46e1b54" providerId="LiveId" clId="{1F07ACF5-96D4-4BB6-B0A8-48BFF323F040}" dt="2022-05-31T23:30:12.506" v="8599" actId="1076"/>
+          <ac:picMkLst>
+            <pc:docMk/>
+            <pc:sldMk cId="4131877176" sldId="279"/>
+            <ac:picMk id="5" creationId="{4F298E40-1C88-69DC-DD91-E5FA1C9ACBA8}"/>
+          </ac:picMkLst>
+        </pc:picChg>
+        <pc:picChg chg="del">
+          <ac:chgData name="Ольга Платонова" userId="b7a68a3ec46e1b54" providerId="LiveId" clId="{1F07ACF5-96D4-4BB6-B0A8-48BFF323F040}" dt="2022-05-31T22:47:45.131" v="8240" actId="478"/>
+          <ac:picMkLst>
+            <pc:docMk/>
+            <pc:sldMk cId="4131877176" sldId="279"/>
+            <ac:picMk id="7" creationId="{72D8108E-E744-A31B-C515-4C9A34EF76D5}"/>
+          </ac:picMkLst>
+        </pc:picChg>
+      </pc:sldChg>
+    </pc:docChg>
+  </pc:docChgLst>
+  <pc:docChgLst>
+    <pc:chgData name="Ольга Платонова" userId="b7a68a3ec46e1b54" providerId="LiveId" clId="{69C37FF1-3A42-438E-A961-1DE13AE723BC}"/>
+    <pc:docChg chg="undo custSel modSld">
+      <pc:chgData name="Ольга Платонова" userId="b7a68a3ec46e1b54" providerId="LiveId" clId="{69C37FF1-3A42-438E-A961-1DE13AE723BC}" dt="2022-04-03T09:45:50.826" v="12" actId="13822"/>
+      <pc:docMkLst>
+        <pc:docMk/>
+      </pc:docMkLst>
+      <pc:sldChg chg="modSp mod">
+        <pc:chgData name="Ольга Платонова" userId="b7a68a3ec46e1b54" providerId="LiveId" clId="{69C37FF1-3A42-438E-A961-1DE13AE723BC}" dt="2022-04-03T09:42:32.286" v="1" actId="20577"/>
+        <pc:sldMkLst>
+          <pc:docMk/>
+          <pc:sldMk cId="906348732" sldId="256"/>
+        </pc:sldMkLst>
+        <pc:spChg chg="mod">
+          <ac:chgData name="Ольга Платонова" userId="b7a68a3ec46e1b54" providerId="LiveId" clId="{69C37FF1-3A42-438E-A961-1DE13AE723BC}" dt="2022-04-03T09:42:32.286" v="1" actId="20577"/>
+          <ac:spMkLst>
+            <pc:docMk/>
+            <pc:sldMk cId="906348732" sldId="256"/>
+            <ac:spMk id="3" creationId="{00000000-0000-0000-0000-000000000000}"/>
+          </ac:spMkLst>
+        </pc:spChg>
+      </pc:sldChg>
+      <pc:sldChg chg="modSp mod addCm delCm">
+        <pc:chgData name="Ольга Платонова" userId="b7a68a3ec46e1b54" providerId="LiveId" clId="{69C37FF1-3A42-438E-A961-1DE13AE723BC}" dt="2022-04-03T09:45:50.826" v="12" actId="13822"/>
+        <pc:sldMkLst>
+          <pc:docMk/>
+          <pc:sldMk cId="3963753601" sldId="262"/>
+        </pc:sldMkLst>
+        <pc:graphicFrameChg chg="mod">
+          <ac:chgData name="Ольга Платонова" userId="b7a68a3ec46e1b54" providerId="LiveId" clId="{69C37FF1-3A42-438E-A961-1DE13AE723BC}" dt="2022-04-03T09:45:50.826" v="12" actId="13822"/>
+          <ac:graphicFrameMkLst>
+            <pc:docMk/>
+            <pc:sldMk cId="3963753601" sldId="262"/>
+            <ac:graphicFrameMk id="5" creationId="{00000000-0000-0000-0000-000000000000}"/>
+          </ac:graphicFrameMkLst>
+        </pc:graphicFrameChg>
       </pc:sldChg>
     </pc:docChg>
   </pc:docChgLst>
@@ -1677,61 +1933,7 @@
     </mc:Fallback>
   </mc:AlternateContent>
   <c:chart>
-    <c:title>
-      <c:tx>
-        <c:rich>
-          <a:bodyPr rot="0" spcFirstLastPara="1" vertOverflow="ellipsis" vert="horz" wrap="square" anchor="ctr" anchorCtr="1"/>
-          <a:lstStyle/>
-          <a:p>
-            <a:pPr>
-              <a:defRPr sz="1400" b="0" i="0" u="none" strike="noStrike" kern="1200" spc="0" baseline="0">
-                <a:solidFill>
-                  <a:schemeClr val="dk1"/>
-                </a:solidFill>
-                <a:latin typeface="+mn-lt"/>
-                <a:ea typeface="+mn-ea"/>
-                <a:cs typeface="+mn-cs"/>
-              </a:defRPr>
-            </a:pPr>
-            <a:r>
-              <a:rPr lang="ru-RU" dirty="0"/>
-              <a:t>Время работы запросов при 100000 записях в базе данных </a:t>
-            </a:r>
-            <a:r>
-              <a:rPr lang="en-US" dirty="0"/>
-              <a:t>PostgreSQL</a:t>
-            </a:r>
-            <a:endParaRPr lang="ru-RU" dirty="0"/>
-          </a:p>
-        </c:rich>
-      </c:tx>
-      <c:overlay val="0"/>
-      <c:spPr>
-        <a:noFill/>
-        <a:ln>
-          <a:noFill/>
-        </a:ln>
-        <a:effectLst/>
-      </c:spPr>
-      <c:txPr>
-        <a:bodyPr rot="0" spcFirstLastPara="1" vertOverflow="ellipsis" vert="horz" wrap="square" anchor="ctr" anchorCtr="1"/>
-        <a:lstStyle/>
-        <a:p>
-          <a:pPr>
-            <a:defRPr sz="1400" b="0" i="0" u="none" strike="noStrike" kern="1200" spc="0" baseline="0">
-              <a:solidFill>
-                <a:schemeClr val="dk1"/>
-              </a:solidFill>
-              <a:latin typeface="+mn-lt"/>
-              <a:ea typeface="+mn-ea"/>
-              <a:cs typeface="+mn-cs"/>
-            </a:defRPr>
-          </a:pPr>
-          <a:endParaRPr lang="ru-RU"/>
-        </a:p>
-      </c:txPr>
-    </c:title>
-    <c:autoTitleDeleted val="0"/>
+    <c:autoTitleDeleted val="1"/>
     <c:plotArea>
       <c:layout/>
       <c:lineChart>
@@ -1752,7 +1954,7 @@
             </c:strRef>
           </c:tx>
           <c:spPr>
-            <a:ln w="28575" cap="rnd">
+            <a:ln w="47625" cap="rnd">
               <a:solidFill>
                 <a:schemeClr val="accent1"/>
               </a:solidFill>
@@ -1762,7 +1964,7 @@
           </c:spPr>
           <c:marker>
             <c:symbol val="circle"/>
-            <c:size val="5"/>
+            <c:size val="7"/>
             <c:spPr>
               <a:solidFill>
                 <a:schemeClr val="accent1"/>
@@ -1848,8 +2050,8 @@
             <a:effectLst/>
           </c:spPr>
           <c:marker>
-            <c:symbol val="circle"/>
-            <c:size val="5"/>
+            <c:symbol val="triangle"/>
+            <c:size val="7"/>
             <c:spPr>
               <a:solidFill>
                 <a:schemeClr val="accent2"/>
@@ -2247,7 +2449,7 @@
           </c:spPr>
           <c:marker>
             <c:symbol val="circle"/>
-            <c:size val="5"/>
+            <c:size val="7"/>
             <c:spPr>
               <a:solidFill>
                 <a:srgbClr val="4472C4"/>
@@ -2374,8 +2576,8 @@
             </a:ln>
           </c:spPr>
           <c:marker>
-            <c:symbol val="circle"/>
-            <c:size val="5"/>
+            <c:symbol val="diamond"/>
+            <c:size val="7"/>
             <c:spPr>
               <a:solidFill>
                 <a:srgbClr val="ED7D31"/>
@@ -2502,8 +2704,8 @@
             </a:ln>
           </c:spPr>
           <c:marker>
-            <c:symbol val="circle"/>
-            <c:size val="5"/>
+            <c:symbol val="triangle"/>
+            <c:size val="7"/>
             <c:spPr>
               <a:solidFill>
                 <a:srgbClr val="A5A5A5"/>
@@ -2630,8 +2832,8 @@
             </a:ln>
           </c:spPr>
           <c:marker>
-            <c:symbol val="circle"/>
-            <c:size val="5"/>
+            <c:symbol val="square"/>
+            <c:size val="7"/>
             <c:spPr>
               <a:solidFill>
                 <a:srgbClr val="FFC000"/>
@@ -3048,7 +3250,7 @@
           </c:spPr>
           <c:marker>
             <c:symbol val="circle"/>
-            <c:size val="5"/>
+            <c:size val="7"/>
             <c:spPr>
               <a:solidFill>
                 <a:srgbClr val="4472C4"/>
@@ -3095,7 +3297,7 @@
           </c:dLbls>
           <c:cat>
             <c:numRef>
-              <c:f>'[2Ex.xlsx]Лист1'!$P$2:$P$8</c:f>
+              <c:f>Лист1!$P$2:$P$8</c:f>
               <c:numCache>
                 <c:formatCode>General</c:formatCode>
                 <c:ptCount val="7"/>
@@ -3125,7 +3327,7 @@
           </c:cat>
           <c:val>
             <c:numRef>
-              <c:f>'[2Ex.xlsx]Лист1'!$Q$2:$Q$8</c:f>
+              <c:f>Лист1!$Q$2:$Q$8</c:f>
               <c:numCache>
                 <c:formatCode>General</c:formatCode>
                 <c:ptCount val="7"/>
@@ -3175,12 +3377,17 @@
             </a:ln>
           </c:spPr>
           <c:marker>
-            <c:symbol val="circle"/>
-            <c:size val="5"/>
+            <c:symbol val="square"/>
+            <c:size val="7"/>
             <c:spPr>
               <a:solidFill>
-                <a:srgbClr val="FFC000"/>
+                <a:srgbClr val="FFC514"/>
               </a:solidFill>
+              <a:ln>
+                <a:solidFill>
+                  <a:srgbClr val="FFC514"/>
+                </a:solidFill>
+              </a:ln>
             </c:spPr>
           </c:marker>
           <c:dLbls>
@@ -3223,7 +3430,7 @@
           </c:dLbls>
           <c:cat>
             <c:numRef>
-              <c:f>'[2Ex.xlsx]Лист1'!$P$2:$P$8</c:f>
+              <c:f>Лист1!$P$2:$P$8</c:f>
               <c:numCache>
                 <c:formatCode>General</c:formatCode>
                 <c:ptCount val="7"/>
@@ -3253,7 +3460,7 @@
           </c:cat>
           <c:val>
             <c:numRef>
-              <c:f>'[2Ex.xlsx]Лист1'!$R$2:$R$8</c:f>
+              <c:f>Лист1!$R$2:$R$8</c:f>
               <c:numCache>
                 <c:formatCode>General</c:formatCode>
                 <c:ptCount val="7"/>
@@ -3303,8 +3510,8 @@
             </a:ln>
           </c:spPr>
           <c:marker>
-            <c:symbol val="circle"/>
-            <c:size val="5"/>
+            <c:symbol val="triangle"/>
+            <c:size val="7"/>
             <c:spPr>
               <a:solidFill>
                 <a:srgbClr val="92D050"/>
@@ -3351,7 +3558,7 @@
           </c:dLbls>
           <c:cat>
             <c:numRef>
-              <c:f>'[2Ex.xlsx]Лист1'!$P$2:$P$8</c:f>
+              <c:f>Лист1!$P$2:$P$8</c:f>
               <c:numCache>
                 <c:formatCode>General</c:formatCode>
                 <c:ptCount val="7"/>
@@ -3381,7 +3588,7 @@
           </c:cat>
           <c:val>
             <c:numRef>
-              <c:f>'[2Ex.xlsx]Лист1'!$S$2:$S$8</c:f>
+              <c:f>Лист1!$S$2:$S$8</c:f>
               <c:numCache>
                 <c:formatCode>General</c:formatCode>
                 <c:ptCount val="7"/>
@@ -4498,6 +4705,69 @@
 </p188:cmLst>
 </file>
 
+<file path=ppt/comments/modernComment_116_89617533.xml><?xml version="1.0" encoding="utf-8"?>
+<p188:cmLst xmlns:a="http://schemas.openxmlformats.org/drawingml/2006/main" xmlns:r="http://schemas.openxmlformats.org/officeDocument/2006/relationships" xmlns:p188="http://schemas.microsoft.com/office/powerpoint/2018/8/main">
+  <p188:cm id="{F8917CF9-9DBD-4B99-AB8E-BF63FBD52A2C}" authorId="{99D91DC6-B35E-39E1-38EA-D7F57AE5A1C9}" created="2022-05-28T23:37:22.011">
+    <pc:sldMkLst xmlns:pc="http://schemas.microsoft.com/office/powerpoint/2013/main/command">
+      <pc:docMk/>
+      <pc:sldMk cId="4129783739" sldId="259"/>
+    </pc:sldMkLst>
+    <p188:txBody>
+      <a:bodyPr/>
+      <a:lstStyle/>
+      <a:p>
+        <a:r>
+          <a:rPr lang="ru-RU"/>
+          <a:t>Данная работа будет основываться на объектно-реляционной СУБД PostgreSQL 14-ой версии, занимающей 4-ое место в рейтинге СУБД на начало 22го года. Выбор аргументирован такими преимуществами как доступность исходного кода и кроссплатформенность.
+PostgreSQL содержит инструменты для реализации многопоточности. Однако, обратившись к документации, можно выделить следующее ограничение: «параллельное выполнение команд из разных потоков через один объект соединения недопустимо»</a:t>
+        </a:r>
+      </a:p>
+    </p188:txBody>
+  </p188:cm>
+  <p188:cm id="{44991246-186D-4B0B-869F-1A98FEDA46DD}" authorId="{99D91DC6-B35E-39E1-38EA-D7F57AE5A1C9}" created="2022-05-28T23:37:36.671">
+    <pc:sldMkLst xmlns:pc="http://schemas.microsoft.com/office/powerpoint/2013/main/command">
+      <pc:docMk/>
+      <pc:sldMk cId="4129783739" sldId="259"/>
+    </pc:sldMkLst>
+    <p188:txBody>
+      <a:bodyPr/>
+      <a:lstStyle/>
+      <a:p>
+        <a:r>
+          <a:rPr lang="ru-RU"/>
+          <a:t>Одной из наиболее сильных сторон PostgreSQL является архитектура, основанная на модели «клиент-сервер». Выделяют 3 основные подсистемы: клиентская часть, серверная часть и хранилище данных.
+Клиентская часть состоит из пользовательского приложения и библиотеки libpq. Данная библиотека содержит набор функций, с помощью которых создается соединение с сервером.
+Соединение принимается процессом-демоном postmaster, который в дальнейшем с помощью системного вызова fork() создаст новый процесс Postgres для обслуживания данного соединения, а также ряд служебных процессов.
+Третья часть сформирована из хранилища данных и средств его управления.</a:t>
+        </a:r>
+      </a:p>
+    </p188:txBody>
+  </p188:cm>
+</p188:cmLst>
+</file>
+
+<file path=ppt/comments/modernComment_117_F6477138.xml><?xml version="1.0" encoding="utf-8"?>
+<p188:cmLst xmlns:a="http://schemas.openxmlformats.org/drawingml/2006/main" xmlns:r="http://schemas.openxmlformats.org/officeDocument/2006/relationships" xmlns:p188="http://schemas.microsoft.com/office/powerpoint/2018/8/main">
+  <p188:cm id="{95C7A5C7-EB3E-4CB8-A8C6-ECBBD5CB0D62}" authorId="{99D91DC6-B35E-39E1-38EA-D7F57AE5A1C9}" created="2022-05-29T00:05:57.084">
+    <pc:sldMkLst xmlns:pc="http://schemas.microsoft.com/office/powerpoint/2013/main/command">
+      <pc:docMk/>
+      <pc:sldMk cId="799910520" sldId="264"/>
+    </pc:sldMkLst>
+    <p188:txBody>
+      <a:bodyPr/>
+      <a:lstStyle/>
+      <a:p>
+        <a:r>
+          <a:rPr lang="ru-RU"/>
+          <a:t>На сегодняшний день можно выделить несколько различных подходов повышения эффективности выполнения запросов. Один из них – оптимизация выполнения в рамках одного потока. Такой оптимизацией может стать распараллеливание запроса. Другой подход – сокращение числа соединений путем использования пула. Пул соединений представляет из себя набор открытых и готовых к использованию соединений с БД. 
+И хотя в PostgreSQL отсутствует встроенный пул соединений, он может быть реализован на основе библиотеки libpq или в качестве внешней службы.</a:t>
+        </a:r>
+      </a:p>
+    </p188:txBody>
+  </p188:cm>
+</p188:cmLst>
+</file>
+
 <file path=ppt/notesMasters/notesMaster1.xml><?xml version="1.0" encoding="utf-8"?>
 <p:notesMaster xmlns:a="http://schemas.openxmlformats.org/drawingml/2006/main" xmlns:r="http://schemas.openxmlformats.org/officeDocument/2006/relationships" xmlns:p="http://schemas.openxmlformats.org/presentationml/2006/main">
   <p:cSld>
@@ -4580,7 +4850,7 @@
           <a:p>
             <a:fld id="{4A87FC3E-9964-4802-A7E8-1BB771D21BF3}" type="datetimeFigureOut">
               <a:rPr lang="ru-RU" smtClean="0"/>
-              <a:t>30.05.2022</a:t>
+              <a:t>31.05.2022</a:t>
             </a:fld>
             <a:endParaRPr lang="ru-RU" dirty="0"/>
           </a:p>
@@ -4912,7 +5182,7 @@
           <a:p>
             <a:fld id="{1C52CBB1-8DB5-45B5-A857-24C64DDE314A}" type="slidenum">
               <a:rPr lang="ru-RU" smtClean="0"/>
-              <a:t>2</a:t>
+              <a:t>3</a:t>
             </a:fld>
             <a:endParaRPr lang="ru-RU" dirty="0"/>
           </a:p>
@@ -5060,7 +5330,7 @@
           <a:p>
             <a:fld id="{09755BBC-352B-460A-88C9-AADF2C9512EA}" type="datetime1">
               <a:rPr lang="ru-RU" smtClean="0"/>
-              <a:t>30.05.2022</a:t>
+              <a:t>31.05.2022</a:t>
             </a:fld>
             <a:endParaRPr lang="ru-RU" dirty="0"/>
           </a:p>
@@ -5228,7 +5498,7 @@
           <a:p>
             <a:fld id="{8296244F-19EA-411C-8075-D4DD5363EB01}" type="datetime1">
               <a:rPr lang="ru-RU" smtClean="0"/>
-              <a:t>30.05.2022</a:t>
+              <a:t>31.05.2022</a:t>
             </a:fld>
             <a:endParaRPr lang="ru-RU" dirty="0"/>
           </a:p>
@@ -5406,7 +5676,7 @@
           <a:p>
             <a:fld id="{84BB638D-B868-4FAE-A4AF-C8834DEF2F16}" type="datetime1">
               <a:rPr lang="ru-RU" smtClean="0"/>
-              <a:t>30.05.2022</a:t>
+              <a:t>31.05.2022</a:t>
             </a:fld>
             <a:endParaRPr lang="ru-RU" dirty="0"/>
           </a:p>
@@ -5574,7 +5844,7 @@
           <a:p>
             <a:fld id="{E867F41D-6C90-48B2-BB24-7DBF25713345}" type="datetime1">
               <a:rPr lang="ru-RU" smtClean="0"/>
-              <a:t>30.05.2022</a:t>
+              <a:t>31.05.2022</a:t>
             </a:fld>
             <a:endParaRPr lang="ru-RU" dirty="0"/>
           </a:p>
@@ -5819,7 +6089,7 @@
           <a:p>
             <a:fld id="{CC2C4912-257E-4B84-92B5-E1056AC81F3B}" type="datetime1">
               <a:rPr lang="ru-RU" smtClean="0"/>
-              <a:t>30.05.2022</a:t>
+              <a:t>31.05.2022</a:t>
             </a:fld>
             <a:endParaRPr lang="ru-RU" dirty="0"/>
           </a:p>
@@ -6048,7 +6318,7 @@
           <a:p>
             <a:fld id="{D6CEEFAB-2744-489F-9F34-AD68C1802ABB}" type="datetime1">
               <a:rPr lang="ru-RU" smtClean="0"/>
-              <a:t>30.05.2022</a:t>
+              <a:t>31.05.2022</a:t>
             </a:fld>
             <a:endParaRPr lang="ru-RU" dirty="0"/>
           </a:p>
@@ -6412,7 +6682,7 @@
           <a:p>
             <a:fld id="{F4C8D58E-CA22-4DBD-9D4F-D49D20C57869}" type="datetime1">
               <a:rPr lang="ru-RU" smtClean="0"/>
-              <a:t>30.05.2022</a:t>
+              <a:t>31.05.2022</a:t>
             </a:fld>
             <a:endParaRPr lang="ru-RU" dirty="0"/>
           </a:p>
@@ -6529,7 +6799,7 @@
           <a:p>
             <a:fld id="{16461FB2-18D8-4BB8-B792-34F36A1A6923}" type="datetime1">
               <a:rPr lang="ru-RU" smtClean="0"/>
-              <a:t>30.05.2022</a:t>
+              <a:t>31.05.2022</a:t>
             </a:fld>
             <a:endParaRPr lang="ru-RU" dirty="0"/>
           </a:p>
@@ -6624,7 +6894,7 @@
           <a:p>
             <a:fld id="{38099296-536C-461B-BEB7-1B812F69AC83}" type="datetime1">
               <a:rPr lang="ru-RU" smtClean="0"/>
-              <a:t>30.05.2022</a:t>
+              <a:t>31.05.2022</a:t>
             </a:fld>
             <a:endParaRPr lang="ru-RU" dirty="0"/>
           </a:p>
@@ -6899,7 +7169,7 @@
           <a:p>
             <a:fld id="{DD7EBC7E-964D-4409-AE41-3B38B4F15B2A}" type="datetime1">
               <a:rPr lang="ru-RU" smtClean="0"/>
-              <a:t>30.05.2022</a:t>
+              <a:t>31.05.2022</a:t>
             </a:fld>
             <a:endParaRPr lang="ru-RU" dirty="0"/>
           </a:p>
@@ -7151,7 +7421,7 @@
           <a:p>
             <a:fld id="{6623BFA2-B670-4B07-B542-231AD8CFA160}" type="datetime1">
               <a:rPr lang="ru-RU" smtClean="0"/>
-              <a:t>30.05.2022</a:t>
+              <a:t>31.05.2022</a:t>
             </a:fld>
             <a:endParaRPr lang="ru-RU" dirty="0"/>
           </a:p>
@@ -7362,7 +7632,7 @@
           <a:p>
             <a:fld id="{4222C596-8B8E-4DE0-A295-CA79CEF991CE}" type="datetime1">
               <a:rPr lang="ru-RU" smtClean="0"/>
-              <a:t>30.05.2022</a:t>
+              <a:t>31.05.2022</a:t>
             </a:fld>
             <a:endParaRPr lang="ru-RU" dirty="0"/>
           </a:p>
@@ -7925,17 +8195,24 @@
             <p:ph type="title"/>
           </p:nvPr>
         </p:nvSpPr>
-        <p:spPr/>
+        <p:spPr>
+          <a:xfrm>
+            <a:off x="210671" y="189713"/>
+            <a:ext cx="10515600" cy="1122252"/>
+          </a:xfrm>
+        </p:spPr>
         <p:txBody>
-          <a:bodyPr/>
+          <a:bodyPr>
+            <a:normAutofit/>
+          </a:bodyPr>
           <a:lstStyle/>
           <a:p>
             <a:r>
-              <a:rPr lang="ru-RU" dirty="0">
+              <a:rPr lang="ru-RU" sz="3600" dirty="0">
                 <a:latin typeface="Times New Roman" panose="02020603050405020304" pitchFamily="18" charset="0"/>
                 <a:cs typeface="Times New Roman" panose="02020603050405020304" pitchFamily="18" charset="0"/>
               </a:rPr>
-              <a:t>Внешний модуль взаимодействия с разработанным методом</a:t>
+              <a:t>Формирование очереди команд и отправка серверу запроса из очереди</a:t>
             </a:r>
           </a:p>
         </p:txBody>
@@ -7971,10 +8248,10 @@
       </p:sp>
       <p:sp>
         <p:nvSpPr>
-          <p:cNvPr id="11" name="TextBox 10">
+          <p:cNvPr id="12" name="TextBox 11">
             <a:extLst>
               <a:ext uri="{FF2B5EF4-FFF2-40B4-BE49-F238E27FC236}">
-                <a16:creationId xmlns:a16="http://schemas.microsoft.com/office/drawing/2014/main" id="{7836B703-A15B-F8DB-7358-B718129E9057}"/>
+                <a16:creationId xmlns:a16="http://schemas.microsoft.com/office/drawing/2014/main" id="{B7A0EAC4-F27B-1B1E-14B2-5A00284EF829}"/>
               </a:ext>
             </a:extLst>
           </p:cNvPr>
@@ -7983,8 +8260,8 @@
         </p:nvSpPr>
         <p:spPr>
           <a:xfrm>
-            <a:off x="7360024" y="2900134"/>
-            <a:ext cx="4343399" cy="2246769"/>
+            <a:off x="1244039" y="1526183"/>
+            <a:ext cx="4298576" cy="369332"/>
           </a:xfrm>
           <a:prstGeom prst="rect">
             <a:avLst/>
@@ -7998,67 +8275,65 @@
           <a:lstStyle/>
           <a:p>
             <a:r>
-              <a:rPr lang="ru-RU" sz="2000" b="0" i="0" u="sng" strike="noStrike" baseline="0" dirty="0">
-                <a:solidFill>
-                  <a:srgbClr val="000000"/>
-                </a:solidFill>
+              <a:rPr lang="ru-RU" b="0" i="0" u="sng" dirty="0">
+                <a:effectLst/>
                 <a:latin typeface="Times New Roman" panose="02020603050405020304" pitchFamily="18" charset="0"/>
+                <a:cs typeface="Times New Roman" panose="02020603050405020304" pitchFamily="18" charset="0"/>
               </a:rPr>
-              <a:t>Внешний пул</a:t>
-            </a:r>
-            <a:r>
-              <a:rPr lang="en-US" sz="2000" b="0" strike="noStrike" baseline="0" dirty="0">
-                <a:solidFill>
-                  <a:srgbClr val="000000"/>
-                </a:solidFill>
+              <a:t>Алгоритм формирования очереди команд</a:t>
+            </a:r>
+            <a:endParaRPr lang="ru-RU" u="sng" dirty="0">
+              <a:latin typeface="Times New Roman" panose="02020603050405020304" pitchFamily="18" charset="0"/>
+              <a:cs typeface="Times New Roman" panose="02020603050405020304" pitchFamily="18" charset="0"/>
+            </a:endParaRPr>
+          </a:p>
+        </p:txBody>
+      </p:sp>
+      <p:sp>
+        <p:nvSpPr>
+          <p:cNvPr id="13" name="TextBox 12">
+            <a:extLst>
+              <a:ext uri="{FF2B5EF4-FFF2-40B4-BE49-F238E27FC236}">
+                <a16:creationId xmlns:a16="http://schemas.microsoft.com/office/drawing/2014/main" id="{D9663851-2F05-7B57-975B-2FF005EBDEFD}"/>
+              </a:ext>
+            </a:extLst>
+          </p:cNvPr>
+          <p:cNvSpPr txBox="1"/>
+          <p:nvPr/>
+        </p:nvSpPr>
+        <p:spPr>
+          <a:xfrm>
+            <a:off x="6937512" y="1459667"/>
+            <a:ext cx="4416287" cy="369332"/>
+          </a:xfrm>
+          <a:prstGeom prst="rect">
+            <a:avLst/>
+          </a:prstGeom>
+          <a:noFill/>
+        </p:spPr>
+        <p:txBody>
+          <a:bodyPr wrap="square">
+            <a:spAutoFit/>
+          </a:bodyPr>
+          <a:lstStyle/>
+          <a:p>
+            <a:pPr algn="ctr"/>
+            <a:r>
+              <a:rPr lang="ru-RU" u="sng" dirty="0">
                 <a:latin typeface="Times New Roman" panose="02020603050405020304" pitchFamily="18" charset="0"/>
+                <a:cs typeface="Times New Roman" panose="02020603050405020304" pitchFamily="18" charset="0"/>
               </a:rPr>
-              <a:t> </a:t>
-            </a:r>
-            <a:r>
-              <a:rPr lang="ru-RU" sz="2000" b="0" i="0" u="none" strike="noStrike" baseline="0" dirty="0">
-                <a:solidFill>
-                  <a:srgbClr val="000000"/>
-                </a:solidFill>
-                <a:latin typeface="Times New Roman" panose="02020603050405020304" pitchFamily="18" charset="0"/>
-              </a:rPr>
-              <a:t>был разработан с использованием умных указателей для предотвращения возможной утечки ресурсов. </a:t>
-            </a:r>
-            <a:endParaRPr lang="en-US" sz="2000" b="0" i="0" u="none" strike="noStrike" baseline="0" dirty="0">
-              <a:solidFill>
-                <a:srgbClr val="000000"/>
-              </a:solidFill>
-              <a:latin typeface="Times New Roman" panose="02020603050405020304" pitchFamily="18" charset="0"/>
-            </a:endParaRPr>
-          </a:p>
-          <a:p>
-            <a:endParaRPr lang="ru-RU" sz="2000" b="0" i="0" u="none" strike="noStrike" baseline="0" dirty="0">
-              <a:solidFill>
-                <a:srgbClr val="000000"/>
-              </a:solidFill>
-              <a:latin typeface="Times New Roman" panose="02020603050405020304" pitchFamily="18" charset="0"/>
-            </a:endParaRPr>
-          </a:p>
-          <a:p>
-            <a:r>
-              <a:rPr lang="ru-RU" sz="2000" b="0" i="0" u="none" strike="noStrike" baseline="0" dirty="0">
-                <a:solidFill>
-                  <a:srgbClr val="000000"/>
-                </a:solidFill>
-                <a:latin typeface="Times New Roman" panose="02020603050405020304" pitchFamily="18" charset="0"/>
-              </a:rPr>
-              <a:t>Сам пул был реализован в качестве очереди соединений. </a:t>
-            </a:r>
-            <a:endParaRPr lang="ru-RU" sz="2000" dirty="0"/>
+              <a:t>Алгоритм отправки запроса серверу</a:t>
+            </a:r>
           </a:p>
         </p:txBody>
       </p:sp>
       <p:pic>
         <p:nvPicPr>
-          <p:cNvPr id="5" name="Рисунок 4">
+          <p:cNvPr id="16" name="Рисунок 15">
             <a:extLst>
               <a:ext uri="{FF2B5EF4-FFF2-40B4-BE49-F238E27FC236}">
-                <a16:creationId xmlns:a16="http://schemas.microsoft.com/office/drawing/2014/main" id="{7BE64FE7-1349-A939-5682-F436A45F5782}"/>
+                <a16:creationId xmlns:a16="http://schemas.microsoft.com/office/drawing/2014/main" id="{8470F999-7346-24CA-3F47-E0E57ADC50B4}"/>
               </a:ext>
             </a:extLst>
           </p:cNvPr>
@@ -8081,8 +8356,44 @@
         </p:blipFill>
         <p:spPr>
           <a:xfrm>
-            <a:off x="488577" y="2277595"/>
-            <a:ext cx="6520626" cy="3491846"/>
+            <a:off x="261126" y="2109733"/>
+            <a:ext cx="6264402" cy="4536186"/>
+          </a:xfrm>
+          <a:prstGeom prst="rect">
+            <a:avLst/>
+          </a:prstGeom>
+        </p:spPr>
+      </p:pic>
+      <p:pic>
+        <p:nvPicPr>
+          <p:cNvPr id="6" name="Рисунок 5">
+            <a:extLst>
+              <a:ext uri="{FF2B5EF4-FFF2-40B4-BE49-F238E27FC236}">
+                <a16:creationId xmlns:a16="http://schemas.microsoft.com/office/drawing/2014/main" id="{CFE53CAF-5112-A0C9-32B3-0C7F34630D1A}"/>
+              </a:ext>
+            </a:extLst>
+          </p:cNvPr>
+          <p:cNvPicPr>
+            <a:picLocks noChangeAspect="1"/>
+          </p:cNvPicPr>
+          <p:nvPr/>
+        </p:nvPicPr>
+        <p:blipFill>
+          <a:blip r:embed="rId4">
+            <a:extLst>
+              <a:ext uri="{28A0092B-C50C-407E-A947-70E740481C1C}">
+                <a14:useLocalDpi xmlns:a14="http://schemas.microsoft.com/office/drawing/2010/main" val="0"/>
+              </a:ext>
+            </a:extLst>
+          </a:blip>
+          <a:stretch>
+            <a:fillRect/>
+          </a:stretch>
+        </p:blipFill>
+        <p:spPr>
+          <a:xfrm>
+            <a:off x="7418293" y="2109733"/>
+            <a:ext cx="3747247" cy="4346832"/>
           </a:xfrm>
           <a:prstGeom prst="rect">
             <a:avLst/>
@@ -8092,7 +8403,7 @@
     </p:spTree>
     <p:extLst>
       <p:ext uri="{BB962C8B-B14F-4D97-AF65-F5344CB8AC3E}">
-        <p14:creationId xmlns:p14="http://schemas.microsoft.com/office/powerpoint/2010/main" val="2983278968"/>
+        <p14:creationId xmlns:p14="http://schemas.microsoft.com/office/powerpoint/2010/main" val="2402547047"/>
       </p:ext>
     </p:extLst>
   </p:cSld>
@@ -8126,13 +8437,7 @@
       </p:grpSpPr>
       <p:sp>
         <p:nvSpPr>
-          <p:cNvPr id="2" name="Заголовок 1">
-            <a:extLst>
-              <a:ext uri="{FF2B5EF4-FFF2-40B4-BE49-F238E27FC236}">
-                <a16:creationId xmlns:a16="http://schemas.microsoft.com/office/drawing/2014/main" id="{30505BF2-F2EA-7304-42D9-E0BF2AB2CE95}"/>
-              </a:ext>
-            </a:extLst>
-          </p:cNvPr>
+          <p:cNvPr id="2" name="Заголовок 1"/>
           <p:cNvSpPr>
             <a:spLocks noGrp="1"/>
           </p:cNvSpPr>
@@ -8140,32 +8445,31 @@
             <p:ph type="title"/>
           </p:nvPr>
         </p:nvSpPr>
-        <p:spPr/>
+        <p:spPr>
+          <a:xfrm>
+            <a:off x="475713" y="-4316"/>
+            <a:ext cx="10515600" cy="1325563"/>
+          </a:xfrm>
+        </p:spPr>
         <p:txBody>
           <a:bodyPr>
-            <a:normAutofit fontScale="90000"/>
+            <a:normAutofit/>
           </a:bodyPr>
           <a:lstStyle/>
           <a:p>
             <a:r>
-              <a:rPr lang="ru-RU" dirty="0">
+              <a:rPr lang="ru-RU" sz="4000" dirty="0">
                 <a:latin typeface="Times New Roman" panose="02020603050405020304" pitchFamily="18" charset="0"/>
                 <a:cs typeface="Times New Roman" panose="02020603050405020304" pitchFamily="18" charset="0"/>
               </a:rPr>
-              <a:t>Зависимость времени работы различных реализаций создания соединения от количества соединений с БД </a:t>
+              <a:t>Получение сообщения от сервера</a:t>
             </a:r>
           </a:p>
         </p:txBody>
       </p:sp>
       <p:sp>
         <p:nvSpPr>
-          <p:cNvPr id="4" name="Номер слайда 3">
-            <a:extLst>
-              <a:ext uri="{FF2B5EF4-FFF2-40B4-BE49-F238E27FC236}">
-                <a16:creationId xmlns:a16="http://schemas.microsoft.com/office/drawing/2014/main" id="{98046C4B-34C3-148D-1730-53705A1E856F}"/>
-              </a:ext>
-            </a:extLst>
-          </p:cNvPr>
+          <p:cNvPr id="4" name="Номер слайда 3"/>
           <p:cNvSpPr>
             <a:spLocks noGrp="1"/>
           </p:cNvSpPr>
@@ -8192,140 +8496,46 @@
           </a:p>
         </p:txBody>
       </p:sp>
-      <p:sp>
-        <p:nvSpPr>
-          <p:cNvPr id="6" name="TextBox 5">
+      <p:pic>
+        <p:nvPicPr>
+          <p:cNvPr id="6" name="Рисунок 5">
             <a:extLst>
               <a:ext uri="{FF2B5EF4-FFF2-40B4-BE49-F238E27FC236}">
-                <a16:creationId xmlns:a16="http://schemas.microsoft.com/office/drawing/2014/main" id="{841A3843-FCC6-6434-4328-538236790DF0}"/>
+                <a16:creationId xmlns:a16="http://schemas.microsoft.com/office/drawing/2014/main" id="{720C72AB-5CD8-7FC7-A8F7-C8933512ADF0}"/>
               </a:ext>
             </a:extLst>
           </p:cNvPr>
-          <p:cNvSpPr txBox="1"/>
+          <p:cNvPicPr>
+            <a:picLocks noChangeAspect="1"/>
+          </p:cNvPicPr>
           <p:nvPr/>
-        </p:nvSpPr>
+        </p:nvPicPr>
+        <p:blipFill>
+          <a:blip r:embed="rId3" cstate="print">
+            <a:extLst>
+              <a:ext uri="{28A0092B-C50C-407E-A947-70E740481C1C}">
+                <a14:useLocalDpi xmlns:a14="http://schemas.microsoft.com/office/drawing/2010/main" val="0"/>
+              </a:ext>
+            </a:extLst>
+          </a:blip>
+          <a:stretch>
+            <a:fillRect/>
+          </a:stretch>
+        </p:blipFill>
         <p:spPr>
           <a:xfrm>
-            <a:off x="7440705" y="2765826"/>
-            <a:ext cx="4428565" cy="1938992"/>
+            <a:off x="648433" y="1534441"/>
+            <a:ext cx="11216259" cy="4608714"/>
           </a:xfrm>
           <a:prstGeom prst="rect">
             <a:avLst/>
           </a:prstGeom>
-          <a:noFill/>
         </p:spPr>
-        <p:txBody>
-          <a:bodyPr wrap="square">
-            <a:spAutoFit/>
-          </a:bodyPr>
-          <a:lstStyle/>
-          <a:p>
-            <a:r>
-              <a:rPr lang="ru-RU" sz="2000" b="0" i="0" u="none" strike="noStrike" baseline="0" dirty="0">
-                <a:solidFill>
-                  <a:srgbClr val="000000"/>
-                </a:solidFill>
-                <a:latin typeface="Times New Roman" panose="02020603050405020304" pitchFamily="18" charset="0"/>
-              </a:rPr>
-              <a:t>Для каждого опыта учитывалось время:</a:t>
-            </a:r>
-          </a:p>
-          <a:p>
-            <a:pPr marL="342900" indent="-342900">
-              <a:buFont typeface="Arial" panose="020B0604020202020204" pitchFamily="34" charset="0"/>
-              <a:buChar char="•"/>
-            </a:pPr>
-            <a:r>
-              <a:rPr lang="ru-RU" sz="2000" b="0" i="0" u="none" strike="noStrike" baseline="0" dirty="0">
-                <a:solidFill>
-                  <a:srgbClr val="000000"/>
-                </a:solidFill>
-                <a:latin typeface="Times New Roman" panose="02020603050405020304" pitchFamily="18" charset="0"/>
-              </a:rPr>
-              <a:t>создания соединения;</a:t>
-            </a:r>
-          </a:p>
-          <a:p>
-            <a:pPr marL="342900" indent="-342900">
-              <a:buFont typeface="Arial" panose="020B0604020202020204" pitchFamily="34" charset="0"/>
-              <a:buChar char="•"/>
-            </a:pPr>
-            <a:r>
-              <a:rPr lang="ru-RU" sz="2000" b="0" i="0" u="none" strike="noStrike" baseline="0" dirty="0">
-                <a:solidFill>
-                  <a:srgbClr val="000000"/>
-                </a:solidFill>
-                <a:latin typeface="Times New Roman" panose="02020603050405020304" pitchFamily="18" charset="0"/>
-              </a:rPr>
-              <a:t>выполнения запроса;</a:t>
-            </a:r>
-          </a:p>
-          <a:p>
-            <a:pPr marL="342900" indent="-342900">
-              <a:buFont typeface="Arial" panose="020B0604020202020204" pitchFamily="34" charset="0"/>
-              <a:buChar char="•"/>
-            </a:pPr>
-            <a:r>
-              <a:rPr lang="ru-RU" sz="2000" b="0" i="0" u="none" strike="noStrike" baseline="0" dirty="0">
-                <a:solidFill>
-                  <a:srgbClr val="000000"/>
-                </a:solidFill>
-                <a:latin typeface="Times New Roman" panose="02020603050405020304" pitchFamily="18" charset="0"/>
-              </a:rPr>
-              <a:t>очистки результата выполнения;</a:t>
-            </a:r>
-          </a:p>
-          <a:p>
-            <a:pPr marL="342900" indent="-342900">
-              <a:buFont typeface="Arial" panose="020B0604020202020204" pitchFamily="34" charset="0"/>
-              <a:buChar char="•"/>
-            </a:pPr>
-            <a:r>
-              <a:rPr lang="ru-RU" sz="2000" b="0" i="0" u="none" strike="noStrike" baseline="0" dirty="0">
-                <a:solidFill>
-                  <a:srgbClr val="000000"/>
-                </a:solidFill>
-                <a:latin typeface="Times New Roman" panose="02020603050405020304" pitchFamily="18" charset="0"/>
-              </a:rPr>
-              <a:t>закрытия соединения. </a:t>
-            </a:r>
-          </a:p>
-        </p:txBody>
-      </p:sp>
-      <p:graphicFrame>
-        <p:nvGraphicFramePr>
-          <p:cNvPr id="8" name="Диаграмма 7">
-            <a:extLst>
-              <a:ext uri="{FF2B5EF4-FFF2-40B4-BE49-F238E27FC236}">
-                <a16:creationId xmlns:a16="http://schemas.microsoft.com/office/drawing/2014/main" id="{00000000-0008-0000-0000-000002000000}"/>
-              </a:ext>
-            </a:extLst>
-          </p:cNvPr>
-          <p:cNvGraphicFramePr>
-            <a:graphicFrameLocks/>
-          </p:cNvGraphicFramePr>
-          <p:nvPr>
-            <p:extLst>
-              <p:ext uri="{D42A27DB-BD31-4B8C-83A1-F6EECF244321}">
-                <p14:modId xmlns:p14="http://schemas.microsoft.com/office/powerpoint/2010/main" val="522110365"/>
-              </p:ext>
-            </p:extLst>
-          </p:nvPr>
-        </p:nvGraphicFramePr>
-        <p:xfrm>
-          <a:off x="838200" y="2222841"/>
-          <a:ext cx="6304337" cy="4133509"/>
-        </p:xfrm>
-        <a:graphic>
-          <a:graphicData uri="http://schemas.openxmlformats.org/drawingml/2006/chart">
-            <c:chart xmlns:c="http://schemas.openxmlformats.org/drawingml/2006/chart" xmlns:r="http://schemas.openxmlformats.org/officeDocument/2006/relationships" r:id="rId3"/>
-          </a:graphicData>
-        </a:graphic>
-      </p:graphicFrame>
+      </p:pic>
     </p:spTree>
     <p:extLst>
       <p:ext uri="{BB962C8B-B14F-4D97-AF65-F5344CB8AC3E}">
-        <p14:creationId xmlns:p14="http://schemas.microsoft.com/office/powerpoint/2010/main" val="2523793028"/>
+        <p14:creationId xmlns:p14="http://schemas.microsoft.com/office/powerpoint/2010/main" val="4202505179"/>
       </p:ext>
     </p:extLst>
   </p:cSld>
@@ -8359,13 +8569,7 @@
       </p:grpSpPr>
       <p:sp>
         <p:nvSpPr>
-          <p:cNvPr id="2" name="Заголовок 1">
-            <a:extLst>
-              <a:ext uri="{FF2B5EF4-FFF2-40B4-BE49-F238E27FC236}">
-                <a16:creationId xmlns:a16="http://schemas.microsoft.com/office/drawing/2014/main" id="{4C78D7F3-9124-6A66-4328-E2A1C351120A}"/>
-              </a:ext>
-            </a:extLst>
-          </p:cNvPr>
+          <p:cNvPr id="2" name="Заголовок 1"/>
           <p:cNvSpPr>
             <a:spLocks noGrp="1"/>
           </p:cNvSpPr>
@@ -8375,9 +8579,7 @@
         </p:nvSpPr>
         <p:spPr/>
         <p:txBody>
-          <a:bodyPr>
-            <a:normAutofit fontScale="90000"/>
-          </a:bodyPr>
+          <a:bodyPr/>
           <a:lstStyle/>
           <a:p>
             <a:r>
@@ -8385,20 +8587,14 @@
                 <a:latin typeface="Times New Roman" panose="02020603050405020304" pitchFamily="18" charset="0"/>
                 <a:cs typeface="Times New Roman" panose="02020603050405020304" pitchFamily="18" charset="0"/>
               </a:rPr>
-              <a:t>Исследование зависимости времени работы реализованного метода и пулов соединений от количества соединений</a:t>
+              <a:t>Внешний модуль взаимодействия с разработанным методом</a:t>
             </a:r>
           </a:p>
         </p:txBody>
       </p:sp>
       <p:sp>
         <p:nvSpPr>
-          <p:cNvPr id="4" name="Номер слайда 3">
-            <a:extLst>
-              <a:ext uri="{FF2B5EF4-FFF2-40B4-BE49-F238E27FC236}">
-                <a16:creationId xmlns:a16="http://schemas.microsoft.com/office/drawing/2014/main" id="{1DFEFE13-CFA3-FB79-36C8-6E9A56E8A614}"/>
-              </a:ext>
-            </a:extLst>
-          </p:cNvPr>
+          <p:cNvPr id="4" name="Номер слайда 3"/>
           <p:cNvSpPr>
             <a:spLocks noGrp="1"/>
           </p:cNvSpPr>
@@ -8418,142 +8614,53 @@
               </a:rPr>
               <a:t>12</a:t>
             </a:fld>
-            <a:endParaRPr lang="ru-RU" dirty="0">
+            <a:endParaRPr lang="ru-RU" sz="1800" dirty="0">
               <a:latin typeface="Times New Roman" panose="02020603050405020304" pitchFamily="18" charset="0"/>
               <a:cs typeface="Times New Roman" panose="02020603050405020304" pitchFamily="18" charset="0"/>
             </a:endParaRPr>
           </a:p>
         </p:txBody>
       </p:sp>
-      <p:sp>
-        <p:nvSpPr>
-          <p:cNvPr id="7" name="TextBox 6">
+      <p:pic>
+        <p:nvPicPr>
+          <p:cNvPr id="5" name="Рисунок 4">
             <a:extLst>
               <a:ext uri="{FF2B5EF4-FFF2-40B4-BE49-F238E27FC236}">
-                <a16:creationId xmlns:a16="http://schemas.microsoft.com/office/drawing/2014/main" id="{83653DF7-8A99-3665-B061-487A9119DB45}"/>
+                <a16:creationId xmlns:a16="http://schemas.microsoft.com/office/drawing/2014/main" id="{7BE64FE7-1349-A939-5682-F436A45F5782}"/>
               </a:ext>
             </a:extLst>
           </p:cNvPr>
-          <p:cNvSpPr txBox="1"/>
+          <p:cNvPicPr>
+            <a:picLocks noChangeAspect="1"/>
+          </p:cNvPicPr>
           <p:nvPr/>
-        </p:nvSpPr>
+        </p:nvPicPr>
+        <p:blipFill>
+          <a:blip r:embed="rId3" cstate="print">
+            <a:extLst>
+              <a:ext uri="{28A0092B-C50C-407E-A947-70E740481C1C}">
+                <a14:useLocalDpi xmlns:a14="http://schemas.microsoft.com/office/drawing/2010/main" val="0"/>
+              </a:ext>
+            </a:extLst>
+          </a:blip>
+          <a:stretch>
+            <a:fillRect/>
+          </a:stretch>
+        </p:blipFill>
         <p:spPr>
           <a:xfrm>
-            <a:off x="7415701" y="2809971"/>
-            <a:ext cx="4193594" cy="1938992"/>
+            <a:off x="1935479" y="1982276"/>
+            <a:ext cx="8573627" cy="4591244"/>
           </a:xfrm>
           <a:prstGeom prst="rect">
             <a:avLst/>
           </a:prstGeom>
-          <a:noFill/>
         </p:spPr>
-        <p:txBody>
-          <a:bodyPr wrap="square">
-            <a:spAutoFit/>
-          </a:bodyPr>
-          <a:lstStyle/>
-          <a:p>
-            <a:r>
-              <a:rPr lang="ru-RU" sz="2000" b="0" i="0" u="none" strike="noStrike" baseline="0" dirty="0">
-                <a:solidFill>
-                  <a:srgbClr val="000000"/>
-                </a:solidFill>
-                <a:latin typeface="Times New Roman" panose="02020603050405020304" pitchFamily="18" charset="0"/>
-              </a:rPr>
-              <a:t>Сравнение времени работы:</a:t>
-            </a:r>
-          </a:p>
-          <a:p>
-            <a:pPr marL="342900" indent="-342900">
-              <a:buFont typeface="Arial" panose="020B0604020202020204" pitchFamily="34" charset="0"/>
-              <a:buChar char="•"/>
-            </a:pPr>
-            <a:r>
-              <a:rPr lang="ru-RU" sz="2000" b="0" i="0" u="none" strike="noStrike" baseline="0" dirty="0">
-                <a:solidFill>
-                  <a:srgbClr val="000000"/>
-                </a:solidFill>
-                <a:latin typeface="Times New Roman" panose="02020603050405020304" pitchFamily="18" charset="0"/>
-              </a:rPr>
-              <a:t>пула, использующего библиотеку libpq</a:t>
-            </a:r>
-            <a:r>
-              <a:rPr lang="ru-RU" sz="2000" dirty="0">
-                <a:solidFill>
-                  <a:srgbClr val="000000"/>
-                </a:solidFill>
-                <a:latin typeface="Times New Roman" panose="02020603050405020304" pitchFamily="18" charset="0"/>
-              </a:rPr>
-              <a:t>;</a:t>
-            </a:r>
-          </a:p>
-          <a:p>
-            <a:pPr marL="342900" indent="-342900">
-              <a:buFont typeface="Arial" panose="020B0604020202020204" pitchFamily="34" charset="0"/>
-              <a:buChar char="•"/>
-            </a:pPr>
-            <a:r>
-              <a:rPr lang="ru-RU" sz="2000" b="0" i="0" u="none" strike="noStrike" baseline="0" dirty="0">
-                <a:solidFill>
-                  <a:srgbClr val="000000"/>
-                </a:solidFill>
-                <a:latin typeface="Times New Roman" panose="02020603050405020304" pitchFamily="18" charset="0"/>
-              </a:rPr>
-              <a:t>пула, реализованного в качестве внешней службы (PGBouncer);</a:t>
-            </a:r>
-          </a:p>
-          <a:p>
-            <a:pPr marL="342900" indent="-342900">
-              <a:buFont typeface="Arial" panose="020B0604020202020204" pitchFamily="34" charset="0"/>
-              <a:buChar char="•"/>
-            </a:pPr>
-            <a:r>
-              <a:rPr lang="ru-RU" sz="2000" b="0" i="0" u="none" strike="noStrike" baseline="0" dirty="0">
-                <a:solidFill>
-                  <a:srgbClr val="000000"/>
-                </a:solidFill>
-                <a:latin typeface="Times New Roman" panose="02020603050405020304" pitchFamily="18" charset="0"/>
-              </a:rPr>
-              <a:t>разработанного метода. </a:t>
-            </a:r>
-            <a:endParaRPr lang="ru-RU" sz="2000" dirty="0"/>
-          </a:p>
-        </p:txBody>
-      </p:sp>
-      <p:graphicFrame>
-        <p:nvGraphicFramePr>
-          <p:cNvPr id="6" name="Диаграмма 5">
-            <a:extLst>
-              <a:ext uri="{FF2B5EF4-FFF2-40B4-BE49-F238E27FC236}">
-                <a16:creationId xmlns:a16="http://schemas.microsoft.com/office/drawing/2014/main" id="{00000000-0008-0000-0000-000003000000}"/>
-              </a:ext>
-            </a:extLst>
-          </p:cNvPr>
-          <p:cNvGraphicFramePr>
-            <a:graphicFrameLocks/>
-          </p:cNvGraphicFramePr>
-          <p:nvPr>
-            <p:extLst>
-              <p:ext uri="{D42A27DB-BD31-4B8C-83A1-F6EECF244321}">
-                <p14:modId xmlns:p14="http://schemas.microsoft.com/office/powerpoint/2010/main" val="2797115600"/>
-              </p:ext>
-            </p:extLst>
-          </p:nvPr>
-        </p:nvGraphicFramePr>
-        <p:xfrm>
-          <a:off x="582705" y="2214561"/>
-          <a:ext cx="6666720" cy="4141789"/>
-        </p:xfrm>
-        <a:graphic>
-          <a:graphicData uri="http://schemas.openxmlformats.org/drawingml/2006/chart">
-            <c:chart xmlns:c="http://schemas.openxmlformats.org/drawingml/2006/chart" xmlns:r="http://schemas.openxmlformats.org/officeDocument/2006/relationships" r:id="rId3"/>
-          </a:graphicData>
-        </a:graphic>
-      </p:graphicFrame>
+      </p:pic>
     </p:spTree>
     <p:extLst>
       <p:ext uri="{BB962C8B-B14F-4D97-AF65-F5344CB8AC3E}">
-        <p14:creationId xmlns:p14="http://schemas.microsoft.com/office/powerpoint/2010/main" val="60974364"/>
+        <p14:creationId xmlns:p14="http://schemas.microsoft.com/office/powerpoint/2010/main" val="2983278968"/>
       </p:ext>
     </p:extLst>
   </p:cSld>
@@ -8590,6 +8697,413 @@
           <p:cNvPr id="2" name="Заголовок 1">
             <a:extLst>
               <a:ext uri="{FF2B5EF4-FFF2-40B4-BE49-F238E27FC236}">
+                <a16:creationId xmlns:a16="http://schemas.microsoft.com/office/drawing/2014/main" id="{30505BF2-F2EA-7304-42D9-E0BF2AB2CE95}"/>
+              </a:ext>
+            </a:extLst>
+          </p:cNvPr>
+          <p:cNvSpPr>
+            <a:spLocks noGrp="1"/>
+          </p:cNvSpPr>
+          <p:nvPr>
+            <p:ph type="title"/>
+          </p:nvPr>
+        </p:nvSpPr>
+        <p:spPr/>
+        <p:txBody>
+          <a:bodyPr>
+            <a:normAutofit/>
+          </a:bodyPr>
+          <a:lstStyle/>
+          <a:p>
+            <a:r>
+              <a:rPr lang="ru-RU" dirty="0">
+                <a:latin typeface="Times New Roman" panose="02020603050405020304" pitchFamily="18" charset="0"/>
+                <a:cs typeface="Times New Roman" panose="02020603050405020304" pitchFamily="18" charset="0"/>
+              </a:rPr>
+              <a:t>Зависимость времени создания соединения от числа подключений к базе данных </a:t>
+            </a:r>
+          </a:p>
+        </p:txBody>
+      </p:sp>
+      <p:sp>
+        <p:nvSpPr>
+          <p:cNvPr id="4" name="Номер слайда 3">
+            <a:extLst>
+              <a:ext uri="{FF2B5EF4-FFF2-40B4-BE49-F238E27FC236}">
+                <a16:creationId xmlns:a16="http://schemas.microsoft.com/office/drawing/2014/main" id="{98046C4B-34C3-148D-1730-53705A1E856F}"/>
+              </a:ext>
+            </a:extLst>
+          </p:cNvPr>
+          <p:cNvSpPr>
+            <a:spLocks noGrp="1"/>
+          </p:cNvSpPr>
+          <p:nvPr>
+            <p:ph type="sldNum" sz="quarter" idx="12"/>
+          </p:nvPr>
+        </p:nvSpPr>
+        <p:spPr/>
+        <p:txBody>
+          <a:bodyPr/>
+          <a:lstStyle/>
+          <a:p>
+            <a:fld id="{5D15703D-96D9-4C94-B196-0ED7D1E8A93C}" type="slidenum">
+              <a:rPr lang="ru-RU" sz="1800" smtClean="0">
+                <a:latin typeface="Times New Roman" panose="02020603050405020304" pitchFamily="18" charset="0"/>
+                <a:cs typeface="Times New Roman" panose="02020603050405020304" pitchFamily="18" charset="0"/>
+              </a:rPr>
+              <a:t>13</a:t>
+            </a:fld>
+            <a:endParaRPr lang="ru-RU" sz="1800" dirty="0">
+              <a:latin typeface="Times New Roman" panose="02020603050405020304" pitchFamily="18" charset="0"/>
+              <a:cs typeface="Times New Roman" panose="02020603050405020304" pitchFamily="18" charset="0"/>
+            </a:endParaRPr>
+          </a:p>
+        </p:txBody>
+      </p:sp>
+      <p:graphicFrame>
+        <p:nvGraphicFramePr>
+          <p:cNvPr id="8" name="Диаграмма 7">
+            <a:extLst>
+              <a:ext uri="{FF2B5EF4-FFF2-40B4-BE49-F238E27FC236}">
+                <a16:creationId xmlns:a16="http://schemas.microsoft.com/office/drawing/2014/main" id="{00000000-0008-0000-0000-000002000000}"/>
+              </a:ext>
+            </a:extLst>
+          </p:cNvPr>
+          <p:cNvGraphicFramePr>
+            <a:graphicFrameLocks/>
+          </p:cNvGraphicFramePr>
+          <p:nvPr>
+            <p:extLst>
+              <p:ext uri="{D42A27DB-BD31-4B8C-83A1-F6EECF244321}">
+                <p14:modId xmlns:p14="http://schemas.microsoft.com/office/powerpoint/2010/main" val="928353375"/>
+              </p:ext>
+            </p:extLst>
+          </p:nvPr>
+        </p:nvGraphicFramePr>
+        <p:xfrm>
+          <a:off x="838200" y="1896408"/>
+          <a:ext cx="6832600" cy="4254221"/>
+        </p:xfrm>
+        <a:graphic>
+          <a:graphicData uri="http://schemas.openxmlformats.org/drawingml/2006/chart">
+            <c:chart xmlns:c="http://schemas.openxmlformats.org/drawingml/2006/chart" xmlns:r="http://schemas.openxmlformats.org/officeDocument/2006/relationships" r:id="rId3"/>
+          </a:graphicData>
+        </a:graphic>
+      </p:graphicFrame>
+      <p:sp>
+        <p:nvSpPr>
+          <p:cNvPr id="5" name="TextBox 4">
+            <a:extLst>
+              <a:ext uri="{FF2B5EF4-FFF2-40B4-BE49-F238E27FC236}">
+                <a16:creationId xmlns:a16="http://schemas.microsoft.com/office/drawing/2014/main" id="{DAF376B3-C676-E5B2-53ED-70591D7DA52A}"/>
+              </a:ext>
+            </a:extLst>
+          </p:cNvPr>
+          <p:cNvSpPr txBox="1"/>
+          <p:nvPr/>
+        </p:nvSpPr>
+        <p:spPr>
+          <a:xfrm>
+            <a:off x="7980680" y="2084526"/>
+            <a:ext cx="4003040" cy="1938992"/>
+          </a:xfrm>
+          <a:prstGeom prst="rect">
+            <a:avLst/>
+          </a:prstGeom>
+          <a:noFill/>
+        </p:spPr>
+        <p:txBody>
+          <a:bodyPr wrap="square" rtlCol="0">
+            <a:spAutoFit/>
+          </a:bodyPr>
+          <a:lstStyle/>
+          <a:p>
+            <a:r>
+              <a:rPr lang="ru-RU" sz="2000" dirty="0">
+                <a:latin typeface="Times New Roman" panose="02020603050405020304" pitchFamily="18" charset="0"/>
+                <a:cs typeface="Times New Roman" panose="02020603050405020304" pitchFamily="18" charset="0"/>
+              </a:rPr>
+              <a:t>Для каждого опыта учитывалось время:</a:t>
+            </a:r>
+          </a:p>
+          <a:p>
+            <a:pPr marL="285750" indent="-285750">
+              <a:buFont typeface="Arial" panose="020B0604020202020204" pitchFamily="34" charset="0"/>
+              <a:buChar char="•"/>
+            </a:pPr>
+            <a:r>
+              <a:rPr lang="ru-RU" sz="2000" dirty="0">
+                <a:latin typeface="Times New Roman" panose="02020603050405020304" pitchFamily="18" charset="0"/>
+                <a:cs typeface="Times New Roman" panose="02020603050405020304" pitchFamily="18" charset="0"/>
+              </a:rPr>
+              <a:t>создания соединения;</a:t>
+            </a:r>
+          </a:p>
+          <a:p>
+            <a:pPr marL="285750" indent="-285750">
+              <a:buFont typeface="Arial" panose="020B0604020202020204" pitchFamily="34" charset="0"/>
+              <a:buChar char="•"/>
+            </a:pPr>
+            <a:r>
+              <a:rPr lang="ru-RU" sz="2000" dirty="0">
+                <a:latin typeface="Times New Roman" panose="02020603050405020304" pitchFamily="18" charset="0"/>
+                <a:cs typeface="Times New Roman" panose="02020603050405020304" pitchFamily="18" charset="0"/>
+              </a:rPr>
+              <a:t>выполнения запроса;</a:t>
+            </a:r>
+          </a:p>
+          <a:p>
+            <a:pPr marL="285750" indent="-285750">
+              <a:buFont typeface="Arial" panose="020B0604020202020204" pitchFamily="34" charset="0"/>
+              <a:buChar char="•"/>
+            </a:pPr>
+            <a:r>
+              <a:rPr lang="ru-RU" sz="2000" dirty="0">
+                <a:latin typeface="Times New Roman" panose="02020603050405020304" pitchFamily="18" charset="0"/>
+                <a:cs typeface="Times New Roman" panose="02020603050405020304" pitchFamily="18" charset="0"/>
+              </a:rPr>
+              <a:t>очистки результата выполнения;</a:t>
+            </a:r>
+          </a:p>
+          <a:p>
+            <a:pPr marL="285750" indent="-285750">
+              <a:buFont typeface="Arial" panose="020B0604020202020204" pitchFamily="34" charset="0"/>
+              <a:buChar char="•"/>
+            </a:pPr>
+            <a:r>
+              <a:rPr lang="ru-RU" sz="2000" dirty="0">
+                <a:latin typeface="Times New Roman" panose="02020603050405020304" pitchFamily="18" charset="0"/>
+                <a:cs typeface="Times New Roman" panose="02020603050405020304" pitchFamily="18" charset="0"/>
+              </a:rPr>
+              <a:t>закрытия соединения.</a:t>
+            </a:r>
+          </a:p>
+        </p:txBody>
+      </p:sp>
+    </p:spTree>
+    <p:extLst>
+      <p:ext uri="{BB962C8B-B14F-4D97-AF65-F5344CB8AC3E}">
+        <p14:creationId xmlns:p14="http://schemas.microsoft.com/office/powerpoint/2010/main" val="2523793028"/>
+      </p:ext>
+    </p:extLst>
+  </p:cSld>
+  <p:clrMapOvr>
+    <a:masterClrMapping/>
+  </p:clrMapOvr>
+  <p:extLst>
+    <p:ext uri="{6950BFC3-D8DA-4A85-94F7-54DA5524770B}">
+      <p188:commentRel xmlns:p188="http://schemas.microsoft.com/office/powerpoint/2018/8/main" r:id="rId2"/>
+    </p:ext>
+  </p:extLst>
+</p:sld>
+</file>
+
+<file path=ppt/slides/slide14.xml><?xml version="1.0" encoding="utf-8"?>
+<p:sld xmlns:a="http://schemas.openxmlformats.org/drawingml/2006/main" xmlns:r="http://schemas.openxmlformats.org/officeDocument/2006/relationships" xmlns:p="http://schemas.openxmlformats.org/presentationml/2006/main">
+  <p:cSld>
+    <p:spTree>
+      <p:nvGrpSpPr>
+        <p:cNvPr id="1" name=""/>
+        <p:cNvGrpSpPr/>
+        <p:nvPr/>
+      </p:nvGrpSpPr>
+      <p:grpSpPr>
+        <a:xfrm>
+          <a:off x="0" y="0"/>
+          <a:ext cx="0" cy="0"/>
+          <a:chOff x="0" y="0"/>
+          <a:chExt cx="0" cy="0"/>
+        </a:xfrm>
+      </p:grpSpPr>
+      <p:graphicFrame>
+        <p:nvGraphicFramePr>
+          <p:cNvPr id="6" name="Диаграмма 5">
+            <a:extLst>
+              <a:ext uri="{FF2B5EF4-FFF2-40B4-BE49-F238E27FC236}">
+                <a16:creationId xmlns:a16="http://schemas.microsoft.com/office/drawing/2014/main" id="{00000000-0008-0000-0000-000003000000}"/>
+              </a:ext>
+            </a:extLst>
+          </p:cNvPr>
+          <p:cNvGraphicFramePr>
+            <a:graphicFrameLocks/>
+          </p:cNvGraphicFramePr>
+          <p:nvPr>
+            <p:extLst>
+              <p:ext uri="{D42A27DB-BD31-4B8C-83A1-F6EECF244321}">
+                <p14:modId xmlns:p14="http://schemas.microsoft.com/office/powerpoint/2010/main" val="2251302628"/>
+              </p:ext>
+            </p:extLst>
+          </p:nvPr>
+        </p:nvGraphicFramePr>
+        <p:xfrm>
+          <a:off x="838200" y="2071027"/>
+          <a:ext cx="6832600" cy="4285323"/>
+        </p:xfrm>
+        <a:graphic>
+          <a:graphicData uri="http://schemas.openxmlformats.org/drawingml/2006/chart">
+            <c:chart xmlns:c="http://schemas.openxmlformats.org/drawingml/2006/chart" xmlns:r="http://schemas.openxmlformats.org/officeDocument/2006/relationships" r:id="rId3"/>
+          </a:graphicData>
+        </a:graphic>
+      </p:graphicFrame>
+      <p:sp>
+        <p:nvSpPr>
+          <p:cNvPr id="2" name="Заголовок 1">
+            <a:extLst>
+              <a:ext uri="{FF2B5EF4-FFF2-40B4-BE49-F238E27FC236}">
+                <a16:creationId xmlns:a16="http://schemas.microsoft.com/office/drawing/2014/main" id="{4C78D7F3-9124-6A66-4328-E2A1C351120A}"/>
+              </a:ext>
+            </a:extLst>
+          </p:cNvPr>
+          <p:cNvSpPr>
+            <a:spLocks noGrp="1"/>
+          </p:cNvSpPr>
+          <p:nvPr>
+            <p:ph type="title"/>
+          </p:nvPr>
+        </p:nvSpPr>
+        <p:spPr/>
+        <p:txBody>
+          <a:bodyPr>
+            <a:normAutofit fontScale="90000"/>
+          </a:bodyPr>
+          <a:lstStyle/>
+          <a:p>
+            <a:r>
+              <a:rPr lang="ru-RU" dirty="0">
+                <a:latin typeface="Times New Roman" panose="02020603050405020304" pitchFamily="18" charset="0"/>
+                <a:cs typeface="Times New Roman" panose="02020603050405020304" pitchFamily="18" charset="0"/>
+              </a:rPr>
+              <a:t>Зависимость времени работы реализованного метода и пулов соединений от числа подключений</a:t>
+            </a:r>
+          </a:p>
+        </p:txBody>
+      </p:sp>
+      <p:sp>
+        <p:nvSpPr>
+          <p:cNvPr id="4" name="Номер слайда 3">
+            <a:extLst>
+              <a:ext uri="{FF2B5EF4-FFF2-40B4-BE49-F238E27FC236}">
+                <a16:creationId xmlns:a16="http://schemas.microsoft.com/office/drawing/2014/main" id="{1DFEFE13-CFA3-FB79-36C8-6E9A56E8A614}"/>
+              </a:ext>
+            </a:extLst>
+          </p:cNvPr>
+          <p:cNvSpPr>
+            <a:spLocks noGrp="1"/>
+          </p:cNvSpPr>
+          <p:nvPr>
+            <p:ph type="sldNum" sz="quarter" idx="12"/>
+          </p:nvPr>
+        </p:nvSpPr>
+        <p:spPr/>
+        <p:txBody>
+          <a:bodyPr/>
+          <a:lstStyle/>
+          <a:p>
+            <a:fld id="{5D15703D-96D9-4C94-B196-0ED7D1E8A93C}" type="slidenum">
+              <a:rPr lang="ru-RU" sz="1800" smtClean="0">
+                <a:latin typeface="Times New Roman" panose="02020603050405020304" pitchFamily="18" charset="0"/>
+                <a:cs typeface="Times New Roman" panose="02020603050405020304" pitchFamily="18" charset="0"/>
+              </a:rPr>
+              <a:t>14</a:t>
+            </a:fld>
+            <a:endParaRPr lang="ru-RU" dirty="0">
+              <a:latin typeface="Times New Roman" panose="02020603050405020304" pitchFamily="18" charset="0"/>
+              <a:cs typeface="Times New Roman" panose="02020603050405020304" pitchFamily="18" charset="0"/>
+            </a:endParaRPr>
+          </a:p>
+        </p:txBody>
+      </p:sp>
+      <p:sp>
+        <p:nvSpPr>
+          <p:cNvPr id="3" name="TextBox 2">
+            <a:extLst>
+              <a:ext uri="{FF2B5EF4-FFF2-40B4-BE49-F238E27FC236}">
+                <a16:creationId xmlns:a16="http://schemas.microsoft.com/office/drawing/2014/main" id="{6DEC9AD4-B7AB-5197-C560-AADF11A3E07A}"/>
+              </a:ext>
+            </a:extLst>
+          </p:cNvPr>
+          <p:cNvSpPr txBox="1"/>
+          <p:nvPr/>
+        </p:nvSpPr>
+        <p:spPr>
+          <a:xfrm>
+            <a:off x="7899400" y="2223025"/>
+            <a:ext cx="3825240" cy="1200329"/>
+          </a:xfrm>
+          <a:prstGeom prst="rect">
+            <a:avLst/>
+          </a:prstGeom>
+          <a:noFill/>
+        </p:spPr>
+        <p:txBody>
+          <a:bodyPr wrap="square" rtlCol="0">
+            <a:spAutoFit/>
+          </a:bodyPr>
+          <a:lstStyle/>
+          <a:p>
+            <a:r>
+              <a:rPr lang="ru-RU" sz="2400" dirty="0">
+                <a:latin typeface="Times New Roman" panose="02020603050405020304" pitchFamily="18" charset="0"/>
+                <a:cs typeface="Times New Roman" panose="02020603050405020304" pitchFamily="18" charset="0"/>
+              </a:rPr>
+              <a:t>Размер пула:</a:t>
+            </a:r>
+          </a:p>
+          <a:p>
+            <a:pPr marL="285750" indent="-285750">
+              <a:buFont typeface="Arial" panose="020B0604020202020204" pitchFamily="34" charset="0"/>
+              <a:buChar char="•"/>
+            </a:pPr>
+            <a:r>
+              <a:rPr lang="ru-RU" sz="2400" dirty="0">
+                <a:latin typeface="Times New Roman" panose="02020603050405020304" pitchFamily="18" charset="0"/>
+                <a:cs typeface="Times New Roman" panose="02020603050405020304" pitchFamily="18" charset="0"/>
+              </a:rPr>
+              <a:t>¾ фактического числа создаваемых соединений. </a:t>
+            </a:r>
+          </a:p>
+        </p:txBody>
+      </p:sp>
+    </p:spTree>
+    <p:extLst>
+      <p:ext uri="{BB962C8B-B14F-4D97-AF65-F5344CB8AC3E}">
+        <p14:creationId xmlns:p14="http://schemas.microsoft.com/office/powerpoint/2010/main" val="60974364"/>
+      </p:ext>
+    </p:extLst>
+  </p:cSld>
+  <p:clrMapOvr>
+    <a:masterClrMapping/>
+  </p:clrMapOvr>
+  <p:extLst>
+    <p:ext uri="{6950BFC3-D8DA-4A85-94F7-54DA5524770B}">
+      <p188:commentRel xmlns:p188="http://schemas.microsoft.com/office/powerpoint/2018/8/main" r:id="rId2"/>
+    </p:ext>
+  </p:extLst>
+</p:sld>
+</file>
+
+<file path=ppt/slides/slide15.xml><?xml version="1.0" encoding="utf-8"?>
+<p:sld xmlns:a="http://schemas.openxmlformats.org/drawingml/2006/main" xmlns:r="http://schemas.openxmlformats.org/officeDocument/2006/relationships" xmlns:p="http://schemas.openxmlformats.org/presentationml/2006/main">
+  <p:cSld>
+    <p:spTree>
+      <p:nvGrpSpPr>
+        <p:cNvPr id="1" name=""/>
+        <p:cNvGrpSpPr/>
+        <p:nvPr/>
+      </p:nvGrpSpPr>
+      <p:grpSpPr>
+        <a:xfrm>
+          <a:off x="0" y="0"/>
+          <a:ext cx="0" cy="0"/>
+          <a:chOff x="0" y="0"/>
+          <a:chExt cx="0" cy="0"/>
+        </a:xfrm>
+      </p:grpSpPr>
+      <p:sp>
+        <p:nvSpPr>
+          <p:cNvPr id="2" name="Заголовок 1">
+            <a:extLst>
+              <a:ext uri="{FF2B5EF4-FFF2-40B4-BE49-F238E27FC236}">
                 <a16:creationId xmlns:a16="http://schemas.microsoft.com/office/drawing/2014/main" id="{9532C2C3-E4BE-163C-72F9-D9CAD045A947}"/>
               </a:ext>
             </a:extLst>
@@ -8611,7 +9125,7 @@
                 <a:latin typeface="Times New Roman" panose="02020603050405020304" pitchFamily="18" charset="0"/>
                 <a:cs typeface="Times New Roman" panose="02020603050405020304" pitchFamily="18" charset="0"/>
               </a:rPr>
-              <a:t>Исследование требуемых ресурсов для выполнения простого запроса к БД</a:t>
+              <a:t>Исследование требуемых ресурсов для выполнения простого запроса</a:t>
             </a:r>
           </a:p>
         </p:txBody>
@@ -9163,7 +9677,7 @@
                 <a:latin typeface="Times New Roman" panose="02020603050405020304" pitchFamily="18" charset="0"/>
                 <a:cs typeface="Times New Roman" panose="02020603050405020304" pitchFamily="18" charset="0"/>
               </a:rPr>
-              <a:t>13</a:t>
+              <a:t>15</a:t>
             </a:fld>
             <a:endParaRPr lang="ru-RU" dirty="0">
               <a:latin typeface="Times New Roman" panose="02020603050405020304" pitchFamily="18" charset="0"/>
@@ -9320,7 +9834,7 @@
 </p:sld>
 </file>
 
-<file path=ppt/slides/slide14.xml><?xml version="1.0" encoding="utf-8"?>
+<file path=ppt/slides/slide16.xml><?xml version="1.0" encoding="utf-8"?>
 <p:sld xmlns:a="http://schemas.openxmlformats.org/drawingml/2006/main" xmlns:r="http://schemas.openxmlformats.org/officeDocument/2006/relationships" xmlns:p="http://schemas.openxmlformats.org/presentationml/2006/main">
   <p:cSld>
     <p:spTree>
@@ -9536,7 +10050,7 @@
                 <a:latin typeface="Times New Roman" panose="02020603050405020304" pitchFamily="18" charset="0"/>
                 <a:cs typeface="Times New Roman" panose="02020603050405020304" pitchFamily="18" charset="0"/>
               </a:rPr>
-              <a:t>14</a:t>
+              <a:t>16</a:t>
             </a:fld>
             <a:endParaRPr lang="ru-RU" dirty="0">
               <a:latin typeface="Times New Roman" panose="02020603050405020304" pitchFamily="18" charset="0"/>
@@ -9611,7 +10125,7 @@
 </p:sld>
 </file>
 
-<file path=ppt/slides/slide15.xml><?xml version="1.0" encoding="utf-8"?>
+<file path=ppt/slides/slide17.xml><?xml version="1.0" encoding="utf-8"?>
 <p:sld xmlns:a="http://schemas.openxmlformats.org/drawingml/2006/main" xmlns:r="http://schemas.openxmlformats.org/officeDocument/2006/relationships" xmlns:p="http://schemas.openxmlformats.org/presentationml/2006/main">
   <p:cSld>
     <p:spTree>
@@ -9727,7 +10241,7 @@
                 <a:latin typeface="Times New Roman" panose="02020603050405020304" pitchFamily="18" charset="0"/>
                 <a:cs typeface="Times New Roman" panose="02020603050405020304" pitchFamily="18" charset="0"/>
               </a:rPr>
-              <a:t>15</a:t>
+              <a:t>17</a:t>
             </a:fld>
             <a:endParaRPr lang="ru-RU" sz="1800" dirty="0">
               <a:latin typeface="Times New Roman" panose="02020603050405020304" pitchFamily="18" charset="0"/>
@@ -9750,6 +10264,283 @@
 </file>
 
 <file path=ppt/slides/slide2.xml><?xml version="1.0" encoding="utf-8"?>
+<p:sld xmlns:a="http://schemas.openxmlformats.org/drawingml/2006/main" xmlns:r="http://schemas.openxmlformats.org/officeDocument/2006/relationships" xmlns:p="http://schemas.openxmlformats.org/presentationml/2006/main">
+  <p:cSld>
+    <p:spTree>
+      <p:nvGrpSpPr>
+        <p:cNvPr id="1" name=""/>
+        <p:cNvGrpSpPr/>
+        <p:nvPr/>
+      </p:nvGrpSpPr>
+      <p:grpSpPr>
+        <a:xfrm>
+          <a:off x="0" y="0"/>
+          <a:ext cx="0" cy="0"/>
+          <a:chOff x="0" y="0"/>
+          <a:chExt cx="0" cy="0"/>
+        </a:xfrm>
+      </p:grpSpPr>
+      <p:sp>
+        <p:nvSpPr>
+          <p:cNvPr id="2" name="Заголовок 1"/>
+          <p:cNvSpPr>
+            <a:spLocks noGrp="1"/>
+          </p:cNvSpPr>
+          <p:nvPr>
+            <p:ph type="title"/>
+          </p:nvPr>
+        </p:nvSpPr>
+        <p:spPr/>
+        <p:txBody>
+          <a:bodyPr/>
+          <a:lstStyle/>
+          <a:p>
+            <a:r>
+              <a:rPr lang="ru-RU" dirty="0">
+                <a:latin typeface="Times New Roman" panose="02020603050405020304" pitchFamily="18" charset="0"/>
+                <a:cs typeface="Times New Roman" panose="02020603050405020304" pitchFamily="18" charset="0"/>
+              </a:rPr>
+              <a:t>Однопоточное и многопоточное соединение с базой данных </a:t>
+            </a:r>
+          </a:p>
+        </p:txBody>
+      </p:sp>
+      <p:sp>
+        <p:nvSpPr>
+          <p:cNvPr id="4" name="Номер слайда 3"/>
+          <p:cNvSpPr>
+            <a:spLocks noGrp="1"/>
+          </p:cNvSpPr>
+          <p:nvPr>
+            <p:ph type="sldNum" sz="quarter" idx="12"/>
+          </p:nvPr>
+        </p:nvSpPr>
+        <p:spPr/>
+        <p:txBody>
+          <a:bodyPr/>
+          <a:lstStyle/>
+          <a:p>
+            <a:fld id="{5D15703D-96D9-4C94-B196-0ED7D1E8A93C}" type="slidenum">
+              <a:rPr lang="ru-RU" sz="1800" smtClean="0">
+                <a:latin typeface="Times New Roman" panose="02020603050405020304" pitchFamily="18" charset="0"/>
+                <a:cs typeface="Times New Roman" panose="02020603050405020304" pitchFamily="18" charset="0"/>
+              </a:rPr>
+              <a:t>2</a:t>
+            </a:fld>
+            <a:endParaRPr lang="ru-RU" sz="1800" dirty="0">
+              <a:latin typeface="Times New Roman" panose="02020603050405020304" pitchFamily="18" charset="0"/>
+              <a:cs typeface="Times New Roman" panose="02020603050405020304" pitchFamily="18" charset="0"/>
+            </a:endParaRPr>
+          </a:p>
+        </p:txBody>
+      </p:sp>
+      <p:graphicFrame>
+        <p:nvGraphicFramePr>
+          <p:cNvPr id="5" name="Объект 4"/>
+          <p:cNvGraphicFramePr>
+            <a:graphicFrameLocks noGrp="1"/>
+          </p:cNvGraphicFramePr>
+          <p:nvPr>
+            <p:ph idx="1"/>
+            <p:extLst>
+              <p:ext uri="{D42A27DB-BD31-4B8C-83A1-F6EECF244321}">
+                <p14:modId xmlns:p14="http://schemas.microsoft.com/office/powerpoint/2010/main" val="1842653542"/>
+              </p:ext>
+            </p:extLst>
+          </p:nvPr>
+        </p:nvGraphicFramePr>
+        <p:xfrm>
+          <a:off x="838201" y="2244870"/>
+          <a:ext cx="5505449" cy="3311004"/>
+        </p:xfrm>
+        <a:graphic>
+          <a:graphicData uri="http://schemas.openxmlformats.org/drawingml/2006/chart">
+            <c:chart xmlns:c="http://schemas.openxmlformats.org/drawingml/2006/chart" xmlns:r="http://schemas.openxmlformats.org/officeDocument/2006/relationships" r:id="rId3"/>
+          </a:graphicData>
+        </a:graphic>
+      </p:graphicFrame>
+      <p:sp>
+        <p:nvSpPr>
+          <p:cNvPr id="7" name="TextBox 6">
+            <a:extLst>
+              <a:ext uri="{FF2B5EF4-FFF2-40B4-BE49-F238E27FC236}">
+                <a16:creationId xmlns:a16="http://schemas.microsoft.com/office/drawing/2014/main" id="{75ADA113-DC39-6365-BA19-1217069D81E3}"/>
+              </a:ext>
+            </a:extLst>
+          </p:cNvPr>
+          <p:cNvSpPr txBox="1"/>
+          <p:nvPr/>
+        </p:nvSpPr>
+        <p:spPr>
+          <a:xfrm>
+            <a:off x="6781801" y="2445109"/>
+            <a:ext cx="4571998" cy="1631216"/>
+          </a:xfrm>
+          <a:prstGeom prst="rect">
+            <a:avLst/>
+          </a:prstGeom>
+          <a:noFill/>
+        </p:spPr>
+        <p:txBody>
+          <a:bodyPr wrap="square" rtlCol="0">
+            <a:spAutoFit/>
+          </a:bodyPr>
+          <a:lstStyle/>
+          <a:p>
+            <a:r>
+              <a:rPr lang="ru-RU" sz="2000" dirty="0">
+                <a:solidFill>
+                  <a:srgbClr val="000000"/>
+                </a:solidFill>
+                <a:latin typeface="Times New Roman" panose="02020603050405020304" pitchFamily="18" charset="0"/>
+              </a:rPr>
+              <a:t>Доступ к </a:t>
+            </a:r>
+            <a:r>
+              <a:rPr lang="ru-RU" sz="2000" b="0" i="0" u="none" strike="noStrike" baseline="0" dirty="0">
+                <a:solidFill>
+                  <a:srgbClr val="000000"/>
+                </a:solidFill>
+                <a:latin typeface="Times New Roman" panose="02020603050405020304" pitchFamily="18" charset="0"/>
+              </a:rPr>
+              <a:t>БД объемом 100.000 записей.</a:t>
+            </a:r>
+          </a:p>
+          <a:p>
+            <a:r>
+              <a:rPr lang="ru-RU" sz="2000" dirty="0">
+                <a:solidFill>
+                  <a:srgbClr val="000000"/>
+                </a:solidFill>
+                <a:latin typeface="Times New Roman" panose="02020603050405020304" pitchFamily="18" charset="0"/>
+              </a:rPr>
+              <a:t>Многопоточная программа:</a:t>
+            </a:r>
+            <a:endParaRPr lang="ru-RU" sz="2000" b="0" i="0" u="none" strike="noStrike" baseline="0" dirty="0">
+              <a:solidFill>
+                <a:srgbClr val="000000"/>
+              </a:solidFill>
+              <a:latin typeface="Times New Roman" panose="02020603050405020304" pitchFamily="18" charset="0"/>
+            </a:endParaRPr>
+          </a:p>
+          <a:p>
+            <a:pPr marL="285750" indent="-285750">
+              <a:buFont typeface="Arial" panose="020B0604020202020204" pitchFamily="34" charset="0"/>
+              <a:buChar char="•"/>
+            </a:pPr>
+            <a:r>
+              <a:rPr lang="ru-RU" sz="2000" b="0" i="0" u="none" strike="noStrike" baseline="0" dirty="0">
+                <a:solidFill>
+                  <a:srgbClr val="000000"/>
+                </a:solidFill>
+                <a:latin typeface="Times New Roman" panose="02020603050405020304" pitchFamily="18" charset="0"/>
+              </a:rPr>
+              <a:t>в 1000 раз быстрее;</a:t>
+            </a:r>
+            <a:endParaRPr lang="en-US" sz="2000" b="0" i="0" u="none" strike="noStrike" baseline="0" dirty="0">
+              <a:latin typeface="Times New Roman" panose="02020603050405020304" pitchFamily="18" charset="0"/>
+            </a:endParaRPr>
+          </a:p>
+          <a:p>
+            <a:pPr marL="285750" indent="-285750">
+              <a:buFont typeface="Arial" panose="020B0604020202020204" pitchFamily="34" charset="0"/>
+              <a:buChar char="•"/>
+            </a:pPr>
+            <a:r>
+              <a:rPr lang="ru-RU" sz="2000" dirty="0">
+                <a:latin typeface="Times New Roman" panose="02020603050405020304" pitchFamily="18" charset="0"/>
+              </a:rPr>
+              <a:t>ошибка памяти</a:t>
+            </a:r>
+            <a:r>
+              <a:rPr lang="ru-RU" sz="2000" b="0" i="0" u="none" strike="noStrike" baseline="0" dirty="0">
+                <a:latin typeface="Times New Roman" panose="02020603050405020304" pitchFamily="18" charset="0"/>
+              </a:rPr>
+              <a:t> при 10.000 и более соединений.</a:t>
+            </a:r>
+          </a:p>
+        </p:txBody>
+      </p:sp>
+      <p:sp>
+        <p:nvSpPr>
+          <p:cNvPr id="11" name="TextBox 10">
+            <a:extLst>
+              <a:ext uri="{FF2B5EF4-FFF2-40B4-BE49-F238E27FC236}">
+                <a16:creationId xmlns:a16="http://schemas.microsoft.com/office/drawing/2014/main" id="{CC44C7D7-5CF8-B4B0-413C-EE04B11C1BFE}"/>
+              </a:ext>
+            </a:extLst>
+          </p:cNvPr>
+          <p:cNvSpPr txBox="1"/>
+          <p:nvPr/>
+        </p:nvSpPr>
+        <p:spPr>
+          <a:xfrm>
+            <a:off x="6781801" y="4309408"/>
+            <a:ext cx="4571998" cy="707886"/>
+          </a:xfrm>
+          <a:prstGeom prst="rect">
+            <a:avLst/>
+          </a:prstGeom>
+          <a:noFill/>
+        </p:spPr>
+        <p:txBody>
+          <a:bodyPr wrap="square">
+            <a:spAutoFit/>
+          </a:bodyPr>
+          <a:lstStyle/>
+          <a:p>
+            <a:r>
+              <a:rPr lang="ru-RU" sz="2000" dirty="0">
+                <a:solidFill>
+                  <a:srgbClr val="000000"/>
+                </a:solidFill>
+                <a:latin typeface="Times New Roman" panose="02020603050405020304" pitchFamily="18" charset="0"/>
+              </a:rPr>
+              <a:t>П</a:t>
+            </a:r>
+            <a:r>
+              <a:rPr lang="ru-RU" sz="2000" b="0" i="0" u="none" strike="noStrike" baseline="0" dirty="0">
+                <a:solidFill>
+                  <a:srgbClr val="000000"/>
+                </a:solidFill>
+                <a:latin typeface="Times New Roman" panose="02020603050405020304" pitchFamily="18" charset="0"/>
+              </a:rPr>
+              <a:t>роцесс подключения занимает </a:t>
+            </a:r>
+          </a:p>
+          <a:p>
+            <a:r>
+              <a:rPr lang="ru-RU" sz="2000" b="0" i="0" u="none" strike="noStrike" baseline="0" dirty="0">
+                <a:solidFill>
+                  <a:srgbClr val="000000"/>
+                </a:solidFill>
+                <a:latin typeface="Times New Roman" panose="02020603050405020304" pitchFamily="18" charset="0"/>
+              </a:rPr>
+              <a:t>2-3 МБ памяти. </a:t>
+            </a:r>
+            <a:endParaRPr lang="ru-RU" sz="2000" dirty="0"/>
+          </a:p>
+        </p:txBody>
+      </p:sp>
+    </p:spTree>
+    <p:extLst>
+      <p:ext uri="{BB962C8B-B14F-4D97-AF65-F5344CB8AC3E}">
+        <p14:creationId xmlns:p14="http://schemas.microsoft.com/office/powerpoint/2010/main" val="3963753601"/>
+      </p:ext>
+    </p:extLst>
+  </p:cSld>
+  <p:clrMapOvr>
+    <a:masterClrMapping/>
+  </p:clrMapOvr>
+  <p:extLst>
+    <p:ext uri="{6950BFC3-D8DA-4A85-94F7-54DA5524770B}">
+      <p188:commentRel xmlns:p188="http://schemas.microsoft.com/office/powerpoint/2018/8/main" r:id="rId2"/>
+    </p:ext>
+  </p:extLst>
+</p:sld>
+</file>
+
+<file path=ppt/slides/slide3.xml><?xml version="1.0" encoding="utf-8"?>
 <p:sld xmlns:a="http://schemas.openxmlformats.org/drawingml/2006/main" xmlns:r="http://schemas.openxmlformats.org/officeDocument/2006/relationships" xmlns:p="http://schemas.openxmlformats.org/presentationml/2006/main">
   <p:cSld>
     <p:spTree>
@@ -10123,7 +10914,7 @@
                 <a:latin typeface="Times New Roman" panose="02020603050405020304" pitchFamily="18" charset="0"/>
                 <a:cs typeface="Times New Roman" panose="02020603050405020304" pitchFamily="18" charset="0"/>
               </a:rPr>
-              <a:t>2</a:t>
+              <a:t>3</a:t>
             </a:fld>
             <a:endParaRPr lang="ru-RU" dirty="0">
               <a:latin typeface="Times New Roman" panose="02020603050405020304" pitchFamily="18" charset="0"/>
@@ -10145,265 +10936,6 @@
   <p:extLst>
     <p:ext uri="{6950BFC3-D8DA-4A85-94F7-54DA5524770B}">
       <p188:commentRel xmlns:p188="http://schemas.microsoft.com/office/powerpoint/2018/8/main" r:id="rId3"/>
-    </p:ext>
-  </p:extLst>
-</p:sld>
-</file>
-
-<file path=ppt/slides/slide3.xml><?xml version="1.0" encoding="utf-8"?>
-<p:sld xmlns:a="http://schemas.openxmlformats.org/drawingml/2006/main" xmlns:r="http://schemas.openxmlformats.org/officeDocument/2006/relationships" xmlns:p="http://schemas.openxmlformats.org/presentationml/2006/main">
-  <p:cSld>
-    <p:spTree>
-      <p:nvGrpSpPr>
-        <p:cNvPr id="1" name=""/>
-        <p:cNvGrpSpPr/>
-        <p:nvPr/>
-      </p:nvGrpSpPr>
-      <p:grpSpPr>
-        <a:xfrm>
-          <a:off x="0" y="0"/>
-          <a:ext cx="0" cy="0"/>
-          <a:chOff x="0" y="0"/>
-          <a:chExt cx="0" cy="0"/>
-        </a:xfrm>
-      </p:grpSpPr>
-      <p:sp>
-        <p:nvSpPr>
-          <p:cNvPr id="2" name="Заголовок 1"/>
-          <p:cNvSpPr>
-            <a:spLocks noGrp="1"/>
-          </p:cNvSpPr>
-          <p:nvPr>
-            <p:ph type="title"/>
-          </p:nvPr>
-        </p:nvSpPr>
-        <p:spPr/>
-        <p:txBody>
-          <a:bodyPr/>
-          <a:lstStyle/>
-          <a:p>
-            <a:r>
-              <a:rPr lang="ru-RU" dirty="0">
-                <a:latin typeface="Times New Roman" panose="02020603050405020304" pitchFamily="18" charset="0"/>
-                <a:cs typeface="Times New Roman" panose="02020603050405020304" pitchFamily="18" charset="0"/>
-              </a:rPr>
-              <a:t>Введение в предметную область</a:t>
-            </a:r>
-          </a:p>
-        </p:txBody>
-      </p:sp>
-      <p:sp>
-        <p:nvSpPr>
-          <p:cNvPr id="4" name="Номер слайда 3"/>
-          <p:cNvSpPr>
-            <a:spLocks noGrp="1"/>
-          </p:cNvSpPr>
-          <p:nvPr>
-            <p:ph type="sldNum" sz="quarter" idx="12"/>
-          </p:nvPr>
-        </p:nvSpPr>
-        <p:spPr/>
-        <p:txBody>
-          <a:bodyPr/>
-          <a:lstStyle/>
-          <a:p>
-            <a:fld id="{5D15703D-96D9-4C94-B196-0ED7D1E8A93C}" type="slidenum">
-              <a:rPr lang="ru-RU" sz="1800" smtClean="0">
-                <a:latin typeface="Times New Roman" panose="02020603050405020304" pitchFamily="18" charset="0"/>
-                <a:cs typeface="Times New Roman" panose="02020603050405020304" pitchFamily="18" charset="0"/>
-              </a:rPr>
-              <a:t>3</a:t>
-            </a:fld>
-            <a:endParaRPr lang="ru-RU" sz="1800" dirty="0">
-              <a:latin typeface="Times New Roman" panose="02020603050405020304" pitchFamily="18" charset="0"/>
-              <a:cs typeface="Times New Roman" panose="02020603050405020304" pitchFamily="18" charset="0"/>
-            </a:endParaRPr>
-          </a:p>
-        </p:txBody>
-      </p:sp>
-      <p:graphicFrame>
-        <p:nvGraphicFramePr>
-          <p:cNvPr id="5" name="Объект 4"/>
-          <p:cNvGraphicFramePr>
-            <a:graphicFrameLocks noGrp="1"/>
-          </p:cNvGraphicFramePr>
-          <p:nvPr>
-            <p:ph idx="1"/>
-            <p:extLst>
-              <p:ext uri="{D42A27DB-BD31-4B8C-83A1-F6EECF244321}">
-                <p14:modId xmlns:p14="http://schemas.microsoft.com/office/powerpoint/2010/main" val="1543382122"/>
-              </p:ext>
-            </p:extLst>
-          </p:nvPr>
-        </p:nvGraphicFramePr>
-        <p:xfrm>
-          <a:off x="838201" y="2244870"/>
-          <a:ext cx="5505449" cy="3311004"/>
-        </p:xfrm>
-        <a:graphic>
-          <a:graphicData uri="http://schemas.openxmlformats.org/drawingml/2006/chart">
-            <c:chart xmlns:c="http://schemas.openxmlformats.org/drawingml/2006/chart" xmlns:r="http://schemas.openxmlformats.org/officeDocument/2006/relationships" r:id="rId3"/>
-          </a:graphicData>
-        </a:graphic>
-      </p:graphicFrame>
-      <p:sp>
-        <p:nvSpPr>
-          <p:cNvPr id="7" name="TextBox 6">
-            <a:extLst>
-              <a:ext uri="{FF2B5EF4-FFF2-40B4-BE49-F238E27FC236}">
-                <a16:creationId xmlns:a16="http://schemas.microsoft.com/office/drawing/2014/main" id="{75ADA113-DC39-6365-BA19-1217069D81E3}"/>
-              </a:ext>
-            </a:extLst>
-          </p:cNvPr>
-          <p:cNvSpPr txBox="1"/>
-          <p:nvPr/>
-        </p:nvSpPr>
-        <p:spPr>
-          <a:xfrm>
-            <a:off x="6781800" y="2244870"/>
-            <a:ext cx="4571999" cy="1938992"/>
-          </a:xfrm>
-          <a:prstGeom prst="rect">
-            <a:avLst/>
-          </a:prstGeom>
-          <a:noFill/>
-        </p:spPr>
-        <p:txBody>
-          <a:bodyPr wrap="square" rtlCol="0">
-            <a:spAutoFit/>
-          </a:bodyPr>
-          <a:lstStyle/>
-          <a:p>
-            <a:r>
-              <a:rPr lang="ru-RU" sz="2000" dirty="0">
-                <a:solidFill>
-                  <a:srgbClr val="000000"/>
-                </a:solidFill>
-                <a:latin typeface="Times New Roman" panose="02020603050405020304" pitchFamily="18" charset="0"/>
-              </a:rPr>
-              <a:t>Доступ к </a:t>
-            </a:r>
-            <a:r>
-              <a:rPr lang="ru-RU" sz="2000" b="0" i="0" u="none" strike="noStrike" baseline="0" dirty="0">
-                <a:solidFill>
-                  <a:srgbClr val="000000"/>
-                </a:solidFill>
-                <a:latin typeface="Times New Roman" panose="02020603050405020304" pitchFamily="18" charset="0"/>
-              </a:rPr>
-              <a:t>БД объемом 100.000 записей:</a:t>
-            </a:r>
-          </a:p>
-          <a:p>
-            <a:pPr marL="285750" indent="-285750">
-              <a:buFont typeface="Arial" panose="020B0604020202020204" pitchFamily="34" charset="0"/>
-              <a:buChar char="•"/>
-            </a:pPr>
-            <a:r>
-              <a:rPr lang="ru-RU" sz="2000" dirty="0">
-                <a:solidFill>
-                  <a:srgbClr val="000000"/>
-                </a:solidFill>
-                <a:latin typeface="Times New Roman" panose="02020603050405020304" pitchFamily="18" charset="0"/>
-              </a:rPr>
-              <a:t>многопоточная программа примерно </a:t>
-            </a:r>
-            <a:r>
-              <a:rPr lang="ru-RU" sz="2000" b="0" i="0" u="none" strike="noStrike" baseline="0" dirty="0">
-                <a:solidFill>
-                  <a:srgbClr val="000000"/>
-                </a:solidFill>
-                <a:latin typeface="Times New Roman" panose="02020603050405020304" pitchFamily="18" charset="0"/>
-              </a:rPr>
-              <a:t>в 1000 раз работает быстрее;</a:t>
-            </a:r>
-          </a:p>
-          <a:p>
-            <a:pPr marL="285750" indent="-285750">
-              <a:buFont typeface="Arial" panose="020B0604020202020204" pitchFamily="34" charset="0"/>
-              <a:buChar char="•"/>
-            </a:pPr>
-            <a:r>
-              <a:rPr lang="ru-RU" sz="2000" dirty="0">
-                <a:latin typeface="Times New Roman" panose="02020603050405020304" pitchFamily="18" charset="0"/>
-              </a:rPr>
-              <a:t>о</a:t>
-            </a:r>
-            <a:r>
-              <a:rPr lang="ru-RU" sz="2000" b="0" i="0" u="none" strike="noStrike" baseline="0" dirty="0">
-                <a:latin typeface="Times New Roman" panose="02020603050405020304" pitchFamily="18" charset="0"/>
-              </a:rPr>
-              <a:t>днопоточная программа показывает нестабильную работу на больших данных.</a:t>
-            </a:r>
-            <a:endParaRPr lang="ru-RU" sz="2000" dirty="0">
-              <a:latin typeface="Times New Roman" panose="02020603050405020304" pitchFamily="18" charset="0"/>
-              <a:cs typeface="Times New Roman" panose="02020603050405020304" pitchFamily="18" charset="0"/>
-            </a:endParaRPr>
-          </a:p>
-        </p:txBody>
-      </p:sp>
-      <p:sp>
-        <p:nvSpPr>
-          <p:cNvPr id="11" name="TextBox 10">
-            <a:extLst>
-              <a:ext uri="{FF2B5EF4-FFF2-40B4-BE49-F238E27FC236}">
-                <a16:creationId xmlns:a16="http://schemas.microsoft.com/office/drawing/2014/main" id="{CC44C7D7-5CF8-B4B0-413C-EE04B11C1BFE}"/>
-              </a:ext>
-            </a:extLst>
-          </p:cNvPr>
-          <p:cNvSpPr txBox="1"/>
-          <p:nvPr/>
-        </p:nvSpPr>
-        <p:spPr>
-          <a:xfrm>
-            <a:off x="6781800" y="4531441"/>
-            <a:ext cx="4782671" cy="1015663"/>
-          </a:xfrm>
-          <a:prstGeom prst="rect">
-            <a:avLst/>
-          </a:prstGeom>
-          <a:noFill/>
-        </p:spPr>
-        <p:txBody>
-          <a:bodyPr wrap="square">
-            <a:spAutoFit/>
-          </a:bodyPr>
-          <a:lstStyle/>
-          <a:p>
-            <a:r>
-              <a:rPr lang="ru-RU" sz="2000" dirty="0">
-                <a:solidFill>
-                  <a:srgbClr val="000000"/>
-                </a:solidFill>
-                <a:latin typeface="Times New Roman" panose="02020603050405020304" pitchFamily="18" charset="0"/>
-              </a:rPr>
-              <a:t>О</a:t>
-            </a:r>
-            <a:r>
-              <a:rPr lang="ru-RU" sz="2000" b="0" i="0" u="none" strike="noStrike" baseline="0" dirty="0">
-                <a:solidFill>
-                  <a:srgbClr val="000000"/>
-                </a:solidFill>
-                <a:latin typeface="Times New Roman" panose="02020603050405020304" pitchFamily="18" charset="0"/>
-              </a:rPr>
-              <a:t>перация подключения — одна из самых дорогостоящих (процесс подключения к БД занимает от 2 до 3 МБ). </a:t>
-            </a:r>
-            <a:endParaRPr lang="ru-RU" sz="2000" dirty="0"/>
-          </a:p>
-        </p:txBody>
-      </p:sp>
-    </p:spTree>
-    <p:extLst>
-      <p:ext uri="{BB962C8B-B14F-4D97-AF65-F5344CB8AC3E}">
-        <p14:creationId xmlns:p14="http://schemas.microsoft.com/office/powerpoint/2010/main" val="3963753601"/>
-      </p:ext>
-    </p:extLst>
-  </p:cSld>
-  <p:clrMapOvr>
-    <a:masterClrMapping/>
-  </p:clrMapOvr>
-  <p:extLst>
-    <p:ext uri="{6950BFC3-D8DA-4A85-94F7-54DA5524770B}">
-      <p188:commentRel xmlns:p188="http://schemas.microsoft.com/office/powerpoint/2018/8/main" r:id="rId2"/>
     </p:ext>
   </p:extLst>
 </p:sld>
@@ -10446,8 +10978,19 @@
                 <a:latin typeface="Times New Roman" panose="02020603050405020304" pitchFamily="18" charset="0"/>
                 <a:cs typeface="Times New Roman" panose="02020603050405020304" pitchFamily="18" charset="0"/>
               </a:rPr>
-              <a:t>Анализ предметной области</a:t>
-            </a:r>
+              <a:t>Создание соединения в </a:t>
+            </a:r>
+            <a:r>
+              <a:rPr lang="en-US" dirty="0">
+                <a:latin typeface="Times New Roman" panose="02020603050405020304" pitchFamily="18" charset="0"/>
+                <a:cs typeface="Times New Roman" panose="02020603050405020304" pitchFamily="18" charset="0"/>
+              </a:rPr>
+              <a:t>PostgreSQL</a:t>
+            </a:r>
+            <a:endParaRPr lang="ru-RU" dirty="0">
+              <a:latin typeface="Times New Roman" panose="02020603050405020304" pitchFamily="18" charset="0"/>
+              <a:cs typeface="Times New Roman" panose="02020603050405020304" pitchFamily="18" charset="0"/>
+            </a:endParaRPr>
           </a:p>
         </p:txBody>
       </p:sp>
@@ -11119,8 +11662,8 @@
         </p:nvSpPr>
         <p:spPr>
           <a:xfrm>
-            <a:off x="5681116" y="5664993"/>
-            <a:ext cx="6097656" cy="400110"/>
+            <a:off x="7145858" y="5578563"/>
+            <a:ext cx="2929484" cy="400110"/>
           </a:xfrm>
           <a:prstGeom prst="rect">
             <a:avLst/>
@@ -11190,22 +11733,81 @@
           <a:chExt cx="0" cy="0"/>
         </a:xfrm>
       </p:grpSpPr>
+      <p:sp>
+        <p:nvSpPr>
+          <p:cNvPr id="2" name="Заголовок 1"/>
+          <p:cNvSpPr>
+            <a:spLocks noGrp="1"/>
+          </p:cNvSpPr>
+          <p:nvPr>
+            <p:ph type="title"/>
+          </p:nvPr>
+        </p:nvSpPr>
+        <p:spPr/>
+        <p:txBody>
+          <a:bodyPr/>
+          <a:lstStyle/>
+          <a:p>
+            <a:r>
+              <a:rPr lang="ru-RU" dirty="0">
+                <a:latin typeface="Times New Roman" panose="02020603050405020304" pitchFamily="18" charset="0"/>
+                <a:cs typeface="Times New Roman" panose="02020603050405020304" pitchFamily="18" charset="0"/>
+              </a:rPr>
+              <a:t>Создание соединения в </a:t>
+            </a:r>
+            <a:r>
+              <a:rPr lang="en-US" dirty="0">
+                <a:latin typeface="Times New Roman" panose="02020603050405020304" pitchFamily="18" charset="0"/>
+                <a:cs typeface="Times New Roman" panose="02020603050405020304" pitchFamily="18" charset="0"/>
+              </a:rPr>
+              <a:t>PostgreSQL</a:t>
+            </a:r>
+            <a:endParaRPr lang="ru-RU" dirty="0">
+              <a:latin typeface="Times New Roman" panose="02020603050405020304" pitchFamily="18" charset="0"/>
+              <a:cs typeface="Times New Roman" panose="02020603050405020304" pitchFamily="18" charset="0"/>
+            </a:endParaRPr>
+          </a:p>
+        </p:txBody>
+      </p:sp>
+      <p:sp>
+        <p:nvSpPr>
+          <p:cNvPr id="6" name="Номер слайда 5"/>
+          <p:cNvSpPr>
+            <a:spLocks noGrp="1"/>
+          </p:cNvSpPr>
+          <p:nvPr>
+            <p:ph type="sldNum" sz="quarter" idx="12"/>
+          </p:nvPr>
+        </p:nvSpPr>
+        <p:spPr/>
+        <p:txBody>
+          <a:bodyPr/>
+          <a:lstStyle/>
+          <a:p>
+            <a:fld id="{5D15703D-96D9-4C94-B196-0ED7D1E8A93C}" type="slidenum">
+              <a:rPr lang="ru-RU" sz="1800" smtClean="0">
+                <a:latin typeface="Times New Roman" panose="02020603050405020304" pitchFamily="18" charset="0"/>
+                <a:cs typeface="Times New Roman" panose="02020603050405020304" pitchFamily="18" charset="0"/>
+              </a:rPr>
+              <a:t>5</a:t>
+            </a:fld>
+            <a:endParaRPr lang="ru-RU" sz="1800" dirty="0">
+              <a:latin typeface="Times New Roman" panose="02020603050405020304" pitchFamily="18" charset="0"/>
+              <a:cs typeface="Times New Roman" panose="02020603050405020304" pitchFamily="18" charset="0"/>
+            </a:endParaRPr>
+          </a:p>
+        </p:txBody>
+      </p:sp>
       <p:pic>
         <p:nvPicPr>
-          <p:cNvPr id="8" name="Рисунок 7">
-            <a:extLst>
-              <a:ext uri="{FF2B5EF4-FFF2-40B4-BE49-F238E27FC236}">
-                <a16:creationId xmlns:a16="http://schemas.microsoft.com/office/drawing/2014/main" id="{850EB269-C382-320B-505B-ED89F7C8CF7A}"/>
-              </a:ext>
-            </a:extLst>
-          </p:cNvPr>
+          <p:cNvPr id="3" name="Рисунок 2"/>
           <p:cNvPicPr>
             <a:picLocks noChangeAspect="1"/>
           </p:cNvPicPr>
           <p:nvPr/>
         </p:nvPicPr>
         <p:blipFill>
-          <a:blip r:embed="rId3" cstate="print">
+          <a:blip r:embed="rId3">
             <a:extLst>
               <a:ext uri="{28A0092B-C50C-407E-A947-70E740481C1C}">
                 <a14:useLocalDpi xmlns:a14="http://schemas.microsoft.com/office/drawing/2010/main" val="0"/>
@@ -11218,14 +11820,135 @@
         </p:blipFill>
         <p:spPr>
           <a:xfrm>
-            <a:off x="5334000" y="3141560"/>
-            <a:ext cx="6019800" cy="2873490"/>
+            <a:off x="734006" y="2599465"/>
+            <a:ext cx="5390194" cy="2982568"/>
           </a:xfrm>
           <a:prstGeom prst="rect">
             <a:avLst/>
           </a:prstGeom>
         </p:spPr>
       </p:pic>
+      <p:sp>
+        <p:nvSpPr>
+          <p:cNvPr id="9" name="TextBox 8">
+            <a:extLst>
+              <a:ext uri="{FF2B5EF4-FFF2-40B4-BE49-F238E27FC236}">
+                <a16:creationId xmlns:a16="http://schemas.microsoft.com/office/drawing/2014/main" id="{9E5F91C8-1630-0A30-D6C3-D893611D08C9}"/>
+              </a:ext>
+            </a:extLst>
+          </p:cNvPr>
+          <p:cNvSpPr txBox="1"/>
+          <p:nvPr/>
+        </p:nvSpPr>
+        <p:spPr>
+          <a:xfrm>
+            <a:off x="1750898" y="1746198"/>
+            <a:ext cx="2929484" cy="400110"/>
+          </a:xfrm>
+          <a:prstGeom prst="rect">
+            <a:avLst/>
+          </a:prstGeom>
+          <a:noFill/>
+        </p:spPr>
+        <p:txBody>
+          <a:bodyPr wrap="square">
+            <a:spAutoFit/>
+          </a:bodyPr>
+          <a:lstStyle/>
+          <a:p>
+            <a:pPr algn="ctr"/>
+            <a:r>
+              <a:rPr lang="ru-RU" sz="2000" u="sng" dirty="0">
+                <a:latin typeface="Times New Roman" panose="02020603050405020304" pitchFamily="18" charset="0"/>
+                <a:cs typeface="Times New Roman" panose="02020603050405020304" pitchFamily="18" charset="0"/>
+              </a:rPr>
+              <a:t>Архитектура </a:t>
+            </a:r>
+            <a:r>
+              <a:rPr lang="en-US" sz="2000" u="sng" dirty="0">
+                <a:latin typeface="Times New Roman" panose="02020603050405020304" pitchFamily="18" charset="0"/>
+                <a:cs typeface="Times New Roman" panose="02020603050405020304" pitchFamily="18" charset="0"/>
+              </a:rPr>
+              <a:t>PostgreSQL</a:t>
+            </a:r>
+            <a:endParaRPr lang="ru-RU" sz="2000" u="sng" dirty="0">
+              <a:latin typeface="Times New Roman" panose="02020603050405020304" pitchFamily="18" charset="0"/>
+              <a:cs typeface="Times New Roman" panose="02020603050405020304" pitchFamily="18" charset="0"/>
+            </a:endParaRPr>
+          </a:p>
+        </p:txBody>
+      </p:sp>
+      <p:pic>
+        <p:nvPicPr>
+          <p:cNvPr id="11" name="Рисунок 10">
+            <a:extLst>
+              <a:ext uri="{FF2B5EF4-FFF2-40B4-BE49-F238E27FC236}">
+                <a16:creationId xmlns:a16="http://schemas.microsoft.com/office/drawing/2014/main" id="{7FA3960F-4F69-07E7-2C6A-AF2F8C22E3E5}"/>
+              </a:ext>
+            </a:extLst>
+          </p:cNvPr>
+          <p:cNvPicPr>
+            <a:picLocks noChangeAspect="1"/>
+          </p:cNvPicPr>
+          <p:nvPr/>
+        </p:nvPicPr>
+        <p:blipFill>
+          <a:blip r:embed="rId4">
+            <a:extLst>
+              <a:ext uri="{28A0092B-C50C-407E-A947-70E740481C1C}">
+                <a14:useLocalDpi xmlns:a14="http://schemas.microsoft.com/office/drawing/2010/main" val="0"/>
+              </a:ext>
+            </a:extLst>
+          </a:blip>
+          <a:stretch>
+            <a:fillRect/>
+          </a:stretch>
+        </p:blipFill>
+        <p:spPr>
+          <a:xfrm>
+            <a:off x="6548866" y="2505525"/>
+            <a:ext cx="5471537" cy="3170447"/>
+          </a:xfrm>
+          <a:prstGeom prst="rect">
+            <a:avLst/>
+          </a:prstGeom>
+        </p:spPr>
+      </p:pic>
+    </p:spTree>
+    <p:extLst>
+      <p:ext uri="{BB962C8B-B14F-4D97-AF65-F5344CB8AC3E}">
+        <p14:creationId xmlns:p14="http://schemas.microsoft.com/office/powerpoint/2010/main" val="2304865587"/>
+      </p:ext>
+    </p:extLst>
+  </p:cSld>
+  <p:clrMapOvr>
+    <a:masterClrMapping/>
+  </p:clrMapOvr>
+  <p:extLst>
+    <p:ext uri="{6950BFC3-D8DA-4A85-94F7-54DA5524770B}">
+      <p188:commentRel xmlns:p188="http://schemas.microsoft.com/office/powerpoint/2018/8/main" r:id="rId2"/>
+    </p:ext>
+  </p:extLst>
+</p:sld>
+</file>
+
+<file path=ppt/slides/slide6.xml><?xml version="1.0" encoding="utf-8"?>
+<p:sld xmlns:a="http://schemas.openxmlformats.org/drawingml/2006/main" xmlns:r="http://schemas.openxmlformats.org/officeDocument/2006/relationships" xmlns:p="http://schemas.openxmlformats.org/presentationml/2006/main">
+  <p:cSld>
+    <p:spTree>
+      <p:nvGrpSpPr>
+        <p:cNvPr id="1" name=""/>
+        <p:cNvGrpSpPr/>
+        <p:nvPr/>
+      </p:nvGrpSpPr>
+      <p:grpSpPr>
+        <a:xfrm>
+          <a:off x="0" y="0"/>
+          <a:ext cx="0" cy="0"/>
+          <a:chOff x="0" y="0"/>
+          <a:chExt cx="0" cy="0"/>
+        </a:xfrm>
+      </p:grpSpPr>
       <p:sp>
         <p:nvSpPr>
           <p:cNvPr id="3" name="Номер слайда 2"/>
@@ -11246,7 +11969,7 @@
                 <a:latin typeface="Times New Roman" panose="02020603050405020304" pitchFamily="18" charset="0"/>
                 <a:cs typeface="Times New Roman" panose="02020603050405020304" pitchFamily="18" charset="0"/>
               </a:rPr>
-              <a:t>5</a:t>
+              <a:t>6</a:t>
             </a:fld>
             <a:endParaRPr lang="ru-RU" sz="1800" dirty="0">
               <a:latin typeface="Times New Roman" panose="02020603050405020304" pitchFamily="18" charset="0"/>
@@ -11296,7 +12019,7 @@
         </p:nvSpPr>
         <p:spPr>
           <a:xfrm>
-            <a:off x="838197" y="3978140"/>
+            <a:off x="530851" y="4151649"/>
             <a:ext cx="4495803" cy="1015663"/>
           </a:xfrm>
           <a:prstGeom prst="rect">
@@ -11433,7 +12156,7 @@
           <p:cNvPr id="10" name="TextBox 9">
             <a:extLst>
               <a:ext uri="{FF2B5EF4-FFF2-40B4-BE49-F238E27FC236}">
-                <a16:creationId xmlns:a16="http://schemas.microsoft.com/office/drawing/2014/main" id="{D3C3CB60-1E1E-A046-150E-42067403ECCB}"/>
+                <a16:creationId xmlns:a16="http://schemas.microsoft.com/office/drawing/2014/main" id="{F9C76975-635A-A524-340D-416584B6687C}"/>
               </a:ext>
             </a:extLst>
           </p:cNvPr>
@@ -11442,8 +12165,8 @@
         </p:nvSpPr>
         <p:spPr>
           <a:xfrm>
-            <a:off x="838197" y="2092375"/>
-            <a:ext cx="10206320" cy="1323439"/>
+            <a:off x="513076" y="2631391"/>
+            <a:ext cx="4296169" cy="1015663"/>
           </a:xfrm>
           <a:prstGeom prst="rect">
             <a:avLst/>
@@ -11457,29 +12180,368 @@
           <a:lstStyle/>
           <a:p>
             <a:r>
+              <a:rPr lang="ru-RU" sz="2000" b="0" i="0" u="none" strike="noStrike" baseline="0" dirty="0">
+                <a:solidFill>
+                  <a:srgbClr val="000000"/>
+                </a:solidFill>
+                <a:latin typeface="Times New Roman" panose="02020603050405020304" pitchFamily="18" charset="0"/>
+              </a:rPr>
+              <a:t>Особенно заметно повышение производительности, когда размер пула не превосходит числа потоков.</a:t>
+            </a:r>
+            <a:endParaRPr lang="ru-RU" sz="2000" dirty="0"/>
+          </a:p>
+        </p:txBody>
+      </p:sp>
+      <p:pic>
+        <p:nvPicPr>
+          <p:cNvPr id="5" name="Рисунок 4">
+            <a:extLst>
+              <a:ext uri="{FF2B5EF4-FFF2-40B4-BE49-F238E27FC236}">
+                <a16:creationId xmlns:a16="http://schemas.microsoft.com/office/drawing/2014/main" id="{4F298E40-1C88-69DC-DD91-E5FA1C9ACBA8}"/>
+              </a:ext>
+            </a:extLst>
+          </p:cNvPr>
+          <p:cNvPicPr>
+            <a:picLocks noChangeAspect="1"/>
+          </p:cNvPicPr>
+          <p:nvPr/>
+        </p:nvPicPr>
+        <p:blipFill>
+          <a:blip r:embed="rId3">
+            <a:extLst>
+              <a:ext uri="{28A0092B-C50C-407E-A947-70E740481C1C}">
+                <a14:useLocalDpi xmlns:a14="http://schemas.microsoft.com/office/drawing/2010/main" val="0"/>
+              </a:ext>
+            </a:extLst>
+          </a:blip>
+          <a:stretch>
+            <a:fillRect/>
+          </a:stretch>
+        </p:blipFill>
+        <p:spPr>
+          <a:xfrm>
+            <a:off x="5026654" y="2631391"/>
+            <a:ext cx="6327146" cy="3016374"/>
+          </a:xfrm>
+          <a:prstGeom prst="rect">
+            <a:avLst/>
+          </a:prstGeom>
+        </p:spPr>
+      </p:pic>
+    </p:spTree>
+    <p:extLst>
+      <p:ext uri="{BB962C8B-B14F-4D97-AF65-F5344CB8AC3E}">
+        <p14:creationId xmlns:p14="http://schemas.microsoft.com/office/powerpoint/2010/main" val="4131877176"/>
+      </p:ext>
+    </p:extLst>
+  </p:cSld>
+  <p:clrMapOvr>
+    <a:masterClrMapping/>
+  </p:clrMapOvr>
+  <p:extLst>
+    <p:ext uri="{6950BFC3-D8DA-4A85-94F7-54DA5524770B}">
+      <p188:commentRel xmlns:p188="http://schemas.microsoft.com/office/powerpoint/2018/8/main" r:id="rId2"/>
+    </p:ext>
+  </p:extLst>
+</p:sld>
+</file>
+
+<file path=ppt/slides/slide7.xml><?xml version="1.0" encoding="utf-8"?>
+<p:sld xmlns:a="http://schemas.openxmlformats.org/drawingml/2006/main" xmlns:r="http://schemas.openxmlformats.org/officeDocument/2006/relationships" xmlns:p="http://schemas.openxmlformats.org/presentationml/2006/main">
+  <p:cSld>
+    <p:spTree>
+      <p:nvGrpSpPr>
+        <p:cNvPr id="1" name=""/>
+        <p:cNvGrpSpPr/>
+        <p:nvPr/>
+      </p:nvGrpSpPr>
+      <p:grpSpPr>
+        <a:xfrm>
+          <a:off x="0" y="0"/>
+          <a:ext cx="0" cy="0"/>
+          <a:chOff x="0" y="0"/>
+          <a:chExt cx="0" cy="0"/>
+        </a:xfrm>
+      </p:grpSpPr>
+      <p:sp>
+        <p:nvSpPr>
+          <p:cNvPr id="3" name="Номер слайда 2"/>
+          <p:cNvSpPr>
+            <a:spLocks noGrp="1"/>
+          </p:cNvSpPr>
+          <p:nvPr>
+            <p:ph type="sldNum" sz="quarter" idx="12"/>
+          </p:nvPr>
+        </p:nvSpPr>
+        <p:spPr/>
+        <p:txBody>
+          <a:bodyPr/>
+          <a:lstStyle/>
+          <a:p>
+            <a:fld id="{5D15703D-96D9-4C94-B196-0ED7D1E8A93C}" type="slidenum">
+              <a:rPr lang="ru-RU" sz="1800" smtClean="0">
+                <a:latin typeface="Times New Roman" panose="02020603050405020304" pitchFamily="18" charset="0"/>
+                <a:cs typeface="Times New Roman" panose="02020603050405020304" pitchFamily="18" charset="0"/>
+              </a:rPr>
+              <a:t>7</a:t>
+            </a:fld>
+            <a:endParaRPr lang="ru-RU" sz="1800" dirty="0">
+              <a:latin typeface="Times New Roman" panose="02020603050405020304" pitchFamily="18" charset="0"/>
+              <a:cs typeface="Times New Roman" panose="02020603050405020304" pitchFamily="18" charset="0"/>
+            </a:endParaRPr>
+          </a:p>
+        </p:txBody>
+      </p:sp>
+      <p:sp>
+        <p:nvSpPr>
+          <p:cNvPr id="4" name="Заголовок 1"/>
+          <p:cNvSpPr>
+            <a:spLocks noGrp="1"/>
+          </p:cNvSpPr>
+          <p:nvPr>
+            <p:ph type="title"/>
+          </p:nvPr>
+        </p:nvSpPr>
+        <p:spPr/>
+        <p:txBody>
+          <a:bodyPr>
+            <a:normAutofit/>
+          </a:bodyPr>
+          <a:lstStyle/>
+          <a:p>
+            <a:r>
+              <a:rPr lang="ru-RU" dirty="0">
+                <a:latin typeface="Times New Roman" panose="02020603050405020304" pitchFamily="18" charset="0"/>
+                <a:cs typeface="Times New Roman" panose="02020603050405020304" pitchFamily="18" charset="0"/>
+              </a:rPr>
+              <a:t>Пул соединений</a:t>
+            </a:r>
+          </a:p>
+        </p:txBody>
+      </p:sp>
+      <p:sp>
+        <p:nvSpPr>
+          <p:cNvPr id="9" name="TextBox 8">
+            <a:extLst>
+              <a:ext uri="{FF2B5EF4-FFF2-40B4-BE49-F238E27FC236}">
+                <a16:creationId xmlns:a16="http://schemas.microsoft.com/office/drawing/2014/main" id="{E8CCC8F9-6D00-9191-8FF9-18D822A7379C}"/>
+              </a:ext>
+            </a:extLst>
+          </p:cNvPr>
+          <p:cNvSpPr txBox="1"/>
+          <p:nvPr/>
+        </p:nvSpPr>
+        <p:spPr>
+          <a:xfrm>
+            <a:off x="530851" y="4151649"/>
+            <a:ext cx="4495803" cy="1015663"/>
+          </a:xfrm>
+          <a:prstGeom prst="rect">
+            <a:avLst/>
+          </a:prstGeom>
+          <a:noFill/>
+        </p:spPr>
+        <p:txBody>
+          <a:bodyPr wrap="square">
+            <a:spAutoFit/>
+          </a:bodyPr>
+          <a:lstStyle/>
+          <a:p>
+            <a:pPr marL="285750" indent="-285750">
+              <a:buFont typeface="Arial" panose="020B0604020202020204" pitchFamily="34" charset="0"/>
+              <a:buChar char="•"/>
+            </a:pPr>
+            <a:r>
+              <a:rPr lang="ru-RU" sz="2000" b="1" dirty="0">
+                <a:solidFill>
+                  <a:srgbClr val="000000"/>
+                </a:solidFill>
+                <a:latin typeface="Times New Roman" panose="02020603050405020304" pitchFamily="18" charset="0"/>
+              </a:rPr>
+              <a:t>Встроенный пул</a:t>
+            </a:r>
+            <a:endParaRPr lang="en-US" sz="2000" b="1" i="0" u="none" strike="noStrike" baseline="0" dirty="0">
+              <a:solidFill>
+                <a:srgbClr val="000000"/>
+              </a:solidFill>
+              <a:latin typeface="Times New Roman" panose="02020603050405020304" pitchFamily="18" charset="0"/>
+            </a:endParaRPr>
+          </a:p>
+          <a:p>
+            <a:pPr marL="285750" indent="-285750">
+              <a:buFont typeface="Arial" panose="020B0604020202020204" pitchFamily="34" charset="0"/>
+              <a:buChar char="•"/>
+            </a:pPr>
+            <a:r>
+              <a:rPr lang="ru-RU" sz="2000" b="1" i="0" u="none" strike="noStrike" baseline="0" dirty="0">
+                <a:solidFill>
+                  <a:srgbClr val="000000"/>
+                </a:solidFill>
+                <a:latin typeface="Times New Roman" panose="02020603050405020304" pitchFamily="18" charset="0"/>
+              </a:rPr>
+              <a:t>Пул на основе </a:t>
+            </a:r>
+            <a:r>
+              <a:rPr lang="en-US" sz="2000" b="1" i="0" u="none" strike="noStrike" baseline="0" dirty="0">
+                <a:solidFill>
+                  <a:srgbClr val="000000"/>
+                </a:solidFill>
+                <a:latin typeface="Times New Roman" panose="02020603050405020304" pitchFamily="18" charset="0"/>
+              </a:rPr>
+              <a:t>libpq</a:t>
+            </a:r>
+            <a:endParaRPr lang="en-US" sz="2000" b="1" dirty="0">
+              <a:solidFill>
+                <a:srgbClr val="000000"/>
+              </a:solidFill>
+              <a:latin typeface="Times New Roman" panose="02020603050405020304" pitchFamily="18" charset="0"/>
+            </a:endParaRPr>
+          </a:p>
+          <a:p>
+            <a:pPr marL="285750" indent="-285750">
+              <a:buFont typeface="Arial" panose="020B0604020202020204" pitchFamily="34" charset="0"/>
+              <a:buChar char="•"/>
+            </a:pPr>
+            <a:r>
+              <a:rPr lang="ru-RU" sz="2000" b="1" i="0" u="none" strike="noStrike" baseline="0" dirty="0">
+                <a:solidFill>
+                  <a:srgbClr val="000000"/>
+                </a:solidFill>
+                <a:latin typeface="Times New Roman" panose="02020603050405020304" pitchFamily="18" charset="0"/>
+              </a:rPr>
+              <a:t>Пул в качестве внешней службы </a:t>
+            </a:r>
+            <a:endParaRPr lang="ru-RU" sz="2000" b="1" dirty="0"/>
+          </a:p>
+        </p:txBody>
+      </p:sp>
+      <p:sp>
+        <p:nvSpPr>
+          <p:cNvPr id="17" name="TextBox 16">
+            <a:extLst>
+              <a:ext uri="{FF2B5EF4-FFF2-40B4-BE49-F238E27FC236}">
+                <a16:creationId xmlns:a16="http://schemas.microsoft.com/office/drawing/2014/main" id="{50EDEBD6-9842-28F5-B19F-1E5B23FDC1EE}"/>
+              </a:ext>
+            </a:extLst>
+          </p:cNvPr>
+          <p:cNvSpPr txBox="1"/>
+          <p:nvPr/>
+        </p:nvSpPr>
+        <p:spPr>
+          <a:xfrm>
+            <a:off x="838197" y="1690688"/>
+            <a:ext cx="10206320" cy="400110"/>
+          </a:xfrm>
+          <a:prstGeom prst="rect">
+            <a:avLst/>
+          </a:prstGeom>
+          <a:noFill/>
+        </p:spPr>
+        <p:txBody>
+          <a:bodyPr wrap="square">
+            <a:spAutoFit/>
+          </a:bodyPr>
+          <a:lstStyle/>
+          <a:p>
+            <a:r>
+              <a:rPr lang="ru-RU" sz="2000" i="1" dirty="0">
+                <a:effectLst/>
+                <a:latin typeface="Times New Roman" panose="02020603050405020304" pitchFamily="18" charset="0"/>
+                <a:ea typeface="Noto Serif CJK SC"/>
+                <a:cs typeface="Lohit Devanagari"/>
+              </a:rPr>
+              <a:t>Пул соединений </a:t>
+            </a:r>
+            <a:r>
               <a:rPr lang="ru-RU" sz="2000" dirty="0">
                 <a:effectLst/>
                 <a:latin typeface="Times New Roman" panose="02020603050405020304" pitchFamily="18" charset="0"/>
                 <a:ea typeface="Noto Serif CJK SC"/>
                 <a:cs typeface="Lohit Devanagari"/>
               </a:rPr>
-              <a:t>Оптимизации процесса подключения к базе данных: многократное использование соединений. Особенно заметно повышение производительности, когда </a:t>
-            </a:r>
-            <a:r>
-              <a:rPr lang="ru-RU" sz="2000" dirty="0">
-                <a:latin typeface="Times New Roman" panose="02020603050405020304" pitchFamily="18" charset="0"/>
-                <a:ea typeface="Noto Serif CJK SC"/>
-                <a:cs typeface="Lohit Devanagari"/>
-              </a:rPr>
-              <a:t>размер пула не превосходит количества потоков.</a:t>
-            </a:r>
-            <a:endParaRPr lang="ru-RU" sz="2000" dirty="0"/>
-          </a:p>
-          <a:p>
+              <a:t>— набор открытых и готовых к использованию соединений с базой данных.  </a:t>
+            </a:r>
             <a:endParaRPr lang="ru-RU" sz="2000" dirty="0"/>
           </a:p>
         </p:txBody>
       </p:sp>
+      <p:sp>
+        <p:nvSpPr>
+          <p:cNvPr id="10" name="TextBox 9">
+            <a:extLst>
+              <a:ext uri="{FF2B5EF4-FFF2-40B4-BE49-F238E27FC236}">
+                <a16:creationId xmlns:a16="http://schemas.microsoft.com/office/drawing/2014/main" id="{F9C76975-635A-A524-340D-416584B6687C}"/>
+              </a:ext>
+            </a:extLst>
+          </p:cNvPr>
+          <p:cNvSpPr txBox="1"/>
+          <p:nvPr/>
+        </p:nvSpPr>
+        <p:spPr>
+          <a:xfrm>
+            <a:off x="513076" y="2631391"/>
+            <a:ext cx="4296169" cy="1015663"/>
+          </a:xfrm>
+          <a:prstGeom prst="rect">
+            <a:avLst/>
+          </a:prstGeom>
+          <a:noFill/>
+        </p:spPr>
+        <p:txBody>
+          <a:bodyPr wrap="square">
+            <a:spAutoFit/>
+          </a:bodyPr>
+          <a:lstStyle/>
+          <a:p>
+            <a:r>
+              <a:rPr lang="ru-RU" sz="2000" b="0" i="0" u="none" strike="noStrike" baseline="0" dirty="0">
+                <a:solidFill>
+                  <a:srgbClr val="000000"/>
+                </a:solidFill>
+                <a:latin typeface="Times New Roman" panose="02020603050405020304" pitchFamily="18" charset="0"/>
+              </a:rPr>
+              <a:t>Особенно заметно повышение производительности, когда размер пула не превосходит числа потоков.</a:t>
+            </a:r>
+            <a:endParaRPr lang="ru-RU" sz="2000" dirty="0"/>
+          </a:p>
+        </p:txBody>
+      </p:sp>
+      <p:pic>
+        <p:nvPicPr>
+          <p:cNvPr id="11" name="Рисунок 10">
+            <a:extLst>
+              <a:ext uri="{FF2B5EF4-FFF2-40B4-BE49-F238E27FC236}">
+                <a16:creationId xmlns:a16="http://schemas.microsoft.com/office/drawing/2014/main" id="{8B36E4DD-A638-3A7D-FD08-1638AB7F5024}"/>
+              </a:ext>
+            </a:extLst>
+          </p:cNvPr>
+          <p:cNvPicPr>
+            <a:picLocks noChangeAspect="1"/>
+          </p:cNvPicPr>
+          <p:nvPr/>
+        </p:nvPicPr>
+        <p:blipFill>
+          <a:blip r:embed="rId3">
+            <a:extLst>
+              <a:ext uri="{28A0092B-C50C-407E-A947-70E740481C1C}">
+                <a14:useLocalDpi xmlns:a14="http://schemas.microsoft.com/office/drawing/2010/main" val="0"/>
+              </a:ext>
+            </a:extLst>
+          </a:blip>
+          <a:stretch>
+            <a:fillRect/>
+          </a:stretch>
+        </p:blipFill>
+        <p:spPr>
+          <a:xfrm>
+            <a:off x="4809245" y="2327845"/>
+            <a:ext cx="7109290" cy="3647608"/>
+          </a:xfrm>
+          <a:prstGeom prst="rect">
+            <a:avLst/>
+          </a:prstGeom>
+        </p:spPr>
+      </p:pic>
     </p:spTree>
     <p:extLst>
       <p:ext uri="{BB962C8B-B14F-4D97-AF65-F5344CB8AC3E}">
@@ -11498,7 +12560,7 @@
 </p:sld>
 </file>
 
-<file path=ppt/slides/slide6.xml><?xml version="1.0" encoding="utf-8"?>
+<file path=ppt/slides/slide8.xml><?xml version="1.0" encoding="utf-8"?>
 <p:sld xmlns:a="http://schemas.openxmlformats.org/drawingml/2006/main" xmlns:r="http://schemas.openxmlformats.org/officeDocument/2006/relationships" xmlns:p="http://schemas.openxmlformats.org/presentationml/2006/main">
   <p:cSld>
     <p:spTree>
@@ -11565,7 +12627,7 @@
                 <a:latin typeface="Times New Roman" panose="02020603050405020304" pitchFamily="18" charset="0"/>
                 <a:cs typeface="Times New Roman" panose="02020603050405020304" pitchFamily="18" charset="0"/>
               </a:rPr>
-              <a:t>6</a:t>
+              <a:t>8</a:t>
             </a:fld>
             <a:endParaRPr lang="ru-RU" sz="1800" dirty="0">
               <a:latin typeface="Times New Roman" panose="02020603050405020304" pitchFamily="18" charset="0"/>
@@ -12384,462 +13446,6 @@
 </p:sld>
 </file>
 
-<file path=ppt/slides/slide7.xml><?xml version="1.0" encoding="utf-8"?>
-<p:sld xmlns:a="http://schemas.openxmlformats.org/drawingml/2006/main" xmlns:r="http://schemas.openxmlformats.org/officeDocument/2006/relationships" xmlns:p="http://schemas.openxmlformats.org/presentationml/2006/main">
-  <p:cSld>
-    <p:spTree>
-      <p:nvGrpSpPr>
-        <p:cNvPr id="1" name=""/>
-        <p:cNvGrpSpPr/>
-        <p:nvPr/>
-      </p:nvGrpSpPr>
-      <p:grpSpPr>
-        <a:xfrm>
-          <a:off x="0" y="0"/>
-          <a:ext cx="0" cy="0"/>
-          <a:chOff x="0" y="0"/>
-          <a:chExt cx="0" cy="0"/>
-        </a:xfrm>
-      </p:grpSpPr>
-      <p:sp>
-        <p:nvSpPr>
-          <p:cNvPr id="2" name="Заголовок 1"/>
-          <p:cNvSpPr>
-            <a:spLocks noGrp="1"/>
-          </p:cNvSpPr>
-          <p:nvPr>
-            <p:ph type="title"/>
-          </p:nvPr>
-        </p:nvSpPr>
-        <p:spPr/>
-        <p:txBody>
-          <a:bodyPr/>
-          <a:lstStyle/>
-          <a:p>
-            <a:r>
-              <a:rPr lang="ru-RU" dirty="0">
-                <a:latin typeface="Times New Roman" panose="02020603050405020304" pitchFamily="18" charset="0"/>
-                <a:cs typeface="Times New Roman" panose="02020603050405020304" pitchFamily="18" charset="0"/>
-              </a:rPr>
-              <a:t>Функциональная модель разрабатываемого программного комплекса</a:t>
-            </a:r>
-          </a:p>
-        </p:txBody>
-      </p:sp>
-      <p:sp>
-        <p:nvSpPr>
-          <p:cNvPr id="4" name="Номер слайда 3"/>
-          <p:cNvSpPr>
-            <a:spLocks noGrp="1"/>
-          </p:cNvSpPr>
-          <p:nvPr>
-            <p:ph type="sldNum" sz="quarter" idx="12"/>
-          </p:nvPr>
-        </p:nvSpPr>
-        <p:spPr/>
-        <p:txBody>
-          <a:bodyPr/>
-          <a:lstStyle/>
-          <a:p>
-            <a:fld id="{5D15703D-96D9-4C94-B196-0ED7D1E8A93C}" type="slidenum">
-              <a:rPr lang="ru-RU" sz="1800" smtClean="0">
-                <a:latin typeface="Times New Roman" panose="02020603050405020304" pitchFamily="18" charset="0"/>
-                <a:cs typeface="Times New Roman" panose="02020603050405020304" pitchFamily="18" charset="0"/>
-              </a:rPr>
-              <a:t>7</a:t>
-            </a:fld>
-            <a:endParaRPr lang="ru-RU" sz="1800" dirty="0">
-              <a:latin typeface="Times New Roman" panose="02020603050405020304" pitchFamily="18" charset="0"/>
-              <a:cs typeface="Times New Roman" panose="02020603050405020304" pitchFamily="18" charset="0"/>
-            </a:endParaRPr>
-          </a:p>
-        </p:txBody>
-      </p:sp>
-      <p:pic>
-        <p:nvPicPr>
-          <p:cNvPr id="5" name="Рисунок 4">
-            <a:extLst>
-              <a:ext uri="{FF2B5EF4-FFF2-40B4-BE49-F238E27FC236}">
-                <a16:creationId xmlns:a16="http://schemas.microsoft.com/office/drawing/2014/main" id="{DF4EA37F-5816-6921-7401-E900B8B2D2BA}"/>
-              </a:ext>
-            </a:extLst>
-          </p:cNvPr>
-          <p:cNvPicPr>
-            <a:picLocks noChangeAspect="1"/>
-          </p:cNvPicPr>
-          <p:nvPr/>
-        </p:nvPicPr>
-        <p:blipFill>
-          <a:blip r:embed="rId3" cstate="print">
-            <a:extLst>
-              <a:ext uri="{28A0092B-C50C-407E-A947-70E740481C1C}">
-                <a14:useLocalDpi xmlns:a14="http://schemas.microsoft.com/office/drawing/2010/main" val="0"/>
-              </a:ext>
-            </a:extLst>
-          </a:blip>
-          <a:stretch>
-            <a:fillRect/>
-          </a:stretch>
-        </p:blipFill>
-        <p:spPr>
-          <a:xfrm>
-            <a:off x="1161806" y="1736725"/>
-            <a:ext cx="9519536" cy="4802187"/>
-          </a:xfrm>
-          <a:prstGeom prst="rect">
-            <a:avLst/>
-          </a:prstGeom>
-        </p:spPr>
-      </p:pic>
-    </p:spTree>
-    <p:extLst>
-      <p:ext uri="{BB962C8B-B14F-4D97-AF65-F5344CB8AC3E}">
-        <p14:creationId xmlns:p14="http://schemas.microsoft.com/office/powerpoint/2010/main" val="3515134166"/>
-      </p:ext>
-    </p:extLst>
-  </p:cSld>
-  <p:clrMapOvr>
-    <a:masterClrMapping/>
-  </p:clrMapOvr>
-  <p:extLst>
-    <p:ext uri="{6950BFC3-D8DA-4A85-94F7-54DA5524770B}">
-      <p188:commentRel xmlns:p188="http://schemas.microsoft.com/office/powerpoint/2018/8/main" r:id="rId2"/>
-    </p:ext>
-  </p:extLst>
-</p:sld>
-</file>
-
-<file path=ppt/slides/slide8.xml><?xml version="1.0" encoding="utf-8"?>
-<p:sld xmlns:a="http://schemas.openxmlformats.org/drawingml/2006/main" xmlns:r="http://schemas.openxmlformats.org/officeDocument/2006/relationships" xmlns:p="http://schemas.openxmlformats.org/presentationml/2006/main">
-  <p:cSld>
-    <p:spTree>
-      <p:nvGrpSpPr>
-        <p:cNvPr id="1" name=""/>
-        <p:cNvGrpSpPr/>
-        <p:nvPr/>
-      </p:nvGrpSpPr>
-      <p:grpSpPr>
-        <a:xfrm>
-          <a:off x="0" y="0"/>
-          <a:ext cx="0" cy="0"/>
-          <a:chOff x="0" y="0"/>
-          <a:chExt cx="0" cy="0"/>
-        </a:xfrm>
-      </p:grpSpPr>
-      <p:sp>
-        <p:nvSpPr>
-          <p:cNvPr id="2" name="Заголовок 1"/>
-          <p:cNvSpPr>
-            <a:spLocks noGrp="1"/>
-          </p:cNvSpPr>
-          <p:nvPr>
-            <p:ph type="title"/>
-          </p:nvPr>
-        </p:nvSpPr>
-        <p:spPr>
-          <a:xfrm>
-            <a:off x="210671" y="189713"/>
-            <a:ext cx="10515600" cy="1122252"/>
-          </a:xfrm>
-        </p:spPr>
-        <p:txBody>
-          <a:bodyPr>
-            <a:normAutofit/>
-          </a:bodyPr>
-          <a:lstStyle/>
-          <a:p>
-            <a:r>
-              <a:rPr lang="ru-RU" sz="3600" dirty="0">
-                <a:latin typeface="Times New Roman" panose="02020603050405020304" pitchFamily="18" charset="0"/>
-                <a:cs typeface="Times New Roman" panose="02020603050405020304" pitchFamily="18" charset="0"/>
-              </a:rPr>
-              <a:t>Формирование очереди команд и отправка серверу запроса из очереди</a:t>
-            </a:r>
-          </a:p>
-        </p:txBody>
-      </p:sp>
-      <p:sp>
-        <p:nvSpPr>
-          <p:cNvPr id="4" name="Номер слайда 3"/>
-          <p:cNvSpPr>
-            <a:spLocks noGrp="1"/>
-          </p:cNvSpPr>
-          <p:nvPr>
-            <p:ph type="sldNum" sz="quarter" idx="12"/>
-          </p:nvPr>
-        </p:nvSpPr>
-        <p:spPr/>
-        <p:txBody>
-          <a:bodyPr/>
-          <a:lstStyle/>
-          <a:p>
-            <a:fld id="{5D15703D-96D9-4C94-B196-0ED7D1E8A93C}" type="slidenum">
-              <a:rPr lang="ru-RU" sz="1800" smtClean="0">
-                <a:latin typeface="Times New Roman" panose="02020603050405020304" pitchFamily="18" charset="0"/>
-                <a:cs typeface="Times New Roman" panose="02020603050405020304" pitchFamily="18" charset="0"/>
-              </a:rPr>
-              <a:t>8</a:t>
-            </a:fld>
-            <a:endParaRPr lang="ru-RU" sz="1800" dirty="0">
-              <a:latin typeface="Times New Roman" panose="02020603050405020304" pitchFamily="18" charset="0"/>
-              <a:cs typeface="Times New Roman" panose="02020603050405020304" pitchFamily="18" charset="0"/>
-            </a:endParaRPr>
-          </a:p>
-        </p:txBody>
-      </p:sp>
-      <p:sp>
-        <p:nvSpPr>
-          <p:cNvPr id="8" name="TextBox 7">
-            <a:extLst>
-              <a:ext uri="{FF2B5EF4-FFF2-40B4-BE49-F238E27FC236}">
-                <a16:creationId xmlns:a16="http://schemas.microsoft.com/office/drawing/2014/main" id="{D54F2642-CED2-7AA0-A346-6A533FF6792B}"/>
-              </a:ext>
-            </a:extLst>
-          </p:cNvPr>
-          <p:cNvSpPr txBox="1"/>
-          <p:nvPr/>
-        </p:nvSpPr>
-        <p:spPr>
-          <a:xfrm>
-            <a:off x="6937513" y="1582800"/>
-            <a:ext cx="4993363" cy="1015663"/>
-          </a:xfrm>
-          <a:prstGeom prst="rect">
-            <a:avLst/>
-          </a:prstGeom>
-          <a:noFill/>
-        </p:spPr>
-        <p:txBody>
-          <a:bodyPr wrap="square" rtlCol="0">
-            <a:spAutoFit/>
-          </a:bodyPr>
-          <a:lstStyle/>
-          <a:p>
-            <a:r>
-              <a:rPr lang="ru-RU" sz="2000" dirty="0">
-                <a:latin typeface="Times New Roman" panose="02020603050405020304" pitchFamily="18" charset="0"/>
-                <a:cs typeface="Times New Roman" panose="02020603050405020304" pitchFamily="18" charset="0"/>
-              </a:rPr>
-              <a:t>Для каждого соединения определен выходной буфер данных, которые еще не были отправлены на сервер.</a:t>
-            </a:r>
-          </a:p>
-        </p:txBody>
-      </p:sp>
-      <p:sp>
-        <p:nvSpPr>
-          <p:cNvPr id="9" name="TextBox 8">
-            <a:extLst>
-              <a:ext uri="{FF2B5EF4-FFF2-40B4-BE49-F238E27FC236}">
-                <a16:creationId xmlns:a16="http://schemas.microsoft.com/office/drawing/2014/main" id="{18BA6212-B213-6B23-1A66-0037CE577FF7}"/>
-              </a:ext>
-            </a:extLst>
-          </p:cNvPr>
-          <p:cNvSpPr txBox="1"/>
-          <p:nvPr/>
-        </p:nvSpPr>
-        <p:spPr>
-          <a:xfrm>
-            <a:off x="6937513" y="4377825"/>
-            <a:ext cx="5146911" cy="1323439"/>
-          </a:xfrm>
-          <a:prstGeom prst="rect">
-            <a:avLst/>
-          </a:prstGeom>
-          <a:noFill/>
-        </p:spPr>
-        <p:txBody>
-          <a:bodyPr wrap="square" rtlCol="0">
-            <a:spAutoFit/>
-          </a:bodyPr>
-          <a:lstStyle/>
-          <a:p>
-            <a:r>
-              <a:rPr lang="ru-RU" sz="2000" dirty="0">
-                <a:effectLst/>
-                <a:latin typeface="Times New Roman" panose="02020603050405020304" pitchFamily="18" charset="0"/>
-                <a:ea typeface="Noto Serif CJK SC"/>
-                <a:cs typeface="Lohit Devanagari"/>
-              </a:rPr>
-              <a:t>Отправка сообщения:</a:t>
-            </a:r>
-          </a:p>
-          <a:p>
-            <a:pPr marL="285750" indent="-285750">
-              <a:buFont typeface="Arial" panose="020B0604020202020204" pitchFamily="34" charset="0"/>
-              <a:buChar char="•"/>
-            </a:pPr>
-            <a:r>
-              <a:rPr lang="ru-RU" sz="2000" dirty="0">
-                <a:effectLst/>
-                <a:latin typeface="Times New Roman" panose="02020603050405020304" pitchFamily="18" charset="0"/>
-                <a:ea typeface="Noto Serif CJK SC"/>
-                <a:cs typeface="Lohit Devanagari"/>
-              </a:rPr>
-              <a:t>размер выходного буфера </a:t>
-            </a:r>
-            <a:r>
-              <a:rPr lang="ru-RU" sz="2000" dirty="0">
-                <a:latin typeface="Times New Roman" panose="02020603050405020304" pitchFamily="18" charset="0"/>
-                <a:ea typeface="Noto Serif CJK SC"/>
-                <a:cs typeface="Lohit Devanagari"/>
-              </a:rPr>
-              <a:t>достиг 8 Кб </a:t>
-            </a:r>
-            <a:r>
-              <a:rPr lang="ru-RU" sz="2000" dirty="0">
-                <a:effectLst/>
-                <a:latin typeface="Times New Roman" panose="02020603050405020304" pitchFamily="18" charset="0"/>
-                <a:ea typeface="Noto Serif CJK SC"/>
-                <a:cs typeface="Lohit Devanagari"/>
-              </a:rPr>
-              <a:t>(</a:t>
-            </a:r>
-            <a:r>
-              <a:rPr lang="ru-RU" sz="2000" dirty="0">
-                <a:latin typeface="Times New Roman" panose="02020603050405020304" pitchFamily="18" charset="0"/>
-                <a:ea typeface="Noto Serif CJK SC"/>
-                <a:cs typeface="Lohit Devanagari"/>
-              </a:rPr>
-              <a:t>исключает отправку маленьких пакетов</a:t>
-            </a:r>
-            <a:r>
-              <a:rPr lang="ru-RU" sz="2000" dirty="0">
-                <a:effectLst/>
-                <a:latin typeface="Times New Roman" panose="02020603050405020304" pitchFamily="18" charset="0"/>
-                <a:ea typeface="Noto Serif CJK SC"/>
-                <a:cs typeface="Lohit Devanagari"/>
-              </a:rPr>
-              <a:t>);</a:t>
-            </a:r>
-          </a:p>
-          <a:p>
-            <a:pPr marL="285750" indent="-285750">
-              <a:buFont typeface="Arial" panose="020B0604020202020204" pitchFamily="34" charset="0"/>
-              <a:buChar char="•"/>
-            </a:pPr>
-            <a:r>
-              <a:rPr lang="ru-RU" sz="2000" dirty="0">
-                <a:latin typeface="Times New Roman" panose="02020603050405020304" pitchFamily="18" charset="0"/>
-                <a:ea typeface="Noto Serif CJK SC"/>
-                <a:cs typeface="Lohit Devanagari"/>
-              </a:rPr>
-              <a:t>была вызвана функция </a:t>
-            </a:r>
-            <a:r>
-              <a:rPr lang="en-US" sz="2000" i="1" dirty="0">
-                <a:latin typeface="Times New Roman" panose="02020603050405020304" pitchFamily="18" charset="0"/>
-                <a:ea typeface="Noto Serif CJK SC"/>
-                <a:cs typeface="Lohit Devanagari"/>
-              </a:rPr>
-              <a:t>fflush()</a:t>
-            </a:r>
-            <a:r>
-              <a:rPr lang="ru-RU" sz="2000" dirty="0">
-                <a:effectLst/>
-                <a:latin typeface="Times New Roman" panose="02020603050405020304" pitchFamily="18" charset="0"/>
-                <a:ea typeface="Noto Serif CJK SC"/>
-                <a:cs typeface="Lohit Devanagari"/>
-              </a:rPr>
-              <a:t>. </a:t>
-            </a:r>
-          </a:p>
-        </p:txBody>
-      </p:sp>
-      <p:pic>
-        <p:nvPicPr>
-          <p:cNvPr id="10" name="Рисунок 9">
-            <a:extLst>
-              <a:ext uri="{FF2B5EF4-FFF2-40B4-BE49-F238E27FC236}">
-                <a16:creationId xmlns:a16="http://schemas.microsoft.com/office/drawing/2014/main" id="{3FEB745E-7155-1A52-5B94-94CDA90D95DD}"/>
-              </a:ext>
-            </a:extLst>
-          </p:cNvPr>
-          <p:cNvPicPr>
-            <a:picLocks noChangeAspect="1"/>
-          </p:cNvPicPr>
-          <p:nvPr/>
-        </p:nvPicPr>
-        <p:blipFill>
-          <a:blip r:embed="rId3" cstate="print">
-            <a:extLst>
-              <a:ext uri="{28A0092B-C50C-407E-A947-70E740481C1C}">
-                <a14:useLocalDpi xmlns:a14="http://schemas.microsoft.com/office/drawing/2010/main" val="0"/>
-              </a:ext>
-            </a:extLst>
-          </a:blip>
-          <a:srcRect/>
-          <a:stretch>
-            <a:fillRect/>
-          </a:stretch>
-        </p:blipFill>
-        <p:spPr bwMode="auto">
-          <a:xfrm>
-            <a:off x="8268016" y="2869299"/>
-            <a:ext cx="2332355" cy="853440"/>
-          </a:xfrm>
-          <a:prstGeom prst="rect">
-            <a:avLst/>
-          </a:prstGeom>
-          <a:noFill/>
-          <a:ln>
-            <a:noFill/>
-          </a:ln>
-        </p:spPr>
-      </p:pic>
-      <p:pic>
-        <p:nvPicPr>
-          <p:cNvPr id="5" name="Рисунок 4">
-            <a:extLst>
-              <a:ext uri="{FF2B5EF4-FFF2-40B4-BE49-F238E27FC236}">
-                <a16:creationId xmlns:a16="http://schemas.microsoft.com/office/drawing/2014/main" id="{10E9A07C-1763-9B2A-A116-E0082E62462E}"/>
-              </a:ext>
-            </a:extLst>
-          </p:cNvPr>
-          <p:cNvPicPr>
-            <a:picLocks noChangeAspect="1"/>
-          </p:cNvPicPr>
-          <p:nvPr/>
-        </p:nvPicPr>
-        <p:blipFill>
-          <a:blip r:embed="rId4" cstate="print">
-            <a:extLst>
-              <a:ext uri="{28A0092B-C50C-407E-A947-70E740481C1C}">
-                <a14:useLocalDpi xmlns:a14="http://schemas.microsoft.com/office/drawing/2010/main" val="0"/>
-              </a:ext>
-            </a:extLst>
-          </a:blip>
-          <a:stretch>
-            <a:fillRect/>
-          </a:stretch>
-        </p:blipFill>
-        <p:spPr>
-          <a:xfrm>
-            <a:off x="107576" y="1582800"/>
-            <a:ext cx="6592198" cy="4773550"/>
-          </a:xfrm>
-          <a:prstGeom prst="rect">
-            <a:avLst/>
-          </a:prstGeom>
-        </p:spPr>
-      </p:pic>
-    </p:spTree>
-    <p:extLst>
-      <p:ext uri="{BB962C8B-B14F-4D97-AF65-F5344CB8AC3E}">
-        <p14:creationId xmlns:p14="http://schemas.microsoft.com/office/powerpoint/2010/main" val="2402547047"/>
-      </p:ext>
-    </p:extLst>
-  </p:cSld>
-  <p:clrMapOvr>
-    <a:masterClrMapping/>
-  </p:clrMapOvr>
-  <p:extLst>
-    <p:ext uri="{6950BFC3-D8DA-4A85-94F7-54DA5524770B}">
-      <p188:commentRel xmlns:p188="http://schemas.microsoft.com/office/powerpoint/2018/8/main" r:id="rId2"/>
-    </p:ext>
-  </p:extLst>
-</p:sld>
-</file>
-
 <file path=ppt/slides/slide9.xml><?xml version="1.0" encoding="utf-8"?>
 <p:sld xmlns:a="http://schemas.openxmlformats.org/drawingml/2006/main" xmlns:r="http://schemas.openxmlformats.org/officeDocument/2006/relationships" xmlns:p="http://schemas.openxmlformats.org/presentationml/2006/main">
   <p:cSld>
@@ -12869,7 +13475,7 @@
         </p:nvSpPr>
         <p:spPr>
           <a:xfrm>
-            <a:off x="475713" y="-4316"/>
+            <a:off x="838200" y="365125"/>
             <a:ext cx="10515600" cy="1325563"/>
           </a:xfrm>
         </p:spPr>
@@ -12880,11 +13486,11 @@
           <a:lstStyle/>
           <a:p>
             <a:r>
-              <a:rPr lang="ru-RU" sz="4000" dirty="0">
+              <a:rPr lang="ru-RU" dirty="0">
                 <a:latin typeface="Times New Roman" panose="02020603050405020304" pitchFamily="18" charset="0"/>
                 <a:cs typeface="Times New Roman" panose="02020603050405020304" pitchFamily="18" charset="0"/>
               </a:rPr>
-              <a:t>Получение сообщения от сервера</a:t>
+              <a:t>Функциональная диаграмма разрабатываемого метода</a:t>
             </a:r>
           </a:p>
         </p:txBody>
@@ -12923,7 +13529,7 @@
           <p:cNvPr id="6" name="Рисунок 5">
             <a:extLst>
               <a:ext uri="{FF2B5EF4-FFF2-40B4-BE49-F238E27FC236}">
-                <a16:creationId xmlns:a16="http://schemas.microsoft.com/office/drawing/2014/main" id="{9764A5E6-EFEE-BD7B-5E40-C545A4F48557}"/>
+                <a16:creationId xmlns:a16="http://schemas.microsoft.com/office/drawing/2014/main" id="{83BD322C-1E86-ED18-DF10-AF5DB9F9C2BF}"/>
               </a:ext>
             </a:extLst>
           </p:cNvPr>
@@ -12933,7 +13539,7 @@
           <p:nvPr/>
         </p:nvPicPr>
         <p:blipFill>
-          <a:blip r:embed="rId3" cstate="print">
+          <a:blip r:embed="rId3">
             <a:extLst>
               <a:ext uri="{28A0092B-C50C-407E-A947-70E740481C1C}">
                 <a14:useLocalDpi xmlns:a14="http://schemas.microsoft.com/office/drawing/2010/main" val="0"/>
@@ -12946,8 +13552,8 @@
         </p:blipFill>
         <p:spPr>
           <a:xfrm>
-            <a:off x="881611" y="1534077"/>
-            <a:ext cx="10853772" cy="4459770"/>
+            <a:off x="1487434" y="1913123"/>
+            <a:ext cx="8924220" cy="4579752"/>
           </a:xfrm>
           <a:prstGeom prst="rect">
             <a:avLst/>
@@ -12957,7 +13563,7 @@
     </p:spTree>
     <p:extLst>
       <p:ext uri="{BB962C8B-B14F-4D97-AF65-F5344CB8AC3E}">
-        <p14:creationId xmlns:p14="http://schemas.microsoft.com/office/powerpoint/2010/main" val="4202505179"/>
+        <p14:creationId xmlns:p14="http://schemas.microsoft.com/office/powerpoint/2010/main" val="3515134166"/>
       </p:ext>
     </p:extLst>
   </p:cSld>

--- a/Презентация.pptx
+++ b/Презентация.pptx
@@ -5,26 +5,24 @@
     <p:sldMasterId id="2147483648" r:id="rId1"/>
   </p:sldMasterIdLst>
   <p:notesMasterIdLst>
-    <p:notesMasterId r:id="rId19"/>
+    <p:notesMasterId r:id="rId17"/>
   </p:notesMasterIdLst>
   <p:sldIdLst>
     <p:sldId id="256" r:id="rId2"/>
-    <p:sldId id="262" r:id="rId3"/>
-    <p:sldId id="257" r:id="rId4"/>
-    <p:sldId id="259" r:id="rId5"/>
-    <p:sldId id="278" r:id="rId6"/>
-    <p:sldId id="279" r:id="rId7"/>
-    <p:sldId id="264" r:id="rId8"/>
-    <p:sldId id="261" r:id="rId9"/>
-    <p:sldId id="273" r:id="rId10"/>
-    <p:sldId id="266" r:id="rId11"/>
-    <p:sldId id="277" r:id="rId12"/>
-    <p:sldId id="274" r:id="rId13"/>
-    <p:sldId id="267" r:id="rId14"/>
-    <p:sldId id="268" r:id="rId15"/>
-    <p:sldId id="269" r:id="rId16"/>
-    <p:sldId id="270" r:id="rId17"/>
-    <p:sldId id="271" r:id="rId18"/>
+    <p:sldId id="257" r:id="rId3"/>
+    <p:sldId id="262" r:id="rId4"/>
+    <p:sldId id="278" r:id="rId5"/>
+    <p:sldId id="264" r:id="rId6"/>
+    <p:sldId id="261" r:id="rId7"/>
+    <p:sldId id="273" r:id="rId8"/>
+    <p:sldId id="266" r:id="rId9"/>
+    <p:sldId id="277" r:id="rId10"/>
+    <p:sldId id="274" r:id="rId11"/>
+    <p:sldId id="267" r:id="rId12"/>
+    <p:sldId id="268" r:id="rId13"/>
+    <p:sldId id="269" r:id="rId14"/>
+    <p:sldId id="270" r:id="rId15"/>
+    <p:sldId id="271" r:id="rId16"/>
   </p:sldIdLst>
   <p:sldSz cx="12192000" cy="6858000"/>
   <p:notesSz cx="6858000" cy="9144000"/>
@@ -152,6 +150,45 @@
 <file path=ppt/changesInfos/changesInfo1.xml><?xml version="1.0" encoding="utf-8"?>
 <pc:chgInfo xmlns:a="http://schemas.openxmlformats.org/drawingml/2006/main" xmlns:r="http://schemas.openxmlformats.org/officeDocument/2006/relationships" xmlns:ac="http://schemas.microsoft.com/office/drawing/2013/main/command" xmlns:pc="http://schemas.microsoft.com/office/powerpoint/2013/main/command">
   <pc:docChgLst>
+    <pc:chgData name="Ольга Платонова" userId="b7a68a3ec46e1b54" providerId="LiveId" clId="{69C37FF1-3A42-438E-A961-1DE13AE723BC}"/>
+    <pc:docChg chg="undo custSel modSld">
+      <pc:chgData name="Ольга Платонова" userId="b7a68a3ec46e1b54" providerId="LiveId" clId="{69C37FF1-3A42-438E-A961-1DE13AE723BC}" dt="2022-04-03T09:45:50.826" v="12" actId="13822"/>
+      <pc:docMkLst>
+        <pc:docMk/>
+      </pc:docMkLst>
+      <pc:sldChg chg="modSp mod">
+        <pc:chgData name="Ольга Платонова" userId="b7a68a3ec46e1b54" providerId="LiveId" clId="{69C37FF1-3A42-438E-A961-1DE13AE723BC}" dt="2022-04-03T09:42:32.286" v="1" actId="20577"/>
+        <pc:sldMkLst>
+          <pc:docMk/>
+          <pc:sldMk cId="906348732" sldId="256"/>
+        </pc:sldMkLst>
+        <pc:spChg chg="mod">
+          <ac:chgData name="Ольга Платонова" userId="b7a68a3ec46e1b54" providerId="LiveId" clId="{69C37FF1-3A42-438E-A961-1DE13AE723BC}" dt="2022-04-03T09:42:32.286" v="1" actId="20577"/>
+          <ac:spMkLst>
+            <pc:docMk/>
+            <pc:sldMk cId="906348732" sldId="256"/>
+            <ac:spMk id="3" creationId="{00000000-0000-0000-0000-000000000000}"/>
+          </ac:spMkLst>
+        </pc:spChg>
+      </pc:sldChg>
+      <pc:sldChg chg="modSp mod addCm delCm">
+        <pc:chgData name="Ольга Платонова" userId="b7a68a3ec46e1b54" providerId="LiveId" clId="{69C37FF1-3A42-438E-A961-1DE13AE723BC}" dt="2022-04-03T09:45:50.826" v="12" actId="13822"/>
+        <pc:sldMkLst>
+          <pc:docMk/>
+          <pc:sldMk cId="3963753601" sldId="262"/>
+        </pc:sldMkLst>
+        <pc:graphicFrameChg chg="mod">
+          <ac:chgData name="Ольга Платонова" userId="b7a68a3ec46e1b54" providerId="LiveId" clId="{69C37FF1-3A42-438E-A961-1DE13AE723BC}" dt="2022-04-03T09:45:50.826" v="12" actId="13822"/>
+          <ac:graphicFrameMkLst>
+            <pc:docMk/>
+            <pc:sldMk cId="3963753601" sldId="262"/>
+            <ac:graphicFrameMk id="5" creationId="{00000000-0000-0000-0000-000000000000}"/>
+          </ac:graphicFrameMkLst>
+        </pc:graphicFrameChg>
+      </pc:sldChg>
+    </pc:docChg>
+  </pc:docChgLst>
+  <pc:docChgLst>
     <pc:chgData name="Ольга Платонова" userId="b7a68a3ec46e1b54" providerId="LiveId" clId="{1F07ACF5-96D4-4BB6-B0A8-48BFF323F040}"/>
     <pc:docChg chg="undo redo custSel addSld delSld modSld sldOrd">
       <pc:chgData name="Ольга Платонова" userId="b7a68a3ec46e1b54" providerId="LiveId" clId="{1F07ACF5-96D4-4BB6-B0A8-48BFF323F040}" dt="2022-06-01T00:11:50.906" v="8628" actId="20577"/>
@@ -1874,45 +1911,6 @@
             <ac:picMk id="7" creationId="{72D8108E-E744-A31B-C515-4C9A34EF76D5}"/>
           </ac:picMkLst>
         </pc:picChg>
-      </pc:sldChg>
-    </pc:docChg>
-  </pc:docChgLst>
-  <pc:docChgLst>
-    <pc:chgData name="Ольга Платонова" userId="b7a68a3ec46e1b54" providerId="LiveId" clId="{69C37FF1-3A42-438E-A961-1DE13AE723BC}"/>
-    <pc:docChg chg="undo custSel modSld">
-      <pc:chgData name="Ольга Платонова" userId="b7a68a3ec46e1b54" providerId="LiveId" clId="{69C37FF1-3A42-438E-A961-1DE13AE723BC}" dt="2022-04-03T09:45:50.826" v="12" actId="13822"/>
-      <pc:docMkLst>
-        <pc:docMk/>
-      </pc:docMkLst>
-      <pc:sldChg chg="modSp mod">
-        <pc:chgData name="Ольга Платонова" userId="b7a68a3ec46e1b54" providerId="LiveId" clId="{69C37FF1-3A42-438E-A961-1DE13AE723BC}" dt="2022-04-03T09:42:32.286" v="1" actId="20577"/>
-        <pc:sldMkLst>
-          <pc:docMk/>
-          <pc:sldMk cId="906348732" sldId="256"/>
-        </pc:sldMkLst>
-        <pc:spChg chg="mod">
-          <ac:chgData name="Ольга Платонова" userId="b7a68a3ec46e1b54" providerId="LiveId" clId="{69C37FF1-3A42-438E-A961-1DE13AE723BC}" dt="2022-04-03T09:42:32.286" v="1" actId="20577"/>
-          <ac:spMkLst>
-            <pc:docMk/>
-            <pc:sldMk cId="906348732" sldId="256"/>
-            <ac:spMk id="3" creationId="{00000000-0000-0000-0000-000000000000}"/>
-          </ac:spMkLst>
-        </pc:spChg>
-      </pc:sldChg>
-      <pc:sldChg chg="modSp mod addCm delCm">
-        <pc:chgData name="Ольга Платонова" userId="b7a68a3ec46e1b54" providerId="LiveId" clId="{69C37FF1-3A42-438E-A961-1DE13AE723BC}" dt="2022-04-03T09:45:50.826" v="12" actId="13822"/>
-        <pc:sldMkLst>
-          <pc:docMk/>
-          <pc:sldMk cId="3963753601" sldId="262"/>
-        </pc:sldMkLst>
-        <pc:graphicFrameChg chg="mod">
-          <ac:chgData name="Ольга Платонова" userId="b7a68a3ec46e1b54" providerId="LiveId" clId="{69C37FF1-3A42-438E-A961-1DE13AE723BC}" dt="2022-04-03T09:45:50.826" v="12" actId="13822"/>
-          <ac:graphicFrameMkLst>
-            <pc:docMk/>
-            <pc:sldMk cId="3963753601" sldId="262"/>
-            <ac:graphicFrameMk id="5" creationId="{00000000-0000-0000-0000-000000000000}"/>
-          </ac:graphicFrameMkLst>
-        </pc:graphicFrameChg>
       </pc:sldChg>
     </pc:docChg>
   </pc:docChgLst>
@@ -4441,47 +4439,6 @@
 </p188:cmLst>
 </file>
 
-<file path=ppt/comments/modernComment_103_F6277FBB.xml><?xml version="1.0" encoding="utf-8"?>
-<p188:cmLst xmlns:a="http://schemas.openxmlformats.org/drawingml/2006/main" xmlns:r="http://schemas.openxmlformats.org/officeDocument/2006/relationships" xmlns:p188="http://schemas.microsoft.com/office/powerpoint/2018/8/main">
-  <p188:cm id="{89D19455-D17B-44BF-AE11-A8FD55D41C6C}" authorId="{99D91DC6-B35E-39E1-38EA-D7F57AE5A1C9}" created="2022-05-28T23:37:22.011">
-    <pc:sldMkLst xmlns:pc="http://schemas.microsoft.com/office/powerpoint/2013/main/command">
-      <pc:docMk/>
-      <pc:sldMk cId="4129783739" sldId="259"/>
-    </pc:sldMkLst>
-    <p188:txBody>
-      <a:bodyPr/>
-      <a:lstStyle/>
-      <a:p>
-        <a:r>
-          <a:rPr lang="ru-RU"/>
-          <a:t>Данная работа будет основываться на объектно-реляционной СУБД PostgreSQL 14-ой версии, занимающей 4-ое место в рейтинге СУБД на начало 22го года. Выбор аргументирован такими преимуществами как доступность исходного кода и кроссплатформенность.
-PostgreSQL содержит инструменты для реализации многопоточности. Однако, обратившись к документации, можно выделить следующее ограничение: «параллельное выполнение команд из разных потоков через один объект соединения недопустимо»</a:t>
-        </a:r>
-      </a:p>
-    </p188:txBody>
-  </p188:cm>
-  <p188:cm id="{09628802-901E-4EAA-88AF-74D0C2D508A2}" authorId="{99D91DC6-B35E-39E1-38EA-D7F57AE5A1C9}" created="2022-05-28T23:37:36.671">
-    <pc:sldMkLst xmlns:pc="http://schemas.microsoft.com/office/powerpoint/2013/main/command">
-      <pc:docMk/>
-      <pc:sldMk cId="4129783739" sldId="259"/>
-    </pc:sldMkLst>
-    <p188:txBody>
-      <a:bodyPr/>
-      <a:lstStyle/>
-      <a:p>
-        <a:r>
-          <a:rPr lang="ru-RU"/>
-          <a:t>Одной из наиболее сильных сторон PostgreSQL является архитектура, основанная на модели «клиент-сервер». Выделяют 3 основные подсистемы: клиентская часть, серверная часть и хранилище данных.
-Клиентская часть состоит из пользовательского приложения и библиотеки libpq. Данная библиотека содержит набор функций, с помощью которых создается соединение с сервером.
-Соединение принимается процессом-демоном postmaster, который в дальнейшем с помощью системного вызова fork() создаст новый процесс Postgres для обслуживания данного соединения, а также ряд служебных процессов.
-Третья часть сформирована из хранилища данных и средств его управления.</a:t>
-        </a:r>
-      </a:p>
-    </p188:txBody>
-  </p188:cm>
-</p188:cmLst>
-</file>
-
 <file path=ppt/comments/modernComment_105_2B3E4EA9.xml><?xml version="1.0" encoding="utf-8"?>
 <p188:cmLst xmlns:a="http://schemas.openxmlformats.org/drawingml/2006/main" xmlns:r="http://schemas.openxmlformats.org/officeDocument/2006/relationships" xmlns:p188="http://schemas.microsoft.com/office/powerpoint/2018/8/main">
   <p188:cm id="{51436C27-36BA-4159-9EF0-BB56728BF454}" authorId="{99D91DC6-B35E-39E1-38EA-D7F57AE5A1C9}" created="2022-05-29T00:06:10.356">
@@ -4658,6 +4615,22 @@
       </a:p>
     </p188:txBody>
   </p188:cm>
+  <p188:cm id="{CA90D9A1-1D59-4BA3-96AF-A98B92F5ACD8}" authorId="{99D91DC6-B35E-39E1-38EA-D7F57AE5A1C9}" created="2022-06-01T09:40:56.283">
+    <pc:sldMkLst xmlns:pc="http://schemas.microsoft.com/office/powerpoint/2013/main/command">
+      <pc:docMk/>
+      <pc:sldMk cId="3515134166" sldId="273"/>
+    </pc:sldMkLst>
+    <p188:txBody>
+      <a:bodyPr/>
+      <a:lstStyle/>
+      <a:p>
+        <a:r>
+          <a:rPr lang="ru-RU"/>
+          <a:t>Документация - стандарт</a:t>
+        </a:r>
+      </a:p>
+    </p188:txBody>
+  </p188:cm>
 </p188:cmLst>
 </file>
 
@@ -4746,28 +4719,6 @@
 </p188:cmLst>
 </file>
 
-<file path=ppt/comments/modernComment_117_F6477138.xml><?xml version="1.0" encoding="utf-8"?>
-<p188:cmLst xmlns:a="http://schemas.openxmlformats.org/drawingml/2006/main" xmlns:r="http://schemas.openxmlformats.org/officeDocument/2006/relationships" xmlns:p188="http://schemas.microsoft.com/office/powerpoint/2018/8/main">
-  <p188:cm id="{95C7A5C7-EB3E-4CB8-A8C6-ECBBD5CB0D62}" authorId="{99D91DC6-B35E-39E1-38EA-D7F57AE5A1C9}" created="2022-05-29T00:05:57.084">
-    <pc:sldMkLst xmlns:pc="http://schemas.microsoft.com/office/powerpoint/2013/main/command">
-      <pc:docMk/>
-      <pc:sldMk cId="799910520" sldId="264"/>
-    </pc:sldMkLst>
-    <p188:txBody>
-      <a:bodyPr/>
-      <a:lstStyle/>
-      <a:p>
-        <a:r>
-          <a:rPr lang="ru-RU"/>
-          <a:t>На сегодняшний день можно выделить несколько различных подходов повышения эффективности выполнения запросов. Один из них – оптимизация выполнения в рамках одного потока. Такой оптимизацией может стать распараллеливание запроса. Другой подход – сокращение числа соединений путем использования пула. Пул соединений представляет из себя набор открытых и готовых к использованию соединений с БД. 
-И хотя в PostgreSQL отсутствует встроенный пул соединений, он может быть реализован на основе библиотеки libpq или в качестве внешней службы.</a:t>
-        </a:r>
-      </a:p>
-    </p188:txBody>
-  </p188:cm>
-</p188:cmLst>
-</file>
-
 <file path=ppt/notesMasters/notesMaster1.xml><?xml version="1.0" encoding="utf-8"?>
 <p:notesMaster xmlns:a="http://schemas.openxmlformats.org/drawingml/2006/main" xmlns:r="http://schemas.openxmlformats.org/officeDocument/2006/relationships" xmlns:p="http://schemas.openxmlformats.org/presentationml/2006/main">
   <p:cSld>
@@ -4850,7 +4801,7 @@
           <a:p>
             <a:fld id="{4A87FC3E-9964-4802-A7E8-1BB771D21BF3}" type="datetimeFigureOut">
               <a:rPr lang="ru-RU" smtClean="0"/>
-              <a:t>31.05.2022</a:t>
+              <a:t>01.06.2022</a:t>
             </a:fld>
             <a:endParaRPr lang="ru-RU" dirty="0"/>
           </a:p>
@@ -5182,7 +5133,7 @@
           <a:p>
             <a:fld id="{1C52CBB1-8DB5-45B5-A857-24C64DDE314A}" type="slidenum">
               <a:rPr lang="ru-RU" smtClean="0"/>
-              <a:t>3</a:t>
+              <a:t>2</a:t>
             </a:fld>
             <a:endParaRPr lang="ru-RU" dirty="0"/>
           </a:p>
@@ -5330,7 +5281,7 @@
           <a:p>
             <a:fld id="{09755BBC-352B-460A-88C9-AADF2C9512EA}" type="datetime1">
               <a:rPr lang="ru-RU" smtClean="0"/>
-              <a:t>31.05.2022</a:t>
+              <a:t>01.06.2022</a:t>
             </a:fld>
             <a:endParaRPr lang="ru-RU" dirty="0"/>
           </a:p>
@@ -5498,7 +5449,7 @@
           <a:p>
             <a:fld id="{8296244F-19EA-411C-8075-D4DD5363EB01}" type="datetime1">
               <a:rPr lang="ru-RU" smtClean="0"/>
-              <a:t>31.05.2022</a:t>
+              <a:t>01.06.2022</a:t>
             </a:fld>
             <a:endParaRPr lang="ru-RU" dirty="0"/>
           </a:p>
@@ -5676,7 +5627,7 @@
           <a:p>
             <a:fld id="{84BB638D-B868-4FAE-A4AF-C8834DEF2F16}" type="datetime1">
               <a:rPr lang="ru-RU" smtClean="0"/>
-              <a:t>31.05.2022</a:t>
+              <a:t>01.06.2022</a:t>
             </a:fld>
             <a:endParaRPr lang="ru-RU" dirty="0"/>
           </a:p>
@@ -5844,7 +5795,7 @@
           <a:p>
             <a:fld id="{E867F41D-6C90-48B2-BB24-7DBF25713345}" type="datetime1">
               <a:rPr lang="ru-RU" smtClean="0"/>
-              <a:t>31.05.2022</a:t>
+              <a:t>01.06.2022</a:t>
             </a:fld>
             <a:endParaRPr lang="ru-RU" dirty="0"/>
           </a:p>
@@ -6089,7 +6040,7 @@
           <a:p>
             <a:fld id="{CC2C4912-257E-4B84-92B5-E1056AC81F3B}" type="datetime1">
               <a:rPr lang="ru-RU" smtClean="0"/>
-              <a:t>31.05.2022</a:t>
+              <a:t>01.06.2022</a:t>
             </a:fld>
             <a:endParaRPr lang="ru-RU" dirty="0"/>
           </a:p>
@@ -6318,7 +6269,7 @@
           <a:p>
             <a:fld id="{D6CEEFAB-2744-489F-9F34-AD68C1802ABB}" type="datetime1">
               <a:rPr lang="ru-RU" smtClean="0"/>
-              <a:t>31.05.2022</a:t>
+              <a:t>01.06.2022</a:t>
             </a:fld>
             <a:endParaRPr lang="ru-RU" dirty="0"/>
           </a:p>
@@ -6682,7 +6633,7 @@
           <a:p>
             <a:fld id="{F4C8D58E-CA22-4DBD-9D4F-D49D20C57869}" type="datetime1">
               <a:rPr lang="ru-RU" smtClean="0"/>
-              <a:t>31.05.2022</a:t>
+              <a:t>01.06.2022</a:t>
             </a:fld>
             <a:endParaRPr lang="ru-RU" dirty="0"/>
           </a:p>
@@ -6799,7 +6750,7 @@
           <a:p>
             <a:fld id="{16461FB2-18D8-4BB8-B792-34F36A1A6923}" type="datetime1">
               <a:rPr lang="ru-RU" smtClean="0"/>
-              <a:t>31.05.2022</a:t>
+              <a:t>01.06.2022</a:t>
             </a:fld>
             <a:endParaRPr lang="ru-RU" dirty="0"/>
           </a:p>
@@ -6894,7 +6845,7 @@
           <a:p>
             <a:fld id="{38099296-536C-461B-BEB7-1B812F69AC83}" type="datetime1">
               <a:rPr lang="ru-RU" smtClean="0"/>
-              <a:t>31.05.2022</a:t>
+              <a:t>01.06.2022</a:t>
             </a:fld>
             <a:endParaRPr lang="ru-RU" dirty="0"/>
           </a:p>
@@ -7169,7 +7120,7 @@
           <a:p>
             <a:fld id="{DD7EBC7E-964D-4409-AE41-3B38B4F15B2A}" type="datetime1">
               <a:rPr lang="ru-RU" smtClean="0"/>
-              <a:t>31.05.2022</a:t>
+              <a:t>01.06.2022</a:t>
             </a:fld>
             <a:endParaRPr lang="ru-RU" dirty="0"/>
           </a:p>
@@ -7421,7 +7372,7 @@
           <a:p>
             <a:fld id="{6623BFA2-B670-4B07-B542-231AD8CFA160}" type="datetime1">
               <a:rPr lang="ru-RU" smtClean="0"/>
-              <a:t>31.05.2022</a:t>
+              <a:t>01.06.2022</a:t>
             </a:fld>
             <a:endParaRPr lang="ru-RU" dirty="0"/>
           </a:p>
@@ -7632,7 +7583,7 @@
           <a:p>
             <a:fld id="{4222C596-8B8E-4DE0-A295-CA79CEF991CE}" type="datetime1">
               <a:rPr lang="ru-RU" smtClean="0"/>
-              <a:t>31.05.2022</a:t>
+              <a:t>01.06.2022</a:t>
             </a:fld>
             <a:endParaRPr lang="ru-RU" dirty="0"/>
           </a:p>
@@ -8195,24 +8146,17 @@
             <p:ph type="title"/>
           </p:nvPr>
         </p:nvSpPr>
-        <p:spPr>
-          <a:xfrm>
-            <a:off x="210671" y="189713"/>
-            <a:ext cx="10515600" cy="1122252"/>
-          </a:xfrm>
-        </p:spPr>
+        <p:spPr/>
         <p:txBody>
-          <a:bodyPr>
-            <a:normAutofit/>
-          </a:bodyPr>
+          <a:bodyPr/>
           <a:lstStyle/>
           <a:p>
             <a:r>
-              <a:rPr lang="ru-RU" sz="3600" dirty="0">
+              <a:rPr lang="ru-RU" dirty="0">
                 <a:latin typeface="Times New Roman" panose="02020603050405020304" pitchFamily="18" charset="0"/>
                 <a:cs typeface="Times New Roman" panose="02020603050405020304" pitchFamily="18" charset="0"/>
               </a:rPr>
-              <a:t>Формирование очереди команд и отправка серверу запроса из очереди</a:t>
+              <a:t>Внешний модуль взаимодействия с разработанным методом</a:t>
             </a:r>
           </a:p>
         </p:txBody>
@@ -8238,381 +8182,6 @@
                 <a:cs typeface="Times New Roman" panose="02020603050405020304" pitchFamily="18" charset="0"/>
               </a:rPr>
               <a:t>10</a:t>
-            </a:fld>
-            <a:endParaRPr lang="ru-RU" sz="1800" dirty="0">
-              <a:latin typeface="Times New Roman" panose="02020603050405020304" pitchFamily="18" charset="0"/>
-              <a:cs typeface="Times New Roman" panose="02020603050405020304" pitchFamily="18" charset="0"/>
-            </a:endParaRPr>
-          </a:p>
-        </p:txBody>
-      </p:sp>
-      <p:sp>
-        <p:nvSpPr>
-          <p:cNvPr id="12" name="TextBox 11">
-            <a:extLst>
-              <a:ext uri="{FF2B5EF4-FFF2-40B4-BE49-F238E27FC236}">
-                <a16:creationId xmlns:a16="http://schemas.microsoft.com/office/drawing/2014/main" id="{B7A0EAC4-F27B-1B1E-14B2-5A00284EF829}"/>
-              </a:ext>
-            </a:extLst>
-          </p:cNvPr>
-          <p:cNvSpPr txBox="1"/>
-          <p:nvPr/>
-        </p:nvSpPr>
-        <p:spPr>
-          <a:xfrm>
-            <a:off x="1244039" y="1526183"/>
-            <a:ext cx="4298576" cy="369332"/>
-          </a:xfrm>
-          <a:prstGeom prst="rect">
-            <a:avLst/>
-          </a:prstGeom>
-          <a:noFill/>
-        </p:spPr>
-        <p:txBody>
-          <a:bodyPr wrap="square">
-            <a:spAutoFit/>
-          </a:bodyPr>
-          <a:lstStyle/>
-          <a:p>
-            <a:r>
-              <a:rPr lang="ru-RU" b="0" i="0" u="sng" dirty="0">
-                <a:effectLst/>
-                <a:latin typeface="Times New Roman" panose="02020603050405020304" pitchFamily="18" charset="0"/>
-                <a:cs typeface="Times New Roman" panose="02020603050405020304" pitchFamily="18" charset="0"/>
-              </a:rPr>
-              <a:t>Алгоритм формирования очереди команд</a:t>
-            </a:r>
-            <a:endParaRPr lang="ru-RU" u="sng" dirty="0">
-              <a:latin typeface="Times New Roman" panose="02020603050405020304" pitchFamily="18" charset="0"/>
-              <a:cs typeface="Times New Roman" panose="02020603050405020304" pitchFamily="18" charset="0"/>
-            </a:endParaRPr>
-          </a:p>
-        </p:txBody>
-      </p:sp>
-      <p:sp>
-        <p:nvSpPr>
-          <p:cNvPr id="13" name="TextBox 12">
-            <a:extLst>
-              <a:ext uri="{FF2B5EF4-FFF2-40B4-BE49-F238E27FC236}">
-                <a16:creationId xmlns:a16="http://schemas.microsoft.com/office/drawing/2014/main" id="{D9663851-2F05-7B57-975B-2FF005EBDEFD}"/>
-              </a:ext>
-            </a:extLst>
-          </p:cNvPr>
-          <p:cNvSpPr txBox="1"/>
-          <p:nvPr/>
-        </p:nvSpPr>
-        <p:spPr>
-          <a:xfrm>
-            <a:off x="6937512" y="1459667"/>
-            <a:ext cx="4416287" cy="369332"/>
-          </a:xfrm>
-          <a:prstGeom prst="rect">
-            <a:avLst/>
-          </a:prstGeom>
-          <a:noFill/>
-        </p:spPr>
-        <p:txBody>
-          <a:bodyPr wrap="square">
-            <a:spAutoFit/>
-          </a:bodyPr>
-          <a:lstStyle/>
-          <a:p>
-            <a:pPr algn="ctr"/>
-            <a:r>
-              <a:rPr lang="ru-RU" u="sng" dirty="0">
-                <a:latin typeface="Times New Roman" panose="02020603050405020304" pitchFamily="18" charset="0"/>
-                <a:cs typeface="Times New Roman" panose="02020603050405020304" pitchFamily="18" charset="0"/>
-              </a:rPr>
-              <a:t>Алгоритм отправки запроса серверу</a:t>
-            </a:r>
-          </a:p>
-        </p:txBody>
-      </p:sp>
-      <p:pic>
-        <p:nvPicPr>
-          <p:cNvPr id="16" name="Рисунок 15">
-            <a:extLst>
-              <a:ext uri="{FF2B5EF4-FFF2-40B4-BE49-F238E27FC236}">
-                <a16:creationId xmlns:a16="http://schemas.microsoft.com/office/drawing/2014/main" id="{8470F999-7346-24CA-3F47-E0E57ADC50B4}"/>
-              </a:ext>
-            </a:extLst>
-          </p:cNvPr>
-          <p:cNvPicPr>
-            <a:picLocks noChangeAspect="1"/>
-          </p:cNvPicPr>
-          <p:nvPr/>
-        </p:nvPicPr>
-        <p:blipFill>
-          <a:blip r:embed="rId3" cstate="print">
-            <a:extLst>
-              <a:ext uri="{28A0092B-C50C-407E-A947-70E740481C1C}">
-                <a14:useLocalDpi xmlns:a14="http://schemas.microsoft.com/office/drawing/2010/main" val="0"/>
-              </a:ext>
-            </a:extLst>
-          </a:blip>
-          <a:stretch>
-            <a:fillRect/>
-          </a:stretch>
-        </p:blipFill>
-        <p:spPr>
-          <a:xfrm>
-            <a:off x="261126" y="2109733"/>
-            <a:ext cx="6264402" cy="4536186"/>
-          </a:xfrm>
-          <a:prstGeom prst="rect">
-            <a:avLst/>
-          </a:prstGeom>
-        </p:spPr>
-      </p:pic>
-      <p:pic>
-        <p:nvPicPr>
-          <p:cNvPr id="6" name="Рисунок 5">
-            <a:extLst>
-              <a:ext uri="{FF2B5EF4-FFF2-40B4-BE49-F238E27FC236}">
-                <a16:creationId xmlns:a16="http://schemas.microsoft.com/office/drawing/2014/main" id="{CFE53CAF-5112-A0C9-32B3-0C7F34630D1A}"/>
-              </a:ext>
-            </a:extLst>
-          </p:cNvPr>
-          <p:cNvPicPr>
-            <a:picLocks noChangeAspect="1"/>
-          </p:cNvPicPr>
-          <p:nvPr/>
-        </p:nvPicPr>
-        <p:blipFill>
-          <a:blip r:embed="rId4">
-            <a:extLst>
-              <a:ext uri="{28A0092B-C50C-407E-A947-70E740481C1C}">
-                <a14:useLocalDpi xmlns:a14="http://schemas.microsoft.com/office/drawing/2010/main" val="0"/>
-              </a:ext>
-            </a:extLst>
-          </a:blip>
-          <a:stretch>
-            <a:fillRect/>
-          </a:stretch>
-        </p:blipFill>
-        <p:spPr>
-          <a:xfrm>
-            <a:off x="7418293" y="2109733"/>
-            <a:ext cx="3747247" cy="4346832"/>
-          </a:xfrm>
-          <a:prstGeom prst="rect">
-            <a:avLst/>
-          </a:prstGeom>
-        </p:spPr>
-      </p:pic>
-    </p:spTree>
-    <p:extLst>
-      <p:ext uri="{BB962C8B-B14F-4D97-AF65-F5344CB8AC3E}">
-        <p14:creationId xmlns:p14="http://schemas.microsoft.com/office/powerpoint/2010/main" val="2402547047"/>
-      </p:ext>
-    </p:extLst>
-  </p:cSld>
-  <p:clrMapOvr>
-    <a:masterClrMapping/>
-  </p:clrMapOvr>
-  <p:extLst>
-    <p:ext uri="{6950BFC3-D8DA-4A85-94F7-54DA5524770B}">
-      <p188:commentRel xmlns:p188="http://schemas.microsoft.com/office/powerpoint/2018/8/main" r:id="rId2"/>
-    </p:ext>
-  </p:extLst>
-</p:sld>
-</file>
-
-<file path=ppt/slides/slide11.xml><?xml version="1.0" encoding="utf-8"?>
-<p:sld xmlns:a="http://schemas.openxmlformats.org/drawingml/2006/main" xmlns:r="http://schemas.openxmlformats.org/officeDocument/2006/relationships" xmlns:p="http://schemas.openxmlformats.org/presentationml/2006/main">
-  <p:cSld>
-    <p:spTree>
-      <p:nvGrpSpPr>
-        <p:cNvPr id="1" name=""/>
-        <p:cNvGrpSpPr/>
-        <p:nvPr/>
-      </p:nvGrpSpPr>
-      <p:grpSpPr>
-        <a:xfrm>
-          <a:off x="0" y="0"/>
-          <a:ext cx="0" cy="0"/>
-          <a:chOff x="0" y="0"/>
-          <a:chExt cx="0" cy="0"/>
-        </a:xfrm>
-      </p:grpSpPr>
-      <p:sp>
-        <p:nvSpPr>
-          <p:cNvPr id="2" name="Заголовок 1"/>
-          <p:cNvSpPr>
-            <a:spLocks noGrp="1"/>
-          </p:cNvSpPr>
-          <p:nvPr>
-            <p:ph type="title"/>
-          </p:nvPr>
-        </p:nvSpPr>
-        <p:spPr>
-          <a:xfrm>
-            <a:off x="475713" y="-4316"/>
-            <a:ext cx="10515600" cy="1325563"/>
-          </a:xfrm>
-        </p:spPr>
-        <p:txBody>
-          <a:bodyPr>
-            <a:normAutofit/>
-          </a:bodyPr>
-          <a:lstStyle/>
-          <a:p>
-            <a:r>
-              <a:rPr lang="ru-RU" sz="4000" dirty="0">
-                <a:latin typeface="Times New Roman" panose="02020603050405020304" pitchFamily="18" charset="0"/>
-                <a:cs typeface="Times New Roman" panose="02020603050405020304" pitchFamily="18" charset="0"/>
-              </a:rPr>
-              <a:t>Получение сообщения от сервера</a:t>
-            </a:r>
-          </a:p>
-        </p:txBody>
-      </p:sp>
-      <p:sp>
-        <p:nvSpPr>
-          <p:cNvPr id="4" name="Номер слайда 3"/>
-          <p:cNvSpPr>
-            <a:spLocks noGrp="1"/>
-          </p:cNvSpPr>
-          <p:nvPr>
-            <p:ph type="sldNum" sz="quarter" idx="12"/>
-          </p:nvPr>
-        </p:nvSpPr>
-        <p:spPr/>
-        <p:txBody>
-          <a:bodyPr/>
-          <a:lstStyle/>
-          <a:p>
-            <a:fld id="{5D15703D-96D9-4C94-B196-0ED7D1E8A93C}" type="slidenum">
-              <a:rPr lang="ru-RU" sz="1800" smtClean="0">
-                <a:latin typeface="Times New Roman" panose="02020603050405020304" pitchFamily="18" charset="0"/>
-                <a:cs typeface="Times New Roman" panose="02020603050405020304" pitchFamily="18" charset="0"/>
-              </a:rPr>
-              <a:t>11</a:t>
-            </a:fld>
-            <a:endParaRPr lang="ru-RU" sz="1800" dirty="0">
-              <a:latin typeface="Times New Roman" panose="02020603050405020304" pitchFamily="18" charset="0"/>
-              <a:cs typeface="Times New Roman" panose="02020603050405020304" pitchFamily="18" charset="0"/>
-            </a:endParaRPr>
-          </a:p>
-        </p:txBody>
-      </p:sp>
-      <p:pic>
-        <p:nvPicPr>
-          <p:cNvPr id="6" name="Рисунок 5">
-            <a:extLst>
-              <a:ext uri="{FF2B5EF4-FFF2-40B4-BE49-F238E27FC236}">
-                <a16:creationId xmlns:a16="http://schemas.microsoft.com/office/drawing/2014/main" id="{720C72AB-5CD8-7FC7-A8F7-C8933512ADF0}"/>
-              </a:ext>
-            </a:extLst>
-          </p:cNvPr>
-          <p:cNvPicPr>
-            <a:picLocks noChangeAspect="1"/>
-          </p:cNvPicPr>
-          <p:nvPr/>
-        </p:nvPicPr>
-        <p:blipFill>
-          <a:blip r:embed="rId3" cstate="print">
-            <a:extLst>
-              <a:ext uri="{28A0092B-C50C-407E-A947-70E740481C1C}">
-                <a14:useLocalDpi xmlns:a14="http://schemas.microsoft.com/office/drawing/2010/main" val="0"/>
-              </a:ext>
-            </a:extLst>
-          </a:blip>
-          <a:stretch>
-            <a:fillRect/>
-          </a:stretch>
-        </p:blipFill>
-        <p:spPr>
-          <a:xfrm>
-            <a:off x="648433" y="1534441"/>
-            <a:ext cx="11216259" cy="4608714"/>
-          </a:xfrm>
-          <a:prstGeom prst="rect">
-            <a:avLst/>
-          </a:prstGeom>
-        </p:spPr>
-      </p:pic>
-    </p:spTree>
-    <p:extLst>
-      <p:ext uri="{BB962C8B-B14F-4D97-AF65-F5344CB8AC3E}">
-        <p14:creationId xmlns:p14="http://schemas.microsoft.com/office/powerpoint/2010/main" val="4202505179"/>
-      </p:ext>
-    </p:extLst>
-  </p:cSld>
-  <p:clrMapOvr>
-    <a:masterClrMapping/>
-  </p:clrMapOvr>
-  <p:extLst>
-    <p:ext uri="{6950BFC3-D8DA-4A85-94F7-54DA5524770B}">
-      <p188:commentRel xmlns:p188="http://schemas.microsoft.com/office/powerpoint/2018/8/main" r:id="rId2"/>
-    </p:ext>
-  </p:extLst>
-</p:sld>
-</file>
-
-<file path=ppt/slides/slide12.xml><?xml version="1.0" encoding="utf-8"?>
-<p:sld xmlns:a="http://schemas.openxmlformats.org/drawingml/2006/main" xmlns:r="http://schemas.openxmlformats.org/officeDocument/2006/relationships" xmlns:p="http://schemas.openxmlformats.org/presentationml/2006/main">
-  <p:cSld>
-    <p:spTree>
-      <p:nvGrpSpPr>
-        <p:cNvPr id="1" name=""/>
-        <p:cNvGrpSpPr/>
-        <p:nvPr/>
-      </p:nvGrpSpPr>
-      <p:grpSpPr>
-        <a:xfrm>
-          <a:off x="0" y="0"/>
-          <a:ext cx="0" cy="0"/>
-          <a:chOff x="0" y="0"/>
-          <a:chExt cx="0" cy="0"/>
-        </a:xfrm>
-      </p:grpSpPr>
-      <p:sp>
-        <p:nvSpPr>
-          <p:cNvPr id="2" name="Заголовок 1"/>
-          <p:cNvSpPr>
-            <a:spLocks noGrp="1"/>
-          </p:cNvSpPr>
-          <p:nvPr>
-            <p:ph type="title"/>
-          </p:nvPr>
-        </p:nvSpPr>
-        <p:spPr/>
-        <p:txBody>
-          <a:bodyPr/>
-          <a:lstStyle/>
-          <a:p>
-            <a:r>
-              <a:rPr lang="ru-RU" dirty="0">
-                <a:latin typeface="Times New Roman" panose="02020603050405020304" pitchFamily="18" charset="0"/>
-                <a:cs typeface="Times New Roman" panose="02020603050405020304" pitchFamily="18" charset="0"/>
-              </a:rPr>
-              <a:t>Внешний модуль взаимодействия с разработанным методом</a:t>
-            </a:r>
-          </a:p>
-        </p:txBody>
-      </p:sp>
-      <p:sp>
-        <p:nvSpPr>
-          <p:cNvPr id="4" name="Номер слайда 3"/>
-          <p:cNvSpPr>
-            <a:spLocks noGrp="1"/>
-          </p:cNvSpPr>
-          <p:nvPr>
-            <p:ph type="sldNum" sz="quarter" idx="12"/>
-          </p:nvPr>
-        </p:nvSpPr>
-        <p:spPr/>
-        <p:txBody>
-          <a:bodyPr/>
-          <a:lstStyle/>
-          <a:p>
-            <a:fld id="{5D15703D-96D9-4C94-B196-0ED7D1E8A93C}" type="slidenum">
-              <a:rPr lang="ru-RU" sz="1800" smtClean="0">
-                <a:latin typeface="Times New Roman" panose="02020603050405020304" pitchFamily="18" charset="0"/>
-                <a:cs typeface="Times New Roman" panose="02020603050405020304" pitchFamily="18" charset="0"/>
-              </a:rPr>
-              <a:t>12</a:t>
             </a:fld>
             <a:endParaRPr lang="ru-RU" sz="1800" dirty="0">
               <a:latin typeface="Times New Roman" panose="02020603050405020304" pitchFamily="18" charset="0"/>
@@ -8675,7 +8244,7 @@
 </p:sld>
 </file>
 
-<file path=ppt/slides/slide13.xml><?xml version="1.0" encoding="utf-8"?>
+<file path=ppt/slides/slide11.xml><?xml version="1.0" encoding="utf-8"?>
 <p:sld xmlns:a="http://schemas.openxmlformats.org/drawingml/2006/main" xmlns:r="http://schemas.openxmlformats.org/officeDocument/2006/relationships" xmlns:p="http://schemas.openxmlformats.org/presentationml/2006/main">
   <p:cSld>
     <p:spTree>
@@ -8708,7 +8277,12 @@
             <p:ph type="title"/>
           </p:nvPr>
         </p:nvSpPr>
-        <p:spPr/>
+        <p:spPr>
+          <a:xfrm>
+            <a:off x="739588" y="250426"/>
+            <a:ext cx="10515600" cy="1325563"/>
+          </a:xfrm>
+        </p:spPr>
         <p:txBody>
           <a:bodyPr>
             <a:normAutofit/>
@@ -8716,7 +8290,7 @@
           <a:lstStyle/>
           <a:p>
             <a:r>
-              <a:rPr lang="ru-RU" dirty="0">
+              <a:rPr lang="ru-RU" sz="4000" dirty="0">
                 <a:latin typeface="Times New Roman" panose="02020603050405020304" pitchFamily="18" charset="0"/>
                 <a:cs typeface="Times New Roman" panose="02020603050405020304" pitchFamily="18" charset="0"/>
               </a:rPr>
@@ -8751,7 +8325,7 @@
                 <a:latin typeface="Times New Roman" panose="02020603050405020304" pitchFamily="18" charset="0"/>
                 <a:cs typeface="Times New Roman" panose="02020603050405020304" pitchFamily="18" charset="0"/>
               </a:rPr>
-              <a:t>13</a:t>
+              <a:t>11</a:t>
             </a:fld>
             <a:endParaRPr lang="ru-RU" sz="1800" dirty="0">
               <a:latin typeface="Times New Roman" panose="02020603050405020304" pitchFamily="18" charset="0"/>
@@ -8775,14 +8349,14 @@
           <p:nvPr>
             <p:extLst>
               <p:ext uri="{D42A27DB-BD31-4B8C-83A1-F6EECF244321}">
-                <p14:modId xmlns:p14="http://schemas.microsoft.com/office/powerpoint/2010/main" val="928353375"/>
+                <p14:modId xmlns:p14="http://schemas.microsoft.com/office/powerpoint/2010/main" val="4246946906"/>
               </p:ext>
             </p:extLst>
           </p:nvPr>
         </p:nvGraphicFramePr>
         <p:xfrm>
           <a:off x="838200" y="1896408"/>
-          <a:ext cx="6832600" cy="4254221"/>
+          <a:ext cx="6602506" cy="4136839"/>
         </p:xfrm>
         <a:graphic>
           <a:graphicData uri="http://schemas.openxmlformats.org/drawingml/2006/chart">
@@ -8804,8 +8378,8 @@
         </p:nvSpPr>
         <p:spPr>
           <a:xfrm>
-            <a:off x="7980680" y="2084526"/>
-            <a:ext cx="4003040" cy="1938992"/>
+            <a:off x="7864139" y="2842785"/>
+            <a:ext cx="3852732" cy="2246769"/>
           </a:xfrm>
           <a:prstGeom prst="rect">
             <a:avLst/>
@@ -8898,7 +8472,7 @@
 </p:sld>
 </file>
 
-<file path=ppt/slides/slide14.xml><?xml version="1.0" encoding="utf-8"?>
+<file path=ppt/slides/slide12.xml><?xml version="1.0" encoding="utf-8"?>
 <p:sld xmlns:a="http://schemas.openxmlformats.org/drawingml/2006/main" xmlns:r="http://schemas.openxmlformats.org/officeDocument/2006/relationships" xmlns:p="http://schemas.openxmlformats.org/presentationml/2006/main">
   <p:cSld>
     <p:spTree>
@@ -8961,7 +8535,12 @@
             <p:ph type="title"/>
           </p:nvPr>
         </p:nvSpPr>
-        <p:spPr/>
+        <p:spPr>
+          <a:xfrm>
+            <a:off x="757518" y="257549"/>
+            <a:ext cx="11147612" cy="1325563"/>
+          </a:xfrm>
+        </p:spPr>
         <p:txBody>
           <a:bodyPr>
             <a:normAutofit fontScale="90000"/>
@@ -9004,7 +8583,7 @@
                 <a:latin typeface="Times New Roman" panose="02020603050405020304" pitchFamily="18" charset="0"/>
                 <a:cs typeface="Times New Roman" panose="02020603050405020304" pitchFamily="18" charset="0"/>
               </a:rPr>
-              <a:t>14</a:t>
+              <a:t>12</a:t>
             </a:fld>
             <a:endParaRPr lang="ru-RU" dirty="0">
               <a:latin typeface="Times New Roman" panose="02020603050405020304" pitchFamily="18" charset="0"/>
@@ -9027,7 +8606,7 @@
         </p:nvSpPr>
         <p:spPr>
           <a:xfrm>
-            <a:off x="7899400" y="2223025"/>
+            <a:off x="7908365" y="3423354"/>
             <a:ext cx="3825240" cy="1200329"/>
           </a:xfrm>
           <a:prstGeom prst="rect">
@@ -9082,7 +8661,7 @@
 </p:sld>
 </file>
 
-<file path=ppt/slides/slide15.xml><?xml version="1.0" encoding="utf-8"?>
+<file path=ppt/slides/slide13.xml><?xml version="1.0" encoding="utf-8"?>
 <p:sld xmlns:a="http://schemas.openxmlformats.org/drawingml/2006/main" xmlns:r="http://schemas.openxmlformats.org/officeDocument/2006/relationships" xmlns:p="http://schemas.openxmlformats.org/presentationml/2006/main">
   <p:cSld>
     <p:spTree>
@@ -9146,20 +8725,20 @@
             <p:ph idx="1"/>
             <p:extLst>
               <p:ext uri="{D42A27DB-BD31-4B8C-83A1-F6EECF244321}">
-                <p14:modId xmlns:p14="http://schemas.microsoft.com/office/powerpoint/2010/main" val="3048968652"/>
+                <p14:modId xmlns:p14="http://schemas.microsoft.com/office/powerpoint/2010/main" val="3871764772"/>
               </p:ext>
             </p:extLst>
           </p:nvPr>
         </p:nvGraphicFramePr>
         <p:xfrm>
-          <a:off x="838197" y="3606765"/>
+          <a:off x="981633" y="3721446"/>
           <a:ext cx="9390529" cy="2683246"/>
         </p:xfrm>
         <a:graphic>
           <a:graphicData uri="http://schemas.openxmlformats.org/drawingml/2006/table">
             <a:tbl>
               <a:tblPr firstRow="1" firstCol="1" bandRow="1">
-                <a:tableStyleId>{F5AB1C69-6EDB-4FF4-983F-18BD219EF322}</a:tableStyleId>
+                <a:tableStyleId>{C083E6E3-FA7D-4D7B-A595-EF9225AFEA82}</a:tableStyleId>
               </a:tblPr>
               <a:tblGrid>
                 <a:gridCol w="3070471">
@@ -9211,7 +8790,52 @@
                       </a:endParaRPr>
                     </a:p>
                   </a:txBody>
-                  <a:tcPr marL="105337" marR="105337" marT="0" marB="0" anchor="ctr"/>
+                  <a:tcPr marL="105337" marR="105337" marT="0" marB="0" anchor="ctr">
+                    <a:lnL w="12700" cap="flat" cmpd="sng" algn="ctr">
+                      <a:solidFill>
+                        <a:schemeClr val="bg2">
+                          <a:lumMod val="75000"/>
+                        </a:schemeClr>
+                      </a:solidFill>
+                      <a:prstDash val="solid"/>
+                      <a:round/>
+                      <a:headEnd type="none" w="med" len="med"/>
+                      <a:tailEnd type="none" w="med" len="med"/>
+                    </a:lnL>
+                    <a:lnR w="12700" cap="flat" cmpd="sng" algn="ctr">
+                      <a:solidFill>
+                        <a:schemeClr val="bg2">
+                          <a:lumMod val="75000"/>
+                        </a:schemeClr>
+                      </a:solidFill>
+                      <a:prstDash val="solid"/>
+                      <a:round/>
+                      <a:headEnd type="none" w="med" len="med"/>
+                      <a:tailEnd type="none" w="med" len="med"/>
+                    </a:lnR>
+                    <a:lnT w="12700" cap="flat" cmpd="sng" algn="ctr">
+                      <a:solidFill>
+                        <a:schemeClr val="bg2">
+                          <a:lumMod val="75000"/>
+                        </a:schemeClr>
+                      </a:solidFill>
+                      <a:prstDash val="solid"/>
+                      <a:round/>
+                      <a:headEnd type="none" w="med" len="med"/>
+                      <a:tailEnd type="none" w="med" len="med"/>
+                    </a:lnT>
+                    <a:lnB w="12700" cap="flat" cmpd="sng" algn="ctr">
+                      <a:solidFill>
+                        <a:schemeClr val="bg2">
+                          <a:lumMod val="75000"/>
+                        </a:schemeClr>
+                      </a:solidFill>
+                      <a:prstDash val="solid"/>
+                      <a:round/>
+                      <a:headEnd type="none" w="med" len="med"/>
+                      <a:tailEnd type="none" w="med" len="med"/>
+                    </a:lnB>
+                  </a:tcPr>
                 </a:tc>
                 <a:tc>
                   <a:txBody>
@@ -9239,7 +8863,52 @@
                       </a:endParaRPr>
                     </a:p>
                   </a:txBody>
-                  <a:tcPr marL="105337" marR="105337" marT="0" marB="0" anchor="ctr"/>
+                  <a:tcPr marL="105337" marR="105337" marT="0" marB="0" anchor="ctr">
+                    <a:lnL w="12700" cap="flat" cmpd="sng" algn="ctr">
+                      <a:solidFill>
+                        <a:schemeClr val="bg2">
+                          <a:lumMod val="75000"/>
+                        </a:schemeClr>
+                      </a:solidFill>
+                      <a:prstDash val="solid"/>
+                      <a:round/>
+                      <a:headEnd type="none" w="med" len="med"/>
+                      <a:tailEnd type="none" w="med" len="med"/>
+                    </a:lnL>
+                    <a:lnR w="12700" cap="flat" cmpd="sng" algn="ctr">
+                      <a:solidFill>
+                        <a:schemeClr val="bg2">
+                          <a:lumMod val="75000"/>
+                        </a:schemeClr>
+                      </a:solidFill>
+                      <a:prstDash val="solid"/>
+                      <a:round/>
+                      <a:headEnd type="none" w="med" len="med"/>
+                      <a:tailEnd type="none" w="med" len="med"/>
+                    </a:lnR>
+                    <a:lnT w="12700" cap="flat" cmpd="sng" algn="ctr">
+                      <a:solidFill>
+                        <a:schemeClr val="bg2">
+                          <a:lumMod val="75000"/>
+                        </a:schemeClr>
+                      </a:solidFill>
+                      <a:prstDash val="solid"/>
+                      <a:round/>
+                      <a:headEnd type="none" w="med" len="med"/>
+                      <a:tailEnd type="none" w="med" len="med"/>
+                    </a:lnT>
+                    <a:lnB w="12700" cap="flat" cmpd="sng" algn="ctr">
+                      <a:solidFill>
+                        <a:schemeClr val="bg2">
+                          <a:lumMod val="75000"/>
+                        </a:schemeClr>
+                      </a:solidFill>
+                      <a:prstDash val="solid"/>
+                      <a:round/>
+                      <a:headEnd type="none" w="med" len="med"/>
+                      <a:tailEnd type="none" w="med" len="med"/>
+                    </a:lnB>
+                  </a:tcPr>
                 </a:tc>
                 <a:tc>
                   <a:txBody>
@@ -9267,7 +8936,52 @@
                       </a:endParaRPr>
                     </a:p>
                   </a:txBody>
-                  <a:tcPr marL="105337" marR="105337" marT="0" marB="0" anchor="ctr"/>
+                  <a:tcPr marL="105337" marR="105337" marT="0" marB="0" anchor="ctr">
+                    <a:lnL w="12700" cap="flat" cmpd="sng" algn="ctr">
+                      <a:solidFill>
+                        <a:schemeClr val="bg2">
+                          <a:lumMod val="75000"/>
+                        </a:schemeClr>
+                      </a:solidFill>
+                      <a:prstDash val="solid"/>
+                      <a:round/>
+                      <a:headEnd type="none" w="med" len="med"/>
+                      <a:tailEnd type="none" w="med" len="med"/>
+                    </a:lnL>
+                    <a:lnR w="12700" cap="flat" cmpd="sng" algn="ctr">
+                      <a:solidFill>
+                        <a:schemeClr val="bg2">
+                          <a:lumMod val="75000"/>
+                        </a:schemeClr>
+                      </a:solidFill>
+                      <a:prstDash val="solid"/>
+                      <a:round/>
+                      <a:headEnd type="none" w="med" len="med"/>
+                      <a:tailEnd type="none" w="med" len="med"/>
+                    </a:lnR>
+                    <a:lnT w="12700" cap="flat" cmpd="sng" algn="ctr">
+                      <a:solidFill>
+                        <a:schemeClr val="bg2">
+                          <a:lumMod val="75000"/>
+                        </a:schemeClr>
+                      </a:solidFill>
+                      <a:prstDash val="solid"/>
+                      <a:round/>
+                      <a:headEnd type="none" w="med" len="med"/>
+                      <a:tailEnd type="none" w="med" len="med"/>
+                    </a:lnT>
+                    <a:lnB w="12700" cap="flat" cmpd="sng" algn="ctr">
+                      <a:solidFill>
+                        <a:schemeClr val="bg2">
+                          <a:lumMod val="75000"/>
+                        </a:schemeClr>
+                      </a:solidFill>
+                      <a:prstDash val="solid"/>
+                      <a:round/>
+                      <a:headEnd type="none" w="med" len="med"/>
+                      <a:tailEnd type="none" w="med" len="med"/>
+                    </a:lnB>
+                  </a:tcPr>
                 </a:tc>
                 <a:extLst>
                   <a:ext uri="{0D108BD9-81ED-4DB2-BD59-A6C34878D82A}">
@@ -9302,7 +9016,52 @@
                       </a:endParaRPr>
                     </a:p>
                   </a:txBody>
-                  <a:tcPr marL="105337" marR="105337" marT="0" marB="0" anchor="ctr"/>
+                  <a:tcPr marL="105337" marR="105337" marT="0" marB="0" anchor="ctr">
+                    <a:lnL w="12700" cap="flat" cmpd="sng" algn="ctr">
+                      <a:solidFill>
+                        <a:schemeClr val="bg2">
+                          <a:lumMod val="75000"/>
+                        </a:schemeClr>
+                      </a:solidFill>
+                      <a:prstDash val="solid"/>
+                      <a:round/>
+                      <a:headEnd type="none" w="med" len="med"/>
+                      <a:tailEnd type="none" w="med" len="med"/>
+                    </a:lnL>
+                    <a:lnR w="12700" cap="flat" cmpd="sng" algn="ctr">
+                      <a:solidFill>
+                        <a:schemeClr val="bg2">
+                          <a:lumMod val="75000"/>
+                        </a:schemeClr>
+                      </a:solidFill>
+                      <a:prstDash val="solid"/>
+                      <a:round/>
+                      <a:headEnd type="none" w="med" len="med"/>
+                      <a:tailEnd type="none" w="med" len="med"/>
+                    </a:lnR>
+                    <a:lnT w="12700" cap="flat" cmpd="sng" algn="ctr">
+                      <a:solidFill>
+                        <a:schemeClr val="bg2">
+                          <a:lumMod val="75000"/>
+                        </a:schemeClr>
+                      </a:solidFill>
+                      <a:prstDash val="solid"/>
+                      <a:round/>
+                      <a:headEnd type="none" w="med" len="med"/>
+                      <a:tailEnd type="none" w="med" len="med"/>
+                    </a:lnT>
+                    <a:lnB w="12700" cap="flat" cmpd="sng" algn="ctr">
+                      <a:solidFill>
+                        <a:schemeClr val="bg2">
+                          <a:lumMod val="75000"/>
+                        </a:schemeClr>
+                      </a:solidFill>
+                      <a:prstDash val="solid"/>
+                      <a:round/>
+                      <a:headEnd type="none" w="med" len="med"/>
+                      <a:tailEnd type="none" w="med" len="med"/>
+                    </a:lnB>
+                  </a:tcPr>
                 </a:tc>
                 <a:tc>
                   <a:txBody>
@@ -9330,7 +9089,52 @@
                       </a:endParaRPr>
                     </a:p>
                   </a:txBody>
-                  <a:tcPr marL="105337" marR="105337" marT="0" marB="0" anchor="ctr"/>
+                  <a:tcPr marL="105337" marR="105337" marT="0" marB="0" anchor="ctr">
+                    <a:lnL w="12700" cap="flat" cmpd="sng" algn="ctr">
+                      <a:solidFill>
+                        <a:schemeClr val="bg2">
+                          <a:lumMod val="75000"/>
+                        </a:schemeClr>
+                      </a:solidFill>
+                      <a:prstDash val="solid"/>
+                      <a:round/>
+                      <a:headEnd type="none" w="med" len="med"/>
+                      <a:tailEnd type="none" w="med" len="med"/>
+                    </a:lnL>
+                    <a:lnR w="12700" cap="flat" cmpd="sng" algn="ctr">
+                      <a:solidFill>
+                        <a:schemeClr val="bg2">
+                          <a:lumMod val="75000"/>
+                        </a:schemeClr>
+                      </a:solidFill>
+                      <a:prstDash val="solid"/>
+                      <a:round/>
+                      <a:headEnd type="none" w="med" len="med"/>
+                      <a:tailEnd type="none" w="med" len="med"/>
+                    </a:lnR>
+                    <a:lnT w="12700" cap="flat" cmpd="sng" algn="ctr">
+                      <a:solidFill>
+                        <a:schemeClr val="bg2">
+                          <a:lumMod val="75000"/>
+                        </a:schemeClr>
+                      </a:solidFill>
+                      <a:prstDash val="solid"/>
+                      <a:round/>
+                      <a:headEnd type="none" w="med" len="med"/>
+                      <a:tailEnd type="none" w="med" len="med"/>
+                    </a:lnT>
+                    <a:lnB w="12700" cap="flat" cmpd="sng" algn="ctr">
+                      <a:solidFill>
+                        <a:schemeClr val="bg2">
+                          <a:lumMod val="75000"/>
+                        </a:schemeClr>
+                      </a:solidFill>
+                      <a:prstDash val="solid"/>
+                      <a:round/>
+                      <a:headEnd type="none" w="med" len="med"/>
+                      <a:tailEnd type="none" w="med" len="med"/>
+                    </a:lnB>
+                  </a:tcPr>
                 </a:tc>
                 <a:tc>
                   <a:txBody>
@@ -9366,7 +9170,52 @@
                       </a:endParaRPr>
                     </a:p>
                   </a:txBody>
-                  <a:tcPr marL="105337" marR="105337" marT="0" marB="0" anchor="ctr"/>
+                  <a:tcPr marL="105337" marR="105337" marT="0" marB="0" anchor="ctr">
+                    <a:lnL w="12700" cap="flat" cmpd="sng" algn="ctr">
+                      <a:solidFill>
+                        <a:schemeClr val="bg2">
+                          <a:lumMod val="75000"/>
+                        </a:schemeClr>
+                      </a:solidFill>
+                      <a:prstDash val="solid"/>
+                      <a:round/>
+                      <a:headEnd type="none" w="med" len="med"/>
+                      <a:tailEnd type="none" w="med" len="med"/>
+                    </a:lnL>
+                    <a:lnR w="12700" cap="flat" cmpd="sng" algn="ctr">
+                      <a:solidFill>
+                        <a:schemeClr val="bg2">
+                          <a:lumMod val="75000"/>
+                        </a:schemeClr>
+                      </a:solidFill>
+                      <a:prstDash val="solid"/>
+                      <a:round/>
+                      <a:headEnd type="none" w="med" len="med"/>
+                      <a:tailEnd type="none" w="med" len="med"/>
+                    </a:lnR>
+                    <a:lnT w="12700" cap="flat" cmpd="sng" algn="ctr">
+                      <a:solidFill>
+                        <a:schemeClr val="bg2">
+                          <a:lumMod val="75000"/>
+                        </a:schemeClr>
+                      </a:solidFill>
+                      <a:prstDash val="solid"/>
+                      <a:round/>
+                      <a:headEnd type="none" w="med" len="med"/>
+                      <a:tailEnd type="none" w="med" len="med"/>
+                    </a:lnT>
+                    <a:lnB w="12700" cap="flat" cmpd="sng" algn="ctr">
+                      <a:solidFill>
+                        <a:schemeClr val="bg2">
+                          <a:lumMod val="75000"/>
+                        </a:schemeClr>
+                      </a:solidFill>
+                      <a:prstDash val="solid"/>
+                      <a:round/>
+                      <a:headEnd type="none" w="med" len="med"/>
+                      <a:tailEnd type="none" w="med" len="med"/>
+                    </a:lnB>
+                  </a:tcPr>
                 </a:tc>
                 <a:extLst>
                   <a:ext uri="{0D108BD9-81ED-4DB2-BD59-A6C34878D82A}">
@@ -9401,7 +9250,52 @@
                       </a:endParaRPr>
                     </a:p>
                   </a:txBody>
-                  <a:tcPr marL="105337" marR="105337" marT="0" marB="0" anchor="ctr"/>
+                  <a:tcPr marL="105337" marR="105337" marT="0" marB="0" anchor="ctr">
+                    <a:lnL w="12700" cap="flat" cmpd="sng" algn="ctr">
+                      <a:solidFill>
+                        <a:schemeClr val="bg2">
+                          <a:lumMod val="75000"/>
+                        </a:schemeClr>
+                      </a:solidFill>
+                      <a:prstDash val="solid"/>
+                      <a:round/>
+                      <a:headEnd type="none" w="med" len="med"/>
+                      <a:tailEnd type="none" w="med" len="med"/>
+                    </a:lnL>
+                    <a:lnR w="12700" cap="flat" cmpd="sng" algn="ctr">
+                      <a:solidFill>
+                        <a:schemeClr val="bg2">
+                          <a:lumMod val="75000"/>
+                        </a:schemeClr>
+                      </a:solidFill>
+                      <a:prstDash val="solid"/>
+                      <a:round/>
+                      <a:headEnd type="none" w="med" len="med"/>
+                      <a:tailEnd type="none" w="med" len="med"/>
+                    </a:lnR>
+                    <a:lnT w="12700" cap="flat" cmpd="sng" algn="ctr">
+                      <a:solidFill>
+                        <a:schemeClr val="bg2">
+                          <a:lumMod val="75000"/>
+                        </a:schemeClr>
+                      </a:solidFill>
+                      <a:prstDash val="solid"/>
+                      <a:round/>
+                      <a:headEnd type="none" w="med" len="med"/>
+                      <a:tailEnd type="none" w="med" len="med"/>
+                    </a:lnT>
+                    <a:lnB w="12700" cap="flat" cmpd="sng" algn="ctr">
+                      <a:solidFill>
+                        <a:schemeClr val="bg2">
+                          <a:lumMod val="75000"/>
+                        </a:schemeClr>
+                      </a:solidFill>
+                      <a:prstDash val="solid"/>
+                      <a:round/>
+                      <a:headEnd type="none" w="med" len="med"/>
+                      <a:tailEnd type="none" w="med" len="med"/>
+                    </a:lnB>
+                  </a:tcPr>
                 </a:tc>
                 <a:tc>
                   <a:txBody>
@@ -9429,7 +9323,52 @@
                       </a:endParaRPr>
                     </a:p>
                   </a:txBody>
-                  <a:tcPr marL="105337" marR="105337" marT="0" marB="0" anchor="ctr"/>
+                  <a:tcPr marL="105337" marR="105337" marT="0" marB="0" anchor="ctr">
+                    <a:lnL w="12700" cap="flat" cmpd="sng" algn="ctr">
+                      <a:solidFill>
+                        <a:schemeClr val="bg2">
+                          <a:lumMod val="75000"/>
+                        </a:schemeClr>
+                      </a:solidFill>
+                      <a:prstDash val="solid"/>
+                      <a:round/>
+                      <a:headEnd type="none" w="med" len="med"/>
+                      <a:tailEnd type="none" w="med" len="med"/>
+                    </a:lnL>
+                    <a:lnR w="12700" cap="flat" cmpd="sng" algn="ctr">
+                      <a:solidFill>
+                        <a:schemeClr val="bg2">
+                          <a:lumMod val="75000"/>
+                        </a:schemeClr>
+                      </a:solidFill>
+                      <a:prstDash val="solid"/>
+                      <a:round/>
+                      <a:headEnd type="none" w="med" len="med"/>
+                      <a:tailEnd type="none" w="med" len="med"/>
+                    </a:lnR>
+                    <a:lnT w="12700" cap="flat" cmpd="sng" algn="ctr">
+                      <a:solidFill>
+                        <a:schemeClr val="bg2">
+                          <a:lumMod val="75000"/>
+                        </a:schemeClr>
+                      </a:solidFill>
+                      <a:prstDash val="solid"/>
+                      <a:round/>
+                      <a:headEnd type="none" w="med" len="med"/>
+                      <a:tailEnd type="none" w="med" len="med"/>
+                    </a:lnT>
+                    <a:lnB w="12700" cap="flat" cmpd="sng" algn="ctr">
+                      <a:solidFill>
+                        <a:schemeClr val="bg2">
+                          <a:lumMod val="75000"/>
+                        </a:schemeClr>
+                      </a:solidFill>
+                      <a:prstDash val="solid"/>
+                      <a:round/>
+                      <a:headEnd type="none" w="med" len="med"/>
+                      <a:tailEnd type="none" w="med" len="med"/>
+                    </a:lnB>
+                  </a:tcPr>
                 </a:tc>
                 <a:tc>
                   <a:txBody>
@@ -9457,7 +9396,52 @@
                       </a:endParaRPr>
                     </a:p>
                   </a:txBody>
-                  <a:tcPr marL="105337" marR="105337" marT="0" marB="0" anchor="ctr"/>
+                  <a:tcPr marL="105337" marR="105337" marT="0" marB="0" anchor="ctr">
+                    <a:lnL w="12700" cap="flat" cmpd="sng" algn="ctr">
+                      <a:solidFill>
+                        <a:schemeClr val="bg2">
+                          <a:lumMod val="75000"/>
+                        </a:schemeClr>
+                      </a:solidFill>
+                      <a:prstDash val="solid"/>
+                      <a:round/>
+                      <a:headEnd type="none" w="med" len="med"/>
+                      <a:tailEnd type="none" w="med" len="med"/>
+                    </a:lnL>
+                    <a:lnR w="12700" cap="flat" cmpd="sng" algn="ctr">
+                      <a:solidFill>
+                        <a:schemeClr val="bg2">
+                          <a:lumMod val="75000"/>
+                        </a:schemeClr>
+                      </a:solidFill>
+                      <a:prstDash val="solid"/>
+                      <a:round/>
+                      <a:headEnd type="none" w="med" len="med"/>
+                      <a:tailEnd type="none" w="med" len="med"/>
+                    </a:lnR>
+                    <a:lnT w="12700" cap="flat" cmpd="sng" algn="ctr">
+                      <a:solidFill>
+                        <a:schemeClr val="bg2">
+                          <a:lumMod val="75000"/>
+                        </a:schemeClr>
+                      </a:solidFill>
+                      <a:prstDash val="solid"/>
+                      <a:round/>
+                      <a:headEnd type="none" w="med" len="med"/>
+                      <a:tailEnd type="none" w="med" len="med"/>
+                    </a:lnT>
+                    <a:lnB w="12700" cap="flat" cmpd="sng" algn="ctr">
+                      <a:solidFill>
+                        <a:schemeClr val="bg2">
+                          <a:lumMod val="75000"/>
+                        </a:schemeClr>
+                      </a:solidFill>
+                      <a:prstDash val="solid"/>
+                      <a:round/>
+                      <a:headEnd type="none" w="med" len="med"/>
+                      <a:tailEnd type="none" w="med" len="med"/>
+                    </a:lnB>
+                  </a:tcPr>
                 </a:tc>
                 <a:extLst>
                   <a:ext uri="{0D108BD9-81ED-4DB2-BD59-A6C34878D82A}">
@@ -9492,7 +9476,52 @@
                       </a:endParaRPr>
                     </a:p>
                   </a:txBody>
-                  <a:tcPr marL="105337" marR="105337" marT="0" marB="0" anchor="ctr"/>
+                  <a:tcPr marL="105337" marR="105337" marT="0" marB="0" anchor="ctr">
+                    <a:lnL w="12700" cap="flat" cmpd="sng" algn="ctr">
+                      <a:solidFill>
+                        <a:schemeClr val="bg2">
+                          <a:lumMod val="75000"/>
+                        </a:schemeClr>
+                      </a:solidFill>
+                      <a:prstDash val="solid"/>
+                      <a:round/>
+                      <a:headEnd type="none" w="med" len="med"/>
+                      <a:tailEnd type="none" w="med" len="med"/>
+                    </a:lnL>
+                    <a:lnR w="12700" cap="flat" cmpd="sng" algn="ctr">
+                      <a:solidFill>
+                        <a:schemeClr val="bg2">
+                          <a:lumMod val="75000"/>
+                        </a:schemeClr>
+                      </a:solidFill>
+                      <a:prstDash val="solid"/>
+                      <a:round/>
+                      <a:headEnd type="none" w="med" len="med"/>
+                      <a:tailEnd type="none" w="med" len="med"/>
+                    </a:lnR>
+                    <a:lnT w="12700" cap="flat" cmpd="sng" algn="ctr">
+                      <a:solidFill>
+                        <a:schemeClr val="bg2">
+                          <a:lumMod val="75000"/>
+                        </a:schemeClr>
+                      </a:solidFill>
+                      <a:prstDash val="solid"/>
+                      <a:round/>
+                      <a:headEnd type="none" w="med" len="med"/>
+                      <a:tailEnd type="none" w="med" len="med"/>
+                    </a:lnT>
+                    <a:lnB w="12700" cap="flat" cmpd="sng" algn="ctr">
+                      <a:solidFill>
+                        <a:schemeClr val="bg2">
+                          <a:lumMod val="75000"/>
+                        </a:schemeClr>
+                      </a:solidFill>
+                      <a:prstDash val="solid"/>
+                      <a:round/>
+                      <a:headEnd type="none" w="med" len="med"/>
+                      <a:tailEnd type="none" w="med" len="med"/>
+                    </a:lnB>
+                  </a:tcPr>
                 </a:tc>
                 <a:tc>
                   <a:txBody>
@@ -9520,7 +9549,52 @@
                       </a:endParaRPr>
                     </a:p>
                   </a:txBody>
-                  <a:tcPr marL="105337" marR="105337" marT="0" marB="0" anchor="ctr"/>
+                  <a:tcPr marL="105337" marR="105337" marT="0" marB="0" anchor="ctr">
+                    <a:lnL w="12700" cap="flat" cmpd="sng" algn="ctr">
+                      <a:solidFill>
+                        <a:schemeClr val="bg2">
+                          <a:lumMod val="75000"/>
+                        </a:schemeClr>
+                      </a:solidFill>
+                      <a:prstDash val="solid"/>
+                      <a:round/>
+                      <a:headEnd type="none" w="med" len="med"/>
+                      <a:tailEnd type="none" w="med" len="med"/>
+                    </a:lnL>
+                    <a:lnR w="12700" cap="flat" cmpd="sng" algn="ctr">
+                      <a:solidFill>
+                        <a:schemeClr val="bg2">
+                          <a:lumMod val="75000"/>
+                        </a:schemeClr>
+                      </a:solidFill>
+                      <a:prstDash val="solid"/>
+                      <a:round/>
+                      <a:headEnd type="none" w="med" len="med"/>
+                      <a:tailEnd type="none" w="med" len="med"/>
+                    </a:lnR>
+                    <a:lnT w="12700" cap="flat" cmpd="sng" algn="ctr">
+                      <a:solidFill>
+                        <a:schemeClr val="bg2">
+                          <a:lumMod val="75000"/>
+                        </a:schemeClr>
+                      </a:solidFill>
+                      <a:prstDash val="solid"/>
+                      <a:round/>
+                      <a:headEnd type="none" w="med" len="med"/>
+                      <a:tailEnd type="none" w="med" len="med"/>
+                    </a:lnT>
+                    <a:lnB w="12700" cap="flat" cmpd="sng" algn="ctr">
+                      <a:solidFill>
+                        <a:schemeClr val="bg2">
+                          <a:lumMod val="75000"/>
+                        </a:schemeClr>
+                      </a:solidFill>
+                      <a:prstDash val="solid"/>
+                      <a:round/>
+                      <a:headEnd type="none" w="med" len="med"/>
+                      <a:tailEnd type="none" w="med" len="med"/>
+                    </a:lnB>
+                  </a:tcPr>
                 </a:tc>
                 <a:tc>
                   <a:txBody>
@@ -9548,7 +9622,52 @@
                       </a:endParaRPr>
                     </a:p>
                   </a:txBody>
-                  <a:tcPr marL="105337" marR="105337" marT="0" marB="0" anchor="ctr"/>
+                  <a:tcPr marL="105337" marR="105337" marT="0" marB="0" anchor="ctr">
+                    <a:lnL w="12700" cap="flat" cmpd="sng" algn="ctr">
+                      <a:solidFill>
+                        <a:schemeClr val="bg2">
+                          <a:lumMod val="75000"/>
+                        </a:schemeClr>
+                      </a:solidFill>
+                      <a:prstDash val="solid"/>
+                      <a:round/>
+                      <a:headEnd type="none" w="med" len="med"/>
+                      <a:tailEnd type="none" w="med" len="med"/>
+                    </a:lnL>
+                    <a:lnR w="12700" cap="flat" cmpd="sng" algn="ctr">
+                      <a:solidFill>
+                        <a:schemeClr val="bg2">
+                          <a:lumMod val="75000"/>
+                        </a:schemeClr>
+                      </a:solidFill>
+                      <a:prstDash val="solid"/>
+                      <a:round/>
+                      <a:headEnd type="none" w="med" len="med"/>
+                      <a:tailEnd type="none" w="med" len="med"/>
+                    </a:lnR>
+                    <a:lnT w="12700" cap="flat" cmpd="sng" algn="ctr">
+                      <a:solidFill>
+                        <a:schemeClr val="bg2">
+                          <a:lumMod val="75000"/>
+                        </a:schemeClr>
+                      </a:solidFill>
+                      <a:prstDash val="solid"/>
+                      <a:round/>
+                      <a:headEnd type="none" w="med" len="med"/>
+                      <a:tailEnd type="none" w="med" len="med"/>
+                    </a:lnT>
+                    <a:lnB w="12700" cap="flat" cmpd="sng" algn="ctr">
+                      <a:solidFill>
+                        <a:schemeClr val="bg2">
+                          <a:lumMod val="75000"/>
+                        </a:schemeClr>
+                      </a:solidFill>
+                      <a:prstDash val="solid"/>
+                      <a:round/>
+                      <a:headEnd type="none" w="med" len="med"/>
+                      <a:tailEnd type="none" w="med" len="med"/>
+                    </a:lnB>
+                  </a:tcPr>
                 </a:tc>
                 <a:extLst>
                   <a:ext uri="{0D108BD9-81ED-4DB2-BD59-A6C34878D82A}">
@@ -9583,7 +9702,52 @@
                       </a:endParaRPr>
                     </a:p>
                   </a:txBody>
-                  <a:tcPr marL="105337" marR="105337" marT="0" marB="0" anchor="ctr"/>
+                  <a:tcPr marL="105337" marR="105337" marT="0" marB="0" anchor="ctr">
+                    <a:lnL w="12700" cap="flat" cmpd="sng" algn="ctr">
+                      <a:solidFill>
+                        <a:schemeClr val="bg2">
+                          <a:lumMod val="75000"/>
+                        </a:schemeClr>
+                      </a:solidFill>
+                      <a:prstDash val="solid"/>
+                      <a:round/>
+                      <a:headEnd type="none" w="med" len="med"/>
+                      <a:tailEnd type="none" w="med" len="med"/>
+                    </a:lnL>
+                    <a:lnR w="12700" cap="flat" cmpd="sng" algn="ctr">
+                      <a:solidFill>
+                        <a:schemeClr val="bg2">
+                          <a:lumMod val="75000"/>
+                        </a:schemeClr>
+                      </a:solidFill>
+                      <a:prstDash val="solid"/>
+                      <a:round/>
+                      <a:headEnd type="none" w="med" len="med"/>
+                      <a:tailEnd type="none" w="med" len="med"/>
+                    </a:lnR>
+                    <a:lnT w="12700" cap="flat" cmpd="sng" algn="ctr">
+                      <a:solidFill>
+                        <a:schemeClr val="bg2">
+                          <a:lumMod val="75000"/>
+                        </a:schemeClr>
+                      </a:solidFill>
+                      <a:prstDash val="solid"/>
+                      <a:round/>
+                      <a:headEnd type="none" w="med" len="med"/>
+                      <a:tailEnd type="none" w="med" len="med"/>
+                    </a:lnT>
+                    <a:lnB w="12700" cap="flat" cmpd="sng" algn="ctr">
+                      <a:solidFill>
+                        <a:schemeClr val="bg2">
+                          <a:lumMod val="75000"/>
+                        </a:schemeClr>
+                      </a:solidFill>
+                      <a:prstDash val="solid"/>
+                      <a:round/>
+                      <a:headEnd type="none" w="med" len="med"/>
+                      <a:tailEnd type="none" w="med" len="med"/>
+                    </a:lnB>
+                  </a:tcPr>
                 </a:tc>
                 <a:tc>
                   <a:txBody>
@@ -9611,7 +9775,52 @@
                       </a:endParaRPr>
                     </a:p>
                   </a:txBody>
-                  <a:tcPr marL="105337" marR="105337" marT="0" marB="0" anchor="ctr"/>
+                  <a:tcPr marL="105337" marR="105337" marT="0" marB="0" anchor="ctr">
+                    <a:lnL w="12700" cap="flat" cmpd="sng" algn="ctr">
+                      <a:solidFill>
+                        <a:schemeClr val="bg2">
+                          <a:lumMod val="75000"/>
+                        </a:schemeClr>
+                      </a:solidFill>
+                      <a:prstDash val="solid"/>
+                      <a:round/>
+                      <a:headEnd type="none" w="med" len="med"/>
+                      <a:tailEnd type="none" w="med" len="med"/>
+                    </a:lnL>
+                    <a:lnR w="12700" cap="flat" cmpd="sng" algn="ctr">
+                      <a:solidFill>
+                        <a:schemeClr val="bg2">
+                          <a:lumMod val="75000"/>
+                        </a:schemeClr>
+                      </a:solidFill>
+                      <a:prstDash val="solid"/>
+                      <a:round/>
+                      <a:headEnd type="none" w="med" len="med"/>
+                      <a:tailEnd type="none" w="med" len="med"/>
+                    </a:lnR>
+                    <a:lnT w="12700" cap="flat" cmpd="sng" algn="ctr">
+                      <a:solidFill>
+                        <a:schemeClr val="bg2">
+                          <a:lumMod val="75000"/>
+                        </a:schemeClr>
+                      </a:solidFill>
+                      <a:prstDash val="solid"/>
+                      <a:round/>
+                      <a:headEnd type="none" w="med" len="med"/>
+                      <a:tailEnd type="none" w="med" len="med"/>
+                    </a:lnT>
+                    <a:lnB w="12700" cap="flat" cmpd="sng" algn="ctr">
+                      <a:solidFill>
+                        <a:schemeClr val="bg2">
+                          <a:lumMod val="75000"/>
+                        </a:schemeClr>
+                      </a:solidFill>
+                      <a:prstDash val="solid"/>
+                      <a:round/>
+                      <a:headEnd type="none" w="med" len="med"/>
+                      <a:tailEnd type="none" w="med" len="med"/>
+                    </a:lnB>
+                  </a:tcPr>
                 </a:tc>
                 <a:tc>
                   <a:txBody>
@@ -9639,7 +9848,52 @@
                       </a:endParaRPr>
                     </a:p>
                   </a:txBody>
-                  <a:tcPr marL="105337" marR="105337" marT="0" marB="0" anchor="ctr"/>
+                  <a:tcPr marL="105337" marR="105337" marT="0" marB="0" anchor="ctr">
+                    <a:lnL w="12700" cap="flat" cmpd="sng" algn="ctr">
+                      <a:solidFill>
+                        <a:schemeClr val="bg2">
+                          <a:lumMod val="75000"/>
+                        </a:schemeClr>
+                      </a:solidFill>
+                      <a:prstDash val="solid"/>
+                      <a:round/>
+                      <a:headEnd type="none" w="med" len="med"/>
+                      <a:tailEnd type="none" w="med" len="med"/>
+                    </a:lnL>
+                    <a:lnR w="12700" cap="flat" cmpd="sng" algn="ctr">
+                      <a:solidFill>
+                        <a:schemeClr val="bg2">
+                          <a:lumMod val="75000"/>
+                        </a:schemeClr>
+                      </a:solidFill>
+                      <a:prstDash val="solid"/>
+                      <a:round/>
+                      <a:headEnd type="none" w="med" len="med"/>
+                      <a:tailEnd type="none" w="med" len="med"/>
+                    </a:lnR>
+                    <a:lnT w="12700" cap="flat" cmpd="sng" algn="ctr">
+                      <a:solidFill>
+                        <a:schemeClr val="bg2">
+                          <a:lumMod val="75000"/>
+                        </a:schemeClr>
+                      </a:solidFill>
+                      <a:prstDash val="solid"/>
+                      <a:round/>
+                      <a:headEnd type="none" w="med" len="med"/>
+                      <a:tailEnd type="none" w="med" len="med"/>
+                    </a:lnT>
+                    <a:lnB w="12700" cap="flat" cmpd="sng" algn="ctr">
+                      <a:solidFill>
+                        <a:schemeClr val="bg2">
+                          <a:lumMod val="75000"/>
+                        </a:schemeClr>
+                      </a:solidFill>
+                      <a:prstDash val="solid"/>
+                      <a:round/>
+                      <a:headEnd type="none" w="med" len="med"/>
+                      <a:tailEnd type="none" w="med" len="med"/>
+                    </a:lnB>
+                  </a:tcPr>
                 </a:tc>
                 <a:extLst>
                   <a:ext uri="{0D108BD9-81ED-4DB2-BD59-A6C34878D82A}">
@@ -9677,7 +9931,7 @@
                 <a:latin typeface="Times New Roman" panose="02020603050405020304" pitchFamily="18" charset="0"/>
                 <a:cs typeface="Times New Roman" panose="02020603050405020304" pitchFamily="18" charset="0"/>
               </a:rPr>
-              <a:t>15</a:t>
+              <a:t>13</a:t>
             </a:fld>
             <a:endParaRPr lang="ru-RU" dirty="0">
               <a:latin typeface="Times New Roman" panose="02020603050405020304" pitchFamily="18" charset="0"/>
@@ -9834,7 +10088,7 @@
 </p:sld>
 </file>
 
-<file path=ppt/slides/slide16.xml><?xml version="1.0" encoding="utf-8"?>
+<file path=ppt/slides/slide14.xml><?xml version="1.0" encoding="utf-8"?>
 <p:sld xmlns:a="http://schemas.openxmlformats.org/drawingml/2006/main" xmlns:r="http://schemas.openxmlformats.org/officeDocument/2006/relationships" xmlns:p="http://schemas.openxmlformats.org/presentationml/2006/main">
   <p:cSld>
     <p:spTree>
@@ -10050,7 +10304,7 @@
                 <a:latin typeface="Times New Roman" panose="02020603050405020304" pitchFamily="18" charset="0"/>
                 <a:cs typeface="Times New Roman" panose="02020603050405020304" pitchFamily="18" charset="0"/>
               </a:rPr>
-              <a:t>16</a:t>
+              <a:t>14</a:t>
             </a:fld>
             <a:endParaRPr lang="ru-RU" dirty="0">
               <a:latin typeface="Times New Roman" panose="02020603050405020304" pitchFamily="18" charset="0"/>
@@ -10125,7 +10379,7 @@
 </p:sld>
 </file>
 
-<file path=ppt/slides/slide17.xml><?xml version="1.0" encoding="utf-8"?>
+<file path=ppt/slides/slide15.xml><?xml version="1.0" encoding="utf-8"?>
 <p:sld xmlns:a="http://schemas.openxmlformats.org/drawingml/2006/main" xmlns:r="http://schemas.openxmlformats.org/officeDocument/2006/relationships" xmlns:p="http://schemas.openxmlformats.org/presentationml/2006/main">
   <p:cSld>
     <p:spTree>
@@ -10241,7 +10495,7 @@
                 <a:latin typeface="Times New Roman" panose="02020603050405020304" pitchFamily="18" charset="0"/>
                 <a:cs typeface="Times New Roman" panose="02020603050405020304" pitchFamily="18" charset="0"/>
               </a:rPr>
-              <a:t>17</a:t>
+              <a:t>15</a:t>
             </a:fld>
             <a:endParaRPr lang="ru-RU" sz="1800" dirty="0">
               <a:latin typeface="Times New Roman" panose="02020603050405020304" pitchFamily="18" charset="0"/>
@@ -10264,283 +10518,6 @@
 </file>
 
 <file path=ppt/slides/slide2.xml><?xml version="1.0" encoding="utf-8"?>
-<p:sld xmlns:a="http://schemas.openxmlformats.org/drawingml/2006/main" xmlns:r="http://schemas.openxmlformats.org/officeDocument/2006/relationships" xmlns:p="http://schemas.openxmlformats.org/presentationml/2006/main">
-  <p:cSld>
-    <p:spTree>
-      <p:nvGrpSpPr>
-        <p:cNvPr id="1" name=""/>
-        <p:cNvGrpSpPr/>
-        <p:nvPr/>
-      </p:nvGrpSpPr>
-      <p:grpSpPr>
-        <a:xfrm>
-          <a:off x="0" y="0"/>
-          <a:ext cx="0" cy="0"/>
-          <a:chOff x="0" y="0"/>
-          <a:chExt cx="0" cy="0"/>
-        </a:xfrm>
-      </p:grpSpPr>
-      <p:sp>
-        <p:nvSpPr>
-          <p:cNvPr id="2" name="Заголовок 1"/>
-          <p:cNvSpPr>
-            <a:spLocks noGrp="1"/>
-          </p:cNvSpPr>
-          <p:nvPr>
-            <p:ph type="title"/>
-          </p:nvPr>
-        </p:nvSpPr>
-        <p:spPr/>
-        <p:txBody>
-          <a:bodyPr/>
-          <a:lstStyle/>
-          <a:p>
-            <a:r>
-              <a:rPr lang="ru-RU" dirty="0">
-                <a:latin typeface="Times New Roman" panose="02020603050405020304" pitchFamily="18" charset="0"/>
-                <a:cs typeface="Times New Roman" panose="02020603050405020304" pitchFamily="18" charset="0"/>
-              </a:rPr>
-              <a:t>Однопоточное и многопоточное соединение с базой данных </a:t>
-            </a:r>
-          </a:p>
-        </p:txBody>
-      </p:sp>
-      <p:sp>
-        <p:nvSpPr>
-          <p:cNvPr id="4" name="Номер слайда 3"/>
-          <p:cNvSpPr>
-            <a:spLocks noGrp="1"/>
-          </p:cNvSpPr>
-          <p:nvPr>
-            <p:ph type="sldNum" sz="quarter" idx="12"/>
-          </p:nvPr>
-        </p:nvSpPr>
-        <p:spPr/>
-        <p:txBody>
-          <a:bodyPr/>
-          <a:lstStyle/>
-          <a:p>
-            <a:fld id="{5D15703D-96D9-4C94-B196-0ED7D1E8A93C}" type="slidenum">
-              <a:rPr lang="ru-RU" sz="1800" smtClean="0">
-                <a:latin typeface="Times New Roman" panose="02020603050405020304" pitchFamily="18" charset="0"/>
-                <a:cs typeface="Times New Roman" panose="02020603050405020304" pitchFamily="18" charset="0"/>
-              </a:rPr>
-              <a:t>2</a:t>
-            </a:fld>
-            <a:endParaRPr lang="ru-RU" sz="1800" dirty="0">
-              <a:latin typeface="Times New Roman" panose="02020603050405020304" pitchFamily="18" charset="0"/>
-              <a:cs typeface="Times New Roman" panose="02020603050405020304" pitchFamily="18" charset="0"/>
-            </a:endParaRPr>
-          </a:p>
-        </p:txBody>
-      </p:sp>
-      <p:graphicFrame>
-        <p:nvGraphicFramePr>
-          <p:cNvPr id="5" name="Объект 4"/>
-          <p:cNvGraphicFramePr>
-            <a:graphicFrameLocks noGrp="1"/>
-          </p:cNvGraphicFramePr>
-          <p:nvPr>
-            <p:ph idx="1"/>
-            <p:extLst>
-              <p:ext uri="{D42A27DB-BD31-4B8C-83A1-F6EECF244321}">
-                <p14:modId xmlns:p14="http://schemas.microsoft.com/office/powerpoint/2010/main" val="1842653542"/>
-              </p:ext>
-            </p:extLst>
-          </p:nvPr>
-        </p:nvGraphicFramePr>
-        <p:xfrm>
-          <a:off x="838201" y="2244870"/>
-          <a:ext cx="5505449" cy="3311004"/>
-        </p:xfrm>
-        <a:graphic>
-          <a:graphicData uri="http://schemas.openxmlformats.org/drawingml/2006/chart">
-            <c:chart xmlns:c="http://schemas.openxmlformats.org/drawingml/2006/chart" xmlns:r="http://schemas.openxmlformats.org/officeDocument/2006/relationships" r:id="rId3"/>
-          </a:graphicData>
-        </a:graphic>
-      </p:graphicFrame>
-      <p:sp>
-        <p:nvSpPr>
-          <p:cNvPr id="7" name="TextBox 6">
-            <a:extLst>
-              <a:ext uri="{FF2B5EF4-FFF2-40B4-BE49-F238E27FC236}">
-                <a16:creationId xmlns:a16="http://schemas.microsoft.com/office/drawing/2014/main" id="{75ADA113-DC39-6365-BA19-1217069D81E3}"/>
-              </a:ext>
-            </a:extLst>
-          </p:cNvPr>
-          <p:cNvSpPr txBox="1"/>
-          <p:nvPr/>
-        </p:nvSpPr>
-        <p:spPr>
-          <a:xfrm>
-            <a:off x="6781801" y="2445109"/>
-            <a:ext cx="4571998" cy="1631216"/>
-          </a:xfrm>
-          <a:prstGeom prst="rect">
-            <a:avLst/>
-          </a:prstGeom>
-          <a:noFill/>
-        </p:spPr>
-        <p:txBody>
-          <a:bodyPr wrap="square" rtlCol="0">
-            <a:spAutoFit/>
-          </a:bodyPr>
-          <a:lstStyle/>
-          <a:p>
-            <a:r>
-              <a:rPr lang="ru-RU" sz="2000" dirty="0">
-                <a:solidFill>
-                  <a:srgbClr val="000000"/>
-                </a:solidFill>
-                <a:latin typeface="Times New Roman" panose="02020603050405020304" pitchFamily="18" charset="0"/>
-              </a:rPr>
-              <a:t>Доступ к </a:t>
-            </a:r>
-            <a:r>
-              <a:rPr lang="ru-RU" sz="2000" b="0" i="0" u="none" strike="noStrike" baseline="0" dirty="0">
-                <a:solidFill>
-                  <a:srgbClr val="000000"/>
-                </a:solidFill>
-                <a:latin typeface="Times New Roman" panose="02020603050405020304" pitchFamily="18" charset="0"/>
-              </a:rPr>
-              <a:t>БД объемом 100.000 записей.</a:t>
-            </a:r>
-          </a:p>
-          <a:p>
-            <a:r>
-              <a:rPr lang="ru-RU" sz="2000" dirty="0">
-                <a:solidFill>
-                  <a:srgbClr val="000000"/>
-                </a:solidFill>
-                <a:latin typeface="Times New Roman" panose="02020603050405020304" pitchFamily="18" charset="0"/>
-              </a:rPr>
-              <a:t>Многопоточная программа:</a:t>
-            </a:r>
-            <a:endParaRPr lang="ru-RU" sz="2000" b="0" i="0" u="none" strike="noStrike" baseline="0" dirty="0">
-              <a:solidFill>
-                <a:srgbClr val="000000"/>
-              </a:solidFill>
-              <a:latin typeface="Times New Roman" panose="02020603050405020304" pitchFamily="18" charset="0"/>
-            </a:endParaRPr>
-          </a:p>
-          <a:p>
-            <a:pPr marL="285750" indent="-285750">
-              <a:buFont typeface="Arial" panose="020B0604020202020204" pitchFamily="34" charset="0"/>
-              <a:buChar char="•"/>
-            </a:pPr>
-            <a:r>
-              <a:rPr lang="ru-RU" sz="2000" b="0" i="0" u="none" strike="noStrike" baseline="0" dirty="0">
-                <a:solidFill>
-                  <a:srgbClr val="000000"/>
-                </a:solidFill>
-                <a:latin typeface="Times New Roman" panose="02020603050405020304" pitchFamily="18" charset="0"/>
-              </a:rPr>
-              <a:t>в 1000 раз быстрее;</a:t>
-            </a:r>
-            <a:endParaRPr lang="en-US" sz="2000" b="0" i="0" u="none" strike="noStrike" baseline="0" dirty="0">
-              <a:latin typeface="Times New Roman" panose="02020603050405020304" pitchFamily="18" charset="0"/>
-            </a:endParaRPr>
-          </a:p>
-          <a:p>
-            <a:pPr marL="285750" indent="-285750">
-              <a:buFont typeface="Arial" panose="020B0604020202020204" pitchFamily="34" charset="0"/>
-              <a:buChar char="•"/>
-            </a:pPr>
-            <a:r>
-              <a:rPr lang="ru-RU" sz="2000" dirty="0">
-                <a:latin typeface="Times New Roman" panose="02020603050405020304" pitchFamily="18" charset="0"/>
-              </a:rPr>
-              <a:t>ошибка памяти</a:t>
-            </a:r>
-            <a:r>
-              <a:rPr lang="ru-RU" sz="2000" b="0" i="0" u="none" strike="noStrike" baseline="0" dirty="0">
-                <a:latin typeface="Times New Roman" panose="02020603050405020304" pitchFamily="18" charset="0"/>
-              </a:rPr>
-              <a:t> при 10.000 и более соединений.</a:t>
-            </a:r>
-          </a:p>
-        </p:txBody>
-      </p:sp>
-      <p:sp>
-        <p:nvSpPr>
-          <p:cNvPr id="11" name="TextBox 10">
-            <a:extLst>
-              <a:ext uri="{FF2B5EF4-FFF2-40B4-BE49-F238E27FC236}">
-                <a16:creationId xmlns:a16="http://schemas.microsoft.com/office/drawing/2014/main" id="{CC44C7D7-5CF8-B4B0-413C-EE04B11C1BFE}"/>
-              </a:ext>
-            </a:extLst>
-          </p:cNvPr>
-          <p:cNvSpPr txBox="1"/>
-          <p:nvPr/>
-        </p:nvSpPr>
-        <p:spPr>
-          <a:xfrm>
-            <a:off x="6781801" y="4309408"/>
-            <a:ext cx="4571998" cy="707886"/>
-          </a:xfrm>
-          <a:prstGeom prst="rect">
-            <a:avLst/>
-          </a:prstGeom>
-          <a:noFill/>
-        </p:spPr>
-        <p:txBody>
-          <a:bodyPr wrap="square">
-            <a:spAutoFit/>
-          </a:bodyPr>
-          <a:lstStyle/>
-          <a:p>
-            <a:r>
-              <a:rPr lang="ru-RU" sz="2000" dirty="0">
-                <a:solidFill>
-                  <a:srgbClr val="000000"/>
-                </a:solidFill>
-                <a:latin typeface="Times New Roman" panose="02020603050405020304" pitchFamily="18" charset="0"/>
-              </a:rPr>
-              <a:t>П</a:t>
-            </a:r>
-            <a:r>
-              <a:rPr lang="ru-RU" sz="2000" b="0" i="0" u="none" strike="noStrike" baseline="0" dirty="0">
-                <a:solidFill>
-                  <a:srgbClr val="000000"/>
-                </a:solidFill>
-                <a:latin typeface="Times New Roman" panose="02020603050405020304" pitchFamily="18" charset="0"/>
-              </a:rPr>
-              <a:t>роцесс подключения занимает </a:t>
-            </a:r>
-          </a:p>
-          <a:p>
-            <a:r>
-              <a:rPr lang="ru-RU" sz="2000" b="0" i="0" u="none" strike="noStrike" baseline="0" dirty="0">
-                <a:solidFill>
-                  <a:srgbClr val="000000"/>
-                </a:solidFill>
-                <a:latin typeface="Times New Roman" panose="02020603050405020304" pitchFamily="18" charset="0"/>
-              </a:rPr>
-              <a:t>2-3 МБ памяти. </a:t>
-            </a:r>
-            <a:endParaRPr lang="ru-RU" sz="2000" dirty="0"/>
-          </a:p>
-        </p:txBody>
-      </p:sp>
-    </p:spTree>
-    <p:extLst>
-      <p:ext uri="{BB962C8B-B14F-4D97-AF65-F5344CB8AC3E}">
-        <p14:creationId xmlns:p14="http://schemas.microsoft.com/office/powerpoint/2010/main" val="3963753601"/>
-      </p:ext>
-    </p:extLst>
-  </p:cSld>
-  <p:clrMapOvr>
-    <a:masterClrMapping/>
-  </p:clrMapOvr>
-  <p:extLst>
-    <p:ext uri="{6950BFC3-D8DA-4A85-94F7-54DA5524770B}">
-      <p188:commentRel xmlns:p188="http://schemas.microsoft.com/office/powerpoint/2018/8/main" r:id="rId2"/>
-    </p:ext>
-  </p:extLst>
-</p:sld>
-</file>
-
-<file path=ppt/slides/slide3.xml><?xml version="1.0" encoding="utf-8"?>
 <p:sld xmlns:a="http://schemas.openxmlformats.org/drawingml/2006/main" xmlns:r="http://schemas.openxmlformats.org/officeDocument/2006/relationships" xmlns:p="http://schemas.openxmlformats.org/presentationml/2006/main">
   <p:cSld>
     <p:spTree>
@@ -10914,7 +10891,7 @@
                 <a:latin typeface="Times New Roman" panose="02020603050405020304" pitchFamily="18" charset="0"/>
                 <a:cs typeface="Times New Roman" panose="02020603050405020304" pitchFamily="18" charset="0"/>
               </a:rPr>
-              <a:t>3</a:t>
+              <a:t>2</a:t>
             </a:fld>
             <a:endParaRPr lang="ru-RU" dirty="0">
               <a:latin typeface="Times New Roman" panose="02020603050405020304" pitchFamily="18" charset="0"/>
@@ -10936,6 +10913,283 @@
   <p:extLst>
     <p:ext uri="{6950BFC3-D8DA-4A85-94F7-54DA5524770B}">
       <p188:commentRel xmlns:p188="http://schemas.microsoft.com/office/powerpoint/2018/8/main" r:id="rId3"/>
+    </p:ext>
+  </p:extLst>
+</p:sld>
+</file>
+
+<file path=ppt/slides/slide3.xml><?xml version="1.0" encoding="utf-8"?>
+<p:sld xmlns:a="http://schemas.openxmlformats.org/drawingml/2006/main" xmlns:r="http://schemas.openxmlformats.org/officeDocument/2006/relationships" xmlns:p="http://schemas.openxmlformats.org/presentationml/2006/main">
+  <p:cSld>
+    <p:spTree>
+      <p:nvGrpSpPr>
+        <p:cNvPr id="1" name=""/>
+        <p:cNvGrpSpPr/>
+        <p:nvPr/>
+      </p:nvGrpSpPr>
+      <p:grpSpPr>
+        <a:xfrm>
+          <a:off x="0" y="0"/>
+          <a:ext cx="0" cy="0"/>
+          <a:chOff x="0" y="0"/>
+          <a:chExt cx="0" cy="0"/>
+        </a:xfrm>
+      </p:grpSpPr>
+      <p:sp>
+        <p:nvSpPr>
+          <p:cNvPr id="2" name="Заголовок 1"/>
+          <p:cNvSpPr>
+            <a:spLocks noGrp="1"/>
+          </p:cNvSpPr>
+          <p:nvPr>
+            <p:ph type="title"/>
+          </p:nvPr>
+        </p:nvSpPr>
+        <p:spPr/>
+        <p:txBody>
+          <a:bodyPr/>
+          <a:lstStyle/>
+          <a:p>
+            <a:r>
+              <a:rPr lang="ru-RU" dirty="0">
+                <a:latin typeface="Times New Roman" panose="02020603050405020304" pitchFamily="18" charset="0"/>
+                <a:cs typeface="Times New Roman" panose="02020603050405020304" pitchFamily="18" charset="0"/>
+              </a:rPr>
+              <a:t>Однопоточное и многопоточное соединение с базой данных </a:t>
+            </a:r>
+          </a:p>
+        </p:txBody>
+      </p:sp>
+      <p:sp>
+        <p:nvSpPr>
+          <p:cNvPr id="4" name="Номер слайда 3"/>
+          <p:cNvSpPr>
+            <a:spLocks noGrp="1"/>
+          </p:cNvSpPr>
+          <p:nvPr>
+            <p:ph type="sldNum" sz="quarter" idx="12"/>
+          </p:nvPr>
+        </p:nvSpPr>
+        <p:spPr/>
+        <p:txBody>
+          <a:bodyPr/>
+          <a:lstStyle/>
+          <a:p>
+            <a:fld id="{5D15703D-96D9-4C94-B196-0ED7D1E8A93C}" type="slidenum">
+              <a:rPr lang="ru-RU" sz="1800" smtClean="0">
+                <a:latin typeface="Times New Roman" panose="02020603050405020304" pitchFamily="18" charset="0"/>
+                <a:cs typeface="Times New Roman" panose="02020603050405020304" pitchFamily="18" charset="0"/>
+              </a:rPr>
+              <a:t>3</a:t>
+            </a:fld>
+            <a:endParaRPr lang="ru-RU" sz="1800" dirty="0">
+              <a:latin typeface="Times New Roman" panose="02020603050405020304" pitchFamily="18" charset="0"/>
+              <a:cs typeface="Times New Roman" panose="02020603050405020304" pitchFamily="18" charset="0"/>
+            </a:endParaRPr>
+          </a:p>
+        </p:txBody>
+      </p:sp>
+      <p:graphicFrame>
+        <p:nvGraphicFramePr>
+          <p:cNvPr id="5" name="Объект 4"/>
+          <p:cNvGraphicFramePr>
+            <a:graphicFrameLocks noGrp="1"/>
+          </p:cNvGraphicFramePr>
+          <p:nvPr>
+            <p:ph idx="1"/>
+            <p:extLst>
+              <p:ext uri="{D42A27DB-BD31-4B8C-83A1-F6EECF244321}">
+                <p14:modId xmlns:p14="http://schemas.microsoft.com/office/powerpoint/2010/main" val="420595603"/>
+              </p:ext>
+            </p:extLst>
+          </p:nvPr>
+        </p:nvGraphicFramePr>
+        <p:xfrm>
+          <a:off x="838200" y="2420823"/>
+          <a:ext cx="5505449" cy="3311004"/>
+        </p:xfrm>
+        <a:graphic>
+          <a:graphicData uri="http://schemas.openxmlformats.org/drawingml/2006/chart">
+            <c:chart xmlns:c="http://schemas.openxmlformats.org/drawingml/2006/chart" xmlns:r="http://schemas.openxmlformats.org/officeDocument/2006/relationships" r:id="rId3"/>
+          </a:graphicData>
+        </a:graphic>
+      </p:graphicFrame>
+      <p:sp>
+        <p:nvSpPr>
+          <p:cNvPr id="7" name="TextBox 6">
+            <a:extLst>
+              <a:ext uri="{FF2B5EF4-FFF2-40B4-BE49-F238E27FC236}">
+                <a16:creationId xmlns:a16="http://schemas.microsoft.com/office/drawing/2014/main" id="{75ADA113-DC39-6365-BA19-1217069D81E3}"/>
+              </a:ext>
+            </a:extLst>
+          </p:cNvPr>
+          <p:cNvSpPr txBox="1"/>
+          <p:nvPr/>
+        </p:nvSpPr>
+        <p:spPr>
+          <a:xfrm>
+            <a:off x="6781801" y="2548592"/>
+            <a:ext cx="4571998" cy="1631216"/>
+          </a:xfrm>
+          <a:prstGeom prst="rect">
+            <a:avLst/>
+          </a:prstGeom>
+          <a:noFill/>
+        </p:spPr>
+        <p:txBody>
+          <a:bodyPr wrap="square" rtlCol="0">
+            <a:spAutoFit/>
+          </a:bodyPr>
+          <a:lstStyle/>
+          <a:p>
+            <a:r>
+              <a:rPr lang="ru-RU" sz="2000" dirty="0">
+                <a:solidFill>
+                  <a:srgbClr val="000000"/>
+                </a:solidFill>
+                <a:latin typeface="Times New Roman" panose="02020603050405020304" pitchFamily="18" charset="0"/>
+              </a:rPr>
+              <a:t>Доступ к </a:t>
+            </a:r>
+            <a:r>
+              <a:rPr lang="ru-RU" sz="2000" b="0" i="0" u="none" strike="noStrike" baseline="0" dirty="0">
+                <a:solidFill>
+                  <a:srgbClr val="000000"/>
+                </a:solidFill>
+                <a:latin typeface="Times New Roman" panose="02020603050405020304" pitchFamily="18" charset="0"/>
+              </a:rPr>
+              <a:t>БД объемом 100.000 записей.</a:t>
+            </a:r>
+          </a:p>
+          <a:p>
+            <a:r>
+              <a:rPr lang="ru-RU" sz="2000" dirty="0">
+                <a:solidFill>
+                  <a:srgbClr val="000000"/>
+                </a:solidFill>
+                <a:latin typeface="Times New Roman" panose="02020603050405020304" pitchFamily="18" charset="0"/>
+              </a:rPr>
+              <a:t>Многопоточная программа:</a:t>
+            </a:r>
+            <a:endParaRPr lang="ru-RU" sz="2000" b="0" i="0" u="none" strike="noStrike" baseline="0" dirty="0">
+              <a:solidFill>
+                <a:srgbClr val="000000"/>
+              </a:solidFill>
+              <a:latin typeface="Times New Roman" panose="02020603050405020304" pitchFamily="18" charset="0"/>
+            </a:endParaRPr>
+          </a:p>
+          <a:p>
+            <a:pPr marL="285750" indent="-285750">
+              <a:buFont typeface="Arial" panose="020B0604020202020204" pitchFamily="34" charset="0"/>
+              <a:buChar char="•"/>
+            </a:pPr>
+            <a:r>
+              <a:rPr lang="ru-RU" sz="2000" b="0" i="0" u="none" strike="noStrike" baseline="0" dirty="0">
+                <a:solidFill>
+                  <a:srgbClr val="000000"/>
+                </a:solidFill>
+                <a:latin typeface="Times New Roman" panose="02020603050405020304" pitchFamily="18" charset="0"/>
+              </a:rPr>
+              <a:t>в 1000 раз быстрее;</a:t>
+            </a:r>
+            <a:endParaRPr lang="en-US" sz="2000" b="0" i="0" u="none" strike="noStrike" baseline="0" dirty="0">
+              <a:latin typeface="Times New Roman" panose="02020603050405020304" pitchFamily="18" charset="0"/>
+            </a:endParaRPr>
+          </a:p>
+          <a:p>
+            <a:pPr marL="285750" indent="-285750">
+              <a:buFont typeface="Arial" panose="020B0604020202020204" pitchFamily="34" charset="0"/>
+              <a:buChar char="•"/>
+            </a:pPr>
+            <a:r>
+              <a:rPr lang="ru-RU" sz="2000" dirty="0">
+                <a:latin typeface="Times New Roman" panose="02020603050405020304" pitchFamily="18" charset="0"/>
+              </a:rPr>
+              <a:t>ошибка памяти</a:t>
+            </a:r>
+            <a:r>
+              <a:rPr lang="ru-RU" sz="2000" b="0" i="0" u="none" strike="noStrike" baseline="0" dirty="0">
+                <a:latin typeface="Times New Roman" panose="02020603050405020304" pitchFamily="18" charset="0"/>
+              </a:rPr>
+              <a:t> при 10.000 и более соединений.</a:t>
+            </a:r>
+          </a:p>
+        </p:txBody>
+      </p:sp>
+      <p:sp>
+        <p:nvSpPr>
+          <p:cNvPr id="11" name="TextBox 10">
+            <a:extLst>
+              <a:ext uri="{FF2B5EF4-FFF2-40B4-BE49-F238E27FC236}">
+                <a16:creationId xmlns:a16="http://schemas.microsoft.com/office/drawing/2014/main" id="{CC44C7D7-5CF8-B4B0-413C-EE04B11C1BFE}"/>
+              </a:ext>
+            </a:extLst>
+          </p:cNvPr>
+          <p:cNvSpPr txBox="1"/>
+          <p:nvPr/>
+        </p:nvSpPr>
+        <p:spPr>
+          <a:xfrm>
+            <a:off x="6781801" y="4560193"/>
+            <a:ext cx="4571998" cy="707886"/>
+          </a:xfrm>
+          <a:prstGeom prst="rect">
+            <a:avLst/>
+          </a:prstGeom>
+          <a:noFill/>
+        </p:spPr>
+        <p:txBody>
+          <a:bodyPr wrap="square">
+            <a:spAutoFit/>
+          </a:bodyPr>
+          <a:lstStyle/>
+          <a:p>
+            <a:r>
+              <a:rPr lang="ru-RU" sz="2000" dirty="0">
+                <a:solidFill>
+                  <a:srgbClr val="000000"/>
+                </a:solidFill>
+                <a:latin typeface="Times New Roman" panose="02020603050405020304" pitchFamily="18" charset="0"/>
+              </a:rPr>
+              <a:t>П</a:t>
+            </a:r>
+            <a:r>
+              <a:rPr lang="ru-RU" sz="2000" b="0" i="0" u="none" strike="noStrike" baseline="0" dirty="0">
+                <a:solidFill>
+                  <a:srgbClr val="000000"/>
+                </a:solidFill>
+                <a:latin typeface="Times New Roman" panose="02020603050405020304" pitchFamily="18" charset="0"/>
+              </a:rPr>
+              <a:t>роцесс подключения занимает </a:t>
+            </a:r>
+          </a:p>
+          <a:p>
+            <a:r>
+              <a:rPr lang="ru-RU" sz="2000" b="0" i="0" u="none" strike="noStrike" baseline="0" dirty="0">
+                <a:solidFill>
+                  <a:srgbClr val="000000"/>
+                </a:solidFill>
+                <a:latin typeface="Times New Roman" panose="02020603050405020304" pitchFamily="18" charset="0"/>
+              </a:rPr>
+              <a:t>2-3 МБ памяти. </a:t>
+            </a:r>
+            <a:endParaRPr lang="ru-RU" sz="2000" dirty="0"/>
+          </a:p>
+        </p:txBody>
+      </p:sp>
+    </p:spTree>
+    <p:extLst>
+      <p:ext uri="{BB962C8B-B14F-4D97-AF65-F5344CB8AC3E}">
+        <p14:creationId xmlns:p14="http://schemas.microsoft.com/office/powerpoint/2010/main" val="3963753601"/>
+      </p:ext>
+    </p:extLst>
+  </p:cSld>
+  <p:clrMapOvr>
+    <a:masterClrMapping/>
+  </p:clrMapOvr>
+  <p:extLst>
+    <p:ext uri="{6950BFC3-D8DA-4A85-94F7-54DA5524770B}">
+      <p188:commentRel xmlns:p188="http://schemas.microsoft.com/office/powerpoint/2018/8/main" r:id="rId2"/>
     </p:ext>
   </p:extLst>
 </p:sld>
@@ -10968,7 +11222,12 @@
             <p:ph type="title"/>
           </p:nvPr>
         </p:nvSpPr>
-        <p:spPr/>
+        <p:spPr>
+          <a:xfrm>
+            <a:off x="511578" y="277807"/>
+            <a:ext cx="10515600" cy="1325563"/>
+          </a:xfrm>
+        </p:spPr>
         <p:txBody>
           <a:bodyPr/>
           <a:lstStyle/>
@@ -11045,609 +11304,14 @@
         </p:blipFill>
         <p:spPr>
           <a:xfrm>
-            <a:off x="5913347" y="2225941"/>
-            <a:ext cx="5633195" cy="3117028"/>
+            <a:off x="511578" y="2178123"/>
+            <a:ext cx="5390194" cy="2982568"/>
           </a:xfrm>
           <a:prstGeom prst="rect">
             <a:avLst/>
           </a:prstGeom>
         </p:spPr>
       </p:pic>
-      <p:sp>
-        <p:nvSpPr>
-          <p:cNvPr id="4" name="TextBox 3">
-            <a:extLst>
-              <a:ext uri="{FF2B5EF4-FFF2-40B4-BE49-F238E27FC236}">
-                <a16:creationId xmlns:a16="http://schemas.microsoft.com/office/drawing/2014/main" id="{53CC8D22-0E43-35A7-E466-76647D9CCA71}"/>
-              </a:ext>
-            </a:extLst>
-          </p:cNvPr>
-          <p:cNvSpPr txBox="1"/>
-          <p:nvPr/>
-        </p:nvSpPr>
-        <p:spPr>
-          <a:xfrm>
-            <a:off x="764727" y="4313686"/>
-            <a:ext cx="3941744" cy="1015663"/>
-          </a:xfrm>
-          <a:prstGeom prst="rect">
-            <a:avLst/>
-          </a:prstGeom>
-          <a:noFill/>
-        </p:spPr>
-        <p:txBody>
-          <a:bodyPr wrap="square" rtlCol="0">
-            <a:spAutoFit/>
-          </a:bodyPr>
-          <a:lstStyle/>
-          <a:p>
-            <a:r>
-              <a:rPr lang="en-US" sz="2000" dirty="0">
-                <a:latin typeface="Times New Roman" panose="02020603050405020304" pitchFamily="18" charset="0"/>
-                <a:cs typeface="Times New Roman" panose="02020603050405020304" pitchFamily="18" charset="0"/>
-              </a:rPr>
-              <a:t>PostgreSQL (14.2):</a:t>
-            </a:r>
-          </a:p>
-          <a:p>
-            <a:pPr marL="285750" indent="-285750">
-              <a:buFont typeface="Arial" panose="020B0604020202020204" pitchFamily="34" charset="0"/>
-              <a:buChar char="•"/>
-            </a:pPr>
-            <a:r>
-              <a:rPr lang="ru-RU" sz="2000" dirty="0">
-                <a:latin typeface="Times New Roman" panose="02020603050405020304" pitchFamily="18" charset="0"/>
-                <a:cs typeface="Times New Roman" panose="02020603050405020304" pitchFamily="18" charset="0"/>
-              </a:rPr>
-              <a:t>доступность исходного кода;</a:t>
-            </a:r>
-          </a:p>
-          <a:p>
-            <a:pPr marL="285750" indent="-285750">
-              <a:buFont typeface="Arial" panose="020B0604020202020204" pitchFamily="34" charset="0"/>
-              <a:buChar char="•"/>
-            </a:pPr>
-            <a:r>
-              <a:rPr lang="ru-RU" sz="2000" dirty="0">
-                <a:latin typeface="Times New Roman" panose="02020603050405020304" pitchFamily="18" charset="0"/>
-                <a:cs typeface="Times New Roman" panose="02020603050405020304" pitchFamily="18" charset="0"/>
-              </a:rPr>
-              <a:t>кроссплатформенность.</a:t>
-            </a:r>
-          </a:p>
-        </p:txBody>
-      </p:sp>
-      <p:graphicFrame>
-        <p:nvGraphicFramePr>
-          <p:cNvPr id="8" name="Таблица 7">
-            <a:extLst>
-              <a:ext uri="{FF2B5EF4-FFF2-40B4-BE49-F238E27FC236}">
-                <a16:creationId xmlns:a16="http://schemas.microsoft.com/office/drawing/2014/main" id="{712A6E9C-6120-F809-1D87-58A8A6B3277E}"/>
-              </a:ext>
-            </a:extLst>
-          </p:cNvPr>
-          <p:cNvGraphicFramePr>
-            <a:graphicFrameLocks noGrp="1"/>
-          </p:cNvGraphicFramePr>
-          <p:nvPr>
-            <p:extLst>
-              <p:ext uri="{D42A27DB-BD31-4B8C-83A1-F6EECF244321}">
-                <p14:modId xmlns:p14="http://schemas.microsoft.com/office/powerpoint/2010/main" val="1874062603"/>
-              </p:ext>
-            </p:extLst>
-          </p:nvPr>
-        </p:nvGraphicFramePr>
-        <p:xfrm>
-          <a:off x="764727" y="2321415"/>
-          <a:ext cx="4446495" cy="1463040"/>
-        </p:xfrm>
-        <a:graphic>
-          <a:graphicData uri="http://schemas.openxmlformats.org/drawingml/2006/table">
-            <a:tbl>
-              <a:tblPr firstRow="1" bandRow="1">
-                <a:tableStyleId>{F5AB1C69-6EDB-4FF4-983F-18BD219EF322}</a:tableStyleId>
-              </a:tblPr>
-              <a:tblGrid>
-                <a:gridCol w="977154">
-                  <a:extLst>
-                    <a:ext uri="{9D8B030D-6E8A-4147-A177-3AD203B41FA5}">
-                      <a16:colId xmlns:a16="http://schemas.microsoft.com/office/drawing/2014/main" val="1651366923"/>
-                    </a:ext>
-                  </a:extLst>
-                </a:gridCol>
-                <a:gridCol w="2026023">
-                  <a:extLst>
-                    <a:ext uri="{9D8B030D-6E8A-4147-A177-3AD203B41FA5}">
-                      <a16:colId xmlns:a16="http://schemas.microsoft.com/office/drawing/2014/main" val="2097400050"/>
-                    </a:ext>
-                  </a:extLst>
-                </a:gridCol>
-                <a:gridCol w="1443318">
-                  <a:extLst>
-                    <a:ext uri="{9D8B030D-6E8A-4147-A177-3AD203B41FA5}">
-                      <a16:colId xmlns:a16="http://schemas.microsoft.com/office/drawing/2014/main" val="898337953"/>
-                    </a:ext>
-                  </a:extLst>
-                </a:gridCol>
-              </a:tblGrid>
-              <a:tr h="0">
-                <a:tc>
-                  <a:txBody>
-                    <a:bodyPr/>
-                    <a:lstStyle/>
-                    <a:p>
-                      <a:pPr indent="0" algn="l"/>
-                      <a:r>
-                        <a:rPr lang="ru-RU" sz="1600" kern="150" dirty="0">
-                          <a:effectLst/>
-                          <a:latin typeface="Times New Roman" panose="02020603050405020304" pitchFamily="18" charset="0"/>
-                          <a:cs typeface="Times New Roman" panose="02020603050405020304" pitchFamily="18" charset="0"/>
-                        </a:rPr>
-                        <a:t>Рейтинг</a:t>
-                      </a:r>
-                      <a:endParaRPr lang="ru-RU" sz="1600" kern="150" dirty="0">
-                        <a:effectLst/>
-                        <a:latin typeface="Times New Roman" panose="02020603050405020304" pitchFamily="18" charset="0"/>
-                        <a:ea typeface="Noto Serif CJK SC"/>
-                        <a:cs typeface="Times New Roman" panose="02020603050405020304" pitchFamily="18" charset="0"/>
-                      </a:endParaRPr>
-                    </a:p>
-                  </a:txBody>
-                  <a:tcPr marL="68580" marR="68580" marT="0" marB="0"/>
-                </a:tc>
-                <a:tc>
-                  <a:txBody>
-                    <a:bodyPr/>
-                    <a:lstStyle/>
-                    <a:p>
-                      <a:pPr indent="0" algn="l"/>
-                      <a:r>
-                        <a:rPr lang="ru-RU" sz="1600" kern="150" dirty="0">
-                          <a:effectLst/>
-                          <a:latin typeface="Times New Roman" panose="02020603050405020304" pitchFamily="18" charset="0"/>
-                          <a:cs typeface="Times New Roman" panose="02020603050405020304" pitchFamily="18" charset="0"/>
-                        </a:rPr>
-                        <a:t>СУБД</a:t>
-                      </a:r>
-                      <a:endParaRPr lang="ru-RU" sz="1600" kern="150" dirty="0">
-                        <a:effectLst/>
-                        <a:latin typeface="Times New Roman" panose="02020603050405020304" pitchFamily="18" charset="0"/>
-                        <a:ea typeface="Noto Serif CJK SC"/>
-                        <a:cs typeface="Times New Roman" panose="02020603050405020304" pitchFamily="18" charset="0"/>
-                      </a:endParaRPr>
-                    </a:p>
-                  </a:txBody>
-                  <a:tcPr marL="68580" marR="68580" marT="0" marB="0"/>
-                </a:tc>
-                <a:tc>
-                  <a:txBody>
-                    <a:bodyPr/>
-                    <a:lstStyle/>
-                    <a:p>
-                      <a:pPr indent="0" algn="l"/>
-                      <a:r>
-                        <a:rPr lang="ru-RU" sz="1600" kern="150" dirty="0">
-                          <a:effectLst/>
-                          <a:latin typeface="Times New Roman" panose="02020603050405020304" pitchFamily="18" charset="0"/>
-                          <a:cs typeface="Times New Roman" panose="02020603050405020304" pitchFamily="18" charset="0"/>
-                        </a:rPr>
-                        <a:t>Модель БД</a:t>
-                      </a:r>
-                      <a:endParaRPr lang="ru-RU" sz="1600" kern="150" dirty="0">
-                        <a:effectLst/>
-                        <a:latin typeface="Times New Roman" panose="02020603050405020304" pitchFamily="18" charset="0"/>
-                        <a:ea typeface="Noto Serif CJK SC"/>
-                        <a:cs typeface="Times New Roman" panose="02020603050405020304" pitchFamily="18" charset="0"/>
-                      </a:endParaRPr>
-                    </a:p>
-                  </a:txBody>
-                  <a:tcPr marL="68580" marR="68580" marT="0" marB="0"/>
-                </a:tc>
-                <a:extLst>
-                  <a:ext uri="{0D108BD9-81ED-4DB2-BD59-A6C34878D82A}">
-                    <a16:rowId xmlns:a16="http://schemas.microsoft.com/office/drawing/2014/main" val="339920098"/>
-                  </a:ext>
-                </a:extLst>
-              </a:tr>
-              <a:tr h="0">
-                <a:tc>
-                  <a:txBody>
-                    <a:bodyPr/>
-                    <a:lstStyle/>
-                    <a:p>
-                      <a:pPr indent="0" algn="l"/>
-                      <a:r>
-                        <a:rPr lang="ru-RU" sz="1600" kern="150" dirty="0">
-                          <a:effectLst/>
-                          <a:latin typeface="Times New Roman" panose="02020603050405020304" pitchFamily="18" charset="0"/>
-                          <a:cs typeface="Times New Roman" panose="02020603050405020304" pitchFamily="18" charset="0"/>
-                        </a:rPr>
-                        <a:t>1.</a:t>
-                      </a:r>
-                      <a:endParaRPr lang="ru-RU" sz="1600" kern="150" dirty="0">
-                        <a:effectLst/>
-                        <a:latin typeface="Times New Roman" panose="02020603050405020304" pitchFamily="18" charset="0"/>
-                        <a:ea typeface="Noto Serif CJK SC"/>
-                        <a:cs typeface="Times New Roman" panose="02020603050405020304" pitchFamily="18" charset="0"/>
-                      </a:endParaRPr>
-                    </a:p>
-                  </a:txBody>
-                  <a:tcPr marL="68580" marR="68580" marT="0" marB="0"/>
-                </a:tc>
-                <a:tc>
-                  <a:txBody>
-                    <a:bodyPr/>
-                    <a:lstStyle/>
-                    <a:p>
-                      <a:pPr indent="0" algn="l"/>
-                      <a:r>
-                        <a:rPr lang="en-US" sz="1600" kern="150" dirty="0">
-                          <a:effectLst/>
-                          <a:latin typeface="Times New Roman" panose="02020603050405020304" pitchFamily="18" charset="0"/>
-                          <a:cs typeface="Times New Roman" panose="02020603050405020304" pitchFamily="18" charset="0"/>
-                        </a:rPr>
-                        <a:t>Oracle</a:t>
-                      </a:r>
-                      <a:endParaRPr lang="ru-RU" sz="1600" kern="150" dirty="0">
-                        <a:effectLst/>
-                        <a:latin typeface="Times New Roman" panose="02020603050405020304" pitchFamily="18" charset="0"/>
-                        <a:ea typeface="Noto Serif CJK SC"/>
-                        <a:cs typeface="Times New Roman" panose="02020603050405020304" pitchFamily="18" charset="0"/>
-                      </a:endParaRPr>
-                    </a:p>
-                  </a:txBody>
-                  <a:tcPr marL="68580" marR="68580" marT="0" marB="0"/>
-                </a:tc>
-                <a:tc>
-                  <a:txBody>
-                    <a:bodyPr/>
-                    <a:lstStyle/>
-                    <a:p>
-                      <a:pPr indent="0" algn="just"/>
-                      <a:r>
-                        <a:rPr lang="ru-RU" sz="1600" kern="150" dirty="0">
-                          <a:effectLst/>
-                          <a:latin typeface="Times New Roman" panose="02020603050405020304" pitchFamily="18" charset="0"/>
-                          <a:cs typeface="Times New Roman" panose="02020603050405020304" pitchFamily="18" charset="0"/>
-                        </a:rPr>
-                        <a:t>Реляционная</a:t>
-                      </a:r>
-                      <a:endParaRPr lang="ru-RU" sz="1600" kern="150" dirty="0">
-                        <a:effectLst/>
-                        <a:latin typeface="Times New Roman" panose="02020603050405020304" pitchFamily="18" charset="0"/>
-                        <a:ea typeface="Noto Serif CJK SC"/>
-                        <a:cs typeface="Times New Roman" panose="02020603050405020304" pitchFamily="18" charset="0"/>
-                      </a:endParaRPr>
-                    </a:p>
-                  </a:txBody>
-                  <a:tcPr marL="68580" marR="68580" marT="0" marB="0"/>
-                </a:tc>
-                <a:extLst>
-                  <a:ext uri="{0D108BD9-81ED-4DB2-BD59-A6C34878D82A}">
-                    <a16:rowId xmlns:a16="http://schemas.microsoft.com/office/drawing/2014/main" val="2727878850"/>
-                  </a:ext>
-                </a:extLst>
-              </a:tr>
-              <a:tr h="0">
-                <a:tc>
-                  <a:txBody>
-                    <a:bodyPr/>
-                    <a:lstStyle/>
-                    <a:p>
-                      <a:pPr indent="0" algn="l"/>
-                      <a:r>
-                        <a:rPr lang="ru-RU" sz="1600" kern="150" dirty="0">
-                          <a:effectLst/>
-                          <a:latin typeface="Times New Roman" panose="02020603050405020304" pitchFamily="18" charset="0"/>
-                          <a:cs typeface="Times New Roman" panose="02020603050405020304" pitchFamily="18" charset="0"/>
-                        </a:rPr>
-                        <a:t>2.</a:t>
-                      </a:r>
-                      <a:endParaRPr lang="ru-RU" sz="1600" kern="150" dirty="0">
-                        <a:effectLst/>
-                        <a:latin typeface="Times New Roman" panose="02020603050405020304" pitchFamily="18" charset="0"/>
-                        <a:ea typeface="Noto Serif CJK SC"/>
-                        <a:cs typeface="Times New Roman" panose="02020603050405020304" pitchFamily="18" charset="0"/>
-                      </a:endParaRPr>
-                    </a:p>
-                  </a:txBody>
-                  <a:tcPr marL="68580" marR="68580" marT="0" marB="0"/>
-                </a:tc>
-                <a:tc>
-                  <a:txBody>
-                    <a:bodyPr/>
-                    <a:lstStyle/>
-                    <a:p>
-                      <a:pPr indent="0" algn="l"/>
-                      <a:r>
-                        <a:rPr lang="en-US" sz="1600" kern="150" dirty="0">
-                          <a:effectLst/>
-                          <a:latin typeface="Times New Roman" panose="02020603050405020304" pitchFamily="18" charset="0"/>
-                          <a:cs typeface="Times New Roman" panose="02020603050405020304" pitchFamily="18" charset="0"/>
-                        </a:rPr>
-                        <a:t>MySQL</a:t>
-                      </a:r>
-                      <a:endParaRPr lang="ru-RU" sz="1600" kern="150" dirty="0">
-                        <a:effectLst/>
-                        <a:latin typeface="Times New Roman" panose="02020603050405020304" pitchFamily="18" charset="0"/>
-                        <a:ea typeface="Noto Serif CJK SC"/>
-                        <a:cs typeface="Times New Roman" panose="02020603050405020304" pitchFamily="18" charset="0"/>
-                      </a:endParaRPr>
-                    </a:p>
-                  </a:txBody>
-                  <a:tcPr marL="68580" marR="68580" marT="0" marB="0"/>
-                </a:tc>
-                <a:tc>
-                  <a:txBody>
-                    <a:bodyPr/>
-                    <a:lstStyle/>
-                    <a:p>
-                      <a:pPr indent="0" algn="just"/>
-                      <a:r>
-                        <a:rPr lang="ru-RU" sz="1600" kern="150" dirty="0">
-                          <a:effectLst/>
-                          <a:latin typeface="Times New Roman" panose="02020603050405020304" pitchFamily="18" charset="0"/>
-                          <a:cs typeface="Times New Roman" panose="02020603050405020304" pitchFamily="18" charset="0"/>
-                        </a:rPr>
-                        <a:t>Реляционная</a:t>
-                      </a:r>
-                      <a:endParaRPr lang="ru-RU" sz="1600" kern="150" dirty="0">
-                        <a:effectLst/>
-                        <a:latin typeface="Times New Roman" panose="02020603050405020304" pitchFamily="18" charset="0"/>
-                        <a:ea typeface="Noto Serif CJK SC"/>
-                        <a:cs typeface="Times New Roman" panose="02020603050405020304" pitchFamily="18" charset="0"/>
-                      </a:endParaRPr>
-                    </a:p>
-                  </a:txBody>
-                  <a:tcPr marL="68580" marR="68580" marT="0" marB="0"/>
-                </a:tc>
-                <a:extLst>
-                  <a:ext uri="{0D108BD9-81ED-4DB2-BD59-A6C34878D82A}">
-                    <a16:rowId xmlns:a16="http://schemas.microsoft.com/office/drawing/2014/main" val="2434609549"/>
-                  </a:ext>
-                </a:extLst>
-              </a:tr>
-              <a:tr h="0">
-                <a:tc>
-                  <a:txBody>
-                    <a:bodyPr/>
-                    <a:lstStyle/>
-                    <a:p>
-                      <a:pPr indent="0" algn="l"/>
-                      <a:r>
-                        <a:rPr lang="ru-RU" sz="1600" kern="150" dirty="0">
-                          <a:effectLst/>
-                          <a:latin typeface="Times New Roman" panose="02020603050405020304" pitchFamily="18" charset="0"/>
-                          <a:cs typeface="Times New Roman" panose="02020603050405020304" pitchFamily="18" charset="0"/>
-                        </a:rPr>
-                        <a:t>3.</a:t>
-                      </a:r>
-                      <a:endParaRPr lang="ru-RU" sz="1600" kern="150" dirty="0">
-                        <a:effectLst/>
-                        <a:latin typeface="Times New Roman" panose="02020603050405020304" pitchFamily="18" charset="0"/>
-                        <a:ea typeface="Noto Serif CJK SC"/>
-                        <a:cs typeface="Times New Roman" panose="02020603050405020304" pitchFamily="18" charset="0"/>
-                      </a:endParaRPr>
-                    </a:p>
-                  </a:txBody>
-                  <a:tcPr marL="68580" marR="68580" marT="0" marB="0"/>
-                </a:tc>
-                <a:tc>
-                  <a:txBody>
-                    <a:bodyPr/>
-                    <a:lstStyle/>
-                    <a:p>
-                      <a:pPr indent="0" algn="l"/>
-                      <a:r>
-                        <a:rPr lang="en-US" sz="1600" kern="150" dirty="0">
-                          <a:effectLst/>
-                          <a:latin typeface="Times New Roman" panose="02020603050405020304" pitchFamily="18" charset="0"/>
-                          <a:cs typeface="Times New Roman" panose="02020603050405020304" pitchFamily="18" charset="0"/>
-                        </a:rPr>
-                        <a:t>Microsoft SQL Server</a:t>
-                      </a:r>
-                      <a:endParaRPr lang="ru-RU" sz="1600" kern="150" dirty="0">
-                        <a:effectLst/>
-                        <a:latin typeface="Times New Roman" panose="02020603050405020304" pitchFamily="18" charset="0"/>
-                        <a:ea typeface="Noto Serif CJK SC"/>
-                        <a:cs typeface="Times New Roman" panose="02020603050405020304" pitchFamily="18" charset="0"/>
-                      </a:endParaRPr>
-                    </a:p>
-                  </a:txBody>
-                  <a:tcPr marL="68580" marR="68580" marT="0" marB="0"/>
-                </a:tc>
-                <a:tc>
-                  <a:txBody>
-                    <a:bodyPr/>
-                    <a:lstStyle/>
-                    <a:p>
-                      <a:pPr indent="0" algn="just"/>
-                      <a:r>
-                        <a:rPr lang="ru-RU" sz="1600" kern="150" dirty="0">
-                          <a:effectLst/>
-                          <a:latin typeface="Times New Roman" panose="02020603050405020304" pitchFamily="18" charset="0"/>
-                          <a:cs typeface="Times New Roman" panose="02020603050405020304" pitchFamily="18" charset="0"/>
-                        </a:rPr>
-                        <a:t>Реляционная</a:t>
-                      </a:r>
-                      <a:endParaRPr lang="ru-RU" sz="1600" kern="150" dirty="0">
-                        <a:effectLst/>
-                        <a:latin typeface="Times New Roman" panose="02020603050405020304" pitchFamily="18" charset="0"/>
-                        <a:ea typeface="Noto Serif CJK SC"/>
-                        <a:cs typeface="Times New Roman" panose="02020603050405020304" pitchFamily="18" charset="0"/>
-                      </a:endParaRPr>
-                    </a:p>
-                  </a:txBody>
-                  <a:tcPr marL="68580" marR="68580" marT="0" marB="0"/>
-                </a:tc>
-                <a:extLst>
-                  <a:ext uri="{0D108BD9-81ED-4DB2-BD59-A6C34878D82A}">
-                    <a16:rowId xmlns:a16="http://schemas.microsoft.com/office/drawing/2014/main" val="2731374537"/>
-                  </a:ext>
-                </a:extLst>
-              </a:tr>
-              <a:tr h="0">
-                <a:tc>
-                  <a:txBody>
-                    <a:bodyPr/>
-                    <a:lstStyle/>
-                    <a:p>
-                      <a:pPr indent="0" algn="l"/>
-                      <a:r>
-                        <a:rPr lang="ru-RU" sz="1600" b="1" kern="150" dirty="0">
-                          <a:effectLst/>
-                          <a:latin typeface="Times New Roman" panose="02020603050405020304" pitchFamily="18" charset="0"/>
-                          <a:cs typeface="Times New Roman" panose="02020603050405020304" pitchFamily="18" charset="0"/>
-                        </a:rPr>
-                        <a:t>4.</a:t>
-                      </a:r>
-                      <a:endParaRPr lang="ru-RU" sz="1600" b="1" kern="150" dirty="0">
-                        <a:effectLst/>
-                        <a:latin typeface="Times New Roman" panose="02020603050405020304" pitchFamily="18" charset="0"/>
-                        <a:ea typeface="Noto Serif CJK SC"/>
-                        <a:cs typeface="Times New Roman" panose="02020603050405020304" pitchFamily="18" charset="0"/>
-                      </a:endParaRPr>
-                    </a:p>
-                  </a:txBody>
-                  <a:tcPr marL="68580" marR="68580" marT="0" marB="0"/>
-                </a:tc>
-                <a:tc>
-                  <a:txBody>
-                    <a:bodyPr/>
-                    <a:lstStyle/>
-                    <a:p>
-                      <a:pPr indent="0" algn="l"/>
-                      <a:r>
-                        <a:rPr lang="en-US" sz="1600" b="1" kern="150" dirty="0">
-                          <a:effectLst/>
-                          <a:latin typeface="Times New Roman" panose="02020603050405020304" pitchFamily="18" charset="0"/>
-                          <a:cs typeface="Times New Roman" panose="02020603050405020304" pitchFamily="18" charset="0"/>
-                        </a:rPr>
-                        <a:t>PostgreSQL</a:t>
-                      </a:r>
-                      <a:endParaRPr lang="ru-RU" sz="1600" b="1" kern="150" dirty="0">
-                        <a:effectLst/>
-                        <a:latin typeface="Times New Roman" panose="02020603050405020304" pitchFamily="18" charset="0"/>
-                        <a:ea typeface="Noto Serif CJK SC"/>
-                        <a:cs typeface="Times New Roman" panose="02020603050405020304" pitchFamily="18" charset="0"/>
-                      </a:endParaRPr>
-                    </a:p>
-                  </a:txBody>
-                  <a:tcPr marL="68580" marR="68580" marT="0" marB="0"/>
-                </a:tc>
-                <a:tc>
-                  <a:txBody>
-                    <a:bodyPr/>
-                    <a:lstStyle/>
-                    <a:p>
-                      <a:pPr indent="0" algn="just"/>
-                      <a:r>
-                        <a:rPr lang="ru-RU" sz="1600" b="1" kern="150" dirty="0">
-                          <a:effectLst/>
-                          <a:latin typeface="Times New Roman" panose="02020603050405020304" pitchFamily="18" charset="0"/>
-                          <a:cs typeface="Times New Roman" panose="02020603050405020304" pitchFamily="18" charset="0"/>
-                        </a:rPr>
-                        <a:t>Реляционная</a:t>
-                      </a:r>
-                      <a:endParaRPr lang="ru-RU" sz="1600" b="1" kern="150" dirty="0">
-                        <a:effectLst/>
-                        <a:latin typeface="Times New Roman" panose="02020603050405020304" pitchFamily="18" charset="0"/>
-                        <a:ea typeface="Noto Serif CJK SC"/>
-                        <a:cs typeface="Times New Roman" panose="02020603050405020304" pitchFamily="18" charset="0"/>
-                      </a:endParaRPr>
-                    </a:p>
-                  </a:txBody>
-                  <a:tcPr marL="68580" marR="68580" marT="0" marB="0"/>
-                </a:tc>
-                <a:extLst>
-                  <a:ext uri="{0D108BD9-81ED-4DB2-BD59-A6C34878D82A}">
-                    <a16:rowId xmlns:a16="http://schemas.microsoft.com/office/drawing/2014/main" val="2085945491"/>
-                  </a:ext>
-                </a:extLst>
-              </a:tr>
-              <a:tr h="0">
-                <a:tc>
-                  <a:txBody>
-                    <a:bodyPr/>
-                    <a:lstStyle/>
-                    <a:p>
-                      <a:pPr indent="0" algn="l"/>
-                      <a:r>
-                        <a:rPr lang="en-US" sz="1600" kern="150" dirty="0">
-                          <a:effectLst/>
-                          <a:latin typeface="Times New Roman" panose="02020603050405020304" pitchFamily="18" charset="0"/>
-                          <a:cs typeface="Times New Roman" panose="02020603050405020304" pitchFamily="18" charset="0"/>
-                        </a:rPr>
-                        <a:t>5.</a:t>
-                      </a:r>
-                      <a:endParaRPr lang="ru-RU" sz="1600" kern="150" dirty="0">
-                        <a:effectLst/>
-                        <a:latin typeface="Times New Roman" panose="02020603050405020304" pitchFamily="18" charset="0"/>
-                        <a:ea typeface="Noto Serif CJK SC"/>
-                        <a:cs typeface="Times New Roman" panose="02020603050405020304" pitchFamily="18" charset="0"/>
-                      </a:endParaRPr>
-                    </a:p>
-                  </a:txBody>
-                  <a:tcPr marL="68580" marR="68580" marT="0" marB="0"/>
-                </a:tc>
-                <a:tc>
-                  <a:txBody>
-                    <a:bodyPr/>
-                    <a:lstStyle/>
-                    <a:p>
-                      <a:pPr indent="0" algn="l"/>
-                      <a:r>
-                        <a:rPr lang="en-US" sz="1600" kern="150" dirty="0">
-                          <a:effectLst/>
-                          <a:latin typeface="Times New Roman" panose="02020603050405020304" pitchFamily="18" charset="0"/>
-                          <a:cs typeface="Times New Roman" panose="02020603050405020304" pitchFamily="18" charset="0"/>
-                        </a:rPr>
-                        <a:t>MongoDB</a:t>
-                      </a:r>
-                      <a:endParaRPr lang="ru-RU" sz="1600" kern="150" dirty="0">
-                        <a:effectLst/>
-                        <a:latin typeface="Times New Roman" panose="02020603050405020304" pitchFamily="18" charset="0"/>
-                        <a:ea typeface="Noto Serif CJK SC"/>
-                        <a:cs typeface="Times New Roman" panose="02020603050405020304" pitchFamily="18" charset="0"/>
-                      </a:endParaRPr>
-                    </a:p>
-                  </a:txBody>
-                  <a:tcPr marL="68580" marR="68580" marT="0" marB="0"/>
-                </a:tc>
-                <a:tc>
-                  <a:txBody>
-                    <a:bodyPr/>
-                    <a:lstStyle/>
-                    <a:p>
-                      <a:pPr indent="0" algn="just"/>
-                      <a:r>
-                        <a:rPr lang="ru-RU" sz="1600" kern="150" dirty="0">
-                          <a:effectLst/>
-                          <a:latin typeface="Times New Roman" panose="02020603050405020304" pitchFamily="18" charset="0"/>
-                          <a:cs typeface="Times New Roman" panose="02020603050405020304" pitchFamily="18" charset="0"/>
-                        </a:rPr>
-                        <a:t>Документная</a:t>
-                      </a:r>
-                      <a:endParaRPr lang="ru-RU" sz="1600" kern="150" dirty="0">
-                        <a:effectLst/>
-                        <a:latin typeface="Times New Roman" panose="02020603050405020304" pitchFamily="18" charset="0"/>
-                        <a:ea typeface="Noto Serif CJK SC"/>
-                        <a:cs typeface="Times New Roman" panose="02020603050405020304" pitchFamily="18" charset="0"/>
-                      </a:endParaRPr>
-                    </a:p>
-                  </a:txBody>
-                  <a:tcPr marL="68580" marR="68580" marT="0" marB="0"/>
-                </a:tc>
-                <a:extLst>
-                  <a:ext uri="{0D108BD9-81ED-4DB2-BD59-A6C34878D82A}">
-                    <a16:rowId xmlns:a16="http://schemas.microsoft.com/office/drawing/2014/main" val="2935546885"/>
-                  </a:ext>
-                </a:extLst>
-              </a:tr>
-            </a:tbl>
-          </a:graphicData>
-        </a:graphic>
-      </p:graphicFrame>
       <p:sp>
         <p:nvSpPr>
           <p:cNvPr id="9" name="TextBox 8">
@@ -11662,7 +11326,7 @@
         </p:nvSpPr>
         <p:spPr>
           <a:xfrm>
-            <a:off x="7145858" y="5578563"/>
+            <a:off x="1544709" y="5313087"/>
             <a:ext cx="2929484" cy="400110"/>
           </a:xfrm>
           <a:prstGeom prst="rect">
@@ -11678,30 +11342,105 @@
           <a:p>
             <a:pPr algn="ctr"/>
             <a:r>
-              <a:rPr lang="ru-RU" sz="2000" u="sng" dirty="0">
+              <a:rPr lang="ru-RU" sz="2000" dirty="0">
                 <a:latin typeface="Times New Roman" panose="02020603050405020304" pitchFamily="18" charset="0"/>
                 <a:cs typeface="Times New Roman" panose="02020603050405020304" pitchFamily="18" charset="0"/>
               </a:rPr>
               <a:t>Архитектура </a:t>
             </a:r>
             <a:r>
-              <a:rPr lang="en-US" sz="2000" u="sng" dirty="0">
+              <a:rPr lang="en-US" sz="2000" dirty="0">
                 <a:latin typeface="Times New Roman" panose="02020603050405020304" pitchFamily="18" charset="0"/>
                 <a:cs typeface="Times New Roman" panose="02020603050405020304" pitchFamily="18" charset="0"/>
               </a:rPr>
               <a:t>PostgreSQL</a:t>
             </a:r>
-            <a:endParaRPr lang="ru-RU" sz="2000" u="sng" dirty="0">
+            <a:endParaRPr lang="ru-RU" sz="2000" dirty="0">
               <a:latin typeface="Times New Roman" panose="02020603050405020304" pitchFamily="18" charset="0"/>
               <a:cs typeface="Times New Roman" panose="02020603050405020304" pitchFamily="18" charset="0"/>
             </a:endParaRPr>
           </a:p>
         </p:txBody>
       </p:sp>
+      <p:sp>
+        <p:nvSpPr>
+          <p:cNvPr id="7" name="TextBox 6">
+            <a:extLst>
+              <a:ext uri="{FF2B5EF4-FFF2-40B4-BE49-F238E27FC236}">
+                <a16:creationId xmlns:a16="http://schemas.microsoft.com/office/drawing/2014/main" id="{3A8DA517-BDEA-E8F1-0910-6D831F215B3D}"/>
+              </a:ext>
+            </a:extLst>
+          </p:cNvPr>
+          <p:cNvSpPr txBox="1"/>
+          <p:nvPr/>
+        </p:nvSpPr>
+        <p:spPr>
+          <a:xfrm>
+            <a:off x="6431836" y="5314579"/>
+            <a:ext cx="5367616" cy="707886"/>
+          </a:xfrm>
+          <a:prstGeom prst="rect">
+            <a:avLst/>
+          </a:prstGeom>
+          <a:noFill/>
+        </p:spPr>
+        <p:txBody>
+          <a:bodyPr wrap="square">
+            <a:spAutoFit/>
+          </a:bodyPr>
+          <a:lstStyle/>
+          <a:p>
+            <a:pPr algn="ctr"/>
+            <a:r>
+              <a:rPr lang="ru-RU" sz="2000" dirty="0">
+                <a:latin typeface="Times New Roman" panose="02020603050405020304" pitchFamily="18" charset="0"/>
+                <a:cs typeface="Times New Roman" panose="02020603050405020304" pitchFamily="18" charset="0"/>
+              </a:rPr>
+              <a:t>Диаграмма последовательности создания соединения</a:t>
+            </a:r>
+          </a:p>
+        </p:txBody>
+      </p:sp>
+      <p:pic>
+        <p:nvPicPr>
+          <p:cNvPr id="5" name="Рисунок 4">
+            <a:extLst>
+              <a:ext uri="{FF2B5EF4-FFF2-40B4-BE49-F238E27FC236}">
+                <a16:creationId xmlns:a16="http://schemas.microsoft.com/office/drawing/2014/main" id="{45B45320-DA31-6E49-61B8-E120BD4D28E8}"/>
+              </a:ext>
+            </a:extLst>
+          </p:cNvPr>
+          <p:cNvPicPr>
+            <a:picLocks noChangeAspect="1"/>
+          </p:cNvPicPr>
+          <p:nvPr/>
+        </p:nvPicPr>
+        <p:blipFill>
+          <a:blip r:embed="rId4" cstate="print">
+            <a:extLst>
+              <a:ext uri="{28A0092B-C50C-407E-A947-70E740481C1C}">
+                <a14:useLocalDpi xmlns:a14="http://schemas.microsoft.com/office/drawing/2010/main" val="0"/>
+              </a:ext>
+            </a:extLst>
+          </a:blip>
+          <a:stretch>
+            <a:fillRect/>
+          </a:stretch>
+        </p:blipFill>
+        <p:spPr>
+          <a:xfrm>
+            <a:off x="6379876" y="2178123"/>
+            <a:ext cx="5471537" cy="3076508"/>
+          </a:xfrm>
+          <a:prstGeom prst="rect">
+            <a:avLst/>
+          </a:prstGeom>
+        </p:spPr>
+      </p:pic>
     </p:spTree>
     <p:extLst>
       <p:ext uri="{BB962C8B-B14F-4D97-AF65-F5344CB8AC3E}">
-        <p14:creationId xmlns:p14="http://schemas.microsoft.com/office/powerpoint/2010/main" val="4129783739"/>
+        <p14:creationId xmlns:p14="http://schemas.microsoft.com/office/powerpoint/2010/main" val="2304865587"/>
       </p:ext>
     </p:extLst>
   </p:cSld>
@@ -11735,222 +11474,6 @@
       </p:grpSpPr>
       <p:sp>
         <p:nvSpPr>
-          <p:cNvPr id="2" name="Заголовок 1"/>
-          <p:cNvSpPr>
-            <a:spLocks noGrp="1"/>
-          </p:cNvSpPr>
-          <p:nvPr>
-            <p:ph type="title"/>
-          </p:nvPr>
-        </p:nvSpPr>
-        <p:spPr/>
-        <p:txBody>
-          <a:bodyPr/>
-          <a:lstStyle/>
-          <a:p>
-            <a:r>
-              <a:rPr lang="ru-RU" dirty="0">
-                <a:latin typeface="Times New Roman" panose="02020603050405020304" pitchFamily="18" charset="0"/>
-                <a:cs typeface="Times New Roman" panose="02020603050405020304" pitchFamily="18" charset="0"/>
-              </a:rPr>
-              <a:t>Создание соединения в </a:t>
-            </a:r>
-            <a:r>
-              <a:rPr lang="en-US" dirty="0">
-                <a:latin typeface="Times New Roman" panose="02020603050405020304" pitchFamily="18" charset="0"/>
-                <a:cs typeface="Times New Roman" panose="02020603050405020304" pitchFamily="18" charset="0"/>
-              </a:rPr>
-              <a:t>PostgreSQL</a:t>
-            </a:r>
-            <a:endParaRPr lang="ru-RU" dirty="0">
-              <a:latin typeface="Times New Roman" panose="02020603050405020304" pitchFamily="18" charset="0"/>
-              <a:cs typeface="Times New Roman" panose="02020603050405020304" pitchFamily="18" charset="0"/>
-            </a:endParaRPr>
-          </a:p>
-        </p:txBody>
-      </p:sp>
-      <p:sp>
-        <p:nvSpPr>
-          <p:cNvPr id="6" name="Номер слайда 5"/>
-          <p:cNvSpPr>
-            <a:spLocks noGrp="1"/>
-          </p:cNvSpPr>
-          <p:nvPr>
-            <p:ph type="sldNum" sz="quarter" idx="12"/>
-          </p:nvPr>
-        </p:nvSpPr>
-        <p:spPr/>
-        <p:txBody>
-          <a:bodyPr/>
-          <a:lstStyle/>
-          <a:p>
-            <a:fld id="{5D15703D-96D9-4C94-B196-0ED7D1E8A93C}" type="slidenum">
-              <a:rPr lang="ru-RU" sz="1800" smtClean="0">
-                <a:latin typeface="Times New Roman" panose="02020603050405020304" pitchFamily="18" charset="0"/>
-                <a:cs typeface="Times New Roman" panose="02020603050405020304" pitchFamily="18" charset="0"/>
-              </a:rPr>
-              <a:t>5</a:t>
-            </a:fld>
-            <a:endParaRPr lang="ru-RU" sz="1800" dirty="0">
-              <a:latin typeface="Times New Roman" panose="02020603050405020304" pitchFamily="18" charset="0"/>
-              <a:cs typeface="Times New Roman" panose="02020603050405020304" pitchFamily="18" charset="0"/>
-            </a:endParaRPr>
-          </a:p>
-        </p:txBody>
-      </p:sp>
-      <p:pic>
-        <p:nvPicPr>
-          <p:cNvPr id="3" name="Рисунок 2"/>
-          <p:cNvPicPr>
-            <a:picLocks noChangeAspect="1"/>
-          </p:cNvPicPr>
-          <p:nvPr/>
-        </p:nvPicPr>
-        <p:blipFill>
-          <a:blip r:embed="rId3">
-            <a:extLst>
-              <a:ext uri="{28A0092B-C50C-407E-A947-70E740481C1C}">
-                <a14:useLocalDpi xmlns:a14="http://schemas.microsoft.com/office/drawing/2010/main" val="0"/>
-              </a:ext>
-            </a:extLst>
-          </a:blip>
-          <a:stretch>
-            <a:fillRect/>
-          </a:stretch>
-        </p:blipFill>
-        <p:spPr>
-          <a:xfrm>
-            <a:off x="734006" y="2599465"/>
-            <a:ext cx="5390194" cy="2982568"/>
-          </a:xfrm>
-          <a:prstGeom prst="rect">
-            <a:avLst/>
-          </a:prstGeom>
-        </p:spPr>
-      </p:pic>
-      <p:sp>
-        <p:nvSpPr>
-          <p:cNvPr id="9" name="TextBox 8">
-            <a:extLst>
-              <a:ext uri="{FF2B5EF4-FFF2-40B4-BE49-F238E27FC236}">
-                <a16:creationId xmlns:a16="http://schemas.microsoft.com/office/drawing/2014/main" id="{9E5F91C8-1630-0A30-D6C3-D893611D08C9}"/>
-              </a:ext>
-            </a:extLst>
-          </p:cNvPr>
-          <p:cNvSpPr txBox="1"/>
-          <p:nvPr/>
-        </p:nvSpPr>
-        <p:spPr>
-          <a:xfrm>
-            <a:off x="1750898" y="1746198"/>
-            <a:ext cx="2929484" cy="400110"/>
-          </a:xfrm>
-          <a:prstGeom prst="rect">
-            <a:avLst/>
-          </a:prstGeom>
-          <a:noFill/>
-        </p:spPr>
-        <p:txBody>
-          <a:bodyPr wrap="square">
-            <a:spAutoFit/>
-          </a:bodyPr>
-          <a:lstStyle/>
-          <a:p>
-            <a:pPr algn="ctr"/>
-            <a:r>
-              <a:rPr lang="ru-RU" sz="2000" u="sng" dirty="0">
-                <a:latin typeface="Times New Roman" panose="02020603050405020304" pitchFamily="18" charset="0"/>
-                <a:cs typeface="Times New Roman" panose="02020603050405020304" pitchFamily="18" charset="0"/>
-              </a:rPr>
-              <a:t>Архитектура </a:t>
-            </a:r>
-            <a:r>
-              <a:rPr lang="en-US" sz="2000" u="sng" dirty="0">
-                <a:latin typeface="Times New Roman" panose="02020603050405020304" pitchFamily="18" charset="0"/>
-                <a:cs typeface="Times New Roman" panose="02020603050405020304" pitchFamily="18" charset="0"/>
-              </a:rPr>
-              <a:t>PostgreSQL</a:t>
-            </a:r>
-            <a:endParaRPr lang="ru-RU" sz="2000" u="sng" dirty="0">
-              <a:latin typeface="Times New Roman" panose="02020603050405020304" pitchFamily="18" charset="0"/>
-              <a:cs typeface="Times New Roman" panose="02020603050405020304" pitchFamily="18" charset="0"/>
-            </a:endParaRPr>
-          </a:p>
-        </p:txBody>
-      </p:sp>
-      <p:pic>
-        <p:nvPicPr>
-          <p:cNvPr id="11" name="Рисунок 10">
-            <a:extLst>
-              <a:ext uri="{FF2B5EF4-FFF2-40B4-BE49-F238E27FC236}">
-                <a16:creationId xmlns:a16="http://schemas.microsoft.com/office/drawing/2014/main" id="{7FA3960F-4F69-07E7-2C6A-AF2F8C22E3E5}"/>
-              </a:ext>
-            </a:extLst>
-          </p:cNvPr>
-          <p:cNvPicPr>
-            <a:picLocks noChangeAspect="1"/>
-          </p:cNvPicPr>
-          <p:nvPr/>
-        </p:nvPicPr>
-        <p:blipFill>
-          <a:blip r:embed="rId4">
-            <a:extLst>
-              <a:ext uri="{28A0092B-C50C-407E-A947-70E740481C1C}">
-                <a14:useLocalDpi xmlns:a14="http://schemas.microsoft.com/office/drawing/2010/main" val="0"/>
-              </a:ext>
-            </a:extLst>
-          </a:blip>
-          <a:stretch>
-            <a:fillRect/>
-          </a:stretch>
-        </p:blipFill>
-        <p:spPr>
-          <a:xfrm>
-            <a:off x="6548866" y="2505525"/>
-            <a:ext cx="5471537" cy="3170447"/>
-          </a:xfrm>
-          <a:prstGeom prst="rect">
-            <a:avLst/>
-          </a:prstGeom>
-        </p:spPr>
-      </p:pic>
-    </p:spTree>
-    <p:extLst>
-      <p:ext uri="{BB962C8B-B14F-4D97-AF65-F5344CB8AC3E}">
-        <p14:creationId xmlns:p14="http://schemas.microsoft.com/office/powerpoint/2010/main" val="2304865587"/>
-      </p:ext>
-    </p:extLst>
-  </p:cSld>
-  <p:clrMapOvr>
-    <a:masterClrMapping/>
-  </p:clrMapOvr>
-  <p:extLst>
-    <p:ext uri="{6950BFC3-D8DA-4A85-94F7-54DA5524770B}">
-      <p188:commentRel xmlns:p188="http://schemas.microsoft.com/office/powerpoint/2018/8/main" r:id="rId2"/>
-    </p:ext>
-  </p:extLst>
-</p:sld>
-</file>
-
-<file path=ppt/slides/slide6.xml><?xml version="1.0" encoding="utf-8"?>
-<p:sld xmlns:a="http://schemas.openxmlformats.org/drawingml/2006/main" xmlns:r="http://schemas.openxmlformats.org/officeDocument/2006/relationships" xmlns:p="http://schemas.openxmlformats.org/presentationml/2006/main">
-  <p:cSld>
-    <p:spTree>
-      <p:nvGrpSpPr>
-        <p:cNvPr id="1" name=""/>
-        <p:cNvGrpSpPr/>
-        <p:nvPr/>
-      </p:nvGrpSpPr>
-      <p:grpSpPr>
-        <a:xfrm>
-          <a:off x="0" y="0"/>
-          <a:ext cx="0" cy="0"/>
-          <a:chOff x="0" y="0"/>
-          <a:chExt cx="0" cy="0"/>
-        </a:xfrm>
-      </p:grpSpPr>
-      <p:sp>
-        <p:nvSpPr>
           <p:cNvPr id="3" name="Номер слайда 2"/>
           <p:cNvSpPr>
             <a:spLocks noGrp="1"/>
@@ -11969,7 +11492,7 @@
                 <a:latin typeface="Times New Roman" panose="02020603050405020304" pitchFamily="18" charset="0"/>
                 <a:cs typeface="Times New Roman" panose="02020603050405020304" pitchFamily="18" charset="0"/>
               </a:rPr>
-              <a:t>6</a:t>
+              <a:t>5</a:t>
             </a:fld>
             <a:endParaRPr lang="ru-RU" sz="1800" dirty="0">
               <a:latin typeface="Times New Roman" panose="02020603050405020304" pitchFamily="18" charset="0"/>
@@ -11988,7 +11511,12 @@
             <p:ph type="title"/>
           </p:nvPr>
         </p:nvSpPr>
-        <p:spPr/>
+        <p:spPr>
+          <a:xfrm>
+            <a:off x="528917" y="187728"/>
+            <a:ext cx="10824883" cy="1325563"/>
+          </a:xfrm>
+        </p:spPr>
         <p:txBody>
           <a:bodyPr>
             <a:normAutofit/>
@@ -12115,8 +11643,8 @@
         </p:nvSpPr>
         <p:spPr>
           <a:xfrm>
-            <a:off x="838197" y="1690688"/>
-            <a:ext cx="10206320" cy="400110"/>
+            <a:off x="528917" y="1565533"/>
+            <a:ext cx="10515600" cy="400110"/>
           </a:xfrm>
           <a:prstGeom prst="rect">
             <a:avLst/>
@@ -12165,322 +11693,8 @@
         </p:nvSpPr>
         <p:spPr>
           <a:xfrm>
-            <a:off x="513076" y="2631391"/>
-            <a:ext cx="4296169" cy="1015663"/>
-          </a:xfrm>
-          <a:prstGeom prst="rect">
-            <a:avLst/>
-          </a:prstGeom>
-          <a:noFill/>
-        </p:spPr>
-        <p:txBody>
-          <a:bodyPr wrap="square">
-            <a:spAutoFit/>
-          </a:bodyPr>
-          <a:lstStyle/>
-          <a:p>
-            <a:r>
-              <a:rPr lang="ru-RU" sz="2000" b="0" i="0" u="none" strike="noStrike" baseline="0" dirty="0">
-                <a:solidFill>
-                  <a:srgbClr val="000000"/>
-                </a:solidFill>
-                <a:latin typeface="Times New Roman" panose="02020603050405020304" pitchFamily="18" charset="0"/>
-              </a:rPr>
-              <a:t>Особенно заметно повышение производительности, когда размер пула не превосходит числа потоков.</a:t>
-            </a:r>
-            <a:endParaRPr lang="ru-RU" sz="2000" dirty="0"/>
-          </a:p>
-        </p:txBody>
-      </p:sp>
-      <p:pic>
-        <p:nvPicPr>
-          <p:cNvPr id="5" name="Рисунок 4">
-            <a:extLst>
-              <a:ext uri="{FF2B5EF4-FFF2-40B4-BE49-F238E27FC236}">
-                <a16:creationId xmlns:a16="http://schemas.microsoft.com/office/drawing/2014/main" id="{4F298E40-1C88-69DC-DD91-E5FA1C9ACBA8}"/>
-              </a:ext>
-            </a:extLst>
-          </p:cNvPr>
-          <p:cNvPicPr>
-            <a:picLocks noChangeAspect="1"/>
-          </p:cNvPicPr>
-          <p:nvPr/>
-        </p:nvPicPr>
-        <p:blipFill>
-          <a:blip r:embed="rId3">
-            <a:extLst>
-              <a:ext uri="{28A0092B-C50C-407E-A947-70E740481C1C}">
-                <a14:useLocalDpi xmlns:a14="http://schemas.microsoft.com/office/drawing/2010/main" val="0"/>
-              </a:ext>
-            </a:extLst>
-          </a:blip>
-          <a:stretch>
-            <a:fillRect/>
-          </a:stretch>
-        </p:blipFill>
-        <p:spPr>
-          <a:xfrm>
-            <a:off x="5026654" y="2631391"/>
-            <a:ext cx="6327146" cy="3016374"/>
-          </a:xfrm>
-          <a:prstGeom prst="rect">
-            <a:avLst/>
-          </a:prstGeom>
-        </p:spPr>
-      </p:pic>
-    </p:spTree>
-    <p:extLst>
-      <p:ext uri="{BB962C8B-B14F-4D97-AF65-F5344CB8AC3E}">
-        <p14:creationId xmlns:p14="http://schemas.microsoft.com/office/powerpoint/2010/main" val="4131877176"/>
-      </p:ext>
-    </p:extLst>
-  </p:cSld>
-  <p:clrMapOvr>
-    <a:masterClrMapping/>
-  </p:clrMapOvr>
-  <p:extLst>
-    <p:ext uri="{6950BFC3-D8DA-4A85-94F7-54DA5524770B}">
-      <p188:commentRel xmlns:p188="http://schemas.microsoft.com/office/powerpoint/2018/8/main" r:id="rId2"/>
-    </p:ext>
-  </p:extLst>
-</p:sld>
-</file>
-
-<file path=ppt/slides/slide7.xml><?xml version="1.0" encoding="utf-8"?>
-<p:sld xmlns:a="http://schemas.openxmlformats.org/drawingml/2006/main" xmlns:r="http://schemas.openxmlformats.org/officeDocument/2006/relationships" xmlns:p="http://schemas.openxmlformats.org/presentationml/2006/main">
-  <p:cSld>
-    <p:spTree>
-      <p:nvGrpSpPr>
-        <p:cNvPr id="1" name=""/>
-        <p:cNvGrpSpPr/>
-        <p:nvPr/>
-      </p:nvGrpSpPr>
-      <p:grpSpPr>
-        <a:xfrm>
-          <a:off x="0" y="0"/>
-          <a:ext cx="0" cy="0"/>
-          <a:chOff x="0" y="0"/>
-          <a:chExt cx="0" cy="0"/>
-        </a:xfrm>
-      </p:grpSpPr>
-      <p:sp>
-        <p:nvSpPr>
-          <p:cNvPr id="3" name="Номер слайда 2"/>
-          <p:cNvSpPr>
-            <a:spLocks noGrp="1"/>
-          </p:cNvSpPr>
-          <p:nvPr>
-            <p:ph type="sldNum" sz="quarter" idx="12"/>
-          </p:nvPr>
-        </p:nvSpPr>
-        <p:spPr/>
-        <p:txBody>
-          <a:bodyPr/>
-          <a:lstStyle/>
-          <a:p>
-            <a:fld id="{5D15703D-96D9-4C94-B196-0ED7D1E8A93C}" type="slidenum">
-              <a:rPr lang="ru-RU" sz="1800" smtClean="0">
-                <a:latin typeface="Times New Roman" panose="02020603050405020304" pitchFamily="18" charset="0"/>
-                <a:cs typeface="Times New Roman" panose="02020603050405020304" pitchFamily="18" charset="0"/>
-              </a:rPr>
-              <a:t>7</a:t>
-            </a:fld>
-            <a:endParaRPr lang="ru-RU" sz="1800" dirty="0">
-              <a:latin typeface="Times New Roman" panose="02020603050405020304" pitchFamily="18" charset="0"/>
-              <a:cs typeface="Times New Roman" panose="02020603050405020304" pitchFamily="18" charset="0"/>
-            </a:endParaRPr>
-          </a:p>
-        </p:txBody>
-      </p:sp>
-      <p:sp>
-        <p:nvSpPr>
-          <p:cNvPr id="4" name="Заголовок 1"/>
-          <p:cNvSpPr>
-            <a:spLocks noGrp="1"/>
-          </p:cNvSpPr>
-          <p:nvPr>
-            <p:ph type="title"/>
-          </p:nvPr>
-        </p:nvSpPr>
-        <p:spPr/>
-        <p:txBody>
-          <a:bodyPr>
-            <a:normAutofit/>
-          </a:bodyPr>
-          <a:lstStyle/>
-          <a:p>
-            <a:r>
-              <a:rPr lang="ru-RU" dirty="0">
-                <a:latin typeface="Times New Roman" panose="02020603050405020304" pitchFamily="18" charset="0"/>
-                <a:cs typeface="Times New Roman" panose="02020603050405020304" pitchFamily="18" charset="0"/>
-              </a:rPr>
-              <a:t>Пул соединений</a:t>
-            </a:r>
-          </a:p>
-        </p:txBody>
-      </p:sp>
-      <p:sp>
-        <p:nvSpPr>
-          <p:cNvPr id="9" name="TextBox 8">
-            <a:extLst>
-              <a:ext uri="{FF2B5EF4-FFF2-40B4-BE49-F238E27FC236}">
-                <a16:creationId xmlns:a16="http://schemas.microsoft.com/office/drawing/2014/main" id="{E8CCC8F9-6D00-9191-8FF9-18D822A7379C}"/>
-              </a:ext>
-            </a:extLst>
-          </p:cNvPr>
-          <p:cNvSpPr txBox="1"/>
-          <p:nvPr/>
-        </p:nvSpPr>
-        <p:spPr>
-          <a:xfrm>
-            <a:off x="530851" y="4151649"/>
-            <a:ext cx="4495803" cy="1015663"/>
-          </a:xfrm>
-          <a:prstGeom prst="rect">
-            <a:avLst/>
-          </a:prstGeom>
-          <a:noFill/>
-        </p:spPr>
-        <p:txBody>
-          <a:bodyPr wrap="square">
-            <a:spAutoFit/>
-          </a:bodyPr>
-          <a:lstStyle/>
-          <a:p>
-            <a:pPr marL="285750" indent="-285750">
-              <a:buFont typeface="Arial" panose="020B0604020202020204" pitchFamily="34" charset="0"/>
-              <a:buChar char="•"/>
-            </a:pPr>
-            <a:r>
-              <a:rPr lang="ru-RU" sz="2000" b="1" dirty="0">
-                <a:solidFill>
-                  <a:srgbClr val="000000"/>
-                </a:solidFill>
-                <a:latin typeface="Times New Roman" panose="02020603050405020304" pitchFamily="18" charset="0"/>
-              </a:rPr>
-              <a:t>Встроенный пул</a:t>
-            </a:r>
-            <a:endParaRPr lang="en-US" sz="2000" b="1" i="0" u="none" strike="noStrike" baseline="0" dirty="0">
-              <a:solidFill>
-                <a:srgbClr val="000000"/>
-              </a:solidFill>
-              <a:latin typeface="Times New Roman" panose="02020603050405020304" pitchFamily="18" charset="0"/>
-            </a:endParaRPr>
-          </a:p>
-          <a:p>
-            <a:pPr marL="285750" indent="-285750">
-              <a:buFont typeface="Arial" panose="020B0604020202020204" pitchFamily="34" charset="0"/>
-              <a:buChar char="•"/>
-            </a:pPr>
-            <a:r>
-              <a:rPr lang="ru-RU" sz="2000" b="1" i="0" u="none" strike="noStrike" baseline="0" dirty="0">
-                <a:solidFill>
-                  <a:srgbClr val="000000"/>
-                </a:solidFill>
-                <a:latin typeface="Times New Roman" panose="02020603050405020304" pitchFamily="18" charset="0"/>
-              </a:rPr>
-              <a:t>Пул на основе </a:t>
-            </a:r>
-            <a:r>
-              <a:rPr lang="en-US" sz="2000" b="1" i="0" u="none" strike="noStrike" baseline="0" dirty="0">
-                <a:solidFill>
-                  <a:srgbClr val="000000"/>
-                </a:solidFill>
-                <a:latin typeface="Times New Roman" panose="02020603050405020304" pitchFamily="18" charset="0"/>
-              </a:rPr>
-              <a:t>libpq</a:t>
-            </a:r>
-            <a:endParaRPr lang="en-US" sz="2000" b="1" dirty="0">
-              <a:solidFill>
-                <a:srgbClr val="000000"/>
-              </a:solidFill>
-              <a:latin typeface="Times New Roman" panose="02020603050405020304" pitchFamily="18" charset="0"/>
-            </a:endParaRPr>
-          </a:p>
-          <a:p>
-            <a:pPr marL="285750" indent="-285750">
-              <a:buFont typeface="Arial" panose="020B0604020202020204" pitchFamily="34" charset="0"/>
-              <a:buChar char="•"/>
-            </a:pPr>
-            <a:r>
-              <a:rPr lang="ru-RU" sz="2000" b="1" i="0" u="none" strike="noStrike" baseline="0" dirty="0">
-                <a:solidFill>
-                  <a:srgbClr val="000000"/>
-                </a:solidFill>
-                <a:latin typeface="Times New Roman" panose="02020603050405020304" pitchFamily="18" charset="0"/>
-              </a:rPr>
-              <a:t>Пул в качестве внешней службы </a:t>
-            </a:r>
-            <a:endParaRPr lang="ru-RU" sz="2000" b="1" dirty="0"/>
-          </a:p>
-        </p:txBody>
-      </p:sp>
-      <p:sp>
-        <p:nvSpPr>
-          <p:cNvPr id="17" name="TextBox 16">
-            <a:extLst>
-              <a:ext uri="{FF2B5EF4-FFF2-40B4-BE49-F238E27FC236}">
-                <a16:creationId xmlns:a16="http://schemas.microsoft.com/office/drawing/2014/main" id="{50EDEBD6-9842-28F5-B19F-1E5B23FDC1EE}"/>
-              </a:ext>
-            </a:extLst>
-          </p:cNvPr>
-          <p:cNvSpPr txBox="1"/>
-          <p:nvPr/>
-        </p:nvSpPr>
-        <p:spPr>
-          <a:xfrm>
-            <a:off x="838197" y="1690688"/>
-            <a:ext cx="10206320" cy="400110"/>
-          </a:xfrm>
-          <a:prstGeom prst="rect">
-            <a:avLst/>
-          </a:prstGeom>
-          <a:noFill/>
-        </p:spPr>
-        <p:txBody>
-          <a:bodyPr wrap="square">
-            <a:spAutoFit/>
-          </a:bodyPr>
-          <a:lstStyle/>
-          <a:p>
-            <a:r>
-              <a:rPr lang="ru-RU" sz="2000" i="1" dirty="0">
-                <a:effectLst/>
-                <a:latin typeface="Times New Roman" panose="02020603050405020304" pitchFamily="18" charset="0"/>
-                <a:ea typeface="Noto Serif CJK SC"/>
-                <a:cs typeface="Lohit Devanagari"/>
-              </a:rPr>
-              <a:t>Пул соединений </a:t>
-            </a:r>
-            <a:r>
-              <a:rPr lang="ru-RU" sz="2000" dirty="0">
-                <a:effectLst/>
-                <a:latin typeface="Times New Roman" panose="02020603050405020304" pitchFamily="18" charset="0"/>
-                <a:ea typeface="Noto Serif CJK SC"/>
-                <a:cs typeface="Lohit Devanagari"/>
-              </a:rPr>
-              <a:t>— набор открытых и готовых к использованию соединений с базой данных.  </a:t>
-            </a:r>
-            <a:endParaRPr lang="ru-RU" sz="2000" dirty="0"/>
-          </a:p>
-        </p:txBody>
-      </p:sp>
-      <p:sp>
-        <p:nvSpPr>
-          <p:cNvPr id="10" name="TextBox 9">
-            <a:extLst>
-              <a:ext uri="{FF2B5EF4-FFF2-40B4-BE49-F238E27FC236}">
-                <a16:creationId xmlns:a16="http://schemas.microsoft.com/office/drawing/2014/main" id="{F9C76975-635A-A524-340D-416584B6687C}"/>
-              </a:ext>
-            </a:extLst>
-          </p:cNvPr>
-          <p:cNvSpPr txBox="1"/>
-          <p:nvPr/>
-        </p:nvSpPr>
-        <p:spPr>
-          <a:xfrm>
-            <a:off x="513076" y="2631391"/>
-            <a:ext cx="4296169" cy="1015663"/>
+            <a:off x="530851" y="2631391"/>
+            <a:ext cx="4278394" cy="1015663"/>
           </a:xfrm>
           <a:prstGeom prst="rect">
             <a:avLst/>
@@ -12521,7 +11735,7 @@
           <p:nvPr/>
         </p:nvPicPr>
         <p:blipFill>
-          <a:blip r:embed="rId3">
+          <a:blip r:embed="rId3" cstate="print">
             <a:extLst>
               <a:ext uri="{28A0092B-C50C-407E-A947-70E740481C1C}">
                 <a14:useLocalDpi xmlns:a14="http://schemas.microsoft.com/office/drawing/2010/main" val="0"/>
@@ -12535,7 +11749,7 @@
         <p:spPr>
           <a:xfrm>
             <a:off x="4809245" y="2327845"/>
-            <a:ext cx="7109290" cy="3647608"/>
+            <a:ext cx="6942373" cy="3561967"/>
           </a:xfrm>
           <a:prstGeom prst="rect">
             <a:avLst/>
@@ -12560,7 +11774,7 @@
 </p:sld>
 </file>
 
-<file path=ppt/slides/slide8.xml><?xml version="1.0" encoding="utf-8"?>
+<file path=ppt/slides/slide6.xml><?xml version="1.0" encoding="utf-8"?>
 <p:sld xmlns:a="http://schemas.openxmlformats.org/drawingml/2006/main" xmlns:r="http://schemas.openxmlformats.org/officeDocument/2006/relationships" xmlns:p="http://schemas.openxmlformats.org/presentationml/2006/main">
   <p:cSld>
     <p:spTree>
@@ -12627,7 +11841,7 @@
                 <a:latin typeface="Times New Roman" panose="02020603050405020304" pitchFamily="18" charset="0"/>
                 <a:cs typeface="Times New Roman" panose="02020603050405020304" pitchFamily="18" charset="0"/>
               </a:rPr>
-              <a:t>8</a:t>
+              <a:t>6</a:t>
             </a:fld>
             <a:endParaRPr lang="ru-RU" sz="1800" dirty="0">
               <a:latin typeface="Times New Roman" panose="02020603050405020304" pitchFamily="18" charset="0"/>
@@ -12645,7 +11859,7 @@
           <p:nvPr>
             <p:extLst>
               <p:ext uri="{D42A27DB-BD31-4B8C-83A1-F6EECF244321}">
-                <p14:modId xmlns:p14="http://schemas.microsoft.com/office/powerpoint/2010/main" val="4208355847"/>
+                <p14:modId xmlns:p14="http://schemas.microsoft.com/office/powerpoint/2010/main" val="222009026"/>
               </p:ext>
             </p:extLst>
           </p:nvPr>
@@ -12658,7 +11872,7 @@
           <a:graphicData uri="http://schemas.openxmlformats.org/drawingml/2006/table">
             <a:tbl>
               <a:tblPr firstRow="1" bandRow="1">
-                <a:tableStyleId>{F5AB1C69-6EDB-4FF4-983F-18BD219EF322}</a:tableStyleId>
+                <a:tableStyleId>{C083E6E3-FA7D-4D7B-A595-EF9225AFEA82}</a:tableStyleId>
               </a:tblPr>
               <a:tblGrid>
                 <a:gridCol w="2868706">
@@ -12749,9 +11963,44 @@
                     </a:p>
                   </a:txBody>
                   <a:tcPr marL="66513" marR="66513" marT="33256" marB="33256" anchor="ctr">
+                    <a:lnL w="12700" cap="flat" cmpd="sng" algn="ctr">
+                      <a:solidFill>
+                        <a:schemeClr val="bg2">
+                          <a:lumMod val="75000"/>
+                        </a:schemeClr>
+                      </a:solidFill>
+                      <a:prstDash val="solid"/>
+                      <a:round/>
+                      <a:headEnd type="none" w="med" len="med"/>
+                      <a:tailEnd type="none" w="med" len="med"/>
+                    </a:lnL>
+                    <a:lnR w="12700" cap="flat" cmpd="sng" algn="ctr">
+                      <a:solidFill>
+                        <a:schemeClr val="bg2">
+                          <a:lumMod val="75000"/>
+                        </a:schemeClr>
+                      </a:solidFill>
+                      <a:prstDash val="solid"/>
+                      <a:round/>
+                      <a:headEnd type="none" w="med" len="med"/>
+                      <a:tailEnd type="none" w="med" len="med"/>
+                    </a:lnR>
+                    <a:lnB w="12700" cap="flat" cmpd="sng" algn="ctr">
+                      <a:solidFill>
+                        <a:schemeClr val="bg2">
+                          <a:lumMod val="75000"/>
+                        </a:schemeClr>
+                      </a:solidFill>
+                      <a:prstDash val="solid"/>
+                      <a:round/>
+                      <a:headEnd type="none" w="med" len="med"/>
+                      <a:tailEnd type="none" w="med" len="med"/>
+                    </a:lnB>
                     <a:lnTlToBr w="12700" cap="flat" cmpd="sng" algn="ctr">
                       <a:solidFill>
-                        <a:schemeClr val="bg1"/>
+                        <a:schemeClr val="bg2">
+                          <a:lumMod val="75000"/>
+                        </a:schemeClr>
                       </a:solidFill>
                       <a:prstDash val="solid"/>
                       <a:round/>
@@ -12802,7 +12051,41 @@
                       </a:endParaRPr>
                     </a:p>
                   </a:txBody>
-                  <a:tcPr marL="66513" marR="66513" marT="33256" marB="33256" anchor="ctr"/>
+                  <a:tcPr marL="66513" marR="66513" marT="33256" marB="33256" anchor="ctr">
+                    <a:lnL w="12700" cap="flat" cmpd="sng" algn="ctr">
+                      <a:solidFill>
+                        <a:schemeClr val="bg2">
+                          <a:lumMod val="75000"/>
+                        </a:schemeClr>
+                      </a:solidFill>
+                      <a:prstDash val="solid"/>
+                      <a:round/>
+                      <a:headEnd type="none" w="med" len="med"/>
+                      <a:tailEnd type="none" w="med" len="med"/>
+                    </a:lnL>
+                    <a:lnR w="12700" cap="flat" cmpd="sng" algn="ctr">
+                      <a:solidFill>
+                        <a:schemeClr val="bg2">
+                          <a:lumMod val="75000"/>
+                        </a:schemeClr>
+                      </a:solidFill>
+                      <a:prstDash val="solid"/>
+                      <a:round/>
+                      <a:headEnd type="none" w="med" len="med"/>
+                      <a:tailEnd type="none" w="med" len="med"/>
+                    </a:lnR>
+                    <a:lnB w="12700" cap="flat" cmpd="sng" algn="ctr">
+                      <a:solidFill>
+                        <a:schemeClr val="bg2">
+                          <a:lumMod val="75000"/>
+                        </a:schemeClr>
+                      </a:solidFill>
+                      <a:prstDash val="solid"/>
+                      <a:round/>
+                      <a:headEnd type="none" w="med" len="med"/>
+                      <a:tailEnd type="none" w="med" len="med"/>
+                    </a:lnB>
+                  </a:tcPr>
                 </a:tc>
                 <a:tc>
                   <a:txBody>
@@ -12835,7 +12118,41 @@
                       </a:r>
                     </a:p>
                   </a:txBody>
-                  <a:tcPr marL="66513" marR="66513" marT="33256" marB="33256" anchor="ctr"/>
+                  <a:tcPr marL="66513" marR="66513" marT="33256" marB="33256" anchor="ctr">
+                    <a:lnL w="12700" cap="flat" cmpd="sng" algn="ctr">
+                      <a:solidFill>
+                        <a:schemeClr val="bg2">
+                          <a:lumMod val="75000"/>
+                        </a:schemeClr>
+                      </a:solidFill>
+                      <a:prstDash val="solid"/>
+                      <a:round/>
+                      <a:headEnd type="none" w="med" len="med"/>
+                      <a:tailEnd type="none" w="med" len="med"/>
+                    </a:lnL>
+                    <a:lnR w="12700" cap="flat" cmpd="sng" algn="ctr">
+                      <a:solidFill>
+                        <a:schemeClr val="bg2">
+                          <a:lumMod val="75000"/>
+                        </a:schemeClr>
+                      </a:solidFill>
+                      <a:prstDash val="solid"/>
+                      <a:round/>
+                      <a:headEnd type="none" w="med" len="med"/>
+                      <a:tailEnd type="none" w="med" len="med"/>
+                    </a:lnR>
+                    <a:lnB w="12700" cap="flat" cmpd="sng" algn="ctr">
+                      <a:solidFill>
+                        <a:schemeClr val="bg2">
+                          <a:lumMod val="75000"/>
+                        </a:schemeClr>
+                      </a:solidFill>
+                      <a:prstDash val="solid"/>
+                      <a:round/>
+                      <a:headEnd type="none" w="med" len="med"/>
+                      <a:tailEnd type="none" w="med" len="med"/>
+                    </a:lnB>
+                  </a:tcPr>
                 </a:tc>
                 <a:tc>
                   <a:txBody>
@@ -12868,7 +12185,41 @@
                       </a:r>
                     </a:p>
                   </a:txBody>
-                  <a:tcPr marL="66513" marR="66513" marT="33256" marB="33256" anchor="ctr"/>
+                  <a:tcPr marL="66513" marR="66513" marT="33256" marB="33256" anchor="ctr">
+                    <a:lnL w="12700" cap="flat" cmpd="sng" algn="ctr">
+                      <a:solidFill>
+                        <a:schemeClr val="bg2">
+                          <a:lumMod val="75000"/>
+                        </a:schemeClr>
+                      </a:solidFill>
+                      <a:prstDash val="solid"/>
+                      <a:round/>
+                      <a:headEnd type="none" w="med" len="med"/>
+                      <a:tailEnd type="none" w="med" len="med"/>
+                    </a:lnL>
+                    <a:lnR w="12700" cap="flat" cmpd="sng" algn="ctr">
+                      <a:solidFill>
+                        <a:schemeClr val="bg2">
+                          <a:lumMod val="75000"/>
+                        </a:schemeClr>
+                      </a:solidFill>
+                      <a:prstDash val="solid"/>
+                      <a:round/>
+                      <a:headEnd type="none" w="med" len="med"/>
+                      <a:tailEnd type="none" w="med" len="med"/>
+                    </a:lnR>
+                    <a:lnB w="12700" cap="flat" cmpd="sng" algn="ctr">
+                      <a:solidFill>
+                        <a:schemeClr val="bg2">
+                          <a:lumMod val="75000"/>
+                        </a:schemeClr>
+                      </a:solidFill>
+                      <a:prstDash val="solid"/>
+                      <a:round/>
+                      <a:headEnd type="none" w="med" len="med"/>
+                      <a:tailEnd type="none" w="med" len="med"/>
+                    </a:lnB>
+                  </a:tcPr>
                 </a:tc>
                 <a:extLst>
                   <a:ext uri="{0D108BD9-81ED-4DB2-BD59-A6C34878D82A}">
@@ -12908,7 +12259,52 @@
                       </a:r>
                     </a:p>
                   </a:txBody>
-                  <a:tcPr marL="66513" marR="66513" marT="33256" marB="33256" anchor="ctr"/>
+                  <a:tcPr marL="66513" marR="66513" marT="33256" marB="33256" anchor="ctr">
+                    <a:lnL w="12700" cap="flat" cmpd="sng" algn="ctr">
+                      <a:solidFill>
+                        <a:schemeClr val="bg2">
+                          <a:lumMod val="75000"/>
+                        </a:schemeClr>
+                      </a:solidFill>
+                      <a:prstDash val="solid"/>
+                      <a:round/>
+                      <a:headEnd type="none" w="med" len="med"/>
+                      <a:tailEnd type="none" w="med" len="med"/>
+                    </a:lnL>
+                    <a:lnR w="12700" cap="flat" cmpd="sng" algn="ctr">
+                      <a:solidFill>
+                        <a:schemeClr val="bg2">
+                          <a:lumMod val="75000"/>
+                        </a:schemeClr>
+                      </a:solidFill>
+                      <a:prstDash val="solid"/>
+                      <a:round/>
+                      <a:headEnd type="none" w="med" len="med"/>
+                      <a:tailEnd type="none" w="med" len="med"/>
+                    </a:lnR>
+                    <a:lnT w="12700" cap="flat" cmpd="sng" algn="ctr">
+                      <a:solidFill>
+                        <a:schemeClr val="bg2">
+                          <a:lumMod val="75000"/>
+                        </a:schemeClr>
+                      </a:solidFill>
+                      <a:prstDash val="solid"/>
+                      <a:round/>
+                      <a:headEnd type="none" w="med" len="med"/>
+                      <a:tailEnd type="none" w="med" len="med"/>
+                    </a:lnT>
+                    <a:lnB w="12700" cap="flat" cmpd="sng" algn="ctr">
+                      <a:solidFill>
+                        <a:schemeClr val="bg2">
+                          <a:lumMod val="75000"/>
+                        </a:schemeClr>
+                      </a:solidFill>
+                      <a:prstDash val="solid"/>
+                      <a:round/>
+                      <a:headEnd type="none" w="med" len="med"/>
+                      <a:tailEnd type="none" w="med" len="med"/>
+                    </a:lnB>
+                  </a:tcPr>
                 </a:tc>
                 <a:tc>
                   <a:txBody>
@@ -12941,7 +12337,52 @@
                       </a:r>
                     </a:p>
                   </a:txBody>
-                  <a:tcPr marL="66513" marR="66513" marT="33256" marB="33256" anchor="ctr"/>
+                  <a:tcPr marL="66513" marR="66513" marT="33256" marB="33256" anchor="ctr">
+                    <a:lnL w="12700" cap="flat" cmpd="sng" algn="ctr">
+                      <a:solidFill>
+                        <a:schemeClr val="bg2">
+                          <a:lumMod val="75000"/>
+                        </a:schemeClr>
+                      </a:solidFill>
+                      <a:prstDash val="solid"/>
+                      <a:round/>
+                      <a:headEnd type="none" w="med" len="med"/>
+                      <a:tailEnd type="none" w="med" len="med"/>
+                    </a:lnL>
+                    <a:lnR w="12700" cap="flat" cmpd="sng" algn="ctr">
+                      <a:solidFill>
+                        <a:schemeClr val="bg2">
+                          <a:lumMod val="75000"/>
+                        </a:schemeClr>
+                      </a:solidFill>
+                      <a:prstDash val="solid"/>
+                      <a:round/>
+                      <a:headEnd type="none" w="med" len="med"/>
+                      <a:tailEnd type="none" w="med" len="med"/>
+                    </a:lnR>
+                    <a:lnT w="12700" cap="flat" cmpd="sng" algn="ctr">
+                      <a:solidFill>
+                        <a:schemeClr val="bg2">
+                          <a:lumMod val="75000"/>
+                        </a:schemeClr>
+                      </a:solidFill>
+                      <a:prstDash val="solid"/>
+                      <a:round/>
+                      <a:headEnd type="none" w="med" len="med"/>
+                      <a:tailEnd type="none" w="med" len="med"/>
+                    </a:lnT>
+                    <a:lnB w="12700" cap="flat" cmpd="sng" algn="ctr">
+                      <a:solidFill>
+                        <a:schemeClr val="bg2">
+                          <a:lumMod val="75000"/>
+                        </a:schemeClr>
+                      </a:solidFill>
+                      <a:prstDash val="solid"/>
+                      <a:round/>
+                      <a:headEnd type="none" w="med" len="med"/>
+                      <a:tailEnd type="none" w="med" len="med"/>
+                    </a:lnB>
+                  </a:tcPr>
                 </a:tc>
                 <a:tc>
                   <a:txBody>
@@ -12974,7 +12415,52 @@
                       </a:r>
                     </a:p>
                   </a:txBody>
-                  <a:tcPr marL="66513" marR="66513" marT="33256" marB="33256" anchor="ctr"/>
+                  <a:tcPr marL="66513" marR="66513" marT="33256" marB="33256" anchor="ctr">
+                    <a:lnL w="12700" cap="flat" cmpd="sng" algn="ctr">
+                      <a:solidFill>
+                        <a:schemeClr val="bg2">
+                          <a:lumMod val="75000"/>
+                        </a:schemeClr>
+                      </a:solidFill>
+                      <a:prstDash val="solid"/>
+                      <a:round/>
+                      <a:headEnd type="none" w="med" len="med"/>
+                      <a:tailEnd type="none" w="med" len="med"/>
+                    </a:lnL>
+                    <a:lnR w="12700" cap="flat" cmpd="sng" algn="ctr">
+                      <a:solidFill>
+                        <a:schemeClr val="bg2">
+                          <a:lumMod val="75000"/>
+                        </a:schemeClr>
+                      </a:solidFill>
+                      <a:prstDash val="solid"/>
+                      <a:round/>
+                      <a:headEnd type="none" w="med" len="med"/>
+                      <a:tailEnd type="none" w="med" len="med"/>
+                    </a:lnR>
+                    <a:lnT w="12700" cap="flat" cmpd="sng" algn="ctr">
+                      <a:solidFill>
+                        <a:schemeClr val="bg2">
+                          <a:lumMod val="75000"/>
+                        </a:schemeClr>
+                      </a:solidFill>
+                      <a:prstDash val="solid"/>
+                      <a:round/>
+                      <a:headEnd type="none" w="med" len="med"/>
+                      <a:tailEnd type="none" w="med" len="med"/>
+                    </a:lnT>
+                    <a:lnB w="12700" cap="flat" cmpd="sng" algn="ctr">
+                      <a:solidFill>
+                        <a:schemeClr val="bg2">
+                          <a:lumMod val="75000"/>
+                        </a:schemeClr>
+                      </a:solidFill>
+                      <a:prstDash val="solid"/>
+                      <a:round/>
+                      <a:headEnd type="none" w="med" len="med"/>
+                      <a:tailEnd type="none" w="med" len="med"/>
+                    </a:lnB>
+                  </a:tcPr>
                 </a:tc>
                 <a:tc>
                   <a:txBody>
@@ -13015,7 +12501,52 @@
                       </a:endParaRPr>
                     </a:p>
                   </a:txBody>
-                  <a:tcPr marL="66513" marR="66513" marT="33256" marB="33256" anchor="ctr"/>
+                  <a:tcPr marL="66513" marR="66513" marT="33256" marB="33256" anchor="ctr">
+                    <a:lnL w="12700" cap="flat" cmpd="sng" algn="ctr">
+                      <a:solidFill>
+                        <a:schemeClr val="bg2">
+                          <a:lumMod val="75000"/>
+                        </a:schemeClr>
+                      </a:solidFill>
+                      <a:prstDash val="solid"/>
+                      <a:round/>
+                      <a:headEnd type="none" w="med" len="med"/>
+                      <a:tailEnd type="none" w="med" len="med"/>
+                    </a:lnL>
+                    <a:lnR w="12700" cap="flat" cmpd="sng" algn="ctr">
+                      <a:solidFill>
+                        <a:schemeClr val="bg2">
+                          <a:lumMod val="75000"/>
+                        </a:schemeClr>
+                      </a:solidFill>
+                      <a:prstDash val="solid"/>
+                      <a:round/>
+                      <a:headEnd type="none" w="med" len="med"/>
+                      <a:tailEnd type="none" w="med" len="med"/>
+                    </a:lnR>
+                    <a:lnT w="12700" cap="flat" cmpd="sng" algn="ctr">
+                      <a:solidFill>
+                        <a:schemeClr val="bg2">
+                          <a:lumMod val="75000"/>
+                        </a:schemeClr>
+                      </a:solidFill>
+                      <a:prstDash val="solid"/>
+                      <a:round/>
+                      <a:headEnd type="none" w="med" len="med"/>
+                      <a:tailEnd type="none" w="med" len="med"/>
+                    </a:lnT>
+                    <a:lnB w="12700" cap="flat" cmpd="sng" algn="ctr">
+                      <a:solidFill>
+                        <a:schemeClr val="bg2">
+                          <a:lumMod val="75000"/>
+                        </a:schemeClr>
+                      </a:solidFill>
+                      <a:prstDash val="solid"/>
+                      <a:round/>
+                      <a:headEnd type="none" w="med" len="med"/>
+                      <a:tailEnd type="none" w="med" len="med"/>
+                    </a:lnB>
+                  </a:tcPr>
                 </a:tc>
                 <a:extLst>
                   <a:ext uri="{0D108BD9-81ED-4DB2-BD59-A6C34878D82A}">
@@ -13055,7 +12586,52 @@
                       </a:r>
                     </a:p>
                   </a:txBody>
-                  <a:tcPr marL="66513" marR="66513" marT="33256" marB="33256" anchor="ctr"/>
+                  <a:tcPr marL="66513" marR="66513" marT="33256" marB="33256" anchor="ctr">
+                    <a:lnL w="12700" cap="flat" cmpd="sng" algn="ctr">
+                      <a:solidFill>
+                        <a:schemeClr val="bg2">
+                          <a:lumMod val="75000"/>
+                        </a:schemeClr>
+                      </a:solidFill>
+                      <a:prstDash val="solid"/>
+                      <a:round/>
+                      <a:headEnd type="none" w="med" len="med"/>
+                      <a:tailEnd type="none" w="med" len="med"/>
+                    </a:lnL>
+                    <a:lnR w="12700" cap="flat" cmpd="sng" algn="ctr">
+                      <a:solidFill>
+                        <a:schemeClr val="bg2">
+                          <a:lumMod val="75000"/>
+                        </a:schemeClr>
+                      </a:solidFill>
+                      <a:prstDash val="solid"/>
+                      <a:round/>
+                      <a:headEnd type="none" w="med" len="med"/>
+                      <a:tailEnd type="none" w="med" len="med"/>
+                    </a:lnR>
+                    <a:lnT w="12700" cap="flat" cmpd="sng" algn="ctr">
+                      <a:solidFill>
+                        <a:schemeClr val="bg2">
+                          <a:lumMod val="75000"/>
+                        </a:schemeClr>
+                      </a:solidFill>
+                      <a:prstDash val="solid"/>
+                      <a:round/>
+                      <a:headEnd type="none" w="med" len="med"/>
+                      <a:tailEnd type="none" w="med" len="med"/>
+                    </a:lnT>
+                    <a:lnB w="12700" cap="flat" cmpd="sng" algn="ctr">
+                      <a:solidFill>
+                        <a:schemeClr val="bg2">
+                          <a:lumMod val="75000"/>
+                        </a:schemeClr>
+                      </a:solidFill>
+                      <a:prstDash val="solid"/>
+                      <a:round/>
+                      <a:headEnd type="none" w="med" len="med"/>
+                      <a:tailEnd type="none" w="med" len="med"/>
+                    </a:lnB>
+                  </a:tcPr>
                 </a:tc>
                 <a:tc>
                   <a:txBody>
@@ -13088,7 +12664,52 @@
                       </a:r>
                     </a:p>
                   </a:txBody>
-                  <a:tcPr marL="66513" marR="66513" marT="33256" marB="33256" anchor="ctr"/>
+                  <a:tcPr marL="66513" marR="66513" marT="33256" marB="33256" anchor="ctr">
+                    <a:lnL w="12700" cap="flat" cmpd="sng" algn="ctr">
+                      <a:solidFill>
+                        <a:schemeClr val="bg2">
+                          <a:lumMod val="75000"/>
+                        </a:schemeClr>
+                      </a:solidFill>
+                      <a:prstDash val="solid"/>
+                      <a:round/>
+                      <a:headEnd type="none" w="med" len="med"/>
+                      <a:tailEnd type="none" w="med" len="med"/>
+                    </a:lnL>
+                    <a:lnR w="12700" cap="flat" cmpd="sng" algn="ctr">
+                      <a:solidFill>
+                        <a:schemeClr val="bg2">
+                          <a:lumMod val="75000"/>
+                        </a:schemeClr>
+                      </a:solidFill>
+                      <a:prstDash val="solid"/>
+                      <a:round/>
+                      <a:headEnd type="none" w="med" len="med"/>
+                      <a:tailEnd type="none" w="med" len="med"/>
+                    </a:lnR>
+                    <a:lnT w="12700" cap="flat" cmpd="sng" algn="ctr">
+                      <a:solidFill>
+                        <a:schemeClr val="bg2">
+                          <a:lumMod val="75000"/>
+                        </a:schemeClr>
+                      </a:solidFill>
+                      <a:prstDash val="solid"/>
+                      <a:round/>
+                      <a:headEnd type="none" w="med" len="med"/>
+                      <a:tailEnd type="none" w="med" len="med"/>
+                    </a:lnT>
+                    <a:lnB w="12700" cap="flat" cmpd="sng" algn="ctr">
+                      <a:solidFill>
+                        <a:schemeClr val="bg2">
+                          <a:lumMod val="75000"/>
+                        </a:schemeClr>
+                      </a:solidFill>
+                      <a:prstDash val="solid"/>
+                      <a:round/>
+                      <a:headEnd type="none" w="med" len="med"/>
+                      <a:tailEnd type="none" w="med" len="med"/>
+                    </a:lnB>
+                  </a:tcPr>
                 </a:tc>
                 <a:tc>
                   <a:txBody>
@@ -13121,7 +12742,52 @@
                       </a:r>
                     </a:p>
                   </a:txBody>
-                  <a:tcPr marL="66513" marR="66513" marT="33256" marB="33256" anchor="ctr"/>
+                  <a:tcPr marL="66513" marR="66513" marT="33256" marB="33256" anchor="ctr">
+                    <a:lnL w="12700" cap="flat" cmpd="sng" algn="ctr">
+                      <a:solidFill>
+                        <a:schemeClr val="bg2">
+                          <a:lumMod val="75000"/>
+                        </a:schemeClr>
+                      </a:solidFill>
+                      <a:prstDash val="solid"/>
+                      <a:round/>
+                      <a:headEnd type="none" w="med" len="med"/>
+                      <a:tailEnd type="none" w="med" len="med"/>
+                    </a:lnL>
+                    <a:lnR w="12700" cap="flat" cmpd="sng" algn="ctr">
+                      <a:solidFill>
+                        <a:schemeClr val="bg2">
+                          <a:lumMod val="75000"/>
+                        </a:schemeClr>
+                      </a:solidFill>
+                      <a:prstDash val="solid"/>
+                      <a:round/>
+                      <a:headEnd type="none" w="med" len="med"/>
+                      <a:tailEnd type="none" w="med" len="med"/>
+                    </a:lnR>
+                    <a:lnT w="12700" cap="flat" cmpd="sng" algn="ctr">
+                      <a:solidFill>
+                        <a:schemeClr val="bg2">
+                          <a:lumMod val="75000"/>
+                        </a:schemeClr>
+                      </a:solidFill>
+                      <a:prstDash val="solid"/>
+                      <a:round/>
+                      <a:headEnd type="none" w="med" len="med"/>
+                      <a:tailEnd type="none" w="med" len="med"/>
+                    </a:lnT>
+                    <a:lnB w="12700" cap="flat" cmpd="sng" algn="ctr">
+                      <a:solidFill>
+                        <a:schemeClr val="bg2">
+                          <a:lumMod val="75000"/>
+                        </a:schemeClr>
+                      </a:solidFill>
+                      <a:prstDash val="solid"/>
+                      <a:round/>
+                      <a:headEnd type="none" w="med" len="med"/>
+                      <a:tailEnd type="none" w="med" len="med"/>
+                    </a:lnB>
+                  </a:tcPr>
                 </a:tc>
                 <a:tc>
                   <a:txBody>
@@ -13138,7 +12804,52 @@
                       </a:r>
                     </a:p>
                   </a:txBody>
-                  <a:tcPr marL="66513" marR="66513" marT="33256" marB="33256" anchor="ctr"/>
+                  <a:tcPr marL="66513" marR="66513" marT="33256" marB="33256" anchor="ctr">
+                    <a:lnL w="12700" cap="flat" cmpd="sng" algn="ctr">
+                      <a:solidFill>
+                        <a:schemeClr val="bg2">
+                          <a:lumMod val="75000"/>
+                        </a:schemeClr>
+                      </a:solidFill>
+                      <a:prstDash val="solid"/>
+                      <a:round/>
+                      <a:headEnd type="none" w="med" len="med"/>
+                      <a:tailEnd type="none" w="med" len="med"/>
+                    </a:lnL>
+                    <a:lnR w="12700" cap="flat" cmpd="sng" algn="ctr">
+                      <a:solidFill>
+                        <a:schemeClr val="bg2">
+                          <a:lumMod val="75000"/>
+                        </a:schemeClr>
+                      </a:solidFill>
+                      <a:prstDash val="solid"/>
+                      <a:round/>
+                      <a:headEnd type="none" w="med" len="med"/>
+                      <a:tailEnd type="none" w="med" len="med"/>
+                    </a:lnR>
+                    <a:lnT w="12700" cap="flat" cmpd="sng" algn="ctr">
+                      <a:solidFill>
+                        <a:schemeClr val="bg2">
+                          <a:lumMod val="75000"/>
+                        </a:schemeClr>
+                      </a:solidFill>
+                      <a:prstDash val="solid"/>
+                      <a:round/>
+                      <a:headEnd type="none" w="med" len="med"/>
+                      <a:tailEnd type="none" w="med" len="med"/>
+                    </a:lnT>
+                    <a:lnB w="12700" cap="flat" cmpd="sng" algn="ctr">
+                      <a:solidFill>
+                        <a:schemeClr val="bg2">
+                          <a:lumMod val="75000"/>
+                        </a:schemeClr>
+                      </a:solidFill>
+                      <a:prstDash val="solid"/>
+                      <a:round/>
+                      <a:headEnd type="none" w="med" len="med"/>
+                      <a:tailEnd type="none" w="med" len="med"/>
+                    </a:lnB>
+                  </a:tcPr>
                 </a:tc>
                 <a:extLst>
                   <a:ext uri="{0D108BD9-81ED-4DB2-BD59-A6C34878D82A}">
@@ -13178,7 +12889,52 @@
                       </a:r>
                     </a:p>
                   </a:txBody>
-                  <a:tcPr marL="66513" marR="66513" marT="33256" marB="33256" anchor="ctr"/>
+                  <a:tcPr marL="66513" marR="66513" marT="33256" marB="33256" anchor="ctr">
+                    <a:lnL w="12700" cap="flat" cmpd="sng" algn="ctr">
+                      <a:solidFill>
+                        <a:schemeClr val="bg2">
+                          <a:lumMod val="75000"/>
+                        </a:schemeClr>
+                      </a:solidFill>
+                      <a:prstDash val="solid"/>
+                      <a:round/>
+                      <a:headEnd type="none" w="med" len="med"/>
+                      <a:tailEnd type="none" w="med" len="med"/>
+                    </a:lnL>
+                    <a:lnR w="12700" cap="flat" cmpd="sng" algn="ctr">
+                      <a:solidFill>
+                        <a:schemeClr val="bg2">
+                          <a:lumMod val="75000"/>
+                        </a:schemeClr>
+                      </a:solidFill>
+                      <a:prstDash val="solid"/>
+                      <a:round/>
+                      <a:headEnd type="none" w="med" len="med"/>
+                      <a:tailEnd type="none" w="med" len="med"/>
+                    </a:lnR>
+                    <a:lnT w="12700" cap="flat" cmpd="sng" algn="ctr">
+                      <a:solidFill>
+                        <a:schemeClr val="bg2">
+                          <a:lumMod val="75000"/>
+                        </a:schemeClr>
+                      </a:solidFill>
+                      <a:prstDash val="solid"/>
+                      <a:round/>
+                      <a:headEnd type="none" w="med" len="med"/>
+                      <a:tailEnd type="none" w="med" len="med"/>
+                    </a:lnT>
+                    <a:lnB w="12700" cap="flat" cmpd="sng" algn="ctr">
+                      <a:solidFill>
+                        <a:schemeClr val="bg2">
+                          <a:lumMod val="75000"/>
+                        </a:schemeClr>
+                      </a:solidFill>
+                      <a:prstDash val="solid"/>
+                      <a:round/>
+                      <a:headEnd type="none" w="med" len="med"/>
+                      <a:tailEnd type="none" w="med" len="med"/>
+                    </a:lnB>
+                  </a:tcPr>
                 </a:tc>
                 <a:tc>
                   <a:txBody>
@@ -13211,7 +12967,52 @@
                       </a:r>
                     </a:p>
                   </a:txBody>
-                  <a:tcPr marL="66513" marR="66513" marT="33256" marB="33256" anchor="ctr"/>
+                  <a:tcPr marL="66513" marR="66513" marT="33256" marB="33256" anchor="ctr">
+                    <a:lnL w="12700" cap="flat" cmpd="sng" algn="ctr">
+                      <a:solidFill>
+                        <a:schemeClr val="bg2">
+                          <a:lumMod val="75000"/>
+                        </a:schemeClr>
+                      </a:solidFill>
+                      <a:prstDash val="solid"/>
+                      <a:round/>
+                      <a:headEnd type="none" w="med" len="med"/>
+                      <a:tailEnd type="none" w="med" len="med"/>
+                    </a:lnL>
+                    <a:lnR w="12700" cap="flat" cmpd="sng" algn="ctr">
+                      <a:solidFill>
+                        <a:schemeClr val="bg2">
+                          <a:lumMod val="75000"/>
+                        </a:schemeClr>
+                      </a:solidFill>
+                      <a:prstDash val="solid"/>
+                      <a:round/>
+                      <a:headEnd type="none" w="med" len="med"/>
+                      <a:tailEnd type="none" w="med" len="med"/>
+                    </a:lnR>
+                    <a:lnT w="12700" cap="flat" cmpd="sng" algn="ctr">
+                      <a:solidFill>
+                        <a:schemeClr val="bg2">
+                          <a:lumMod val="75000"/>
+                        </a:schemeClr>
+                      </a:solidFill>
+                      <a:prstDash val="solid"/>
+                      <a:round/>
+                      <a:headEnd type="none" w="med" len="med"/>
+                      <a:tailEnd type="none" w="med" len="med"/>
+                    </a:lnT>
+                    <a:lnB w="12700" cap="flat" cmpd="sng" algn="ctr">
+                      <a:solidFill>
+                        <a:schemeClr val="bg2">
+                          <a:lumMod val="75000"/>
+                        </a:schemeClr>
+                      </a:solidFill>
+                      <a:prstDash val="solid"/>
+                      <a:round/>
+                      <a:headEnd type="none" w="med" len="med"/>
+                      <a:tailEnd type="none" w="med" len="med"/>
+                    </a:lnB>
+                  </a:tcPr>
                 </a:tc>
                 <a:tc>
                   <a:txBody>
@@ -13244,7 +13045,52 @@
                       </a:r>
                     </a:p>
                   </a:txBody>
-                  <a:tcPr marL="66513" marR="66513" marT="33256" marB="33256" anchor="ctr"/>
+                  <a:tcPr marL="66513" marR="66513" marT="33256" marB="33256" anchor="ctr">
+                    <a:lnL w="12700" cap="flat" cmpd="sng" algn="ctr">
+                      <a:solidFill>
+                        <a:schemeClr val="bg2">
+                          <a:lumMod val="75000"/>
+                        </a:schemeClr>
+                      </a:solidFill>
+                      <a:prstDash val="solid"/>
+                      <a:round/>
+                      <a:headEnd type="none" w="med" len="med"/>
+                      <a:tailEnd type="none" w="med" len="med"/>
+                    </a:lnL>
+                    <a:lnR w="12700" cap="flat" cmpd="sng" algn="ctr">
+                      <a:solidFill>
+                        <a:schemeClr val="bg2">
+                          <a:lumMod val="75000"/>
+                        </a:schemeClr>
+                      </a:solidFill>
+                      <a:prstDash val="solid"/>
+                      <a:round/>
+                      <a:headEnd type="none" w="med" len="med"/>
+                      <a:tailEnd type="none" w="med" len="med"/>
+                    </a:lnR>
+                    <a:lnT w="12700" cap="flat" cmpd="sng" algn="ctr">
+                      <a:solidFill>
+                        <a:schemeClr val="bg2">
+                          <a:lumMod val="75000"/>
+                        </a:schemeClr>
+                      </a:solidFill>
+                      <a:prstDash val="solid"/>
+                      <a:round/>
+                      <a:headEnd type="none" w="med" len="med"/>
+                      <a:tailEnd type="none" w="med" len="med"/>
+                    </a:lnT>
+                    <a:lnB w="12700" cap="flat" cmpd="sng" algn="ctr">
+                      <a:solidFill>
+                        <a:schemeClr val="bg2">
+                          <a:lumMod val="75000"/>
+                        </a:schemeClr>
+                      </a:solidFill>
+                      <a:prstDash val="solid"/>
+                      <a:round/>
+                      <a:headEnd type="none" w="med" len="med"/>
+                      <a:tailEnd type="none" w="med" len="med"/>
+                    </a:lnB>
+                  </a:tcPr>
                 </a:tc>
                 <a:tc>
                   <a:txBody>
@@ -13277,7 +13123,52 @@
                       </a:r>
                     </a:p>
                   </a:txBody>
-                  <a:tcPr marL="66513" marR="66513" marT="33256" marB="33256" anchor="ctr"/>
+                  <a:tcPr marL="66513" marR="66513" marT="33256" marB="33256" anchor="ctr">
+                    <a:lnL w="12700" cap="flat" cmpd="sng" algn="ctr">
+                      <a:solidFill>
+                        <a:schemeClr val="bg2">
+                          <a:lumMod val="75000"/>
+                        </a:schemeClr>
+                      </a:solidFill>
+                      <a:prstDash val="solid"/>
+                      <a:round/>
+                      <a:headEnd type="none" w="med" len="med"/>
+                      <a:tailEnd type="none" w="med" len="med"/>
+                    </a:lnL>
+                    <a:lnR w="12700" cap="flat" cmpd="sng" algn="ctr">
+                      <a:solidFill>
+                        <a:schemeClr val="bg2">
+                          <a:lumMod val="75000"/>
+                        </a:schemeClr>
+                      </a:solidFill>
+                      <a:prstDash val="solid"/>
+                      <a:round/>
+                      <a:headEnd type="none" w="med" len="med"/>
+                      <a:tailEnd type="none" w="med" len="med"/>
+                    </a:lnR>
+                    <a:lnT w="12700" cap="flat" cmpd="sng" algn="ctr">
+                      <a:solidFill>
+                        <a:schemeClr val="bg2">
+                          <a:lumMod val="75000"/>
+                        </a:schemeClr>
+                      </a:solidFill>
+                      <a:prstDash val="solid"/>
+                      <a:round/>
+                      <a:headEnd type="none" w="med" len="med"/>
+                      <a:tailEnd type="none" w="med" len="med"/>
+                    </a:lnT>
+                    <a:lnB w="12700" cap="flat" cmpd="sng" algn="ctr">
+                      <a:solidFill>
+                        <a:schemeClr val="bg2">
+                          <a:lumMod val="75000"/>
+                        </a:schemeClr>
+                      </a:solidFill>
+                      <a:prstDash val="solid"/>
+                      <a:round/>
+                      <a:headEnd type="none" w="med" len="med"/>
+                      <a:tailEnd type="none" w="med" len="med"/>
+                    </a:lnB>
+                  </a:tcPr>
                 </a:tc>
                 <a:extLst>
                   <a:ext uri="{0D108BD9-81ED-4DB2-BD59-A6C34878D82A}">
@@ -13317,7 +13208,52 @@
                       </a:r>
                     </a:p>
                   </a:txBody>
-                  <a:tcPr marL="66513" marR="66513" marT="33256" marB="33256" anchor="ctr"/>
+                  <a:tcPr marL="66513" marR="66513" marT="33256" marB="33256" anchor="ctr">
+                    <a:lnL w="12700" cap="flat" cmpd="sng" algn="ctr">
+                      <a:solidFill>
+                        <a:schemeClr val="bg2">
+                          <a:lumMod val="75000"/>
+                        </a:schemeClr>
+                      </a:solidFill>
+                      <a:prstDash val="solid"/>
+                      <a:round/>
+                      <a:headEnd type="none" w="med" len="med"/>
+                      <a:tailEnd type="none" w="med" len="med"/>
+                    </a:lnL>
+                    <a:lnR w="12700" cap="flat" cmpd="sng" algn="ctr">
+                      <a:solidFill>
+                        <a:schemeClr val="bg2">
+                          <a:lumMod val="75000"/>
+                        </a:schemeClr>
+                      </a:solidFill>
+                      <a:prstDash val="solid"/>
+                      <a:round/>
+                      <a:headEnd type="none" w="med" len="med"/>
+                      <a:tailEnd type="none" w="med" len="med"/>
+                    </a:lnR>
+                    <a:lnT w="12700" cap="flat" cmpd="sng" algn="ctr">
+                      <a:solidFill>
+                        <a:schemeClr val="bg2">
+                          <a:lumMod val="75000"/>
+                        </a:schemeClr>
+                      </a:solidFill>
+                      <a:prstDash val="solid"/>
+                      <a:round/>
+                      <a:headEnd type="none" w="med" len="med"/>
+                      <a:tailEnd type="none" w="med" len="med"/>
+                    </a:lnT>
+                    <a:lnB w="12700" cap="flat" cmpd="sng" algn="ctr">
+                      <a:solidFill>
+                        <a:schemeClr val="bg2">
+                          <a:lumMod val="75000"/>
+                        </a:schemeClr>
+                      </a:solidFill>
+                      <a:prstDash val="solid"/>
+                      <a:round/>
+                      <a:headEnd type="none" w="med" len="med"/>
+                      <a:tailEnd type="none" w="med" len="med"/>
+                    </a:lnB>
+                  </a:tcPr>
                 </a:tc>
                 <a:tc>
                   <a:txBody>
@@ -13350,7 +13286,52 @@
                       </a:r>
                     </a:p>
                   </a:txBody>
-                  <a:tcPr marL="66513" marR="66513" marT="33256" marB="33256" anchor="ctr"/>
+                  <a:tcPr marL="66513" marR="66513" marT="33256" marB="33256" anchor="ctr">
+                    <a:lnL w="12700" cap="flat" cmpd="sng" algn="ctr">
+                      <a:solidFill>
+                        <a:schemeClr val="bg2">
+                          <a:lumMod val="75000"/>
+                        </a:schemeClr>
+                      </a:solidFill>
+                      <a:prstDash val="solid"/>
+                      <a:round/>
+                      <a:headEnd type="none" w="med" len="med"/>
+                      <a:tailEnd type="none" w="med" len="med"/>
+                    </a:lnL>
+                    <a:lnR w="12700" cap="flat" cmpd="sng" algn="ctr">
+                      <a:solidFill>
+                        <a:schemeClr val="bg2">
+                          <a:lumMod val="75000"/>
+                        </a:schemeClr>
+                      </a:solidFill>
+                      <a:prstDash val="solid"/>
+                      <a:round/>
+                      <a:headEnd type="none" w="med" len="med"/>
+                      <a:tailEnd type="none" w="med" len="med"/>
+                    </a:lnR>
+                    <a:lnT w="12700" cap="flat" cmpd="sng" algn="ctr">
+                      <a:solidFill>
+                        <a:schemeClr val="bg2">
+                          <a:lumMod val="75000"/>
+                        </a:schemeClr>
+                      </a:solidFill>
+                      <a:prstDash val="solid"/>
+                      <a:round/>
+                      <a:headEnd type="none" w="med" len="med"/>
+                      <a:tailEnd type="none" w="med" len="med"/>
+                    </a:lnT>
+                    <a:lnB w="12700" cap="flat" cmpd="sng" algn="ctr">
+                      <a:solidFill>
+                        <a:schemeClr val="bg2">
+                          <a:lumMod val="75000"/>
+                        </a:schemeClr>
+                      </a:solidFill>
+                      <a:prstDash val="solid"/>
+                      <a:round/>
+                      <a:headEnd type="none" w="med" len="med"/>
+                      <a:tailEnd type="none" w="med" len="med"/>
+                    </a:lnB>
+                  </a:tcPr>
                 </a:tc>
                 <a:tc>
                   <a:txBody>
@@ -13383,7 +13364,52 @@
                       </a:r>
                     </a:p>
                   </a:txBody>
-                  <a:tcPr marL="66513" marR="66513" marT="33256" marB="33256" anchor="ctr"/>
+                  <a:tcPr marL="66513" marR="66513" marT="33256" marB="33256" anchor="ctr">
+                    <a:lnL w="12700" cap="flat" cmpd="sng" algn="ctr">
+                      <a:solidFill>
+                        <a:schemeClr val="bg2">
+                          <a:lumMod val="75000"/>
+                        </a:schemeClr>
+                      </a:solidFill>
+                      <a:prstDash val="solid"/>
+                      <a:round/>
+                      <a:headEnd type="none" w="med" len="med"/>
+                      <a:tailEnd type="none" w="med" len="med"/>
+                    </a:lnL>
+                    <a:lnR w="12700" cap="flat" cmpd="sng" algn="ctr">
+                      <a:solidFill>
+                        <a:schemeClr val="bg2">
+                          <a:lumMod val="75000"/>
+                        </a:schemeClr>
+                      </a:solidFill>
+                      <a:prstDash val="solid"/>
+                      <a:round/>
+                      <a:headEnd type="none" w="med" len="med"/>
+                      <a:tailEnd type="none" w="med" len="med"/>
+                    </a:lnR>
+                    <a:lnT w="12700" cap="flat" cmpd="sng" algn="ctr">
+                      <a:solidFill>
+                        <a:schemeClr val="bg2">
+                          <a:lumMod val="75000"/>
+                        </a:schemeClr>
+                      </a:solidFill>
+                      <a:prstDash val="solid"/>
+                      <a:round/>
+                      <a:headEnd type="none" w="med" len="med"/>
+                      <a:tailEnd type="none" w="med" len="med"/>
+                    </a:lnT>
+                    <a:lnB w="12700" cap="flat" cmpd="sng" algn="ctr">
+                      <a:solidFill>
+                        <a:schemeClr val="bg2">
+                          <a:lumMod val="75000"/>
+                        </a:schemeClr>
+                      </a:solidFill>
+                      <a:prstDash val="solid"/>
+                      <a:round/>
+                      <a:headEnd type="none" w="med" len="med"/>
+                      <a:tailEnd type="none" w="med" len="med"/>
+                    </a:lnB>
+                  </a:tcPr>
                 </a:tc>
                 <a:tc>
                   <a:txBody>
@@ -13416,7 +13442,52 @@
                       </a:r>
                     </a:p>
                   </a:txBody>
-                  <a:tcPr marL="66513" marR="66513" marT="33256" marB="33256" anchor="ctr"/>
+                  <a:tcPr marL="66513" marR="66513" marT="33256" marB="33256" anchor="ctr">
+                    <a:lnL w="12700" cap="flat" cmpd="sng" algn="ctr">
+                      <a:solidFill>
+                        <a:schemeClr val="bg2">
+                          <a:lumMod val="75000"/>
+                        </a:schemeClr>
+                      </a:solidFill>
+                      <a:prstDash val="solid"/>
+                      <a:round/>
+                      <a:headEnd type="none" w="med" len="med"/>
+                      <a:tailEnd type="none" w="med" len="med"/>
+                    </a:lnL>
+                    <a:lnR w="12700" cap="flat" cmpd="sng" algn="ctr">
+                      <a:solidFill>
+                        <a:schemeClr val="bg2">
+                          <a:lumMod val="75000"/>
+                        </a:schemeClr>
+                      </a:solidFill>
+                      <a:prstDash val="solid"/>
+                      <a:round/>
+                      <a:headEnd type="none" w="med" len="med"/>
+                      <a:tailEnd type="none" w="med" len="med"/>
+                    </a:lnR>
+                    <a:lnT w="12700" cap="flat" cmpd="sng" algn="ctr">
+                      <a:solidFill>
+                        <a:schemeClr val="bg2">
+                          <a:lumMod val="75000"/>
+                        </a:schemeClr>
+                      </a:solidFill>
+                      <a:prstDash val="solid"/>
+                      <a:round/>
+                      <a:headEnd type="none" w="med" len="med"/>
+                      <a:tailEnd type="none" w="med" len="med"/>
+                    </a:lnT>
+                    <a:lnB w="12700" cap="flat" cmpd="sng" algn="ctr">
+                      <a:solidFill>
+                        <a:schemeClr val="bg2">
+                          <a:lumMod val="75000"/>
+                        </a:schemeClr>
+                      </a:solidFill>
+                      <a:prstDash val="solid"/>
+                      <a:round/>
+                      <a:headEnd type="none" w="med" len="med"/>
+                      <a:tailEnd type="none" w="med" len="med"/>
+                    </a:lnB>
+                  </a:tcPr>
                 </a:tc>
                 <a:extLst>
                   <a:ext uri="{0D108BD9-81ED-4DB2-BD59-A6C34878D82A}">
@@ -13432,6 +13503,388 @@
     <p:extLst>
       <p:ext uri="{BB962C8B-B14F-4D97-AF65-F5344CB8AC3E}">
         <p14:creationId xmlns:p14="http://schemas.microsoft.com/office/powerpoint/2010/main" val="725503657"/>
+      </p:ext>
+    </p:extLst>
+  </p:cSld>
+  <p:clrMapOvr>
+    <a:masterClrMapping/>
+  </p:clrMapOvr>
+  <p:extLst>
+    <p:ext uri="{6950BFC3-D8DA-4A85-94F7-54DA5524770B}">
+      <p188:commentRel xmlns:p188="http://schemas.microsoft.com/office/powerpoint/2018/8/main" r:id="rId2"/>
+    </p:ext>
+  </p:extLst>
+</p:sld>
+</file>
+
+<file path=ppt/slides/slide7.xml><?xml version="1.0" encoding="utf-8"?>
+<p:sld xmlns:a="http://schemas.openxmlformats.org/drawingml/2006/main" xmlns:r="http://schemas.openxmlformats.org/officeDocument/2006/relationships" xmlns:p="http://schemas.openxmlformats.org/presentationml/2006/main">
+  <p:cSld>
+    <p:spTree>
+      <p:nvGrpSpPr>
+        <p:cNvPr id="1" name=""/>
+        <p:cNvGrpSpPr/>
+        <p:nvPr/>
+      </p:nvGrpSpPr>
+      <p:grpSpPr>
+        <a:xfrm>
+          <a:off x="0" y="0"/>
+          <a:ext cx="0" cy="0"/>
+          <a:chOff x="0" y="0"/>
+          <a:chExt cx="0" cy="0"/>
+        </a:xfrm>
+      </p:grpSpPr>
+      <p:pic>
+        <p:nvPicPr>
+          <p:cNvPr id="6" name="Рисунок 5">
+            <a:extLst>
+              <a:ext uri="{FF2B5EF4-FFF2-40B4-BE49-F238E27FC236}">
+                <a16:creationId xmlns:a16="http://schemas.microsoft.com/office/drawing/2014/main" id="{83BD322C-1E86-ED18-DF10-AF5DB9F9C2BF}"/>
+              </a:ext>
+            </a:extLst>
+          </p:cNvPr>
+          <p:cNvPicPr>
+            <a:picLocks noChangeAspect="1"/>
+          </p:cNvPicPr>
+          <p:nvPr/>
+        </p:nvPicPr>
+        <p:blipFill>
+          <a:blip r:embed="rId3" cstate="print">
+            <a:extLst>
+              <a:ext uri="{28A0092B-C50C-407E-A947-70E740481C1C}">
+                <a14:useLocalDpi xmlns:a14="http://schemas.microsoft.com/office/drawing/2010/main" val="0"/>
+              </a:ext>
+            </a:extLst>
+          </a:blip>
+          <a:stretch>
+            <a:fillRect/>
+          </a:stretch>
+        </p:blipFill>
+        <p:spPr>
+          <a:xfrm>
+            <a:off x="412855" y="1025021"/>
+            <a:ext cx="11366290" cy="5832979"/>
+          </a:xfrm>
+          <a:prstGeom prst="rect">
+            <a:avLst/>
+          </a:prstGeom>
+        </p:spPr>
+      </p:pic>
+      <p:sp>
+        <p:nvSpPr>
+          <p:cNvPr id="2" name="Заголовок 1"/>
+          <p:cNvSpPr>
+            <a:spLocks noGrp="1"/>
+          </p:cNvSpPr>
+          <p:nvPr>
+            <p:ph type="title"/>
+          </p:nvPr>
+        </p:nvSpPr>
+        <p:spPr>
+          <a:xfrm>
+            <a:off x="109331" y="136525"/>
+            <a:ext cx="12082669" cy="1093694"/>
+          </a:xfrm>
+        </p:spPr>
+        <p:txBody>
+          <a:bodyPr>
+            <a:normAutofit/>
+          </a:bodyPr>
+          <a:lstStyle/>
+          <a:p>
+            <a:r>
+              <a:rPr lang="ru-RU" sz="4000" dirty="0">
+                <a:latin typeface="Times New Roman" panose="02020603050405020304" pitchFamily="18" charset="0"/>
+                <a:cs typeface="Times New Roman" panose="02020603050405020304" pitchFamily="18" charset="0"/>
+              </a:rPr>
+              <a:t>Функциональная диаграмма разрабатываемого метода</a:t>
+            </a:r>
+          </a:p>
+        </p:txBody>
+      </p:sp>
+      <p:sp>
+        <p:nvSpPr>
+          <p:cNvPr id="4" name="Номер слайда 3"/>
+          <p:cNvSpPr>
+            <a:spLocks noGrp="1"/>
+          </p:cNvSpPr>
+          <p:nvPr>
+            <p:ph type="sldNum" sz="quarter" idx="12"/>
+          </p:nvPr>
+        </p:nvSpPr>
+        <p:spPr/>
+        <p:txBody>
+          <a:bodyPr/>
+          <a:lstStyle/>
+          <a:p>
+            <a:fld id="{5D15703D-96D9-4C94-B196-0ED7D1E8A93C}" type="slidenum">
+              <a:rPr lang="ru-RU" sz="1800" smtClean="0">
+                <a:latin typeface="Times New Roman" panose="02020603050405020304" pitchFamily="18" charset="0"/>
+                <a:cs typeface="Times New Roman" panose="02020603050405020304" pitchFamily="18" charset="0"/>
+              </a:rPr>
+              <a:t>7</a:t>
+            </a:fld>
+            <a:endParaRPr lang="ru-RU" sz="1800" dirty="0">
+              <a:latin typeface="Times New Roman" panose="02020603050405020304" pitchFamily="18" charset="0"/>
+              <a:cs typeface="Times New Roman" panose="02020603050405020304" pitchFamily="18" charset="0"/>
+            </a:endParaRPr>
+          </a:p>
+        </p:txBody>
+      </p:sp>
+    </p:spTree>
+    <p:extLst>
+      <p:ext uri="{BB962C8B-B14F-4D97-AF65-F5344CB8AC3E}">
+        <p14:creationId xmlns:p14="http://schemas.microsoft.com/office/powerpoint/2010/main" val="3515134166"/>
+      </p:ext>
+    </p:extLst>
+  </p:cSld>
+  <p:clrMapOvr>
+    <a:masterClrMapping/>
+  </p:clrMapOvr>
+  <p:extLst>
+    <p:ext uri="{6950BFC3-D8DA-4A85-94F7-54DA5524770B}">
+      <p188:commentRel xmlns:p188="http://schemas.microsoft.com/office/powerpoint/2018/8/main" r:id="rId2"/>
+    </p:ext>
+  </p:extLst>
+</p:sld>
+</file>
+
+<file path=ppt/slides/slide8.xml><?xml version="1.0" encoding="utf-8"?>
+<p:sld xmlns:a="http://schemas.openxmlformats.org/drawingml/2006/main" xmlns:r="http://schemas.openxmlformats.org/officeDocument/2006/relationships" xmlns:p="http://schemas.openxmlformats.org/presentationml/2006/main">
+  <p:cSld>
+    <p:spTree>
+      <p:nvGrpSpPr>
+        <p:cNvPr id="1" name=""/>
+        <p:cNvGrpSpPr/>
+        <p:nvPr/>
+      </p:nvGrpSpPr>
+      <p:grpSpPr>
+        <a:xfrm>
+          <a:off x="0" y="0"/>
+          <a:ext cx="0" cy="0"/>
+          <a:chOff x="0" y="0"/>
+          <a:chExt cx="0" cy="0"/>
+        </a:xfrm>
+      </p:grpSpPr>
+      <p:sp>
+        <p:nvSpPr>
+          <p:cNvPr id="2" name="Заголовок 1"/>
+          <p:cNvSpPr>
+            <a:spLocks noGrp="1"/>
+          </p:cNvSpPr>
+          <p:nvPr>
+            <p:ph type="title"/>
+          </p:nvPr>
+        </p:nvSpPr>
+        <p:spPr>
+          <a:xfrm>
+            <a:off x="210671" y="189713"/>
+            <a:ext cx="10515600" cy="1122252"/>
+          </a:xfrm>
+        </p:spPr>
+        <p:txBody>
+          <a:bodyPr>
+            <a:normAutofit/>
+          </a:bodyPr>
+          <a:lstStyle/>
+          <a:p>
+            <a:r>
+              <a:rPr lang="ru-RU" sz="3600" dirty="0">
+                <a:latin typeface="Times New Roman" panose="02020603050405020304" pitchFamily="18" charset="0"/>
+                <a:cs typeface="Times New Roman" panose="02020603050405020304" pitchFamily="18" charset="0"/>
+              </a:rPr>
+              <a:t>Формирование очереди команд и отправка серверу запроса из очереди</a:t>
+            </a:r>
+          </a:p>
+        </p:txBody>
+      </p:sp>
+      <p:sp>
+        <p:nvSpPr>
+          <p:cNvPr id="4" name="Номер слайда 3"/>
+          <p:cNvSpPr>
+            <a:spLocks noGrp="1"/>
+          </p:cNvSpPr>
+          <p:nvPr>
+            <p:ph type="sldNum" sz="quarter" idx="12"/>
+          </p:nvPr>
+        </p:nvSpPr>
+        <p:spPr/>
+        <p:txBody>
+          <a:bodyPr/>
+          <a:lstStyle/>
+          <a:p>
+            <a:fld id="{5D15703D-96D9-4C94-B196-0ED7D1E8A93C}" type="slidenum">
+              <a:rPr lang="ru-RU" sz="1800" smtClean="0">
+                <a:latin typeface="Times New Roman" panose="02020603050405020304" pitchFamily="18" charset="0"/>
+                <a:cs typeface="Times New Roman" panose="02020603050405020304" pitchFamily="18" charset="0"/>
+              </a:rPr>
+              <a:t>8</a:t>
+            </a:fld>
+            <a:endParaRPr lang="ru-RU" sz="1800" dirty="0">
+              <a:latin typeface="Times New Roman" panose="02020603050405020304" pitchFamily="18" charset="0"/>
+              <a:cs typeface="Times New Roman" panose="02020603050405020304" pitchFamily="18" charset="0"/>
+            </a:endParaRPr>
+          </a:p>
+        </p:txBody>
+      </p:sp>
+      <p:sp>
+        <p:nvSpPr>
+          <p:cNvPr id="12" name="TextBox 11">
+            <a:extLst>
+              <a:ext uri="{FF2B5EF4-FFF2-40B4-BE49-F238E27FC236}">
+                <a16:creationId xmlns:a16="http://schemas.microsoft.com/office/drawing/2014/main" id="{B7A0EAC4-F27B-1B1E-14B2-5A00284EF829}"/>
+              </a:ext>
+            </a:extLst>
+          </p:cNvPr>
+          <p:cNvSpPr txBox="1"/>
+          <p:nvPr/>
+        </p:nvSpPr>
+        <p:spPr>
+          <a:xfrm>
+            <a:off x="1244039" y="1526183"/>
+            <a:ext cx="4298576" cy="369332"/>
+          </a:xfrm>
+          <a:prstGeom prst="rect">
+            <a:avLst/>
+          </a:prstGeom>
+          <a:noFill/>
+        </p:spPr>
+        <p:txBody>
+          <a:bodyPr wrap="square">
+            <a:spAutoFit/>
+          </a:bodyPr>
+          <a:lstStyle/>
+          <a:p>
+            <a:r>
+              <a:rPr lang="ru-RU" b="0" i="0" u="sng" dirty="0">
+                <a:effectLst/>
+                <a:latin typeface="Times New Roman" panose="02020603050405020304" pitchFamily="18" charset="0"/>
+                <a:cs typeface="Times New Roman" panose="02020603050405020304" pitchFamily="18" charset="0"/>
+              </a:rPr>
+              <a:t>Алгоритм формирования очереди команд</a:t>
+            </a:r>
+            <a:endParaRPr lang="ru-RU" u="sng" dirty="0">
+              <a:latin typeface="Times New Roman" panose="02020603050405020304" pitchFamily="18" charset="0"/>
+              <a:cs typeface="Times New Roman" panose="02020603050405020304" pitchFamily="18" charset="0"/>
+            </a:endParaRPr>
+          </a:p>
+        </p:txBody>
+      </p:sp>
+      <p:sp>
+        <p:nvSpPr>
+          <p:cNvPr id="13" name="TextBox 12">
+            <a:extLst>
+              <a:ext uri="{FF2B5EF4-FFF2-40B4-BE49-F238E27FC236}">
+                <a16:creationId xmlns:a16="http://schemas.microsoft.com/office/drawing/2014/main" id="{D9663851-2F05-7B57-975B-2FF005EBDEFD}"/>
+              </a:ext>
+            </a:extLst>
+          </p:cNvPr>
+          <p:cNvSpPr txBox="1"/>
+          <p:nvPr/>
+        </p:nvSpPr>
+        <p:spPr>
+          <a:xfrm>
+            <a:off x="6937512" y="1459667"/>
+            <a:ext cx="4416287" cy="369332"/>
+          </a:xfrm>
+          <a:prstGeom prst="rect">
+            <a:avLst/>
+          </a:prstGeom>
+          <a:noFill/>
+        </p:spPr>
+        <p:txBody>
+          <a:bodyPr wrap="square">
+            <a:spAutoFit/>
+          </a:bodyPr>
+          <a:lstStyle/>
+          <a:p>
+            <a:pPr algn="ctr"/>
+            <a:r>
+              <a:rPr lang="ru-RU" u="sng" dirty="0">
+                <a:latin typeface="Times New Roman" panose="02020603050405020304" pitchFamily="18" charset="0"/>
+                <a:cs typeface="Times New Roman" panose="02020603050405020304" pitchFamily="18" charset="0"/>
+              </a:rPr>
+              <a:t>Алгоритм отправки запроса серверу</a:t>
+            </a:r>
+          </a:p>
+        </p:txBody>
+      </p:sp>
+      <p:pic>
+        <p:nvPicPr>
+          <p:cNvPr id="16" name="Рисунок 15">
+            <a:extLst>
+              <a:ext uri="{FF2B5EF4-FFF2-40B4-BE49-F238E27FC236}">
+                <a16:creationId xmlns:a16="http://schemas.microsoft.com/office/drawing/2014/main" id="{8470F999-7346-24CA-3F47-E0E57ADC50B4}"/>
+              </a:ext>
+            </a:extLst>
+          </p:cNvPr>
+          <p:cNvPicPr>
+            <a:picLocks noChangeAspect="1"/>
+          </p:cNvPicPr>
+          <p:nvPr/>
+        </p:nvPicPr>
+        <p:blipFill>
+          <a:blip r:embed="rId3" cstate="print">
+            <a:extLst>
+              <a:ext uri="{28A0092B-C50C-407E-A947-70E740481C1C}">
+                <a14:useLocalDpi xmlns:a14="http://schemas.microsoft.com/office/drawing/2010/main" val="0"/>
+              </a:ext>
+            </a:extLst>
+          </a:blip>
+          <a:stretch>
+            <a:fillRect/>
+          </a:stretch>
+        </p:blipFill>
+        <p:spPr>
+          <a:xfrm>
+            <a:off x="261126" y="2109733"/>
+            <a:ext cx="6264402" cy="4536186"/>
+          </a:xfrm>
+          <a:prstGeom prst="rect">
+            <a:avLst/>
+          </a:prstGeom>
+        </p:spPr>
+      </p:pic>
+      <p:pic>
+        <p:nvPicPr>
+          <p:cNvPr id="6" name="Рисунок 5">
+            <a:extLst>
+              <a:ext uri="{FF2B5EF4-FFF2-40B4-BE49-F238E27FC236}">
+                <a16:creationId xmlns:a16="http://schemas.microsoft.com/office/drawing/2014/main" id="{CFE53CAF-5112-A0C9-32B3-0C7F34630D1A}"/>
+              </a:ext>
+            </a:extLst>
+          </p:cNvPr>
+          <p:cNvPicPr>
+            <a:picLocks noChangeAspect="1"/>
+          </p:cNvPicPr>
+          <p:nvPr/>
+        </p:nvPicPr>
+        <p:blipFill>
+          <a:blip r:embed="rId4" cstate="print">
+            <a:extLst>
+              <a:ext uri="{28A0092B-C50C-407E-A947-70E740481C1C}">
+                <a14:useLocalDpi xmlns:a14="http://schemas.microsoft.com/office/drawing/2010/main" val="0"/>
+              </a:ext>
+            </a:extLst>
+          </a:blip>
+          <a:stretch>
+            <a:fillRect/>
+          </a:stretch>
+        </p:blipFill>
+        <p:spPr>
+          <a:xfrm>
+            <a:off x="7395883" y="2109734"/>
+            <a:ext cx="3957916" cy="4536186"/>
+          </a:xfrm>
+          <a:prstGeom prst="rect">
+            <a:avLst/>
+          </a:prstGeom>
+        </p:spPr>
+      </p:pic>
+    </p:spTree>
+    <p:extLst>
+      <p:ext uri="{BB962C8B-B14F-4D97-AF65-F5344CB8AC3E}">
+        <p14:creationId xmlns:p14="http://schemas.microsoft.com/office/powerpoint/2010/main" val="2402547047"/>
       </p:ext>
     </p:extLst>
   </p:cSld>
@@ -13475,7 +13928,7 @@
         </p:nvSpPr>
         <p:spPr>
           <a:xfrm>
-            <a:off x="838200" y="365125"/>
+            <a:off x="475713" y="-4316"/>
             <a:ext cx="10515600" cy="1325563"/>
           </a:xfrm>
         </p:spPr>
@@ -13486,11 +13939,11 @@
           <a:lstStyle/>
           <a:p>
             <a:r>
-              <a:rPr lang="ru-RU" dirty="0">
+              <a:rPr lang="ru-RU" sz="4000" dirty="0">
                 <a:latin typeface="Times New Roman" panose="02020603050405020304" pitchFamily="18" charset="0"/>
                 <a:cs typeface="Times New Roman" panose="02020603050405020304" pitchFamily="18" charset="0"/>
               </a:rPr>
-              <a:t>Функциональная диаграмма разрабатываемого метода</a:t>
+              <a:t>Получение сообщения от сервера</a:t>
             </a:r>
           </a:p>
         </p:txBody>
@@ -13529,7 +13982,7 @@
           <p:cNvPr id="6" name="Рисунок 5">
             <a:extLst>
               <a:ext uri="{FF2B5EF4-FFF2-40B4-BE49-F238E27FC236}">
-                <a16:creationId xmlns:a16="http://schemas.microsoft.com/office/drawing/2014/main" id="{83BD322C-1E86-ED18-DF10-AF5DB9F9C2BF}"/>
+                <a16:creationId xmlns:a16="http://schemas.microsoft.com/office/drawing/2014/main" id="{720C72AB-5CD8-7FC7-A8F7-C8933512ADF0}"/>
               </a:ext>
             </a:extLst>
           </p:cNvPr>
@@ -13539,7 +13992,7 @@
           <p:nvPr/>
         </p:nvPicPr>
         <p:blipFill>
-          <a:blip r:embed="rId3">
+          <a:blip r:embed="rId3" cstate="print">
             <a:extLst>
               <a:ext uri="{28A0092B-C50C-407E-A947-70E740481C1C}">
                 <a14:useLocalDpi xmlns:a14="http://schemas.microsoft.com/office/drawing/2010/main" val="0"/>
@@ -13552,8 +14005,8 @@
         </p:blipFill>
         <p:spPr>
           <a:xfrm>
-            <a:off x="1487434" y="1913123"/>
-            <a:ext cx="8924220" cy="4579752"/>
+            <a:off x="648433" y="1534441"/>
+            <a:ext cx="11216259" cy="4608714"/>
           </a:xfrm>
           <a:prstGeom prst="rect">
             <a:avLst/>
@@ -13563,7 +14016,7 @@
     </p:spTree>
     <p:extLst>
       <p:ext uri="{BB962C8B-B14F-4D97-AF65-F5344CB8AC3E}">
-        <p14:creationId xmlns:p14="http://schemas.microsoft.com/office/powerpoint/2010/main" val="3515134166"/>
+        <p14:creationId xmlns:p14="http://schemas.microsoft.com/office/powerpoint/2010/main" val="4202505179"/>
       </p:ext>
     </p:extLst>
   </p:cSld>

--- a/Презентация.pptx
+++ b/Презентация.pptx
@@ -150,48 +150,9 @@
 <file path=ppt/changesInfos/changesInfo1.xml><?xml version="1.0" encoding="utf-8"?>
 <pc:chgInfo xmlns:a="http://schemas.openxmlformats.org/drawingml/2006/main" xmlns:r="http://schemas.openxmlformats.org/officeDocument/2006/relationships" xmlns:ac="http://schemas.microsoft.com/office/drawing/2013/main/command" xmlns:pc="http://schemas.microsoft.com/office/powerpoint/2013/main/command">
   <pc:docChgLst>
-    <pc:chgData name="Ольга Платонова" userId="b7a68a3ec46e1b54" providerId="LiveId" clId="{69C37FF1-3A42-438E-A961-1DE13AE723BC}"/>
-    <pc:docChg chg="undo custSel modSld">
-      <pc:chgData name="Ольга Платонова" userId="b7a68a3ec46e1b54" providerId="LiveId" clId="{69C37FF1-3A42-438E-A961-1DE13AE723BC}" dt="2022-04-03T09:45:50.826" v="12" actId="13822"/>
-      <pc:docMkLst>
-        <pc:docMk/>
-      </pc:docMkLst>
-      <pc:sldChg chg="modSp mod">
-        <pc:chgData name="Ольга Платонова" userId="b7a68a3ec46e1b54" providerId="LiveId" clId="{69C37FF1-3A42-438E-A961-1DE13AE723BC}" dt="2022-04-03T09:42:32.286" v="1" actId="20577"/>
-        <pc:sldMkLst>
-          <pc:docMk/>
-          <pc:sldMk cId="906348732" sldId="256"/>
-        </pc:sldMkLst>
-        <pc:spChg chg="mod">
-          <ac:chgData name="Ольга Платонова" userId="b7a68a3ec46e1b54" providerId="LiveId" clId="{69C37FF1-3A42-438E-A961-1DE13AE723BC}" dt="2022-04-03T09:42:32.286" v="1" actId="20577"/>
-          <ac:spMkLst>
-            <pc:docMk/>
-            <pc:sldMk cId="906348732" sldId="256"/>
-            <ac:spMk id="3" creationId="{00000000-0000-0000-0000-000000000000}"/>
-          </ac:spMkLst>
-        </pc:spChg>
-      </pc:sldChg>
-      <pc:sldChg chg="modSp mod addCm delCm">
-        <pc:chgData name="Ольга Платонова" userId="b7a68a3ec46e1b54" providerId="LiveId" clId="{69C37FF1-3A42-438E-A961-1DE13AE723BC}" dt="2022-04-03T09:45:50.826" v="12" actId="13822"/>
-        <pc:sldMkLst>
-          <pc:docMk/>
-          <pc:sldMk cId="3963753601" sldId="262"/>
-        </pc:sldMkLst>
-        <pc:graphicFrameChg chg="mod">
-          <ac:chgData name="Ольга Платонова" userId="b7a68a3ec46e1b54" providerId="LiveId" clId="{69C37FF1-3A42-438E-A961-1DE13AE723BC}" dt="2022-04-03T09:45:50.826" v="12" actId="13822"/>
-          <ac:graphicFrameMkLst>
-            <pc:docMk/>
-            <pc:sldMk cId="3963753601" sldId="262"/>
-            <ac:graphicFrameMk id="5" creationId="{00000000-0000-0000-0000-000000000000}"/>
-          </ac:graphicFrameMkLst>
-        </pc:graphicFrameChg>
-      </pc:sldChg>
-    </pc:docChg>
-  </pc:docChgLst>
-  <pc:docChgLst>
     <pc:chgData name="Ольга Платонова" userId="b7a68a3ec46e1b54" providerId="LiveId" clId="{1F07ACF5-96D4-4BB6-B0A8-48BFF323F040}"/>
     <pc:docChg chg="undo redo custSel addSld delSld modSld sldOrd">
-      <pc:chgData name="Ольга Платонова" userId="b7a68a3ec46e1b54" providerId="LiveId" clId="{1F07ACF5-96D4-4BB6-B0A8-48BFF323F040}" dt="2022-06-01T00:11:50.906" v="8628" actId="20577"/>
+      <pc:chgData name="Ольга Платонова" userId="b7a68a3ec46e1b54" providerId="LiveId" clId="{1F07ACF5-96D4-4BB6-B0A8-48BFF323F040}" dt="2022-06-01T17:26:46.887" v="8631" actId="1076"/>
       <pc:docMkLst>
         <pc:docMk/>
       </pc:docMkLst>
@@ -955,7 +916,7 @@
         </pc:cxnChg>
       </pc:sldChg>
       <pc:sldChg chg="addSp delSp modSp mod addCm">
-        <pc:chgData name="Ольга Платонова" userId="b7a68a3ec46e1b54" providerId="LiveId" clId="{1F07ACF5-96D4-4BB6-B0A8-48BFF323F040}" dt="2022-05-31T23:17:45.942" v="8459" actId="1076"/>
+        <pc:chgData name="Ольга Платонова" userId="b7a68a3ec46e1b54" providerId="LiveId" clId="{1F07ACF5-96D4-4BB6-B0A8-48BFF323F040}" dt="2022-06-01T17:26:46.887" v="8631" actId="1076"/>
         <pc:sldMkLst>
           <pc:docMk/>
           <pc:sldMk cId="2523793028" sldId="267"/>
@@ -1025,7 +986,7 @@
           </ac:graphicFrameMkLst>
         </pc:graphicFrameChg>
         <pc:graphicFrameChg chg="mod">
-          <ac:chgData name="Ольга Платонова" userId="b7a68a3ec46e1b54" providerId="LiveId" clId="{1F07ACF5-96D4-4BB6-B0A8-48BFF323F040}" dt="2022-05-31T23:17:37.406" v="8457" actId="14100"/>
+          <ac:chgData name="Ольга Платонова" userId="b7a68a3ec46e1b54" providerId="LiveId" clId="{1F07ACF5-96D4-4BB6-B0A8-48BFF323F040}" dt="2022-06-01T17:26:46.887" v="8631" actId="1076"/>
           <ac:graphicFrameMkLst>
             <pc:docMk/>
             <pc:sldMk cId="2523793028" sldId="267"/>
@@ -1034,7 +995,7 @@
         </pc:graphicFrameChg>
       </pc:sldChg>
       <pc:sldChg chg="addSp delSp modSp mod addCm">
-        <pc:chgData name="Ольга Платонова" userId="b7a68a3ec46e1b54" providerId="LiveId" clId="{1F07ACF5-96D4-4BB6-B0A8-48BFF323F040}" dt="2022-05-31T23:22:18.709" v="8574" actId="1076"/>
+        <pc:chgData name="Ольга Платонова" userId="b7a68a3ec46e1b54" providerId="LiveId" clId="{1F07ACF5-96D4-4BB6-B0A8-48BFF323F040}" dt="2022-06-01T17:26:41.055" v="8630" actId="1076"/>
         <pc:sldMkLst>
           <pc:docMk/>
           <pc:sldMk cId="60974364" sldId="268"/>
@@ -1048,7 +1009,7 @@
           </ac:spMkLst>
         </pc:spChg>
         <pc:spChg chg="add mod">
-          <ac:chgData name="Ольга Платонова" userId="b7a68a3ec46e1b54" providerId="LiveId" clId="{1F07ACF5-96D4-4BB6-B0A8-48BFF323F040}" dt="2022-05-31T23:22:18.709" v="8574" actId="1076"/>
+          <ac:chgData name="Ольга Платонова" userId="b7a68a3ec46e1b54" providerId="LiveId" clId="{1F07ACF5-96D4-4BB6-B0A8-48BFF323F040}" dt="2022-06-01T17:26:41.055" v="8630" actId="1076"/>
           <ac:spMkLst>
             <pc:docMk/>
             <pc:sldMk cId="60974364" sldId="268"/>
@@ -1096,7 +1057,7 @@
           </ac:graphicFrameMkLst>
         </pc:graphicFrameChg>
         <pc:graphicFrameChg chg="mod ord">
-          <ac:chgData name="Ольга Платонова" userId="b7a68a3ec46e1b54" providerId="LiveId" clId="{1F07ACF5-96D4-4BB6-B0A8-48BFF323F040}" dt="2022-05-31T23:18:20.050" v="8481" actId="14100"/>
+          <ac:chgData name="Ольга Платонова" userId="b7a68a3ec46e1b54" providerId="LiveId" clId="{1F07ACF5-96D4-4BB6-B0A8-48BFF323F040}" dt="2022-06-01T17:26:36.977" v="8629" actId="1076"/>
           <ac:graphicFrameMkLst>
             <pc:docMk/>
             <pc:sldMk cId="60974364" sldId="268"/>
@@ -1911,6 +1872,45 @@
             <ac:picMk id="7" creationId="{72D8108E-E744-A31B-C515-4C9A34EF76D5}"/>
           </ac:picMkLst>
         </pc:picChg>
+      </pc:sldChg>
+    </pc:docChg>
+  </pc:docChgLst>
+  <pc:docChgLst>
+    <pc:chgData name="Ольга Платонова" userId="b7a68a3ec46e1b54" providerId="LiveId" clId="{69C37FF1-3A42-438E-A961-1DE13AE723BC}"/>
+    <pc:docChg chg="undo custSel modSld">
+      <pc:chgData name="Ольга Платонова" userId="b7a68a3ec46e1b54" providerId="LiveId" clId="{69C37FF1-3A42-438E-A961-1DE13AE723BC}" dt="2022-04-03T09:45:50.826" v="12" actId="13822"/>
+      <pc:docMkLst>
+        <pc:docMk/>
+      </pc:docMkLst>
+      <pc:sldChg chg="modSp mod">
+        <pc:chgData name="Ольга Платонова" userId="b7a68a3ec46e1b54" providerId="LiveId" clId="{69C37FF1-3A42-438E-A961-1DE13AE723BC}" dt="2022-04-03T09:42:32.286" v="1" actId="20577"/>
+        <pc:sldMkLst>
+          <pc:docMk/>
+          <pc:sldMk cId="906348732" sldId="256"/>
+        </pc:sldMkLst>
+        <pc:spChg chg="mod">
+          <ac:chgData name="Ольга Платонова" userId="b7a68a3ec46e1b54" providerId="LiveId" clId="{69C37FF1-3A42-438E-A961-1DE13AE723BC}" dt="2022-04-03T09:42:32.286" v="1" actId="20577"/>
+          <ac:spMkLst>
+            <pc:docMk/>
+            <pc:sldMk cId="906348732" sldId="256"/>
+            <ac:spMk id="3" creationId="{00000000-0000-0000-0000-000000000000}"/>
+          </ac:spMkLst>
+        </pc:spChg>
+      </pc:sldChg>
+      <pc:sldChg chg="modSp mod addCm delCm">
+        <pc:chgData name="Ольга Платонова" userId="b7a68a3ec46e1b54" providerId="LiveId" clId="{69C37FF1-3A42-438E-A961-1DE13AE723BC}" dt="2022-04-03T09:45:50.826" v="12" actId="13822"/>
+        <pc:sldMkLst>
+          <pc:docMk/>
+          <pc:sldMk cId="3963753601" sldId="262"/>
+        </pc:sldMkLst>
+        <pc:graphicFrameChg chg="mod">
+          <ac:chgData name="Ольга Платонова" userId="b7a68a3ec46e1b54" providerId="LiveId" clId="{69C37FF1-3A42-438E-A961-1DE13AE723BC}" dt="2022-04-03T09:45:50.826" v="12" actId="13822"/>
+          <ac:graphicFrameMkLst>
+            <pc:docMk/>
+            <pc:sldMk cId="3963753601" sldId="262"/>
+            <ac:graphicFrameMk id="5" creationId="{00000000-0000-0000-0000-000000000000}"/>
+          </ac:graphicFrameMkLst>
+        </pc:graphicFrameChg>
       </pc:sldChg>
     </pc:docChg>
   </pc:docChgLst>
@@ -8349,13 +8349,13 @@
           <p:nvPr>
             <p:extLst>
               <p:ext uri="{D42A27DB-BD31-4B8C-83A1-F6EECF244321}">
-                <p14:modId xmlns:p14="http://schemas.microsoft.com/office/powerpoint/2010/main" val="4246946906"/>
+                <p14:modId xmlns:p14="http://schemas.microsoft.com/office/powerpoint/2010/main" val="3570149663"/>
               </p:ext>
             </p:extLst>
           </p:nvPr>
         </p:nvGraphicFramePr>
         <p:xfrm>
-          <a:off x="838200" y="1896408"/>
+          <a:off x="847165" y="2039844"/>
           <a:ext cx="6602506" cy="4136839"/>
         </p:xfrm>
         <a:graphic>
@@ -8504,13 +8504,13 @@
           <p:nvPr>
             <p:extLst>
               <p:ext uri="{D42A27DB-BD31-4B8C-83A1-F6EECF244321}">
-                <p14:modId xmlns:p14="http://schemas.microsoft.com/office/powerpoint/2010/main" val="2251302628"/>
+                <p14:modId xmlns:p14="http://schemas.microsoft.com/office/powerpoint/2010/main" val="463903785"/>
               </p:ext>
             </p:extLst>
           </p:nvPr>
         </p:nvGraphicFramePr>
         <p:xfrm>
-          <a:off x="838200" y="2071027"/>
+          <a:off x="838200" y="1989747"/>
           <a:ext cx="6832600" cy="4285323"/>
         </p:xfrm>
         <a:graphic>
@@ -8606,7 +8606,7 @@
         </p:nvSpPr>
         <p:spPr>
           <a:xfrm>
-            <a:off x="7908365" y="3423354"/>
+            <a:off x="7917330" y="3369566"/>
             <a:ext cx="3825240" cy="1200329"/>
           </a:xfrm>
           <a:prstGeom prst="rect">

--- a/Презентация.pptx
+++ b/Презентация.pptx
@@ -152,7 +152,7 @@
   <pc:docChgLst>
     <pc:chgData name="Ольга Платонова" userId="b7a68a3ec46e1b54" providerId="LiveId" clId="{1F07ACF5-96D4-4BB6-B0A8-48BFF323F040}"/>
     <pc:docChg chg="undo redo custSel addSld delSld modSld sldOrd">
-      <pc:chgData name="Ольга Платонова" userId="b7a68a3ec46e1b54" providerId="LiveId" clId="{1F07ACF5-96D4-4BB6-B0A8-48BFF323F040}" dt="2022-06-01T17:26:46.887" v="8631" actId="1076"/>
+      <pc:chgData name="Ольга Платонова" userId="b7a68a3ec46e1b54" providerId="LiveId" clId="{1F07ACF5-96D4-4BB6-B0A8-48BFF323F040}" dt="2022-06-02T11:37:50.550" v="8633" actId="167"/>
       <pc:docMkLst>
         <pc:docMk/>
       </pc:docMkLst>
@@ -677,7 +677,7 @@
         </pc:picChg>
       </pc:sldChg>
       <pc:sldChg chg="addSp delSp modSp mod addCm">
-        <pc:chgData name="Ольга Платонова" userId="b7a68a3ec46e1b54" providerId="LiveId" clId="{1F07ACF5-96D4-4BB6-B0A8-48BFF323F040}" dt="2022-06-01T00:11:50.906" v="8628" actId="20577"/>
+        <pc:chgData name="Ольга Платонова" userId="b7a68a3ec46e1b54" providerId="LiveId" clId="{1F07ACF5-96D4-4BB6-B0A8-48BFF323F040}" dt="2022-06-02T11:37:50.550" v="8633" actId="167"/>
         <pc:sldMkLst>
           <pc:docMk/>
           <pc:sldMk cId="2402547047" sldId="266"/>
@@ -810,8 +810,8 @@
             <ac:picMk id="6" creationId="{B3FD275C-7C05-EAB3-EB8F-97EE49ADA3BE}"/>
           </ac:picMkLst>
         </pc:picChg>
-        <pc:picChg chg="add mod">
-          <ac:chgData name="Ольга Платонова" userId="b7a68a3ec46e1b54" providerId="LiveId" clId="{1F07ACF5-96D4-4BB6-B0A8-48BFF323F040}" dt="2022-06-01T00:11:42.400" v="8610" actId="1076"/>
+        <pc:picChg chg="add mod ord">
+          <ac:chgData name="Ольга Платонова" userId="b7a68a3ec46e1b54" providerId="LiveId" clId="{1F07ACF5-96D4-4BB6-B0A8-48BFF323F040}" dt="2022-06-02T11:37:50.550" v="8633" actId="167"/>
           <ac:picMkLst>
             <pc:docMk/>
             <pc:sldMk cId="2402547047" sldId="266"/>
@@ -995,13 +995,13 @@
         </pc:graphicFrameChg>
       </pc:sldChg>
       <pc:sldChg chg="addSp delSp modSp mod addCm">
-        <pc:chgData name="Ольга Платонова" userId="b7a68a3ec46e1b54" providerId="LiveId" clId="{1F07ACF5-96D4-4BB6-B0A8-48BFF323F040}" dt="2022-06-01T17:26:41.055" v="8630" actId="1076"/>
+        <pc:chgData name="Ольга Платонова" userId="b7a68a3ec46e1b54" providerId="LiveId" clId="{1F07ACF5-96D4-4BB6-B0A8-48BFF323F040}" dt="2022-06-02T11:28:43.232" v="8632" actId="1076"/>
         <pc:sldMkLst>
           <pc:docMk/>
           <pc:sldMk cId="60974364" sldId="268"/>
         </pc:sldMkLst>
         <pc:spChg chg="mod">
-          <ac:chgData name="Ольга Платонова" userId="b7a68a3ec46e1b54" providerId="LiveId" clId="{1F07ACF5-96D4-4BB6-B0A8-48BFF323F040}" dt="2022-05-31T08:44:32.651" v="7622" actId="20577"/>
+          <ac:chgData name="Ольга Платонова" userId="b7a68a3ec46e1b54" providerId="LiveId" clId="{1F07ACF5-96D4-4BB6-B0A8-48BFF323F040}" dt="2022-06-02T11:28:43.232" v="8632" actId="1076"/>
           <ac:spMkLst>
             <pc:docMk/>
             <pc:sldMk cId="60974364" sldId="268"/>
@@ -4801,7 +4801,7 @@
           <a:p>
             <a:fld id="{4A87FC3E-9964-4802-A7E8-1BB771D21BF3}" type="datetimeFigureOut">
               <a:rPr lang="ru-RU" smtClean="0"/>
-              <a:t>01.06.2022</a:t>
+              <a:t>02.06.2022</a:t>
             </a:fld>
             <a:endParaRPr lang="ru-RU" dirty="0"/>
           </a:p>
@@ -5281,7 +5281,7 @@
           <a:p>
             <a:fld id="{09755BBC-352B-460A-88C9-AADF2C9512EA}" type="datetime1">
               <a:rPr lang="ru-RU" smtClean="0"/>
-              <a:t>01.06.2022</a:t>
+              <a:t>02.06.2022</a:t>
             </a:fld>
             <a:endParaRPr lang="ru-RU" dirty="0"/>
           </a:p>
@@ -5449,7 +5449,7 @@
           <a:p>
             <a:fld id="{8296244F-19EA-411C-8075-D4DD5363EB01}" type="datetime1">
               <a:rPr lang="ru-RU" smtClean="0"/>
-              <a:t>01.06.2022</a:t>
+              <a:t>02.06.2022</a:t>
             </a:fld>
             <a:endParaRPr lang="ru-RU" dirty="0"/>
           </a:p>
@@ -5627,7 +5627,7 @@
           <a:p>
             <a:fld id="{84BB638D-B868-4FAE-A4AF-C8834DEF2F16}" type="datetime1">
               <a:rPr lang="ru-RU" smtClean="0"/>
-              <a:t>01.06.2022</a:t>
+              <a:t>02.06.2022</a:t>
             </a:fld>
             <a:endParaRPr lang="ru-RU" dirty="0"/>
           </a:p>
@@ -5795,7 +5795,7 @@
           <a:p>
             <a:fld id="{E867F41D-6C90-48B2-BB24-7DBF25713345}" type="datetime1">
               <a:rPr lang="ru-RU" smtClean="0"/>
-              <a:t>01.06.2022</a:t>
+              <a:t>02.06.2022</a:t>
             </a:fld>
             <a:endParaRPr lang="ru-RU" dirty="0"/>
           </a:p>
@@ -6040,7 +6040,7 @@
           <a:p>
             <a:fld id="{CC2C4912-257E-4B84-92B5-E1056AC81F3B}" type="datetime1">
               <a:rPr lang="ru-RU" smtClean="0"/>
-              <a:t>01.06.2022</a:t>
+              <a:t>02.06.2022</a:t>
             </a:fld>
             <a:endParaRPr lang="ru-RU" dirty="0"/>
           </a:p>
@@ -6269,7 +6269,7 @@
           <a:p>
             <a:fld id="{D6CEEFAB-2744-489F-9F34-AD68C1802ABB}" type="datetime1">
               <a:rPr lang="ru-RU" smtClean="0"/>
-              <a:t>01.06.2022</a:t>
+              <a:t>02.06.2022</a:t>
             </a:fld>
             <a:endParaRPr lang="ru-RU" dirty="0"/>
           </a:p>
@@ -6633,7 +6633,7 @@
           <a:p>
             <a:fld id="{F4C8D58E-CA22-4DBD-9D4F-D49D20C57869}" type="datetime1">
               <a:rPr lang="ru-RU" smtClean="0"/>
-              <a:t>01.06.2022</a:t>
+              <a:t>02.06.2022</a:t>
             </a:fld>
             <a:endParaRPr lang="ru-RU" dirty="0"/>
           </a:p>
@@ -6750,7 +6750,7 @@
           <a:p>
             <a:fld id="{16461FB2-18D8-4BB8-B792-34F36A1A6923}" type="datetime1">
               <a:rPr lang="ru-RU" smtClean="0"/>
-              <a:t>01.06.2022</a:t>
+              <a:t>02.06.2022</a:t>
             </a:fld>
             <a:endParaRPr lang="ru-RU" dirty="0"/>
           </a:p>
@@ -6845,7 +6845,7 @@
           <a:p>
             <a:fld id="{38099296-536C-461B-BEB7-1B812F69AC83}" type="datetime1">
               <a:rPr lang="ru-RU" smtClean="0"/>
-              <a:t>01.06.2022</a:t>
+              <a:t>02.06.2022</a:t>
             </a:fld>
             <a:endParaRPr lang="ru-RU" dirty="0"/>
           </a:p>
@@ -7120,7 +7120,7 @@
           <a:p>
             <a:fld id="{DD7EBC7E-964D-4409-AE41-3B38B4F15B2A}" type="datetime1">
               <a:rPr lang="ru-RU" smtClean="0"/>
-              <a:t>01.06.2022</a:t>
+              <a:t>02.06.2022</a:t>
             </a:fld>
             <a:endParaRPr lang="ru-RU" dirty="0"/>
           </a:p>
@@ -7372,7 +7372,7 @@
           <a:p>
             <a:fld id="{6623BFA2-B670-4B07-B542-231AD8CFA160}" type="datetime1">
               <a:rPr lang="ru-RU" smtClean="0"/>
-              <a:t>01.06.2022</a:t>
+              <a:t>02.06.2022</a:t>
             </a:fld>
             <a:endParaRPr lang="ru-RU" dirty="0"/>
           </a:p>
@@ -7583,7 +7583,7 @@
           <a:p>
             <a:fld id="{4222C596-8B8E-4DE0-A295-CA79CEF991CE}" type="datetime1">
               <a:rPr lang="ru-RU" smtClean="0"/>
-              <a:t>01.06.2022</a:t>
+              <a:t>02.06.2022</a:t>
             </a:fld>
             <a:endParaRPr lang="ru-RU" dirty="0"/>
           </a:p>
@@ -8537,7 +8537,7 @@
         </p:nvSpPr>
         <p:spPr>
           <a:xfrm>
-            <a:off x="757518" y="257549"/>
+            <a:off x="727700" y="257548"/>
             <a:ext cx="11147612" cy="1325563"/>
           </a:xfrm>
         </p:spPr>
@@ -13666,6 +13666,42 @@
           <a:chExt cx="0" cy="0"/>
         </a:xfrm>
       </p:grpSpPr>
+      <p:pic>
+        <p:nvPicPr>
+          <p:cNvPr id="6" name="Рисунок 5">
+            <a:extLst>
+              <a:ext uri="{FF2B5EF4-FFF2-40B4-BE49-F238E27FC236}">
+                <a16:creationId xmlns:a16="http://schemas.microsoft.com/office/drawing/2014/main" id="{CFE53CAF-5112-A0C9-32B3-0C7F34630D1A}"/>
+              </a:ext>
+            </a:extLst>
+          </p:cNvPr>
+          <p:cNvPicPr>
+            <a:picLocks noChangeAspect="1"/>
+          </p:cNvPicPr>
+          <p:nvPr/>
+        </p:nvPicPr>
+        <p:blipFill>
+          <a:blip r:embed="rId3" cstate="print">
+            <a:extLst>
+              <a:ext uri="{28A0092B-C50C-407E-A947-70E740481C1C}">
+                <a14:useLocalDpi xmlns:a14="http://schemas.microsoft.com/office/drawing/2010/main" val="0"/>
+              </a:ext>
+            </a:extLst>
+          </a:blip>
+          <a:stretch>
+            <a:fillRect/>
+          </a:stretch>
+        </p:blipFill>
+        <p:spPr>
+          <a:xfrm>
+            <a:off x="7395883" y="2109734"/>
+            <a:ext cx="3957916" cy="4536186"/>
+          </a:xfrm>
+          <a:prstGeom prst="rect">
+            <a:avLst/>
+          </a:prstGeom>
+        </p:spPr>
+      </p:pic>
       <p:sp>
         <p:nvSpPr>
           <p:cNvPr id="2" name="Заголовок 1"/>
@@ -13824,7 +13860,7 @@
           <p:nvPr/>
         </p:nvPicPr>
         <p:blipFill>
-          <a:blip r:embed="rId3" cstate="print">
+          <a:blip r:embed="rId4" cstate="print">
             <a:extLst>
               <a:ext uri="{28A0092B-C50C-407E-A947-70E740481C1C}">
                 <a14:useLocalDpi xmlns:a14="http://schemas.microsoft.com/office/drawing/2010/main" val="0"/>
@@ -13839,42 +13875,6 @@
           <a:xfrm>
             <a:off x="261126" y="2109733"/>
             <a:ext cx="6264402" cy="4536186"/>
-          </a:xfrm>
-          <a:prstGeom prst="rect">
-            <a:avLst/>
-          </a:prstGeom>
-        </p:spPr>
-      </p:pic>
-      <p:pic>
-        <p:nvPicPr>
-          <p:cNvPr id="6" name="Рисунок 5">
-            <a:extLst>
-              <a:ext uri="{FF2B5EF4-FFF2-40B4-BE49-F238E27FC236}">
-                <a16:creationId xmlns:a16="http://schemas.microsoft.com/office/drawing/2014/main" id="{CFE53CAF-5112-A0C9-32B3-0C7F34630D1A}"/>
-              </a:ext>
-            </a:extLst>
-          </p:cNvPr>
-          <p:cNvPicPr>
-            <a:picLocks noChangeAspect="1"/>
-          </p:cNvPicPr>
-          <p:nvPr/>
-        </p:nvPicPr>
-        <p:blipFill>
-          <a:blip r:embed="rId4" cstate="print">
-            <a:extLst>
-              <a:ext uri="{28A0092B-C50C-407E-A947-70E740481C1C}">
-                <a14:useLocalDpi xmlns:a14="http://schemas.microsoft.com/office/drawing/2010/main" val="0"/>
-              </a:ext>
-            </a:extLst>
-          </a:blip>
-          <a:stretch>
-            <a:fillRect/>
-          </a:stretch>
-        </p:blipFill>
-        <p:spPr>
-          <a:xfrm>
-            <a:off x="7395883" y="2109734"/>
-            <a:ext cx="3957916" cy="4536186"/>
           </a:xfrm>
           <a:prstGeom prst="rect">
             <a:avLst/>
